--- a/trunk/docs/MEKON-HOBO Introductory Tutorial.pptx
+++ b/trunk/docs/MEKON-HOBO Introductory Tutorial.pptx
@@ -25,6 +25,8 @@
     <p:sldId id="284" r:id="rId19"/>
     <p:sldId id="277" r:id="rId20"/>
     <p:sldId id="273" r:id="rId21"/>
+    <p:sldId id="286" r:id="rId22"/>
+    <p:sldId id="287" r:id="rId23"/>
   </p:sldIdLst>
   <p:sldSz cx="9144000" cy="6858000" type="screen4x3"/>
   <p:notesSz cx="6858000" cy="9144000"/>
@@ -308,7 +310,7 @@
             <a:fld id="{91893DBC-7519-4EA7-8165-AFD94A974DB8}" type="datetimeFigureOut">
               <a:rPr lang="en-GB" smtClean="0"/>
               <a:pPr/>
-              <a:t>30/09/2014</a:t>
+              <a:t>01/10/2014</a:t>
             </a:fld>
             <a:endParaRPr lang="en-GB"/>
           </a:p>
@@ -475,7 +477,7 @@
             <a:fld id="{91893DBC-7519-4EA7-8165-AFD94A974DB8}" type="datetimeFigureOut">
               <a:rPr lang="en-GB" smtClean="0"/>
               <a:pPr/>
-              <a:t>30/09/2014</a:t>
+              <a:t>01/10/2014</a:t>
             </a:fld>
             <a:endParaRPr lang="en-GB"/>
           </a:p>
@@ -652,7 +654,7 @@
             <a:fld id="{91893DBC-7519-4EA7-8165-AFD94A974DB8}" type="datetimeFigureOut">
               <a:rPr lang="en-GB" smtClean="0"/>
               <a:pPr/>
-              <a:t>30/09/2014</a:t>
+              <a:t>01/10/2014</a:t>
             </a:fld>
             <a:endParaRPr lang="en-GB"/>
           </a:p>
@@ -819,7 +821,7 @@
             <a:fld id="{91893DBC-7519-4EA7-8165-AFD94A974DB8}" type="datetimeFigureOut">
               <a:rPr lang="en-GB" smtClean="0"/>
               <a:pPr/>
-              <a:t>30/09/2014</a:t>
+              <a:t>01/10/2014</a:t>
             </a:fld>
             <a:endParaRPr lang="en-GB"/>
           </a:p>
@@ -1062,7 +1064,7 @@
             <a:fld id="{91893DBC-7519-4EA7-8165-AFD94A974DB8}" type="datetimeFigureOut">
               <a:rPr lang="en-GB" smtClean="0"/>
               <a:pPr/>
-              <a:t>30/09/2014</a:t>
+              <a:t>01/10/2014</a:t>
             </a:fld>
             <a:endParaRPr lang="en-GB"/>
           </a:p>
@@ -1347,7 +1349,7 @@
             <a:fld id="{91893DBC-7519-4EA7-8165-AFD94A974DB8}" type="datetimeFigureOut">
               <a:rPr lang="en-GB" smtClean="0"/>
               <a:pPr/>
-              <a:t>30/09/2014</a:t>
+              <a:t>01/10/2014</a:t>
             </a:fld>
             <a:endParaRPr lang="en-GB"/>
           </a:p>
@@ -1766,7 +1768,7 @@
             <a:fld id="{91893DBC-7519-4EA7-8165-AFD94A974DB8}" type="datetimeFigureOut">
               <a:rPr lang="en-GB" smtClean="0"/>
               <a:pPr/>
-              <a:t>30/09/2014</a:t>
+              <a:t>01/10/2014</a:t>
             </a:fld>
             <a:endParaRPr lang="en-GB"/>
           </a:p>
@@ -1881,7 +1883,7 @@
             <a:fld id="{91893DBC-7519-4EA7-8165-AFD94A974DB8}" type="datetimeFigureOut">
               <a:rPr lang="en-GB" smtClean="0"/>
               <a:pPr/>
-              <a:t>30/09/2014</a:t>
+              <a:t>01/10/2014</a:t>
             </a:fld>
             <a:endParaRPr lang="en-GB"/>
           </a:p>
@@ -1973,7 +1975,7 @@
             <a:fld id="{91893DBC-7519-4EA7-8165-AFD94A974DB8}" type="datetimeFigureOut">
               <a:rPr lang="en-GB" smtClean="0"/>
               <a:pPr/>
-              <a:t>30/09/2014</a:t>
+              <a:t>01/10/2014</a:t>
             </a:fld>
             <a:endParaRPr lang="en-GB"/>
           </a:p>
@@ -2247,7 +2249,7 @@
             <a:fld id="{91893DBC-7519-4EA7-8165-AFD94A974DB8}" type="datetimeFigureOut">
               <a:rPr lang="en-GB" smtClean="0"/>
               <a:pPr/>
-              <a:t>30/09/2014</a:t>
+              <a:t>01/10/2014</a:t>
             </a:fld>
             <a:endParaRPr lang="en-GB"/>
           </a:p>
@@ -2497,7 +2499,7 @@
             <a:fld id="{91893DBC-7519-4EA7-8165-AFD94A974DB8}" type="datetimeFigureOut">
               <a:rPr lang="en-GB" smtClean="0"/>
               <a:pPr/>
-              <a:t>30/09/2014</a:t>
+              <a:t>01/10/2014</a:t>
             </a:fld>
             <a:endParaRPr lang="en-GB"/>
           </a:p>
@@ -2707,7 +2709,7 @@
             <a:fld id="{91893DBC-7519-4EA7-8165-AFD94A974DB8}" type="datetimeFigureOut">
               <a:rPr lang="en-GB" smtClean="0"/>
               <a:pPr/>
-              <a:t>30/09/2014</a:t>
+              <a:t>01/10/2014</a:t>
             </a:fld>
             <a:endParaRPr lang="en-GB"/>
           </a:p>
@@ -3164,7 +3166,7 @@
         </p:blipFill>
         <p:spPr bwMode="auto">
           <a:xfrm>
-            <a:off x="395536" y="332656"/>
+            <a:off x="251520" y="260648"/>
             <a:ext cx="5540502" cy="4450842"/>
           </a:xfrm>
           <a:prstGeom prst="rect">
@@ -3187,7 +3189,7 @@
         </p:nvSpPr>
         <p:spPr>
           <a:xfrm>
-            <a:off x="3491880" y="476672"/>
+            <a:off x="3563888" y="692696"/>
             <a:ext cx="5184576" cy="5786199"/>
           </a:xfrm>
           <a:prstGeom prst="rect">
@@ -3222,39 +3224,11 @@
           <a:p>
             <a:r>
               <a:rPr lang="en-GB" sz="1600" b="1" dirty="0" smtClean="0"/>
-              <a:t>Model </a:t>
-            </a:r>
-            <a:r>
-              <a:rPr lang="en-GB" sz="1600" b="1" dirty="0" smtClean="0"/>
-              <a:t>Building: </a:t>
+              <a:t>Model Building: </a:t>
             </a:r>
             <a:r>
               <a:rPr lang="en-GB" sz="1600" dirty="0" smtClean="0"/>
-              <a:t>Basic MEKON frames models </a:t>
-            </a:r>
-            <a:r>
-              <a:rPr lang="en-GB" sz="1600" dirty="0" smtClean="0"/>
-              <a:t>are derived entirely from one or more external sources, typically </a:t>
-            </a:r>
-            <a:r>
-              <a:rPr lang="en-GB" sz="1600" dirty="0" smtClean="0"/>
-              <a:t>of </a:t>
-            </a:r>
-            <a:r>
-              <a:rPr lang="en-GB" sz="1600" dirty="0" smtClean="0"/>
-              <a:t>an ontology like </a:t>
-            </a:r>
-            <a:r>
-              <a:rPr lang="en-GB" sz="1600" dirty="0" smtClean="0"/>
-              <a:t>nature. This contrasts to hybrid HOBO/</a:t>
-            </a:r>
-            <a:r>
-              <a:rPr lang="en-GB" sz="1600" dirty="0" smtClean="0"/>
-              <a:t> MEKON</a:t>
-            </a:r>
-            <a:r>
-              <a:rPr lang="en-GB" sz="1600" dirty="0" smtClean="0"/>
-              <a:t> models in which part of the frames model is derived from a HOBO-based object model.</a:t>
+              <a:t>Basic MEKON frames models are derived entirely from one or more external sources, typically of an ontology like nature. This contrasts to hybrid HOBO/ MEKON models in which part of the frames model is derived from a HOBO-based object model.</a:t>
             </a:r>
           </a:p>
           <a:p>
@@ -3273,23 +3247,8 @@
               <a:rPr lang="en-GB" sz="1600" dirty="0" smtClean="0">
                 <a:cs typeface="Courier New" pitchFamily="49" charset="0"/>
               </a:rPr>
-              <a:t>In the case of the demo model, the basic version of the model is built </a:t>
-            </a:r>
-            <a:r>
-              <a:rPr lang="en-GB" sz="1600" dirty="0" smtClean="0">
-                <a:cs typeface="Courier New" pitchFamily="49" charset="0"/>
-              </a:rPr>
-              <a:t>from an OWL ontology </a:t>
-            </a:r>
-            <a:r>
-              <a:rPr lang="en-GB" sz="1600" dirty="0" smtClean="0">
-                <a:cs typeface="Courier New" pitchFamily="49" charset="0"/>
-              </a:rPr>
-              <a:t>by the standard plug-in. This plug-in uses some fairly obvious mappings, such as:</a:t>
-            </a:r>
-            <a:endParaRPr lang="en-GB" sz="1600" dirty="0" smtClean="0">
-              <a:cs typeface="Courier New" pitchFamily="49" charset="0"/>
-            </a:endParaRPr>
+              <a:t>In the case of the demo model, the basic version of the model is built from an OWL ontology by the standard plug-in. This plug-in uses some fairly obvious mappings, such as:</a:t>
+            </a:r>
           </a:p>
           <a:p>
             <a:pPr marL="457200" indent="-457200">
@@ -3365,19 +3324,7 @@
               <a:rPr lang="en-GB" sz="1600" dirty="0" smtClean="0">
                 <a:cs typeface="Courier New" pitchFamily="49" charset="0"/>
               </a:rPr>
-              <a:t>plug-in(s), and any required reasoning plug-ins to be attached (such as the </a:t>
-            </a:r>
-            <a:r>
-              <a:rPr lang="en-GB" sz="1600" dirty="0" smtClean="0">
-                <a:cs typeface="Courier New" pitchFamily="49" charset="0"/>
-              </a:rPr>
-              <a:t>MEKON-OWL </a:t>
-            </a:r>
-            <a:r>
-              <a:rPr lang="en-GB" sz="1600" dirty="0" smtClean="0">
-                <a:cs typeface="Courier New" pitchFamily="49" charset="0"/>
-              </a:rPr>
-              <a:t>reasoning plug-in), and providing the required configuration information for each.</a:t>
+              <a:t>plug-in(s), and any required reasoning plug-ins to be attached (such as the MEKON-OWL reasoning plug-in), and providing the required configuration information for each.</a:t>
             </a:r>
           </a:p>
           <a:p>
@@ -3451,7 +3398,7 @@
         </p:blipFill>
         <p:spPr bwMode="auto">
           <a:xfrm>
-            <a:off x="467544" y="404664"/>
+            <a:off x="251520" y="260648"/>
             <a:ext cx="5540502" cy="4450842"/>
           </a:xfrm>
           <a:prstGeom prst="rect">
@@ -3474,7 +3421,7 @@
         </p:nvSpPr>
         <p:spPr>
           <a:xfrm>
-            <a:off x="3851920" y="1988840"/>
+            <a:off x="3851920" y="1772816"/>
             <a:ext cx="4968552" cy="1600438"/>
           </a:xfrm>
           <a:prstGeom prst="rect">
@@ -3511,13 +3458,8 @@
             </a:pPr>
             <a:r>
               <a:rPr lang="en-GB" sz="1600" dirty="0" smtClean="0"/>
-              <a:t>Select various C-Frames in LH panel, including some with </a:t>
-            </a:r>
-            <a:r>
-              <a:rPr lang="en-GB" sz="1600" dirty="0" smtClean="0"/>
-              <a:t>sub-frames</a:t>
-            </a:r>
-            <a:endParaRPr lang="en-GB" sz="1600" dirty="0" smtClean="0"/>
+              <a:t>Select various C-Frames in LH panel, including some with sub-frames</a:t>
+            </a:r>
           </a:p>
           <a:p>
             <a:pPr marL="457200" indent="-457200">
@@ -3559,7 +3501,7 @@
         </p:nvSpPr>
         <p:spPr>
           <a:xfrm>
-            <a:off x="1475656" y="5013176"/>
+            <a:off x="2627784" y="5013176"/>
             <a:ext cx="4896544" cy="1600438"/>
           </a:xfrm>
           <a:prstGeom prst="rect">
@@ -3595,15 +3537,7 @@
             </a:pPr>
             <a:r>
               <a:rPr lang="en-GB" sz="1600" dirty="0" smtClean="0"/>
-              <a:t>Details of selected C-Frames appear in RH panel (to be explained in </a:t>
-            </a:r>
-            <a:r>
-              <a:rPr lang="en-GB" sz="1600" dirty="0" smtClean="0"/>
-              <a:t>subsequent slides</a:t>
-            </a:r>
-            <a:r>
-              <a:rPr lang="en-GB" sz="1600" dirty="0" smtClean="0"/>
-              <a:t>)</a:t>
+              <a:t>Details of selected C-Frames appear in RH panel (to be explained in subsequent slides)</a:t>
             </a:r>
           </a:p>
           <a:p>
@@ -3667,7 +3601,7 @@
         </p:blipFill>
         <p:spPr bwMode="auto">
           <a:xfrm>
-            <a:off x="467544" y="404664"/>
+            <a:off x="251520" y="260648"/>
             <a:ext cx="5540502" cy="4450842"/>
           </a:xfrm>
           <a:prstGeom prst="rect">
@@ -3690,7 +3624,7 @@
         </p:nvSpPr>
         <p:spPr>
           <a:xfrm>
-            <a:off x="5220072" y="1988840"/>
+            <a:off x="5004048" y="1916832"/>
             <a:ext cx="3096344" cy="861774"/>
           </a:xfrm>
           <a:prstGeom prst="rect">
@@ -3779,11 +3713,7 @@
           <a:p>
             <a:r>
               <a:rPr lang="en-GB" sz="1600" dirty="0" smtClean="0"/>
-              <a:t>Details </a:t>
-            </a:r>
-            <a:r>
-              <a:rPr lang="en-GB" sz="1600" dirty="0" smtClean="0"/>
-              <a:t>of </a:t>
+              <a:t>Details of </a:t>
             </a:r>
             <a:r>
               <a:rPr lang="en-GB" sz="1600" dirty="0" smtClean="0">
@@ -4106,7 +4036,7 @@
         </p:blipFill>
         <p:spPr bwMode="auto">
           <a:xfrm>
-            <a:off x="467544" y="404664"/>
+            <a:off x="251520" y="260648"/>
             <a:ext cx="5540502" cy="4450842"/>
           </a:xfrm>
           <a:prstGeom prst="rect">
@@ -4129,8 +4059,8 @@
         </p:nvSpPr>
         <p:spPr>
           <a:xfrm>
-            <a:off x="4716016" y="260648"/>
-            <a:ext cx="4176464" cy="6278642"/>
+            <a:off x="4283968" y="476672"/>
+            <a:ext cx="4536504" cy="6032421"/>
           </a:xfrm>
           <a:prstGeom prst="rect">
             <a:avLst/>
@@ -4170,31 +4100,7 @@
               <a:rPr lang="en-GB" sz="1600" dirty="0" smtClean="0">
                 <a:cs typeface="Courier New" pitchFamily="49" charset="0"/>
               </a:rPr>
-              <a:t>Each </a:t>
-            </a:r>
-            <a:r>
-              <a:rPr lang="en-GB" sz="1600" dirty="0" smtClean="0">
-                <a:cs typeface="Courier New" pitchFamily="49" charset="0"/>
-              </a:rPr>
-              <a:t>C-Slot provides a value-type, which defines the valid values for the instantiating </a:t>
-            </a:r>
-            <a:r>
-              <a:rPr lang="en-GB" sz="1600" dirty="0" smtClean="0">
-                <a:cs typeface="Courier New" pitchFamily="49" charset="0"/>
-              </a:rPr>
-              <a:t>I-Slots. Value-types </a:t>
-            </a:r>
-            <a:r>
-              <a:rPr lang="en-GB" sz="1600" dirty="0" smtClean="0">
-                <a:cs typeface="Courier New" pitchFamily="49" charset="0"/>
-              </a:rPr>
-              <a:t>are represented via entities from the level above that of the values that I-Slot will </a:t>
-            </a:r>
-            <a:r>
-              <a:rPr lang="en-GB" sz="1600" dirty="0" smtClean="0">
-                <a:cs typeface="Courier New" pitchFamily="49" charset="0"/>
-              </a:rPr>
-              <a:t>have:</a:t>
+              <a:t>Each C-Slot provides a value-type, which defines the valid values for the instantiating I-Slots. Value-types are represented via entities from the level above that of the values that I-Slot will have:</a:t>
             </a:r>
           </a:p>
           <a:p>
@@ -4209,9 +4115,6 @@
               </a:rPr>
               <a:t>Possible slot value-types are:</a:t>
             </a:r>
-            <a:endParaRPr lang="en-GB" sz="1600" dirty="0" smtClean="0">
-              <a:cs typeface="Courier New" pitchFamily="49" charset="0"/>
-            </a:endParaRPr>
           </a:p>
           <a:p>
             <a:pPr marL="457200" indent="-457200">
@@ -4264,13 +4167,7 @@
               <a:rPr lang="en-GB" sz="1600" dirty="0" smtClean="0">
                 <a:cs typeface="Courier New" pitchFamily="49" charset="0"/>
               </a:rPr>
-              <a:t>Defines I-Number-valued </a:t>
-            </a:r>
-            <a:r>
-              <a:rPr lang="en-GB" sz="1600" dirty="0" smtClean="0">
-                <a:cs typeface="Courier New" pitchFamily="49" charset="0"/>
-              </a:rPr>
-              <a:t>I-Slot</a:t>
+              <a:t>Defines I-Number-valued I-Slot</a:t>
             </a:r>
           </a:p>
           <a:p>
@@ -4288,48 +4185,21 @@
               <a:rPr lang="en-GB" sz="1600" dirty="0" smtClean="0">
                 <a:cs typeface="Courier New" pitchFamily="49" charset="0"/>
               </a:rPr>
-              <a:t>A </a:t>
-            </a:r>
+              <a:t>A C-Frame can provide sets of “fixed-values” for instantiations of specific C-Slots on either the C-Frame itself or on any of it’s ancestors.</a:t>
+            </a:r>
+          </a:p>
+          <a:p>
+            <a:endParaRPr lang="en-GB" sz="800" dirty="0" smtClean="0">
+              <a:cs typeface="Courier New" pitchFamily="49" charset="0"/>
+            </a:endParaRPr>
+          </a:p>
+          <a:p>
             <a:r>
               <a:rPr lang="en-GB" sz="1600" dirty="0" smtClean="0">
                 <a:cs typeface="Courier New" pitchFamily="49" charset="0"/>
               </a:rPr>
-              <a:t>C-Frame can provide sets of “fixed-values” for instantiations of specific C-Slots on either the C-Frame itself or on any of it’s </a:t>
-            </a:r>
-            <a:r>
-              <a:rPr lang="en-GB" sz="1600" dirty="0" smtClean="0">
-                <a:cs typeface="Courier New" pitchFamily="49" charset="0"/>
-              </a:rPr>
-              <a:t>ancestors.</a:t>
-            </a:r>
-          </a:p>
-          <a:p>
-            <a:endParaRPr lang="en-GB" sz="800" dirty="0" smtClean="0">
-              <a:cs typeface="Courier New" pitchFamily="49" charset="0"/>
-            </a:endParaRPr>
-          </a:p>
-          <a:p>
-            <a:r>
-              <a:rPr lang="en-GB" sz="1600" dirty="0" smtClean="0">
-                <a:cs typeface="Courier New" pitchFamily="49" charset="0"/>
-              </a:rPr>
-              <a:t>When </a:t>
-            </a:r>
-            <a:r>
-              <a:rPr lang="en-GB" sz="1600" dirty="0" smtClean="0">
-                <a:cs typeface="Courier New" pitchFamily="49" charset="0"/>
-              </a:rPr>
-              <a:t>the relevant C-Slots are instantiated, along with the C-Frame, any such values will be automatically added to the instantiating </a:t>
-            </a:r>
-            <a:r>
-              <a:rPr lang="en-GB" sz="1600" dirty="0" smtClean="0">
-                <a:cs typeface="Courier New" pitchFamily="49" charset="0"/>
-              </a:rPr>
-              <a:t>I-Slots.</a:t>
-            </a:r>
-            <a:endParaRPr lang="en-GB" sz="1600" dirty="0" smtClean="0">
-              <a:cs typeface="Courier New" pitchFamily="49" charset="0"/>
-            </a:endParaRPr>
+              <a:t>When the relevant C-Slots are instantiated, along with the C-Frame, any such values will be automatically added to the instantiating I-Slots.</a:t>
+            </a:r>
           </a:p>
           <a:p>
             <a:endParaRPr lang="en-GB" sz="800" dirty="0" smtClean="0">
@@ -4347,19 +4217,7 @@
               <a:rPr lang="en-GB" sz="1600" dirty="0" smtClean="0">
                 <a:cs typeface="Courier New" pitchFamily="49" charset="0"/>
               </a:rPr>
-              <a:t>Fixed-values </a:t>
-            </a:r>
-            <a:r>
-              <a:rPr lang="en-GB" sz="1600" dirty="0" smtClean="0">
-                <a:cs typeface="Courier New" pitchFamily="49" charset="0"/>
-              </a:rPr>
-              <a:t>can only be defined for C-Frame-valued and I-Number-valued slots. They </a:t>
-            </a:r>
-            <a:r>
-              <a:rPr lang="en-GB" sz="1600" dirty="0" smtClean="0">
-                <a:cs typeface="Courier New" pitchFamily="49" charset="0"/>
-              </a:rPr>
-              <a:t>are not applicable to I-Frame-valued slots.</a:t>
+              <a:t>Fixed-values can only be defined for C-Frame-valued and I-Number-valued slots. They are not applicable to I-Frame-valued slots.</a:t>
             </a:r>
           </a:p>
           <a:p>
@@ -4374,9 +4232,6 @@
               </a:rPr>
               <a:t>(See later slides in this section for examples of fixed-values.)</a:t>
             </a:r>
-            <a:endParaRPr lang="en-GB" sz="1600" dirty="0" smtClean="0">
-              <a:cs typeface="Courier New" pitchFamily="49" charset="0"/>
-            </a:endParaRPr>
           </a:p>
         </p:txBody>
       </p:sp>
@@ -4429,7 +4284,7 @@
         </p:blipFill>
         <p:spPr bwMode="auto">
           <a:xfrm>
-            <a:off x="467544" y="404664"/>
+            <a:off x="251520" y="260648"/>
             <a:ext cx="5540502" cy="4450842"/>
           </a:xfrm>
           <a:prstGeom prst="rect">
@@ -4452,7 +4307,7 @@
         </p:nvSpPr>
         <p:spPr>
           <a:xfrm>
-            <a:off x="5364088" y="1556792"/>
+            <a:off x="5220072" y="1556792"/>
             <a:ext cx="3168352" cy="1107996"/>
           </a:xfrm>
           <a:prstGeom prst="rect">
@@ -4485,11 +4340,7 @@
           <a:p>
             <a:r>
               <a:rPr lang="en-GB" sz="1600" dirty="0" smtClean="0"/>
-              <a:t>Recursively </a:t>
-            </a:r>
-            <a:r>
-              <a:rPr lang="en-GB" sz="1600" dirty="0" smtClean="0"/>
-              <a:t>expand sections of tree under </a:t>
+              <a:t>Recursively expand sections of tree under </a:t>
             </a:r>
             <a:r>
               <a:rPr lang="en-GB" sz="1600" dirty="0" smtClean="0">
@@ -4524,7 +4375,7 @@
         </p:nvSpPr>
         <p:spPr>
           <a:xfrm>
-            <a:off x="5076056" y="3501008"/>
+            <a:off x="4932040" y="3573016"/>
             <a:ext cx="3816424" cy="2831544"/>
           </a:xfrm>
           <a:prstGeom prst="rect">
@@ -4615,7 +4466,7 @@
         </p:nvSpPr>
         <p:spPr>
           <a:xfrm>
-            <a:off x="539552" y="5517232"/>
+            <a:off x="539552" y="5373216"/>
             <a:ext cx="3528392" cy="792088"/>
           </a:xfrm>
           <a:prstGeom prst="rect">
@@ -4654,7 +4505,7 @@
         </p:nvSpPr>
         <p:spPr>
           <a:xfrm>
-            <a:off x="971600" y="5877272"/>
+            <a:off x="971600" y="5733256"/>
             <a:ext cx="3096344" cy="360040"/>
           </a:xfrm>
           <a:prstGeom prst="rect">
@@ -4687,7 +4538,7 @@
         </p:nvSpPr>
         <p:spPr>
           <a:xfrm>
-            <a:off x="683568" y="5949280"/>
+            <a:off x="683568" y="5805264"/>
             <a:ext cx="216024" cy="216024"/>
           </a:xfrm>
           <a:prstGeom prst="rect">
@@ -4776,7 +4627,7 @@
         </p:blipFill>
         <p:spPr bwMode="auto">
           <a:xfrm>
-            <a:off x="467544" y="404664"/>
+            <a:off x="251520" y="260648"/>
             <a:ext cx="5540502" cy="4450842"/>
           </a:xfrm>
           <a:prstGeom prst="rect">
@@ -4799,7 +4650,7 @@
         </p:nvSpPr>
         <p:spPr>
           <a:xfrm>
-            <a:off x="5076056" y="836712"/>
+            <a:off x="4932040" y="1268760"/>
             <a:ext cx="3816424" cy="5293757"/>
           </a:xfrm>
           <a:prstGeom prst="rect">
@@ -4834,66 +4685,30 @@
           <a:p>
             <a:r>
               <a:rPr lang="en-GB" sz="1600" b="1" dirty="0" smtClean="0"/>
-              <a:t>Model Instantiations:</a:t>
-            </a:r>
-            <a:r>
-              <a:rPr lang="en-GB" sz="1600" b="1" dirty="0" smtClean="0"/>
-              <a:t> </a:t>
+              <a:t>Model Instantiations: </a:t>
             </a:r>
             <a:r>
               <a:rPr lang="en-GB" sz="1600" dirty="0" smtClean="0">
                 <a:cs typeface="Courier New" pitchFamily="49" charset="0"/>
               </a:rPr>
-              <a:t>A specific model-instantiation is represented via an appropriate I-Frame</a:t>
+              <a:t>A specific model-instantiation is represented via an appropriate I-Frame/ I-Slot network, with the I-Frames and I-Slots being instantiations of the relevant C-Frames and C-Slots.</a:t>
+            </a:r>
+          </a:p>
+          <a:p>
+            <a:endParaRPr lang="en-GB" sz="800" dirty="0" smtClean="0">
+              <a:cs typeface="Courier New" pitchFamily="49" charset="0"/>
+            </a:endParaRPr>
+          </a:p>
+          <a:p>
+            <a:r>
+              <a:rPr lang="en-GB" sz="1600" b="1" dirty="0" smtClean="0"/>
+              <a:t>Instantiation Initialisation: </a:t>
             </a:r>
             <a:r>
               <a:rPr lang="en-GB" sz="1600" dirty="0" smtClean="0">
                 <a:cs typeface="Courier New" pitchFamily="49" charset="0"/>
               </a:rPr>
-              <a:t>/ I-Slot </a:t>
-            </a:r>
-            <a:r>
-              <a:rPr lang="en-GB" sz="1600" dirty="0" smtClean="0">
-                <a:cs typeface="Courier New" pitchFamily="49" charset="0"/>
-              </a:rPr>
-              <a:t>network, with the I-Frames and I-Slots being instantiations of the relevant C-Frames and C-Slots.</a:t>
-            </a:r>
-          </a:p>
-          <a:p>
-            <a:endParaRPr lang="en-GB" sz="800" dirty="0" smtClean="0">
-              <a:cs typeface="Courier New" pitchFamily="49" charset="0"/>
-            </a:endParaRPr>
-          </a:p>
-          <a:p>
-            <a:r>
-              <a:rPr lang="en-GB" sz="1600" b="1" dirty="0" smtClean="0"/>
-              <a:t>Instantiation I</a:t>
-            </a:r>
-            <a:r>
-              <a:rPr lang="en-GB" sz="1600" b="1" dirty="0" smtClean="0"/>
-              <a:t>nitialisation</a:t>
-            </a:r>
-            <a:r>
-              <a:rPr lang="en-GB" sz="1600" b="1" dirty="0" smtClean="0"/>
-              <a:t>: </a:t>
-            </a:r>
-            <a:r>
-              <a:rPr lang="en-GB" sz="1600" dirty="0" smtClean="0">
-                <a:cs typeface="Courier New" pitchFamily="49" charset="0"/>
-              </a:rPr>
-              <a:t>When a C-Frame is instantiated as an I-Frame, the I-Frame is </a:t>
-            </a:r>
-            <a:r>
-              <a:rPr lang="en-GB" sz="1600" dirty="0" smtClean="0">
-                <a:cs typeface="Courier New" pitchFamily="49" charset="0"/>
-              </a:rPr>
-              <a:t>initialised as </a:t>
-            </a:r>
-            <a:r>
-              <a:rPr lang="en-GB" sz="1600" dirty="0" smtClean="0">
-                <a:cs typeface="Courier New" pitchFamily="49" charset="0"/>
-              </a:rPr>
-              <a:t>follows:</a:t>
+              <a:t>When a C-Frame is instantiated as an I-Frame, the I-Frame is initialised as follows:</a:t>
             </a:r>
           </a:p>
           <a:p>
@@ -4905,17 +4720,8 @@
               <a:rPr lang="en-GB" sz="1600" dirty="0" smtClean="0">
                 <a:cs typeface="Courier New" pitchFamily="49" charset="0"/>
               </a:rPr>
-              <a:t>All C-Slots on the C-Frame, and on any ancestor C-Frames, are instantiated as I-Slots, and attached to the I-Frame. Where there is more than one such C-Slot for a particular property, then a single I-Slot is created whose value-type is the intersection of the value-types of all contributing </a:t>
-            </a:r>
-            <a:r>
-              <a:rPr lang="en-GB" sz="1600" dirty="0" smtClean="0">
-                <a:cs typeface="Courier New" pitchFamily="49" charset="0"/>
-              </a:rPr>
-              <a:t>C-Slots.</a:t>
-            </a:r>
-            <a:endParaRPr lang="en-GB" sz="1600" dirty="0" smtClean="0">
-              <a:cs typeface="Courier New" pitchFamily="49" charset="0"/>
-            </a:endParaRPr>
+              <a:t>All C-Slots on the C-Frame, and on any ancestor C-Frames, are instantiated as I-Slots, and attached to the I-Frame. Where there is more than one such C-Slot for a particular property, then a single I-Slot is created whose value-type is the intersection of the value-types of all contributing C-Slots.</a:t>
+            </a:r>
           </a:p>
           <a:p>
             <a:pPr marL="457200" indent="-457200">
@@ -4926,17 +4732,8 @@
               <a:rPr lang="en-GB" sz="1600" dirty="0" smtClean="0">
                 <a:cs typeface="Courier New" pitchFamily="49" charset="0"/>
               </a:rPr>
-              <a:t>All fixed-values on the C-Frame, and on any ancestor C-Frames, are added to the </a:t>
-            </a:r>
-            <a:r>
-              <a:rPr lang="en-GB" sz="1600" dirty="0" smtClean="0">
-                <a:cs typeface="Courier New" pitchFamily="49" charset="0"/>
-              </a:rPr>
-              <a:t>I-Slots.</a:t>
-            </a:r>
-            <a:endParaRPr lang="en-GB" sz="1600" dirty="0" smtClean="0">
-              <a:cs typeface="Courier New" pitchFamily="49" charset="0"/>
-            </a:endParaRPr>
+              <a:t>All fixed-values on the C-Frame, and on any ancestor C-Frames, are added to the I-Slots.</a:t>
+            </a:r>
           </a:p>
         </p:txBody>
       </p:sp>
@@ -4989,7 +4786,7 @@
         </p:blipFill>
         <p:spPr bwMode="auto">
           <a:xfrm>
-            <a:off x="467544" y="404664"/>
+            <a:off x="251520" y="260648"/>
             <a:ext cx="5540502" cy="4450842"/>
           </a:xfrm>
           <a:prstGeom prst="rect">
@@ -5012,7 +4809,7 @@
         </p:nvSpPr>
         <p:spPr>
           <a:xfrm>
-            <a:off x="2843808" y="5157192"/>
+            <a:off x="2915816" y="5085184"/>
             <a:ext cx="5688632" cy="1354217"/>
           </a:xfrm>
           <a:prstGeom prst="rect">
@@ -5113,7 +4910,7 @@
         </p:blipFill>
         <p:spPr bwMode="auto">
           <a:xfrm>
-            <a:off x="467544" y="404664"/>
+            <a:off x="251520" y="260648"/>
             <a:ext cx="5641086" cy="4450842"/>
           </a:xfrm>
           <a:prstGeom prst="rect">
@@ -5136,7 +4933,7 @@
         </p:nvSpPr>
         <p:spPr>
           <a:xfrm>
-            <a:off x="5076056" y="908720"/>
+            <a:off x="4932040" y="1196752"/>
             <a:ext cx="3240360" cy="861774"/>
           </a:xfrm>
           <a:prstGeom prst="rect">
@@ -5271,19 +5068,7 @@
               <a:rPr lang="en-GB" sz="1600" dirty="0" smtClean="0">
                 <a:cs typeface="Courier New" pitchFamily="49" charset="0"/>
               </a:rPr>
-              <a:t> is </a:t>
-            </a:r>
-            <a:r>
-              <a:rPr lang="en-GB" sz="1600" dirty="0" smtClean="0">
-                <a:cs typeface="Courier New" pitchFamily="49" charset="0"/>
-              </a:rPr>
-              <a:t>inferred to </a:t>
-            </a:r>
-            <a:r>
-              <a:rPr lang="en-GB" sz="1600" dirty="0" smtClean="0">
-                <a:cs typeface="Courier New" pitchFamily="49" charset="0"/>
-              </a:rPr>
-              <a:t>be an instance of </a:t>
+              <a:t> is inferred to be an instance of </a:t>
             </a:r>
             <a:r>
               <a:rPr lang="en-GB" sz="1600" dirty="0" smtClean="0">
@@ -5296,19 +5081,7 @@
               <a:rPr lang="en-GB" sz="1600" dirty="0" smtClean="0">
                 <a:cs typeface="Courier New" pitchFamily="49" charset="0"/>
               </a:rPr>
-              <a:t> </a:t>
-            </a:r>
-            <a:r>
-              <a:rPr lang="en-GB" sz="1600" dirty="0" smtClean="0">
-                <a:cs typeface="Courier New" pitchFamily="49" charset="0"/>
-              </a:rPr>
-              <a:t>(*) , </a:t>
-            </a:r>
-            <a:r>
-              <a:rPr lang="en-GB" sz="1600" dirty="0" smtClean="0">
-                <a:cs typeface="Courier New" pitchFamily="49" charset="0"/>
-              </a:rPr>
-              <a:t>then the value-type of the </a:t>
+              <a:t> (*) , then the value-type of the </a:t>
             </a:r>
             <a:r>
               <a:rPr lang="en-GB" sz="1600" dirty="0" smtClean="0">
@@ -5321,25 +5094,7 @@
               <a:rPr lang="en-GB" sz="1600" dirty="0" smtClean="0">
                 <a:cs typeface="Courier New" pitchFamily="49" charset="0"/>
               </a:rPr>
-              <a:t> slot on that I-Frame will be </a:t>
-            </a:r>
-            <a:r>
-              <a:rPr lang="en-GB" sz="1600" dirty="0" smtClean="0">
-                <a:cs typeface="Courier New" pitchFamily="49" charset="0"/>
-              </a:rPr>
-              <a:t>automatically updated, </a:t>
-            </a:r>
-            <a:r>
-              <a:rPr lang="en-GB" sz="1600" dirty="0" smtClean="0">
-                <a:cs typeface="Courier New" pitchFamily="49" charset="0"/>
-              </a:rPr>
-              <a:t>from the </a:t>
-            </a:r>
-            <a:r>
-              <a:rPr lang="en-GB" sz="1600" dirty="0" smtClean="0">
-                <a:cs typeface="Courier New" pitchFamily="49" charset="0"/>
-              </a:rPr>
-              <a:t>default value, </a:t>
+              <a:t> slot on that I-Frame will be automatically updated, from the default value, </a:t>
             </a:r>
             <a:r>
               <a:rPr lang="en-GB" sz="1600" dirty="0" smtClean="0">
@@ -5403,9 +5158,6 @@
               </a:rPr>
               <a:t>* See next slide for further explanation of I-Frame updating via OWL-based reasoning</a:t>
             </a:r>
-            <a:endParaRPr lang="en-GB" sz="1600" dirty="0" smtClean="0">
-              <a:cs typeface="Courier New" pitchFamily="49" charset="0"/>
-            </a:endParaRPr>
           </a:p>
         </p:txBody>
       </p:sp>
@@ -5445,7 +5197,6 @@
               <a:rPr lang="en-GB" b="1" dirty="0" smtClean="0"/>
               <a:t>Icon Modifier:</a:t>
             </a:r>
-            <a:endParaRPr lang="en-GB" b="1" dirty="0" smtClean="0"/>
           </a:p>
         </p:txBody>
       </p:sp>
@@ -5627,7 +5378,7 @@
         </p:blipFill>
         <p:spPr bwMode="auto">
           <a:xfrm>
-            <a:off x="467544" y="404664"/>
+            <a:off x="251520" y="260648"/>
             <a:ext cx="5641086" cy="4450842"/>
           </a:xfrm>
           <a:prstGeom prst="rect">
@@ -5706,66 +5457,27 @@
               <a:rPr lang="en-GB" sz="1600" dirty="0" smtClean="0">
                 <a:cs typeface="Courier New" pitchFamily="49" charset="0"/>
               </a:rPr>
-              <a:t> an I-Frame/ </a:t>
+              <a:t> an I-Frame/ I-Slot network) is updated, additional updates may be automatically provided by appropriate reasoning plug-ins. In the case of the demo-model, this means the MEKON-OWL reasoning plug-in.</a:t>
+            </a:r>
+          </a:p>
+          <a:p>
+            <a:endParaRPr lang="en-GB" sz="800" dirty="0" smtClean="0">
+              <a:cs typeface="Courier New" pitchFamily="49" charset="0"/>
+            </a:endParaRPr>
+          </a:p>
+          <a:p>
+            <a:r>
+              <a:rPr lang="en-GB" sz="1600" b="1" dirty="0" smtClean="0">
+                <a:cs typeface="Courier New" pitchFamily="49" charset="0"/>
+              </a:rPr>
+              <a:t>MEKON-OWL Reasoning Plug-in: </a:t>
             </a:r>
             <a:r>
               <a:rPr lang="en-GB" sz="1600" dirty="0" smtClean="0">
                 <a:cs typeface="Courier New" pitchFamily="49" charset="0"/>
               </a:rPr>
-              <a:t>I</a:t>
-            </a:r>
-            <a:r>
-              <a:rPr lang="en-GB" sz="1600" dirty="0" smtClean="0">
-                <a:cs typeface="Courier New" pitchFamily="49" charset="0"/>
-              </a:rPr>
-              <a:t>-Slot network) is updated, additional updates may be automatically provided by appropriate reasoning plug-ins. In the case of the demo-model, this means the MEKON-OWL reasoning plug-in.</a:t>
-            </a:r>
-          </a:p>
-          <a:p>
-            <a:endParaRPr lang="en-GB" sz="800" dirty="0" smtClean="0">
-              <a:cs typeface="Courier New" pitchFamily="49" charset="0"/>
-            </a:endParaRPr>
-          </a:p>
-          <a:p>
-            <a:r>
-              <a:rPr lang="en-GB" sz="1600" b="1" dirty="0" smtClean="0">
-                <a:cs typeface="Courier New" pitchFamily="49" charset="0"/>
-              </a:rPr>
-              <a:t>MEKON-OWL Reasoning </a:t>
-            </a:r>
-            <a:r>
-              <a:rPr lang="en-GB" sz="1600" b="1" dirty="0" smtClean="0">
-                <a:cs typeface="Courier New" pitchFamily="49" charset="0"/>
-              </a:rPr>
-              <a:t>P</a:t>
-            </a:r>
-            <a:r>
-              <a:rPr lang="en-GB" sz="1600" b="1" dirty="0" smtClean="0">
-                <a:cs typeface="Courier New" pitchFamily="49" charset="0"/>
-              </a:rPr>
-              <a:t>lug-in: </a:t>
-            </a:r>
-            <a:r>
-              <a:rPr lang="en-GB" sz="1600" dirty="0" smtClean="0">
-                <a:cs typeface="Courier New" pitchFamily="49" charset="0"/>
-              </a:rPr>
-              <a:t>Performs automatic instantiation updating </a:t>
-            </a:r>
-            <a:r>
-              <a:rPr lang="en-GB" sz="1600" dirty="0" smtClean="0">
-                <a:cs typeface="Courier New" pitchFamily="49" charset="0"/>
-              </a:rPr>
-              <a:t>as </a:t>
-            </a:r>
-            <a:r>
-              <a:rPr lang="en-GB" sz="1600" dirty="0" smtClean="0">
-                <a:cs typeface="Courier New" pitchFamily="49" charset="0"/>
-              </a:rPr>
-              <a:t>follows:</a:t>
-            </a:r>
-            <a:endParaRPr lang="en-GB" sz="1600" dirty="0" smtClean="0">
-              <a:cs typeface="Courier New" pitchFamily="49" charset="0"/>
-            </a:endParaRPr>
+              <a:t>Performs automatic instantiation updating as follows:</a:t>
+            </a:r>
           </a:p>
           <a:p>
             <a:pPr marL="457200" indent="-457200">
@@ -5800,19 +5512,7 @@
               <a:rPr lang="en-GB" sz="1600" dirty="0" smtClean="0">
                 <a:cs typeface="Courier New" pitchFamily="49" charset="0"/>
               </a:rPr>
-              <a:t> is invoked to find all inferred super-classes or </a:t>
-            </a:r>
-            <a:r>
-              <a:rPr lang="en-GB" sz="1600" dirty="0" smtClean="0">
-                <a:cs typeface="Courier New" pitchFamily="49" charset="0"/>
-              </a:rPr>
-              <a:t>inferred </a:t>
-            </a:r>
-            <a:r>
-              <a:rPr lang="en-GB" sz="1600" dirty="0" smtClean="0">
-                <a:cs typeface="Courier New" pitchFamily="49" charset="0"/>
-              </a:rPr>
-              <a:t>types of this OWL version</a:t>
+              <a:t> is invoked to find all inferred super-classes or inferred types of this OWL version</a:t>
             </a:r>
           </a:p>
           <a:p>
@@ -5824,29 +5524,8 @@
               <a:rPr lang="en-GB" sz="1600" dirty="0" smtClean="0">
                 <a:cs typeface="Courier New" pitchFamily="49" charset="0"/>
               </a:rPr>
-              <a:t>The corresponding </a:t>
-            </a:r>
-            <a:r>
-              <a:rPr lang="en-GB" sz="1600" dirty="0" smtClean="0">
-                <a:cs typeface="Courier New" pitchFamily="49" charset="0"/>
-              </a:rPr>
-              <a:t>C-Frames are found, and the associated</a:t>
-            </a:r>
-            <a:r>
-              <a:rPr lang="en-GB" sz="1600" dirty="0" smtClean="0">
-                <a:cs typeface="Courier New" pitchFamily="49" charset="0"/>
-              </a:rPr>
-              <a:t> </a:t>
-            </a:r>
-            <a:r>
-              <a:rPr lang="en-GB" sz="1600" dirty="0" smtClean="0">
-                <a:cs typeface="Courier New" pitchFamily="49" charset="0"/>
-              </a:rPr>
-              <a:t>C-Slots and fixed-values used to dynamically update the I-Slots on the root I-Frame of the instantiation</a:t>
-            </a:r>
-            <a:endParaRPr lang="en-GB" sz="1600" dirty="0" smtClean="0">
-              <a:cs typeface="Courier New" pitchFamily="49" charset="0"/>
-            </a:endParaRPr>
+              <a:t>The corresponding C-Frames are found, and the associated C-Slots and fixed-values used to dynamically update the I-Slots on the root I-Frame of the instantiation</a:t>
+            </a:r>
           </a:p>
         </p:txBody>
       </p:sp>
@@ -5899,7 +5578,7 @@
         </p:blipFill>
         <p:spPr bwMode="auto">
           <a:xfrm>
-            <a:off x="467544" y="404664"/>
+            <a:off x="251520" y="260648"/>
             <a:ext cx="5708142" cy="4450842"/>
           </a:xfrm>
           <a:prstGeom prst="rect">
@@ -5922,7 +5601,7 @@
         </p:nvSpPr>
         <p:spPr>
           <a:xfrm>
-            <a:off x="5220072" y="1196752"/>
+            <a:off x="5364088" y="1052736"/>
             <a:ext cx="3528392" cy="861774"/>
           </a:xfrm>
           <a:prstGeom prst="rect">
@@ -5987,7 +5666,7 @@
         </p:nvSpPr>
         <p:spPr>
           <a:xfrm>
-            <a:off x="3419872" y="3068960"/>
+            <a:off x="3347864" y="2852936"/>
             <a:ext cx="5472608" cy="3570208"/>
           </a:xfrm>
           <a:prstGeom prst="rect">
@@ -6293,27 +5972,14 @@
             <a:pPr lvl="1"/>
             <a:r>
               <a:rPr lang="en-GB" dirty="0" smtClean="0"/>
-              <a:t>Overview </a:t>
-            </a:r>
+              <a:t>Overview of MEKON + HOBO models and their associated functionality</a:t>
+            </a:r>
+          </a:p>
+          <a:p>
+            <a:pPr lvl="1"/>
             <a:r>
               <a:rPr lang="en-GB" dirty="0" smtClean="0"/>
-              <a:t>of MEKON + HOBO </a:t>
-            </a:r>
-            <a:r>
-              <a:rPr lang="en-GB" dirty="0" smtClean="0"/>
-              <a:t>models and their associated functionality</a:t>
-            </a:r>
-            <a:endParaRPr lang="en-GB" dirty="0" smtClean="0"/>
-          </a:p>
-          <a:p>
-            <a:pPr lvl="1"/>
-            <a:r>
-              <a:rPr lang="en-GB" dirty="0" smtClean="0"/>
-              <a:t>Specific </a:t>
-            </a:r>
-            <a:r>
-              <a:rPr lang="en-GB" dirty="0" smtClean="0"/>
-              <a:t>model-instantiation examples</a:t>
+              <a:t>Specific model-instantiation examples</a:t>
             </a:r>
             <a:r>
               <a:rPr lang="en-GB" dirty="0"/>
@@ -6321,15 +5987,7 @@
             </a:r>
             <a:r>
               <a:rPr lang="en-GB" dirty="0" smtClean="0"/>
-              <a:t>+ explanations of the </a:t>
-            </a:r>
-            <a:r>
-              <a:rPr lang="en-GB" dirty="0" smtClean="0"/>
-              <a:t>functionalities </a:t>
-            </a:r>
-            <a:r>
-              <a:rPr lang="en-GB" dirty="0" smtClean="0"/>
-              <a:t>thereby invoked</a:t>
+              <a:t>+ explanations of the functionalities thereby invoked</a:t>
             </a:r>
           </a:p>
           <a:p>
@@ -6396,23 +6054,7 @@
           <a:p>
             <a:r>
               <a:rPr lang="en-GB" b="1" dirty="0" smtClean="0"/>
-              <a:t>2</a:t>
-            </a:r>
-            <a:r>
-              <a:rPr lang="en-GB" b="1" dirty="0" smtClean="0"/>
-              <a:t>. </a:t>
-            </a:r>
-            <a:r>
-              <a:rPr lang="en-GB" b="1" dirty="0" smtClean="0"/>
-              <a:t>Browsing Hybrid </a:t>
-            </a:r>
-            <a:r>
-              <a:rPr lang="en-GB" b="1" dirty="0" smtClean="0"/>
-              <a:t>HOBO/MEKON </a:t>
-            </a:r>
-            <a:r>
-              <a:rPr lang="en-GB" b="1" dirty="0" smtClean="0"/>
-              <a:t/>
+              <a:t>2. Browsing Hybrid HOBO/MEKON </a:t>
             </a:r>
             <a:br>
               <a:rPr lang="en-GB" b="1" dirty="0" smtClean="0"/>
@@ -6425,6 +6067,134 @@
           </a:p>
         </p:txBody>
       </p:sp>
+    </p:spTree>
+  </p:cSld>
+  <p:clrMapOvr>
+    <a:masterClrMapping/>
+  </p:clrMapOvr>
+  <p:timing>
+    <p:tnLst>
+      <p:par>
+        <p:cTn id="1" dur="indefinite" restart="never" nodeType="tmRoot"/>
+      </p:par>
+    </p:tnLst>
+  </p:timing>
+</p:sld>
+</file>
+
+<file path=ppt/slides/slide21.xml><?xml version="1.0" encoding="utf-8"?>
+<p:sld xmlns:a="http://schemas.openxmlformats.org/drawingml/2006/main" xmlns:r="http://schemas.openxmlformats.org/officeDocument/2006/relationships" xmlns:p="http://schemas.openxmlformats.org/presentationml/2006/main">
+  <p:cSld>
+    <p:spTree>
+      <p:nvGrpSpPr>
+        <p:cNvPr id="1" name=""/>
+        <p:cNvGrpSpPr/>
+        <p:nvPr/>
+      </p:nvGrpSpPr>
+      <p:grpSpPr>
+        <a:xfrm>
+          <a:off x="0" y="0"/>
+          <a:ext cx="0" cy="0"/>
+          <a:chOff x="0" y="0"/>
+          <a:chExt cx="0" cy="0"/>
+        </a:xfrm>
+      </p:grpSpPr>
+      <p:pic>
+        <p:nvPicPr>
+          <p:cNvPr id="1027" name="Picture 3"/>
+          <p:cNvPicPr>
+            <a:picLocks noChangeAspect="1" noChangeArrowheads="1"/>
+          </p:cNvPicPr>
+          <p:nvPr/>
+        </p:nvPicPr>
+        <p:blipFill>
+          <a:blip r:embed="rId2" cstate="print"/>
+          <a:srcRect/>
+          <a:stretch>
+            <a:fillRect/>
+          </a:stretch>
+        </p:blipFill>
+        <p:spPr bwMode="auto">
+          <a:xfrm>
+            <a:off x="395536" y="332656"/>
+            <a:ext cx="5657850" cy="4610100"/>
+          </a:xfrm>
+          <a:prstGeom prst="rect">
+            <a:avLst/>
+          </a:prstGeom>
+          <a:noFill/>
+          <a:ln w="9525">
+            <a:noFill/>
+            <a:miter lim="800000"/>
+            <a:headEnd/>
+            <a:tailEnd/>
+          </a:ln>
+        </p:spPr>
+      </p:pic>
+    </p:spTree>
+  </p:cSld>
+  <p:clrMapOvr>
+    <a:masterClrMapping/>
+  </p:clrMapOvr>
+  <p:timing>
+    <p:tnLst>
+      <p:par>
+        <p:cTn id="1" dur="indefinite" restart="never" nodeType="tmRoot"/>
+      </p:par>
+    </p:tnLst>
+  </p:timing>
+</p:sld>
+</file>
+
+<file path=ppt/slides/slide22.xml><?xml version="1.0" encoding="utf-8"?>
+<p:sld xmlns:a="http://schemas.openxmlformats.org/drawingml/2006/main" xmlns:r="http://schemas.openxmlformats.org/officeDocument/2006/relationships" xmlns:p="http://schemas.openxmlformats.org/presentationml/2006/main">
+  <p:cSld>
+    <p:spTree>
+      <p:nvGrpSpPr>
+        <p:cNvPr id="1" name=""/>
+        <p:cNvGrpSpPr/>
+        <p:nvPr/>
+      </p:nvGrpSpPr>
+      <p:grpSpPr>
+        <a:xfrm>
+          <a:off x="0" y="0"/>
+          <a:ext cx="0" cy="0"/>
+          <a:chOff x="0" y="0"/>
+          <a:chExt cx="0" cy="0"/>
+        </a:xfrm>
+      </p:grpSpPr>
+      <p:pic>
+        <p:nvPicPr>
+          <p:cNvPr id="2050" name="Picture 2"/>
+          <p:cNvPicPr>
+            <a:picLocks noChangeAspect="1" noChangeArrowheads="1"/>
+          </p:cNvPicPr>
+          <p:nvPr/>
+        </p:nvPicPr>
+        <p:blipFill>
+          <a:blip r:embed="rId2" cstate="print"/>
+          <a:srcRect/>
+          <a:stretch>
+            <a:fillRect/>
+          </a:stretch>
+        </p:blipFill>
+        <p:spPr bwMode="auto">
+          <a:xfrm>
+            <a:off x="395536" y="332656"/>
+            <a:ext cx="5657850" cy="4610100"/>
+          </a:xfrm>
+          <a:prstGeom prst="rect">
+            <a:avLst/>
+          </a:prstGeom>
+          <a:noFill/>
+          <a:ln w="9525">
+            <a:noFill/>
+            <a:miter lim="800000"/>
+            <a:headEnd/>
+            <a:tailEnd/>
+          </a:ln>
+        </p:spPr>
+      </p:pic>
     </p:spTree>
   </p:cSld>
   <p:clrMapOvr>
@@ -6499,15 +6269,7 @@
           <a:p>
             <a:r>
               <a:rPr lang="en-GB" dirty="0" smtClean="0"/>
-              <a:t>Basic </a:t>
-            </a:r>
-            <a:r>
-              <a:rPr lang="en-GB" dirty="0" smtClean="0"/>
-              <a:t>familiarity with</a:t>
-            </a:r>
-            <a:r>
-              <a:rPr lang="en-GB" dirty="0" smtClean="0"/>
-              <a:t>:</a:t>
+              <a:t>Basic familiarity with:</a:t>
             </a:r>
           </a:p>
           <a:p>
@@ -6541,27 +6303,14 @@
             <a:pPr lvl="1"/>
             <a:r>
               <a:rPr lang="en-GB" dirty="0" smtClean="0"/>
-              <a:t>Checked-out </a:t>
-            </a:r>
+              <a:t>Checked-out all code and resources</a:t>
+            </a:r>
+          </a:p>
+          <a:p>
+            <a:pPr lvl="1"/>
             <a:r>
               <a:rPr lang="en-GB" dirty="0" smtClean="0"/>
-              <a:t>all code and </a:t>
-            </a:r>
-            <a:r>
-              <a:rPr lang="en-GB" dirty="0" smtClean="0"/>
-              <a:t>resources</a:t>
-            </a:r>
-            <a:endParaRPr lang="en-GB" dirty="0" smtClean="0"/>
-          </a:p>
-          <a:p>
-            <a:pPr lvl="1"/>
-            <a:r>
-              <a:rPr lang="en-GB" dirty="0" smtClean="0"/>
-              <a:t>Built </a:t>
-            </a:r>
-            <a:r>
-              <a:rPr lang="en-GB" dirty="0" smtClean="0"/>
-              <a:t>all code and resources</a:t>
+              <a:t>Built all code and resources</a:t>
             </a:r>
           </a:p>
           <a:p>
@@ -6692,15 +6441,7 @@
             </a:pPr>
             <a:r>
               <a:rPr lang="en-GB" dirty="0" smtClean="0"/>
-              <a:t>Browsing basic MEKON </a:t>
-            </a:r>
-            <a:r>
-              <a:rPr lang="en-GB" dirty="0" smtClean="0"/>
-              <a:t>version </a:t>
-            </a:r>
-            <a:r>
-              <a:rPr lang="en-GB" dirty="0" smtClean="0"/>
-              <a:t>of model</a:t>
+              <a:t>Browsing basic MEKON version of model</a:t>
             </a:r>
           </a:p>
           <a:p>
@@ -6710,13 +6451,8 @@
             </a:pPr>
             <a:r>
               <a:rPr lang="en-GB" dirty="0" smtClean="0"/>
-              <a:t>Browsing hybrid </a:t>
-            </a:r>
-            <a:r>
-              <a:rPr lang="en-GB" dirty="0" smtClean="0"/>
-              <a:t>HOBO/MEKON version of model</a:t>
-            </a:r>
-            <a:endParaRPr lang="en-GB" dirty="0" smtClean="0"/>
+              <a:t>Browsing hybrid HOBO/MEKON version of model</a:t>
+            </a:r>
           </a:p>
           <a:p>
             <a:pPr marL="514350" indent="-514350">
@@ -6780,8 +6516,8 @@
         </p:nvSpPr>
         <p:spPr>
           <a:xfrm>
-            <a:off x="1259632" y="1196752"/>
-            <a:ext cx="6408712" cy="1508105"/>
+            <a:off x="683568" y="1412776"/>
+            <a:ext cx="3384376" cy="2893100"/>
           </a:xfrm>
           <a:prstGeom prst="rect">
             <a:avLst/>
@@ -6817,11 +6553,7 @@
             </a:pPr>
             <a:r>
               <a:rPr lang="en-GB" dirty="0" smtClean="0"/>
-              <a:t>The tutorial describes a series of actions to </a:t>
-            </a:r>
-            <a:r>
-              <a:rPr lang="en-GB" dirty="0" smtClean="0"/>
-              <a:t>be performed via the MEKON Model Explorer (ME)</a:t>
+              <a:t>The tutorial describes a series of actions to be performed via the MEKON Model Explorer (ME)</a:t>
             </a:r>
           </a:p>
           <a:p>
@@ -6831,11 +6563,23 @@
             </a:pPr>
             <a:r>
               <a:rPr lang="en-GB" dirty="0" smtClean="0"/>
-              <a:t>Screenshots showing </a:t>
+              <a:t>The </a:t>
             </a:r>
             <a:r>
               <a:rPr lang="en-GB" dirty="0" smtClean="0"/>
-              <a:t>these </a:t>
+              <a:t>action descriptions </a:t>
+            </a:r>
+            <a:r>
+              <a:rPr lang="en-GB" dirty="0" smtClean="0"/>
+              <a:t>come with screenshots </a:t>
+            </a:r>
+            <a:r>
+              <a:rPr lang="en-GB" dirty="0" smtClean="0"/>
+              <a:t>showing </a:t>
+            </a:r>
+            <a:r>
+              <a:rPr lang="en-GB" dirty="0" smtClean="0"/>
+              <a:t>either the </a:t>
             </a:r>
             <a:r>
               <a:rPr lang="en-GB" dirty="0" smtClean="0"/>
@@ -6843,23 +6587,7 @@
             </a:r>
             <a:r>
               <a:rPr lang="en-GB" dirty="0" smtClean="0"/>
-              <a:t>their results, </a:t>
-            </a:r>
-            <a:r>
-              <a:rPr lang="en-GB" dirty="0" smtClean="0"/>
-              <a:t>are </a:t>
-            </a:r>
-            <a:r>
-              <a:rPr lang="en-GB" dirty="0" smtClean="0"/>
-              <a:t>provided together </a:t>
-            </a:r>
-            <a:r>
-              <a:rPr lang="en-GB" dirty="0" smtClean="0"/>
-              <a:t>with the </a:t>
-            </a:r>
-            <a:r>
-              <a:rPr lang="en-GB" dirty="0" smtClean="0"/>
-              <a:t>action descriptions</a:t>
+              <a:t>the results of the actions having occurred</a:t>
             </a:r>
             <a:endParaRPr lang="en-GB" dirty="0" smtClean="0"/>
           </a:p>
@@ -6873,8 +6601,8 @@
         </p:nvSpPr>
         <p:spPr>
           <a:xfrm>
-            <a:off x="827584" y="2996952"/>
-            <a:ext cx="7344816" cy="1785104"/>
+            <a:off x="4427984" y="1412776"/>
+            <a:ext cx="4032448" cy="2893100"/>
           </a:xfrm>
           <a:prstGeom prst="rect">
             <a:avLst/>
@@ -6901,7 +6629,6 @@
               <a:rPr lang="en-GB" sz="2000" b="1" dirty="0" smtClean="0"/>
               <a:t>Explanation:</a:t>
             </a:r>
-            <a:endParaRPr lang="en-GB" sz="2000" b="1" dirty="0" smtClean="0"/>
           </a:p>
           <a:p>
             <a:pPr marL="457200" indent="-457200">
@@ -6920,21 +6647,8 @@
             </a:pPr>
             <a:r>
               <a:rPr lang="en-GB" dirty="0" smtClean="0"/>
-              <a:t>Interspersed </a:t>
-            </a:r>
-            <a:r>
-              <a:rPr lang="en-GB" dirty="0" smtClean="0"/>
-              <a:t>throughout </a:t>
-            </a:r>
-            <a:r>
-              <a:rPr lang="en-GB" dirty="0" smtClean="0"/>
-              <a:t>the </a:t>
-            </a:r>
-            <a:r>
-              <a:rPr lang="en-GB" dirty="0" smtClean="0"/>
-              <a:t>tutorial are “general explanations”, not specifically linked to the actions on particular slides, but more generally applicable to various actions on previous and/or subsequent slides</a:t>
-            </a:r>
-            <a:endParaRPr lang="en-GB" dirty="0" smtClean="0"/>
+              <a:t>Interspersed throughout the tutorial are “general explanations”, not specifically linked to the actions on particular slides, but more generally applicable to various actions on previous and/or subsequent slides</a:t>
+            </a:r>
           </a:p>
         </p:txBody>
       </p:sp>
@@ -6946,8 +6660,8 @@
         </p:nvSpPr>
         <p:spPr>
           <a:xfrm>
-            <a:off x="467544" y="5085184"/>
-            <a:ext cx="8136904" cy="1508105"/>
+            <a:off x="683568" y="4653136"/>
+            <a:ext cx="7776864" cy="1785104"/>
           </a:xfrm>
           <a:prstGeom prst="rect">
             <a:avLst/>
@@ -6974,7 +6688,6 @@
               <a:rPr lang="en-GB" sz="2000" b="1" dirty="0" smtClean="0"/>
               <a:t>Icons:</a:t>
             </a:r>
-            <a:endParaRPr lang="en-GB" sz="2000" b="1" dirty="0" smtClean="0"/>
           </a:p>
           <a:p>
             <a:pPr marL="457200" indent="-457200">
@@ -6983,45 +6696,8 @@
             </a:pPr>
             <a:r>
               <a:rPr lang="en-GB" dirty="0" smtClean="0"/>
-              <a:t>The semantics </a:t>
-            </a:r>
-            <a:r>
-              <a:rPr lang="en-GB" dirty="0" smtClean="0"/>
-              <a:t>of </a:t>
-            </a:r>
-            <a:r>
-              <a:rPr lang="en-GB" dirty="0" smtClean="0"/>
-              <a:t>the </a:t>
-            </a:r>
-            <a:r>
-              <a:rPr lang="en-GB" dirty="0" smtClean="0"/>
-              <a:t>ME </a:t>
-            </a:r>
-            <a:r>
-              <a:rPr lang="en-GB" dirty="0" smtClean="0"/>
-              <a:t>icons are summarised at </a:t>
-            </a:r>
-            <a:r>
-              <a:rPr lang="en-GB" dirty="0" smtClean="0"/>
-              <a:t>the start of </a:t>
-            </a:r>
-            <a:r>
-              <a:rPr lang="en-GB" dirty="0" smtClean="0"/>
-              <a:t>the tutorial </a:t>
-            </a:r>
-            <a:r>
-              <a:rPr lang="en-GB" dirty="0" smtClean="0"/>
-              <a:t>(a similar glossary can </a:t>
-            </a:r>
-            <a:r>
-              <a:rPr lang="en-GB" dirty="0" smtClean="0"/>
-              <a:t>also be obtained via the ME “Help” button</a:t>
-            </a:r>
-            <a:r>
-              <a:rPr lang="en-GB" dirty="0" smtClean="0"/>
-              <a:t>)</a:t>
-            </a:r>
-            <a:endParaRPr lang="en-GB" dirty="0" smtClean="0"/>
+              <a:t>The semantics of the ME icons are summarised at the start of the tutorial (a similar glossary can also be obtained via the ME “Help” button)</a:t>
+            </a:r>
           </a:p>
           <a:p>
             <a:pPr marL="457200" indent="-457200">
@@ -7030,11 +6706,7 @@
             </a:pPr>
             <a:r>
               <a:rPr lang="en-GB" dirty="0" smtClean="0"/>
-              <a:t>Recaps are provided </a:t>
-            </a:r>
-            <a:r>
-              <a:rPr lang="en-GB" dirty="0" smtClean="0"/>
-              <a:t>throughout for specific icons as they are introduced</a:t>
+              <a:t>Recaps are provided throughout for specific icons as they are introduced</a:t>
             </a:r>
           </a:p>
           <a:p>
@@ -7044,13 +6716,8 @@
             </a:pPr>
             <a:r>
               <a:rPr lang="en-GB" dirty="0" smtClean="0"/>
-              <a:t>The semantics </a:t>
-            </a:r>
-            <a:r>
-              <a:rPr lang="en-GB" dirty="0" smtClean="0"/>
-              <a:t>of specific icon modifiers are also provided at the relevant points</a:t>
-            </a:r>
-            <a:endParaRPr lang="en-GB" dirty="0" smtClean="0"/>
+              <a:t>The semantics of specific icon modifiers are also provided at the relevant points</a:t>
+            </a:r>
           </a:p>
         </p:txBody>
       </p:sp>
@@ -7168,15 +6835,7 @@
           <a:p>
             <a:r>
               <a:rPr lang="en-GB" b="1" dirty="0" smtClean="0"/>
-              <a:t>1. Browsing Basic MEKON </a:t>
-            </a:r>
-            <a:r>
-              <a:rPr lang="en-GB" b="1" dirty="0" smtClean="0"/>
-              <a:t>Version </a:t>
-            </a:r>
-            <a:r>
-              <a:rPr lang="en-GB" b="1" dirty="0" smtClean="0"/>
-              <a:t>of Model</a:t>
+              <a:t>1. Browsing Basic MEKON Version of Model</a:t>
             </a:r>
             <a:endParaRPr lang="en-GB" b="1" dirty="0"/>
           </a:p>
@@ -7248,13 +6907,8 @@
           <a:p>
             <a:r>
               <a:rPr lang="en-GB" b="1" dirty="0" smtClean="0"/>
-              <a:t>General </a:t>
-            </a:r>
-            <a:r>
-              <a:rPr lang="en-GB" b="1" dirty="0" smtClean="0"/>
-              <a:t>Explanation:</a:t>
-            </a:r>
-            <a:endParaRPr lang="en-GB" b="1" dirty="0" smtClean="0"/>
+              <a:t>General Explanation:</a:t>
+            </a:r>
           </a:p>
           <a:p>
             <a:endParaRPr lang="en-GB" sz="800" dirty="0" smtClean="0"/>
@@ -7262,15 +6916,7 @@
           <a:p>
             <a:r>
               <a:rPr lang="en-GB" sz="1600" dirty="0" smtClean="0"/>
-              <a:t>MEKON provides representational entities operating at three </a:t>
-            </a:r>
-            <a:r>
-              <a:rPr lang="en-GB" sz="1600" dirty="0" smtClean="0"/>
-              <a:t>distinct </a:t>
-            </a:r>
-            <a:r>
-              <a:rPr lang="en-GB" sz="1600" dirty="0" smtClean="0"/>
-              <a:t>levels: </a:t>
+              <a:t>MEKON provides representational entities operating at three distinct levels: </a:t>
             </a:r>
             <a:r>
               <a:rPr lang="en-GB" sz="1600" i="1" dirty="0" smtClean="0"/>
@@ -7286,11 +6932,7 @@
             </a:r>
             <a:r>
               <a:rPr lang="en-GB" sz="1600" dirty="0" smtClean="0"/>
-              <a:t> </a:t>
-            </a:r>
-            <a:r>
-              <a:rPr lang="en-GB" sz="1600" dirty="0" smtClean="0"/>
-              <a:t>and </a:t>
+              <a:t> and </a:t>
             </a:r>
             <a:r>
               <a:rPr lang="en-GB" sz="1600" i="1" dirty="0" smtClean="0"/>
@@ -7544,7 +7186,6 @@
               <a:rPr lang="en-GB" b="1" dirty="0" smtClean="0"/>
               <a:t>Icon Summary:</a:t>
             </a:r>
-            <a:endParaRPr lang="en-GB" b="1" dirty="0" smtClean="0"/>
           </a:p>
           <a:p>
             <a:pPr marL="457200" indent="-457200"/>
@@ -9305,7 +8946,7 @@
         </p:blipFill>
         <p:spPr bwMode="auto">
           <a:xfrm>
-            <a:off x="395536" y="332656"/>
+            <a:off x="251520" y="260648"/>
             <a:ext cx="5540502" cy="4450842"/>
           </a:xfrm>
           <a:prstGeom prst="rect">
@@ -9328,8 +8969,8 @@
         </p:nvSpPr>
         <p:spPr>
           <a:xfrm>
-            <a:off x="3923928" y="1844824"/>
-            <a:ext cx="4968552" cy="861774"/>
+            <a:off x="4644008" y="1412776"/>
+            <a:ext cx="3024336" cy="1354217"/>
           </a:xfrm>
           <a:prstGeom prst="rect">
             <a:avLst/>
@@ -9388,7 +9029,7 @@
         </p:nvSpPr>
         <p:spPr>
           <a:xfrm>
-            <a:off x="467544" y="5517232"/>
+            <a:off x="467544" y="5373216"/>
             <a:ext cx="3384376" cy="792088"/>
           </a:xfrm>
           <a:prstGeom prst="rect">
@@ -9427,7 +9068,7 @@
         </p:nvSpPr>
         <p:spPr>
           <a:xfrm>
-            <a:off x="899592" y="5877272"/>
+            <a:off x="899592" y="5733256"/>
             <a:ext cx="2952328" cy="360040"/>
           </a:xfrm>
           <a:prstGeom prst="rect">
@@ -9460,8 +9101,8 @@
         </p:nvSpPr>
         <p:spPr>
           <a:xfrm>
-            <a:off x="4427984" y="3789040"/>
-            <a:ext cx="4392488" cy="1600438"/>
+            <a:off x="5004048" y="3573016"/>
+            <a:ext cx="3024336" cy="2339102"/>
           </a:xfrm>
           <a:prstGeom prst="rect">
             <a:avLst/>
@@ -9520,7 +9161,7 @@
         </p:nvSpPr>
         <p:spPr>
           <a:xfrm>
-            <a:off x="611560" y="5949280"/>
+            <a:off x="611560" y="5805264"/>
             <a:ext cx="216024" cy="216024"/>
           </a:xfrm>
           <a:prstGeom prst="ellipse">

--- a/trunk/docs/MEKON-HOBO Introductory Tutorial.pptx
+++ b/trunk/docs/MEKON-HOBO Introductory Tutorial.pptx
@@ -310,7 +310,7 @@
             <a:fld id="{91893DBC-7519-4EA7-8165-AFD94A974DB8}" type="datetimeFigureOut">
               <a:rPr lang="en-GB" smtClean="0"/>
               <a:pPr/>
-              <a:t>01/10/2014</a:t>
+              <a:t>05/12/2014</a:t>
             </a:fld>
             <a:endParaRPr lang="en-GB"/>
           </a:p>
@@ -477,7 +477,7 @@
             <a:fld id="{91893DBC-7519-4EA7-8165-AFD94A974DB8}" type="datetimeFigureOut">
               <a:rPr lang="en-GB" smtClean="0"/>
               <a:pPr/>
-              <a:t>01/10/2014</a:t>
+              <a:t>05/12/2014</a:t>
             </a:fld>
             <a:endParaRPr lang="en-GB"/>
           </a:p>
@@ -654,7 +654,7 @@
             <a:fld id="{91893DBC-7519-4EA7-8165-AFD94A974DB8}" type="datetimeFigureOut">
               <a:rPr lang="en-GB" smtClean="0"/>
               <a:pPr/>
-              <a:t>01/10/2014</a:t>
+              <a:t>05/12/2014</a:t>
             </a:fld>
             <a:endParaRPr lang="en-GB"/>
           </a:p>
@@ -821,7 +821,7 @@
             <a:fld id="{91893DBC-7519-4EA7-8165-AFD94A974DB8}" type="datetimeFigureOut">
               <a:rPr lang="en-GB" smtClean="0"/>
               <a:pPr/>
-              <a:t>01/10/2014</a:t>
+              <a:t>05/12/2014</a:t>
             </a:fld>
             <a:endParaRPr lang="en-GB"/>
           </a:p>
@@ -1064,7 +1064,7 @@
             <a:fld id="{91893DBC-7519-4EA7-8165-AFD94A974DB8}" type="datetimeFigureOut">
               <a:rPr lang="en-GB" smtClean="0"/>
               <a:pPr/>
-              <a:t>01/10/2014</a:t>
+              <a:t>05/12/2014</a:t>
             </a:fld>
             <a:endParaRPr lang="en-GB"/>
           </a:p>
@@ -1349,7 +1349,7 @@
             <a:fld id="{91893DBC-7519-4EA7-8165-AFD94A974DB8}" type="datetimeFigureOut">
               <a:rPr lang="en-GB" smtClean="0"/>
               <a:pPr/>
-              <a:t>01/10/2014</a:t>
+              <a:t>05/12/2014</a:t>
             </a:fld>
             <a:endParaRPr lang="en-GB"/>
           </a:p>
@@ -1768,7 +1768,7 @@
             <a:fld id="{91893DBC-7519-4EA7-8165-AFD94A974DB8}" type="datetimeFigureOut">
               <a:rPr lang="en-GB" smtClean="0"/>
               <a:pPr/>
-              <a:t>01/10/2014</a:t>
+              <a:t>05/12/2014</a:t>
             </a:fld>
             <a:endParaRPr lang="en-GB"/>
           </a:p>
@@ -1883,7 +1883,7 @@
             <a:fld id="{91893DBC-7519-4EA7-8165-AFD94A974DB8}" type="datetimeFigureOut">
               <a:rPr lang="en-GB" smtClean="0"/>
               <a:pPr/>
-              <a:t>01/10/2014</a:t>
+              <a:t>05/12/2014</a:t>
             </a:fld>
             <a:endParaRPr lang="en-GB"/>
           </a:p>
@@ -1975,7 +1975,7 @@
             <a:fld id="{91893DBC-7519-4EA7-8165-AFD94A974DB8}" type="datetimeFigureOut">
               <a:rPr lang="en-GB" smtClean="0"/>
               <a:pPr/>
-              <a:t>01/10/2014</a:t>
+              <a:t>05/12/2014</a:t>
             </a:fld>
             <a:endParaRPr lang="en-GB"/>
           </a:p>
@@ -2249,7 +2249,7 @@
             <a:fld id="{91893DBC-7519-4EA7-8165-AFD94A974DB8}" type="datetimeFigureOut">
               <a:rPr lang="en-GB" smtClean="0"/>
               <a:pPr/>
-              <a:t>01/10/2014</a:t>
+              <a:t>05/12/2014</a:t>
             </a:fld>
             <a:endParaRPr lang="en-GB"/>
           </a:p>
@@ -2499,7 +2499,7 @@
             <a:fld id="{91893DBC-7519-4EA7-8165-AFD94A974DB8}" type="datetimeFigureOut">
               <a:rPr lang="en-GB" smtClean="0"/>
               <a:pPr/>
-              <a:t>01/10/2014</a:t>
+              <a:t>05/12/2014</a:t>
             </a:fld>
             <a:endParaRPr lang="en-GB"/>
           </a:p>
@@ -2709,7 +2709,7 @@
             <a:fld id="{91893DBC-7519-4EA7-8165-AFD94A974DB8}" type="datetimeFigureOut">
               <a:rPr lang="en-GB" smtClean="0"/>
               <a:pPr/>
-              <a:t>01/10/2014</a:t>
+              <a:t>05/12/2014</a:t>
             </a:fld>
             <a:endParaRPr lang="en-GB"/>
           </a:p>
@@ -3111,9 +3111,87 @@
             </a:br>
             <a:r>
               <a:rPr lang="en-GB" sz="6000" b="1" dirty="0" smtClean="0"/>
-              <a:t>Introductory Tutorial</a:t>
+              <a:t>Introductory </a:t>
+            </a:r>
+            <a:r>
+              <a:rPr lang="en-GB" sz="6000" b="1" dirty="0" smtClean="0"/>
+              <a:t>Tutorial</a:t>
             </a:r>
             <a:endParaRPr lang="en-GB" sz="6000" b="1" dirty="0"/>
+          </a:p>
+        </p:txBody>
+      </p:sp>
+      <p:sp>
+        <p:nvSpPr>
+          <p:cNvPr id="3" name="Title 1"/>
+          <p:cNvSpPr txBox="1">
+            <a:spLocks/>
+          </p:cNvSpPr>
+          <p:nvPr/>
+        </p:nvSpPr>
+        <p:spPr>
+          <a:xfrm>
+            <a:off x="683568" y="4221088"/>
+            <a:ext cx="7772400" cy="2088232"/>
+          </a:xfrm>
+          <a:prstGeom prst="rect">
+            <a:avLst/>
+          </a:prstGeom>
+        </p:spPr>
+        <p:txBody>
+          <a:bodyPr vert="horz" lIns="91440" tIns="45720" rIns="91440" bIns="45720" rtlCol="0" anchor="ctr">
+            <a:noAutofit/>
+          </a:bodyPr>
+          <a:lstStyle/>
+          <a:p>
+            <a:pPr marL="0" marR="0" lvl="0" indent="0" algn="ctr" defTabSz="914400" rtl="0" eaLnBrk="1" fontAlgn="auto" latinLnBrk="0" hangingPunct="1">
+              <a:lnSpc>
+                <a:spcPct val="100000"/>
+              </a:lnSpc>
+              <a:spcBef>
+                <a:spcPct val="0"/>
+              </a:spcBef>
+              <a:spcAft>
+                <a:spcPts val="0"/>
+              </a:spcAft>
+              <a:buClrTx/>
+              <a:buSzTx/>
+              <a:buFontTx/>
+              <a:buNone/>
+              <a:tabLst/>
+              <a:defRPr/>
+            </a:pPr>
+            <a:r>
+              <a:rPr kumimoji="0" lang="en-GB" sz="6000" b="1" i="0" u="none" strike="noStrike" kern="1200" cap="none" spc="0" normalizeH="0" baseline="0" noProof="0" dirty="0" smtClean="0">
+                <a:ln>
+                  <a:noFill/>
+                </a:ln>
+                <a:solidFill>
+                  <a:srgbClr val="FF0000"/>
+                </a:solidFill>
+                <a:effectLst/>
+                <a:uLnTx/>
+                <a:uFillTx/>
+                <a:latin typeface="+mj-lt"/>
+                <a:ea typeface="+mj-ea"/>
+                <a:cs typeface="+mj-cs"/>
+              </a:rPr>
+              <a:t>[Under Construction]</a:t>
+            </a:r>
+            <a:endParaRPr kumimoji="0" lang="en-GB" sz="6000" b="1" i="0" u="none" strike="noStrike" kern="1200" cap="none" spc="0" normalizeH="0" baseline="0" noProof="0" dirty="0">
+              <a:ln>
+                <a:noFill/>
+              </a:ln>
+              <a:solidFill>
+                <a:srgbClr val="FF0000"/>
+              </a:solidFill>
+              <a:effectLst/>
+              <a:uLnTx/>
+              <a:uFillTx/>
+              <a:latin typeface="+mj-lt"/>
+              <a:ea typeface="+mj-ea"/>
+              <a:cs typeface="+mj-cs"/>
+            </a:endParaRPr>
           </a:p>
         </p:txBody>
       </p:sp>
@@ -3151,7 +3229,7 @@
       </p:grpSpPr>
       <p:pic>
         <p:nvPicPr>
-          <p:cNvPr id="3" name="Picture 2"/>
+          <p:cNvPr id="1026" name="Picture 2"/>
           <p:cNvPicPr>
             <a:picLocks noChangeAspect="1" noChangeArrowheads="1"/>
           </p:cNvPicPr>
@@ -3167,7 +3245,7 @@
         <p:spPr bwMode="auto">
           <a:xfrm>
             <a:off x="251520" y="260648"/>
-            <a:ext cx="5540502" cy="4450842"/>
+            <a:ext cx="5473446" cy="4417314"/>
           </a:xfrm>
           <a:prstGeom prst="rect">
             <a:avLst/>
@@ -3312,19 +3390,7 @@
               <a:rPr lang="en-GB" sz="1600" dirty="0" smtClean="0">
                 <a:cs typeface="Courier New" pitchFamily="49" charset="0"/>
               </a:rPr>
-              <a:t>This file directs the entire model building process, specifying the </a:t>
-            </a:r>
-            <a:r>
-              <a:rPr lang="en-GB" sz="1600" smtClean="0">
-                <a:cs typeface="Courier New" pitchFamily="49" charset="0"/>
-              </a:rPr>
-              <a:t>relevant model-building </a:t>
-            </a:r>
-            <a:r>
-              <a:rPr lang="en-GB" sz="1600" dirty="0" smtClean="0">
-                <a:cs typeface="Courier New" pitchFamily="49" charset="0"/>
-              </a:rPr>
-              <a:t>plug-in(s), and any required reasoning plug-ins to be attached (such as the MEKON-OWL reasoning plug-in), and providing the required configuration information for each.</a:t>
+              <a:t>This file directs the entire model building process, specifying the relevant model-building plug-in(s), and any required reasoning plug-ins to be attached (such as the MEKON-OWL reasoning plug-in), and providing the required configuration information for each.</a:t>
             </a:r>
           </a:p>
           <a:p>
@@ -3383,7 +3449,7 @@
       </p:grpSpPr>
       <p:pic>
         <p:nvPicPr>
-          <p:cNvPr id="2050" name="Picture 2"/>
+          <p:cNvPr id="3" name="Picture 2"/>
           <p:cNvPicPr>
             <a:picLocks noChangeAspect="1" noChangeArrowheads="1"/>
           </p:cNvPicPr>
@@ -3399,7 +3465,7 @@
         <p:spPr bwMode="auto">
           <a:xfrm>
             <a:off x="251520" y="260648"/>
-            <a:ext cx="5540502" cy="4450842"/>
+            <a:ext cx="5473446" cy="4417314"/>
           </a:xfrm>
           <a:prstGeom prst="rect">
             <a:avLst/>
@@ -3586,7 +3652,7 @@
       </p:grpSpPr>
       <p:pic>
         <p:nvPicPr>
-          <p:cNvPr id="2" name="Picture 2"/>
+          <p:cNvPr id="3074" name="Picture 2"/>
           <p:cNvPicPr>
             <a:picLocks noChangeAspect="1" noChangeArrowheads="1"/>
           </p:cNvPicPr>
@@ -3602,7 +3668,7 @@
         <p:spPr bwMode="auto">
           <a:xfrm>
             <a:off x="251520" y="260648"/>
-            <a:ext cx="5540502" cy="4450842"/>
+            <a:ext cx="5473446" cy="4417314"/>
           </a:xfrm>
           <a:prstGeom prst="rect">
             <a:avLst/>
@@ -3786,8 +3852,8 @@
         </p:nvSpPr>
         <p:spPr>
           <a:xfrm>
-            <a:off x="395536" y="5157192"/>
-            <a:ext cx="3168352" cy="1368152"/>
+            <a:off x="431540" y="5121188"/>
+            <a:ext cx="3348372" cy="1440160"/>
           </a:xfrm>
           <a:prstGeom prst="rect">
             <a:avLst/>
@@ -3825,7 +3891,7 @@
         </p:nvSpPr>
         <p:spPr>
           <a:xfrm>
-            <a:off x="827584" y="5877272"/>
+            <a:off x="1007604" y="5913276"/>
             <a:ext cx="2664296" cy="576064"/>
           </a:xfrm>
           <a:prstGeom prst="rect">
@@ -3858,22 +3924,53 @@
       </p:sp>
       <p:sp>
         <p:nvSpPr>
-          <p:cNvPr id="31" name="Oval 30"/>
+          <p:cNvPr id="32" name="TextBox 31"/>
+          <p:cNvSpPr txBox="1"/>
+          <p:nvPr/>
+        </p:nvSpPr>
+        <p:spPr>
+          <a:xfrm>
+            <a:off x="1007604" y="5553236"/>
+            <a:ext cx="2736305" cy="360040"/>
+          </a:xfrm>
+          <a:prstGeom prst="rect">
+            <a:avLst/>
+          </a:prstGeom>
+          <a:noFill/>
+          <a:ln>
+            <a:noFill/>
+          </a:ln>
+        </p:spPr>
+        <p:txBody>
+          <a:bodyPr wrap="square" rtlCol="0">
+            <a:noAutofit/>
+          </a:bodyPr>
+          <a:lstStyle/>
+          <a:p>
+            <a:r>
+              <a:rPr lang="en-GB" sz="1600" dirty="0" smtClean="0"/>
+              <a:t>C-Slot / derived from ontology</a:t>
+            </a:r>
+            <a:endParaRPr lang="en-GB" sz="1600" dirty="0"/>
+          </a:p>
+        </p:txBody>
+      </p:sp>
+      <p:sp>
+        <p:nvSpPr>
+          <p:cNvPr id="11" name="Isosceles Triangle 10"/>
           <p:cNvSpPr/>
           <p:nvPr/>
         </p:nvSpPr>
         <p:spPr>
-          <a:xfrm>
-            <a:off x="539551" y="5949280"/>
-            <a:ext cx="244827" cy="216024"/>
-          </a:xfrm>
-          <a:prstGeom prst="ellipse">
-            <a:avLst/>
-          </a:prstGeom>
-          <a:solidFill>
-            <a:schemeClr val="accent3">
-              <a:lumMod val="50000"/>
-            </a:schemeClr>
+          <a:xfrm rot="5400000">
+            <a:off x="611560" y="5553236"/>
+            <a:ext cx="324036" cy="324036"/>
+          </a:xfrm>
+          <a:prstGeom prst="triangle">
+            <a:avLst/>
+          </a:prstGeom>
+          <a:solidFill>
+            <a:srgbClr val="FF0000"/>
           </a:solidFill>
           <a:ln w="9525">
             <a:solidFill>
@@ -3908,53 +4005,22 @@
       </p:sp>
       <p:sp>
         <p:nvSpPr>
-          <p:cNvPr id="32" name="TextBox 31"/>
-          <p:cNvSpPr txBox="1"/>
-          <p:nvPr/>
-        </p:nvSpPr>
-        <p:spPr>
-          <a:xfrm>
-            <a:off x="827583" y="5517232"/>
-            <a:ext cx="2736305" cy="360040"/>
-          </a:xfrm>
-          <a:prstGeom prst="rect">
-            <a:avLst/>
-          </a:prstGeom>
-          <a:noFill/>
-          <a:ln>
-            <a:noFill/>
-          </a:ln>
-        </p:spPr>
-        <p:txBody>
-          <a:bodyPr wrap="square" rtlCol="0">
-            <a:noAutofit/>
-          </a:bodyPr>
-          <a:lstStyle/>
-          <a:p>
-            <a:r>
-              <a:rPr lang="en-GB" sz="1600" dirty="0" smtClean="0"/>
-              <a:t>C-Slot / derived from ontology</a:t>
-            </a:r>
-            <a:endParaRPr lang="en-GB" sz="1600" dirty="0"/>
-          </a:p>
-        </p:txBody>
-      </p:sp>
-      <p:sp>
-        <p:nvSpPr>
-          <p:cNvPr id="33" name="Isosceles Triangle 32"/>
+          <p:cNvPr id="12" name="Oval 11"/>
           <p:cNvSpPr/>
           <p:nvPr/>
         </p:nvSpPr>
         <p:spPr>
-          <a:xfrm rot="5400000">
-            <a:off x="553955" y="5574836"/>
-            <a:ext cx="216020" cy="244827"/>
-          </a:xfrm>
-          <a:prstGeom prst="triangle">
-            <a:avLst/>
-          </a:prstGeom>
-          <a:solidFill>
-            <a:srgbClr val="C00000"/>
+          <a:xfrm>
+            <a:off x="611560" y="6021288"/>
+            <a:ext cx="324036" cy="288032"/>
+          </a:xfrm>
+          <a:prstGeom prst="ellipse">
+            <a:avLst/>
+          </a:prstGeom>
+          <a:solidFill>
+            <a:schemeClr val="accent3">
+              <a:lumMod val="75000"/>
+            </a:schemeClr>
           </a:solidFill>
           <a:ln w="9525">
             <a:solidFill>
@@ -3983,7 +4049,7 @@
           <a:lstStyle/>
           <a:p>
             <a:pPr algn="ctr"/>
-            <a:endParaRPr lang="en-GB" sz="1600"/>
+            <a:endParaRPr lang="en-GB" sz="1600" dirty="0"/>
           </a:p>
         </p:txBody>
       </p:sp>
@@ -4021,7 +4087,7 @@
       </p:grpSpPr>
       <p:pic>
         <p:nvPicPr>
-          <p:cNvPr id="3" name="Picture 2"/>
+          <p:cNvPr id="4" name="Picture 2"/>
           <p:cNvPicPr>
             <a:picLocks noChangeAspect="1" noChangeArrowheads="1"/>
           </p:cNvPicPr>
@@ -4037,7 +4103,7 @@
         <p:spPr bwMode="auto">
           <a:xfrm>
             <a:off x="251520" y="260648"/>
-            <a:ext cx="5540502" cy="4450842"/>
+            <a:ext cx="5473446" cy="4417314"/>
           </a:xfrm>
           <a:prstGeom prst="rect">
             <a:avLst/>
@@ -4100,7 +4166,19 @@
               <a:rPr lang="en-GB" sz="1600" dirty="0" smtClean="0">
                 <a:cs typeface="Courier New" pitchFamily="49" charset="0"/>
               </a:rPr>
-              <a:t>Each C-Slot provides a value-type, which defines the valid values for the instantiating I-Slots. Value-types are represented via entities from the level above that of the values that I-Slot will have:</a:t>
+              <a:t>Each C-Slot provides a value-type, which defines the valid values for the instantiating I-Slots. Value-types are represented via entities from the level above that of the values </a:t>
+            </a:r>
+            <a:r>
+              <a:rPr lang="en-GB" sz="1600" dirty="0" smtClean="0">
+                <a:cs typeface="Courier New" pitchFamily="49" charset="0"/>
+              </a:rPr>
+              <a:t>that the </a:t>
+            </a:r>
+            <a:r>
+              <a:rPr lang="en-GB" sz="1600" dirty="0" smtClean="0">
+                <a:cs typeface="Courier New" pitchFamily="49" charset="0"/>
+              </a:rPr>
+              <a:t>I-Slot will have:</a:t>
             </a:r>
           </a:p>
           <a:p>
@@ -4269,7 +4347,7 @@
       </p:grpSpPr>
       <p:pic>
         <p:nvPicPr>
-          <p:cNvPr id="4099" name="Picture 3"/>
+          <p:cNvPr id="4098" name="Picture 2"/>
           <p:cNvPicPr>
             <a:picLocks noChangeAspect="1" noChangeArrowheads="1"/>
           </p:cNvPicPr>
@@ -4285,7 +4363,7 @@
         <p:spPr bwMode="auto">
           <a:xfrm>
             <a:off x="251520" y="260648"/>
-            <a:ext cx="5540502" cy="4450842"/>
+            <a:ext cx="5473446" cy="4417314"/>
           </a:xfrm>
           <a:prstGeom prst="rect">
             <a:avLst/>
@@ -4340,7 +4418,15 @@
           <a:p>
             <a:r>
               <a:rPr lang="en-GB" sz="1600" dirty="0" smtClean="0"/>
-              <a:t>Recursively expand sections of tree under </a:t>
+              <a:t>Recursively expand </a:t>
+            </a:r>
+            <a:r>
+              <a:rPr lang="en-GB" sz="1600" dirty="0" smtClean="0"/>
+              <a:t>section </a:t>
+            </a:r>
+            <a:r>
+              <a:rPr lang="en-GB" sz="1600" dirty="0" smtClean="0"/>
+              <a:t>of tree under </a:t>
             </a:r>
             <a:r>
               <a:rPr lang="en-GB" sz="1600" dirty="0" smtClean="0">
@@ -4466,8 +4552,8 @@
         </p:nvSpPr>
         <p:spPr>
           <a:xfrm>
-            <a:off x="539552" y="5373216"/>
-            <a:ext cx="3528392" cy="792088"/>
+            <a:off x="503548" y="5301208"/>
+            <a:ext cx="3636404" cy="864096"/>
           </a:xfrm>
           <a:prstGeom prst="rect">
             <a:avLst/>
@@ -4505,8 +4591,8 @@
         </p:nvSpPr>
         <p:spPr>
           <a:xfrm>
-            <a:off x="971600" y="5733256"/>
-            <a:ext cx="3096344" cy="360040"/>
+            <a:off x="1079612" y="5733256"/>
+            <a:ext cx="2988332" cy="360040"/>
           </a:xfrm>
           <a:prstGeom prst="rect">
             <a:avLst/>
@@ -4532,20 +4618,20 @@
       </p:sp>
       <p:sp>
         <p:nvSpPr>
-          <p:cNvPr id="15" name="Rectangle 14"/>
+          <p:cNvPr id="9" name="Rectangle 8"/>
           <p:cNvSpPr/>
           <p:nvPr/>
         </p:nvSpPr>
         <p:spPr>
           <a:xfrm>
-            <a:off x="683568" y="5805264"/>
-            <a:ext cx="216024" cy="216024"/>
+            <a:off x="647564" y="5733256"/>
+            <a:ext cx="324036" cy="288032"/>
           </a:xfrm>
           <a:prstGeom prst="rect">
             <a:avLst/>
           </a:prstGeom>
           <a:solidFill>
-            <a:srgbClr val="C00000"/>
+            <a:srgbClr val="FF0000"/>
           </a:solidFill>
           <a:ln w="9525">
             <a:solidFill>
@@ -4574,7 +4660,7 @@
           <a:lstStyle/>
           <a:p>
             <a:pPr algn="ctr"/>
-            <a:endParaRPr lang="en-GB" sz="1600"/>
+            <a:endParaRPr lang="en-GB" sz="1600" dirty="0"/>
           </a:p>
         </p:txBody>
       </p:sp>
@@ -4612,7 +4698,7 @@
       </p:grpSpPr>
       <p:pic>
         <p:nvPicPr>
-          <p:cNvPr id="3" name="Picture 3"/>
+          <p:cNvPr id="4" name="Picture 2"/>
           <p:cNvPicPr>
             <a:picLocks noChangeAspect="1" noChangeArrowheads="1"/>
           </p:cNvPicPr>
@@ -4628,7 +4714,7 @@
         <p:spPr bwMode="auto">
           <a:xfrm>
             <a:off x="251520" y="260648"/>
-            <a:ext cx="5540502" cy="4450842"/>
+            <a:ext cx="5473446" cy="4417314"/>
           </a:xfrm>
           <a:prstGeom prst="rect">
             <a:avLst/>
@@ -4769,9 +4855,69 @@
           <a:chExt cx="0" cy="0"/>
         </a:xfrm>
       </p:grpSpPr>
+      <p:sp>
+        <p:nvSpPr>
+          <p:cNvPr id="13" name="TextBox 12"/>
+          <p:cNvSpPr txBox="1"/>
+          <p:nvPr/>
+        </p:nvSpPr>
+        <p:spPr>
+          <a:xfrm>
+            <a:off x="2915816" y="5085184"/>
+            <a:ext cx="5688632" cy="1354217"/>
+          </a:xfrm>
+          <a:prstGeom prst="rect">
+            <a:avLst/>
+          </a:prstGeom>
+          <a:solidFill>
+            <a:schemeClr val="tx2">
+              <a:lumMod val="40000"/>
+              <a:lumOff val="60000"/>
+            </a:schemeClr>
+          </a:solidFill>
+          <a:ln>
+            <a:solidFill>
+              <a:schemeClr val="tx1"/>
+            </a:solidFill>
+          </a:ln>
+        </p:spPr>
+        <p:txBody>
+          <a:bodyPr wrap="square" rtlCol="0">
+            <a:spAutoFit/>
+          </a:bodyPr>
+          <a:lstStyle/>
+          <a:p>
+            <a:r>
+              <a:rPr lang="en-GB" b="1" dirty="0" smtClean="0"/>
+              <a:t>Actions:</a:t>
+            </a:r>
+            <a:endParaRPr lang="en-GB" dirty="0"/>
+          </a:p>
+          <a:p>
+            <a:pPr marL="457200" indent="-457200">
+              <a:buFont typeface="+mj-lt"/>
+              <a:buAutoNum type="arabicPeriod"/>
+            </a:pPr>
+            <a:r>
+              <a:rPr lang="en-GB" sz="1600" dirty="0" smtClean="0"/>
+              <a:t>Navigate backwards and forwards through previous selections using “&lt;“ and “&gt;” arrows in top left of GUI</a:t>
+            </a:r>
+          </a:p>
+          <a:p>
+            <a:pPr marL="457200" indent="-457200">
+              <a:buFont typeface="+mj-lt"/>
+              <a:buAutoNum type="arabicPeriod"/>
+            </a:pPr>
+            <a:r>
+              <a:rPr lang="en-GB" sz="1600" dirty="0" smtClean="0"/>
+              <a:t>Select any C-Frame in the RH panel to update selection in LH panel (and hence to update displayed details in RH panel)</a:t>
+            </a:r>
+          </a:p>
+        </p:txBody>
+      </p:sp>
       <p:pic>
         <p:nvPicPr>
-          <p:cNvPr id="4099" name="Picture 3"/>
+          <p:cNvPr id="4" name="Picture 2"/>
           <p:cNvPicPr>
             <a:picLocks noChangeAspect="1" noChangeArrowheads="1"/>
           </p:cNvPicPr>
@@ -4787,7 +4933,7 @@
         <p:spPr bwMode="auto">
           <a:xfrm>
             <a:off x="251520" y="260648"/>
-            <a:ext cx="5540502" cy="4450842"/>
+            <a:ext cx="5473446" cy="4417314"/>
           </a:xfrm>
           <a:prstGeom prst="rect">
             <a:avLst/>
@@ -4801,66 +4947,6 @@
           </a:ln>
         </p:spPr>
       </p:pic>
-      <p:sp>
-        <p:nvSpPr>
-          <p:cNvPr id="13" name="TextBox 12"/>
-          <p:cNvSpPr txBox="1"/>
-          <p:nvPr/>
-        </p:nvSpPr>
-        <p:spPr>
-          <a:xfrm>
-            <a:off x="2915816" y="5085184"/>
-            <a:ext cx="5688632" cy="1354217"/>
-          </a:xfrm>
-          <a:prstGeom prst="rect">
-            <a:avLst/>
-          </a:prstGeom>
-          <a:solidFill>
-            <a:schemeClr val="tx2">
-              <a:lumMod val="40000"/>
-              <a:lumOff val="60000"/>
-            </a:schemeClr>
-          </a:solidFill>
-          <a:ln>
-            <a:solidFill>
-              <a:schemeClr val="tx1"/>
-            </a:solidFill>
-          </a:ln>
-        </p:spPr>
-        <p:txBody>
-          <a:bodyPr wrap="square" rtlCol="0">
-            <a:spAutoFit/>
-          </a:bodyPr>
-          <a:lstStyle/>
-          <a:p>
-            <a:r>
-              <a:rPr lang="en-GB" b="1" dirty="0" smtClean="0"/>
-              <a:t>Actions:</a:t>
-            </a:r>
-            <a:endParaRPr lang="en-GB" dirty="0"/>
-          </a:p>
-          <a:p>
-            <a:pPr marL="457200" indent="-457200">
-              <a:buFont typeface="+mj-lt"/>
-              <a:buAutoNum type="arabicPeriod"/>
-            </a:pPr>
-            <a:r>
-              <a:rPr lang="en-GB" sz="1600" dirty="0" smtClean="0"/>
-              <a:t>Navigate backwards and forwards through previous selections using “&lt;“ and “&gt;” arrows in top left of GUI</a:t>
-            </a:r>
-          </a:p>
-          <a:p>
-            <a:pPr marL="457200" indent="-457200">
-              <a:buFont typeface="+mj-lt"/>
-              <a:buAutoNum type="arabicPeriod"/>
-            </a:pPr>
-            <a:r>
-              <a:rPr lang="en-GB" sz="1600" dirty="0" smtClean="0"/>
-              <a:t>Select any C-Frame in the RH panel to update selection in LH panel (and hence to update displayed details in RH panel)</a:t>
-            </a:r>
-          </a:p>
-        </p:txBody>
-      </p:sp>
     </p:spTree>
   </p:cSld>
   <p:clrMapOvr>
@@ -4895,7 +4981,7 @@
       </p:grpSpPr>
       <p:pic>
         <p:nvPicPr>
-          <p:cNvPr id="3075" name="Picture 3"/>
+          <p:cNvPr id="5122" name="Picture 2"/>
           <p:cNvPicPr>
             <a:picLocks noChangeAspect="1" noChangeArrowheads="1"/>
           </p:cNvPicPr>
@@ -4911,7 +4997,7 @@
         <p:spPr bwMode="auto">
           <a:xfrm>
             <a:off x="251520" y="260648"/>
-            <a:ext cx="5641086" cy="4450842"/>
+            <a:ext cx="5473446" cy="4417314"/>
           </a:xfrm>
           <a:prstGeom prst="rect">
             <a:avLst/>
@@ -5169,8 +5255,8 @@
         </p:nvSpPr>
         <p:spPr>
           <a:xfrm>
-            <a:off x="611560" y="5373216"/>
-            <a:ext cx="2520280" cy="792088"/>
+            <a:off x="575556" y="5373216"/>
+            <a:ext cx="2412268" cy="792088"/>
           </a:xfrm>
           <a:prstGeom prst="rect">
             <a:avLst/>
@@ -5208,7 +5294,7 @@
         </p:nvSpPr>
         <p:spPr>
           <a:xfrm>
-            <a:off x="1187624" y="5733256"/>
+            <a:off x="1115616" y="5733256"/>
             <a:ext cx="1728192" cy="360040"/>
           </a:xfrm>
           <a:prstGeom prst="rect">
@@ -5235,20 +5321,20 @@
       </p:sp>
       <p:sp>
         <p:nvSpPr>
-          <p:cNvPr id="8" name="Oval 7"/>
+          <p:cNvPr id="10" name="Oval 9"/>
           <p:cNvSpPr/>
           <p:nvPr/>
         </p:nvSpPr>
         <p:spPr>
           <a:xfrm>
-            <a:off x="899592" y="5805264"/>
-            <a:ext cx="216024" cy="216024"/>
+            <a:off x="719572" y="5769260"/>
+            <a:ext cx="324036" cy="288032"/>
           </a:xfrm>
           <a:prstGeom prst="ellipse">
             <a:avLst/>
           </a:prstGeom>
           <a:solidFill>
-            <a:srgbClr val="C00000"/>
+            <a:schemeClr val="bg1"/>
           </a:solidFill>
           <a:ln w="9525">
             <a:solidFill>
@@ -5277,7 +5363,7 @@
           <a:lstStyle/>
           <a:p>
             <a:pPr algn="ctr"/>
-            <a:endParaRPr lang="en-GB" sz="1600"/>
+            <a:endParaRPr lang="en-GB" sz="1600" dirty="0"/>
           </a:p>
         </p:txBody>
       </p:sp>
@@ -5289,8 +5375,8 @@
         </p:nvSpPr>
         <p:spPr>
           <a:xfrm>
-            <a:off x="899592" y="5877272"/>
-            <a:ext cx="216024" cy="72008"/>
+            <a:off x="719572" y="5877272"/>
+            <a:ext cx="324036" cy="72008"/>
           </a:xfrm>
           <a:prstGeom prst="rect">
             <a:avLst/>
@@ -5363,7 +5449,7 @@
       </p:grpSpPr>
       <p:pic>
         <p:nvPicPr>
-          <p:cNvPr id="3" name="Picture 3"/>
+          <p:cNvPr id="4" name="Picture 2"/>
           <p:cNvPicPr>
             <a:picLocks noChangeAspect="1" noChangeArrowheads="1"/>
           </p:cNvPicPr>
@@ -5379,7 +5465,7 @@
         <p:spPr bwMode="auto">
           <a:xfrm>
             <a:off x="251520" y="260648"/>
-            <a:ext cx="5641086" cy="4450842"/>
+            <a:ext cx="5473446" cy="4417314"/>
           </a:xfrm>
           <a:prstGeom prst="rect">
             <a:avLst/>
@@ -5563,7 +5649,7 @@
       </p:grpSpPr>
       <p:pic>
         <p:nvPicPr>
-          <p:cNvPr id="4098" name="Picture 2"/>
+          <p:cNvPr id="6146" name="Picture 2"/>
           <p:cNvPicPr>
             <a:picLocks noChangeAspect="1" noChangeArrowheads="1"/>
           </p:cNvPicPr>
@@ -5579,7 +5665,7 @@
         <p:spPr bwMode="auto">
           <a:xfrm>
             <a:off x="251520" y="260648"/>
-            <a:ext cx="5708142" cy="4450842"/>
+            <a:ext cx="5473446" cy="4417314"/>
           </a:xfrm>
           <a:prstGeom prst="rect">
             <a:avLst/>
@@ -6101,7 +6187,7 @@
       </p:grpSpPr>
       <p:pic>
         <p:nvPicPr>
-          <p:cNvPr id="1027" name="Picture 3"/>
+          <p:cNvPr id="7170" name="Picture 2"/>
           <p:cNvPicPr>
             <a:picLocks noChangeAspect="1" noChangeArrowheads="1"/>
           </p:cNvPicPr>
@@ -6117,7 +6203,7 @@
         <p:spPr bwMode="auto">
           <a:xfrm>
             <a:off x="395536" y="332656"/>
-            <a:ext cx="5657850" cy="4610100"/>
+            <a:ext cx="5465064" cy="4408932"/>
           </a:xfrm>
           <a:prstGeom prst="rect">
             <a:avLst/>
@@ -6131,6 +6217,347 @@
           </a:ln>
         </p:spPr>
       </p:pic>
+      <p:sp>
+        <p:nvSpPr>
+          <p:cNvPr id="4" name="TextBox 3"/>
+          <p:cNvSpPr txBox="1"/>
+          <p:nvPr/>
+        </p:nvSpPr>
+        <p:spPr>
+          <a:xfrm>
+            <a:off x="4752020" y="1304764"/>
+            <a:ext cx="3132348" cy="1846659"/>
+          </a:xfrm>
+          <a:prstGeom prst="rect">
+            <a:avLst/>
+          </a:prstGeom>
+          <a:solidFill>
+            <a:schemeClr val="tx2">
+              <a:lumMod val="40000"/>
+              <a:lumOff val="60000"/>
+            </a:schemeClr>
+          </a:solidFill>
+          <a:ln>
+            <a:solidFill>
+              <a:schemeClr val="tx1"/>
+            </a:solidFill>
+          </a:ln>
+        </p:spPr>
+        <p:txBody>
+          <a:bodyPr wrap="square" rtlCol="0">
+            <a:spAutoFit/>
+          </a:bodyPr>
+          <a:lstStyle/>
+          <a:p>
+            <a:r>
+              <a:rPr lang="en-GB" b="1" dirty="0" smtClean="0"/>
+              <a:t>Actions:</a:t>
+            </a:r>
+            <a:endParaRPr lang="en-GB" dirty="0"/>
+          </a:p>
+          <a:p>
+            <a:pPr marL="457200" indent="-457200">
+              <a:buFont typeface="+mj-lt"/>
+              <a:buAutoNum type="arabicPeriod"/>
+            </a:pPr>
+            <a:r>
+              <a:rPr lang="en-GB" sz="1600" dirty="0" smtClean="0"/>
+              <a:t>Invoke ME with </a:t>
+            </a:r>
+            <a:r>
+              <a:rPr lang="en-GB" sz="1600" dirty="0" smtClean="0"/>
+              <a:t>hybrid HOBO/MEKON, </a:t>
+            </a:r>
+            <a:r>
+              <a:rPr lang="en-GB" sz="1600" dirty="0" smtClean="0"/>
+              <a:t>object model (OM) /</a:t>
+            </a:r>
+            <a:r>
+              <a:rPr lang="en-GB" sz="1600" dirty="0" smtClean="0"/>
+              <a:t>frames model (FM) version </a:t>
+            </a:r>
+            <a:r>
+              <a:rPr lang="en-GB" sz="1600" dirty="0" smtClean="0"/>
+              <a:t>of demo model</a:t>
+            </a:r>
+          </a:p>
+          <a:p>
+            <a:pPr marL="457200" indent="-457200">
+              <a:buFont typeface="+mj-lt"/>
+              <a:buAutoNum type="arabicPeriod"/>
+            </a:pPr>
+            <a:r>
+              <a:rPr lang="en-GB" sz="1600" dirty="0" smtClean="0"/>
+              <a:t>Open-up and explore tree in LH panel</a:t>
+            </a:r>
+          </a:p>
+        </p:txBody>
+      </p:sp>
+      <p:sp>
+        <p:nvSpPr>
+          <p:cNvPr id="6" name="TextBox 5"/>
+          <p:cNvSpPr txBox="1"/>
+          <p:nvPr/>
+        </p:nvSpPr>
+        <p:spPr>
+          <a:xfrm>
+            <a:off x="539552" y="5049180"/>
+            <a:ext cx="3636404" cy="1440160"/>
+          </a:xfrm>
+          <a:prstGeom prst="rect">
+            <a:avLst/>
+          </a:prstGeom>
+          <a:solidFill>
+            <a:schemeClr val="accent4">
+              <a:lumMod val="60000"/>
+              <a:lumOff val="40000"/>
+            </a:schemeClr>
+          </a:solidFill>
+          <a:ln>
+            <a:solidFill>
+              <a:schemeClr val="tx1"/>
+            </a:solidFill>
+          </a:ln>
+        </p:spPr>
+        <p:txBody>
+          <a:bodyPr wrap="square" rtlCol="0">
+            <a:noAutofit/>
+          </a:bodyPr>
+          <a:lstStyle/>
+          <a:p>
+            <a:r>
+              <a:rPr lang="en-GB" b="1" dirty="0" smtClean="0"/>
+              <a:t>Icons Recap:</a:t>
+            </a:r>
+          </a:p>
+        </p:txBody>
+      </p:sp>
+      <p:sp>
+        <p:nvSpPr>
+          <p:cNvPr id="7" name="TextBox 6"/>
+          <p:cNvSpPr txBox="1"/>
+          <p:nvPr/>
+        </p:nvSpPr>
+        <p:spPr>
+          <a:xfrm>
+            <a:off x="1079612" y="5409220"/>
+            <a:ext cx="2916324" cy="360040"/>
+          </a:xfrm>
+          <a:prstGeom prst="rect">
+            <a:avLst/>
+          </a:prstGeom>
+          <a:noFill/>
+          <a:ln>
+            <a:noFill/>
+          </a:ln>
+        </p:spPr>
+        <p:txBody>
+          <a:bodyPr wrap="square" rtlCol="0">
+            <a:noAutofit/>
+          </a:bodyPr>
+          <a:lstStyle/>
+          <a:p>
+            <a:r>
+              <a:rPr lang="en-GB" sz="1600" dirty="0" smtClean="0"/>
+              <a:t>C-Frame / derived from </a:t>
+            </a:r>
+            <a:r>
+              <a:rPr lang="en-GB" sz="1600" dirty="0" smtClean="0"/>
+              <a:t>OM only</a:t>
+            </a:r>
+            <a:endParaRPr lang="en-GB" sz="1600" dirty="0"/>
+          </a:p>
+        </p:txBody>
+      </p:sp>
+      <p:sp>
+        <p:nvSpPr>
+          <p:cNvPr id="9" name="TextBox 8"/>
+          <p:cNvSpPr txBox="1"/>
+          <p:nvPr/>
+        </p:nvSpPr>
+        <p:spPr>
+          <a:xfrm>
+            <a:off x="1079612" y="5805264"/>
+            <a:ext cx="2556284" cy="648072"/>
+          </a:xfrm>
+          <a:prstGeom prst="rect">
+            <a:avLst/>
+          </a:prstGeom>
+          <a:noFill/>
+          <a:ln>
+            <a:noFill/>
+          </a:ln>
+        </p:spPr>
+        <p:txBody>
+          <a:bodyPr wrap="square" rtlCol="0">
+            <a:noAutofit/>
+          </a:bodyPr>
+          <a:lstStyle/>
+          <a:p>
+            <a:r>
+              <a:rPr lang="en-GB" sz="1600" dirty="0" smtClean="0"/>
+              <a:t>C-Frame / derived from </a:t>
+            </a:r>
+            <a:r>
+              <a:rPr lang="en-GB" sz="1600" dirty="0" smtClean="0"/>
+              <a:t>both </a:t>
+            </a:r>
+            <a:r>
+              <a:rPr lang="en-GB" sz="1600" dirty="0" smtClean="0"/>
+              <a:t>OM and ontology</a:t>
+            </a:r>
+            <a:endParaRPr lang="en-GB" sz="1600" dirty="0"/>
+          </a:p>
+        </p:txBody>
+      </p:sp>
+      <p:sp>
+        <p:nvSpPr>
+          <p:cNvPr id="13" name="Oval 12"/>
+          <p:cNvSpPr/>
+          <p:nvPr/>
+        </p:nvSpPr>
+        <p:spPr>
+          <a:xfrm>
+            <a:off x="647564" y="5445224"/>
+            <a:ext cx="324036" cy="288032"/>
+          </a:xfrm>
+          <a:prstGeom prst="ellipse">
+            <a:avLst/>
+          </a:prstGeom>
+          <a:solidFill>
+            <a:srgbClr val="411DD9"/>
+          </a:solidFill>
+          <a:ln w="9525">
+            <a:solidFill>
+              <a:schemeClr val="tx1"/>
+            </a:solidFill>
+          </a:ln>
+        </p:spPr>
+        <p:style>
+          <a:lnRef idx="2">
+            <a:schemeClr val="accent1">
+              <a:shade val="50000"/>
+            </a:schemeClr>
+          </a:lnRef>
+          <a:fillRef idx="1">
+            <a:schemeClr val="accent1"/>
+          </a:fillRef>
+          <a:effectRef idx="0">
+            <a:schemeClr val="accent1"/>
+          </a:effectRef>
+          <a:fontRef idx="minor">
+            <a:schemeClr val="lt1"/>
+          </a:fontRef>
+        </p:style>
+        <p:txBody>
+          <a:bodyPr rtlCol="0" anchor="ctr"/>
+          <a:lstStyle/>
+          <a:p>
+            <a:pPr algn="ctr"/>
+            <a:endParaRPr lang="en-GB" sz="1600"/>
+          </a:p>
+        </p:txBody>
+      </p:sp>
+      <p:sp>
+        <p:nvSpPr>
+          <p:cNvPr id="16" name="Oval 15"/>
+          <p:cNvSpPr/>
+          <p:nvPr/>
+        </p:nvSpPr>
+        <p:spPr>
+          <a:xfrm>
+            <a:off x="647564" y="5913276"/>
+            <a:ext cx="324036" cy="288032"/>
+          </a:xfrm>
+          <a:prstGeom prst="ellipse">
+            <a:avLst/>
+          </a:prstGeom>
+          <a:solidFill>
+            <a:srgbClr val="411DD9"/>
+          </a:solidFill>
+          <a:ln w="9525">
+            <a:solidFill>
+              <a:schemeClr val="tx1"/>
+            </a:solidFill>
+          </a:ln>
+        </p:spPr>
+        <p:style>
+          <a:lnRef idx="2">
+            <a:schemeClr val="accent1">
+              <a:shade val="50000"/>
+            </a:schemeClr>
+          </a:lnRef>
+          <a:fillRef idx="1">
+            <a:schemeClr val="accent1"/>
+          </a:fillRef>
+          <a:effectRef idx="0">
+            <a:schemeClr val="accent1"/>
+          </a:effectRef>
+          <a:fontRef idx="minor">
+            <a:schemeClr val="lt1"/>
+          </a:fontRef>
+        </p:style>
+        <p:txBody>
+          <a:bodyPr rtlCol="0" anchor="ctr"/>
+          <a:lstStyle/>
+          <a:p>
+            <a:pPr algn="ctr"/>
+            <a:endParaRPr lang="en-GB" sz="1600"/>
+          </a:p>
+        </p:txBody>
+      </p:sp>
+      <p:sp>
+        <p:nvSpPr>
+          <p:cNvPr id="10" name="Oval 9"/>
+          <p:cNvSpPr/>
+          <p:nvPr/>
+        </p:nvSpPr>
+        <p:spPr>
+          <a:xfrm>
+            <a:off x="719572" y="5985284"/>
+            <a:ext cx="180020" cy="144016"/>
+          </a:xfrm>
+          <a:prstGeom prst="ellipse">
+            <a:avLst/>
+          </a:prstGeom>
+          <a:solidFill>
+            <a:srgbClr val="FF0000"/>
+          </a:solidFill>
+          <a:ln w="9525">
+            <a:solidFill>
+              <a:schemeClr val="tx1"/>
+            </a:solidFill>
+          </a:ln>
+        </p:spPr>
+        <p:style>
+          <a:lnRef idx="2">
+            <a:schemeClr val="accent1">
+              <a:shade val="50000"/>
+            </a:schemeClr>
+          </a:lnRef>
+          <a:fillRef idx="1">
+            <a:schemeClr val="accent1"/>
+          </a:fillRef>
+          <a:effectRef idx="0">
+            <a:schemeClr val="accent1"/>
+          </a:effectRef>
+          <a:fontRef idx="minor">
+            <a:schemeClr val="lt1"/>
+          </a:fontRef>
+        </p:style>
+        <p:txBody>
+          <a:bodyPr rtlCol="0" anchor="ctr"/>
+          <a:lstStyle/>
+          <a:p>
+            <a:pPr algn="ctr"/>
+            <a:endParaRPr lang="en-GB" sz="1600" dirty="0">
+              <a:solidFill>
+                <a:srgbClr val="FF0000"/>
+              </a:solidFill>
+            </a:endParaRPr>
+          </a:p>
+        </p:txBody>
+      </p:sp>
     </p:spTree>
   </p:cSld>
   <p:clrMapOvr>
@@ -6165,7 +6592,7 @@
       </p:grpSpPr>
       <p:pic>
         <p:nvPicPr>
-          <p:cNvPr id="2050" name="Picture 2"/>
+          <p:cNvPr id="8194" name="Picture 2"/>
           <p:cNvPicPr>
             <a:picLocks noChangeAspect="1" noChangeArrowheads="1"/>
           </p:cNvPicPr>
@@ -6181,7 +6608,7 @@
         <p:spPr bwMode="auto">
           <a:xfrm>
             <a:off x="395536" y="332656"/>
-            <a:ext cx="5657850" cy="4610100"/>
+            <a:ext cx="5465064" cy="4408932"/>
           </a:xfrm>
           <a:prstGeom prst="rect">
             <a:avLst/>
@@ -6195,6 +6622,577 @@
           </a:ln>
         </p:spPr>
       </p:pic>
+      <p:sp>
+        <p:nvSpPr>
+          <p:cNvPr id="4" name="TextBox 3"/>
+          <p:cNvSpPr txBox="1"/>
+          <p:nvPr/>
+        </p:nvSpPr>
+        <p:spPr>
+          <a:xfrm>
+            <a:off x="395536" y="4869160"/>
+            <a:ext cx="4680520" cy="1728192"/>
+          </a:xfrm>
+          <a:prstGeom prst="rect">
+            <a:avLst/>
+          </a:prstGeom>
+          <a:solidFill>
+            <a:schemeClr val="accent4">
+              <a:lumMod val="60000"/>
+              <a:lumOff val="40000"/>
+            </a:schemeClr>
+          </a:solidFill>
+          <a:ln>
+            <a:solidFill>
+              <a:schemeClr val="tx1"/>
+            </a:solidFill>
+          </a:ln>
+        </p:spPr>
+        <p:txBody>
+          <a:bodyPr wrap="square" rtlCol="0">
+            <a:noAutofit/>
+          </a:bodyPr>
+          <a:lstStyle/>
+          <a:p>
+            <a:r>
+              <a:rPr lang="en-GB" b="1" dirty="0" smtClean="0"/>
+              <a:t>Icons Recap:</a:t>
+            </a:r>
+          </a:p>
+        </p:txBody>
+      </p:sp>
+      <p:sp>
+        <p:nvSpPr>
+          <p:cNvPr id="7" name="TextBox 6"/>
+          <p:cNvSpPr txBox="1"/>
+          <p:nvPr/>
+        </p:nvSpPr>
+        <p:spPr>
+          <a:xfrm>
+            <a:off x="971600" y="5697252"/>
+            <a:ext cx="3924436" cy="360040"/>
+          </a:xfrm>
+          <a:prstGeom prst="rect">
+            <a:avLst/>
+          </a:prstGeom>
+          <a:noFill/>
+          <a:ln>
+            <a:noFill/>
+          </a:ln>
+        </p:spPr>
+        <p:txBody>
+          <a:bodyPr wrap="square" rtlCol="0">
+            <a:noAutofit/>
+          </a:bodyPr>
+          <a:lstStyle/>
+          <a:p>
+            <a:r>
+              <a:rPr lang="en-GB" sz="1600" dirty="0" smtClean="0"/>
+              <a:t>C-Slot </a:t>
+            </a:r>
+            <a:r>
+              <a:rPr lang="en-GB" sz="1600" dirty="0" smtClean="0"/>
+              <a:t>/ derived from </a:t>
+            </a:r>
+            <a:r>
+              <a:rPr lang="en-GB" sz="1600" dirty="0" smtClean="0"/>
+              <a:t>both </a:t>
+            </a:r>
+            <a:r>
+              <a:rPr lang="en-GB" sz="1600" dirty="0" smtClean="0"/>
+              <a:t>OM and ontology</a:t>
+            </a:r>
+            <a:endParaRPr lang="en-GB" sz="1600" dirty="0"/>
+          </a:p>
+        </p:txBody>
+      </p:sp>
+      <p:sp>
+        <p:nvSpPr>
+          <p:cNvPr id="11" name="TextBox 10"/>
+          <p:cNvSpPr txBox="1"/>
+          <p:nvPr/>
+        </p:nvSpPr>
+        <p:spPr>
+          <a:xfrm>
+            <a:off x="971600" y="6129300"/>
+            <a:ext cx="3744416" cy="360040"/>
+          </a:xfrm>
+          <a:prstGeom prst="rect">
+            <a:avLst/>
+          </a:prstGeom>
+          <a:noFill/>
+          <a:ln>
+            <a:noFill/>
+          </a:ln>
+        </p:spPr>
+        <p:txBody>
+          <a:bodyPr wrap="square" rtlCol="0">
+            <a:noAutofit/>
+          </a:bodyPr>
+          <a:lstStyle/>
+          <a:p>
+            <a:r>
+              <a:rPr lang="en-GB" sz="1600" dirty="0" smtClean="0"/>
+              <a:t>C-Slot </a:t>
+            </a:r>
+            <a:r>
+              <a:rPr lang="en-GB" sz="1600" dirty="0" smtClean="0"/>
+              <a:t>/ derived from </a:t>
+            </a:r>
+            <a:r>
+              <a:rPr lang="en-GB" sz="1600" dirty="0" smtClean="0"/>
+              <a:t>OM only (not shown)</a:t>
+            </a:r>
+            <a:endParaRPr lang="en-GB" sz="1600" dirty="0"/>
+          </a:p>
+        </p:txBody>
+      </p:sp>
+      <p:sp>
+        <p:nvSpPr>
+          <p:cNvPr id="12" name="Isosceles Triangle 11"/>
+          <p:cNvSpPr/>
+          <p:nvPr/>
+        </p:nvSpPr>
+        <p:spPr>
+          <a:xfrm rot="5400000">
+            <a:off x="539552" y="5697252"/>
+            <a:ext cx="324036" cy="324036"/>
+          </a:xfrm>
+          <a:prstGeom prst="triangle">
+            <a:avLst/>
+          </a:prstGeom>
+          <a:solidFill>
+            <a:srgbClr val="411DD9"/>
+          </a:solidFill>
+          <a:ln w="9525">
+            <a:solidFill>
+              <a:schemeClr val="tx1"/>
+            </a:solidFill>
+          </a:ln>
+        </p:spPr>
+        <p:style>
+          <a:lnRef idx="2">
+            <a:schemeClr val="accent1">
+              <a:shade val="50000"/>
+            </a:schemeClr>
+          </a:lnRef>
+          <a:fillRef idx="1">
+            <a:schemeClr val="accent1"/>
+          </a:fillRef>
+          <a:effectRef idx="0">
+            <a:schemeClr val="accent1"/>
+          </a:effectRef>
+          <a:fontRef idx="minor">
+            <a:schemeClr val="lt1"/>
+          </a:fontRef>
+        </p:style>
+        <p:txBody>
+          <a:bodyPr rtlCol="0" anchor="ctr"/>
+          <a:lstStyle/>
+          <a:p>
+            <a:pPr algn="ctr"/>
+            <a:endParaRPr lang="en-GB" sz="1600"/>
+          </a:p>
+        </p:txBody>
+      </p:sp>
+      <p:sp>
+        <p:nvSpPr>
+          <p:cNvPr id="13" name="Isosceles Triangle 12"/>
+          <p:cNvSpPr/>
+          <p:nvPr/>
+        </p:nvSpPr>
+        <p:spPr>
+          <a:xfrm rot="5400000">
+            <a:off x="575556" y="5769260"/>
+            <a:ext cx="180020" cy="180020"/>
+          </a:xfrm>
+          <a:prstGeom prst="triangle">
+            <a:avLst/>
+          </a:prstGeom>
+          <a:solidFill>
+            <a:srgbClr val="FF0000"/>
+          </a:solidFill>
+          <a:ln w="9525">
+            <a:solidFill>
+              <a:schemeClr val="tx1"/>
+            </a:solidFill>
+          </a:ln>
+        </p:spPr>
+        <p:style>
+          <a:lnRef idx="2">
+            <a:schemeClr val="accent1">
+              <a:shade val="50000"/>
+            </a:schemeClr>
+          </a:lnRef>
+          <a:fillRef idx="1">
+            <a:schemeClr val="accent1"/>
+          </a:fillRef>
+          <a:effectRef idx="0">
+            <a:schemeClr val="accent1"/>
+          </a:effectRef>
+          <a:fontRef idx="minor">
+            <a:schemeClr val="lt1"/>
+          </a:fontRef>
+        </p:style>
+        <p:txBody>
+          <a:bodyPr rtlCol="0" anchor="ctr"/>
+          <a:lstStyle/>
+          <a:p>
+            <a:pPr algn="ctr"/>
+            <a:endParaRPr lang="en-GB" sz="1600" dirty="0"/>
+          </a:p>
+        </p:txBody>
+      </p:sp>
+      <p:sp>
+        <p:nvSpPr>
+          <p:cNvPr id="15" name="TextBox 14"/>
+          <p:cNvSpPr txBox="1"/>
+          <p:nvPr/>
+        </p:nvSpPr>
+        <p:spPr>
+          <a:xfrm>
+            <a:off x="971600" y="5301208"/>
+            <a:ext cx="4104456" cy="324036"/>
+          </a:xfrm>
+          <a:prstGeom prst="rect">
+            <a:avLst/>
+          </a:prstGeom>
+          <a:noFill/>
+          <a:ln>
+            <a:noFill/>
+          </a:ln>
+        </p:spPr>
+        <p:txBody>
+          <a:bodyPr wrap="square" rtlCol="0">
+            <a:noAutofit/>
+          </a:bodyPr>
+          <a:lstStyle/>
+          <a:p>
+            <a:r>
+              <a:rPr lang="en-GB" sz="1600" dirty="0" smtClean="0"/>
+              <a:t>M-Frame / derived </a:t>
+            </a:r>
+            <a:r>
+              <a:rPr lang="en-GB" sz="1600" dirty="0" smtClean="0"/>
+              <a:t>from both OM and ontology</a:t>
+            </a:r>
+            <a:endParaRPr lang="en-GB" sz="1600" dirty="0"/>
+          </a:p>
+        </p:txBody>
+      </p:sp>
+      <p:sp>
+        <p:nvSpPr>
+          <p:cNvPr id="16" name="Rectangle 15"/>
+          <p:cNvSpPr/>
+          <p:nvPr/>
+        </p:nvSpPr>
+        <p:spPr>
+          <a:xfrm>
+            <a:off x="539552" y="5301208"/>
+            <a:ext cx="324036" cy="288032"/>
+          </a:xfrm>
+          <a:prstGeom prst="rect">
+            <a:avLst/>
+          </a:prstGeom>
+          <a:solidFill>
+            <a:srgbClr val="411DD9"/>
+          </a:solidFill>
+          <a:ln w="9525">
+            <a:solidFill>
+              <a:schemeClr val="tx1"/>
+            </a:solidFill>
+          </a:ln>
+        </p:spPr>
+        <p:style>
+          <a:lnRef idx="2">
+            <a:schemeClr val="accent1">
+              <a:shade val="50000"/>
+            </a:schemeClr>
+          </a:lnRef>
+          <a:fillRef idx="1">
+            <a:schemeClr val="accent1"/>
+          </a:fillRef>
+          <a:effectRef idx="0">
+            <a:schemeClr val="accent1"/>
+          </a:effectRef>
+          <a:fontRef idx="minor">
+            <a:schemeClr val="lt1"/>
+          </a:fontRef>
+        </p:style>
+        <p:txBody>
+          <a:bodyPr rtlCol="0" anchor="ctr"/>
+          <a:lstStyle/>
+          <a:p>
+            <a:pPr algn="ctr"/>
+            <a:endParaRPr lang="en-GB" sz="1600"/>
+          </a:p>
+        </p:txBody>
+      </p:sp>
+      <p:sp>
+        <p:nvSpPr>
+          <p:cNvPr id="17" name="Rectangle 16"/>
+          <p:cNvSpPr/>
+          <p:nvPr/>
+        </p:nvSpPr>
+        <p:spPr>
+          <a:xfrm>
+            <a:off x="611560" y="5373216"/>
+            <a:ext cx="180020" cy="144016"/>
+          </a:xfrm>
+          <a:prstGeom prst="rect">
+            <a:avLst/>
+          </a:prstGeom>
+          <a:solidFill>
+            <a:srgbClr val="FF0000"/>
+          </a:solidFill>
+          <a:ln w="9525">
+            <a:solidFill>
+              <a:schemeClr val="tx1"/>
+            </a:solidFill>
+          </a:ln>
+        </p:spPr>
+        <p:style>
+          <a:lnRef idx="2">
+            <a:schemeClr val="accent1">
+              <a:shade val="50000"/>
+            </a:schemeClr>
+          </a:lnRef>
+          <a:fillRef idx="1">
+            <a:schemeClr val="accent1"/>
+          </a:fillRef>
+          <a:effectRef idx="0">
+            <a:schemeClr val="accent1"/>
+          </a:effectRef>
+          <a:fontRef idx="minor">
+            <a:schemeClr val="lt1"/>
+          </a:fontRef>
+        </p:style>
+        <p:txBody>
+          <a:bodyPr rtlCol="0" anchor="ctr"/>
+          <a:lstStyle/>
+          <a:p>
+            <a:pPr algn="ctr"/>
+            <a:endParaRPr lang="en-GB" sz="1600"/>
+          </a:p>
+        </p:txBody>
+      </p:sp>
+      <p:sp>
+        <p:nvSpPr>
+          <p:cNvPr id="19" name="Isosceles Triangle 18"/>
+          <p:cNvSpPr/>
+          <p:nvPr/>
+        </p:nvSpPr>
+        <p:spPr>
+          <a:xfrm rot="5400000">
+            <a:off x="539552" y="6129300"/>
+            <a:ext cx="324036" cy="324036"/>
+          </a:xfrm>
+          <a:prstGeom prst="triangle">
+            <a:avLst/>
+          </a:prstGeom>
+          <a:solidFill>
+            <a:srgbClr val="411DD9"/>
+          </a:solidFill>
+          <a:ln w="9525">
+            <a:solidFill>
+              <a:schemeClr val="tx1"/>
+            </a:solidFill>
+          </a:ln>
+        </p:spPr>
+        <p:style>
+          <a:lnRef idx="2">
+            <a:schemeClr val="accent1">
+              <a:shade val="50000"/>
+            </a:schemeClr>
+          </a:lnRef>
+          <a:fillRef idx="1">
+            <a:schemeClr val="accent1"/>
+          </a:fillRef>
+          <a:effectRef idx="0">
+            <a:schemeClr val="accent1"/>
+          </a:effectRef>
+          <a:fontRef idx="minor">
+            <a:schemeClr val="lt1"/>
+          </a:fontRef>
+        </p:style>
+        <p:txBody>
+          <a:bodyPr rtlCol="0" anchor="ctr"/>
+          <a:lstStyle/>
+          <a:p>
+            <a:pPr algn="ctr"/>
+            <a:endParaRPr lang="en-GB" sz="1600"/>
+          </a:p>
+        </p:txBody>
+      </p:sp>
+      <p:sp>
+        <p:nvSpPr>
+          <p:cNvPr id="22" name="TextBox 21"/>
+          <p:cNvSpPr txBox="1"/>
+          <p:nvPr/>
+        </p:nvSpPr>
+        <p:spPr>
+          <a:xfrm>
+            <a:off x="5508104" y="5373216"/>
+            <a:ext cx="2880320" cy="900100"/>
+          </a:xfrm>
+          <a:prstGeom prst="rect">
+            <a:avLst/>
+          </a:prstGeom>
+          <a:solidFill>
+            <a:schemeClr val="accent4">
+              <a:lumMod val="60000"/>
+              <a:lumOff val="40000"/>
+            </a:schemeClr>
+          </a:solidFill>
+          <a:ln>
+            <a:solidFill>
+              <a:schemeClr val="tx1"/>
+            </a:solidFill>
+          </a:ln>
+        </p:spPr>
+        <p:txBody>
+          <a:bodyPr wrap="square" rtlCol="0">
+            <a:noAutofit/>
+          </a:bodyPr>
+          <a:lstStyle/>
+          <a:p>
+            <a:r>
+              <a:rPr lang="en-GB" b="1" dirty="0" smtClean="0"/>
+              <a:t>Icon Modifier:</a:t>
+            </a:r>
+            <a:endParaRPr lang="en-GB" b="1" dirty="0" smtClean="0"/>
+          </a:p>
+        </p:txBody>
+      </p:sp>
+      <p:sp>
+        <p:nvSpPr>
+          <p:cNvPr id="23" name="TextBox 22"/>
+          <p:cNvSpPr txBox="1"/>
+          <p:nvPr/>
+        </p:nvSpPr>
+        <p:spPr>
+          <a:xfrm>
+            <a:off x="6084168" y="5769260"/>
+            <a:ext cx="2268252" cy="396044"/>
+          </a:xfrm>
+          <a:prstGeom prst="rect">
+            <a:avLst/>
+          </a:prstGeom>
+          <a:noFill/>
+          <a:ln>
+            <a:noFill/>
+          </a:ln>
+        </p:spPr>
+        <p:txBody>
+          <a:bodyPr wrap="square" rtlCol="0">
+            <a:noAutofit/>
+          </a:bodyPr>
+          <a:lstStyle/>
+          <a:p>
+            <a:r>
+              <a:rPr lang="en-GB" sz="1600" dirty="0" smtClean="0"/>
+              <a:t>C-Slot is a “derived” slot</a:t>
+            </a:r>
+            <a:endParaRPr lang="en-GB" sz="1600" dirty="0"/>
+          </a:p>
+        </p:txBody>
+      </p:sp>
+      <p:sp>
+        <p:nvSpPr>
+          <p:cNvPr id="24" name="Isosceles Triangle 23"/>
+          <p:cNvSpPr/>
+          <p:nvPr/>
+        </p:nvSpPr>
+        <p:spPr>
+          <a:xfrm rot="5400000">
+            <a:off x="5652120" y="5769260"/>
+            <a:ext cx="324036" cy="324036"/>
+          </a:xfrm>
+          <a:prstGeom prst="triangle">
+            <a:avLst/>
+          </a:prstGeom>
+          <a:solidFill>
+            <a:schemeClr val="bg1"/>
+          </a:solidFill>
+          <a:ln w="9525">
+            <a:solidFill>
+              <a:schemeClr val="tx1"/>
+            </a:solidFill>
+          </a:ln>
+        </p:spPr>
+        <p:style>
+          <a:lnRef idx="2">
+            <a:schemeClr val="accent1">
+              <a:shade val="50000"/>
+            </a:schemeClr>
+          </a:lnRef>
+          <a:fillRef idx="1">
+            <a:schemeClr val="accent1"/>
+          </a:fillRef>
+          <a:effectRef idx="0">
+            <a:schemeClr val="accent1"/>
+          </a:effectRef>
+          <a:fontRef idx="minor">
+            <a:schemeClr val="lt1"/>
+          </a:fontRef>
+        </p:style>
+        <p:txBody>
+          <a:bodyPr rtlCol="0" anchor="ctr"/>
+          <a:lstStyle/>
+          <a:p>
+            <a:pPr algn="ctr"/>
+            <a:endParaRPr lang="en-GB" sz="1600"/>
+          </a:p>
+        </p:txBody>
+      </p:sp>
+      <p:sp>
+        <p:nvSpPr>
+          <p:cNvPr id="26" name="Rectangle 25"/>
+          <p:cNvSpPr/>
+          <p:nvPr/>
+        </p:nvSpPr>
+        <p:spPr>
+          <a:xfrm>
+            <a:off x="5904148" y="5769260"/>
+            <a:ext cx="72008" cy="324036"/>
+          </a:xfrm>
+          <a:prstGeom prst="rect">
+            <a:avLst/>
+          </a:prstGeom>
+          <a:solidFill>
+            <a:schemeClr val="tx1"/>
+          </a:solidFill>
+          <a:ln>
+            <a:solidFill>
+              <a:schemeClr val="tx1"/>
+            </a:solidFill>
+          </a:ln>
+        </p:spPr>
+        <p:style>
+          <a:lnRef idx="2">
+            <a:schemeClr val="accent1">
+              <a:shade val="50000"/>
+            </a:schemeClr>
+          </a:lnRef>
+          <a:fillRef idx="1">
+            <a:schemeClr val="accent1"/>
+          </a:fillRef>
+          <a:effectRef idx="0">
+            <a:schemeClr val="accent1"/>
+          </a:effectRef>
+          <a:fontRef idx="minor">
+            <a:schemeClr val="lt1"/>
+          </a:fontRef>
+        </p:style>
+        <p:txBody>
+          <a:bodyPr rtlCol="0" anchor="ctr"/>
+          <a:lstStyle/>
+          <a:p>
+            <a:pPr algn="ctr"/>
+            <a:endParaRPr lang="en-GB"/>
+          </a:p>
+        </p:txBody>
+      </p:sp>
     </p:spTree>
   </p:cSld>
   <p:clrMapOvr>
@@ -6461,8 +7459,13 @@
             </a:pPr>
             <a:r>
               <a:rPr lang="en-GB" dirty="0" smtClean="0"/>
-              <a:t>Creating + storing concrete instantiations</a:t>
-            </a:r>
+              <a:t>Creating + storing </a:t>
+            </a:r>
+            <a:r>
+              <a:rPr lang="en-GB" dirty="0" smtClean="0"/>
+              <a:t>“assertion” instantiations</a:t>
+            </a:r>
+            <a:endParaRPr lang="en-GB" dirty="0" smtClean="0"/>
           </a:p>
           <a:p>
             <a:pPr marL="514350" indent="-514350">
@@ -6471,7 +7474,15 @@
             </a:pPr>
             <a:r>
               <a:rPr lang="en-GB" dirty="0" smtClean="0"/>
-              <a:t>Creating + executing query instantiations</a:t>
+              <a:t>Creating + executing </a:t>
+            </a:r>
+            <a:r>
+              <a:rPr lang="en-GB" dirty="0" smtClean="0"/>
+              <a:t>“query” </a:t>
+            </a:r>
+            <a:r>
+              <a:rPr lang="en-GB" dirty="0" smtClean="0"/>
+              <a:t>instantiations</a:t>
             </a:r>
           </a:p>
         </p:txBody>
@@ -6563,33 +7574,8 @@
             </a:pPr>
             <a:r>
               <a:rPr lang="en-GB" dirty="0" smtClean="0"/>
-              <a:t>The </a:t>
-            </a:r>
-            <a:r>
-              <a:rPr lang="en-GB" dirty="0" smtClean="0"/>
-              <a:t>action descriptions </a:t>
-            </a:r>
-            <a:r>
-              <a:rPr lang="en-GB" dirty="0" smtClean="0"/>
-              <a:t>come with screenshots </a:t>
-            </a:r>
-            <a:r>
-              <a:rPr lang="en-GB" dirty="0" smtClean="0"/>
-              <a:t>showing </a:t>
-            </a:r>
-            <a:r>
-              <a:rPr lang="en-GB" dirty="0" smtClean="0"/>
-              <a:t>either the </a:t>
-            </a:r>
-            <a:r>
-              <a:rPr lang="en-GB" dirty="0" smtClean="0"/>
-              <a:t>actions being performed, or </a:t>
-            </a:r>
-            <a:r>
-              <a:rPr lang="en-GB" dirty="0" smtClean="0"/>
-              <a:t>the results of the actions having occurred</a:t>
-            </a:r>
-            <a:endParaRPr lang="en-GB" dirty="0" smtClean="0"/>
+              <a:t>The action descriptions come with screenshots showing either the actions being performed, or the results of the actions having occurred</a:t>
+            </a:r>
           </a:p>
         </p:txBody>
       </p:sp>
@@ -6627,8 +7613,9 @@
           <a:p>
             <a:r>
               <a:rPr lang="en-GB" sz="2000" b="1" dirty="0" smtClean="0"/>
-              <a:t>Explanation:</a:t>
-            </a:r>
+              <a:t>Explanations:</a:t>
+            </a:r>
+            <a:endParaRPr lang="en-GB" sz="2000" b="1" dirty="0" smtClean="0"/>
           </a:p>
           <a:p>
             <a:pPr marL="457200" indent="-457200">
@@ -6920,7 +7907,7 @@
             </a:r>
             <a:r>
               <a:rPr lang="en-GB" sz="1600" i="1" dirty="0" smtClean="0"/>
-              <a:t>concept-</a:t>
+              <a:t>concept-level</a:t>
             </a:r>
             <a:r>
               <a:rPr lang="en-GB" sz="1600" dirty="0" smtClean="0"/>
@@ -6928,11 +7915,15 @@
             </a:r>
             <a:r>
               <a:rPr lang="en-GB" sz="1600" i="1" dirty="0" smtClean="0"/>
-              <a:t>instance-</a:t>
-            </a:r>
-            <a:r>
-              <a:rPr lang="en-GB" sz="1600" dirty="0" smtClean="0"/>
-              <a:t> and </a:t>
+              <a:t>instance-level</a:t>
+            </a:r>
+            <a:r>
+              <a:rPr lang="en-GB" sz="1600" dirty="0" smtClean="0"/>
+              <a:t> </a:t>
+            </a:r>
+            <a:r>
+              <a:rPr lang="en-GB" sz="1600" dirty="0" smtClean="0"/>
+              <a:t>and </a:t>
             </a:r>
             <a:r>
               <a:rPr lang="en-GB" sz="1600" i="1" dirty="0" smtClean="0"/>
@@ -7027,7 +8018,15 @@
             </a:r>
             <a:r>
               <a:rPr lang="en-GB" sz="1600" dirty="0" smtClean="0"/>
-              <a:t>Representation of specific instantiations of domain model</a:t>
+              <a:t>Representation of </a:t>
+            </a:r>
+            <a:r>
+              <a:rPr lang="en-GB" sz="1600" dirty="0" smtClean="0"/>
+              <a:t>specific instantiations </a:t>
+            </a:r>
+            <a:r>
+              <a:rPr lang="en-GB" sz="1600" dirty="0" smtClean="0"/>
+              <a:t>of domain model</a:t>
             </a:r>
           </a:p>
           <a:p>
@@ -7112,7 +8111,15 @@
             </a:r>
             <a:r>
               <a:rPr lang="en-GB" sz="1600" dirty="0" smtClean="0"/>
-              <a:t>Reference to domain concept (used solely for purpose of defining value-types of C-Frame-valued slots)</a:t>
+              <a:t>Reference to domain concept (used solely for </a:t>
+            </a:r>
+            <a:r>
+              <a:rPr lang="en-GB" sz="1600" dirty="0" smtClean="0"/>
+              <a:t>defining </a:t>
+            </a:r>
+            <a:r>
+              <a:rPr lang="en-GB" sz="1600" dirty="0" smtClean="0"/>
+              <a:t>value-types of C-Frame-valued slots)</a:t>
             </a:r>
           </a:p>
         </p:txBody>
@@ -7220,10 +8227,10 @@
           <a:p>
             <a:pPr algn="ctr"/>
             <a:r>
-              <a:rPr lang="en-GB" b="1" i="1" dirty="0" smtClean="0"/>
-              <a:t>Colours</a:t>
-            </a:r>
-            <a:endParaRPr lang="en-GB" b="1" i="1" dirty="0"/>
+              <a:rPr lang="en-GB" b="1" dirty="0" smtClean="0"/>
+              <a:t>Colours (all relevant shapes)</a:t>
+            </a:r>
+            <a:endParaRPr lang="en-GB" b="1" dirty="0"/>
           </a:p>
         </p:txBody>
       </p:sp>
@@ -7254,10 +8261,22 @@
           <a:p>
             <a:pPr algn="ctr"/>
             <a:r>
-              <a:rPr lang="en-GB" b="1" i="1" dirty="0" smtClean="0"/>
-              <a:t>Shapes</a:t>
-            </a:r>
-            <a:endParaRPr lang="en-GB" b="1" i="1" dirty="0"/>
+              <a:rPr lang="en-GB" b="1" dirty="0" smtClean="0"/>
+              <a:t>Shapes (</a:t>
+            </a:r>
+            <a:r>
+              <a:rPr lang="en-GB" b="1" dirty="0" smtClean="0"/>
+              <a:t>all relevant </a:t>
+            </a:r>
+            <a:r>
+              <a:rPr lang="en-GB" b="1" dirty="0" smtClean="0"/>
+              <a:t>colours)</a:t>
+            </a:r>
+            <a:endParaRPr lang="en-GB" b="1" dirty="0" smtClean="0"/>
+          </a:p>
+          <a:p>
+            <a:pPr algn="ctr"/>
+            <a:endParaRPr lang="en-GB" b="1" dirty="0"/>
           </a:p>
         </p:txBody>
       </p:sp>
@@ -7276,9 +8295,7 @@
             <a:avLst/>
           </a:prstGeom>
           <a:solidFill>
-            <a:schemeClr val="accent4">
-              <a:lumMod val="75000"/>
-            </a:schemeClr>
+            <a:srgbClr val="765B97"/>
           </a:solidFill>
           <a:ln>
             <a:solidFill>
@@ -7293,10 +8310,10 @@
           <a:lstStyle/>
           <a:p>
             <a:r>
-              <a:rPr lang="en-GB" sz="1600" b="1" i="1" dirty="0" smtClean="0"/>
+              <a:rPr lang="en-GB" sz="1600" b="1" dirty="0" smtClean="0"/>
               <a:t>Entity Level</a:t>
             </a:r>
-            <a:endParaRPr lang="en-GB" sz="1600" b="1" i="1" dirty="0"/>
+            <a:endParaRPr lang="en-GB" sz="1600" b="1" dirty="0"/>
           </a:p>
         </p:txBody>
       </p:sp>
@@ -7315,9 +8332,7 @@
             <a:avLst/>
           </a:prstGeom>
           <a:solidFill>
-            <a:schemeClr val="accent4">
-              <a:lumMod val="75000"/>
-            </a:schemeClr>
+            <a:srgbClr val="765B97"/>
           </a:solidFill>
           <a:ln>
             <a:solidFill>
@@ -7332,10 +8347,10 @@
           <a:lstStyle/>
           <a:p>
             <a:r>
-              <a:rPr lang="en-GB" sz="1600" b="1" i="1" dirty="0" smtClean="0"/>
+              <a:rPr lang="en-GB" sz="1600" b="1" dirty="0" smtClean="0"/>
               <a:t>Entity Category</a:t>
             </a:r>
-            <a:endParaRPr lang="en-GB" sz="1600" b="1" i="1" dirty="0"/>
+            <a:endParaRPr lang="en-GB" sz="1600" b="1" dirty="0"/>
           </a:p>
         </p:txBody>
       </p:sp>
@@ -7354,9 +8369,7 @@
             <a:avLst/>
           </a:prstGeom>
           <a:solidFill>
-            <a:schemeClr val="accent4">
-              <a:lumMod val="75000"/>
-            </a:schemeClr>
+            <a:srgbClr val="765B97"/>
           </a:solidFill>
           <a:ln>
             <a:solidFill>
@@ -7371,10 +8384,10 @@
           <a:lstStyle/>
           <a:p>
             <a:r>
-              <a:rPr lang="en-GB" sz="1600" b="1" i="1" dirty="0" smtClean="0"/>
+              <a:rPr lang="en-GB" sz="1600" b="1" dirty="0" smtClean="0"/>
               <a:t>Icon Shape</a:t>
             </a:r>
-            <a:endParaRPr lang="en-GB" sz="1600" b="1" i="1" dirty="0"/>
+            <a:endParaRPr lang="en-GB" sz="1600" b="1" dirty="0"/>
           </a:p>
         </p:txBody>
       </p:sp>
@@ -7502,8 +8515,8 @@
         </p:nvSpPr>
         <p:spPr>
           <a:xfrm>
-            <a:off x="6444208" y="1628801"/>
-            <a:ext cx="216024" cy="216024"/>
+            <a:off x="6444208" y="1628800"/>
+            <a:ext cx="252028" cy="216024"/>
           </a:xfrm>
           <a:prstGeom prst="rect">
             <a:avLst/>
@@ -7782,8 +8795,8 @@
         </p:nvSpPr>
         <p:spPr>
           <a:xfrm rot="18972962">
-            <a:off x="6477384" y="2378913"/>
-            <a:ext cx="149476" cy="155961"/>
+            <a:off x="6484229" y="2368564"/>
+            <a:ext cx="179792" cy="187924"/>
           </a:xfrm>
           <a:prstGeom prst="rect">
             <a:avLst/>
@@ -7946,8 +8959,8 @@
         </p:nvSpPr>
         <p:spPr>
           <a:xfrm>
-            <a:off x="6444208" y="1988841"/>
-            <a:ext cx="216024" cy="216024"/>
+            <a:off x="6444208" y="1988840"/>
+            <a:ext cx="252028" cy="216024"/>
           </a:xfrm>
           <a:prstGeom prst="ellipse">
             <a:avLst/>
@@ -7994,8 +9007,8 @@
         </p:nvSpPr>
         <p:spPr>
           <a:xfrm rot="5400000">
-            <a:off x="6444210" y="2708918"/>
-            <a:ext cx="216020" cy="216024"/>
+            <a:off x="6462210" y="2690918"/>
+            <a:ext cx="216024" cy="252028"/>
           </a:xfrm>
           <a:prstGeom prst="triangle">
             <a:avLst/>
@@ -8074,16 +9087,14 @@
         </p:nvSpPr>
         <p:spPr>
           <a:xfrm>
-            <a:off x="5940152" y="3861048"/>
-            <a:ext cx="1296144" cy="360040"/>
+            <a:off x="5796136" y="3861048"/>
+            <a:ext cx="1440160" cy="360040"/>
           </a:xfrm>
           <a:prstGeom prst="rect">
             <a:avLst/>
           </a:prstGeom>
           <a:solidFill>
-            <a:schemeClr val="accent4">
-              <a:lumMod val="75000"/>
-            </a:schemeClr>
+            <a:srgbClr val="765B97"/>
           </a:solidFill>
           <a:ln>
             <a:solidFill>
@@ -8098,10 +9109,14 @@
           <a:lstStyle/>
           <a:p>
             <a:r>
-              <a:rPr lang="en-GB" sz="1600" b="1" i="1" dirty="0" smtClean="0"/>
-              <a:t>Icon Colour</a:t>
-            </a:r>
-            <a:endParaRPr lang="en-GB" sz="1600" b="1" i="1" dirty="0"/>
+              <a:rPr lang="en-GB" sz="1600" b="1" dirty="0" smtClean="0"/>
+              <a:t>Icon </a:t>
+            </a:r>
+            <a:r>
+              <a:rPr lang="en-GB" sz="1600" b="1" dirty="0" smtClean="0"/>
+              <a:t>Colour(s)</a:t>
+            </a:r>
+            <a:endParaRPr lang="en-GB" sz="1600" b="1" dirty="0"/>
           </a:p>
         </p:txBody>
       </p:sp>
@@ -8120,9 +9135,7 @@
             <a:avLst/>
           </a:prstGeom>
           <a:solidFill>
-            <a:schemeClr val="accent4">
-              <a:lumMod val="75000"/>
-            </a:schemeClr>
+            <a:srgbClr val="765B97"/>
           </a:solidFill>
           <a:ln>
             <a:solidFill>
@@ -8137,10 +9150,10 @@
           <a:lstStyle/>
           <a:p>
             <a:r>
-              <a:rPr lang="en-GB" sz="1600" b="1" i="1" dirty="0" smtClean="0"/>
+              <a:rPr lang="en-GB" sz="1600" b="1" dirty="0" smtClean="0"/>
               <a:t>Entity Category</a:t>
             </a:r>
-            <a:endParaRPr lang="en-GB" sz="1600" b="1" i="1" dirty="0"/>
+            <a:endParaRPr lang="en-GB" sz="1600" b="1" dirty="0"/>
           </a:p>
         </p:txBody>
       </p:sp>
@@ -8152,8 +9165,8 @@
         </p:nvSpPr>
         <p:spPr>
           <a:xfrm>
-            <a:off x="5940152" y="4581128"/>
-            <a:ext cx="1296144" cy="360040"/>
+            <a:off x="5796136" y="4581128"/>
+            <a:ext cx="1440160" cy="360040"/>
           </a:xfrm>
           <a:prstGeom prst="rect">
             <a:avLst/>
@@ -8228,8 +9241,8 @@
         </p:nvSpPr>
         <p:spPr>
           <a:xfrm>
-            <a:off x="5940152" y="5301208"/>
-            <a:ext cx="1296144" cy="360040"/>
+            <a:off x="5796136" y="5301208"/>
+            <a:ext cx="1440160" cy="360040"/>
           </a:xfrm>
           <a:prstGeom prst="rect">
             <a:avLst/>
@@ -8305,15 +9318,13 @@
         <p:spPr>
           <a:xfrm>
             <a:off x="3635896" y="3861048"/>
-            <a:ext cx="2304256" cy="360040"/>
+            <a:ext cx="2160240" cy="360040"/>
           </a:xfrm>
           <a:prstGeom prst="rect">
             <a:avLst/>
           </a:prstGeom>
           <a:solidFill>
-            <a:schemeClr val="accent4">
-              <a:lumMod val="75000"/>
-            </a:schemeClr>
+            <a:srgbClr val="765B97"/>
           </a:solidFill>
           <a:ln>
             <a:solidFill>
@@ -8328,10 +9339,10 @@
           <a:lstStyle/>
           <a:p>
             <a:r>
-              <a:rPr lang="en-GB" sz="1600" b="1" i="1" dirty="0" smtClean="0"/>
+              <a:rPr lang="en-GB" sz="1600" b="1" dirty="0" smtClean="0"/>
               <a:t>Entity Source</a:t>
             </a:r>
-            <a:endParaRPr lang="en-GB" sz="1600" b="1" i="1" dirty="0"/>
+            <a:endParaRPr lang="en-GB" sz="1600" b="1" dirty="0"/>
           </a:p>
         </p:txBody>
       </p:sp>
@@ -8344,7 +9355,7 @@
         <p:spPr>
           <a:xfrm>
             <a:off x="3635896" y="4581128"/>
-            <a:ext cx="2304256" cy="360040"/>
+            <a:ext cx="2160240" cy="360040"/>
           </a:xfrm>
           <a:prstGeom prst="rect">
             <a:avLst/>
@@ -8384,7 +9395,7 @@
         <p:spPr>
           <a:xfrm>
             <a:off x="3635896" y="5301208"/>
-            <a:ext cx="2304256" cy="360040"/>
+            <a:ext cx="2160240" cy="360040"/>
           </a:xfrm>
           <a:prstGeom prst="rect">
             <a:avLst/>
@@ -8423,8 +9434,8 @@
         </p:nvSpPr>
         <p:spPr>
           <a:xfrm>
-            <a:off x="5940152" y="4221088"/>
-            <a:ext cx="1296144" cy="360040"/>
+            <a:off x="5796136" y="4221088"/>
+            <a:ext cx="1440160" cy="360040"/>
           </a:xfrm>
           <a:prstGeom prst="rect">
             <a:avLst/>
@@ -8500,7 +9511,7 @@
         <p:spPr>
           <a:xfrm>
             <a:off x="3635896" y="4221088"/>
-            <a:ext cx="2304256" cy="360040"/>
+            <a:ext cx="2160240" cy="360040"/>
           </a:xfrm>
           <a:prstGeom prst="rect">
             <a:avLst/>
@@ -8539,8 +9550,8 @@
         </p:nvSpPr>
         <p:spPr>
           <a:xfrm>
-            <a:off x="5940152" y="4941168"/>
-            <a:ext cx="1296144" cy="360040"/>
+            <a:off x="5796136" y="4941168"/>
+            <a:ext cx="1440160" cy="360040"/>
           </a:xfrm>
           <a:prstGeom prst="rect">
             <a:avLst/>
@@ -8616,7 +9627,7 @@
         <p:spPr>
           <a:xfrm>
             <a:off x="3635896" y="4941168"/>
-            <a:ext cx="2304256" cy="360040"/>
+            <a:ext cx="2160240" cy="360040"/>
           </a:xfrm>
           <a:prstGeom prst="rect">
             <a:avLst/>
@@ -8643,207 +9654,6 @@
               <a:rPr lang="en-GB" sz="1600" dirty="0" smtClean="0"/>
               <a:t>Internal AND External </a:t>
             </a:r>
-            <a:endParaRPr lang="en-GB" sz="1600" dirty="0"/>
-          </a:p>
-        </p:txBody>
-      </p:sp>
-      <p:sp>
-        <p:nvSpPr>
-          <p:cNvPr id="77" name="TextBox 76"/>
-          <p:cNvSpPr txBox="1"/>
-          <p:nvPr/>
-        </p:nvSpPr>
-        <p:spPr>
-          <a:xfrm>
-            <a:off x="6012160" y="5013176"/>
-            <a:ext cx="1172702" cy="216024"/>
-          </a:xfrm>
-          <a:prstGeom prst="rect">
-            <a:avLst/>
-          </a:prstGeom>
-          <a:solidFill>
-            <a:schemeClr val="accent4">
-              <a:lumMod val="60000"/>
-              <a:lumOff val="40000"/>
-            </a:schemeClr>
-          </a:solidFill>
-          <a:ln>
-            <a:noFill/>
-          </a:ln>
-        </p:spPr>
-        <p:txBody>
-          <a:bodyPr wrap="square" rtlCol="0">
-            <a:noAutofit/>
-          </a:bodyPr>
-          <a:lstStyle/>
-          <a:p>
-            <a:endParaRPr lang="en-GB" sz="1600" dirty="0"/>
-          </a:p>
-        </p:txBody>
-      </p:sp>
-      <p:sp>
-        <p:nvSpPr>
-          <p:cNvPr id="80" name="TextBox 79"/>
-          <p:cNvSpPr txBox="1"/>
-          <p:nvPr/>
-        </p:nvSpPr>
-        <p:spPr>
-          <a:xfrm>
-            <a:off x="6372200" y="4293096"/>
-            <a:ext cx="360040" cy="216024"/>
-          </a:xfrm>
-          <a:prstGeom prst="rect">
-            <a:avLst/>
-          </a:prstGeom>
-          <a:solidFill>
-            <a:srgbClr val="0070C0"/>
-          </a:solidFill>
-          <a:ln>
-            <a:solidFill>
-              <a:schemeClr val="tx1"/>
-            </a:solidFill>
-          </a:ln>
-        </p:spPr>
-        <p:txBody>
-          <a:bodyPr wrap="square" rtlCol="0">
-            <a:noAutofit/>
-          </a:bodyPr>
-          <a:lstStyle/>
-          <a:p>
-            <a:endParaRPr lang="en-GB" sz="1600" dirty="0"/>
-          </a:p>
-        </p:txBody>
-      </p:sp>
-      <p:sp>
-        <p:nvSpPr>
-          <p:cNvPr id="83" name="TextBox 82"/>
-          <p:cNvSpPr txBox="1"/>
-          <p:nvPr/>
-        </p:nvSpPr>
-        <p:spPr>
-          <a:xfrm>
-            <a:off x="6372200" y="4653136"/>
-            <a:ext cx="360040" cy="216024"/>
-          </a:xfrm>
-          <a:prstGeom prst="rect">
-            <a:avLst/>
-          </a:prstGeom>
-          <a:solidFill>
-            <a:srgbClr val="C00000"/>
-          </a:solidFill>
-          <a:ln>
-            <a:solidFill>
-              <a:schemeClr val="tx1"/>
-            </a:solidFill>
-          </a:ln>
-        </p:spPr>
-        <p:txBody>
-          <a:bodyPr wrap="square" rtlCol="0">
-            <a:noAutofit/>
-          </a:bodyPr>
-          <a:lstStyle/>
-          <a:p>
-            <a:endParaRPr lang="en-GB" sz="1600" dirty="0"/>
-          </a:p>
-        </p:txBody>
-      </p:sp>
-      <p:sp>
-        <p:nvSpPr>
-          <p:cNvPr id="84" name="TextBox 83"/>
-          <p:cNvSpPr txBox="1"/>
-          <p:nvPr/>
-        </p:nvSpPr>
-        <p:spPr>
-          <a:xfrm>
-            <a:off x="6372200" y="5013176"/>
-            <a:ext cx="360040" cy="216024"/>
-          </a:xfrm>
-          <a:prstGeom prst="rect">
-            <a:avLst/>
-          </a:prstGeom>
-          <a:solidFill>
-            <a:srgbClr val="0070C0"/>
-          </a:solidFill>
-          <a:ln>
-            <a:solidFill>
-              <a:schemeClr val="tx1"/>
-            </a:solidFill>
-          </a:ln>
-        </p:spPr>
-        <p:txBody>
-          <a:bodyPr wrap="square" rtlCol="0">
-            <a:noAutofit/>
-          </a:bodyPr>
-          <a:lstStyle/>
-          <a:p>
-            <a:endParaRPr lang="en-GB" sz="1600" dirty="0"/>
-          </a:p>
-        </p:txBody>
-      </p:sp>
-      <p:sp>
-        <p:nvSpPr>
-          <p:cNvPr id="86" name="TextBox 85"/>
-          <p:cNvSpPr txBox="1"/>
-          <p:nvPr/>
-        </p:nvSpPr>
-        <p:spPr>
-          <a:xfrm>
-            <a:off x="6372200" y="5373217"/>
-            <a:ext cx="360040" cy="216024"/>
-          </a:xfrm>
-          <a:prstGeom prst="rect">
-            <a:avLst/>
-          </a:prstGeom>
-          <a:solidFill>
-            <a:schemeClr val="accent3">
-              <a:lumMod val="75000"/>
-            </a:schemeClr>
-          </a:solidFill>
-          <a:ln>
-            <a:solidFill>
-              <a:schemeClr val="tx1"/>
-            </a:solidFill>
-          </a:ln>
-        </p:spPr>
-        <p:txBody>
-          <a:bodyPr wrap="square" rtlCol="0">
-            <a:noAutofit/>
-          </a:bodyPr>
-          <a:lstStyle/>
-          <a:p>
-            <a:endParaRPr lang="en-GB" sz="1600" dirty="0"/>
-          </a:p>
-        </p:txBody>
-      </p:sp>
-      <p:sp>
-        <p:nvSpPr>
-          <p:cNvPr id="87" name="TextBox 86"/>
-          <p:cNvSpPr txBox="1"/>
-          <p:nvPr/>
-        </p:nvSpPr>
-        <p:spPr>
-          <a:xfrm>
-            <a:off x="6444209" y="5085185"/>
-            <a:ext cx="216023" cy="72007"/>
-          </a:xfrm>
-          <a:prstGeom prst="rect">
-            <a:avLst/>
-          </a:prstGeom>
-          <a:solidFill>
-            <a:srgbClr val="C00000"/>
-          </a:solidFill>
-          <a:ln>
-            <a:solidFill>
-              <a:schemeClr val="tx1"/>
-            </a:solidFill>
-          </a:ln>
-        </p:spPr>
-        <p:txBody>
-          <a:bodyPr wrap="square" rtlCol="0">
-            <a:noAutofit/>
-          </a:bodyPr>
-          <a:lstStyle/>
-          <a:p>
             <a:endParaRPr lang="en-GB" sz="1600" dirty="0"/>
           </a:p>
         </p:txBody>
@@ -8894,6 +9704,258 @@
               <a:buChar char="•"/>
             </a:pPr>
             <a:endParaRPr lang="en-GB" sz="1600" dirty="0"/>
+          </a:p>
+        </p:txBody>
+      </p:sp>
+      <p:sp>
+        <p:nvSpPr>
+          <p:cNvPr id="51" name="Rounded Rectangle 50"/>
+          <p:cNvSpPr/>
+          <p:nvPr/>
+        </p:nvSpPr>
+        <p:spPr>
+          <a:xfrm>
+            <a:off x="6336196" y="4293096"/>
+            <a:ext cx="360040" cy="216024"/>
+          </a:xfrm>
+          <a:prstGeom prst="roundRect">
+            <a:avLst>
+              <a:gd name="adj" fmla="val 50000"/>
+            </a:avLst>
+          </a:prstGeom>
+          <a:solidFill>
+            <a:srgbClr val="411DD9"/>
+          </a:solidFill>
+          <a:ln w="9525">
+            <a:solidFill>
+              <a:schemeClr val="tx1"/>
+            </a:solidFill>
+          </a:ln>
+        </p:spPr>
+        <p:style>
+          <a:lnRef idx="2">
+            <a:schemeClr val="accent1">
+              <a:shade val="50000"/>
+            </a:schemeClr>
+          </a:lnRef>
+          <a:fillRef idx="1">
+            <a:schemeClr val="accent1"/>
+          </a:fillRef>
+          <a:effectRef idx="0">
+            <a:schemeClr val="accent1"/>
+          </a:effectRef>
+          <a:fontRef idx="minor">
+            <a:schemeClr val="lt1"/>
+          </a:fontRef>
+        </p:style>
+        <p:txBody>
+          <a:bodyPr rtlCol="0" anchor="ctr"/>
+          <a:lstStyle/>
+          <a:p>
+            <a:pPr algn="ctr"/>
+            <a:endParaRPr lang="en-GB"/>
+          </a:p>
+        </p:txBody>
+      </p:sp>
+      <p:sp>
+        <p:nvSpPr>
+          <p:cNvPr id="54" name="Rounded Rectangle 53"/>
+          <p:cNvSpPr/>
+          <p:nvPr/>
+        </p:nvSpPr>
+        <p:spPr>
+          <a:xfrm>
+            <a:off x="6336196" y="4653136"/>
+            <a:ext cx="360040" cy="216024"/>
+          </a:xfrm>
+          <a:prstGeom prst="roundRect">
+            <a:avLst>
+              <a:gd name="adj" fmla="val 50000"/>
+            </a:avLst>
+          </a:prstGeom>
+          <a:solidFill>
+            <a:srgbClr val="FF0000"/>
+          </a:solidFill>
+          <a:ln w="9525">
+            <a:solidFill>
+              <a:schemeClr val="tx1"/>
+            </a:solidFill>
+          </a:ln>
+        </p:spPr>
+        <p:style>
+          <a:lnRef idx="2">
+            <a:schemeClr val="accent1">
+              <a:shade val="50000"/>
+            </a:schemeClr>
+          </a:lnRef>
+          <a:fillRef idx="1">
+            <a:schemeClr val="accent1"/>
+          </a:fillRef>
+          <a:effectRef idx="0">
+            <a:schemeClr val="accent1"/>
+          </a:effectRef>
+          <a:fontRef idx="minor">
+            <a:schemeClr val="lt1"/>
+          </a:fontRef>
+        </p:style>
+        <p:txBody>
+          <a:bodyPr rtlCol="0" anchor="ctr"/>
+          <a:lstStyle/>
+          <a:p>
+            <a:pPr algn="ctr"/>
+            <a:endParaRPr lang="en-GB"/>
+          </a:p>
+        </p:txBody>
+      </p:sp>
+      <p:sp>
+        <p:nvSpPr>
+          <p:cNvPr id="55" name="Rounded Rectangle 54"/>
+          <p:cNvSpPr/>
+          <p:nvPr/>
+        </p:nvSpPr>
+        <p:spPr>
+          <a:xfrm>
+            <a:off x="6336196" y="5013176"/>
+            <a:ext cx="360040" cy="216024"/>
+          </a:xfrm>
+          <a:prstGeom prst="roundRect">
+            <a:avLst>
+              <a:gd name="adj" fmla="val 50000"/>
+            </a:avLst>
+          </a:prstGeom>
+          <a:solidFill>
+            <a:srgbClr val="411DD9"/>
+          </a:solidFill>
+          <a:ln w="9525">
+            <a:solidFill>
+              <a:schemeClr val="tx1"/>
+            </a:solidFill>
+          </a:ln>
+        </p:spPr>
+        <p:style>
+          <a:lnRef idx="2">
+            <a:schemeClr val="accent1">
+              <a:shade val="50000"/>
+            </a:schemeClr>
+          </a:lnRef>
+          <a:fillRef idx="1">
+            <a:schemeClr val="accent1"/>
+          </a:fillRef>
+          <a:effectRef idx="0">
+            <a:schemeClr val="accent1"/>
+          </a:effectRef>
+          <a:fontRef idx="minor">
+            <a:schemeClr val="lt1"/>
+          </a:fontRef>
+        </p:style>
+        <p:txBody>
+          <a:bodyPr rtlCol="0" anchor="ctr"/>
+          <a:lstStyle/>
+          <a:p>
+            <a:pPr algn="ctr"/>
+            <a:endParaRPr lang="en-GB"/>
+          </a:p>
+        </p:txBody>
+      </p:sp>
+      <p:sp>
+        <p:nvSpPr>
+          <p:cNvPr id="58" name="Rounded Rectangle 57"/>
+          <p:cNvSpPr/>
+          <p:nvPr/>
+        </p:nvSpPr>
+        <p:spPr>
+          <a:xfrm>
+            <a:off x="6336196" y="5373216"/>
+            <a:ext cx="360040" cy="216024"/>
+          </a:xfrm>
+          <a:prstGeom prst="roundRect">
+            <a:avLst>
+              <a:gd name="adj" fmla="val 50000"/>
+            </a:avLst>
+          </a:prstGeom>
+          <a:solidFill>
+            <a:schemeClr val="accent3">
+              <a:lumMod val="75000"/>
+            </a:schemeClr>
+          </a:solidFill>
+          <a:ln w="9525">
+            <a:solidFill>
+              <a:schemeClr val="tx1"/>
+            </a:solidFill>
+          </a:ln>
+        </p:spPr>
+        <p:style>
+          <a:lnRef idx="2">
+            <a:schemeClr val="accent1">
+              <a:shade val="50000"/>
+            </a:schemeClr>
+          </a:lnRef>
+          <a:fillRef idx="1">
+            <a:schemeClr val="accent1"/>
+          </a:fillRef>
+          <a:effectRef idx="0">
+            <a:schemeClr val="accent1"/>
+          </a:effectRef>
+          <a:fontRef idx="minor">
+            <a:schemeClr val="lt1"/>
+          </a:fontRef>
+        </p:style>
+        <p:txBody>
+          <a:bodyPr rtlCol="0" anchor="ctr"/>
+          <a:lstStyle/>
+          <a:p>
+            <a:pPr algn="ctr"/>
+            <a:endParaRPr lang="en-GB"/>
+          </a:p>
+        </p:txBody>
+      </p:sp>
+      <p:sp>
+        <p:nvSpPr>
+          <p:cNvPr id="59" name="Rounded Rectangle 58"/>
+          <p:cNvSpPr/>
+          <p:nvPr/>
+        </p:nvSpPr>
+        <p:spPr>
+          <a:xfrm>
+            <a:off x="6408204" y="5049180"/>
+            <a:ext cx="216024" cy="144016"/>
+          </a:xfrm>
+          <a:prstGeom prst="roundRect">
+            <a:avLst>
+              <a:gd name="adj" fmla="val 50000"/>
+            </a:avLst>
+          </a:prstGeom>
+          <a:solidFill>
+            <a:srgbClr val="FF0000"/>
+          </a:solidFill>
+          <a:ln w="9525">
+            <a:solidFill>
+              <a:schemeClr val="tx1"/>
+            </a:solidFill>
+          </a:ln>
+        </p:spPr>
+        <p:style>
+          <a:lnRef idx="2">
+            <a:schemeClr val="accent1">
+              <a:shade val="50000"/>
+            </a:schemeClr>
+          </a:lnRef>
+          <a:fillRef idx="1">
+            <a:schemeClr val="accent1"/>
+          </a:fillRef>
+          <a:effectRef idx="0">
+            <a:schemeClr val="accent1"/>
+          </a:effectRef>
+          <a:fontRef idx="minor">
+            <a:schemeClr val="lt1"/>
+          </a:fontRef>
+        </p:style>
+        <p:txBody>
+          <a:bodyPr rtlCol="0" anchor="ctr"/>
+          <a:lstStyle/>
+          <a:p>
+            <a:pPr algn="ctr"/>
+            <a:endParaRPr lang="en-GB"/>
           </a:p>
         </p:txBody>
       </p:sp>
@@ -8931,7 +9993,7 @@
       </p:grpSpPr>
       <p:pic>
         <p:nvPicPr>
-          <p:cNvPr id="3" name="Picture 2"/>
+          <p:cNvPr id="8" name="Picture 2"/>
           <p:cNvPicPr>
             <a:picLocks noChangeAspect="1" noChangeArrowheads="1"/>
           </p:cNvPicPr>
@@ -8947,7 +10009,7 @@
         <p:spPr bwMode="auto">
           <a:xfrm>
             <a:off x="251520" y="260648"/>
-            <a:ext cx="5540502" cy="4450842"/>
+            <a:ext cx="5473446" cy="4417314"/>
           </a:xfrm>
           <a:prstGeom prst="rect">
             <a:avLst/>
@@ -8969,8 +10031,8 @@
         </p:nvSpPr>
         <p:spPr>
           <a:xfrm>
-            <a:off x="4644008" y="1412776"/>
-            <a:ext cx="3024336" cy="1354217"/>
+            <a:off x="4427984" y="1520788"/>
+            <a:ext cx="3024336" cy="1600438"/>
           </a:xfrm>
           <a:prstGeom prst="rect">
             <a:avLst/>
@@ -9006,7 +10068,15 @@
             </a:pPr>
             <a:r>
               <a:rPr lang="en-GB" sz="1600" dirty="0" smtClean="0"/>
-              <a:t>Invoke ME with basic frames version of demo model</a:t>
+              <a:t>Invoke ME with basic </a:t>
+            </a:r>
+            <a:r>
+              <a:rPr lang="en-GB" sz="1600" dirty="0" smtClean="0"/>
+              <a:t>MEKON frames model (FM) version </a:t>
+            </a:r>
+            <a:r>
+              <a:rPr lang="en-GB" sz="1600" dirty="0" smtClean="0"/>
+              <a:t>of demo model</a:t>
             </a:r>
           </a:p>
           <a:p>
@@ -9029,8 +10099,8 @@
         </p:nvSpPr>
         <p:spPr>
           <a:xfrm>
-            <a:off x="467544" y="5373216"/>
-            <a:ext cx="3384376" cy="792088"/>
+            <a:off x="467544" y="5301208"/>
+            <a:ext cx="3528392" cy="864096"/>
           </a:xfrm>
           <a:prstGeom prst="rect">
             <a:avLst/>
@@ -9068,7 +10138,7 @@
         </p:nvSpPr>
         <p:spPr>
           <a:xfrm>
-            <a:off x="899592" y="5733256"/>
+            <a:off x="1007604" y="5733256"/>
             <a:ext cx="2952328" cy="360040"/>
           </a:xfrm>
           <a:prstGeom prst="rect">
@@ -9101,7 +10171,7 @@
         </p:nvSpPr>
         <p:spPr>
           <a:xfrm>
-            <a:off x="5004048" y="3573016"/>
+            <a:off x="5508104" y="3789040"/>
             <a:ext cx="3024336" cy="2339102"/>
           </a:xfrm>
           <a:prstGeom prst="rect">
@@ -9138,7 +10208,15 @@
             </a:pPr>
             <a:r>
               <a:rPr lang="en-GB" sz="1600" dirty="0" smtClean="0"/>
-              <a:t>Tree represents hierarchy of all concept-level frames, or C-Frames, in model.</a:t>
+              <a:t>Tree represents hierarchy of all concept-level frames, or </a:t>
+            </a:r>
+            <a:r>
+              <a:rPr lang="en-GB" sz="1600" dirty="0" smtClean="0"/>
+              <a:t>C-Frames</a:t>
+            </a:r>
+            <a:r>
+              <a:rPr lang="en-GB" sz="1600" dirty="0" smtClean="0"/>
+              <a:t>, in model.</a:t>
             </a:r>
           </a:p>
           <a:p>
@@ -9148,27 +10226,43 @@
             </a:pPr>
             <a:r>
               <a:rPr lang="en-GB" sz="1600" dirty="0" smtClean="0"/>
-              <a:t>Model consists of this set of C-Frames, together with associated sets of concept-level slots , or C-Slots (not currently visible)</a:t>
-            </a:r>
-          </a:p>
-        </p:txBody>
-      </p:sp>
-      <p:sp>
-        <p:nvSpPr>
-          <p:cNvPr id="20" name="Oval 19"/>
+              <a:t>Model consists of this set of </a:t>
+            </a:r>
+            <a:r>
+              <a:rPr lang="en-GB" sz="1600" dirty="0" err="1" smtClean="0"/>
+              <a:t>CFrames</a:t>
+            </a:r>
+            <a:r>
+              <a:rPr lang="en-GB" sz="1600" dirty="0" smtClean="0"/>
+              <a:t>, together with associated sets of concept-level slots , or </a:t>
+            </a:r>
+            <a:r>
+              <a:rPr lang="en-GB" sz="1600" dirty="0" smtClean="0"/>
+              <a:t>C-Slots </a:t>
+            </a:r>
+            <a:r>
+              <a:rPr lang="en-GB" sz="1600" dirty="0" smtClean="0"/>
+              <a:t>(not currently visible)</a:t>
+            </a:r>
+          </a:p>
+        </p:txBody>
+      </p:sp>
+      <p:sp>
+        <p:nvSpPr>
+          <p:cNvPr id="10" name="Oval 9"/>
           <p:cNvSpPr/>
           <p:nvPr/>
         </p:nvSpPr>
         <p:spPr>
           <a:xfrm>
-            <a:off x="611560" y="5805264"/>
-            <a:ext cx="216024" cy="216024"/>
+            <a:off x="647564" y="5733256"/>
+            <a:ext cx="324036" cy="288032"/>
           </a:xfrm>
           <a:prstGeom prst="ellipse">
             <a:avLst/>
           </a:prstGeom>
           <a:solidFill>
-            <a:srgbClr val="C00000"/>
+            <a:srgbClr val="FF0000"/>
           </a:solidFill>
           <a:ln w="9525">
             <a:solidFill>
@@ -9197,7 +10291,7 @@
           <a:lstStyle/>
           <a:p>
             <a:pPr algn="ctr"/>
-            <a:endParaRPr lang="en-GB" sz="1600"/>
+            <a:endParaRPr lang="en-GB" sz="1600" dirty="0"/>
           </a:p>
         </p:txBody>
       </p:sp>

--- a/trunk/docs/MEKON-HOBO Introductory Tutorial.pptx
+++ b/trunk/docs/MEKON-HOBO Introductory Tutorial.pptx
@@ -310,7 +310,7 @@
             <a:fld id="{91893DBC-7519-4EA7-8165-AFD94A974DB8}" type="datetimeFigureOut">
               <a:rPr lang="en-GB" smtClean="0"/>
               <a:pPr/>
-              <a:t>05/12/2014</a:t>
+              <a:t>15/12/2014</a:t>
             </a:fld>
             <a:endParaRPr lang="en-GB"/>
           </a:p>
@@ -477,7 +477,7 @@
             <a:fld id="{91893DBC-7519-4EA7-8165-AFD94A974DB8}" type="datetimeFigureOut">
               <a:rPr lang="en-GB" smtClean="0"/>
               <a:pPr/>
-              <a:t>05/12/2014</a:t>
+              <a:t>15/12/2014</a:t>
             </a:fld>
             <a:endParaRPr lang="en-GB"/>
           </a:p>
@@ -654,7 +654,7 @@
             <a:fld id="{91893DBC-7519-4EA7-8165-AFD94A974DB8}" type="datetimeFigureOut">
               <a:rPr lang="en-GB" smtClean="0"/>
               <a:pPr/>
-              <a:t>05/12/2014</a:t>
+              <a:t>15/12/2014</a:t>
             </a:fld>
             <a:endParaRPr lang="en-GB"/>
           </a:p>
@@ -821,7 +821,7 @@
             <a:fld id="{91893DBC-7519-4EA7-8165-AFD94A974DB8}" type="datetimeFigureOut">
               <a:rPr lang="en-GB" smtClean="0"/>
               <a:pPr/>
-              <a:t>05/12/2014</a:t>
+              <a:t>15/12/2014</a:t>
             </a:fld>
             <a:endParaRPr lang="en-GB"/>
           </a:p>
@@ -1064,7 +1064,7 @@
             <a:fld id="{91893DBC-7519-4EA7-8165-AFD94A974DB8}" type="datetimeFigureOut">
               <a:rPr lang="en-GB" smtClean="0"/>
               <a:pPr/>
-              <a:t>05/12/2014</a:t>
+              <a:t>15/12/2014</a:t>
             </a:fld>
             <a:endParaRPr lang="en-GB"/>
           </a:p>
@@ -1349,7 +1349,7 @@
             <a:fld id="{91893DBC-7519-4EA7-8165-AFD94A974DB8}" type="datetimeFigureOut">
               <a:rPr lang="en-GB" smtClean="0"/>
               <a:pPr/>
-              <a:t>05/12/2014</a:t>
+              <a:t>15/12/2014</a:t>
             </a:fld>
             <a:endParaRPr lang="en-GB"/>
           </a:p>
@@ -1768,7 +1768,7 @@
             <a:fld id="{91893DBC-7519-4EA7-8165-AFD94A974DB8}" type="datetimeFigureOut">
               <a:rPr lang="en-GB" smtClean="0"/>
               <a:pPr/>
-              <a:t>05/12/2014</a:t>
+              <a:t>15/12/2014</a:t>
             </a:fld>
             <a:endParaRPr lang="en-GB"/>
           </a:p>
@@ -1883,7 +1883,7 @@
             <a:fld id="{91893DBC-7519-4EA7-8165-AFD94A974DB8}" type="datetimeFigureOut">
               <a:rPr lang="en-GB" smtClean="0"/>
               <a:pPr/>
-              <a:t>05/12/2014</a:t>
+              <a:t>15/12/2014</a:t>
             </a:fld>
             <a:endParaRPr lang="en-GB"/>
           </a:p>
@@ -1975,7 +1975,7 @@
             <a:fld id="{91893DBC-7519-4EA7-8165-AFD94A974DB8}" type="datetimeFigureOut">
               <a:rPr lang="en-GB" smtClean="0"/>
               <a:pPr/>
-              <a:t>05/12/2014</a:t>
+              <a:t>15/12/2014</a:t>
             </a:fld>
             <a:endParaRPr lang="en-GB"/>
           </a:p>
@@ -2249,7 +2249,7 @@
             <a:fld id="{91893DBC-7519-4EA7-8165-AFD94A974DB8}" type="datetimeFigureOut">
               <a:rPr lang="en-GB" smtClean="0"/>
               <a:pPr/>
-              <a:t>05/12/2014</a:t>
+              <a:t>15/12/2014</a:t>
             </a:fld>
             <a:endParaRPr lang="en-GB"/>
           </a:p>
@@ -2499,7 +2499,7 @@
             <a:fld id="{91893DBC-7519-4EA7-8165-AFD94A974DB8}" type="datetimeFigureOut">
               <a:rPr lang="en-GB" smtClean="0"/>
               <a:pPr/>
-              <a:t>05/12/2014</a:t>
+              <a:t>15/12/2014</a:t>
             </a:fld>
             <a:endParaRPr lang="en-GB"/>
           </a:p>
@@ -2709,7 +2709,7 @@
             <a:fld id="{91893DBC-7519-4EA7-8165-AFD94A974DB8}" type="datetimeFigureOut">
               <a:rPr lang="en-GB" smtClean="0"/>
               <a:pPr/>
-              <a:t>05/12/2014</a:t>
+              <a:t>15/12/2014</a:t>
             </a:fld>
             <a:endParaRPr lang="en-GB"/>
           </a:p>
@@ -3111,11 +3111,7 @@
             </a:br>
             <a:r>
               <a:rPr lang="en-GB" sz="6000" b="1" dirty="0" smtClean="0"/>
-              <a:t>Introductory </a:t>
-            </a:r>
-            <a:r>
-              <a:rPr lang="en-GB" sz="6000" b="1" dirty="0" smtClean="0"/>
-              <a:t>Tutorial</a:t>
+              <a:t>Introductory Tutorial</a:t>
             </a:r>
             <a:endParaRPr lang="en-GB" sz="6000" b="1" dirty="0"/>
           </a:p>
@@ -4166,19 +4162,7 @@
               <a:rPr lang="en-GB" sz="1600" dirty="0" smtClean="0">
                 <a:cs typeface="Courier New" pitchFamily="49" charset="0"/>
               </a:rPr>
-              <a:t>Each C-Slot provides a value-type, which defines the valid values for the instantiating I-Slots. Value-types are represented via entities from the level above that of the values </a:t>
-            </a:r>
-            <a:r>
-              <a:rPr lang="en-GB" sz="1600" dirty="0" smtClean="0">
-                <a:cs typeface="Courier New" pitchFamily="49" charset="0"/>
-              </a:rPr>
-              <a:t>that the </a:t>
-            </a:r>
-            <a:r>
-              <a:rPr lang="en-GB" sz="1600" dirty="0" smtClean="0">
-                <a:cs typeface="Courier New" pitchFamily="49" charset="0"/>
-              </a:rPr>
-              <a:t>I-Slot will have:</a:t>
+              <a:t>Each C-Slot provides a value-type, which defines the valid values for the instantiating I-Slots. Value-types are represented via entities from the level above that of the values that the I-Slot will have:</a:t>
             </a:r>
           </a:p>
           <a:p>
@@ -4418,15 +4402,7 @@
           <a:p>
             <a:r>
               <a:rPr lang="en-GB" sz="1600" dirty="0" smtClean="0"/>
-              <a:t>Recursively expand </a:t>
-            </a:r>
-            <a:r>
-              <a:rPr lang="en-GB" sz="1600" dirty="0" smtClean="0"/>
-              <a:t>section </a:t>
-            </a:r>
-            <a:r>
-              <a:rPr lang="en-GB" sz="1600" dirty="0" smtClean="0"/>
-              <a:t>of tree under </a:t>
+              <a:t>Recursively expand section of tree under </a:t>
             </a:r>
             <a:r>
               <a:rPr lang="en-GB" sz="1600" dirty="0" smtClean="0">
@@ -6018,7 +5994,7 @@
         <p:spPr/>
         <p:txBody>
           <a:bodyPr>
-            <a:normAutofit fontScale="92500"/>
+            <a:normAutofit lnSpcReduction="10000"/>
           </a:bodyPr>
           <a:lstStyle/>
           <a:p>
@@ -6058,23 +6034,59 @@
             <a:pPr lvl="1"/>
             <a:r>
               <a:rPr lang="en-GB" dirty="0" smtClean="0"/>
-              <a:t>Overview of MEKON + HOBO models and their associated functionality</a:t>
+              <a:t>Overview of MEKON + HOBO </a:t>
+            </a:r>
+            <a:r>
+              <a:rPr lang="en-GB" dirty="0" smtClean="0"/>
+              <a:t>models</a:t>
+            </a:r>
+          </a:p>
+          <a:p>
+            <a:pPr lvl="2"/>
+            <a:r>
+              <a:rPr lang="en-GB" dirty="0" smtClean="0"/>
+              <a:t>+ Associated </a:t>
+            </a:r>
+            <a:r>
+              <a:rPr lang="en-GB" dirty="0" smtClean="0"/>
+              <a:t>functionality</a:t>
             </a:r>
           </a:p>
           <a:p>
             <a:pPr lvl="1"/>
             <a:r>
               <a:rPr lang="en-GB" dirty="0" smtClean="0"/>
-              <a:t>Specific model-instantiation examples</a:t>
-            </a:r>
-            <a:r>
-              <a:rPr lang="en-GB" dirty="0"/>
-              <a:t> </a:t>
+              <a:t>Specific model-instantiation </a:t>
             </a:r>
             <a:r>
               <a:rPr lang="en-GB" dirty="0" smtClean="0"/>
-              <a:t>+ explanations of the functionalities thereby invoked</a:t>
-            </a:r>
+              <a:t>examples</a:t>
+            </a:r>
+            <a:endParaRPr lang="en-GB" dirty="0"/>
+          </a:p>
+          <a:p>
+            <a:pPr lvl="2"/>
+            <a:r>
+              <a:rPr lang="en-GB" dirty="0" smtClean="0"/>
+              <a:t>+ </a:t>
+            </a:r>
+            <a:r>
+              <a:rPr lang="en-GB" dirty="0" smtClean="0"/>
+              <a:t>E</a:t>
+            </a:r>
+            <a:r>
+              <a:rPr lang="en-GB" dirty="0" smtClean="0"/>
+              <a:t>xplanations </a:t>
+            </a:r>
+            <a:r>
+              <a:rPr lang="en-GB" dirty="0" smtClean="0"/>
+              <a:t>of </a:t>
+            </a:r>
+            <a:r>
+              <a:rPr lang="en-GB" dirty="0" smtClean="0"/>
+              <a:t>functionalities invoked</a:t>
+            </a:r>
+            <a:endParaRPr lang="en-GB" dirty="0" smtClean="0"/>
           </a:p>
           <a:p>
             <a:pPr>
@@ -6262,23 +6274,7 @@
             </a:pPr>
             <a:r>
               <a:rPr lang="en-GB" sz="1600" dirty="0" smtClean="0"/>
-              <a:t>Invoke ME with </a:t>
-            </a:r>
-            <a:r>
-              <a:rPr lang="en-GB" sz="1600" dirty="0" smtClean="0"/>
-              <a:t>hybrid HOBO/MEKON, </a:t>
-            </a:r>
-            <a:r>
-              <a:rPr lang="en-GB" sz="1600" dirty="0" smtClean="0"/>
-              <a:t>object model (OM) /</a:t>
-            </a:r>
-            <a:r>
-              <a:rPr lang="en-GB" sz="1600" dirty="0" smtClean="0"/>
-              <a:t>frames model (FM) version </a:t>
-            </a:r>
-            <a:r>
-              <a:rPr lang="en-GB" sz="1600" dirty="0" smtClean="0"/>
-              <a:t>of demo model</a:t>
+              <a:t>Invoke ME with hybrid HOBO/MEKON, object model (OM) /frames model (FM) version of demo model</a:t>
             </a:r>
           </a:p>
           <a:p>
@@ -6359,11 +6355,7 @@
           <a:p>
             <a:r>
               <a:rPr lang="en-GB" sz="1600" dirty="0" smtClean="0"/>
-              <a:t>C-Frame / derived from </a:t>
-            </a:r>
-            <a:r>
-              <a:rPr lang="en-GB" sz="1600" dirty="0" smtClean="0"/>
-              <a:t>OM only</a:t>
+              <a:t>C-Frame / derived from OM only</a:t>
             </a:r>
             <a:endParaRPr lang="en-GB" sz="1600" dirty="0"/>
           </a:p>
@@ -6396,15 +6388,7 @@
           <a:p>
             <a:r>
               <a:rPr lang="en-GB" sz="1600" dirty="0" smtClean="0"/>
-              <a:t>C-Frame / derived from </a:t>
-            </a:r>
-            <a:r>
-              <a:rPr lang="en-GB" sz="1600" dirty="0" smtClean="0"/>
-              <a:t>both </a:t>
-            </a:r>
-            <a:r>
-              <a:rPr lang="en-GB" sz="1600" dirty="0" smtClean="0"/>
-              <a:t>OM and ontology</a:t>
+              <a:t>C-Frame / derived from both OM and ontology</a:t>
             </a:r>
             <a:endParaRPr lang="en-GB" sz="1600" dirty="0"/>
           </a:p>
@@ -6688,19 +6672,7 @@
           <a:p>
             <a:r>
               <a:rPr lang="en-GB" sz="1600" dirty="0" smtClean="0"/>
-              <a:t>C-Slot </a:t>
-            </a:r>
-            <a:r>
-              <a:rPr lang="en-GB" sz="1600" dirty="0" smtClean="0"/>
-              <a:t>/ derived from </a:t>
-            </a:r>
-            <a:r>
-              <a:rPr lang="en-GB" sz="1600" dirty="0" smtClean="0"/>
-              <a:t>both </a:t>
-            </a:r>
-            <a:r>
-              <a:rPr lang="en-GB" sz="1600" dirty="0" smtClean="0"/>
-              <a:t>OM and ontology</a:t>
+              <a:t>C-Slot / derived from both OM and ontology</a:t>
             </a:r>
             <a:endParaRPr lang="en-GB" sz="1600" dirty="0"/>
           </a:p>
@@ -6733,15 +6705,7 @@
           <a:p>
             <a:r>
               <a:rPr lang="en-GB" sz="1600" dirty="0" smtClean="0"/>
-              <a:t>C-Slot </a:t>
-            </a:r>
-            <a:r>
-              <a:rPr lang="en-GB" sz="1600" dirty="0" smtClean="0"/>
-              <a:t>/ derived from </a:t>
-            </a:r>
-            <a:r>
-              <a:rPr lang="en-GB" sz="1600" dirty="0" smtClean="0"/>
-              <a:t>OM only (not shown)</a:t>
+              <a:t>C-Slot / derived from OM only (not shown)</a:t>
             </a:r>
             <a:endParaRPr lang="en-GB" sz="1600" dirty="0"/>
           </a:p>
@@ -6870,11 +6834,7 @@
           <a:p>
             <a:r>
               <a:rPr lang="en-GB" sz="1600" dirty="0" smtClean="0"/>
-              <a:t>M-Frame / derived </a:t>
-            </a:r>
-            <a:r>
-              <a:rPr lang="en-GB" sz="1600" dirty="0" smtClean="0"/>
-              <a:t>from both OM and ontology</a:t>
+              <a:t>M-Frame / derived from both OM and ontology</a:t>
             </a:r>
             <a:endParaRPr lang="en-GB" sz="1600" dirty="0"/>
           </a:p>
@@ -7060,7 +7020,6 @@
               <a:rPr lang="en-GB" b="1" dirty="0" smtClean="0"/>
               <a:t>Icon Modifier:</a:t>
             </a:r>
-            <a:endParaRPr lang="en-GB" b="1" dirty="0" smtClean="0"/>
           </a:p>
         </p:txBody>
       </p:sp>
@@ -7429,60 +7388,91 @@
             </a:pPr>
             <a:r>
               <a:rPr lang="en-GB" dirty="0" smtClean="0"/>
-              <a:t>Uses MEKON Model Explorer to browse and instantiate demo model, covering:</a:t>
-            </a:r>
-          </a:p>
-          <a:p>
-            <a:pPr marL="514350" indent="-514350">
-              <a:buFont typeface="+mj-lt"/>
-              <a:buAutoNum type="arabicPeriod"/>
-            </a:pPr>
+              <a:t>Using </a:t>
+            </a:r>
             <a:r>
               <a:rPr lang="en-GB" dirty="0" smtClean="0"/>
-              <a:t>Browsing basic MEKON version of model</a:t>
-            </a:r>
-          </a:p>
-          <a:p>
-            <a:pPr marL="514350" indent="-514350">
-              <a:buFont typeface="+mj-lt"/>
-              <a:buAutoNum type="arabicPeriod"/>
-            </a:pPr>
+              <a:t>MEKON Model Explorer </a:t>
+            </a:r>
             <a:r>
               <a:rPr lang="en-GB" dirty="0" smtClean="0"/>
-              <a:t>Browsing hybrid HOBO/MEKON version of model</a:t>
-            </a:r>
-          </a:p>
-          <a:p>
-            <a:pPr marL="514350" indent="-514350">
-              <a:buFont typeface="+mj-lt"/>
-              <a:buAutoNum type="arabicPeriod"/>
-            </a:pPr>
+              <a:t>to:</a:t>
+            </a:r>
+            <a:endParaRPr lang="en-GB" dirty="0" smtClean="0"/>
+          </a:p>
+          <a:p>
+            <a:pPr marL="514350" indent="-514350"/>
             <a:r>
               <a:rPr lang="en-GB" dirty="0" smtClean="0"/>
-              <a:t>Creating + storing </a:t>
-            </a:r>
+              <a:t>Browse of model:</a:t>
+            </a:r>
+          </a:p>
+          <a:p>
+            <a:pPr marL="914400" lvl="1" indent="-514350"/>
             <a:r>
               <a:rPr lang="en-GB" dirty="0" smtClean="0"/>
-              <a:t>“assertion” instantiations</a:t>
-            </a:r>
-            <a:endParaRPr lang="en-GB" dirty="0" smtClean="0"/>
-          </a:p>
-          <a:p>
-            <a:pPr marL="514350" indent="-514350">
-              <a:buFont typeface="+mj-lt"/>
-              <a:buAutoNum type="arabicPeriod"/>
-            </a:pPr>
+              <a:t>B</a:t>
+            </a:r>
             <a:r>
               <a:rPr lang="en-GB" dirty="0" smtClean="0"/>
-              <a:t>Creating + executing </a:t>
+              <a:t>asic </a:t>
             </a:r>
             <a:r>
               <a:rPr lang="en-GB" dirty="0" smtClean="0"/>
-              <a:t>“query” </a:t>
+              <a:t>MEKON version of </a:t>
+            </a:r>
+            <a:r>
+              <a:rPr lang="en-GB" dirty="0" smtClean="0"/>
+              <a:t>model</a:t>
+            </a:r>
+          </a:p>
+          <a:p>
+            <a:pPr marL="914400" lvl="1" indent="-514350"/>
+            <a:r>
+              <a:rPr lang="en-GB" dirty="0" smtClean="0"/>
+              <a:t>Hybrid </a:t>
+            </a:r>
+            <a:r>
+              <a:rPr lang="en-GB" dirty="0" smtClean="0"/>
+              <a:t>HOBO/MEKON </a:t>
+            </a:r>
+            <a:r>
+              <a:rPr lang="en-GB" dirty="0" smtClean="0"/>
+              <a:t>version of model</a:t>
+            </a:r>
+          </a:p>
+          <a:p>
+            <a:pPr marL="514350" indent="-514350"/>
+            <a:r>
+              <a:rPr lang="en-GB" smtClean="0"/>
+              <a:t>Manipulate </a:t>
+            </a:r>
+            <a:r>
+              <a:rPr lang="en-GB" dirty="0" smtClean="0"/>
+              <a:t>model-instantiations:</a:t>
+            </a:r>
+          </a:p>
+          <a:p>
+            <a:pPr marL="914400" lvl="1" indent="-514350"/>
+            <a:r>
+              <a:rPr lang="en-GB" dirty="0" smtClean="0"/>
+              <a:t>Creating + storing “assertion</a:t>
+            </a:r>
+            <a:r>
+              <a:rPr lang="en-GB" dirty="0" smtClean="0"/>
+              <a:t>” </a:t>
             </a:r>
             <a:r>
               <a:rPr lang="en-GB" dirty="0" smtClean="0"/>
               <a:t>instantiations</a:t>
+            </a:r>
+            <a:endParaRPr lang="en-GB" dirty="0" smtClean="0"/>
+          </a:p>
+          <a:p>
+            <a:pPr marL="914400" lvl="1" indent="-514350"/>
+            <a:r>
+              <a:rPr lang="en-GB" dirty="0" smtClean="0"/>
+              <a:t>Creating + executing “query” instantiations</a:t>
             </a:r>
           </a:p>
         </p:txBody>
@@ -7615,7 +7605,6 @@
               <a:rPr lang="en-GB" sz="2000" b="1" dirty="0" smtClean="0"/>
               <a:t>Explanations:</a:t>
             </a:r>
-            <a:endParaRPr lang="en-GB" sz="2000" b="1" dirty="0" smtClean="0"/>
           </a:p>
           <a:p>
             <a:pPr marL="457200" indent="-457200">
@@ -7919,11 +7908,7 @@
             </a:r>
             <a:r>
               <a:rPr lang="en-GB" sz="1600" dirty="0" smtClean="0"/>
-              <a:t> </a:t>
-            </a:r>
-            <a:r>
-              <a:rPr lang="en-GB" sz="1600" dirty="0" smtClean="0"/>
-              <a:t>and </a:t>
+              <a:t> and </a:t>
             </a:r>
             <a:r>
               <a:rPr lang="en-GB" sz="1600" i="1" dirty="0" smtClean="0"/>
@@ -8018,15 +8003,7 @@
             </a:r>
             <a:r>
               <a:rPr lang="en-GB" sz="1600" dirty="0" smtClean="0"/>
-              <a:t>Representation of </a:t>
-            </a:r>
-            <a:r>
-              <a:rPr lang="en-GB" sz="1600" dirty="0" smtClean="0"/>
-              <a:t>specific instantiations </a:t>
-            </a:r>
-            <a:r>
-              <a:rPr lang="en-GB" sz="1600" dirty="0" smtClean="0"/>
-              <a:t>of domain model</a:t>
+              <a:t>Representation of specific instantiations of domain model</a:t>
             </a:r>
           </a:p>
           <a:p>
@@ -8111,15 +8088,7 @@
             </a:r>
             <a:r>
               <a:rPr lang="en-GB" sz="1600" dirty="0" smtClean="0"/>
-              <a:t>Reference to domain concept (used solely for </a:t>
-            </a:r>
-            <a:r>
-              <a:rPr lang="en-GB" sz="1600" dirty="0" smtClean="0"/>
-              <a:t>defining </a:t>
-            </a:r>
-            <a:r>
-              <a:rPr lang="en-GB" sz="1600" dirty="0" smtClean="0"/>
-              <a:t>value-types of C-Frame-valued slots)</a:t>
+              <a:t>Reference to domain concept (used solely for defining value-types of C-Frame-valued slots)</a:t>
             </a:r>
           </a:p>
         </p:txBody>
@@ -8262,17 +8231,8 @@
             <a:pPr algn="ctr"/>
             <a:r>
               <a:rPr lang="en-GB" b="1" dirty="0" smtClean="0"/>
-              <a:t>Shapes (</a:t>
-            </a:r>
-            <a:r>
-              <a:rPr lang="en-GB" b="1" dirty="0" smtClean="0"/>
-              <a:t>all relevant </a:t>
-            </a:r>
-            <a:r>
-              <a:rPr lang="en-GB" b="1" dirty="0" smtClean="0"/>
-              <a:t>colours)</a:t>
-            </a:r>
-            <a:endParaRPr lang="en-GB" b="1" dirty="0" smtClean="0"/>
+              <a:t>Shapes (all relevant colours)</a:t>
+            </a:r>
           </a:p>
           <a:p>
             <a:pPr algn="ctr"/>
@@ -9110,11 +9070,7 @@
           <a:p>
             <a:r>
               <a:rPr lang="en-GB" sz="1600" b="1" dirty="0" smtClean="0"/>
-              <a:t>Icon </a:t>
-            </a:r>
-            <a:r>
-              <a:rPr lang="en-GB" sz="1600" b="1" dirty="0" smtClean="0"/>
-              <a:t>Colour(s)</a:t>
+              <a:t>Icon Colour(s)</a:t>
             </a:r>
             <a:endParaRPr lang="en-GB" sz="1600" b="1" dirty="0"/>
           </a:p>
@@ -10068,15 +10024,7 @@
             </a:pPr>
             <a:r>
               <a:rPr lang="en-GB" sz="1600" dirty="0" smtClean="0"/>
-              <a:t>Invoke ME with basic </a:t>
-            </a:r>
-            <a:r>
-              <a:rPr lang="en-GB" sz="1600" dirty="0" smtClean="0"/>
-              <a:t>MEKON frames model (FM) version </a:t>
-            </a:r>
-            <a:r>
-              <a:rPr lang="en-GB" sz="1600" dirty="0" smtClean="0"/>
-              <a:t>of demo model</a:t>
+              <a:t>Invoke ME with basic MEKON frames model (FM) version of demo model</a:t>
             </a:r>
           </a:p>
           <a:p>
@@ -10208,15 +10156,7 @@
             </a:pPr>
             <a:r>
               <a:rPr lang="en-GB" sz="1600" dirty="0" smtClean="0"/>
-              <a:t>Tree represents hierarchy of all concept-level frames, or </a:t>
-            </a:r>
-            <a:r>
-              <a:rPr lang="en-GB" sz="1600" dirty="0" smtClean="0"/>
-              <a:t>C-Frames</a:t>
-            </a:r>
-            <a:r>
-              <a:rPr lang="en-GB" sz="1600" dirty="0" smtClean="0"/>
-              <a:t>, in model.</a:t>
+              <a:t>Tree represents hierarchy of all concept-level frames, or C-Frames, in model.</a:t>
             </a:r>
           </a:p>
           <a:p>
@@ -10234,15 +10174,7 @@
             </a:r>
             <a:r>
               <a:rPr lang="en-GB" sz="1600" dirty="0" smtClean="0"/>
-              <a:t>, together with associated sets of concept-level slots , or </a:t>
-            </a:r>
-            <a:r>
-              <a:rPr lang="en-GB" sz="1600" dirty="0" smtClean="0"/>
-              <a:t>C-Slots </a:t>
-            </a:r>
-            <a:r>
-              <a:rPr lang="en-GB" sz="1600" dirty="0" smtClean="0"/>
-              <a:t>(not currently visible)</a:t>
+              <a:t>, together with associated sets of concept-level slots , or C-Slots (not currently visible)</a:t>
             </a:r>
           </a:p>
         </p:txBody>

--- a/trunk/docs/MEKON-HOBO Introductory Tutorial.pptx
+++ b/trunk/docs/MEKON-HOBO Introductory Tutorial.pptx
@@ -25,8 +25,9 @@
     <p:sldId id="284" r:id="rId19"/>
     <p:sldId id="277" r:id="rId20"/>
     <p:sldId id="273" r:id="rId21"/>
-    <p:sldId id="286" r:id="rId22"/>
-    <p:sldId id="287" r:id="rId23"/>
+    <p:sldId id="288" r:id="rId22"/>
+    <p:sldId id="286" r:id="rId23"/>
+    <p:sldId id="287" r:id="rId24"/>
   </p:sldIdLst>
   <p:sldSz cx="9144000" cy="6858000" type="screen4x3"/>
   <p:notesSz cx="6858000" cy="9144000"/>
@@ -310,7 +311,7 @@
             <a:fld id="{91893DBC-7519-4EA7-8165-AFD94A974DB8}" type="datetimeFigureOut">
               <a:rPr lang="en-GB" smtClean="0"/>
               <a:pPr/>
-              <a:t>15/12/2014</a:t>
+              <a:t>19/12/2014</a:t>
             </a:fld>
             <a:endParaRPr lang="en-GB"/>
           </a:p>
@@ -477,7 +478,7 @@
             <a:fld id="{91893DBC-7519-4EA7-8165-AFD94A974DB8}" type="datetimeFigureOut">
               <a:rPr lang="en-GB" smtClean="0"/>
               <a:pPr/>
-              <a:t>15/12/2014</a:t>
+              <a:t>19/12/2014</a:t>
             </a:fld>
             <a:endParaRPr lang="en-GB"/>
           </a:p>
@@ -654,7 +655,7 @@
             <a:fld id="{91893DBC-7519-4EA7-8165-AFD94A974DB8}" type="datetimeFigureOut">
               <a:rPr lang="en-GB" smtClean="0"/>
               <a:pPr/>
-              <a:t>15/12/2014</a:t>
+              <a:t>19/12/2014</a:t>
             </a:fld>
             <a:endParaRPr lang="en-GB"/>
           </a:p>
@@ -821,7 +822,7 @@
             <a:fld id="{91893DBC-7519-4EA7-8165-AFD94A974DB8}" type="datetimeFigureOut">
               <a:rPr lang="en-GB" smtClean="0"/>
               <a:pPr/>
-              <a:t>15/12/2014</a:t>
+              <a:t>19/12/2014</a:t>
             </a:fld>
             <a:endParaRPr lang="en-GB"/>
           </a:p>
@@ -1064,7 +1065,7 @@
             <a:fld id="{91893DBC-7519-4EA7-8165-AFD94A974DB8}" type="datetimeFigureOut">
               <a:rPr lang="en-GB" smtClean="0"/>
               <a:pPr/>
-              <a:t>15/12/2014</a:t>
+              <a:t>19/12/2014</a:t>
             </a:fld>
             <a:endParaRPr lang="en-GB"/>
           </a:p>
@@ -1349,7 +1350,7 @@
             <a:fld id="{91893DBC-7519-4EA7-8165-AFD94A974DB8}" type="datetimeFigureOut">
               <a:rPr lang="en-GB" smtClean="0"/>
               <a:pPr/>
-              <a:t>15/12/2014</a:t>
+              <a:t>19/12/2014</a:t>
             </a:fld>
             <a:endParaRPr lang="en-GB"/>
           </a:p>
@@ -1768,7 +1769,7 @@
             <a:fld id="{91893DBC-7519-4EA7-8165-AFD94A974DB8}" type="datetimeFigureOut">
               <a:rPr lang="en-GB" smtClean="0"/>
               <a:pPr/>
-              <a:t>15/12/2014</a:t>
+              <a:t>19/12/2014</a:t>
             </a:fld>
             <a:endParaRPr lang="en-GB"/>
           </a:p>
@@ -1883,7 +1884,7 @@
             <a:fld id="{91893DBC-7519-4EA7-8165-AFD94A974DB8}" type="datetimeFigureOut">
               <a:rPr lang="en-GB" smtClean="0"/>
               <a:pPr/>
-              <a:t>15/12/2014</a:t>
+              <a:t>19/12/2014</a:t>
             </a:fld>
             <a:endParaRPr lang="en-GB"/>
           </a:p>
@@ -1975,7 +1976,7 @@
             <a:fld id="{91893DBC-7519-4EA7-8165-AFD94A974DB8}" type="datetimeFigureOut">
               <a:rPr lang="en-GB" smtClean="0"/>
               <a:pPr/>
-              <a:t>15/12/2014</a:t>
+              <a:t>19/12/2014</a:t>
             </a:fld>
             <a:endParaRPr lang="en-GB"/>
           </a:p>
@@ -2249,7 +2250,7 @@
             <a:fld id="{91893DBC-7519-4EA7-8165-AFD94A974DB8}" type="datetimeFigureOut">
               <a:rPr lang="en-GB" smtClean="0"/>
               <a:pPr/>
-              <a:t>15/12/2014</a:t>
+              <a:t>19/12/2014</a:t>
             </a:fld>
             <a:endParaRPr lang="en-GB"/>
           </a:p>
@@ -2499,7 +2500,7 @@
             <a:fld id="{91893DBC-7519-4EA7-8165-AFD94A974DB8}" type="datetimeFigureOut">
               <a:rPr lang="en-GB" smtClean="0"/>
               <a:pPr/>
-              <a:t>15/12/2014</a:t>
+              <a:t>19/12/2014</a:t>
             </a:fld>
             <a:endParaRPr lang="en-GB"/>
           </a:p>
@@ -2709,7 +2710,7 @@
             <a:fld id="{91893DBC-7519-4EA7-8165-AFD94A974DB8}" type="datetimeFigureOut">
               <a:rPr lang="en-GB" smtClean="0"/>
               <a:pPr/>
-              <a:t>15/12/2014</a:t>
+              <a:t>19/12/2014</a:t>
             </a:fld>
             <a:endParaRPr lang="en-GB"/>
           </a:p>
@@ -3223,38 +3224,6 @@
           <a:chExt cx="0" cy="0"/>
         </a:xfrm>
       </p:grpSpPr>
-      <p:pic>
-        <p:nvPicPr>
-          <p:cNvPr id="1026" name="Picture 2"/>
-          <p:cNvPicPr>
-            <a:picLocks noChangeAspect="1" noChangeArrowheads="1"/>
-          </p:cNvPicPr>
-          <p:nvPr/>
-        </p:nvPicPr>
-        <p:blipFill>
-          <a:blip r:embed="rId2" cstate="print"/>
-          <a:srcRect/>
-          <a:stretch>
-            <a:fillRect/>
-          </a:stretch>
-        </p:blipFill>
-        <p:spPr bwMode="auto">
-          <a:xfrm>
-            <a:off x="251520" y="260648"/>
-            <a:ext cx="5473446" cy="4417314"/>
-          </a:xfrm>
-          <a:prstGeom prst="rect">
-            <a:avLst/>
-          </a:prstGeom>
-          <a:noFill/>
-          <a:ln w="9525">
-            <a:noFill/>
-            <a:miter lim="800000"/>
-            <a:headEnd/>
-            <a:tailEnd/>
-          </a:ln>
-        </p:spPr>
-      </p:pic>
       <p:sp>
         <p:nvSpPr>
           <p:cNvPr id="5" name="TextBox 4"/>
@@ -3263,8 +3232,8 @@
         </p:nvSpPr>
         <p:spPr>
           <a:xfrm>
-            <a:off x="3563888" y="692696"/>
-            <a:ext cx="5184576" cy="5786199"/>
+            <a:off x="1151620" y="980728"/>
+            <a:ext cx="6840760" cy="4801314"/>
           </a:xfrm>
           <a:prstGeom prst="rect">
             <a:avLst/>
@@ -3287,9 +3256,10 @@
           </a:bodyPr>
           <a:lstStyle/>
           <a:p>
-            <a:r>
-              <a:rPr lang="en-GB" b="1" dirty="0" smtClean="0"/>
-              <a:t>General Explanation:</a:t>
+            <a:pPr algn="ctr"/>
+            <a:r>
+              <a:rPr lang="en-GB" sz="2000" b="1" dirty="0" smtClean="0"/>
+              <a:t>MEKON Model Building</a:t>
             </a:r>
           </a:p>
           <a:p>
@@ -3297,12 +3267,8 @@
           </a:p>
           <a:p>
             <a:r>
-              <a:rPr lang="en-GB" sz="1600" b="1" dirty="0" smtClean="0"/>
-              <a:t>Model Building: </a:t>
-            </a:r>
-            <a:r>
               <a:rPr lang="en-GB" sz="1600" dirty="0" smtClean="0"/>
-              <a:t>Basic MEKON frames models are derived entirely from one or more external sources, typically of an ontology like nature. This contrasts to hybrid HOBO/ MEKON models in which part of the frames model is derived from a HOBO-based object model.</a:t>
+              <a:t>Basic MEKON frames models are derived entirely from one or more external sources, typically of an ontology like nature. This contrasts to hybrid HOBO/ MEKON models, in which part of the frames model is derived from a HOBO-based object model.</a:t>
             </a:r>
           </a:p>
           <a:p>
@@ -3340,8 +3306,21 @@
                 <a:cs typeface="Courier New" pitchFamily="49" charset="0"/>
                 <a:sym typeface="Wingdings" pitchFamily="2" charset="2"/>
               </a:rPr>
-              <a:t> C-Frame</a:t>
-            </a:r>
+              <a:t> </a:t>
+            </a:r>
+            <a:r>
+              <a:rPr lang="en-GB" sz="1600" dirty="0" err="1" smtClean="0">
+                <a:latin typeface="Courier New" pitchFamily="49" charset="0"/>
+                <a:cs typeface="Courier New" pitchFamily="49" charset="0"/>
+                <a:sym typeface="Wingdings" pitchFamily="2" charset="2"/>
+              </a:rPr>
+              <a:t>CFrame</a:t>
+            </a:r>
+            <a:endParaRPr lang="en-GB" sz="1600" dirty="0" smtClean="0">
+              <a:latin typeface="Courier New" pitchFamily="49" charset="0"/>
+              <a:cs typeface="Courier New" pitchFamily="49" charset="0"/>
+              <a:sym typeface="Wingdings" pitchFamily="2" charset="2"/>
+            </a:endParaRPr>
           </a:p>
           <a:p>
             <a:pPr marL="457200" indent="-457200">
@@ -3353,8 +3332,21 @@
                 <a:cs typeface="Courier New" pitchFamily="49" charset="0"/>
                 <a:sym typeface="Wingdings" pitchFamily="2" charset="2"/>
               </a:rPr>
-              <a:t>Existential property restriction  C-Slot</a:t>
-            </a:r>
+              <a:t>Existential property restriction  </a:t>
+            </a:r>
+            <a:r>
+              <a:rPr lang="en-GB" sz="1600" dirty="0" err="1" smtClean="0">
+                <a:latin typeface="Courier New" pitchFamily="49" charset="0"/>
+                <a:cs typeface="Courier New" pitchFamily="49" charset="0"/>
+                <a:sym typeface="Wingdings" pitchFamily="2" charset="2"/>
+              </a:rPr>
+              <a:t>CSlot</a:t>
+            </a:r>
+            <a:endParaRPr lang="en-GB" sz="1600" dirty="0" smtClean="0">
+              <a:latin typeface="Courier New" pitchFamily="49" charset="0"/>
+              <a:cs typeface="Courier New" pitchFamily="49" charset="0"/>
+              <a:sym typeface="Wingdings" pitchFamily="2" charset="2"/>
+            </a:endParaRPr>
           </a:p>
           <a:p>
             <a:pPr marL="457200" indent="-457200">
@@ -3483,8 +3475,8 @@
         </p:nvSpPr>
         <p:spPr>
           <a:xfrm>
-            <a:off x="3851920" y="1772816"/>
-            <a:ext cx="4968552" cy="1600438"/>
+            <a:off x="3563888" y="2564904"/>
+            <a:ext cx="4896544" cy="1600438"/>
           </a:xfrm>
           <a:prstGeom prst="rect">
             <a:avLst/>
@@ -3520,7 +3512,22 @@
             </a:pPr>
             <a:r>
               <a:rPr lang="en-GB" sz="1600" dirty="0" smtClean="0"/>
-              <a:t>Select various C-Frames in LH panel, including some with sub-frames</a:t>
+              <a:t>Select various </a:t>
+            </a:r>
+            <a:r>
+              <a:rPr lang="en-GB" sz="1600" dirty="0" err="1" smtClean="0">
+                <a:latin typeface="Courier New" pitchFamily="49" charset="0"/>
+                <a:cs typeface="Courier New" pitchFamily="49" charset="0"/>
+              </a:rPr>
+              <a:t>CFrame</a:t>
+            </a:r>
+            <a:r>
+              <a:rPr lang="en-GB" sz="1600" dirty="0" err="1" smtClean="0"/>
+              <a:t>s</a:t>
+            </a:r>
+            <a:r>
+              <a:rPr lang="en-GB" sz="1600" dirty="0" smtClean="0"/>
+              <a:t> in LH panel, including some with sub-frames</a:t>
             </a:r>
           </a:p>
           <a:p>
@@ -3540,7 +3547,22 @@
             </a:pPr>
             <a:r>
               <a:rPr lang="en-GB" sz="1600" dirty="0" smtClean="0"/>
-              <a:t>Filter resulting C-Frames list by typing into text-box</a:t>
+              <a:t>Filter resulting </a:t>
+            </a:r>
+            <a:r>
+              <a:rPr lang="en-GB" sz="1600" dirty="0" err="1" smtClean="0">
+                <a:latin typeface="Courier New" pitchFamily="49" charset="0"/>
+                <a:cs typeface="Courier New" pitchFamily="49" charset="0"/>
+              </a:rPr>
+              <a:t>CFrame</a:t>
+            </a:r>
+            <a:r>
+              <a:rPr lang="en-GB" sz="1600" dirty="0" err="1" smtClean="0"/>
+              <a:t>s</a:t>
+            </a:r>
+            <a:r>
+              <a:rPr lang="en-GB" sz="1600" dirty="0" smtClean="0"/>
+              <a:t> list by typing into text-box</a:t>
             </a:r>
           </a:p>
           <a:p>
@@ -3550,7 +3572,22 @@
             </a:pPr>
             <a:r>
               <a:rPr lang="en-GB" sz="1600" dirty="0" smtClean="0"/>
-              <a:t>Select specific C-Frames from resulting lists</a:t>
+              <a:t>Select specific </a:t>
+            </a:r>
+            <a:r>
+              <a:rPr lang="en-GB" sz="1600" dirty="0" err="1" smtClean="0">
+                <a:latin typeface="Courier New" pitchFamily="49" charset="0"/>
+                <a:cs typeface="Courier New" pitchFamily="49" charset="0"/>
+              </a:rPr>
+              <a:t>CFrame</a:t>
+            </a:r>
+            <a:r>
+              <a:rPr lang="en-GB" sz="1600" dirty="0" err="1" smtClean="0"/>
+              <a:t>s</a:t>
+            </a:r>
+            <a:r>
+              <a:rPr lang="en-GB" sz="1600" dirty="0" smtClean="0"/>
+              <a:t> from resulting lists</a:t>
             </a:r>
           </a:p>
         </p:txBody>
@@ -3563,8 +3600,8 @@
         </p:nvSpPr>
         <p:spPr>
           <a:xfrm>
-            <a:off x="2627784" y="5013176"/>
-            <a:ext cx="4896544" cy="1600438"/>
+            <a:off x="3563888" y="4149080"/>
+            <a:ext cx="4896544" cy="1846659"/>
           </a:xfrm>
           <a:prstGeom prst="rect">
             <a:avLst/>
@@ -3599,7 +3636,22 @@
             </a:pPr>
             <a:r>
               <a:rPr lang="en-GB" sz="1600" dirty="0" smtClean="0"/>
-              <a:t>Details of selected C-Frames appear in RH panel (to be explained in subsequent slides)</a:t>
+              <a:t>Details of selected </a:t>
+            </a:r>
+            <a:r>
+              <a:rPr lang="en-GB" sz="1600" dirty="0" err="1" smtClean="0">
+                <a:latin typeface="Courier New" pitchFamily="49" charset="0"/>
+                <a:cs typeface="Courier New" pitchFamily="49" charset="0"/>
+              </a:rPr>
+              <a:t>CFrame</a:t>
+            </a:r>
+            <a:r>
+              <a:rPr lang="en-GB" sz="1600" dirty="0" err="1" smtClean="0"/>
+              <a:t>s</a:t>
+            </a:r>
+            <a:r>
+              <a:rPr lang="en-GB" sz="1600" dirty="0" smtClean="0"/>
+              <a:t> appear in RH panel (to be explained in subsequent slides)</a:t>
             </a:r>
           </a:p>
           <a:p>
@@ -3609,8 +3661,37 @@
             </a:pPr>
             <a:r>
               <a:rPr lang="en-GB" sz="1600" dirty="0" smtClean="0"/>
-              <a:t>“Sub-Tree List Search” tab appears when any C-Frame with descendants is selected, containing list consisting only of descendants of selected C-Frame</a:t>
-            </a:r>
+              <a:t>“Sub-Tree List Search” tab appears when any </a:t>
+            </a:r>
+            <a:r>
+              <a:rPr lang="en-GB" sz="1600" dirty="0" err="1" smtClean="0">
+                <a:latin typeface="Courier New" pitchFamily="49" charset="0"/>
+                <a:cs typeface="Courier New" pitchFamily="49" charset="0"/>
+              </a:rPr>
+              <a:t>CFrame</a:t>
+            </a:r>
+            <a:r>
+              <a:rPr lang="en-GB" sz="1600" dirty="0" smtClean="0">
+                <a:latin typeface="Courier New" pitchFamily="49" charset="0"/>
+                <a:cs typeface="Courier New" pitchFamily="49" charset="0"/>
+              </a:rPr>
+              <a:t> </a:t>
+            </a:r>
+            <a:r>
+              <a:rPr lang="en-GB" sz="1600" dirty="0" smtClean="0"/>
+              <a:t>with descendants is selected, containing list consisting only of descendants of selected </a:t>
+            </a:r>
+            <a:r>
+              <a:rPr lang="en-GB" sz="1600" dirty="0" err="1" smtClean="0">
+                <a:latin typeface="Courier New" pitchFamily="49" charset="0"/>
+                <a:cs typeface="Courier New" pitchFamily="49" charset="0"/>
+              </a:rPr>
+              <a:t>CFrame</a:t>
+            </a:r>
+            <a:endParaRPr lang="en-GB" sz="1600" dirty="0" smtClean="0">
+              <a:latin typeface="Courier New" pitchFamily="49" charset="0"/>
+              <a:cs typeface="Courier New" pitchFamily="49" charset="0"/>
+            </a:endParaRPr>
           </a:p>
         </p:txBody>
       </p:sp>
@@ -3680,71 +3761,14 @@
       </p:pic>
       <p:sp>
         <p:nvSpPr>
-          <p:cNvPr id="3" name="TextBox 2"/>
-          <p:cNvSpPr txBox="1"/>
-          <p:nvPr/>
-        </p:nvSpPr>
-        <p:spPr>
-          <a:xfrm>
-            <a:off x="5004048" y="1916832"/>
-            <a:ext cx="3096344" cy="861774"/>
-          </a:xfrm>
-          <a:prstGeom prst="rect">
-            <a:avLst/>
-          </a:prstGeom>
-          <a:solidFill>
-            <a:schemeClr val="tx2">
-              <a:lumMod val="40000"/>
-              <a:lumOff val="60000"/>
-            </a:schemeClr>
-          </a:solidFill>
-          <a:ln>
-            <a:solidFill>
-              <a:schemeClr val="tx1"/>
-            </a:solidFill>
-          </a:ln>
-        </p:spPr>
-        <p:txBody>
-          <a:bodyPr wrap="square" rtlCol="0">
-            <a:spAutoFit/>
-          </a:bodyPr>
-          <a:lstStyle/>
-          <a:p>
-            <a:r>
-              <a:rPr lang="en-GB" b="1" dirty="0" smtClean="0"/>
-              <a:t>Actions:</a:t>
-            </a:r>
-            <a:endParaRPr lang="en-GB" dirty="0"/>
-          </a:p>
-          <a:p>
-            <a:r>
-              <a:rPr lang="en-GB" sz="1600" dirty="0" smtClean="0"/>
-              <a:t>Select </a:t>
-            </a:r>
-            <a:r>
-              <a:rPr lang="en-GB" sz="1600" dirty="0" smtClean="0">
-                <a:latin typeface="Courier New" pitchFamily="49" charset="0"/>
-                <a:cs typeface="Courier New" pitchFamily="49" charset="0"/>
-              </a:rPr>
-              <a:t>Employment</a:t>
-            </a:r>
-            <a:r>
-              <a:rPr lang="en-GB" sz="1600" dirty="0" smtClean="0"/>
-              <a:t> C-Frame in LH panel (via any of the three tabs)</a:t>
-            </a:r>
-          </a:p>
-        </p:txBody>
-      </p:sp>
-      <p:sp>
-        <p:nvSpPr>
           <p:cNvPr id="4" name="TextBox 3"/>
           <p:cNvSpPr txBox="1"/>
           <p:nvPr/>
         </p:nvSpPr>
         <p:spPr>
           <a:xfrm>
-            <a:off x="4572000" y="3861048"/>
-            <a:ext cx="4176464" cy="2092881"/>
+            <a:off x="4139952" y="2924944"/>
+            <a:ext cx="4788532" cy="2092881"/>
           </a:xfrm>
           <a:prstGeom prst="rect">
             <a:avLst/>
@@ -3771,23 +3795,7 @@
               <a:rPr lang="en-GB" b="1" dirty="0" smtClean="0"/>
               <a:t>Explanation:</a:t>
             </a:r>
-          </a:p>
-          <a:p>
-            <a:r>
-              <a:rPr lang="en-GB" sz="1600" dirty="0" smtClean="0"/>
-              <a:t>Details of </a:t>
-            </a:r>
-            <a:r>
-              <a:rPr lang="en-GB" sz="1600" dirty="0" smtClean="0">
-                <a:latin typeface="Courier New" pitchFamily="49" charset="0"/>
-                <a:cs typeface="Courier New" pitchFamily="49" charset="0"/>
-              </a:rPr>
-              <a:t>Employment</a:t>
-            </a:r>
-            <a:r>
-              <a:rPr lang="en-GB" sz="1600" dirty="0" smtClean="0"/>
-              <a:t> C-Frame appear in RH panel, including details of two attached slots:</a:t>
-            </a:r>
+            <a:endParaRPr lang="en-GB" sz="1600" dirty="0" smtClean="0"/>
           </a:p>
           <a:p>
             <a:pPr marL="457200" indent="-457200">
@@ -3795,47 +3803,115 @@
               <a:buChar char="•"/>
             </a:pPr>
             <a:r>
+              <a:rPr lang="en-GB" sz="1600" dirty="0" smtClean="0"/>
+              <a:t>Details of “</a:t>
+            </a:r>
+            <a:r>
               <a:rPr lang="en-GB" sz="1600" dirty="0" smtClean="0">
+                <a:cs typeface="Courier New" pitchFamily="49" charset="0"/>
+              </a:rPr>
+              <a:t>Employment”</a:t>
+            </a:r>
+            <a:r>
+              <a:rPr lang="en-GB" sz="1600" dirty="0" smtClean="0"/>
+              <a:t> </a:t>
+            </a:r>
+            <a:r>
+              <a:rPr lang="en-GB" sz="1600" dirty="0" err="1" smtClean="0">
                 <a:latin typeface="Courier New" pitchFamily="49" charset="0"/>
                 <a:cs typeface="Courier New" pitchFamily="49" charset="0"/>
               </a:rPr>
-              <a:t>job</a:t>
+              <a:t>CFrame</a:t>
             </a:r>
             <a:r>
               <a:rPr lang="en-GB" sz="1600" dirty="0" smtClean="0"/>
-              <a:t>: I-Frame-valued slot (values must be instantiations of the </a:t>
-            </a:r>
+              <a:t> appear in RH panel, including details of two attached slots:</a:t>
+            </a:r>
+          </a:p>
+          <a:p>
+            <a:pPr marL="914400" lvl="1" indent="-457200">
+              <a:buFont typeface="Courier New" pitchFamily="49" charset="0"/>
+              <a:buChar char="o"/>
+            </a:pPr>
             <a:r>
               <a:rPr lang="en-GB" sz="1600" dirty="0" smtClean="0">
+                <a:cs typeface="Courier New" pitchFamily="49" charset="0"/>
+              </a:rPr>
+              <a:t>“job”</a:t>
+            </a:r>
+            <a:r>
+              <a:rPr lang="en-GB" sz="1600" dirty="0" smtClean="0"/>
+              <a:t>: </a:t>
+            </a:r>
+            <a:r>
+              <a:rPr lang="en-GB" sz="1600" dirty="0" err="1" smtClean="0">
                 <a:latin typeface="Courier New" pitchFamily="49" charset="0"/>
                 <a:cs typeface="Courier New" pitchFamily="49" charset="0"/>
               </a:rPr>
-              <a:t>Job</a:t>
-            </a:r>
-            <a:r>
-              <a:rPr lang="en-GB" sz="1600" dirty="0"/>
+              <a:t>IFrame</a:t>
+            </a:r>
+            <a:r>
+              <a:rPr lang="en-GB" sz="1600" dirty="0" smtClean="0"/>
+              <a:t>-valued slot (values must be instantiations of the “</a:t>
+            </a:r>
+            <a:r>
+              <a:rPr lang="en-GB" sz="1600" dirty="0" smtClean="0">
+                <a:cs typeface="Courier New" pitchFamily="49" charset="0"/>
+              </a:rPr>
+              <a:t>Job”</a:t>
+            </a:r>
+            <a:r>
+              <a:rPr lang="en-GB" sz="1600" dirty="0" smtClean="0"/>
               <a:t> </a:t>
             </a:r>
             <a:r>
+              <a:rPr lang="en-GB" sz="1600" dirty="0" err="1" smtClean="0">
+                <a:latin typeface="Courier New" pitchFamily="49" charset="0"/>
+                <a:cs typeface="Courier New" pitchFamily="49" charset="0"/>
+              </a:rPr>
+              <a:t>CFrame</a:t>
+            </a:r>
+            <a:r>
               <a:rPr lang="en-GB" sz="1600" dirty="0" smtClean="0"/>
-              <a:t>C-Frame)</a:t>
-            </a:r>
-          </a:p>
-          <a:p>
-            <a:pPr marL="457200" indent="-457200">
-              <a:buFont typeface="Arial" pitchFamily="34" charset="0"/>
-              <a:buChar char="•"/>
+              <a:t>)</a:t>
+            </a:r>
+          </a:p>
+          <a:p>
+            <a:pPr marL="914400" lvl="1" indent="-457200">
+              <a:buFont typeface="Courier New" pitchFamily="49" charset="0"/>
+              <a:buChar char="o"/>
             </a:pPr>
             <a:r>
               <a:rPr lang="en-GB" sz="1600" dirty="0" smtClean="0">
+                <a:cs typeface="Courier New" pitchFamily="49" charset="0"/>
+              </a:rPr>
+              <a:t>“job-count”</a:t>
+            </a:r>
+            <a:r>
+              <a:rPr lang="en-GB" sz="1600" dirty="0" smtClean="0"/>
+              <a:t>: Integer-valued  slot (value-type is a </a:t>
+            </a:r>
+            <a:r>
+              <a:rPr lang="en-GB" sz="1600" dirty="0" err="1" smtClean="0">
                 <a:latin typeface="Courier New" pitchFamily="49" charset="0"/>
                 <a:cs typeface="Courier New" pitchFamily="49" charset="0"/>
               </a:rPr>
-              <a:t>job-count</a:t>
+              <a:t>CNumber</a:t>
             </a:r>
             <a:r>
               <a:rPr lang="en-GB" sz="1600" dirty="0" smtClean="0"/>
-              <a:t>: Integer-valued  slot (value-type is a C-Number, specifying valid I-Number values)</a:t>
+              <a:t>, specifying valid </a:t>
+            </a:r>
+            <a:r>
+              <a:rPr lang="en-GB" sz="1600" dirty="0" err="1" smtClean="0">
+                <a:latin typeface="Courier New" pitchFamily="49" charset="0"/>
+                <a:cs typeface="Courier New" pitchFamily="49" charset="0"/>
+              </a:rPr>
+              <a:t>INumber</a:t>
+            </a:r>
+            <a:r>
+              <a:rPr lang="en-GB" sz="1600" dirty="0" smtClean="0"/>
+              <a:t> values)</a:t>
             </a:r>
           </a:p>
         </p:txBody>
@@ -3848,8 +3924,8 @@
         </p:nvSpPr>
         <p:spPr>
           <a:xfrm>
-            <a:off x="431540" y="5121188"/>
-            <a:ext cx="3348372" cy="1440160"/>
+            <a:off x="323528" y="5409220"/>
+            <a:ext cx="4068452" cy="1116124"/>
           </a:xfrm>
           <a:prstGeom prst="rect">
             <a:avLst/>
@@ -3887,8 +3963,8 @@
         </p:nvSpPr>
         <p:spPr>
           <a:xfrm>
-            <a:off x="1007604" y="5913276"/>
-            <a:ext cx="2664296" cy="576064"/>
+            <a:off x="863588" y="6129300"/>
+            <a:ext cx="3456384" cy="396044"/>
           </a:xfrm>
           <a:prstGeom prst="rect">
             <a:avLst/>
@@ -3905,14 +3981,15 @@
           <a:lstStyle/>
           <a:p>
             <a:r>
+              <a:rPr lang="en-GB" sz="1600" dirty="0" err="1" smtClean="0">
+                <a:latin typeface="Courier New" pitchFamily="49" charset="0"/>
+                <a:cs typeface="Courier New" pitchFamily="49" charset="0"/>
+              </a:rPr>
+              <a:t>CNumber</a:t>
+            </a:r>
+            <a:r>
               <a:rPr lang="en-GB" sz="1600" dirty="0" smtClean="0"/>
-              <a:t>C-Number / any source</a:t>
-            </a:r>
-          </a:p>
-          <a:p>
-            <a:r>
-              <a:rPr lang="en-GB" sz="1600" dirty="0" smtClean="0"/>
-              <a:t>(same source as parent-slot)</a:t>
+              <a:t> / Source(s) as for parent-slot</a:t>
             </a:r>
             <a:endParaRPr lang="en-GB" sz="1600" dirty="0"/>
           </a:p>
@@ -3926,8 +4003,8 @@
         </p:nvSpPr>
         <p:spPr>
           <a:xfrm>
-            <a:off x="1007604" y="5553236"/>
-            <a:ext cx="2736305" cy="360040"/>
+            <a:off x="899592" y="5769260"/>
+            <a:ext cx="2844315" cy="360040"/>
           </a:xfrm>
           <a:prstGeom prst="rect">
             <a:avLst/>
@@ -3944,8 +4021,15 @@
           <a:lstStyle/>
           <a:p>
             <a:r>
+              <a:rPr lang="en-GB" sz="1600" dirty="0" err="1" smtClean="0">
+                <a:latin typeface="Courier New" pitchFamily="49" charset="0"/>
+                <a:cs typeface="Courier New" pitchFamily="49" charset="0"/>
+              </a:rPr>
+              <a:t>CSlot</a:t>
+            </a:r>
+            <a:r>
               <a:rPr lang="en-GB" sz="1600" dirty="0" smtClean="0"/>
-              <a:t>C-Slot / derived from ontology</a:t>
+              <a:t> / External source only</a:t>
             </a:r>
             <a:endParaRPr lang="en-GB" sz="1600" dirty="0"/>
           </a:p>
@@ -3959,7 +4043,7 @@
         </p:nvSpPr>
         <p:spPr>
           <a:xfrm rot="5400000">
-            <a:off x="611560" y="5553236"/>
+            <a:off x="503548" y="5769260"/>
             <a:ext cx="324036" cy="324036"/>
           </a:xfrm>
           <a:prstGeom prst="triangle">
@@ -4007,7 +4091,7 @@
         </p:nvSpPr>
         <p:spPr>
           <a:xfrm>
-            <a:off x="611560" y="6021288"/>
+            <a:off x="467544" y="6165304"/>
             <a:ext cx="324036" cy="288032"/>
           </a:xfrm>
           <a:prstGeom prst="ellipse">
@@ -4046,6 +4130,77 @@
           <a:p>
             <a:pPr algn="ctr"/>
             <a:endParaRPr lang="en-GB" sz="1600" dirty="0"/>
+          </a:p>
+        </p:txBody>
+      </p:sp>
+      <p:sp>
+        <p:nvSpPr>
+          <p:cNvPr id="10" name="TextBox 9"/>
+          <p:cNvSpPr txBox="1"/>
+          <p:nvPr/>
+        </p:nvSpPr>
+        <p:spPr>
+          <a:xfrm>
+            <a:off x="4139952" y="2060848"/>
+            <a:ext cx="4788532" cy="861774"/>
+          </a:xfrm>
+          <a:prstGeom prst="rect">
+            <a:avLst/>
+          </a:prstGeom>
+          <a:solidFill>
+            <a:schemeClr val="tx2">
+              <a:lumMod val="40000"/>
+              <a:lumOff val="60000"/>
+            </a:schemeClr>
+          </a:solidFill>
+          <a:ln>
+            <a:solidFill>
+              <a:schemeClr val="tx1"/>
+            </a:solidFill>
+          </a:ln>
+        </p:spPr>
+        <p:txBody>
+          <a:bodyPr wrap="square" rtlCol="0">
+            <a:spAutoFit/>
+          </a:bodyPr>
+          <a:lstStyle/>
+          <a:p>
+            <a:r>
+              <a:rPr lang="en-GB" b="1" dirty="0" smtClean="0"/>
+              <a:t>Actions:</a:t>
+            </a:r>
+            <a:endParaRPr lang="en-GB" dirty="0"/>
+          </a:p>
+          <a:p>
+            <a:pPr marL="457200" indent="-457200">
+              <a:buFont typeface="Arial" pitchFamily="34" charset="0"/>
+              <a:buChar char="•"/>
+            </a:pPr>
+            <a:r>
+              <a:rPr lang="en-GB" sz="1600" dirty="0" smtClean="0"/>
+              <a:t>Select “</a:t>
+            </a:r>
+            <a:r>
+              <a:rPr lang="en-GB" sz="1600" dirty="0" smtClean="0">
+                <a:cs typeface="Courier New" pitchFamily="49" charset="0"/>
+              </a:rPr>
+              <a:t>Employment”</a:t>
+            </a:r>
+            <a:r>
+              <a:rPr lang="en-GB" sz="1600" dirty="0" smtClean="0"/>
+              <a:t> </a:t>
+            </a:r>
+            <a:r>
+              <a:rPr lang="en-GB" sz="1600" dirty="0" err="1" smtClean="0">
+                <a:latin typeface="Courier New" pitchFamily="49" charset="0"/>
+                <a:cs typeface="Courier New" pitchFamily="49" charset="0"/>
+              </a:rPr>
+              <a:t>CFrame</a:t>
+            </a:r>
+            <a:r>
+              <a:rPr lang="en-GB" sz="1600" dirty="0" smtClean="0"/>
+              <a:t> in LH panel (via any of the three tabs)</a:t>
+            </a:r>
           </a:p>
         </p:txBody>
       </p:sp>
@@ -4081,38 +4236,6 @@
           <a:chExt cx="0" cy="0"/>
         </a:xfrm>
       </p:grpSpPr>
-      <p:pic>
-        <p:nvPicPr>
-          <p:cNvPr id="4" name="Picture 2"/>
-          <p:cNvPicPr>
-            <a:picLocks noChangeAspect="1" noChangeArrowheads="1"/>
-          </p:cNvPicPr>
-          <p:nvPr/>
-        </p:nvPicPr>
-        <p:blipFill>
-          <a:blip r:embed="rId2" cstate="print"/>
-          <a:srcRect/>
-          <a:stretch>
-            <a:fillRect/>
-          </a:stretch>
-        </p:blipFill>
-        <p:spPr bwMode="auto">
-          <a:xfrm>
-            <a:off x="251520" y="260648"/>
-            <a:ext cx="5473446" cy="4417314"/>
-          </a:xfrm>
-          <a:prstGeom prst="rect">
-            <a:avLst/>
-          </a:prstGeom>
-          <a:noFill/>
-          <a:ln w="9525">
-            <a:noFill/>
-            <a:miter lim="800000"/>
-            <a:headEnd/>
-            <a:tailEnd/>
-          </a:ln>
-        </p:spPr>
-      </p:pic>
       <p:sp>
         <p:nvSpPr>
           <p:cNvPr id="6" name="TextBox 5"/>
@@ -4121,8 +4244,8 @@
         </p:nvSpPr>
         <p:spPr>
           <a:xfrm>
-            <a:off x="4283968" y="476672"/>
-            <a:ext cx="4536504" cy="6032421"/>
+            <a:off x="1223628" y="1124744"/>
+            <a:ext cx="6624736" cy="4647426"/>
           </a:xfrm>
           <a:prstGeom prst="rect">
             <a:avLst/>
@@ -4145,9 +4268,10 @@
           </a:bodyPr>
           <a:lstStyle/>
           <a:p>
-            <a:r>
-              <a:rPr lang="en-GB" b="1" dirty="0" smtClean="0"/>
-              <a:t>General Explanation:</a:t>
+            <a:pPr algn="ctr"/>
+            <a:r>
+              <a:rPr lang="en-GB" sz="2400" b="1" dirty="0" smtClean="0"/>
+              <a:t>Slot Specification</a:t>
             </a:r>
           </a:p>
           <a:p>
@@ -4156,13 +4280,65 @@
           <a:p>
             <a:r>
               <a:rPr lang="en-GB" sz="1600" b="1" dirty="0" smtClean="0"/>
-              <a:t>Slot Value-Types: </a:t>
+              <a:t>Value-Types: </a:t>
             </a:r>
             <a:r>
               <a:rPr lang="en-GB" sz="1600" dirty="0" smtClean="0">
                 <a:cs typeface="Courier New" pitchFamily="49" charset="0"/>
               </a:rPr>
-              <a:t>Each C-Slot provides a value-type, which defines the valid values for the instantiating I-Slots. Value-types are represented via entities from the level above that of the values that the I-Slot will have:</a:t>
+              <a:t>Each </a:t>
+            </a:r>
+            <a:r>
+              <a:rPr lang="en-GB" sz="1600" dirty="0" err="1" smtClean="0">
+                <a:latin typeface="Courier New" pitchFamily="49" charset="0"/>
+                <a:cs typeface="Courier New" pitchFamily="49" charset="0"/>
+              </a:rPr>
+              <a:t>CSlot</a:t>
+            </a:r>
+            <a:r>
+              <a:rPr lang="en-GB" sz="1600" dirty="0" smtClean="0">
+                <a:latin typeface="Courier New" pitchFamily="49" charset="0"/>
+                <a:cs typeface="Courier New" pitchFamily="49" charset="0"/>
+              </a:rPr>
+              <a:t> </a:t>
+            </a:r>
+            <a:r>
+              <a:rPr lang="en-GB" sz="1600" dirty="0" smtClean="0">
+                <a:cs typeface="Courier New" pitchFamily="49" charset="0"/>
+              </a:rPr>
+              <a:t>provides a value-type, which defines the valid values for the instantiating </a:t>
+            </a:r>
+            <a:r>
+              <a:rPr lang="en-GB" sz="1600" dirty="0" err="1" smtClean="0">
+                <a:latin typeface="Courier New" pitchFamily="49" charset="0"/>
+                <a:cs typeface="Courier New" pitchFamily="49" charset="0"/>
+              </a:rPr>
+              <a:t>ISlot</a:t>
+            </a:r>
+            <a:r>
+              <a:rPr lang="en-GB" sz="1600" dirty="0" err="1" smtClean="0">
+                <a:cs typeface="Courier New" pitchFamily="49" charset="0"/>
+              </a:rPr>
+              <a:t>s</a:t>
+            </a:r>
+            <a:r>
+              <a:rPr lang="en-GB" sz="1600" dirty="0" smtClean="0">
+                <a:cs typeface="Courier New" pitchFamily="49" charset="0"/>
+              </a:rPr>
+              <a:t>. Value-types are represented via entities from the level above that of the values that the </a:t>
+            </a:r>
+            <a:r>
+              <a:rPr lang="en-GB" sz="1600" dirty="0" err="1" smtClean="0">
+                <a:latin typeface="Courier New" pitchFamily="49" charset="0"/>
+                <a:cs typeface="Courier New" pitchFamily="49" charset="0"/>
+              </a:rPr>
+              <a:t>ISlot</a:t>
+            </a:r>
+            <a:r>
+              <a:rPr lang="en-GB" sz="1600" dirty="0" smtClean="0">
+                <a:cs typeface="Courier New" pitchFamily="49" charset="0"/>
+              </a:rPr>
+              <a:t> will have:</a:t>
             </a:r>
           </a:p>
           <a:p>
@@ -4184,17 +4360,48 @@
               <a:buChar char="•"/>
             </a:pPr>
             <a:r>
-              <a:rPr lang="en-GB" sz="1600" i="1" dirty="0" smtClean="0">
-                <a:cs typeface="Courier New" pitchFamily="49" charset="0"/>
-              </a:rPr>
-              <a:t>M-Frame: </a:t>
+              <a:rPr lang="en-GB" sz="1600" b="1" dirty="0" err="1" smtClean="0">
+                <a:latin typeface="Courier New" pitchFamily="49" charset="0"/>
+                <a:cs typeface="Courier New" pitchFamily="49" charset="0"/>
+              </a:rPr>
+              <a:t>MFrame</a:t>
+            </a:r>
+            <a:r>
+              <a:rPr lang="en-GB" sz="1600" b="1" dirty="0" smtClean="0">
+                <a:cs typeface="Courier New" pitchFamily="49" charset="0"/>
+              </a:rPr>
+              <a:t>: </a:t>
             </a:r>
             <a:r>
               <a:rPr lang="en-GB" sz="1600" dirty="0" smtClean="0">
                 <a:cs typeface="Courier New" pitchFamily="49" charset="0"/>
               </a:rPr>
-              <a:t>Defines C-Frame-valued I-Slot</a:t>
-            </a:r>
+              <a:t>Defines </a:t>
+            </a:r>
+            <a:r>
+              <a:rPr lang="en-GB" sz="1600" dirty="0" err="1" smtClean="0">
+                <a:latin typeface="Courier New" pitchFamily="49" charset="0"/>
+                <a:cs typeface="Courier New" pitchFamily="49" charset="0"/>
+              </a:rPr>
+              <a:t>CFrame</a:t>
+            </a:r>
+            <a:r>
+              <a:rPr lang="en-GB" sz="1600" dirty="0" smtClean="0">
+                <a:cs typeface="Courier New" pitchFamily="49" charset="0"/>
+              </a:rPr>
+              <a:t>-valued </a:t>
+            </a:r>
+            <a:r>
+              <a:rPr lang="en-GB" sz="1600" dirty="0" err="1" smtClean="0">
+                <a:latin typeface="Courier New" pitchFamily="49" charset="0"/>
+                <a:cs typeface="Courier New" pitchFamily="49" charset="0"/>
+              </a:rPr>
+              <a:t>ISlot</a:t>
+            </a:r>
+            <a:endParaRPr lang="en-GB" sz="1600" dirty="0" smtClean="0">
+              <a:latin typeface="Courier New" pitchFamily="49" charset="0"/>
+              <a:cs typeface="Courier New" pitchFamily="49" charset="0"/>
+            </a:endParaRPr>
           </a:p>
           <a:p>
             <a:pPr marL="457200" indent="-457200">
@@ -4202,17 +4409,48 @@
               <a:buChar char="•"/>
             </a:pPr>
             <a:r>
-              <a:rPr lang="en-GB" sz="1600" i="1" dirty="0" smtClean="0">
-                <a:cs typeface="Courier New" pitchFamily="49" charset="0"/>
-              </a:rPr>
-              <a:t>C-Frame: </a:t>
+              <a:rPr lang="en-GB" sz="1600" b="1" dirty="0" err="1" smtClean="0">
+                <a:latin typeface="Courier New" pitchFamily="49" charset="0"/>
+                <a:cs typeface="Courier New" pitchFamily="49" charset="0"/>
+              </a:rPr>
+              <a:t>CFrame</a:t>
+            </a:r>
+            <a:r>
+              <a:rPr lang="en-GB" sz="1600" b="1" dirty="0" smtClean="0">
+                <a:cs typeface="Courier New" pitchFamily="49" charset="0"/>
+              </a:rPr>
+              <a:t>: </a:t>
             </a:r>
             <a:r>
               <a:rPr lang="en-GB" sz="1600" dirty="0" smtClean="0">
                 <a:cs typeface="Courier New" pitchFamily="49" charset="0"/>
               </a:rPr>
-              <a:t>Defines I-Frame-valued I-Slot</a:t>
-            </a:r>
+              <a:t>Defines </a:t>
+            </a:r>
+            <a:r>
+              <a:rPr lang="en-GB" sz="1600" dirty="0" err="1" smtClean="0">
+                <a:latin typeface="Courier New" pitchFamily="49" charset="0"/>
+                <a:cs typeface="Courier New" pitchFamily="49" charset="0"/>
+              </a:rPr>
+              <a:t>IFrame</a:t>
+            </a:r>
+            <a:r>
+              <a:rPr lang="en-GB" sz="1600" dirty="0" smtClean="0">
+                <a:cs typeface="Courier New" pitchFamily="49" charset="0"/>
+              </a:rPr>
+              <a:t>-valued </a:t>
+            </a:r>
+            <a:r>
+              <a:rPr lang="en-GB" sz="1600" dirty="0" err="1" smtClean="0">
+                <a:latin typeface="Courier New" pitchFamily="49" charset="0"/>
+                <a:cs typeface="Courier New" pitchFamily="49" charset="0"/>
+              </a:rPr>
+              <a:t>ISlot</a:t>
+            </a:r>
+            <a:endParaRPr lang="en-GB" sz="1600" dirty="0" smtClean="0">
+              <a:latin typeface="Courier New" pitchFamily="49" charset="0"/>
+              <a:cs typeface="Courier New" pitchFamily="49" charset="0"/>
+            </a:endParaRPr>
           </a:p>
           <a:p>
             <a:pPr marL="457200" indent="-457200">
@@ -4220,17 +4458,48 @@
               <a:buChar char="•"/>
             </a:pPr>
             <a:r>
-              <a:rPr lang="en-GB" sz="1600" i="1" dirty="0" smtClean="0">
-                <a:cs typeface="Courier New" pitchFamily="49" charset="0"/>
-              </a:rPr>
-              <a:t>C-Number: </a:t>
+              <a:rPr lang="en-GB" sz="1600" b="1" dirty="0" err="1" smtClean="0">
+                <a:latin typeface="Courier New" pitchFamily="49" charset="0"/>
+                <a:cs typeface="Courier New" pitchFamily="49" charset="0"/>
+              </a:rPr>
+              <a:t>CNumber</a:t>
+            </a:r>
+            <a:r>
+              <a:rPr lang="en-GB" sz="1600" b="1" dirty="0" smtClean="0">
+                <a:cs typeface="Courier New" pitchFamily="49" charset="0"/>
+              </a:rPr>
+              <a:t>: </a:t>
             </a:r>
             <a:r>
               <a:rPr lang="en-GB" sz="1600" dirty="0" smtClean="0">
                 <a:cs typeface="Courier New" pitchFamily="49" charset="0"/>
               </a:rPr>
-              <a:t>Defines I-Number-valued I-Slot</a:t>
-            </a:r>
+              <a:t>Defines </a:t>
+            </a:r>
+            <a:r>
+              <a:rPr lang="en-GB" sz="1600" dirty="0" err="1" smtClean="0">
+                <a:latin typeface="Courier New" pitchFamily="49" charset="0"/>
+                <a:cs typeface="Courier New" pitchFamily="49" charset="0"/>
+              </a:rPr>
+              <a:t>INumber</a:t>
+            </a:r>
+            <a:r>
+              <a:rPr lang="en-GB" sz="1600" dirty="0" smtClean="0">
+                <a:cs typeface="Courier New" pitchFamily="49" charset="0"/>
+              </a:rPr>
+              <a:t>-valued </a:t>
+            </a:r>
+            <a:r>
+              <a:rPr lang="en-GB" sz="1600" dirty="0" err="1" smtClean="0">
+                <a:latin typeface="Courier New" pitchFamily="49" charset="0"/>
+                <a:cs typeface="Courier New" pitchFamily="49" charset="0"/>
+              </a:rPr>
+              <a:t>ISlot</a:t>
+            </a:r>
+            <a:endParaRPr lang="en-GB" sz="1600" dirty="0" smtClean="0">
+              <a:latin typeface="Courier New" pitchFamily="49" charset="0"/>
+              <a:cs typeface="Courier New" pitchFamily="49" charset="0"/>
+            </a:endParaRPr>
           </a:p>
           <a:p>
             <a:pPr marL="457200" indent="-457200"/>
@@ -4247,7 +4516,52 @@
               <a:rPr lang="en-GB" sz="1600" dirty="0" smtClean="0">
                 <a:cs typeface="Courier New" pitchFamily="49" charset="0"/>
               </a:rPr>
-              <a:t>A C-Frame can provide sets of “fixed-values” for instantiations of specific C-Slots on either the C-Frame itself or on any of it’s ancestors.</a:t>
+              <a:t>A </a:t>
+            </a:r>
+            <a:r>
+              <a:rPr lang="en-GB" sz="1600" dirty="0" err="1" smtClean="0">
+                <a:latin typeface="Courier New" pitchFamily="49" charset="0"/>
+                <a:cs typeface="Courier New" pitchFamily="49" charset="0"/>
+              </a:rPr>
+              <a:t>CFrame</a:t>
+            </a:r>
+            <a:r>
+              <a:rPr lang="en-GB" sz="1600" dirty="0" smtClean="0">
+                <a:cs typeface="Courier New" pitchFamily="49" charset="0"/>
+              </a:rPr>
+              <a:t> can provide sets of “fixed-values” for instantiations of specific </a:t>
+            </a:r>
+            <a:r>
+              <a:rPr lang="en-GB" sz="1600" dirty="0" err="1" smtClean="0">
+                <a:latin typeface="Courier New" pitchFamily="49" charset="0"/>
+                <a:cs typeface="Courier New" pitchFamily="49" charset="0"/>
+              </a:rPr>
+              <a:t>CSlot</a:t>
+            </a:r>
+            <a:r>
+              <a:rPr lang="en-GB" sz="1600" dirty="0" err="1" smtClean="0">
+                <a:cs typeface="Courier New" pitchFamily="49" charset="0"/>
+              </a:rPr>
+              <a:t>s</a:t>
+            </a:r>
+            <a:r>
+              <a:rPr lang="en-GB" sz="1600" dirty="0" smtClean="0">
+                <a:cs typeface="Courier New" pitchFamily="49" charset="0"/>
+              </a:rPr>
+              <a:t> on either the </a:t>
+            </a:r>
+            <a:r>
+              <a:rPr lang="en-GB" sz="1600" dirty="0" err="1" smtClean="0">
+                <a:latin typeface="Courier New" pitchFamily="49" charset="0"/>
+                <a:cs typeface="Courier New" pitchFamily="49" charset="0"/>
+              </a:rPr>
+              <a:t>CFrame</a:t>
+            </a:r>
+            <a:r>
+              <a:rPr lang="en-GB" sz="1600" dirty="0" smtClean="0">
+                <a:cs typeface="Courier New" pitchFamily="49" charset="0"/>
+              </a:rPr>
+              <a:t> itself or on any of it’s ancestors.</a:t>
             </a:r>
           </a:p>
           <a:p>
@@ -4260,7 +4574,58 @@
               <a:rPr lang="en-GB" sz="1600" dirty="0" smtClean="0">
                 <a:cs typeface="Courier New" pitchFamily="49" charset="0"/>
               </a:rPr>
-              <a:t>When the relevant C-Slots are instantiated, along with the C-Frame, any such values will be automatically added to the instantiating I-Slots.</a:t>
+              <a:t>When the relevant </a:t>
+            </a:r>
+            <a:r>
+              <a:rPr lang="en-GB" sz="1600" dirty="0" err="1" smtClean="0">
+                <a:latin typeface="Courier New" pitchFamily="49" charset="0"/>
+                <a:cs typeface="Courier New" pitchFamily="49" charset="0"/>
+              </a:rPr>
+              <a:t>CSlot</a:t>
+            </a:r>
+            <a:r>
+              <a:rPr lang="en-GB" sz="1600" dirty="0" err="1" smtClean="0">
+                <a:cs typeface="Courier New" pitchFamily="49" charset="0"/>
+              </a:rPr>
+              <a:t>s</a:t>
+            </a:r>
+            <a:r>
+              <a:rPr lang="en-GB" sz="1600" dirty="0" smtClean="0">
+                <a:cs typeface="Courier New" pitchFamily="49" charset="0"/>
+              </a:rPr>
+              <a:t> are instantiated, along with the </a:t>
+            </a:r>
+            <a:r>
+              <a:rPr lang="en-GB" sz="1600" dirty="0" err="1" smtClean="0">
+                <a:latin typeface="Courier New" pitchFamily="49" charset="0"/>
+                <a:cs typeface="Courier New" pitchFamily="49" charset="0"/>
+              </a:rPr>
+              <a:t>CFrame</a:t>
+            </a:r>
+            <a:r>
+              <a:rPr lang="en-GB" sz="1600" dirty="0" smtClean="0">
+                <a:cs typeface="Courier New" pitchFamily="49" charset="0"/>
+              </a:rPr>
+              <a:t>, any such values will be automatically added to the instantiating </a:t>
+            </a:r>
+            <a:r>
+              <a:rPr lang="en-GB" sz="1600" dirty="0" err="1" smtClean="0">
+                <a:latin typeface="Courier New" pitchFamily="49" charset="0"/>
+                <a:cs typeface="Courier New" pitchFamily="49" charset="0"/>
+              </a:rPr>
+              <a:t>ISlot</a:t>
+            </a:r>
+            <a:r>
+              <a:rPr lang="en-GB" sz="1600" dirty="0" err="1" smtClean="0">
+                <a:cs typeface="Courier New" pitchFamily="49" charset="0"/>
+              </a:rPr>
+              <a:t>s</a:t>
+            </a:r>
+            <a:r>
+              <a:rPr lang="en-GB" sz="1600" dirty="0" smtClean="0">
+                <a:cs typeface="Courier New" pitchFamily="49" charset="0"/>
+              </a:rPr>
+              <a:t>.</a:t>
             </a:r>
           </a:p>
           <a:p>
@@ -4279,7 +4644,46 @@
               <a:rPr lang="en-GB" sz="1600" dirty="0" smtClean="0">
                 <a:cs typeface="Courier New" pitchFamily="49" charset="0"/>
               </a:rPr>
-              <a:t>Fixed-values can only be defined for C-Frame-valued and I-Number-valued slots. They are not applicable to I-Frame-valued slots.</a:t>
+              <a:t>Fixed-values can only be defined for </a:t>
+            </a:r>
+            <a:r>
+              <a:rPr lang="en-GB" sz="1600" dirty="0" err="1" smtClean="0">
+                <a:latin typeface="Courier New" pitchFamily="49" charset="0"/>
+                <a:cs typeface="Courier New" pitchFamily="49" charset="0"/>
+              </a:rPr>
+              <a:t>CFrame</a:t>
+            </a:r>
+            <a:r>
+              <a:rPr lang="en-GB" sz="1600" dirty="0" smtClean="0">
+                <a:cs typeface="Courier New" pitchFamily="49" charset="0"/>
+              </a:rPr>
+              <a:t>-valued and </a:t>
+            </a:r>
+            <a:r>
+              <a:rPr lang="en-GB" sz="1600" dirty="0" err="1" smtClean="0">
+                <a:latin typeface="Courier New" pitchFamily="49" charset="0"/>
+                <a:cs typeface="Courier New" pitchFamily="49" charset="0"/>
+              </a:rPr>
+              <a:t>INumber</a:t>
+            </a:r>
+            <a:r>
+              <a:rPr lang="en-GB" sz="1600" dirty="0" smtClean="0">
+                <a:cs typeface="Courier New" pitchFamily="49" charset="0"/>
+              </a:rPr>
+              <a:t>-valued slots. They are not applicable to </a:t>
+            </a:r>
+            <a:r>
+              <a:rPr lang="en-GB" sz="1600" dirty="0" err="1" smtClean="0">
+                <a:latin typeface="Courier New" pitchFamily="49" charset="0"/>
+                <a:cs typeface="Courier New" pitchFamily="49" charset="0"/>
+              </a:rPr>
+              <a:t>IFrame</a:t>
+            </a:r>
+            <a:r>
+              <a:rPr lang="en-GB" sz="1600" dirty="0" smtClean="0">
+                <a:cs typeface="Courier New" pitchFamily="49" charset="0"/>
+              </a:rPr>
+              <a:t>-valued slots.</a:t>
             </a:r>
           </a:p>
           <a:p>
@@ -4363,82 +4767,14 @@
       </p:pic>
       <p:sp>
         <p:nvSpPr>
-          <p:cNvPr id="27" name="TextBox 26"/>
-          <p:cNvSpPr txBox="1"/>
-          <p:nvPr/>
-        </p:nvSpPr>
-        <p:spPr>
-          <a:xfrm>
-            <a:off x="5220072" y="1556792"/>
-            <a:ext cx="3168352" cy="1107996"/>
-          </a:xfrm>
-          <a:prstGeom prst="rect">
-            <a:avLst/>
-          </a:prstGeom>
-          <a:solidFill>
-            <a:schemeClr val="tx2">
-              <a:lumMod val="40000"/>
-              <a:lumOff val="60000"/>
-            </a:schemeClr>
-          </a:solidFill>
-          <a:ln>
-            <a:solidFill>
-              <a:schemeClr val="tx1"/>
-            </a:solidFill>
-          </a:ln>
-        </p:spPr>
-        <p:txBody>
-          <a:bodyPr wrap="square" rtlCol="0">
-            <a:spAutoFit/>
-          </a:bodyPr>
-          <a:lstStyle/>
-          <a:p>
-            <a:r>
-              <a:rPr lang="en-GB" b="1" dirty="0" smtClean="0"/>
-              <a:t>Actions:</a:t>
-            </a:r>
-            <a:endParaRPr lang="en-GB" dirty="0"/>
-          </a:p>
-          <a:p>
-            <a:r>
-              <a:rPr lang="en-GB" sz="1600" dirty="0" smtClean="0"/>
-              <a:t>Recursively expand section of tree under </a:t>
-            </a:r>
-            <a:r>
-              <a:rPr lang="en-GB" sz="1600" dirty="0" smtClean="0">
-                <a:latin typeface="Courier New" pitchFamily="49" charset="0"/>
-                <a:cs typeface="Courier New" pitchFamily="49" charset="0"/>
-              </a:rPr>
-              <a:t>Job</a:t>
-            </a:r>
-            <a:r>
-              <a:rPr lang="en-GB" sz="1600" dirty="0" smtClean="0"/>
-              <a:t> C-Frame representing value-type of </a:t>
-            </a:r>
-            <a:r>
-              <a:rPr lang="en-GB" sz="1600" dirty="0" smtClean="0">
-                <a:latin typeface="Courier New" pitchFamily="49" charset="0"/>
-                <a:cs typeface="Courier New" pitchFamily="49" charset="0"/>
-              </a:rPr>
-              <a:t>job</a:t>
-            </a:r>
-            <a:r>
-              <a:rPr lang="en-GB" sz="1600" dirty="0" smtClean="0"/>
-              <a:t> slot in RH panel</a:t>
-            </a:r>
-          </a:p>
-        </p:txBody>
-      </p:sp>
-      <p:sp>
-        <p:nvSpPr>
           <p:cNvPr id="28" name="TextBox 27"/>
           <p:cNvSpPr txBox="1"/>
           <p:nvPr/>
         </p:nvSpPr>
         <p:spPr>
           <a:xfrm>
-            <a:off x="4932040" y="3573016"/>
-            <a:ext cx="3816424" cy="2831544"/>
+            <a:off x="4752020" y="2780928"/>
+            <a:ext cx="4140460" cy="2585323"/>
           </a:xfrm>
           <a:prstGeom prst="rect">
             <a:avLst/>
@@ -4473,18 +4809,32 @@
             </a:pPr>
             <a:r>
               <a:rPr lang="en-GB" sz="1600" dirty="0" smtClean="0"/>
-              <a:t>Details of </a:t>
+              <a:t>Details of “</a:t>
             </a:r>
             <a:r>
               <a:rPr lang="en-GB" sz="1600" dirty="0" smtClean="0">
+                <a:cs typeface="Courier New" pitchFamily="49" charset="0"/>
+              </a:rPr>
+              <a:t>Job”</a:t>
+            </a:r>
+            <a:r>
+              <a:rPr lang="en-GB" sz="1600" dirty="0" smtClean="0"/>
+              <a:t>, along with all other </a:t>
+            </a:r>
+            <a:r>
+              <a:rPr lang="en-GB" sz="1600" dirty="0" err="1" smtClean="0">
                 <a:latin typeface="Courier New" pitchFamily="49" charset="0"/>
                 <a:cs typeface="Courier New" pitchFamily="49" charset="0"/>
               </a:rPr>
-              <a:t>Job</a:t>
+              <a:t>CFrame</a:t>
+            </a:r>
+            <a:r>
+              <a:rPr lang="en-GB" sz="1600" dirty="0" err="1" smtClean="0"/>
+              <a:t>s</a:t>
             </a:r>
             <a:r>
               <a:rPr lang="en-GB" sz="1600" dirty="0" smtClean="0"/>
-              <a:t>, along with all other C-Frames representing slot value-types, are recursively displayed in RH panel</a:t>
+              <a:t> representing slot value-types, are recursively displayed in RH panel</a:t>
             </a:r>
           </a:p>
           <a:p>
@@ -4494,8 +4844,20 @@
             </a:pPr>
             <a:r>
               <a:rPr lang="en-GB" sz="1600" dirty="0" smtClean="0"/>
-              <a:t>Displayed details include details of both slots and descendant C-Frames</a:t>
-            </a:r>
+              <a:t>Displayed details include details of both slots and descendant </a:t>
+            </a:r>
+            <a:r>
+              <a:rPr lang="en-GB" sz="1600" dirty="0" err="1" smtClean="0">
+                <a:latin typeface="Courier New" pitchFamily="49" charset="0"/>
+                <a:cs typeface="Courier New" pitchFamily="49" charset="0"/>
+              </a:rPr>
+              <a:t>CFrame</a:t>
+            </a:r>
+            <a:r>
+              <a:rPr lang="en-GB" sz="1600" dirty="0" err="1" smtClean="0"/>
+              <a:t>s</a:t>
+            </a:r>
+            <a:endParaRPr lang="en-GB" sz="1600" dirty="0" smtClean="0"/>
           </a:p>
           <a:p>
             <a:pPr marL="457200" indent="-457200">
@@ -4504,19 +4866,63 @@
             </a:pPr>
             <a:r>
               <a:rPr lang="en-GB" sz="1600" dirty="0" smtClean="0"/>
-              <a:t>Value-type of </a:t>
+              <a:t>Value-type of “</a:t>
+            </a:r>
+            <a:r>
+              <a:rPr lang="en-GB" sz="1600" dirty="0" err="1" smtClean="0">
+                <a:cs typeface="Courier New" pitchFamily="49" charset="0"/>
+              </a:rPr>
+              <a:t>jobType</a:t>
+            </a:r>
+            <a:r>
+              <a:rPr lang="en-GB" sz="1600" dirty="0" smtClean="0">
+                <a:cs typeface="Courier New" pitchFamily="49" charset="0"/>
+              </a:rPr>
+              <a:t>”</a:t>
+            </a:r>
+            <a:r>
+              <a:rPr lang="en-GB" sz="1600" dirty="0" smtClean="0"/>
+              <a:t> slot is a meta-level frame, or </a:t>
+            </a:r>
+            <a:r>
+              <a:rPr lang="en-GB" sz="1600" dirty="0" err="1" smtClean="0"/>
+              <a:t>MFrame</a:t>
+            </a:r>
+            <a:r>
+              <a:rPr lang="en-GB" sz="1600" dirty="0" smtClean="0"/>
+              <a:t>,  rather than a </a:t>
             </a:r>
             <a:r>
               <a:rPr lang="en-GB" sz="1600" dirty="0" err="1" smtClean="0">
                 <a:latin typeface="Courier New" pitchFamily="49" charset="0"/>
                 <a:cs typeface="Courier New" pitchFamily="49" charset="0"/>
               </a:rPr>
-              <a:t>jobType</a:t>
+              <a:t>CFrame</a:t>
             </a:r>
             <a:r>
               <a:rPr lang="en-GB" sz="1600" dirty="0" smtClean="0"/>
-              <a:t> slot is a meta-level frame, or M-Frame,  rather than a C-Frame. Hence the values for that slot will be C-Frames rather than I-Frames</a:t>
-            </a:r>
+              <a:t>. Hence the values for that slot will be </a:t>
+            </a:r>
+            <a:r>
+              <a:rPr lang="en-GB" sz="1600" dirty="0" err="1" smtClean="0">
+                <a:latin typeface="Courier New" pitchFamily="49" charset="0"/>
+                <a:cs typeface="Courier New" pitchFamily="49" charset="0"/>
+              </a:rPr>
+              <a:t>CFrame</a:t>
+            </a:r>
+            <a:r>
+              <a:rPr lang="en-GB" sz="1600" dirty="0" err="1" smtClean="0"/>
+              <a:t>s</a:t>
+            </a:r>
+            <a:r>
+              <a:rPr lang="en-GB" sz="1600" dirty="0" smtClean="0"/>
+              <a:t> rather than </a:t>
+            </a:r>
+            <a:r>
+              <a:rPr lang="en-GB" sz="1600" dirty="0" err="1" smtClean="0"/>
+              <a:t>IFrames</a:t>
+            </a:r>
+            <a:endParaRPr lang="en-GB" sz="1600" dirty="0" smtClean="0"/>
           </a:p>
         </p:txBody>
       </p:sp>
@@ -4528,8 +4934,8 @@
         </p:nvSpPr>
         <p:spPr>
           <a:xfrm>
-            <a:off x="503548" y="5301208"/>
-            <a:ext cx="3636404" cy="864096"/>
+            <a:off x="359532" y="5625244"/>
+            <a:ext cx="3528392" cy="792088"/>
           </a:xfrm>
           <a:prstGeom prst="rect">
             <a:avLst/>
@@ -4567,8 +4973,8 @@
         </p:nvSpPr>
         <p:spPr>
           <a:xfrm>
-            <a:off x="1079612" y="5733256"/>
-            <a:ext cx="2988332" cy="360040"/>
+            <a:off x="935596" y="6021288"/>
+            <a:ext cx="2916324" cy="360040"/>
           </a:xfrm>
           <a:prstGeom prst="rect">
             <a:avLst/>
@@ -4585,8 +4991,15 @@
           <a:lstStyle/>
           <a:p>
             <a:r>
+              <a:rPr lang="en-GB" sz="1600" dirty="0" err="1" smtClean="0">
+                <a:latin typeface="Courier New" pitchFamily="49" charset="0"/>
+                <a:cs typeface="Courier New" pitchFamily="49" charset="0"/>
+              </a:rPr>
+              <a:t>MFrame</a:t>
+            </a:r>
+            <a:r>
               <a:rPr lang="en-GB" sz="1600" dirty="0" smtClean="0"/>
-              <a:t>M-Frame / derived from ontology</a:t>
+              <a:t> / External source only</a:t>
             </a:r>
             <a:endParaRPr lang="en-GB" sz="1600" dirty="0"/>
           </a:p>
@@ -4600,7 +5013,7 @@
         </p:nvSpPr>
         <p:spPr>
           <a:xfrm>
-            <a:off x="647564" y="5733256"/>
+            <a:off x="503548" y="6021288"/>
             <a:ext cx="324036" cy="288032"/>
           </a:xfrm>
           <a:prstGeom prst="rect">
@@ -4637,6 +5050,87 @@
           <a:p>
             <a:pPr algn="ctr"/>
             <a:endParaRPr lang="en-GB" sz="1600" dirty="0"/>
+          </a:p>
+        </p:txBody>
+      </p:sp>
+      <p:sp>
+        <p:nvSpPr>
+          <p:cNvPr id="8" name="TextBox 7"/>
+          <p:cNvSpPr txBox="1"/>
+          <p:nvPr/>
+        </p:nvSpPr>
+        <p:spPr>
+          <a:xfrm>
+            <a:off x="4752020" y="1664804"/>
+            <a:ext cx="4140460" cy="1107996"/>
+          </a:xfrm>
+          <a:prstGeom prst="rect">
+            <a:avLst/>
+          </a:prstGeom>
+          <a:solidFill>
+            <a:schemeClr val="tx2">
+              <a:lumMod val="40000"/>
+              <a:lumOff val="60000"/>
+            </a:schemeClr>
+          </a:solidFill>
+          <a:ln>
+            <a:solidFill>
+              <a:schemeClr val="tx1"/>
+            </a:solidFill>
+          </a:ln>
+        </p:spPr>
+        <p:txBody>
+          <a:bodyPr wrap="square" rtlCol="0">
+            <a:spAutoFit/>
+          </a:bodyPr>
+          <a:lstStyle/>
+          <a:p>
+            <a:r>
+              <a:rPr lang="en-GB" b="1" dirty="0" smtClean="0"/>
+              <a:t>Actions:</a:t>
+            </a:r>
+            <a:endParaRPr lang="en-GB" dirty="0"/>
+          </a:p>
+          <a:p>
+            <a:pPr marL="457200" indent="-457200">
+              <a:buFont typeface="Arial" pitchFamily="34" charset="0"/>
+              <a:buChar char="•"/>
+            </a:pPr>
+            <a:r>
+              <a:rPr lang="en-GB" sz="1600" dirty="0" smtClean="0"/>
+              <a:t>Recursively expand section of tree under “</a:t>
+            </a:r>
+            <a:r>
+              <a:rPr lang="en-GB" sz="1600" dirty="0" smtClean="0">
+                <a:cs typeface="Courier New" pitchFamily="49" charset="0"/>
+              </a:rPr>
+              <a:t>Job”</a:t>
+            </a:r>
+            <a:r>
+              <a:rPr lang="en-GB" sz="1600" dirty="0" smtClean="0"/>
+              <a:t> </a:t>
+            </a:r>
+            <a:r>
+              <a:rPr lang="en-GB" sz="1600" dirty="0" err="1" smtClean="0">
+                <a:latin typeface="Courier New" pitchFamily="49" charset="0"/>
+                <a:cs typeface="Courier New" pitchFamily="49" charset="0"/>
+              </a:rPr>
+              <a:t>CFrame</a:t>
+            </a:r>
+            <a:r>
+              <a:rPr lang="en-GB" sz="1600" dirty="0" smtClean="0"/>
+              <a:t> representing value-type of “</a:t>
+            </a:r>
+            <a:r>
+              <a:rPr lang="en-GB" sz="1600" dirty="0" smtClean="0">
+                <a:cs typeface="Courier New" pitchFamily="49" charset="0"/>
+              </a:rPr>
+              <a:t>job”</a:t>
+            </a:r>
+            <a:r>
+              <a:rPr lang="en-GB" sz="1600" dirty="0" smtClean="0"/>
+              <a:t> slot in RH panel</a:t>
+            </a:r>
           </a:p>
         </p:txBody>
       </p:sp>
@@ -4672,38 +5166,6 @@
           <a:chExt cx="0" cy="0"/>
         </a:xfrm>
       </p:grpSpPr>
-      <p:pic>
-        <p:nvPicPr>
-          <p:cNvPr id="4" name="Picture 2"/>
-          <p:cNvPicPr>
-            <a:picLocks noChangeAspect="1" noChangeArrowheads="1"/>
-          </p:cNvPicPr>
-          <p:nvPr/>
-        </p:nvPicPr>
-        <p:blipFill>
-          <a:blip r:embed="rId2" cstate="print"/>
-          <a:srcRect/>
-          <a:stretch>
-            <a:fillRect/>
-          </a:stretch>
-        </p:blipFill>
-        <p:spPr bwMode="auto">
-          <a:xfrm>
-            <a:off x="251520" y="260648"/>
-            <a:ext cx="5473446" cy="4417314"/>
-          </a:xfrm>
-          <a:prstGeom prst="rect">
-            <a:avLst/>
-          </a:prstGeom>
-          <a:noFill/>
-          <a:ln w="9525">
-            <a:noFill/>
-            <a:miter lim="800000"/>
-            <a:headEnd/>
-            <a:tailEnd/>
-          </a:ln>
-        </p:spPr>
-      </p:pic>
       <p:sp>
         <p:nvSpPr>
           <p:cNvPr id="6" name="TextBox 5"/>
@@ -4712,8 +5174,8 @@
         </p:nvSpPr>
         <p:spPr>
           <a:xfrm>
-            <a:off x="4932040" y="1268760"/>
-            <a:ext cx="3816424" cy="5293757"/>
+            <a:off x="1907704" y="1268760"/>
+            <a:ext cx="5472608" cy="3908762"/>
           </a:xfrm>
           <a:prstGeom prst="rect">
             <a:avLst/>
@@ -4736,9 +5198,10 @@
           </a:bodyPr>
           <a:lstStyle/>
           <a:p>
-            <a:r>
-              <a:rPr lang="en-GB" b="1" dirty="0" smtClean="0"/>
-              <a:t>General Explanation:</a:t>
+            <a:pPr algn="ctr"/>
+            <a:r>
+              <a:rPr lang="en-GB" sz="2400" b="1" dirty="0" smtClean="0"/>
+              <a:t>Model Instantiations</a:t>
             </a:r>
           </a:p>
           <a:p>
@@ -4746,14 +5209,119 @@
           </a:p>
           <a:p>
             <a:r>
-              <a:rPr lang="en-GB" sz="1600" b="1" dirty="0" smtClean="0"/>
-              <a:t>Model Instantiations: </a:t>
-            </a:r>
-            <a:r>
               <a:rPr lang="en-GB" sz="1600" dirty="0" smtClean="0">
                 <a:cs typeface="Courier New" pitchFamily="49" charset="0"/>
               </a:rPr>
-              <a:t>A specific model-instantiation is represented via an appropriate I-Frame/ I-Slot network, with the I-Frames and I-Slots being instantiations of the relevant C-Frames and C-Slots.</a:t>
+              <a:t>A specific model-instantiation is represented via an appropriate </a:t>
+            </a:r>
+            <a:r>
+              <a:rPr lang="en-GB" sz="1600" dirty="0" err="1" smtClean="0">
+                <a:latin typeface="Courier New" pitchFamily="49" charset="0"/>
+                <a:cs typeface="Courier New" pitchFamily="49" charset="0"/>
+              </a:rPr>
+              <a:t>IFrame</a:t>
+            </a:r>
+            <a:r>
+              <a:rPr lang="en-GB" sz="1600" dirty="0" smtClean="0">
+                <a:cs typeface="Courier New" pitchFamily="49" charset="0"/>
+              </a:rPr>
+              <a:t>/ </a:t>
+            </a:r>
+            <a:r>
+              <a:rPr lang="en-GB" sz="1600" dirty="0" err="1" smtClean="0">
+                <a:latin typeface="Courier New" pitchFamily="49" charset="0"/>
+                <a:cs typeface="Courier New" pitchFamily="49" charset="0"/>
+              </a:rPr>
+              <a:t>ISlot</a:t>
+            </a:r>
+            <a:r>
+              <a:rPr lang="en-GB" sz="1600" dirty="0" smtClean="0">
+                <a:latin typeface="Courier New" pitchFamily="49" charset="0"/>
+                <a:cs typeface="Courier New" pitchFamily="49" charset="0"/>
+              </a:rPr>
+              <a:t> </a:t>
+            </a:r>
+            <a:r>
+              <a:rPr lang="en-GB" sz="1600" dirty="0" smtClean="0">
+                <a:cs typeface="Courier New" pitchFamily="49" charset="0"/>
+              </a:rPr>
+              <a:t>network, with the </a:t>
+            </a:r>
+            <a:r>
+              <a:rPr lang="en-GB" sz="1600" dirty="0" err="1" smtClean="0">
+                <a:latin typeface="Courier New" pitchFamily="49" charset="0"/>
+                <a:cs typeface="Courier New" pitchFamily="49" charset="0"/>
+              </a:rPr>
+              <a:t>IFrame</a:t>
+            </a:r>
+            <a:r>
+              <a:rPr lang="en-GB" sz="1600" dirty="0" err="1" smtClean="0">
+                <a:cs typeface="Courier New" pitchFamily="49" charset="0"/>
+              </a:rPr>
+              <a:t>s</a:t>
+            </a:r>
+            <a:r>
+              <a:rPr lang="en-GB" sz="1600" dirty="0" smtClean="0">
+                <a:cs typeface="Courier New" pitchFamily="49" charset="0"/>
+              </a:rPr>
+              <a:t> and </a:t>
+            </a:r>
+            <a:r>
+              <a:rPr lang="en-GB" sz="1600" dirty="0" err="1" smtClean="0">
+                <a:latin typeface="Courier New" pitchFamily="49" charset="0"/>
+                <a:cs typeface="Courier New" pitchFamily="49" charset="0"/>
+              </a:rPr>
+              <a:t>ISlot</a:t>
+            </a:r>
+            <a:r>
+              <a:rPr lang="en-GB" sz="1600" dirty="0" err="1" smtClean="0">
+                <a:cs typeface="Courier New" pitchFamily="49" charset="0"/>
+              </a:rPr>
+              <a:t>s</a:t>
+            </a:r>
+            <a:r>
+              <a:rPr lang="en-GB" sz="1600" dirty="0" smtClean="0">
+                <a:cs typeface="Courier New" pitchFamily="49" charset="0"/>
+              </a:rPr>
+              <a:t> being instantiations of the relevant </a:t>
+            </a:r>
+            <a:r>
+              <a:rPr lang="en-GB" sz="1600" dirty="0" err="1" smtClean="0">
+                <a:latin typeface="Courier New" pitchFamily="49" charset="0"/>
+                <a:cs typeface="Courier New" pitchFamily="49" charset="0"/>
+              </a:rPr>
+              <a:t>CFrame</a:t>
+            </a:r>
+            <a:r>
+              <a:rPr lang="en-GB" sz="1600" dirty="0" err="1" smtClean="0">
+                <a:cs typeface="Courier New" pitchFamily="49" charset="0"/>
+              </a:rPr>
+              <a:t>s</a:t>
+            </a:r>
+            <a:r>
+              <a:rPr lang="en-GB" sz="1600" dirty="0" smtClean="0">
+                <a:cs typeface="Courier New" pitchFamily="49" charset="0"/>
+              </a:rPr>
+              <a:t> and </a:t>
+            </a:r>
+            <a:r>
+              <a:rPr lang="en-GB" sz="1600" dirty="0" err="1" smtClean="0">
+                <a:latin typeface="Courier New" pitchFamily="49" charset="0"/>
+                <a:cs typeface="Courier New" pitchFamily="49" charset="0"/>
+              </a:rPr>
+              <a:t>CSlot</a:t>
+            </a:r>
+            <a:r>
+              <a:rPr lang="en-GB" sz="1600" dirty="0" err="1" smtClean="0">
+                <a:cs typeface="Courier New" pitchFamily="49" charset="0"/>
+              </a:rPr>
+              <a:t>s</a:t>
+            </a:r>
+            <a:r>
+              <a:rPr lang="en-GB" sz="1600" dirty="0" smtClean="0">
+                <a:cs typeface="Courier New" pitchFamily="49" charset="0"/>
+              </a:rPr>
+              <a:t>.</a:t>
             </a:r>
           </a:p>
           <a:p>
@@ -4770,7 +5338,46 @@
               <a:rPr lang="en-GB" sz="1600" dirty="0" smtClean="0">
                 <a:cs typeface="Courier New" pitchFamily="49" charset="0"/>
               </a:rPr>
-              <a:t>When a C-Frame is instantiated as an I-Frame, the I-Frame is initialised as follows:</a:t>
+              <a:t>When a </a:t>
+            </a:r>
+            <a:r>
+              <a:rPr lang="en-GB" sz="1600" dirty="0" err="1" smtClean="0">
+                <a:latin typeface="Courier New" pitchFamily="49" charset="0"/>
+                <a:cs typeface="Courier New" pitchFamily="49" charset="0"/>
+              </a:rPr>
+              <a:t>CFrame</a:t>
+            </a:r>
+            <a:r>
+              <a:rPr lang="en-GB" sz="1600" dirty="0" smtClean="0">
+                <a:cs typeface="Courier New" pitchFamily="49" charset="0"/>
+              </a:rPr>
+              <a:t> is instantiated as an </a:t>
+            </a:r>
+            <a:r>
+              <a:rPr lang="en-GB" sz="1600" dirty="0" err="1" smtClean="0">
+                <a:latin typeface="Courier New" pitchFamily="49" charset="0"/>
+                <a:cs typeface="Courier New" pitchFamily="49" charset="0"/>
+              </a:rPr>
+              <a:t>IFrame</a:t>
+            </a:r>
+            <a:r>
+              <a:rPr lang="en-GB" sz="1600" dirty="0" smtClean="0">
+                <a:cs typeface="Courier New" pitchFamily="49" charset="0"/>
+              </a:rPr>
+              <a:t>, the </a:t>
+            </a:r>
+            <a:r>
+              <a:rPr lang="en-GB" sz="1600" dirty="0" err="1" smtClean="0">
+                <a:latin typeface="Courier New" pitchFamily="49" charset="0"/>
+                <a:cs typeface="Courier New" pitchFamily="49" charset="0"/>
+              </a:rPr>
+              <a:t>IFrame</a:t>
+            </a:r>
+            <a:r>
+              <a:rPr lang="en-GB" sz="1600" dirty="0" smtClean="0">
+                <a:cs typeface="Courier New" pitchFamily="49" charset="0"/>
+              </a:rPr>
+              <a:t> is initialised as follows:</a:t>
             </a:r>
           </a:p>
           <a:p>
@@ -4782,7 +5389,135 @@
               <a:rPr lang="en-GB" sz="1600" dirty="0" smtClean="0">
                 <a:cs typeface="Courier New" pitchFamily="49" charset="0"/>
               </a:rPr>
-              <a:t>All C-Slots on the C-Frame, and on any ancestor C-Frames, are instantiated as I-Slots, and attached to the I-Frame. Where there is more than one such C-Slot for a particular property, then a single I-Slot is created whose value-type is the intersection of the value-types of all contributing C-Slots.</a:t>
+              <a:t>All </a:t>
+            </a:r>
+            <a:r>
+              <a:rPr lang="en-GB" sz="1600" dirty="0" err="1" smtClean="0">
+                <a:latin typeface="Courier New" pitchFamily="49" charset="0"/>
+                <a:cs typeface="Courier New" pitchFamily="49" charset="0"/>
+              </a:rPr>
+              <a:t>CSlot</a:t>
+            </a:r>
+            <a:r>
+              <a:rPr lang="en-GB" sz="1600" dirty="0" err="1" smtClean="0">
+                <a:cs typeface="Courier New" pitchFamily="49" charset="0"/>
+              </a:rPr>
+              <a:t>s</a:t>
+            </a:r>
+            <a:r>
+              <a:rPr lang="en-GB" sz="1600" dirty="0" smtClean="0">
+                <a:cs typeface="Courier New" pitchFamily="49" charset="0"/>
+              </a:rPr>
+              <a:t> on the </a:t>
+            </a:r>
+            <a:r>
+              <a:rPr lang="en-GB" sz="1600" dirty="0" err="1" smtClean="0">
+                <a:latin typeface="Courier New" pitchFamily="49" charset="0"/>
+                <a:cs typeface="Courier New" pitchFamily="49" charset="0"/>
+              </a:rPr>
+              <a:t>CFrame</a:t>
+            </a:r>
+            <a:r>
+              <a:rPr lang="en-GB" sz="1600" dirty="0" smtClean="0">
+                <a:cs typeface="Courier New" pitchFamily="49" charset="0"/>
+              </a:rPr>
+              <a:t>, and on any ancestor </a:t>
+            </a:r>
+            <a:r>
+              <a:rPr lang="en-GB" sz="1600" dirty="0" err="1" smtClean="0">
+                <a:latin typeface="Courier New" pitchFamily="49" charset="0"/>
+                <a:cs typeface="Courier New" pitchFamily="49" charset="0"/>
+              </a:rPr>
+              <a:t>CFrame</a:t>
+            </a:r>
+            <a:r>
+              <a:rPr lang="en-GB" sz="1600" dirty="0" err="1" smtClean="0">
+                <a:cs typeface="Courier New" pitchFamily="49" charset="0"/>
+              </a:rPr>
+              <a:t>s</a:t>
+            </a:r>
+            <a:r>
+              <a:rPr lang="en-GB" sz="1600" dirty="0" smtClean="0">
+                <a:cs typeface="Courier New" pitchFamily="49" charset="0"/>
+              </a:rPr>
+              <a:t>, are instantiated as </a:t>
+            </a:r>
+            <a:r>
+              <a:rPr lang="en-GB" sz="1600" dirty="0" err="1" smtClean="0">
+                <a:latin typeface="Courier New" pitchFamily="49" charset="0"/>
+                <a:cs typeface="Courier New" pitchFamily="49" charset="0"/>
+              </a:rPr>
+              <a:t>ISlot</a:t>
+            </a:r>
+            <a:r>
+              <a:rPr lang="en-GB" sz="1600" dirty="0" err="1" smtClean="0">
+                <a:cs typeface="Courier New" pitchFamily="49" charset="0"/>
+              </a:rPr>
+              <a:t>s</a:t>
+            </a:r>
+            <a:r>
+              <a:rPr lang="en-GB" sz="1600" dirty="0" smtClean="0">
+                <a:cs typeface="Courier New" pitchFamily="49" charset="0"/>
+              </a:rPr>
+              <a:t>, and attached to the </a:t>
+            </a:r>
+            <a:r>
+              <a:rPr lang="en-GB" sz="1600" dirty="0" err="1" smtClean="0">
+                <a:latin typeface="Courier New" pitchFamily="49" charset="0"/>
+                <a:cs typeface="Courier New" pitchFamily="49" charset="0"/>
+              </a:rPr>
+              <a:t>IFrame</a:t>
+            </a:r>
+            <a:r>
+              <a:rPr lang="en-GB" sz="1600" dirty="0" smtClean="0">
+                <a:cs typeface="Courier New" pitchFamily="49" charset="0"/>
+              </a:rPr>
+              <a:t>. Where there is more than one such </a:t>
+            </a:r>
+            <a:r>
+              <a:rPr lang="en-GB" sz="1600" dirty="0" err="1" smtClean="0">
+                <a:latin typeface="Courier New" pitchFamily="49" charset="0"/>
+                <a:cs typeface="Courier New" pitchFamily="49" charset="0"/>
+              </a:rPr>
+              <a:t>CSlot</a:t>
+            </a:r>
+            <a:r>
+              <a:rPr lang="en-GB" sz="1600" dirty="0" smtClean="0">
+                <a:cs typeface="Courier New" pitchFamily="49" charset="0"/>
+              </a:rPr>
+              <a:t> for a particular property, then a single </a:t>
+            </a:r>
+            <a:r>
+              <a:rPr lang="en-GB" sz="1600" dirty="0" err="1" smtClean="0">
+                <a:latin typeface="Courier New" pitchFamily="49" charset="0"/>
+                <a:cs typeface="Courier New" pitchFamily="49" charset="0"/>
+              </a:rPr>
+              <a:t>ISlot</a:t>
+            </a:r>
+            <a:r>
+              <a:rPr lang="en-GB" sz="1600" dirty="0" smtClean="0">
+                <a:cs typeface="Courier New" pitchFamily="49" charset="0"/>
+              </a:rPr>
+              <a:t> is created whose value-type is the intersection of the value-types of all contributing </a:t>
+            </a:r>
+            <a:r>
+              <a:rPr lang="en-GB" sz="1600" dirty="0" err="1" smtClean="0">
+                <a:latin typeface="Courier New" pitchFamily="49" charset="0"/>
+                <a:cs typeface="Courier New" pitchFamily="49" charset="0"/>
+              </a:rPr>
+              <a:t>CSlot</a:t>
+            </a:r>
+            <a:r>
+              <a:rPr lang="en-GB" sz="1600" dirty="0" err="1" smtClean="0">
+                <a:cs typeface="Courier New" pitchFamily="49" charset="0"/>
+              </a:rPr>
+              <a:t>s</a:t>
+            </a:r>
+            <a:r>
+              <a:rPr lang="en-GB" sz="1600" dirty="0" smtClean="0">
+                <a:cs typeface="Courier New" pitchFamily="49" charset="0"/>
+              </a:rPr>
+              <a:t>.</a:t>
             </a:r>
           </a:p>
           <a:p>
@@ -4794,7 +5529,58 @@
               <a:rPr lang="en-GB" sz="1600" dirty="0" smtClean="0">
                 <a:cs typeface="Courier New" pitchFamily="49" charset="0"/>
               </a:rPr>
-              <a:t>All fixed-values on the C-Frame, and on any ancestor C-Frames, are added to the I-Slots.</a:t>
+              <a:t>All fixed-values on the </a:t>
+            </a:r>
+            <a:r>
+              <a:rPr lang="en-GB" sz="1600" dirty="0" err="1" smtClean="0">
+                <a:latin typeface="Courier New" pitchFamily="49" charset="0"/>
+                <a:cs typeface="Courier New" pitchFamily="49" charset="0"/>
+              </a:rPr>
+              <a:t>CFrame</a:t>
+            </a:r>
+            <a:r>
+              <a:rPr lang="en-GB" sz="1600" dirty="0" smtClean="0">
+                <a:cs typeface="Courier New" pitchFamily="49" charset="0"/>
+              </a:rPr>
+              <a:t>, and on any ancestor </a:t>
+            </a:r>
+            <a:r>
+              <a:rPr lang="en-GB" sz="1600" dirty="0" err="1" smtClean="0">
+                <a:latin typeface="Courier New" pitchFamily="49" charset="0"/>
+                <a:cs typeface="Courier New" pitchFamily="49" charset="0"/>
+              </a:rPr>
+              <a:t>CFrame</a:t>
+            </a:r>
+            <a:r>
+              <a:rPr lang="en-GB" sz="1600" dirty="0" err="1" smtClean="0">
+                <a:cs typeface="Courier New" pitchFamily="49" charset="0"/>
+              </a:rPr>
+              <a:t>s</a:t>
+            </a:r>
+            <a:r>
+              <a:rPr lang="en-GB" sz="1600" dirty="0" smtClean="0">
+                <a:cs typeface="Courier New" pitchFamily="49" charset="0"/>
+              </a:rPr>
+              <a:t>, are added to the </a:t>
+            </a:r>
+            <a:r>
+              <a:rPr lang="en-GB" sz="1600" dirty="0" err="1" smtClean="0">
+                <a:latin typeface="Courier New" pitchFamily="49" charset="0"/>
+                <a:cs typeface="Courier New" pitchFamily="49" charset="0"/>
+              </a:rPr>
+              <a:t>ISlot</a:t>
+            </a:r>
+            <a:r>
+              <a:rPr lang="en-GB" sz="1600" dirty="0" err="1" smtClean="0">
+                <a:cs typeface="Courier New" pitchFamily="49" charset="0"/>
+              </a:rPr>
+              <a:t>s</a:t>
+            </a:r>
+            <a:r>
+              <a:rPr lang="en-GB" sz="1600" dirty="0" smtClean="0">
+                <a:cs typeface="Courier New" pitchFamily="49" charset="0"/>
+              </a:rPr>
+              <a:t>.</a:t>
             </a:r>
           </a:p>
         </p:txBody>
@@ -4886,7 +5672,18 @@
             </a:pPr>
             <a:r>
               <a:rPr lang="en-GB" sz="1600" dirty="0" smtClean="0"/>
-              <a:t>Select any C-Frame in the RH panel to update selection in LH panel (and hence to update displayed details in RH panel)</a:t>
+              <a:t>Select any </a:t>
+            </a:r>
+            <a:r>
+              <a:rPr lang="en-GB" sz="1600" dirty="0" err="1" smtClean="0">
+                <a:latin typeface="Courier New" pitchFamily="49" charset="0"/>
+                <a:cs typeface="Courier New" pitchFamily="49" charset="0"/>
+              </a:rPr>
+              <a:t>CFrame</a:t>
+            </a:r>
+            <a:r>
+              <a:rPr lang="en-GB" sz="1600" dirty="0" smtClean="0"/>
+              <a:t> in the RH panel to update selection in LH panel (and hence to update displayed details in RH panel)</a:t>
             </a:r>
           </a:p>
         </p:txBody>
@@ -4995,8 +5792,8 @@
         </p:nvSpPr>
         <p:spPr>
           <a:xfrm>
-            <a:off x="4932040" y="1196752"/>
-            <a:ext cx="3240360" cy="861774"/>
+            <a:off x="4067944" y="1880828"/>
+            <a:ext cx="4536504" cy="615553"/>
           </a:xfrm>
           <a:prstGeom prst="rect">
             <a:avLst/>
@@ -5032,21 +5829,27 @@
             </a:pPr>
             <a:r>
               <a:rPr lang="en-GB" sz="1600" dirty="0" smtClean="0"/>
-              <a:t>Select </a:t>
+              <a:t>Select “</a:t>
             </a:r>
             <a:r>
               <a:rPr lang="en-GB" sz="1600" dirty="0" smtClean="0">
-                <a:latin typeface="Courier New" pitchFamily="49" charset="0"/>
                 <a:cs typeface="Courier New" pitchFamily="49" charset="0"/>
               </a:rPr>
               <a:t>Employed-Citizen</a:t>
             </a:r>
             <a:r>
               <a:rPr lang="en-GB" sz="1600" dirty="0" smtClean="0"/>
-              <a:t> C-Frame in LH panel </a:t>
+              <a:t>“ </a:t>
+            </a:r>
+            <a:r>
+              <a:rPr lang="en-GB" sz="1600" dirty="0" err="1" smtClean="0"/>
+              <a:t>CFrame</a:t>
+            </a:r>
+            <a:r>
+              <a:rPr lang="en-GB" sz="1600" dirty="0" smtClean="0"/>
+              <a:t> in LH panel </a:t>
             </a:r>
             <a:endParaRPr lang="en-GB" sz="1600" dirty="0" smtClean="0">
-              <a:latin typeface="Courier New" pitchFamily="49" charset="0"/>
               <a:cs typeface="Courier New" pitchFamily="49" charset="0"/>
             </a:endParaRPr>
           </a:p>
@@ -5060,8 +5863,8 @@
         </p:nvSpPr>
         <p:spPr>
           <a:xfrm>
-            <a:off x="4283968" y="2564904"/>
-            <a:ext cx="4464496" cy="3939540"/>
+            <a:off x="4067944" y="2492896"/>
+            <a:ext cx="4536504" cy="3693319"/>
           </a:xfrm>
           <a:prstGeom prst="rect">
             <a:avLst/>
@@ -5096,16 +5899,34 @@
             </a:pPr>
             <a:r>
               <a:rPr lang="en-GB" sz="1600" dirty="0" smtClean="0">
+                <a:cs typeface="Courier New" pitchFamily="49" charset="0"/>
+              </a:rPr>
+              <a:t>“Employed-Citizen” is a </a:t>
+            </a:r>
+            <a:r>
+              <a:rPr lang="en-GB" sz="1600" i="1" dirty="0" smtClean="0">
+                <a:cs typeface="Courier New" pitchFamily="49" charset="0"/>
+              </a:rPr>
+              <a:t>hidden</a:t>
+            </a:r>
+            <a:r>
+              <a:rPr lang="en-GB" sz="1600" dirty="0" smtClean="0">
+                <a:cs typeface="Courier New" pitchFamily="49" charset="0"/>
+              </a:rPr>
+              <a:t> </a:t>
+            </a:r>
+            <a:r>
+              <a:rPr lang="en-GB" sz="1600" dirty="0" err="1" smtClean="0">
                 <a:latin typeface="Courier New" pitchFamily="49" charset="0"/>
                 <a:cs typeface="Courier New" pitchFamily="49" charset="0"/>
               </a:rPr>
-              <a:t>Employed-Citizen</a:t>
+              <a:t>CFrame</a:t>
             </a:r>
             <a:r>
               <a:rPr lang="en-GB" sz="1600" dirty="0" smtClean="0">
                 <a:cs typeface="Courier New" pitchFamily="49" charset="0"/>
               </a:rPr>
-              <a:t> is a “hidden” C-Frame, which means that it cannot be instantiated, though it can play a role in the automatic updating of instantiations</a:t>
+              <a:t>, which means that it cannot be instantiated, though it can play a role in the automatic updating of instantiations</a:t>
             </a:r>
           </a:p>
           <a:p>
@@ -5117,98 +5938,38 @@
               <a:rPr lang="en-GB" sz="1600" dirty="0" smtClean="0">
                 <a:cs typeface="Courier New" pitchFamily="49" charset="0"/>
               </a:rPr>
-              <a:t>If an I-Frame instantiating </a:t>
+              <a:t>If an </a:t>
+            </a:r>
+            <a:r>
+              <a:rPr lang="en-GB" sz="1600" dirty="0" err="1" smtClean="0">
+                <a:latin typeface="Courier New" pitchFamily="49" charset="0"/>
+                <a:cs typeface="Courier New" pitchFamily="49" charset="0"/>
+              </a:rPr>
+              <a:t>IFrame</a:t>
             </a:r>
             <a:r>
               <a:rPr lang="en-GB" sz="1600" dirty="0" smtClean="0">
+                <a:cs typeface="Courier New" pitchFamily="49" charset="0"/>
+              </a:rPr>
+              <a:t> instantiating “Citizen” is inferred (*) to be an instance of “Employed-Citizen” , then the value-type of the “tax-paid” slot on that </a:t>
+            </a:r>
+            <a:r>
+              <a:rPr lang="en-GB" sz="1600" dirty="0" err="1" smtClean="0">
                 <a:latin typeface="Courier New" pitchFamily="49" charset="0"/>
                 <a:cs typeface="Courier New" pitchFamily="49" charset="0"/>
               </a:rPr>
-              <a:t>Citizen</a:t>
+              <a:t>IFrame</a:t>
             </a:r>
             <a:r>
               <a:rPr lang="en-GB" sz="1600" dirty="0" smtClean="0">
                 <a:cs typeface="Courier New" pitchFamily="49" charset="0"/>
               </a:rPr>
-              <a:t> is inferred to be an instance of </a:t>
-            </a:r>
-            <a:r>
-              <a:rPr lang="en-GB" sz="1600" dirty="0" smtClean="0">
-                <a:latin typeface="Courier New" pitchFamily="49" charset="0"/>
-                <a:cs typeface="Courier New" pitchFamily="49" charset="0"/>
-              </a:rPr>
-              <a:t>Employed-Citizen</a:t>
-            </a:r>
-            <a:r>
-              <a:rPr lang="en-GB" sz="1600" dirty="0" smtClean="0">
-                <a:cs typeface="Courier New" pitchFamily="49" charset="0"/>
-              </a:rPr>
-              <a:t> (*) , then the value-type of the </a:t>
-            </a:r>
-            <a:r>
-              <a:rPr lang="en-GB" sz="1600" dirty="0" smtClean="0">
-                <a:latin typeface="Courier New" pitchFamily="49" charset="0"/>
-                <a:cs typeface="Courier New" pitchFamily="49" charset="0"/>
-              </a:rPr>
-              <a:t>tax-paid</a:t>
-            </a:r>
-            <a:r>
-              <a:rPr lang="en-GB" sz="1600" dirty="0" smtClean="0">
-                <a:cs typeface="Courier New" pitchFamily="49" charset="0"/>
-              </a:rPr>
-              <a:t> slot on that I-Frame will be automatically updated, from the default value, </a:t>
-            </a:r>
-            <a:r>
-              <a:rPr lang="en-GB" sz="1600" dirty="0" smtClean="0">
-                <a:latin typeface="Courier New" pitchFamily="49" charset="0"/>
-                <a:cs typeface="Courier New" pitchFamily="49" charset="0"/>
-              </a:rPr>
-              <a:t>Tax</a:t>
-            </a:r>
-            <a:r>
-              <a:rPr lang="en-GB" sz="1600" dirty="0" smtClean="0">
-                <a:cs typeface="Courier New" pitchFamily="49" charset="0"/>
-              </a:rPr>
-              <a:t>, as provided by </a:t>
-            </a:r>
-            <a:r>
-              <a:rPr lang="en-GB" sz="1600" dirty="0" smtClean="0">
-                <a:latin typeface="Courier New" pitchFamily="49" charset="0"/>
-                <a:cs typeface="Courier New" pitchFamily="49" charset="0"/>
-              </a:rPr>
-              <a:t>Citizen</a:t>
-            </a:r>
-            <a:r>
-              <a:rPr lang="en-GB" sz="1600" dirty="0" smtClean="0">
-                <a:cs typeface="Courier New" pitchFamily="49" charset="0"/>
-              </a:rPr>
-              <a:t>, to the more specific </a:t>
-            </a:r>
-            <a:r>
-              <a:rPr lang="en-GB" sz="1600" dirty="0" smtClean="0">
-                <a:latin typeface="Courier New" pitchFamily="49" charset="0"/>
-                <a:cs typeface="Courier New" pitchFamily="49" charset="0"/>
-              </a:rPr>
-              <a:t>Non-zero-tax</a:t>
-            </a:r>
-            <a:r>
-              <a:rPr lang="en-GB" sz="1600" dirty="0" smtClean="0">
-                <a:cs typeface="Courier New" pitchFamily="49" charset="0"/>
-              </a:rPr>
-              <a:t>, as provided by </a:t>
-            </a:r>
-            <a:r>
-              <a:rPr lang="en-GB" sz="1600" dirty="0" smtClean="0">
-                <a:latin typeface="Courier New" pitchFamily="49" charset="0"/>
-                <a:cs typeface="Courier New" pitchFamily="49" charset="0"/>
-              </a:rPr>
-              <a:t>Employed-Citizen</a:t>
+              <a:t> will be automatically updated, from the default value, “Tax”, as provided by “Citizen”, to the more specific “Non-zero-tax”, as provided by “Employed-Citizen”</a:t>
             </a:r>
           </a:p>
           <a:p>
             <a:pPr marL="457200" indent="-457200"/>
             <a:endParaRPr lang="en-GB" sz="800" dirty="0" smtClean="0">
-              <a:latin typeface="Courier New" pitchFamily="49" charset="0"/>
               <a:cs typeface="Courier New" pitchFamily="49" charset="0"/>
             </a:endParaRPr>
           </a:p>
@@ -5218,7 +5979,20 @@
               <a:rPr lang="en-GB" sz="1600" dirty="0" smtClean="0">
                 <a:cs typeface="Courier New" pitchFamily="49" charset="0"/>
               </a:rPr>
-              <a:t>* See next slide for further explanation of I-Frame updating via OWL-based reasoning</a:t>
+              <a:t>* See next slide for further explanation of </a:t>
+            </a:r>
+            <a:r>
+              <a:rPr lang="en-GB" sz="1600" dirty="0" err="1" smtClean="0">
+                <a:latin typeface="Courier New" pitchFamily="49" charset="0"/>
+                <a:cs typeface="Courier New" pitchFamily="49" charset="0"/>
+              </a:rPr>
+              <a:t>IFrame</a:t>
+            </a:r>
+            <a:r>
+              <a:rPr lang="en-GB" sz="1600" dirty="0" smtClean="0">
+                <a:cs typeface="Courier New" pitchFamily="49" charset="0"/>
+              </a:rPr>
+              <a:t> updating via OWL-based reasoning</a:t>
             </a:r>
           </a:p>
         </p:txBody>
@@ -5231,8 +6005,8 @@
         </p:nvSpPr>
         <p:spPr>
           <a:xfrm>
-            <a:off x="575556" y="5373216"/>
-            <a:ext cx="2412268" cy="792088"/>
+            <a:off x="431540" y="5733256"/>
+            <a:ext cx="2952328" cy="720080"/>
           </a:xfrm>
           <a:prstGeom prst="rect">
             <a:avLst/>
@@ -5270,8 +6044,8 @@
         </p:nvSpPr>
         <p:spPr>
           <a:xfrm>
-            <a:off x="1115616" y="5733256"/>
-            <a:ext cx="1728192" cy="360040"/>
+            <a:off x="971600" y="6057292"/>
+            <a:ext cx="2340260" cy="360040"/>
           </a:xfrm>
           <a:prstGeom prst="rect">
             <a:avLst/>
@@ -5288,8 +6062,23 @@
           <a:lstStyle/>
           <a:p>
             <a:r>
+              <a:rPr lang="en-GB" sz="1600" dirty="0" err="1" smtClean="0">
+                <a:latin typeface="Courier New" pitchFamily="49" charset="0"/>
+                <a:cs typeface="Courier New" pitchFamily="49" charset="0"/>
+              </a:rPr>
+              <a:t>CFrame</a:t>
+            </a:r>
+            <a:r>
               <a:rPr lang="en-GB" sz="1600" dirty="0" smtClean="0"/>
-              <a:t>C-Frame is hidden</a:t>
+              <a:t> is </a:t>
+            </a:r>
+            <a:r>
+              <a:rPr lang="en-GB" sz="1600" i="1" dirty="0" smtClean="0"/>
+              <a:t>hidden </a:t>
+            </a:r>
+            <a:r>
+              <a:rPr lang="en-GB" sz="1600" dirty="0" smtClean="0"/>
+              <a:t>frame</a:t>
             </a:r>
             <a:endParaRPr lang="en-GB" sz="1600" dirty="0"/>
           </a:p>
@@ -5303,7 +6092,7 @@
         </p:nvSpPr>
         <p:spPr>
           <a:xfrm>
-            <a:off x="719572" y="5769260"/>
+            <a:off x="575556" y="6093296"/>
             <a:ext cx="324036" cy="288032"/>
           </a:xfrm>
           <a:prstGeom prst="ellipse">
@@ -5351,7 +6140,7 @@
         </p:nvSpPr>
         <p:spPr>
           <a:xfrm>
-            <a:off x="719572" y="5877272"/>
+            <a:off x="575556" y="6201308"/>
             <a:ext cx="324036" cy="72008"/>
           </a:xfrm>
           <a:prstGeom prst="rect">
@@ -5423,38 +6212,6 @@
           <a:chExt cx="0" cy="0"/>
         </a:xfrm>
       </p:grpSpPr>
-      <p:pic>
-        <p:nvPicPr>
-          <p:cNvPr id="4" name="Picture 2"/>
-          <p:cNvPicPr>
-            <a:picLocks noChangeAspect="1" noChangeArrowheads="1"/>
-          </p:cNvPicPr>
-          <p:nvPr/>
-        </p:nvPicPr>
-        <p:blipFill>
-          <a:blip r:embed="rId2" cstate="print"/>
-          <a:srcRect/>
-          <a:stretch>
-            <a:fillRect/>
-          </a:stretch>
-        </p:blipFill>
-        <p:spPr bwMode="auto">
-          <a:xfrm>
-            <a:off x="251520" y="260648"/>
-            <a:ext cx="5473446" cy="4417314"/>
-          </a:xfrm>
-          <a:prstGeom prst="rect">
-            <a:avLst/>
-          </a:prstGeom>
-          <a:noFill/>
-          <a:ln w="9525">
-            <a:noFill/>
-            <a:miter lim="800000"/>
-            <a:headEnd/>
-            <a:tailEnd/>
-          </a:ln>
-        </p:spPr>
-      </p:pic>
       <p:sp>
         <p:nvSpPr>
           <p:cNvPr id="6" name="TextBox 5"/>
@@ -5463,8 +6220,8 @@
         </p:nvSpPr>
         <p:spPr>
           <a:xfrm>
-            <a:off x="3707904" y="1988840"/>
-            <a:ext cx="5112568" cy="4555093"/>
+            <a:off x="1511660" y="1340768"/>
+            <a:ext cx="6084676" cy="4154984"/>
           </a:xfrm>
           <a:prstGeom prst="rect">
             <a:avLst/>
@@ -5487,23 +6244,19 @@
           </a:bodyPr>
           <a:lstStyle/>
           <a:p>
-            <a:r>
-              <a:rPr lang="en-GB" b="1" dirty="0" smtClean="0"/>
-              <a:t>General Explanation:</a:t>
-            </a:r>
-          </a:p>
-          <a:p>
-            <a:pPr marL="457200" indent="-457200"/>
+            <a:pPr algn="ctr"/>
+            <a:r>
+              <a:rPr lang="en-GB" sz="2400" b="1" dirty="0" smtClean="0"/>
+              <a:t>Instantiation Updating</a:t>
+            </a:r>
+          </a:p>
+          <a:p>
             <a:endParaRPr lang="en-GB" sz="800" dirty="0" smtClean="0">
               <a:cs typeface="Courier New" pitchFamily="49" charset="0"/>
             </a:endParaRPr>
           </a:p>
           <a:p>
             <a:r>
-              <a:rPr lang="en-GB" sz="1600" b="1" dirty="0" smtClean="0"/>
-              <a:t>Instantiation Updating: </a:t>
-            </a:r>
-            <a:r>
               <a:rPr lang="en-GB" sz="1600" dirty="0" smtClean="0">
                 <a:cs typeface="Courier New" pitchFamily="49" charset="0"/>
               </a:rPr>
@@ -5519,7 +6272,33 @@
               <a:rPr lang="en-GB" sz="1600" dirty="0" smtClean="0">
                 <a:cs typeface="Courier New" pitchFamily="49" charset="0"/>
               </a:rPr>
-              <a:t> an I-Frame/ I-Slot network) is updated, additional updates may be automatically provided by appropriate reasoning plug-ins. In the case of the demo-model, this means the MEKON-OWL reasoning plug-in.</a:t>
+              <a:t> an </a:t>
+            </a:r>
+            <a:r>
+              <a:rPr lang="en-GB" sz="1600" dirty="0" err="1" smtClean="0">
+                <a:latin typeface="Courier New" pitchFamily="49" charset="0"/>
+                <a:cs typeface="Courier New" pitchFamily="49" charset="0"/>
+              </a:rPr>
+              <a:t>IFrame</a:t>
+            </a:r>
+            <a:r>
+              <a:rPr lang="en-GB" sz="1600" dirty="0" smtClean="0">
+                <a:cs typeface="Courier New" pitchFamily="49" charset="0"/>
+              </a:rPr>
+              <a:t>/ </a:t>
+            </a:r>
+            <a:r>
+              <a:rPr lang="en-GB" sz="1600" dirty="0" err="1" smtClean="0">
+                <a:latin typeface="Courier New" pitchFamily="49" charset="0"/>
+                <a:cs typeface="Courier New" pitchFamily="49" charset="0"/>
+              </a:rPr>
+              <a:t>ISlot</a:t>
+            </a:r>
+            <a:r>
+              <a:rPr lang="en-GB" sz="1600" dirty="0" smtClean="0">
+                <a:cs typeface="Courier New" pitchFamily="49" charset="0"/>
+              </a:rPr>
+              <a:t> network) is updated, additional updates may be automatically provided by appropriate reasoning plug-ins. In the case of the demo-model, this means the MEKON-OWL reasoning plug-in.</a:t>
             </a:r>
           </a:p>
           <a:p>
@@ -5550,7 +6329,33 @@
               <a:rPr lang="en-GB" sz="1600" dirty="0" smtClean="0">
                 <a:cs typeface="Courier New" pitchFamily="49" charset="0"/>
               </a:rPr>
-              <a:t>An OWL version of the I-Frame/I-Slot network is created: a class-expression if the network is a tree, a collection of individuals otherwise</a:t>
+              <a:t>An OWL version of the </a:t>
+            </a:r>
+            <a:r>
+              <a:rPr lang="en-GB" sz="1600" dirty="0" err="1" smtClean="0">
+                <a:latin typeface="Courier New" pitchFamily="49" charset="0"/>
+                <a:cs typeface="Courier New" pitchFamily="49" charset="0"/>
+              </a:rPr>
+              <a:t>IFrame</a:t>
+            </a:r>
+            <a:r>
+              <a:rPr lang="en-GB" sz="1600" dirty="0" smtClean="0">
+                <a:cs typeface="Courier New" pitchFamily="49" charset="0"/>
+              </a:rPr>
+              <a:t>/</a:t>
+            </a:r>
+            <a:r>
+              <a:rPr lang="en-GB" sz="1600" dirty="0" err="1" smtClean="0">
+                <a:latin typeface="Courier New" pitchFamily="49" charset="0"/>
+                <a:cs typeface="Courier New" pitchFamily="49" charset="0"/>
+              </a:rPr>
+              <a:t>ISlot</a:t>
+            </a:r>
+            <a:r>
+              <a:rPr lang="en-GB" sz="1600" dirty="0" smtClean="0">
+                <a:cs typeface="Courier New" pitchFamily="49" charset="0"/>
+              </a:rPr>
+              <a:t> network is created: a class-expression if the network is a tree, a collection of individuals otherwise</a:t>
             </a:r>
           </a:p>
           <a:p>
@@ -5586,7 +6391,77 @@
               <a:rPr lang="en-GB" sz="1600" dirty="0" smtClean="0">
                 <a:cs typeface="Courier New" pitchFamily="49" charset="0"/>
               </a:rPr>
-              <a:t>The corresponding C-Frames are found, and the associated C-Slots and fixed-values used to dynamically update the I-Slots on the root I-Frame of the instantiation</a:t>
+              <a:t>The corresponding </a:t>
+            </a:r>
+            <a:r>
+              <a:rPr lang="en-GB" sz="1600" dirty="0" err="1" smtClean="0">
+                <a:latin typeface="Courier New" pitchFamily="49" charset="0"/>
+                <a:cs typeface="Courier New" pitchFamily="49" charset="0"/>
+              </a:rPr>
+              <a:t>CFrame</a:t>
+            </a:r>
+            <a:r>
+              <a:rPr lang="en-GB" sz="1600" dirty="0" err="1" smtClean="0">
+                <a:cs typeface="Courier New" pitchFamily="49" charset="0"/>
+              </a:rPr>
+              <a:t>s</a:t>
+            </a:r>
+            <a:r>
+              <a:rPr lang="en-GB" sz="1600" dirty="0" smtClean="0">
+                <a:cs typeface="Courier New" pitchFamily="49" charset="0"/>
+              </a:rPr>
+              <a:t> are found, and the associated </a:t>
+            </a:r>
+            <a:r>
+              <a:rPr lang="en-GB" sz="1600" dirty="0" err="1" smtClean="0">
+                <a:latin typeface="Courier New" pitchFamily="49" charset="0"/>
+                <a:cs typeface="Courier New" pitchFamily="49" charset="0"/>
+              </a:rPr>
+              <a:t>CSlot</a:t>
+            </a:r>
+            <a:r>
+              <a:rPr lang="en-GB" sz="1600" dirty="0" err="1" smtClean="0">
+                <a:cs typeface="Courier New" pitchFamily="49" charset="0"/>
+              </a:rPr>
+              <a:t>s</a:t>
+            </a:r>
+            <a:r>
+              <a:rPr lang="en-GB" sz="1600" dirty="0" smtClean="0">
+                <a:cs typeface="Courier New" pitchFamily="49" charset="0"/>
+              </a:rPr>
+              <a:t> and fixed-values used to dynamically update the </a:t>
+            </a:r>
+            <a:r>
+              <a:rPr lang="en-GB" sz="1600" dirty="0" err="1" smtClean="0">
+                <a:latin typeface="Courier New" pitchFamily="49" charset="0"/>
+                <a:cs typeface="Courier New" pitchFamily="49" charset="0"/>
+              </a:rPr>
+              <a:t>ISlot</a:t>
+            </a:r>
+            <a:r>
+              <a:rPr lang="en-GB" sz="1600" dirty="0" err="1" smtClean="0">
+                <a:cs typeface="Courier New" pitchFamily="49" charset="0"/>
+              </a:rPr>
+              <a:t>s</a:t>
+            </a:r>
+            <a:r>
+              <a:rPr lang="en-GB" sz="1600" dirty="0" smtClean="0">
+                <a:cs typeface="Courier New" pitchFamily="49" charset="0"/>
+              </a:rPr>
+              <a:t> on the root </a:t>
+            </a:r>
+            <a:r>
+              <a:rPr lang="en-GB" sz="1600" dirty="0" err="1" smtClean="0">
+                <a:latin typeface="Courier New" pitchFamily="49" charset="0"/>
+                <a:cs typeface="Courier New" pitchFamily="49" charset="0"/>
+              </a:rPr>
+              <a:t>IFrame</a:t>
+            </a:r>
+            <a:r>
+              <a:rPr lang="en-GB" sz="1600" dirty="0" smtClean="0">
+                <a:cs typeface="Courier New" pitchFamily="49" charset="0"/>
+              </a:rPr>
+              <a:t> of the instantiation</a:t>
             </a:r>
           </a:p>
         </p:txBody>
@@ -5663,8 +6538,8 @@
         </p:nvSpPr>
         <p:spPr>
           <a:xfrm>
-            <a:off x="5364088" y="1052736"/>
-            <a:ext cx="3528392" cy="861774"/>
+            <a:off x="2771800" y="2675724"/>
+            <a:ext cx="6012668" cy="615553"/>
           </a:xfrm>
           <a:prstGeom prst="rect">
             <a:avLst/>
@@ -5711,7 +6586,18 @@
             </a:r>
             <a:r>
               <a:rPr lang="en-GB" sz="1600" dirty="0" smtClean="0"/>
-              <a:t> C-Frame in LH panel </a:t>
+              <a:t> </a:t>
+            </a:r>
+            <a:r>
+              <a:rPr lang="en-GB" sz="1600" dirty="0" err="1" smtClean="0">
+                <a:latin typeface="Courier New" pitchFamily="49" charset="0"/>
+                <a:cs typeface="Courier New" pitchFamily="49" charset="0"/>
+              </a:rPr>
+              <a:t>CFrame</a:t>
+            </a:r>
+            <a:r>
+              <a:rPr lang="en-GB" sz="1600" dirty="0" smtClean="0"/>
+              <a:t> in LH panel </a:t>
             </a:r>
             <a:endParaRPr lang="en-GB" sz="1600" dirty="0" smtClean="0">
               <a:latin typeface="Courier New" pitchFamily="49" charset="0"/>
@@ -5728,8 +6614,8 @@
         </p:nvSpPr>
         <p:spPr>
           <a:xfrm>
-            <a:off x="3347864" y="2852936"/>
-            <a:ext cx="5472608" cy="3570208"/>
+            <a:off x="2771800" y="3287792"/>
+            <a:ext cx="6012668" cy="3323987"/>
           </a:xfrm>
           <a:prstGeom prst="rect">
             <a:avLst/>
@@ -5764,42 +6650,9 @@
             </a:pPr>
             <a:r>
               <a:rPr lang="en-GB" sz="1600" dirty="0" smtClean="0">
-                <a:latin typeface="Courier New" pitchFamily="49" charset="0"/>
-                <a:cs typeface="Courier New" pitchFamily="49" charset="0"/>
-              </a:rPr>
-              <a:t>Unemployed-Citizen</a:t>
-            </a:r>
-            <a:r>
-              <a:rPr lang="en-GB" sz="1600" dirty="0" smtClean="0">
-                <a:cs typeface="Courier New" pitchFamily="49" charset="0"/>
-              </a:rPr>
-              <a:t>, similarly to </a:t>
-            </a:r>
-            <a:r>
-              <a:rPr lang="en-GB" sz="1600" dirty="0" smtClean="0">
-                <a:latin typeface="Courier New" pitchFamily="49" charset="0"/>
-                <a:cs typeface="Courier New" pitchFamily="49" charset="0"/>
-              </a:rPr>
-              <a:t>Employed-Citizen</a:t>
-            </a:r>
-            <a:r>
-              <a:rPr lang="en-GB" sz="1600" dirty="0" smtClean="0">
-                <a:cs typeface="Courier New" pitchFamily="49" charset="0"/>
-              </a:rPr>
-              <a:t>, provides a specialisation of the value-type for the </a:t>
-            </a:r>
-            <a:r>
-              <a:rPr lang="en-GB" sz="1600" dirty="0" smtClean="0">
-                <a:latin typeface="Courier New" pitchFamily="49" charset="0"/>
-                <a:cs typeface="Courier New" pitchFamily="49" charset="0"/>
-              </a:rPr>
-              <a:t>tax-paid</a:t>
-            </a:r>
-            <a:r>
-              <a:rPr lang="en-GB" sz="1600" dirty="0" smtClean="0">
-                <a:cs typeface="Courier New" pitchFamily="49" charset="0"/>
-              </a:rPr>
-              <a:t> slot</a:t>
+                <a:cs typeface="Courier New" pitchFamily="49" charset="0"/>
+              </a:rPr>
+              <a:t>“Unemployed-Citizen,” similarly to Employed-”Citizen”, provides a specialisation of the value-type for the “tax-paid” slot</a:t>
             </a:r>
           </a:p>
           <a:p>
@@ -5811,20 +6664,51 @@
               <a:rPr lang="en-GB" sz="1600" dirty="0" smtClean="0">
                 <a:cs typeface="Courier New" pitchFamily="49" charset="0"/>
               </a:rPr>
-              <a:t>It also provides “fixed-values” for both that slot and the </a:t>
+              <a:t>It also provides </a:t>
+            </a:r>
+            <a:r>
+              <a:rPr lang="en-GB" sz="1600" i="1" dirty="0" smtClean="0">
+                <a:cs typeface="Courier New" pitchFamily="49" charset="0"/>
+              </a:rPr>
+              <a:t>fixed-values</a:t>
             </a:r>
             <a:r>
               <a:rPr lang="en-GB" sz="1600" dirty="0" smtClean="0">
+                <a:cs typeface="Courier New" pitchFamily="49" charset="0"/>
+              </a:rPr>
+              <a:t> for both that slot and the “benefit-received” slot, representing actual values that will be assigned to the relevant </a:t>
+            </a:r>
+            <a:r>
+              <a:rPr lang="en-GB" sz="1600" dirty="0" err="1" smtClean="0">
                 <a:latin typeface="Courier New" pitchFamily="49" charset="0"/>
                 <a:cs typeface="Courier New" pitchFamily="49" charset="0"/>
               </a:rPr>
-              <a:t>benefit-received</a:t>
+              <a:t>ISlot</a:t>
+            </a:r>
+            <a:r>
+              <a:rPr lang="en-GB" sz="1600" dirty="0" err="1" smtClean="0">
+                <a:cs typeface="Courier New" pitchFamily="49" charset="0"/>
+              </a:rPr>
+              <a:t>s</a:t>
             </a:r>
             <a:r>
               <a:rPr lang="en-GB" sz="1600" dirty="0" smtClean="0">
                 <a:cs typeface="Courier New" pitchFamily="49" charset="0"/>
               </a:rPr>
-              <a:t> slot, representing actual values that will be assigned to the relevant I-Slots whenever an I-Frame is classified accordingly.</a:t>
+              <a:t> whenever an </a:t>
+            </a:r>
+            <a:r>
+              <a:rPr lang="en-GB" sz="1600" dirty="0" err="1" smtClean="0">
+                <a:latin typeface="Courier New" pitchFamily="49" charset="0"/>
+                <a:cs typeface="Courier New" pitchFamily="49" charset="0"/>
+              </a:rPr>
+              <a:t>IFrame</a:t>
+            </a:r>
+            <a:r>
+              <a:rPr lang="en-GB" sz="1600" dirty="0" smtClean="0">
+                <a:cs typeface="Courier New" pitchFamily="49" charset="0"/>
+              </a:rPr>
+              <a:t> is classified accordingly.</a:t>
             </a:r>
           </a:p>
           <a:p>
@@ -5836,92 +6720,46 @@
               <a:rPr lang="en-GB" sz="1600" dirty="0" smtClean="0">
                 <a:cs typeface="Courier New" pitchFamily="49" charset="0"/>
               </a:rPr>
-              <a:t>Hence if an I-Frame instantiating </a:t>
+              <a:t>Hence if an </a:t>
+            </a:r>
+            <a:r>
+              <a:rPr lang="en-GB" sz="1600" dirty="0" err="1" smtClean="0">
+                <a:latin typeface="Courier New" pitchFamily="49" charset="0"/>
+                <a:cs typeface="Courier New" pitchFamily="49" charset="0"/>
+              </a:rPr>
+              <a:t>IFrame</a:t>
             </a:r>
             <a:r>
               <a:rPr lang="en-GB" sz="1600" dirty="0" smtClean="0">
+                <a:cs typeface="Courier New" pitchFamily="49" charset="0"/>
+              </a:rPr>
+              <a:t> instantiating “Citizen” is classified as an instance of “Unemployed-Citizen”, then not only will the “tax-paid” </a:t>
+            </a:r>
+            <a:r>
+              <a:rPr lang="en-GB" sz="1600" dirty="0" err="1" smtClean="0">
                 <a:latin typeface="Courier New" pitchFamily="49" charset="0"/>
                 <a:cs typeface="Courier New" pitchFamily="49" charset="0"/>
               </a:rPr>
-              <a:t>Citizen</a:t>
+              <a:t>ISlot</a:t>
             </a:r>
             <a:r>
               <a:rPr lang="en-GB" sz="1600" dirty="0" smtClean="0">
                 <a:cs typeface="Courier New" pitchFamily="49" charset="0"/>
               </a:rPr>
-              <a:t> is classified as an instance of </a:t>
+              <a:t> be given a specialised value-type of “Zero-tax”, it will also be assigned an actual value of “Zero-tax.” Similarly the “benefit-received” </a:t>
+            </a:r>
+            <a:r>
+              <a:rPr lang="en-GB" sz="1600" dirty="0" err="1" smtClean="0">
+                <a:latin typeface="Courier New" pitchFamily="49" charset="0"/>
+                <a:cs typeface="Courier New" pitchFamily="49" charset="0"/>
+              </a:rPr>
+              <a:t>ISlot</a:t>
             </a:r>
             <a:r>
               <a:rPr lang="en-GB" sz="1600" dirty="0" smtClean="0">
-                <a:latin typeface="Courier New" pitchFamily="49" charset="0"/>
-                <a:cs typeface="Courier New" pitchFamily="49" charset="0"/>
-              </a:rPr>
-              <a:t>Unemployed-Citizen</a:t>
-            </a:r>
-            <a:r>
-              <a:rPr lang="en-GB" sz="1600" dirty="0" smtClean="0">
-                <a:cs typeface="Courier New" pitchFamily="49" charset="0"/>
-              </a:rPr>
-              <a:t>, then not only will the </a:t>
-            </a:r>
-            <a:r>
-              <a:rPr lang="en-GB" sz="1600" dirty="0" smtClean="0">
-                <a:latin typeface="Courier New" pitchFamily="49" charset="0"/>
-                <a:cs typeface="Courier New" pitchFamily="49" charset="0"/>
-              </a:rPr>
-              <a:t>tax-paid</a:t>
-            </a:r>
-            <a:r>
-              <a:rPr lang="en-GB" sz="1600" dirty="0" smtClean="0">
-                <a:cs typeface="Courier New" pitchFamily="49" charset="0"/>
-              </a:rPr>
-              <a:t> I-Slot be given a specialised value-type of </a:t>
-            </a:r>
-            <a:r>
-              <a:rPr lang="en-GB" sz="1600" dirty="0" smtClean="0">
-                <a:latin typeface="Courier New" pitchFamily="49" charset="0"/>
-                <a:cs typeface="Courier New" pitchFamily="49" charset="0"/>
-              </a:rPr>
-              <a:t>Zero-tax</a:t>
-            </a:r>
-            <a:r>
-              <a:rPr lang="en-GB" sz="1600" dirty="0" smtClean="0">
-                <a:cs typeface="Courier New" pitchFamily="49" charset="0"/>
-              </a:rPr>
-              <a:t>, it will also be assigned an actual value of </a:t>
-            </a:r>
-            <a:r>
-              <a:rPr lang="en-GB" sz="1600" dirty="0" smtClean="0">
-                <a:latin typeface="Courier New" pitchFamily="49" charset="0"/>
-                <a:cs typeface="Courier New" pitchFamily="49" charset="0"/>
-              </a:rPr>
-              <a:t>Zero-tax</a:t>
-            </a:r>
-            <a:r>
-              <a:rPr lang="en-GB" sz="1600" dirty="0" smtClean="0">
-                <a:cs typeface="Courier New" pitchFamily="49" charset="0"/>
-              </a:rPr>
-              <a:t>. Similarly the </a:t>
-            </a:r>
-            <a:r>
-              <a:rPr lang="en-GB" sz="1600" dirty="0" smtClean="0">
-                <a:latin typeface="Courier New" pitchFamily="49" charset="0"/>
-                <a:cs typeface="Courier New" pitchFamily="49" charset="0"/>
-              </a:rPr>
-              <a:t>benefit-received</a:t>
-            </a:r>
-            <a:r>
-              <a:rPr lang="en-GB" sz="1600" dirty="0" smtClean="0">
-                <a:cs typeface="Courier New" pitchFamily="49" charset="0"/>
-              </a:rPr>
-              <a:t> I-Slot will be assigned a value of </a:t>
-            </a:r>
-            <a:r>
-              <a:rPr lang="en-GB" sz="1600" dirty="0" smtClean="0">
-                <a:latin typeface="Courier New" pitchFamily="49" charset="0"/>
-                <a:cs typeface="Courier New" pitchFamily="49" charset="0"/>
-              </a:rPr>
-              <a:t>Unemployment-Benefit</a:t>
+                <a:cs typeface="Courier New" pitchFamily="49" charset="0"/>
+              </a:rPr>
+              <a:t> will be assigned a value of “Unemployment-Benefit”</a:t>
             </a:r>
           </a:p>
         </p:txBody>
@@ -6034,59 +6872,30 @@
             <a:pPr lvl="1"/>
             <a:r>
               <a:rPr lang="en-GB" dirty="0" smtClean="0"/>
-              <a:t>Overview of MEKON + HOBO </a:t>
-            </a:r>
+              <a:t>Overview of MEKON + HOBO models</a:t>
+            </a:r>
+          </a:p>
+          <a:p>
+            <a:pPr lvl="2"/>
             <a:r>
               <a:rPr lang="en-GB" dirty="0" smtClean="0"/>
-              <a:t>models</a:t>
-            </a:r>
+              <a:t>+ Associated functionality</a:t>
+            </a:r>
+          </a:p>
+          <a:p>
+            <a:pPr lvl="1"/>
+            <a:r>
+              <a:rPr lang="en-GB" dirty="0" smtClean="0"/>
+              <a:t>Specific model-instantiation examples</a:t>
+            </a:r>
+            <a:endParaRPr lang="en-GB" dirty="0"/>
           </a:p>
           <a:p>
             <a:pPr lvl="2"/>
             <a:r>
               <a:rPr lang="en-GB" dirty="0" smtClean="0"/>
-              <a:t>+ Associated </a:t>
-            </a:r>
-            <a:r>
-              <a:rPr lang="en-GB" dirty="0" smtClean="0"/>
-              <a:t>functionality</a:t>
-            </a:r>
-          </a:p>
-          <a:p>
-            <a:pPr lvl="1"/>
-            <a:r>
-              <a:rPr lang="en-GB" dirty="0" smtClean="0"/>
-              <a:t>Specific model-instantiation </a:t>
-            </a:r>
-            <a:r>
-              <a:rPr lang="en-GB" dirty="0" smtClean="0"/>
-              <a:t>examples</a:t>
-            </a:r>
-            <a:endParaRPr lang="en-GB" dirty="0"/>
-          </a:p>
-          <a:p>
-            <a:pPr lvl="2"/>
-            <a:r>
-              <a:rPr lang="en-GB" dirty="0" smtClean="0"/>
-              <a:t>+ </a:t>
-            </a:r>
-            <a:r>
-              <a:rPr lang="en-GB" dirty="0" smtClean="0"/>
-              <a:t>E</a:t>
-            </a:r>
-            <a:r>
-              <a:rPr lang="en-GB" dirty="0" smtClean="0"/>
-              <a:t>xplanations </a:t>
-            </a:r>
-            <a:r>
-              <a:rPr lang="en-GB" dirty="0" smtClean="0"/>
-              <a:t>of </a:t>
-            </a:r>
-            <a:r>
-              <a:rPr lang="en-GB" dirty="0" smtClean="0"/>
-              <a:t>functionalities invoked</a:t>
-            </a:r>
-            <a:endParaRPr lang="en-GB" dirty="0" smtClean="0"/>
+              <a:t>+ Explanations of functionalities invoked</a:t>
+            </a:r>
           </a:p>
           <a:p>
             <a:pPr>
@@ -6197,114 +7006,22 @@
           <a:chExt cx="0" cy="0"/>
         </a:xfrm>
       </p:grpSpPr>
-      <p:pic>
-        <p:nvPicPr>
-          <p:cNvPr id="7170" name="Picture 2"/>
-          <p:cNvPicPr>
-            <a:picLocks noChangeAspect="1" noChangeArrowheads="1"/>
-          </p:cNvPicPr>
-          <p:nvPr/>
-        </p:nvPicPr>
-        <p:blipFill>
-          <a:blip r:embed="rId2" cstate="print"/>
-          <a:srcRect/>
-          <a:stretch>
-            <a:fillRect/>
-          </a:stretch>
-        </p:blipFill>
-        <p:spPr bwMode="auto">
-          <a:xfrm>
-            <a:off x="395536" y="332656"/>
-            <a:ext cx="5465064" cy="4408932"/>
-          </a:xfrm>
-          <a:prstGeom prst="rect">
-            <a:avLst/>
-          </a:prstGeom>
-          <a:noFill/>
-          <a:ln w="9525">
-            <a:noFill/>
-            <a:miter lim="800000"/>
-            <a:headEnd/>
-            <a:tailEnd/>
-          </a:ln>
-        </p:spPr>
-      </p:pic>
-      <p:sp>
-        <p:nvSpPr>
-          <p:cNvPr id="4" name="TextBox 3"/>
+      <p:sp>
+        <p:nvSpPr>
+          <p:cNvPr id="3" name="TextBox 2"/>
           <p:cNvSpPr txBox="1"/>
           <p:nvPr/>
         </p:nvSpPr>
         <p:spPr>
           <a:xfrm>
-            <a:off x="4752020" y="1304764"/>
-            <a:ext cx="3132348" cy="1846659"/>
+            <a:off x="1367644" y="1124744"/>
+            <a:ext cx="6444716" cy="4647426"/>
           </a:xfrm>
           <a:prstGeom prst="rect">
             <a:avLst/>
           </a:prstGeom>
           <a:solidFill>
-            <a:schemeClr val="tx2">
-              <a:lumMod val="40000"/>
-              <a:lumOff val="60000"/>
-            </a:schemeClr>
-          </a:solidFill>
-          <a:ln>
-            <a:solidFill>
-              <a:schemeClr val="tx1"/>
-            </a:solidFill>
-          </a:ln>
-        </p:spPr>
-        <p:txBody>
-          <a:bodyPr wrap="square" rtlCol="0">
-            <a:spAutoFit/>
-          </a:bodyPr>
-          <a:lstStyle/>
-          <a:p>
-            <a:r>
-              <a:rPr lang="en-GB" b="1" dirty="0" smtClean="0"/>
-              <a:t>Actions:</a:t>
-            </a:r>
-            <a:endParaRPr lang="en-GB" dirty="0"/>
-          </a:p>
-          <a:p>
-            <a:pPr marL="457200" indent="-457200">
-              <a:buFont typeface="+mj-lt"/>
-              <a:buAutoNum type="arabicPeriod"/>
-            </a:pPr>
-            <a:r>
-              <a:rPr lang="en-GB" sz="1600" dirty="0" smtClean="0"/>
-              <a:t>Invoke ME with hybrid HOBO/MEKON, object model (OM) /frames model (FM) version of demo model</a:t>
-            </a:r>
-          </a:p>
-          <a:p>
-            <a:pPr marL="457200" indent="-457200">
-              <a:buFont typeface="+mj-lt"/>
-              <a:buAutoNum type="arabicPeriod"/>
-            </a:pPr>
-            <a:r>
-              <a:rPr lang="en-GB" sz="1600" dirty="0" smtClean="0"/>
-              <a:t>Open-up and explore tree in LH panel</a:t>
-            </a:r>
-          </a:p>
-        </p:txBody>
-      </p:sp>
-      <p:sp>
-        <p:nvSpPr>
-          <p:cNvPr id="6" name="TextBox 5"/>
-          <p:cNvSpPr txBox="1"/>
-          <p:nvPr/>
-        </p:nvSpPr>
-        <p:spPr>
-          <a:xfrm>
-            <a:off x="539552" y="5049180"/>
-            <a:ext cx="3636404" cy="1440160"/>
-          </a:xfrm>
-          <a:prstGeom prst="rect">
-            <a:avLst/>
-          </a:prstGeom>
-          <a:solidFill>
-            <a:schemeClr val="accent4">
+            <a:schemeClr val="accent3">
               <a:lumMod val="60000"/>
               <a:lumOff val="40000"/>
             </a:schemeClr>
@@ -6317,227 +7034,215 @@
         </p:spPr>
         <p:txBody>
           <a:bodyPr wrap="square" rtlCol="0">
-            <a:noAutofit/>
+            <a:spAutoFit/>
           </a:bodyPr>
           <a:lstStyle/>
           <a:p>
-            <a:r>
-              <a:rPr lang="en-GB" b="1" dirty="0" smtClean="0"/>
-              <a:t>Icons Recap:</a:t>
-            </a:r>
-          </a:p>
-        </p:txBody>
-      </p:sp>
-      <p:sp>
-        <p:nvSpPr>
-          <p:cNvPr id="7" name="TextBox 6"/>
-          <p:cNvSpPr txBox="1"/>
-          <p:nvPr/>
-        </p:nvSpPr>
-        <p:spPr>
-          <a:xfrm>
-            <a:off x="1079612" y="5409220"/>
-            <a:ext cx="2916324" cy="360040"/>
-          </a:xfrm>
-          <a:prstGeom prst="rect">
-            <a:avLst/>
-          </a:prstGeom>
-          <a:noFill/>
-          <a:ln>
-            <a:noFill/>
-          </a:ln>
-        </p:spPr>
-        <p:txBody>
-          <a:bodyPr wrap="square" rtlCol="0">
-            <a:noAutofit/>
-          </a:bodyPr>
-          <a:lstStyle/>
+            <a:pPr algn="ctr"/>
+            <a:r>
+              <a:rPr lang="en-GB" sz="2400" b="1" dirty="0" smtClean="0"/>
+              <a:t>HOBO Models</a:t>
+            </a:r>
+          </a:p>
+          <a:p>
+            <a:pPr marL="457200" indent="-457200"/>
+            <a:endParaRPr lang="en-GB" sz="800" dirty="0" smtClean="0">
+              <a:cs typeface="Courier New" pitchFamily="49" charset="0"/>
+            </a:endParaRPr>
+          </a:p>
           <a:p>
             <a:r>
               <a:rPr lang="en-GB" sz="1600" dirty="0" smtClean="0"/>
-              <a:t>C-Frame / derived from OM only</a:t>
-            </a:r>
-            <a:endParaRPr lang="en-GB" sz="1600" dirty="0"/>
-          </a:p>
-        </p:txBody>
-      </p:sp>
-      <p:sp>
-        <p:nvSpPr>
-          <p:cNvPr id="9" name="TextBox 8"/>
-          <p:cNvSpPr txBox="1"/>
-          <p:nvPr/>
-        </p:nvSpPr>
-        <p:spPr>
-          <a:xfrm>
-            <a:off x="1079612" y="5805264"/>
-            <a:ext cx="2556284" cy="648072"/>
-          </a:xfrm>
-          <a:prstGeom prst="rect">
-            <a:avLst/>
-          </a:prstGeom>
-          <a:noFill/>
-          <a:ln>
-            <a:noFill/>
-          </a:ln>
-        </p:spPr>
-        <p:txBody>
-          <a:bodyPr wrap="square" rtlCol="0">
-            <a:noAutofit/>
-          </a:bodyPr>
-          <a:lstStyle/>
-          <a:p>
-            <a:r>
-              <a:rPr lang="en-GB" sz="1600" dirty="0" smtClean="0"/>
-              <a:t>C-Frame / derived from both OM and ontology</a:t>
-            </a:r>
-            <a:endParaRPr lang="en-GB" sz="1600" dirty="0"/>
-          </a:p>
-        </p:txBody>
-      </p:sp>
-      <p:sp>
-        <p:nvSpPr>
-          <p:cNvPr id="13" name="Oval 12"/>
-          <p:cNvSpPr/>
-          <p:nvPr/>
-        </p:nvSpPr>
-        <p:spPr>
-          <a:xfrm>
-            <a:off x="647564" y="5445224"/>
-            <a:ext cx="324036" cy="288032"/>
-          </a:xfrm>
-          <a:prstGeom prst="ellipse">
-            <a:avLst/>
-          </a:prstGeom>
-          <a:solidFill>
-            <a:srgbClr val="411DD9"/>
-          </a:solidFill>
-          <a:ln w="9525">
-            <a:solidFill>
-              <a:schemeClr val="tx1"/>
-            </a:solidFill>
-          </a:ln>
-        </p:spPr>
-        <p:style>
-          <a:lnRef idx="2">
-            <a:schemeClr val="accent1">
-              <a:shade val="50000"/>
-            </a:schemeClr>
-          </a:lnRef>
-          <a:fillRef idx="1">
-            <a:schemeClr val="accent1"/>
-          </a:fillRef>
-          <a:effectRef idx="0">
-            <a:schemeClr val="accent1"/>
-          </a:effectRef>
-          <a:fontRef idx="minor">
-            <a:schemeClr val="lt1"/>
-          </a:fontRef>
-        </p:style>
-        <p:txBody>
-          <a:bodyPr rtlCol="0" anchor="ctr"/>
-          <a:lstStyle/>
-          <a:p>
-            <a:pPr algn="ctr"/>
-            <a:endParaRPr lang="en-GB" sz="1600"/>
-          </a:p>
-        </p:txBody>
-      </p:sp>
-      <p:sp>
-        <p:nvSpPr>
-          <p:cNvPr id="16" name="Oval 15"/>
-          <p:cNvSpPr/>
-          <p:nvPr/>
-        </p:nvSpPr>
-        <p:spPr>
-          <a:xfrm>
-            <a:off x="647564" y="5913276"/>
-            <a:ext cx="324036" cy="288032"/>
-          </a:xfrm>
-          <a:prstGeom prst="ellipse">
-            <a:avLst/>
-          </a:prstGeom>
-          <a:solidFill>
-            <a:srgbClr val="411DD9"/>
-          </a:solidFill>
-          <a:ln w="9525">
-            <a:solidFill>
-              <a:schemeClr val="tx1"/>
-            </a:solidFill>
-          </a:ln>
-        </p:spPr>
-        <p:style>
-          <a:lnRef idx="2">
-            <a:schemeClr val="accent1">
-              <a:shade val="50000"/>
-            </a:schemeClr>
-          </a:lnRef>
-          <a:fillRef idx="1">
-            <a:schemeClr val="accent1"/>
-          </a:fillRef>
-          <a:effectRef idx="0">
-            <a:schemeClr val="accent1"/>
-          </a:effectRef>
-          <a:fontRef idx="minor">
-            <a:schemeClr val="lt1"/>
-          </a:fontRef>
-        </p:style>
-        <p:txBody>
-          <a:bodyPr rtlCol="0" anchor="ctr"/>
-          <a:lstStyle/>
-          <a:p>
-            <a:pPr algn="ctr"/>
-            <a:endParaRPr lang="en-GB" sz="1600"/>
-          </a:p>
-        </p:txBody>
-      </p:sp>
-      <p:sp>
-        <p:nvSpPr>
-          <p:cNvPr id="10" name="Oval 9"/>
-          <p:cNvSpPr/>
-          <p:nvPr/>
-        </p:nvSpPr>
-        <p:spPr>
-          <a:xfrm>
-            <a:off x="719572" y="5985284"/>
-            <a:ext cx="180020" cy="144016"/>
-          </a:xfrm>
-          <a:prstGeom prst="ellipse">
-            <a:avLst/>
-          </a:prstGeom>
-          <a:solidFill>
-            <a:srgbClr val="FF0000"/>
-          </a:solidFill>
-          <a:ln w="9525">
-            <a:solidFill>
-              <a:schemeClr val="tx1"/>
-            </a:solidFill>
-          </a:ln>
-        </p:spPr>
-        <p:style>
-          <a:lnRef idx="2">
-            <a:schemeClr val="accent1">
-              <a:shade val="50000"/>
-            </a:schemeClr>
-          </a:lnRef>
-          <a:fillRef idx="1">
-            <a:schemeClr val="accent1"/>
-          </a:fillRef>
-          <a:effectRef idx="0">
-            <a:schemeClr val="accent1"/>
-          </a:effectRef>
-          <a:fontRef idx="minor">
-            <a:schemeClr val="lt1"/>
-          </a:fontRef>
-        </p:style>
-        <p:txBody>
-          <a:bodyPr rtlCol="0" anchor="ctr"/>
-          <a:lstStyle/>
-          <a:p>
-            <a:pPr algn="ctr"/>
-            <a:endParaRPr lang="en-GB" sz="1600" dirty="0">
-              <a:solidFill>
-                <a:srgbClr val="FF0000"/>
-              </a:solidFill>
+              <a:t>The HOBO framework provides the following:</a:t>
+            </a:r>
+            <a:endParaRPr lang="en-GB" sz="1600" dirty="0" smtClean="0">
+              <a:cs typeface="Courier New" pitchFamily="49" charset="0"/>
+            </a:endParaRPr>
+          </a:p>
+          <a:p>
+            <a:pPr marL="457200" indent="-457200">
+              <a:buFont typeface="Arial" pitchFamily="34" charset="0"/>
+              <a:buChar char="•"/>
+            </a:pPr>
+            <a:r>
+              <a:rPr lang="en-GB" sz="1600" dirty="0" smtClean="0">
+                <a:cs typeface="Courier New" pitchFamily="49" charset="0"/>
+              </a:rPr>
+              <a:t>Generic Java classes for creating domain-specific object models (OM</a:t>
+            </a:r>
+            <a:r>
+              <a:rPr lang="en-GB" sz="1600" dirty="0" smtClean="0">
+                <a:cs typeface="Courier New" pitchFamily="49" charset="0"/>
+              </a:rPr>
+              <a:t>)</a:t>
+            </a:r>
+          </a:p>
+          <a:p>
+            <a:pPr marL="457200" indent="-457200">
+              <a:buFont typeface="Arial" pitchFamily="34" charset="0"/>
+              <a:buChar char="•"/>
+            </a:pPr>
+            <a:r>
+              <a:rPr lang="en-GB" sz="1600" dirty="0" smtClean="0">
+                <a:cs typeface="Courier New" pitchFamily="49" charset="0"/>
+              </a:rPr>
+              <a:t>Mechanisms </a:t>
+            </a:r>
+            <a:r>
+              <a:rPr lang="en-GB" sz="1600" dirty="0" smtClean="0">
+                <a:cs typeface="Courier New" pitchFamily="49" charset="0"/>
+              </a:rPr>
+              <a:t>for associating HOBO OMs with appropriate MEKON </a:t>
+            </a:r>
+            <a:r>
+              <a:rPr lang="en-GB" sz="1600" dirty="0" smtClean="0">
+                <a:cs typeface="Courier New" pitchFamily="49" charset="0"/>
+              </a:rPr>
+              <a:t>frames </a:t>
+            </a:r>
+            <a:r>
+              <a:rPr lang="en-GB" sz="1600" dirty="0" smtClean="0">
+                <a:cs typeface="Courier New" pitchFamily="49" charset="0"/>
+              </a:rPr>
+              <a:t>models (FM)</a:t>
+            </a:r>
+          </a:p>
+          <a:p>
+            <a:pPr marL="457200" indent="-457200"/>
+            <a:endParaRPr lang="en-GB" sz="800" dirty="0" smtClean="0">
+              <a:cs typeface="Courier New" pitchFamily="49" charset="0"/>
+            </a:endParaRPr>
+          </a:p>
+          <a:p>
+            <a:pPr marL="457200" indent="-457200"/>
+            <a:r>
+              <a:rPr lang="en-GB" sz="1600" b="1" dirty="0" smtClean="0">
+                <a:cs typeface="Courier New" pitchFamily="49" charset="0"/>
+              </a:rPr>
+              <a:t>OM/FM Association Mechanisms:</a:t>
+            </a:r>
+          </a:p>
+          <a:p>
+            <a:pPr marL="457200" indent="-457200"/>
+            <a:r>
+              <a:rPr lang="en-GB" sz="1600" dirty="0" smtClean="0">
+                <a:cs typeface="Courier New" pitchFamily="49" charset="0"/>
+              </a:rPr>
+              <a:t>These mechanisms consist of:</a:t>
+            </a:r>
+            <a:endParaRPr lang="en-GB" sz="1600" dirty="0" smtClean="0">
+              <a:cs typeface="Courier New" pitchFamily="49" charset="0"/>
+            </a:endParaRPr>
+          </a:p>
+          <a:p>
+            <a:pPr marL="457200" indent="-457200">
+              <a:buFont typeface="Arial" pitchFamily="34" charset="0"/>
+              <a:buChar char="•"/>
+            </a:pPr>
+            <a:r>
+              <a:rPr lang="en-GB" sz="1600" b="1" i="1" dirty="0" smtClean="0">
+                <a:cs typeface="Courier New" pitchFamily="49" charset="0"/>
+              </a:rPr>
+              <a:t>OM </a:t>
+            </a:r>
+            <a:r>
+              <a:rPr lang="en-GB" sz="1600" b="1" i="1" dirty="0" smtClean="0">
+                <a:cs typeface="Courier New" pitchFamily="49" charset="0"/>
+                <a:sym typeface="Wingdings" pitchFamily="2" charset="2"/>
+              </a:rPr>
+              <a:t> </a:t>
+            </a:r>
+            <a:r>
+              <a:rPr lang="en-GB" sz="1600" b="1" i="1" dirty="0" smtClean="0">
+                <a:cs typeface="Courier New" pitchFamily="49" charset="0"/>
+                <a:sym typeface="Wingdings" pitchFamily="2" charset="2"/>
+              </a:rPr>
+              <a:t>External-Source Mapping </a:t>
+            </a:r>
+            <a:r>
+              <a:rPr lang="en-GB" sz="1600" dirty="0" smtClean="0">
+                <a:cs typeface="Courier New" pitchFamily="49" charset="0"/>
+              </a:rPr>
+              <a:t>Creation of associations between selected OM entities and FM entities derived from external sources, such as </a:t>
+            </a:r>
+            <a:r>
+              <a:rPr lang="en-GB" sz="1600" dirty="0" err="1" smtClean="0">
+                <a:cs typeface="Courier New" pitchFamily="49" charset="0"/>
+              </a:rPr>
+              <a:t>ontologies</a:t>
+            </a:r>
+            <a:r>
+              <a:rPr lang="en-GB" sz="1600" dirty="0" smtClean="0">
+                <a:cs typeface="Courier New" pitchFamily="49" charset="0"/>
+              </a:rPr>
+              <a:t> (with mappings specified via the HOBO configuration file – see later slides)</a:t>
+            </a:r>
+            <a:endParaRPr lang="en-GB" sz="1600" dirty="0" smtClean="0">
+              <a:cs typeface="Courier New" pitchFamily="49" charset="0"/>
+            </a:endParaRPr>
+          </a:p>
+          <a:p>
+            <a:pPr marL="457200" indent="-457200">
+              <a:buFont typeface="Arial" pitchFamily="34" charset="0"/>
+              <a:buChar char="•"/>
+            </a:pPr>
+            <a:r>
+              <a:rPr lang="en-GB" sz="1600" b="1" i="1" dirty="0" smtClean="0">
+                <a:cs typeface="Courier New" pitchFamily="49" charset="0"/>
+              </a:rPr>
+              <a:t>FM Entity Generation: </a:t>
+            </a:r>
+            <a:r>
+              <a:rPr lang="en-GB" sz="1600" dirty="0" smtClean="0">
+                <a:cs typeface="Courier New" pitchFamily="49" charset="0"/>
+              </a:rPr>
+              <a:t>Generation of new FM entities for all non-mapped OM entities</a:t>
+            </a:r>
+          </a:p>
+          <a:p>
+            <a:pPr marL="457200" indent="-457200">
+              <a:buFont typeface="Arial" pitchFamily="34" charset="0"/>
+              <a:buChar char="•"/>
+            </a:pPr>
+            <a:r>
+              <a:rPr lang="en-GB" sz="1600" b="1" i="1" dirty="0" smtClean="0">
+                <a:cs typeface="Courier New" pitchFamily="49" charset="0"/>
+              </a:rPr>
+              <a:t>OM </a:t>
+            </a:r>
+            <a:r>
+              <a:rPr lang="en-GB" sz="1600" b="1" i="1" dirty="0" smtClean="0">
+                <a:cs typeface="Courier New" pitchFamily="49" charset="0"/>
+                <a:sym typeface="Wingdings" pitchFamily="2" charset="2"/>
+              </a:rPr>
+              <a:t> </a:t>
+            </a:r>
+            <a:r>
+              <a:rPr lang="en-GB" sz="1600" b="1" i="1" dirty="0" smtClean="0">
+                <a:cs typeface="Courier New" pitchFamily="49" charset="0"/>
+              </a:rPr>
+              <a:t>FM Binding: </a:t>
+            </a:r>
+            <a:r>
+              <a:rPr lang="en-GB" sz="1600" dirty="0" smtClean="0">
+                <a:cs typeface="Courier New" pitchFamily="49" charset="0"/>
+              </a:rPr>
+              <a:t>Managing “bindings” between all OM </a:t>
+            </a:r>
+            <a:r>
+              <a:rPr lang="en-GB" sz="1600" dirty="0" smtClean="0">
+                <a:cs typeface="Courier New" pitchFamily="49" charset="0"/>
+              </a:rPr>
+              <a:t>entities </a:t>
+            </a:r>
+            <a:r>
+              <a:rPr lang="en-GB" sz="1600" dirty="0" smtClean="0">
+                <a:cs typeface="Courier New" pitchFamily="49" charset="0"/>
+              </a:rPr>
+              <a:t>and their corresponding FM entities, ensuring that any relevant operations initiated in either representation will be reflected by corresponding operations occurring in the other</a:t>
+            </a:r>
+            <a:endParaRPr lang="en-GB" sz="1600" dirty="0" smtClean="0">
+              <a:cs typeface="Courier New" pitchFamily="49" charset="0"/>
             </a:endParaRPr>
           </a:p>
         </p:txBody>
@@ -6547,13 +7252,6 @@
   <p:clrMapOvr>
     <a:masterClrMapping/>
   </p:clrMapOvr>
-  <p:timing>
-    <p:tnLst>
-      <p:par>
-        <p:cTn id="1" dur="indefinite" restart="never" nodeType="tmRoot"/>
-      </p:par>
-    </p:tnLst>
-  </p:timing>
 </p:sld>
 </file>
 
@@ -6576,7 +7274,7 @@
       </p:grpSpPr>
       <p:pic>
         <p:nvPicPr>
-          <p:cNvPr id="8194" name="Picture 2"/>
+          <p:cNvPr id="2050" name="Picture 2"/>
           <p:cNvPicPr>
             <a:picLocks noChangeAspect="1" noChangeArrowheads="1"/>
           </p:cNvPicPr>
@@ -6592,7 +7290,7 @@
         <p:spPr bwMode="auto">
           <a:xfrm>
             <a:off x="395536" y="332656"/>
-            <a:ext cx="5465064" cy="4408932"/>
+            <a:ext cx="5439918" cy="4417314"/>
           </a:xfrm>
           <a:prstGeom prst="rect">
             <a:avLst/>
@@ -6614,8 +7312,68 @@
         </p:nvSpPr>
         <p:spPr>
           <a:xfrm>
-            <a:off x="395536" y="4869160"/>
-            <a:ext cx="4680520" cy="1728192"/>
+            <a:off x="6120172" y="1736812"/>
+            <a:ext cx="2592288" cy="2092881"/>
+          </a:xfrm>
+          <a:prstGeom prst="rect">
+            <a:avLst/>
+          </a:prstGeom>
+          <a:solidFill>
+            <a:schemeClr val="tx2">
+              <a:lumMod val="40000"/>
+              <a:lumOff val="60000"/>
+            </a:schemeClr>
+          </a:solidFill>
+          <a:ln>
+            <a:solidFill>
+              <a:schemeClr val="tx1"/>
+            </a:solidFill>
+          </a:ln>
+        </p:spPr>
+        <p:txBody>
+          <a:bodyPr wrap="square" rtlCol="0">
+            <a:spAutoFit/>
+          </a:bodyPr>
+          <a:lstStyle/>
+          <a:p>
+            <a:r>
+              <a:rPr lang="en-GB" b="1" dirty="0" smtClean="0"/>
+              <a:t>Actions:</a:t>
+            </a:r>
+            <a:endParaRPr lang="en-GB" dirty="0"/>
+          </a:p>
+          <a:p>
+            <a:pPr marL="457200" indent="-457200">
+              <a:buFont typeface="+mj-lt"/>
+              <a:buAutoNum type="arabicPeriod"/>
+            </a:pPr>
+            <a:r>
+              <a:rPr lang="en-GB" sz="1600" dirty="0" smtClean="0"/>
+              <a:t>Invoke ME with hybrid HOBO/MEKON, object model (OM) /frames model (FM) version of demo model</a:t>
+            </a:r>
+          </a:p>
+          <a:p>
+            <a:pPr marL="457200" indent="-457200">
+              <a:buFont typeface="+mj-lt"/>
+              <a:buAutoNum type="arabicPeriod"/>
+            </a:pPr>
+            <a:r>
+              <a:rPr lang="en-GB" sz="1600" dirty="0" smtClean="0"/>
+              <a:t>Open-up and explore tree in LH panel</a:t>
+            </a:r>
+          </a:p>
+        </p:txBody>
+      </p:sp>
+      <p:sp>
+        <p:nvSpPr>
+          <p:cNvPr id="6" name="TextBox 5"/>
+          <p:cNvSpPr txBox="1"/>
+          <p:nvPr/>
+        </p:nvSpPr>
+        <p:spPr>
+          <a:xfrm>
+            <a:off x="395536" y="5373216"/>
+            <a:ext cx="3852428" cy="1116124"/>
           </a:xfrm>
           <a:prstGeom prst="rect">
             <a:avLst/>
@@ -6653,8 +7411,8 @@
         </p:nvSpPr>
         <p:spPr>
           <a:xfrm>
-            <a:off x="971600" y="5697252"/>
-            <a:ext cx="3924436" cy="360040"/>
+            <a:off x="935596" y="5733256"/>
+            <a:ext cx="2772308" cy="360040"/>
           </a:xfrm>
           <a:prstGeom prst="rect">
             <a:avLst/>
@@ -6671,8 +7429,15 @@
           <a:lstStyle/>
           <a:p>
             <a:r>
+              <a:rPr lang="en-GB" sz="1600" dirty="0" err="1" smtClean="0">
+                <a:latin typeface="Courier New" pitchFamily="49" charset="0"/>
+                <a:cs typeface="Courier New" pitchFamily="49" charset="0"/>
+              </a:rPr>
+              <a:t>CFrame</a:t>
+            </a:r>
+            <a:r>
               <a:rPr lang="en-GB" sz="1600" dirty="0" smtClean="0"/>
-              <a:t>C-Slot / derived from both OM and ontology</a:t>
+              <a:t> / Internal source only</a:t>
             </a:r>
             <a:endParaRPr lang="en-GB" sz="1600" dirty="0"/>
           </a:p>
@@ -6680,14 +7445,14 @@
       </p:sp>
       <p:sp>
         <p:nvSpPr>
-          <p:cNvPr id="11" name="TextBox 10"/>
+          <p:cNvPr id="9" name="TextBox 8"/>
           <p:cNvSpPr txBox="1"/>
           <p:nvPr/>
         </p:nvSpPr>
         <p:spPr>
           <a:xfrm>
-            <a:off x="971600" y="6129300"/>
-            <a:ext cx="3744416" cy="360040"/>
+            <a:off x="935596" y="6093296"/>
+            <a:ext cx="3312368" cy="396044"/>
           </a:xfrm>
           <a:prstGeom prst="rect">
             <a:avLst/>
@@ -6704,8 +7469,15 @@
           <a:lstStyle/>
           <a:p>
             <a:r>
+              <a:rPr lang="en-GB" sz="1600" dirty="0" err="1" smtClean="0">
+                <a:latin typeface="Courier New" pitchFamily="49" charset="0"/>
+                <a:cs typeface="Courier New" pitchFamily="49" charset="0"/>
+              </a:rPr>
+              <a:t>CFrame</a:t>
+            </a:r>
+            <a:r>
               <a:rPr lang="en-GB" sz="1600" dirty="0" smtClean="0"/>
-              <a:t>C-Slot / derived from OM only (not shown)</a:t>
+              <a:t> / Internal + external sources</a:t>
             </a:r>
             <a:endParaRPr lang="en-GB" sz="1600" dirty="0"/>
           </a:p>
@@ -6713,16 +7485,16 @@
       </p:sp>
       <p:sp>
         <p:nvSpPr>
-          <p:cNvPr id="12" name="Isosceles Triangle 11"/>
+          <p:cNvPr id="13" name="Oval 12"/>
           <p:cNvSpPr/>
           <p:nvPr/>
         </p:nvSpPr>
         <p:spPr>
-          <a:xfrm rot="5400000">
-            <a:off x="539552" y="5697252"/>
-            <a:ext cx="324036" cy="324036"/>
-          </a:xfrm>
-          <a:prstGeom prst="triangle">
+          <a:xfrm>
+            <a:off x="503548" y="5769260"/>
+            <a:ext cx="324036" cy="288032"/>
+          </a:xfrm>
+          <a:prstGeom prst="ellipse">
             <a:avLst/>
           </a:prstGeom>
           <a:solidFill>
@@ -6761,20 +7533,20 @@
       </p:sp>
       <p:sp>
         <p:nvSpPr>
-          <p:cNvPr id="13" name="Isosceles Triangle 12"/>
+          <p:cNvPr id="16" name="Oval 15"/>
           <p:cNvSpPr/>
           <p:nvPr/>
         </p:nvSpPr>
         <p:spPr>
-          <a:xfrm rot="5400000">
-            <a:off x="575556" y="5769260"/>
-            <a:ext cx="180020" cy="180020"/>
-          </a:xfrm>
-          <a:prstGeom prst="triangle">
+          <a:xfrm>
+            <a:off x="503548" y="6129300"/>
+            <a:ext cx="324036" cy="288032"/>
+          </a:xfrm>
+          <a:prstGeom prst="ellipse">
             <a:avLst/>
           </a:prstGeom>
           <a:solidFill>
-            <a:srgbClr val="FF0000"/>
+            <a:srgbClr val="411DD9"/>
           </a:solidFill>
           <a:ln w="9525">
             <a:solidFill>
@@ -6803,59 +7575,26 @@
           <a:lstStyle/>
           <a:p>
             <a:pPr algn="ctr"/>
-            <a:endParaRPr lang="en-GB" sz="1600" dirty="0"/>
-          </a:p>
-        </p:txBody>
-      </p:sp>
-      <p:sp>
-        <p:nvSpPr>
-          <p:cNvPr id="15" name="TextBox 14"/>
-          <p:cNvSpPr txBox="1"/>
-          <p:nvPr/>
-        </p:nvSpPr>
-        <p:spPr>
-          <a:xfrm>
-            <a:off x="971600" y="5301208"/>
-            <a:ext cx="4104456" cy="324036"/>
-          </a:xfrm>
-          <a:prstGeom prst="rect">
-            <a:avLst/>
-          </a:prstGeom>
-          <a:noFill/>
-          <a:ln>
-            <a:noFill/>
-          </a:ln>
-        </p:spPr>
-        <p:txBody>
-          <a:bodyPr wrap="square" rtlCol="0">
-            <a:noAutofit/>
-          </a:bodyPr>
-          <a:lstStyle/>
-          <a:p>
-            <a:r>
-              <a:rPr lang="en-GB" sz="1600" dirty="0" smtClean="0"/>
-              <a:t>M-Frame / derived from both OM and ontology</a:t>
-            </a:r>
-            <a:endParaRPr lang="en-GB" sz="1600" dirty="0"/>
-          </a:p>
-        </p:txBody>
-      </p:sp>
-      <p:sp>
-        <p:nvSpPr>
-          <p:cNvPr id="16" name="Rectangle 15"/>
+            <a:endParaRPr lang="en-GB" sz="1600"/>
+          </a:p>
+        </p:txBody>
+      </p:sp>
+      <p:sp>
+        <p:nvSpPr>
+          <p:cNvPr id="10" name="Oval 9"/>
           <p:cNvSpPr/>
           <p:nvPr/>
         </p:nvSpPr>
         <p:spPr>
           <a:xfrm>
-            <a:off x="539552" y="5301208"/>
-            <a:ext cx="324036" cy="288032"/>
-          </a:xfrm>
-          <a:prstGeom prst="rect">
+            <a:off x="575556" y="6201308"/>
+            <a:ext cx="180020" cy="144016"/>
+          </a:xfrm>
+          <a:prstGeom prst="ellipse">
             <a:avLst/>
           </a:prstGeom>
           <a:solidFill>
-            <a:srgbClr val="411DD9"/>
+            <a:srgbClr val="FF0000"/>
           </a:solidFill>
           <a:ln w="9525">
             <a:solidFill>
@@ -6884,26 +7623,101 @@
           <a:lstStyle/>
           <a:p>
             <a:pPr algn="ctr"/>
-            <a:endParaRPr lang="en-GB" sz="1600"/>
-          </a:p>
-        </p:txBody>
-      </p:sp>
-      <p:sp>
-        <p:nvSpPr>
-          <p:cNvPr id="17" name="Rectangle 16"/>
-          <p:cNvSpPr/>
+            <a:endParaRPr lang="en-GB" sz="1600" dirty="0">
+              <a:solidFill>
+                <a:srgbClr val="FF0000"/>
+              </a:solidFill>
+            </a:endParaRPr>
+          </a:p>
+        </p:txBody>
+      </p:sp>
+    </p:spTree>
+  </p:cSld>
+  <p:clrMapOvr>
+    <a:masterClrMapping/>
+  </p:clrMapOvr>
+  <p:timing>
+    <p:tnLst>
+      <p:par>
+        <p:cTn id="1" dur="indefinite" restart="never" nodeType="tmRoot"/>
+      </p:par>
+    </p:tnLst>
+  </p:timing>
+</p:sld>
+</file>
+
+<file path=ppt/slides/slide23.xml><?xml version="1.0" encoding="utf-8"?>
+<p:sld xmlns:a="http://schemas.openxmlformats.org/drawingml/2006/main" xmlns:r="http://schemas.openxmlformats.org/officeDocument/2006/relationships" xmlns:p="http://schemas.openxmlformats.org/presentationml/2006/main">
+  <p:cSld>
+    <p:spTree>
+      <p:nvGrpSpPr>
+        <p:cNvPr id="1" name=""/>
+        <p:cNvGrpSpPr/>
+        <p:nvPr/>
+      </p:nvGrpSpPr>
+      <p:grpSpPr>
+        <a:xfrm>
+          <a:off x="0" y="0"/>
+          <a:ext cx="0" cy="0"/>
+          <a:chOff x="0" y="0"/>
+          <a:chExt cx="0" cy="0"/>
+        </a:xfrm>
+      </p:grpSpPr>
+      <p:sp>
+        <p:nvSpPr>
+          <p:cNvPr id="4" name="TextBox 3"/>
+          <p:cNvSpPr txBox="1"/>
           <p:nvPr/>
         </p:nvSpPr>
         <p:spPr>
           <a:xfrm>
-            <a:off x="611560" y="5373216"/>
-            <a:ext cx="180020" cy="144016"/>
+            <a:off x="359532" y="4977172"/>
+            <a:ext cx="3924436" cy="1548172"/>
           </a:xfrm>
           <a:prstGeom prst="rect">
             <a:avLst/>
           </a:prstGeom>
           <a:solidFill>
-            <a:srgbClr val="FF0000"/>
+            <a:schemeClr val="accent4">
+              <a:lumMod val="60000"/>
+              <a:lumOff val="40000"/>
+            </a:schemeClr>
+          </a:solidFill>
+          <a:ln>
+            <a:solidFill>
+              <a:schemeClr val="tx1"/>
+            </a:solidFill>
+          </a:ln>
+        </p:spPr>
+        <p:txBody>
+          <a:bodyPr wrap="square" rtlCol="0">
+            <a:noAutofit/>
+          </a:bodyPr>
+          <a:lstStyle/>
+          <a:p>
+            <a:r>
+              <a:rPr lang="en-GB" b="1" dirty="0" smtClean="0"/>
+              <a:t>Icons Recap:</a:t>
+            </a:r>
+          </a:p>
+        </p:txBody>
+      </p:sp>
+      <p:sp>
+        <p:nvSpPr>
+          <p:cNvPr id="19" name="Isosceles Triangle 18"/>
+          <p:cNvSpPr/>
+          <p:nvPr/>
+        </p:nvSpPr>
+        <p:spPr>
+          <a:xfrm rot="5400000">
+            <a:off x="503548" y="6129300"/>
+            <a:ext cx="324036" cy="324036"/>
+          </a:xfrm>
+          <a:prstGeom prst="triangle">
+            <a:avLst/>
+          </a:prstGeom>
+          <a:solidFill>
+            <a:srgbClr val="411DD9"/>
           </a:solidFill>
           <a:ln w="9525">
             <a:solidFill>
@@ -6936,15 +7750,129 @@
           </a:p>
         </p:txBody>
       </p:sp>
-      <p:sp>
-        <p:nvSpPr>
-          <p:cNvPr id="19" name="Isosceles Triangle 18"/>
+      <p:pic>
+        <p:nvPicPr>
+          <p:cNvPr id="1030" name="Picture 6"/>
+          <p:cNvPicPr>
+            <a:picLocks noChangeAspect="1" noChangeArrowheads="1"/>
+          </p:cNvPicPr>
+          <p:nvPr/>
+        </p:nvPicPr>
+        <p:blipFill>
+          <a:blip r:embed="rId2" cstate="print"/>
+          <a:srcRect/>
+          <a:stretch>
+            <a:fillRect/>
+          </a:stretch>
+        </p:blipFill>
+        <p:spPr bwMode="auto">
+          <a:xfrm>
+            <a:off x="395536" y="332656"/>
+            <a:ext cx="5439918" cy="4417314"/>
+          </a:xfrm>
+          <a:prstGeom prst="rect">
+            <a:avLst/>
+          </a:prstGeom>
+          <a:noFill/>
+          <a:ln w="9525">
+            <a:noFill/>
+            <a:miter lim="800000"/>
+            <a:headEnd/>
+            <a:tailEnd/>
+          </a:ln>
+        </p:spPr>
+      </p:pic>
+      <p:sp>
+        <p:nvSpPr>
+          <p:cNvPr id="7" name="TextBox 6"/>
+          <p:cNvSpPr txBox="1"/>
+          <p:nvPr/>
+        </p:nvSpPr>
+        <p:spPr>
+          <a:xfrm>
+            <a:off x="935596" y="5733256"/>
+            <a:ext cx="3240360" cy="360040"/>
+          </a:xfrm>
+          <a:prstGeom prst="rect">
+            <a:avLst/>
+          </a:prstGeom>
+          <a:noFill/>
+          <a:ln>
+            <a:noFill/>
+          </a:ln>
+        </p:spPr>
+        <p:txBody>
+          <a:bodyPr wrap="square" rtlCol="0">
+            <a:noAutofit/>
+          </a:bodyPr>
+          <a:lstStyle/>
+          <a:p>
+            <a:r>
+              <a:rPr lang="en-GB" sz="1600" dirty="0" err="1" smtClean="0">
+                <a:latin typeface="Courier New" pitchFamily="49" charset="0"/>
+                <a:cs typeface="Courier New" pitchFamily="49" charset="0"/>
+              </a:rPr>
+              <a:t>CSlot</a:t>
+            </a:r>
+            <a:r>
+              <a:rPr lang="en-GB" sz="1600" dirty="0" smtClean="0"/>
+              <a:t> / Internal source only</a:t>
+            </a:r>
+          </a:p>
+          <a:p>
+            <a:endParaRPr lang="en-GB" sz="1600" dirty="0"/>
+          </a:p>
+        </p:txBody>
+      </p:sp>
+      <p:sp>
+        <p:nvSpPr>
+          <p:cNvPr id="11" name="TextBox 10"/>
+          <p:cNvSpPr txBox="1"/>
+          <p:nvPr/>
+        </p:nvSpPr>
+        <p:spPr>
+          <a:xfrm>
+            <a:off x="935596" y="6129300"/>
+            <a:ext cx="3204356" cy="396044"/>
+          </a:xfrm>
+          <a:prstGeom prst="rect">
+            <a:avLst/>
+          </a:prstGeom>
+          <a:noFill/>
+          <a:ln>
+            <a:noFill/>
+          </a:ln>
+        </p:spPr>
+        <p:txBody>
+          <a:bodyPr wrap="square" rtlCol="0">
+            <a:noAutofit/>
+          </a:bodyPr>
+          <a:lstStyle/>
+          <a:p>
+            <a:r>
+              <a:rPr lang="en-GB" sz="1600" dirty="0" err="1" smtClean="0">
+                <a:latin typeface="Courier New" pitchFamily="49" charset="0"/>
+                <a:cs typeface="Courier New" pitchFamily="49" charset="0"/>
+              </a:rPr>
+              <a:t>CSlot</a:t>
+            </a:r>
+            <a:r>
+              <a:rPr lang="en-GB" sz="1600" dirty="0" smtClean="0"/>
+              <a:t> / Internal + external sources</a:t>
+            </a:r>
+            <a:endParaRPr lang="en-GB" sz="1600" dirty="0"/>
+          </a:p>
+        </p:txBody>
+      </p:sp>
+      <p:sp>
+        <p:nvSpPr>
+          <p:cNvPr id="12" name="Isosceles Triangle 11"/>
           <p:cNvSpPr/>
           <p:nvPr/>
         </p:nvSpPr>
         <p:spPr>
           <a:xfrm rot="5400000">
-            <a:off x="539552" y="6129300"/>
+            <a:off x="503548" y="5733256"/>
             <a:ext cx="324036" cy="324036"/>
           </a:xfrm>
           <a:prstGeom prst="triangle">
@@ -6986,92 +7914,20 @@
       </p:sp>
       <p:sp>
         <p:nvSpPr>
-          <p:cNvPr id="22" name="TextBox 21"/>
-          <p:cNvSpPr txBox="1"/>
-          <p:nvPr/>
-        </p:nvSpPr>
-        <p:spPr>
-          <a:xfrm>
-            <a:off x="5508104" y="5373216"/>
-            <a:ext cx="2880320" cy="900100"/>
-          </a:xfrm>
-          <a:prstGeom prst="rect">
-            <a:avLst/>
-          </a:prstGeom>
-          <a:solidFill>
-            <a:schemeClr val="accent4">
-              <a:lumMod val="60000"/>
-              <a:lumOff val="40000"/>
-            </a:schemeClr>
-          </a:solidFill>
-          <a:ln>
-            <a:solidFill>
-              <a:schemeClr val="tx1"/>
-            </a:solidFill>
-          </a:ln>
-        </p:spPr>
-        <p:txBody>
-          <a:bodyPr wrap="square" rtlCol="0">
-            <a:noAutofit/>
-          </a:bodyPr>
-          <a:lstStyle/>
-          <a:p>
-            <a:r>
-              <a:rPr lang="en-GB" b="1" dirty="0" smtClean="0"/>
-              <a:t>Icon Modifier:</a:t>
-            </a:r>
-          </a:p>
-        </p:txBody>
-      </p:sp>
-      <p:sp>
-        <p:nvSpPr>
-          <p:cNvPr id="23" name="TextBox 22"/>
-          <p:cNvSpPr txBox="1"/>
-          <p:nvPr/>
-        </p:nvSpPr>
-        <p:spPr>
-          <a:xfrm>
-            <a:off x="6084168" y="5769260"/>
-            <a:ext cx="2268252" cy="396044"/>
-          </a:xfrm>
-          <a:prstGeom prst="rect">
-            <a:avLst/>
-          </a:prstGeom>
-          <a:noFill/>
-          <a:ln>
-            <a:noFill/>
-          </a:ln>
-        </p:spPr>
-        <p:txBody>
-          <a:bodyPr wrap="square" rtlCol="0">
-            <a:noAutofit/>
-          </a:bodyPr>
-          <a:lstStyle/>
-          <a:p>
-            <a:r>
-              <a:rPr lang="en-GB" sz="1600" dirty="0" smtClean="0"/>
-              <a:t>C-Slot is a “derived” slot</a:t>
-            </a:r>
-            <a:endParaRPr lang="en-GB" sz="1600" dirty="0"/>
-          </a:p>
-        </p:txBody>
-      </p:sp>
-      <p:sp>
-        <p:nvSpPr>
-          <p:cNvPr id="24" name="Isosceles Triangle 23"/>
+          <p:cNvPr id="13" name="Isosceles Triangle 12"/>
           <p:cNvSpPr/>
           <p:nvPr/>
         </p:nvSpPr>
         <p:spPr>
           <a:xfrm rot="5400000">
-            <a:off x="5652120" y="5769260"/>
-            <a:ext cx="324036" cy="324036"/>
+            <a:off x="539552" y="6201308"/>
+            <a:ext cx="180020" cy="180020"/>
           </a:xfrm>
           <a:prstGeom prst="triangle">
             <a:avLst/>
           </a:prstGeom>
           <a:solidFill>
-            <a:schemeClr val="bg1"/>
+            <a:srgbClr val="FF0000"/>
           </a:solidFill>
           <a:ln w="9525">
             <a:solidFill>
@@ -7100,28 +7956,70 @@
           <a:lstStyle/>
           <a:p>
             <a:pPr algn="ctr"/>
-            <a:endParaRPr lang="en-GB" sz="1600"/>
-          </a:p>
-        </p:txBody>
-      </p:sp>
-      <p:sp>
-        <p:nvSpPr>
-          <p:cNvPr id="26" name="Rectangle 25"/>
+            <a:endParaRPr lang="en-GB" sz="1600" dirty="0"/>
+          </a:p>
+        </p:txBody>
+      </p:sp>
+      <p:sp>
+        <p:nvSpPr>
+          <p:cNvPr id="15" name="TextBox 14"/>
+          <p:cNvSpPr txBox="1"/>
+          <p:nvPr/>
+        </p:nvSpPr>
+        <p:spPr>
+          <a:xfrm>
+            <a:off x="935596" y="5373216"/>
+            <a:ext cx="3348372" cy="324036"/>
+          </a:xfrm>
+          <a:prstGeom prst="rect">
+            <a:avLst/>
+          </a:prstGeom>
+          <a:noFill/>
+          <a:ln>
+            <a:noFill/>
+          </a:ln>
+        </p:spPr>
+        <p:txBody>
+          <a:bodyPr wrap="square" rtlCol="0">
+            <a:noAutofit/>
+          </a:bodyPr>
+          <a:lstStyle/>
+          <a:p>
+            <a:r>
+              <a:rPr lang="en-GB" sz="1600" dirty="0" err="1" smtClean="0">
+                <a:latin typeface="Courier New" pitchFamily="49" charset="0"/>
+                <a:cs typeface="Courier New" pitchFamily="49" charset="0"/>
+              </a:rPr>
+              <a:t>MFrame</a:t>
+            </a:r>
+            <a:r>
+              <a:rPr lang="en-GB" sz="1600" dirty="0" smtClean="0"/>
+              <a:t> / Internal + external sources</a:t>
+            </a:r>
+          </a:p>
+          <a:p>
+            <a:endParaRPr lang="en-GB" sz="1600" dirty="0"/>
+          </a:p>
+        </p:txBody>
+      </p:sp>
+      <p:sp>
+        <p:nvSpPr>
+          <p:cNvPr id="16" name="Rectangle 15"/>
           <p:cNvSpPr/>
           <p:nvPr/>
         </p:nvSpPr>
         <p:spPr>
           <a:xfrm>
-            <a:off x="5904148" y="5769260"/>
-            <a:ext cx="72008" cy="324036"/>
+            <a:off x="503548" y="5373216"/>
+            <a:ext cx="324036" cy="288032"/>
           </a:xfrm>
           <a:prstGeom prst="rect">
             <a:avLst/>
           </a:prstGeom>
           <a:solidFill>
-            <a:schemeClr val="tx1"/>
+            <a:srgbClr val="411DD9"/>
           </a:solidFill>
-          <a:ln>
+          <a:ln w="9525">
             <a:solidFill>
               <a:schemeClr val="tx1"/>
             </a:solidFill>
@@ -7148,7 +8046,322 @@
           <a:lstStyle/>
           <a:p>
             <a:pPr algn="ctr"/>
+            <a:endParaRPr lang="en-GB" sz="1600"/>
+          </a:p>
+        </p:txBody>
+      </p:sp>
+      <p:sp>
+        <p:nvSpPr>
+          <p:cNvPr id="17" name="Rectangle 16"/>
+          <p:cNvSpPr/>
+          <p:nvPr/>
+        </p:nvSpPr>
+        <p:spPr>
+          <a:xfrm>
+            <a:off x="575556" y="5445224"/>
+            <a:ext cx="180020" cy="144016"/>
+          </a:xfrm>
+          <a:prstGeom prst="rect">
+            <a:avLst/>
+          </a:prstGeom>
+          <a:solidFill>
+            <a:srgbClr val="FF0000"/>
+          </a:solidFill>
+          <a:ln w="9525">
+            <a:solidFill>
+              <a:schemeClr val="tx1"/>
+            </a:solidFill>
+          </a:ln>
+        </p:spPr>
+        <p:style>
+          <a:lnRef idx="2">
+            <a:schemeClr val="accent1">
+              <a:shade val="50000"/>
+            </a:schemeClr>
+          </a:lnRef>
+          <a:fillRef idx="1">
+            <a:schemeClr val="accent1"/>
+          </a:fillRef>
+          <a:effectRef idx="0">
+            <a:schemeClr val="accent1"/>
+          </a:effectRef>
+          <a:fontRef idx="minor">
+            <a:schemeClr val="lt1"/>
+          </a:fontRef>
+        </p:style>
+        <p:txBody>
+          <a:bodyPr rtlCol="0" anchor="ctr"/>
+          <a:lstStyle/>
+          <a:p>
+            <a:pPr algn="ctr"/>
+            <a:endParaRPr lang="en-GB" sz="1600"/>
+          </a:p>
+        </p:txBody>
+      </p:sp>
+      <p:sp>
+        <p:nvSpPr>
+          <p:cNvPr id="22" name="TextBox 21"/>
+          <p:cNvSpPr txBox="1"/>
+          <p:nvPr/>
+        </p:nvSpPr>
+        <p:spPr>
+          <a:xfrm>
+            <a:off x="5256076" y="5337212"/>
+            <a:ext cx="2736304" cy="828092"/>
+          </a:xfrm>
+          <a:prstGeom prst="rect">
+            <a:avLst/>
+          </a:prstGeom>
+          <a:solidFill>
+            <a:schemeClr val="accent4">
+              <a:lumMod val="60000"/>
+              <a:lumOff val="40000"/>
+            </a:schemeClr>
+          </a:solidFill>
+          <a:ln>
+            <a:solidFill>
+              <a:schemeClr val="tx1"/>
+            </a:solidFill>
+          </a:ln>
+        </p:spPr>
+        <p:txBody>
+          <a:bodyPr wrap="square" rtlCol="0">
+            <a:noAutofit/>
+          </a:bodyPr>
+          <a:lstStyle/>
+          <a:p>
+            <a:r>
+              <a:rPr lang="en-GB" b="1" dirty="0" smtClean="0"/>
+              <a:t>Icon Modifier:</a:t>
+            </a:r>
+          </a:p>
+        </p:txBody>
+      </p:sp>
+      <p:sp>
+        <p:nvSpPr>
+          <p:cNvPr id="23" name="TextBox 22"/>
+          <p:cNvSpPr txBox="1"/>
+          <p:nvPr/>
+        </p:nvSpPr>
+        <p:spPr>
+          <a:xfrm>
+            <a:off x="5832140" y="5733256"/>
+            <a:ext cx="2160240" cy="396044"/>
+          </a:xfrm>
+          <a:prstGeom prst="rect">
+            <a:avLst/>
+          </a:prstGeom>
+          <a:noFill/>
+          <a:ln>
+            <a:noFill/>
+          </a:ln>
+        </p:spPr>
+        <p:txBody>
+          <a:bodyPr wrap="square" rtlCol="0">
+            <a:noAutofit/>
+          </a:bodyPr>
+          <a:lstStyle/>
+          <a:p>
+            <a:r>
+              <a:rPr lang="en-GB" sz="1600" dirty="0" err="1" smtClean="0">
+                <a:latin typeface="Courier New" pitchFamily="49" charset="0"/>
+                <a:cs typeface="Courier New" pitchFamily="49" charset="0"/>
+              </a:rPr>
+              <a:t>CSlot</a:t>
+            </a:r>
+            <a:r>
+              <a:rPr lang="en-GB" sz="1600" dirty="0" smtClean="0"/>
+              <a:t> is a </a:t>
+            </a:r>
+            <a:r>
+              <a:rPr lang="en-GB" sz="1600" i="1" dirty="0" smtClean="0"/>
+              <a:t>derived</a:t>
+            </a:r>
+            <a:r>
+              <a:rPr lang="en-GB" sz="1600" dirty="0" smtClean="0"/>
+              <a:t> </a:t>
+            </a:r>
+            <a:r>
+              <a:rPr lang="en-GB" sz="1600" dirty="0" smtClean="0"/>
+              <a:t>slot</a:t>
+            </a:r>
+            <a:endParaRPr lang="en-GB" sz="1600" dirty="0"/>
+          </a:p>
+        </p:txBody>
+      </p:sp>
+      <p:sp>
+        <p:nvSpPr>
+          <p:cNvPr id="24" name="Isosceles Triangle 23"/>
+          <p:cNvSpPr/>
+          <p:nvPr/>
+        </p:nvSpPr>
+        <p:spPr>
+          <a:xfrm rot="5400000">
+            <a:off x="5400092" y="5733256"/>
+            <a:ext cx="324036" cy="324036"/>
+          </a:xfrm>
+          <a:prstGeom prst="triangle">
+            <a:avLst/>
+          </a:prstGeom>
+          <a:solidFill>
+            <a:schemeClr val="bg1"/>
+          </a:solidFill>
+          <a:ln w="9525">
+            <a:solidFill>
+              <a:schemeClr val="tx1"/>
+            </a:solidFill>
+          </a:ln>
+        </p:spPr>
+        <p:style>
+          <a:lnRef idx="2">
+            <a:schemeClr val="accent1">
+              <a:shade val="50000"/>
+            </a:schemeClr>
+          </a:lnRef>
+          <a:fillRef idx="1">
+            <a:schemeClr val="accent1"/>
+          </a:fillRef>
+          <a:effectRef idx="0">
+            <a:schemeClr val="accent1"/>
+          </a:effectRef>
+          <a:fontRef idx="minor">
+            <a:schemeClr val="lt1"/>
+          </a:fontRef>
+        </p:style>
+        <p:txBody>
+          <a:bodyPr rtlCol="0" anchor="ctr"/>
+          <a:lstStyle/>
+          <a:p>
+            <a:pPr algn="ctr"/>
+            <a:endParaRPr lang="en-GB" sz="1600"/>
+          </a:p>
+        </p:txBody>
+      </p:sp>
+      <p:sp>
+        <p:nvSpPr>
+          <p:cNvPr id="26" name="Rectangle 25"/>
+          <p:cNvSpPr/>
+          <p:nvPr/>
+        </p:nvSpPr>
+        <p:spPr>
+          <a:xfrm>
+            <a:off x="5652120" y="5733256"/>
+            <a:ext cx="72008" cy="324036"/>
+          </a:xfrm>
+          <a:prstGeom prst="rect">
+            <a:avLst/>
+          </a:prstGeom>
+          <a:solidFill>
+            <a:schemeClr val="tx1"/>
+          </a:solidFill>
+          <a:ln>
+            <a:solidFill>
+              <a:schemeClr val="tx1"/>
+            </a:solidFill>
+          </a:ln>
+        </p:spPr>
+        <p:style>
+          <a:lnRef idx="2">
+            <a:schemeClr val="accent1">
+              <a:shade val="50000"/>
+            </a:schemeClr>
+          </a:lnRef>
+          <a:fillRef idx="1">
+            <a:schemeClr val="accent1"/>
+          </a:fillRef>
+          <a:effectRef idx="0">
+            <a:schemeClr val="accent1"/>
+          </a:effectRef>
+          <a:fontRef idx="minor">
+            <a:schemeClr val="lt1"/>
+          </a:fontRef>
+        </p:style>
+        <p:txBody>
+          <a:bodyPr rtlCol="0" anchor="ctr"/>
+          <a:lstStyle/>
+          <a:p>
+            <a:pPr algn="ctr"/>
             <a:endParaRPr lang="en-GB"/>
+          </a:p>
+        </p:txBody>
+      </p:sp>
+      <p:sp>
+        <p:nvSpPr>
+          <p:cNvPr id="18" name="TextBox 17"/>
+          <p:cNvSpPr txBox="1"/>
+          <p:nvPr/>
+        </p:nvSpPr>
+        <p:spPr>
+          <a:xfrm>
+            <a:off x="6156176" y="2276872"/>
+            <a:ext cx="2412268" cy="861774"/>
+          </a:xfrm>
+          <a:prstGeom prst="rect">
+            <a:avLst/>
+          </a:prstGeom>
+          <a:solidFill>
+            <a:schemeClr val="tx2">
+              <a:lumMod val="40000"/>
+              <a:lumOff val="60000"/>
+            </a:schemeClr>
+          </a:solidFill>
+          <a:ln>
+            <a:solidFill>
+              <a:schemeClr val="tx1"/>
+            </a:solidFill>
+          </a:ln>
+        </p:spPr>
+        <p:txBody>
+          <a:bodyPr wrap="square" rtlCol="0">
+            <a:spAutoFit/>
+          </a:bodyPr>
+          <a:lstStyle/>
+          <a:p>
+            <a:r>
+              <a:rPr lang="en-GB" b="1" dirty="0" smtClean="0"/>
+              <a:t>Actions:</a:t>
+            </a:r>
+            <a:endParaRPr lang="en-GB" dirty="0"/>
+          </a:p>
+          <a:p>
+            <a:pPr marL="457200" indent="-457200">
+              <a:buFont typeface="Arial" pitchFamily="34" charset="0"/>
+              <a:buChar char="•"/>
+            </a:pPr>
+            <a:r>
+              <a:rPr lang="en-GB" sz="1600" dirty="0" smtClean="0"/>
+              <a:t>Select </a:t>
+            </a:r>
+            <a:r>
+              <a:rPr lang="en-GB" sz="1600" dirty="0" smtClean="0"/>
+              <a:t>“</a:t>
+            </a:r>
+            <a:r>
+              <a:rPr lang="en-GB" sz="1600" dirty="0" smtClean="0">
+                <a:cs typeface="Courier New" pitchFamily="49" charset="0"/>
+              </a:rPr>
+              <a:t>Citizen”</a:t>
+            </a:r>
+            <a:r>
+              <a:rPr lang="en-GB" sz="1600" dirty="0" smtClean="0"/>
+              <a:t> </a:t>
+            </a:r>
+            <a:r>
+              <a:rPr lang="en-GB" sz="1600" dirty="0" err="1" smtClean="0">
+                <a:latin typeface="Courier New" pitchFamily="49" charset="0"/>
+                <a:cs typeface="Courier New" pitchFamily="49" charset="0"/>
+              </a:rPr>
+              <a:t>CFrame</a:t>
+            </a:r>
+            <a:r>
+              <a:rPr lang="en-GB" sz="1600" dirty="0" smtClean="0"/>
+              <a:t> in LH </a:t>
+            </a:r>
+            <a:r>
+              <a:rPr lang="en-GB" sz="1600" dirty="0" smtClean="0"/>
+              <a:t>panel</a:t>
+            </a:r>
+            <a:endParaRPr lang="en-GB" sz="1600" dirty="0" smtClean="0"/>
           </a:p>
         </p:txBody>
       </p:sp>
@@ -7388,17 +8601,8 @@
             </a:pPr>
             <a:r>
               <a:rPr lang="en-GB" dirty="0" smtClean="0"/>
-              <a:t>Using </a:t>
-            </a:r>
-            <a:r>
-              <a:rPr lang="en-GB" dirty="0" smtClean="0"/>
-              <a:t>MEKON Model Explorer </a:t>
-            </a:r>
-            <a:r>
-              <a:rPr lang="en-GB" dirty="0" smtClean="0"/>
-              <a:t>to:</a:t>
-            </a:r>
-            <a:endParaRPr lang="en-GB" dirty="0" smtClean="0"/>
+              <a:t>Using MEKON Model Explorer to:</a:t>
+            </a:r>
           </a:p>
           <a:p>
             <a:pPr marL="514350" indent="-514350"/>
@@ -7411,34 +8615,14 @@
             <a:pPr marL="914400" lvl="1" indent="-514350"/>
             <a:r>
               <a:rPr lang="en-GB" dirty="0" smtClean="0"/>
-              <a:t>B</a:t>
-            </a:r>
+              <a:t>Basic MEKON version of model</a:t>
+            </a:r>
+          </a:p>
+          <a:p>
+            <a:pPr marL="914400" lvl="1" indent="-514350"/>
             <a:r>
               <a:rPr lang="en-GB" dirty="0" smtClean="0"/>
-              <a:t>asic </a:t>
-            </a:r>
-            <a:r>
-              <a:rPr lang="en-GB" dirty="0" smtClean="0"/>
-              <a:t>MEKON version of </a:t>
-            </a:r>
-            <a:r>
-              <a:rPr lang="en-GB" dirty="0" smtClean="0"/>
-              <a:t>model</a:t>
-            </a:r>
-          </a:p>
-          <a:p>
-            <a:pPr marL="914400" lvl="1" indent="-514350"/>
-            <a:r>
-              <a:rPr lang="en-GB" dirty="0" smtClean="0"/>
-              <a:t>Hybrid </a:t>
-            </a:r>
-            <a:r>
-              <a:rPr lang="en-GB" dirty="0" smtClean="0"/>
-              <a:t>HOBO/MEKON </a:t>
-            </a:r>
-            <a:r>
-              <a:rPr lang="en-GB" dirty="0" smtClean="0"/>
-              <a:t>version of model</a:t>
+              <a:t>Hybrid HOBO/MEKON version of model</a:t>
             </a:r>
           </a:p>
           <a:p>
@@ -7456,17 +8640,8 @@
             <a:pPr marL="914400" lvl="1" indent="-514350"/>
             <a:r>
               <a:rPr lang="en-GB" dirty="0" smtClean="0"/>
-              <a:t>Creating + storing “assertion</a:t>
-            </a:r>
-            <a:r>
-              <a:rPr lang="en-GB" dirty="0" smtClean="0"/>
-              <a:t>” </a:t>
-            </a:r>
-            <a:r>
-              <a:rPr lang="en-GB" dirty="0" smtClean="0"/>
-              <a:t>instantiations</a:t>
-            </a:r>
-            <a:endParaRPr lang="en-GB" dirty="0" smtClean="0"/>
+              <a:t>Creating + storing “assertion” instantiations</a:t>
+            </a:r>
           </a:p>
           <a:p>
             <a:pPr marL="914400" lvl="1" indent="-514350"/>
@@ -7623,7 +8798,7 @@
             </a:pPr>
             <a:r>
               <a:rPr lang="en-GB" dirty="0" smtClean="0"/>
-              <a:t>Interspersed throughout the tutorial are “general explanations”, not specifically linked to the actions on particular slides, but more generally applicable to various actions on previous and/or subsequent slides</a:t>
+              <a:t>Interspersed throughout the tutorial are more general explanations, not specifically linked to the actions on particular slides, but more generally applicable to various actions on previous and/or subsequent slides</a:t>
             </a:r>
           </a:p>
         </p:txBody>
@@ -7857,8 +9032,8 @@
         </p:nvSpPr>
         <p:spPr>
           <a:xfrm>
-            <a:off x="1619672" y="764704"/>
-            <a:ext cx="5904656" cy="5355312"/>
+            <a:off x="1259632" y="1052736"/>
+            <a:ext cx="6588732" cy="4647426"/>
           </a:xfrm>
           <a:prstGeom prst="rect">
             <a:avLst/>
@@ -7881,9 +9056,10 @@
           </a:bodyPr>
           <a:lstStyle/>
           <a:p>
-            <a:r>
-              <a:rPr lang="en-GB" b="1" dirty="0" smtClean="0"/>
-              <a:t>General Explanation:</a:t>
+            <a:pPr algn="ctr"/>
+            <a:r>
+              <a:rPr lang="en-GB" sz="2400" b="1" dirty="0" smtClean="0"/>
+              <a:t>MEKON Models</a:t>
             </a:r>
           </a:p>
           <a:p>
@@ -7941,8 +9117,15 @@
               <a:buChar char="•"/>
             </a:pPr>
             <a:r>
-              <a:rPr lang="en-GB" sz="1600" b="1" i="1" dirty="0" smtClean="0"/>
-              <a:t>C-Frame: </a:t>
+              <a:rPr lang="en-GB" sz="1600" b="1" dirty="0" err="1" smtClean="0">
+                <a:latin typeface="Courier New" pitchFamily="49" charset="0"/>
+                <a:cs typeface="Courier New" pitchFamily="49" charset="0"/>
+              </a:rPr>
+              <a:t>CFrame</a:t>
+            </a:r>
+            <a:r>
+              <a:rPr lang="en-GB" sz="1600" b="1" dirty="0" smtClean="0"/>
+              <a:t>: </a:t>
             </a:r>
             <a:r>
               <a:rPr lang="en-GB" sz="1600" dirty="0" smtClean="0"/>
@@ -7955,8 +9138,15 @@
               <a:buChar char="•"/>
             </a:pPr>
             <a:r>
-              <a:rPr lang="en-GB" sz="1600" b="1" i="1" dirty="0" smtClean="0"/>
-              <a:t>C-Number: </a:t>
+              <a:rPr lang="en-GB" sz="1600" b="1" dirty="0" err="1" smtClean="0">
+                <a:latin typeface="Courier New" pitchFamily="49" charset="0"/>
+                <a:cs typeface="Courier New" pitchFamily="49" charset="0"/>
+              </a:rPr>
+              <a:t>CNumber</a:t>
+            </a:r>
+            <a:r>
+              <a:rPr lang="en-GB" sz="1600" b="1" dirty="0" smtClean="0"/>
+              <a:t>: </a:t>
             </a:r>
             <a:r>
               <a:rPr lang="en-GB" sz="1600" dirty="0" smtClean="0"/>
@@ -7969,12 +9159,41 @@
               <a:buChar char="•"/>
             </a:pPr>
             <a:r>
-              <a:rPr lang="en-GB" sz="1600" b="1" i="1" dirty="0" smtClean="0"/>
-              <a:t>C-Value:</a:t>
+              <a:rPr lang="en-GB" sz="1600" b="1" dirty="0" err="1" smtClean="0">
+                <a:latin typeface="Courier New" pitchFamily="49" charset="0"/>
+                <a:cs typeface="Courier New" pitchFamily="49" charset="0"/>
+              </a:rPr>
+              <a:t>CValue</a:t>
+            </a:r>
+            <a:r>
+              <a:rPr lang="en-GB" sz="1600" b="1" dirty="0" smtClean="0"/>
+              <a:t>:</a:t>
             </a:r>
             <a:r>
               <a:rPr lang="en-GB" sz="1600" dirty="0" smtClean="0"/>
-              <a:t> Concept-level value-entity (C-Frame or C-Number)</a:t>
+              <a:t> Concept-level value-entity (</a:t>
+            </a:r>
+            <a:r>
+              <a:rPr lang="en-GB" sz="1600" dirty="0" err="1" smtClean="0">
+                <a:latin typeface="Courier New" pitchFamily="49" charset="0"/>
+                <a:cs typeface="Courier New" pitchFamily="49" charset="0"/>
+              </a:rPr>
+              <a:t>CFrame</a:t>
+            </a:r>
+            <a:r>
+              <a:rPr lang="en-GB" sz="1600" dirty="0" smtClean="0"/>
+              <a:t> or </a:t>
+            </a:r>
+            <a:r>
+              <a:rPr lang="en-GB" sz="1600" dirty="0" err="1" smtClean="0">
+                <a:latin typeface="Courier New" pitchFamily="49" charset="0"/>
+                <a:cs typeface="Courier New" pitchFamily="49" charset="0"/>
+              </a:rPr>
+              <a:t>CNumber</a:t>
+            </a:r>
+            <a:r>
+              <a:rPr lang="en-GB" sz="1600" dirty="0" smtClean="0"/>
+              <a:t>)</a:t>
             </a:r>
           </a:p>
           <a:p>
@@ -7983,8 +9202,15 @@
               <a:buChar char="•"/>
             </a:pPr>
             <a:r>
-              <a:rPr lang="en-GB" sz="1600" b="1" i="1" dirty="0" smtClean="0"/>
-              <a:t>C-Slot: </a:t>
+              <a:rPr lang="en-GB" sz="1600" b="1" dirty="0" err="1" smtClean="0">
+                <a:latin typeface="Courier New" pitchFamily="49" charset="0"/>
+                <a:cs typeface="Courier New" pitchFamily="49" charset="0"/>
+              </a:rPr>
+              <a:t>CSlot</a:t>
+            </a:r>
+            <a:r>
+              <a:rPr lang="en-GB" sz="1600" b="1" dirty="0" smtClean="0"/>
+              <a:t>: </a:t>
             </a:r>
             <a:r>
               <a:rPr lang="en-GB" sz="1600" dirty="0" smtClean="0"/>
@@ -8012,8 +9238,15 @@
               <a:buChar char="•"/>
             </a:pPr>
             <a:r>
-              <a:rPr lang="en-GB" sz="1600" b="1" i="1" dirty="0" smtClean="0"/>
-              <a:t>I-Frame: </a:t>
+              <a:rPr lang="en-GB" sz="1600" b="1" dirty="0" err="1" smtClean="0">
+                <a:latin typeface="Courier New" pitchFamily="49" charset="0"/>
+                <a:cs typeface="Courier New" pitchFamily="49" charset="0"/>
+              </a:rPr>
+              <a:t>IFrame</a:t>
+            </a:r>
+            <a:r>
+              <a:rPr lang="en-GB" sz="1600" b="1" dirty="0" smtClean="0"/>
+              <a:t>: </a:t>
             </a:r>
             <a:r>
               <a:rPr lang="en-GB" sz="1600" dirty="0" smtClean="0"/>
@@ -8026,8 +9259,15 @@
               <a:buChar char="•"/>
             </a:pPr>
             <a:r>
-              <a:rPr lang="en-GB" sz="1600" b="1" i="1" dirty="0" smtClean="0"/>
-              <a:t>I-Number: </a:t>
+              <a:rPr lang="en-GB" sz="1600" b="1" dirty="0" err="1" smtClean="0">
+                <a:latin typeface="Courier New" pitchFamily="49" charset="0"/>
+                <a:cs typeface="Courier New" pitchFamily="49" charset="0"/>
+              </a:rPr>
+              <a:t>INumber</a:t>
+            </a:r>
+            <a:r>
+              <a:rPr lang="en-GB" sz="1600" b="1" dirty="0" smtClean="0"/>
+              <a:t>: </a:t>
             </a:r>
             <a:r>
               <a:rPr lang="en-GB" sz="1600" dirty="0" smtClean="0"/>
@@ -8040,12 +9280,41 @@
               <a:buChar char="•"/>
             </a:pPr>
             <a:r>
-              <a:rPr lang="en-GB" sz="1600" b="1" i="1" dirty="0" smtClean="0"/>
-              <a:t>I-Value:</a:t>
+              <a:rPr lang="en-GB" sz="1600" b="1" dirty="0" err="1" smtClean="0">
+                <a:latin typeface="Courier New" pitchFamily="49" charset="0"/>
+                <a:cs typeface="Courier New" pitchFamily="49" charset="0"/>
+              </a:rPr>
+              <a:t>IValue</a:t>
+            </a:r>
+            <a:r>
+              <a:rPr lang="en-GB" sz="1600" b="1" dirty="0" smtClean="0"/>
+              <a:t>:</a:t>
             </a:r>
             <a:r>
               <a:rPr lang="en-GB" sz="1600" dirty="0" smtClean="0"/>
-              <a:t> Instance-level value-entity (I-Frame or I-Number)</a:t>
+              <a:t> Instance-level value-entity (</a:t>
+            </a:r>
+            <a:r>
+              <a:rPr lang="en-GB" sz="1600" dirty="0" err="1" smtClean="0">
+                <a:latin typeface="Courier New" pitchFamily="49" charset="0"/>
+                <a:cs typeface="Courier New" pitchFamily="49" charset="0"/>
+              </a:rPr>
+              <a:t>IFrame</a:t>
+            </a:r>
+            <a:r>
+              <a:rPr lang="en-GB" sz="1600" dirty="0" smtClean="0"/>
+              <a:t> or </a:t>
+            </a:r>
+            <a:r>
+              <a:rPr lang="en-GB" sz="1600" dirty="0" err="1" smtClean="0">
+                <a:latin typeface="Courier New" pitchFamily="49" charset="0"/>
+                <a:cs typeface="Courier New" pitchFamily="49" charset="0"/>
+              </a:rPr>
+              <a:t>INumber</a:t>
+            </a:r>
+            <a:r>
+              <a:rPr lang="en-GB" sz="1600" dirty="0" smtClean="0"/>
+              <a:t>)</a:t>
             </a:r>
           </a:p>
           <a:p>
@@ -8054,8 +9323,15 @@
               <a:buChar char="•"/>
             </a:pPr>
             <a:r>
-              <a:rPr lang="en-GB" sz="1600" b="1" i="1" dirty="0" smtClean="0"/>
-              <a:t>I-Slot: </a:t>
+              <a:rPr lang="en-GB" sz="1600" b="1" dirty="0" err="1" smtClean="0">
+                <a:latin typeface="Courier New" pitchFamily="49" charset="0"/>
+                <a:cs typeface="Courier New" pitchFamily="49" charset="0"/>
+              </a:rPr>
+              <a:t>ISlot</a:t>
+            </a:r>
+            <a:r>
+              <a:rPr lang="en-GB" sz="1600" b="1" dirty="0" smtClean="0"/>
+              <a:t>: </a:t>
             </a:r>
             <a:r>
               <a:rPr lang="en-GB" sz="1600" dirty="0" smtClean="0"/>
@@ -8083,12 +9359,30 @@
               <a:buChar char="•"/>
             </a:pPr>
             <a:r>
-              <a:rPr lang="en-GB" sz="1600" b="1" i="1" dirty="0" smtClean="0"/>
-              <a:t>M-Frame: </a:t>
+              <a:rPr lang="en-GB" sz="1600" b="1" dirty="0" err="1" smtClean="0">
+                <a:latin typeface="Courier New" pitchFamily="49" charset="0"/>
+                <a:cs typeface="Courier New" pitchFamily="49" charset="0"/>
+              </a:rPr>
+              <a:t>MFrame</a:t>
+            </a:r>
+            <a:r>
+              <a:rPr lang="en-GB" sz="1600" b="1" dirty="0" smtClean="0"/>
+              <a:t>: </a:t>
             </a:r>
             <a:r>
               <a:rPr lang="en-GB" sz="1600" dirty="0" smtClean="0"/>
-              <a:t>Reference to domain concept (used solely for defining value-types of C-Frame-valued slots)</a:t>
+              <a:t>Reference to domain concept (used solely for defining value-types of </a:t>
+            </a:r>
+            <a:r>
+              <a:rPr lang="en-GB" sz="1600" dirty="0" err="1" smtClean="0">
+                <a:latin typeface="Courier New" pitchFamily="49" charset="0"/>
+                <a:cs typeface="Courier New" pitchFamily="49" charset="0"/>
+              </a:rPr>
+              <a:t>CFrame</a:t>
+            </a:r>
+            <a:r>
+              <a:rPr lang="en-GB" sz="1600" dirty="0" smtClean="0"/>
+              <a:t>-valued slots)</a:t>
             </a:r>
           </a:p>
         </p:txBody>
@@ -8133,8 +9427,8 @@
         </p:nvSpPr>
         <p:spPr>
           <a:xfrm>
-            <a:off x="1475656" y="476672"/>
-            <a:ext cx="6120680" cy="5904656"/>
+            <a:off x="1511660" y="368660"/>
+            <a:ext cx="6120680" cy="6084676"/>
           </a:xfrm>
           <a:prstGeom prst="rect">
             <a:avLst/>
@@ -8157,10 +9451,10 @@
           </a:bodyPr>
           <a:lstStyle/>
           <a:p>
-            <a:pPr marL="457200" indent="-457200"/>
-            <a:r>
-              <a:rPr lang="en-GB" b="1" dirty="0" smtClean="0"/>
-              <a:t>Icon Summary:</a:t>
+            <a:pPr marL="457200" indent="-457200" algn="ctr"/>
+            <a:r>
+              <a:rPr lang="en-GB" sz="2400" b="1" dirty="0" smtClean="0"/>
+              <a:t>Icon Summary</a:t>
             </a:r>
           </a:p>
           <a:p>
@@ -8177,7 +9471,7 @@
         </p:nvSpPr>
         <p:spPr>
           <a:xfrm>
-            <a:off x="1835696" y="3429000"/>
+            <a:off x="1871700" y="3501008"/>
             <a:ext cx="5400600" cy="432048"/>
           </a:xfrm>
           <a:prstGeom prst="rect">
@@ -8211,7 +9505,7 @@
         </p:nvSpPr>
         <p:spPr>
           <a:xfrm>
-            <a:off x="1835696" y="764704"/>
+            <a:off x="1871700" y="836712"/>
             <a:ext cx="5400600" cy="432048"/>
           </a:xfrm>
           <a:prstGeom prst="rect">
@@ -8248,7 +9542,7 @@
         </p:nvSpPr>
         <p:spPr>
           <a:xfrm>
-            <a:off x="3635896" y="1196752"/>
+            <a:off x="3671900" y="1268760"/>
             <a:ext cx="2376264" cy="372041"/>
           </a:xfrm>
           <a:prstGeom prst="rect">
@@ -8285,7 +9579,7 @@
         </p:nvSpPr>
         <p:spPr>
           <a:xfrm>
-            <a:off x="1835696" y="1196752"/>
+            <a:off x="1871700" y="1268760"/>
             <a:ext cx="1800200" cy="372041"/>
           </a:xfrm>
           <a:prstGeom prst="rect">
@@ -8322,7 +9616,7 @@
         </p:nvSpPr>
         <p:spPr>
           <a:xfrm>
-            <a:off x="6012160" y="1196752"/>
+            <a:off x="6048164" y="1268760"/>
             <a:ext cx="1224136" cy="372041"/>
           </a:xfrm>
           <a:prstGeom prst="rect">
@@ -8359,7 +9653,7 @@
         </p:nvSpPr>
         <p:spPr>
           <a:xfrm>
-            <a:off x="3635896" y="1556792"/>
+            <a:off x="3671900" y="1628800"/>
             <a:ext cx="2376264" cy="360040"/>
           </a:xfrm>
           <a:prstGeom prst="rect">
@@ -8399,7 +9693,7 @@
         </p:nvSpPr>
         <p:spPr>
           <a:xfrm>
-            <a:off x="1835696" y="1556792"/>
+            <a:off x="1871700" y="1628800"/>
             <a:ext cx="1800200" cy="360040"/>
           </a:xfrm>
           <a:prstGeom prst="rect">
@@ -8439,7 +9733,7 @@
         </p:nvSpPr>
         <p:spPr>
           <a:xfrm>
-            <a:off x="6012160" y="1556792"/>
+            <a:off x="6048164" y="1628800"/>
             <a:ext cx="1224136" cy="360040"/>
           </a:xfrm>
           <a:prstGeom prst="rect">
@@ -8475,7 +9769,7 @@
         </p:nvSpPr>
         <p:spPr>
           <a:xfrm>
-            <a:off x="6444208" y="1628800"/>
+            <a:off x="6480212" y="1700808"/>
             <a:ext cx="252028" cy="216024"/>
           </a:xfrm>
           <a:prstGeom prst="rect">
@@ -8523,7 +9817,7 @@
         </p:nvSpPr>
         <p:spPr>
           <a:xfrm>
-            <a:off x="3635896" y="1916832"/>
+            <a:off x="3671900" y="1988840"/>
             <a:ext cx="2376264" cy="360040"/>
           </a:xfrm>
           <a:prstGeom prst="rect">
@@ -8563,7 +9857,7 @@
         </p:nvSpPr>
         <p:spPr>
           <a:xfrm>
-            <a:off x="1835696" y="1916832"/>
+            <a:off x="1871700" y="1988840"/>
             <a:ext cx="1800200" cy="360040"/>
           </a:xfrm>
           <a:prstGeom prst="rect">
@@ -8603,7 +9897,7 @@
         </p:nvSpPr>
         <p:spPr>
           <a:xfrm>
-            <a:off x="6012160" y="1916832"/>
+            <a:off x="6048164" y="1988840"/>
             <a:ext cx="1224136" cy="360040"/>
           </a:xfrm>
           <a:prstGeom prst="rect">
@@ -8639,7 +9933,7 @@
         </p:nvSpPr>
         <p:spPr>
           <a:xfrm>
-            <a:off x="3635896" y="2276872"/>
+            <a:off x="3671900" y="2348880"/>
             <a:ext cx="2376264" cy="360040"/>
           </a:xfrm>
           <a:prstGeom prst="rect">
@@ -8679,7 +9973,7 @@
         </p:nvSpPr>
         <p:spPr>
           <a:xfrm>
-            <a:off x="1835696" y="2276872"/>
+            <a:off x="1871700" y="2348880"/>
             <a:ext cx="1800200" cy="360040"/>
           </a:xfrm>
           <a:prstGeom prst="rect">
@@ -8719,7 +10013,7 @@
         </p:nvSpPr>
         <p:spPr>
           <a:xfrm>
-            <a:off x="6012160" y="2276872"/>
+            <a:off x="6048164" y="2348880"/>
             <a:ext cx="1224136" cy="360040"/>
           </a:xfrm>
           <a:prstGeom prst="rect">
@@ -8755,7 +10049,7 @@
         </p:nvSpPr>
         <p:spPr>
           <a:xfrm rot="18972962">
-            <a:off x="6484229" y="2368564"/>
+            <a:off x="6520233" y="2440572"/>
             <a:ext cx="179792" cy="187924"/>
           </a:xfrm>
           <a:prstGeom prst="rect">
@@ -8803,7 +10097,7 @@
         </p:nvSpPr>
         <p:spPr>
           <a:xfrm>
-            <a:off x="3635896" y="2636912"/>
+            <a:off x="3671900" y="2708920"/>
             <a:ext cx="2376264" cy="360040"/>
           </a:xfrm>
           <a:prstGeom prst="rect">
@@ -8843,7 +10137,7 @@
         </p:nvSpPr>
         <p:spPr>
           <a:xfrm>
-            <a:off x="1835696" y="2636912"/>
+            <a:off x="1871700" y="2708920"/>
             <a:ext cx="1800200" cy="360040"/>
           </a:xfrm>
           <a:prstGeom prst="rect">
@@ -8883,7 +10177,7 @@
         </p:nvSpPr>
         <p:spPr>
           <a:xfrm>
-            <a:off x="6012160" y="2636912"/>
+            <a:off x="6048164" y="2708920"/>
             <a:ext cx="1224136" cy="360040"/>
           </a:xfrm>
           <a:prstGeom prst="rect">
@@ -8919,7 +10213,7 @@
         </p:nvSpPr>
         <p:spPr>
           <a:xfrm>
-            <a:off x="6444208" y="1988840"/>
+            <a:off x="6480212" y="2060848"/>
             <a:ext cx="252028" cy="216024"/>
           </a:xfrm>
           <a:prstGeom prst="ellipse">
@@ -8967,7 +10261,7 @@
         </p:nvSpPr>
         <p:spPr>
           <a:xfrm rot="5400000">
-            <a:off x="6462210" y="2690918"/>
+            <a:off x="6498214" y="2762926"/>
             <a:ext cx="216024" cy="252028"/>
           </a:xfrm>
           <a:prstGeom prst="triangle">
@@ -9015,7 +10309,7 @@
         </p:nvSpPr>
         <p:spPr>
           <a:xfrm>
-            <a:off x="1835696" y="3068960"/>
+            <a:off x="1871700" y="3140968"/>
             <a:ext cx="5184576" cy="360040"/>
           </a:xfrm>
           <a:prstGeom prst="rect">
@@ -9047,7 +10341,7 @@
         </p:nvSpPr>
         <p:spPr>
           <a:xfrm>
-            <a:off x="5796136" y="3861048"/>
+            <a:off x="5832140" y="3933056"/>
             <a:ext cx="1440160" cy="360040"/>
           </a:xfrm>
           <a:prstGeom prst="rect">
@@ -9084,7 +10378,7 @@
         </p:nvSpPr>
         <p:spPr>
           <a:xfrm>
-            <a:off x="1835696" y="3861048"/>
+            <a:off x="1871700" y="3933056"/>
             <a:ext cx="1800200" cy="360040"/>
           </a:xfrm>
           <a:prstGeom prst="rect">
@@ -9121,7 +10415,7 @@
         </p:nvSpPr>
         <p:spPr>
           <a:xfrm>
-            <a:off x="5796136" y="4581128"/>
+            <a:off x="5832140" y="4653136"/>
             <a:ext cx="1440160" cy="360040"/>
           </a:xfrm>
           <a:prstGeom prst="rect">
@@ -9157,7 +10451,7 @@
         </p:nvSpPr>
         <p:spPr>
           <a:xfrm>
-            <a:off x="1835696" y="4581128"/>
+            <a:off x="1871700" y="4653136"/>
             <a:ext cx="1800200" cy="360040"/>
           </a:xfrm>
           <a:prstGeom prst="rect">
@@ -9197,7 +10491,7 @@
         </p:nvSpPr>
         <p:spPr>
           <a:xfrm>
-            <a:off x="5796136" y="5301208"/>
+            <a:off x="5832140" y="5373216"/>
             <a:ext cx="1440160" cy="360040"/>
           </a:xfrm>
           <a:prstGeom prst="rect">
@@ -9233,7 +10527,7 @@
         </p:nvSpPr>
         <p:spPr>
           <a:xfrm>
-            <a:off x="1835696" y="5301208"/>
+            <a:off x="1871700" y="5373216"/>
             <a:ext cx="1800200" cy="360040"/>
           </a:xfrm>
           <a:prstGeom prst="rect">
@@ -9273,7 +10567,7 @@
         </p:nvSpPr>
         <p:spPr>
           <a:xfrm>
-            <a:off x="3635896" y="3861048"/>
+            <a:off x="3671900" y="3933056"/>
             <a:ext cx="2160240" cy="360040"/>
           </a:xfrm>
           <a:prstGeom prst="rect">
@@ -9310,7 +10604,7 @@
         </p:nvSpPr>
         <p:spPr>
           <a:xfrm>
-            <a:off x="3635896" y="4581128"/>
+            <a:off x="3671900" y="4653136"/>
             <a:ext cx="2160240" cy="360040"/>
           </a:xfrm>
           <a:prstGeom prst="rect">
@@ -9350,7 +10644,7 @@
         </p:nvSpPr>
         <p:spPr>
           <a:xfrm>
-            <a:off x="3635896" y="5301208"/>
+            <a:off x="3671900" y="5373216"/>
             <a:ext cx="2160240" cy="360040"/>
           </a:xfrm>
           <a:prstGeom prst="rect">
@@ -9390,7 +10684,7 @@
         </p:nvSpPr>
         <p:spPr>
           <a:xfrm>
-            <a:off x="5796136" y="4221088"/>
+            <a:off x="5832140" y="4293096"/>
             <a:ext cx="1440160" cy="360040"/>
           </a:xfrm>
           <a:prstGeom prst="rect">
@@ -9426,7 +10720,7 @@
         </p:nvSpPr>
         <p:spPr>
           <a:xfrm>
-            <a:off x="1835696" y="4221088"/>
+            <a:off x="1871700" y="4293096"/>
             <a:ext cx="1800200" cy="360040"/>
           </a:xfrm>
           <a:prstGeom prst="rect">
@@ -9466,7 +10760,7 @@
         </p:nvSpPr>
         <p:spPr>
           <a:xfrm>
-            <a:off x="3635896" y="4221088"/>
+            <a:off x="3671900" y="4293096"/>
             <a:ext cx="2160240" cy="360040"/>
           </a:xfrm>
           <a:prstGeom prst="rect">
@@ -9506,7 +10800,7 @@
         </p:nvSpPr>
         <p:spPr>
           <a:xfrm>
-            <a:off x="5796136" y="4941168"/>
+            <a:off x="5832140" y="5013176"/>
             <a:ext cx="1440160" cy="360040"/>
           </a:xfrm>
           <a:prstGeom prst="rect">
@@ -9542,7 +10836,7 @@
         </p:nvSpPr>
         <p:spPr>
           <a:xfrm>
-            <a:off x="1835696" y="4941168"/>
+            <a:off x="1871700" y="5013176"/>
             <a:ext cx="1800200" cy="360040"/>
           </a:xfrm>
           <a:prstGeom prst="rect">
@@ -9582,7 +10876,7 @@
         </p:nvSpPr>
         <p:spPr>
           <a:xfrm>
-            <a:off x="3635896" y="4941168"/>
+            <a:off x="3671900" y="5013176"/>
             <a:ext cx="2160240" cy="360040"/>
           </a:xfrm>
           <a:prstGeom prst="rect">
@@ -9622,7 +10916,7 @@
         </p:nvSpPr>
         <p:spPr>
           <a:xfrm>
-            <a:off x="1835696" y="5733256"/>
+            <a:off x="1871700" y="5805264"/>
             <a:ext cx="5760640" cy="576064"/>
           </a:xfrm>
           <a:prstGeom prst="rect">
@@ -9671,7 +10965,7 @@
         </p:nvSpPr>
         <p:spPr>
           <a:xfrm>
-            <a:off x="6336196" y="4293096"/>
+            <a:off x="6372200" y="4365104"/>
             <a:ext cx="360040" cy="216024"/>
           </a:xfrm>
           <a:prstGeom prst="roundRect">
@@ -9721,7 +11015,7 @@
         </p:nvSpPr>
         <p:spPr>
           <a:xfrm>
-            <a:off x="6336196" y="4653136"/>
+            <a:off x="6372200" y="4725144"/>
             <a:ext cx="360040" cy="216024"/>
           </a:xfrm>
           <a:prstGeom prst="roundRect">
@@ -9771,7 +11065,7 @@
         </p:nvSpPr>
         <p:spPr>
           <a:xfrm>
-            <a:off x="6336196" y="5013176"/>
+            <a:off x="6372200" y="5085184"/>
             <a:ext cx="360040" cy="216024"/>
           </a:xfrm>
           <a:prstGeom prst="roundRect">
@@ -9821,7 +11115,7 @@
         </p:nvSpPr>
         <p:spPr>
           <a:xfrm>
-            <a:off x="6336196" y="5373216"/>
+            <a:off x="6372200" y="5445224"/>
             <a:ext cx="360040" cy="216024"/>
           </a:xfrm>
           <a:prstGeom prst="roundRect">
@@ -9873,7 +11167,7 @@
         </p:nvSpPr>
         <p:spPr>
           <a:xfrm>
-            <a:off x="6408204" y="5049180"/>
+            <a:off x="6444208" y="5121188"/>
             <a:ext cx="216024" cy="144016"/>
           </a:xfrm>
           <a:prstGeom prst="roundRect">
@@ -9987,8 +11281,8 @@
         </p:nvSpPr>
         <p:spPr>
           <a:xfrm>
-            <a:off x="4427984" y="1520788"/>
-            <a:ext cx="3024336" cy="1600438"/>
+            <a:off x="4860032" y="2312876"/>
+            <a:ext cx="3744416" cy="1107996"/>
           </a:xfrm>
           <a:prstGeom prst="rect">
             <a:avLst/>
@@ -10047,8 +11341,8 @@
         </p:nvSpPr>
         <p:spPr>
           <a:xfrm>
-            <a:off x="467544" y="5301208"/>
-            <a:ext cx="3528392" cy="864096"/>
+            <a:off x="467544" y="5553236"/>
+            <a:ext cx="3420380" cy="756084"/>
           </a:xfrm>
           <a:prstGeom prst="rect">
             <a:avLst/>
@@ -10086,8 +11380,8 @@
         </p:nvSpPr>
         <p:spPr>
           <a:xfrm>
-            <a:off x="1007604" y="5733256"/>
-            <a:ext cx="2952328" cy="360040"/>
+            <a:off x="1007604" y="5949280"/>
+            <a:ext cx="2880320" cy="360040"/>
           </a:xfrm>
           <a:prstGeom prst="rect">
             <a:avLst/>
@@ -10104,8 +11398,22 @@
           <a:lstStyle/>
           <a:p>
             <a:r>
+              <a:rPr lang="en-GB" sz="1600" dirty="0" err="1" smtClean="0">
+                <a:latin typeface="Courier New" pitchFamily="49" charset="0"/>
+                <a:cs typeface="Courier New" pitchFamily="49" charset="0"/>
+              </a:rPr>
+              <a:t>CFrame</a:t>
+            </a:r>
+            <a:r>
+              <a:rPr lang="en-GB" sz="1600" dirty="0" smtClean="0">
+                <a:latin typeface="Courier New" pitchFamily="49" charset="0"/>
+                <a:cs typeface="Courier New" pitchFamily="49" charset="0"/>
+              </a:rPr>
+              <a:t> </a:t>
+            </a:r>
+            <a:r>
               <a:rPr lang="en-GB" sz="1600" dirty="0" smtClean="0"/>
-              <a:t>C-Frame / derived from ontology</a:t>
+              <a:t>/ external source only</a:t>
             </a:r>
             <a:endParaRPr lang="en-GB" sz="1600" dirty="0"/>
           </a:p>
@@ -10119,8 +11427,8 @@
         </p:nvSpPr>
         <p:spPr>
           <a:xfrm>
-            <a:off x="5508104" y="3789040"/>
-            <a:ext cx="3024336" cy="2339102"/>
+            <a:off x="4860032" y="3429000"/>
+            <a:ext cx="3744416" cy="2092881"/>
           </a:xfrm>
           <a:prstGeom prst="rect">
             <a:avLst/>
@@ -10156,7 +11464,22 @@
             </a:pPr>
             <a:r>
               <a:rPr lang="en-GB" sz="1600" dirty="0" smtClean="0"/>
-              <a:t>Tree represents hierarchy of all concept-level frames, or C-Frames, in model.</a:t>
+              <a:t>Tree represents hierarchy of all concept-level frames, or </a:t>
+            </a:r>
+            <a:r>
+              <a:rPr lang="en-GB" sz="1600" dirty="0" err="1" smtClean="0">
+                <a:latin typeface="Courier New" pitchFamily="49" charset="0"/>
+                <a:cs typeface="Courier New" pitchFamily="49" charset="0"/>
+              </a:rPr>
+              <a:t>CFrame</a:t>
+            </a:r>
+            <a:r>
+              <a:rPr lang="en-GB" sz="1600" dirty="0" err="1" smtClean="0"/>
+              <a:t>s</a:t>
+            </a:r>
+            <a:r>
+              <a:rPr lang="en-GB" sz="1600" dirty="0" smtClean="0"/>
+              <a:t>, in model.</a:t>
             </a:r>
           </a:p>
           <a:p>
@@ -10169,12 +11492,34 @@
               <a:t>Model consists of this set of </a:t>
             </a:r>
             <a:r>
+              <a:rPr lang="en-GB" sz="1600" dirty="0" err="1" smtClean="0">
+                <a:latin typeface="Courier New" pitchFamily="49" charset="0"/>
+                <a:cs typeface="Courier New" pitchFamily="49" charset="0"/>
+              </a:rPr>
+              <a:t>CFrame</a:t>
+            </a:r>
+            <a:r>
               <a:rPr lang="en-GB" sz="1600" dirty="0" err="1" smtClean="0"/>
-              <a:t>CFrames</a:t>
+              <a:t>s</a:t>
             </a:r>
             <a:r>
               <a:rPr lang="en-GB" sz="1600" dirty="0" smtClean="0"/>
-              <a:t>, together with associated sets of concept-level slots , or C-Slots (not currently visible)</a:t>
+              <a:t>, together with associated sets of concept-level slots , or </a:t>
+            </a:r>
+            <a:r>
+              <a:rPr lang="en-GB" sz="1600" dirty="0" err="1" smtClean="0">
+                <a:latin typeface="Courier New" pitchFamily="49" charset="0"/>
+                <a:cs typeface="Courier New" pitchFamily="49" charset="0"/>
+              </a:rPr>
+              <a:t>CSlot</a:t>
+            </a:r>
+            <a:r>
+              <a:rPr lang="en-GB" sz="1600" dirty="0" err="1" smtClean="0"/>
+              <a:t>s</a:t>
+            </a:r>
+            <a:r>
+              <a:rPr lang="en-GB" sz="1600" dirty="0" smtClean="0"/>
+              <a:t> (not currently visible)</a:t>
             </a:r>
           </a:p>
         </p:txBody>
@@ -10187,7 +11532,7 @@
         </p:nvSpPr>
         <p:spPr>
           <a:xfrm>
-            <a:off x="647564" y="5733256"/>
+            <a:off x="647564" y="5949280"/>
             <a:ext cx="324036" cy="288032"/>
           </a:xfrm>
           <a:prstGeom prst="ellipse">

--- a/trunk/docs/MEKON-HOBO Introductory Tutorial.pptx
+++ b/trunk/docs/MEKON-HOBO Introductory Tutorial.pptx
@@ -34,7 +34,8 @@
     <p:sldId id="292" r:id="rId28"/>
     <p:sldId id="295" r:id="rId29"/>
     <p:sldId id="293" r:id="rId30"/>
-    <p:sldId id="296" r:id="rId31"/>
+    <p:sldId id="297" r:id="rId31"/>
+    <p:sldId id="299" r:id="rId32"/>
   </p:sldIdLst>
   <p:sldSz cx="9144000" cy="6858000" type="screen4x3"/>
   <p:notesSz cx="6858000" cy="9144000"/>
@@ -3271,8 +3272,8 @@
         </p:nvSpPr>
         <p:spPr>
           <a:xfrm>
-            <a:off x="4860032" y="2312876"/>
-            <a:ext cx="3744416" cy="1107996"/>
+            <a:off x="4499992" y="1808820"/>
+            <a:ext cx="3744416" cy="1354217"/>
           </a:xfrm>
           <a:prstGeom prst="rect">
             <a:avLst/>
@@ -3316,8 +3317,17 @@
             </a:r>
             <a:r>
               <a:rPr lang="en-GB" sz="1600" dirty="0" smtClean="0"/>
-              <a:t>with basic MEKON version of demo model</a:t>
-            </a:r>
+              <a:t>with basic MEKON version of demo </a:t>
+            </a:r>
+            <a:r>
+              <a:rPr lang="en-GB" sz="1600" dirty="0" smtClean="0"/>
+              <a:t>model </a:t>
+            </a:r>
+            <a:r>
+              <a:rPr lang="en-GB" sz="1600" i="1" dirty="0" smtClean="0"/>
+              <a:t>[see appendix at end of tutorial for details]</a:t>
+            </a:r>
+            <a:endParaRPr lang="en-GB" sz="1600" i="1" dirty="0" smtClean="0"/>
           </a:p>
           <a:p>
             <a:pPr marL="457200" indent="-457200">
@@ -3425,7 +3435,7 @@
         </p:nvSpPr>
         <p:spPr>
           <a:xfrm>
-            <a:off x="4860032" y="3429000"/>
+            <a:off x="4499992" y="2924944"/>
             <a:ext cx="3744416" cy="2092881"/>
           </a:xfrm>
           <a:prstGeom prst="rect">
@@ -6925,7 +6935,7 @@
           <a:p>
             <a:pPr lvl="2"/>
             <a:r>
-              <a:rPr lang="en-GB" b="1" i="1" dirty="0" smtClean="0"/>
+              <a:rPr lang="en-GB" b="1" dirty="0" smtClean="0"/>
               <a:t>M</a:t>
             </a:r>
             <a:r>
@@ -6933,7 +6943,7 @@
               <a:t>odels </a:t>
             </a:r>
             <a:r>
-              <a:rPr lang="en-GB" b="1" i="1" dirty="0" smtClean="0"/>
+              <a:rPr lang="en-GB" b="1" dirty="0" smtClean="0"/>
               <a:t>E</a:t>
             </a:r>
             <a:r>
@@ -6941,7 +6951,7 @@
               <a:t>mbodying </a:t>
             </a:r>
             <a:r>
-              <a:rPr lang="en-GB" b="1" i="1" dirty="0" smtClean="0"/>
+              <a:rPr lang="en-GB" b="1" dirty="0" smtClean="0"/>
               <a:t>K</a:t>
             </a:r>
             <a:r>
@@ -6949,7 +6959,7 @@
               <a:t>nowledge from </a:t>
             </a:r>
             <a:r>
-              <a:rPr lang="en-GB" b="1" i="1" dirty="0" err="1" smtClean="0"/>
+              <a:rPr lang="en-GB" b="1" dirty="0" err="1" smtClean="0"/>
               <a:t>ON</a:t>
             </a:r>
             <a:r>
@@ -6969,7 +6979,7 @@
           <a:p>
             <a:pPr lvl="2"/>
             <a:r>
-              <a:rPr lang="en-GB" b="1" i="1" dirty="0" smtClean="0"/>
+              <a:rPr lang="en-GB" b="1" dirty="0" smtClean="0"/>
               <a:t>H</a:t>
             </a:r>
             <a:r>
@@ -6977,7 +6987,7 @@
               <a:t>ybrid models integrating </a:t>
             </a:r>
             <a:r>
-              <a:rPr lang="en-GB" b="1" i="1" dirty="0" err="1" smtClean="0"/>
+              <a:rPr lang="en-GB" b="1" dirty="0" err="1" smtClean="0"/>
               <a:t>OB</a:t>
             </a:r>
             <a:r>
@@ -6989,7 +6999,7 @@
               <a:t> and </a:t>
             </a:r>
             <a:r>
-              <a:rPr lang="en-GB" b="1" i="1" dirty="0" err="1" smtClean="0"/>
+              <a:rPr lang="en-GB" b="1" dirty="0" err="1" smtClean="0"/>
               <a:t>O</a:t>
             </a:r>
             <a:r>
@@ -9515,8 +9525,8 @@
         </p:nvSpPr>
         <p:spPr>
           <a:xfrm>
-            <a:off x="1655676" y="2132856"/>
-            <a:ext cx="5868652" cy="2234679"/>
+            <a:off x="1223628" y="2132856"/>
+            <a:ext cx="6768752" cy="2234679"/>
           </a:xfrm>
         </p:spPr>
         <p:txBody>
@@ -9527,7 +9537,29 @@
           <a:p>
             <a:r>
               <a:rPr lang="en-GB" b="1" dirty="0" smtClean="0"/>
-              <a:t>Appendix: Loading Demo Model Versions into </a:t>
+              <a:t>Appendix:</a:t>
+            </a:r>
+            <a:br>
+              <a:rPr lang="en-GB" b="1" dirty="0" smtClean="0"/>
+            </a:br>
+            <a:r>
+              <a:rPr lang="en-GB" b="1" dirty="0" smtClean="0"/>
+              <a:t>Loading </a:t>
+            </a:r>
+            <a:r>
+              <a:rPr lang="en-GB" b="1" dirty="0" smtClean="0"/>
+              <a:t>Demo </a:t>
+            </a:r>
+            <a:r>
+              <a:rPr lang="en-GB" b="1" dirty="0" smtClean="0"/>
+              <a:t>Model</a:t>
+            </a:r>
+            <a:br>
+              <a:rPr lang="en-GB" b="1" dirty="0" smtClean="0"/>
+            </a:br>
+            <a:r>
+              <a:rPr lang="en-GB" b="1" dirty="0" smtClean="0"/>
+              <a:t>into </a:t>
             </a:r>
             <a:r>
               <a:rPr lang="en-GB" b="1" i="1" dirty="0" smtClean="0"/>
@@ -9716,39 +9748,432 @@
             <a:spLocks noGrp="1"/>
           </p:cNvSpPr>
           <p:nvPr>
-            <p:ph type="ctrTitle"/>
+            <p:ph type="title"/>
           </p:nvPr>
         </p:nvSpPr>
         <p:spPr>
           <a:xfrm>
-            <a:off x="1259632" y="2240868"/>
-            <a:ext cx="6586500" cy="2016224"/>
+            <a:off x="0" y="152636"/>
+            <a:ext cx="9144000" cy="1143000"/>
           </a:xfrm>
         </p:spPr>
         <p:txBody>
           <a:bodyPr>
-            <a:noAutofit/>
+            <a:normAutofit/>
           </a:bodyPr>
           <a:lstStyle/>
           <a:p>
-            <a:pPr lvl="2" algn="ctr" rtl="0">
-              <a:spcBef>
-                <a:spcPct val="0"/>
-              </a:spcBef>
+            <a:r>
+              <a:rPr lang="en-GB" b="1" dirty="0" smtClean="0"/>
+              <a:t>Using Provided Build Facilities</a:t>
+            </a:r>
+            <a:endParaRPr lang="en-GB" b="1" dirty="0"/>
+          </a:p>
+        </p:txBody>
+      </p:sp>
+      <p:sp>
+        <p:nvSpPr>
+          <p:cNvPr id="3" name="Content Placeholder 2"/>
+          <p:cNvSpPr>
+            <a:spLocks noGrp="1"/>
+          </p:cNvSpPr>
+          <p:nvPr>
+            <p:ph idx="1"/>
+          </p:nvPr>
+        </p:nvSpPr>
+        <p:spPr>
+          <a:xfrm>
+            <a:off x="467544" y="1484784"/>
+            <a:ext cx="8229600" cy="5004556"/>
+          </a:xfrm>
+        </p:spPr>
+        <p:txBody>
+          <a:bodyPr>
+            <a:normAutofit fontScale="92500" lnSpcReduction="10000"/>
+          </a:bodyPr>
+          <a:lstStyle/>
+          <a:p>
+            <a:pPr marL="514350" indent="-514350">
+              <a:buFont typeface="+mj-lt"/>
+              <a:buAutoNum type="arabicPeriod"/>
             </a:pPr>
             <a:r>
-              <a:rPr lang="en-GB" sz="4400" dirty="0" smtClean="0">
-                <a:solidFill>
-                  <a:srgbClr val="FF0000"/>
-                </a:solidFill>
-                <a:latin typeface="+mj-lt"/>
-              </a:rPr>
-              <a:t>[TO BE ADDED]</a:t>
-            </a:r>
-            <a:endParaRPr lang="en-GB" sz="4400" dirty="0">
-              <a:solidFill>
-                <a:srgbClr val="FF0000"/>
-              </a:solidFill>
+              <a:rPr lang="en-GB" dirty="0" smtClean="0"/>
+              <a:t>Ensure that all relevant code/resources are checked out from </a:t>
+            </a:r>
+            <a:r>
+              <a:rPr lang="en-GB" dirty="0" err="1" smtClean="0"/>
+              <a:t>Mekon</a:t>
+            </a:r>
+            <a:r>
+              <a:rPr lang="en-GB" dirty="0" smtClean="0"/>
+              <a:t> project </a:t>
+            </a:r>
+            <a:r>
+              <a:rPr lang="en-GB" dirty="0" smtClean="0"/>
+              <a:t>SVN</a:t>
+            </a:r>
+          </a:p>
+          <a:p>
+            <a:pPr marL="514350" indent="-514350">
+              <a:buFont typeface="+mj-lt"/>
+              <a:buAutoNum type="arabicPeriod"/>
+            </a:pPr>
+            <a:r>
+              <a:rPr lang="en-GB" dirty="0" smtClean="0"/>
+              <a:t>Invoke </a:t>
+            </a:r>
+            <a:r>
+              <a:rPr lang="en-GB" dirty="0" smtClean="0"/>
+              <a:t>ANT build </a:t>
+            </a:r>
+            <a:r>
+              <a:rPr lang="en-GB" dirty="0" smtClean="0"/>
+              <a:t>script:</a:t>
+            </a:r>
+          </a:p>
+          <a:p>
+            <a:pPr marL="914400" lvl="1" indent="-514350">
+              <a:buFont typeface="+mj-lt"/>
+              <a:buAutoNum type="alphaLcParenR"/>
+            </a:pPr>
+            <a:r>
+              <a:rPr lang="en-GB" dirty="0" smtClean="0"/>
+              <a:t>Ensure that ANT is installed on your machine</a:t>
+            </a:r>
+          </a:p>
+          <a:p>
+            <a:pPr marL="914400" lvl="1" indent="-514350">
+              <a:buFont typeface="+mj-lt"/>
+              <a:buAutoNum type="alphaLcParenR"/>
+            </a:pPr>
+            <a:r>
+              <a:rPr lang="en-GB" dirty="0" smtClean="0"/>
+              <a:t>Go to top-level </a:t>
+            </a:r>
+            <a:r>
+              <a:rPr lang="en-GB" dirty="0" smtClean="0"/>
+              <a:t>folder </a:t>
+            </a:r>
+            <a:r>
+              <a:rPr lang="en-GB" dirty="0" smtClean="0"/>
+              <a:t>of check-out</a:t>
+            </a:r>
+          </a:p>
+          <a:p>
+            <a:pPr marL="914400" lvl="1" indent="-514350">
+              <a:buFont typeface="+mj-lt"/>
+              <a:buAutoNum type="alphaLcParenR"/>
+            </a:pPr>
+            <a:r>
+              <a:rPr lang="en-GB" dirty="0" smtClean="0"/>
+              <a:t>Type: </a:t>
+            </a:r>
+            <a:r>
+              <a:rPr lang="en-GB" i="1" dirty="0" smtClean="0"/>
+              <a:t>“ant hobo-demo”</a:t>
+            </a:r>
+            <a:endParaRPr lang="en-GB" dirty="0" smtClean="0"/>
+          </a:p>
+          <a:p>
+            <a:pPr marL="514350" indent="-514350">
+              <a:buFont typeface="+mj-lt"/>
+              <a:buAutoNum type="arabicPeriod"/>
+            </a:pPr>
+            <a:r>
+              <a:rPr lang="en-GB" dirty="0" smtClean="0"/>
+              <a:t>Run </a:t>
+            </a:r>
+            <a:r>
+              <a:rPr lang="en-GB" i="1" dirty="0" smtClean="0"/>
+              <a:t>MEKON/HOBO Model Explorer</a:t>
+            </a:r>
+            <a:r>
+              <a:rPr lang="en-GB" dirty="0" smtClean="0"/>
+              <a:t>:</a:t>
+            </a:r>
+          </a:p>
+          <a:p>
+            <a:pPr marL="914400" lvl="1" indent="-514350">
+              <a:buFont typeface="+mj-lt"/>
+              <a:buAutoNum type="alphaLcParenR"/>
+            </a:pPr>
+            <a:r>
+              <a:rPr lang="en-GB" dirty="0" smtClean="0"/>
+              <a:t>Go to “build” directory, created by build script:</a:t>
+            </a:r>
+            <a:endParaRPr lang="en-GB" dirty="0" smtClean="0"/>
+          </a:p>
+          <a:p>
+            <a:pPr marL="914400" lvl="1" indent="-514350">
+              <a:buFont typeface="+mj-lt"/>
+              <a:buAutoNum type="alphaLcParenR"/>
+            </a:pPr>
+            <a:r>
+              <a:rPr lang="en-GB" dirty="0" smtClean="0"/>
+              <a:t>Invoke required script(s):</a:t>
+            </a:r>
+          </a:p>
+          <a:p>
+            <a:pPr lvl="2"/>
+            <a:r>
+              <a:rPr lang="en-GB" i="1" dirty="0" smtClean="0"/>
+              <a:t>mekon-demo.bat/</a:t>
+            </a:r>
+            <a:r>
+              <a:rPr lang="en-GB" i="1" dirty="0" err="1" smtClean="0"/>
+              <a:t>sh</a:t>
+            </a:r>
+            <a:endParaRPr lang="en-GB" i="1" dirty="0" smtClean="0"/>
+          </a:p>
+          <a:p>
+            <a:pPr lvl="2"/>
+            <a:r>
+              <a:rPr lang="en-GB" i="1" dirty="0" smtClean="0"/>
+              <a:t>hobo-demo.bat/</a:t>
+            </a:r>
+            <a:r>
+              <a:rPr lang="en-GB" i="1" dirty="0" err="1" smtClean="0"/>
+              <a:t>sh</a:t>
+            </a:r>
+            <a:endParaRPr lang="en-GB" i="1" dirty="0" smtClean="0"/>
+          </a:p>
+        </p:txBody>
+      </p:sp>
+    </p:spTree>
+  </p:cSld>
+  <p:clrMapOvr>
+    <a:masterClrMapping/>
+  </p:clrMapOvr>
+  <p:timing>
+    <p:tnLst>
+      <p:par>
+        <p:cTn id="1" dur="indefinite" restart="never" nodeType="tmRoot"/>
+      </p:par>
+    </p:tnLst>
+  </p:timing>
+</p:sld>
+</file>
+
+<file path=ppt/slides/slide31.xml><?xml version="1.0" encoding="utf-8"?>
+<p:sld xmlns:a="http://schemas.openxmlformats.org/drawingml/2006/main" xmlns:r="http://schemas.openxmlformats.org/officeDocument/2006/relationships" xmlns:p="http://schemas.openxmlformats.org/presentationml/2006/main">
+  <p:cSld>
+    <p:spTree>
+      <p:nvGrpSpPr>
+        <p:cNvPr id="1" name=""/>
+        <p:cNvGrpSpPr/>
+        <p:nvPr/>
+      </p:nvGrpSpPr>
+      <p:grpSpPr>
+        <a:xfrm>
+          <a:off x="0" y="0"/>
+          <a:ext cx="0" cy="0"/>
+          <a:chOff x="0" y="0"/>
+          <a:chExt cx="0" cy="0"/>
+        </a:xfrm>
+      </p:grpSpPr>
+      <p:sp>
+        <p:nvSpPr>
+          <p:cNvPr id="2" name="Title 1"/>
+          <p:cNvSpPr>
+            <a:spLocks noGrp="1"/>
+          </p:cNvSpPr>
+          <p:nvPr>
+            <p:ph type="title"/>
+          </p:nvPr>
+        </p:nvSpPr>
+        <p:spPr>
+          <a:xfrm>
+            <a:off x="0" y="152636"/>
+            <a:ext cx="9144000" cy="1143000"/>
+          </a:xfrm>
+        </p:spPr>
+        <p:txBody>
+          <a:bodyPr>
+            <a:normAutofit/>
+          </a:bodyPr>
+          <a:lstStyle/>
+          <a:p>
+            <a:r>
+              <a:rPr lang="en-GB" b="1" dirty="0" smtClean="0"/>
+              <a:t>Using Your Own Build Facilities</a:t>
+            </a:r>
+            <a:endParaRPr lang="en-GB" b="1" dirty="0"/>
+          </a:p>
+        </p:txBody>
+      </p:sp>
+      <p:sp>
+        <p:nvSpPr>
+          <p:cNvPr id="3" name="Content Placeholder 2"/>
+          <p:cNvSpPr>
+            <a:spLocks noGrp="1"/>
+          </p:cNvSpPr>
+          <p:nvPr>
+            <p:ph idx="1"/>
+          </p:nvPr>
+        </p:nvSpPr>
+        <p:spPr>
+          <a:xfrm>
+            <a:off x="467544" y="1484784"/>
+            <a:ext cx="8229600" cy="5004556"/>
+          </a:xfrm>
+        </p:spPr>
+        <p:txBody>
+          <a:bodyPr>
+            <a:normAutofit fontScale="92500" lnSpcReduction="10000"/>
+          </a:bodyPr>
+          <a:lstStyle/>
+          <a:p>
+            <a:pPr marL="514350" indent="-514350">
+              <a:buFont typeface="+mj-lt"/>
+              <a:buAutoNum type="arabicPeriod"/>
+            </a:pPr>
+            <a:r>
+              <a:rPr lang="en-GB" dirty="0" smtClean="0"/>
+              <a:t>Ensure that:</a:t>
+            </a:r>
+          </a:p>
+          <a:p>
+            <a:pPr marL="914400" lvl="1" indent="-514350">
+              <a:buFont typeface="+mj-lt"/>
+              <a:buAutoNum type="alphaLcParenR"/>
+            </a:pPr>
+            <a:r>
+              <a:rPr lang="en-GB" dirty="0" smtClean="0"/>
+              <a:t>A</a:t>
+            </a:r>
+            <a:r>
+              <a:rPr lang="en-GB" dirty="0" smtClean="0"/>
+              <a:t>ll relevant code/resources are checked out from </a:t>
+            </a:r>
+            <a:r>
+              <a:rPr lang="en-GB" dirty="0" err="1" smtClean="0"/>
+              <a:t>Mekon</a:t>
+            </a:r>
+            <a:r>
+              <a:rPr lang="en-GB" dirty="0" smtClean="0"/>
+              <a:t> project </a:t>
+            </a:r>
+            <a:r>
+              <a:rPr lang="en-GB" dirty="0" smtClean="0"/>
+              <a:t>SVN</a:t>
+            </a:r>
+          </a:p>
+          <a:p>
+            <a:pPr marL="914400" lvl="1" indent="-514350">
+              <a:buFont typeface="+mj-lt"/>
+              <a:buAutoNum type="alphaLcParenR"/>
+            </a:pPr>
+            <a:r>
+              <a:rPr lang="en-GB" dirty="0" smtClean="0"/>
+              <a:t>All code from ALL sub-projects </a:t>
+            </a:r>
+            <a:r>
+              <a:rPr lang="en-GB" dirty="0" smtClean="0"/>
+              <a:t>is </a:t>
+            </a:r>
+            <a:r>
+              <a:rPr lang="en-GB" dirty="0" smtClean="0"/>
+              <a:t>built</a:t>
+            </a:r>
+          </a:p>
+          <a:p>
+            <a:pPr marL="914400" lvl="1" indent="-514350">
+              <a:buFont typeface="+mj-lt"/>
+              <a:buAutoNum type="alphaLcParenR"/>
+            </a:pPr>
+            <a:r>
+              <a:rPr lang="en-GB" dirty="0" smtClean="0"/>
+              <a:t>All code from “demo” folder is built</a:t>
+            </a:r>
+          </a:p>
+          <a:p>
+            <a:pPr marL="914400" lvl="1" indent="-514350">
+              <a:buFont typeface="+mj-lt"/>
+              <a:buAutoNum type="alphaLcParenR"/>
+            </a:pPr>
+            <a:r>
+              <a:rPr lang="en-GB" dirty="0" smtClean="0"/>
+              <a:t>The “demo/resource” folder (or preferably a copy of it) is on your runtime class-path</a:t>
+            </a:r>
+          </a:p>
+          <a:p>
+            <a:pPr marL="514350" indent="-514350">
+              <a:buFont typeface="+mj-lt"/>
+              <a:buAutoNum type="arabicPeriod"/>
+            </a:pPr>
+            <a:r>
+              <a:rPr lang="en-GB" dirty="0" smtClean="0"/>
+              <a:t>Invoke </a:t>
+            </a:r>
+            <a:r>
+              <a:rPr lang="en-GB" dirty="0" smtClean="0">
+                <a:latin typeface="Courier New" pitchFamily="49" charset="0"/>
+                <a:cs typeface="Courier New" pitchFamily="49" charset="0"/>
+              </a:rPr>
+              <a:t>main</a:t>
+            </a:r>
+            <a:r>
+              <a:rPr lang="en-GB" dirty="0" smtClean="0"/>
+              <a:t> method on </a:t>
+            </a:r>
+            <a:r>
+              <a:rPr lang="en-GB" dirty="0" smtClean="0"/>
+              <a:t>class for relevant version(s) </a:t>
+            </a:r>
+            <a:r>
+              <a:rPr lang="en-GB" dirty="0" smtClean="0"/>
+              <a:t>of </a:t>
+            </a:r>
+            <a:r>
+              <a:rPr lang="en-GB" i="1" dirty="0" smtClean="0"/>
+              <a:t>Model Explorer</a:t>
+            </a:r>
+            <a:r>
+              <a:rPr lang="en-GB" dirty="0" smtClean="0"/>
+              <a:t>:</a:t>
+            </a:r>
+          </a:p>
+          <a:p>
+            <a:pPr marL="914400" lvl="1" indent="-514350"/>
+            <a:r>
+              <a:rPr lang="en-GB" dirty="0" smtClean="0">
+                <a:latin typeface="Courier New" pitchFamily="49" charset="0"/>
+                <a:cs typeface="Courier New" pitchFamily="49" charset="0"/>
+              </a:rPr>
+              <a:t>...</a:t>
+            </a:r>
+            <a:r>
+              <a:rPr lang="en-GB" dirty="0" err="1" smtClean="0">
+                <a:latin typeface="Courier New" pitchFamily="49" charset="0"/>
+                <a:cs typeface="Courier New" pitchFamily="49" charset="0"/>
+              </a:rPr>
+              <a:t>mekon.gui.MekonModelExplorer</a:t>
+            </a:r>
+            <a:endParaRPr lang="en-GB" dirty="0" smtClean="0">
+              <a:latin typeface="Courier New" pitchFamily="49" charset="0"/>
+              <a:cs typeface="Courier New" pitchFamily="49" charset="0"/>
+            </a:endParaRPr>
+          </a:p>
+          <a:p>
+            <a:pPr marL="914400" lvl="1" indent="-514350"/>
+            <a:r>
+              <a:rPr lang="en-GB" dirty="0" smtClean="0">
+                <a:latin typeface="Courier New" pitchFamily="49" charset="0"/>
+                <a:cs typeface="Courier New" pitchFamily="49" charset="0"/>
+              </a:rPr>
+              <a:t>...</a:t>
+            </a:r>
+            <a:r>
+              <a:rPr lang="en-GB" dirty="0" err="1" smtClean="0">
+                <a:latin typeface="Courier New" pitchFamily="49" charset="0"/>
+                <a:cs typeface="Courier New" pitchFamily="49" charset="0"/>
+              </a:rPr>
+              <a:t>hobo.gui.HoboModelExplorer</a:t>
+            </a:r>
+            <a:endParaRPr lang="en-GB" dirty="0" smtClean="0">
+              <a:latin typeface="Courier New" pitchFamily="49" charset="0"/>
+              <a:cs typeface="Courier New" pitchFamily="49" charset="0"/>
             </a:endParaRPr>
           </a:p>
         </p:txBody>
@@ -9991,7 +10416,7 @@
           <a:p>
             <a:r>
               <a:rPr lang="en-GB" dirty="0" smtClean="0"/>
-              <a:t>Guides user through use of </a:t>
+              <a:t>Guide’s user through using </a:t>
             </a:r>
             <a:r>
               <a:rPr lang="en-GB" i="1" dirty="0" smtClean="0"/>
@@ -10063,17 +10488,20 @@
             </a:r>
           </a:p>
           <a:p>
-            <a:pPr marL="514350" indent="-514350">
+            <a:pPr>
               <a:buNone/>
             </a:pPr>
             <a:r>
               <a:rPr lang="en-GB" b="1" dirty="0" smtClean="0"/>
-              <a:t>Appendix:</a:t>
+              <a:t>Appendix</a:t>
+            </a:r>
+            <a:r>
+              <a:rPr lang="en-GB" b="1" dirty="0" smtClean="0"/>
+              <a:t>:</a:t>
             </a:r>
             <a:endParaRPr lang="en-GB" dirty="0" smtClean="0"/>
           </a:p>
           <a:p>
-            <a:pPr marL="514350" indent="-514350"/>
             <a:r>
               <a:rPr lang="en-GB" dirty="0" smtClean="0"/>
               <a:t>Provides instructions on running </a:t>
@@ -10084,7 +10512,11 @@
             </a:r>
             <a:r>
               <a:rPr lang="en-GB" dirty="0" smtClean="0"/>
-              <a:t>with the model-versions</a:t>
+              <a:t>with the different </a:t>
+            </a:r>
+            <a:r>
+              <a:rPr lang="en-GB" dirty="0" smtClean="0"/>
+              <a:t>model-versions</a:t>
             </a:r>
           </a:p>
         </p:txBody>
@@ -10166,7 +10598,15 @@
             </a:pPr>
             <a:r>
               <a:rPr lang="en-GB" dirty="0" smtClean="0"/>
-              <a:t>A series of actions is described, to be performed via the </a:t>
+              <a:t>A series of actions </a:t>
+            </a:r>
+            <a:r>
+              <a:rPr lang="en-GB" dirty="0" smtClean="0"/>
+              <a:t>is described</a:t>
+            </a:r>
+            <a:r>
+              <a:rPr lang="en-GB" dirty="0" smtClean="0"/>
+              <a:t>, to be performed via the </a:t>
             </a:r>
             <a:r>
               <a:rPr lang="en-GB" i="1" dirty="0" smtClean="0"/>

--- a/trunk/docs/MEKON-HOBO Introductory Tutorial.pptx
+++ b/trunk/docs/MEKON-HOBO Introductory Tutorial.pptx
@@ -3272,8 +3272,8 @@
         </p:nvSpPr>
         <p:spPr>
           <a:xfrm>
-            <a:off x="4499992" y="1808820"/>
-            <a:ext cx="3744416" cy="1354217"/>
+            <a:off x="4572000" y="2384884"/>
+            <a:ext cx="3744416" cy="1107996"/>
           </a:xfrm>
           <a:prstGeom prst="rect">
             <a:avLst/>
@@ -3321,11 +3321,7 @@
             </a:r>
             <a:r>
               <a:rPr lang="en-GB" sz="1600" dirty="0" smtClean="0"/>
-              <a:t>model </a:t>
-            </a:r>
-            <a:r>
-              <a:rPr lang="en-GB" sz="1600" i="1" dirty="0" smtClean="0"/>
-              <a:t>[see appendix at end of tutorial for details]</a:t>
+              <a:t>model</a:t>
             </a:r>
             <a:endParaRPr lang="en-GB" sz="1600" i="1" dirty="0" smtClean="0"/>
           </a:p>
@@ -3435,7 +3431,7 @@
         </p:nvSpPr>
         <p:spPr>
           <a:xfrm>
-            <a:off x="4499992" y="2924944"/>
+            <a:off x="4572000" y="3501008"/>
             <a:ext cx="3744416" cy="2092881"/>
           </a:xfrm>
           <a:prstGeom prst="rect">
@@ -3577,6 +3573,67 @@
           <a:p>
             <a:pPr algn="ctr"/>
             <a:endParaRPr lang="en-GB" sz="1600" dirty="0"/>
+          </a:p>
+        </p:txBody>
+      </p:sp>
+      <p:sp>
+        <p:nvSpPr>
+          <p:cNvPr id="11" name="TextBox 10"/>
+          <p:cNvSpPr txBox="1"/>
+          <p:nvPr/>
+        </p:nvSpPr>
+        <p:spPr>
+          <a:xfrm>
+            <a:off x="3851920" y="1232756"/>
+            <a:ext cx="3384376" cy="615553"/>
+          </a:xfrm>
+          <a:prstGeom prst="rect">
+            <a:avLst/>
+          </a:prstGeom>
+          <a:solidFill>
+            <a:srgbClr val="FFC000"/>
+          </a:solidFill>
+          <a:ln>
+            <a:solidFill>
+              <a:schemeClr val="tx1"/>
+            </a:solidFill>
+          </a:ln>
+        </p:spPr>
+        <p:txBody>
+          <a:bodyPr wrap="square" rtlCol="0">
+            <a:spAutoFit/>
+          </a:bodyPr>
+          <a:lstStyle/>
+          <a:p>
+            <a:r>
+              <a:rPr lang="en-GB" b="1" i="1" dirty="0" smtClean="0"/>
+              <a:t>Note:</a:t>
+            </a:r>
+            <a:r>
+              <a:rPr lang="en-GB" i="1" dirty="0" smtClean="0"/>
+              <a:t> </a:t>
+            </a:r>
+            <a:r>
+              <a:rPr lang="en-GB" sz="1600" i="1" dirty="0" smtClean="0"/>
+              <a:t>S</a:t>
+            </a:r>
+            <a:r>
+              <a:rPr lang="en-GB" sz="1600" i="1" dirty="0" smtClean="0"/>
+              <a:t>ee appendix at end of </a:t>
+            </a:r>
+            <a:r>
+              <a:rPr lang="en-GB" sz="1600" i="1" dirty="0" smtClean="0"/>
+              <a:t>tutorial for </a:t>
+            </a:r>
+            <a:r>
+              <a:rPr lang="en-GB" sz="1600" i="1" dirty="0" smtClean="0"/>
+              <a:t>Model Explorer invocation </a:t>
+            </a:r>
+            <a:r>
+              <a:rPr lang="en-GB" sz="1600" i="1" dirty="0" smtClean="0"/>
+              <a:t>details</a:t>
+            </a:r>
+            <a:endParaRPr lang="en-GB" sz="1600" dirty="0" smtClean="0"/>
           </a:p>
         </p:txBody>
       </p:sp>
@@ -7854,8 +7911,8 @@
         </p:nvSpPr>
         <p:spPr>
           <a:xfrm>
-            <a:off x="3995936" y="1052736"/>
-            <a:ext cx="4716524" cy="1600438"/>
+            <a:off x="3959932" y="1340768"/>
+            <a:ext cx="4680520" cy="1600438"/>
           </a:xfrm>
           <a:prstGeom prst="rect">
             <a:avLst/>
@@ -7899,16 +7956,45 @@
             </a:r>
             <a:r>
               <a:rPr lang="en-GB" sz="1600" dirty="0" smtClean="0"/>
-              <a:t> with hybrid HOBO/MEKON version of demo model (but, for comparison, leave running previous invocation of </a:t>
+              <a:t> with hybrid HOBO/MEKON version of demo </a:t>
+            </a:r>
+            <a:r>
+              <a:rPr lang="en-GB" sz="1600" dirty="0" smtClean="0"/>
+              <a:t>model</a:t>
+            </a:r>
+            <a:r>
+              <a:rPr lang="en-GB" sz="1600" dirty="0" smtClean="0"/>
+              <a:t>, whilst </a:t>
+            </a:r>
+            <a:r>
+              <a:rPr lang="en-GB" sz="1600" dirty="0" smtClean="0"/>
+              <a:t>leaving running previous invocation of </a:t>
             </a:r>
             <a:r>
               <a:rPr lang="en-GB" sz="1600" i="1" dirty="0" smtClean="0"/>
-              <a:t>ME</a:t>
-            </a:r>
-            <a:r>
-              <a:rPr lang="en-GB" sz="1600" dirty="0" smtClean="0"/>
-              <a:t>, with basic MEKON version of model)</a:t>
-            </a:r>
+              <a:t>ME,</a:t>
+            </a:r>
+            <a:r>
+              <a:rPr lang="en-GB" sz="1600" dirty="0" smtClean="0"/>
+              <a:t> </a:t>
+            </a:r>
+            <a:r>
+              <a:rPr lang="en-GB" sz="1600" dirty="0" smtClean="0"/>
+              <a:t>with basic MEKON version of </a:t>
+            </a:r>
+            <a:r>
+              <a:rPr lang="en-GB" sz="1600" dirty="0" smtClean="0"/>
+              <a:t>model, for comparison</a:t>
+            </a:r>
+            <a:r>
+              <a:rPr lang="en-GB" sz="1600" dirty="0" smtClean="0"/>
+              <a:t> </a:t>
+            </a:r>
+            <a:r>
+              <a:rPr lang="en-GB" sz="1600" dirty="0" smtClean="0"/>
+              <a:t>purposes</a:t>
+            </a:r>
+            <a:endParaRPr lang="en-GB" sz="1600" dirty="0" smtClean="0"/>
           </a:p>
           <a:p>
             <a:pPr marL="457200" indent="-457200">
@@ -7917,7 +8003,11 @@
             </a:pPr>
             <a:r>
               <a:rPr lang="en-GB" sz="1600" dirty="0" smtClean="0"/>
-              <a:t>Open-up and explore </a:t>
+              <a:t>Open-up </a:t>
+            </a:r>
+            <a:r>
+              <a:rPr lang="en-GB" sz="1600" dirty="0" smtClean="0"/>
+              <a:t>and explore </a:t>
             </a:r>
             <a:r>
               <a:rPr lang="en-GB" sz="1600" dirty="0" err="1" smtClean="0">
@@ -8208,8 +8298,8 @@
         </p:nvSpPr>
         <p:spPr>
           <a:xfrm>
-            <a:off x="3995936" y="2636912"/>
-            <a:ext cx="4716524" cy="3570208"/>
+            <a:off x="3959932" y="2924944"/>
+            <a:ext cx="4680520" cy="3570208"/>
           </a:xfrm>
           <a:prstGeom prst="rect">
             <a:avLst/>
@@ -8347,6 +8437,67 @@
               <a:rPr lang="en-GB" sz="1600" dirty="0" smtClean="0"/>
               <a:t> with external or dual sources also appear in the basic MEKON version of the model, whereas those with only internal sources do not</a:t>
             </a:r>
+          </a:p>
+        </p:txBody>
+      </p:sp>
+      <p:sp>
+        <p:nvSpPr>
+          <p:cNvPr id="14" name="TextBox 13"/>
+          <p:cNvSpPr txBox="1"/>
+          <p:nvPr/>
+        </p:nvSpPr>
+        <p:spPr>
+          <a:xfrm>
+            <a:off x="4824028" y="368660"/>
+            <a:ext cx="3384376" cy="615553"/>
+          </a:xfrm>
+          <a:prstGeom prst="rect">
+            <a:avLst/>
+          </a:prstGeom>
+          <a:solidFill>
+            <a:srgbClr val="FFC000"/>
+          </a:solidFill>
+          <a:ln>
+            <a:solidFill>
+              <a:schemeClr val="tx1"/>
+            </a:solidFill>
+          </a:ln>
+        </p:spPr>
+        <p:txBody>
+          <a:bodyPr wrap="square" rtlCol="0">
+            <a:spAutoFit/>
+          </a:bodyPr>
+          <a:lstStyle/>
+          <a:p>
+            <a:r>
+              <a:rPr lang="en-GB" b="1" i="1" dirty="0" smtClean="0"/>
+              <a:t>Note:</a:t>
+            </a:r>
+            <a:r>
+              <a:rPr lang="en-GB" i="1" dirty="0" smtClean="0"/>
+              <a:t> </a:t>
+            </a:r>
+            <a:r>
+              <a:rPr lang="en-GB" sz="1600" i="1" dirty="0" smtClean="0"/>
+              <a:t>S</a:t>
+            </a:r>
+            <a:r>
+              <a:rPr lang="en-GB" sz="1600" i="1" dirty="0" smtClean="0"/>
+              <a:t>ee appendix at end of </a:t>
+            </a:r>
+            <a:r>
+              <a:rPr lang="en-GB" sz="1600" i="1" dirty="0" smtClean="0"/>
+              <a:t>tutorial for </a:t>
+            </a:r>
+            <a:r>
+              <a:rPr lang="en-GB" sz="1600" i="1" dirty="0" smtClean="0"/>
+              <a:t>Model Explorer invocation </a:t>
+            </a:r>
+            <a:r>
+              <a:rPr lang="en-GB" sz="1600" i="1" dirty="0" smtClean="0"/>
+              <a:t>details</a:t>
+            </a:r>
+            <a:endParaRPr lang="en-GB" sz="1600" dirty="0" smtClean="0"/>
           </a:p>
         </p:txBody>
       </p:sp>

--- a/trunk/docs/MEKON-HOBO Introductory Tutorial.pptx
+++ b/trunk/docs/MEKON-HOBO Introductory Tutorial.pptx
@@ -29,13 +29,14 @@
     <p:sldId id="288" r:id="rId23"/>
     <p:sldId id="286" r:id="rId24"/>
     <p:sldId id="287" r:id="rId25"/>
-    <p:sldId id="290" r:id="rId26"/>
-    <p:sldId id="294" r:id="rId27"/>
-    <p:sldId id="292" r:id="rId28"/>
-    <p:sldId id="295" r:id="rId29"/>
-    <p:sldId id="293" r:id="rId30"/>
-    <p:sldId id="297" r:id="rId31"/>
-    <p:sldId id="299" r:id="rId32"/>
+    <p:sldId id="300" r:id="rId26"/>
+    <p:sldId id="290" r:id="rId27"/>
+    <p:sldId id="294" r:id="rId28"/>
+    <p:sldId id="292" r:id="rId29"/>
+    <p:sldId id="295" r:id="rId30"/>
+    <p:sldId id="293" r:id="rId31"/>
+    <p:sldId id="297" r:id="rId32"/>
+    <p:sldId id="299" r:id="rId33"/>
   </p:sldIdLst>
   <p:sldSz cx="9144000" cy="6858000" type="screen4x3"/>
   <p:notesSz cx="6858000" cy="9144000"/>
@@ -3091,6 +3092,52 @@
       </p:grpSpPr>
       <p:sp>
         <p:nvSpPr>
+          <p:cNvPr id="4" name="Rectangle 3"/>
+          <p:cNvSpPr/>
+          <p:nvPr/>
+        </p:nvSpPr>
+        <p:spPr>
+          <a:xfrm>
+            <a:off x="0" y="0"/>
+            <a:ext cx="9144000" cy="6858000"/>
+          </a:xfrm>
+          <a:prstGeom prst="rect">
+            <a:avLst/>
+          </a:prstGeom>
+          <a:solidFill>
+            <a:schemeClr val="accent6">
+              <a:lumMod val="40000"/>
+              <a:lumOff val="60000"/>
+            </a:schemeClr>
+          </a:solidFill>
+        </p:spPr>
+        <p:style>
+          <a:lnRef idx="2">
+            <a:schemeClr val="accent1">
+              <a:shade val="50000"/>
+            </a:schemeClr>
+          </a:lnRef>
+          <a:fillRef idx="1">
+            <a:schemeClr val="accent1"/>
+          </a:fillRef>
+          <a:effectRef idx="0">
+            <a:schemeClr val="accent1"/>
+          </a:effectRef>
+          <a:fontRef idx="minor">
+            <a:schemeClr val="lt1"/>
+          </a:fontRef>
+        </p:style>
+        <p:txBody>
+          <a:bodyPr rtlCol="0" anchor="ctr"/>
+          <a:lstStyle/>
+          <a:p>
+            <a:pPr algn="ctr"/>
+            <a:endParaRPr lang="en-GB"/>
+          </a:p>
+        </p:txBody>
+      </p:sp>
+      <p:sp>
+        <p:nvSpPr>
           <p:cNvPr id="2" name="Title 1"/>
           <p:cNvSpPr>
             <a:spLocks noGrp="1"/>
@@ -3101,7 +3148,7 @@
         </p:nvSpPr>
         <p:spPr>
           <a:xfrm>
-            <a:off x="685800" y="1988841"/>
+            <a:off x="719572" y="2204864"/>
             <a:ext cx="7772400" cy="2088232"/>
           </a:xfrm>
         </p:spPr>
@@ -3232,6 +3279,52 @@
           <a:chExt cx="0" cy="0"/>
         </a:xfrm>
       </p:grpSpPr>
+      <p:sp>
+        <p:nvSpPr>
+          <p:cNvPr id="12" name="Rectangle 11"/>
+          <p:cNvSpPr/>
+          <p:nvPr/>
+        </p:nvSpPr>
+        <p:spPr>
+          <a:xfrm>
+            <a:off x="0" y="0"/>
+            <a:ext cx="9144000" cy="6858000"/>
+          </a:xfrm>
+          <a:prstGeom prst="rect">
+            <a:avLst/>
+          </a:prstGeom>
+          <a:solidFill>
+            <a:schemeClr val="accent6">
+              <a:lumMod val="40000"/>
+              <a:lumOff val="60000"/>
+            </a:schemeClr>
+          </a:solidFill>
+        </p:spPr>
+        <p:style>
+          <a:lnRef idx="2">
+            <a:schemeClr val="accent1">
+              <a:shade val="50000"/>
+            </a:schemeClr>
+          </a:lnRef>
+          <a:fillRef idx="1">
+            <a:schemeClr val="accent1"/>
+          </a:fillRef>
+          <a:effectRef idx="0">
+            <a:schemeClr val="accent1"/>
+          </a:effectRef>
+          <a:fontRef idx="minor">
+            <a:schemeClr val="lt1"/>
+          </a:fontRef>
+        </p:style>
+        <p:txBody>
+          <a:bodyPr rtlCol="0" anchor="ctr"/>
+          <a:lstStyle/>
+          <a:p>
+            <a:pPr algn="ctr"/>
+            <a:endParaRPr lang="en-GB"/>
+          </a:p>
+        </p:txBody>
+      </p:sp>
       <p:pic>
         <p:nvPicPr>
           <p:cNvPr id="8" name="Picture 2"/>
@@ -3345,14 +3438,14 @@
         </p:nvSpPr>
         <p:spPr>
           <a:xfrm>
-            <a:off x="467544" y="5553236"/>
+            <a:off x="467544" y="5373216"/>
             <a:ext cx="3024336" cy="756084"/>
           </a:xfrm>
           <a:prstGeom prst="rect">
             <a:avLst/>
           </a:prstGeom>
           <a:solidFill>
-            <a:schemeClr val="accent4">
+            <a:schemeClr val="accent2">
               <a:lumMod val="60000"/>
               <a:lumOff val="40000"/>
             </a:schemeClr>
@@ -3384,7 +3477,7 @@
         </p:nvSpPr>
         <p:spPr>
           <a:xfrm>
-            <a:off x="1007604" y="5949280"/>
+            <a:off x="1007604" y="5769260"/>
             <a:ext cx="2448272" cy="360040"/>
           </a:xfrm>
           <a:prstGeom prst="rect">
@@ -3536,7 +3629,7 @@
         </p:nvSpPr>
         <p:spPr>
           <a:xfrm>
-            <a:off x="647564" y="5949280"/>
+            <a:off x="647564" y="5769260"/>
             <a:ext cx="324036" cy="288032"/>
           </a:xfrm>
           <a:prstGeom prst="ellipse">
@@ -3578,14 +3671,14 @@
       </p:sp>
       <p:sp>
         <p:nvSpPr>
-          <p:cNvPr id="11" name="TextBox 10"/>
+          <p:cNvPr id="13" name="TextBox 12"/>
           <p:cNvSpPr txBox="1"/>
           <p:nvPr/>
         </p:nvSpPr>
         <p:spPr>
           <a:xfrm>
-            <a:off x="3851920" y="1232756"/>
-            <a:ext cx="3384376" cy="615553"/>
+            <a:off x="6264188" y="656692"/>
+            <a:ext cx="2520280" cy="861774"/>
           </a:xfrm>
           <a:prstGeom prst="rect">
             <a:avLst/>
@@ -3607,7 +3700,7 @@
           <a:p>
             <a:r>
               <a:rPr lang="en-GB" b="1" i="1" dirty="0" smtClean="0"/>
-              <a:t>Note:</a:t>
+              <a:t>Reminder:</a:t>
             </a:r>
             <a:r>
               <a:rPr lang="en-GB" i="1" dirty="0" smtClean="0"/>
@@ -3671,14 +3764,60 @@
       </p:grpSpPr>
       <p:sp>
         <p:nvSpPr>
+          <p:cNvPr id="3" name="Rectangle 2"/>
+          <p:cNvSpPr/>
+          <p:nvPr/>
+        </p:nvSpPr>
+        <p:spPr>
+          <a:xfrm>
+            <a:off x="0" y="0"/>
+            <a:ext cx="9144000" cy="6858000"/>
+          </a:xfrm>
+          <a:prstGeom prst="rect">
+            <a:avLst/>
+          </a:prstGeom>
+          <a:solidFill>
+            <a:schemeClr val="accent6">
+              <a:lumMod val="40000"/>
+              <a:lumOff val="60000"/>
+            </a:schemeClr>
+          </a:solidFill>
+        </p:spPr>
+        <p:style>
+          <a:lnRef idx="2">
+            <a:schemeClr val="accent1">
+              <a:shade val="50000"/>
+            </a:schemeClr>
+          </a:lnRef>
+          <a:fillRef idx="1">
+            <a:schemeClr val="accent1"/>
+          </a:fillRef>
+          <a:effectRef idx="0">
+            <a:schemeClr val="accent1"/>
+          </a:effectRef>
+          <a:fontRef idx="minor">
+            <a:schemeClr val="lt1"/>
+          </a:fontRef>
+        </p:style>
+        <p:txBody>
+          <a:bodyPr rtlCol="0" anchor="ctr"/>
+          <a:lstStyle/>
+          <a:p>
+            <a:pPr algn="ctr"/>
+            <a:endParaRPr lang="en-GB"/>
+          </a:p>
+        </p:txBody>
+      </p:sp>
+      <p:sp>
+        <p:nvSpPr>
           <p:cNvPr id="5" name="TextBox 4"/>
           <p:cNvSpPr txBox="1"/>
           <p:nvPr/>
         </p:nvSpPr>
         <p:spPr>
           <a:xfrm>
-            <a:off x="1151620" y="1052736"/>
-            <a:ext cx="6840760" cy="4585871"/>
+            <a:off x="1079612" y="1124744"/>
+            <a:ext cx="6912768" cy="4585871"/>
           </a:xfrm>
           <a:prstGeom prst="rect">
             <a:avLst/>
@@ -3880,6 +4019,52 @@
           <a:chExt cx="0" cy="0"/>
         </a:xfrm>
       </p:grpSpPr>
+      <p:sp>
+        <p:nvSpPr>
+          <p:cNvPr id="5" name="Rectangle 4"/>
+          <p:cNvSpPr/>
+          <p:nvPr/>
+        </p:nvSpPr>
+        <p:spPr>
+          <a:xfrm>
+            <a:off x="0" y="0"/>
+            <a:ext cx="9144000" cy="6858000"/>
+          </a:xfrm>
+          <a:prstGeom prst="rect">
+            <a:avLst/>
+          </a:prstGeom>
+          <a:solidFill>
+            <a:schemeClr val="accent6">
+              <a:lumMod val="40000"/>
+              <a:lumOff val="60000"/>
+            </a:schemeClr>
+          </a:solidFill>
+        </p:spPr>
+        <p:style>
+          <a:lnRef idx="2">
+            <a:schemeClr val="accent1">
+              <a:shade val="50000"/>
+            </a:schemeClr>
+          </a:lnRef>
+          <a:fillRef idx="1">
+            <a:schemeClr val="accent1"/>
+          </a:fillRef>
+          <a:effectRef idx="0">
+            <a:schemeClr val="accent1"/>
+          </a:effectRef>
+          <a:fontRef idx="minor">
+            <a:schemeClr val="lt1"/>
+          </a:fontRef>
+        </p:style>
+        <p:txBody>
+          <a:bodyPr rtlCol="0" anchor="ctr"/>
+          <a:lstStyle/>
+          <a:p>
+            <a:pPr algn="ctr"/>
+            <a:endParaRPr lang="en-GB"/>
+          </a:p>
+        </p:txBody>
+      </p:sp>
       <p:pic>
         <p:nvPicPr>
           <p:cNvPr id="3" name="Picture 2"/>
@@ -3920,7 +4105,7 @@
         </p:nvSpPr>
         <p:spPr>
           <a:xfrm>
-            <a:off x="3563888" y="2564904"/>
+            <a:off x="3851920" y="3032956"/>
             <a:ext cx="4896544" cy="1600438"/>
           </a:xfrm>
           <a:prstGeom prst="rect">
@@ -4045,7 +4230,7 @@
         </p:nvSpPr>
         <p:spPr>
           <a:xfrm>
-            <a:off x="3563888" y="4149080"/>
+            <a:off x="3851920" y="4617132"/>
             <a:ext cx="4896544" cy="1846659"/>
           </a:xfrm>
           <a:prstGeom prst="rect">
@@ -4172,6 +4357,52 @@
           <a:chExt cx="0" cy="0"/>
         </a:xfrm>
       </p:grpSpPr>
+      <p:sp>
+        <p:nvSpPr>
+          <p:cNvPr id="13" name="Rectangle 12"/>
+          <p:cNvSpPr/>
+          <p:nvPr/>
+        </p:nvSpPr>
+        <p:spPr>
+          <a:xfrm>
+            <a:off x="0" y="0"/>
+            <a:ext cx="9144000" cy="6858000"/>
+          </a:xfrm>
+          <a:prstGeom prst="rect">
+            <a:avLst/>
+          </a:prstGeom>
+          <a:solidFill>
+            <a:schemeClr val="accent6">
+              <a:lumMod val="40000"/>
+              <a:lumOff val="60000"/>
+            </a:schemeClr>
+          </a:solidFill>
+        </p:spPr>
+        <p:style>
+          <a:lnRef idx="2">
+            <a:schemeClr val="accent1">
+              <a:shade val="50000"/>
+            </a:schemeClr>
+          </a:lnRef>
+          <a:fillRef idx="1">
+            <a:schemeClr val="accent1"/>
+          </a:fillRef>
+          <a:effectRef idx="0">
+            <a:schemeClr val="accent1"/>
+          </a:effectRef>
+          <a:fontRef idx="minor">
+            <a:schemeClr val="lt1"/>
+          </a:fontRef>
+        </p:style>
+        <p:txBody>
+          <a:bodyPr rtlCol="0" anchor="ctr"/>
+          <a:lstStyle/>
+          <a:p>
+            <a:pPr algn="ctr"/>
+            <a:endParaRPr lang="en-GB"/>
+          </a:p>
+        </p:txBody>
+      </p:sp>
       <p:pic>
         <p:nvPicPr>
           <p:cNvPr id="3074" name="Picture 2"/>
@@ -4212,7 +4443,7 @@
         </p:nvSpPr>
         <p:spPr>
           <a:xfrm>
-            <a:off x="4139952" y="2924944"/>
+            <a:off x="3887924" y="3032956"/>
             <a:ext cx="4788532" cy="2092881"/>
           </a:xfrm>
           <a:prstGeom prst="rect">
@@ -4376,7 +4607,7 @@
             <a:avLst/>
           </a:prstGeom>
           <a:solidFill>
-            <a:schemeClr val="accent4">
+            <a:schemeClr val="accent2">
               <a:lumMod val="60000"/>
               <a:lumOff val="40000"/>
             </a:schemeClr>
@@ -4586,7 +4817,7 @@
         </p:nvSpPr>
         <p:spPr>
           <a:xfrm>
-            <a:off x="4139952" y="2060848"/>
+            <a:off x="3887924" y="2168860"/>
             <a:ext cx="4788532" cy="861774"/>
           </a:xfrm>
           <a:prstGeom prst="rect">
@@ -4683,6 +4914,52 @@
       </p:grpSpPr>
       <p:sp>
         <p:nvSpPr>
+          <p:cNvPr id="3" name="Rectangle 2"/>
+          <p:cNvSpPr/>
+          <p:nvPr/>
+        </p:nvSpPr>
+        <p:spPr>
+          <a:xfrm>
+            <a:off x="0" y="0"/>
+            <a:ext cx="9144000" cy="6858000"/>
+          </a:xfrm>
+          <a:prstGeom prst="rect">
+            <a:avLst/>
+          </a:prstGeom>
+          <a:solidFill>
+            <a:schemeClr val="accent6">
+              <a:lumMod val="40000"/>
+              <a:lumOff val="60000"/>
+            </a:schemeClr>
+          </a:solidFill>
+        </p:spPr>
+        <p:style>
+          <a:lnRef idx="2">
+            <a:schemeClr val="accent1">
+              <a:shade val="50000"/>
+            </a:schemeClr>
+          </a:lnRef>
+          <a:fillRef idx="1">
+            <a:schemeClr val="accent1"/>
+          </a:fillRef>
+          <a:effectRef idx="0">
+            <a:schemeClr val="accent1"/>
+          </a:effectRef>
+          <a:fontRef idx="minor">
+            <a:schemeClr val="lt1"/>
+          </a:fontRef>
+        </p:style>
+        <p:txBody>
+          <a:bodyPr rtlCol="0" anchor="ctr"/>
+          <a:lstStyle/>
+          <a:p>
+            <a:pPr algn="ctr"/>
+            <a:endParaRPr lang="en-GB"/>
+          </a:p>
+        </p:txBody>
+      </p:sp>
+      <p:sp>
+        <p:nvSpPr>
           <p:cNvPr id="6" name="TextBox 5"/>
           <p:cNvSpPr txBox="1"/>
           <p:nvPr/>
@@ -5171,6 +5448,52 @@
           <a:chExt cx="0" cy="0"/>
         </a:xfrm>
       </p:grpSpPr>
+      <p:sp>
+        <p:nvSpPr>
+          <p:cNvPr id="10" name="Rectangle 9"/>
+          <p:cNvSpPr/>
+          <p:nvPr/>
+        </p:nvSpPr>
+        <p:spPr>
+          <a:xfrm>
+            <a:off x="0" y="0"/>
+            <a:ext cx="9144000" cy="6858000"/>
+          </a:xfrm>
+          <a:prstGeom prst="rect">
+            <a:avLst/>
+          </a:prstGeom>
+          <a:solidFill>
+            <a:schemeClr val="accent6">
+              <a:lumMod val="40000"/>
+              <a:lumOff val="60000"/>
+            </a:schemeClr>
+          </a:solidFill>
+        </p:spPr>
+        <p:style>
+          <a:lnRef idx="2">
+            <a:schemeClr val="accent1">
+              <a:shade val="50000"/>
+            </a:schemeClr>
+          </a:lnRef>
+          <a:fillRef idx="1">
+            <a:schemeClr val="accent1"/>
+          </a:fillRef>
+          <a:effectRef idx="0">
+            <a:schemeClr val="accent1"/>
+          </a:effectRef>
+          <a:fontRef idx="minor">
+            <a:schemeClr val="lt1"/>
+          </a:fontRef>
+        </p:style>
+        <p:txBody>
+          <a:bodyPr rtlCol="0" anchor="ctr"/>
+          <a:lstStyle/>
+          <a:p>
+            <a:pPr algn="ctr"/>
+            <a:endParaRPr lang="en-GB"/>
+          </a:p>
+        </p:txBody>
+      </p:sp>
       <p:pic>
         <p:nvPicPr>
           <p:cNvPr id="4098" name="Picture 2"/>
@@ -5211,7 +5534,7 @@
         </p:nvSpPr>
         <p:spPr>
           <a:xfrm>
-            <a:off x="4752020" y="2780928"/>
+            <a:off x="4680012" y="3609020"/>
             <a:ext cx="4140460" cy="2585323"/>
           </a:xfrm>
           <a:prstGeom prst="rect">
@@ -5379,7 +5702,7 @@
             <a:avLst/>
           </a:prstGeom>
           <a:solidFill>
-            <a:schemeClr val="accent4">
+            <a:schemeClr val="accent2">
               <a:lumMod val="60000"/>
               <a:lumOff val="40000"/>
             </a:schemeClr>
@@ -5499,7 +5822,7 @@
         </p:nvSpPr>
         <p:spPr>
           <a:xfrm>
-            <a:off x="4752020" y="1664804"/>
+            <a:off x="4680012" y="2492896"/>
             <a:ext cx="4140460" cy="1107996"/>
           </a:xfrm>
           <a:prstGeom prst="rect">
@@ -5612,8 +5935,8 @@
         </p:nvSpPr>
         <p:spPr>
           <a:xfrm>
-            <a:off x="1907704" y="1268760"/>
-            <a:ext cx="5472608" cy="3908762"/>
+            <a:off x="1835696" y="1448780"/>
+            <a:ext cx="5436604" cy="3908762"/>
           </a:xfrm>
           <a:prstGeom prst="rect">
             <a:avLst/>
@@ -6055,6 +6378,52 @@
           <a:chExt cx="0" cy="0"/>
         </a:xfrm>
       </p:grpSpPr>
+      <p:sp>
+        <p:nvSpPr>
+          <p:cNvPr id="5" name="Rectangle 4"/>
+          <p:cNvSpPr/>
+          <p:nvPr/>
+        </p:nvSpPr>
+        <p:spPr>
+          <a:xfrm>
+            <a:off x="0" y="0"/>
+            <a:ext cx="9144000" cy="6858000"/>
+          </a:xfrm>
+          <a:prstGeom prst="rect">
+            <a:avLst/>
+          </a:prstGeom>
+          <a:solidFill>
+            <a:schemeClr val="accent6">
+              <a:lumMod val="40000"/>
+              <a:lumOff val="60000"/>
+            </a:schemeClr>
+          </a:solidFill>
+        </p:spPr>
+        <p:style>
+          <a:lnRef idx="2">
+            <a:schemeClr val="accent1">
+              <a:shade val="50000"/>
+            </a:schemeClr>
+          </a:lnRef>
+          <a:fillRef idx="1">
+            <a:schemeClr val="accent1"/>
+          </a:fillRef>
+          <a:effectRef idx="0">
+            <a:schemeClr val="accent1"/>
+          </a:effectRef>
+          <a:fontRef idx="minor">
+            <a:schemeClr val="lt1"/>
+          </a:fontRef>
+        </p:style>
+        <p:txBody>
+          <a:bodyPr rtlCol="0" anchor="ctr"/>
+          <a:lstStyle/>
+          <a:p>
+            <a:pPr algn="ctr"/>
+            <a:endParaRPr lang="en-GB"/>
+          </a:p>
+        </p:txBody>
+      </p:sp>
       <p:sp>
         <p:nvSpPr>
           <p:cNvPr id="13" name="TextBox 12"/>
@@ -6190,6 +6559,52 @@
           <a:chExt cx="0" cy="0"/>
         </a:xfrm>
       </p:grpSpPr>
+      <p:sp>
+        <p:nvSpPr>
+          <p:cNvPr id="11" name="Rectangle 10"/>
+          <p:cNvSpPr/>
+          <p:nvPr/>
+        </p:nvSpPr>
+        <p:spPr>
+          <a:xfrm>
+            <a:off x="0" y="0"/>
+            <a:ext cx="9144000" cy="6858000"/>
+          </a:xfrm>
+          <a:prstGeom prst="rect">
+            <a:avLst/>
+          </a:prstGeom>
+          <a:solidFill>
+            <a:schemeClr val="accent6">
+              <a:lumMod val="40000"/>
+              <a:lumOff val="60000"/>
+            </a:schemeClr>
+          </a:solidFill>
+        </p:spPr>
+        <p:style>
+          <a:lnRef idx="2">
+            <a:schemeClr val="accent1">
+              <a:shade val="50000"/>
+            </a:schemeClr>
+          </a:lnRef>
+          <a:fillRef idx="1">
+            <a:schemeClr val="accent1"/>
+          </a:fillRef>
+          <a:effectRef idx="0">
+            <a:schemeClr val="accent1"/>
+          </a:effectRef>
+          <a:fontRef idx="minor">
+            <a:schemeClr val="lt1"/>
+          </a:fontRef>
+        </p:style>
+        <p:txBody>
+          <a:bodyPr rtlCol="0" anchor="ctr"/>
+          <a:lstStyle/>
+          <a:p>
+            <a:pPr algn="ctr"/>
+            <a:endParaRPr lang="en-GB"/>
+          </a:p>
+        </p:txBody>
+      </p:sp>
       <p:pic>
         <p:nvPicPr>
           <p:cNvPr id="5122" name="Picture 2"/>
@@ -6230,7 +6645,7 @@
         </p:nvSpPr>
         <p:spPr>
           <a:xfrm>
-            <a:off x="4067944" y="1880828"/>
+            <a:off x="4067944" y="2060848"/>
             <a:ext cx="4536504" cy="615553"/>
           </a:xfrm>
           <a:prstGeom prst="rect">
@@ -6301,7 +6716,7 @@
         </p:nvSpPr>
         <p:spPr>
           <a:xfrm>
-            <a:off x="4067944" y="2492896"/>
+            <a:off x="4067944" y="2672916"/>
             <a:ext cx="4536504" cy="3693319"/>
           </a:xfrm>
           <a:prstGeom prst="rect">
@@ -6450,7 +6865,7 @@
             <a:avLst/>
           </a:prstGeom>
           <a:solidFill>
-            <a:schemeClr val="accent4">
+            <a:schemeClr val="accent2">
               <a:lumMod val="60000"/>
               <a:lumOff val="40000"/>
             </a:schemeClr>
@@ -6652,6 +7067,52 @@
       </p:grpSpPr>
       <p:sp>
         <p:nvSpPr>
+          <p:cNvPr id="3" name="Rectangle 2"/>
+          <p:cNvSpPr/>
+          <p:nvPr/>
+        </p:nvSpPr>
+        <p:spPr>
+          <a:xfrm>
+            <a:off x="0" y="0"/>
+            <a:ext cx="9144000" cy="6858000"/>
+          </a:xfrm>
+          <a:prstGeom prst="rect">
+            <a:avLst/>
+          </a:prstGeom>
+          <a:solidFill>
+            <a:schemeClr val="accent6">
+              <a:lumMod val="40000"/>
+              <a:lumOff val="60000"/>
+            </a:schemeClr>
+          </a:solidFill>
+        </p:spPr>
+        <p:style>
+          <a:lnRef idx="2">
+            <a:schemeClr val="accent1">
+              <a:shade val="50000"/>
+            </a:schemeClr>
+          </a:lnRef>
+          <a:fillRef idx="1">
+            <a:schemeClr val="accent1"/>
+          </a:fillRef>
+          <a:effectRef idx="0">
+            <a:schemeClr val="accent1"/>
+          </a:effectRef>
+          <a:fontRef idx="minor">
+            <a:schemeClr val="lt1"/>
+          </a:fontRef>
+        </p:style>
+        <p:txBody>
+          <a:bodyPr rtlCol="0" anchor="ctr"/>
+          <a:lstStyle/>
+          <a:p>
+            <a:pPr algn="ctr"/>
+            <a:endParaRPr lang="en-GB"/>
+          </a:p>
+        </p:txBody>
+      </p:sp>
+      <p:sp>
+        <p:nvSpPr>
           <p:cNvPr id="6" name="TextBox 5"/>
           <p:cNvSpPr txBox="1"/>
           <p:nvPr/>
@@ -6938,6 +7399,52 @@
       </p:grpSpPr>
       <p:sp>
         <p:nvSpPr>
+          <p:cNvPr id="4" name="Rectangle 3"/>
+          <p:cNvSpPr/>
+          <p:nvPr/>
+        </p:nvSpPr>
+        <p:spPr>
+          <a:xfrm>
+            <a:off x="0" y="0"/>
+            <a:ext cx="9144000" cy="6858000"/>
+          </a:xfrm>
+          <a:prstGeom prst="rect">
+            <a:avLst/>
+          </a:prstGeom>
+          <a:solidFill>
+            <a:schemeClr val="accent6">
+              <a:lumMod val="40000"/>
+              <a:lumOff val="60000"/>
+            </a:schemeClr>
+          </a:solidFill>
+        </p:spPr>
+        <p:style>
+          <a:lnRef idx="2">
+            <a:schemeClr val="accent1">
+              <a:shade val="50000"/>
+            </a:schemeClr>
+          </a:lnRef>
+          <a:fillRef idx="1">
+            <a:schemeClr val="accent1"/>
+          </a:fillRef>
+          <a:effectRef idx="0">
+            <a:schemeClr val="accent1"/>
+          </a:effectRef>
+          <a:fontRef idx="minor">
+            <a:schemeClr val="lt1"/>
+          </a:fontRef>
+        </p:style>
+        <p:txBody>
+          <a:bodyPr rtlCol="0" anchor="ctr"/>
+          <a:lstStyle/>
+          <a:p>
+            <a:pPr algn="ctr"/>
+            <a:endParaRPr lang="en-GB"/>
+          </a:p>
+        </p:txBody>
+      </p:sp>
+      <p:sp>
+        <p:nvSpPr>
           <p:cNvPr id="2" name="Title 1"/>
           <p:cNvSpPr>
             <a:spLocks noGrp="1"/>
@@ -7151,6 +7658,52 @@
           <a:chExt cx="0" cy="0"/>
         </a:xfrm>
       </p:grpSpPr>
+      <p:sp>
+        <p:nvSpPr>
+          <p:cNvPr id="5" name="Rectangle 4"/>
+          <p:cNvSpPr/>
+          <p:nvPr/>
+        </p:nvSpPr>
+        <p:spPr>
+          <a:xfrm>
+            <a:off x="0" y="0"/>
+            <a:ext cx="9144000" cy="6858000"/>
+          </a:xfrm>
+          <a:prstGeom prst="rect">
+            <a:avLst/>
+          </a:prstGeom>
+          <a:solidFill>
+            <a:schemeClr val="accent6">
+              <a:lumMod val="40000"/>
+              <a:lumOff val="60000"/>
+            </a:schemeClr>
+          </a:solidFill>
+        </p:spPr>
+        <p:style>
+          <a:lnRef idx="2">
+            <a:schemeClr val="accent1">
+              <a:shade val="50000"/>
+            </a:schemeClr>
+          </a:lnRef>
+          <a:fillRef idx="1">
+            <a:schemeClr val="accent1"/>
+          </a:fillRef>
+          <a:effectRef idx="0">
+            <a:schemeClr val="accent1"/>
+          </a:effectRef>
+          <a:fontRef idx="minor">
+            <a:schemeClr val="lt1"/>
+          </a:fontRef>
+        </p:style>
+        <p:txBody>
+          <a:bodyPr rtlCol="0" anchor="ctr"/>
+          <a:lstStyle/>
+          <a:p>
+            <a:pPr algn="ctr"/>
+            <a:endParaRPr lang="en-GB"/>
+          </a:p>
+        </p:txBody>
+      </p:sp>
       <p:pic>
         <p:nvPicPr>
           <p:cNvPr id="6146" name="Picture 2"/>
@@ -7451,6 +8004,52 @@
       </p:grpSpPr>
       <p:sp>
         <p:nvSpPr>
+          <p:cNvPr id="3" name="Rectangle 2"/>
+          <p:cNvSpPr/>
+          <p:nvPr/>
+        </p:nvSpPr>
+        <p:spPr>
+          <a:xfrm>
+            <a:off x="0" y="0"/>
+            <a:ext cx="9144000" cy="6858000"/>
+          </a:xfrm>
+          <a:prstGeom prst="rect">
+            <a:avLst/>
+          </a:prstGeom>
+          <a:solidFill>
+            <a:schemeClr val="accent6">
+              <a:lumMod val="40000"/>
+              <a:lumOff val="60000"/>
+            </a:schemeClr>
+          </a:solidFill>
+        </p:spPr>
+        <p:style>
+          <a:lnRef idx="2">
+            <a:schemeClr val="accent1">
+              <a:shade val="50000"/>
+            </a:schemeClr>
+          </a:lnRef>
+          <a:fillRef idx="1">
+            <a:schemeClr val="accent1"/>
+          </a:fillRef>
+          <a:effectRef idx="0">
+            <a:schemeClr val="accent1"/>
+          </a:effectRef>
+          <a:fontRef idx="minor">
+            <a:schemeClr val="lt1"/>
+          </a:fontRef>
+        </p:style>
+        <p:txBody>
+          <a:bodyPr rtlCol="0" anchor="ctr"/>
+          <a:lstStyle/>
+          <a:p>
+            <a:pPr algn="ctr"/>
+            <a:endParaRPr lang="en-GB"/>
+          </a:p>
+        </p:txBody>
+      </p:sp>
+      <p:sp>
+        <p:nvSpPr>
           <p:cNvPr id="2" name="Title 1"/>
           <p:cNvSpPr>
             <a:spLocks noGrp="1"/>
@@ -7461,28 +8060,39 @@
         </p:nvSpPr>
         <p:spPr>
           <a:xfrm>
-            <a:off x="685800" y="2130425"/>
-            <a:ext cx="7772400" cy="2234679"/>
+            <a:off x="685800" y="1844825"/>
+            <a:ext cx="7772400" cy="2952328"/>
           </a:xfrm>
         </p:spPr>
         <p:txBody>
           <a:bodyPr>
-            <a:normAutofit/>
+            <a:noAutofit/>
           </a:bodyPr>
           <a:lstStyle/>
           <a:p>
             <a:r>
-              <a:rPr lang="en-GB" b="1" dirty="0" smtClean="0"/>
-              <a:t>1b. Browsing Hybrid HOBO/MEKON </a:t>
+              <a:rPr lang="en-GB" sz="6000" b="1" dirty="0" smtClean="0"/>
+              <a:t>Browsing Hybrid</a:t>
             </a:r>
             <a:br>
-              <a:rPr lang="en-GB" b="1" dirty="0" smtClean="0"/>
+              <a:rPr lang="en-GB" sz="6000" b="1" dirty="0" smtClean="0"/>
             </a:br>
             <a:r>
-              <a:rPr lang="en-GB" b="1" dirty="0" smtClean="0"/>
+              <a:rPr lang="en-GB" sz="6000" b="1" dirty="0" smtClean="0"/>
+              <a:t>HOBO/MEKON </a:t>
+            </a:r>
+            <a:r>
+              <a:rPr lang="en-GB" sz="6000" b="1" dirty="0" smtClean="0"/>
+              <a:t/>
+            </a:r>
+            <a:br>
+              <a:rPr lang="en-GB" sz="6000" b="1" dirty="0" smtClean="0"/>
+            </a:br>
+            <a:r>
+              <a:rPr lang="en-GB" sz="6000" b="1" dirty="0" smtClean="0"/>
               <a:t>Version of Model</a:t>
             </a:r>
-            <a:endParaRPr lang="en-GB" b="1" dirty="0"/>
+            <a:endParaRPr lang="en-GB" sz="6000" b="1" dirty="0"/>
           </a:p>
         </p:txBody>
       </p:sp>
@@ -7520,14 +8130,60 @@
       </p:grpSpPr>
       <p:sp>
         <p:nvSpPr>
+          <p:cNvPr id="4" name="Rectangle 3"/>
+          <p:cNvSpPr/>
+          <p:nvPr/>
+        </p:nvSpPr>
+        <p:spPr>
+          <a:xfrm>
+            <a:off x="0" y="0"/>
+            <a:ext cx="9144000" cy="6858000"/>
+          </a:xfrm>
+          <a:prstGeom prst="rect">
+            <a:avLst/>
+          </a:prstGeom>
+          <a:solidFill>
+            <a:schemeClr val="accent6">
+              <a:lumMod val="40000"/>
+              <a:lumOff val="60000"/>
+            </a:schemeClr>
+          </a:solidFill>
+        </p:spPr>
+        <p:style>
+          <a:lnRef idx="2">
+            <a:schemeClr val="accent1">
+              <a:shade val="50000"/>
+            </a:schemeClr>
+          </a:lnRef>
+          <a:fillRef idx="1">
+            <a:schemeClr val="accent1"/>
+          </a:fillRef>
+          <a:effectRef idx="0">
+            <a:schemeClr val="accent1"/>
+          </a:effectRef>
+          <a:fontRef idx="minor">
+            <a:schemeClr val="lt1"/>
+          </a:fontRef>
+        </p:style>
+        <p:txBody>
+          <a:bodyPr rtlCol="0" anchor="ctr"/>
+          <a:lstStyle/>
+          <a:p>
+            <a:pPr algn="ctr"/>
+            <a:endParaRPr lang="en-GB"/>
+          </a:p>
+        </p:txBody>
+      </p:sp>
+      <p:sp>
+        <p:nvSpPr>
           <p:cNvPr id="3" name="TextBox 2"/>
           <p:cNvSpPr txBox="1"/>
           <p:nvPr/>
         </p:nvSpPr>
         <p:spPr>
           <a:xfrm>
-            <a:off x="935596" y="872716"/>
-            <a:ext cx="7308812" cy="5016758"/>
+            <a:off x="935596" y="944724"/>
+            <a:ext cx="7236804" cy="5016758"/>
           </a:xfrm>
           <a:prstGeom prst="rect">
             <a:avLst/>
@@ -7871,6 +8527,52 @@
           <a:chExt cx="0" cy="0"/>
         </a:xfrm>
       </p:grpSpPr>
+      <p:sp>
+        <p:nvSpPr>
+          <p:cNvPr id="15" name="Rectangle 14"/>
+          <p:cNvSpPr/>
+          <p:nvPr/>
+        </p:nvSpPr>
+        <p:spPr>
+          <a:xfrm>
+            <a:off x="0" y="0"/>
+            <a:ext cx="9144000" cy="6858000"/>
+          </a:xfrm>
+          <a:prstGeom prst="rect">
+            <a:avLst/>
+          </a:prstGeom>
+          <a:solidFill>
+            <a:schemeClr val="accent6">
+              <a:lumMod val="40000"/>
+              <a:lumOff val="60000"/>
+            </a:schemeClr>
+          </a:solidFill>
+        </p:spPr>
+        <p:style>
+          <a:lnRef idx="2">
+            <a:schemeClr val="accent1">
+              <a:shade val="50000"/>
+            </a:schemeClr>
+          </a:lnRef>
+          <a:fillRef idx="1">
+            <a:schemeClr val="accent1"/>
+          </a:fillRef>
+          <a:effectRef idx="0">
+            <a:schemeClr val="accent1"/>
+          </a:effectRef>
+          <a:fontRef idx="minor">
+            <a:schemeClr val="lt1"/>
+          </a:fontRef>
+        </p:style>
+        <p:txBody>
+          <a:bodyPr rtlCol="0" anchor="ctr"/>
+          <a:lstStyle/>
+          <a:p>
+            <a:pPr algn="ctr"/>
+            <a:endParaRPr lang="en-GB"/>
+          </a:p>
+        </p:txBody>
+      </p:sp>
       <p:pic>
         <p:nvPicPr>
           <p:cNvPr id="2050" name="Picture 2"/>
@@ -8031,14 +8733,14 @@
         </p:nvSpPr>
         <p:spPr>
           <a:xfrm>
-            <a:off x="395536" y="5373216"/>
+            <a:off x="395536" y="5229200"/>
             <a:ext cx="2916324" cy="1116124"/>
           </a:xfrm>
           <a:prstGeom prst="rect">
             <a:avLst/>
           </a:prstGeom>
           <a:solidFill>
-            <a:schemeClr val="accent4">
+            <a:schemeClr val="accent2">
               <a:lumMod val="60000"/>
               <a:lumOff val="40000"/>
             </a:schemeClr>
@@ -8070,7 +8772,7 @@
         </p:nvSpPr>
         <p:spPr>
           <a:xfrm>
-            <a:off x="935596" y="5733256"/>
+            <a:off x="935596" y="5589240"/>
             <a:ext cx="2376264" cy="360040"/>
           </a:xfrm>
           <a:prstGeom prst="rect">
@@ -8110,7 +8812,7 @@
         </p:nvSpPr>
         <p:spPr>
           <a:xfrm>
-            <a:off x="935596" y="6093296"/>
+            <a:off x="935596" y="5949280"/>
             <a:ext cx="2196244" cy="396044"/>
           </a:xfrm>
           <a:prstGeom prst="rect">
@@ -8150,7 +8852,7 @@
         </p:nvSpPr>
         <p:spPr>
           <a:xfrm>
-            <a:off x="503548" y="5769260"/>
+            <a:off x="503548" y="5625244"/>
             <a:ext cx="324036" cy="288032"/>
           </a:xfrm>
           <a:prstGeom prst="ellipse">
@@ -8198,7 +8900,7 @@
         </p:nvSpPr>
         <p:spPr>
           <a:xfrm>
-            <a:off x="503548" y="6129300"/>
+            <a:off x="503548" y="5985284"/>
             <a:ext cx="324036" cy="288032"/>
           </a:xfrm>
           <a:prstGeom prst="ellipse">
@@ -8246,7 +8948,7 @@
         </p:nvSpPr>
         <p:spPr>
           <a:xfrm>
-            <a:off x="575556" y="6201308"/>
+            <a:off x="575556" y="6057292"/>
             <a:ext cx="180020" cy="144016"/>
           </a:xfrm>
           <a:prstGeom prst="ellipse">
@@ -8448,8 +9150,8 @@
         </p:nvSpPr>
         <p:spPr>
           <a:xfrm>
-            <a:off x="4824028" y="368660"/>
-            <a:ext cx="3384376" cy="615553"/>
+            <a:off x="6264188" y="224644"/>
+            <a:ext cx="2520280" cy="861774"/>
           </a:xfrm>
           <a:prstGeom prst="rect">
             <a:avLst/>
@@ -8471,7 +9173,7 @@
           <a:p>
             <a:r>
               <a:rPr lang="en-GB" b="1" i="1" dirty="0" smtClean="0"/>
-              <a:t>Note:</a:t>
+              <a:t>Reminder:</a:t>
             </a:r>
             <a:r>
               <a:rPr lang="en-GB" i="1" dirty="0" smtClean="0"/>
@@ -8535,65 +9237,24 @@
       </p:grpSpPr>
       <p:sp>
         <p:nvSpPr>
-          <p:cNvPr id="4" name="TextBox 3"/>
-          <p:cNvSpPr txBox="1"/>
+          <p:cNvPr id="20" name="Rectangle 19"/>
+          <p:cNvSpPr/>
           <p:nvPr/>
         </p:nvSpPr>
         <p:spPr>
           <a:xfrm>
-            <a:off x="359532" y="4977172"/>
-            <a:ext cx="2808312" cy="1548172"/>
+            <a:off x="0" y="0"/>
+            <a:ext cx="9144000" cy="6858000"/>
           </a:xfrm>
           <a:prstGeom prst="rect">
             <a:avLst/>
           </a:prstGeom>
           <a:solidFill>
-            <a:schemeClr val="accent4">
-              <a:lumMod val="60000"/>
-              <a:lumOff val="40000"/>
+            <a:schemeClr val="accent6">
+              <a:lumMod val="40000"/>
+              <a:lumOff val="60000"/>
             </a:schemeClr>
           </a:solidFill>
-          <a:ln>
-            <a:solidFill>
-              <a:schemeClr val="tx1"/>
-            </a:solidFill>
-          </a:ln>
-        </p:spPr>
-        <p:txBody>
-          <a:bodyPr wrap="square" rtlCol="0">
-            <a:noAutofit/>
-          </a:bodyPr>
-          <a:lstStyle/>
-          <a:p>
-            <a:r>
-              <a:rPr lang="en-GB" b="1" dirty="0" smtClean="0"/>
-              <a:t>Icons Recap:</a:t>
-            </a:r>
-          </a:p>
-        </p:txBody>
-      </p:sp>
-      <p:sp>
-        <p:nvSpPr>
-          <p:cNvPr id="19" name="Isosceles Triangle 18"/>
-          <p:cNvSpPr/>
-          <p:nvPr/>
-        </p:nvSpPr>
-        <p:spPr>
-          <a:xfrm rot="5400000">
-            <a:off x="503548" y="6129300"/>
-            <a:ext cx="324036" cy="324036"/>
-          </a:xfrm>
-          <a:prstGeom prst="triangle">
-            <a:avLst/>
-          </a:prstGeom>
-          <a:solidFill>
-            <a:srgbClr val="411DD9"/>
-          </a:solidFill>
-          <a:ln w="9525">
-            <a:solidFill>
-              <a:schemeClr val="tx1"/>
-            </a:solidFill>
-          </a:ln>
         </p:spPr>
         <p:style>
           <a:lnRef idx="2">
@@ -8616,6 +9277,93 @@
           <a:lstStyle/>
           <a:p>
             <a:pPr algn="ctr"/>
+            <a:endParaRPr lang="en-GB"/>
+          </a:p>
+        </p:txBody>
+      </p:sp>
+      <p:sp>
+        <p:nvSpPr>
+          <p:cNvPr id="4" name="TextBox 3"/>
+          <p:cNvSpPr txBox="1"/>
+          <p:nvPr/>
+        </p:nvSpPr>
+        <p:spPr>
+          <a:xfrm>
+            <a:off x="359532" y="4977172"/>
+            <a:ext cx="2808312" cy="1548172"/>
+          </a:xfrm>
+          <a:prstGeom prst="rect">
+            <a:avLst/>
+          </a:prstGeom>
+          <a:solidFill>
+            <a:schemeClr val="accent2">
+              <a:lumMod val="60000"/>
+              <a:lumOff val="40000"/>
+            </a:schemeClr>
+          </a:solidFill>
+          <a:ln>
+            <a:solidFill>
+              <a:schemeClr val="tx1"/>
+            </a:solidFill>
+          </a:ln>
+        </p:spPr>
+        <p:txBody>
+          <a:bodyPr wrap="square" rtlCol="0">
+            <a:noAutofit/>
+          </a:bodyPr>
+          <a:lstStyle/>
+          <a:p>
+            <a:r>
+              <a:rPr lang="en-GB" b="1" dirty="0" smtClean="0"/>
+              <a:t>Icons Recap:</a:t>
+            </a:r>
+          </a:p>
+        </p:txBody>
+      </p:sp>
+      <p:sp>
+        <p:nvSpPr>
+          <p:cNvPr id="19" name="Isosceles Triangle 18"/>
+          <p:cNvSpPr/>
+          <p:nvPr/>
+        </p:nvSpPr>
+        <p:spPr>
+          <a:xfrm rot="5400000">
+            <a:off x="503548" y="6129300"/>
+            <a:ext cx="324036" cy="324036"/>
+          </a:xfrm>
+          <a:prstGeom prst="triangle">
+            <a:avLst/>
+          </a:prstGeom>
+          <a:solidFill>
+            <a:srgbClr val="411DD9"/>
+          </a:solidFill>
+          <a:ln w="9525">
+            <a:solidFill>
+              <a:schemeClr val="tx1"/>
+            </a:solidFill>
+          </a:ln>
+        </p:spPr>
+        <p:style>
+          <a:lnRef idx="2">
+            <a:schemeClr val="accent1">
+              <a:shade val="50000"/>
+            </a:schemeClr>
+          </a:lnRef>
+          <a:fillRef idx="1">
+            <a:schemeClr val="accent1"/>
+          </a:fillRef>
+          <a:effectRef idx="0">
+            <a:schemeClr val="accent1"/>
+          </a:effectRef>
+          <a:fontRef idx="minor">
+            <a:schemeClr val="lt1"/>
+          </a:fontRef>
+        </p:style>
+        <p:txBody>
+          <a:bodyPr rtlCol="0" anchor="ctr"/>
+          <a:lstStyle/>
+          <a:p>
+            <a:pPr algn="ctr"/>
             <a:endParaRPr lang="en-GB" sz="1600"/>
           </a:p>
         </p:txBody>
@@ -8983,7 +9731,7 @@
             <a:avLst/>
           </a:prstGeom>
           <a:solidFill>
-            <a:schemeClr val="accent4">
+            <a:schemeClr val="accent2">
               <a:lumMod val="60000"/>
               <a:lumOff val="40000"/>
             </a:schemeClr>
@@ -9231,7 +9979,7 @@
         <p:spPr>
           <a:xfrm>
             <a:off x="4932040" y="1952836"/>
-            <a:ext cx="3744416" cy="3077766"/>
+            <a:ext cx="3744416" cy="3323987"/>
           </a:xfrm>
           <a:prstGeom prst="rect">
             <a:avLst/>
@@ -9326,7 +10074,31 @@
               <a:rPr lang="en-GB" sz="1600" dirty="0" smtClean="0">
                 <a:cs typeface="Courier New" pitchFamily="49" charset="0"/>
               </a:rPr>
-              <a:t> slot, which means that the values can be derived from those of other slots (and, in the case of “assertion” instantiations, will be so - see later slides for details)</a:t>
+              <a:t> slot, which means that </a:t>
+            </a:r>
+            <a:r>
+              <a:rPr lang="en-GB" sz="1600" dirty="0" smtClean="0">
+                <a:cs typeface="Courier New" pitchFamily="49" charset="0"/>
+              </a:rPr>
+              <a:t>all values for this slot can </a:t>
+            </a:r>
+            <a:r>
+              <a:rPr lang="en-GB" sz="1600" dirty="0" smtClean="0">
+                <a:cs typeface="Courier New" pitchFamily="49" charset="0"/>
+              </a:rPr>
+              <a:t>be derived from those of other slots (</a:t>
+            </a:r>
+            <a:r>
+              <a:rPr lang="en-GB" sz="1600" dirty="0" smtClean="0">
+                <a:cs typeface="Courier New" pitchFamily="49" charset="0"/>
+              </a:rPr>
+              <a:t>and hence , </a:t>
+            </a:r>
+            <a:r>
+              <a:rPr lang="en-GB" sz="1600" dirty="0" smtClean="0">
+                <a:cs typeface="Courier New" pitchFamily="49" charset="0"/>
+              </a:rPr>
+              <a:t>in the case of “assertion” instantiations, will be so - see later slides for details)</a:t>
             </a:r>
           </a:p>
         </p:txBody>
@@ -9365,49 +10137,325 @@
       </p:grpSpPr>
       <p:sp>
         <p:nvSpPr>
-          <p:cNvPr id="2" name="Title 1"/>
-          <p:cNvSpPr>
-            <a:spLocks noGrp="1"/>
-          </p:cNvSpPr>
-          <p:nvPr>
-            <p:ph type="ctrTitle"/>
-          </p:nvPr>
-        </p:nvSpPr>
-        <p:spPr>
-          <a:xfrm>
-            <a:off x="1331640" y="2240868"/>
-            <a:ext cx="6586500" cy="2016224"/>
-          </a:xfrm>
-        </p:spPr>
-        <p:txBody>
-          <a:bodyPr>
-            <a:noAutofit/>
+          <p:cNvPr id="25" name="Rectangle 24"/>
+          <p:cNvSpPr/>
+          <p:nvPr/>
+        </p:nvSpPr>
+        <p:spPr>
+          <a:xfrm>
+            <a:off x="0" y="0"/>
+            <a:ext cx="9144000" cy="6858000"/>
+          </a:xfrm>
+          <a:prstGeom prst="rect">
+            <a:avLst/>
+          </a:prstGeom>
+          <a:solidFill>
+            <a:schemeClr val="accent6">
+              <a:lumMod val="40000"/>
+              <a:lumOff val="60000"/>
+            </a:schemeClr>
+          </a:solidFill>
+        </p:spPr>
+        <p:style>
+          <a:lnRef idx="2">
+            <a:schemeClr val="accent1">
+              <a:shade val="50000"/>
+            </a:schemeClr>
+          </a:lnRef>
+          <a:fillRef idx="1">
+            <a:schemeClr val="accent1"/>
+          </a:fillRef>
+          <a:effectRef idx="0">
+            <a:schemeClr val="accent1"/>
+          </a:effectRef>
+          <a:fontRef idx="minor">
+            <a:schemeClr val="lt1"/>
+          </a:fontRef>
+        </p:style>
+        <p:txBody>
+          <a:bodyPr rtlCol="0" anchor="ctr"/>
+          <a:lstStyle/>
+          <a:p>
+            <a:pPr algn="ctr"/>
+            <a:endParaRPr lang="en-GB"/>
+          </a:p>
+        </p:txBody>
+      </p:sp>
+      <p:pic>
+        <p:nvPicPr>
+          <p:cNvPr id="2052" name="Picture 4"/>
+          <p:cNvPicPr>
+            <a:picLocks noChangeAspect="1" noChangeArrowheads="1"/>
+          </p:cNvPicPr>
+          <p:nvPr/>
+        </p:nvPicPr>
+        <p:blipFill>
+          <a:blip r:embed="rId2" cstate="print"/>
+          <a:srcRect/>
+          <a:stretch>
+            <a:fillRect/>
+          </a:stretch>
+        </p:blipFill>
+        <p:spPr bwMode="auto">
+          <a:xfrm>
+            <a:off x="395536" y="332656"/>
+            <a:ext cx="5406390" cy="4417314"/>
+          </a:xfrm>
+          <a:prstGeom prst="rect">
+            <a:avLst/>
+          </a:prstGeom>
+          <a:noFill/>
+          <a:ln w="9525">
+            <a:noFill/>
+            <a:miter lim="800000"/>
+            <a:headEnd/>
+            <a:tailEnd/>
+          </a:ln>
+        </p:spPr>
+      </p:pic>
+      <p:sp>
+        <p:nvSpPr>
+          <p:cNvPr id="18" name="TextBox 17"/>
+          <p:cNvSpPr txBox="1"/>
+          <p:nvPr/>
+        </p:nvSpPr>
+        <p:spPr>
+          <a:xfrm>
+            <a:off x="3671900" y="1376772"/>
+            <a:ext cx="5076564" cy="861774"/>
+          </a:xfrm>
+          <a:prstGeom prst="rect">
+            <a:avLst/>
+          </a:prstGeom>
+          <a:solidFill>
+            <a:schemeClr val="tx2">
+              <a:lumMod val="40000"/>
+              <a:lumOff val="60000"/>
+            </a:schemeClr>
+          </a:solidFill>
+          <a:ln>
+            <a:solidFill>
+              <a:schemeClr val="tx1"/>
+            </a:solidFill>
+          </a:ln>
+        </p:spPr>
+        <p:txBody>
+          <a:bodyPr wrap="square" rtlCol="0">
+            <a:spAutoFit/>
           </a:bodyPr>
           <a:lstStyle/>
           <a:p>
-            <a:pPr lvl="2" algn="ctr" rtl="0">
-              <a:spcBef>
-                <a:spcPct val="0"/>
-              </a:spcBef>
+            <a:r>
+              <a:rPr lang="en-GB" b="1" dirty="0" smtClean="0"/>
+              <a:t>Actions:</a:t>
+            </a:r>
+            <a:endParaRPr lang="en-GB" dirty="0"/>
+          </a:p>
+          <a:p>
+            <a:pPr marL="457200" indent="-457200">
+              <a:buFont typeface="Arial" pitchFamily="34" charset="0"/>
+              <a:buChar char="•"/>
             </a:pPr>
             <a:r>
-              <a:rPr lang="en-GB" sz="4400" b="1" dirty="0" smtClean="0">
-                <a:latin typeface="+mj-lt"/>
-              </a:rPr>
-              <a:t>2a. Creating + Storing</a:t>
-            </a:r>
-            <a:br>
-              <a:rPr lang="en-GB" sz="4400" b="1" dirty="0" smtClean="0">
-                <a:latin typeface="+mj-lt"/>
-              </a:rPr>
-            </a:br>
-            <a:r>
-              <a:rPr lang="en-GB" sz="4400" b="1" dirty="0" smtClean="0">
-                <a:latin typeface="+mj-lt"/>
-              </a:rPr>
-              <a:t> Assertion Instantiations</a:t>
-            </a:r>
-            <a:endParaRPr lang="en-GB" sz="4400" b="1" dirty="0"/>
+              <a:rPr lang="en-GB" sz="1600" dirty="0" smtClean="0"/>
+              <a:t>Expand </a:t>
+            </a:r>
+            <a:r>
+              <a:rPr lang="en-GB" sz="1600" dirty="0" err="1" smtClean="0">
+                <a:latin typeface="Courier New" pitchFamily="49" charset="0"/>
+                <a:cs typeface="Courier New" pitchFamily="49" charset="0"/>
+              </a:rPr>
+              <a:t>CFrame</a:t>
+            </a:r>
+            <a:r>
+              <a:rPr lang="en-GB" sz="1600" dirty="0" smtClean="0"/>
+              <a:t> trees under both “Job-Type” and “Travel-Mode” </a:t>
+            </a:r>
+            <a:endParaRPr lang="en-GB" sz="1600" dirty="0" smtClean="0"/>
+          </a:p>
+        </p:txBody>
+      </p:sp>
+      <p:sp>
+        <p:nvSpPr>
+          <p:cNvPr id="20" name="TextBox 19"/>
+          <p:cNvSpPr txBox="1"/>
+          <p:nvPr/>
+        </p:nvSpPr>
+        <p:spPr>
+          <a:xfrm>
+            <a:off x="3671900" y="2240868"/>
+            <a:ext cx="5076564" cy="4308872"/>
+          </a:xfrm>
+          <a:prstGeom prst="rect">
+            <a:avLst/>
+          </a:prstGeom>
+          <a:solidFill>
+            <a:schemeClr val="accent3">
+              <a:lumMod val="60000"/>
+              <a:lumOff val="40000"/>
+            </a:schemeClr>
+          </a:solidFill>
+          <a:ln>
+            <a:solidFill>
+              <a:schemeClr val="tx1"/>
+            </a:solidFill>
+          </a:ln>
+        </p:spPr>
+        <p:txBody>
+          <a:bodyPr wrap="square" rtlCol="0">
+            <a:spAutoFit/>
+          </a:bodyPr>
+          <a:lstStyle/>
+          <a:p>
+            <a:r>
+              <a:rPr lang="en-GB" b="1" dirty="0" smtClean="0"/>
+              <a:t>Explanation:</a:t>
+            </a:r>
+          </a:p>
+          <a:p>
+            <a:pPr marL="457200" indent="-457200">
+              <a:buFont typeface="Arial" pitchFamily="34" charset="0"/>
+              <a:buChar char="•"/>
+            </a:pPr>
+            <a:r>
+              <a:rPr lang="en-GB" sz="1600" dirty="0" smtClean="0"/>
+              <a:t>Note that the contents of both trees </a:t>
+            </a:r>
+            <a:r>
+              <a:rPr lang="en-GB" sz="1600" dirty="0" smtClean="0"/>
+              <a:t>are derived mainly from external sources only, with the only exception being “Travel-Mode” itself</a:t>
+            </a:r>
+          </a:p>
+          <a:p>
+            <a:pPr marL="457200" indent="-457200">
+              <a:buFont typeface="Arial" pitchFamily="34" charset="0"/>
+              <a:buChar char="•"/>
+            </a:pPr>
+            <a:r>
+              <a:rPr lang="en-GB" sz="1600" dirty="0" smtClean="0">
+                <a:cs typeface="Courier New" pitchFamily="49" charset="0"/>
+              </a:rPr>
+              <a:t>This is indicative of what more realistic models look like – </a:t>
+            </a:r>
+            <a:r>
+              <a:rPr lang="en-GB" sz="1600" i="1" dirty="0" smtClean="0">
+                <a:cs typeface="Courier New" pitchFamily="49" charset="0"/>
+              </a:rPr>
+              <a:t>i.e. </a:t>
+            </a:r>
+            <a:r>
+              <a:rPr lang="en-GB" sz="1600" dirty="0" smtClean="0">
+                <a:cs typeface="Courier New" pitchFamily="49" charset="0"/>
+              </a:rPr>
+              <a:t>being mainly constituted by large </a:t>
+            </a:r>
+            <a:r>
+              <a:rPr lang="en-GB" sz="1600" dirty="0" smtClean="0"/>
+              <a:t>externally-derived </a:t>
+            </a:r>
+            <a:r>
+              <a:rPr lang="en-GB" sz="1600" dirty="0" smtClean="0">
+                <a:cs typeface="Courier New" pitchFamily="49" charset="0"/>
+              </a:rPr>
+              <a:t>hierarchies </a:t>
+            </a:r>
+            <a:r>
+              <a:rPr lang="en-GB" sz="1600" dirty="0" smtClean="0">
+                <a:cs typeface="Courier New" pitchFamily="49" charset="0"/>
+              </a:rPr>
+              <a:t>(much </a:t>
+            </a:r>
+            <a:r>
+              <a:rPr lang="en-GB" sz="1600" dirty="0" smtClean="0">
+                <a:cs typeface="Courier New" pitchFamily="49" charset="0"/>
+              </a:rPr>
+              <a:t>larger than in the demo model), with only a relative handful of core concepts being represented in the OM</a:t>
+            </a:r>
+          </a:p>
+          <a:p>
+            <a:pPr marL="457200" indent="-457200">
+              <a:buFont typeface="Arial" pitchFamily="34" charset="0"/>
+              <a:buChar char="•"/>
+            </a:pPr>
+            <a:r>
+              <a:rPr lang="en-GB" sz="1600" dirty="0" smtClean="0">
+                <a:cs typeface="Courier New" pitchFamily="49" charset="0"/>
+              </a:rPr>
+              <a:t>When a </a:t>
+            </a:r>
+            <a:r>
+              <a:rPr lang="en-GB" sz="1600" dirty="0" err="1" smtClean="0">
+                <a:latin typeface="Courier New" pitchFamily="49" charset="0"/>
+                <a:cs typeface="Courier New" pitchFamily="49" charset="0"/>
+              </a:rPr>
+              <a:t>CFrame</a:t>
+            </a:r>
+            <a:r>
+              <a:rPr lang="en-GB" sz="1600" dirty="0" smtClean="0">
+                <a:cs typeface="Courier New" pitchFamily="49" charset="0"/>
+              </a:rPr>
+              <a:t> with only an external source is instantiated, the nature of the corresponding OM instantiation is dependent on the presence or otherwise of internally-sourced ancestors. So, for instance, </a:t>
+            </a:r>
+            <a:r>
+              <a:rPr lang="en-GB" sz="1600" dirty="0" smtClean="0">
+                <a:cs typeface="Courier New" pitchFamily="49" charset="0"/>
+              </a:rPr>
+              <a:t>“</a:t>
+            </a:r>
+            <a:r>
+              <a:rPr lang="en-GB" sz="1600" dirty="0" smtClean="0">
+                <a:cs typeface="Courier New" pitchFamily="49" charset="0"/>
+              </a:rPr>
+              <a:t>Bus” will be represented in the OM via the </a:t>
+            </a:r>
+            <a:r>
+              <a:rPr lang="en-GB" sz="1600" dirty="0" err="1" smtClean="0">
+                <a:latin typeface="Courier New" pitchFamily="49" charset="0"/>
+                <a:cs typeface="Courier New" pitchFamily="49" charset="0"/>
+              </a:rPr>
+              <a:t>TravelMode</a:t>
+            </a:r>
+            <a:r>
+              <a:rPr lang="en-GB" sz="1600" dirty="0" smtClean="0">
+                <a:cs typeface="Courier New" pitchFamily="49" charset="0"/>
+              </a:rPr>
+              <a:t> class,</a:t>
+            </a:r>
+            <a:r>
+              <a:rPr lang="en-GB" sz="1600" dirty="0" smtClean="0">
+                <a:cs typeface="Courier New" pitchFamily="49" charset="0"/>
+              </a:rPr>
+              <a:t> whereas “Accountant</a:t>
+            </a:r>
+            <a:r>
+              <a:rPr lang="en-GB" sz="1600" dirty="0" smtClean="0">
+                <a:cs typeface="Courier New" pitchFamily="49" charset="0"/>
+              </a:rPr>
+              <a:t>”, having no internally sourced ancestors, will </a:t>
+            </a:r>
+            <a:r>
+              <a:rPr lang="en-GB" sz="1600" dirty="0" smtClean="0">
+                <a:cs typeface="Courier New" pitchFamily="49" charset="0"/>
+              </a:rPr>
+              <a:t>be represented via </a:t>
+            </a:r>
+            <a:r>
+              <a:rPr lang="en-GB" sz="1600" dirty="0" smtClean="0">
+                <a:cs typeface="Courier New" pitchFamily="49" charset="0"/>
+              </a:rPr>
+              <a:t>a default implementation of </a:t>
+            </a:r>
+            <a:r>
+              <a:rPr lang="en-GB" sz="1600" dirty="0" err="1" smtClean="0">
+                <a:latin typeface="Courier New" pitchFamily="49" charset="0"/>
+                <a:cs typeface="Courier New" pitchFamily="49" charset="0"/>
+              </a:rPr>
+              <a:t>DObject</a:t>
+            </a:r>
+            <a:endParaRPr lang="en-GB" sz="1600" dirty="0" smtClean="0">
+              <a:latin typeface="Courier New" pitchFamily="49" charset="0"/>
+              <a:cs typeface="Courier New" pitchFamily="49" charset="0"/>
+            </a:endParaRPr>
           </a:p>
         </p:txBody>
       </p:sp>
@@ -9445,6 +10493,52 @@
       </p:grpSpPr>
       <p:sp>
         <p:nvSpPr>
+          <p:cNvPr id="3" name="Rectangle 2"/>
+          <p:cNvSpPr/>
+          <p:nvPr/>
+        </p:nvSpPr>
+        <p:spPr>
+          <a:xfrm>
+            <a:off x="0" y="0"/>
+            <a:ext cx="9144000" cy="6858000"/>
+          </a:xfrm>
+          <a:prstGeom prst="rect">
+            <a:avLst/>
+          </a:prstGeom>
+          <a:solidFill>
+            <a:schemeClr val="accent6">
+              <a:lumMod val="40000"/>
+              <a:lumOff val="60000"/>
+            </a:schemeClr>
+          </a:solidFill>
+        </p:spPr>
+        <p:style>
+          <a:lnRef idx="2">
+            <a:schemeClr val="accent1">
+              <a:shade val="50000"/>
+            </a:schemeClr>
+          </a:lnRef>
+          <a:fillRef idx="1">
+            <a:schemeClr val="accent1"/>
+          </a:fillRef>
+          <a:effectRef idx="0">
+            <a:schemeClr val="accent1"/>
+          </a:effectRef>
+          <a:fontRef idx="minor">
+            <a:schemeClr val="lt1"/>
+          </a:fontRef>
+        </p:style>
+        <p:txBody>
+          <a:bodyPr rtlCol="0" anchor="ctr"/>
+          <a:lstStyle/>
+          <a:p>
+            <a:pPr algn="ctr"/>
+            <a:endParaRPr lang="en-GB"/>
+          </a:p>
+        </p:txBody>
+      </p:sp>
+      <p:sp>
+        <p:nvSpPr>
           <p:cNvPr id="2" name="Title 1"/>
           <p:cNvSpPr>
             <a:spLocks noGrp="1"/>
@@ -9455,8 +10549,8 @@
         </p:nvSpPr>
         <p:spPr>
           <a:xfrm>
-            <a:off x="1259632" y="2240868"/>
-            <a:ext cx="6586500" cy="2016224"/>
+            <a:off x="539552" y="1880828"/>
+            <a:ext cx="8064896" cy="2988332"/>
           </a:xfrm>
         </p:spPr>
         <p:txBody>
@@ -9471,19 +10565,35 @@
               </a:spcBef>
             </a:pPr>
             <a:r>
-              <a:rPr lang="en-GB" sz="4400" dirty="0" smtClean="0">
-                <a:solidFill>
-                  <a:srgbClr val="FF0000"/>
-                </a:solidFill>
+              <a:rPr lang="en-GB" sz="6000" b="1" dirty="0" smtClean="0">
                 <a:latin typeface="+mj-lt"/>
               </a:rPr>
-              <a:t>[TO BE ADDED]</a:t>
-            </a:r>
-            <a:endParaRPr lang="en-GB" sz="4400" dirty="0">
-              <a:solidFill>
-                <a:srgbClr val="FF0000"/>
-              </a:solidFill>
-            </a:endParaRPr>
+              <a:t>Creating </a:t>
+            </a:r>
+            <a:r>
+              <a:rPr lang="en-GB" sz="6000" b="1" dirty="0" smtClean="0">
+                <a:latin typeface="+mj-lt"/>
+              </a:rPr>
+              <a:t>+ Storing</a:t>
+            </a:r>
+            <a:br>
+              <a:rPr lang="en-GB" sz="6000" b="1" dirty="0" smtClean="0">
+                <a:latin typeface="+mj-lt"/>
+              </a:rPr>
+            </a:br>
+            <a:r>
+              <a:rPr lang="en-GB" sz="6000" b="1" dirty="0" smtClean="0">
+                <a:latin typeface="+mj-lt"/>
+              </a:rPr>
+              <a:t> </a:t>
+            </a:r>
+            <a:r>
+              <a:rPr lang="en-GB" sz="6000" b="1" dirty="0" smtClean="0">
+                <a:latin typeface="+mj-lt"/>
+              </a:rPr>
+              <a:t>Assertion Instantiations</a:t>
+            </a:r>
+            <a:endParaRPr lang="en-GB" sz="6000" b="1" dirty="0"/>
           </a:p>
         </p:txBody>
       </p:sp>
@@ -9531,28 +10641,35 @@
         </p:nvSpPr>
         <p:spPr>
           <a:xfrm>
-            <a:off x="647564" y="2132856"/>
-            <a:ext cx="7772400" cy="2234679"/>
+            <a:off x="1259632" y="2240868"/>
+            <a:ext cx="6586500" cy="2016224"/>
           </a:xfrm>
         </p:spPr>
         <p:txBody>
           <a:bodyPr>
-            <a:normAutofit/>
+            <a:noAutofit/>
           </a:bodyPr>
           <a:lstStyle/>
           <a:p>
-            <a:r>
-              <a:rPr lang="en-GB" b="1" dirty="0" smtClean="0"/>
-              <a:t>2b. Creating + Executing</a:t>
-            </a:r>
-            <a:br>
-              <a:rPr lang="en-GB" b="1" dirty="0" smtClean="0"/>
-            </a:br>
-            <a:r>
-              <a:rPr lang="en-GB" b="1" dirty="0" smtClean="0"/>
-              <a:t> Query Instantiations</a:t>
-            </a:r>
-            <a:endParaRPr lang="en-GB" b="1" dirty="0"/>
+            <a:pPr lvl="2" algn="ctr" rtl="0">
+              <a:spcBef>
+                <a:spcPct val="0"/>
+              </a:spcBef>
+            </a:pPr>
+            <a:r>
+              <a:rPr lang="en-GB" sz="4400" dirty="0" smtClean="0">
+                <a:solidFill>
+                  <a:srgbClr val="FF0000"/>
+                </a:solidFill>
+                <a:latin typeface="+mj-lt"/>
+              </a:rPr>
+              <a:t>[TO BE ADDED]</a:t>
+            </a:r>
+            <a:endParaRPr lang="en-GB" sz="4400" dirty="0">
+              <a:solidFill>
+                <a:srgbClr val="FF0000"/>
+              </a:solidFill>
+            </a:endParaRPr>
           </a:p>
         </p:txBody>
       </p:sp>
@@ -9590,6 +10707,52 @@
       </p:grpSpPr>
       <p:sp>
         <p:nvSpPr>
+          <p:cNvPr id="3" name="Rectangle 2"/>
+          <p:cNvSpPr/>
+          <p:nvPr/>
+        </p:nvSpPr>
+        <p:spPr>
+          <a:xfrm>
+            <a:off x="0" y="0"/>
+            <a:ext cx="9144000" cy="6858000"/>
+          </a:xfrm>
+          <a:prstGeom prst="rect">
+            <a:avLst/>
+          </a:prstGeom>
+          <a:solidFill>
+            <a:schemeClr val="accent6">
+              <a:lumMod val="40000"/>
+              <a:lumOff val="60000"/>
+            </a:schemeClr>
+          </a:solidFill>
+        </p:spPr>
+        <p:style>
+          <a:lnRef idx="2">
+            <a:schemeClr val="accent1">
+              <a:shade val="50000"/>
+            </a:schemeClr>
+          </a:lnRef>
+          <a:fillRef idx="1">
+            <a:schemeClr val="accent1"/>
+          </a:fillRef>
+          <a:effectRef idx="0">
+            <a:schemeClr val="accent1"/>
+          </a:effectRef>
+          <a:fontRef idx="minor">
+            <a:schemeClr val="lt1"/>
+          </a:fontRef>
+        </p:style>
+        <p:txBody>
+          <a:bodyPr rtlCol="0" anchor="ctr"/>
+          <a:lstStyle/>
+          <a:p>
+            <a:pPr algn="ctr"/>
+            <a:endParaRPr lang="en-GB"/>
+          </a:p>
+        </p:txBody>
+      </p:sp>
+      <p:sp>
+        <p:nvSpPr>
           <p:cNvPr id="2" name="Title 1"/>
           <p:cNvSpPr>
             <a:spLocks noGrp="1"/>
@@ -9600,35 +10763,36 @@
         </p:nvSpPr>
         <p:spPr>
           <a:xfrm>
-            <a:off x="1259632" y="2240868"/>
-            <a:ext cx="6586500" cy="2016224"/>
+            <a:off x="647564" y="1736812"/>
+            <a:ext cx="7772400" cy="3132348"/>
           </a:xfrm>
         </p:spPr>
         <p:txBody>
           <a:bodyPr>
-            <a:noAutofit/>
+            <a:normAutofit/>
           </a:bodyPr>
           <a:lstStyle/>
           <a:p>
-            <a:pPr lvl="2" algn="ctr" rtl="0">
-              <a:spcBef>
-                <a:spcPct val="0"/>
-              </a:spcBef>
-            </a:pPr>
-            <a:r>
-              <a:rPr lang="en-GB" sz="4400" dirty="0" smtClean="0">
-                <a:solidFill>
-                  <a:srgbClr val="FF0000"/>
-                </a:solidFill>
-                <a:latin typeface="+mj-lt"/>
-              </a:rPr>
-              <a:t>[TO BE ADDED]</a:t>
-            </a:r>
-            <a:endParaRPr lang="en-GB" sz="4400" dirty="0">
-              <a:solidFill>
-                <a:srgbClr val="FF0000"/>
-              </a:solidFill>
-            </a:endParaRPr>
+            <a:r>
+              <a:rPr lang="en-GB" sz="6000" b="1" dirty="0" smtClean="0"/>
+              <a:t>Creating + Executing</a:t>
+            </a:r>
+            <a:r>
+              <a:rPr lang="en-GB" sz="6000" b="1" dirty="0" smtClean="0"/>
+              <a:t/>
+            </a:r>
+            <a:br>
+              <a:rPr lang="en-GB" sz="6000" b="1" dirty="0" smtClean="0"/>
+            </a:br>
+            <a:r>
+              <a:rPr lang="en-GB" sz="6000" b="1" dirty="0" smtClean="0"/>
+              <a:t>Query </a:t>
+            </a:r>
+            <a:r>
+              <a:rPr lang="en-GB" sz="6000" b="1" dirty="0" smtClean="0"/>
+              <a:t>Instantiations</a:t>
+            </a:r>
+            <a:endParaRPr lang="en-GB" sz="6000" b="1" dirty="0"/>
           </a:p>
         </p:txBody>
       </p:sp>
@@ -9676,47 +10840,35 @@
         </p:nvSpPr>
         <p:spPr>
           <a:xfrm>
-            <a:off x="1223628" y="2132856"/>
-            <a:ext cx="6768752" cy="2234679"/>
+            <a:off x="1259632" y="2240868"/>
+            <a:ext cx="6586500" cy="2016224"/>
           </a:xfrm>
         </p:spPr>
         <p:txBody>
           <a:bodyPr>
-            <a:normAutofit/>
+            <a:noAutofit/>
           </a:bodyPr>
           <a:lstStyle/>
           <a:p>
-            <a:r>
-              <a:rPr lang="en-GB" b="1" dirty="0" smtClean="0"/>
-              <a:t>Appendix:</a:t>
-            </a:r>
-            <a:br>
-              <a:rPr lang="en-GB" b="1" dirty="0" smtClean="0"/>
-            </a:br>
-            <a:r>
-              <a:rPr lang="en-GB" b="1" dirty="0" smtClean="0"/>
-              <a:t>Loading </a:t>
-            </a:r>
-            <a:r>
-              <a:rPr lang="en-GB" b="1" dirty="0" smtClean="0"/>
-              <a:t>Demo </a:t>
-            </a:r>
-            <a:r>
-              <a:rPr lang="en-GB" b="1" dirty="0" smtClean="0"/>
-              <a:t>Model</a:t>
-            </a:r>
-            <a:br>
-              <a:rPr lang="en-GB" b="1" dirty="0" smtClean="0"/>
-            </a:br>
-            <a:r>
-              <a:rPr lang="en-GB" b="1" dirty="0" smtClean="0"/>
-              <a:t>into </a:t>
-            </a:r>
-            <a:r>
-              <a:rPr lang="en-GB" b="1" i="1" dirty="0" smtClean="0"/>
-              <a:t>Model Explorer </a:t>
-            </a:r>
-            <a:endParaRPr lang="en-GB" b="1" dirty="0"/>
+            <a:pPr lvl="2" algn="ctr" rtl="0">
+              <a:spcBef>
+                <a:spcPct val="0"/>
+              </a:spcBef>
+            </a:pPr>
+            <a:r>
+              <a:rPr lang="en-GB" sz="4400" dirty="0" smtClean="0">
+                <a:solidFill>
+                  <a:srgbClr val="FF0000"/>
+                </a:solidFill>
+                <a:latin typeface="+mj-lt"/>
+              </a:rPr>
+              <a:t>[TO BE ADDED]</a:t>
+            </a:r>
+            <a:endParaRPr lang="en-GB" sz="4400" dirty="0">
+              <a:solidFill>
+                <a:srgbClr val="FF0000"/>
+              </a:solidFill>
+            </a:endParaRPr>
           </a:p>
         </p:txBody>
       </p:sp>
@@ -9754,6 +10906,52 @@
       </p:grpSpPr>
       <p:sp>
         <p:nvSpPr>
+          <p:cNvPr id="4" name="Rectangle 3"/>
+          <p:cNvSpPr/>
+          <p:nvPr/>
+        </p:nvSpPr>
+        <p:spPr>
+          <a:xfrm>
+            <a:off x="0" y="0"/>
+            <a:ext cx="9144000" cy="6858000"/>
+          </a:xfrm>
+          <a:prstGeom prst="rect">
+            <a:avLst/>
+          </a:prstGeom>
+          <a:solidFill>
+            <a:schemeClr val="accent6">
+              <a:lumMod val="40000"/>
+              <a:lumOff val="60000"/>
+            </a:schemeClr>
+          </a:solidFill>
+        </p:spPr>
+        <p:style>
+          <a:lnRef idx="2">
+            <a:schemeClr val="accent1">
+              <a:shade val="50000"/>
+            </a:schemeClr>
+          </a:lnRef>
+          <a:fillRef idx="1">
+            <a:schemeClr val="accent1"/>
+          </a:fillRef>
+          <a:effectRef idx="0">
+            <a:schemeClr val="accent1"/>
+          </a:effectRef>
+          <a:fontRef idx="minor">
+            <a:schemeClr val="lt1"/>
+          </a:fontRef>
+        </p:style>
+        <p:txBody>
+          <a:bodyPr rtlCol="0" anchor="ctr"/>
+          <a:lstStyle/>
+          <a:p>
+            <a:pPr algn="ctr"/>
+            <a:endParaRPr lang="en-GB"/>
+          </a:p>
+        </p:txBody>
+      </p:sp>
+      <p:sp>
+        <p:nvSpPr>
           <p:cNvPr id="2" name="Title 1"/>
           <p:cNvSpPr>
             <a:spLocks noGrp="1"/>
@@ -9788,7 +10986,7 @@
         <p:spPr/>
         <p:txBody>
           <a:bodyPr>
-            <a:normAutofit lnSpcReduction="10000"/>
+            <a:normAutofit fontScale="92500" lnSpcReduction="10000"/>
           </a:bodyPr>
           <a:lstStyle/>
           <a:p>
@@ -9844,17 +11042,17 @@
               <a:rPr lang="en-GB" b="1" dirty="0" smtClean="0"/>
               <a:t>Note:</a:t>
             </a:r>
-            <a:r>
-              <a:rPr lang="en-GB" dirty="0" smtClean="0"/>
-              <a:t> </a:t>
-            </a:r>
+            <a:endParaRPr lang="en-GB" dirty="0" smtClean="0"/>
+          </a:p>
+          <a:p>
+            <a:pPr lvl="1"/>
             <a:r>
               <a:rPr lang="en-GB" i="1" dirty="0" smtClean="0"/>
               <a:t>Model Explorer </a:t>
             </a:r>
             <a:r>
               <a:rPr lang="en-GB" dirty="0" smtClean="0"/>
-              <a:t>is NOT a model-editing tool</a:t>
+              <a:t>does NOT support any kind of model-editing</a:t>
             </a:r>
             <a:endParaRPr lang="en-GB" dirty="0" smtClean="0"/>
           </a:p>
@@ -9894,18 +11092,64 @@
       </p:grpSpPr>
       <p:sp>
         <p:nvSpPr>
+          <p:cNvPr id="3" name="Rectangle 2"/>
+          <p:cNvSpPr/>
+          <p:nvPr/>
+        </p:nvSpPr>
+        <p:spPr>
+          <a:xfrm>
+            <a:off x="0" y="0"/>
+            <a:ext cx="9144000" cy="6858000"/>
+          </a:xfrm>
+          <a:prstGeom prst="rect">
+            <a:avLst/>
+          </a:prstGeom>
+          <a:solidFill>
+            <a:schemeClr val="accent6">
+              <a:lumMod val="40000"/>
+              <a:lumOff val="60000"/>
+            </a:schemeClr>
+          </a:solidFill>
+        </p:spPr>
+        <p:style>
+          <a:lnRef idx="2">
+            <a:schemeClr val="accent1">
+              <a:shade val="50000"/>
+            </a:schemeClr>
+          </a:lnRef>
+          <a:fillRef idx="1">
+            <a:schemeClr val="accent1"/>
+          </a:fillRef>
+          <a:effectRef idx="0">
+            <a:schemeClr val="accent1"/>
+          </a:effectRef>
+          <a:fontRef idx="minor">
+            <a:schemeClr val="lt1"/>
+          </a:fontRef>
+        </p:style>
+        <p:txBody>
+          <a:bodyPr rtlCol="0" anchor="ctr"/>
+          <a:lstStyle/>
+          <a:p>
+            <a:pPr algn="ctr"/>
+            <a:endParaRPr lang="en-GB"/>
+          </a:p>
+        </p:txBody>
+      </p:sp>
+      <p:sp>
+        <p:nvSpPr>
           <p:cNvPr id="2" name="Title 1"/>
           <p:cNvSpPr>
             <a:spLocks noGrp="1"/>
           </p:cNvSpPr>
           <p:nvPr>
-            <p:ph type="title"/>
+            <p:ph type="ctrTitle"/>
           </p:nvPr>
         </p:nvSpPr>
         <p:spPr>
           <a:xfrm>
-            <a:off x="0" y="152636"/>
-            <a:ext cx="9144000" cy="1143000"/>
+            <a:off x="1223628" y="2132856"/>
+            <a:ext cx="6768752" cy="2234679"/>
           </a:xfrm>
         </p:spPr>
         <p:txBody>
@@ -9916,178 +11160,35 @@
           <a:p>
             <a:r>
               <a:rPr lang="en-GB" b="1" dirty="0" smtClean="0"/>
-              <a:t>Using Provided Build Facilities</a:t>
+              <a:t>Appendix:</a:t>
+            </a:r>
+            <a:br>
+              <a:rPr lang="en-GB" b="1" dirty="0" smtClean="0"/>
+            </a:br>
+            <a:r>
+              <a:rPr lang="en-GB" b="1" dirty="0" smtClean="0"/>
+              <a:t>Loading </a:t>
+            </a:r>
+            <a:r>
+              <a:rPr lang="en-GB" b="1" dirty="0" smtClean="0"/>
+              <a:t>Demo </a:t>
+            </a:r>
+            <a:r>
+              <a:rPr lang="en-GB" b="1" dirty="0" smtClean="0"/>
+              <a:t>Model</a:t>
+            </a:r>
+            <a:br>
+              <a:rPr lang="en-GB" b="1" dirty="0" smtClean="0"/>
+            </a:br>
+            <a:r>
+              <a:rPr lang="en-GB" b="1" dirty="0" smtClean="0"/>
+              <a:t>into </a:t>
+            </a:r>
+            <a:r>
+              <a:rPr lang="en-GB" b="1" i="1" dirty="0" smtClean="0"/>
+              <a:t>Model Explorer </a:t>
             </a:r>
             <a:endParaRPr lang="en-GB" b="1" dirty="0"/>
-          </a:p>
-        </p:txBody>
-      </p:sp>
-      <p:sp>
-        <p:nvSpPr>
-          <p:cNvPr id="3" name="Content Placeholder 2"/>
-          <p:cNvSpPr>
-            <a:spLocks noGrp="1"/>
-          </p:cNvSpPr>
-          <p:nvPr>
-            <p:ph idx="1"/>
-          </p:nvPr>
-        </p:nvSpPr>
-        <p:spPr>
-          <a:xfrm>
-            <a:off x="467544" y="1484784"/>
-            <a:ext cx="8229600" cy="5004556"/>
-          </a:xfrm>
-        </p:spPr>
-        <p:txBody>
-          <a:bodyPr>
-            <a:normAutofit fontScale="92500" lnSpcReduction="10000"/>
-          </a:bodyPr>
-          <a:lstStyle/>
-          <a:p>
-            <a:pPr marL="514350" indent="-514350">
-              <a:buFont typeface="+mj-lt"/>
-              <a:buAutoNum type="arabicPeriod"/>
-            </a:pPr>
-            <a:r>
-              <a:rPr lang="en-GB" dirty="0" smtClean="0"/>
-              <a:t>Ensure that all relevant code/resources are checked out from </a:t>
-            </a:r>
-            <a:r>
-              <a:rPr lang="en-GB" dirty="0" err="1" smtClean="0"/>
-              <a:t>Mekon</a:t>
-            </a:r>
-            <a:r>
-              <a:rPr lang="en-GB" dirty="0" smtClean="0"/>
-              <a:t> project </a:t>
-            </a:r>
-            <a:r>
-              <a:rPr lang="en-GB" dirty="0" smtClean="0"/>
-              <a:t>SVN</a:t>
-            </a:r>
-          </a:p>
-          <a:p>
-            <a:pPr marL="514350" indent="-514350">
-              <a:buFont typeface="+mj-lt"/>
-              <a:buAutoNum type="arabicPeriod"/>
-            </a:pPr>
-            <a:r>
-              <a:rPr lang="en-GB" dirty="0" smtClean="0"/>
-              <a:t>Invoke </a:t>
-            </a:r>
-            <a:r>
-              <a:rPr lang="en-GB" dirty="0" smtClean="0"/>
-              <a:t>ANT build </a:t>
-            </a:r>
-            <a:r>
-              <a:rPr lang="en-GB" dirty="0" smtClean="0"/>
-              <a:t>script:</a:t>
-            </a:r>
-          </a:p>
-          <a:p>
-            <a:pPr marL="914400" lvl="1" indent="-514350">
-              <a:buFont typeface="+mj-lt"/>
-              <a:buAutoNum type="alphaLcParenR"/>
-            </a:pPr>
-            <a:r>
-              <a:rPr lang="en-GB" dirty="0" smtClean="0"/>
-              <a:t>Ensure that ANT is installed on your machine</a:t>
-            </a:r>
-          </a:p>
-          <a:p>
-            <a:pPr marL="914400" lvl="1" indent="-514350">
-              <a:buFont typeface="+mj-lt"/>
-              <a:buAutoNum type="alphaLcParenR"/>
-            </a:pPr>
-            <a:r>
-              <a:rPr lang="en-GB" dirty="0" smtClean="0"/>
-              <a:t>Go to top-level </a:t>
-            </a:r>
-            <a:r>
-              <a:rPr lang="en-GB" dirty="0" smtClean="0"/>
-              <a:t>folder </a:t>
-            </a:r>
-            <a:r>
-              <a:rPr lang="en-GB" dirty="0" smtClean="0"/>
-              <a:t>of check-out</a:t>
-            </a:r>
-          </a:p>
-          <a:p>
-            <a:pPr marL="914400" lvl="1" indent="-514350">
-              <a:buFont typeface="+mj-lt"/>
-              <a:buAutoNum type="alphaLcParenR"/>
-            </a:pPr>
-            <a:r>
-              <a:rPr lang="en-GB" dirty="0" smtClean="0"/>
-              <a:t>Type: </a:t>
-            </a:r>
-            <a:r>
-              <a:rPr lang="en-GB" i="1" dirty="0" smtClean="0"/>
-              <a:t>“ant hobo-demo”</a:t>
-            </a:r>
-            <a:endParaRPr lang="en-GB" dirty="0" smtClean="0"/>
-          </a:p>
-          <a:p>
-            <a:pPr marL="514350" indent="-514350">
-              <a:buFont typeface="+mj-lt"/>
-              <a:buAutoNum type="arabicPeriod"/>
-            </a:pPr>
-            <a:r>
-              <a:rPr lang="en-GB" dirty="0" smtClean="0"/>
-              <a:t>Run </a:t>
-            </a:r>
-            <a:r>
-              <a:rPr lang="en-GB" i="1" dirty="0" smtClean="0"/>
-              <a:t>MEKON/HOBO Model Explorer</a:t>
-            </a:r>
-            <a:r>
-              <a:rPr lang="en-GB" dirty="0" smtClean="0"/>
-              <a:t>:</a:t>
-            </a:r>
-          </a:p>
-          <a:p>
-            <a:pPr marL="914400" lvl="1" indent="-514350">
-              <a:buFont typeface="+mj-lt"/>
-              <a:buAutoNum type="alphaLcParenR"/>
-            </a:pPr>
-            <a:r>
-              <a:rPr lang="en-GB" dirty="0" smtClean="0"/>
-              <a:t>Go to “build” directory, created by build script:</a:t>
-            </a:r>
-            <a:endParaRPr lang="en-GB" dirty="0" smtClean="0"/>
-          </a:p>
-          <a:p>
-            <a:pPr marL="914400" lvl="1" indent="-514350">
-              <a:buFont typeface="+mj-lt"/>
-              <a:buAutoNum type="alphaLcParenR"/>
-            </a:pPr>
-            <a:r>
-              <a:rPr lang="en-GB" dirty="0" smtClean="0"/>
-              <a:t>Invoke required script(s):</a:t>
-            </a:r>
-          </a:p>
-          <a:p>
-            <a:pPr lvl="2"/>
-            <a:r>
-              <a:rPr lang="en-GB" i="1" dirty="0" smtClean="0"/>
-              <a:t>mekon-demo.bat/</a:t>
-            </a:r>
-            <a:r>
-              <a:rPr lang="en-GB" i="1" dirty="0" err="1" smtClean="0"/>
-              <a:t>sh</a:t>
-            </a:r>
-            <a:endParaRPr lang="en-GB" i="1" dirty="0" smtClean="0"/>
-          </a:p>
-          <a:p>
-            <a:pPr lvl="2"/>
-            <a:r>
-              <a:rPr lang="en-GB" i="1" dirty="0" smtClean="0"/>
-              <a:t>hobo-demo.bat/</a:t>
-            </a:r>
-            <a:r>
-              <a:rPr lang="en-GB" i="1" dirty="0" err="1" smtClean="0"/>
-              <a:t>sh</a:t>
-            </a:r>
-            <a:endParaRPr lang="en-GB" i="1" dirty="0" smtClean="0"/>
           </a:p>
         </p:txBody>
       </p:sp>
@@ -10125,6 +11226,52 @@
       </p:grpSpPr>
       <p:sp>
         <p:nvSpPr>
+          <p:cNvPr id="4" name="Rectangle 3"/>
+          <p:cNvSpPr/>
+          <p:nvPr/>
+        </p:nvSpPr>
+        <p:spPr>
+          <a:xfrm>
+            <a:off x="0" y="0"/>
+            <a:ext cx="9144000" cy="6858000"/>
+          </a:xfrm>
+          <a:prstGeom prst="rect">
+            <a:avLst/>
+          </a:prstGeom>
+          <a:solidFill>
+            <a:schemeClr val="accent6">
+              <a:lumMod val="40000"/>
+              <a:lumOff val="60000"/>
+            </a:schemeClr>
+          </a:solidFill>
+        </p:spPr>
+        <p:style>
+          <a:lnRef idx="2">
+            <a:schemeClr val="accent1">
+              <a:shade val="50000"/>
+            </a:schemeClr>
+          </a:lnRef>
+          <a:fillRef idx="1">
+            <a:schemeClr val="accent1"/>
+          </a:fillRef>
+          <a:effectRef idx="0">
+            <a:schemeClr val="accent1"/>
+          </a:effectRef>
+          <a:fontRef idx="minor">
+            <a:schemeClr val="lt1"/>
+          </a:fontRef>
+        </p:style>
+        <p:txBody>
+          <a:bodyPr rtlCol="0" anchor="ctr"/>
+          <a:lstStyle/>
+          <a:p>
+            <a:pPr algn="ctr"/>
+            <a:endParaRPr lang="en-GB"/>
+          </a:p>
+        </p:txBody>
+      </p:sp>
+      <p:sp>
+        <p:nvSpPr>
           <p:cNvPr id="2" name="Title 1"/>
           <p:cNvSpPr>
             <a:spLocks noGrp="1"/>
@@ -10147,7 +11294,19 @@
           <a:p>
             <a:r>
               <a:rPr lang="en-GB" b="1" dirty="0" smtClean="0"/>
-              <a:t>Using Your Own Build Facilities</a:t>
+              <a:t>Using </a:t>
+            </a:r>
+            <a:r>
+              <a:rPr lang="en-GB" b="1" dirty="0" err="1" smtClean="0"/>
+              <a:t>Mekon</a:t>
+            </a:r>
+            <a:r>
+              <a:rPr lang="en-GB" b="1" dirty="0" smtClean="0"/>
+              <a:t> project </a:t>
+            </a:r>
+            <a:r>
+              <a:rPr lang="en-GB" b="1" dirty="0" smtClean="0"/>
+              <a:t>Build Facilities</a:t>
             </a:r>
             <a:endParaRPr lang="en-GB" b="1" dirty="0"/>
           </a:p>
@@ -10171,7 +11330,7 @@
         </p:spPr>
         <p:txBody>
           <a:bodyPr>
-            <a:normAutofit fontScale="92500" lnSpcReduction="10000"/>
+            <a:normAutofit fontScale="92500" lnSpcReduction="20000"/>
           </a:bodyPr>
           <a:lstStyle/>
           <a:p>
@@ -10181,7 +11340,37 @@
             </a:pPr>
             <a:r>
               <a:rPr lang="en-GB" dirty="0" smtClean="0"/>
-              <a:t>Ensure that:</a:t>
+              <a:t>Ensure that all relevant code/resources are checked out from </a:t>
+            </a:r>
+            <a:r>
+              <a:rPr lang="en-GB" dirty="0" err="1" smtClean="0"/>
+              <a:t>Mekon</a:t>
+            </a:r>
+            <a:r>
+              <a:rPr lang="en-GB" dirty="0" smtClean="0"/>
+              <a:t> project </a:t>
+            </a:r>
+            <a:r>
+              <a:rPr lang="en-GB" dirty="0" smtClean="0"/>
+              <a:t>SVN</a:t>
+            </a:r>
+          </a:p>
+          <a:p>
+            <a:pPr marL="514350" indent="-514350">
+              <a:buFont typeface="+mj-lt"/>
+              <a:buAutoNum type="arabicPeriod"/>
+            </a:pPr>
+            <a:r>
+              <a:rPr lang="en-GB" dirty="0" smtClean="0"/>
+              <a:t>Invoke </a:t>
+            </a:r>
+            <a:r>
+              <a:rPr lang="en-GB" dirty="0" smtClean="0"/>
+              <a:t>ANT build </a:t>
+            </a:r>
+            <a:r>
+              <a:rPr lang="en-GB" dirty="0" smtClean="0"/>
+              <a:t>script:</a:t>
             </a:r>
           </a:p>
           <a:p>
@@ -10191,23 +11380,7 @@
             </a:pPr>
             <a:r>
               <a:rPr lang="en-GB" dirty="0" smtClean="0"/>
-              <a:t>A</a:t>
-            </a:r>
-            <a:r>
-              <a:rPr lang="en-GB" dirty="0" smtClean="0"/>
-              <a:t>ll relevant code/resources are checked out from </a:t>
-            </a:r>
-            <a:r>
-              <a:rPr lang="en-GB" dirty="0" err="1" smtClean="0"/>
-              <a:t>Mekon</a:t>
-            </a:r>
-            <a:r>
-              <a:rPr lang="en-GB" dirty="0" smtClean="0"/>
-              <a:t> project </a:t>
-            </a:r>
-            <a:r>
-              <a:rPr lang="en-GB" dirty="0" smtClean="0"/>
-              <a:t>SVN</a:t>
+              <a:t>Ensure that ANT is installed on your machine</a:t>
             </a:r>
           </a:p>
           <a:p>
@@ -10217,15 +11390,15 @@
             </a:pPr>
             <a:r>
               <a:rPr lang="en-GB" dirty="0" smtClean="0"/>
-              <a:t>All code from ALL sub-projects </a:t>
+              <a:t>Go to top-level </a:t>
             </a:r>
             <a:r>
               <a:rPr lang="en-GB" dirty="0" smtClean="0"/>
-              <a:t>is </a:t>
+              <a:t>folder </a:t>
             </a:r>
             <a:r>
               <a:rPr lang="en-GB" dirty="0" smtClean="0"/>
-              <a:t>built</a:t>
+              <a:t>of check-out</a:t>
             </a:r>
           </a:p>
           <a:p>
@@ -10235,7 +11408,33 @@
             </a:pPr>
             <a:r>
               <a:rPr lang="en-GB" dirty="0" smtClean="0"/>
-              <a:t>All code from “demo” folder is built</a:t>
+              <a:t>Type:</a:t>
+            </a:r>
+          </a:p>
+          <a:p>
+            <a:pPr marL="1314450" lvl="2" indent="-514350"/>
+            <a:r>
+              <a:rPr lang="en-GB" i="1" dirty="0" smtClean="0"/>
+              <a:t>ant hobo-demo</a:t>
+            </a:r>
+            <a:endParaRPr lang="en-GB" dirty="0" smtClean="0"/>
+          </a:p>
+          <a:p>
+            <a:pPr marL="514350" indent="-514350">
+              <a:buFont typeface="+mj-lt"/>
+              <a:buAutoNum type="arabicPeriod"/>
+            </a:pPr>
+            <a:r>
+              <a:rPr lang="en-GB" dirty="0" smtClean="0"/>
+              <a:t>Run </a:t>
+            </a:r>
+            <a:r>
+              <a:rPr lang="en-GB" i="1" dirty="0" smtClean="0"/>
+              <a:t>Model Explorer</a:t>
+            </a:r>
+            <a:r>
+              <a:rPr lang="en-GB" dirty="0" smtClean="0"/>
+              <a:t>:</a:t>
             </a:r>
           </a:p>
           <a:p>
@@ -10245,9 +11444,175 @@
             </a:pPr>
             <a:r>
               <a:rPr lang="en-GB" dirty="0" smtClean="0"/>
-              <a:t>The “demo/resource” folder (or preferably a copy of it) is on your runtime class-path</a:t>
-            </a:r>
-          </a:p>
+              <a:t>Go to “build” directory, created by build script:</a:t>
+            </a:r>
+            <a:endParaRPr lang="en-GB" dirty="0" smtClean="0"/>
+          </a:p>
+          <a:p>
+            <a:pPr marL="914400" lvl="1" indent="-514350">
+              <a:buFont typeface="+mj-lt"/>
+              <a:buAutoNum type="alphaLcParenR"/>
+            </a:pPr>
+            <a:r>
+              <a:rPr lang="en-GB" dirty="0" smtClean="0"/>
+              <a:t>Invoke relevant script:</a:t>
+            </a:r>
+          </a:p>
+          <a:p>
+            <a:pPr lvl="2"/>
+            <a:r>
+              <a:rPr lang="en-GB" i="1" dirty="0" smtClean="0"/>
+              <a:t>mekon-demo.bat/</a:t>
+            </a:r>
+            <a:r>
+              <a:rPr lang="en-GB" i="1" dirty="0" err="1" smtClean="0"/>
+              <a:t>sh</a:t>
+            </a:r>
+            <a:endParaRPr lang="en-GB" i="1" dirty="0" smtClean="0"/>
+          </a:p>
+          <a:p>
+            <a:pPr lvl="2"/>
+            <a:r>
+              <a:rPr lang="en-GB" i="1" dirty="0" smtClean="0"/>
+              <a:t>hobo-demo.bat/</a:t>
+            </a:r>
+            <a:r>
+              <a:rPr lang="en-GB" i="1" dirty="0" err="1" smtClean="0"/>
+              <a:t>sh</a:t>
+            </a:r>
+            <a:endParaRPr lang="en-GB" i="1" dirty="0" smtClean="0"/>
+          </a:p>
+        </p:txBody>
+      </p:sp>
+    </p:spTree>
+  </p:cSld>
+  <p:clrMapOvr>
+    <a:masterClrMapping/>
+  </p:clrMapOvr>
+  <p:timing>
+    <p:tnLst>
+      <p:par>
+        <p:cTn id="1" dur="indefinite" restart="never" nodeType="tmRoot"/>
+      </p:par>
+    </p:tnLst>
+  </p:timing>
+</p:sld>
+</file>
+
+<file path=ppt/slides/slide32.xml><?xml version="1.0" encoding="utf-8"?>
+<p:sld xmlns:a="http://schemas.openxmlformats.org/drawingml/2006/main" xmlns:r="http://schemas.openxmlformats.org/officeDocument/2006/relationships" xmlns:p="http://schemas.openxmlformats.org/presentationml/2006/main">
+  <p:cSld>
+    <p:spTree>
+      <p:nvGrpSpPr>
+        <p:cNvPr id="1" name=""/>
+        <p:cNvGrpSpPr/>
+        <p:nvPr/>
+      </p:nvGrpSpPr>
+      <p:grpSpPr>
+        <a:xfrm>
+          <a:off x="0" y="0"/>
+          <a:ext cx="0" cy="0"/>
+          <a:chOff x="0" y="0"/>
+          <a:chExt cx="0" cy="0"/>
+        </a:xfrm>
+      </p:grpSpPr>
+      <p:sp>
+        <p:nvSpPr>
+          <p:cNvPr id="4" name="Rectangle 3"/>
+          <p:cNvSpPr/>
+          <p:nvPr/>
+        </p:nvSpPr>
+        <p:spPr>
+          <a:xfrm>
+            <a:off x="0" y="0"/>
+            <a:ext cx="9144000" cy="6858000"/>
+          </a:xfrm>
+          <a:prstGeom prst="rect">
+            <a:avLst/>
+          </a:prstGeom>
+          <a:solidFill>
+            <a:schemeClr val="accent6">
+              <a:lumMod val="40000"/>
+              <a:lumOff val="60000"/>
+            </a:schemeClr>
+          </a:solidFill>
+        </p:spPr>
+        <p:style>
+          <a:lnRef idx="2">
+            <a:schemeClr val="accent1">
+              <a:shade val="50000"/>
+            </a:schemeClr>
+          </a:lnRef>
+          <a:fillRef idx="1">
+            <a:schemeClr val="accent1"/>
+          </a:fillRef>
+          <a:effectRef idx="0">
+            <a:schemeClr val="accent1"/>
+          </a:effectRef>
+          <a:fontRef idx="minor">
+            <a:schemeClr val="lt1"/>
+          </a:fontRef>
+        </p:style>
+        <p:txBody>
+          <a:bodyPr rtlCol="0" anchor="ctr"/>
+          <a:lstStyle/>
+          <a:p>
+            <a:pPr algn="ctr"/>
+            <a:endParaRPr lang="en-GB"/>
+          </a:p>
+        </p:txBody>
+      </p:sp>
+      <p:sp>
+        <p:nvSpPr>
+          <p:cNvPr id="2" name="Title 1"/>
+          <p:cNvSpPr>
+            <a:spLocks noGrp="1"/>
+          </p:cNvSpPr>
+          <p:nvPr>
+            <p:ph type="title"/>
+          </p:nvPr>
+        </p:nvSpPr>
+        <p:spPr>
+          <a:xfrm>
+            <a:off x="0" y="152636"/>
+            <a:ext cx="9144000" cy="1143000"/>
+          </a:xfrm>
+        </p:spPr>
+        <p:txBody>
+          <a:bodyPr>
+            <a:normAutofit/>
+          </a:bodyPr>
+          <a:lstStyle/>
+          <a:p>
+            <a:r>
+              <a:rPr lang="en-GB" b="1" dirty="0" smtClean="0"/>
+              <a:t>Using Your Own Build Facilities</a:t>
+            </a:r>
+            <a:endParaRPr lang="en-GB" b="1" dirty="0"/>
+          </a:p>
+        </p:txBody>
+      </p:sp>
+      <p:sp>
+        <p:nvSpPr>
+          <p:cNvPr id="3" name="Content Placeholder 2"/>
+          <p:cNvSpPr>
+            <a:spLocks noGrp="1"/>
+          </p:cNvSpPr>
+          <p:nvPr>
+            <p:ph idx="1"/>
+          </p:nvPr>
+        </p:nvSpPr>
+        <p:spPr>
+          <a:xfrm>
+            <a:off x="467544" y="1484784"/>
+            <a:ext cx="8229600" cy="5004556"/>
+          </a:xfrm>
+        </p:spPr>
+        <p:txBody>
+          <a:bodyPr>
+            <a:normAutofit fontScale="92500" lnSpcReduction="10000"/>
+          </a:bodyPr>
+          <a:lstStyle/>
           <a:p>
             <a:pPr marL="514350" indent="-514350">
               <a:buFont typeface="+mj-lt"/>
@@ -10255,6 +11620,80 @@
             </a:pPr>
             <a:r>
               <a:rPr lang="en-GB" dirty="0" smtClean="0"/>
+              <a:t>Ensure that:</a:t>
+            </a:r>
+          </a:p>
+          <a:p>
+            <a:pPr marL="914400" lvl="1" indent="-514350">
+              <a:buFont typeface="+mj-lt"/>
+              <a:buAutoNum type="alphaLcParenR"/>
+            </a:pPr>
+            <a:r>
+              <a:rPr lang="en-GB" dirty="0" smtClean="0"/>
+              <a:t>A</a:t>
+            </a:r>
+            <a:r>
+              <a:rPr lang="en-GB" dirty="0" smtClean="0"/>
+              <a:t>ll relevant code/resources are checked out from </a:t>
+            </a:r>
+            <a:r>
+              <a:rPr lang="en-GB" dirty="0" err="1" smtClean="0"/>
+              <a:t>Mekon</a:t>
+            </a:r>
+            <a:r>
+              <a:rPr lang="en-GB" dirty="0" smtClean="0"/>
+              <a:t> project </a:t>
+            </a:r>
+            <a:r>
+              <a:rPr lang="en-GB" dirty="0" smtClean="0"/>
+              <a:t>SVN</a:t>
+            </a:r>
+          </a:p>
+          <a:p>
+            <a:pPr marL="914400" lvl="1" indent="-514350">
+              <a:buFont typeface="+mj-lt"/>
+              <a:buAutoNum type="alphaLcParenR"/>
+            </a:pPr>
+            <a:r>
+              <a:rPr lang="en-GB" dirty="0" smtClean="0"/>
+              <a:t>All code from ALL sub-projects </a:t>
+            </a:r>
+            <a:r>
+              <a:rPr lang="en-GB" dirty="0" smtClean="0"/>
+              <a:t>is </a:t>
+            </a:r>
+            <a:r>
+              <a:rPr lang="en-GB" dirty="0" smtClean="0"/>
+              <a:t>built</a:t>
+            </a:r>
+          </a:p>
+          <a:p>
+            <a:pPr marL="914400" lvl="1" indent="-514350">
+              <a:buFont typeface="+mj-lt"/>
+              <a:buAutoNum type="alphaLcParenR"/>
+            </a:pPr>
+            <a:r>
+              <a:rPr lang="en-GB" dirty="0" smtClean="0"/>
+              <a:t>All code from “demo” folder is built</a:t>
+            </a:r>
+          </a:p>
+          <a:p>
+            <a:pPr marL="914400" lvl="1" indent="-514350">
+              <a:buFont typeface="+mj-lt"/>
+              <a:buAutoNum type="alphaLcParenR"/>
+            </a:pPr>
+            <a:r>
+              <a:rPr lang="en-GB" dirty="0" smtClean="0"/>
+              <a:t>The “demo/resource” folder (or preferably a copy of it) is on your runtime class-path</a:t>
+            </a:r>
+          </a:p>
+          <a:p>
+            <a:pPr marL="514350" indent="-514350">
+              <a:buFont typeface="+mj-lt"/>
+              <a:buAutoNum type="arabicPeriod"/>
+            </a:pPr>
+            <a:r>
+              <a:rPr lang="en-GB" dirty="0" smtClean="0"/>
               <a:t>Invoke </a:t>
             </a:r>
             <a:r>
@@ -10270,7 +11709,7 @@
             </a:r>
             <a:r>
               <a:rPr lang="en-GB" dirty="0" smtClean="0"/>
-              <a:t>class for relevant version(s) </a:t>
+              <a:t>class for relevant version </a:t>
             </a:r>
             <a:r>
               <a:rPr lang="en-GB" dirty="0" smtClean="0"/>
@@ -10363,6 +11802,52 @@
       </p:grpSpPr>
       <p:sp>
         <p:nvSpPr>
+          <p:cNvPr id="4" name="Rectangle 3"/>
+          <p:cNvSpPr/>
+          <p:nvPr/>
+        </p:nvSpPr>
+        <p:spPr>
+          <a:xfrm>
+            <a:off x="0" y="0"/>
+            <a:ext cx="9144000" cy="6858000"/>
+          </a:xfrm>
+          <a:prstGeom prst="rect">
+            <a:avLst/>
+          </a:prstGeom>
+          <a:solidFill>
+            <a:schemeClr val="accent6">
+              <a:lumMod val="40000"/>
+              <a:lumOff val="60000"/>
+            </a:schemeClr>
+          </a:solidFill>
+        </p:spPr>
+        <p:style>
+          <a:lnRef idx="2">
+            <a:schemeClr val="accent1">
+              <a:shade val="50000"/>
+            </a:schemeClr>
+          </a:lnRef>
+          <a:fillRef idx="1">
+            <a:schemeClr val="accent1"/>
+          </a:fillRef>
+          <a:effectRef idx="0">
+            <a:schemeClr val="accent1"/>
+          </a:effectRef>
+          <a:fontRef idx="minor">
+            <a:schemeClr val="lt1"/>
+          </a:fontRef>
+        </p:style>
+        <p:txBody>
+          <a:bodyPr rtlCol="0" anchor="ctr"/>
+          <a:lstStyle/>
+          <a:p>
+            <a:pPr algn="ctr"/>
+            <a:endParaRPr lang="en-GB"/>
+          </a:p>
+        </p:txBody>
+      </p:sp>
+      <p:sp>
+        <p:nvSpPr>
           <p:cNvPr id="2" name="Title 1"/>
           <p:cNvSpPr>
             <a:spLocks noGrp="1"/>
@@ -10518,6 +12003,52 @@
       </p:grpSpPr>
       <p:sp>
         <p:nvSpPr>
+          <p:cNvPr id="4" name="Rectangle 3"/>
+          <p:cNvSpPr/>
+          <p:nvPr/>
+        </p:nvSpPr>
+        <p:spPr>
+          <a:xfrm>
+            <a:off x="0" y="0"/>
+            <a:ext cx="9144000" cy="6858000"/>
+          </a:xfrm>
+          <a:prstGeom prst="rect">
+            <a:avLst/>
+          </a:prstGeom>
+          <a:solidFill>
+            <a:schemeClr val="accent6">
+              <a:lumMod val="40000"/>
+              <a:lumOff val="60000"/>
+            </a:schemeClr>
+          </a:solidFill>
+        </p:spPr>
+        <p:style>
+          <a:lnRef idx="2">
+            <a:schemeClr val="accent1">
+              <a:shade val="50000"/>
+            </a:schemeClr>
+          </a:lnRef>
+          <a:fillRef idx="1">
+            <a:schemeClr val="accent1"/>
+          </a:fillRef>
+          <a:effectRef idx="0">
+            <a:schemeClr val="accent1"/>
+          </a:effectRef>
+          <a:fontRef idx="minor">
+            <a:schemeClr val="lt1"/>
+          </a:fontRef>
+        </p:style>
+        <p:txBody>
+          <a:bodyPr rtlCol="0" anchor="ctr"/>
+          <a:lstStyle/>
+          <a:p>
+            <a:pPr algn="ctr"/>
+            <a:endParaRPr lang="en-GB"/>
+          </a:p>
+        </p:txBody>
+      </p:sp>
+      <p:sp>
+        <p:nvSpPr>
           <p:cNvPr id="2" name="Title 1"/>
           <p:cNvSpPr>
             <a:spLocks noGrp="1"/>
@@ -10567,7 +12098,7 @@
           <a:p>
             <a:r>
               <a:rPr lang="en-GB" dirty="0" smtClean="0"/>
-              <a:t>Guide’s user through using </a:t>
+              <a:t>Guides user through using </a:t>
             </a:r>
             <a:r>
               <a:rPr lang="en-GB" i="1" dirty="0" smtClean="0"/>
@@ -10579,60 +12110,42 @@
             </a:r>
           </a:p>
           <a:p>
-            <a:pPr marL="971550" lvl="1" indent="-514350">
-              <a:buFont typeface="+mj-lt"/>
-              <a:buAutoNum type="arabicParenR"/>
-            </a:pPr>
+            <a:pPr marL="971550" lvl="1" indent="-514350"/>
             <a:r>
               <a:rPr lang="en-GB" dirty="0" smtClean="0"/>
               <a:t>Browse simple demo model</a:t>
             </a:r>
           </a:p>
           <a:p>
-            <a:pPr marL="1314450" lvl="2" indent="-514350">
-              <a:buFont typeface="+mj-lt"/>
-              <a:buAutoNum type="alphaLcParenR"/>
-            </a:pPr>
+            <a:pPr marL="1314450" lvl="2" indent="-514350"/>
             <a:r>
               <a:rPr lang="en-GB" dirty="0" smtClean="0"/>
               <a:t>Basic MEKON version</a:t>
             </a:r>
           </a:p>
           <a:p>
-            <a:pPr marL="1314450" lvl="2" indent="-514350">
-              <a:buFont typeface="+mj-lt"/>
-              <a:buAutoNum type="alphaLcParenR"/>
-            </a:pPr>
+            <a:pPr marL="1314450" lvl="2" indent="-514350"/>
             <a:r>
               <a:rPr lang="en-GB" dirty="0" smtClean="0"/>
               <a:t>Hybrid HOBO/MEKON version</a:t>
             </a:r>
           </a:p>
           <a:p>
-            <a:pPr marL="971550" lvl="1" indent="-514350">
-              <a:buFont typeface="+mj-lt"/>
-              <a:buAutoNum type="arabicParenR"/>
-            </a:pPr>
+            <a:pPr marL="971550" lvl="1" indent="-514350"/>
             <a:r>
               <a:rPr lang="en-GB" dirty="0" smtClean="0"/>
               <a:t>Create specific instantiations of demo model</a:t>
             </a:r>
           </a:p>
           <a:p>
-            <a:pPr marL="1314450" lvl="2" indent="-514350">
-              <a:buFont typeface="+mj-lt"/>
-              <a:buAutoNum type="alphaLcParenR"/>
-            </a:pPr>
+            <a:pPr marL="1314450" lvl="2" indent="-514350"/>
             <a:r>
               <a:rPr lang="en-GB" dirty="0" smtClean="0"/>
               <a:t>Creating + storing “assertion” instantiations</a:t>
             </a:r>
           </a:p>
           <a:p>
-            <a:pPr marL="1314450" lvl="2" indent="-514350">
-              <a:buFont typeface="+mj-lt"/>
-              <a:buAutoNum type="alphaLcParenR"/>
-            </a:pPr>
+            <a:pPr marL="1314450" lvl="2" indent="-514350"/>
             <a:r>
               <a:rPr lang="en-GB" dirty="0" smtClean="0"/>
               <a:t>Creating + executing “query” instantiations</a:t>
@@ -10706,13 +12219,59 @@
       </p:grpSpPr>
       <p:sp>
         <p:nvSpPr>
+          <p:cNvPr id="6" name="Rectangle 5"/>
+          <p:cNvSpPr/>
+          <p:nvPr/>
+        </p:nvSpPr>
+        <p:spPr>
+          <a:xfrm>
+            <a:off x="0" y="0"/>
+            <a:ext cx="9144000" cy="6858000"/>
+          </a:xfrm>
+          <a:prstGeom prst="rect">
+            <a:avLst/>
+          </a:prstGeom>
+          <a:solidFill>
+            <a:schemeClr val="accent6">
+              <a:lumMod val="40000"/>
+              <a:lumOff val="60000"/>
+            </a:schemeClr>
+          </a:solidFill>
+        </p:spPr>
+        <p:style>
+          <a:lnRef idx="2">
+            <a:schemeClr val="accent1">
+              <a:shade val="50000"/>
+            </a:schemeClr>
+          </a:lnRef>
+          <a:fillRef idx="1">
+            <a:schemeClr val="accent1"/>
+          </a:fillRef>
+          <a:effectRef idx="0">
+            <a:schemeClr val="accent1"/>
+          </a:effectRef>
+          <a:fontRef idx="minor">
+            <a:schemeClr val="lt1"/>
+          </a:fontRef>
+        </p:style>
+        <p:txBody>
+          <a:bodyPr rtlCol="0" anchor="ctr"/>
+          <a:lstStyle/>
+          <a:p>
+            <a:pPr algn="ctr"/>
+            <a:endParaRPr lang="en-GB"/>
+          </a:p>
+        </p:txBody>
+      </p:sp>
+      <p:sp>
+        <p:nvSpPr>
           <p:cNvPr id="2" name="TextBox 1"/>
           <p:cNvSpPr txBox="1"/>
           <p:nvPr/>
         </p:nvSpPr>
         <p:spPr>
           <a:xfrm>
-            <a:off x="683568" y="1376772"/>
+            <a:off x="683568" y="1484784"/>
             <a:ext cx="3384376" cy="2893100"/>
           </a:xfrm>
           <a:prstGeom prst="rect">
@@ -10789,7 +12348,7 @@
         </p:nvSpPr>
         <p:spPr>
           <a:xfrm>
-            <a:off x="4427984" y="1376772"/>
+            <a:off x="4427984" y="1484784"/>
             <a:ext cx="4032448" cy="2893100"/>
           </a:xfrm>
           <a:prstGeom prst="rect">
@@ -10848,14 +12407,14 @@
         </p:nvSpPr>
         <p:spPr>
           <a:xfrm>
-            <a:off x="683568" y="4617132"/>
+            <a:off x="683568" y="4761148"/>
             <a:ext cx="7776864" cy="1508105"/>
           </a:xfrm>
           <a:prstGeom prst="rect">
             <a:avLst/>
           </a:prstGeom>
           <a:solidFill>
-            <a:schemeClr val="accent4">
+            <a:schemeClr val="accent2">
               <a:lumMod val="60000"/>
               <a:lumOff val="40000"/>
             </a:schemeClr>
@@ -11024,6 +12583,52 @@
       </p:grpSpPr>
       <p:sp>
         <p:nvSpPr>
+          <p:cNvPr id="3" name="Rectangle 2"/>
+          <p:cNvSpPr/>
+          <p:nvPr/>
+        </p:nvSpPr>
+        <p:spPr>
+          <a:xfrm>
+            <a:off x="0" y="0"/>
+            <a:ext cx="9144000" cy="6858000"/>
+          </a:xfrm>
+          <a:prstGeom prst="rect">
+            <a:avLst/>
+          </a:prstGeom>
+          <a:solidFill>
+            <a:schemeClr val="accent6">
+              <a:lumMod val="40000"/>
+              <a:lumOff val="60000"/>
+            </a:schemeClr>
+          </a:solidFill>
+        </p:spPr>
+        <p:style>
+          <a:lnRef idx="2">
+            <a:schemeClr val="accent1">
+              <a:shade val="50000"/>
+            </a:schemeClr>
+          </a:lnRef>
+          <a:fillRef idx="1">
+            <a:schemeClr val="accent1"/>
+          </a:fillRef>
+          <a:effectRef idx="0">
+            <a:schemeClr val="accent1"/>
+          </a:effectRef>
+          <a:fontRef idx="minor">
+            <a:schemeClr val="lt1"/>
+          </a:fontRef>
+        </p:style>
+        <p:txBody>
+          <a:bodyPr rtlCol="0" anchor="ctr"/>
+          <a:lstStyle/>
+          <a:p>
+            <a:pPr algn="ctr"/>
+            <a:endParaRPr lang="en-GB"/>
+          </a:p>
+        </p:txBody>
+      </p:sp>
+      <p:sp>
+        <p:nvSpPr>
           <p:cNvPr id="2" name="Title 1"/>
           <p:cNvSpPr>
             <a:spLocks noGrp="1"/>
@@ -11034,21 +12639,39 @@
         </p:nvSpPr>
         <p:spPr>
           <a:xfrm>
-            <a:off x="685800" y="2130425"/>
-            <a:ext cx="7772400" cy="1874639"/>
+            <a:off x="685800" y="1772816"/>
+            <a:ext cx="7772400" cy="3132347"/>
           </a:xfrm>
         </p:spPr>
         <p:txBody>
           <a:bodyPr>
-            <a:normAutofit/>
+            <a:noAutofit/>
           </a:bodyPr>
           <a:lstStyle/>
           <a:p>
             <a:r>
-              <a:rPr lang="en-GB" b="1" dirty="0" smtClean="0"/>
-              <a:t>1a. Browsing Basic MEKON Version of Model</a:t>
-            </a:r>
-            <a:endParaRPr lang="en-GB" b="1" dirty="0"/>
+              <a:rPr lang="en-GB" sz="6000" b="1" dirty="0" smtClean="0"/>
+              <a:t>Browsing Basic</a:t>
+            </a:r>
+            <a:br>
+              <a:rPr lang="en-GB" sz="6000" b="1" dirty="0" smtClean="0"/>
+            </a:br>
+            <a:r>
+              <a:rPr lang="en-GB" sz="6000" b="1" dirty="0" smtClean="0"/>
+              <a:t>MEKON</a:t>
+            </a:r>
+            <a:br>
+              <a:rPr lang="en-GB" sz="6000" b="1" dirty="0" smtClean="0"/>
+            </a:br>
+            <a:r>
+              <a:rPr lang="en-GB" sz="6000" b="1" dirty="0" smtClean="0"/>
+              <a:t>Version </a:t>
+            </a:r>
+            <a:r>
+              <a:rPr lang="en-GB" sz="6000" b="1" dirty="0" smtClean="0"/>
+              <a:t>of Model</a:t>
+            </a:r>
+            <a:endParaRPr lang="en-GB" sz="6000" b="1" dirty="0"/>
           </a:p>
         </p:txBody>
       </p:sp>
@@ -11086,6 +12709,52 @@
       </p:grpSpPr>
       <p:sp>
         <p:nvSpPr>
+          <p:cNvPr id="3" name="Rectangle 2"/>
+          <p:cNvSpPr/>
+          <p:nvPr/>
+        </p:nvSpPr>
+        <p:spPr>
+          <a:xfrm>
+            <a:off x="0" y="0"/>
+            <a:ext cx="9144000" cy="6858000"/>
+          </a:xfrm>
+          <a:prstGeom prst="rect">
+            <a:avLst/>
+          </a:prstGeom>
+          <a:solidFill>
+            <a:schemeClr val="accent6">
+              <a:lumMod val="40000"/>
+              <a:lumOff val="60000"/>
+            </a:schemeClr>
+          </a:solidFill>
+        </p:spPr>
+        <p:style>
+          <a:lnRef idx="2">
+            <a:schemeClr val="accent1">
+              <a:shade val="50000"/>
+            </a:schemeClr>
+          </a:lnRef>
+          <a:fillRef idx="1">
+            <a:schemeClr val="accent1"/>
+          </a:fillRef>
+          <a:effectRef idx="0">
+            <a:schemeClr val="accent1"/>
+          </a:effectRef>
+          <a:fontRef idx="minor">
+            <a:schemeClr val="lt1"/>
+          </a:fontRef>
+        </p:style>
+        <p:txBody>
+          <a:bodyPr rtlCol="0" anchor="ctr"/>
+          <a:lstStyle/>
+          <a:p>
+            <a:pPr algn="ctr"/>
+            <a:endParaRPr lang="en-GB"/>
+          </a:p>
+        </p:txBody>
+      </p:sp>
+      <p:sp>
+        <p:nvSpPr>
           <p:cNvPr id="4" name="TextBox 3"/>
           <p:cNvSpPr txBox="1"/>
           <p:nvPr/>
@@ -11467,7 +13136,15 @@
             </a:r>
             <a:r>
               <a:rPr lang="en-GB" sz="1600" dirty="0" smtClean="0"/>
-              <a:t>is present, the source(s) for an FM entity can be external (EKS), internal (OM), or, where appropriate mappings have been provided in the configuration file, dual (EKS + OM).</a:t>
+              <a:t>is present, the source(s) for an FM entity can be </a:t>
+            </a:r>
+            <a:r>
+              <a:rPr lang="en-GB" sz="1600" dirty="0" smtClean="0"/>
+              <a:t>external </a:t>
+            </a:r>
+            <a:r>
+              <a:rPr lang="en-GB" sz="1600" dirty="0" smtClean="0"/>
+              <a:t>(EKS), internal (OM), or, where appropriate mappings have been provided in the configuration file, dual (EKS + OM).</a:t>
             </a:r>
             <a:endParaRPr lang="en-GB" sz="1600" b="1" dirty="0" smtClean="0"/>
           </a:p>
@@ -11507,368 +13184,24 @@
       </p:grpSpPr>
       <p:sp>
         <p:nvSpPr>
-          <p:cNvPr id="13" name="TextBox 12"/>
-          <p:cNvSpPr txBox="1"/>
+          <p:cNvPr id="45" name="Rectangle 44"/>
+          <p:cNvSpPr/>
           <p:nvPr/>
         </p:nvSpPr>
         <p:spPr>
           <a:xfrm>
-            <a:off x="1439652" y="368660"/>
-            <a:ext cx="6228692" cy="5832648"/>
+            <a:off x="0" y="0"/>
+            <a:ext cx="9144000" cy="6858000"/>
           </a:xfrm>
           <a:prstGeom prst="rect">
             <a:avLst/>
           </a:prstGeom>
           <a:solidFill>
-            <a:schemeClr val="accent4">
-              <a:lumMod val="60000"/>
-              <a:lumOff val="40000"/>
+            <a:schemeClr val="accent6">
+              <a:lumMod val="40000"/>
+              <a:lumOff val="60000"/>
             </a:schemeClr>
           </a:solidFill>
-          <a:ln>
-            <a:solidFill>
-              <a:schemeClr val="tx1"/>
-            </a:solidFill>
-          </a:ln>
-        </p:spPr>
-        <p:txBody>
-          <a:bodyPr wrap="square" rtlCol="0">
-            <a:noAutofit/>
-          </a:bodyPr>
-          <a:lstStyle/>
-          <a:p>
-            <a:pPr marL="457200" indent="-457200" algn="ctr"/>
-            <a:r>
-              <a:rPr lang="en-GB" sz="2400" b="1" dirty="0" smtClean="0"/>
-              <a:t>Icon Summary</a:t>
-            </a:r>
-          </a:p>
-          <a:p>
-            <a:pPr marL="457200" indent="-457200"/>
-            <a:endParaRPr lang="en-GB" sz="1600" dirty="0" smtClean="0"/>
-          </a:p>
-        </p:txBody>
-      </p:sp>
-      <p:sp>
-        <p:nvSpPr>
-          <p:cNvPr id="48" name="TextBox 47"/>
-          <p:cNvSpPr txBox="1"/>
-          <p:nvPr/>
-        </p:nvSpPr>
-        <p:spPr>
-          <a:xfrm>
-            <a:off x="1871700" y="3645024"/>
-            <a:ext cx="5400600" cy="432048"/>
-          </a:xfrm>
-          <a:prstGeom prst="rect">
-            <a:avLst/>
-          </a:prstGeom>
-          <a:noFill/>
-          <a:ln>
-            <a:noFill/>
-          </a:ln>
-        </p:spPr>
-        <p:txBody>
-          <a:bodyPr wrap="square" rtlCol="0">
-            <a:noAutofit/>
-          </a:bodyPr>
-          <a:lstStyle/>
-          <a:p>
-            <a:pPr algn="ctr"/>
-            <a:r>
-              <a:rPr lang="en-GB" b="1" dirty="0" smtClean="0"/>
-              <a:t>Colours (all relevant shapes)</a:t>
-            </a:r>
-            <a:endParaRPr lang="en-GB" b="1" dirty="0"/>
-          </a:p>
-        </p:txBody>
-      </p:sp>
-      <p:sp>
-        <p:nvSpPr>
-          <p:cNvPr id="47" name="TextBox 46"/>
-          <p:cNvSpPr txBox="1"/>
-          <p:nvPr/>
-        </p:nvSpPr>
-        <p:spPr>
-          <a:xfrm>
-            <a:off x="1871700" y="944724"/>
-            <a:ext cx="5400600" cy="432048"/>
-          </a:xfrm>
-          <a:prstGeom prst="rect">
-            <a:avLst/>
-          </a:prstGeom>
-          <a:noFill/>
-          <a:ln>
-            <a:noFill/>
-          </a:ln>
-        </p:spPr>
-        <p:txBody>
-          <a:bodyPr wrap="square" rtlCol="0">
-            <a:noAutofit/>
-          </a:bodyPr>
-          <a:lstStyle/>
-          <a:p>
-            <a:pPr algn="ctr"/>
-            <a:r>
-              <a:rPr lang="en-GB" b="1" dirty="0" smtClean="0"/>
-              <a:t>Shapes (all relevant colours)</a:t>
-            </a:r>
-          </a:p>
-          <a:p>
-            <a:pPr algn="ctr"/>
-            <a:endParaRPr lang="en-GB" b="1" dirty="0"/>
-          </a:p>
-        </p:txBody>
-      </p:sp>
-      <p:sp>
-        <p:nvSpPr>
-          <p:cNvPr id="3" name="TextBox 2"/>
-          <p:cNvSpPr txBox="1"/>
-          <p:nvPr/>
-        </p:nvSpPr>
-        <p:spPr>
-          <a:xfrm>
-            <a:off x="3635896" y="1376772"/>
-            <a:ext cx="2376264" cy="372041"/>
-          </a:xfrm>
-          <a:prstGeom prst="rect">
-            <a:avLst/>
-          </a:prstGeom>
-          <a:solidFill>
-            <a:srgbClr val="765B97"/>
-          </a:solidFill>
-          <a:ln>
-            <a:solidFill>
-              <a:schemeClr val="tx1"/>
-            </a:solidFill>
-          </a:ln>
-        </p:spPr>
-        <p:txBody>
-          <a:bodyPr wrap="square" rtlCol="0">
-            <a:noAutofit/>
-          </a:bodyPr>
-          <a:lstStyle/>
-          <a:p>
-            <a:r>
-              <a:rPr lang="en-GB" sz="1600" b="1" dirty="0" smtClean="0"/>
-              <a:t>Entity Level</a:t>
-            </a:r>
-            <a:endParaRPr lang="en-GB" sz="1600" b="1" dirty="0"/>
-          </a:p>
-        </p:txBody>
-      </p:sp>
-      <p:sp>
-        <p:nvSpPr>
-          <p:cNvPr id="5" name="TextBox 4"/>
-          <p:cNvSpPr txBox="1"/>
-          <p:nvPr/>
-        </p:nvSpPr>
-        <p:spPr>
-          <a:xfrm>
-            <a:off x="1835696" y="1376772"/>
-            <a:ext cx="1800200" cy="372041"/>
-          </a:xfrm>
-          <a:prstGeom prst="rect">
-            <a:avLst/>
-          </a:prstGeom>
-          <a:solidFill>
-            <a:srgbClr val="765B97"/>
-          </a:solidFill>
-          <a:ln>
-            <a:solidFill>
-              <a:schemeClr val="tx1"/>
-            </a:solidFill>
-          </a:ln>
-        </p:spPr>
-        <p:txBody>
-          <a:bodyPr wrap="square" rtlCol="0">
-            <a:noAutofit/>
-          </a:bodyPr>
-          <a:lstStyle/>
-          <a:p>
-            <a:r>
-              <a:rPr lang="en-GB" sz="1600" b="1" dirty="0" smtClean="0"/>
-              <a:t>Entity Category</a:t>
-            </a:r>
-            <a:endParaRPr lang="en-GB" sz="1600" b="1" dirty="0"/>
-          </a:p>
-        </p:txBody>
-      </p:sp>
-      <p:sp>
-        <p:nvSpPr>
-          <p:cNvPr id="6" name="TextBox 5"/>
-          <p:cNvSpPr txBox="1"/>
-          <p:nvPr/>
-        </p:nvSpPr>
-        <p:spPr>
-          <a:xfrm>
-            <a:off x="6012160" y="1376772"/>
-            <a:ext cx="1224136" cy="372041"/>
-          </a:xfrm>
-          <a:prstGeom prst="rect">
-            <a:avLst/>
-          </a:prstGeom>
-          <a:solidFill>
-            <a:srgbClr val="765B97"/>
-          </a:solidFill>
-          <a:ln>
-            <a:solidFill>
-              <a:schemeClr val="tx1"/>
-            </a:solidFill>
-          </a:ln>
-        </p:spPr>
-        <p:txBody>
-          <a:bodyPr wrap="square" rtlCol="0">
-            <a:noAutofit/>
-          </a:bodyPr>
-          <a:lstStyle/>
-          <a:p>
-            <a:r>
-              <a:rPr lang="en-GB" sz="1600" b="1" dirty="0" smtClean="0"/>
-              <a:t>Icon Shape</a:t>
-            </a:r>
-            <a:endParaRPr lang="en-GB" sz="1600" b="1" dirty="0"/>
-          </a:p>
-        </p:txBody>
-      </p:sp>
-      <p:sp>
-        <p:nvSpPr>
-          <p:cNvPr id="7" name="TextBox 6"/>
-          <p:cNvSpPr txBox="1"/>
-          <p:nvPr/>
-        </p:nvSpPr>
-        <p:spPr>
-          <a:xfrm>
-            <a:off x="3635896" y="1736812"/>
-            <a:ext cx="2376264" cy="360040"/>
-          </a:xfrm>
-          <a:prstGeom prst="rect">
-            <a:avLst/>
-          </a:prstGeom>
-          <a:solidFill>
-            <a:schemeClr val="accent4">
-              <a:lumMod val="60000"/>
-              <a:lumOff val="40000"/>
-            </a:schemeClr>
-          </a:solidFill>
-          <a:ln>
-            <a:solidFill>
-              <a:schemeClr val="tx1"/>
-            </a:solidFill>
-          </a:ln>
-        </p:spPr>
-        <p:txBody>
-          <a:bodyPr wrap="square" rtlCol="0">
-            <a:noAutofit/>
-          </a:bodyPr>
-          <a:lstStyle/>
-          <a:p>
-            <a:r>
-              <a:rPr lang="en-GB" sz="1600" dirty="0" smtClean="0"/>
-              <a:t>Meta</a:t>
-            </a:r>
-            <a:endParaRPr lang="en-GB" sz="1600" dirty="0"/>
-          </a:p>
-        </p:txBody>
-      </p:sp>
-      <p:sp>
-        <p:nvSpPr>
-          <p:cNvPr id="8" name="TextBox 7"/>
-          <p:cNvSpPr txBox="1"/>
-          <p:nvPr/>
-        </p:nvSpPr>
-        <p:spPr>
-          <a:xfrm>
-            <a:off x="1835696" y="1736812"/>
-            <a:ext cx="1800200" cy="360040"/>
-          </a:xfrm>
-          <a:prstGeom prst="rect">
-            <a:avLst/>
-          </a:prstGeom>
-          <a:solidFill>
-            <a:schemeClr val="accent4">
-              <a:lumMod val="60000"/>
-              <a:lumOff val="40000"/>
-            </a:schemeClr>
-          </a:solidFill>
-          <a:ln>
-            <a:solidFill>
-              <a:schemeClr val="tx1"/>
-            </a:solidFill>
-          </a:ln>
-        </p:spPr>
-        <p:txBody>
-          <a:bodyPr wrap="square" rtlCol="0">
-            <a:noAutofit/>
-          </a:bodyPr>
-          <a:lstStyle/>
-          <a:p>
-            <a:r>
-              <a:rPr lang="en-GB" sz="1600" dirty="0" smtClean="0"/>
-              <a:t>Value Entity (*)</a:t>
-            </a:r>
-            <a:endParaRPr lang="en-GB" sz="1600" dirty="0"/>
-          </a:p>
-        </p:txBody>
-      </p:sp>
-      <p:sp>
-        <p:nvSpPr>
-          <p:cNvPr id="9" name="TextBox 8"/>
-          <p:cNvSpPr txBox="1"/>
-          <p:nvPr/>
-        </p:nvSpPr>
-        <p:spPr>
-          <a:xfrm>
-            <a:off x="6012160" y="1736812"/>
-            <a:ext cx="1224136" cy="360040"/>
-          </a:xfrm>
-          <a:prstGeom prst="rect">
-            <a:avLst/>
-          </a:prstGeom>
-          <a:solidFill>
-            <a:schemeClr val="accent4">
-              <a:lumMod val="60000"/>
-              <a:lumOff val="40000"/>
-            </a:schemeClr>
-          </a:solidFill>
-          <a:ln>
-            <a:solidFill>
-              <a:schemeClr val="tx1"/>
-            </a:solidFill>
-          </a:ln>
-        </p:spPr>
-        <p:txBody>
-          <a:bodyPr wrap="square" rtlCol="0">
-            <a:noAutofit/>
-          </a:bodyPr>
-          <a:lstStyle/>
-          <a:p>
-            <a:endParaRPr lang="en-GB" sz="1600" dirty="0"/>
-          </a:p>
-        </p:txBody>
-      </p:sp>
-      <p:sp>
-        <p:nvSpPr>
-          <p:cNvPr id="14" name="Rectangle 13"/>
-          <p:cNvSpPr/>
-          <p:nvPr/>
-        </p:nvSpPr>
-        <p:spPr>
-          <a:xfrm>
-            <a:off x="6444208" y="1808820"/>
-            <a:ext cx="252028" cy="216024"/>
-          </a:xfrm>
-          <a:prstGeom prst="rect">
-            <a:avLst/>
-          </a:prstGeom>
-          <a:solidFill>
-            <a:schemeClr val="bg1"/>
-          </a:solidFill>
-          <a:ln w="9525">
-            <a:solidFill>
-              <a:schemeClr val="tx1"/>
-            </a:solidFill>
-          </a:ln>
         </p:spPr>
         <p:style>
           <a:lnRef idx="2">
@@ -11891,26 +13224,26 @@
           <a:lstStyle/>
           <a:p>
             <a:pPr algn="ctr"/>
-            <a:endParaRPr lang="en-GB" sz="1600"/>
-          </a:p>
-        </p:txBody>
-      </p:sp>
-      <p:sp>
-        <p:nvSpPr>
-          <p:cNvPr id="15" name="TextBox 14"/>
+            <a:endParaRPr lang="en-GB"/>
+          </a:p>
+        </p:txBody>
+      </p:sp>
+      <p:sp>
+        <p:nvSpPr>
+          <p:cNvPr id="13" name="TextBox 12"/>
           <p:cNvSpPr txBox="1"/>
           <p:nvPr/>
         </p:nvSpPr>
         <p:spPr>
           <a:xfrm>
-            <a:off x="3635896" y="2096852"/>
-            <a:ext cx="2376264" cy="360040"/>
+            <a:off x="1439652" y="512676"/>
+            <a:ext cx="6228692" cy="5832648"/>
           </a:xfrm>
           <a:prstGeom prst="rect">
             <a:avLst/>
           </a:prstGeom>
           <a:solidFill>
-            <a:schemeClr val="accent4">
+            <a:schemeClr val="accent2">
               <a:lumMod val="60000"/>
               <a:lumOff val="40000"/>
             </a:schemeClr>
@@ -11927,32 +13260,218 @@
           </a:bodyPr>
           <a:lstStyle/>
           <a:p>
-            <a:r>
-              <a:rPr lang="en-GB" sz="1600" dirty="0" smtClean="0"/>
-              <a:t>Concept</a:t>
-            </a:r>
-            <a:endParaRPr lang="en-GB" sz="1600" dirty="0"/>
-          </a:p>
-        </p:txBody>
-      </p:sp>
-      <p:sp>
-        <p:nvSpPr>
-          <p:cNvPr id="16" name="TextBox 15"/>
+            <a:pPr marL="457200" indent="-457200" algn="ctr"/>
+            <a:r>
+              <a:rPr lang="en-GB" sz="2400" b="1" dirty="0" smtClean="0"/>
+              <a:t>Icon Summary</a:t>
+            </a:r>
+          </a:p>
+          <a:p>
+            <a:pPr marL="457200" indent="-457200"/>
+            <a:endParaRPr lang="en-GB" sz="1600" dirty="0" smtClean="0"/>
+          </a:p>
+        </p:txBody>
+      </p:sp>
+      <p:sp>
+        <p:nvSpPr>
+          <p:cNvPr id="48" name="TextBox 47"/>
           <p:cNvSpPr txBox="1"/>
           <p:nvPr/>
         </p:nvSpPr>
         <p:spPr>
           <a:xfrm>
-            <a:off x="1835696" y="2096852"/>
-            <a:ext cx="1800200" cy="360040"/>
+            <a:off x="1871700" y="3789040"/>
+            <a:ext cx="5400600" cy="432048"/>
+          </a:xfrm>
+          <a:prstGeom prst="rect">
+            <a:avLst/>
+          </a:prstGeom>
+          <a:noFill/>
+          <a:ln>
+            <a:noFill/>
+          </a:ln>
+        </p:spPr>
+        <p:txBody>
+          <a:bodyPr wrap="square" rtlCol="0">
+            <a:noAutofit/>
+          </a:bodyPr>
+          <a:lstStyle/>
+          <a:p>
+            <a:pPr algn="ctr"/>
+            <a:r>
+              <a:rPr lang="en-GB" b="1" dirty="0" smtClean="0"/>
+              <a:t>Colours (all relevant shapes)</a:t>
+            </a:r>
+            <a:endParaRPr lang="en-GB" b="1" dirty="0"/>
+          </a:p>
+        </p:txBody>
+      </p:sp>
+      <p:sp>
+        <p:nvSpPr>
+          <p:cNvPr id="47" name="TextBox 46"/>
+          <p:cNvSpPr txBox="1"/>
+          <p:nvPr/>
+        </p:nvSpPr>
+        <p:spPr>
+          <a:xfrm>
+            <a:off x="1871700" y="1088740"/>
+            <a:ext cx="5400600" cy="432048"/>
+          </a:xfrm>
+          <a:prstGeom prst="rect">
+            <a:avLst/>
+          </a:prstGeom>
+          <a:noFill/>
+          <a:ln>
+            <a:noFill/>
+          </a:ln>
+        </p:spPr>
+        <p:txBody>
+          <a:bodyPr wrap="square" rtlCol="0">
+            <a:noAutofit/>
+          </a:bodyPr>
+          <a:lstStyle/>
+          <a:p>
+            <a:pPr algn="ctr"/>
+            <a:r>
+              <a:rPr lang="en-GB" b="1" dirty="0" smtClean="0"/>
+              <a:t>Shapes (all relevant colours)</a:t>
+            </a:r>
+          </a:p>
+          <a:p>
+            <a:pPr algn="ctr"/>
+            <a:endParaRPr lang="en-GB" b="1" dirty="0"/>
+          </a:p>
+        </p:txBody>
+      </p:sp>
+      <p:sp>
+        <p:nvSpPr>
+          <p:cNvPr id="3" name="TextBox 2"/>
+          <p:cNvSpPr txBox="1"/>
+          <p:nvPr/>
+        </p:nvSpPr>
+        <p:spPr>
+          <a:xfrm>
+            <a:off x="3635896" y="1520788"/>
+            <a:ext cx="2376264" cy="372041"/>
           </a:xfrm>
           <a:prstGeom prst="rect">
             <a:avLst/>
           </a:prstGeom>
           <a:solidFill>
-            <a:schemeClr val="accent4">
-              <a:lumMod val="60000"/>
-              <a:lumOff val="40000"/>
+            <a:srgbClr val="C35855"/>
+          </a:solidFill>
+          <a:ln>
+            <a:solidFill>
+              <a:schemeClr val="tx1"/>
+            </a:solidFill>
+          </a:ln>
+        </p:spPr>
+        <p:txBody>
+          <a:bodyPr wrap="square" rtlCol="0">
+            <a:noAutofit/>
+          </a:bodyPr>
+          <a:lstStyle/>
+          <a:p>
+            <a:r>
+              <a:rPr lang="en-GB" sz="1600" b="1" dirty="0" smtClean="0"/>
+              <a:t>Entity Level</a:t>
+            </a:r>
+            <a:endParaRPr lang="en-GB" sz="1600" b="1" dirty="0"/>
+          </a:p>
+        </p:txBody>
+      </p:sp>
+      <p:sp>
+        <p:nvSpPr>
+          <p:cNvPr id="5" name="TextBox 4"/>
+          <p:cNvSpPr txBox="1"/>
+          <p:nvPr/>
+        </p:nvSpPr>
+        <p:spPr>
+          <a:xfrm>
+            <a:off x="1835696" y="1520788"/>
+            <a:ext cx="1800200" cy="372041"/>
+          </a:xfrm>
+          <a:prstGeom prst="rect">
+            <a:avLst/>
+          </a:prstGeom>
+          <a:solidFill>
+            <a:srgbClr val="C35855"/>
+          </a:solidFill>
+          <a:ln>
+            <a:solidFill>
+              <a:schemeClr val="tx1"/>
+            </a:solidFill>
+          </a:ln>
+        </p:spPr>
+        <p:txBody>
+          <a:bodyPr wrap="square" rtlCol="0">
+            <a:noAutofit/>
+          </a:bodyPr>
+          <a:lstStyle/>
+          <a:p>
+            <a:r>
+              <a:rPr lang="en-GB" sz="1600" b="1" dirty="0" smtClean="0"/>
+              <a:t>Entity Category</a:t>
+            </a:r>
+            <a:endParaRPr lang="en-GB" sz="1600" b="1" dirty="0"/>
+          </a:p>
+        </p:txBody>
+      </p:sp>
+      <p:sp>
+        <p:nvSpPr>
+          <p:cNvPr id="6" name="TextBox 5"/>
+          <p:cNvSpPr txBox="1"/>
+          <p:nvPr/>
+        </p:nvSpPr>
+        <p:spPr>
+          <a:xfrm>
+            <a:off x="6012160" y="1520788"/>
+            <a:ext cx="1224136" cy="372041"/>
+          </a:xfrm>
+          <a:prstGeom prst="rect">
+            <a:avLst/>
+          </a:prstGeom>
+          <a:solidFill>
+            <a:srgbClr val="C35855"/>
+          </a:solidFill>
+          <a:ln>
+            <a:solidFill>
+              <a:schemeClr val="tx1"/>
+            </a:solidFill>
+          </a:ln>
+        </p:spPr>
+        <p:txBody>
+          <a:bodyPr wrap="square" rtlCol="0">
+            <a:noAutofit/>
+          </a:bodyPr>
+          <a:lstStyle/>
+          <a:p>
+            <a:r>
+              <a:rPr lang="en-GB" sz="1600" b="1" dirty="0" smtClean="0"/>
+              <a:t>Icon Shape</a:t>
+            </a:r>
+            <a:endParaRPr lang="en-GB" sz="1600" b="1" dirty="0"/>
+          </a:p>
+        </p:txBody>
+      </p:sp>
+      <p:sp>
+        <p:nvSpPr>
+          <p:cNvPr id="7" name="TextBox 6"/>
+          <p:cNvSpPr txBox="1"/>
+          <p:nvPr/>
+        </p:nvSpPr>
+        <p:spPr>
+          <a:xfrm>
+            <a:off x="3635896" y="1880828"/>
+            <a:ext cx="2376264" cy="360040"/>
+          </a:xfrm>
+          <a:prstGeom prst="rect">
+            <a:avLst/>
+          </a:prstGeom>
+          <a:solidFill>
+            <a:schemeClr val="accent2">
+              <a:lumMod val="40000"/>
+              <a:lumOff val="60000"/>
             </a:schemeClr>
           </a:solidFill>
           <a:ln>
@@ -11969,7 +13488,7 @@
           <a:p>
             <a:r>
               <a:rPr lang="en-GB" sz="1600" dirty="0" smtClean="0"/>
-              <a:t>Value Entity (*)</a:t>
+              <a:t>Meta</a:t>
             </a:r>
             <a:endParaRPr lang="en-GB" sz="1600" dirty="0"/>
           </a:p>
@@ -11977,22 +13496,22 @@
       </p:sp>
       <p:sp>
         <p:nvSpPr>
-          <p:cNvPr id="17" name="TextBox 16"/>
+          <p:cNvPr id="8" name="TextBox 7"/>
           <p:cNvSpPr txBox="1"/>
           <p:nvPr/>
         </p:nvSpPr>
         <p:spPr>
           <a:xfrm>
-            <a:off x="6012160" y="2096852"/>
-            <a:ext cx="1224136" cy="360040"/>
+            <a:off x="1835696" y="1880828"/>
+            <a:ext cx="1800200" cy="360040"/>
           </a:xfrm>
           <a:prstGeom prst="rect">
             <a:avLst/>
           </a:prstGeom>
           <a:solidFill>
-            <a:schemeClr val="accent4">
-              <a:lumMod val="60000"/>
-              <a:lumOff val="40000"/>
+            <a:schemeClr val="accent2">
+              <a:lumMod val="40000"/>
+              <a:lumOff val="60000"/>
             </a:schemeClr>
           </a:solidFill>
           <a:ln>
@@ -12007,28 +13526,32 @@
           </a:bodyPr>
           <a:lstStyle/>
           <a:p>
+            <a:r>
+              <a:rPr lang="en-GB" sz="1600" dirty="0" smtClean="0"/>
+              <a:t>Value Entity (*)</a:t>
+            </a:r>
             <a:endParaRPr lang="en-GB" sz="1600" dirty="0"/>
           </a:p>
         </p:txBody>
       </p:sp>
       <p:sp>
         <p:nvSpPr>
-          <p:cNvPr id="19" name="TextBox 18"/>
+          <p:cNvPr id="9" name="TextBox 8"/>
           <p:cNvSpPr txBox="1"/>
           <p:nvPr/>
         </p:nvSpPr>
         <p:spPr>
           <a:xfrm>
-            <a:off x="3635896" y="2456892"/>
-            <a:ext cx="2376264" cy="360040"/>
+            <a:off x="6012160" y="1880828"/>
+            <a:ext cx="1224136" cy="360040"/>
           </a:xfrm>
           <a:prstGeom prst="rect">
             <a:avLst/>
           </a:prstGeom>
           <a:solidFill>
-            <a:schemeClr val="accent4">
-              <a:lumMod val="60000"/>
-              <a:lumOff val="40000"/>
+            <a:schemeClr val="accent2">
+              <a:lumMod val="40000"/>
+              <a:lumOff val="60000"/>
             </a:schemeClr>
           </a:solidFill>
           <a:ln>
@@ -12043,100 +13566,20 @@
           </a:bodyPr>
           <a:lstStyle/>
           <a:p>
-            <a:r>
-              <a:rPr lang="en-GB" sz="1600" dirty="0" smtClean="0"/>
-              <a:t>Instance</a:t>
-            </a:r>
             <a:endParaRPr lang="en-GB" sz="1600" dirty="0"/>
           </a:p>
         </p:txBody>
       </p:sp>
       <p:sp>
         <p:nvSpPr>
-          <p:cNvPr id="20" name="TextBox 19"/>
-          <p:cNvSpPr txBox="1"/>
-          <p:nvPr/>
-        </p:nvSpPr>
-        <p:spPr>
-          <a:xfrm>
-            <a:off x="1835696" y="2456892"/>
-            <a:ext cx="1800200" cy="360040"/>
-          </a:xfrm>
-          <a:prstGeom prst="rect">
-            <a:avLst/>
-          </a:prstGeom>
-          <a:solidFill>
-            <a:schemeClr val="accent4">
-              <a:lumMod val="60000"/>
-              <a:lumOff val="40000"/>
-            </a:schemeClr>
-          </a:solidFill>
-          <a:ln>
-            <a:solidFill>
-              <a:schemeClr val="tx1"/>
-            </a:solidFill>
-          </a:ln>
-        </p:spPr>
-        <p:txBody>
-          <a:bodyPr wrap="square" rtlCol="0">
-            <a:noAutofit/>
-          </a:bodyPr>
-          <a:lstStyle/>
-          <a:p>
-            <a:r>
-              <a:rPr lang="en-GB" sz="1600" dirty="0" smtClean="0"/>
-              <a:t>Value Entity (*)</a:t>
-            </a:r>
-            <a:endParaRPr lang="en-GB" sz="1600" dirty="0"/>
-          </a:p>
-        </p:txBody>
-      </p:sp>
-      <p:sp>
-        <p:nvSpPr>
-          <p:cNvPr id="21" name="TextBox 20"/>
-          <p:cNvSpPr txBox="1"/>
-          <p:nvPr/>
-        </p:nvSpPr>
-        <p:spPr>
-          <a:xfrm>
-            <a:off x="6012160" y="2456892"/>
-            <a:ext cx="1224136" cy="360040"/>
-          </a:xfrm>
-          <a:prstGeom prst="rect">
-            <a:avLst/>
-          </a:prstGeom>
-          <a:solidFill>
-            <a:schemeClr val="accent4">
-              <a:lumMod val="60000"/>
-              <a:lumOff val="40000"/>
-            </a:schemeClr>
-          </a:solidFill>
-          <a:ln>
-            <a:solidFill>
-              <a:schemeClr val="tx1"/>
-            </a:solidFill>
-          </a:ln>
-        </p:spPr>
-        <p:txBody>
-          <a:bodyPr wrap="square" rtlCol="0">
-            <a:noAutofit/>
-          </a:bodyPr>
-          <a:lstStyle/>
-          <a:p>
-            <a:endParaRPr lang="en-GB" sz="1600" dirty="0"/>
-          </a:p>
-        </p:txBody>
-      </p:sp>
-      <p:sp>
-        <p:nvSpPr>
-          <p:cNvPr id="22" name="Rectangle 21"/>
+          <p:cNvPr id="14" name="Rectangle 13"/>
           <p:cNvSpPr/>
           <p:nvPr/>
         </p:nvSpPr>
         <p:spPr>
-          <a:xfrm rot="18972962">
-            <a:off x="6484229" y="2548584"/>
-            <a:ext cx="179792" cy="187924"/>
+          <a:xfrm>
+            <a:off x="6444208" y="1952836"/>
+            <a:ext cx="252028" cy="216024"/>
           </a:xfrm>
           <a:prstGeom prst="rect">
             <a:avLst/>
@@ -12177,22 +13620,22 @@
       </p:sp>
       <p:sp>
         <p:nvSpPr>
-          <p:cNvPr id="23" name="TextBox 22"/>
+          <p:cNvPr id="15" name="TextBox 14"/>
           <p:cNvSpPr txBox="1"/>
           <p:nvPr/>
         </p:nvSpPr>
         <p:spPr>
           <a:xfrm>
-            <a:off x="3635896" y="2816932"/>
+            <a:off x="3635896" y="2240868"/>
             <a:ext cx="2376264" cy="360040"/>
           </a:xfrm>
           <a:prstGeom prst="rect">
             <a:avLst/>
           </a:prstGeom>
           <a:solidFill>
-            <a:schemeClr val="accent4">
-              <a:lumMod val="60000"/>
-              <a:lumOff val="40000"/>
+            <a:schemeClr val="accent2">
+              <a:lumMod val="40000"/>
+              <a:lumOff val="60000"/>
             </a:schemeClr>
           </a:solidFill>
           <a:ln>
@@ -12209,7 +13652,7 @@
           <a:p>
             <a:r>
               <a:rPr lang="en-GB" sz="1600" dirty="0" smtClean="0"/>
-              <a:t>Concept / Instance</a:t>
+              <a:t>Concept</a:t>
             </a:r>
             <a:endParaRPr lang="en-GB" sz="1600" dirty="0"/>
           </a:p>
@@ -12217,22 +13660,22 @@
       </p:sp>
       <p:sp>
         <p:nvSpPr>
-          <p:cNvPr id="24" name="TextBox 23"/>
+          <p:cNvPr id="16" name="TextBox 15"/>
           <p:cNvSpPr txBox="1"/>
           <p:nvPr/>
         </p:nvSpPr>
         <p:spPr>
           <a:xfrm>
-            <a:off x="1835696" y="2816932"/>
+            <a:off x="1835696" y="2240868"/>
             <a:ext cx="1800200" cy="360040"/>
           </a:xfrm>
           <a:prstGeom prst="rect">
             <a:avLst/>
           </a:prstGeom>
           <a:solidFill>
-            <a:schemeClr val="accent4">
-              <a:lumMod val="60000"/>
-              <a:lumOff val="40000"/>
+            <a:schemeClr val="accent2">
+              <a:lumMod val="40000"/>
+              <a:lumOff val="60000"/>
             </a:schemeClr>
           </a:solidFill>
           <a:ln>
@@ -12249,7 +13692,7 @@
           <a:p>
             <a:r>
               <a:rPr lang="en-GB" sz="1600" dirty="0" smtClean="0"/>
-              <a:t>Slot</a:t>
+              <a:t>Value Entity (*)</a:t>
             </a:r>
             <a:endParaRPr lang="en-GB" sz="1600" dirty="0"/>
           </a:p>
@@ -12257,22 +13700,22 @@
       </p:sp>
       <p:sp>
         <p:nvSpPr>
-          <p:cNvPr id="25" name="TextBox 24"/>
+          <p:cNvPr id="17" name="TextBox 16"/>
           <p:cNvSpPr txBox="1"/>
           <p:nvPr/>
         </p:nvSpPr>
         <p:spPr>
           <a:xfrm>
-            <a:off x="6012160" y="2816932"/>
+            <a:off x="6012160" y="2240868"/>
             <a:ext cx="1224136" cy="360040"/>
           </a:xfrm>
           <a:prstGeom prst="rect">
             <a:avLst/>
           </a:prstGeom>
           <a:solidFill>
-            <a:schemeClr val="accent4">
-              <a:lumMod val="60000"/>
-              <a:lumOff val="40000"/>
+            <a:schemeClr val="accent2">
+              <a:lumMod val="40000"/>
+              <a:lumOff val="60000"/>
             </a:schemeClr>
           </a:solidFill>
           <a:ln>
@@ -12293,16 +13736,132 @@
       </p:sp>
       <p:sp>
         <p:nvSpPr>
-          <p:cNvPr id="27" name="Oval 26"/>
+          <p:cNvPr id="19" name="TextBox 18"/>
+          <p:cNvSpPr txBox="1"/>
+          <p:nvPr/>
+        </p:nvSpPr>
+        <p:spPr>
+          <a:xfrm>
+            <a:off x="3635896" y="2600908"/>
+            <a:ext cx="2376264" cy="360040"/>
+          </a:xfrm>
+          <a:prstGeom prst="rect">
+            <a:avLst/>
+          </a:prstGeom>
+          <a:solidFill>
+            <a:schemeClr val="accent2">
+              <a:lumMod val="40000"/>
+              <a:lumOff val="60000"/>
+            </a:schemeClr>
+          </a:solidFill>
+          <a:ln>
+            <a:solidFill>
+              <a:schemeClr val="tx1"/>
+            </a:solidFill>
+          </a:ln>
+        </p:spPr>
+        <p:txBody>
+          <a:bodyPr wrap="square" rtlCol="0">
+            <a:noAutofit/>
+          </a:bodyPr>
+          <a:lstStyle/>
+          <a:p>
+            <a:r>
+              <a:rPr lang="en-GB" sz="1600" dirty="0" smtClean="0"/>
+              <a:t>Instance</a:t>
+            </a:r>
+            <a:endParaRPr lang="en-GB" sz="1600" dirty="0"/>
+          </a:p>
+        </p:txBody>
+      </p:sp>
+      <p:sp>
+        <p:nvSpPr>
+          <p:cNvPr id="20" name="TextBox 19"/>
+          <p:cNvSpPr txBox="1"/>
+          <p:nvPr/>
+        </p:nvSpPr>
+        <p:spPr>
+          <a:xfrm>
+            <a:off x="1835696" y="2600908"/>
+            <a:ext cx="1800200" cy="360040"/>
+          </a:xfrm>
+          <a:prstGeom prst="rect">
+            <a:avLst/>
+          </a:prstGeom>
+          <a:solidFill>
+            <a:schemeClr val="accent2">
+              <a:lumMod val="40000"/>
+              <a:lumOff val="60000"/>
+            </a:schemeClr>
+          </a:solidFill>
+          <a:ln>
+            <a:solidFill>
+              <a:schemeClr val="tx1"/>
+            </a:solidFill>
+          </a:ln>
+        </p:spPr>
+        <p:txBody>
+          <a:bodyPr wrap="square" rtlCol="0">
+            <a:noAutofit/>
+          </a:bodyPr>
+          <a:lstStyle/>
+          <a:p>
+            <a:r>
+              <a:rPr lang="en-GB" sz="1600" dirty="0" smtClean="0"/>
+              <a:t>Value Entity (*)</a:t>
+            </a:r>
+            <a:endParaRPr lang="en-GB" sz="1600" dirty="0"/>
+          </a:p>
+        </p:txBody>
+      </p:sp>
+      <p:sp>
+        <p:nvSpPr>
+          <p:cNvPr id="21" name="TextBox 20"/>
+          <p:cNvSpPr txBox="1"/>
+          <p:nvPr/>
+        </p:nvSpPr>
+        <p:spPr>
+          <a:xfrm>
+            <a:off x="6012160" y="2600908"/>
+            <a:ext cx="1224136" cy="360040"/>
+          </a:xfrm>
+          <a:prstGeom prst="rect">
+            <a:avLst/>
+          </a:prstGeom>
+          <a:solidFill>
+            <a:schemeClr val="accent2">
+              <a:lumMod val="40000"/>
+              <a:lumOff val="60000"/>
+            </a:schemeClr>
+          </a:solidFill>
+          <a:ln>
+            <a:solidFill>
+              <a:schemeClr val="tx1"/>
+            </a:solidFill>
+          </a:ln>
+        </p:spPr>
+        <p:txBody>
+          <a:bodyPr wrap="square" rtlCol="0">
+            <a:noAutofit/>
+          </a:bodyPr>
+          <a:lstStyle/>
+          <a:p>
+            <a:endParaRPr lang="en-GB" sz="1600" dirty="0"/>
+          </a:p>
+        </p:txBody>
+      </p:sp>
+      <p:sp>
+        <p:nvSpPr>
+          <p:cNvPr id="22" name="Rectangle 21"/>
           <p:cNvSpPr/>
           <p:nvPr/>
         </p:nvSpPr>
         <p:spPr>
-          <a:xfrm>
-            <a:off x="6444208" y="2168860"/>
-            <a:ext cx="252028" cy="216024"/>
-          </a:xfrm>
-          <a:prstGeom prst="ellipse">
+          <a:xfrm rot="18972962">
+            <a:off x="6484229" y="2692600"/>
+            <a:ext cx="179792" cy="187924"/>
+          </a:xfrm>
+          <a:prstGeom prst="rect">
             <a:avLst/>
           </a:prstGeom>
           <a:solidFill>
@@ -12341,16 +13900,132 @@
       </p:sp>
       <p:sp>
         <p:nvSpPr>
-          <p:cNvPr id="28" name="Isosceles Triangle 27"/>
+          <p:cNvPr id="23" name="TextBox 22"/>
+          <p:cNvSpPr txBox="1"/>
+          <p:nvPr/>
+        </p:nvSpPr>
+        <p:spPr>
+          <a:xfrm>
+            <a:off x="3635896" y="2960948"/>
+            <a:ext cx="2376264" cy="360040"/>
+          </a:xfrm>
+          <a:prstGeom prst="rect">
+            <a:avLst/>
+          </a:prstGeom>
+          <a:solidFill>
+            <a:schemeClr val="accent2">
+              <a:lumMod val="40000"/>
+              <a:lumOff val="60000"/>
+            </a:schemeClr>
+          </a:solidFill>
+          <a:ln>
+            <a:solidFill>
+              <a:schemeClr val="tx1"/>
+            </a:solidFill>
+          </a:ln>
+        </p:spPr>
+        <p:txBody>
+          <a:bodyPr wrap="square" rtlCol="0">
+            <a:noAutofit/>
+          </a:bodyPr>
+          <a:lstStyle/>
+          <a:p>
+            <a:r>
+              <a:rPr lang="en-GB" sz="1600" dirty="0" smtClean="0"/>
+              <a:t>Concept / Instance</a:t>
+            </a:r>
+            <a:endParaRPr lang="en-GB" sz="1600" dirty="0"/>
+          </a:p>
+        </p:txBody>
+      </p:sp>
+      <p:sp>
+        <p:nvSpPr>
+          <p:cNvPr id="24" name="TextBox 23"/>
+          <p:cNvSpPr txBox="1"/>
+          <p:nvPr/>
+        </p:nvSpPr>
+        <p:spPr>
+          <a:xfrm>
+            <a:off x="1835696" y="2960948"/>
+            <a:ext cx="1800200" cy="360040"/>
+          </a:xfrm>
+          <a:prstGeom prst="rect">
+            <a:avLst/>
+          </a:prstGeom>
+          <a:solidFill>
+            <a:schemeClr val="accent2">
+              <a:lumMod val="40000"/>
+              <a:lumOff val="60000"/>
+            </a:schemeClr>
+          </a:solidFill>
+          <a:ln>
+            <a:solidFill>
+              <a:schemeClr val="tx1"/>
+            </a:solidFill>
+          </a:ln>
+        </p:spPr>
+        <p:txBody>
+          <a:bodyPr wrap="square" rtlCol="0">
+            <a:noAutofit/>
+          </a:bodyPr>
+          <a:lstStyle/>
+          <a:p>
+            <a:r>
+              <a:rPr lang="en-GB" sz="1600" dirty="0" smtClean="0"/>
+              <a:t>Slot</a:t>
+            </a:r>
+            <a:endParaRPr lang="en-GB" sz="1600" dirty="0"/>
+          </a:p>
+        </p:txBody>
+      </p:sp>
+      <p:sp>
+        <p:nvSpPr>
+          <p:cNvPr id="25" name="TextBox 24"/>
+          <p:cNvSpPr txBox="1"/>
+          <p:nvPr/>
+        </p:nvSpPr>
+        <p:spPr>
+          <a:xfrm>
+            <a:off x="6012160" y="2960948"/>
+            <a:ext cx="1224136" cy="360040"/>
+          </a:xfrm>
+          <a:prstGeom prst="rect">
+            <a:avLst/>
+          </a:prstGeom>
+          <a:solidFill>
+            <a:schemeClr val="accent2">
+              <a:lumMod val="40000"/>
+              <a:lumOff val="60000"/>
+            </a:schemeClr>
+          </a:solidFill>
+          <a:ln>
+            <a:solidFill>
+              <a:schemeClr val="tx1"/>
+            </a:solidFill>
+          </a:ln>
+        </p:spPr>
+        <p:txBody>
+          <a:bodyPr wrap="square" rtlCol="0">
+            <a:noAutofit/>
+          </a:bodyPr>
+          <a:lstStyle/>
+          <a:p>
+            <a:endParaRPr lang="en-GB" sz="1600" dirty="0"/>
+          </a:p>
+        </p:txBody>
+      </p:sp>
+      <p:sp>
+        <p:nvSpPr>
+          <p:cNvPr id="27" name="Oval 26"/>
           <p:cNvSpPr/>
           <p:nvPr/>
         </p:nvSpPr>
         <p:spPr>
-          <a:xfrm rot="5400000">
-            <a:off x="6462210" y="2870938"/>
-            <a:ext cx="216024" cy="252028"/>
-          </a:xfrm>
-          <a:prstGeom prst="triangle">
+          <a:xfrm>
+            <a:off x="6444208" y="2312876"/>
+            <a:ext cx="252028" cy="216024"/>
+          </a:xfrm>
+          <a:prstGeom prst="ellipse">
             <a:avLst/>
           </a:prstGeom>
           <a:solidFill>
@@ -12389,629 +14064,20 @@
       </p:sp>
       <p:sp>
         <p:nvSpPr>
-          <p:cNvPr id="90" name="TextBox 89"/>
-          <p:cNvSpPr txBox="1"/>
+          <p:cNvPr id="28" name="Isosceles Triangle 27"/>
+          <p:cNvSpPr/>
           <p:nvPr/>
         </p:nvSpPr>
         <p:spPr>
-          <a:xfrm>
-            <a:off x="1871700" y="3176972"/>
-            <a:ext cx="1908212" cy="360040"/>
-          </a:xfrm>
-          <a:prstGeom prst="rect">
-            <a:avLst/>
-          </a:prstGeom>
-          <a:noFill/>
-          <a:ln>
-            <a:noFill/>
-          </a:ln>
-        </p:spPr>
-        <p:txBody>
-          <a:bodyPr wrap="square" rtlCol="0">
-            <a:noAutofit/>
-          </a:bodyPr>
-          <a:lstStyle/>
-          <a:p>
-            <a:r>
-              <a:rPr lang="en-GB" sz="1600" dirty="0" smtClean="0"/>
-              <a:t>* Frame OR Number</a:t>
-            </a:r>
-          </a:p>
-        </p:txBody>
-      </p:sp>
-      <p:sp>
-        <p:nvSpPr>
-          <p:cNvPr id="49" name="TextBox 48"/>
-          <p:cNvSpPr txBox="1"/>
-          <p:nvPr/>
-        </p:nvSpPr>
-        <p:spPr>
-          <a:xfrm>
-            <a:off x="5796136" y="4077072"/>
-            <a:ext cx="1440160" cy="360040"/>
-          </a:xfrm>
-          <a:prstGeom prst="rect">
+          <a:xfrm rot="5400000">
+            <a:off x="6462210" y="3014954"/>
+            <a:ext cx="216024" cy="252028"/>
+          </a:xfrm>
+          <a:prstGeom prst="triangle">
             <a:avLst/>
           </a:prstGeom>
           <a:solidFill>
-            <a:srgbClr val="765B97"/>
-          </a:solidFill>
-          <a:ln>
-            <a:solidFill>
-              <a:schemeClr val="tx1"/>
-            </a:solidFill>
-          </a:ln>
-        </p:spPr>
-        <p:txBody>
-          <a:bodyPr wrap="square" rtlCol="0">
-            <a:noAutofit/>
-          </a:bodyPr>
-          <a:lstStyle/>
-          <a:p>
-            <a:r>
-              <a:rPr lang="en-GB" sz="1600" b="1" dirty="0" smtClean="0"/>
-              <a:t>Icon Colour(s)</a:t>
-            </a:r>
-            <a:endParaRPr lang="en-GB" sz="1600" b="1" dirty="0"/>
-          </a:p>
-        </p:txBody>
-      </p:sp>
-      <p:sp>
-        <p:nvSpPr>
-          <p:cNvPr id="50" name="TextBox 49"/>
-          <p:cNvSpPr txBox="1"/>
-          <p:nvPr/>
-        </p:nvSpPr>
-        <p:spPr>
-          <a:xfrm>
-            <a:off x="1835696" y="4077072"/>
-            <a:ext cx="1800200" cy="360040"/>
-          </a:xfrm>
-          <a:prstGeom prst="rect">
-            <a:avLst/>
-          </a:prstGeom>
-          <a:solidFill>
-            <a:srgbClr val="765B97"/>
-          </a:solidFill>
-          <a:ln>
-            <a:solidFill>
-              <a:schemeClr val="tx1"/>
-            </a:solidFill>
-          </a:ln>
-        </p:spPr>
-        <p:txBody>
-          <a:bodyPr wrap="square" rtlCol="0">
-            <a:noAutofit/>
-          </a:bodyPr>
-          <a:lstStyle/>
-          <a:p>
-            <a:r>
-              <a:rPr lang="en-GB" sz="1600" b="1" dirty="0" smtClean="0"/>
-              <a:t>Entity Category</a:t>
-            </a:r>
-            <a:endParaRPr lang="en-GB" sz="1600" b="1" dirty="0"/>
-          </a:p>
-        </p:txBody>
-      </p:sp>
-      <p:sp>
-        <p:nvSpPr>
-          <p:cNvPr id="52" name="TextBox 51"/>
-          <p:cNvSpPr txBox="1"/>
-          <p:nvPr/>
-        </p:nvSpPr>
-        <p:spPr>
-          <a:xfrm>
-            <a:off x="5796136" y="4797152"/>
-            <a:ext cx="1440160" cy="360040"/>
-          </a:xfrm>
-          <a:prstGeom prst="rect">
-            <a:avLst/>
-          </a:prstGeom>
-          <a:solidFill>
-            <a:schemeClr val="accent4">
-              <a:lumMod val="60000"/>
-              <a:lumOff val="40000"/>
-            </a:schemeClr>
-          </a:solidFill>
-          <a:ln>
-            <a:solidFill>
-              <a:schemeClr val="tx1"/>
-            </a:solidFill>
-          </a:ln>
-        </p:spPr>
-        <p:txBody>
-          <a:bodyPr wrap="square" rtlCol="0">
-            <a:noAutofit/>
-          </a:bodyPr>
-          <a:lstStyle/>
-          <a:p>
-            <a:endParaRPr lang="en-GB" sz="1600" dirty="0"/>
-          </a:p>
-        </p:txBody>
-      </p:sp>
-      <p:sp>
-        <p:nvSpPr>
-          <p:cNvPr id="53" name="TextBox 52"/>
-          <p:cNvSpPr txBox="1"/>
-          <p:nvPr/>
-        </p:nvSpPr>
-        <p:spPr>
-          <a:xfrm>
-            <a:off x="1835696" y="4797152"/>
-            <a:ext cx="1800200" cy="360040"/>
-          </a:xfrm>
-          <a:prstGeom prst="rect">
-            <a:avLst/>
-          </a:prstGeom>
-          <a:solidFill>
-            <a:schemeClr val="accent4">
-              <a:lumMod val="60000"/>
-              <a:lumOff val="40000"/>
-            </a:schemeClr>
-          </a:solidFill>
-          <a:ln>
-            <a:solidFill>
-              <a:schemeClr val="tx1"/>
-            </a:solidFill>
-          </a:ln>
-        </p:spPr>
-        <p:txBody>
-          <a:bodyPr wrap="square" rtlCol="0">
-            <a:noAutofit/>
-          </a:bodyPr>
-          <a:lstStyle/>
-          <a:p>
-            <a:r>
-              <a:rPr lang="en-GB" sz="1600" dirty="0" smtClean="0"/>
-              <a:t>Frame/Slot</a:t>
-            </a:r>
-            <a:endParaRPr lang="en-GB" sz="1600" dirty="0"/>
-          </a:p>
-        </p:txBody>
-      </p:sp>
-      <p:sp>
-        <p:nvSpPr>
-          <p:cNvPr id="56" name="TextBox 55"/>
-          <p:cNvSpPr txBox="1"/>
-          <p:nvPr/>
-        </p:nvSpPr>
-        <p:spPr>
-          <a:xfrm>
-            <a:off x="5796136" y="5517232"/>
-            <a:ext cx="1440160" cy="360040"/>
-          </a:xfrm>
-          <a:prstGeom prst="rect">
-            <a:avLst/>
-          </a:prstGeom>
-          <a:solidFill>
-            <a:schemeClr val="accent4">
-              <a:lumMod val="60000"/>
-              <a:lumOff val="40000"/>
-            </a:schemeClr>
-          </a:solidFill>
-          <a:ln>
-            <a:solidFill>
-              <a:schemeClr val="tx1"/>
-            </a:solidFill>
-          </a:ln>
-        </p:spPr>
-        <p:txBody>
-          <a:bodyPr wrap="square" rtlCol="0">
-            <a:noAutofit/>
-          </a:bodyPr>
-          <a:lstStyle/>
-          <a:p>
-            <a:endParaRPr lang="en-GB" sz="1600" dirty="0"/>
-          </a:p>
-        </p:txBody>
-      </p:sp>
-      <p:sp>
-        <p:nvSpPr>
-          <p:cNvPr id="57" name="TextBox 56"/>
-          <p:cNvSpPr txBox="1"/>
-          <p:nvPr/>
-        </p:nvSpPr>
-        <p:spPr>
-          <a:xfrm>
-            <a:off x="1835696" y="5517232"/>
-            <a:ext cx="1800200" cy="360040"/>
-          </a:xfrm>
-          <a:prstGeom prst="rect">
-            <a:avLst/>
-          </a:prstGeom>
-          <a:solidFill>
-            <a:schemeClr val="accent4">
-              <a:lumMod val="60000"/>
-              <a:lumOff val="40000"/>
-            </a:schemeClr>
-          </a:solidFill>
-          <a:ln>
-            <a:solidFill>
-              <a:schemeClr val="tx1"/>
-            </a:solidFill>
-          </a:ln>
-        </p:spPr>
-        <p:txBody>
-          <a:bodyPr wrap="square" rtlCol="0">
-            <a:noAutofit/>
-          </a:bodyPr>
-          <a:lstStyle/>
-          <a:p>
-            <a:r>
-              <a:rPr lang="en-GB" sz="1600" dirty="0" smtClean="0"/>
-              <a:t>Number</a:t>
-            </a:r>
-            <a:endParaRPr lang="en-GB" sz="1600" dirty="0"/>
-          </a:p>
-        </p:txBody>
-      </p:sp>
-      <p:sp>
-        <p:nvSpPr>
-          <p:cNvPr id="68" name="TextBox 67"/>
-          <p:cNvSpPr txBox="1"/>
-          <p:nvPr/>
-        </p:nvSpPr>
-        <p:spPr>
-          <a:xfrm>
-            <a:off x="3635896" y="4077072"/>
-            <a:ext cx="2160240" cy="360040"/>
-          </a:xfrm>
-          <a:prstGeom prst="rect">
-            <a:avLst/>
-          </a:prstGeom>
-          <a:solidFill>
-            <a:srgbClr val="765B97"/>
-          </a:solidFill>
-          <a:ln>
-            <a:solidFill>
-              <a:schemeClr val="tx1"/>
-            </a:solidFill>
-          </a:ln>
-        </p:spPr>
-        <p:txBody>
-          <a:bodyPr wrap="square" rtlCol="0">
-            <a:noAutofit/>
-          </a:bodyPr>
-          <a:lstStyle/>
-          <a:p>
-            <a:r>
-              <a:rPr lang="en-GB" sz="1600" b="1" dirty="0" smtClean="0"/>
-              <a:t>Entity Source</a:t>
-            </a:r>
-            <a:endParaRPr lang="en-GB" sz="1600" b="1" dirty="0"/>
-          </a:p>
-        </p:txBody>
-      </p:sp>
-      <p:sp>
-        <p:nvSpPr>
-          <p:cNvPr id="69" name="TextBox 68"/>
-          <p:cNvSpPr txBox="1"/>
-          <p:nvPr/>
-        </p:nvSpPr>
-        <p:spPr>
-          <a:xfrm>
-            <a:off x="3635896" y="4797152"/>
-            <a:ext cx="2160240" cy="360040"/>
-          </a:xfrm>
-          <a:prstGeom prst="rect">
-            <a:avLst/>
-          </a:prstGeom>
-          <a:solidFill>
-            <a:schemeClr val="accent4">
-              <a:lumMod val="60000"/>
-              <a:lumOff val="40000"/>
-            </a:schemeClr>
-          </a:solidFill>
-          <a:ln>
-            <a:solidFill>
-              <a:schemeClr val="tx1"/>
-            </a:solidFill>
-          </a:ln>
-        </p:spPr>
-        <p:txBody>
-          <a:bodyPr wrap="square" rtlCol="0">
-            <a:noAutofit/>
-          </a:bodyPr>
-          <a:lstStyle/>
-          <a:p>
-            <a:r>
-              <a:rPr lang="en-GB" sz="1600" dirty="0" smtClean="0"/>
-              <a:t>Internal (EKS)</a:t>
-            </a:r>
-            <a:endParaRPr lang="en-GB" sz="1600" dirty="0"/>
-          </a:p>
-        </p:txBody>
-      </p:sp>
-      <p:sp>
-        <p:nvSpPr>
-          <p:cNvPr id="70" name="TextBox 69"/>
-          <p:cNvSpPr txBox="1"/>
-          <p:nvPr/>
-        </p:nvSpPr>
-        <p:spPr>
-          <a:xfrm>
-            <a:off x="3635896" y="5517232"/>
-            <a:ext cx="2160240" cy="360040"/>
-          </a:xfrm>
-          <a:prstGeom prst="rect">
-            <a:avLst/>
-          </a:prstGeom>
-          <a:solidFill>
-            <a:schemeClr val="accent4">
-              <a:lumMod val="60000"/>
-              <a:lumOff val="40000"/>
-            </a:schemeClr>
-          </a:solidFill>
-          <a:ln>
-            <a:solidFill>
-              <a:schemeClr val="tx1"/>
-            </a:solidFill>
-          </a:ln>
-        </p:spPr>
-        <p:txBody>
-          <a:bodyPr wrap="square" rtlCol="0">
-            <a:noAutofit/>
-          </a:bodyPr>
-          <a:lstStyle/>
-          <a:p>
-            <a:r>
-              <a:rPr lang="en-GB" sz="1600" dirty="0" smtClean="0"/>
-              <a:t>ANY</a:t>
-            </a:r>
-            <a:endParaRPr lang="en-GB" sz="1600" dirty="0"/>
-          </a:p>
-        </p:txBody>
-      </p:sp>
-      <p:sp>
-        <p:nvSpPr>
-          <p:cNvPr id="71" name="TextBox 70"/>
-          <p:cNvSpPr txBox="1"/>
-          <p:nvPr/>
-        </p:nvSpPr>
-        <p:spPr>
-          <a:xfrm>
-            <a:off x="5796136" y="4437112"/>
-            <a:ext cx="1440160" cy="360040"/>
-          </a:xfrm>
-          <a:prstGeom prst="rect">
-            <a:avLst/>
-          </a:prstGeom>
-          <a:solidFill>
-            <a:schemeClr val="accent4">
-              <a:lumMod val="60000"/>
-              <a:lumOff val="40000"/>
-            </a:schemeClr>
-          </a:solidFill>
-          <a:ln>
-            <a:solidFill>
-              <a:schemeClr val="tx1"/>
-            </a:solidFill>
-          </a:ln>
-        </p:spPr>
-        <p:txBody>
-          <a:bodyPr wrap="square" rtlCol="0">
-            <a:noAutofit/>
-          </a:bodyPr>
-          <a:lstStyle/>
-          <a:p>
-            <a:endParaRPr lang="en-GB" sz="1600" dirty="0"/>
-          </a:p>
-        </p:txBody>
-      </p:sp>
-      <p:sp>
-        <p:nvSpPr>
-          <p:cNvPr id="72" name="TextBox 71"/>
-          <p:cNvSpPr txBox="1"/>
-          <p:nvPr/>
-        </p:nvSpPr>
-        <p:spPr>
-          <a:xfrm>
-            <a:off x="1835696" y="4437112"/>
-            <a:ext cx="1800200" cy="360040"/>
-          </a:xfrm>
-          <a:prstGeom prst="rect">
-            <a:avLst/>
-          </a:prstGeom>
-          <a:solidFill>
-            <a:schemeClr val="accent4">
-              <a:lumMod val="60000"/>
-              <a:lumOff val="40000"/>
-            </a:schemeClr>
-          </a:solidFill>
-          <a:ln>
-            <a:solidFill>
-              <a:schemeClr val="tx1"/>
-            </a:solidFill>
-          </a:ln>
-        </p:spPr>
-        <p:txBody>
-          <a:bodyPr wrap="square" rtlCol="0">
-            <a:noAutofit/>
-          </a:bodyPr>
-          <a:lstStyle/>
-          <a:p>
-            <a:r>
-              <a:rPr lang="en-GB" sz="1600" dirty="0" smtClean="0"/>
-              <a:t>Frame/Slot</a:t>
-            </a:r>
-            <a:endParaRPr lang="en-GB" sz="1600" dirty="0"/>
-          </a:p>
-        </p:txBody>
-      </p:sp>
-      <p:sp>
-        <p:nvSpPr>
-          <p:cNvPr id="73" name="TextBox 72"/>
-          <p:cNvSpPr txBox="1"/>
-          <p:nvPr/>
-        </p:nvSpPr>
-        <p:spPr>
-          <a:xfrm>
-            <a:off x="3635896" y="4437112"/>
-            <a:ext cx="2160240" cy="360040"/>
-          </a:xfrm>
-          <a:prstGeom prst="rect">
-            <a:avLst/>
-          </a:prstGeom>
-          <a:solidFill>
-            <a:schemeClr val="accent4">
-              <a:lumMod val="60000"/>
-              <a:lumOff val="40000"/>
-            </a:schemeClr>
-          </a:solidFill>
-          <a:ln>
-            <a:solidFill>
-              <a:schemeClr val="tx1"/>
-            </a:solidFill>
-          </a:ln>
-        </p:spPr>
-        <p:txBody>
-          <a:bodyPr wrap="square" rtlCol="0">
-            <a:noAutofit/>
-          </a:bodyPr>
-          <a:lstStyle/>
-          <a:p>
-            <a:r>
-              <a:rPr lang="en-GB" sz="1600" dirty="0" smtClean="0"/>
-              <a:t>External (OM)</a:t>
-            </a:r>
-            <a:endParaRPr lang="en-GB" sz="1600" dirty="0"/>
-          </a:p>
-        </p:txBody>
-      </p:sp>
-      <p:sp>
-        <p:nvSpPr>
-          <p:cNvPr id="74" name="TextBox 73"/>
-          <p:cNvSpPr txBox="1"/>
-          <p:nvPr/>
-        </p:nvSpPr>
-        <p:spPr>
-          <a:xfrm>
-            <a:off x="5796136" y="5157192"/>
-            <a:ext cx="1440160" cy="360040"/>
-          </a:xfrm>
-          <a:prstGeom prst="rect">
-            <a:avLst/>
-          </a:prstGeom>
-          <a:solidFill>
-            <a:schemeClr val="accent4">
-              <a:lumMod val="60000"/>
-              <a:lumOff val="40000"/>
-            </a:schemeClr>
-          </a:solidFill>
-          <a:ln>
-            <a:solidFill>
-              <a:schemeClr val="tx1"/>
-            </a:solidFill>
-          </a:ln>
-        </p:spPr>
-        <p:txBody>
-          <a:bodyPr wrap="square" rtlCol="0">
-            <a:noAutofit/>
-          </a:bodyPr>
-          <a:lstStyle/>
-          <a:p>
-            <a:endParaRPr lang="en-GB" sz="1600" dirty="0"/>
-          </a:p>
-        </p:txBody>
-      </p:sp>
-      <p:sp>
-        <p:nvSpPr>
-          <p:cNvPr id="75" name="TextBox 74"/>
-          <p:cNvSpPr txBox="1"/>
-          <p:nvPr/>
-        </p:nvSpPr>
-        <p:spPr>
-          <a:xfrm>
-            <a:off x="1835696" y="5157192"/>
-            <a:ext cx="1800200" cy="360040"/>
-          </a:xfrm>
-          <a:prstGeom prst="rect">
-            <a:avLst/>
-          </a:prstGeom>
-          <a:solidFill>
-            <a:schemeClr val="accent4">
-              <a:lumMod val="60000"/>
-              <a:lumOff val="40000"/>
-            </a:schemeClr>
-          </a:solidFill>
-          <a:ln>
-            <a:solidFill>
-              <a:schemeClr val="tx1"/>
-            </a:solidFill>
-          </a:ln>
-        </p:spPr>
-        <p:txBody>
-          <a:bodyPr wrap="square" rtlCol="0">
-            <a:noAutofit/>
-          </a:bodyPr>
-          <a:lstStyle/>
-          <a:p>
-            <a:r>
-              <a:rPr lang="en-GB" sz="1600" dirty="0" smtClean="0"/>
-              <a:t>Frame/Slot</a:t>
-            </a:r>
-            <a:endParaRPr lang="en-GB" sz="1600" dirty="0"/>
-          </a:p>
-        </p:txBody>
-      </p:sp>
-      <p:sp>
-        <p:nvSpPr>
-          <p:cNvPr id="76" name="TextBox 75"/>
-          <p:cNvSpPr txBox="1"/>
-          <p:nvPr/>
-        </p:nvSpPr>
-        <p:spPr>
-          <a:xfrm>
-            <a:off x="3635896" y="5157192"/>
-            <a:ext cx="2160240" cy="360040"/>
-          </a:xfrm>
-          <a:prstGeom prst="rect">
-            <a:avLst/>
-          </a:prstGeom>
-          <a:solidFill>
-            <a:schemeClr val="accent4">
-              <a:lumMod val="60000"/>
-              <a:lumOff val="40000"/>
-            </a:schemeClr>
-          </a:solidFill>
-          <a:ln>
-            <a:solidFill>
-              <a:schemeClr val="tx1"/>
-            </a:solidFill>
-          </a:ln>
-        </p:spPr>
-        <p:txBody>
-          <a:bodyPr wrap="square" rtlCol="0">
-            <a:noAutofit/>
-          </a:bodyPr>
-          <a:lstStyle/>
-          <a:p>
-            <a:r>
-              <a:rPr lang="en-GB" sz="1600" dirty="0" smtClean="0"/>
-              <a:t>Dual (EKS + OM)</a:t>
-            </a:r>
-            <a:endParaRPr lang="en-GB" sz="1600" dirty="0"/>
-          </a:p>
-        </p:txBody>
-      </p:sp>
-      <p:sp>
-        <p:nvSpPr>
-          <p:cNvPr id="51" name="Rounded Rectangle 50"/>
-          <p:cNvSpPr/>
-          <p:nvPr/>
-        </p:nvSpPr>
-        <p:spPr>
-          <a:xfrm>
-            <a:off x="6336196" y="4509120"/>
-            <a:ext cx="360040" cy="216024"/>
-          </a:xfrm>
-          <a:prstGeom prst="roundRect">
-            <a:avLst>
-              <a:gd name="adj" fmla="val 50000"/>
-            </a:avLst>
-          </a:prstGeom>
-          <a:solidFill>
-            <a:srgbClr val="FF0000"/>
+            <a:schemeClr val="bg1"/>
           </a:solidFill>
           <a:ln w="9525">
             <a:solidFill>
@@ -13040,19 +14106,626 @@
           <a:lstStyle/>
           <a:p>
             <a:pPr algn="ctr"/>
-            <a:endParaRPr lang="en-GB"/>
-          </a:p>
-        </p:txBody>
-      </p:sp>
-      <p:sp>
-        <p:nvSpPr>
-          <p:cNvPr id="54" name="Rounded Rectangle 53"/>
+            <a:endParaRPr lang="en-GB" sz="1600"/>
+          </a:p>
+        </p:txBody>
+      </p:sp>
+      <p:sp>
+        <p:nvSpPr>
+          <p:cNvPr id="90" name="TextBox 89"/>
+          <p:cNvSpPr txBox="1"/>
+          <p:nvPr/>
+        </p:nvSpPr>
+        <p:spPr>
+          <a:xfrm>
+            <a:off x="1871700" y="3320988"/>
+            <a:ext cx="1908212" cy="360040"/>
+          </a:xfrm>
+          <a:prstGeom prst="rect">
+            <a:avLst/>
+          </a:prstGeom>
+          <a:noFill/>
+          <a:ln>
+            <a:noFill/>
+          </a:ln>
+        </p:spPr>
+        <p:txBody>
+          <a:bodyPr wrap="square" rtlCol="0">
+            <a:noAutofit/>
+          </a:bodyPr>
+          <a:lstStyle/>
+          <a:p>
+            <a:r>
+              <a:rPr lang="en-GB" sz="1600" dirty="0" smtClean="0"/>
+              <a:t>* Frame OR Number</a:t>
+            </a:r>
+          </a:p>
+        </p:txBody>
+      </p:sp>
+      <p:sp>
+        <p:nvSpPr>
+          <p:cNvPr id="49" name="TextBox 48"/>
+          <p:cNvSpPr txBox="1"/>
+          <p:nvPr/>
+        </p:nvSpPr>
+        <p:spPr>
+          <a:xfrm>
+            <a:off x="5796136" y="4221088"/>
+            <a:ext cx="1440160" cy="360040"/>
+          </a:xfrm>
+          <a:prstGeom prst="rect">
+            <a:avLst/>
+          </a:prstGeom>
+          <a:solidFill>
+            <a:srgbClr val="C35855"/>
+          </a:solidFill>
+          <a:ln>
+            <a:solidFill>
+              <a:schemeClr val="tx1"/>
+            </a:solidFill>
+          </a:ln>
+        </p:spPr>
+        <p:txBody>
+          <a:bodyPr wrap="square" rtlCol="0">
+            <a:noAutofit/>
+          </a:bodyPr>
+          <a:lstStyle/>
+          <a:p>
+            <a:r>
+              <a:rPr lang="en-GB" sz="1600" b="1" dirty="0" smtClean="0"/>
+              <a:t>Icon Colour(s)</a:t>
+            </a:r>
+            <a:endParaRPr lang="en-GB" sz="1600" b="1" dirty="0"/>
+          </a:p>
+        </p:txBody>
+      </p:sp>
+      <p:sp>
+        <p:nvSpPr>
+          <p:cNvPr id="50" name="TextBox 49"/>
+          <p:cNvSpPr txBox="1"/>
+          <p:nvPr/>
+        </p:nvSpPr>
+        <p:spPr>
+          <a:xfrm>
+            <a:off x="1835696" y="4221088"/>
+            <a:ext cx="1800200" cy="360040"/>
+          </a:xfrm>
+          <a:prstGeom prst="rect">
+            <a:avLst/>
+          </a:prstGeom>
+          <a:solidFill>
+            <a:srgbClr val="C35855"/>
+          </a:solidFill>
+          <a:ln>
+            <a:solidFill>
+              <a:schemeClr val="tx1"/>
+            </a:solidFill>
+          </a:ln>
+        </p:spPr>
+        <p:txBody>
+          <a:bodyPr wrap="square" rtlCol="0">
+            <a:noAutofit/>
+          </a:bodyPr>
+          <a:lstStyle/>
+          <a:p>
+            <a:r>
+              <a:rPr lang="en-GB" sz="1600" b="1" dirty="0" smtClean="0"/>
+              <a:t>Entity Category</a:t>
+            </a:r>
+            <a:endParaRPr lang="en-GB" sz="1600" b="1" dirty="0"/>
+          </a:p>
+        </p:txBody>
+      </p:sp>
+      <p:sp>
+        <p:nvSpPr>
+          <p:cNvPr id="52" name="TextBox 51"/>
+          <p:cNvSpPr txBox="1"/>
+          <p:nvPr/>
+        </p:nvSpPr>
+        <p:spPr>
+          <a:xfrm>
+            <a:off x="5796136" y="4941168"/>
+            <a:ext cx="1440160" cy="360040"/>
+          </a:xfrm>
+          <a:prstGeom prst="rect">
+            <a:avLst/>
+          </a:prstGeom>
+          <a:solidFill>
+            <a:schemeClr val="accent2">
+              <a:lumMod val="40000"/>
+              <a:lumOff val="60000"/>
+            </a:schemeClr>
+          </a:solidFill>
+          <a:ln>
+            <a:solidFill>
+              <a:schemeClr val="tx1"/>
+            </a:solidFill>
+          </a:ln>
+        </p:spPr>
+        <p:txBody>
+          <a:bodyPr wrap="square" rtlCol="0">
+            <a:noAutofit/>
+          </a:bodyPr>
+          <a:lstStyle/>
+          <a:p>
+            <a:endParaRPr lang="en-GB" sz="1600" dirty="0"/>
+          </a:p>
+        </p:txBody>
+      </p:sp>
+      <p:sp>
+        <p:nvSpPr>
+          <p:cNvPr id="53" name="TextBox 52"/>
+          <p:cNvSpPr txBox="1"/>
+          <p:nvPr/>
+        </p:nvSpPr>
+        <p:spPr>
+          <a:xfrm>
+            <a:off x="1835696" y="4941168"/>
+            <a:ext cx="1800200" cy="360040"/>
+          </a:xfrm>
+          <a:prstGeom prst="rect">
+            <a:avLst/>
+          </a:prstGeom>
+          <a:solidFill>
+            <a:schemeClr val="accent2">
+              <a:lumMod val="40000"/>
+              <a:lumOff val="60000"/>
+            </a:schemeClr>
+          </a:solidFill>
+          <a:ln>
+            <a:solidFill>
+              <a:schemeClr val="tx1"/>
+            </a:solidFill>
+          </a:ln>
+        </p:spPr>
+        <p:txBody>
+          <a:bodyPr wrap="square" rtlCol="0">
+            <a:noAutofit/>
+          </a:bodyPr>
+          <a:lstStyle/>
+          <a:p>
+            <a:r>
+              <a:rPr lang="en-GB" sz="1600" dirty="0" smtClean="0"/>
+              <a:t>Frame/Slot</a:t>
+            </a:r>
+            <a:endParaRPr lang="en-GB" sz="1600" dirty="0"/>
+          </a:p>
+        </p:txBody>
+      </p:sp>
+      <p:sp>
+        <p:nvSpPr>
+          <p:cNvPr id="56" name="TextBox 55"/>
+          <p:cNvSpPr txBox="1"/>
+          <p:nvPr/>
+        </p:nvSpPr>
+        <p:spPr>
+          <a:xfrm>
+            <a:off x="5796136" y="5661248"/>
+            <a:ext cx="1440160" cy="360040"/>
+          </a:xfrm>
+          <a:prstGeom prst="rect">
+            <a:avLst/>
+          </a:prstGeom>
+          <a:solidFill>
+            <a:schemeClr val="accent2">
+              <a:lumMod val="40000"/>
+              <a:lumOff val="60000"/>
+            </a:schemeClr>
+          </a:solidFill>
+          <a:ln>
+            <a:solidFill>
+              <a:schemeClr val="tx1"/>
+            </a:solidFill>
+          </a:ln>
+        </p:spPr>
+        <p:txBody>
+          <a:bodyPr wrap="square" rtlCol="0">
+            <a:noAutofit/>
+          </a:bodyPr>
+          <a:lstStyle/>
+          <a:p>
+            <a:endParaRPr lang="en-GB" sz="1600" dirty="0"/>
+          </a:p>
+        </p:txBody>
+      </p:sp>
+      <p:sp>
+        <p:nvSpPr>
+          <p:cNvPr id="57" name="TextBox 56"/>
+          <p:cNvSpPr txBox="1"/>
+          <p:nvPr/>
+        </p:nvSpPr>
+        <p:spPr>
+          <a:xfrm>
+            <a:off x="1835696" y="5661248"/>
+            <a:ext cx="1800200" cy="360040"/>
+          </a:xfrm>
+          <a:prstGeom prst="rect">
+            <a:avLst/>
+          </a:prstGeom>
+          <a:solidFill>
+            <a:schemeClr val="accent2">
+              <a:lumMod val="40000"/>
+              <a:lumOff val="60000"/>
+            </a:schemeClr>
+          </a:solidFill>
+          <a:ln>
+            <a:solidFill>
+              <a:schemeClr val="tx1"/>
+            </a:solidFill>
+          </a:ln>
+        </p:spPr>
+        <p:txBody>
+          <a:bodyPr wrap="square" rtlCol="0">
+            <a:noAutofit/>
+          </a:bodyPr>
+          <a:lstStyle/>
+          <a:p>
+            <a:r>
+              <a:rPr lang="en-GB" sz="1600" dirty="0" smtClean="0"/>
+              <a:t>Number</a:t>
+            </a:r>
+            <a:endParaRPr lang="en-GB" sz="1600" dirty="0"/>
+          </a:p>
+        </p:txBody>
+      </p:sp>
+      <p:sp>
+        <p:nvSpPr>
+          <p:cNvPr id="68" name="TextBox 67"/>
+          <p:cNvSpPr txBox="1"/>
+          <p:nvPr/>
+        </p:nvSpPr>
+        <p:spPr>
+          <a:xfrm>
+            <a:off x="3635896" y="4221088"/>
+            <a:ext cx="2160240" cy="360040"/>
+          </a:xfrm>
+          <a:prstGeom prst="rect">
+            <a:avLst/>
+          </a:prstGeom>
+          <a:solidFill>
+            <a:srgbClr val="C35855"/>
+          </a:solidFill>
+          <a:ln>
+            <a:solidFill>
+              <a:schemeClr val="tx1"/>
+            </a:solidFill>
+          </a:ln>
+        </p:spPr>
+        <p:txBody>
+          <a:bodyPr wrap="square" rtlCol="0">
+            <a:noAutofit/>
+          </a:bodyPr>
+          <a:lstStyle/>
+          <a:p>
+            <a:r>
+              <a:rPr lang="en-GB" sz="1600" b="1" dirty="0" smtClean="0"/>
+              <a:t>Entity Source</a:t>
+            </a:r>
+            <a:endParaRPr lang="en-GB" sz="1600" b="1" dirty="0"/>
+          </a:p>
+        </p:txBody>
+      </p:sp>
+      <p:sp>
+        <p:nvSpPr>
+          <p:cNvPr id="69" name="TextBox 68"/>
+          <p:cNvSpPr txBox="1"/>
+          <p:nvPr/>
+        </p:nvSpPr>
+        <p:spPr>
+          <a:xfrm>
+            <a:off x="3635896" y="4941168"/>
+            <a:ext cx="2160240" cy="360040"/>
+          </a:xfrm>
+          <a:prstGeom prst="rect">
+            <a:avLst/>
+          </a:prstGeom>
+          <a:solidFill>
+            <a:schemeClr val="accent2">
+              <a:lumMod val="40000"/>
+              <a:lumOff val="60000"/>
+            </a:schemeClr>
+          </a:solidFill>
+          <a:ln>
+            <a:solidFill>
+              <a:schemeClr val="tx1"/>
+            </a:solidFill>
+          </a:ln>
+        </p:spPr>
+        <p:txBody>
+          <a:bodyPr wrap="square" rtlCol="0">
+            <a:noAutofit/>
+          </a:bodyPr>
+          <a:lstStyle/>
+          <a:p>
+            <a:r>
+              <a:rPr lang="en-GB" sz="1600" dirty="0" smtClean="0"/>
+              <a:t>Internal (EKS)</a:t>
+            </a:r>
+            <a:endParaRPr lang="en-GB" sz="1600" dirty="0"/>
+          </a:p>
+        </p:txBody>
+      </p:sp>
+      <p:sp>
+        <p:nvSpPr>
+          <p:cNvPr id="70" name="TextBox 69"/>
+          <p:cNvSpPr txBox="1"/>
+          <p:nvPr/>
+        </p:nvSpPr>
+        <p:spPr>
+          <a:xfrm>
+            <a:off x="3635896" y="5661248"/>
+            <a:ext cx="2160240" cy="360040"/>
+          </a:xfrm>
+          <a:prstGeom prst="rect">
+            <a:avLst/>
+          </a:prstGeom>
+          <a:solidFill>
+            <a:schemeClr val="accent2">
+              <a:lumMod val="40000"/>
+              <a:lumOff val="60000"/>
+            </a:schemeClr>
+          </a:solidFill>
+          <a:ln>
+            <a:solidFill>
+              <a:schemeClr val="tx1"/>
+            </a:solidFill>
+          </a:ln>
+        </p:spPr>
+        <p:txBody>
+          <a:bodyPr wrap="square" rtlCol="0">
+            <a:noAutofit/>
+          </a:bodyPr>
+          <a:lstStyle/>
+          <a:p>
+            <a:r>
+              <a:rPr lang="en-GB" sz="1600" dirty="0" smtClean="0"/>
+              <a:t>ANY</a:t>
+            </a:r>
+            <a:endParaRPr lang="en-GB" sz="1600" dirty="0"/>
+          </a:p>
+        </p:txBody>
+      </p:sp>
+      <p:sp>
+        <p:nvSpPr>
+          <p:cNvPr id="71" name="TextBox 70"/>
+          <p:cNvSpPr txBox="1"/>
+          <p:nvPr/>
+        </p:nvSpPr>
+        <p:spPr>
+          <a:xfrm>
+            <a:off x="5796136" y="4581128"/>
+            <a:ext cx="1440160" cy="360040"/>
+          </a:xfrm>
+          <a:prstGeom prst="rect">
+            <a:avLst/>
+          </a:prstGeom>
+          <a:solidFill>
+            <a:schemeClr val="accent2">
+              <a:lumMod val="40000"/>
+              <a:lumOff val="60000"/>
+            </a:schemeClr>
+          </a:solidFill>
+          <a:ln>
+            <a:solidFill>
+              <a:schemeClr val="tx1"/>
+            </a:solidFill>
+          </a:ln>
+        </p:spPr>
+        <p:txBody>
+          <a:bodyPr wrap="square" rtlCol="0">
+            <a:noAutofit/>
+          </a:bodyPr>
+          <a:lstStyle/>
+          <a:p>
+            <a:endParaRPr lang="en-GB" sz="1600" dirty="0"/>
+          </a:p>
+        </p:txBody>
+      </p:sp>
+      <p:sp>
+        <p:nvSpPr>
+          <p:cNvPr id="72" name="TextBox 71"/>
+          <p:cNvSpPr txBox="1"/>
+          <p:nvPr/>
+        </p:nvSpPr>
+        <p:spPr>
+          <a:xfrm>
+            <a:off x="1835696" y="4581128"/>
+            <a:ext cx="1800200" cy="360040"/>
+          </a:xfrm>
+          <a:prstGeom prst="rect">
+            <a:avLst/>
+          </a:prstGeom>
+          <a:solidFill>
+            <a:schemeClr val="accent2">
+              <a:lumMod val="40000"/>
+              <a:lumOff val="60000"/>
+            </a:schemeClr>
+          </a:solidFill>
+          <a:ln>
+            <a:solidFill>
+              <a:schemeClr val="tx1"/>
+            </a:solidFill>
+          </a:ln>
+        </p:spPr>
+        <p:txBody>
+          <a:bodyPr wrap="square" rtlCol="0">
+            <a:noAutofit/>
+          </a:bodyPr>
+          <a:lstStyle/>
+          <a:p>
+            <a:r>
+              <a:rPr lang="en-GB" sz="1600" dirty="0" smtClean="0"/>
+              <a:t>Frame/Slot</a:t>
+            </a:r>
+            <a:endParaRPr lang="en-GB" sz="1600" dirty="0"/>
+          </a:p>
+        </p:txBody>
+      </p:sp>
+      <p:sp>
+        <p:nvSpPr>
+          <p:cNvPr id="73" name="TextBox 72"/>
+          <p:cNvSpPr txBox="1"/>
+          <p:nvPr/>
+        </p:nvSpPr>
+        <p:spPr>
+          <a:xfrm>
+            <a:off x="3635896" y="4581128"/>
+            <a:ext cx="2160240" cy="360040"/>
+          </a:xfrm>
+          <a:prstGeom prst="rect">
+            <a:avLst/>
+          </a:prstGeom>
+          <a:solidFill>
+            <a:schemeClr val="accent2">
+              <a:lumMod val="40000"/>
+              <a:lumOff val="60000"/>
+            </a:schemeClr>
+          </a:solidFill>
+          <a:ln>
+            <a:solidFill>
+              <a:schemeClr val="tx1"/>
+            </a:solidFill>
+          </a:ln>
+        </p:spPr>
+        <p:txBody>
+          <a:bodyPr wrap="square" rtlCol="0">
+            <a:noAutofit/>
+          </a:bodyPr>
+          <a:lstStyle/>
+          <a:p>
+            <a:r>
+              <a:rPr lang="en-GB" sz="1600" dirty="0" smtClean="0"/>
+              <a:t>External (OM)</a:t>
+            </a:r>
+            <a:endParaRPr lang="en-GB" sz="1600" dirty="0"/>
+          </a:p>
+        </p:txBody>
+      </p:sp>
+      <p:sp>
+        <p:nvSpPr>
+          <p:cNvPr id="74" name="TextBox 73"/>
+          <p:cNvSpPr txBox="1"/>
+          <p:nvPr/>
+        </p:nvSpPr>
+        <p:spPr>
+          <a:xfrm>
+            <a:off x="5796136" y="5301208"/>
+            <a:ext cx="1440160" cy="360040"/>
+          </a:xfrm>
+          <a:prstGeom prst="rect">
+            <a:avLst/>
+          </a:prstGeom>
+          <a:solidFill>
+            <a:schemeClr val="accent2">
+              <a:lumMod val="40000"/>
+              <a:lumOff val="60000"/>
+            </a:schemeClr>
+          </a:solidFill>
+          <a:ln>
+            <a:solidFill>
+              <a:schemeClr val="tx1"/>
+            </a:solidFill>
+          </a:ln>
+        </p:spPr>
+        <p:txBody>
+          <a:bodyPr wrap="square" rtlCol="0">
+            <a:noAutofit/>
+          </a:bodyPr>
+          <a:lstStyle/>
+          <a:p>
+            <a:endParaRPr lang="en-GB" sz="1600" dirty="0"/>
+          </a:p>
+        </p:txBody>
+      </p:sp>
+      <p:sp>
+        <p:nvSpPr>
+          <p:cNvPr id="75" name="TextBox 74"/>
+          <p:cNvSpPr txBox="1"/>
+          <p:nvPr/>
+        </p:nvSpPr>
+        <p:spPr>
+          <a:xfrm>
+            <a:off x="1835696" y="5301208"/>
+            <a:ext cx="1800200" cy="360040"/>
+          </a:xfrm>
+          <a:prstGeom prst="rect">
+            <a:avLst/>
+          </a:prstGeom>
+          <a:solidFill>
+            <a:schemeClr val="accent2">
+              <a:lumMod val="40000"/>
+              <a:lumOff val="60000"/>
+            </a:schemeClr>
+          </a:solidFill>
+          <a:ln>
+            <a:solidFill>
+              <a:schemeClr val="tx1"/>
+            </a:solidFill>
+          </a:ln>
+        </p:spPr>
+        <p:txBody>
+          <a:bodyPr wrap="square" rtlCol="0">
+            <a:noAutofit/>
+          </a:bodyPr>
+          <a:lstStyle/>
+          <a:p>
+            <a:r>
+              <a:rPr lang="en-GB" sz="1600" dirty="0" smtClean="0"/>
+              <a:t>Frame/Slot</a:t>
+            </a:r>
+            <a:endParaRPr lang="en-GB" sz="1600" dirty="0"/>
+          </a:p>
+        </p:txBody>
+      </p:sp>
+      <p:sp>
+        <p:nvSpPr>
+          <p:cNvPr id="76" name="TextBox 75"/>
+          <p:cNvSpPr txBox="1"/>
+          <p:nvPr/>
+        </p:nvSpPr>
+        <p:spPr>
+          <a:xfrm>
+            <a:off x="3635896" y="5301208"/>
+            <a:ext cx="2160240" cy="360040"/>
+          </a:xfrm>
+          <a:prstGeom prst="rect">
+            <a:avLst/>
+          </a:prstGeom>
+          <a:solidFill>
+            <a:schemeClr val="accent2">
+              <a:lumMod val="40000"/>
+              <a:lumOff val="60000"/>
+            </a:schemeClr>
+          </a:solidFill>
+          <a:ln>
+            <a:solidFill>
+              <a:schemeClr val="tx1"/>
+            </a:solidFill>
+          </a:ln>
+        </p:spPr>
+        <p:txBody>
+          <a:bodyPr wrap="square" rtlCol="0">
+            <a:noAutofit/>
+          </a:bodyPr>
+          <a:lstStyle/>
+          <a:p>
+            <a:r>
+              <a:rPr lang="en-GB" sz="1600" dirty="0" smtClean="0"/>
+              <a:t>Dual (EKS + OM)</a:t>
+            </a:r>
+            <a:endParaRPr lang="en-GB" sz="1600" dirty="0"/>
+          </a:p>
+        </p:txBody>
+      </p:sp>
+      <p:sp>
+        <p:nvSpPr>
+          <p:cNvPr id="51" name="Rounded Rectangle 50"/>
           <p:cNvSpPr/>
           <p:nvPr/>
         </p:nvSpPr>
         <p:spPr>
           <a:xfrm>
-            <a:off x="6336196" y="4869160"/>
+            <a:off x="6336196" y="4653136"/>
             <a:ext cx="360040" cy="216024"/>
           </a:xfrm>
           <a:prstGeom prst="roundRect">
@@ -13061,7 +14734,7 @@
             </a:avLst>
           </a:prstGeom>
           <a:solidFill>
-            <a:srgbClr val="411DD9"/>
+            <a:srgbClr val="FF0000"/>
           </a:solidFill>
           <a:ln w="9525">
             <a:solidFill>
@@ -13096,13 +14769,13 @@
       </p:sp>
       <p:sp>
         <p:nvSpPr>
-          <p:cNvPr id="55" name="Rounded Rectangle 54"/>
+          <p:cNvPr id="54" name="Rounded Rectangle 53"/>
           <p:cNvSpPr/>
           <p:nvPr/>
         </p:nvSpPr>
         <p:spPr>
           <a:xfrm>
-            <a:off x="6336196" y="5229200"/>
+            <a:off x="6336196" y="5013176"/>
             <a:ext cx="360040" cy="216024"/>
           </a:xfrm>
           <a:prstGeom prst="roundRect">
@@ -13146,13 +14819,13 @@
       </p:sp>
       <p:sp>
         <p:nvSpPr>
-          <p:cNvPr id="58" name="Rounded Rectangle 57"/>
+          <p:cNvPr id="55" name="Rounded Rectangle 54"/>
           <p:cNvSpPr/>
           <p:nvPr/>
         </p:nvSpPr>
         <p:spPr>
           <a:xfrm>
-            <a:off x="6336196" y="5589240"/>
+            <a:off x="6336196" y="5373216"/>
             <a:ext cx="360040" cy="216024"/>
           </a:xfrm>
           <a:prstGeom prst="roundRect">
@@ -13161,9 +14834,7 @@
             </a:avLst>
           </a:prstGeom>
           <a:solidFill>
-            <a:schemeClr val="accent3">
-              <a:lumMod val="75000"/>
-            </a:schemeClr>
+            <a:srgbClr val="411DD9"/>
           </a:solidFill>
           <a:ln w="9525">
             <a:solidFill>
@@ -13198,13 +14869,65 @@
       </p:sp>
       <p:sp>
         <p:nvSpPr>
+          <p:cNvPr id="58" name="Rounded Rectangle 57"/>
+          <p:cNvSpPr/>
+          <p:nvPr/>
+        </p:nvSpPr>
+        <p:spPr>
+          <a:xfrm>
+            <a:off x="6336196" y="5733256"/>
+            <a:ext cx="360040" cy="216024"/>
+          </a:xfrm>
+          <a:prstGeom prst="roundRect">
+            <a:avLst>
+              <a:gd name="adj" fmla="val 50000"/>
+            </a:avLst>
+          </a:prstGeom>
+          <a:solidFill>
+            <a:schemeClr val="accent3">
+              <a:lumMod val="75000"/>
+            </a:schemeClr>
+          </a:solidFill>
+          <a:ln w="9525">
+            <a:solidFill>
+              <a:schemeClr val="tx1"/>
+            </a:solidFill>
+          </a:ln>
+        </p:spPr>
+        <p:style>
+          <a:lnRef idx="2">
+            <a:schemeClr val="accent1">
+              <a:shade val="50000"/>
+            </a:schemeClr>
+          </a:lnRef>
+          <a:fillRef idx="1">
+            <a:schemeClr val="accent1"/>
+          </a:fillRef>
+          <a:effectRef idx="0">
+            <a:schemeClr val="accent1"/>
+          </a:effectRef>
+          <a:fontRef idx="minor">
+            <a:schemeClr val="lt1"/>
+          </a:fontRef>
+        </p:style>
+        <p:txBody>
+          <a:bodyPr rtlCol="0" anchor="ctr"/>
+          <a:lstStyle/>
+          <a:p>
+            <a:pPr algn="ctr"/>
+            <a:endParaRPr lang="en-GB"/>
+          </a:p>
+        </p:txBody>
+      </p:sp>
+      <p:sp>
+        <p:nvSpPr>
           <p:cNvPr id="59" name="Rounded Rectangle 58"/>
           <p:cNvSpPr/>
           <p:nvPr/>
         </p:nvSpPr>
         <p:spPr>
           <a:xfrm>
-            <a:off x="6408204" y="5265204"/>
+            <a:off x="6408204" y="5409220"/>
             <a:ext cx="216024" cy="144016"/>
           </a:xfrm>
           <a:prstGeom prst="roundRect">

--- a/trunk/docs/MEKON-HOBO Introductory Tutorial.pptx
+++ b/trunk/docs/MEKON-HOBO Introductory Tutorial.pptx
@@ -31,12 +31,13 @@
     <p:sldId id="287" r:id="rId25"/>
     <p:sldId id="300" r:id="rId26"/>
     <p:sldId id="290" r:id="rId27"/>
-    <p:sldId id="294" r:id="rId28"/>
-    <p:sldId id="292" r:id="rId29"/>
-    <p:sldId id="295" r:id="rId30"/>
-    <p:sldId id="293" r:id="rId31"/>
-    <p:sldId id="297" r:id="rId32"/>
-    <p:sldId id="299" r:id="rId33"/>
+    <p:sldId id="301" r:id="rId28"/>
+    <p:sldId id="303" r:id="rId29"/>
+    <p:sldId id="292" r:id="rId30"/>
+    <p:sldId id="295" r:id="rId31"/>
+    <p:sldId id="293" r:id="rId32"/>
+    <p:sldId id="297" r:id="rId33"/>
+    <p:sldId id="299" r:id="rId34"/>
   </p:sldIdLst>
   <p:sldSz cx="9144000" cy="6858000" type="screen4x3"/>
   <p:notesSz cx="6858000" cy="9144000"/>
@@ -320,7 +321,7 @@
             <a:fld id="{91893DBC-7519-4EA7-8165-AFD94A974DB8}" type="datetimeFigureOut">
               <a:rPr lang="en-GB" smtClean="0"/>
               <a:pPr/>
-              <a:t>06/01/2015</a:t>
+              <a:t>07/01/2015</a:t>
             </a:fld>
             <a:endParaRPr lang="en-GB"/>
           </a:p>
@@ -487,7 +488,7 @@
             <a:fld id="{91893DBC-7519-4EA7-8165-AFD94A974DB8}" type="datetimeFigureOut">
               <a:rPr lang="en-GB" smtClean="0"/>
               <a:pPr/>
-              <a:t>06/01/2015</a:t>
+              <a:t>07/01/2015</a:t>
             </a:fld>
             <a:endParaRPr lang="en-GB"/>
           </a:p>
@@ -664,7 +665,7 @@
             <a:fld id="{91893DBC-7519-4EA7-8165-AFD94A974DB8}" type="datetimeFigureOut">
               <a:rPr lang="en-GB" smtClean="0"/>
               <a:pPr/>
-              <a:t>06/01/2015</a:t>
+              <a:t>07/01/2015</a:t>
             </a:fld>
             <a:endParaRPr lang="en-GB"/>
           </a:p>
@@ -831,7 +832,7 @@
             <a:fld id="{91893DBC-7519-4EA7-8165-AFD94A974DB8}" type="datetimeFigureOut">
               <a:rPr lang="en-GB" smtClean="0"/>
               <a:pPr/>
-              <a:t>06/01/2015</a:t>
+              <a:t>07/01/2015</a:t>
             </a:fld>
             <a:endParaRPr lang="en-GB"/>
           </a:p>
@@ -1074,7 +1075,7 @@
             <a:fld id="{91893DBC-7519-4EA7-8165-AFD94A974DB8}" type="datetimeFigureOut">
               <a:rPr lang="en-GB" smtClean="0"/>
               <a:pPr/>
-              <a:t>06/01/2015</a:t>
+              <a:t>07/01/2015</a:t>
             </a:fld>
             <a:endParaRPr lang="en-GB"/>
           </a:p>
@@ -1359,7 +1360,7 @@
             <a:fld id="{91893DBC-7519-4EA7-8165-AFD94A974DB8}" type="datetimeFigureOut">
               <a:rPr lang="en-GB" smtClean="0"/>
               <a:pPr/>
-              <a:t>06/01/2015</a:t>
+              <a:t>07/01/2015</a:t>
             </a:fld>
             <a:endParaRPr lang="en-GB"/>
           </a:p>
@@ -1778,7 +1779,7 @@
             <a:fld id="{91893DBC-7519-4EA7-8165-AFD94A974DB8}" type="datetimeFigureOut">
               <a:rPr lang="en-GB" smtClean="0"/>
               <a:pPr/>
-              <a:t>06/01/2015</a:t>
+              <a:t>07/01/2015</a:t>
             </a:fld>
             <a:endParaRPr lang="en-GB"/>
           </a:p>
@@ -1893,7 +1894,7 @@
             <a:fld id="{91893DBC-7519-4EA7-8165-AFD94A974DB8}" type="datetimeFigureOut">
               <a:rPr lang="en-GB" smtClean="0"/>
               <a:pPr/>
-              <a:t>06/01/2015</a:t>
+              <a:t>07/01/2015</a:t>
             </a:fld>
             <a:endParaRPr lang="en-GB"/>
           </a:p>
@@ -1985,7 +1986,7 @@
             <a:fld id="{91893DBC-7519-4EA7-8165-AFD94A974DB8}" type="datetimeFigureOut">
               <a:rPr lang="en-GB" smtClean="0"/>
               <a:pPr/>
-              <a:t>06/01/2015</a:t>
+              <a:t>07/01/2015</a:t>
             </a:fld>
             <a:endParaRPr lang="en-GB"/>
           </a:p>
@@ -2259,7 +2260,7 @@
             <a:fld id="{91893DBC-7519-4EA7-8165-AFD94A974DB8}" type="datetimeFigureOut">
               <a:rPr lang="en-GB" smtClean="0"/>
               <a:pPr/>
-              <a:t>06/01/2015</a:t>
+              <a:t>07/01/2015</a:t>
             </a:fld>
             <a:endParaRPr lang="en-GB"/>
           </a:p>
@@ -2509,7 +2510,7 @@
             <a:fld id="{91893DBC-7519-4EA7-8165-AFD94A974DB8}" type="datetimeFigureOut">
               <a:rPr lang="en-GB" smtClean="0"/>
               <a:pPr/>
-              <a:t>06/01/2015</a:t>
+              <a:t>07/01/2015</a:t>
             </a:fld>
             <a:endParaRPr lang="en-GB"/>
           </a:p>
@@ -2719,7 +2720,7 @@
             <a:fld id="{91893DBC-7519-4EA7-8165-AFD94A974DB8}" type="datetimeFigureOut">
               <a:rPr lang="en-GB" smtClean="0"/>
               <a:pPr/>
-              <a:t>06/01/2015</a:t>
+              <a:t>07/01/2015</a:t>
             </a:fld>
             <a:endParaRPr lang="en-GB"/>
           </a:p>
@@ -3410,11 +3411,7 @@
             </a:r>
             <a:r>
               <a:rPr lang="en-GB" sz="1600" dirty="0" smtClean="0"/>
-              <a:t>with basic MEKON version of demo </a:t>
-            </a:r>
-            <a:r>
-              <a:rPr lang="en-GB" sz="1600" dirty="0" smtClean="0"/>
-              <a:t>model</a:t>
+              <a:t>with basic MEKON version of demo model</a:t>
             </a:r>
             <a:endParaRPr lang="en-GB" sz="1600" i="1" dirty="0" smtClean="0"/>
           </a:p>
@@ -3708,23 +3705,7 @@
             </a:r>
             <a:r>
               <a:rPr lang="en-GB" sz="1600" i="1" dirty="0" smtClean="0"/>
-              <a:t>S</a:t>
-            </a:r>
-            <a:r>
-              <a:rPr lang="en-GB" sz="1600" i="1" dirty="0" smtClean="0"/>
-              <a:t>ee appendix at end of </a:t>
-            </a:r>
-            <a:r>
-              <a:rPr lang="en-GB" sz="1600" i="1" dirty="0" smtClean="0"/>
-              <a:t>tutorial for </a:t>
-            </a:r>
-            <a:r>
-              <a:rPr lang="en-GB" sz="1600" i="1" dirty="0" smtClean="0"/>
-              <a:t>Model Explorer invocation </a:t>
-            </a:r>
-            <a:r>
-              <a:rPr lang="en-GB" sz="1600" i="1" dirty="0" smtClean="0"/>
-              <a:t>details</a:t>
+              <a:t>See appendix at end of tutorial for Model Explorer invocation details</a:t>
             </a:r>
             <a:endParaRPr lang="en-GB" sz="1600" dirty="0" smtClean="0"/>
           </a:p>
@@ -5927,6 +5908,52 @@
           <a:chExt cx="0" cy="0"/>
         </a:xfrm>
       </p:grpSpPr>
+      <p:sp>
+        <p:nvSpPr>
+          <p:cNvPr id="3" name="Rectangle 2"/>
+          <p:cNvSpPr/>
+          <p:nvPr/>
+        </p:nvSpPr>
+        <p:spPr>
+          <a:xfrm>
+            <a:off x="0" y="0"/>
+            <a:ext cx="9144000" cy="6858000"/>
+          </a:xfrm>
+          <a:prstGeom prst="rect">
+            <a:avLst/>
+          </a:prstGeom>
+          <a:solidFill>
+            <a:schemeClr val="accent6">
+              <a:lumMod val="40000"/>
+              <a:lumOff val="60000"/>
+            </a:schemeClr>
+          </a:solidFill>
+        </p:spPr>
+        <p:style>
+          <a:lnRef idx="2">
+            <a:schemeClr val="accent1">
+              <a:shade val="50000"/>
+            </a:schemeClr>
+          </a:lnRef>
+          <a:fillRef idx="1">
+            <a:schemeClr val="accent1"/>
+          </a:fillRef>
+          <a:effectRef idx="0">
+            <a:schemeClr val="accent1"/>
+          </a:effectRef>
+          <a:fontRef idx="minor">
+            <a:schemeClr val="lt1"/>
+          </a:fontRef>
+        </p:style>
+        <p:txBody>
+          <a:bodyPr rtlCol="0" anchor="ctr"/>
+          <a:lstStyle/>
+          <a:p>
+            <a:pPr algn="ctr"/>
+            <a:endParaRPr lang="en-GB"/>
+          </a:p>
+        </p:txBody>
+      </p:sp>
       <p:sp>
         <p:nvSpPr>
           <p:cNvPr id="6" name="TextBox 5"/>
@@ -7585,11 +7612,7 @@
             <a:pPr lvl="1"/>
             <a:r>
               <a:rPr lang="en-GB" dirty="0" smtClean="0"/>
-              <a:t>General </a:t>
-            </a:r>
-            <a:r>
-              <a:rPr lang="en-GB" dirty="0" smtClean="0"/>
-              <a:t>principles + concepts</a:t>
+              <a:t>General principles + concepts</a:t>
             </a:r>
           </a:p>
           <a:p>
@@ -8081,10 +8104,6 @@
               <a:rPr lang="en-GB" sz="6000" b="1" dirty="0" smtClean="0"/>
               <a:t>HOBO/MEKON </a:t>
             </a:r>
-            <a:r>
-              <a:rPr lang="en-GB" sz="6000" b="1" dirty="0" smtClean="0"/>
-              <a:t/>
-            </a:r>
             <a:br>
               <a:rPr lang="en-GB" sz="6000" b="1" dirty="0" smtClean="0"/>
             </a:br>
@@ -8658,19 +8677,7 @@
             </a:r>
             <a:r>
               <a:rPr lang="en-GB" sz="1600" dirty="0" smtClean="0"/>
-              <a:t> with hybrid HOBO/MEKON version of demo </a:t>
-            </a:r>
-            <a:r>
-              <a:rPr lang="en-GB" sz="1600" dirty="0" smtClean="0"/>
-              <a:t>model</a:t>
-            </a:r>
-            <a:r>
-              <a:rPr lang="en-GB" sz="1600" dirty="0" smtClean="0"/>
-              <a:t>, whilst </a:t>
-            </a:r>
-            <a:r>
-              <a:rPr lang="en-GB" sz="1600" dirty="0" smtClean="0"/>
-              <a:t>leaving running previous invocation of </a:t>
+              <a:t> with hybrid HOBO/MEKON version of demo model, whilst leaving running previous invocation of </a:t>
             </a:r>
             <a:r>
               <a:rPr lang="en-GB" sz="1600" i="1" dirty="0" smtClean="0"/>
@@ -8678,25 +8685,8 @@
             </a:r>
             <a:r>
               <a:rPr lang="en-GB" sz="1600" dirty="0" smtClean="0"/>
-              <a:t> </a:t>
-            </a:r>
-            <a:r>
-              <a:rPr lang="en-GB" sz="1600" dirty="0" smtClean="0"/>
-              <a:t>with basic MEKON version of </a:t>
-            </a:r>
-            <a:r>
-              <a:rPr lang="en-GB" sz="1600" dirty="0" smtClean="0"/>
-              <a:t>model, for comparison</a:t>
-            </a:r>
-            <a:r>
-              <a:rPr lang="en-GB" sz="1600" dirty="0" smtClean="0"/>
-              <a:t> </a:t>
-            </a:r>
-            <a:r>
-              <a:rPr lang="en-GB" sz="1600" dirty="0" smtClean="0"/>
-              <a:t>purposes</a:t>
-            </a:r>
-            <a:endParaRPr lang="en-GB" sz="1600" dirty="0" smtClean="0"/>
+              <a:t> with basic MEKON version of model, for comparison purposes</a:t>
+            </a:r>
           </a:p>
           <a:p>
             <a:pPr marL="457200" indent="-457200">
@@ -8705,11 +8695,7 @@
             </a:pPr>
             <a:r>
               <a:rPr lang="en-GB" sz="1600" dirty="0" smtClean="0"/>
-              <a:t>Open-up </a:t>
-            </a:r>
-            <a:r>
-              <a:rPr lang="en-GB" sz="1600" dirty="0" smtClean="0"/>
-              <a:t>and explore </a:t>
+              <a:t>Open-up and explore </a:t>
             </a:r>
             <a:r>
               <a:rPr lang="en-GB" sz="1600" dirty="0" err="1" smtClean="0">
@@ -9181,23 +9167,7 @@
             </a:r>
             <a:r>
               <a:rPr lang="en-GB" sz="1600" i="1" dirty="0" smtClean="0"/>
-              <a:t>S</a:t>
-            </a:r>
-            <a:r>
-              <a:rPr lang="en-GB" sz="1600" i="1" dirty="0" smtClean="0"/>
-              <a:t>ee appendix at end of </a:t>
-            </a:r>
-            <a:r>
-              <a:rPr lang="en-GB" sz="1600" i="1" dirty="0" smtClean="0"/>
-              <a:t>tutorial for </a:t>
-            </a:r>
-            <a:r>
-              <a:rPr lang="en-GB" sz="1600" i="1" dirty="0" smtClean="0"/>
-              <a:t>Model Explorer invocation </a:t>
-            </a:r>
-            <a:r>
-              <a:rPr lang="en-GB" sz="1600" i="1" dirty="0" smtClean="0"/>
-              <a:t>details</a:t>
+              <a:t>See appendix at end of tutorial for Model Explorer invocation details</a:t>
             </a:r>
             <a:endParaRPr lang="en-GB" sz="1600" dirty="0" smtClean="0"/>
           </a:p>
@@ -10074,31 +10044,7 @@
               <a:rPr lang="en-GB" sz="1600" dirty="0" smtClean="0">
                 <a:cs typeface="Courier New" pitchFamily="49" charset="0"/>
               </a:rPr>
-              <a:t> slot, which means that </a:t>
-            </a:r>
-            <a:r>
-              <a:rPr lang="en-GB" sz="1600" dirty="0" smtClean="0">
-                <a:cs typeface="Courier New" pitchFamily="49" charset="0"/>
-              </a:rPr>
-              <a:t>all values for this slot can </a:t>
-            </a:r>
-            <a:r>
-              <a:rPr lang="en-GB" sz="1600" dirty="0" smtClean="0">
-                <a:cs typeface="Courier New" pitchFamily="49" charset="0"/>
-              </a:rPr>
-              <a:t>be derived from those of other slots (</a:t>
-            </a:r>
-            <a:r>
-              <a:rPr lang="en-GB" sz="1600" dirty="0" smtClean="0">
-                <a:cs typeface="Courier New" pitchFamily="49" charset="0"/>
-              </a:rPr>
-              <a:t>and hence , </a:t>
-            </a:r>
-            <a:r>
-              <a:rPr lang="en-GB" sz="1600" dirty="0" smtClean="0">
-                <a:cs typeface="Courier New" pitchFamily="49" charset="0"/>
-              </a:rPr>
-              <a:t>in the case of “assertion” instantiations, will be so - see later slides for details)</a:t>
+              <a:t> slot, which means that all values for this slot can be derived from those of other slots (and hence , in the case of “assertion” instantiations, will be so - see later slides for details)</a:t>
             </a:r>
           </a:p>
         </p:txBody>
@@ -10271,7 +10217,6 @@
               <a:rPr lang="en-GB" sz="1600" dirty="0" smtClean="0"/>
               <a:t> trees under both “Job-Type” and “Travel-Mode” </a:t>
             </a:r>
-            <a:endParaRPr lang="en-GB" sz="1600" dirty="0" smtClean="0"/>
           </a:p>
         </p:txBody>
       </p:sp>
@@ -10319,11 +10264,7 @@
             </a:pPr>
             <a:r>
               <a:rPr lang="en-GB" sz="1600" dirty="0" smtClean="0"/>
-              <a:t>Note that the contents of both trees </a:t>
-            </a:r>
-            <a:r>
-              <a:rPr lang="en-GB" sz="1600" dirty="0" smtClean="0"/>
-              <a:t>are derived mainly from external sources only, with the only exception being “Travel-Mode” itself</a:t>
+              <a:t>Note that the contents of both trees are derived mainly from external sources only, with the only exception being “Travel-Mode” itself</a:t>
             </a:r>
           </a:p>
           <a:p>
@@ -10357,19 +10298,7 @@
               <a:rPr lang="en-GB" sz="1600" dirty="0" smtClean="0">
                 <a:cs typeface="Courier New" pitchFamily="49" charset="0"/>
               </a:rPr>
-              <a:t>hierarchies </a:t>
-            </a:r>
-            <a:r>
-              <a:rPr lang="en-GB" sz="1600" dirty="0" smtClean="0">
-                <a:cs typeface="Courier New" pitchFamily="49" charset="0"/>
-              </a:rPr>
-              <a:t>(much </a:t>
-            </a:r>
-            <a:r>
-              <a:rPr lang="en-GB" sz="1600" dirty="0" smtClean="0">
-                <a:cs typeface="Courier New" pitchFamily="49" charset="0"/>
-              </a:rPr>
-              <a:t>larger than in the demo model), with only a relative handful of core concepts being represented in the OM</a:t>
+              <a:t>hierarchies (much larger than in the demo model), with only a relative handful of core concepts being represented in the OM</a:t>
             </a:r>
           </a:p>
           <a:p>
@@ -10394,19 +10323,7 @@
               <a:rPr lang="en-GB" sz="1600" dirty="0" smtClean="0">
                 <a:cs typeface="Courier New" pitchFamily="49" charset="0"/>
               </a:rPr>
-              <a:t> with only an external source is instantiated, the nature of the corresponding OM instantiation is dependent on the presence or otherwise of internally-sourced ancestors. So, for instance, </a:t>
-            </a:r>
-            <a:r>
-              <a:rPr lang="en-GB" sz="1600" dirty="0" smtClean="0">
-                <a:cs typeface="Courier New" pitchFamily="49" charset="0"/>
-              </a:rPr>
-              <a:t>“</a:t>
-            </a:r>
-            <a:r>
-              <a:rPr lang="en-GB" sz="1600" dirty="0" smtClean="0">
-                <a:cs typeface="Courier New" pitchFamily="49" charset="0"/>
-              </a:rPr>
-              <a:t>Bus” will be represented in the OM via the </a:t>
+              <a:t> with only an external source is instantiated, the nature of the corresponding OM instantiation is dependent on the presence or otherwise of internally-sourced ancestors. So, for instance, “Bus” will be represented in the OM via the </a:t>
             </a:r>
             <a:r>
               <a:rPr lang="en-GB" sz="1600" dirty="0" err="1" smtClean="0">
@@ -10419,31 +10336,7 @@
               <a:rPr lang="en-GB" sz="1600" dirty="0" smtClean="0">
                 <a:cs typeface="Courier New" pitchFamily="49" charset="0"/>
               </a:rPr>
-              <a:t> class,</a:t>
-            </a:r>
-            <a:r>
-              <a:rPr lang="en-GB" sz="1600" dirty="0" smtClean="0">
-                <a:cs typeface="Courier New" pitchFamily="49" charset="0"/>
-              </a:rPr>
-              <a:t> whereas “Accountant</a:t>
-            </a:r>
-            <a:r>
-              <a:rPr lang="en-GB" sz="1600" dirty="0" smtClean="0">
-                <a:cs typeface="Courier New" pitchFamily="49" charset="0"/>
-              </a:rPr>
-              <a:t>”, having no internally sourced ancestors, will </a:t>
-            </a:r>
-            <a:r>
-              <a:rPr lang="en-GB" sz="1600" dirty="0" smtClean="0">
-                <a:cs typeface="Courier New" pitchFamily="49" charset="0"/>
-              </a:rPr>
-              <a:t>be represented via </a:t>
-            </a:r>
-            <a:r>
-              <a:rPr lang="en-GB" sz="1600" dirty="0" smtClean="0">
-                <a:cs typeface="Courier New" pitchFamily="49" charset="0"/>
-              </a:rPr>
-              <a:t>a default implementation of </a:t>
+              <a:t> class, whereas “Accountant”, having no internally sourced ancestors, will be represented via a default implementation of </a:t>
             </a:r>
             <a:r>
               <a:rPr lang="en-GB" sz="1600" dirty="0" err="1" smtClean="0">
@@ -10568,13 +10461,7 @@
               <a:rPr lang="en-GB" sz="6000" b="1" dirty="0" smtClean="0">
                 <a:latin typeface="+mj-lt"/>
               </a:rPr>
-              <a:t>Creating </a:t>
-            </a:r>
-            <a:r>
-              <a:rPr lang="en-GB" sz="6000" b="1" dirty="0" smtClean="0">
-                <a:latin typeface="+mj-lt"/>
-              </a:rPr>
-              <a:t>+ Storing</a:t>
+              <a:t>Creating + Storing</a:t>
             </a:r>
             <a:br>
               <a:rPr lang="en-GB" sz="6000" b="1" dirty="0" smtClean="0">
@@ -10585,13 +10472,7 @@
               <a:rPr lang="en-GB" sz="6000" b="1" dirty="0" smtClean="0">
                 <a:latin typeface="+mj-lt"/>
               </a:rPr>
-              <a:t> </a:t>
-            </a:r>
-            <a:r>
-              <a:rPr lang="en-GB" sz="6000" b="1" dirty="0" smtClean="0">
-                <a:latin typeface="+mj-lt"/>
-              </a:rPr>
-              <a:t>Assertion Instantiations</a:t>
+              <a:t> Assertion Instantiations</a:t>
             </a:r>
             <a:endParaRPr lang="en-GB" sz="6000" b="1" dirty="0"/>
           </a:p>
@@ -10631,45 +10512,899 @@
       </p:grpSpPr>
       <p:sp>
         <p:nvSpPr>
-          <p:cNvPr id="2" name="Title 1"/>
-          <p:cNvSpPr>
-            <a:spLocks noGrp="1"/>
-          </p:cNvSpPr>
-          <p:nvPr>
-            <p:ph type="ctrTitle"/>
-          </p:nvPr>
-        </p:nvSpPr>
-        <p:spPr>
-          <a:xfrm>
-            <a:off x="1259632" y="2240868"/>
-            <a:ext cx="6586500" cy="2016224"/>
-          </a:xfrm>
-        </p:spPr>
-        <p:txBody>
-          <a:bodyPr>
+          <p:cNvPr id="25" name="Rectangle 24"/>
+          <p:cNvSpPr/>
+          <p:nvPr/>
+        </p:nvSpPr>
+        <p:spPr>
+          <a:xfrm>
+            <a:off x="0" y="0"/>
+            <a:ext cx="9144000" cy="6858000"/>
+          </a:xfrm>
+          <a:prstGeom prst="rect">
+            <a:avLst/>
+          </a:prstGeom>
+          <a:solidFill>
+            <a:schemeClr val="accent6">
+              <a:lumMod val="40000"/>
+              <a:lumOff val="60000"/>
+            </a:schemeClr>
+          </a:solidFill>
+        </p:spPr>
+        <p:style>
+          <a:lnRef idx="2">
+            <a:schemeClr val="accent1">
+              <a:shade val="50000"/>
+            </a:schemeClr>
+          </a:lnRef>
+          <a:fillRef idx="1">
+            <a:schemeClr val="accent1"/>
+          </a:fillRef>
+          <a:effectRef idx="0">
+            <a:schemeClr val="accent1"/>
+          </a:effectRef>
+          <a:fontRef idx="minor">
+            <a:schemeClr val="lt1"/>
+          </a:fontRef>
+        </p:style>
+        <p:txBody>
+          <a:bodyPr rtlCol="0" anchor="ctr"/>
+          <a:lstStyle/>
+          <a:p>
+            <a:pPr algn="ctr"/>
+            <a:endParaRPr lang="en-GB"/>
+          </a:p>
+        </p:txBody>
+      </p:sp>
+      <p:pic>
+        <p:nvPicPr>
+          <p:cNvPr id="1028" name="Picture 4"/>
+          <p:cNvPicPr>
+            <a:picLocks noChangeAspect="1" noChangeArrowheads="1"/>
+          </p:cNvPicPr>
+          <p:nvPr/>
+        </p:nvPicPr>
+        <p:blipFill>
+          <a:blip r:embed="rId2" cstate="print"/>
+          <a:srcRect/>
+          <a:stretch>
+            <a:fillRect/>
+          </a:stretch>
+        </p:blipFill>
+        <p:spPr bwMode="auto">
+          <a:xfrm>
+            <a:off x="215516" y="584684"/>
+            <a:ext cx="5414772" cy="4417314"/>
+          </a:xfrm>
+          <a:prstGeom prst="rect">
+            <a:avLst/>
+          </a:prstGeom>
+          <a:noFill/>
+          <a:ln w="9525">
+            <a:noFill/>
+            <a:miter lim="800000"/>
+            <a:headEnd/>
+            <a:tailEnd/>
+          </a:ln>
+        </p:spPr>
+      </p:pic>
+      <p:grpSp>
+        <p:nvGrpSpPr>
+          <p:cNvPr id="21" name="Group 20"/>
+          <p:cNvGrpSpPr/>
+          <p:nvPr/>
+        </p:nvGrpSpPr>
+        <p:grpSpPr>
+          <a:xfrm rot="19301791">
+            <a:off x="4518071" y="4707239"/>
+            <a:ext cx="135329" cy="221507"/>
+            <a:chOff x="7056276" y="4257092"/>
+            <a:chExt cx="468052" cy="891034"/>
+          </a:xfrm>
+        </p:grpSpPr>
+        <p:sp>
+          <p:nvSpPr>
+            <p:cNvPr id="16" name="Rectangle 15"/>
+            <p:cNvSpPr/>
+            <p:nvPr/>
+          </p:nvSpPr>
+          <p:spPr>
+            <a:xfrm rot="5400000">
+              <a:off x="7048879" y="4801043"/>
+              <a:ext cx="480664" cy="213502"/>
+            </a:xfrm>
+            <a:prstGeom prst="rect">
+              <a:avLst/>
+            </a:prstGeom>
+            <a:solidFill>
+              <a:schemeClr val="bg1"/>
+            </a:solidFill>
+            <a:ln w="12700">
+              <a:solidFill>
+                <a:schemeClr val="tx1"/>
+              </a:solidFill>
+            </a:ln>
+          </p:spPr>
+          <p:style>
+            <a:lnRef idx="2">
+              <a:schemeClr val="accent1">
+                <a:shade val="50000"/>
+              </a:schemeClr>
+            </a:lnRef>
+            <a:fillRef idx="1">
+              <a:schemeClr val="accent1"/>
+            </a:fillRef>
+            <a:effectRef idx="0">
+              <a:schemeClr val="accent1"/>
+            </a:effectRef>
+            <a:fontRef idx="minor">
+              <a:schemeClr val="lt1"/>
+            </a:fontRef>
+          </p:style>
+          <p:txBody>
+            <a:bodyPr rtlCol="0" anchor="ctr"/>
+            <a:lstStyle/>
+            <a:p>
+              <a:pPr algn="ctr"/>
+              <a:endParaRPr lang="en-GB"/>
+            </a:p>
+          </p:txBody>
+        </p:sp>
+        <p:sp>
+          <p:nvSpPr>
+            <p:cNvPr id="17" name="Isosceles Triangle 16"/>
+            <p:cNvSpPr/>
+            <p:nvPr/>
+          </p:nvSpPr>
+          <p:spPr>
+            <a:xfrm>
+              <a:off x="7056276" y="4257092"/>
+              <a:ext cx="468052" cy="468052"/>
+            </a:xfrm>
+            <a:prstGeom prst="triangle">
+              <a:avLst/>
+            </a:prstGeom>
+            <a:solidFill>
+              <a:schemeClr val="bg1"/>
+            </a:solidFill>
+            <a:ln w="12700">
+              <a:solidFill>
+                <a:schemeClr val="tx1"/>
+              </a:solidFill>
+            </a:ln>
+          </p:spPr>
+          <p:style>
+            <a:lnRef idx="2">
+              <a:schemeClr val="accent1">
+                <a:shade val="50000"/>
+              </a:schemeClr>
+            </a:lnRef>
+            <a:fillRef idx="1">
+              <a:schemeClr val="accent1"/>
+            </a:fillRef>
+            <a:effectRef idx="0">
+              <a:schemeClr val="accent1"/>
+            </a:effectRef>
+            <a:fontRef idx="minor">
+              <a:schemeClr val="lt1"/>
+            </a:fontRef>
+          </p:style>
+          <p:txBody>
+            <a:bodyPr rtlCol="0" anchor="ctr"/>
+            <a:lstStyle/>
+            <a:p>
+              <a:pPr algn="ctr"/>
+              <a:endParaRPr lang="en-GB"/>
+            </a:p>
+          </p:txBody>
+        </p:sp>
+        <p:sp>
+          <p:nvSpPr>
+            <p:cNvPr id="19" name="Rectangle 18"/>
+            <p:cNvSpPr/>
+            <p:nvPr/>
+          </p:nvSpPr>
+          <p:spPr>
+            <a:xfrm>
+              <a:off x="7200292" y="4653136"/>
+              <a:ext cx="180020" cy="216024"/>
+            </a:xfrm>
+            <a:prstGeom prst="rect">
+              <a:avLst/>
+            </a:prstGeom>
+            <a:solidFill>
+              <a:schemeClr val="bg1"/>
+            </a:solidFill>
+            <a:ln>
+              <a:noFill/>
+            </a:ln>
+          </p:spPr>
+          <p:style>
+            <a:lnRef idx="2">
+              <a:schemeClr val="accent1">
+                <a:shade val="50000"/>
+              </a:schemeClr>
+            </a:lnRef>
+            <a:fillRef idx="1">
+              <a:schemeClr val="accent1"/>
+            </a:fillRef>
+            <a:effectRef idx="0">
+              <a:schemeClr val="accent1"/>
+            </a:effectRef>
+            <a:fontRef idx="minor">
+              <a:schemeClr val="lt1"/>
+            </a:fontRef>
+          </p:style>
+          <p:txBody>
+            <a:bodyPr rtlCol="0" anchor="ctr"/>
+            <a:lstStyle/>
+            <a:p>
+              <a:pPr algn="ctr"/>
+              <a:endParaRPr lang="en-GB"/>
+            </a:p>
+          </p:txBody>
+        </p:sp>
+      </p:grpSp>
+      <p:pic>
+        <p:nvPicPr>
+          <p:cNvPr id="1027" name="Picture 3"/>
+          <p:cNvPicPr>
+            <a:picLocks noChangeAspect="1" noChangeArrowheads="1"/>
+          </p:cNvPicPr>
+          <p:nvPr/>
+        </p:nvPicPr>
+        <p:blipFill>
+          <a:blip r:embed="rId3" cstate="print"/>
+          <a:srcRect/>
+          <a:stretch>
+            <a:fillRect/>
+          </a:stretch>
+        </p:blipFill>
+        <p:spPr bwMode="auto">
+          <a:xfrm>
+            <a:off x="1403648" y="260648"/>
+            <a:ext cx="4905375" cy="4067175"/>
+          </a:xfrm>
+          <a:prstGeom prst="rect">
+            <a:avLst/>
+          </a:prstGeom>
+          <a:noFill/>
+          <a:ln w="9525">
+            <a:noFill/>
+            <a:miter lim="800000"/>
+            <a:headEnd/>
+            <a:tailEnd/>
+          </a:ln>
+        </p:spPr>
+      </p:pic>
+      <p:sp>
+        <p:nvSpPr>
+          <p:cNvPr id="14" name="TextBox 13"/>
+          <p:cNvSpPr txBox="1"/>
+          <p:nvPr/>
+        </p:nvSpPr>
+        <p:spPr>
+          <a:xfrm>
+            <a:off x="6048164" y="5373216"/>
+            <a:ext cx="2520280" cy="861774"/>
+          </a:xfrm>
+          <a:prstGeom prst="rect">
+            <a:avLst/>
+          </a:prstGeom>
+          <a:solidFill>
+            <a:srgbClr val="FFC000"/>
+          </a:solidFill>
+          <a:ln>
+            <a:solidFill>
+              <a:schemeClr val="tx1"/>
+            </a:solidFill>
+          </a:ln>
+        </p:spPr>
+        <p:txBody>
+          <a:bodyPr wrap="square" rtlCol="0">
+            <a:spAutoFit/>
+          </a:bodyPr>
+          <a:lstStyle/>
+          <a:p>
+            <a:r>
+              <a:rPr lang="en-GB" b="1" i="1" dirty="0" smtClean="0"/>
+              <a:t>Reminder:</a:t>
+            </a:r>
+            <a:r>
+              <a:rPr lang="en-GB" i="1" dirty="0" smtClean="0"/>
+              <a:t> </a:t>
+            </a:r>
+            <a:r>
+              <a:rPr lang="en-GB" sz="1600" i="1" dirty="0" smtClean="0"/>
+              <a:t>See appendix at end of tutorial for Model Explorer invocation details</a:t>
+            </a:r>
+            <a:endParaRPr lang="en-GB" sz="1600" dirty="0" smtClean="0"/>
+          </a:p>
+        </p:txBody>
+      </p:sp>
+      <p:sp>
+        <p:nvSpPr>
+          <p:cNvPr id="15" name="TextBox 14"/>
+          <p:cNvSpPr txBox="1"/>
+          <p:nvPr/>
+        </p:nvSpPr>
+        <p:spPr>
+          <a:xfrm>
+            <a:off x="4860032" y="188640"/>
+            <a:ext cx="4032448" cy="1600438"/>
+          </a:xfrm>
+          <a:prstGeom prst="rect">
+            <a:avLst/>
+          </a:prstGeom>
+          <a:solidFill>
+            <a:schemeClr val="tx2">
+              <a:lumMod val="40000"/>
+              <a:lumOff val="60000"/>
+            </a:schemeClr>
+          </a:solidFill>
+          <a:ln>
+            <a:solidFill>
+              <a:schemeClr val="tx1"/>
+            </a:solidFill>
+          </a:ln>
+        </p:spPr>
+        <p:txBody>
+          <a:bodyPr wrap="square" rtlCol="0">
+            <a:spAutoFit/>
+          </a:bodyPr>
+          <a:lstStyle/>
+          <a:p>
+            <a:r>
+              <a:rPr lang="en-GB" b="1" dirty="0" smtClean="0"/>
+              <a:t>Actions:</a:t>
+            </a:r>
+            <a:endParaRPr lang="en-GB" dirty="0"/>
+          </a:p>
+          <a:p>
+            <a:pPr marL="457200" indent="-457200">
+              <a:buFont typeface="+mj-lt"/>
+              <a:buAutoNum type="arabicPeriod"/>
+            </a:pPr>
+            <a:r>
+              <a:rPr lang="en-GB" sz="1600" dirty="0" smtClean="0"/>
+              <a:t>Invoke </a:t>
+            </a:r>
+            <a:r>
+              <a:rPr lang="en-GB" sz="1600" i="1" dirty="0" smtClean="0"/>
+              <a:t>ME </a:t>
+            </a:r>
+            <a:r>
+              <a:rPr lang="en-GB" sz="1600" dirty="0" smtClean="0"/>
+              <a:t>with basic MEKON version of demo </a:t>
+            </a:r>
+            <a:r>
+              <a:rPr lang="en-GB" sz="1600" dirty="0" smtClean="0"/>
+              <a:t>model</a:t>
+            </a:r>
+          </a:p>
+          <a:p>
+            <a:pPr marL="457200" indent="-457200">
+              <a:buFont typeface="+mj-lt"/>
+              <a:buAutoNum type="arabicPeriod"/>
+            </a:pPr>
+            <a:r>
+              <a:rPr lang="en-GB" sz="1600" dirty="0" smtClean="0"/>
+              <a:t>Select </a:t>
+            </a:r>
+            <a:r>
+              <a:rPr lang="en-GB" sz="1600" dirty="0" smtClean="0"/>
+              <a:t>“</a:t>
+            </a:r>
+            <a:r>
+              <a:rPr lang="en-GB" sz="1600" dirty="0" smtClean="0">
+                <a:cs typeface="Courier New" pitchFamily="49" charset="0"/>
+              </a:rPr>
+              <a:t>Job”</a:t>
+            </a:r>
+            <a:r>
+              <a:rPr lang="en-GB" sz="1600" dirty="0" smtClean="0"/>
+              <a:t> </a:t>
+            </a:r>
+            <a:r>
+              <a:rPr lang="en-GB" sz="1600" dirty="0" err="1" smtClean="0">
+                <a:latin typeface="Courier New" pitchFamily="49" charset="0"/>
+                <a:cs typeface="Courier New" pitchFamily="49" charset="0"/>
+              </a:rPr>
+              <a:t>CFrame</a:t>
+            </a:r>
+            <a:r>
+              <a:rPr lang="en-GB" sz="1600" dirty="0" smtClean="0"/>
+              <a:t> </a:t>
+            </a:r>
+            <a:r>
+              <a:rPr lang="en-GB" sz="1600" dirty="0" smtClean="0"/>
+              <a:t>in LH </a:t>
+            </a:r>
+            <a:r>
+              <a:rPr lang="en-GB" sz="1600" dirty="0" smtClean="0"/>
+              <a:t>panel</a:t>
+            </a:r>
+          </a:p>
+          <a:p>
+            <a:pPr marL="457200" indent="-457200">
+              <a:buFont typeface="+mj-lt"/>
+              <a:buAutoNum type="arabicPeriod"/>
+            </a:pPr>
+            <a:r>
+              <a:rPr lang="en-GB" sz="1600" dirty="0" smtClean="0"/>
+              <a:t>Click </a:t>
+            </a:r>
+            <a:r>
+              <a:rPr lang="en-GB" sz="1600" dirty="0" smtClean="0"/>
+              <a:t>on “Assertion…” button in “Instantiate” area at bottom of RH panel</a:t>
+            </a:r>
+            <a:endParaRPr lang="en-GB" sz="1600" dirty="0" smtClean="0"/>
+          </a:p>
+        </p:txBody>
+      </p:sp>
+      <p:sp>
+        <p:nvSpPr>
+          <p:cNvPr id="22" name="TextBox 21"/>
+          <p:cNvSpPr txBox="1"/>
+          <p:nvPr/>
+        </p:nvSpPr>
+        <p:spPr>
+          <a:xfrm>
+            <a:off x="4860032" y="1772816"/>
+            <a:ext cx="4032448" cy="2831544"/>
+          </a:xfrm>
+          <a:prstGeom prst="rect">
+            <a:avLst/>
+          </a:prstGeom>
+          <a:solidFill>
+            <a:schemeClr val="accent3">
+              <a:lumMod val="60000"/>
+              <a:lumOff val="40000"/>
+            </a:schemeClr>
+          </a:solidFill>
+          <a:ln>
+            <a:solidFill>
+              <a:schemeClr val="tx1"/>
+            </a:solidFill>
+          </a:ln>
+        </p:spPr>
+        <p:txBody>
+          <a:bodyPr wrap="square" rtlCol="0">
+            <a:spAutoFit/>
+          </a:bodyPr>
+          <a:lstStyle/>
+          <a:p>
+            <a:r>
+              <a:rPr lang="en-GB" b="1" dirty="0" smtClean="0"/>
+              <a:t>Explanation:</a:t>
+            </a:r>
+            <a:endParaRPr lang="en-GB" dirty="0"/>
+          </a:p>
+          <a:p>
+            <a:pPr marL="457200" indent="-457200">
+              <a:buFont typeface="Arial" pitchFamily="34" charset="0"/>
+              <a:buChar char="•"/>
+            </a:pPr>
+            <a:r>
+              <a:rPr lang="en-GB" sz="1600" dirty="0" smtClean="0"/>
+              <a:t>The new window that appears shows an </a:t>
+            </a:r>
+            <a:r>
+              <a:rPr lang="en-GB" sz="1600" dirty="0" err="1" smtClean="0">
+                <a:latin typeface="Courier New" pitchFamily="49" charset="0"/>
+                <a:cs typeface="Courier New" pitchFamily="49" charset="0"/>
+              </a:rPr>
+              <a:t>IFrame</a:t>
+            </a:r>
+            <a:r>
+              <a:rPr lang="en-GB" sz="1600" dirty="0" smtClean="0"/>
+              <a:t> that instantiates “Job”</a:t>
+            </a:r>
+            <a:endParaRPr lang="en-GB" sz="1600" dirty="0" smtClean="0"/>
+          </a:p>
+          <a:p>
+            <a:pPr marL="457200" indent="-457200">
+              <a:buFont typeface="Arial" pitchFamily="34" charset="0"/>
+              <a:buChar char="•"/>
+            </a:pPr>
+            <a:r>
+              <a:rPr lang="en-GB" sz="1600" dirty="0" smtClean="0"/>
+              <a:t>This is an </a:t>
+            </a:r>
+            <a:r>
+              <a:rPr lang="en-GB" sz="1600" i="1" dirty="0" smtClean="0"/>
+              <a:t>assertion</a:t>
+            </a:r>
+            <a:r>
+              <a:rPr lang="en-GB" sz="1600" dirty="0" smtClean="0"/>
+              <a:t>, rather </a:t>
+            </a:r>
+            <a:r>
+              <a:rPr lang="en-GB" sz="1600" dirty="0" smtClean="0"/>
+              <a:t>than </a:t>
+            </a:r>
+            <a:r>
+              <a:rPr lang="en-GB" sz="1600" i="1" dirty="0" smtClean="0"/>
+              <a:t>query</a:t>
+            </a:r>
+            <a:r>
+              <a:rPr lang="en-GB" sz="1600" dirty="0" smtClean="0"/>
+              <a:t>, </a:t>
+            </a:r>
+            <a:r>
+              <a:rPr lang="en-GB" sz="1600" dirty="0" smtClean="0"/>
+              <a:t>instantiation (see next slide for details)</a:t>
+            </a:r>
+          </a:p>
+          <a:p>
+            <a:pPr marL="457200" indent="-457200">
+              <a:buFont typeface="Arial" pitchFamily="34" charset="0"/>
+              <a:buChar char="•"/>
+            </a:pPr>
+            <a:r>
+              <a:rPr lang="en-GB" sz="1600" dirty="0" smtClean="0"/>
+              <a:t>The instantiation is currently empty, in that no slot values have been set</a:t>
+            </a:r>
+          </a:p>
+          <a:p>
+            <a:pPr marL="457200" indent="-457200">
+              <a:buFont typeface="Arial" pitchFamily="34" charset="0"/>
+              <a:buChar char="•"/>
+            </a:pPr>
+            <a:r>
+              <a:rPr lang="en-GB" sz="1600" dirty="0" smtClean="0"/>
+              <a:t>The icons appearing underneath the </a:t>
+            </a:r>
+            <a:r>
+              <a:rPr lang="en-GB" sz="1600" dirty="0" err="1" smtClean="0">
+                <a:latin typeface="Courier New" pitchFamily="49" charset="0"/>
+                <a:cs typeface="Courier New" pitchFamily="49" charset="0"/>
+              </a:rPr>
+              <a:t>ISlot</a:t>
+            </a:r>
+            <a:r>
+              <a:rPr lang="en-GB" sz="1600" dirty="0" err="1" smtClean="0"/>
+              <a:t>s</a:t>
+            </a:r>
+            <a:r>
+              <a:rPr lang="en-GB" sz="1600" dirty="0" smtClean="0"/>
+              <a:t>  represent the relevant value-types. The </a:t>
+            </a:r>
+            <a:r>
+              <a:rPr lang="en-GB" sz="1600" dirty="0" smtClean="0"/>
+              <a:t>actual </a:t>
+            </a:r>
+            <a:r>
+              <a:rPr lang="en-GB" sz="1600" dirty="0" smtClean="0"/>
+              <a:t>values, when set, will appear underneath the value-types</a:t>
+            </a:r>
+            <a:endParaRPr lang="en-GB" sz="1600" dirty="0" smtClean="0"/>
+          </a:p>
+        </p:txBody>
+      </p:sp>
+      <p:sp>
+        <p:nvSpPr>
+          <p:cNvPr id="33" name="TextBox 32"/>
+          <p:cNvSpPr txBox="1"/>
+          <p:nvPr/>
+        </p:nvSpPr>
+        <p:spPr>
+          <a:xfrm>
+            <a:off x="323528" y="5265204"/>
+            <a:ext cx="4896544" cy="1296144"/>
+          </a:xfrm>
+          <a:prstGeom prst="rect">
+            <a:avLst/>
+          </a:prstGeom>
+          <a:solidFill>
+            <a:schemeClr val="accent2">
+              <a:lumMod val="60000"/>
+              <a:lumOff val="40000"/>
+            </a:schemeClr>
+          </a:solidFill>
+          <a:ln>
+            <a:solidFill>
+              <a:schemeClr val="tx1"/>
+            </a:solidFill>
+          </a:ln>
+        </p:spPr>
+        <p:txBody>
+          <a:bodyPr wrap="square" rtlCol="0">
             <a:noAutofit/>
           </a:bodyPr>
           <a:lstStyle/>
           <a:p>
-            <a:pPr lvl="2" algn="ctr" rtl="0">
-              <a:spcBef>
-                <a:spcPct val="0"/>
-              </a:spcBef>
-            </a:pPr>
-            <a:r>
-              <a:rPr lang="en-GB" sz="4400" dirty="0" smtClean="0">
-                <a:solidFill>
-                  <a:srgbClr val="FF0000"/>
-                </a:solidFill>
-                <a:latin typeface="+mj-lt"/>
-              </a:rPr>
-              <a:t>[TO BE ADDED]</a:t>
-            </a:r>
-            <a:endParaRPr lang="en-GB" sz="4400" dirty="0">
-              <a:solidFill>
-                <a:srgbClr val="FF0000"/>
-              </a:solidFill>
-            </a:endParaRPr>
+            <a:r>
+              <a:rPr lang="en-GB" b="1" dirty="0" smtClean="0"/>
+              <a:t>Icons Recap:</a:t>
+            </a:r>
+          </a:p>
+        </p:txBody>
+      </p:sp>
+      <p:sp>
+        <p:nvSpPr>
+          <p:cNvPr id="35" name="TextBox 34"/>
+          <p:cNvSpPr txBox="1"/>
+          <p:nvPr/>
+        </p:nvSpPr>
+        <p:spPr>
+          <a:xfrm>
+            <a:off x="935596" y="6093296"/>
+            <a:ext cx="3744416" cy="360040"/>
+          </a:xfrm>
+          <a:prstGeom prst="rect">
+            <a:avLst/>
+          </a:prstGeom>
+          <a:noFill/>
+          <a:ln>
+            <a:noFill/>
+          </a:ln>
+        </p:spPr>
+        <p:txBody>
+          <a:bodyPr wrap="square" rtlCol="0">
+            <a:noAutofit/>
+          </a:bodyPr>
+          <a:lstStyle/>
+          <a:p>
+            <a:r>
+              <a:rPr lang="en-GB" sz="1600" dirty="0" err="1" smtClean="0">
+                <a:latin typeface="Courier New" pitchFamily="49" charset="0"/>
+                <a:cs typeface="Courier New" pitchFamily="49" charset="0"/>
+              </a:rPr>
+              <a:t>I</a:t>
+            </a:r>
+            <a:r>
+              <a:rPr lang="en-GB" sz="1600" dirty="0" err="1" smtClean="0">
+                <a:latin typeface="Courier New" pitchFamily="49" charset="0"/>
+                <a:cs typeface="Courier New" pitchFamily="49" charset="0"/>
+              </a:rPr>
+              <a:t>Slot</a:t>
+            </a:r>
+            <a:r>
+              <a:rPr lang="en-GB" sz="1600" dirty="0" smtClean="0"/>
+              <a:t> </a:t>
+            </a:r>
+            <a:r>
+              <a:rPr lang="en-GB" sz="1600" dirty="0" smtClean="0"/>
+              <a:t>/ External </a:t>
+            </a:r>
+            <a:r>
+              <a:rPr lang="en-GB" sz="1600" dirty="0" smtClean="0"/>
+              <a:t>source</a:t>
+            </a:r>
+            <a:endParaRPr lang="en-GB" sz="1600" dirty="0"/>
+          </a:p>
+        </p:txBody>
+      </p:sp>
+      <p:sp>
+        <p:nvSpPr>
+          <p:cNvPr id="36" name="Isosceles Triangle 35"/>
+          <p:cNvSpPr/>
+          <p:nvPr/>
+        </p:nvSpPr>
+        <p:spPr>
+          <a:xfrm rot="5400000">
+            <a:off x="539551" y="6129300"/>
+            <a:ext cx="324036" cy="324036"/>
+          </a:xfrm>
+          <a:prstGeom prst="triangle">
+            <a:avLst/>
+          </a:prstGeom>
+          <a:solidFill>
+            <a:srgbClr val="FF0000"/>
+          </a:solidFill>
+          <a:ln w="9525">
+            <a:solidFill>
+              <a:schemeClr val="tx1"/>
+            </a:solidFill>
+          </a:ln>
+        </p:spPr>
+        <p:style>
+          <a:lnRef idx="2">
+            <a:schemeClr val="accent1">
+              <a:shade val="50000"/>
+            </a:schemeClr>
+          </a:lnRef>
+          <a:fillRef idx="1">
+            <a:schemeClr val="accent1"/>
+          </a:fillRef>
+          <a:effectRef idx="0">
+            <a:schemeClr val="accent1"/>
+          </a:effectRef>
+          <a:fontRef idx="minor">
+            <a:schemeClr val="lt1"/>
+          </a:fontRef>
+        </p:style>
+        <p:txBody>
+          <a:bodyPr rtlCol="0" anchor="ctr"/>
+          <a:lstStyle/>
+          <a:p>
+            <a:pPr algn="ctr"/>
+            <a:endParaRPr lang="en-GB" sz="1600"/>
+          </a:p>
+        </p:txBody>
+      </p:sp>
+      <p:sp>
+        <p:nvSpPr>
+          <p:cNvPr id="38" name="Rectangle 37"/>
+          <p:cNvSpPr/>
+          <p:nvPr/>
+        </p:nvSpPr>
+        <p:spPr>
+          <a:xfrm rot="18972962">
+            <a:off x="565392" y="5679406"/>
+            <a:ext cx="272357" cy="288198"/>
+          </a:xfrm>
+          <a:prstGeom prst="rect">
+            <a:avLst/>
+          </a:prstGeom>
+          <a:solidFill>
+            <a:srgbClr val="FF0000"/>
+          </a:solidFill>
+          <a:ln w="9525">
+            <a:solidFill>
+              <a:schemeClr val="tx1"/>
+            </a:solidFill>
+          </a:ln>
+        </p:spPr>
+        <p:style>
+          <a:lnRef idx="2">
+            <a:schemeClr val="accent1">
+              <a:shade val="50000"/>
+            </a:schemeClr>
+          </a:lnRef>
+          <a:fillRef idx="1">
+            <a:schemeClr val="accent1"/>
+          </a:fillRef>
+          <a:effectRef idx="0">
+            <a:schemeClr val="accent1"/>
+          </a:effectRef>
+          <a:fontRef idx="minor">
+            <a:schemeClr val="lt1"/>
+          </a:fontRef>
+        </p:style>
+        <p:txBody>
+          <a:bodyPr rtlCol="0" anchor="ctr"/>
+          <a:lstStyle/>
+          <a:p>
+            <a:pPr algn="ctr"/>
+            <a:endParaRPr lang="en-GB" sz="1600"/>
+          </a:p>
+        </p:txBody>
+      </p:sp>
+      <p:sp>
+        <p:nvSpPr>
+          <p:cNvPr id="40" name="TextBox 39"/>
+          <p:cNvSpPr txBox="1"/>
+          <p:nvPr/>
+        </p:nvSpPr>
+        <p:spPr>
+          <a:xfrm>
+            <a:off x="935596" y="5661248"/>
+            <a:ext cx="2376264" cy="360040"/>
+          </a:xfrm>
+          <a:prstGeom prst="rect">
+            <a:avLst/>
+          </a:prstGeom>
+          <a:noFill/>
+          <a:ln>
+            <a:noFill/>
+          </a:ln>
+        </p:spPr>
+        <p:txBody>
+          <a:bodyPr wrap="square" rtlCol="0">
+            <a:noAutofit/>
+          </a:bodyPr>
+          <a:lstStyle/>
+          <a:p>
+            <a:r>
+              <a:rPr lang="en-GB" sz="1600" dirty="0" err="1" smtClean="0">
+                <a:latin typeface="Courier New" pitchFamily="49" charset="0"/>
+                <a:cs typeface="Courier New" pitchFamily="49" charset="0"/>
+              </a:rPr>
+              <a:t>I</a:t>
+            </a:r>
+            <a:r>
+              <a:rPr lang="en-GB" sz="1600" dirty="0" err="1" smtClean="0">
+                <a:latin typeface="Courier New" pitchFamily="49" charset="0"/>
+                <a:cs typeface="Courier New" pitchFamily="49" charset="0"/>
+              </a:rPr>
+              <a:t>Frame</a:t>
+            </a:r>
+            <a:r>
+              <a:rPr lang="en-GB" sz="1600" dirty="0" smtClean="0"/>
+              <a:t> </a:t>
+            </a:r>
+            <a:r>
+              <a:rPr lang="en-GB" sz="1600" dirty="0" smtClean="0"/>
+              <a:t>/ External source</a:t>
+            </a:r>
+            <a:endParaRPr lang="en-GB" sz="1600" dirty="0"/>
+          </a:p>
+        </p:txBody>
+      </p:sp>
+      <p:sp>
+        <p:nvSpPr>
+          <p:cNvPr id="41" name="TextBox 40"/>
+          <p:cNvSpPr txBox="1"/>
+          <p:nvPr/>
+        </p:nvSpPr>
+        <p:spPr>
+          <a:xfrm>
+            <a:off x="3383868" y="5373216"/>
+            <a:ext cx="1656184" cy="1080120"/>
+          </a:xfrm>
+          <a:prstGeom prst="rect">
+            <a:avLst/>
+          </a:prstGeom>
+          <a:solidFill>
+            <a:schemeClr val="accent2">
+              <a:lumMod val="40000"/>
+              <a:lumOff val="60000"/>
+            </a:schemeClr>
+          </a:solidFill>
+          <a:ln>
+            <a:solidFill>
+              <a:schemeClr val="tx1"/>
+            </a:solidFill>
+          </a:ln>
+        </p:spPr>
+        <p:txBody>
+          <a:bodyPr wrap="square" rtlCol="0">
+            <a:noAutofit/>
+          </a:bodyPr>
+          <a:lstStyle/>
+          <a:p>
+            <a:r>
+              <a:rPr lang="en-GB" sz="1600" b="1" i="1" dirty="0" smtClean="0"/>
+              <a:t>Note:</a:t>
+            </a:r>
+            <a:r>
+              <a:rPr lang="en-GB" sz="1600" i="1" dirty="0" smtClean="0"/>
+              <a:t> </a:t>
+            </a:r>
+            <a:r>
+              <a:rPr lang="en-GB" sz="1600" dirty="0" err="1" smtClean="0">
+                <a:latin typeface="Courier New" pitchFamily="49" charset="0"/>
+                <a:cs typeface="Courier New" pitchFamily="49" charset="0"/>
+              </a:rPr>
+              <a:t>ISlot</a:t>
+            </a:r>
+            <a:r>
+              <a:rPr lang="en-GB" sz="1600" dirty="0" err="1" smtClean="0"/>
+              <a:t>s</a:t>
+            </a:r>
+            <a:r>
+              <a:rPr lang="en-GB" sz="1600" dirty="0" smtClean="0"/>
+              <a:t> are </a:t>
+            </a:r>
+            <a:r>
+              <a:rPr lang="en-GB" sz="1600" dirty="0" smtClean="0"/>
+              <a:t>distinguished from </a:t>
+            </a:r>
+            <a:r>
+              <a:rPr lang="en-GB" sz="1600" dirty="0" err="1" smtClean="0">
+                <a:latin typeface="Courier New" pitchFamily="49" charset="0"/>
+                <a:cs typeface="Courier New" pitchFamily="49" charset="0"/>
+              </a:rPr>
+              <a:t>C</a:t>
+            </a:r>
+            <a:r>
+              <a:rPr lang="en-GB" sz="1600" dirty="0" err="1" smtClean="0">
+                <a:latin typeface="Courier New" pitchFamily="49" charset="0"/>
+                <a:cs typeface="Courier New" pitchFamily="49" charset="0"/>
+              </a:rPr>
+              <a:t>Slot</a:t>
+            </a:r>
+            <a:r>
+              <a:rPr lang="en-GB" sz="1600" dirty="0" err="1" smtClean="0"/>
+              <a:t>s</a:t>
+            </a:r>
+            <a:r>
+              <a:rPr lang="en-GB" sz="1600" dirty="0" smtClean="0"/>
+              <a:t> by context alone</a:t>
+            </a:r>
+            <a:endParaRPr lang="en-GB" sz="1600" dirty="0"/>
           </a:p>
         </p:txBody>
       </p:sp>
@@ -10707,52 +11442,6 @@
       </p:grpSpPr>
       <p:sp>
         <p:nvSpPr>
-          <p:cNvPr id="3" name="Rectangle 2"/>
-          <p:cNvSpPr/>
-          <p:nvPr/>
-        </p:nvSpPr>
-        <p:spPr>
-          <a:xfrm>
-            <a:off x="0" y="0"/>
-            <a:ext cx="9144000" cy="6858000"/>
-          </a:xfrm>
-          <a:prstGeom prst="rect">
-            <a:avLst/>
-          </a:prstGeom>
-          <a:solidFill>
-            <a:schemeClr val="accent6">
-              <a:lumMod val="40000"/>
-              <a:lumOff val="60000"/>
-            </a:schemeClr>
-          </a:solidFill>
-        </p:spPr>
-        <p:style>
-          <a:lnRef idx="2">
-            <a:schemeClr val="accent1">
-              <a:shade val="50000"/>
-            </a:schemeClr>
-          </a:lnRef>
-          <a:fillRef idx="1">
-            <a:schemeClr val="accent1"/>
-          </a:fillRef>
-          <a:effectRef idx="0">
-            <a:schemeClr val="accent1"/>
-          </a:effectRef>
-          <a:fontRef idx="minor">
-            <a:schemeClr val="lt1"/>
-          </a:fontRef>
-        </p:style>
-        <p:txBody>
-          <a:bodyPr rtlCol="0" anchor="ctr"/>
-          <a:lstStyle/>
-          <a:p>
-            <a:pPr algn="ctr"/>
-            <a:endParaRPr lang="en-GB"/>
-          </a:p>
-        </p:txBody>
-      </p:sp>
-      <p:sp>
-        <p:nvSpPr>
           <p:cNvPr id="2" name="Title 1"/>
           <p:cNvSpPr>
             <a:spLocks noGrp="1"/>
@@ -10763,36 +11452,44 @@
         </p:nvSpPr>
         <p:spPr>
           <a:xfrm>
-            <a:off x="647564" y="1736812"/>
-            <a:ext cx="7772400" cy="3132348"/>
+            <a:off x="1259632" y="2240868"/>
+            <a:ext cx="6586500" cy="2016224"/>
           </a:xfrm>
         </p:spPr>
         <p:txBody>
           <a:bodyPr>
-            <a:normAutofit/>
+            <a:noAutofit/>
           </a:bodyPr>
           <a:lstStyle/>
           <a:p>
-            <a:r>
-              <a:rPr lang="en-GB" sz="6000" b="1" dirty="0" smtClean="0"/>
-              <a:t>Creating + Executing</a:t>
-            </a:r>
-            <a:r>
-              <a:rPr lang="en-GB" sz="6000" b="1" dirty="0" smtClean="0"/>
-              <a:t/>
-            </a:r>
-            <a:br>
-              <a:rPr lang="en-GB" sz="6000" b="1" dirty="0" smtClean="0"/>
-            </a:br>
-            <a:r>
-              <a:rPr lang="en-GB" sz="6000" b="1" dirty="0" smtClean="0"/>
-              <a:t>Query </a:t>
-            </a:r>
-            <a:r>
-              <a:rPr lang="en-GB" sz="6000" b="1" dirty="0" smtClean="0"/>
-              <a:t>Instantiations</a:t>
-            </a:r>
-            <a:endParaRPr lang="en-GB" sz="6000" b="1" dirty="0"/>
+            <a:pPr lvl="2" algn="ctr" rtl="0">
+              <a:spcBef>
+                <a:spcPct val="0"/>
+              </a:spcBef>
+            </a:pPr>
+            <a:r>
+              <a:rPr lang="en-GB" sz="4400" dirty="0" smtClean="0">
+                <a:solidFill>
+                  <a:srgbClr val="FF0000"/>
+                </a:solidFill>
+                <a:latin typeface="+mj-lt"/>
+              </a:rPr>
+              <a:t>[MORE TO </a:t>
+            </a:r>
+            <a:r>
+              <a:rPr lang="en-GB" sz="4400" dirty="0" smtClean="0">
+                <a:solidFill>
+                  <a:srgbClr val="FF0000"/>
+                </a:solidFill>
+                <a:latin typeface="+mj-lt"/>
+              </a:rPr>
+              <a:t>BE ADDED]</a:t>
+            </a:r>
+            <a:endParaRPr lang="en-GB" sz="4400" dirty="0">
+              <a:solidFill>
+                <a:srgbClr val="FF0000"/>
+              </a:solidFill>
+            </a:endParaRPr>
           </a:p>
         </p:txBody>
       </p:sp>
@@ -10830,6 +11527,52 @@
       </p:grpSpPr>
       <p:sp>
         <p:nvSpPr>
+          <p:cNvPr id="3" name="Rectangle 2"/>
+          <p:cNvSpPr/>
+          <p:nvPr/>
+        </p:nvSpPr>
+        <p:spPr>
+          <a:xfrm>
+            <a:off x="0" y="0"/>
+            <a:ext cx="9144000" cy="6858000"/>
+          </a:xfrm>
+          <a:prstGeom prst="rect">
+            <a:avLst/>
+          </a:prstGeom>
+          <a:solidFill>
+            <a:schemeClr val="accent6">
+              <a:lumMod val="40000"/>
+              <a:lumOff val="60000"/>
+            </a:schemeClr>
+          </a:solidFill>
+        </p:spPr>
+        <p:style>
+          <a:lnRef idx="2">
+            <a:schemeClr val="accent1">
+              <a:shade val="50000"/>
+            </a:schemeClr>
+          </a:lnRef>
+          <a:fillRef idx="1">
+            <a:schemeClr val="accent1"/>
+          </a:fillRef>
+          <a:effectRef idx="0">
+            <a:schemeClr val="accent1"/>
+          </a:effectRef>
+          <a:fontRef idx="minor">
+            <a:schemeClr val="lt1"/>
+          </a:fontRef>
+        </p:style>
+        <p:txBody>
+          <a:bodyPr rtlCol="0" anchor="ctr"/>
+          <a:lstStyle/>
+          <a:p>
+            <a:pPr algn="ctr"/>
+            <a:endParaRPr lang="en-GB"/>
+          </a:p>
+        </p:txBody>
+      </p:sp>
+      <p:sp>
+        <p:nvSpPr>
           <p:cNvPr id="2" name="Title 1"/>
           <p:cNvSpPr>
             <a:spLocks noGrp="1"/>
@@ -10840,35 +11583,28 @@
         </p:nvSpPr>
         <p:spPr>
           <a:xfrm>
-            <a:off x="1259632" y="2240868"/>
-            <a:ext cx="6586500" cy="2016224"/>
+            <a:off x="647564" y="1736812"/>
+            <a:ext cx="7772400" cy="3132348"/>
           </a:xfrm>
         </p:spPr>
         <p:txBody>
           <a:bodyPr>
-            <a:noAutofit/>
+            <a:normAutofit/>
           </a:bodyPr>
           <a:lstStyle/>
           <a:p>
-            <a:pPr lvl="2" algn="ctr" rtl="0">
-              <a:spcBef>
-                <a:spcPct val="0"/>
-              </a:spcBef>
-            </a:pPr>
-            <a:r>
-              <a:rPr lang="en-GB" sz="4400" dirty="0" smtClean="0">
-                <a:solidFill>
-                  <a:srgbClr val="FF0000"/>
-                </a:solidFill>
-                <a:latin typeface="+mj-lt"/>
-              </a:rPr>
-              <a:t>[TO BE ADDED]</a:t>
-            </a:r>
-            <a:endParaRPr lang="en-GB" sz="4400" dirty="0">
-              <a:solidFill>
-                <a:srgbClr val="FF0000"/>
-              </a:solidFill>
-            </a:endParaRPr>
+            <a:r>
+              <a:rPr lang="en-GB" sz="6000" b="1" dirty="0" smtClean="0"/>
+              <a:t>Creating + Executing</a:t>
+            </a:r>
+            <a:br>
+              <a:rPr lang="en-GB" sz="6000" b="1" dirty="0" smtClean="0"/>
+            </a:br>
+            <a:r>
+              <a:rPr lang="en-GB" sz="6000" b="1" dirty="0" smtClean="0"/>
+              <a:t>Query Instantiations</a:t>
+            </a:r>
+            <a:endParaRPr lang="en-GB" sz="6000" b="1" dirty="0"/>
           </a:p>
         </p:txBody>
       </p:sp>
@@ -11054,7 +11790,6 @@
               <a:rPr lang="en-GB" dirty="0" smtClean="0"/>
               <a:t>does NOT support any kind of model-editing</a:t>
             </a:r>
-            <a:endParaRPr lang="en-GB" dirty="0" smtClean="0"/>
           </a:p>
         </p:txBody>
       </p:sp>
@@ -11092,52 +11827,6 @@
       </p:grpSpPr>
       <p:sp>
         <p:nvSpPr>
-          <p:cNvPr id="3" name="Rectangle 2"/>
-          <p:cNvSpPr/>
-          <p:nvPr/>
-        </p:nvSpPr>
-        <p:spPr>
-          <a:xfrm>
-            <a:off x="0" y="0"/>
-            <a:ext cx="9144000" cy="6858000"/>
-          </a:xfrm>
-          <a:prstGeom prst="rect">
-            <a:avLst/>
-          </a:prstGeom>
-          <a:solidFill>
-            <a:schemeClr val="accent6">
-              <a:lumMod val="40000"/>
-              <a:lumOff val="60000"/>
-            </a:schemeClr>
-          </a:solidFill>
-        </p:spPr>
-        <p:style>
-          <a:lnRef idx="2">
-            <a:schemeClr val="accent1">
-              <a:shade val="50000"/>
-            </a:schemeClr>
-          </a:lnRef>
-          <a:fillRef idx="1">
-            <a:schemeClr val="accent1"/>
-          </a:fillRef>
-          <a:effectRef idx="0">
-            <a:schemeClr val="accent1"/>
-          </a:effectRef>
-          <a:fontRef idx="minor">
-            <a:schemeClr val="lt1"/>
-          </a:fontRef>
-        </p:style>
-        <p:txBody>
-          <a:bodyPr rtlCol="0" anchor="ctr"/>
-          <a:lstStyle/>
-          <a:p>
-            <a:pPr algn="ctr"/>
-            <a:endParaRPr lang="en-GB"/>
-          </a:p>
-        </p:txBody>
-      </p:sp>
-      <p:sp>
-        <p:nvSpPr>
           <p:cNvPr id="2" name="Title 1"/>
           <p:cNvSpPr>
             <a:spLocks noGrp="1"/>
@@ -11148,47 +11837,35 @@
         </p:nvSpPr>
         <p:spPr>
           <a:xfrm>
-            <a:off x="1223628" y="2132856"/>
-            <a:ext cx="6768752" cy="2234679"/>
+            <a:off x="1259632" y="2240868"/>
+            <a:ext cx="6586500" cy="2016224"/>
           </a:xfrm>
         </p:spPr>
         <p:txBody>
           <a:bodyPr>
-            <a:normAutofit/>
+            <a:noAutofit/>
           </a:bodyPr>
           <a:lstStyle/>
           <a:p>
-            <a:r>
-              <a:rPr lang="en-GB" b="1" dirty="0" smtClean="0"/>
-              <a:t>Appendix:</a:t>
-            </a:r>
-            <a:br>
-              <a:rPr lang="en-GB" b="1" dirty="0" smtClean="0"/>
-            </a:br>
-            <a:r>
-              <a:rPr lang="en-GB" b="1" dirty="0" smtClean="0"/>
-              <a:t>Loading </a:t>
-            </a:r>
-            <a:r>
-              <a:rPr lang="en-GB" b="1" dirty="0" smtClean="0"/>
-              <a:t>Demo </a:t>
-            </a:r>
-            <a:r>
-              <a:rPr lang="en-GB" b="1" dirty="0" smtClean="0"/>
-              <a:t>Model</a:t>
-            </a:r>
-            <a:br>
-              <a:rPr lang="en-GB" b="1" dirty="0" smtClean="0"/>
-            </a:br>
-            <a:r>
-              <a:rPr lang="en-GB" b="1" dirty="0" smtClean="0"/>
-              <a:t>into </a:t>
-            </a:r>
-            <a:r>
-              <a:rPr lang="en-GB" b="1" i="1" dirty="0" smtClean="0"/>
-              <a:t>Model Explorer </a:t>
-            </a:r>
-            <a:endParaRPr lang="en-GB" b="1" dirty="0"/>
+            <a:pPr lvl="2" algn="ctr" rtl="0">
+              <a:spcBef>
+                <a:spcPct val="0"/>
+              </a:spcBef>
+            </a:pPr>
+            <a:r>
+              <a:rPr lang="en-GB" sz="4400" dirty="0" smtClean="0">
+                <a:solidFill>
+                  <a:srgbClr val="FF0000"/>
+                </a:solidFill>
+                <a:latin typeface="+mj-lt"/>
+              </a:rPr>
+              <a:t>[TO BE ADDED]</a:t>
+            </a:r>
+            <a:endParaRPr lang="en-GB" sz="4400" dirty="0">
+              <a:solidFill>
+                <a:srgbClr val="FF0000"/>
+              </a:solidFill>
+            </a:endParaRPr>
           </a:p>
         </p:txBody>
       </p:sp>
@@ -11226,7 +11903,7 @@
       </p:grpSpPr>
       <p:sp>
         <p:nvSpPr>
-          <p:cNvPr id="4" name="Rectangle 3"/>
+          <p:cNvPr id="3" name="Rectangle 2"/>
           <p:cNvSpPr/>
           <p:nvPr/>
         </p:nvSpPr>
@@ -11277,13 +11954,13 @@
             <a:spLocks noGrp="1"/>
           </p:cNvSpPr>
           <p:nvPr>
-            <p:ph type="title"/>
+            <p:ph type="ctrTitle"/>
           </p:nvPr>
         </p:nvSpPr>
         <p:spPr>
           <a:xfrm>
-            <a:off x="0" y="152636"/>
-            <a:ext cx="9144000" cy="1143000"/>
+            <a:off x="1223628" y="2132856"/>
+            <a:ext cx="6768752" cy="2234679"/>
           </a:xfrm>
         </p:spPr>
         <p:txBody>
@@ -11294,193 +11971,27 @@
           <a:p>
             <a:r>
               <a:rPr lang="en-GB" b="1" dirty="0" smtClean="0"/>
-              <a:t>Using </a:t>
-            </a:r>
-            <a:r>
-              <a:rPr lang="en-GB" b="1" dirty="0" err="1" smtClean="0"/>
-              <a:t>Mekon</a:t>
-            </a:r>
-            <a:r>
+              <a:t>Appendix:</a:t>
+            </a:r>
+            <a:br>
               <a:rPr lang="en-GB" b="1" dirty="0" smtClean="0"/>
-              <a:t> project </a:t>
-            </a:r>
+            </a:br>
             <a:r>
               <a:rPr lang="en-GB" b="1" dirty="0" smtClean="0"/>
-              <a:t>Build Facilities</a:t>
+              <a:t>Loading Demo Model</a:t>
+            </a:r>
+            <a:br>
+              <a:rPr lang="en-GB" b="1" dirty="0" smtClean="0"/>
+            </a:br>
+            <a:r>
+              <a:rPr lang="en-GB" b="1" dirty="0" smtClean="0"/>
+              <a:t>into </a:t>
+            </a:r>
+            <a:r>
+              <a:rPr lang="en-GB" b="1" i="1" dirty="0" smtClean="0"/>
+              <a:t>Model Explorer </a:t>
             </a:r>
             <a:endParaRPr lang="en-GB" b="1" dirty="0"/>
-          </a:p>
-        </p:txBody>
-      </p:sp>
-      <p:sp>
-        <p:nvSpPr>
-          <p:cNvPr id="3" name="Content Placeholder 2"/>
-          <p:cNvSpPr>
-            <a:spLocks noGrp="1"/>
-          </p:cNvSpPr>
-          <p:nvPr>
-            <p:ph idx="1"/>
-          </p:nvPr>
-        </p:nvSpPr>
-        <p:spPr>
-          <a:xfrm>
-            <a:off x="467544" y="1484784"/>
-            <a:ext cx="8229600" cy="5004556"/>
-          </a:xfrm>
-        </p:spPr>
-        <p:txBody>
-          <a:bodyPr>
-            <a:normAutofit fontScale="92500" lnSpcReduction="20000"/>
-          </a:bodyPr>
-          <a:lstStyle/>
-          <a:p>
-            <a:pPr marL="514350" indent="-514350">
-              <a:buFont typeface="+mj-lt"/>
-              <a:buAutoNum type="arabicPeriod"/>
-            </a:pPr>
-            <a:r>
-              <a:rPr lang="en-GB" dirty="0" smtClean="0"/>
-              <a:t>Ensure that all relevant code/resources are checked out from </a:t>
-            </a:r>
-            <a:r>
-              <a:rPr lang="en-GB" dirty="0" err="1" smtClean="0"/>
-              <a:t>Mekon</a:t>
-            </a:r>
-            <a:r>
-              <a:rPr lang="en-GB" dirty="0" smtClean="0"/>
-              <a:t> project </a:t>
-            </a:r>
-            <a:r>
-              <a:rPr lang="en-GB" dirty="0" smtClean="0"/>
-              <a:t>SVN</a:t>
-            </a:r>
-          </a:p>
-          <a:p>
-            <a:pPr marL="514350" indent="-514350">
-              <a:buFont typeface="+mj-lt"/>
-              <a:buAutoNum type="arabicPeriod"/>
-            </a:pPr>
-            <a:r>
-              <a:rPr lang="en-GB" dirty="0" smtClean="0"/>
-              <a:t>Invoke </a:t>
-            </a:r>
-            <a:r>
-              <a:rPr lang="en-GB" dirty="0" smtClean="0"/>
-              <a:t>ANT build </a:t>
-            </a:r>
-            <a:r>
-              <a:rPr lang="en-GB" dirty="0" smtClean="0"/>
-              <a:t>script:</a:t>
-            </a:r>
-          </a:p>
-          <a:p>
-            <a:pPr marL="914400" lvl="1" indent="-514350">
-              <a:buFont typeface="+mj-lt"/>
-              <a:buAutoNum type="alphaLcParenR"/>
-            </a:pPr>
-            <a:r>
-              <a:rPr lang="en-GB" dirty="0" smtClean="0"/>
-              <a:t>Ensure that ANT is installed on your machine</a:t>
-            </a:r>
-          </a:p>
-          <a:p>
-            <a:pPr marL="914400" lvl="1" indent="-514350">
-              <a:buFont typeface="+mj-lt"/>
-              <a:buAutoNum type="alphaLcParenR"/>
-            </a:pPr>
-            <a:r>
-              <a:rPr lang="en-GB" dirty="0" smtClean="0"/>
-              <a:t>Go to top-level </a:t>
-            </a:r>
-            <a:r>
-              <a:rPr lang="en-GB" dirty="0" smtClean="0"/>
-              <a:t>folder </a:t>
-            </a:r>
-            <a:r>
-              <a:rPr lang="en-GB" dirty="0" smtClean="0"/>
-              <a:t>of check-out</a:t>
-            </a:r>
-          </a:p>
-          <a:p>
-            <a:pPr marL="914400" lvl="1" indent="-514350">
-              <a:buFont typeface="+mj-lt"/>
-              <a:buAutoNum type="alphaLcParenR"/>
-            </a:pPr>
-            <a:r>
-              <a:rPr lang="en-GB" dirty="0" smtClean="0"/>
-              <a:t>Type:</a:t>
-            </a:r>
-          </a:p>
-          <a:p>
-            <a:pPr marL="1314450" lvl="2" indent="-514350"/>
-            <a:r>
-              <a:rPr lang="en-GB" i="1" dirty="0" smtClean="0"/>
-              <a:t>ant hobo-demo</a:t>
-            </a:r>
-            <a:endParaRPr lang="en-GB" dirty="0" smtClean="0"/>
-          </a:p>
-          <a:p>
-            <a:pPr marL="514350" indent="-514350">
-              <a:buFont typeface="+mj-lt"/>
-              <a:buAutoNum type="arabicPeriod"/>
-            </a:pPr>
-            <a:r>
-              <a:rPr lang="en-GB" dirty="0" smtClean="0"/>
-              <a:t>Run </a:t>
-            </a:r>
-            <a:r>
-              <a:rPr lang="en-GB" i="1" dirty="0" smtClean="0"/>
-              <a:t>Model Explorer</a:t>
-            </a:r>
-            <a:r>
-              <a:rPr lang="en-GB" dirty="0" smtClean="0"/>
-              <a:t>:</a:t>
-            </a:r>
-          </a:p>
-          <a:p>
-            <a:pPr marL="914400" lvl="1" indent="-514350">
-              <a:buFont typeface="+mj-lt"/>
-              <a:buAutoNum type="alphaLcParenR"/>
-            </a:pPr>
-            <a:r>
-              <a:rPr lang="en-GB" dirty="0" smtClean="0"/>
-              <a:t>Go to “build” directory, created by build script:</a:t>
-            </a:r>
-            <a:endParaRPr lang="en-GB" dirty="0" smtClean="0"/>
-          </a:p>
-          <a:p>
-            <a:pPr marL="914400" lvl="1" indent="-514350">
-              <a:buFont typeface="+mj-lt"/>
-              <a:buAutoNum type="alphaLcParenR"/>
-            </a:pPr>
-            <a:r>
-              <a:rPr lang="en-GB" dirty="0" smtClean="0"/>
-              <a:t>Invoke relevant script:</a:t>
-            </a:r>
-          </a:p>
-          <a:p>
-            <a:pPr lvl="2"/>
-            <a:r>
-              <a:rPr lang="en-GB" i="1" dirty="0" smtClean="0"/>
-              <a:t>mekon-demo.bat/</a:t>
-            </a:r>
-            <a:r>
-              <a:rPr lang="en-GB" i="1" dirty="0" err="1" smtClean="0"/>
-              <a:t>sh</a:t>
-            </a:r>
-            <a:endParaRPr lang="en-GB" i="1" dirty="0" smtClean="0"/>
-          </a:p>
-          <a:p>
-            <a:pPr lvl="2"/>
-            <a:r>
-              <a:rPr lang="en-GB" i="1" dirty="0" smtClean="0"/>
-              <a:t>hobo-demo.bat/</a:t>
-            </a:r>
-            <a:r>
-              <a:rPr lang="en-GB" i="1" dirty="0" err="1" smtClean="0"/>
-              <a:t>sh</a:t>
-            </a:r>
-            <a:endParaRPr lang="en-GB" i="1" dirty="0" smtClean="0"/>
           </a:p>
         </p:txBody>
       </p:sp>
@@ -11586,7 +12097,15 @@
           <a:p>
             <a:r>
               <a:rPr lang="en-GB" b="1" dirty="0" smtClean="0"/>
-              <a:t>Using Your Own Build Facilities</a:t>
+              <a:t>Using </a:t>
+            </a:r>
+            <a:r>
+              <a:rPr lang="en-GB" b="1" dirty="0" err="1" smtClean="0"/>
+              <a:t>Mekon</a:t>
+            </a:r>
+            <a:r>
+              <a:rPr lang="en-GB" b="1" dirty="0" smtClean="0"/>
+              <a:t> project Build Facilities</a:t>
             </a:r>
             <a:endParaRPr lang="en-GB" b="1" dirty="0"/>
           </a:p>
@@ -11610,7 +12129,7 @@
         </p:spPr>
         <p:txBody>
           <a:bodyPr>
-            <a:normAutofit fontScale="92500" lnSpcReduction="10000"/>
+            <a:normAutofit fontScale="92500" lnSpcReduction="20000"/>
           </a:bodyPr>
           <a:lstStyle/>
           <a:p>
@@ -11620,7 +12139,25 @@
             </a:pPr>
             <a:r>
               <a:rPr lang="en-GB" dirty="0" smtClean="0"/>
-              <a:t>Ensure that:</a:t>
+              <a:t>Ensure that all relevant code/resources are checked out from </a:t>
+            </a:r>
+            <a:r>
+              <a:rPr lang="en-GB" dirty="0" err="1" smtClean="0"/>
+              <a:t>Mekon</a:t>
+            </a:r>
+            <a:r>
+              <a:rPr lang="en-GB" dirty="0" smtClean="0"/>
+              <a:t> project SVN</a:t>
+            </a:r>
+          </a:p>
+          <a:p>
+            <a:pPr marL="514350" indent="-514350">
+              <a:buFont typeface="+mj-lt"/>
+              <a:buAutoNum type="arabicPeriod"/>
+            </a:pPr>
+            <a:r>
+              <a:rPr lang="en-GB" dirty="0" smtClean="0"/>
+              <a:t>Invoke ANT build script:</a:t>
             </a:r>
           </a:p>
           <a:p>
@@ -11630,23 +12167,7 @@
             </a:pPr>
             <a:r>
               <a:rPr lang="en-GB" dirty="0" smtClean="0"/>
-              <a:t>A</a:t>
-            </a:r>
-            <a:r>
-              <a:rPr lang="en-GB" dirty="0" smtClean="0"/>
-              <a:t>ll relevant code/resources are checked out from </a:t>
-            </a:r>
-            <a:r>
-              <a:rPr lang="en-GB" dirty="0" err="1" smtClean="0"/>
-              <a:t>Mekon</a:t>
-            </a:r>
-            <a:r>
-              <a:rPr lang="en-GB" dirty="0" smtClean="0"/>
-              <a:t> project </a:t>
-            </a:r>
-            <a:r>
-              <a:rPr lang="en-GB" dirty="0" smtClean="0"/>
-              <a:t>SVN</a:t>
+              <a:t>Ensure that ANT is installed on your machine</a:t>
             </a:r>
           </a:p>
           <a:p>
@@ -11656,15 +12177,7 @@
             </a:pPr>
             <a:r>
               <a:rPr lang="en-GB" dirty="0" smtClean="0"/>
-              <a:t>All code from ALL sub-projects </a:t>
-            </a:r>
-            <a:r>
-              <a:rPr lang="en-GB" dirty="0" smtClean="0"/>
-              <a:t>is </a:t>
-            </a:r>
-            <a:r>
-              <a:rPr lang="en-GB" dirty="0" smtClean="0"/>
-              <a:t>built</a:t>
+              <a:t>Go to top-level folder of check-out</a:t>
             </a:r>
           </a:p>
           <a:p>
@@ -11674,7 +12187,33 @@
             </a:pPr>
             <a:r>
               <a:rPr lang="en-GB" dirty="0" smtClean="0"/>
-              <a:t>All code from “demo” folder is built</a:t>
+              <a:t>Type:</a:t>
+            </a:r>
+          </a:p>
+          <a:p>
+            <a:pPr marL="1314450" lvl="2" indent="-514350"/>
+            <a:r>
+              <a:rPr lang="en-GB" i="1" dirty="0" smtClean="0"/>
+              <a:t>ant hobo-demo</a:t>
+            </a:r>
+            <a:endParaRPr lang="en-GB" dirty="0" smtClean="0"/>
+          </a:p>
+          <a:p>
+            <a:pPr marL="514350" indent="-514350">
+              <a:buFont typeface="+mj-lt"/>
+              <a:buAutoNum type="arabicPeriod"/>
+            </a:pPr>
+            <a:r>
+              <a:rPr lang="en-GB" dirty="0" smtClean="0"/>
+              <a:t>Run </a:t>
+            </a:r>
+            <a:r>
+              <a:rPr lang="en-GB" i="1" dirty="0" smtClean="0"/>
+              <a:t>Model Explorer</a:t>
+            </a:r>
+            <a:r>
+              <a:rPr lang="en-GB" dirty="0" smtClean="0"/>
+              <a:t>:</a:t>
             </a:r>
           </a:p>
           <a:p>
@@ -11684,9 +12223,174 @@
             </a:pPr>
             <a:r>
               <a:rPr lang="en-GB" dirty="0" smtClean="0"/>
-              <a:t>The “demo/resource” folder (or preferably a copy of it) is on your runtime class-path</a:t>
-            </a:r>
-          </a:p>
+              <a:t>Go to “build” directory, created by build script:</a:t>
+            </a:r>
+          </a:p>
+          <a:p>
+            <a:pPr marL="914400" lvl="1" indent="-514350">
+              <a:buFont typeface="+mj-lt"/>
+              <a:buAutoNum type="alphaLcParenR"/>
+            </a:pPr>
+            <a:r>
+              <a:rPr lang="en-GB" dirty="0" smtClean="0"/>
+              <a:t>Invoke relevant script:</a:t>
+            </a:r>
+          </a:p>
+          <a:p>
+            <a:pPr lvl="2"/>
+            <a:r>
+              <a:rPr lang="en-GB" i="1" dirty="0" smtClean="0"/>
+              <a:t>mekon-demo.bat/</a:t>
+            </a:r>
+            <a:r>
+              <a:rPr lang="en-GB" i="1" dirty="0" err="1" smtClean="0"/>
+              <a:t>sh</a:t>
+            </a:r>
+            <a:endParaRPr lang="en-GB" i="1" dirty="0" smtClean="0"/>
+          </a:p>
+          <a:p>
+            <a:pPr lvl="2"/>
+            <a:r>
+              <a:rPr lang="en-GB" i="1" dirty="0" smtClean="0"/>
+              <a:t>hobo-demo.bat/</a:t>
+            </a:r>
+            <a:r>
+              <a:rPr lang="en-GB" i="1" dirty="0" err="1" smtClean="0"/>
+              <a:t>sh</a:t>
+            </a:r>
+            <a:endParaRPr lang="en-GB" i="1" dirty="0" smtClean="0"/>
+          </a:p>
+        </p:txBody>
+      </p:sp>
+    </p:spTree>
+  </p:cSld>
+  <p:clrMapOvr>
+    <a:masterClrMapping/>
+  </p:clrMapOvr>
+  <p:timing>
+    <p:tnLst>
+      <p:par>
+        <p:cTn id="1" dur="indefinite" restart="never" nodeType="tmRoot"/>
+      </p:par>
+    </p:tnLst>
+  </p:timing>
+</p:sld>
+</file>
+
+<file path=ppt/slides/slide33.xml><?xml version="1.0" encoding="utf-8"?>
+<p:sld xmlns:a="http://schemas.openxmlformats.org/drawingml/2006/main" xmlns:r="http://schemas.openxmlformats.org/officeDocument/2006/relationships" xmlns:p="http://schemas.openxmlformats.org/presentationml/2006/main">
+  <p:cSld>
+    <p:spTree>
+      <p:nvGrpSpPr>
+        <p:cNvPr id="1" name=""/>
+        <p:cNvGrpSpPr/>
+        <p:nvPr/>
+      </p:nvGrpSpPr>
+      <p:grpSpPr>
+        <a:xfrm>
+          <a:off x="0" y="0"/>
+          <a:ext cx="0" cy="0"/>
+          <a:chOff x="0" y="0"/>
+          <a:chExt cx="0" cy="0"/>
+        </a:xfrm>
+      </p:grpSpPr>
+      <p:sp>
+        <p:nvSpPr>
+          <p:cNvPr id="4" name="Rectangle 3"/>
+          <p:cNvSpPr/>
+          <p:nvPr/>
+        </p:nvSpPr>
+        <p:spPr>
+          <a:xfrm>
+            <a:off x="0" y="0"/>
+            <a:ext cx="9144000" cy="6858000"/>
+          </a:xfrm>
+          <a:prstGeom prst="rect">
+            <a:avLst/>
+          </a:prstGeom>
+          <a:solidFill>
+            <a:schemeClr val="accent6">
+              <a:lumMod val="40000"/>
+              <a:lumOff val="60000"/>
+            </a:schemeClr>
+          </a:solidFill>
+        </p:spPr>
+        <p:style>
+          <a:lnRef idx="2">
+            <a:schemeClr val="accent1">
+              <a:shade val="50000"/>
+            </a:schemeClr>
+          </a:lnRef>
+          <a:fillRef idx="1">
+            <a:schemeClr val="accent1"/>
+          </a:fillRef>
+          <a:effectRef idx="0">
+            <a:schemeClr val="accent1"/>
+          </a:effectRef>
+          <a:fontRef idx="minor">
+            <a:schemeClr val="lt1"/>
+          </a:fontRef>
+        </p:style>
+        <p:txBody>
+          <a:bodyPr rtlCol="0" anchor="ctr"/>
+          <a:lstStyle/>
+          <a:p>
+            <a:pPr algn="ctr"/>
+            <a:endParaRPr lang="en-GB"/>
+          </a:p>
+        </p:txBody>
+      </p:sp>
+      <p:sp>
+        <p:nvSpPr>
+          <p:cNvPr id="2" name="Title 1"/>
+          <p:cNvSpPr>
+            <a:spLocks noGrp="1"/>
+          </p:cNvSpPr>
+          <p:nvPr>
+            <p:ph type="title"/>
+          </p:nvPr>
+        </p:nvSpPr>
+        <p:spPr>
+          <a:xfrm>
+            <a:off x="0" y="152636"/>
+            <a:ext cx="9144000" cy="1143000"/>
+          </a:xfrm>
+        </p:spPr>
+        <p:txBody>
+          <a:bodyPr>
+            <a:normAutofit/>
+          </a:bodyPr>
+          <a:lstStyle/>
+          <a:p>
+            <a:r>
+              <a:rPr lang="en-GB" b="1" dirty="0" smtClean="0"/>
+              <a:t>Using Your Own Build Facilities</a:t>
+            </a:r>
+            <a:endParaRPr lang="en-GB" b="1" dirty="0"/>
+          </a:p>
+        </p:txBody>
+      </p:sp>
+      <p:sp>
+        <p:nvSpPr>
+          <p:cNvPr id="3" name="Content Placeholder 2"/>
+          <p:cNvSpPr>
+            <a:spLocks noGrp="1"/>
+          </p:cNvSpPr>
+          <p:nvPr>
+            <p:ph idx="1"/>
+          </p:nvPr>
+        </p:nvSpPr>
+        <p:spPr>
+          <a:xfrm>
+            <a:off x="467544" y="1484784"/>
+            <a:ext cx="8229600" cy="5004556"/>
+          </a:xfrm>
+        </p:spPr>
+        <p:txBody>
+          <a:bodyPr>
+            <a:normAutofit fontScale="92500" lnSpcReduction="10000"/>
+          </a:bodyPr>
+          <a:lstStyle/>
           <a:p>
             <a:pPr marL="514350" indent="-514350">
               <a:buFont typeface="+mj-lt"/>
@@ -11694,6 +12398,64 @@
             </a:pPr>
             <a:r>
               <a:rPr lang="en-GB" dirty="0" smtClean="0"/>
+              <a:t>Ensure that:</a:t>
+            </a:r>
+          </a:p>
+          <a:p>
+            <a:pPr marL="914400" lvl="1" indent="-514350">
+              <a:buFont typeface="+mj-lt"/>
+              <a:buAutoNum type="alphaLcParenR"/>
+            </a:pPr>
+            <a:r>
+              <a:rPr lang="en-GB" dirty="0" smtClean="0"/>
+              <a:t>All relevant code/resources are checked out from </a:t>
+            </a:r>
+            <a:r>
+              <a:rPr lang="en-GB" dirty="0" err="1" smtClean="0"/>
+              <a:t>Mekon</a:t>
+            </a:r>
+            <a:r>
+              <a:rPr lang="en-GB" dirty="0" smtClean="0"/>
+              <a:t> project SVN</a:t>
+            </a:r>
+          </a:p>
+          <a:p>
+            <a:pPr marL="914400" lvl="1" indent="-514350">
+              <a:buFont typeface="+mj-lt"/>
+              <a:buAutoNum type="alphaLcParenR"/>
+            </a:pPr>
+            <a:r>
+              <a:rPr lang="en-GB" dirty="0" smtClean="0"/>
+              <a:t>All code from ALL sub-projects is built</a:t>
+            </a:r>
+          </a:p>
+          <a:p>
+            <a:pPr marL="914400" lvl="1" indent="-514350">
+              <a:buFont typeface="+mj-lt"/>
+              <a:buAutoNum type="alphaLcParenR"/>
+            </a:pPr>
+            <a:r>
+              <a:rPr lang="en-GB" dirty="0" smtClean="0"/>
+              <a:t>All code from “demo” folder is built</a:t>
+            </a:r>
+          </a:p>
+          <a:p>
+            <a:pPr marL="914400" lvl="1" indent="-514350">
+              <a:buFont typeface="+mj-lt"/>
+              <a:buAutoNum type="alphaLcParenR"/>
+            </a:pPr>
+            <a:r>
+              <a:rPr lang="en-GB" dirty="0" smtClean="0"/>
+              <a:t>The “demo/resource” folder (or preferably a copy of it) is on your runtime class-path</a:t>
+            </a:r>
+          </a:p>
+          <a:p>
+            <a:pPr marL="514350" indent="-514350">
+              <a:buFont typeface="+mj-lt"/>
+              <a:buAutoNum type="arabicPeriod"/>
+            </a:pPr>
+            <a:r>
+              <a:rPr lang="en-GB" dirty="0" smtClean="0"/>
               <a:t>Invoke </a:t>
             </a:r>
             <a:r>
@@ -11705,15 +12467,7 @@
             </a:r>
             <a:r>
               <a:rPr lang="en-GB" dirty="0" smtClean="0"/>
-              <a:t> method on </a:t>
-            </a:r>
-            <a:r>
-              <a:rPr lang="en-GB" dirty="0" smtClean="0"/>
-              <a:t>class for relevant version </a:t>
-            </a:r>
-            <a:r>
-              <a:rPr lang="en-GB" dirty="0" smtClean="0"/>
-              <a:t>of </a:t>
+              <a:t> method on class for relevant version of </a:t>
             </a:r>
             <a:r>
               <a:rPr lang="en-GB" i="1" dirty="0" smtClean="0"/>
@@ -12157,11 +12911,7 @@
             </a:pPr>
             <a:r>
               <a:rPr lang="en-GB" b="1" dirty="0" smtClean="0"/>
-              <a:t>Appendix</a:t>
-            </a:r>
-            <a:r>
-              <a:rPr lang="en-GB" b="1" dirty="0" smtClean="0"/>
-              <a:t>:</a:t>
+              <a:t>Appendix:</a:t>
             </a:r>
             <a:endParaRPr lang="en-GB" dirty="0" smtClean="0"/>
           </a:p>
@@ -12176,11 +12926,7 @@
             </a:r>
             <a:r>
               <a:rPr lang="en-GB" dirty="0" smtClean="0"/>
-              <a:t>with the different </a:t>
-            </a:r>
-            <a:r>
-              <a:rPr lang="en-GB" dirty="0" smtClean="0"/>
-              <a:t>model-versions</a:t>
+              <a:t>with the different model-versions</a:t>
             </a:r>
           </a:p>
         </p:txBody>
@@ -12308,15 +13054,7 @@
             </a:pPr>
             <a:r>
               <a:rPr lang="en-GB" dirty="0" smtClean="0"/>
-              <a:t>A series of actions </a:t>
-            </a:r>
-            <a:r>
-              <a:rPr lang="en-GB" dirty="0" smtClean="0"/>
-              <a:t>is described</a:t>
-            </a:r>
-            <a:r>
-              <a:rPr lang="en-GB" dirty="0" smtClean="0"/>
-              <a:t>, to be performed via the </a:t>
+              <a:t>A series of actions is described, to be performed via the </a:t>
             </a:r>
             <a:r>
               <a:rPr lang="en-GB" i="1" dirty="0" smtClean="0"/>
@@ -12665,11 +13403,7 @@
             </a:br>
             <a:r>
               <a:rPr lang="en-GB" sz="6000" b="1" dirty="0" smtClean="0"/>
-              <a:t>Version </a:t>
-            </a:r>
-            <a:r>
-              <a:rPr lang="en-GB" sz="6000" b="1" dirty="0" smtClean="0"/>
-              <a:t>of Model</a:t>
+              <a:t>Version of Model</a:t>
             </a:r>
             <a:endParaRPr lang="en-GB" sz="6000" b="1" dirty="0"/>
           </a:p>
@@ -12761,7 +13495,7 @@
         </p:nvSpPr>
         <p:spPr>
           <a:xfrm>
-            <a:off x="719572" y="404664"/>
+            <a:off x="719572" y="440668"/>
             <a:ext cx="7704856" cy="6001643"/>
           </a:xfrm>
           <a:prstGeom prst="rect">
@@ -13136,15 +13870,7 @@
             </a:r>
             <a:r>
               <a:rPr lang="en-GB" sz="1600" dirty="0" smtClean="0"/>
-              <a:t>is present, the source(s) for an FM entity can be </a:t>
-            </a:r>
-            <a:r>
-              <a:rPr lang="en-GB" sz="1600" dirty="0" smtClean="0"/>
-              <a:t>external </a:t>
-            </a:r>
-            <a:r>
-              <a:rPr lang="en-GB" sz="1600" dirty="0" smtClean="0"/>
-              <a:t>(EKS), internal (OM), or, where appropriate mappings have been provided in the configuration file, dual (EKS + OM).</a:t>
+              <a:t>is present, the source(s) for an FM entity can be external (EKS), internal (OM), or, where appropriate mappings have been provided in the configuration file, dual (EKS + OM).</a:t>
             </a:r>
             <a:endParaRPr lang="en-GB" sz="1600" b="1" dirty="0" smtClean="0"/>
           </a:p>

--- a/trunk/docs/MEKON-HOBO Introductory Tutorial.pptx
+++ b/trunk/docs/MEKON-HOBO Introductory Tutorial.pptx
@@ -43,16 +43,24 @@
     <p:sldId id="309" r:id="rId37"/>
     <p:sldId id="310" r:id="rId38"/>
     <p:sldId id="315" r:id="rId39"/>
-    <p:sldId id="303" r:id="rId40"/>
-    <p:sldId id="292" r:id="rId41"/>
-    <p:sldId id="316" r:id="rId42"/>
-    <p:sldId id="317" r:id="rId43"/>
-    <p:sldId id="318" r:id="rId44"/>
-    <p:sldId id="319" r:id="rId45"/>
-    <p:sldId id="295" r:id="rId46"/>
-    <p:sldId id="293" r:id="rId47"/>
-    <p:sldId id="297" r:id="rId48"/>
-    <p:sldId id="299" r:id="rId49"/>
+    <p:sldId id="330" r:id="rId40"/>
+    <p:sldId id="325" r:id="rId41"/>
+    <p:sldId id="328" r:id="rId42"/>
+    <p:sldId id="329" r:id="rId43"/>
+    <p:sldId id="292" r:id="rId44"/>
+    <p:sldId id="327" r:id="rId45"/>
+    <p:sldId id="316" r:id="rId46"/>
+    <p:sldId id="317" r:id="rId47"/>
+    <p:sldId id="318" r:id="rId48"/>
+    <p:sldId id="321" r:id="rId49"/>
+    <p:sldId id="322" r:id="rId50"/>
+    <p:sldId id="319" r:id="rId51"/>
+    <p:sldId id="323" r:id="rId52"/>
+    <p:sldId id="324" r:id="rId53"/>
+    <p:sldId id="326" r:id="rId54"/>
+    <p:sldId id="293" r:id="rId55"/>
+    <p:sldId id="297" r:id="rId56"/>
+    <p:sldId id="299" r:id="rId57"/>
   </p:sldIdLst>
   <p:sldSz cx="9144000" cy="6858000" type="screen4x3"/>
   <p:notesSz cx="6858000" cy="9144000"/>
@@ -336,7 +344,7 @@
             <a:fld id="{91893DBC-7519-4EA7-8165-AFD94A974DB8}" type="datetimeFigureOut">
               <a:rPr lang="en-GB" smtClean="0"/>
               <a:pPr/>
-              <a:t>13/01/2015</a:t>
+              <a:t>16/01/2015</a:t>
             </a:fld>
             <a:endParaRPr lang="en-GB"/>
           </a:p>
@@ -503,7 +511,7 @@
             <a:fld id="{91893DBC-7519-4EA7-8165-AFD94A974DB8}" type="datetimeFigureOut">
               <a:rPr lang="en-GB" smtClean="0"/>
               <a:pPr/>
-              <a:t>13/01/2015</a:t>
+              <a:t>16/01/2015</a:t>
             </a:fld>
             <a:endParaRPr lang="en-GB"/>
           </a:p>
@@ -680,7 +688,7 @@
             <a:fld id="{91893DBC-7519-4EA7-8165-AFD94A974DB8}" type="datetimeFigureOut">
               <a:rPr lang="en-GB" smtClean="0"/>
               <a:pPr/>
-              <a:t>13/01/2015</a:t>
+              <a:t>16/01/2015</a:t>
             </a:fld>
             <a:endParaRPr lang="en-GB"/>
           </a:p>
@@ -847,7 +855,7 @@
             <a:fld id="{91893DBC-7519-4EA7-8165-AFD94A974DB8}" type="datetimeFigureOut">
               <a:rPr lang="en-GB" smtClean="0"/>
               <a:pPr/>
-              <a:t>13/01/2015</a:t>
+              <a:t>16/01/2015</a:t>
             </a:fld>
             <a:endParaRPr lang="en-GB"/>
           </a:p>
@@ -1090,7 +1098,7 @@
             <a:fld id="{91893DBC-7519-4EA7-8165-AFD94A974DB8}" type="datetimeFigureOut">
               <a:rPr lang="en-GB" smtClean="0"/>
               <a:pPr/>
-              <a:t>13/01/2015</a:t>
+              <a:t>16/01/2015</a:t>
             </a:fld>
             <a:endParaRPr lang="en-GB"/>
           </a:p>
@@ -1375,7 +1383,7 @@
             <a:fld id="{91893DBC-7519-4EA7-8165-AFD94A974DB8}" type="datetimeFigureOut">
               <a:rPr lang="en-GB" smtClean="0"/>
               <a:pPr/>
-              <a:t>13/01/2015</a:t>
+              <a:t>16/01/2015</a:t>
             </a:fld>
             <a:endParaRPr lang="en-GB"/>
           </a:p>
@@ -1794,7 +1802,7 @@
             <a:fld id="{91893DBC-7519-4EA7-8165-AFD94A974DB8}" type="datetimeFigureOut">
               <a:rPr lang="en-GB" smtClean="0"/>
               <a:pPr/>
-              <a:t>13/01/2015</a:t>
+              <a:t>16/01/2015</a:t>
             </a:fld>
             <a:endParaRPr lang="en-GB"/>
           </a:p>
@@ -1909,7 +1917,7 @@
             <a:fld id="{91893DBC-7519-4EA7-8165-AFD94A974DB8}" type="datetimeFigureOut">
               <a:rPr lang="en-GB" smtClean="0"/>
               <a:pPr/>
-              <a:t>13/01/2015</a:t>
+              <a:t>16/01/2015</a:t>
             </a:fld>
             <a:endParaRPr lang="en-GB"/>
           </a:p>
@@ -2001,7 +2009,7 @@
             <a:fld id="{91893DBC-7519-4EA7-8165-AFD94A974DB8}" type="datetimeFigureOut">
               <a:rPr lang="en-GB" smtClean="0"/>
               <a:pPr/>
-              <a:t>13/01/2015</a:t>
+              <a:t>16/01/2015</a:t>
             </a:fld>
             <a:endParaRPr lang="en-GB"/>
           </a:p>
@@ -2275,7 +2283,7 @@
             <a:fld id="{91893DBC-7519-4EA7-8165-AFD94A974DB8}" type="datetimeFigureOut">
               <a:rPr lang="en-GB" smtClean="0"/>
               <a:pPr/>
-              <a:t>13/01/2015</a:t>
+              <a:t>16/01/2015</a:t>
             </a:fld>
             <a:endParaRPr lang="en-GB"/>
           </a:p>
@@ -2525,7 +2533,7 @@
             <a:fld id="{91893DBC-7519-4EA7-8165-AFD94A974DB8}" type="datetimeFigureOut">
               <a:rPr lang="en-GB" smtClean="0"/>
               <a:pPr/>
-              <a:t>13/01/2015</a:t>
+              <a:t>16/01/2015</a:t>
             </a:fld>
             <a:endParaRPr lang="en-GB"/>
           </a:p>
@@ -2741,7 +2749,7 @@
             <a:fld id="{91893DBC-7519-4EA7-8165-AFD94A974DB8}" type="datetimeFigureOut">
               <a:rPr lang="en-GB" smtClean="0"/>
               <a:pPr/>
-              <a:t>13/01/2015</a:t>
+              <a:t>16/01/2015</a:t>
             </a:fld>
             <a:endParaRPr lang="en-GB"/>
           </a:p>
@@ -3257,7 +3265,7 @@
       </p:grpSpPr>
       <p:pic>
         <p:nvPicPr>
-          <p:cNvPr id="8" name="Picture 2"/>
+          <p:cNvPr id="10243" name="Picture 3"/>
           <p:cNvPicPr>
             <a:picLocks noChangeAspect="1" noChangeArrowheads="1"/>
           </p:cNvPicPr>
@@ -3273,7 +3281,7 @@
         <p:spPr bwMode="auto">
           <a:xfrm>
             <a:off x="251520" y="260648"/>
-            <a:ext cx="5473446" cy="4417314"/>
+            <a:ext cx="4975860" cy="4305300"/>
           </a:xfrm>
           <a:prstGeom prst="rect">
             <a:avLst/>
@@ -3295,8 +3303,8 @@
         </p:nvSpPr>
         <p:spPr>
           <a:xfrm>
-            <a:off x="4572000" y="2384884"/>
-            <a:ext cx="3744416" cy="1107996"/>
+            <a:off x="5688124" y="2420888"/>
+            <a:ext cx="2988332" cy="1600438"/>
           </a:xfrm>
           <a:prstGeom prst="rect">
             <a:avLst/>
@@ -3364,7 +3372,7 @@
         </p:nvSpPr>
         <p:spPr>
           <a:xfrm>
-            <a:off x="467544" y="5373216"/>
+            <a:off x="1151620" y="5229200"/>
             <a:ext cx="3024336" cy="756084"/>
           </a:xfrm>
           <a:prstGeom prst="rect">
@@ -3403,7 +3411,7 @@
         </p:nvSpPr>
         <p:spPr>
           <a:xfrm>
-            <a:off x="1007604" y="5769260"/>
+            <a:off x="1691680" y="5625244"/>
             <a:ext cx="2448272" cy="360040"/>
           </a:xfrm>
           <a:prstGeom prst="rect">
@@ -3450,8 +3458,8 @@
         </p:nvSpPr>
         <p:spPr>
           <a:xfrm>
-            <a:off x="4572000" y="3501008"/>
-            <a:ext cx="3744416" cy="2092881"/>
+            <a:off x="5688124" y="4005064"/>
+            <a:ext cx="2988332" cy="2339102"/>
           </a:xfrm>
           <a:prstGeom prst="rect">
             <a:avLst/>
@@ -3476,7 +3484,7 @@
           <a:p>
             <a:r>
               <a:rPr lang="en-GB" b="1" dirty="0" smtClean="0"/>
-              <a:t>Explanation:</a:t>
+              <a:t>Discussion:</a:t>
             </a:r>
             <a:endParaRPr lang="en-GB" dirty="0"/>
           </a:p>
@@ -3555,7 +3563,7 @@
         </p:nvSpPr>
         <p:spPr>
           <a:xfrm>
-            <a:off x="647564" y="5769260"/>
+            <a:off x="1331640" y="5625244"/>
             <a:ext cx="324036" cy="288032"/>
           </a:xfrm>
           <a:prstGeom prst="ellipse">
@@ -3603,7 +3611,7 @@
         </p:nvSpPr>
         <p:spPr>
           <a:xfrm>
-            <a:off x="6264188" y="656692"/>
+            <a:off x="5904148" y="692696"/>
             <a:ext cx="2520280" cy="861774"/>
           </a:xfrm>
           <a:prstGeom prst="rect">
@@ -3633,10 +3641,17 @@
               <a:t> </a:t>
             </a:r>
             <a:r>
+              <a:rPr lang="en-GB" sz="1600" dirty="0" smtClean="0"/>
+              <a:t>See appendix at end of tutorial for </a:t>
+            </a:r>
+            <a:r>
               <a:rPr lang="en-GB" sz="1600" i="1" dirty="0" smtClean="0"/>
-              <a:t>See appendix at end of tutorial for Model Explorer invocation details</a:t>
-            </a:r>
-            <a:endParaRPr lang="en-GB" sz="1600" dirty="0" smtClean="0"/>
+              <a:t>Model Explorer</a:t>
+            </a:r>
+            <a:r>
+              <a:rPr lang="en-GB" sz="1600" dirty="0" smtClean="0"/>
+              <a:t> invocation details</a:t>
+            </a:r>
           </a:p>
         </p:txBody>
       </p:sp>
@@ -3735,25 +3750,7 @@
               <a:rPr lang="en-GB" sz="1600" dirty="0" smtClean="0">
                 <a:cs typeface="Courier New" pitchFamily="49" charset="0"/>
               </a:rPr>
-              <a:t>In the case of the demo model, the basic version of the FM is built from an OWL ontology, by the standard </a:t>
-            </a:r>
-            <a:r>
-              <a:rPr lang="en-GB" sz="1600" dirty="0" smtClean="0">
-                <a:cs typeface="Courier New" pitchFamily="49" charset="0"/>
-              </a:rPr>
-              <a:t>MEKON-OWL plug-in</a:t>
-            </a:r>
-            <a:r>
-              <a:rPr lang="en-GB" sz="1600" dirty="0" smtClean="0">
-                <a:cs typeface="Courier New" pitchFamily="49" charset="0"/>
-              </a:rPr>
-              <a:t>. This plug-in uses some fairly obvious mappings, such as</a:t>
-            </a:r>
-            <a:r>
-              <a:rPr lang="en-GB" sz="1600" dirty="0" smtClean="0">
-                <a:cs typeface="Courier New" pitchFamily="49" charset="0"/>
-              </a:rPr>
-              <a:t>:</a:t>
+              <a:t>In the case of the demo model, the basic version of the FM is built from an OWL ontology, by the standard MEKON-OWL plug-in. This plug-in uses some fairly obvious mappings, such as:</a:t>
             </a:r>
           </a:p>
           <a:p>
@@ -3908,7 +3905,7 @@
       </p:grpSpPr>
       <p:pic>
         <p:nvPicPr>
-          <p:cNvPr id="3" name="Picture 2"/>
+          <p:cNvPr id="11266" name="Picture 2"/>
           <p:cNvPicPr>
             <a:picLocks noChangeAspect="1" noChangeArrowheads="1"/>
           </p:cNvPicPr>
@@ -3924,7 +3921,7 @@
         <p:spPr bwMode="auto">
           <a:xfrm>
             <a:off x="251520" y="260648"/>
-            <a:ext cx="5473446" cy="4417314"/>
+            <a:ext cx="4975860" cy="4305300"/>
           </a:xfrm>
           <a:prstGeom prst="rect">
             <a:avLst/>
@@ -3946,8 +3943,8 @@
         </p:nvSpPr>
         <p:spPr>
           <a:xfrm>
-            <a:off x="3851920" y="3032956"/>
-            <a:ext cx="4896544" cy="1600438"/>
+            <a:off x="5508104" y="1628800"/>
+            <a:ext cx="3276364" cy="2339102"/>
           </a:xfrm>
           <a:prstGeom prst="rect">
             <a:avLst/>
@@ -4071,8 +4068,8 @@
         </p:nvSpPr>
         <p:spPr>
           <a:xfrm>
-            <a:off x="3851920" y="4617132"/>
-            <a:ext cx="4896544" cy="1846659"/>
+            <a:off x="5508104" y="3969060"/>
+            <a:ext cx="3276364" cy="2585323"/>
           </a:xfrm>
           <a:prstGeom prst="rect">
             <a:avLst/>
@@ -4097,8 +4094,9 @@
           <a:p>
             <a:r>
               <a:rPr lang="en-GB" b="1" dirty="0" smtClean="0"/>
-              <a:t>Explanation:</a:t>
-            </a:r>
+              <a:t>Discussion:</a:t>
+            </a:r>
+            <a:endParaRPr lang="en-GB" b="1" dirty="0" smtClean="0"/>
           </a:p>
           <a:p>
             <a:pPr marL="457200" indent="-457200">
@@ -4143,7 +4141,6 @@
             </a:r>
             <a:r>
               <a:rPr lang="en-GB" sz="1600" dirty="0" smtClean="0">
-                <a:latin typeface="Courier New" pitchFamily="49" charset="0"/>
                 <a:cs typeface="Courier New" pitchFamily="49" charset="0"/>
               </a:rPr>
               <a:t> </a:t>
@@ -4206,8 +4203,8 @@
         </p:nvSpPr>
         <p:spPr>
           <a:xfrm>
-            <a:off x="719572" y="584684"/>
-            <a:ext cx="7668852" cy="5724636"/>
+            <a:off x="719572" y="548680"/>
+            <a:ext cx="7704856" cy="5724636"/>
           </a:xfrm>
           <a:prstGeom prst="rect">
             <a:avLst/>
@@ -4293,13 +4290,7 @@
               <a:rPr lang="en-GB" sz="1600" dirty="0" smtClean="0">
                 <a:cs typeface="Courier New" pitchFamily="49" charset="0"/>
               </a:rPr>
-              <a:t> will have. Possible value-types are</a:t>
-            </a:r>
-            <a:r>
-              <a:rPr lang="en-GB" sz="1600" dirty="0" smtClean="0">
-                <a:cs typeface="Courier New" pitchFamily="49" charset="0"/>
-              </a:rPr>
-              <a:t>:</a:t>
+              <a:t> will have. Possible value-types are:</a:t>
             </a:r>
           </a:p>
           <a:p>
@@ -4507,13 +4498,7 @@
               <a:rPr lang="en-GB" sz="1600" dirty="0" smtClean="0">
                 <a:cs typeface="Courier New" pitchFamily="49" charset="0"/>
               </a:rPr>
-              <a:t>, with options being</a:t>
-            </a:r>
-            <a:r>
-              <a:rPr lang="en-GB" sz="1600" dirty="0" smtClean="0">
-                <a:cs typeface="Courier New" pitchFamily="49" charset="0"/>
-              </a:rPr>
-              <a:t>:</a:t>
+              <a:t>, with options being:</a:t>
             </a:r>
           </a:p>
           <a:p>
@@ -4823,7 +4808,7 @@
       </p:grpSpPr>
       <p:pic>
         <p:nvPicPr>
-          <p:cNvPr id="3074" name="Picture 2"/>
+          <p:cNvPr id="12290" name="Picture 2"/>
           <p:cNvPicPr>
             <a:picLocks noChangeAspect="1" noChangeArrowheads="1"/>
           </p:cNvPicPr>
@@ -4839,7 +4824,7 @@
         <p:spPr bwMode="auto">
           <a:xfrm>
             <a:off x="251520" y="260648"/>
-            <a:ext cx="5473446" cy="4417314"/>
+            <a:ext cx="4975860" cy="4305300"/>
           </a:xfrm>
           <a:prstGeom prst="rect">
             <a:avLst/>
@@ -4861,8 +4846,8 @@
         </p:nvSpPr>
         <p:spPr>
           <a:xfrm>
-            <a:off x="4788024" y="1628800"/>
-            <a:ext cx="3888432" cy="2585323"/>
+            <a:off x="5616116" y="1448780"/>
+            <a:ext cx="3132348" cy="3323987"/>
           </a:xfrm>
           <a:prstGeom prst="rect">
             <a:avLst/>
@@ -4887,7 +4872,7 @@
           <a:p>
             <a:r>
               <a:rPr lang="en-GB" b="1" dirty="0" smtClean="0"/>
-              <a:t>Explanation:</a:t>
+              <a:t>Discussion:</a:t>
             </a:r>
             <a:endParaRPr lang="en-GB" sz="1600" dirty="0" smtClean="0"/>
           </a:p>
@@ -4909,15 +4894,7 @@
             </a:r>
             <a:r>
               <a:rPr lang="en-GB" sz="1600" dirty="0" smtClean="0"/>
-              <a:t> </a:t>
-            </a:r>
-            <a:r>
-              <a:rPr lang="en-GB" sz="1600" dirty="0" smtClean="0"/>
-              <a:t>appear </a:t>
-            </a:r>
-            <a:r>
-              <a:rPr lang="en-GB" sz="1600" dirty="0" smtClean="0"/>
-              <a:t>in RH panel, including details of two attached slots:</a:t>
+              <a:t> appear in RH panel, including details of two attached slots:</a:t>
             </a:r>
           </a:p>
           <a:p>
@@ -5019,7 +4996,7 @@
         </p:nvSpPr>
         <p:spPr>
           <a:xfrm>
-            <a:off x="467544" y="5049180"/>
+            <a:off x="287524" y="5193196"/>
             <a:ext cx="2844316" cy="1404156"/>
           </a:xfrm>
           <a:prstGeom prst="rect">
@@ -5058,7 +5035,7 @@
         </p:nvSpPr>
         <p:spPr>
           <a:xfrm>
-            <a:off x="1007604" y="5769260"/>
+            <a:off x="827584" y="5913276"/>
             <a:ext cx="2268252" cy="648072"/>
           </a:xfrm>
           <a:prstGeom prst="rect">
@@ -5098,7 +5075,7 @@
         </p:nvSpPr>
         <p:spPr>
           <a:xfrm>
-            <a:off x="1043609" y="5409220"/>
+            <a:off x="863589" y="5553236"/>
             <a:ext cx="2304256" cy="360040"/>
           </a:xfrm>
           <a:prstGeom prst="rect">
@@ -5138,7 +5115,7 @@
         </p:nvSpPr>
         <p:spPr>
           <a:xfrm rot="5400000">
-            <a:off x="647564" y="5409220"/>
+            <a:off x="467544" y="5553236"/>
             <a:ext cx="324036" cy="324036"/>
           </a:xfrm>
           <a:prstGeom prst="triangle">
@@ -5186,7 +5163,7 @@
         </p:nvSpPr>
         <p:spPr>
           <a:xfrm>
-            <a:off x="611560" y="5877272"/>
+            <a:off x="431540" y="6021288"/>
             <a:ext cx="324036" cy="288032"/>
           </a:xfrm>
           <a:prstGeom prst="ellipse">
@@ -5236,8 +5213,8 @@
         </p:nvSpPr>
         <p:spPr>
           <a:xfrm>
-            <a:off x="4788024" y="764704"/>
-            <a:ext cx="3888432" cy="861774"/>
+            <a:off x="5616116" y="332656"/>
+            <a:ext cx="3132348" cy="1107996"/>
           </a:xfrm>
           <a:prstGeom prst="rect">
             <a:avLst/>
@@ -5308,8 +5285,8 @@
         </p:nvSpPr>
         <p:spPr>
           <a:xfrm>
-            <a:off x="4211960" y="4869160"/>
-            <a:ext cx="4644516" cy="1728192"/>
+            <a:off x="3563888" y="5193196"/>
+            <a:ext cx="5256584" cy="1404156"/>
           </a:xfrm>
           <a:prstGeom prst="rect">
             <a:avLst/>
@@ -5347,7 +5324,7 @@
         </p:nvSpPr>
         <p:spPr>
           <a:xfrm>
-            <a:off x="4572000" y="5229200"/>
+            <a:off x="3995936" y="5553236"/>
             <a:ext cx="3024335" cy="360040"/>
           </a:xfrm>
           <a:prstGeom prst="rect">
@@ -5386,7 +5363,7 @@
         </p:nvSpPr>
         <p:spPr>
           <a:xfrm>
-            <a:off x="4211960" y="5157192"/>
+            <a:off x="3635896" y="5481228"/>
             <a:ext cx="837306" cy="360040"/>
           </a:xfrm>
           <a:prstGeom prst="rect">
@@ -5419,8 +5396,8 @@
         </p:nvSpPr>
         <p:spPr>
           <a:xfrm>
-            <a:off x="4572000" y="5625244"/>
-            <a:ext cx="4356484" cy="360040"/>
+            <a:off x="3995936" y="5877272"/>
+            <a:ext cx="4248472" cy="360040"/>
           </a:xfrm>
           <a:prstGeom prst="rect">
             <a:avLst/>
@@ -5466,7 +5443,7 @@
         </p:nvSpPr>
         <p:spPr>
           <a:xfrm>
-            <a:off x="4211958" y="5553236"/>
+            <a:off x="3635894" y="5805264"/>
             <a:ext cx="801303" cy="360040"/>
           </a:xfrm>
           <a:prstGeom prst="rect">
@@ -5499,8 +5476,8 @@
         </p:nvSpPr>
         <p:spPr>
           <a:xfrm>
-            <a:off x="4211960" y="5985284"/>
-            <a:ext cx="4644516" cy="612068"/>
+            <a:off x="3563888" y="6237312"/>
+            <a:ext cx="5184576" cy="360040"/>
           </a:xfrm>
           <a:prstGeom prst="rect">
             <a:avLst/>
@@ -5517,25 +5494,29 @@
           <a:lstStyle/>
           <a:p>
             <a:r>
-              <a:rPr lang="en-GB" sz="1600" b="1" i="1" dirty="0" smtClean="0"/>
+              <a:rPr lang="en-GB" sz="1400" b="1" i="1" dirty="0" smtClean="0"/>
               <a:t>Note: </a:t>
             </a:r>
             <a:r>
-              <a:rPr lang="en-GB" sz="1600" dirty="0" smtClean="0"/>
+              <a:rPr lang="en-GB" sz="1400" dirty="0" smtClean="0"/>
               <a:t>Slot cardinality = </a:t>
             </a:r>
             <a:r>
-              <a:rPr lang="en-GB" sz="1600" dirty="0" smtClean="0">
+              <a:rPr lang="en-GB" sz="1400" dirty="0" smtClean="0">
                 <a:latin typeface="Courier New" pitchFamily="49" charset="0"/>
                 <a:cs typeface="Courier New" pitchFamily="49" charset="0"/>
               </a:rPr>
               <a:t>SINGLETON</a:t>
             </a:r>
             <a:r>
-              <a:rPr lang="en-GB" sz="1600" dirty="0" smtClean="0"/>
-              <a:t>, when neither modifier is present.</a:t>
-            </a:r>
-            <a:endParaRPr lang="en-GB" sz="1600" dirty="0"/>
+              <a:rPr lang="en-GB" sz="1400" dirty="0" smtClean="0"/>
+              <a:t>, when neither modifier </a:t>
+            </a:r>
+            <a:r>
+              <a:rPr lang="en-GB" sz="1400" dirty="0" smtClean="0"/>
+              <a:t>present</a:t>
+            </a:r>
+            <a:endParaRPr lang="en-GB" sz="1400" dirty="0"/>
           </a:p>
         </p:txBody>
       </p:sp>
@@ -5571,38 +5552,6 @@
           <a:chExt cx="0" cy="0"/>
         </a:xfrm>
       </p:grpSpPr>
-      <p:pic>
-        <p:nvPicPr>
-          <p:cNvPr id="4098" name="Picture 2"/>
-          <p:cNvPicPr>
-            <a:picLocks noChangeAspect="1" noChangeArrowheads="1"/>
-          </p:cNvPicPr>
-          <p:nvPr/>
-        </p:nvPicPr>
-        <p:blipFill>
-          <a:blip r:embed="rId2" cstate="print"/>
-          <a:srcRect/>
-          <a:stretch>
-            <a:fillRect/>
-          </a:stretch>
-        </p:blipFill>
-        <p:spPr bwMode="auto">
-          <a:xfrm>
-            <a:off x="251520" y="260648"/>
-            <a:ext cx="5473446" cy="4417314"/>
-          </a:xfrm>
-          <a:prstGeom prst="rect">
-            <a:avLst/>
-          </a:prstGeom>
-          <a:noFill/>
-          <a:ln w="9525">
-            <a:noFill/>
-            <a:miter lim="800000"/>
-            <a:headEnd/>
-            <a:tailEnd/>
-          </a:ln>
-        </p:spPr>
-      </p:pic>
       <p:sp>
         <p:nvSpPr>
           <p:cNvPr id="28" name="TextBox 27"/>
@@ -5611,8 +5560,8 @@
         </p:nvSpPr>
         <p:spPr>
           <a:xfrm>
-            <a:off x="4680012" y="3609020"/>
-            <a:ext cx="4140460" cy="2585323"/>
+            <a:off x="5688124" y="2816932"/>
+            <a:ext cx="3060340" cy="3570208"/>
           </a:xfrm>
           <a:prstGeom prst="rect">
             <a:avLst/>
@@ -5637,8 +5586,9 @@
           <a:p>
             <a:r>
               <a:rPr lang="en-GB" b="1" dirty="0" smtClean="0"/>
-              <a:t>Explanation:</a:t>
-            </a:r>
+              <a:t>Discussion:</a:t>
+            </a:r>
+            <a:endParaRPr lang="en-GB" b="1" dirty="0" smtClean="0"/>
           </a:p>
           <a:p>
             <a:pPr marL="457200" indent="-457200">
@@ -5673,23 +5623,7 @@
             </a:r>
             <a:r>
               <a:rPr lang="en-GB" sz="1600" dirty="0" smtClean="0"/>
-              <a:t> representing slot value-types, are recursively displayed in RH </a:t>
-            </a:r>
-            <a:r>
-              <a:rPr lang="en-GB" sz="1600" dirty="0" smtClean="0"/>
-              <a:t>panel. Including details </a:t>
-            </a:r>
-            <a:r>
-              <a:rPr lang="en-GB" sz="1600" dirty="0" smtClean="0"/>
-              <a:t>of </a:t>
-            </a:r>
-            <a:r>
-              <a:rPr lang="en-GB" sz="1600" dirty="0" smtClean="0"/>
-              <a:t>both slots </a:t>
-            </a:r>
-            <a:r>
-              <a:rPr lang="en-GB" sz="1600" dirty="0" smtClean="0"/>
-              <a:t>and descendant </a:t>
+              <a:t> representing slot value-types, are recursively displayed in RH panel. Including details of both slots and descendant </a:t>
             </a:r>
             <a:r>
               <a:rPr lang="en-GB" sz="1600" dirty="0" err="1" smtClean="0">
@@ -5733,15 +5667,7 @@
             </a:r>
             <a:r>
               <a:rPr lang="en-GB" sz="1600" dirty="0" smtClean="0"/>
-              <a:t>, </a:t>
-            </a:r>
-            <a:r>
-              <a:rPr lang="en-GB" sz="1600" dirty="0" smtClean="0"/>
-              <a:t>rather </a:t>
-            </a:r>
-            <a:r>
-              <a:rPr lang="en-GB" sz="1600" dirty="0" smtClean="0"/>
-              <a:t>than a </a:t>
+              <a:t>, rather than a </a:t>
             </a:r>
             <a:r>
               <a:rPr lang="en-GB" sz="1600" dirty="0" err="1" smtClean="0">
@@ -5792,7 +5718,7 @@
         </p:nvSpPr>
         <p:spPr>
           <a:xfrm>
-            <a:off x="359532" y="5625244"/>
+            <a:off x="1043608" y="5265204"/>
             <a:ext cx="2988332" cy="792088"/>
           </a:xfrm>
           <a:prstGeom prst="rect">
@@ -5831,7 +5757,7 @@
         </p:nvSpPr>
         <p:spPr>
           <a:xfrm>
-            <a:off x="935596" y="6021288"/>
+            <a:off x="1619672" y="5661248"/>
             <a:ext cx="2376264" cy="360040"/>
           </a:xfrm>
           <a:prstGeom prst="rect">
@@ -5871,7 +5797,7 @@
         </p:nvSpPr>
         <p:spPr>
           <a:xfrm>
-            <a:off x="503548" y="6021288"/>
+            <a:off x="1187624" y="5661248"/>
             <a:ext cx="324036" cy="288032"/>
           </a:xfrm>
           <a:prstGeom prst="rect">
@@ -5919,8 +5845,8 @@
         </p:nvSpPr>
         <p:spPr>
           <a:xfrm>
-            <a:off x="4680012" y="2492896"/>
-            <a:ext cx="4140460" cy="1107996"/>
+            <a:off x="5688124" y="1448780"/>
+            <a:ext cx="3060340" cy="1354217"/>
           </a:xfrm>
           <a:prstGeom prst="rect">
             <a:avLst/>
@@ -6000,6 +5926,38 @@
           </a:p>
         </p:txBody>
       </p:sp>
+      <p:pic>
+        <p:nvPicPr>
+          <p:cNvPr id="13314" name="Picture 2"/>
+          <p:cNvPicPr>
+            <a:picLocks noChangeAspect="1" noChangeArrowheads="1"/>
+          </p:cNvPicPr>
+          <p:nvPr/>
+        </p:nvPicPr>
+        <p:blipFill>
+          <a:blip r:embed="rId2" cstate="print"/>
+          <a:srcRect/>
+          <a:stretch>
+            <a:fillRect/>
+          </a:stretch>
+        </p:blipFill>
+        <p:spPr bwMode="auto">
+          <a:xfrm>
+            <a:off x="251520" y="260648"/>
+            <a:ext cx="4975860" cy="4305300"/>
+          </a:xfrm>
+          <a:prstGeom prst="rect">
+            <a:avLst/>
+          </a:prstGeom>
+          <a:noFill/>
+          <a:ln w="9525">
+            <a:noFill/>
+            <a:miter lim="800000"/>
+            <a:headEnd/>
+            <a:tailEnd/>
+          </a:ln>
+        </p:spPr>
+      </p:pic>
     </p:spTree>
   </p:cSld>
   <p:clrMapOvr>
@@ -6040,8 +5998,8 @@
         </p:nvSpPr>
         <p:spPr>
           <a:xfrm>
-            <a:off x="1835696" y="1232756"/>
-            <a:ext cx="5436604" cy="4401205"/>
+            <a:off x="1835696" y="1232757"/>
+            <a:ext cx="5436604" cy="4248472"/>
           </a:xfrm>
           <a:prstGeom prst="rect">
             <a:avLst/>
@@ -6078,19 +6036,7 @@
               <a:rPr lang="en-GB" sz="1600" dirty="0" smtClean="0">
                 <a:cs typeface="Courier New" pitchFamily="49" charset="0"/>
               </a:rPr>
-              <a:t>A specific model-instantiation is represented via </a:t>
-            </a:r>
-            <a:r>
-              <a:rPr lang="en-GB" sz="1600" dirty="0" smtClean="0">
-                <a:cs typeface="Courier New" pitchFamily="49" charset="0"/>
-              </a:rPr>
-              <a:t>a </a:t>
-            </a:r>
-            <a:r>
-              <a:rPr lang="en-GB" sz="1600" dirty="0" smtClean="0">
-                <a:cs typeface="Courier New" pitchFamily="49" charset="0"/>
-              </a:rPr>
-              <a:t>network of </a:t>
+              <a:t>A specific model-instantiation is represented via a network of </a:t>
             </a:r>
             <a:r>
               <a:rPr lang="en-GB" sz="1600" dirty="0" err="1" smtClean="0">
@@ -6156,9 +6102,6 @@
               </a:rPr>
               <a:t>.</a:t>
             </a:r>
-            <a:endParaRPr lang="en-GB" sz="1600" dirty="0" smtClean="0">
-              <a:cs typeface="Courier New" pitchFamily="49" charset="0"/>
-            </a:endParaRPr>
           </a:p>
           <a:p>
             <a:endParaRPr lang="en-GB" sz="800" dirty="0" smtClean="0">
@@ -6174,13 +6117,7 @@
               <a:rPr lang="en-GB" sz="1600" dirty="0" smtClean="0">
                 <a:cs typeface="Courier New" pitchFamily="49" charset="0"/>
               </a:rPr>
-              <a:t>When </a:t>
-            </a:r>
-            <a:r>
-              <a:rPr lang="en-GB" sz="1600" dirty="0" smtClean="0">
-                <a:cs typeface="Courier New" pitchFamily="49" charset="0"/>
-              </a:rPr>
-              <a:t>an </a:t>
+              <a:t>When an </a:t>
             </a:r>
             <a:r>
               <a:rPr lang="en-GB" sz="1600" dirty="0" err="1" smtClean="0">
@@ -6193,13 +6130,7 @@
               <a:rPr lang="en-GB" sz="1600" dirty="0" smtClean="0">
                 <a:cs typeface="Courier New" pitchFamily="49" charset="0"/>
               </a:rPr>
-              <a:t> is constructed to represent an instantiation of a particular</a:t>
-            </a:r>
-            <a:r>
-              <a:rPr lang="en-GB" sz="1600" dirty="0" smtClean="0">
-                <a:cs typeface="Courier New" pitchFamily="49" charset="0"/>
-              </a:rPr>
-              <a:t>  </a:t>
+              <a:t> is constructed to represent an instantiation of a particular  </a:t>
             </a:r>
             <a:r>
               <a:rPr lang="en-GB" sz="1600" dirty="0" err="1" smtClean="0">
@@ -6212,19 +6143,7 @@
               <a:rPr lang="en-GB" sz="1600" dirty="0" smtClean="0">
                 <a:cs typeface="Courier New" pitchFamily="49" charset="0"/>
               </a:rPr>
-              <a:t>, it is </a:t>
-            </a:r>
-            <a:r>
-              <a:rPr lang="en-GB" sz="1600" dirty="0" smtClean="0">
-                <a:cs typeface="Courier New" pitchFamily="49" charset="0"/>
-              </a:rPr>
-              <a:t>initialised as follows</a:t>
-            </a:r>
-            <a:r>
-              <a:rPr lang="en-GB" sz="1600" dirty="0" smtClean="0">
-                <a:cs typeface="Courier New" pitchFamily="49" charset="0"/>
-              </a:rPr>
-              <a:t>:</a:t>
+              <a:t>, it is initialised as follows:</a:t>
             </a:r>
           </a:p>
           <a:p>
@@ -6365,12 +6284,9 @@
               </a:rPr>
               <a:t>s</a:t>
             </a:r>
-            <a:r>
-              <a:rPr lang="en-GB" sz="1600" dirty="0" smtClean="0">
-                <a:cs typeface="Courier New" pitchFamily="49" charset="0"/>
-              </a:rPr>
-              <a:t>.</a:t>
-            </a:r>
+            <a:endParaRPr lang="en-GB" sz="1600" dirty="0" smtClean="0">
+              <a:cs typeface="Courier New" pitchFamily="49" charset="0"/>
+            </a:endParaRPr>
           </a:p>
           <a:p>
             <a:pPr marL="457200" indent="-457200">
@@ -6413,13 +6329,7 @@
               <a:rPr lang="en-GB" sz="1600" dirty="0" smtClean="0">
                 <a:cs typeface="Courier New" pitchFamily="49" charset="0"/>
               </a:rPr>
-              <a:t>, are added to </a:t>
-            </a:r>
-            <a:r>
-              <a:rPr lang="en-GB" sz="1600" dirty="0" smtClean="0">
-                <a:cs typeface="Courier New" pitchFamily="49" charset="0"/>
-              </a:rPr>
-              <a:t>the relevant </a:t>
+              <a:t>, are added to the relevant </a:t>
             </a:r>
             <a:r>
               <a:rPr lang="en-GB" sz="1600" dirty="0" err="1" smtClean="0">
@@ -6434,12 +6344,9 @@
               </a:rPr>
               <a:t>s</a:t>
             </a:r>
-            <a:r>
-              <a:rPr lang="en-GB" sz="1600" dirty="0" smtClean="0">
-                <a:cs typeface="Courier New" pitchFamily="49" charset="0"/>
-              </a:rPr>
-              <a:t>.</a:t>
-            </a:r>
+            <a:endParaRPr lang="en-GB" sz="1600" dirty="0" smtClean="0">
+              <a:cs typeface="Courier New" pitchFamily="49" charset="0"/>
+            </a:endParaRPr>
           </a:p>
         </p:txBody>
       </p:sp>
@@ -6483,8 +6390,8 @@
         </p:nvSpPr>
         <p:spPr>
           <a:xfrm>
-            <a:off x="2735796" y="5085184"/>
-            <a:ext cx="5904656" cy="1354217"/>
+            <a:off x="5832140" y="3537012"/>
+            <a:ext cx="2808312" cy="2831544"/>
           </a:xfrm>
           <a:prstGeom prst="rect">
             <a:avLst/>
@@ -6554,7 +6461,7 @@
       </p:sp>
       <p:pic>
         <p:nvPicPr>
-          <p:cNvPr id="4" name="Picture 2"/>
+          <p:cNvPr id="5" name="Picture 2"/>
           <p:cNvPicPr>
             <a:picLocks noChangeAspect="1" noChangeArrowheads="1"/>
           </p:cNvPicPr>
@@ -6570,7 +6477,7 @@
         <p:spPr bwMode="auto">
           <a:xfrm>
             <a:off x="251520" y="260648"/>
-            <a:ext cx="5473446" cy="4417314"/>
+            <a:ext cx="4975860" cy="4305300"/>
           </a:xfrm>
           <a:prstGeom prst="rect">
             <a:avLst/>
@@ -6616,38 +6523,6 @@
           <a:chExt cx="0" cy="0"/>
         </a:xfrm>
       </p:grpSpPr>
-      <p:pic>
-        <p:nvPicPr>
-          <p:cNvPr id="5122" name="Picture 2"/>
-          <p:cNvPicPr>
-            <a:picLocks noChangeAspect="1" noChangeArrowheads="1"/>
-          </p:cNvPicPr>
-          <p:nvPr/>
-        </p:nvPicPr>
-        <p:blipFill>
-          <a:blip r:embed="rId2" cstate="print"/>
-          <a:srcRect/>
-          <a:stretch>
-            <a:fillRect/>
-          </a:stretch>
-        </p:blipFill>
-        <p:spPr bwMode="auto">
-          <a:xfrm>
-            <a:off x="251520" y="260648"/>
-            <a:ext cx="5473446" cy="4417314"/>
-          </a:xfrm>
-          <a:prstGeom prst="rect">
-            <a:avLst/>
-          </a:prstGeom>
-          <a:noFill/>
-          <a:ln w="9525">
-            <a:noFill/>
-            <a:miter lim="800000"/>
-            <a:headEnd/>
-            <a:tailEnd/>
-          </a:ln>
-        </p:spPr>
-      </p:pic>
       <p:sp>
         <p:nvSpPr>
           <p:cNvPr id="13" name="TextBox 12"/>
@@ -6656,8 +6531,8 @@
         </p:nvSpPr>
         <p:spPr>
           <a:xfrm>
-            <a:off x="4067944" y="2096852"/>
-            <a:ext cx="4536504" cy="615553"/>
+            <a:off x="5652120" y="260648"/>
+            <a:ext cx="3168352" cy="861774"/>
           </a:xfrm>
           <a:prstGeom prst="rect">
             <a:avLst/>
@@ -6728,8 +6603,8 @@
         </p:nvSpPr>
         <p:spPr>
           <a:xfrm>
-            <a:off x="4067944" y="2699623"/>
-            <a:ext cx="4536504" cy="3693319"/>
+            <a:off x="5652120" y="1124744"/>
+            <a:ext cx="3168352" cy="5416868"/>
           </a:xfrm>
           <a:prstGeom prst="rect">
             <a:avLst/>
@@ -6754,8 +6629,9 @@
           <a:p>
             <a:r>
               <a:rPr lang="en-GB" b="1" dirty="0" smtClean="0"/>
-              <a:t>Explanation:</a:t>
-            </a:r>
+              <a:t>Discussion:</a:t>
+            </a:r>
+            <a:endParaRPr lang="en-GB" b="1" dirty="0" smtClean="0"/>
           </a:p>
           <a:p>
             <a:pPr marL="457200" indent="-457200">
@@ -6937,19 +6813,7 @@
               <a:rPr lang="en-GB" sz="1600" dirty="0" smtClean="0">
                 <a:cs typeface="Courier New" pitchFamily="49" charset="0"/>
               </a:rPr>
-              <a:t>See </a:t>
-            </a:r>
-            <a:r>
-              <a:rPr lang="en-GB" sz="1600" dirty="0" smtClean="0">
-                <a:cs typeface="Courier New" pitchFamily="49" charset="0"/>
-              </a:rPr>
-              <a:t>subsequent slides </a:t>
-            </a:r>
-            <a:r>
-              <a:rPr lang="en-GB" sz="1600" dirty="0" smtClean="0">
-                <a:cs typeface="Courier New" pitchFamily="49" charset="0"/>
-              </a:rPr>
-              <a:t>for further explanation of </a:t>
+              <a:t>See subsequent slides for further explanation of </a:t>
             </a:r>
             <a:r>
               <a:rPr lang="en-GB" sz="1600" dirty="0" err="1" smtClean="0">
@@ -6962,17 +6826,8 @@
               <a:rPr lang="en-GB" sz="1600" dirty="0" smtClean="0">
                 <a:cs typeface="Courier New" pitchFamily="49" charset="0"/>
               </a:rPr>
-              <a:t> updating via OWL-based </a:t>
-            </a:r>
-            <a:r>
-              <a:rPr lang="en-GB" sz="1600" dirty="0" smtClean="0">
-                <a:cs typeface="Courier New" pitchFamily="49" charset="0"/>
-              </a:rPr>
-              <a:t>reasoning</a:t>
-            </a:r>
-            <a:endParaRPr lang="en-GB" sz="1600" dirty="0" smtClean="0">
-              <a:cs typeface="Courier New" pitchFamily="49" charset="0"/>
-            </a:endParaRPr>
+              <a:t> updating via OWL-based reasoning</a:t>
+            </a:r>
           </a:p>
         </p:txBody>
       </p:sp>
@@ -6984,7 +6839,7 @@
         </p:nvSpPr>
         <p:spPr>
           <a:xfrm>
-            <a:off x="431540" y="5733256"/>
+            <a:off x="1043608" y="5265204"/>
             <a:ext cx="2952328" cy="720080"/>
           </a:xfrm>
           <a:prstGeom prst="rect">
@@ -7023,7 +6878,7 @@
         </p:nvSpPr>
         <p:spPr>
           <a:xfrm>
-            <a:off x="971600" y="6057292"/>
+            <a:off x="1583668" y="5589240"/>
             <a:ext cx="2340260" cy="360040"/>
           </a:xfrm>
           <a:prstGeom prst="rect">
@@ -7071,7 +6926,7 @@
         </p:nvSpPr>
         <p:spPr>
           <a:xfrm>
-            <a:off x="575556" y="6093296"/>
+            <a:off x="1187624" y="5625244"/>
             <a:ext cx="324036" cy="288032"/>
           </a:xfrm>
           <a:prstGeom prst="ellipse">
@@ -7119,7 +6974,7 @@
         </p:nvSpPr>
         <p:spPr>
           <a:xfrm>
-            <a:off x="575556" y="6201308"/>
+            <a:off x="1187624" y="5733256"/>
             <a:ext cx="324036" cy="72008"/>
           </a:xfrm>
           <a:prstGeom prst="rect">
@@ -7159,6 +7014,38 @@
           </a:p>
         </p:txBody>
       </p:sp>
+      <p:pic>
+        <p:nvPicPr>
+          <p:cNvPr id="14338" name="Picture 2"/>
+          <p:cNvPicPr>
+            <a:picLocks noChangeAspect="1" noChangeArrowheads="1"/>
+          </p:cNvPicPr>
+          <p:nvPr/>
+        </p:nvPicPr>
+        <p:blipFill>
+          <a:blip r:embed="rId2" cstate="print"/>
+          <a:srcRect/>
+          <a:stretch>
+            <a:fillRect/>
+          </a:stretch>
+        </p:blipFill>
+        <p:spPr bwMode="auto">
+          <a:xfrm>
+            <a:off x="251520" y="260648"/>
+            <a:ext cx="4975860" cy="4305300"/>
+          </a:xfrm>
+          <a:prstGeom prst="rect">
+            <a:avLst/>
+          </a:prstGeom>
+          <a:noFill/>
+          <a:ln w="9525">
+            <a:noFill/>
+            <a:miter lim="800000"/>
+            <a:headEnd/>
+            <a:tailEnd/>
+          </a:ln>
+        </p:spPr>
+      </p:pic>
     </p:spTree>
   </p:cSld>
   <p:clrMapOvr>
@@ -7226,11 +7113,7 @@
             <a:pPr algn="ctr"/>
             <a:r>
               <a:rPr lang="en-GB" sz="2400" b="1" dirty="0" smtClean="0"/>
-              <a:t>Dynamic Instantiation </a:t>
-            </a:r>
-            <a:r>
-              <a:rPr lang="en-GB" sz="2400" b="1" dirty="0" smtClean="0"/>
-              <a:t>Updating</a:t>
+              <a:t>Dynamic Instantiation Updating</a:t>
             </a:r>
           </a:p>
           <a:p>
@@ -7283,9 +7166,6 @@
               </a:rPr>
               <a:t> network) is updated by the client, additional dynamic updates may be automatically provided by appropriate reasoning plug-ins. In the case of the demo-model, this means the MEKON-OWL reasoning plug-in (see next slide), though it is possible that a range of plug-ins could be implemented, with possibly multiple plug-ins operating on a single FM, with each covering a different section of the model.</a:t>
             </a:r>
-            <a:endParaRPr lang="en-GB" sz="1600" dirty="0" smtClean="0">
-              <a:cs typeface="Courier New" pitchFamily="49" charset="0"/>
-            </a:endParaRPr>
           </a:p>
           <a:p>
             <a:endParaRPr lang="en-GB" sz="800" dirty="0" smtClean="0">
@@ -7373,13 +7253,7 @@
               <a:rPr lang="en-GB" sz="1600" dirty="0" smtClean="0">
                 <a:cs typeface="Courier New" pitchFamily="49" charset="0"/>
               </a:rPr>
-              <a:t>Updating </a:t>
-            </a:r>
-            <a:r>
-              <a:rPr lang="en-GB" sz="1600" dirty="0" smtClean="0">
-                <a:cs typeface="Courier New" pitchFamily="49" charset="0"/>
-              </a:rPr>
-              <a:t>value-types for particular </a:t>
+              <a:t>Updating value-types for particular </a:t>
             </a:r>
             <a:r>
               <a:rPr lang="en-GB" sz="1600" dirty="0" err="1" smtClean="0">
@@ -7407,25 +7281,13 @@
               <a:rPr lang="en-GB" sz="1600" i="1" dirty="0" smtClean="0">
                 <a:cs typeface="Courier New" pitchFamily="49" charset="0"/>
               </a:rPr>
-              <a:t>Slot </a:t>
-            </a:r>
-            <a:r>
-              <a:rPr lang="en-GB" sz="1600" i="1" dirty="0" smtClean="0">
-                <a:cs typeface="Courier New" pitchFamily="49" charset="0"/>
-              </a:rPr>
-              <a:t>value updating: </a:t>
-            </a:r>
-            <a:r>
-              <a:rPr lang="en-GB" sz="1600" dirty="0" smtClean="0">
-                <a:cs typeface="Courier New" pitchFamily="49" charset="0"/>
-              </a:rPr>
-              <a:t>Adding/removing </a:t>
-            </a:r>
-            <a:r>
-              <a:rPr lang="en-GB" sz="1600" dirty="0" smtClean="0">
-                <a:cs typeface="Courier New" pitchFamily="49" charset="0"/>
-              </a:rPr>
-              <a:t>values for particular </a:t>
+              <a:t>Slot value updating: </a:t>
+            </a:r>
+            <a:r>
+              <a:rPr lang="en-GB" sz="1600" dirty="0" smtClean="0">
+                <a:cs typeface="Courier New" pitchFamily="49" charset="0"/>
+              </a:rPr>
+              <a:t>Adding/removing values for particular </a:t>
             </a:r>
             <a:r>
               <a:rPr lang="en-GB" sz="1600" dirty="0" err="1" smtClean="0">
@@ -7454,61 +7316,7 @@
               <a:rPr lang="en-GB" sz="1600" dirty="0" smtClean="0">
                 <a:cs typeface="Courier New" pitchFamily="49" charset="0"/>
               </a:rPr>
-              <a:t>Reasoning plug-ins can </a:t>
-            </a:r>
-            <a:r>
-              <a:rPr lang="en-GB" sz="1600" dirty="0" smtClean="0">
-                <a:cs typeface="Courier New" pitchFamily="49" charset="0"/>
-              </a:rPr>
-              <a:t>also provide </a:t>
-            </a:r>
-            <a:r>
-              <a:rPr lang="en-GB" sz="1600" dirty="0" smtClean="0">
-                <a:cs typeface="Courier New" pitchFamily="49" charset="0"/>
-              </a:rPr>
-              <a:t>the </a:t>
-            </a:r>
-            <a:r>
-              <a:rPr lang="en-GB" sz="1600" dirty="0" smtClean="0">
-                <a:cs typeface="Courier New" pitchFamily="49" charset="0"/>
-              </a:rPr>
-              <a:t>following additional information, which is actually meta-data about the instantiation in it’s </a:t>
-            </a:r>
-            <a:r>
-              <a:rPr lang="en-GB" sz="1600" dirty="0" smtClean="0">
-                <a:cs typeface="Courier New" pitchFamily="49" charset="0"/>
-              </a:rPr>
-              <a:t>current </a:t>
-            </a:r>
-            <a:r>
-              <a:rPr lang="en-GB" sz="1600" dirty="0" smtClean="0">
-                <a:cs typeface="Courier New" pitchFamily="49" charset="0"/>
-              </a:rPr>
-              <a:t>state, rather </a:t>
-            </a:r>
-            <a:r>
-              <a:rPr lang="en-GB" sz="1600" dirty="0" smtClean="0">
-                <a:cs typeface="Courier New" pitchFamily="49" charset="0"/>
-              </a:rPr>
-              <a:t>than </a:t>
-            </a:r>
-            <a:r>
-              <a:rPr lang="en-GB" sz="1600" dirty="0" smtClean="0">
-                <a:cs typeface="Courier New" pitchFamily="49" charset="0"/>
-              </a:rPr>
-              <a:t>actual </a:t>
-            </a:r>
-            <a:r>
-              <a:rPr lang="en-GB" sz="1600" dirty="0" smtClean="0">
-                <a:cs typeface="Courier New" pitchFamily="49" charset="0"/>
-              </a:rPr>
-              <a:t>instantiation </a:t>
-            </a:r>
-            <a:r>
-              <a:rPr lang="en-GB" sz="1600" dirty="0" smtClean="0">
-                <a:cs typeface="Courier New" pitchFamily="49" charset="0"/>
-              </a:rPr>
-              <a:t>updates:</a:t>
+              <a:t>Reasoning plug-ins can also provide the following additional information, which is actually meta-data about the instantiation in it’s current state, rather than actual instantiation updates:</a:t>
             </a:r>
           </a:p>
           <a:p>
@@ -7606,29 +7414,8 @@
               <a:rPr lang="en-GB" sz="1600" dirty="0" smtClean="0">
                 <a:cs typeface="Courier New" pitchFamily="49" charset="0"/>
               </a:rPr>
-              <a:t> of which instantiation </a:t>
-            </a:r>
-            <a:r>
-              <a:rPr lang="en-GB" sz="1600" dirty="0" smtClean="0">
-                <a:cs typeface="Courier New" pitchFamily="49" charset="0"/>
-              </a:rPr>
-              <a:t>can </a:t>
-            </a:r>
-            <a:r>
-              <a:rPr lang="en-GB" sz="1600" dirty="0" smtClean="0">
-                <a:cs typeface="Courier New" pitchFamily="49" charset="0"/>
-              </a:rPr>
-              <a:t>be inferred to </a:t>
-            </a:r>
-            <a:r>
-              <a:rPr lang="en-GB" sz="1600" dirty="0" smtClean="0">
-                <a:cs typeface="Courier New" pitchFamily="49" charset="0"/>
-              </a:rPr>
-              <a:t>be a potential instance (via some form of partial definition-match)</a:t>
-            </a:r>
-            <a:endParaRPr lang="en-GB" sz="1600" dirty="0" smtClean="0">
-              <a:cs typeface="Courier New" pitchFamily="49" charset="0"/>
-            </a:endParaRPr>
+              <a:t> of which instantiation can be inferred to be a potential instance (via some form of partial definition-match)</a:t>
+            </a:r>
           </a:p>
           <a:p>
             <a:endParaRPr lang="en-GB" sz="800" dirty="0" smtClean="0">
@@ -7640,31 +7427,7 @@
               <a:rPr lang="en-GB" sz="1600" dirty="0" smtClean="0">
                 <a:cs typeface="Courier New" pitchFamily="49" charset="0"/>
               </a:rPr>
-              <a:t>Whenever an update is made to </a:t>
-            </a:r>
-            <a:r>
-              <a:rPr lang="en-GB" sz="1600" dirty="0" smtClean="0">
-                <a:cs typeface="Courier New" pitchFamily="49" charset="0"/>
-              </a:rPr>
-              <a:t>an instantiation </a:t>
-            </a:r>
-            <a:r>
-              <a:rPr lang="en-GB" sz="1600" dirty="0" smtClean="0">
-                <a:cs typeface="Courier New" pitchFamily="49" charset="0"/>
-              </a:rPr>
-              <a:t>by the client, the </a:t>
-            </a:r>
-            <a:r>
-              <a:rPr lang="en-GB" sz="1600" dirty="0" smtClean="0">
-                <a:cs typeface="Courier New" pitchFamily="49" charset="0"/>
-              </a:rPr>
-              <a:t>relevant reasoning </a:t>
-            </a:r>
-            <a:r>
-              <a:rPr lang="en-GB" sz="1600" dirty="0" smtClean="0">
-                <a:cs typeface="Courier New" pitchFamily="49" charset="0"/>
-              </a:rPr>
-              <a:t>plug-in will be invoked for each possible sub-network, working backwards from the particular </a:t>
+              <a:t>Whenever an update is made to an instantiation by the client, the relevant reasoning plug-in will be invoked for each possible sub-network, working backwards from the particular </a:t>
             </a:r>
             <a:r>
               <a:rPr lang="en-GB" sz="1600" dirty="0" err="1" smtClean="0">
@@ -7679,9 +7442,6 @@
               </a:rPr>
               <a:t> whose value(s) were updated.</a:t>
             </a:r>
-            <a:endParaRPr lang="en-GB" sz="1600" dirty="0" smtClean="0">
-              <a:cs typeface="Courier New" pitchFamily="49" charset="0"/>
-            </a:endParaRPr>
           </a:p>
         </p:txBody>
       </p:sp>
@@ -7936,8 +7696,8 @@
         </p:nvSpPr>
         <p:spPr>
           <a:xfrm>
-            <a:off x="395536" y="440668"/>
-            <a:ext cx="8352928" cy="6001643"/>
+            <a:off x="395536" y="332656"/>
+            <a:ext cx="8352928" cy="6247864"/>
           </a:xfrm>
           <a:prstGeom prst="rect">
             <a:avLst/>
@@ -7965,13 +7725,7 @@
               <a:rPr lang="en-GB" sz="2400" b="1" dirty="0" smtClean="0">
                 <a:cs typeface="Courier New" pitchFamily="49" charset="0"/>
               </a:rPr>
-              <a:t>MEKON-OWL </a:t>
-            </a:r>
-            <a:r>
-              <a:rPr lang="en-GB" sz="2400" b="1" dirty="0" smtClean="0">
-                <a:cs typeface="Courier New" pitchFamily="49" charset="0"/>
-              </a:rPr>
-              <a:t>Reasoning Plug-in</a:t>
+              <a:t>MEKON-OWL Reasoning Plug-in</a:t>
             </a:r>
             <a:endParaRPr lang="en-GB" sz="800" i="1" dirty="0" smtClean="0">
               <a:cs typeface="Courier New" pitchFamily="49" charset="0"/>
@@ -7987,31 +7741,7 @@
               <a:rPr lang="en-GB" sz="1600" dirty="0" smtClean="0">
                 <a:cs typeface="Courier New" pitchFamily="49" charset="0"/>
               </a:rPr>
-              <a:t>The MEKON-OWL </a:t>
-            </a:r>
-            <a:r>
-              <a:rPr lang="en-GB" sz="1600" dirty="0" smtClean="0">
-                <a:cs typeface="Courier New" pitchFamily="49" charset="0"/>
-              </a:rPr>
-              <a:t>r</a:t>
-            </a:r>
-            <a:r>
-              <a:rPr lang="en-GB" sz="1600" dirty="0" smtClean="0">
-                <a:cs typeface="Courier New" pitchFamily="49" charset="0"/>
-              </a:rPr>
-              <a:t>easoning </a:t>
-            </a:r>
-            <a:r>
-              <a:rPr lang="en-GB" sz="1600" dirty="0" smtClean="0">
-                <a:cs typeface="Courier New" pitchFamily="49" charset="0"/>
-              </a:rPr>
-              <a:t>p</a:t>
-            </a:r>
-            <a:r>
-              <a:rPr lang="en-GB" sz="1600" dirty="0" smtClean="0">
-                <a:cs typeface="Courier New" pitchFamily="49" charset="0"/>
-              </a:rPr>
-              <a:t>lug-in implements the automatic instantiation updating process for a particular </a:t>
+              <a:t>The MEKON-OWL reasoning plug-in implements the automatic instantiation updating process for a particular </a:t>
             </a:r>
             <a:r>
               <a:rPr lang="en-GB" sz="1600" dirty="0" err="1" smtClean="0">
@@ -8037,41 +7767,8 @@
               <a:rPr lang="en-GB" sz="1600" dirty="0" smtClean="0">
                 <a:cs typeface="Courier New" pitchFamily="49" charset="0"/>
               </a:rPr>
-              <a:t> </a:t>
-            </a:r>
-            <a:r>
-              <a:rPr lang="en-GB" sz="1600" dirty="0" smtClean="0">
-                <a:cs typeface="Courier New" pitchFamily="49" charset="0"/>
-              </a:rPr>
-              <a:t>network, </a:t>
-            </a:r>
-            <a:r>
-              <a:rPr lang="en-GB" sz="1600" dirty="0" smtClean="0">
-                <a:cs typeface="Courier New" pitchFamily="49" charset="0"/>
-              </a:rPr>
-              <a:t>or sub-network, </a:t>
-            </a:r>
-            <a:r>
-              <a:rPr lang="en-GB" sz="1600" dirty="0" smtClean="0">
-                <a:cs typeface="Courier New" pitchFamily="49" charset="0"/>
-              </a:rPr>
-              <a:t>as </a:t>
-            </a:r>
-            <a:r>
-              <a:rPr lang="en-GB" sz="1600" dirty="0" smtClean="0">
-                <a:cs typeface="Courier New" pitchFamily="49" charset="0"/>
-              </a:rPr>
-              <a:t>follows</a:t>
-            </a:r>
-            <a:r>
-              <a:rPr lang="en-GB" sz="1600" dirty="0" smtClean="0">
-                <a:cs typeface="Courier New" pitchFamily="49" charset="0"/>
-              </a:rPr>
-              <a:t>:</a:t>
-            </a:r>
-            <a:endParaRPr lang="en-GB" sz="1600" dirty="0" smtClean="0">
-              <a:cs typeface="Courier New" pitchFamily="49" charset="0"/>
-            </a:endParaRPr>
+              <a:t> network, or sub-network, as follows:</a:t>
+            </a:r>
           </a:p>
           <a:p>
             <a:endParaRPr lang="en-GB" sz="800" dirty="0" smtClean="0">
@@ -8087,31 +7784,19 @@
               <a:rPr lang="en-GB" sz="1600" dirty="0" smtClean="0">
                 <a:cs typeface="Courier New" pitchFamily="49" charset="0"/>
               </a:rPr>
-              <a:t>An </a:t>
-            </a:r>
-            <a:r>
-              <a:rPr lang="en-GB" sz="1600" dirty="0" smtClean="0">
-                <a:cs typeface="Courier New" pitchFamily="49" charset="0"/>
-              </a:rPr>
-              <a:t>OWL </a:t>
-            </a:r>
-            <a:r>
-              <a:rPr lang="en-GB" sz="1600" dirty="0" smtClean="0">
-                <a:cs typeface="Courier New" pitchFamily="49" charset="0"/>
-              </a:rPr>
-              <a:t>construct is created </a:t>
-            </a:r>
-            <a:r>
-              <a:rPr lang="en-GB" sz="1600" dirty="0" smtClean="0">
-                <a:cs typeface="Courier New" pitchFamily="49" charset="0"/>
-              </a:rPr>
-              <a:t>to represent the current state of the </a:t>
-            </a:r>
-            <a:r>
-              <a:rPr lang="en-GB" sz="1600" dirty="0" smtClean="0">
-                <a:cs typeface="Courier New" pitchFamily="49" charset="0"/>
-              </a:rPr>
-              <a:t>network. Either:</a:t>
+              <a:t>An OWL construct is created to represent the current state of the </a:t>
+            </a:r>
+            <a:r>
+              <a:rPr lang="en-GB" sz="1600" dirty="0" smtClean="0">
+                <a:cs typeface="Courier New" pitchFamily="49" charset="0"/>
+              </a:rPr>
+              <a:t>network, or the relevant parts of it. </a:t>
+            </a:r>
+            <a:r>
+              <a:rPr lang="en-GB" sz="1600" dirty="0" smtClean="0">
+                <a:cs typeface="Courier New" pitchFamily="49" charset="0"/>
+              </a:rPr>
+              <a:t>Either:</a:t>
             </a:r>
           </a:p>
           <a:p>
@@ -8123,43 +7808,13 @@
               <a:rPr lang="en-GB" sz="1600" i="1" dirty="0" smtClean="0">
                 <a:cs typeface="Courier New" pitchFamily="49" charset="0"/>
               </a:rPr>
-              <a:t>OWL c</a:t>
-            </a:r>
-            <a:r>
-              <a:rPr lang="en-GB" sz="1600" i="1" dirty="0" smtClean="0">
-                <a:cs typeface="Courier New" pitchFamily="49" charset="0"/>
-              </a:rPr>
-              <a:t>lass-expression:</a:t>
-            </a:r>
-            <a:r>
-              <a:rPr lang="en-GB" sz="1600" dirty="0" smtClean="0">
-                <a:cs typeface="Courier New" pitchFamily="49" charset="0"/>
-              </a:rPr>
-              <a:t> </a:t>
-            </a:r>
-            <a:r>
-              <a:rPr lang="en-GB" sz="1600" dirty="0" smtClean="0">
-                <a:cs typeface="Courier New" pitchFamily="49" charset="0"/>
-              </a:rPr>
-              <a:t>If </a:t>
-            </a:r>
-            <a:r>
-              <a:rPr lang="en-GB" sz="1600" dirty="0" smtClean="0">
-                <a:cs typeface="Courier New" pitchFamily="49" charset="0"/>
-              </a:rPr>
-              <a:t>network </a:t>
-            </a:r>
-            <a:r>
-              <a:rPr lang="en-GB" sz="1600" dirty="0" smtClean="0">
-                <a:cs typeface="Courier New" pitchFamily="49" charset="0"/>
-              </a:rPr>
-              <a:t>is a </a:t>
-            </a:r>
-            <a:r>
-              <a:rPr lang="en-GB" sz="1600" dirty="0" smtClean="0">
-                <a:cs typeface="Courier New" pitchFamily="49" charset="0"/>
-              </a:rPr>
-              <a:t>tree</a:t>
+              <a:t>OWL class-expression:</a:t>
+            </a:r>
+            <a:r>
+              <a:rPr lang="en-GB" sz="1600" dirty="0" smtClean="0">
+                <a:cs typeface="Courier New" pitchFamily="49" charset="0"/>
+              </a:rPr>
+              <a:t> If network is a tree</a:t>
             </a:r>
           </a:p>
           <a:p>
@@ -8177,17 +7832,8 @@
               <a:rPr lang="en-GB" sz="1600" dirty="0" smtClean="0">
                 <a:cs typeface="Courier New" pitchFamily="49" charset="0"/>
               </a:rPr>
-              <a:t>If network </a:t>
-            </a:r>
-            <a:r>
-              <a:rPr lang="en-GB" sz="1600" dirty="0" smtClean="0">
-                <a:cs typeface="Courier New" pitchFamily="49" charset="0"/>
-              </a:rPr>
-              <a:t>contains convergences or cycles</a:t>
-            </a:r>
-            <a:endParaRPr lang="en-GB" sz="1600" dirty="0" smtClean="0">
-              <a:cs typeface="Courier New" pitchFamily="49" charset="0"/>
-            </a:endParaRPr>
+              <a:t>If network contains convergences or cycles</a:t>
+            </a:r>
           </a:p>
           <a:p>
             <a:pPr marL="457200" indent="-457200">
@@ -8198,13 +7844,7 @@
               <a:rPr lang="en-GB" sz="1600" dirty="0" smtClean="0">
                 <a:cs typeface="Courier New" pitchFamily="49" charset="0"/>
               </a:rPr>
-              <a:t>The </a:t>
-            </a:r>
-            <a:r>
-              <a:rPr lang="en-GB" sz="1600" dirty="0" smtClean="0">
-                <a:cs typeface="Courier New" pitchFamily="49" charset="0"/>
-              </a:rPr>
-              <a:t>DL </a:t>
+              <a:t>The DL </a:t>
             </a:r>
             <a:r>
               <a:rPr lang="en-GB" sz="1600" dirty="0" err="1" smtClean="0">
@@ -8216,31 +7856,7 @@
               <a:rPr lang="en-GB" sz="1600" dirty="0" smtClean="0">
                 <a:cs typeface="Courier New" pitchFamily="49" charset="0"/>
               </a:rPr>
-              <a:t> is applied to </a:t>
-            </a:r>
-            <a:r>
-              <a:rPr lang="en-GB" sz="1600" dirty="0" smtClean="0">
-                <a:cs typeface="Courier New" pitchFamily="49" charset="0"/>
-              </a:rPr>
-              <a:t>the construct </a:t>
-            </a:r>
-            <a:r>
-              <a:rPr lang="en-GB" sz="1600" dirty="0" smtClean="0">
-                <a:cs typeface="Courier New" pitchFamily="49" charset="0"/>
-              </a:rPr>
-              <a:t>to </a:t>
-            </a:r>
-            <a:r>
-              <a:rPr lang="en-GB" sz="1600" dirty="0" smtClean="0">
-                <a:cs typeface="Courier New" pitchFamily="49" charset="0"/>
-              </a:rPr>
-              <a:t>determine the following sets </a:t>
-            </a:r>
-            <a:r>
-              <a:rPr lang="en-GB" sz="1600" dirty="0" smtClean="0">
-                <a:cs typeface="Courier New" pitchFamily="49" charset="0"/>
-              </a:rPr>
-              <a:t>of </a:t>
+              <a:t> is applied to the construct to determine the following sets of </a:t>
             </a:r>
             <a:r>
               <a:rPr lang="en-GB" sz="1600" dirty="0" err="1" smtClean="0">
@@ -8261,9 +7877,6 @@
               </a:rPr>
               <a:t>:</a:t>
             </a:r>
-            <a:endParaRPr lang="en-GB" sz="1600" dirty="0" smtClean="0">
-              <a:cs typeface="Courier New" pitchFamily="49" charset="0"/>
-            </a:endParaRPr>
           </a:p>
           <a:p>
             <a:pPr marL="914400" lvl="1" indent="-457200">
@@ -8280,25 +7893,7 @@
               <a:rPr lang="en-GB" sz="1600" dirty="0" smtClean="0">
                 <a:cs typeface="Courier New" pitchFamily="49" charset="0"/>
               </a:rPr>
-              <a:t>From s</a:t>
-            </a:r>
-            <a:r>
-              <a:rPr lang="en-GB" sz="1600" dirty="0" smtClean="0">
-                <a:cs typeface="Courier New" pitchFamily="49" charset="0"/>
-              </a:rPr>
-              <a:t>uper-classes, </a:t>
-            </a:r>
-            <a:r>
-              <a:rPr lang="en-GB" sz="1600" dirty="0" smtClean="0">
-                <a:cs typeface="Courier New" pitchFamily="49" charset="0"/>
-              </a:rPr>
-              <a:t>or </a:t>
-            </a:r>
-            <a:r>
-              <a:rPr lang="en-GB" sz="1600" dirty="0" smtClean="0">
-                <a:cs typeface="Courier New" pitchFamily="49" charset="0"/>
-              </a:rPr>
-              <a:t>types (depending on type of construct)</a:t>
+              <a:t>From super-classes, or types (depending on type of construct)</a:t>
             </a:r>
           </a:p>
           <a:p>
@@ -8316,23 +7911,8 @@
               <a:rPr lang="en-GB" sz="1600" dirty="0" smtClean="0">
                 <a:cs typeface="Courier New" pitchFamily="49" charset="0"/>
               </a:rPr>
-              <a:t>From sub-classes (only obtained if </a:t>
-            </a:r>
-            <a:r>
-              <a:rPr lang="en-GB" sz="1600" dirty="0" smtClean="0">
-                <a:cs typeface="Courier New" pitchFamily="49" charset="0"/>
-              </a:rPr>
-              <a:t>construct </a:t>
-            </a:r>
-            <a:r>
-              <a:rPr lang="en-GB" sz="1600" dirty="0" smtClean="0">
-                <a:cs typeface="Courier New" pitchFamily="49" charset="0"/>
-              </a:rPr>
-              <a:t>is individuals-network)</a:t>
-            </a:r>
-            <a:endParaRPr lang="en-GB" sz="1600" dirty="0" smtClean="0">
-              <a:cs typeface="Courier New" pitchFamily="49" charset="0"/>
-            </a:endParaRPr>
+              <a:t>From sub-classes (only obtained if construct is individuals-network)</a:t>
+            </a:r>
           </a:p>
           <a:p>
             <a:pPr marL="457200" indent="-457200">
@@ -8343,19 +7923,7 @@
               <a:rPr lang="en-GB" sz="1600" dirty="0" smtClean="0">
                 <a:cs typeface="Courier New" pitchFamily="49" charset="0"/>
               </a:rPr>
-              <a:t>The </a:t>
-            </a:r>
-            <a:r>
-              <a:rPr lang="en-GB" sz="1600" dirty="0" smtClean="0">
-                <a:cs typeface="Courier New" pitchFamily="49" charset="0"/>
-              </a:rPr>
-              <a:t>sets </a:t>
-            </a:r>
-            <a:r>
-              <a:rPr lang="en-GB" sz="1600" dirty="0" smtClean="0">
-                <a:cs typeface="Courier New" pitchFamily="49" charset="0"/>
-              </a:rPr>
-              <a:t>of </a:t>
+              <a:t>The sets of </a:t>
             </a:r>
             <a:r>
               <a:rPr lang="en-GB" sz="1600" dirty="0" err="1" smtClean="0">
@@ -8374,31 +7942,7 @@
               <a:rPr lang="en-GB" sz="1600" dirty="0" smtClean="0">
                 <a:cs typeface="Courier New" pitchFamily="49" charset="0"/>
               </a:rPr>
-              <a:t> and </a:t>
-            </a:r>
-            <a:r>
-              <a:rPr lang="en-GB" sz="1600" dirty="0" smtClean="0">
-                <a:cs typeface="Courier New" pitchFamily="49" charset="0"/>
-              </a:rPr>
-              <a:t>fixed-values associated </a:t>
-            </a:r>
-            <a:r>
-              <a:rPr lang="en-GB" sz="1600" dirty="0" smtClean="0">
-                <a:cs typeface="Courier New" pitchFamily="49" charset="0"/>
-              </a:rPr>
-              <a:t>with the inferred-types are </a:t>
-            </a:r>
-            <a:r>
-              <a:rPr lang="en-GB" sz="1600" dirty="0" smtClean="0">
-                <a:cs typeface="Courier New" pitchFamily="49" charset="0"/>
-              </a:rPr>
-              <a:t>used to dynamically </a:t>
-            </a:r>
-            <a:r>
-              <a:rPr lang="en-GB" sz="1600" dirty="0" smtClean="0">
-                <a:cs typeface="Courier New" pitchFamily="49" charset="0"/>
-              </a:rPr>
-              <a:t>update the root-</a:t>
+              <a:t> and fixed-values associated with the inferred-types are used to dynamically update the root-</a:t>
             </a:r>
             <a:r>
               <a:rPr lang="en-GB" sz="1600" dirty="0" err="1" smtClean="0">
@@ -8411,13 +7955,7 @@
               <a:rPr lang="en-GB" sz="1600" dirty="0" smtClean="0">
                 <a:cs typeface="Courier New" pitchFamily="49" charset="0"/>
               </a:rPr>
-              <a:t>, as follows</a:t>
-            </a:r>
-            <a:r>
-              <a:rPr lang="en-GB" sz="1600" dirty="0" smtClean="0">
-                <a:cs typeface="Courier New" pitchFamily="49" charset="0"/>
-              </a:rPr>
-              <a:t>:</a:t>
+              <a:t>, as follows:</a:t>
             </a:r>
           </a:p>
           <a:p>
@@ -8429,13 +7967,7 @@
               <a:rPr lang="en-GB" sz="1600" i="1" dirty="0" smtClean="0">
                 <a:cs typeface="Courier New" pitchFamily="49" charset="0"/>
               </a:rPr>
-              <a:t>Slot-set </a:t>
-            </a:r>
-            <a:r>
-              <a:rPr lang="en-GB" sz="1600" i="1" dirty="0" smtClean="0">
-                <a:cs typeface="Courier New" pitchFamily="49" charset="0"/>
-              </a:rPr>
-              <a:t>updating: </a:t>
+              <a:t>Slot-set updating: </a:t>
             </a:r>
             <a:r>
               <a:rPr lang="en-GB" sz="1600" dirty="0" smtClean="0">
@@ -8503,29 +8035,14 @@
               <a:rPr lang="en-GB" sz="1600" i="1" dirty="0" smtClean="0">
                 <a:cs typeface="Courier New" pitchFamily="49" charset="0"/>
               </a:rPr>
-              <a:t>Slot </a:t>
-            </a:r>
-            <a:r>
-              <a:rPr lang="en-GB" sz="1600" i="1" dirty="0" smtClean="0">
-                <a:cs typeface="Courier New" pitchFamily="49" charset="0"/>
-              </a:rPr>
-              <a:t>value updating: </a:t>
-            </a:r>
-            <a:r>
-              <a:rPr lang="en-GB" sz="1600" dirty="0" smtClean="0">
-                <a:cs typeface="Courier New" pitchFamily="49" charset="0"/>
-              </a:rPr>
-              <a:t>Based on </a:t>
-            </a:r>
-            <a:r>
-              <a:rPr lang="en-GB" sz="1600" dirty="0" smtClean="0">
-                <a:cs typeface="Courier New" pitchFamily="49" charset="0"/>
-              </a:rPr>
-              <a:t>fixed-values</a:t>
-            </a:r>
-            <a:endParaRPr lang="en-GB" sz="1600" dirty="0" smtClean="0">
-              <a:cs typeface="Courier New" pitchFamily="49" charset="0"/>
-            </a:endParaRPr>
+              <a:t>Slot value updating: </a:t>
+            </a:r>
+            <a:r>
+              <a:rPr lang="en-GB" sz="1600" dirty="0" smtClean="0">
+                <a:cs typeface="Courier New" pitchFamily="49" charset="0"/>
+              </a:rPr>
+              <a:t>Based on fixed-values</a:t>
+            </a:r>
           </a:p>
           <a:p>
             <a:endParaRPr lang="en-GB" sz="800" dirty="0" smtClean="0">
@@ -8573,13 +8090,7 @@
               <a:rPr lang="en-GB" sz="1600" dirty="0" smtClean="0">
                 <a:cs typeface="Courier New" pitchFamily="49" charset="0"/>
               </a:rPr>
-              <a:t>: </a:t>
-            </a:r>
-            <a:r>
-              <a:rPr lang="en-GB" sz="1600" dirty="0" smtClean="0">
-                <a:cs typeface="Courier New" pitchFamily="49" charset="0"/>
-              </a:rPr>
-              <a:t>Slot-value sets represented via sets of existential restrictions</a:t>
+              <a:t>: Slot-value sets represented via sets of existential restrictions</a:t>
             </a:r>
             <a:endParaRPr lang="en-GB" sz="1600" dirty="0" smtClean="0">
               <a:latin typeface="Courier New" pitchFamily="49" charset="0"/>
@@ -8602,35 +8113,8 @@
               <a:rPr lang="en-GB" sz="1600" dirty="0" smtClean="0">
                 <a:cs typeface="Courier New" pitchFamily="49" charset="0"/>
               </a:rPr>
-              <a:t>: Slot-value sets </a:t>
-            </a:r>
-            <a:r>
-              <a:rPr lang="en-GB" sz="1600" dirty="0" smtClean="0">
-                <a:cs typeface="Courier New" pitchFamily="49" charset="0"/>
-              </a:rPr>
-              <a:t>represented via </a:t>
-            </a:r>
-            <a:r>
-              <a:rPr lang="en-GB" sz="1600" dirty="0" smtClean="0">
-                <a:cs typeface="Courier New" pitchFamily="49" charset="0"/>
-              </a:rPr>
-              <a:t>sets </a:t>
-            </a:r>
-            <a:r>
-              <a:rPr lang="en-GB" sz="1600" dirty="0" smtClean="0">
-                <a:cs typeface="Courier New" pitchFamily="49" charset="0"/>
-              </a:rPr>
-              <a:t>of existential </a:t>
-            </a:r>
-            <a:r>
-              <a:rPr lang="en-GB" sz="1600" dirty="0" smtClean="0">
-                <a:cs typeface="Courier New" pitchFamily="49" charset="0"/>
-              </a:rPr>
-              <a:t>restrictions, plus single universal “closure” restrictions, whose fillers are disjunctions of all slot-value representations</a:t>
-            </a:r>
-            <a:endParaRPr lang="en-GB" sz="1600" dirty="0" smtClean="0">
-              <a:cs typeface="Courier New" pitchFamily="49" charset="0"/>
-            </a:endParaRPr>
+              <a:t>: Slot-value sets represented via sets of existential restrictions, plus single universal “closure” restrictions, whose fillers are disjunctions of all slot-value representations</a:t>
+            </a:r>
           </a:p>
           <a:p>
             <a:endParaRPr lang="en-GB" sz="800" i="1" dirty="0" smtClean="0">
@@ -8644,9 +8128,6 @@
               </a:rPr>
               <a:t>These slot-semantics are configurable on a per-property basis.</a:t>
             </a:r>
-            <a:endParaRPr lang="en-GB" sz="1600" dirty="0" smtClean="0">
-              <a:cs typeface="Courier New" pitchFamily="49" charset="0"/>
-            </a:endParaRPr>
           </a:p>
         </p:txBody>
       </p:sp>
@@ -8684,7 +8165,7 @@
       </p:grpSpPr>
       <p:pic>
         <p:nvPicPr>
-          <p:cNvPr id="6146" name="Picture 2"/>
+          <p:cNvPr id="15362" name="Picture 2"/>
           <p:cNvPicPr>
             <a:picLocks noChangeAspect="1" noChangeArrowheads="1"/>
           </p:cNvPicPr>
@@ -8700,7 +8181,7 @@
         <p:spPr bwMode="auto">
           <a:xfrm>
             <a:off x="251520" y="260648"/>
-            <a:ext cx="5473446" cy="4417314"/>
+            <a:ext cx="4975860" cy="4305300"/>
           </a:xfrm>
           <a:prstGeom prst="rect">
             <a:avLst/>
@@ -8722,8 +8203,8 @@
         </p:nvSpPr>
         <p:spPr>
           <a:xfrm>
-            <a:off x="2771800" y="2675724"/>
-            <a:ext cx="6012668" cy="615553"/>
+            <a:off x="5076056" y="728700"/>
+            <a:ext cx="3780420" cy="861774"/>
           </a:xfrm>
           <a:prstGeom prst="rect">
             <a:avLst/>
@@ -8800,8 +8281,8 @@
         </p:nvSpPr>
         <p:spPr>
           <a:xfrm>
-            <a:off x="2771800" y="3287792"/>
-            <a:ext cx="6012668" cy="3323987"/>
+            <a:off x="5076056" y="1592796"/>
+            <a:ext cx="3780420" cy="5047536"/>
           </a:xfrm>
           <a:prstGeom prst="rect">
             <a:avLst/>
@@ -8826,8 +8307,9 @@
           <a:p>
             <a:r>
               <a:rPr lang="en-GB" b="1" dirty="0" smtClean="0"/>
-              <a:t>Explanation:</a:t>
-            </a:r>
+              <a:t>Discussion:</a:t>
+            </a:r>
+            <a:endParaRPr lang="en-GB" b="1" dirty="0" smtClean="0"/>
           </a:p>
           <a:p>
             <a:pPr marL="457200" indent="-457200">
@@ -9267,13 +8749,7 @@
               <a:rPr lang="en-GB" sz="1600" dirty="0" smtClean="0">
                 <a:cs typeface="Courier New" pitchFamily="49" charset="0"/>
               </a:rPr>
-              <a:t> </a:t>
-            </a:r>
-            <a:r>
-              <a:rPr lang="en-GB" sz="1600" dirty="0" smtClean="0">
-                <a:cs typeface="Courier New" pitchFamily="49" charset="0"/>
-              </a:rPr>
-              <a:t>HOBO OMs to MEKON FMs</a:t>
+              <a:t> HOBO OMs to MEKON FMs</a:t>
             </a:r>
           </a:p>
           <a:p>
@@ -9544,7 +9020,7 @@
       </p:grpSpPr>
       <p:pic>
         <p:nvPicPr>
-          <p:cNvPr id="2050" name="Picture 2"/>
+          <p:cNvPr id="16386" name="Picture 2"/>
           <p:cNvPicPr>
             <a:picLocks noChangeAspect="1" noChangeArrowheads="1"/>
           </p:cNvPicPr>
@@ -9560,7 +9036,7 @@
         <p:spPr bwMode="auto">
           <a:xfrm>
             <a:off x="395536" y="332656"/>
-            <a:ext cx="5439918" cy="4417314"/>
+            <a:ext cx="4975860" cy="4297680"/>
           </a:xfrm>
           <a:prstGeom prst="rect">
             <a:avLst/>
@@ -9582,7 +9058,7 @@
         </p:nvSpPr>
         <p:spPr>
           <a:xfrm>
-            <a:off x="3959932" y="1340768"/>
+            <a:off x="3995936" y="1340768"/>
             <a:ext cx="4680520" cy="1600438"/>
           </a:xfrm>
           <a:prstGeom prst="rect">
@@ -9669,7 +9145,7 @@
         </p:nvSpPr>
         <p:spPr>
           <a:xfrm>
-            <a:off x="395536" y="5229200"/>
+            <a:off x="395536" y="5157192"/>
             <a:ext cx="2916324" cy="1116124"/>
           </a:xfrm>
           <a:prstGeom prst="rect">
@@ -9708,7 +9184,7 @@
         </p:nvSpPr>
         <p:spPr>
           <a:xfrm>
-            <a:off x="935596" y="5589240"/>
+            <a:off x="935596" y="5517232"/>
             <a:ext cx="2376264" cy="360040"/>
           </a:xfrm>
           <a:prstGeom prst="rect">
@@ -9748,7 +9224,7 @@
         </p:nvSpPr>
         <p:spPr>
           <a:xfrm>
-            <a:off x="935596" y="5949280"/>
+            <a:off x="935596" y="5877272"/>
             <a:ext cx="2196244" cy="396044"/>
           </a:xfrm>
           <a:prstGeom prst="rect">
@@ -9788,7 +9264,7 @@
         </p:nvSpPr>
         <p:spPr>
           <a:xfrm>
-            <a:off x="503548" y="5625244"/>
+            <a:off x="503548" y="5553236"/>
             <a:ext cx="324036" cy="288032"/>
           </a:xfrm>
           <a:prstGeom prst="ellipse">
@@ -9836,7 +9312,7 @@
         </p:nvSpPr>
         <p:spPr>
           <a:xfrm>
-            <a:off x="503548" y="5985284"/>
+            <a:off x="503548" y="5913276"/>
             <a:ext cx="324036" cy="288032"/>
           </a:xfrm>
           <a:prstGeom prst="ellipse">
@@ -9884,7 +9360,7 @@
         </p:nvSpPr>
         <p:spPr>
           <a:xfrm>
-            <a:off x="575556" y="6057292"/>
+            <a:off x="575556" y="5985284"/>
             <a:ext cx="180020" cy="144016"/>
           </a:xfrm>
           <a:prstGeom prst="ellipse">
@@ -9936,7 +9412,7 @@
         </p:nvSpPr>
         <p:spPr>
           <a:xfrm>
-            <a:off x="3959932" y="2924944"/>
+            <a:off x="3995936" y="2924944"/>
             <a:ext cx="4680520" cy="3570208"/>
           </a:xfrm>
           <a:prstGeom prst="rect">
@@ -9962,8 +9438,9 @@
           <a:p>
             <a:r>
               <a:rPr lang="en-GB" b="1" dirty="0" smtClean="0"/>
-              <a:t>Explanation:</a:t>
-            </a:r>
+              <a:t>Discussion:</a:t>
+            </a:r>
+            <a:endParaRPr lang="en-GB" b="1" dirty="0" smtClean="0"/>
           </a:p>
           <a:p>
             <a:pPr marL="457200" indent="-457200">
@@ -10116,7 +9593,7 @@
         </p:nvSpPr>
         <p:spPr>
           <a:xfrm>
-            <a:off x="6264188" y="224644"/>
+            <a:off x="6336196" y="224644"/>
             <a:ext cx="2520280" cy="861774"/>
           </a:xfrm>
           <a:prstGeom prst="rect">
@@ -10146,10 +9623,17 @@
               <a:t> </a:t>
             </a:r>
             <a:r>
+              <a:rPr lang="en-GB" sz="1600" dirty="0" smtClean="0"/>
+              <a:t>See appendix at end of tutorial for </a:t>
+            </a:r>
+            <a:r>
               <a:rPr lang="en-GB" sz="1600" i="1" dirty="0" smtClean="0"/>
-              <a:t>See appendix at end of tutorial for Model Explorer invocation details</a:t>
-            </a:r>
-            <a:endParaRPr lang="en-GB" sz="1600" dirty="0" smtClean="0"/>
+              <a:t>Model Explorer</a:t>
+            </a:r>
+            <a:r>
+              <a:rPr lang="en-GB" sz="1600" dirty="0" smtClean="0"/>
+              <a:t> invocation details</a:t>
+            </a:r>
           </a:p>
         </p:txBody>
       </p:sp>
@@ -10193,7 +9677,7 @@
         </p:nvSpPr>
         <p:spPr>
           <a:xfrm>
-            <a:off x="359532" y="4977172"/>
+            <a:off x="395536" y="4977172"/>
             <a:ext cx="2808312" cy="1548172"/>
           </a:xfrm>
           <a:prstGeom prst="rect">
@@ -10232,7 +9716,7 @@
         </p:nvSpPr>
         <p:spPr>
           <a:xfrm rot="5400000">
-            <a:off x="503548" y="6129300"/>
+            <a:off x="539552" y="6129300"/>
             <a:ext cx="324036" cy="324036"/>
           </a:xfrm>
           <a:prstGeom prst="triangle">
@@ -10272,38 +9756,6 @@
           </a:p>
         </p:txBody>
       </p:sp>
-      <p:pic>
-        <p:nvPicPr>
-          <p:cNvPr id="1030" name="Picture 6"/>
-          <p:cNvPicPr>
-            <a:picLocks noChangeAspect="1" noChangeArrowheads="1"/>
-          </p:cNvPicPr>
-          <p:nvPr/>
-        </p:nvPicPr>
-        <p:blipFill>
-          <a:blip r:embed="rId2" cstate="print"/>
-          <a:srcRect/>
-          <a:stretch>
-            <a:fillRect/>
-          </a:stretch>
-        </p:blipFill>
-        <p:spPr bwMode="auto">
-          <a:xfrm>
-            <a:off x="395536" y="332656"/>
-            <a:ext cx="5439918" cy="4417314"/>
-          </a:xfrm>
-          <a:prstGeom prst="rect">
-            <a:avLst/>
-          </a:prstGeom>
-          <a:noFill/>
-          <a:ln w="9525">
-            <a:noFill/>
-            <a:miter lim="800000"/>
-            <a:headEnd/>
-            <a:tailEnd/>
-          </a:ln>
-        </p:spPr>
-      </p:pic>
       <p:sp>
         <p:nvSpPr>
           <p:cNvPr id="7" name="TextBox 6"/>
@@ -10312,7 +9764,7 @@
         </p:nvSpPr>
         <p:spPr>
           <a:xfrm>
-            <a:off x="935596" y="5733256"/>
+            <a:off x="971600" y="5733256"/>
             <a:ext cx="2232248" cy="360040"/>
           </a:xfrm>
           <a:prstGeom prst="rect">
@@ -10354,7 +9806,7 @@
         </p:nvSpPr>
         <p:spPr>
           <a:xfrm>
-            <a:off x="935596" y="6129300"/>
+            <a:off x="971600" y="6129300"/>
             <a:ext cx="2232248" cy="396044"/>
           </a:xfrm>
           <a:prstGeom prst="rect">
@@ -10394,7 +9846,7 @@
         </p:nvSpPr>
         <p:spPr>
           <a:xfrm rot="5400000">
-            <a:off x="503548" y="5733256"/>
+            <a:off x="539552" y="5733256"/>
             <a:ext cx="324036" cy="324036"/>
           </a:xfrm>
           <a:prstGeom prst="triangle">
@@ -10442,7 +9894,7 @@
         </p:nvSpPr>
         <p:spPr>
           <a:xfrm rot="5400000">
-            <a:off x="539552" y="6201308"/>
+            <a:off x="575556" y="6201308"/>
             <a:ext cx="180020" cy="180020"/>
           </a:xfrm>
           <a:prstGeom prst="triangle">
@@ -10490,7 +9942,7 @@
         </p:nvSpPr>
         <p:spPr>
           <a:xfrm>
-            <a:off x="935596" y="5373216"/>
+            <a:off x="971600" y="5373216"/>
             <a:ext cx="2160240" cy="324036"/>
           </a:xfrm>
           <a:prstGeom prst="rect">
@@ -10532,7 +9984,7 @@
         </p:nvSpPr>
         <p:spPr>
           <a:xfrm>
-            <a:off x="503548" y="5373216"/>
+            <a:off x="539552" y="5373216"/>
             <a:ext cx="324036" cy="288032"/>
           </a:xfrm>
           <a:prstGeom prst="rect">
@@ -10580,7 +10032,7 @@
         </p:nvSpPr>
         <p:spPr>
           <a:xfrm>
-            <a:off x="575556" y="5445224"/>
+            <a:off x="611560" y="5445224"/>
             <a:ext cx="180020" cy="144016"/>
           </a:xfrm>
           <a:prstGeom prst="rect">
@@ -10628,7 +10080,7 @@
         </p:nvSpPr>
         <p:spPr>
           <a:xfrm>
-            <a:off x="4752020" y="5301208"/>
+            <a:off x="4067944" y="5553236"/>
             <a:ext cx="2880320" cy="828092"/>
           </a:xfrm>
           <a:prstGeom prst="rect">
@@ -10667,7 +10119,7 @@
         </p:nvSpPr>
         <p:spPr>
           <a:xfrm>
-            <a:off x="5328084" y="5697252"/>
+            <a:off x="4644008" y="5949280"/>
             <a:ext cx="2304256" cy="396044"/>
           </a:xfrm>
           <a:prstGeom prst="rect">
@@ -10707,7 +10159,7 @@
         </p:nvSpPr>
         <p:spPr>
           <a:xfrm rot="5400000">
-            <a:off x="4896036" y="5697252"/>
+            <a:off x="4211960" y="5949280"/>
             <a:ext cx="324036" cy="324036"/>
           </a:xfrm>
           <a:prstGeom prst="triangle">
@@ -10755,7 +10207,7 @@
         </p:nvSpPr>
         <p:spPr>
           <a:xfrm>
-            <a:off x="5148064" y="5697252"/>
+            <a:off x="4463988" y="5949280"/>
             <a:ext cx="72008" cy="324036"/>
           </a:xfrm>
           <a:prstGeom prst="rect">
@@ -10803,8 +10255,8 @@
         </p:nvSpPr>
         <p:spPr>
           <a:xfrm>
-            <a:off x="4932040" y="1340768"/>
-            <a:ext cx="3744416" cy="615553"/>
+            <a:off x="5796136" y="548680"/>
+            <a:ext cx="2952328" cy="861774"/>
           </a:xfrm>
           <a:prstGeom prst="rect">
             <a:avLst/>
@@ -10875,8 +10327,8 @@
         </p:nvSpPr>
         <p:spPr>
           <a:xfrm>
-            <a:off x="4932040" y="1952836"/>
-            <a:ext cx="3744416" cy="2585323"/>
+            <a:off x="5796136" y="1412776"/>
+            <a:ext cx="2952328" cy="3570208"/>
           </a:xfrm>
           <a:prstGeom prst="rect">
             <a:avLst/>
@@ -10901,8 +10353,9 @@
           <a:p>
             <a:r>
               <a:rPr lang="en-GB" b="1" dirty="0" smtClean="0"/>
-              <a:t>Explanation:</a:t>
-            </a:r>
+              <a:t>Discussion:</a:t>
+            </a:r>
+            <a:endParaRPr lang="en-GB" b="1" dirty="0" smtClean="0"/>
           </a:p>
           <a:p>
             <a:pPr marL="457200" indent="-457200">
@@ -10977,6 +10430,38 @@
           </a:p>
         </p:txBody>
       </p:sp>
+      <p:pic>
+        <p:nvPicPr>
+          <p:cNvPr id="17410" name="Picture 2"/>
+          <p:cNvPicPr>
+            <a:picLocks noChangeAspect="1" noChangeArrowheads="1"/>
+          </p:cNvPicPr>
+          <p:nvPr/>
+        </p:nvPicPr>
+        <p:blipFill>
+          <a:blip r:embed="rId2" cstate="print"/>
+          <a:srcRect/>
+          <a:stretch>
+            <a:fillRect/>
+          </a:stretch>
+        </p:blipFill>
+        <p:spPr bwMode="auto">
+          <a:xfrm>
+            <a:off x="395536" y="332656"/>
+            <a:ext cx="4975860" cy="4297680"/>
+          </a:xfrm>
+          <a:prstGeom prst="rect">
+            <a:avLst/>
+          </a:prstGeom>
+          <a:noFill/>
+          <a:ln w="9525">
+            <a:noFill/>
+            <a:miter lim="800000"/>
+            <a:headEnd/>
+            <a:tailEnd/>
+          </a:ln>
+        </p:spPr>
+      </p:pic>
     </p:spTree>
   </p:cSld>
   <p:clrMapOvr>
@@ -11011,7 +10496,7 @@
       </p:grpSpPr>
       <p:pic>
         <p:nvPicPr>
-          <p:cNvPr id="2052" name="Picture 4"/>
+          <p:cNvPr id="18434" name="Picture 2"/>
           <p:cNvPicPr>
             <a:picLocks noChangeAspect="1" noChangeArrowheads="1"/>
           </p:cNvPicPr>
@@ -11027,7 +10512,7 @@
         <p:spPr bwMode="auto">
           <a:xfrm>
             <a:off x="395536" y="332656"/>
-            <a:ext cx="5406390" cy="4417314"/>
+            <a:ext cx="4975860" cy="4320540"/>
           </a:xfrm>
           <a:prstGeom prst="rect">
             <a:avLst/>
@@ -11049,8 +10534,8 @@
         </p:nvSpPr>
         <p:spPr>
           <a:xfrm>
-            <a:off x="3671900" y="1376772"/>
-            <a:ext cx="5184576" cy="861774"/>
+            <a:off x="4139952" y="1124744"/>
+            <a:ext cx="4680520" cy="861774"/>
           </a:xfrm>
           <a:prstGeom prst="rect">
             <a:avLst/>
@@ -11107,11 +10592,7 @@
             </a:r>
             <a:r>
               <a:rPr lang="en-GB" sz="1600" dirty="0" smtClean="0"/>
-              <a:t> </a:t>
-            </a:r>
-            <a:r>
-              <a:rPr lang="en-GB" sz="1600" dirty="0" smtClean="0"/>
-              <a:t>and </a:t>
+              <a:t> and </a:t>
             </a:r>
             <a:r>
               <a:rPr lang="en-GB" sz="1600" dirty="0" smtClean="0">
@@ -11131,8 +10612,8 @@
         </p:nvSpPr>
         <p:spPr>
           <a:xfrm>
-            <a:off x="3671900" y="2240868"/>
-            <a:ext cx="5184576" cy="4308872"/>
+            <a:off x="4139952" y="1988840"/>
+            <a:ext cx="4680520" cy="4555093"/>
           </a:xfrm>
           <a:prstGeom prst="rect">
             <a:avLst/>
@@ -11157,8 +10638,9 @@
           <a:p>
             <a:r>
               <a:rPr lang="en-GB" b="1" dirty="0" smtClean="0"/>
-              <a:t>Explanation:</a:t>
-            </a:r>
+              <a:t>Discussion:</a:t>
+            </a:r>
+            <a:endParaRPr lang="en-GB" b="1" dirty="0" smtClean="0"/>
           </a:p>
           <a:p>
             <a:pPr marL="457200" indent="-457200">
@@ -11417,7 +10899,7 @@
       </p:grpSpPr>
       <p:pic>
         <p:nvPicPr>
-          <p:cNvPr id="1033" name="Picture 9"/>
+          <p:cNvPr id="19458" name="Picture 2"/>
           <p:cNvPicPr>
             <a:picLocks noChangeAspect="1" noChangeArrowheads="1"/>
           </p:cNvPicPr>
@@ -11433,7 +10915,7 @@
         <p:spPr bwMode="auto">
           <a:xfrm>
             <a:off x="287524" y="332656"/>
-            <a:ext cx="5314188" cy="4140708"/>
+            <a:ext cx="4975860" cy="4320540"/>
           </a:xfrm>
           <a:prstGeom prst="rect">
             <a:avLst/>
@@ -11455,7 +10937,7 @@
         </p:nvGrpSpPr>
         <p:grpSpPr>
           <a:xfrm rot="19301791">
-            <a:off x="4446061" y="4203183"/>
+            <a:off x="4230038" y="4419208"/>
             <a:ext cx="135329" cy="221507"/>
             <a:chOff x="7056276" y="4257092"/>
             <a:chExt cx="468052" cy="891034"/>
@@ -11612,7 +11094,7 @@
         </p:nvSpPr>
         <p:spPr>
           <a:xfrm>
-            <a:off x="251520" y="4833156"/>
+            <a:off x="251520" y="4905164"/>
             <a:ext cx="5220580" cy="1700808"/>
           </a:xfrm>
           <a:prstGeom prst="rect">
@@ -11651,7 +11133,7 @@
         </p:nvSpPr>
         <p:spPr>
           <a:xfrm>
-            <a:off x="791580" y="5661248"/>
+            <a:off x="791580" y="5733256"/>
             <a:ext cx="2952328" cy="360040"/>
           </a:xfrm>
           <a:prstGeom prst="rect">
@@ -11677,11 +11159,7 @@
             </a:r>
             <a:r>
               <a:rPr lang="en-GB" sz="1600" dirty="0" smtClean="0"/>
-              <a:t> </a:t>
-            </a:r>
-            <a:r>
-              <a:rPr lang="en-GB" sz="1600" dirty="0" smtClean="0"/>
-              <a:t>/ Externally-sourced type</a:t>
+              <a:t> / Externally-sourced type</a:t>
             </a:r>
             <a:endParaRPr lang="en-GB" sz="1600" dirty="0"/>
           </a:p>
@@ -11695,7 +11173,7 @@
         </p:nvSpPr>
         <p:spPr>
           <a:xfrm rot="5400000">
-            <a:off x="395535" y="5697252"/>
+            <a:off x="395535" y="5769260"/>
             <a:ext cx="324036" cy="324036"/>
           </a:xfrm>
           <a:prstGeom prst="triangle">
@@ -11743,7 +11221,7 @@
         </p:nvSpPr>
         <p:spPr>
           <a:xfrm rot="18972962">
-            <a:off x="421376" y="5247358"/>
+            <a:off x="421376" y="5319366"/>
             <a:ext cx="272357" cy="288198"/>
           </a:xfrm>
           <a:prstGeom prst="rect">
@@ -11791,7 +11269,7 @@
         </p:nvSpPr>
         <p:spPr>
           <a:xfrm>
-            <a:off x="791580" y="5229200"/>
+            <a:off x="791580" y="5301208"/>
             <a:ext cx="3096344" cy="360040"/>
           </a:xfrm>
           <a:prstGeom prst="rect">
@@ -11817,11 +11295,7 @@
             </a:r>
             <a:r>
               <a:rPr lang="en-GB" sz="1600" dirty="0" smtClean="0"/>
-              <a:t> / </a:t>
-            </a:r>
-            <a:r>
-              <a:rPr lang="en-GB" sz="1600" dirty="0" smtClean="0"/>
-              <a:t>Externally-sourced type</a:t>
+              <a:t> / Externally-sourced type</a:t>
             </a:r>
             <a:endParaRPr lang="en-GB" sz="1600" dirty="0"/>
           </a:p>
@@ -11835,8 +11309,8 @@
         </p:nvSpPr>
         <p:spPr>
           <a:xfrm>
-            <a:off x="5832140" y="620688"/>
-            <a:ext cx="3060340" cy="2585323"/>
+            <a:off x="5796136" y="620688"/>
+            <a:ext cx="3024336" cy="2585323"/>
           </a:xfrm>
           <a:prstGeom prst="rect">
             <a:avLst/>
@@ -11937,8 +11411,8 @@
         </p:nvSpPr>
         <p:spPr>
           <a:xfrm>
-            <a:off x="5832140" y="3212976"/>
-            <a:ext cx="3060340" cy="3077766"/>
+            <a:off x="5796136" y="3212976"/>
+            <a:ext cx="3024336" cy="3077766"/>
           </a:xfrm>
           <a:prstGeom prst="rect">
             <a:avLst/>
@@ -11963,7 +11437,7 @@
           <a:p>
             <a:r>
               <a:rPr lang="en-GB" b="1" dirty="0" smtClean="0"/>
-              <a:t>Explanation:</a:t>
+              <a:t>Discussion:</a:t>
             </a:r>
             <a:endParaRPr lang="en-GB" dirty="0"/>
           </a:p>
@@ -12065,8 +11539,8 @@
         </p:blipFill>
         <p:spPr bwMode="auto">
           <a:xfrm>
-            <a:off x="1655676" y="764704"/>
-            <a:ext cx="3646170" cy="2958846"/>
+            <a:off x="2123728" y="1196752"/>
+            <a:ext cx="3314700" cy="2689860"/>
           </a:xfrm>
           <a:prstGeom prst="rect">
             <a:avLst/>
@@ -12088,7 +11562,7 @@
         </p:nvSpPr>
         <p:spPr>
           <a:xfrm>
-            <a:off x="791580" y="6093296"/>
+            <a:off x="791580" y="6165304"/>
             <a:ext cx="2700300" cy="360040"/>
           </a:xfrm>
           <a:prstGeom prst="rect">
@@ -12114,19 +11588,7 @@
             </a:r>
             <a:r>
               <a:rPr lang="en-GB" sz="1600" dirty="0" smtClean="0"/>
-              <a:t> </a:t>
-            </a:r>
-            <a:r>
-              <a:rPr lang="en-GB" sz="1600" dirty="0" smtClean="0"/>
-              <a:t>/ </a:t>
-            </a:r>
-            <a:r>
-              <a:rPr lang="en-GB" sz="1600" dirty="0" smtClean="0"/>
-              <a:t>Dual-sourced </a:t>
-            </a:r>
-            <a:r>
-              <a:rPr lang="en-GB" sz="1600" dirty="0" smtClean="0"/>
-              <a:t>type</a:t>
+              <a:t> / Dual-sourced type</a:t>
             </a:r>
             <a:endParaRPr lang="en-GB" sz="1600" dirty="0"/>
           </a:p>
@@ -12140,7 +11602,7 @@
         </p:nvSpPr>
         <p:spPr>
           <a:xfrm rot="5400000">
-            <a:off x="395536" y="6129300"/>
+            <a:off x="395536" y="6201308"/>
             <a:ext cx="324036" cy="324036"/>
           </a:xfrm>
           <a:prstGeom prst="triangle">
@@ -12188,7 +11650,7 @@
         </p:nvSpPr>
         <p:spPr>
           <a:xfrm rot="5400000">
-            <a:off x="431540" y="6201308"/>
+            <a:off x="431540" y="6273316"/>
             <a:ext cx="180020" cy="180020"/>
           </a:xfrm>
           <a:prstGeom prst="triangle">
@@ -12236,7 +11698,7 @@
         </p:nvSpPr>
         <p:spPr>
           <a:xfrm>
-            <a:off x="3851920" y="5337212"/>
+            <a:off x="3851920" y="5409220"/>
             <a:ext cx="1476164" cy="1080120"/>
           </a:xfrm>
           <a:prstGeom prst="rect">
@@ -12281,15 +11743,7 @@
             </a:r>
             <a:r>
               <a:rPr lang="en-GB" sz="1600" dirty="0" smtClean="0"/>
-              <a:t> </a:t>
-            </a:r>
-            <a:r>
-              <a:rPr lang="en-GB" sz="1600" dirty="0" smtClean="0"/>
-              <a:t>distinguished </a:t>
-            </a:r>
-            <a:r>
-              <a:rPr lang="en-GB" sz="1600" dirty="0" smtClean="0"/>
-              <a:t>from </a:t>
+              <a:t> distinguished from </a:t>
             </a:r>
             <a:r>
               <a:rPr lang="en-GB" sz="1600" dirty="0" err="1" smtClean="0">
@@ -12532,13 +11986,7 @@
               <a:rPr lang="en-GB" sz="1600" dirty="0" smtClean="0">
                 <a:cs typeface="Courier New" pitchFamily="49" charset="0"/>
               </a:rPr>
-              <a:t>Query instances differ from a assertion instances in the following ways</a:t>
-            </a:r>
-            <a:r>
-              <a:rPr lang="en-GB" sz="1600" dirty="0" smtClean="0">
-                <a:cs typeface="Courier New" pitchFamily="49" charset="0"/>
-              </a:rPr>
-              <a:t>:</a:t>
+              <a:t>Query instances differ from a assertion instances in the following ways:</a:t>
             </a:r>
           </a:p>
           <a:p>
@@ -12953,11 +12401,7 @@
             </a:pPr>
             <a:r>
               <a:rPr lang="en-GB" sz="1600" dirty="0" smtClean="0"/>
-              <a:t>Left-click </a:t>
-            </a:r>
-            <a:r>
-              <a:rPr lang="en-GB" sz="1600" dirty="0" smtClean="0"/>
-              <a:t>on the </a:t>
+              <a:t>Left-click on the </a:t>
             </a:r>
             <a:r>
               <a:rPr lang="en-GB" sz="1600" dirty="0" smtClean="0">
@@ -13026,7 +12470,7 @@
           <a:p>
             <a:r>
               <a:rPr lang="en-GB" b="1" dirty="0" smtClean="0"/>
-              <a:t>Explanation:</a:t>
+              <a:t>Discussion:</a:t>
             </a:r>
             <a:endParaRPr lang="en-GB" dirty="0"/>
           </a:p>
@@ -13149,15 +12593,7 @@
             </a:pPr>
             <a:r>
               <a:rPr lang="en-GB" sz="1600" dirty="0" smtClean="0"/>
-              <a:t>This value-type update is due to OWL-based inference </a:t>
-            </a:r>
-            <a:r>
-              <a:rPr lang="en-GB" sz="1600" dirty="0" smtClean="0"/>
-              <a:t>based on the </a:t>
-            </a:r>
-            <a:r>
-              <a:rPr lang="en-GB" sz="1600" dirty="0" smtClean="0"/>
-              <a:t>entered value, and mediated by the MEKON-OWL reasoning plug-in</a:t>
+              <a:t>This value-type update is due to OWL-based inference based on the entered value, and mediated by the MEKON-OWL reasoning plug-in</a:t>
             </a:r>
           </a:p>
         </p:txBody>
@@ -13686,7 +13122,7 @@
           <a:p>
             <a:r>
               <a:rPr lang="en-GB" b="1" dirty="0" smtClean="0"/>
-              <a:t>Explanation:</a:t>
+              <a:t>Discussion:</a:t>
             </a:r>
             <a:endParaRPr lang="en-GB" dirty="0"/>
           </a:p>
@@ -13928,7 +13364,7 @@
       </p:grpSpPr>
       <p:pic>
         <p:nvPicPr>
-          <p:cNvPr id="1030" name="Picture 6"/>
+          <p:cNvPr id="20485" name="Picture 5"/>
           <p:cNvPicPr>
             <a:picLocks noChangeAspect="1" noChangeArrowheads="1"/>
           </p:cNvPicPr>
@@ -13943,8 +13379,8 @@
         </p:blipFill>
         <p:spPr bwMode="auto">
           <a:xfrm>
-            <a:off x="431540" y="2384884"/>
-            <a:ext cx="4467606" cy="3771900"/>
+            <a:off x="287524" y="368660"/>
+            <a:ext cx="4206240" cy="3444240"/>
           </a:xfrm>
           <a:prstGeom prst="rect">
             <a:avLst/>
@@ -14003,13 +13439,8 @@
             </a:pPr>
             <a:r>
               <a:rPr lang="en-GB" sz="1600" dirty="0" smtClean="0"/>
-              <a:t>Select the “Inferred Types” </a:t>
-            </a:r>
-            <a:r>
-              <a:rPr lang="en-GB" sz="1600" dirty="0" smtClean="0"/>
-              <a:t>tab in the assertion window</a:t>
-            </a:r>
-            <a:endParaRPr lang="en-GB" sz="1600" dirty="0" smtClean="0"/>
+              <a:t>Select the “Inferred Types” tab in the assertion window</a:t>
+            </a:r>
           </a:p>
           <a:p>
             <a:pPr marL="457200" indent="-457200">
@@ -14033,15 +13464,7 @@
             </a:r>
             <a:r>
               <a:rPr lang="en-GB" sz="1600" dirty="0" smtClean="0"/>
-              <a:t> that appear in that tab, </a:t>
-            </a:r>
-            <a:r>
-              <a:rPr lang="en-GB" sz="1600" dirty="0" smtClean="0"/>
-              <a:t>causing corresponding selections </a:t>
-            </a:r>
-            <a:r>
-              <a:rPr lang="en-GB" sz="1600" dirty="0" smtClean="0"/>
-              <a:t>in the main window</a:t>
+              <a:t> that appear in that tab, causing corresponding selections in the main window</a:t>
             </a:r>
           </a:p>
         </p:txBody>
@@ -14080,7 +13503,7 @@
           <a:p>
             <a:r>
               <a:rPr lang="en-GB" b="1" dirty="0" smtClean="0"/>
-              <a:t>Explanation:</a:t>
+              <a:t>Discussion:</a:t>
             </a:r>
             <a:endParaRPr lang="en-GB" dirty="0"/>
           </a:p>
@@ -14134,39 +13557,7 @@
             </a:r>
             <a:r>
               <a:rPr lang="en-GB" sz="1600" dirty="0" smtClean="0"/>
-              <a:t>in </a:t>
-            </a:r>
-            <a:r>
-              <a:rPr lang="en-GB" sz="1600" dirty="0" smtClean="0"/>
-              <a:t>the main </a:t>
-            </a:r>
-            <a:r>
-              <a:rPr lang="en-GB" sz="1600" dirty="0" smtClean="0"/>
-              <a:t>window show the </a:t>
-            </a:r>
-            <a:r>
-              <a:rPr lang="en-GB" sz="1600" dirty="0" smtClean="0"/>
-              <a:t>roles </a:t>
-            </a:r>
-            <a:r>
-              <a:rPr lang="en-GB" sz="1600" dirty="0" smtClean="0"/>
-              <a:t>that </a:t>
-            </a:r>
-            <a:r>
-              <a:rPr lang="en-GB" sz="1600" dirty="0" smtClean="0"/>
-              <a:t>these </a:t>
-            </a:r>
-            <a:r>
-              <a:rPr lang="en-GB" sz="1600" dirty="0" smtClean="0"/>
-              <a:t>inferred-types </a:t>
-            </a:r>
-            <a:r>
-              <a:rPr lang="en-GB" sz="1600" dirty="0" smtClean="0"/>
-              <a:t>played </a:t>
-            </a:r>
-            <a:r>
-              <a:rPr lang="en-GB" sz="1600" dirty="0" smtClean="0"/>
-              <a:t>in the previously witnessed dynamic updates:</a:t>
+              <a:t>in the main window show the roles that these inferred-types played in the previously witnessed dynamic updates:</a:t>
             </a:r>
           </a:p>
           <a:p>
@@ -14182,15 +13573,7 @@
             </a:r>
             <a:r>
               <a:rPr lang="en-GB" sz="1600" dirty="0" smtClean="0"/>
-              <a:t> provided the </a:t>
-            </a:r>
-            <a:r>
-              <a:rPr lang="en-GB" sz="1600" dirty="0" smtClean="0"/>
-              <a:t>specialisation for the </a:t>
-            </a:r>
-            <a:r>
-              <a:rPr lang="en-GB" sz="1600" dirty="0" smtClean="0"/>
-              <a:t>pre-existing </a:t>
+              <a:t> provided the specialisation for the pre-existing </a:t>
             </a:r>
             <a:r>
               <a:rPr lang="en-GB" sz="1600" dirty="0" smtClean="0">
@@ -14226,15 +13609,7 @@
             </a:r>
             <a:r>
               <a:rPr lang="en-GB" sz="1600" dirty="0" smtClean="0"/>
-              <a:t> </a:t>
-            </a:r>
-            <a:r>
-              <a:rPr lang="en-GB" sz="1600" dirty="0" smtClean="0"/>
-              <a:t>provided </a:t>
-            </a:r>
-            <a:r>
-              <a:rPr lang="en-GB" sz="1600" dirty="0" smtClean="0"/>
-              <a:t>the definition for the dynamically created </a:t>
+              <a:t> provided the definition for the dynamically created </a:t>
             </a:r>
             <a:r>
               <a:rPr lang="en-GB" sz="1600" dirty="0" smtClean="0">
@@ -14251,7 +13626,7 @@
       </p:sp>
       <p:pic>
         <p:nvPicPr>
-          <p:cNvPr id="1031" name="Picture 7"/>
+          <p:cNvPr id="20487" name="Picture 7"/>
           <p:cNvPicPr>
             <a:picLocks noChangeAspect="1" noChangeArrowheads="1"/>
           </p:cNvPicPr>
@@ -14266,8 +13641,8 @@
         </p:blipFill>
         <p:spPr bwMode="auto">
           <a:xfrm>
-            <a:off x="179512" y="692696"/>
-            <a:ext cx="3713226" cy="2531364"/>
+            <a:off x="1475656" y="2744924"/>
+            <a:ext cx="3390900" cy="2743200"/>
           </a:xfrm>
           <a:prstGeom prst="rect">
             <a:avLst/>
@@ -14795,7 +14170,7 @@
           <a:p>
             <a:r>
               <a:rPr lang="en-GB" b="1" dirty="0" smtClean="0"/>
-              <a:t>Explanation:</a:t>
+              <a:t>Discussion:</a:t>
             </a:r>
             <a:endParaRPr lang="en-GB" dirty="0"/>
           </a:p>
@@ -15477,7 +14852,7 @@
           <a:p>
             <a:r>
               <a:rPr lang="en-GB" b="1" dirty="0" smtClean="0"/>
-              <a:t>Explanation:</a:t>
+              <a:t>Discussion:</a:t>
             </a:r>
             <a:endParaRPr lang="en-GB" dirty="0"/>
           </a:p>
@@ -15883,6 +15258,38 @@
           <a:chExt cx="0" cy="0"/>
         </a:xfrm>
       </p:grpSpPr>
+      <p:pic>
+        <p:nvPicPr>
+          <p:cNvPr id="21506" name="Picture 2"/>
+          <p:cNvPicPr>
+            <a:picLocks noChangeAspect="1" noChangeArrowheads="1"/>
+          </p:cNvPicPr>
+          <p:nvPr/>
+        </p:nvPicPr>
+        <p:blipFill>
+          <a:blip r:embed="rId2" cstate="print"/>
+          <a:srcRect/>
+          <a:stretch>
+            <a:fillRect/>
+          </a:stretch>
+        </p:blipFill>
+        <p:spPr bwMode="auto">
+          <a:xfrm>
+            <a:off x="251520" y="332656"/>
+            <a:ext cx="4320540" cy="3444240"/>
+          </a:xfrm>
+          <a:prstGeom prst="rect">
+            <a:avLst/>
+          </a:prstGeom>
+          <a:noFill/>
+          <a:ln w="9525">
+            <a:noFill/>
+            <a:miter lim="800000"/>
+            <a:headEnd/>
+            <a:tailEnd/>
+          </a:ln>
+        </p:spPr>
+      </p:pic>
       <p:sp>
         <p:nvSpPr>
           <p:cNvPr id="15" name="TextBox 14"/>
@@ -15891,7 +15298,7 @@
         </p:nvSpPr>
         <p:spPr>
           <a:xfrm>
-            <a:off x="5112060" y="224644"/>
+            <a:off x="5076056" y="224644"/>
             <a:ext cx="3816424" cy="1600438"/>
           </a:xfrm>
           <a:prstGeom prst="rect">
@@ -15928,21 +15335,8 @@
             </a:pPr>
             <a:r>
               <a:rPr lang="en-GB" sz="1600" dirty="0" smtClean="0"/>
-              <a:t>Select the “Inferred Types” </a:t>
-            </a:r>
-            <a:r>
-              <a:rPr lang="en-GB" sz="1600" dirty="0" smtClean="0"/>
-              <a:t>tab </a:t>
-            </a:r>
-            <a:r>
-              <a:rPr lang="en-GB" sz="1600" dirty="0" smtClean="0"/>
-              <a:t>in </a:t>
-            </a:r>
-            <a:r>
-              <a:rPr lang="en-GB" sz="1600" dirty="0" smtClean="0"/>
-              <a:t>the assertion window</a:t>
-            </a:r>
-            <a:endParaRPr lang="en-GB" sz="1600" dirty="0" smtClean="0"/>
+              <a:t>Select the “Inferred Types” tab in the assertion window</a:t>
+            </a:r>
           </a:p>
           <a:p>
             <a:pPr marL="457200" indent="-457200">
@@ -15961,15 +15355,7 @@
             </a:r>
             <a:r>
               <a:rPr lang="en-GB" sz="1600" dirty="0" smtClean="0"/>
-              <a:t> from that tab, </a:t>
-            </a:r>
-            <a:r>
-              <a:rPr lang="en-GB" sz="1600" dirty="0" smtClean="0"/>
-              <a:t>causing corresponding selections </a:t>
-            </a:r>
-            <a:r>
-              <a:rPr lang="en-GB" sz="1600" dirty="0" smtClean="0"/>
-              <a:t>in the main window</a:t>
+              <a:t> from that tab, causing corresponding selections in the main window</a:t>
             </a:r>
           </a:p>
         </p:txBody>
@@ -15982,7 +15368,7 @@
         </p:nvSpPr>
         <p:spPr>
           <a:xfrm>
-            <a:off x="5112060" y="1844824"/>
+            <a:off x="5076056" y="1844824"/>
             <a:ext cx="3816424" cy="4801314"/>
           </a:xfrm>
           <a:prstGeom prst="rect">
@@ -16008,7 +15394,7 @@
           <a:p>
             <a:r>
               <a:rPr lang="en-GB" b="1" dirty="0" smtClean="0"/>
-              <a:t>Explanation:</a:t>
+              <a:t>Discussion:</a:t>
             </a:r>
             <a:endParaRPr lang="en-GB" dirty="0"/>
           </a:p>
@@ -16019,15 +15405,7 @@
             </a:pPr>
             <a:r>
               <a:rPr lang="en-GB" sz="1600" dirty="0" smtClean="0"/>
-              <a:t>It can be seen </a:t>
-            </a:r>
-            <a:r>
-              <a:rPr lang="en-GB" sz="1600" dirty="0" smtClean="0"/>
-              <a:t>how the </a:t>
-            </a:r>
-            <a:r>
-              <a:rPr lang="en-GB" sz="1600" dirty="0" smtClean="0"/>
-              <a:t>slot definition and pair of fixed values associated with </a:t>
+              <a:t>It can be seen how the slot definition and pair of fixed values associated with </a:t>
             </a:r>
             <a:r>
               <a:rPr lang="en-GB" sz="1600" dirty="0" smtClean="0">
@@ -16037,11 +15415,7 @@
             </a:r>
             <a:r>
               <a:rPr lang="en-GB" sz="1600" dirty="0" smtClean="0"/>
-              <a:t>, specified </a:t>
-            </a:r>
-            <a:r>
-              <a:rPr lang="en-GB" sz="1600" dirty="0" smtClean="0"/>
-              <a:t>the automatic updates that have just occurred</a:t>
+              <a:t>, specified the automatic updates that have just occurred</a:t>
             </a:r>
           </a:p>
           <a:p>
@@ -16109,39 +15483,7 @@
       </p:sp>
       <p:pic>
         <p:nvPicPr>
-          <p:cNvPr id="3075" name="Picture 3"/>
-          <p:cNvPicPr>
-            <a:picLocks noChangeAspect="1" noChangeArrowheads="1"/>
-          </p:cNvPicPr>
-          <p:nvPr/>
-        </p:nvPicPr>
-        <p:blipFill>
-          <a:blip r:embed="rId2" cstate="print"/>
-          <a:srcRect/>
-          <a:stretch>
-            <a:fillRect/>
-          </a:stretch>
-        </p:blipFill>
-        <p:spPr bwMode="auto">
-          <a:xfrm>
-            <a:off x="143508" y="1376772"/>
-            <a:ext cx="4802886" cy="3621024"/>
-          </a:xfrm>
-          <a:prstGeom prst="rect">
-            <a:avLst/>
-          </a:prstGeom>
-          <a:noFill/>
-          <a:ln w="9525">
-            <a:noFill/>
-            <a:miter lim="800000"/>
-            <a:headEnd/>
-            <a:tailEnd/>
-          </a:ln>
-        </p:spPr>
-      </p:pic>
-      <p:pic>
-        <p:nvPicPr>
-          <p:cNvPr id="3076" name="Picture 4"/>
+          <p:cNvPr id="21509" name="Picture 5"/>
           <p:cNvPicPr>
             <a:picLocks noChangeAspect="1" noChangeArrowheads="1"/>
           </p:cNvPicPr>
@@ -16156,8 +15498,8 @@
         </p:blipFill>
         <p:spPr bwMode="auto">
           <a:xfrm>
-            <a:off x="935596" y="404664"/>
-            <a:ext cx="3872484" cy="1684782"/>
+            <a:off x="1367644" y="2528900"/>
+            <a:ext cx="3451860" cy="2804160"/>
           </a:xfrm>
           <a:prstGeom prst="rect">
             <a:avLst/>
@@ -16339,7 +15681,7 @@
           <a:p>
             <a:r>
               <a:rPr lang="en-GB" b="1" dirty="0" smtClean="0"/>
-              <a:t>Explanation:</a:t>
+              <a:t>Discussion:</a:t>
             </a:r>
             <a:endParaRPr lang="en-GB" dirty="0"/>
           </a:p>
@@ -16954,7 +16296,7 @@
           <a:p>
             <a:r>
               <a:rPr lang="en-GB" b="1" dirty="0" smtClean="0"/>
-              <a:t>Explanation:</a:t>
+              <a:t>Discussion:</a:t>
             </a:r>
             <a:endParaRPr lang="en-GB" dirty="0"/>
           </a:p>
@@ -16985,15 +16327,7 @@
             </a:r>
             <a:r>
               <a:rPr lang="en-GB" sz="1600" dirty="0" smtClean="0"/>
-              <a:t>, as in </a:t>
-            </a:r>
-            <a:r>
-              <a:rPr lang="en-GB" sz="1600" dirty="0" smtClean="0"/>
-              <a:t>the previous </a:t>
-            </a:r>
-            <a:r>
-              <a:rPr lang="en-GB" sz="1600" dirty="0" smtClean="0"/>
-              <a:t>example, it also updates the </a:t>
+              <a:t>, as in the previous example, it also updates the </a:t>
             </a:r>
             <a:r>
               <a:rPr lang="en-GB" sz="1600" dirty="0" smtClean="0">
@@ -17053,11 +16387,7 @@
             </a:r>
             <a:r>
               <a:rPr lang="en-GB" sz="1600" dirty="0" smtClean="0"/>
-              <a:t>, </a:t>
-            </a:r>
-            <a:r>
-              <a:rPr lang="en-GB" sz="1600" dirty="0" smtClean="0"/>
-              <a:t>otherwise, </a:t>
+              <a:t>, otherwise, </a:t>
             </a:r>
             <a:r>
               <a:rPr lang="en-GB" sz="1600" dirty="0" smtClean="0">
@@ -17428,14 +16758,6 @@
 <file path=ppt/slides/slide39.xml><?xml version="1.0" encoding="utf-8"?>
 <p:sld xmlns:a="http://schemas.openxmlformats.org/drawingml/2006/main" xmlns:r="http://schemas.openxmlformats.org/officeDocument/2006/relationships" xmlns:p="http://schemas.openxmlformats.org/presentationml/2006/main">
   <p:cSld>
-    <p:bg>
-      <p:bgPr>
-        <a:solidFill>
-          <a:schemeClr val="bg1"/>
-        </a:solidFill>
-        <a:effectLst/>
-      </p:bgPr>
-    </p:bg>
     <p:spTree>
       <p:nvGrpSpPr>
         <p:cNvPr id="1" name=""/>
@@ -17452,45 +16774,213 @@
       </p:grpSpPr>
       <p:sp>
         <p:nvSpPr>
-          <p:cNvPr id="2" name="Title 1"/>
-          <p:cNvSpPr>
-            <a:spLocks noGrp="1"/>
-          </p:cNvSpPr>
-          <p:nvPr>
-            <p:ph type="ctrTitle"/>
-          </p:nvPr>
-        </p:nvSpPr>
-        <p:spPr>
-          <a:xfrm>
-            <a:off x="1259632" y="2240868"/>
-            <a:ext cx="6586500" cy="2016224"/>
-          </a:xfrm>
-        </p:spPr>
-        <p:txBody>
-          <a:bodyPr>
-            <a:noAutofit/>
+          <p:cNvPr id="3" name="TextBox 2"/>
+          <p:cNvSpPr txBox="1"/>
+          <p:nvPr/>
+        </p:nvSpPr>
+        <p:spPr>
+          <a:xfrm>
+            <a:off x="863588" y="728700"/>
+            <a:ext cx="7416824" cy="5386090"/>
+          </a:xfrm>
+          <a:prstGeom prst="rect">
+            <a:avLst/>
+          </a:prstGeom>
+          <a:solidFill>
+            <a:schemeClr val="accent3">
+              <a:lumMod val="60000"/>
+              <a:lumOff val="40000"/>
+            </a:schemeClr>
+          </a:solidFill>
+          <a:ln>
+            <a:solidFill>
+              <a:schemeClr val="tx1"/>
+            </a:solidFill>
+          </a:ln>
+        </p:spPr>
+        <p:txBody>
+          <a:bodyPr wrap="square" rtlCol="0">
+            <a:spAutoFit/>
           </a:bodyPr>
           <a:lstStyle/>
           <a:p>
-            <a:pPr lvl="2" algn="ctr" rtl="0">
-              <a:spcBef>
-                <a:spcPct val="0"/>
-              </a:spcBef>
-            </a:pPr>
-            <a:r>
-              <a:rPr lang="en-GB" sz="4400" dirty="0" smtClean="0">
-                <a:solidFill>
-                  <a:srgbClr val="FF0000"/>
-                </a:solidFill>
-                <a:latin typeface="+mj-lt"/>
-              </a:rPr>
-              <a:t>[MORE TO BE ADDED]</a:t>
-            </a:r>
-            <a:endParaRPr lang="en-GB" sz="4400" dirty="0">
-              <a:solidFill>
-                <a:srgbClr val="FF0000"/>
-              </a:solidFill>
+            <a:pPr algn="ctr"/>
+            <a:r>
+              <a:rPr lang="en-GB" sz="2400" b="1" dirty="0" smtClean="0"/>
+              <a:t>Instance Stores + Instance Matchers</a:t>
+            </a:r>
+            <a:endParaRPr lang="en-GB" sz="2400" b="1" dirty="0" smtClean="0"/>
+          </a:p>
+          <a:p>
+            <a:pPr marL="457200" indent="-457200"/>
+            <a:endParaRPr lang="en-GB" sz="800" dirty="0" smtClean="0">
+              <a:cs typeface="Courier New" pitchFamily="49" charset="0"/>
             </a:endParaRPr>
+          </a:p>
+          <a:p>
+            <a:r>
+              <a:rPr lang="en-GB" sz="1600" dirty="0" smtClean="0"/>
+              <a:t>A MEKON FM can have an associated </a:t>
+            </a:r>
+            <a:r>
+              <a:rPr lang="en-GB" sz="1600" b="1" dirty="0" smtClean="0"/>
+              <a:t>instance store (IS)</a:t>
+            </a:r>
+            <a:r>
+              <a:rPr lang="en-GB" sz="1600" dirty="0" smtClean="0"/>
+              <a:t>, providing persistent storage for collections of assertion instantiations. An IS can </a:t>
+            </a:r>
+            <a:r>
+              <a:rPr lang="en-GB" sz="1600" dirty="0" smtClean="0"/>
+              <a:t>be </a:t>
+            </a:r>
+            <a:r>
+              <a:rPr lang="en-GB" sz="1600" dirty="0" smtClean="0"/>
+              <a:t>queried </a:t>
+            </a:r>
+            <a:r>
+              <a:rPr lang="en-GB" sz="1600" dirty="0" smtClean="0"/>
+              <a:t>over via specifically constructed query </a:t>
+            </a:r>
+            <a:r>
+              <a:rPr lang="en-GB" sz="1600" dirty="0" smtClean="0"/>
+              <a:t>instantiations of the same FM.</a:t>
+            </a:r>
+          </a:p>
+          <a:p>
+            <a:endParaRPr lang="en-GB" sz="800" dirty="0" smtClean="0"/>
+          </a:p>
+          <a:p>
+            <a:r>
+              <a:rPr lang="en-GB" sz="1600" dirty="0" smtClean="0"/>
+              <a:t>The assertions are stored by the IS using MEKONs own XML-based instance-representation format. (</a:t>
+            </a:r>
+            <a:r>
+              <a:rPr lang="en-GB" sz="1600" i="1" dirty="0" smtClean="0"/>
+              <a:t>Note:</a:t>
+            </a:r>
+            <a:r>
+              <a:rPr lang="en-GB" sz="1600" dirty="0" smtClean="0"/>
+              <a:t> This format is </a:t>
+            </a:r>
+            <a:r>
+              <a:rPr lang="en-GB" sz="1600" dirty="0" smtClean="0"/>
+              <a:t>also available to MEKON clients</a:t>
+            </a:r>
+            <a:r>
+              <a:rPr lang="en-GB" sz="1600" dirty="0" smtClean="0"/>
+              <a:t>, along with an appropriate parser and renderer, enabling the serialisation of both assertions and queries, for purposes such as client/server communication.)</a:t>
+            </a:r>
+            <a:endParaRPr lang="en-GB" sz="1600" dirty="0" smtClean="0"/>
+          </a:p>
+          <a:p>
+            <a:endParaRPr lang="en-GB" sz="800" dirty="0" smtClean="0"/>
+          </a:p>
+          <a:p>
+            <a:r>
+              <a:rPr lang="en-GB" sz="1600" dirty="0" smtClean="0"/>
+              <a:t>Queries over the IS are handled by specific </a:t>
+            </a:r>
+            <a:r>
+              <a:rPr lang="en-GB" sz="1600" b="1" dirty="0" smtClean="0"/>
+              <a:t>instance matcher (IM)</a:t>
+            </a:r>
+            <a:r>
+              <a:rPr lang="en-GB" sz="1600" dirty="0" smtClean="0"/>
+              <a:t> plug-ins</a:t>
+            </a:r>
+            <a:r>
+              <a:rPr lang="en-GB" sz="1600" dirty="0" smtClean="0"/>
+              <a:t>. A</a:t>
+            </a:r>
+            <a:r>
+              <a:rPr lang="en-GB" sz="1600" dirty="0" smtClean="0"/>
+              <a:t> particular </a:t>
+            </a:r>
+            <a:r>
+              <a:rPr lang="en-GB" sz="1600" dirty="0" smtClean="0"/>
+              <a:t>IM plug-in will </a:t>
+            </a:r>
+            <a:r>
+              <a:rPr lang="en-GB" sz="1600" dirty="0" smtClean="0"/>
+              <a:t>generally </a:t>
+            </a:r>
+            <a:r>
+              <a:rPr lang="en-GB" sz="1600" dirty="0" smtClean="0"/>
+              <a:t>operate over a specific type of EKS, with possibly multiple IMs being attached to an FM (</a:t>
+            </a:r>
+            <a:r>
+              <a:rPr lang="en-GB" sz="1600" dirty="0" smtClean="0"/>
+              <a:t>s</a:t>
+            </a:r>
+            <a:r>
+              <a:rPr lang="en-GB" sz="1600" dirty="0" smtClean="0"/>
+              <a:t>imilarly </a:t>
+            </a:r>
+            <a:r>
+              <a:rPr lang="en-GB" sz="1600" dirty="0" smtClean="0"/>
+              <a:t>to the </a:t>
+            </a:r>
+            <a:r>
+              <a:rPr lang="en-GB" sz="1600" dirty="0" smtClean="0"/>
+              <a:t>way that reasoning plug-ins operate).</a:t>
+            </a:r>
+          </a:p>
+          <a:p>
+            <a:endParaRPr lang="en-GB" sz="800" dirty="0" smtClean="0">
+              <a:cs typeface="Courier New" pitchFamily="49" charset="0"/>
+            </a:endParaRPr>
+          </a:p>
+          <a:p>
+            <a:r>
+              <a:rPr lang="en-GB" sz="1600" b="1" dirty="0" smtClean="0">
+                <a:cs typeface="Courier New" pitchFamily="49" charset="0"/>
+              </a:rPr>
+              <a:t>MEKON-OWL </a:t>
+            </a:r>
+            <a:r>
+              <a:rPr lang="en-GB" sz="1600" b="1" dirty="0" smtClean="0">
+                <a:cs typeface="Courier New" pitchFamily="49" charset="0"/>
+              </a:rPr>
+              <a:t>Instance Matcher Plug-in: </a:t>
+            </a:r>
+            <a:r>
+              <a:rPr lang="en-GB" sz="1600" dirty="0" smtClean="0"/>
+              <a:t>MEKON-OWL provides a default IM plug-in that, on start-up, renders the relevant assertions </a:t>
+            </a:r>
+            <a:r>
+              <a:rPr lang="en-GB" sz="1600" dirty="0" smtClean="0"/>
+              <a:t>from the </a:t>
+            </a:r>
+            <a:r>
+              <a:rPr lang="en-GB" sz="1600" dirty="0" smtClean="0"/>
+              <a:t>IS, or their relevant parts, as </a:t>
+            </a:r>
+            <a:r>
+              <a:rPr lang="en-GB" sz="1600" dirty="0" smtClean="0"/>
+              <a:t>networks of OWL individuals, </a:t>
+            </a:r>
+            <a:r>
+              <a:rPr lang="en-GB" sz="1600" dirty="0" smtClean="0"/>
+              <a:t>and adds them to the in-memory version of the OWL ontology. It then uses a standard DL </a:t>
+            </a:r>
+            <a:r>
+              <a:rPr lang="en-GB" sz="1600" dirty="0" err="1" smtClean="0"/>
+              <a:t>reasoner</a:t>
+            </a:r>
+            <a:r>
+              <a:rPr lang="en-GB" sz="1600" dirty="0" smtClean="0"/>
+              <a:t> to execute submitted queries, which it renders as appropriate OWL class-expressions. The slot-semantics that are used in rendering both the individual-networks representing the stored assertions, and the class-expressions representing </a:t>
+            </a:r>
+            <a:r>
+              <a:rPr lang="en-GB" sz="1600" dirty="0" smtClean="0"/>
+              <a:t>the</a:t>
+            </a:r>
+            <a:r>
+              <a:rPr lang="en-GB" sz="1600" dirty="0" smtClean="0"/>
+              <a:t> queries, are configurable in the same fashion as they are for the MEKON-OWL reasoning plug-in (see earlier slide).</a:t>
+            </a:r>
+            <a:endParaRPr lang="en-GB" sz="1600" dirty="0" smtClean="0"/>
           </a:p>
         </p:txBody>
       </p:sp>
@@ -17499,13 +16989,6 @@
   <p:clrMapOvr>
     <a:masterClrMapping/>
   </p:clrMapOvr>
-  <p:timing>
-    <p:tnLst>
-      <p:par>
-        <p:cTn id="1" dur="indefinite" restart="never" nodeType="tmRoot"/>
-      </p:par>
-    </p:tnLst>
-  </p:timing>
 </p:sld>
 </file>
 
@@ -17681,43 +17164,437 @@
           <a:chExt cx="0" cy="0"/>
         </a:xfrm>
       </p:grpSpPr>
-      <p:sp>
-        <p:nvSpPr>
-          <p:cNvPr id="2" name="Title 1"/>
-          <p:cNvSpPr>
-            <a:spLocks noGrp="1"/>
-          </p:cNvSpPr>
-          <p:nvPr>
-            <p:ph type="ctrTitle"/>
-          </p:nvPr>
-        </p:nvSpPr>
-        <p:spPr>
-          <a:xfrm>
-            <a:off x="647564" y="1736812"/>
-            <a:ext cx="7772400" cy="3132348"/>
-          </a:xfrm>
-        </p:spPr>
-        <p:txBody>
-          <a:bodyPr>
-            <a:normAutofit/>
+      <p:pic>
+        <p:nvPicPr>
+          <p:cNvPr id="8194" name="Picture 2"/>
+          <p:cNvPicPr>
+            <a:picLocks noChangeAspect="1" noChangeArrowheads="1"/>
+          </p:cNvPicPr>
+          <p:nvPr/>
+        </p:nvPicPr>
+        <p:blipFill>
+          <a:blip r:embed="rId2" cstate="print"/>
+          <a:srcRect/>
+          <a:stretch>
+            <a:fillRect/>
+          </a:stretch>
+        </p:blipFill>
+        <p:spPr bwMode="auto">
+          <a:xfrm>
+            <a:off x="323528" y="296652"/>
+            <a:ext cx="4197096" cy="6245352"/>
+          </a:xfrm>
+          <a:prstGeom prst="rect">
+            <a:avLst/>
+          </a:prstGeom>
+          <a:noFill/>
+          <a:ln w="9525">
+            <a:noFill/>
+            <a:miter lim="800000"/>
+            <a:headEnd/>
+            <a:tailEnd/>
+          </a:ln>
+        </p:spPr>
+      </p:pic>
+      <p:sp>
+        <p:nvSpPr>
+          <p:cNvPr id="14" name="TextBox 13"/>
+          <p:cNvSpPr txBox="1"/>
+          <p:nvPr/>
+        </p:nvSpPr>
+        <p:spPr>
+          <a:xfrm>
+            <a:off x="4932040" y="512676"/>
+            <a:ext cx="3816424" cy="3693319"/>
+          </a:xfrm>
+          <a:prstGeom prst="rect">
+            <a:avLst/>
+          </a:prstGeom>
+          <a:solidFill>
+            <a:schemeClr val="tx2">
+              <a:lumMod val="40000"/>
+              <a:lumOff val="60000"/>
+            </a:schemeClr>
+          </a:solidFill>
+          <a:ln>
+            <a:solidFill>
+              <a:schemeClr val="tx1"/>
+            </a:solidFill>
+          </a:ln>
+        </p:spPr>
+        <p:txBody>
+          <a:bodyPr wrap="square" rtlCol="0">
+            <a:spAutoFit/>
           </a:bodyPr>
           <a:lstStyle/>
           <a:p>
             <a:r>
-              <a:rPr lang="en-GB" sz="6000" b="1" dirty="0" smtClean="0"/>
-              <a:t>Creating + Executing</a:t>
-            </a:r>
-            <a:br>
-              <a:rPr lang="en-GB" sz="6000" b="1" dirty="0" smtClean="0"/>
-            </a:br>
-            <a:r>
-              <a:rPr lang="en-GB" sz="6000" b="1" dirty="0" smtClean="0"/>
-              <a:t>Query Instances</a:t>
-            </a:r>
-            <a:endParaRPr lang="en-GB" sz="6000" b="1" dirty="0"/>
-          </a:p>
-        </p:txBody>
-      </p:sp>
+              <a:rPr lang="en-GB" b="1" dirty="0" smtClean="0"/>
+              <a:t>Actions:</a:t>
+            </a:r>
+            <a:endParaRPr lang="en-GB" dirty="0"/>
+          </a:p>
+          <a:p>
+            <a:pPr marL="457200" indent="-457200">
+              <a:buFont typeface="+mj-lt"/>
+              <a:buAutoNum type="arabicPeriod"/>
+            </a:pPr>
+            <a:r>
+              <a:rPr lang="en-GB" sz="1600" dirty="0" smtClean="0"/>
+              <a:t>Create and populate various different </a:t>
+            </a:r>
+            <a:r>
+              <a:rPr lang="en-GB" sz="1600" dirty="0" smtClean="0">
+                <a:latin typeface="Comic Sans MS" pitchFamily="66" charset="0"/>
+              </a:rPr>
+              <a:t>Citizen</a:t>
+            </a:r>
+            <a:r>
+              <a:rPr lang="en-GB" sz="1600" dirty="0" smtClean="0"/>
+              <a:t> assertions </a:t>
+            </a:r>
+          </a:p>
+          <a:p>
+            <a:pPr marL="457200" indent="-457200">
+              <a:buFont typeface="+mj-lt"/>
+              <a:buAutoNum type="arabicPeriod"/>
+            </a:pPr>
+            <a:r>
+              <a:rPr lang="en-GB" sz="1600" dirty="0" smtClean="0"/>
+              <a:t>For </a:t>
+            </a:r>
+            <a:r>
+              <a:rPr lang="en-GB" sz="1600" dirty="0" smtClean="0"/>
+              <a:t>each </a:t>
+            </a:r>
+            <a:r>
+              <a:rPr lang="en-GB" sz="1600" dirty="0" smtClean="0"/>
+              <a:t>assertion:</a:t>
+            </a:r>
+          </a:p>
+          <a:p>
+            <a:pPr marL="914400" lvl="1" indent="-457200">
+              <a:buFont typeface="+mj-lt"/>
+              <a:buAutoNum type="alphaLcPeriod"/>
+            </a:pPr>
+            <a:r>
+              <a:rPr lang="en-GB" sz="1600" dirty="0" smtClean="0"/>
+              <a:t>Fill in the “Name” field at bottom left of assertion window</a:t>
+            </a:r>
+          </a:p>
+          <a:p>
+            <a:pPr marL="914400" lvl="1" indent="-457200">
+              <a:buFont typeface="+mj-lt"/>
+              <a:buAutoNum type="alphaLcPeriod"/>
+            </a:pPr>
+            <a:r>
+              <a:rPr lang="en-GB" sz="1600" dirty="0" smtClean="0"/>
+              <a:t>Click “Store…” button at bottom </a:t>
+            </a:r>
+            <a:r>
+              <a:rPr lang="en-GB" sz="1600" dirty="0" smtClean="0"/>
+              <a:t>right of assertion </a:t>
+            </a:r>
+            <a:r>
+              <a:rPr lang="en-GB" sz="1600" dirty="0" smtClean="0"/>
+              <a:t>window</a:t>
+            </a:r>
+            <a:endParaRPr lang="en-GB" sz="800" dirty="0" smtClean="0"/>
+          </a:p>
+          <a:p>
+            <a:endParaRPr lang="en-GB" sz="800" dirty="0" smtClean="0"/>
+          </a:p>
+          <a:p>
+            <a:r>
+              <a:rPr lang="en-GB" sz="1600" b="1" i="1" dirty="0" smtClean="0"/>
+              <a:t>Note </a:t>
+            </a:r>
+            <a:r>
+              <a:rPr lang="en-GB" sz="1600" b="1" dirty="0" smtClean="0"/>
+              <a:t>:</a:t>
+            </a:r>
+            <a:endParaRPr lang="en-GB" sz="1600" dirty="0" smtClean="0"/>
+          </a:p>
+          <a:p>
+            <a:pPr marL="457200" indent="-457200">
+              <a:buFont typeface="Arial" pitchFamily="34" charset="0"/>
+              <a:buChar char="•"/>
+            </a:pPr>
+            <a:r>
+              <a:rPr lang="en-GB" sz="1600" dirty="0" smtClean="0"/>
+              <a:t>Assertions do not need to have all slots filled before they can be stored</a:t>
+            </a:r>
+          </a:p>
+          <a:p>
+            <a:pPr marL="457200" indent="-457200">
+              <a:buFont typeface="Arial" pitchFamily="34" charset="0"/>
+              <a:buChar char="•"/>
+            </a:pPr>
+            <a:r>
+              <a:rPr lang="en-GB" sz="1600" dirty="0" smtClean="0"/>
+              <a:t>An assertion, once stored</a:t>
+            </a:r>
+            <a:r>
+              <a:rPr lang="en-GB" sz="1600" dirty="0" smtClean="0"/>
+              <a:t>, </a:t>
+            </a:r>
+            <a:r>
+              <a:rPr lang="en-GB" sz="1600" dirty="0" smtClean="0"/>
+              <a:t>can subsequently be modified and re-stored </a:t>
+            </a:r>
+            <a:r>
+              <a:rPr lang="en-GB" sz="1600" dirty="0" smtClean="0"/>
+              <a:t>under </a:t>
+            </a:r>
+            <a:r>
+              <a:rPr lang="en-GB" sz="1600" dirty="0" smtClean="0"/>
+              <a:t>a different name</a:t>
+            </a:r>
+            <a:endParaRPr lang="en-GB" sz="1600" b="1" dirty="0" smtClean="0"/>
+          </a:p>
+        </p:txBody>
+      </p:sp>
+      <p:sp>
+        <p:nvSpPr>
+          <p:cNvPr id="18" name="TextBox 17"/>
+          <p:cNvSpPr txBox="1"/>
+          <p:nvPr/>
+        </p:nvSpPr>
+        <p:spPr>
+          <a:xfrm>
+            <a:off x="4932040" y="4221088"/>
+            <a:ext cx="3816424" cy="2092881"/>
+          </a:xfrm>
+          <a:prstGeom prst="rect">
+            <a:avLst/>
+          </a:prstGeom>
+          <a:solidFill>
+            <a:schemeClr val="accent3">
+              <a:lumMod val="60000"/>
+              <a:lumOff val="40000"/>
+            </a:schemeClr>
+          </a:solidFill>
+          <a:ln>
+            <a:solidFill>
+              <a:schemeClr val="tx1"/>
+            </a:solidFill>
+          </a:ln>
+        </p:spPr>
+        <p:txBody>
+          <a:bodyPr wrap="square" rtlCol="0">
+            <a:spAutoFit/>
+          </a:bodyPr>
+          <a:lstStyle/>
+          <a:p>
+            <a:r>
+              <a:rPr lang="en-GB" b="1" dirty="0" smtClean="0"/>
+              <a:t>Discussion:</a:t>
+            </a:r>
+            <a:endParaRPr lang="en-GB" dirty="0"/>
+          </a:p>
+          <a:p>
+            <a:pPr marL="457200" indent="-457200">
+              <a:buFont typeface="Arial" pitchFamily="34" charset="0"/>
+              <a:buChar char="•"/>
+            </a:pPr>
+            <a:r>
+              <a:rPr lang="en-GB" sz="1600" dirty="0" smtClean="0"/>
+              <a:t>Each storage action will cause appropriate updates to each of the following:</a:t>
+            </a:r>
+          </a:p>
+          <a:p>
+            <a:pPr marL="914400" lvl="1" indent="-457200">
+              <a:buFont typeface="Arial" pitchFamily="34" charset="0"/>
+              <a:buChar char="•"/>
+            </a:pPr>
+            <a:r>
+              <a:rPr lang="en-GB" sz="1600" dirty="0" smtClean="0"/>
+              <a:t>Persistent </a:t>
+            </a:r>
+            <a:r>
+              <a:rPr lang="en-GB" sz="1600" dirty="0" smtClean="0"/>
+              <a:t>version of IS</a:t>
+            </a:r>
+          </a:p>
+          <a:p>
+            <a:pPr marL="914400" lvl="1" indent="-457200">
+              <a:buFont typeface="Arial" pitchFamily="34" charset="0"/>
+              <a:buChar char="•"/>
+            </a:pPr>
+            <a:r>
+              <a:rPr lang="en-GB" sz="1600" dirty="0" smtClean="0"/>
+              <a:t>In-memory version of IS</a:t>
+            </a:r>
+          </a:p>
+          <a:p>
+            <a:pPr marL="914400" lvl="1" indent="-457200">
+              <a:buFont typeface="Arial" pitchFamily="34" charset="0"/>
+              <a:buChar char="•"/>
+            </a:pPr>
+            <a:r>
+              <a:rPr lang="en-GB" sz="1600" dirty="0" smtClean="0"/>
+              <a:t>In-memory version of OWL ontology</a:t>
+            </a:r>
+          </a:p>
+        </p:txBody>
+      </p:sp>
+      <p:grpSp>
+        <p:nvGrpSpPr>
+          <p:cNvPr id="19" name="Group 18"/>
+          <p:cNvGrpSpPr/>
+          <p:nvPr/>
+        </p:nvGrpSpPr>
+        <p:grpSpPr>
+          <a:xfrm rot="19301791">
+            <a:off x="4302047" y="6327420"/>
+            <a:ext cx="135329" cy="221507"/>
+            <a:chOff x="7056276" y="4257092"/>
+            <a:chExt cx="468052" cy="891034"/>
+          </a:xfrm>
+        </p:grpSpPr>
+        <p:sp>
+          <p:nvSpPr>
+            <p:cNvPr id="20" name="Rectangle 19"/>
+            <p:cNvSpPr/>
+            <p:nvPr/>
+          </p:nvSpPr>
+          <p:spPr>
+            <a:xfrm rot="5400000">
+              <a:off x="7048879" y="4801043"/>
+              <a:ext cx="480664" cy="213502"/>
+            </a:xfrm>
+            <a:prstGeom prst="rect">
+              <a:avLst/>
+            </a:prstGeom>
+            <a:solidFill>
+              <a:schemeClr val="bg1"/>
+            </a:solidFill>
+            <a:ln w="12700">
+              <a:solidFill>
+                <a:schemeClr val="tx1"/>
+              </a:solidFill>
+            </a:ln>
+          </p:spPr>
+          <p:style>
+            <a:lnRef idx="2">
+              <a:schemeClr val="accent1">
+                <a:shade val="50000"/>
+              </a:schemeClr>
+            </a:lnRef>
+            <a:fillRef idx="1">
+              <a:schemeClr val="accent1"/>
+            </a:fillRef>
+            <a:effectRef idx="0">
+              <a:schemeClr val="accent1"/>
+            </a:effectRef>
+            <a:fontRef idx="minor">
+              <a:schemeClr val="lt1"/>
+            </a:fontRef>
+          </p:style>
+          <p:txBody>
+            <a:bodyPr rtlCol="0" anchor="ctr"/>
+            <a:lstStyle/>
+            <a:p>
+              <a:pPr algn="ctr"/>
+              <a:endParaRPr lang="en-GB"/>
+            </a:p>
+          </p:txBody>
+        </p:sp>
+        <p:sp>
+          <p:nvSpPr>
+            <p:cNvPr id="21" name="Isosceles Triangle 20"/>
+            <p:cNvSpPr/>
+            <p:nvPr/>
+          </p:nvSpPr>
+          <p:spPr>
+            <a:xfrm>
+              <a:off x="7056276" y="4257092"/>
+              <a:ext cx="468052" cy="468052"/>
+            </a:xfrm>
+            <a:prstGeom prst="triangle">
+              <a:avLst/>
+            </a:prstGeom>
+            <a:solidFill>
+              <a:schemeClr val="bg1"/>
+            </a:solidFill>
+            <a:ln w="12700">
+              <a:solidFill>
+                <a:schemeClr val="tx1"/>
+              </a:solidFill>
+            </a:ln>
+          </p:spPr>
+          <p:style>
+            <a:lnRef idx="2">
+              <a:schemeClr val="accent1">
+                <a:shade val="50000"/>
+              </a:schemeClr>
+            </a:lnRef>
+            <a:fillRef idx="1">
+              <a:schemeClr val="accent1"/>
+            </a:fillRef>
+            <a:effectRef idx="0">
+              <a:schemeClr val="accent1"/>
+            </a:effectRef>
+            <a:fontRef idx="minor">
+              <a:schemeClr val="lt1"/>
+            </a:fontRef>
+          </p:style>
+          <p:txBody>
+            <a:bodyPr rtlCol="0" anchor="ctr"/>
+            <a:lstStyle/>
+            <a:p>
+              <a:pPr algn="ctr"/>
+              <a:endParaRPr lang="en-GB"/>
+            </a:p>
+          </p:txBody>
+        </p:sp>
+        <p:sp>
+          <p:nvSpPr>
+            <p:cNvPr id="23" name="Rectangle 22"/>
+            <p:cNvSpPr/>
+            <p:nvPr/>
+          </p:nvSpPr>
+          <p:spPr>
+            <a:xfrm>
+              <a:off x="7200292" y="4653136"/>
+              <a:ext cx="180020" cy="216024"/>
+            </a:xfrm>
+            <a:prstGeom prst="rect">
+              <a:avLst/>
+            </a:prstGeom>
+            <a:solidFill>
+              <a:schemeClr val="bg1"/>
+            </a:solidFill>
+            <a:ln>
+              <a:noFill/>
+            </a:ln>
+          </p:spPr>
+          <p:style>
+            <a:lnRef idx="2">
+              <a:schemeClr val="accent1">
+                <a:shade val="50000"/>
+              </a:schemeClr>
+            </a:lnRef>
+            <a:fillRef idx="1">
+              <a:schemeClr val="accent1"/>
+            </a:fillRef>
+            <a:effectRef idx="0">
+              <a:schemeClr val="accent1"/>
+            </a:effectRef>
+            <a:fontRef idx="minor">
+              <a:schemeClr val="lt1"/>
+            </a:fontRef>
+          </p:style>
+          <p:txBody>
+            <a:bodyPr rtlCol="0" anchor="ctr"/>
+            <a:lstStyle/>
+            <a:p>
+              <a:pPr algn="ctr"/>
+              <a:endParaRPr lang="en-GB"/>
+            </a:p>
+          </p:txBody>
+        </p:sp>
+      </p:grpSp>
     </p:spTree>
   </p:cSld>
   <p:clrMapOvr>
@@ -17752,7 +17629,7 @@
       </p:grpSpPr>
       <p:pic>
         <p:nvPicPr>
-          <p:cNvPr id="1033" name="Picture 9"/>
+          <p:cNvPr id="22530" name="Picture 2"/>
           <p:cNvPicPr>
             <a:picLocks noChangeAspect="1" noChangeArrowheads="1"/>
           </p:cNvPicPr>
@@ -17767,8 +17644,8 @@
         </p:blipFill>
         <p:spPr bwMode="auto">
           <a:xfrm>
-            <a:off x="287524" y="332656"/>
-            <a:ext cx="5314188" cy="4140708"/>
+            <a:off x="323528" y="296652"/>
+            <a:ext cx="4351020" cy="3733800"/>
           </a:xfrm>
           <a:prstGeom prst="rect">
             <a:avLst/>
@@ -17782,6 +17659,865 @@
           </a:ln>
         </p:spPr>
       </p:pic>
+      <p:sp>
+        <p:nvSpPr>
+          <p:cNvPr id="14" name="TextBox 13"/>
+          <p:cNvSpPr txBox="1"/>
+          <p:nvPr/>
+        </p:nvSpPr>
+        <p:spPr>
+          <a:xfrm>
+            <a:off x="5292080" y="4005064"/>
+            <a:ext cx="3384376" cy="2339102"/>
+          </a:xfrm>
+          <a:prstGeom prst="rect">
+            <a:avLst/>
+          </a:prstGeom>
+          <a:solidFill>
+            <a:schemeClr val="tx2">
+              <a:lumMod val="40000"/>
+              <a:lumOff val="60000"/>
+            </a:schemeClr>
+          </a:solidFill>
+          <a:ln>
+            <a:solidFill>
+              <a:schemeClr val="tx1"/>
+            </a:solidFill>
+          </a:ln>
+        </p:spPr>
+        <p:txBody>
+          <a:bodyPr wrap="square" rtlCol="0">
+            <a:spAutoFit/>
+          </a:bodyPr>
+          <a:lstStyle/>
+          <a:p>
+            <a:r>
+              <a:rPr lang="en-GB" b="1" dirty="0" smtClean="0"/>
+              <a:t>Actions:</a:t>
+            </a:r>
+            <a:endParaRPr lang="en-GB" dirty="0"/>
+          </a:p>
+          <a:p>
+            <a:pPr lvl="1" indent="-457200">
+              <a:buFont typeface="+mj-lt"/>
+              <a:buAutoNum type="arabicPeriod"/>
+            </a:pPr>
+            <a:r>
+              <a:rPr lang="en-GB" sz="1600" dirty="0" smtClean="0"/>
+              <a:t>Click </a:t>
+            </a:r>
+            <a:r>
+              <a:rPr lang="en-GB" sz="1600" dirty="0" smtClean="0"/>
+              <a:t>“Retrieve…” in “Instance Store” area </a:t>
+            </a:r>
+            <a:r>
+              <a:rPr lang="en-GB" sz="1600" dirty="0" smtClean="0"/>
+              <a:t>at bottom of </a:t>
+            </a:r>
+            <a:r>
+              <a:rPr lang="en-GB" sz="1600" dirty="0" smtClean="0"/>
+              <a:t>LH </a:t>
+            </a:r>
+            <a:r>
+              <a:rPr lang="en-GB" sz="1600" dirty="0" smtClean="0"/>
+              <a:t>panel</a:t>
+            </a:r>
+            <a:r>
+              <a:rPr lang="en-GB" sz="1600" dirty="0" smtClean="0"/>
+              <a:t> of main window</a:t>
+            </a:r>
+            <a:endParaRPr lang="en-GB" sz="800" dirty="0" smtClean="0"/>
+          </a:p>
+          <a:p>
+            <a:pPr lvl="1" indent="-457200">
+              <a:buFont typeface="+mj-lt"/>
+              <a:buAutoNum type="arabicPeriod"/>
+            </a:pPr>
+            <a:r>
+              <a:rPr lang="en-GB" sz="1600" dirty="0" smtClean="0"/>
+              <a:t>Enter the name of a previously stored assertion in the dialog box that appears, thus causing that assertion to be re-displayed in a new assertion window</a:t>
+            </a:r>
+            <a:endParaRPr lang="en-GB" sz="1600" dirty="0" smtClean="0"/>
+          </a:p>
+        </p:txBody>
+      </p:sp>
+      <p:grpSp>
+        <p:nvGrpSpPr>
+          <p:cNvPr id="10" name="Group 9"/>
+          <p:cNvGrpSpPr/>
+          <p:nvPr/>
+        </p:nvGrpSpPr>
+        <p:grpSpPr>
+          <a:xfrm rot="19301791">
+            <a:off x="1349719" y="3771136"/>
+            <a:ext cx="135329" cy="221507"/>
+            <a:chOff x="7056276" y="4257092"/>
+            <a:chExt cx="468052" cy="891034"/>
+          </a:xfrm>
+        </p:grpSpPr>
+        <p:sp>
+          <p:nvSpPr>
+            <p:cNvPr id="11" name="Rectangle 10"/>
+            <p:cNvSpPr/>
+            <p:nvPr/>
+          </p:nvSpPr>
+          <p:spPr>
+            <a:xfrm rot="5400000">
+              <a:off x="7048879" y="4801043"/>
+              <a:ext cx="480664" cy="213502"/>
+            </a:xfrm>
+            <a:prstGeom prst="rect">
+              <a:avLst/>
+            </a:prstGeom>
+            <a:solidFill>
+              <a:schemeClr val="bg1"/>
+            </a:solidFill>
+            <a:ln w="12700">
+              <a:solidFill>
+                <a:schemeClr val="tx1"/>
+              </a:solidFill>
+            </a:ln>
+          </p:spPr>
+          <p:style>
+            <a:lnRef idx="2">
+              <a:schemeClr val="accent1">
+                <a:shade val="50000"/>
+              </a:schemeClr>
+            </a:lnRef>
+            <a:fillRef idx="1">
+              <a:schemeClr val="accent1"/>
+            </a:fillRef>
+            <a:effectRef idx="0">
+              <a:schemeClr val="accent1"/>
+            </a:effectRef>
+            <a:fontRef idx="minor">
+              <a:schemeClr val="lt1"/>
+            </a:fontRef>
+          </p:style>
+          <p:txBody>
+            <a:bodyPr rtlCol="0" anchor="ctr"/>
+            <a:lstStyle/>
+            <a:p>
+              <a:pPr algn="ctr"/>
+              <a:endParaRPr lang="en-GB"/>
+            </a:p>
+          </p:txBody>
+        </p:sp>
+        <p:sp>
+          <p:nvSpPr>
+            <p:cNvPr id="12" name="Isosceles Triangle 11"/>
+            <p:cNvSpPr/>
+            <p:nvPr/>
+          </p:nvSpPr>
+          <p:spPr>
+            <a:xfrm>
+              <a:off x="7056276" y="4257092"/>
+              <a:ext cx="468052" cy="468052"/>
+            </a:xfrm>
+            <a:prstGeom prst="triangle">
+              <a:avLst/>
+            </a:prstGeom>
+            <a:solidFill>
+              <a:schemeClr val="bg1"/>
+            </a:solidFill>
+            <a:ln w="12700">
+              <a:solidFill>
+                <a:schemeClr val="tx1"/>
+              </a:solidFill>
+            </a:ln>
+          </p:spPr>
+          <p:style>
+            <a:lnRef idx="2">
+              <a:schemeClr val="accent1">
+                <a:shade val="50000"/>
+              </a:schemeClr>
+            </a:lnRef>
+            <a:fillRef idx="1">
+              <a:schemeClr val="accent1"/>
+            </a:fillRef>
+            <a:effectRef idx="0">
+              <a:schemeClr val="accent1"/>
+            </a:effectRef>
+            <a:fontRef idx="minor">
+              <a:schemeClr val="lt1"/>
+            </a:fontRef>
+          </p:style>
+          <p:txBody>
+            <a:bodyPr rtlCol="0" anchor="ctr"/>
+            <a:lstStyle/>
+            <a:p>
+              <a:pPr algn="ctr"/>
+              <a:endParaRPr lang="en-GB"/>
+            </a:p>
+          </p:txBody>
+        </p:sp>
+        <p:sp>
+          <p:nvSpPr>
+            <p:cNvPr id="13" name="Rectangle 12"/>
+            <p:cNvSpPr/>
+            <p:nvPr/>
+          </p:nvSpPr>
+          <p:spPr>
+            <a:xfrm>
+              <a:off x="7200292" y="4653136"/>
+              <a:ext cx="180020" cy="216024"/>
+            </a:xfrm>
+            <a:prstGeom prst="rect">
+              <a:avLst/>
+            </a:prstGeom>
+            <a:solidFill>
+              <a:schemeClr val="bg1"/>
+            </a:solidFill>
+            <a:ln>
+              <a:noFill/>
+            </a:ln>
+          </p:spPr>
+          <p:style>
+            <a:lnRef idx="2">
+              <a:schemeClr val="accent1">
+                <a:shade val="50000"/>
+              </a:schemeClr>
+            </a:lnRef>
+            <a:fillRef idx="1">
+              <a:schemeClr val="accent1"/>
+            </a:fillRef>
+            <a:effectRef idx="0">
+              <a:schemeClr val="accent1"/>
+            </a:effectRef>
+            <a:fontRef idx="minor">
+              <a:schemeClr val="lt1"/>
+            </a:fontRef>
+          </p:style>
+          <p:txBody>
+            <a:bodyPr rtlCol="0" anchor="ctr"/>
+            <a:lstStyle/>
+            <a:p>
+              <a:pPr algn="ctr"/>
+              <a:endParaRPr lang="en-GB"/>
+            </a:p>
+          </p:txBody>
+        </p:sp>
+      </p:grpSp>
+    </p:spTree>
+  </p:cSld>
+  <p:clrMapOvr>
+    <a:masterClrMapping/>
+  </p:clrMapOvr>
+  <p:timing>
+    <p:tnLst>
+      <p:par>
+        <p:cTn id="1" dur="indefinite" restart="never" nodeType="tmRoot"/>
+      </p:par>
+    </p:tnLst>
+  </p:timing>
+</p:sld>
+</file>
+
+<file path=ppt/slides/slide42.xml><?xml version="1.0" encoding="utf-8"?>
+<p:sld xmlns:a="http://schemas.openxmlformats.org/drawingml/2006/main" xmlns:r="http://schemas.openxmlformats.org/officeDocument/2006/relationships" xmlns:p="http://schemas.openxmlformats.org/presentationml/2006/main">
+  <p:cSld>
+    <p:spTree>
+      <p:nvGrpSpPr>
+        <p:cNvPr id="1" name=""/>
+        <p:cNvGrpSpPr/>
+        <p:nvPr/>
+      </p:nvGrpSpPr>
+      <p:grpSpPr>
+        <a:xfrm>
+          <a:off x="0" y="0"/>
+          <a:ext cx="0" cy="0"/>
+          <a:chOff x="0" y="0"/>
+          <a:chExt cx="0" cy="0"/>
+        </a:xfrm>
+      </p:grpSpPr>
+      <p:pic>
+        <p:nvPicPr>
+          <p:cNvPr id="22530" name="Picture 2"/>
+          <p:cNvPicPr>
+            <a:picLocks noChangeAspect="1" noChangeArrowheads="1"/>
+          </p:cNvPicPr>
+          <p:nvPr/>
+        </p:nvPicPr>
+        <p:blipFill>
+          <a:blip r:embed="rId2" cstate="print"/>
+          <a:srcRect/>
+          <a:stretch>
+            <a:fillRect/>
+          </a:stretch>
+        </p:blipFill>
+        <p:spPr bwMode="auto">
+          <a:xfrm>
+            <a:off x="323528" y="296652"/>
+            <a:ext cx="4351020" cy="3733800"/>
+          </a:xfrm>
+          <a:prstGeom prst="rect">
+            <a:avLst/>
+          </a:prstGeom>
+          <a:noFill/>
+          <a:ln w="9525">
+            <a:noFill/>
+            <a:miter lim="800000"/>
+            <a:headEnd/>
+            <a:tailEnd/>
+          </a:ln>
+        </p:spPr>
+      </p:pic>
+      <p:grpSp>
+        <p:nvGrpSpPr>
+          <p:cNvPr id="2" name="Group 9"/>
+          <p:cNvGrpSpPr/>
+          <p:nvPr/>
+        </p:nvGrpSpPr>
+        <p:grpSpPr>
+          <a:xfrm rot="19301791">
+            <a:off x="2213814" y="3771136"/>
+            <a:ext cx="135329" cy="221507"/>
+            <a:chOff x="7056276" y="4257092"/>
+            <a:chExt cx="468052" cy="891034"/>
+          </a:xfrm>
+        </p:grpSpPr>
+        <p:sp>
+          <p:nvSpPr>
+            <p:cNvPr id="11" name="Rectangle 10"/>
+            <p:cNvSpPr/>
+            <p:nvPr/>
+          </p:nvSpPr>
+          <p:spPr>
+            <a:xfrm rot="5400000">
+              <a:off x="7048879" y="4801043"/>
+              <a:ext cx="480664" cy="213502"/>
+            </a:xfrm>
+            <a:prstGeom prst="rect">
+              <a:avLst/>
+            </a:prstGeom>
+            <a:solidFill>
+              <a:schemeClr val="bg1"/>
+            </a:solidFill>
+            <a:ln w="12700">
+              <a:solidFill>
+                <a:schemeClr val="tx1"/>
+              </a:solidFill>
+            </a:ln>
+          </p:spPr>
+          <p:style>
+            <a:lnRef idx="2">
+              <a:schemeClr val="accent1">
+                <a:shade val="50000"/>
+              </a:schemeClr>
+            </a:lnRef>
+            <a:fillRef idx="1">
+              <a:schemeClr val="accent1"/>
+            </a:fillRef>
+            <a:effectRef idx="0">
+              <a:schemeClr val="accent1"/>
+            </a:effectRef>
+            <a:fontRef idx="minor">
+              <a:schemeClr val="lt1"/>
+            </a:fontRef>
+          </p:style>
+          <p:txBody>
+            <a:bodyPr rtlCol="0" anchor="ctr"/>
+            <a:lstStyle/>
+            <a:p>
+              <a:pPr algn="ctr"/>
+              <a:endParaRPr lang="en-GB"/>
+            </a:p>
+          </p:txBody>
+        </p:sp>
+        <p:sp>
+          <p:nvSpPr>
+            <p:cNvPr id="12" name="Isosceles Triangle 11"/>
+            <p:cNvSpPr/>
+            <p:nvPr/>
+          </p:nvSpPr>
+          <p:spPr>
+            <a:xfrm>
+              <a:off x="7056276" y="4257092"/>
+              <a:ext cx="468052" cy="468052"/>
+            </a:xfrm>
+            <a:prstGeom prst="triangle">
+              <a:avLst/>
+            </a:prstGeom>
+            <a:solidFill>
+              <a:schemeClr val="bg1"/>
+            </a:solidFill>
+            <a:ln w="12700">
+              <a:solidFill>
+                <a:schemeClr val="tx1"/>
+              </a:solidFill>
+            </a:ln>
+          </p:spPr>
+          <p:style>
+            <a:lnRef idx="2">
+              <a:schemeClr val="accent1">
+                <a:shade val="50000"/>
+              </a:schemeClr>
+            </a:lnRef>
+            <a:fillRef idx="1">
+              <a:schemeClr val="accent1"/>
+            </a:fillRef>
+            <a:effectRef idx="0">
+              <a:schemeClr val="accent1"/>
+            </a:effectRef>
+            <a:fontRef idx="minor">
+              <a:schemeClr val="lt1"/>
+            </a:fontRef>
+          </p:style>
+          <p:txBody>
+            <a:bodyPr rtlCol="0" anchor="ctr"/>
+            <a:lstStyle/>
+            <a:p>
+              <a:pPr algn="ctr"/>
+              <a:endParaRPr lang="en-GB"/>
+            </a:p>
+          </p:txBody>
+        </p:sp>
+        <p:sp>
+          <p:nvSpPr>
+            <p:cNvPr id="13" name="Rectangle 12"/>
+            <p:cNvSpPr/>
+            <p:nvPr/>
+          </p:nvSpPr>
+          <p:spPr>
+            <a:xfrm>
+              <a:off x="7200292" y="4653136"/>
+              <a:ext cx="180020" cy="216024"/>
+            </a:xfrm>
+            <a:prstGeom prst="rect">
+              <a:avLst/>
+            </a:prstGeom>
+            <a:solidFill>
+              <a:schemeClr val="bg1"/>
+            </a:solidFill>
+            <a:ln>
+              <a:noFill/>
+            </a:ln>
+          </p:spPr>
+          <p:style>
+            <a:lnRef idx="2">
+              <a:schemeClr val="accent1">
+                <a:shade val="50000"/>
+              </a:schemeClr>
+            </a:lnRef>
+            <a:fillRef idx="1">
+              <a:schemeClr val="accent1"/>
+            </a:fillRef>
+            <a:effectRef idx="0">
+              <a:schemeClr val="accent1"/>
+            </a:effectRef>
+            <a:fontRef idx="minor">
+              <a:schemeClr val="lt1"/>
+            </a:fontRef>
+          </p:style>
+          <p:txBody>
+            <a:bodyPr rtlCol="0" anchor="ctr"/>
+            <a:lstStyle/>
+            <a:p>
+              <a:pPr algn="ctr"/>
+              <a:endParaRPr lang="en-GB"/>
+            </a:p>
+          </p:txBody>
+        </p:sp>
+      </p:grpSp>
+      <p:sp>
+        <p:nvSpPr>
+          <p:cNvPr id="9" name="TextBox 8"/>
+          <p:cNvSpPr txBox="1"/>
+          <p:nvPr/>
+        </p:nvSpPr>
+        <p:spPr>
+          <a:xfrm>
+            <a:off x="5256076" y="2312876"/>
+            <a:ext cx="3456384" cy="2092881"/>
+          </a:xfrm>
+          <a:prstGeom prst="rect">
+            <a:avLst/>
+          </a:prstGeom>
+          <a:solidFill>
+            <a:schemeClr val="tx2">
+              <a:lumMod val="40000"/>
+              <a:lumOff val="60000"/>
+            </a:schemeClr>
+          </a:solidFill>
+          <a:ln>
+            <a:solidFill>
+              <a:schemeClr val="tx1"/>
+            </a:solidFill>
+          </a:ln>
+        </p:spPr>
+        <p:txBody>
+          <a:bodyPr wrap="square" rtlCol="0">
+            <a:spAutoFit/>
+          </a:bodyPr>
+          <a:lstStyle/>
+          <a:p>
+            <a:r>
+              <a:rPr lang="en-GB" b="1" dirty="0" smtClean="0"/>
+              <a:t>Actions:</a:t>
+            </a:r>
+            <a:endParaRPr lang="en-GB" dirty="0"/>
+          </a:p>
+          <a:p>
+            <a:pPr lvl="1" indent="-457200">
+              <a:buFont typeface="+mj-lt"/>
+              <a:buAutoNum type="arabicPeriod"/>
+            </a:pPr>
+            <a:r>
+              <a:rPr lang="en-GB" sz="1600" dirty="0" smtClean="0"/>
+              <a:t>Click </a:t>
+            </a:r>
+            <a:r>
+              <a:rPr lang="en-GB" sz="1600" dirty="0" smtClean="0"/>
+              <a:t>“Remove…” in “Instance Store” area </a:t>
+            </a:r>
+            <a:r>
+              <a:rPr lang="en-GB" sz="1600" dirty="0" smtClean="0"/>
+              <a:t>at bottom of </a:t>
+            </a:r>
+            <a:r>
+              <a:rPr lang="en-GB" sz="1600" dirty="0" smtClean="0"/>
+              <a:t>LH </a:t>
+            </a:r>
+            <a:r>
+              <a:rPr lang="en-GB" sz="1600" dirty="0" smtClean="0"/>
+              <a:t>panel</a:t>
+            </a:r>
+            <a:r>
+              <a:rPr lang="en-GB" sz="1600" dirty="0" smtClean="0"/>
+              <a:t> of main window</a:t>
+            </a:r>
+            <a:endParaRPr lang="en-GB" sz="800" dirty="0" smtClean="0"/>
+          </a:p>
+          <a:p>
+            <a:pPr lvl="1" indent="-457200">
+              <a:buFont typeface="+mj-lt"/>
+              <a:buAutoNum type="arabicPeriod"/>
+            </a:pPr>
+            <a:r>
+              <a:rPr lang="en-GB" sz="1600" dirty="0" smtClean="0"/>
+              <a:t>Enter the name of a previously stored assertion in the dialog box that appears</a:t>
+            </a:r>
+            <a:r>
+              <a:rPr lang="en-GB" sz="1600" dirty="0" smtClean="0"/>
+              <a:t>, then click “Ok” to the resulting confirmation prompt</a:t>
+            </a:r>
+            <a:endParaRPr lang="en-GB" sz="1600" dirty="0" smtClean="0"/>
+          </a:p>
+        </p:txBody>
+      </p:sp>
+      <p:sp>
+        <p:nvSpPr>
+          <p:cNvPr id="10" name="TextBox 9"/>
+          <p:cNvSpPr txBox="1"/>
+          <p:nvPr/>
+        </p:nvSpPr>
+        <p:spPr>
+          <a:xfrm>
+            <a:off x="5256076" y="4401108"/>
+            <a:ext cx="3456384" cy="2092881"/>
+          </a:xfrm>
+          <a:prstGeom prst="rect">
+            <a:avLst/>
+          </a:prstGeom>
+          <a:solidFill>
+            <a:schemeClr val="accent3">
+              <a:lumMod val="60000"/>
+              <a:lumOff val="40000"/>
+            </a:schemeClr>
+          </a:solidFill>
+          <a:ln>
+            <a:solidFill>
+              <a:schemeClr val="tx1"/>
+            </a:solidFill>
+          </a:ln>
+        </p:spPr>
+        <p:txBody>
+          <a:bodyPr wrap="square" rtlCol="0">
+            <a:spAutoFit/>
+          </a:bodyPr>
+          <a:lstStyle/>
+          <a:p>
+            <a:r>
+              <a:rPr lang="en-GB" b="1" dirty="0" smtClean="0"/>
+              <a:t>Discussion:</a:t>
+            </a:r>
+            <a:endParaRPr lang="en-GB" dirty="0"/>
+          </a:p>
+          <a:p>
+            <a:pPr marL="457200" indent="-457200">
+              <a:buFont typeface="Arial" pitchFamily="34" charset="0"/>
+              <a:buChar char="•"/>
+            </a:pPr>
+            <a:r>
+              <a:rPr lang="en-GB" sz="1600" dirty="0" smtClean="0"/>
+              <a:t>The removal action </a:t>
+            </a:r>
+            <a:r>
+              <a:rPr lang="en-GB" sz="1600" dirty="0" smtClean="0"/>
+              <a:t>will cause appropriate updates </a:t>
+            </a:r>
+            <a:r>
+              <a:rPr lang="en-GB" sz="1600" dirty="0" smtClean="0"/>
+              <a:t>to </a:t>
+            </a:r>
+            <a:r>
+              <a:rPr lang="en-GB" sz="1600" dirty="0" smtClean="0"/>
+              <a:t>each of the </a:t>
+            </a:r>
+            <a:r>
+              <a:rPr lang="en-GB" sz="1600" dirty="0" smtClean="0"/>
+              <a:t>following</a:t>
+            </a:r>
+            <a:r>
+              <a:rPr lang="en-GB" sz="1600" dirty="0" smtClean="0"/>
+              <a:t>:</a:t>
+            </a:r>
+          </a:p>
+          <a:p>
+            <a:pPr marL="914400" lvl="1" indent="-457200">
+              <a:buFont typeface="Arial" pitchFamily="34" charset="0"/>
+              <a:buChar char="•"/>
+            </a:pPr>
+            <a:r>
+              <a:rPr lang="en-GB" sz="1600" dirty="0" smtClean="0"/>
+              <a:t>Persistent </a:t>
+            </a:r>
+            <a:r>
+              <a:rPr lang="en-GB" sz="1600" dirty="0" smtClean="0"/>
+              <a:t>version of IS</a:t>
+            </a:r>
+          </a:p>
+          <a:p>
+            <a:pPr marL="914400" lvl="1" indent="-457200">
+              <a:buFont typeface="Arial" pitchFamily="34" charset="0"/>
+              <a:buChar char="•"/>
+            </a:pPr>
+            <a:r>
+              <a:rPr lang="en-GB" sz="1600" dirty="0" smtClean="0"/>
+              <a:t>In-memory version of IS</a:t>
+            </a:r>
+          </a:p>
+          <a:p>
+            <a:pPr marL="914400" lvl="1" indent="-457200">
+              <a:buFont typeface="Arial" pitchFamily="34" charset="0"/>
+              <a:buChar char="•"/>
+            </a:pPr>
+            <a:r>
+              <a:rPr lang="en-GB" sz="1600" dirty="0" smtClean="0"/>
+              <a:t>In-memory version of OWL ontology</a:t>
+            </a:r>
+          </a:p>
+        </p:txBody>
+      </p:sp>
+    </p:spTree>
+  </p:cSld>
+  <p:clrMapOvr>
+    <a:masterClrMapping/>
+  </p:clrMapOvr>
+  <p:timing>
+    <p:tnLst>
+      <p:par>
+        <p:cTn id="1" dur="indefinite" restart="never" nodeType="tmRoot"/>
+      </p:par>
+    </p:tnLst>
+  </p:timing>
+</p:sld>
+</file>
+
+<file path=ppt/slides/slide43.xml><?xml version="1.0" encoding="utf-8"?>
+<p:sld xmlns:a="http://schemas.openxmlformats.org/drawingml/2006/main" xmlns:r="http://schemas.openxmlformats.org/officeDocument/2006/relationships" xmlns:p="http://schemas.openxmlformats.org/presentationml/2006/main">
+  <p:cSld>
+    <p:spTree>
+      <p:nvGrpSpPr>
+        <p:cNvPr id="1" name=""/>
+        <p:cNvGrpSpPr/>
+        <p:nvPr/>
+      </p:nvGrpSpPr>
+      <p:grpSpPr>
+        <a:xfrm>
+          <a:off x="0" y="0"/>
+          <a:ext cx="0" cy="0"/>
+          <a:chOff x="0" y="0"/>
+          <a:chExt cx="0" cy="0"/>
+        </a:xfrm>
+      </p:grpSpPr>
+      <p:sp>
+        <p:nvSpPr>
+          <p:cNvPr id="2" name="Title 1"/>
+          <p:cNvSpPr>
+            <a:spLocks noGrp="1"/>
+          </p:cNvSpPr>
+          <p:nvPr>
+            <p:ph type="ctrTitle"/>
+          </p:nvPr>
+        </p:nvSpPr>
+        <p:spPr>
+          <a:xfrm>
+            <a:off x="647564" y="1736812"/>
+            <a:ext cx="7772400" cy="3132348"/>
+          </a:xfrm>
+        </p:spPr>
+        <p:txBody>
+          <a:bodyPr>
+            <a:normAutofit/>
+          </a:bodyPr>
+          <a:lstStyle/>
+          <a:p>
+            <a:r>
+              <a:rPr lang="en-GB" sz="6000" b="1" dirty="0" smtClean="0"/>
+              <a:t>Creating + Executing</a:t>
+            </a:r>
+            <a:br>
+              <a:rPr lang="en-GB" sz="6000" b="1" dirty="0" smtClean="0"/>
+            </a:br>
+            <a:r>
+              <a:rPr lang="en-GB" sz="6000" b="1" dirty="0" smtClean="0"/>
+              <a:t>Query Instances</a:t>
+            </a:r>
+            <a:endParaRPr lang="en-GB" sz="6000" b="1" dirty="0"/>
+          </a:p>
+        </p:txBody>
+      </p:sp>
+    </p:spTree>
+  </p:cSld>
+  <p:clrMapOvr>
+    <a:masterClrMapping/>
+  </p:clrMapOvr>
+  <p:timing>
+    <p:tnLst>
+      <p:par>
+        <p:cTn id="1" dur="indefinite" restart="never" nodeType="tmRoot"/>
+      </p:par>
+    </p:tnLst>
+  </p:timing>
+</p:sld>
+</file>
+
+<file path=ppt/slides/slide44.xml><?xml version="1.0" encoding="utf-8"?>
+<p:sld xmlns:a="http://schemas.openxmlformats.org/drawingml/2006/main" xmlns:r="http://schemas.openxmlformats.org/officeDocument/2006/relationships" xmlns:p="http://schemas.openxmlformats.org/presentationml/2006/main">
+  <p:cSld>
+    <p:spTree>
+      <p:nvGrpSpPr>
+        <p:cNvPr id="1" name=""/>
+        <p:cNvGrpSpPr/>
+        <p:nvPr/>
+      </p:nvGrpSpPr>
+      <p:grpSpPr>
+        <a:xfrm>
+          <a:off x="0" y="0"/>
+          <a:ext cx="0" cy="0"/>
+          <a:chOff x="0" y="0"/>
+          <a:chExt cx="0" cy="0"/>
+        </a:xfrm>
+      </p:grpSpPr>
+      <p:sp>
+        <p:nvSpPr>
+          <p:cNvPr id="2" name="Title 1"/>
+          <p:cNvSpPr>
+            <a:spLocks noGrp="1"/>
+          </p:cNvSpPr>
+          <p:nvPr>
+            <p:ph type="ctrTitle"/>
+          </p:nvPr>
+        </p:nvSpPr>
+        <p:spPr>
+          <a:xfrm>
+            <a:off x="1259632" y="2240868"/>
+            <a:ext cx="6586500" cy="2016224"/>
+          </a:xfrm>
+        </p:spPr>
+        <p:txBody>
+          <a:bodyPr>
+            <a:noAutofit/>
+          </a:bodyPr>
+          <a:lstStyle/>
+          <a:p>
+            <a:pPr lvl="2" algn="ctr" rtl="0">
+              <a:spcBef>
+                <a:spcPct val="0"/>
+              </a:spcBef>
+            </a:pPr>
+            <a:r>
+              <a:rPr lang="en-GB" sz="4400" dirty="0" smtClean="0">
+                <a:solidFill>
+                  <a:srgbClr val="FF0000"/>
+                </a:solidFill>
+                <a:latin typeface="+mj-lt"/>
+              </a:rPr>
+              <a:t>[THIS SECTION CURRENTLY UNDER CONSTRUCTION]</a:t>
+            </a:r>
+            <a:endParaRPr lang="en-GB" sz="4400" dirty="0">
+              <a:solidFill>
+                <a:srgbClr val="FF0000"/>
+              </a:solidFill>
+            </a:endParaRPr>
+          </a:p>
+        </p:txBody>
+      </p:sp>
+    </p:spTree>
+  </p:cSld>
+  <p:clrMapOvr>
+    <a:masterClrMapping/>
+  </p:clrMapOvr>
+  <p:timing>
+    <p:tnLst>
+      <p:par>
+        <p:cTn id="1" dur="indefinite" restart="never" nodeType="tmRoot"/>
+      </p:par>
+    </p:tnLst>
+  </p:timing>
+</p:sld>
+</file>
+
+<file path=ppt/slides/slide45.xml><?xml version="1.0" encoding="utf-8"?>
+<p:sld xmlns:a="http://schemas.openxmlformats.org/drawingml/2006/main" xmlns:r="http://schemas.openxmlformats.org/officeDocument/2006/relationships" xmlns:p="http://schemas.openxmlformats.org/presentationml/2006/main">
+  <p:cSld>
+    <p:spTree>
+      <p:nvGrpSpPr>
+        <p:cNvPr id="1" name=""/>
+        <p:cNvGrpSpPr/>
+        <p:nvPr/>
+      </p:nvGrpSpPr>
+      <p:grpSpPr>
+        <a:xfrm>
+          <a:off x="0" y="0"/>
+          <a:ext cx="0" cy="0"/>
+          <a:chOff x="0" y="0"/>
+          <a:chExt cx="0" cy="0"/>
+        </a:xfrm>
+      </p:grpSpPr>
+      <p:pic>
+        <p:nvPicPr>
+          <p:cNvPr id="8" name="Picture 2"/>
+          <p:cNvPicPr>
+            <a:picLocks noChangeAspect="1" noChangeArrowheads="1"/>
+          </p:cNvPicPr>
+          <p:nvPr/>
+        </p:nvPicPr>
+        <p:blipFill>
+          <a:blip r:embed="rId2" cstate="print"/>
+          <a:srcRect/>
+          <a:stretch>
+            <a:fillRect/>
+          </a:stretch>
+        </p:blipFill>
+        <p:spPr bwMode="auto">
+          <a:xfrm>
+            <a:off x="287524" y="332656"/>
+            <a:ext cx="4975860" cy="4320540"/>
+          </a:xfrm>
+          <a:prstGeom prst="rect">
+            <a:avLst/>
+          </a:prstGeom>
+          <a:noFill/>
+          <a:ln w="9525">
+            <a:noFill/>
+            <a:miter lim="800000"/>
+            <a:headEnd/>
+            <a:tailEnd/>
+          </a:ln>
+        </p:spPr>
+      </p:pic>
       <p:grpSp>
         <p:nvGrpSpPr>
           <p:cNvPr id="2" name="Group 20"/>
@@ -17790,7 +18526,7 @@
         </p:nvGrpSpPr>
         <p:grpSpPr>
           <a:xfrm rot="19301791">
-            <a:off x="5274154" y="4203183"/>
+            <a:off x="4914114" y="4383204"/>
             <a:ext cx="135329" cy="221507"/>
             <a:chOff x="7056276" y="4257092"/>
             <a:chExt cx="468052" cy="891034"/>
@@ -17956,8 +18692,8 @@
         </p:blipFill>
         <p:spPr bwMode="auto">
           <a:xfrm>
-            <a:off x="1655676" y="764704"/>
-            <a:ext cx="3562350" cy="2916936"/>
+            <a:off x="2411760" y="1268760"/>
+            <a:ext cx="3238500" cy="2651760"/>
           </a:xfrm>
           <a:prstGeom prst="rect">
             <a:avLst/>
@@ -17986,7 +18722,7 @@
 </p:sld>
 </file>
 
-<file path=ppt/slides/slide42.xml><?xml version="1.0" encoding="utf-8"?>
+<file path=ppt/slides/slide46.xml><?xml version="1.0" encoding="utf-8"?>
 <p:sld xmlns:a="http://schemas.openxmlformats.org/drawingml/2006/main" xmlns:r="http://schemas.openxmlformats.org/officeDocument/2006/relationships" xmlns:p="http://schemas.openxmlformats.org/presentationml/2006/main">
   <p:cSld>
     <p:spTree>
@@ -18005,7 +18741,7 @@
       </p:grpSpPr>
       <p:pic>
         <p:nvPicPr>
-          <p:cNvPr id="2052" name="Picture 4"/>
+          <p:cNvPr id="1026" name="Picture 2"/>
           <p:cNvPicPr>
             <a:picLocks noChangeAspect="1" noChangeArrowheads="1"/>
           </p:cNvPicPr>
@@ -18020,8 +18756,8 @@
         </p:blipFill>
         <p:spPr bwMode="auto">
           <a:xfrm>
-            <a:off x="395535" y="368660"/>
-            <a:ext cx="4210050" cy="3447288"/>
+            <a:off x="395536" y="368660"/>
+            <a:ext cx="4219956" cy="2942082"/>
           </a:xfrm>
           <a:prstGeom prst="rect">
             <a:avLst/>
@@ -18050,7 +18786,135 @@
 </p:sld>
 </file>
 
-<file path=ppt/slides/slide43.xml><?xml version="1.0" encoding="utf-8"?>
+<file path=ppt/slides/slide47.xml><?xml version="1.0" encoding="utf-8"?>
+<p:sld xmlns:a="http://schemas.openxmlformats.org/drawingml/2006/main" xmlns:r="http://schemas.openxmlformats.org/officeDocument/2006/relationships" xmlns:p="http://schemas.openxmlformats.org/presentationml/2006/main">
+  <p:cSld>
+    <p:spTree>
+      <p:nvGrpSpPr>
+        <p:cNvPr id="1" name=""/>
+        <p:cNvGrpSpPr/>
+        <p:nvPr/>
+      </p:nvGrpSpPr>
+      <p:grpSpPr>
+        <a:xfrm>
+          <a:off x="0" y="0"/>
+          <a:ext cx="0" cy="0"/>
+          <a:chOff x="0" y="0"/>
+          <a:chExt cx="0" cy="0"/>
+        </a:xfrm>
+      </p:grpSpPr>
+      <p:pic>
+        <p:nvPicPr>
+          <p:cNvPr id="2050" name="Picture 2"/>
+          <p:cNvPicPr>
+            <a:picLocks noChangeAspect="1" noChangeArrowheads="1"/>
+          </p:cNvPicPr>
+          <p:nvPr/>
+        </p:nvPicPr>
+        <p:blipFill>
+          <a:blip r:embed="rId2" cstate="print"/>
+          <a:srcRect/>
+          <a:stretch>
+            <a:fillRect/>
+          </a:stretch>
+        </p:blipFill>
+        <p:spPr bwMode="auto">
+          <a:xfrm>
+            <a:off x="395536" y="368660"/>
+            <a:ext cx="4219956" cy="3308604"/>
+          </a:xfrm>
+          <a:prstGeom prst="rect">
+            <a:avLst/>
+          </a:prstGeom>
+          <a:noFill/>
+          <a:ln w="9525">
+            <a:noFill/>
+            <a:miter lim="800000"/>
+            <a:headEnd/>
+            <a:tailEnd/>
+          </a:ln>
+        </p:spPr>
+      </p:pic>
+    </p:spTree>
+  </p:cSld>
+  <p:clrMapOvr>
+    <a:masterClrMapping/>
+  </p:clrMapOvr>
+  <p:timing>
+    <p:tnLst>
+      <p:par>
+        <p:cTn id="1" dur="indefinite" restart="never" nodeType="tmRoot"/>
+      </p:par>
+    </p:tnLst>
+  </p:timing>
+</p:sld>
+</file>
+
+<file path=ppt/slides/slide48.xml><?xml version="1.0" encoding="utf-8"?>
+<p:sld xmlns:a="http://schemas.openxmlformats.org/drawingml/2006/main" xmlns:r="http://schemas.openxmlformats.org/officeDocument/2006/relationships" xmlns:p="http://schemas.openxmlformats.org/presentationml/2006/main">
+  <p:cSld>
+    <p:spTree>
+      <p:nvGrpSpPr>
+        <p:cNvPr id="1" name=""/>
+        <p:cNvGrpSpPr/>
+        <p:nvPr/>
+      </p:nvGrpSpPr>
+      <p:grpSpPr>
+        <a:xfrm>
+          <a:off x="0" y="0"/>
+          <a:ext cx="0" cy="0"/>
+          <a:chOff x="0" y="0"/>
+          <a:chExt cx="0" cy="0"/>
+        </a:xfrm>
+      </p:grpSpPr>
+      <p:pic>
+        <p:nvPicPr>
+          <p:cNvPr id="2051" name="Picture 3"/>
+          <p:cNvPicPr>
+            <a:picLocks noChangeAspect="1" noChangeArrowheads="1"/>
+          </p:cNvPicPr>
+          <p:nvPr/>
+        </p:nvPicPr>
+        <p:blipFill>
+          <a:blip r:embed="rId2" cstate="print"/>
+          <a:srcRect/>
+          <a:stretch>
+            <a:fillRect/>
+          </a:stretch>
+        </p:blipFill>
+        <p:spPr bwMode="auto">
+          <a:xfrm>
+            <a:off x="395536" y="368660"/>
+            <a:ext cx="4219956" cy="3308604"/>
+          </a:xfrm>
+          <a:prstGeom prst="rect">
+            <a:avLst/>
+          </a:prstGeom>
+          <a:noFill/>
+          <a:ln w="9525">
+            <a:noFill/>
+            <a:miter lim="800000"/>
+            <a:headEnd/>
+            <a:tailEnd/>
+          </a:ln>
+        </p:spPr>
+      </p:pic>
+    </p:spTree>
+  </p:cSld>
+  <p:clrMapOvr>
+    <a:masterClrMapping/>
+  </p:clrMapOvr>
+  <p:timing>
+    <p:tnLst>
+      <p:par>
+        <p:cTn id="1" dur="indefinite" restart="never" nodeType="tmRoot"/>
+      </p:par>
+    </p:tnLst>
+  </p:timing>
+</p:sld>
+</file>
+
+<file path=ppt/slides/slide49.xml><?xml version="1.0" encoding="utf-8"?>
 <p:sld xmlns:a="http://schemas.openxmlformats.org/drawingml/2006/main" xmlns:r="http://schemas.openxmlformats.org/officeDocument/2006/relationships" xmlns:p="http://schemas.openxmlformats.org/presentationml/2006/main">
   <p:cSld>
     <p:spTree>
@@ -18084,8 +18948,8 @@
         </p:blipFill>
         <p:spPr bwMode="auto">
           <a:xfrm>
-            <a:off x="395535" y="368660"/>
-            <a:ext cx="4210050" cy="3447288"/>
+            <a:off x="395534" y="368658"/>
+            <a:ext cx="4219956" cy="3308604"/>
           </a:xfrm>
           <a:prstGeom prst="rect">
             <a:avLst/>
@@ -18099,702 +18963,6 @@
           </a:ln>
         </p:spPr>
       </p:pic>
-    </p:spTree>
-  </p:cSld>
-  <p:clrMapOvr>
-    <a:masterClrMapping/>
-  </p:clrMapOvr>
-  <p:timing>
-    <p:tnLst>
-      <p:par>
-        <p:cTn id="1" dur="indefinite" restart="never" nodeType="tmRoot"/>
-      </p:par>
-    </p:tnLst>
-  </p:timing>
-</p:sld>
-</file>
-
-<file path=ppt/slides/slide44.xml><?xml version="1.0" encoding="utf-8"?>
-<p:sld xmlns:a="http://schemas.openxmlformats.org/drawingml/2006/main" xmlns:r="http://schemas.openxmlformats.org/officeDocument/2006/relationships" xmlns:p="http://schemas.openxmlformats.org/presentationml/2006/main">
-  <p:cSld>
-    <p:spTree>
-      <p:nvGrpSpPr>
-        <p:cNvPr id="1" name=""/>
-        <p:cNvGrpSpPr/>
-        <p:nvPr/>
-      </p:nvGrpSpPr>
-      <p:grpSpPr>
-        <a:xfrm>
-          <a:off x="0" y="0"/>
-          <a:ext cx="0" cy="0"/>
-          <a:chOff x="0" y="0"/>
-          <a:chExt cx="0" cy="0"/>
-        </a:xfrm>
-      </p:grpSpPr>
-      <p:pic>
-        <p:nvPicPr>
-          <p:cNvPr id="4099" name="Picture 3"/>
-          <p:cNvPicPr>
-            <a:picLocks noChangeAspect="1" noChangeArrowheads="1"/>
-          </p:cNvPicPr>
-          <p:nvPr/>
-        </p:nvPicPr>
-        <p:blipFill>
-          <a:blip r:embed="rId2" cstate="print"/>
-          <a:srcRect/>
-          <a:stretch>
-            <a:fillRect/>
-          </a:stretch>
-        </p:blipFill>
-        <p:spPr bwMode="auto">
-          <a:xfrm>
-            <a:off x="395536" y="368660"/>
-            <a:ext cx="4299204" cy="3447288"/>
-          </a:xfrm>
-          <a:prstGeom prst="rect">
-            <a:avLst/>
-          </a:prstGeom>
-          <a:noFill/>
-          <a:ln w="9525">
-            <a:noFill/>
-            <a:miter lim="800000"/>
-            <a:headEnd/>
-            <a:tailEnd/>
-          </a:ln>
-        </p:spPr>
-      </p:pic>
-    </p:spTree>
-  </p:cSld>
-  <p:clrMapOvr>
-    <a:masterClrMapping/>
-  </p:clrMapOvr>
-  <p:timing>
-    <p:tnLst>
-      <p:par>
-        <p:cTn id="1" dur="indefinite" restart="never" nodeType="tmRoot"/>
-      </p:par>
-    </p:tnLst>
-  </p:timing>
-</p:sld>
-</file>
-
-<file path=ppt/slides/slide45.xml><?xml version="1.0" encoding="utf-8"?>
-<p:sld xmlns:a="http://schemas.openxmlformats.org/drawingml/2006/main" xmlns:r="http://schemas.openxmlformats.org/officeDocument/2006/relationships" xmlns:p="http://schemas.openxmlformats.org/presentationml/2006/main">
-  <p:cSld>
-    <p:bg>
-      <p:bgPr>
-        <a:solidFill>
-          <a:schemeClr val="bg1"/>
-        </a:solidFill>
-        <a:effectLst/>
-      </p:bgPr>
-    </p:bg>
-    <p:spTree>
-      <p:nvGrpSpPr>
-        <p:cNvPr id="1" name=""/>
-        <p:cNvGrpSpPr/>
-        <p:nvPr/>
-      </p:nvGrpSpPr>
-      <p:grpSpPr>
-        <a:xfrm>
-          <a:off x="0" y="0"/>
-          <a:ext cx="0" cy="0"/>
-          <a:chOff x="0" y="0"/>
-          <a:chExt cx="0" cy="0"/>
-        </a:xfrm>
-      </p:grpSpPr>
-      <p:sp>
-        <p:nvSpPr>
-          <p:cNvPr id="2" name="Title 1"/>
-          <p:cNvSpPr>
-            <a:spLocks noGrp="1"/>
-          </p:cNvSpPr>
-          <p:nvPr>
-            <p:ph type="ctrTitle"/>
-          </p:nvPr>
-        </p:nvSpPr>
-        <p:spPr>
-          <a:xfrm>
-            <a:off x="1259632" y="2240868"/>
-            <a:ext cx="6586500" cy="2016224"/>
-          </a:xfrm>
-        </p:spPr>
-        <p:txBody>
-          <a:bodyPr>
-            <a:noAutofit/>
-          </a:bodyPr>
-          <a:lstStyle/>
-          <a:p>
-            <a:pPr lvl="2" algn="ctr" rtl="0">
-              <a:spcBef>
-                <a:spcPct val="0"/>
-              </a:spcBef>
-            </a:pPr>
-            <a:r>
-              <a:rPr lang="en-GB" sz="4400" dirty="0" smtClean="0">
-                <a:solidFill>
-                  <a:srgbClr val="FF0000"/>
-                </a:solidFill>
-                <a:latin typeface="+mj-lt"/>
-              </a:rPr>
-              <a:t>[TO BE ADDED]</a:t>
-            </a:r>
-            <a:endParaRPr lang="en-GB" sz="4400" dirty="0">
-              <a:solidFill>
-                <a:srgbClr val="FF0000"/>
-              </a:solidFill>
-            </a:endParaRPr>
-          </a:p>
-        </p:txBody>
-      </p:sp>
-    </p:spTree>
-  </p:cSld>
-  <p:clrMapOvr>
-    <a:masterClrMapping/>
-  </p:clrMapOvr>
-  <p:timing>
-    <p:tnLst>
-      <p:par>
-        <p:cTn id="1" dur="indefinite" restart="never" nodeType="tmRoot"/>
-      </p:par>
-    </p:tnLst>
-  </p:timing>
-</p:sld>
-</file>
-
-<file path=ppt/slides/slide46.xml><?xml version="1.0" encoding="utf-8"?>
-<p:sld xmlns:a="http://schemas.openxmlformats.org/drawingml/2006/main" xmlns:r="http://schemas.openxmlformats.org/officeDocument/2006/relationships" xmlns:p="http://schemas.openxmlformats.org/presentationml/2006/main">
-  <p:cSld>
-    <p:bg>
-      <p:bgPr>
-        <a:solidFill>
-          <a:schemeClr val="accent5">
-            <a:lumMod val="40000"/>
-            <a:lumOff val="60000"/>
-          </a:schemeClr>
-        </a:solidFill>
-        <a:effectLst/>
-      </p:bgPr>
-    </p:bg>
-    <p:spTree>
-      <p:nvGrpSpPr>
-        <p:cNvPr id="1" name=""/>
-        <p:cNvGrpSpPr/>
-        <p:nvPr/>
-      </p:nvGrpSpPr>
-      <p:grpSpPr>
-        <a:xfrm>
-          <a:off x="0" y="0"/>
-          <a:ext cx="0" cy="0"/>
-          <a:chOff x="0" y="0"/>
-          <a:chExt cx="0" cy="0"/>
-        </a:xfrm>
-      </p:grpSpPr>
-      <p:sp>
-        <p:nvSpPr>
-          <p:cNvPr id="2" name="Title 1"/>
-          <p:cNvSpPr>
-            <a:spLocks noGrp="1"/>
-          </p:cNvSpPr>
-          <p:nvPr>
-            <p:ph type="ctrTitle"/>
-          </p:nvPr>
-        </p:nvSpPr>
-        <p:spPr>
-          <a:xfrm>
-            <a:off x="539552" y="1988840"/>
-            <a:ext cx="8100900" cy="2808312"/>
-          </a:xfrm>
-        </p:spPr>
-        <p:txBody>
-          <a:bodyPr>
-            <a:noAutofit/>
-          </a:bodyPr>
-          <a:lstStyle/>
-          <a:p>
-            <a:r>
-              <a:rPr lang="en-GB" sz="6000" b="1" dirty="0" smtClean="0"/>
-              <a:t>Appendix:</a:t>
-            </a:r>
-            <a:br>
-              <a:rPr lang="en-GB" sz="6000" b="1" dirty="0" smtClean="0"/>
-            </a:br>
-            <a:r>
-              <a:rPr lang="en-GB" sz="6000" b="1" dirty="0" smtClean="0"/>
-              <a:t>Loading Demo Model</a:t>
-            </a:r>
-            <a:br>
-              <a:rPr lang="en-GB" sz="6000" b="1" dirty="0" smtClean="0"/>
-            </a:br>
-            <a:r>
-              <a:rPr lang="en-GB" sz="6000" b="1" dirty="0" smtClean="0"/>
-              <a:t>into </a:t>
-            </a:r>
-            <a:r>
-              <a:rPr lang="en-GB" sz="6000" b="1" i="1" dirty="0" smtClean="0"/>
-              <a:t>Model Explorer </a:t>
-            </a:r>
-            <a:endParaRPr lang="en-GB" sz="6000" b="1" dirty="0"/>
-          </a:p>
-        </p:txBody>
-      </p:sp>
-    </p:spTree>
-  </p:cSld>
-  <p:clrMapOvr>
-    <a:masterClrMapping/>
-  </p:clrMapOvr>
-  <p:timing>
-    <p:tnLst>
-      <p:par>
-        <p:cTn id="1" dur="indefinite" restart="never" nodeType="tmRoot"/>
-      </p:par>
-    </p:tnLst>
-  </p:timing>
-</p:sld>
-</file>
-
-<file path=ppt/slides/slide47.xml><?xml version="1.0" encoding="utf-8"?>
-<p:sld xmlns:a="http://schemas.openxmlformats.org/drawingml/2006/main" xmlns:r="http://schemas.openxmlformats.org/officeDocument/2006/relationships" xmlns:p="http://schemas.openxmlformats.org/presentationml/2006/main">
-  <p:cSld>
-    <p:bg>
-      <p:bgPr>
-        <a:solidFill>
-          <a:schemeClr val="accent5">
-            <a:lumMod val="40000"/>
-            <a:lumOff val="60000"/>
-          </a:schemeClr>
-        </a:solidFill>
-        <a:effectLst/>
-      </p:bgPr>
-    </p:bg>
-    <p:spTree>
-      <p:nvGrpSpPr>
-        <p:cNvPr id="1" name=""/>
-        <p:cNvGrpSpPr/>
-        <p:nvPr/>
-      </p:nvGrpSpPr>
-      <p:grpSpPr>
-        <a:xfrm>
-          <a:off x="0" y="0"/>
-          <a:ext cx="0" cy="0"/>
-          <a:chOff x="0" y="0"/>
-          <a:chExt cx="0" cy="0"/>
-        </a:xfrm>
-      </p:grpSpPr>
-      <p:sp>
-        <p:nvSpPr>
-          <p:cNvPr id="2" name="Title 1"/>
-          <p:cNvSpPr>
-            <a:spLocks noGrp="1"/>
-          </p:cNvSpPr>
-          <p:nvPr>
-            <p:ph type="title"/>
-          </p:nvPr>
-        </p:nvSpPr>
-        <p:spPr>
-          <a:xfrm>
-            <a:off x="0" y="152636"/>
-            <a:ext cx="9144000" cy="1143000"/>
-          </a:xfrm>
-        </p:spPr>
-        <p:txBody>
-          <a:bodyPr>
-            <a:normAutofit/>
-          </a:bodyPr>
-          <a:lstStyle/>
-          <a:p>
-            <a:r>
-              <a:rPr lang="en-GB" b="1" dirty="0" smtClean="0"/>
-              <a:t>Using </a:t>
-            </a:r>
-            <a:r>
-              <a:rPr lang="en-GB" b="1" dirty="0" err="1" smtClean="0"/>
-              <a:t>Mekon</a:t>
-            </a:r>
-            <a:r>
-              <a:rPr lang="en-GB" b="1" dirty="0" smtClean="0"/>
-              <a:t> project Build Facilities</a:t>
-            </a:r>
-            <a:endParaRPr lang="en-GB" b="1" dirty="0"/>
-          </a:p>
-        </p:txBody>
-      </p:sp>
-      <p:sp>
-        <p:nvSpPr>
-          <p:cNvPr id="3" name="Content Placeholder 2"/>
-          <p:cNvSpPr>
-            <a:spLocks noGrp="1"/>
-          </p:cNvSpPr>
-          <p:nvPr>
-            <p:ph idx="1"/>
-          </p:nvPr>
-        </p:nvSpPr>
-        <p:spPr>
-          <a:xfrm>
-            <a:off x="467544" y="1484784"/>
-            <a:ext cx="8229600" cy="5004556"/>
-          </a:xfrm>
-        </p:spPr>
-        <p:txBody>
-          <a:bodyPr>
-            <a:normAutofit fontScale="92500" lnSpcReduction="20000"/>
-          </a:bodyPr>
-          <a:lstStyle/>
-          <a:p>
-            <a:pPr marL="514350" indent="-514350">
-              <a:buFont typeface="+mj-lt"/>
-              <a:buAutoNum type="arabicPeriod"/>
-            </a:pPr>
-            <a:r>
-              <a:rPr lang="en-GB" dirty="0" smtClean="0"/>
-              <a:t>Ensure that all relevant code/resources are checked out from </a:t>
-            </a:r>
-            <a:r>
-              <a:rPr lang="en-GB" dirty="0" err="1" smtClean="0"/>
-              <a:t>Mekon</a:t>
-            </a:r>
-            <a:r>
-              <a:rPr lang="en-GB" dirty="0" smtClean="0"/>
-              <a:t> project SVN</a:t>
-            </a:r>
-          </a:p>
-          <a:p>
-            <a:pPr marL="514350" indent="-514350">
-              <a:buFont typeface="+mj-lt"/>
-              <a:buAutoNum type="arabicPeriod"/>
-            </a:pPr>
-            <a:r>
-              <a:rPr lang="en-GB" dirty="0" smtClean="0"/>
-              <a:t>Invoke ANT build script:</a:t>
-            </a:r>
-          </a:p>
-          <a:p>
-            <a:pPr marL="914400" lvl="1" indent="-514350">
-              <a:buFont typeface="+mj-lt"/>
-              <a:buAutoNum type="alphaLcParenR"/>
-            </a:pPr>
-            <a:r>
-              <a:rPr lang="en-GB" dirty="0" smtClean="0"/>
-              <a:t>Ensure that ANT is installed on your machine</a:t>
-            </a:r>
-          </a:p>
-          <a:p>
-            <a:pPr marL="914400" lvl="1" indent="-514350">
-              <a:buFont typeface="+mj-lt"/>
-              <a:buAutoNum type="alphaLcParenR"/>
-            </a:pPr>
-            <a:r>
-              <a:rPr lang="en-GB" dirty="0" smtClean="0"/>
-              <a:t>Go to top-level folder of check-out</a:t>
-            </a:r>
-          </a:p>
-          <a:p>
-            <a:pPr marL="914400" lvl="1" indent="-514350">
-              <a:buFont typeface="+mj-lt"/>
-              <a:buAutoNum type="alphaLcParenR"/>
-            </a:pPr>
-            <a:r>
-              <a:rPr lang="en-GB" dirty="0" smtClean="0"/>
-              <a:t>Type:</a:t>
-            </a:r>
-          </a:p>
-          <a:p>
-            <a:pPr marL="1314450" lvl="2" indent="-514350"/>
-            <a:r>
-              <a:rPr lang="en-GB" i="1" dirty="0" smtClean="0"/>
-              <a:t>ant hobo-demo</a:t>
-            </a:r>
-            <a:endParaRPr lang="en-GB" dirty="0" smtClean="0"/>
-          </a:p>
-          <a:p>
-            <a:pPr marL="514350" indent="-514350">
-              <a:buFont typeface="+mj-lt"/>
-              <a:buAutoNum type="arabicPeriod"/>
-            </a:pPr>
-            <a:r>
-              <a:rPr lang="en-GB" dirty="0" smtClean="0"/>
-              <a:t>Run </a:t>
-            </a:r>
-            <a:r>
-              <a:rPr lang="en-GB" i="1" dirty="0" smtClean="0"/>
-              <a:t>Model Explorer</a:t>
-            </a:r>
-            <a:r>
-              <a:rPr lang="en-GB" dirty="0" smtClean="0"/>
-              <a:t>:</a:t>
-            </a:r>
-          </a:p>
-          <a:p>
-            <a:pPr marL="914400" lvl="1" indent="-514350">
-              <a:buFont typeface="+mj-lt"/>
-              <a:buAutoNum type="alphaLcParenR"/>
-            </a:pPr>
-            <a:r>
-              <a:rPr lang="en-GB" dirty="0" smtClean="0"/>
-              <a:t>Go to “build” directory, created by build script:</a:t>
-            </a:r>
-          </a:p>
-          <a:p>
-            <a:pPr marL="914400" lvl="1" indent="-514350">
-              <a:buFont typeface="+mj-lt"/>
-              <a:buAutoNum type="alphaLcParenR"/>
-            </a:pPr>
-            <a:r>
-              <a:rPr lang="en-GB" dirty="0" smtClean="0"/>
-              <a:t>Invoke relevant script:</a:t>
-            </a:r>
-          </a:p>
-          <a:p>
-            <a:pPr lvl="2"/>
-            <a:r>
-              <a:rPr lang="en-GB" i="1" dirty="0" smtClean="0"/>
-              <a:t>mekon-demo.bat/</a:t>
-            </a:r>
-            <a:r>
-              <a:rPr lang="en-GB" i="1" dirty="0" err="1" smtClean="0"/>
-              <a:t>sh</a:t>
-            </a:r>
-            <a:endParaRPr lang="en-GB" i="1" dirty="0" smtClean="0"/>
-          </a:p>
-          <a:p>
-            <a:pPr lvl="2"/>
-            <a:r>
-              <a:rPr lang="en-GB" i="1" dirty="0" smtClean="0"/>
-              <a:t>hobo-demo.bat/</a:t>
-            </a:r>
-            <a:r>
-              <a:rPr lang="en-GB" i="1" dirty="0" err="1" smtClean="0"/>
-              <a:t>sh</a:t>
-            </a:r>
-            <a:endParaRPr lang="en-GB" i="1" dirty="0" smtClean="0"/>
-          </a:p>
-        </p:txBody>
-      </p:sp>
-    </p:spTree>
-  </p:cSld>
-  <p:clrMapOvr>
-    <a:masterClrMapping/>
-  </p:clrMapOvr>
-  <p:timing>
-    <p:tnLst>
-      <p:par>
-        <p:cTn id="1" dur="indefinite" restart="never" nodeType="tmRoot"/>
-      </p:par>
-    </p:tnLst>
-  </p:timing>
-</p:sld>
-</file>
-
-<file path=ppt/slides/slide48.xml><?xml version="1.0" encoding="utf-8"?>
-<p:sld xmlns:a="http://schemas.openxmlformats.org/drawingml/2006/main" xmlns:r="http://schemas.openxmlformats.org/officeDocument/2006/relationships" xmlns:p="http://schemas.openxmlformats.org/presentationml/2006/main">
-  <p:cSld>
-    <p:bg>
-      <p:bgPr>
-        <a:solidFill>
-          <a:schemeClr val="accent5">
-            <a:lumMod val="40000"/>
-            <a:lumOff val="60000"/>
-          </a:schemeClr>
-        </a:solidFill>
-        <a:effectLst/>
-      </p:bgPr>
-    </p:bg>
-    <p:spTree>
-      <p:nvGrpSpPr>
-        <p:cNvPr id="1" name=""/>
-        <p:cNvGrpSpPr/>
-        <p:nvPr/>
-      </p:nvGrpSpPr>
-      <p:grpSpPr>
-        <a:xfrm>
-          <a:off x="0" y="0"/>
-          <a:ext cx="0" cy="0"/>
-          <a:chOff x="0" y="0"/>
-          <a:chExt cx="0" cy="0"/>
-        </a:xfrm>
-      </p:grpSpPr>
-      <p:sp>
-        <p:nvSpPr>
-          <p:cNvPr id="2" name="Title 1"/>
-          <p:cNvSpPr>
-            <a:spLocks noGrp="1"/>
-          </p:cNvSpPr>
-          <p:nvPr>
-            <p:ph type="title"/>
-          </p:nvPr>
-        </p:nvSpPr>
-        <p:spPr>
-          <a:xfrm>
-            <a:off x="0" y="152636"/>
-            <a:ext cx="9144000" cy="1143000"/>
-          </a:xfrm>
-        </p:spPr>
-        <p:txBody>
-          <a:bodyPr>
-            <a:normAutofit/>
-          </a:bodyPr>
-          <a:lstStyle/>
-          <a:p>
-            <a:r>
-              <a:rPr lang="en-GB" b="1" dirty="0" smtClean="0"/>
-              <a:t>Using Your Own Build Facilities</a:t>
-            </a:r>
-            <a:endParaRPr lang="en-GB" b="1" dirty="0"/>
-          </a:p>
-        </p:txBody>
-      </p:sp>
-      <p:sp>
-        <p:nvSpPr>
-          <p:cNvPr id="3" name="Content Placeholder 2"/>
-          <p:cNvSpPr>
-            <a:spLocks noGrp="1"/>
-          </p:cNvSpPr>
-          <p:nvPr>
-            <p:ph idx="1"/>
-          </p:nvPr>
-        </p:nvSpPr>
-        <p:spPr>
-          <a:xfrm>
-            <a:off x="467544" y="1484784"/>
-            <a:ext cx="8229600" cy="5004556"/>
-          </a:xfrm>
-        </p:spPr>
-        <p:txBody>
-          <a:bodyPr>
-            <a:normAutofit fontScale="92500" lnSpcReduction="10000"/>
-          </a:bodyPr>
-          <a:lstStyle/>
-          <a:p>
-            <a:pPr marL="514350" indent="-514350">
-              <a:buFont typeface="+mj-lt"/>
-              <a:buAutoNum type="arabicPeriod"/>
-            </a:pPr>
-            <a:r>
-              <a:rPr lang="en-GB" dirty="0" smtClean="0"/>
-              <a:t>Ensure that:</a:t>
-            </a:r>
-          </a:p>
-          <a:p>
-            <a:pPr marL="914400" lvl="1" indent="-514350">
-              <a:buFont typeface="+mj-lt"/>
-              <a:buAutoNum type="alphaLcParenR"/>
-            </a:pPr>
-            <a:r>
-              <a:rPr lang="en-GB" dirty="0" smtClean="0"/>
-              <a:t>All relevant code/resources are checked out from </a:t>
-            </a:r>
-            <a:r>
-              <a:rPr lang="en-GB" dirty="0" err="1" smtClean="0"/>
-              <a:t>Mekon</a:t>
-            </a:r>
-            <a:r>
-              <a:rPr lang="en-GB" dirty="0" smtClean="0"/>
-              <a:t> project SVN</a:t>
-            </a:r>
-          </a:p>
-          <a:p>
-            <a:pPr marL="914400" lvl="1" indent="-514350">
-              <a:buFont typeface="+mj-lt"/>
-              <a:buAutoNum type="alphaLcParenR"/>
-            </a:pPr>
-            <a:r>
-              <a:rPr lang="en-GB" dirty="0" smtClean="0"/>
-              <a:t>All code from ALL sub-projects is built</a:t>
-            </a:r>
-          </a:p>
-          <a:p>
-            <a:pPr marL="914400" lvl="1" indent="-514350">
-              <a:buFont typeface="+mj-lt"/>
-              <a:buAutoNum type="alphaLcParenR"/>
-            </a:pPr>
-            <a:r>
-              <a:rPr lang="en-GB" dirty="0" smtClean="0"/>
-              <a:t>All code from “demo” folder is built</a:t>
-            </a:r>
-          </a:p>
-          <a:p>
-            <a:pPr marL="914400" lvl="1" indent="-514350">
-              <a:buFont typeface="+mj-lt"/>
-              <a:buAutoNum type="alphaLcParenR"/>
-            </a:pPr>
-            <a:r>
-              <a:rPr lang="en-GB" dirty="0" smtClean="0"/>
-              <a:t>The “demo/resource” folder (or preferably a copy of it) is on your runtime class-path</a:t>
-            </a:r>
-          </a:p>
-          <a:p>
-            <a:pPr marL="514350" indent="-514350">
-              <a:buFont typeface="+mj-lt"/>
-              <a:buAutoNum type="arabicPeriod"/>
-            </a:pPr>
-            <a:r>
-              <a:rPr lang="en-GB" dirty="0" smtClean="0"/>
-              <a:t>Invoke </a:t>
-            </a:r>
-            <a:r>
-              <a:rPr lang="en-GB" dirty="0" smtClean="0">
-                <a:latin typeface="Courier New" pitchFamily="49" charset="0"/>
-                <a:cs typeface="Courier New" pitchFamily="49" charset="0"/>
-              </a:rPr>
-              <a:t>main</a:t>
-            </a:r>
-            <a:r>
-              <a:rPr lang="en-GB" dirty="0" smtClean="0"/>
-              <a:t> method on class for relevant version of </a:t>
-            </a:r>
-            <a:r>
-              <a:rPr lang="en-GB" i="1" dirty="0" smtClean="0"/>
-              <a:t>Model Explorer</a:t>
-            </a:r>
-            <a:r>
-              <a:rPr lang="en-GB" dirty="0" smtClean="0"/>
-              <a:t>:</a:t>
-            </a:r>
-          </a:p>
-          <a:p>
-            <a:pPr marL="914400" lvl="1" indent="-514350"/>
-            <a:r>
-              <a:rPr lang="en-GB" dirty="0" smtClean="0">
-                <a:latin typeface="Courier New" pitchFamily="49" charset="0"/>
-                <a:cs typeface="Courier New" pitchFamily="49" charset="0"/>
-              </a:rPr>
-              <a:t>...</a:t>
-            </a:r>
-            <a:r>
-              <a:rPr lang="en-GB" dirty="0" err="1" smtClean="0">
-                <a:latin typeface="Courier New" pitchFamily="49" charset="0"/>
-                <a:cs typeface="Courier New" pitchFamily="49" charset="0"/>
-              </a:rPr>
-              <a:t>mekon.gui.MekonModelExplorer</a:t>
-            </a:r>
-            <a:endParaRPr lang="en-GB" dirty="0" smtClean="0">
-              <a:latin typeface="Courier New" pitchFamily="49" charset="0"/>
-              <a:cs typeface="Courier New" pitchFamily="49" charset="0"/>
-            </a:endParaRPr>
-          </a:p>
-          <a:p>
-            <a:pPr marL="914400" lvl="1" indent="-514350"/>
-            <a:r>
-              <a:rPr lang="en-GB" dirty="0" smtClean="0">
-                <a:latin typeface="Courier New" pitchFamily="49" charset="0"/>
-                <a:cs typeface="Courier New" pitchFamily="49" charset="0"/>
-              </a:rPr>
-              <a:t>...</a:t>
-            </a:r>
-            <a:r>
-              <a:rPr lang="en-GB" dirty="0" err="1" smtClean="0">
-                <a:latin typeface="Courier New" pitchFamily="49" charset="0"/>
-                <a:cs typeface="Courier New" pitchFamily="49" charset="0"/>
-              </a:rPr>
-              <a:t>hobo.gui.HoboModelExplorer</a:t>
-            </a:r>
-            <a:endParaRPr lang="en-GB" dirty="0" smtClean="0">
-              <a:latin typeface="Courier New" pitchFamily="49" charset="0"/>
-              <a:cs typeface="Courier New" pitchFamily="49" charset="0"/>
-            </a:endParaRPr>
-          </a:p>
-        </p:txBody>
-      </p:sp>
     </p:spTree>
   </p:cSld>
   <p:clrMapOvr>
@@ -18844,7 +19012,11 @@
           <a:p>
             <a:r>
               <a:rPr lang="en-GB" b="1" dirty="0" smtClean="0"/>
-              <a:t>Tutorial Format: General</a:t>
+              <a:t>Tutorial Format: </a:t>
+            </a:r>
+            <a:r>
+              <a:rPr lang="en-GB" b="1" dirty="0" smtClean="0"/>
+              <a:t>General </a:t>
             </a:r>
             <a:endParaRPr lang="en-GB" b="1" dirty="0"/>
           </a:p>
@@ -18954,6 +19126,999 @@
               <a:rPr lang="en-GB" dirty="0" smtClean="0"/>
               <a:t>with the different model-versions</a:t>
             </a:r>
+          </a:p>
+        </p:txBody>
+      </p:sp>
+    </p:spTree>
+  </p:cSld>
+  <p:clrMapOvr>
+    <a:masterClrMapping/>
+  </p:clrMapOvr>
+  <p:timing>
+    <p:tnLst>
+      <p:par>
+        <p:cTn id="1" dur="indefinite" restart="never" nodeType="tmRoot"/>
+      </p:par>
+    </p:tnLst>
+  </p:timing>
+</p:sld>
+</file>
+
+<file path=ppt/slides/slide50.xml><?xml version="1.0" encoding="utf-8"?>
+<p:sld xmlns:a="http://schemas.openxmlformats.org/drawingml/2006/main" xmlns:r="http://schemas.openxmlformats.org/officeDocument/2006/relationships" xmlns:p="http://schemas.openxmlformats.org/presentationml/2006/main">
+  <p:cSld>
+    <p:spTree>
+      <p:nvGrpSpPr>
+        <p:cNvPr id="1" name=""/>
+        <p:cNvGrpSpPr/>
+        <p:nvPr/>
+      </p:nvGrpSpPr>
+      <p:grpSpPr>
+        <a:xfrm>
+          <a:off x="0" y="0"/>
+          <a:ext cx="0" cy="0"/>
+          <a:chOff x="0" y="0"/>
+          <a:chExt cx="0" cy="0"/>
+        </a:xfrm>
+      </p:grpSpPr>
+      <p:pic>
+        <p:nvPicPr>
+          <p:cNvPr id="2" name="Picture 3"/>
+          <p:cNvPicPr>
+            <a:picLocks noChangeAspect="1" noChangeArrowheads="1"/>
+          </p:cNvPicPr>
+          <p:nvPr/>
+        </p:nvPicPr>
+        <p:blipFill>
+          <a:blip r:embed="rId2" cstate="print"/>
+          <a:srcRect/>
+          <a:stretch>
+            <a:fillRect/>
+          </a:stretch>
+        </p:blipFill>
+        <p:spPr bwMode="auto">
+          <a:xfrm>
+            <a:off x="395534" y="368658"/>
+            <a:ext cx="4190238" cy="3328416"/>
+          </a:xfrm>
+          <a:prstGeom prst="rect">
+            <a:avLst/>
+          </a:prstGeom>
+          <a:noFill/>
+          <a:ln w="9525">
+            <a:noFill/>
+            <a:miter lim="800000"/>
+            <a:headEnd/>
+            <a:tailEnd/>
+          </a:ln>
+        </p:spPr>
+      </p:pic>
+    </p:spTree>
+  </p:cSld>
+  <p:clrMapOvr>
+    <a:masterClrMapping/>
+  </p:clrMapOvr>
+  <p:timing>
+    <p:tnLst>
+      <p:par>
+        <p:cTn id="1" dur="indefinite" restart="never" nodeType="tmRoot"/>
+      </p:par>
+    </p:tnLst>
+  </p:timing>
+</p:sld>
+</file>
+
+<file path=ppt/slides/slide51.xml><?xml version="1.0" encoding="utf-8"?>
+<p:sld xmlns:a="http://schemas.openxmlformats.org/drawingml/2006/main" xmlns:r="http://schemas.openxmlformats.org/officeDocument/2006/relationships" xmlns:p="http://schemas.openxmlformats.org/presentationml/2006/main">
+  <p:cSld>
+    <p:spTree>
+      <p:nvGrpSpPr>
+        <p:cNvPr id="1" name=""/>
+        <p:cNvGrpSpPr/>
+        <p:nvPr/>
+      </p:nvGrpSpPr>
+      <p:grpSpPr>
+        <a:xfrm>
+          <a:off x="0" y="0"/>
+          <a:ext cx="0" cy="0"/>
+          <a:chOff x="0" y="0"/>
+          <a:chExt cx="0" cy="0"/>
+        </a:xfrm>
+      </p:grpSpPr>
+      <p:pic>
+        <p:nvPicPr>
+          <p:cNvPr id="4098" name="Picture 2"/>
+          <p:cNvPicPr>
+            <a:picLocks noChangeAspect="1" noChangeArrowheads="1"/>
+          </p:cNvPicPr>
+          <p:nvPr/>
+        </p:nvPicPr>
+        <p:blipFill>
+          <a:blip r:embed="rId2" cstate="print"/>
+          <a:srcRect/>
+          <a:stretch>
+            <a:fillRect/>
+          </a:stretch>
+        </p:blipFill>
+        <p:spPr bwMode="auto">
+          <a:xfrm>
+            <a:off x="395535" y="368658"/>
+            <a:ext cx="4368546" cy="4130802"/>
+          </a:xfrm>
+          <a:prstGeom prst="rect">
+            <a:avLst/>
+          </a:prstGeom>
+          <a:noFill/>
+          <a:ln w="9525">
+            <a:noFill/>
+            <a:miter lim="800000"/>
+            <a:headEnd/>
+            <a:tailEnd/>
+          </a:ln>
+        </p:spPr>
+      </p:pic>
+    </p:spTree>
+  </p:cSld>
+  <p:clrMapOvr>
+    <a:masterClrMapping/>
+  </p:clrMapOvr>
+  <p:timing>
+    <p:tnLst>
+      <p:par>
+        <p:cTn id="1" dur="indefinite" restart="never" nodeType="tmRoot"/>
+      </p:par>
+    </p:tnLst>
+  </p:timing>
+</p:sld>
+</file>
+
+<file path=ppt/slides/slide52.xml><?xml version="1.0" encoding="utf-8"?>
+<p:sld xmlns:a="http://schemas.openxmlformats.org/drawingml/2006/main" xmlns:r="http://schemas.openxmlformats.org/officeDocument/2006/relationships" xmlns:p="http://schemas.openxmlformats.org/presentationml/2006/main">
+  <p:cSld>
+    <p:spTree>
+      <p:nvGrpSpPr>
+        <p:cNvPr id="1" name=""/>
+        <p:cNvGrpSpPr/>
+        <p:nvPr/>
+      </p:nvGrpSpPr>
+      <p:grpSpPr>
+        <a:xfrm>
+          <a:off x="0" y="0"/>
+          <a:ext cx="0" cy="0"/>
+          <a:chOff x="0" y="0"/>
+          <a:chExt cx="0" cy="0"/>
+        </a:xfrm>
+      </p:grpSpPr>
+      <p:pic>
+        <p:nvPicPr>
+          <p:cNvPr id="7170" name="Picture 2"/>
+          <p:cNvPicPr>
+            <a:picLocks noChangeAspect="1" noChangeArrowheads="1"/>
+          </p:cNvPicPr>
+          <p:nvPr/>
+        </p:nvPicPr>
+        <p:blipFill>
+          <a:blip r:embed="rId2" cstate="print"/>
+          <a:srcRect/>
+          <a:stretch>
+            <a:fillRect/>
+          </a:stretch>
+        </p:blipFill>
+        <p:spPr bwMode="auto">
+          <a:xfrm>
+            <a:off x="395536" y="368660"/>
+            <a:ext cx="4181475" cy="6076950"/>
+          </a:xfrm>
+          <a:prstGeom prst="rect">
+            <a:avLst/>
+          </a:prstGeom>
+          <a:noFill/>
+          <a:ln w="9525">
+            <a:noFill/>
+            <a:miter lim="800000"/>
+            <a:headEnd/>
+            <a:tailEnd/>
+          </a:ln>
+        </p:spPr>
+      </p:pic>
+      <p:grpSp>
+        <p:nvGrpSpPr>
+          <p:cNvPr id="6" name="Group 5"/>
+          <p:cNvGrpSpPr/>
+          <p:nvPr/>
+        </p:nvGrpSpPr>
+        <p:grpSpPr>
+          <a:xfrm rot="19301791">
+            <a:off x="4158030" y="6219407"/>
+            <a:ext cx="135329" cy="221507"/>
+            <a:chOff x="7056276" y="4257092"/>
+            <a:chExt cx="468052" cy="891034"/>
+          </a:xfrm>
+        </p:grpSpPr>
+        <p:sp>
+          <p:nvSpPr>
+            <p:cNvPr id="7" name="Rectangle 6"/>
+            <p:cNvSpPr/>
+            <p:nvPr/>
+          </p:nvSpPr>
+          <p:spPr>
+            <a:xfrm rot="5400000">
+              <a:off x="7048879" y="4801043"/>
+              <a:ext cx="480664" cy="213502"/>
+            </a:xfrm>
+            <a:prstGeom prst="rect">
+              <a:avLst/>
+            </a:prstGeom>
+            <a:solidFill>
+              <a:schemeClr val="bg1"/>
+            </a:solidFill>
+            <a:ln w="12700">
+              <a:solidFill>
+                <a:schemeClr val="tx1"/>
+              </a:solidFill>
+            </a:ln>
+          </p:spPr>
+          <p:style>
+            <a:lnRef idx="2">
+              <a:schemeClr val="accent1">
+                <a:shade val="50000"/>
+              </a:schemeClr>
+            </a:lnRef>
+            <a:fillRef idx="1">
+              <a:schemeClr val="accent1"/>
+            </a:fillRef>
+            <a:effectRef idx="0">
+              <a:schemeClr val="accent1"/>
+            </a:effectRef>
+            <a:fontRef idx="minor">
+              <a:schemeClr val="lt1"/>
+            </a:fontRef>
+          </p:style>
+          <p:txBody>
+            <a:bodyPr rtlCol="0" anchor="ctr"/>
+            <a:lstStyle/>
+            <a:p>
+              <a:pPr algn="ctr"/>
+              <a:endParaRPr lang="en-GB"/>
+            </a:p>
+          </p:txBody>
+        </p:sp>
+        <p:sp>
+          <p:nvSpPr>
+            <p:cNvPr id="8" name="Isosceles Triangle 7"/>
+            <p:cNvSpPr/>
+            <p:nvPr/>
+          </p:nvSpPr>
+          <p:spPr>
+            <a:xfrm>
+              <a:off x="7056276" y="4257092"/>
+              <a:ext cx="468052" cy="468052"/>
+            </a:xfrm>
+            <a:prstGeom prst="triangle">
+              <a:avLst/>
+            </a:prstGeom>
+            <a:solidFill>
+              <a:schemeClr val="bg1"/>
+            </a:solidFill>
+            <a:ln w="12700">
+              <a:solidFill>
+                <a:schemeClr val="tx1"/>
+              </a:solidFill>
+            </a:ln>
+          </p:spPr>
+          <p:style>
+            <a:lnRef idx="2">
+              <a:schemeClr val="accent1">
+                <a:shade val="50000"/>
+              </a:schemeClr>
+            </a:lnRef>
+            <a:fillRef idx="1">
+              <a:schemeClr val="accent1"/>
+            </a:fillRef>
+            <a:effectRef idx="0">
+              <a:schemeClr val="accent1"/>
+            </a:effectRef>
+            <a:fontRef idx="minor">
+              <a:schemeClr val="lt1"/>
+            </a:fontRef>
+          </p:style>
+          <p:txBody>
+            <a:bodyPr rtlCol="0" anchor="ctr"/>
+            <a:lstStyle/>
+            <a:p>
+              <a:pPr algn="ctr"/>
+              <a:endParaRPr lang="en-GB"/>
+            </a:p>
+          </p:txBody>
+        </p:sp>
+        <p:sp>
+          <p:nvSpPr>
+            <p:cNvPr id="9" name="Rectangle 8"/>
+            <p:cNvSpPr/>
+            <p:nvPr/>
+          </p:nvSpPr>
+          <p:spPr>
+            <a:xfrm>
+              <a:off x="7200292" y="4653136"/>
+              <a:ext cx="180020" cy="216024"/>
+            </a:xfrm>
+            <a:prstGeom prst="rect">
+              <a:avLst/>
+            </a:prstGeom>
+            <a:solidFill>
+              <a:schemeClr val="bg1"/>
+            </a:solidFill>
+            <a:ln>
+              <a:noFill/>
+            </a:ln>
+          </p:spPr>
+          <p:style>
+            <a:lnRef idx="2">
+              <a:schemeClr val="accent1">
+                <a:shade val="50000"/>
+              </a:schemeClr>
+            </a:lnRef>
+            <a:fillRef idx="1">
+              <a:schemeClr val="accent1"/>
+            </a:fillRef>
+            <a:effectRef idx="0">
+              <a:schemeClr val="accent1"/>
+            </a:effectRef>
+            <a:fontRef idx="minor">
+              <a:schemeClr val="lt1"/>
+            </a:fontRef>
+          </p:style>
+          <p:txBody>
+            <a:bodyPr rtlCol="0" anchor="ctr"/>
+            <a:lstStyle/>
+            <a:p>
+              <a:pPr algn="ctr"/>
+              <a:endParaRPr lang="en-GB"/>
+            </a:p>
+          </p:txBody>
+        </p:sp>
+      </p:grpSp>
+    </p:spTree>
+  </p:cSld>
+  <p:clrMapOvr>
+    <a:masterClrMapping/>
+  </p:clrMapOvr>
+  <p:timing>
+    <p:tnLst>
+      <p:par>
+        <p:cTn id="1" dur="indefinite" restart="never" nodeType="tmRoot"/>
+      </p:par>
+    </p:tnLst>
+  </p:timing>
+</p:sld>
+</file>
+
+<file path=ppt/slides/slide53.xml><?xml version="1.0" encoding="utf-8"?>
+<p:sld xmlns:a="http://schemas.openxmlformats.org/drawingml/2006/main" xmlns:r="http://schemas.openxmlformats.org/officeDocument/2006/relationships" xmlns:p="http://schemas.openxmlformats.org/presentationml/2006/main">
+  <p:cSld>
+    <p:spTree>
+      <p:nvGrpSpPr>
+        <p:cNvPr id="1" name=""/>
+        <p:cNvGrpSpPr/>
+        <p:nvPr/>
+      </p:nvGrpSpPr>
+      <p:grpSpPr>
+        <a:xfrm>
+          <a:off x="0" y="0"/>
+          <a:ext cx="0" cy="0"/>
+          <a:chOff x="0" y="0"/>
+          <a:chExt cx="0" cy="0"/>
+        </a:xfrm>
+      </p:grpSpPr>
+      <p:pic>
+        <p:nvPicPr>
+          <p:cNvPr id="7171" name="Picture 3"/>
+          <p:cNvPicPr>
+            <a:picLocks noChangeAspect="1" noChangeArrowheads="1"/>
+          </p:cNvPicPr>
+          <p:nvPr/>
+        </p:nvPicPr>
+        <p:blipFill>
+          <a:blip r:embed="rId2" cstate="print"/>
+          <a:srcRect/>
+          <a:stretch>
+            <a:fillRect/>
+          </a:stretch>
+        </p:blipFill>
+        <p:spPr bwMode="auto">
+          <a:xfrm>
+            <a:off x="395536" y="368660"/>
+            <a:ext cx="4181475" cy="4991100"/>
+          </a:xfrm>
+          <a:prstGeom prst="rect">
+            <a:avLst/>
+          </a:prstGeom>
+          <a:noFill/>
+          <a:ln w="9525">
+            <a:noFill/>
+            <a:miter lim="800000"/>
+            <a:headEnd/>
+            <a:tailEnd/>
+          </a:ln>
+        </p:spPr>
+      </p:pic>
+      <p:pic>
+        <p:nvPicPr>
+          <p:cNvPr id="9219" name="Picture 3"/>
+          <p:cNvPicPr>
+            <a:picLocks noChangeAspect="1" noChangeArrowheads="1"/>
+          </p:cNvPicPr>
+          <p:nvPr/>
+        </p:nvPicPr>
+        <p:blipFill>
+          <a:blip r:embed="rId3" cstate="print"/>
+          <a:srcRect/>
+          <a:stretch>
+            <a:fillRect/>
+          </a:stretch>
+        </p:blipFill>
+        <p:spPr bwMode="auto">
+          <a:xfrm>
+            <a:off x="863588" y="1484784"/>
+            <a:ext cx="4524375" cy="5124450"/>
+          </a:xfrm>
+          <a:prstGeom prst="rect">
+            <a:avLst/>
+          </a:prstGeom>
+          <a:noFill/>
+          <a:ln w="9525">
+            <a:noFill/>
+            <a:miter lim="800000"/>
+            <a:headEnd/>
+            <a:tailEnd/>
+          </a:ln>
+        </p:spPr>
+      </p:pic>
+    </p:spTree>
+  </p:cSld>
+  <p:clrMapOvr>
+    <a:masterClrMapping/>
+  </p:clrMapOvr>
+  <p:timing>
+    <p:tnLst>
+      <p:par>
+        <p:cTn id="1" dur="indefinite" restart="never" nodeType="tmRoot"/>
+      </p:par>
+    </p:tnLst>
+  </p:timing>
+</p:sld>
+</file>
+
+<file path=ppt/slides/slide54.xml><?xml version="1.0" encoding="utf-8"?>
+<p:sld xmlns:a="http://schemas.openxmlformats.org/drawingml/2006/main" xmlns:r="http://schemas.openxmlformats.org/officeDocument/2006/relationships" xmlns:p="http://schemas.openxmlformats.org/presentationml/2006/main">
+  <p:cSld>
+    <p:bg>
+      <p:bgPr>
+        <a:solidFill>
+          <a:schemeClr val="accent5">
+            <a:lumMod val="40000"/>
+            <a:lumOff val="60000"/>
+          </a:schemeClr>
+        </a:solidFill>
+        <a:effectLst/>
+      </p:bgPr>
+    </p:bg>
+    <p:spTree>
+      <p:nvGrpSpPr>
+        <p:cNvPr id="1" name=""/>
+        <p:cNvGrpSpPr/>
+        <p:nvPr/>
+      </p:nvGrpSpPr>
+      <p:grpSpPr>
+        <a:xfrm>
+          <a:off x="0" y="0"/>
+          <a:ext cx="0" cy="0"/>
+          <a:chOff x="0" y="0"/>
+          <a:chExt cx="0" cy="0"/>
+        </a:xfrm>
+      </p:grpSpPr>
+      <p:sp>
+        <p:nvSpPr>
+          <p:cNvPr id="2" name="Title 1"/>
+          <p:cNvSpPr>
+            <a:spLocks noGrp="1"/>
+          </p:cNvSpPr>
+          <p:nvPr>
+            <p:ph type="ctrTitle"/>
+          </p:nvPr>
+        </p:nvSpPr>
+        <p:spPr>
+          <a:xfrm>
+            <a:off x="539552" y="1988840"/>
+            <a:ext cx="8100900" cy="2808312"/>
+          </a:xfrm>
+        </p:spPr>
+        <p:txBody>
+          <a:bodyPr>
+            <a:noAutofit/>
+          </a:bodyPr>
+          <a:lstStyle/>
+          <a:p>
+            <a:r>
+              <a:rPr lang="en-GB" sz="6000" b="1" dirty="0" smtClean="0"/>
+              <a:t>Appendix:</a:t>
+            </a:r>
+            <a:br>
+              <a:rPr lang="en-GB" sz="6000" b="1" dirty="0" smtClean="0"/>
+            </a:br>
+            <a:r>
+              <a:rPr lang="en-GB" sz="6000" b="1" dirty="0" smtClean="0"/>
+              <a:t>Loading Demo Model</a:t>
+            </a:r>
+            <a:br>
+              <a:rPr lang="en-GB" sz="6000" b="1" dirty="0" smtClean="0"/>
+            </a:br>
+            <a:r>
+              <a:rPr lang="en-GB" sz="6000" b="1" dirty="0" smtClean="0"/>
+              <a:t>into </a:t>
+            </a:r>
+            <a:r>
+              <a:rPr lang="en-GB" sz="6000" b="1" i="1" dirty="0" smtClean="0"/>
+              <a:t>Model Explorer </a:t>
+            </a:r>
+            <a:endParaRPr lang="en-GB" sz="6000" b="1" dirty="0"/>
+          </a:p>
+        </p:txBody>
+      </p:sp>
+    </p:spTree>
+  </p:cSld>
+  <p:clrMapOvr>
+    <a:masterClrMapping/>
+  </p:clrMapOvr>
+  <p:timing>
+    <p:tnLst>
+      <p:par>
+        <p:cTn id="1" dur="indefinite" restart="never" nodeType="tmRoot"/>
+      </p:par>
+    </p:tnLst>
+  </p:timing>
+</p:sld>
+</file>
+
+<file path=ppt/slides/slide55.xml><?xml version="1.0" encoding="utf-8"?>
+<p:sld xmlns:a="http://schemas.openxmlformats.org/drawingml/2006/main" xmlns:r="http://schemas.openxmlformats.org/officeDocument/2006/relationships" xmlns:p="http://schemas.openxmlformats.org/presentationml/2006/main">
+  <p:cSld>
+    <p:bg>
+      <p:bgPr>
+        <a:solidFill>
+          <a:schemeClr val="accent5">
+            <a:lumMod val="40000"/>
+            <a:lumOff val="60000"/>
+          </a:schemeClr>
+        </a:solidFill>
+        <a:effectLst/>
+      </p:bgPr>
+    </p:bg>
+    <p:spTree>
+      <p:nvGrpSpPr>
+        <p:cNvPr id="1" name=""/>
+        <p:cNvGrpSpPr/>
+        <p:nvPr/>
+      </p:nvGrpSpPr>
+      <p:grpSpPr>
+        <a:xfrm>
+          <a:off x="0" y="0"/>
+          <a:ext cx="0" cy="0"/>
+          <a:chOff x="0" y="0"/>
+          <a:chExt cx="0" cy="0"/>
+        </a:xfrm>
+      </p:grpSpPr>
+      <p:sp>
+        <p:nvSpPr>
+          <p:cNvPr id="2" name="Title 1"/>
+          <p:cNvSpPr>
+            <a:spLocks noGrp="1"/>
+          </p:cNvSpPr>
+          <p:nvPr>
+            <p:ph type="title"/>
+          </p:nvPr>
+        </p:nvSpPr>
+        <p:spPr>
+          <a:xfrm>
+            <a:off x="0" y="152636"/>
+            <a:ext cx="9144000" cy="1143000"/>
+          </a:xfrm>
+        </p:spPr>
+        <p:txBody>
+          <a:bodyPr>
+            <a:normAutofit/>
+          </a:bodyPr>
+          <a:lstStyle/>
+          <a:p>
+            <a:r>
+              <a:rPr lang="en-GB" b="1" dirty="0" smtClean="0"/>
+              <a:t>Using </a:t>
+            </a:r>
+            <a:r>
+              <a:rPr lang="en-GB" b="1" dirty="0" err="1" smtClean="0"/>
+              <a:t>Mekon</a:t>
+            </a:r>
+            <a:r>
+              <a:rPr lang="en-GB" b="1" dirty="0" smtClean="0"/>
+              <a:t> project Build Facilities</a:t>
+            </a:r>
+            <a:endParaRPr lang="en-GB" b="1" dirty="0"/>
+          </a:p>
+        </p:txBody>
+      </p:sp>
+      <p:sp>
+        <p:nvSpPr>
+          <p:cNvPr id="3" name="Content Placeholder 2"/>
+          <p:cNvSpPr>
+            <a:spLocks noGrp="1"/>
+          </p:cNvSpPr>
+          <p:nvPr>
+            <p:ph idx="1"/>
+          </p:nvPr>
+        </p:nvSpPr>
+        <p:spPr>
+          <a:xfrm>
+            <a:off x="467544" y="1484784"/>
+            <a:ext cx="8229600" cy="5004556"/>
+          </a:xfrm>
+        </p:spPr>
+        <p:txBody>
+          <a:bodyPr>
+            <a:normAutofit fontScale="92500" lnSpcReduction="20000"/>
+          </a:bodyPr>
+          <a:lstStyle/>
+          <a:p>
+            <a:pPr marL="514350" indent="-514350">
+              <a:buFont typeface="+mj-lt"/>
+              <a:buAutoNum type="arabicPeriod"/>
+            </a:pPr>
+            <a:r>
+              <a:rPr lang="en-GB" dirty="0" smtClean="0"/>
+              <a:t>Ensure that all relevant code/resources are checked out from </a:t>
+            </a:r>
+            <a:r>
+              <a:rPr lang="en-GB" dirty="0" err="1" smtClean="0"/>
+              <a:t>Mekon</a:t>
+            </a:r>
+            <a:r>
+              <a:rPr lang="en-GB" dirty="0" smtClean="0"/>
+              <a:t> project SVN</a:t>
+            </a:r>
+          </a:p>
+          <a:p>
+            <a:pPr marL="514350" indent="-514350">
+              <a:buFont typeface="+mj-lt"/>
+              <a:buAutoNum type="arabicPeriod"/>
+            </a:pPr>
+            <a:r>
+              <a:rPr lang="en-GB" dirty="0" smtClean="0"/>
+              <a:t>Invoke ANT build script:</a:t>
+            </a:r>
+          </a:p>
+          <a:p>
+            <a:pPr marL="914400" lvl="1" indent="-514350">
+              <a:buFont typeface="+mj-lt"/>
+              <a:buAutoNum type="alphaLcParenR"/>
+            </a:pPr>
+            <a:r>
+              <a:rPr lang="en-GB" dirty="0" smtClean="0"/>
+              <a:t>Ensure that ANT is installed on your machine</a:t>
+            </a:r>
+          </a:p>
+          <a:p>
+            <a:pPr marL="914400" lvl="1" indent="-514350">
+              <a:buFont typeface="+mj-lt"/>
+              <a:buAutoNum type="alphaLcParenR"/>
+            </a:pPr>
+            <a:r>
+              <a:rPr lang="en-GB" dirty="0" smtClean="0"/>
+              <a:t>Go to top-level folder of check-out</a:t>
+            </a:r>
+          </a:p>
+          <a:p>
+            <a:pPr marL="914400" lvl="1" indent="-514350">
+              <a:buFont typeface="+mj-lt"/>
+              <a:buAutoNum type="alphaLcParenR"/>
+            </a:pPr>
+            <a:r>
+              <a:rPr lang="en-GB" dirty="0" smtClean="0"/>
+              <a:t>Type:</a:t>
+            </a:r>
+          </a:p>
+          <a:p>
+            <a:pPr marL="1314450" lvl="2" indent="-514350"/>
+            <a:r>
+              <a:rPr lang="en-GB" i="1" dirty="0" smtClean="0"/>
+              <a:t>ant hobo-demo</a:t>
+            </a:r>
+            <a:endParaRPr lang="en-GB" dirty="0" smtClean="0"/>
+          </a:p>
+          <a:p>
+            <a:pPr marL="514350" indent="-514350">
+              <a:buFont typeface="+mj-lt"/>
+              <a:buAutoNum type="arabicPeriod"/>
+            </a:pPr>
+            <a:r>
+              <a:rPr lang="en-GB" dirty="0" smtClean="0"/>
+              <a:t>Run </a:t>
+            </a:r>
+            <a:r>
+              <a:rPr lang="en-GB" i="1" dirty="0" smtClean="0"/>
+              <a:t>Model Explorer</a:t>
+            </a:r>
+            <a:r>
+              <a:rPr lang="en-GB" dirty="0" smtClean="0"/>
+              <a:t>:</a:t>
+            </a:r>
+          </a:p>
+          <a:p>
+            <a:pPr marL="914400" lvl="1" indent="-514350">
+              <a:buFont typeface="+mj-lt"/>
+              <a:buAutoNum type="alphaLcParenR"/>
+            </a:pPr>
+            <a:r>
+              <a:rPr lang="en-GB" dirty="0" smtClean="0"/>
+              <a:t>Go to “build” directory, created by build script:</a:t>
+            </a:r>
+          </a:p>
+          <a:p>
+            <a:pPr marL="914400" lvl="1" indent="-514350">
+              <a:buFont typeface="+mj-lt"/>
+              <a:buAutoNum type="alphaLcParenR"/>
+            </a:pPr>
+            <a:r>
+              <a:rPr lang="en-GB" dirty="0" smtClean="0"/>
+              <a:t>Invoke relevant script:</a:t>
+            </a:r>
+          </a:p>
+          <a:p>
+            <a:pPr lvl="2"/>
+            <a:r>
+              <a:rPr lang="en-GB" i="1" dirty="0" smtClean="0"/>
+              <a:t>mekon-demo.bat/</a:t>
+            </a:r>
+            <a:r>
+              <a:rPr lang="en-GB" i="1" dirty="0" err="1" smtClean="0"/>
+              <a:t>sh</a:t>
+            </a:r>
+            <a:endParaRPr lang="en-GB" i="1" dirty="0" smtClean="0"/>
+          </a:p>
+          <a:p>
+            <a:pPr lvl="2"/>
+            <a:r>
+              <a:rPr lang="en-GB" i="1" dirty="0" smtClean="0"/>
+              <a:t>hobo-demo.bat/</a:t>
+            </a:r>
+            <a:r>
+              <a:rPr lang="en-GB" i="1" dirty="0" err="1" smtClean="0"/>
+              <a:t>sh</a:t>
+            </a:r>
+            <a:endParaRPr lang="en-GB" i="1" dirty="0" smtClean="0"/>
+          </a:p>
+        </p:txBody>
+      </p:sp>
+    </p:spTree>
+  </p:cSld>
+  <p:clrMapOvr>
+    <a:masterClrMapping/>
+  </p:clrMapOvr>
+  <p:timing>
+    <p:tnLst>
+      <p:par>
+        <p:cTn id="1" dur="indefinite" restart="never" nodeType="tmRoot"/>
+      </p:par>
+    </p:tnLst>
+  </p:timing>
+</p:sld>
+</file>
+
+<file path=ppt/slides/slide56.xml><?xml version="1.0" encoding="utf-8"?>
+<p:sld xmlns:a="http://schemas.openxmlformats.org/drawingml/2006/main" xmlns:r="http://schemas.openxmlformats.org/officeDocument/2006/relationships" xmlns:p="http://schemas.openxmlformats.org/presentationml/2006/main">
+  <p:cSld>
+    <p:bg>
+      <p:bgPr>
+        <a:solidFill>
+          <a:schemeClr val="accent5">
+            <a:lumMod val="40000"/>
+            <a:lumOff val="60000"/>
+          </a:schemeClr>
+        </a:solidFill>
+        <a:effectLst/>
+      </p:bgPr>
+    </p:bg>
+    <p:spTree>
+      <p:nvGrpSpPr>
+        <p:cNvPr id="1" name=""/>
+        <p:cNvGrpSpPr/>
+        <p:nvPr/>
+      </p:nvGrpSpPr>
+      <p:grpSpPr>
+        <a:xfrm>
+          <a:off x="0" y="0"/>
+          <a:ext cx="0" cy="0"/>
+          <a:chOff x="0" y="0"/>
+          <a:chExt cx="0" cy="0"/>
+        </a:xfrm>
+      </p:grpSpPr>
+      <p:sp>
+        <p:nvSpPr>
+          <p:cNvPr id="2" name="Title 1"/>
+          <p:cNvSpPr>
+            <a:spLocks noGrp="1"/>
+          </p:cNvSpPr>
+          <p:nvPr>
+            <p:ph type="title"/>
+          </p:nvPr>
+        </p:nvSpPr>
+        <p:spPr>
+          <a:xfrm>
+            <a:off x="0" y="152636"/>
+            <a:ext cx="9144000" cy="1143000"/>
+          </a:xfrm>
+        </p:spPr>
+        <p:txBody>
+          <a:bodyPr>
+            <a:normAutofit/>
+          </a:bodyPr>
+          <a:lstStyle/>
+          <a:p>
+            <a:r>
+              <a:rPr lang="en-GB" b="1" dirty="0" smtClean="0"/>
+              <a:t>Using Your Own Build Facilities</a:t>
+            </a:r>
+            <a:endParaRPr lang="en-GB" b="1" dirty="0"/>
+          </a:p>
+        </p:txBody>
+      </p:sp>
+      <p:sp>
+        <p:nvSpPr>
+          <p:cNvPr id="3" name="Content Placeholder 2"/>
+          <p:cNvSpPr>
+            <a:spLocks noGrp="1"/>
+          </p:cNvSpPr>
+          <p:nvPr>
+            <p:ph idx="1"/>
+          </p:nvPr>
+        </p:nvSpPr>
+        <p:spPr>
+          <a:xfrm>
+            <a:off x="467544" y="1484784"/>
+            <a:ext cx="8229600" cy="5004556"/>
+          </a:xfrm>
+        </p:spPr>
+        <p:txBody>
+          <a:bodyPr>
+            <a:normAutofit fontScale="92500" lnSpcReduction="10000"/>
+          </a:bodyPr>
+          <a:lstStyle/>
+          <a:p>
+            <a:pPr marL="514350" indent="-514350">
+              <a:buFont typeface="+mj-lt"/>
+              <a:buAutoNum type="arabicPeriod"/>
+            </a:pPr>
+            <a:r>
+              <a:rPr lang="en-GB" dirty="0" smtClean="0"/>
+              <a:t>Ensure that:</a:t>
+            </a:r>
+          </a:p>
+          <a:p>
+            <a:pPr marL="914400" lvl="1" indent="-514350">
+              <a:buFont typeface="+mj-lt"/>
+              <a:buAutoNum type="alphaLcParenR"/>
+            </a:pPr>
+            <a:r>
+              <a:rPr lang="en-GB" dirty="0" smtClean="0"/>
+              <a:t>All relevant code/resources are checked out from </a:t>
+            </a:r>
+            <a:r>
+              <a:rPr lang="en-GB" dirty="0" err="1" smtClean="0"/>
+              <a:t>Mekon</a:t>
+            </a:r>
+            <a:r>
+              <a:rPr lang="en-GB" dirty="0" smtClean="0"/>
+              <a:t> project SVN</a:t>
+            </a:r>
+          </a:p>
+          <a:p>
+            <a:pPr marL="914400" lvl="1" indent="-514350">
+              <a:buFont typeface="+mj-lt"/>
+              <a:buAutoNum type="alphaLcParenR"/>
+            </a:pPr>
+            <a:r>
+              <a:rPr lang="en-GB" dirty="0" smtClean="0"/>
+              <a:t>All code from ALL sub-projects is built</a:t>
+            </a:r>
+          </a:p>
+          <a:p>
+            <a:pPr marL="914400" lvl="1" indent="-514350">
+              <a:buFont typeface="+mj-lt"/>
+              <a:buAutoNum type="alphaLcParenR"/>
+            </a:pPr>
+            <a:r>
+              <a:rPr lang="en-GB" dirty="0" smtClean="0"/>
+              <a:t>All code from “demo” folder is built</a:t>
+            </a:r>
+          </a:p>
+          <a:p>
+            <a:pPr marL="914400" lvl="1" indent="-514350">
+              <a:buFont typeface="+mj-lt"/>
+              <a:buAutoNum type="alphaLcParenR"/>
+            </a:pPr>
+            <a:r>
+              <a:rPr lang="en-GB" dirty="0" smtClean="0"/>
+              <a:t>The “demo/resource” folder (or preferably a copy of it) is on your runtime class-path</a:t>
+            </a:r>
+          </a:p>
+          <a:p>
+            <a:pPr marL="514350" indent="-514350">
+              <a:buFont typeface="+mj-lt"/>
+              <a:buAutoNum type="arabicPeriod"/>
+            </a:pPr>
+            <a:r>
+              <a:rPr lang="en-GB" dirty="0" smtClean="0"/>
+              <a:t>Invoke </a:t>
+            </a:r>
+            <a:r>
+              <a:rPr lang="en-GB" dirty="0" smtClean="0">
+                <a:latin typeface="Courier New" pitchFamily="49" charset="0"/>
+                <a:cs typeface="Courier New" pitchFamily="49" charset="0"/>
+              </a:rPr>
+              <a:t>main</a:t>
+            </a:r>
+            <a:r>
+              <a:rPr lang="en-GB" dirty="0" smtClean="0"/>
+              <a:t> method on class for relevant version of </a:t>
+            </a:r>
+            <a:r>
+              <a:rPr lang="en-GB" i="1" dirty="0" smtClean="0"/>
+              <a:t>Model Explorer</a:t>
+            </a:r>
+            <a:r>
+              <a:rPr lang="en-GB" dirty="0" smtClean="0"/>
+              <a:t>:</a:t>
+            </a:r>
+          </a:p>
+          <a:p>
+            <a:pPr marL="914400" lvl="1" indent="-514350"/>
+            <a:r>
+              <a:rPr lang="en-GB" dirty="0" smtClean="0">
+                <a:latin typeface="Courier New" pitchFamily="49" charset="0"/>
+                <a:cs typeface="Courier New" pitchFamily="49" charset="0"/>
+              </a:rPr>
+              <a:t>...</a:t>
+            </a:r>
+            <a:r>
+              <a:rPr lang="en-GB" dirty="0" err="1" smtClean="0">
+                <a:latin typeface="Courier New" pitchFamily="49" charset="0"/>
+                <a:cs typeface="Courier New" pitchFamily="49" charset="0"/>
+              </a:rPr>
+              <a:t>mekon.gui.MekonModelExplorer</a:t>
+            </a:r>
+            <a:endParaRPr lang="en-GB" dirty="0" smtClean="0">
+              <a:latin typeface="Courier New" pitchFamily="49" charset="0"/>
+              <a:cs typeface="Courier New" pitchFamily="49" charset="0"/>
+            </a:endParaRPr>
+          </a:p>
+          <a:p>
+            <a:pPr marL="914400" lvl="1" indent="-514350"/>
+            <a:r>
+              <a:rPr lang="en-GB" dirty="0" smtClean="0">
+                <a:latin typeface="Courier New" pitchFamily="49" charset="0"/>
+                <a:cs typeface="Courier New" pitchFamily="49" charset="0"/>
+              </a:rPr>
+              <a:t>...</a:t>
+            </a:r>
+            <a:r>
+              <a:rPr lang="en-GB" dirty="0" err="1" smtClean="0">
+                <a:latin typeface="Courier New" pitchFamily="49" charset="0"/>
+                <a:cs typeface="Courier New" pitchFamily="49" charset="0"/>
+              </a:rPr>
+              <a:t>hobo.gui.HoboModelExplorer</a:t>
+            </a:r>
+            <a:endParaRPr lang="en-GB" dirty="0" smtClean="0">
+              <a:latin typeface="Courier New" pitchFamily="49" charset="0"/>
+              <a:cs typeface="Courier New" pitchFamily="49" charset="0"/>
+            </a:endParaRPr>
           </a:p>
         </p:txBody>
       </p:sp>
@@ -19092,7 +20257,11 @@
           <a:p>
             <a:r>
               <a:rPr lang="en-GB" sz="2000" b="1" dirty="0" smtClean="0"/>
-              <a:t>Explanations:</a:t>
+              <a:t>Discussions</a:t>
+            </a:r>
+            <a:r>
+              <a:rPr lang="en-GB" sz="2000" b="1" dirty="0" smtClean="0"/>
+              <a:t>:</a:t>
             </a:r>
           </a:p>
           <a:p>
@@ -19102,7 +20271,11 @@
             </a:pPr>
             <a:r>
               <a:rPr lang="en-GB" dirty="0" smtClean="0"/>
-              <a:t>Explanations are provide of the functionalities being displayed as the actions are performed</a:t>
+              <a:t>Discussions are provided concerning the </a:t>
+            </a:r>
+            <a:r>
+              <a:rPr lang="en-GB" dirty="0" smtClean="0"/>
+              <a:t>functionalities being displayed as the actions are performed</a:t>
             </a:r>
           </a:p>
           <a:p>
@@ -19112,7 +20285,15 @@
             </a:pPr>
             <a:r>
               <a:rPr lang="en-GB" dirty="0" smtClean="0"/>
-              <a:t>Interspersed throughout are general explanations, not specifically linked to the actions on any particular slides, but more generally applicable to various actions on previous and/or subsequent slides</a:t>
+              <a:t>Interspersed throughout are general d</a:t>
+            </a:r>
+            <a:r>
+              <a:rPr lang="en-GB" dirty="0" smtClean="0"/>
+              <a:t>iscussions, </a:t>
+            </a:r>
+            <a:r>
+              <a:rPr lang="en-GB" dirty="0" smtClean="0"/>
+              <a:t>not specifically linked to the actions on any particular slides, but more generally applicable to various actions on previous and/or subsequent slides</a:t>
             </a:r>
           </a:p>
         </p:txBody>
@@ -19259,11 +20440,24 @@
                 <a:ea typeface="+mj-ea"/>
                 <a:cs typeface="+mj-cs"/>
               </a:rPr>
-              <a:t>Tutorial Format: </a:t>
-            </a:r>
-            <a:r>
-              <a:rPr lang="en-GB" sz="4400" b="1" dirty="0" smtClean="0"/>
-              <a:t>Main Body</a:t>
+              <a:t>Tutorial </a:t>
+            </a:r>
+            <a:r>
+              <a:rPr kumimoji="0" lang="en-GB" sz="4400" b="1" i="0" u="none" strike="noStrike" kern="1200" cap="none" spc="0" normalizeH="0" baseline="0" noProof="0" dirty="0" smtClean="0">
+                <a:ln>
+                  <a:noFill/>
+                </a:ln>
+                <a:solidFill>
+                  <a:schemeClr val="tx1"/>
+                </a:solidFill>
+                <a:effectLst/>
+                <a:uLnTx/>
+                <a:uFillTx/>
+                <a:latin typeface="+mj-lt"/>
+                <a:ea typeface="+mj-ea"/>
+                <a:cs typeface="+mj-cs"/>
+              </a:rPr>
+              <a:t>Format: Specifics</a:t>
             </a:r>
             <a:endParaRPr kumimoji="0" lang="en-GB" sz="4400" b="1" i="0" u="none" strike="noStrike" kern="1200" cap="none" spc="0" normalizeH="0" baseline="0" noProof="0" dirty="0" smtClean="0">
               <a:ln>
@@ -20485,15 +21679,7 @@
           <a:p>
             <a:r>
               <a:rPr lang="en-GB" sz="1600" b="1" dirty="0" smtClean="0"/>
-              <a:t>Entity, or Entity-Type</a:t>
-            </a:r>
-            <a:r>
-              <a:rPr lang="en-GB" sz="1600" b="1" dirty="0" smtClean="0"/>
-              <a:t>,</a:t>
-            </a:r>
-            <a:r>
-              <a:rPr lang="en-GB" sz="1600" b="1" dirty="0" smtClean="0"/>
-              <a:t> Source</a:t>
+              <a:t>Entity, or Entity-Type, Source</a:t>
             </a:r>
             <a:endParaRPr lang="en-GB" sz="1600" b="1" dirty="0"/>
           </a:p>
@@ -21239,11 +22425,7 @@
             </a:r>
             <a:r>
               <a:rPr lang="en-GB" sz="1600" dirty="0" smtClean="0"/>
-              <a:t>Representation of domain </a:t>
-            </a:r>
-            <a:r>
-              <a:rPr lang="en-GB" sz="1600" dirty="0" smtClean="0"/>
-              <a:t>model:</a:t>
+              <a:t>Representation of domain model:</a:t>
             </a:r>
           </a:p>
           <a:p>
@@ -21368,11 +22550,7 @@
             </a:r>
             <a:r>
               <a:rPr lang="en-GB" sz="1600" dirty="0" smtClean="0"/>
-              <a:t>Representation of specific instantiations of domain </a:t>
-            </a:r>
-            <a:r>
-              <a:rPr lang="en-GB" sz="1600" dirty="0" smtClean="0"/>
-              <a:t>model:</a:t>
+              <a:t>Representation of specific instantiations of domain model:</a:t>
             </a:r>
           </a:p>
           <a:p>
@@ -21497,11 +22675,7 @@
             </a:r>
             <a:r>
               <a:rPr lang="en-GB" sz="1600" dirty="0" smtClean="0"/>
-              <a:t>Representation of references to domain model </a:t>
-            </a:r>
-            <a:r>
-              <a:rPr lang="en-GB" sz="1600" dirty="0" smtClean="0"/>
-              <a:t>entities:</a:t>
+              <a:t>Representation of references to domain model entities:</a:t>
             </a:r>
           </a:p>
           <a:p>

--- a/trunk/docs/MEKON-HOBO Introductory Tutorial.pptx
+++ b/trunk/docs/MEKON-HOBO Introductory Tutorial.pptx
@@ -56,9 +56,9 @@
     <p:sldId id="321" r:id="rId50"/>
     <p:sldId id="322" r:id="rId51"/>
     <p:sldId id="319" r:id="rId52"/>
-    <p:sldId id="333" r:id="rId53"/>
-    <p:sldId id="323" r:id="rId54"/>
-    <p:sldId id="334" r:id="rId55"/>
+    <p:sldId id="336" r:id="rId53"/>
+    <p:sldId id="333" r:id="rId54"/>
+    <p:sldId id="323" r:id="rId55"/>
     <p:sldId id="324" r:id="rId56"/>
     <p:sldId id="326" r:id="rId57"/>
     <p:sldId id="293" r:id="rId58"/>
@@ -347,7 +347,7 @@
             <a:fld id="{91893DBC-7519-4EA7-8165-AFD94A974DB8}" type="datetimeFigureOut">
               <a:rPr lang="en-GB" smtClean="0"/>
               <a:pPr/>
-              <a:t>29/01/2015</a:t>
+              <a:t>30/01/2015</a:t>
             </a:fld>
             <a:endParaRPr lang="en-GB"/>
           </a:p>
@@ -514,7 +514,7 @@
             <a:fld id="{91893DBC-7519-4EA7-8165-AFD94A974DB8}" type="datetimeFigureOut">
               <a:rPr lang="en-GB" smtClean="0"/>
               <a:pPr/>
-              <a:t>29/01/2015</a:t>
+              <a:t>30/01/2015</a:t>
             </a:fld>
             <a:endParaRPr lang="en-GB"/>
           </a:p>
@@ -691,7 +691,7 @@
             <a:fld id="{91893DBC-7519-4EA7-8165-AFD94A974DB8}" type="datetimeFigureOut">
               <a:rPr lang="en-GB" smtClean="0"/>
               <a:pPr/>
-              <a:t>29/01/2015</a:t>
+              <a:t>30/01/2015</a:t>
             </a:fld>
             <a:endParaRPr lang="en-GB"/>
           </a:p>
@@ -858,7 +858,7 @@
             <a:fld id="{91893DBC-7519-4EA7-8165-AFD94A974DB8}" type="datetimeFigureOut">
               <a:rPr lang="en-GB" smtClean="0"/>
               <a:pPr/>
-              <a:t>29/01/2015</a:t>
+              <a:t>30/01/2015</a:t>
             </a:fld>
             <a:endParaRPr lang="en-GB"/>
           </a:p>
@@ -1101,7 +1101,7 @@
             <a:fld id="{91893DBC-7519-4EA7-8165-AFD94A974DB8}" type="datetimeFigureOut">
               <a:rPr lang="en-GB" smtClean="0"/>
               <a:pPr/>
-              <a:t>29/01/2015</a:t>
+              <a:t>30/01/2015</a:t>
             </a:fld>
             <a:endParaRPr lang="en-GB"/>
           </a:p>
@@ -1386,7 +1386,7 @@
             <a:fld id="{91893DBC-7519-4EA7-8165-AFD94A974DB8}" type="datetimeFigureOut">
               <a:rPr lang="en-GB" smtClean="0"/>
               <a:pPr/>
-              <a:t>29/01/2015</a:t>
+              <a:t>30/01/2015</a:t>
             </a:fld>
             <a:endParaRPr lang="en-GB"/>
           </a:p>
@@ -1805,7 +1805,7 @@
             <a:fld id="{91893DBC-7519-4EA7-8165-AFD94A974DB8}" type="datetimeFigureOut">
               <a:rPr lang="en-GB" smtClean="0"/>
               <a:pPr/>
-              <a:t>29/01/2015</a:t>
+              <a:t>30/01/2015</a:t>
             </a:fld>
             <a:endParaRPr lang="en-GB"/>
           </a:p>
@@ -1920,7 +1920,7 @@
             <a:fld id="{91893DBC-7519-4EA7-8165-AFD94A974DB8}" type="datetimeFigureOut">
               <a:rPr lang="en-GB" smtClean="0"/>
               <a:pPr/>
-              <a:t>29/01/2015</a:t>
+              <a:t>30/01/2015</a:t>
             </a:fld>
             <a:endParaRPr lang="en-GB"/>
           </a:p>
@@ -2012,7 +2012,7 @@
             <a:fld id="{91893DBC-7519-4EA7-8165-AFD94A974DB8}" type="datetimeFigureOut">
               <a:rPr lang="en-GB" smtClean="0"/>
               <a:pPr/>
-              <a:t>29/01/2015</a:t>
+              <a:t>30/01/2015</a:t>
             </a:fld>
             <a:endParaRPr lang="en-GB"/>
           </a:p>
@@ -2286,7 +2286,7 @@
             <a:fld id="{91893DBC-7519-4EA7-8165-AFD94A974DB8}" type="datetimeFigureOut">
               <a:rPr lang="en-GB" smtClean="0"/>
               <a:pPr/>
-              <a:t>29/01/2015</a:t>
+              <a:t>30/01/2015</a:t>
             </a:fld>
             <a:endParaRPr lang="en-GB"/>
           </a:p>
@@ -2536,7 +2536,7 @@
             <a:fld id="{91893DBC-7519-4EA7-8165-AFD94A974DB8}" type="datetimeFigureOut">
               <a:rPr lang="en-GB" smtClean="0"/>
               <a:pPr/>
-              <a:t>29/01/2015</a:t>
+              <a:t>30/01/2015</a:t>
             </a:fld>
             <a:endParaRPr lang="en-GB"/>
           </a:p>
@@ -2752,7 +2752,7 @@
             <a:fld id="{91893DBC-7519-4EA7-8165-AFD94A974DB8}" type="datetimeFigureOut">
               <a:rPr lang="en-GB" smtClean="0"/>
               <a:pPr/>
-              <a:t>29/01/2015</a:t>
+              <a:t>30/01/2015</a:t>
             </a:fld>
             <a:endParaRPr lang="en-GB"/>
           </a:p>
@@ -3303,7 +3303,6 @@
               <a:rPr lang="en-GB" sz="2400" b="1" dirty="0" smtClean="0"/>
               <a:t>Frames Model Entities</a:t>
             </a:r>
-            <a:endParaRPr lang="en-GB" sz="2400" b="1" dirty="0" smtClean="0"/>
           </a:p>
           <a:p>
             <a:endParaRPr lang="en-GB" sz="1600" dirty="0" smtClean="0"/>
@@ -3311,11 +3310,7 @@
           <a:p>
             <a:r>
               <a:rPr lang="en-GB" sz="1600" dirty="0" smtClean="0"/>
-              <a:t>The FM representation includes entities </a:t>
-            </a:r>
-            <a:r>
-              <a:rPr lang="en-GB" sz="1600" dirty="0" smtClean="0"/>
-              <a:t>at three distinct representational levels:</a:t>
+              <a:t>The FM representation includes entities at three distinct representational levels:</a:t>
             </a:r>
           </a:p>
           <a:p>
@@ -3616,13 +3611,8 @@
             </a:r>
             <a:r>
               <a:rPr lang="en-GB" sz="1600" dirty="0" smtClean="0"/>
-              <a:t>-valued slots</a:t>
-            </a:r>
-            <a:r>
-              <a:rPr lang="en-GB" sz="1600" dirty="0" smtClean="0"/>
-              <a:t>)</a:t>
-            </a:r>
-            <a:endParaRPr lang="en-GB" sz="1600" dirty="0" smtClean="0"/>
+              <a:t>-valued slots)</a:t>
+            </a:r>
           </a:p>
         </p:txBody>
       </p:sp>
@@ -4109,15 +4099,7 @@
           <a:p>
             <a:r>
               <a:rPr lang="en-GB" sz="1600" dirty="0" smtClean="0"/>
-              <a:t>Basic MEKON FMs are derived entirely from one or more EKSs. This contrasts with hybrid </a:t>
-            </a:r>
-            <a:r>
-              <a:rPr lang="en-GB" sz="1600" dirty="0" smtClean="0"/>
-              <a:t>HOBO/MEKON </a:t>
-            </a:r>
-            <a:r>
-              <a:rPr lang="en-GB" sz="1600" dirty="0" smtClean="0"/>
-              <a:t>models, in which part of the FM is derived from a HOBO-based OM.</a:t>
+              <a:t>Basic MEKON FMs are derived entirely from one or more EKSs. This contrasts with hybrid HOBO/MEKON models, in which part of the FM is derived from a HOBO-based OM.</a:t>
             </a:r>
           </a:p>
           <a:p>
@@ -4136,31 +4118,7 @@
               <a:rPr lang="en-GB" sz="1600" dirty="0" smtClean="0">
                 <a:cs typeface="Courier New" pitchFamily="49" charset="0"/>
               </a:rPr>
-              <a:t>In the case of the demo model, the basic version of the FM is </a:t>
-            </a:r>
-            <a:r>
-              <a:rPr lang="en-GB" sz="1600" dirty="0" smtClean="0">
-                <a:cs typeface="Courier New" pitchFamily="49" charset="0"/>
-              </a:rPr>
-              <a:t>derived from </a:t>
-            </a:r>
-            <a:r>
-              <a:rPr lang="en-GB" sz="1600" dirty="0" smtClean="0">
-                <a:cs typeface="Courier New" pitchFamily="49" charset="0"/>
-              </a:rPr>
-              <a:t>an OWL ontology, </a:t>
-            </a:r>
-            <a:r>
-              <a:rPr lang="en-GB" sz="1600" dirty="0" smtClean="0">
-                <a:cs typeface="Courier New" pitchFamily="49" charset="0"/>
-              </a:rPr>
-              <a:t>and built by the </a:t>
-            </a:r>
-            <a:r>
-              <a:rPr lang="en-GB" sz="1600" dirty="0" smtClean="0">
-                <a:cs typeface="Courier New" pitchFamily="49" charset="0"/>
-              </a:rPr>
-              <a:t>standard MEKON-OWL plug-in. This plug-in uses some fairly obvious mappings, such as:</a:t>
+              <a:t>In the case of the demo model, the basic version of the FM is derived from an OWL ontology, and built by the standard MEKON-OWL plug-in. This plug-in uses some fairly obvious mappings, such as:</a:t>
             </a:r>
           </a:p>
           <a:p>
@@ -4236,21 +4194,7 @@
                 <a:cs typeface="Courier New" pitchFamily="49" charset="0"/>
                 <a:sym typeface="Wingdings" pitchFamily="2" charset="2"/>
               </a:rPr>
-              <a:t>e</a:t>
-            </a:r>
-            <a:r>
-              <a:rPr lang="en-GB" sz="1600" i="1" dirty="0" smtClean="0">
-                <a:cs typeface="Courier New" pitchFamily="49" charset="0"/>
-                <a:sym typeface="Wingdings" pitchFamily="2" charset="2"/>
-              </a:rPr>
-              <a:t>tc</a:t>
-            </a:r>
-            <a:r>
-              <a:rPr lang="en-GB" sz="1600" i="1" dirty="0" smtClean="0">
-                <a:cs typeface="Courier New" pitchFamily="49" charset="0"/>
-                <a:sym typeface="Wingdings" pitchFamily="2" charset="2"/>
-              </a:rPr>
-              <a:t>.</a:t>
+              <a:t>etc.</a:t>
             </a:r>
           </a:p>
           <a:p>
@@ -4270,19 +4214,7 @@
               <a:rPr lang="en-GB" sz="1600" dirty="0" smtClean="0">
                 <a:cs typeface="Courier New" pitchFamily="49" charset="0"/>
               </a:rPr>
-              <a:t>This file directs the entire model building process, specifying the relevant model-building plug-in(s), and any required reasoning plug-ins </a:t>
-            </a:r>
-            <a:r>
-              <a:rPr lang="en-GB" sz="1600" dirty="0" smtClean="0">
-                <a:cs typeface="Courier New" pitchFamily="49" charset="0"/>
-              </a:rPr>
-              <a:t>(</a:t>
-            </a:r>
-            <a:r>
-              <a:rPr lang="en-GB" sz="1600" dirty="0" smtClean="0">
-                <a:cs typeface="Courier New" pitchFamily="49" charset="0"/>
-              </a:rPr>
-              <a:t>such as the MEKON-OWL reasoning plug-in), and providing the required configuration information for each.</a:t>
+              <a:t>This file directs the entire model building process, specifying the relevant model-building plug-in(s), and any required reasoning plug-ins (such as the MEKON-OWL reasoning plug-in), and providing the required configuration information for each.</a:t>
             </a:r>
           </a:p>
           <a:p>
@@ -4295,13 +4227,7 @@
               <a:rPr lang="en-GB" sz="1600" dirty="0" smtClean="0">
                 <a:cs typeface="Courier New" pitchFamily="49" charset="0"/>
               </a:rPr>
-              <a:t>The same file is also used to specify the OM </a:t>
-            </a:r>
-            <a:r>
-              <a:rPr lang="en-GB" sz="1600" dirty="0" smtClean="0">
-                <a:cs typeface="Courier New" pitchFamily="49" charset="0"/>
-              </a:rPr>
-              <a:t>for hybrid </a:t>
+              <a:t>The same file is also used to specify the OM for hybrid </a:t>
             </a:r>
             <a:r>
               <a:rPr lang="en-GB" sz="1600" dirty="0" smtClean="0"/>
@@ -4680,11 +4606,7 @@
           <a:p>
             <a:r>
               <a:rPr lang="en-GB" sz="1600" b="1" dirty="0" smtClean="0"/>
-              <a:t>Value-Types</a:t>
-            </a:r>
-            <a:r>
-              <a:rPr lang="en-GB" sz="1600" b="1" dirty="0" smtClean="0"/>
-              <a:t>: </a:t>
+              <a:t>Value-Types: </a:t>
             </a:r>
             <a:r>
               <a:rPr lang="en-GB" sz="1600" dirty="0" smtClean="0">
@@ -4703,13 +4625,7 @@
               <a:rPr lang="en-GB" sz="1600" dirty="0" smtClean="0">
                 <a:cs typeface="Courier New" pitchFamily="49" charset="0"/>
               </a:rPr>
-              <a:t> provides a value-type, which defines the valid values for </a:t>
-            </a:r>
-            <a:r>
-              <a:rPr lang="en-GB" sz="1600" dirty="0" smtClean="0">
-                <a:cs typeface="Courier New" pitchFamily="49" charset="0"/>
-              </a:rPr>
-              <a:t>any </a:t>
+              <a:t> provides a value-type, which defines the valid values for any </a:t>
             </a:r>
             <a:r>
               <a:rPr lang="en-GB" sz="1600" dirty="0" err="1" smtClean="0">
@@ -4728,33 +4644,14 @@
               <a:rPr lang="en-GB" sz="1600" dirty="0" smtClean="0">
                 <a:cs typeface="Courier New" pitchFamily="49" charset="0"/>
               </a:rPr>
-              <a:t> </a:t>
-            </a:r>
-            <a:r>
-              <a:rPr lang="en-GB" sz="1600" dirty="0" smtClean="0">
-                <a:cs typeface="Courier New" pitchFamily="49" charset="0"/>
-              </a:rPr>
-              <a:t>that </a:t>
-            </a:r>
-            <a:r>
-              <a:rPr lang="en-GB" sz="1600" dirty="0" smtClean="0">
-                <a:cs typeface="Courier New" pitchFamily="49" charset="0"/>
-              </a:rPr>
-              <a:t>will be created as instantiations of that </a:t>
+              <a:t> that will be created as instantiations of that </a:t>
             </a:r>
             <a:r>
               <a:rPr lang="en-GB" sz="1600" dirty="0" err="1" smtClean="0">
                 <a:latin typeface="Courier New" pitchFamily="49" charset="0"/>
                 <a:cs typeface="Courier New" pitchFamily="49" charset="0"/>
               </a:rPr>
-              <a:t>C</a:t>
-            </a:r>
-            <a:r>
-              <a:rPr lang="en-GB" sz="1600" dirty="0" err="1" smtClean="0">
-                <a:latin typeface="Courier New" pitchFamily="49" charset="0"/>
-                <a:cs typeface="Courier New" pitchFamily="49" charset="0"/>
-              </a:rPr>
-              <a:t>Slot</a:t>
+              <a:t>CSlot</a:t>
             </a:r>
             <a:r>
               <a:rPr lang="en-GB" sz="1600" dirty="0" smtClean="0">
@@ -4762,9 +4659,6 @@
               </a:rPr>
               <a:t>. Possible value-types are:</a:t>
             </a:r>
-            <a:endParaRPr lang="en-GB" sz="1600" dirty="0" smtClean="0">
-              <a:cs typeface="Courier New" pitchFamily="49" charset="0"/>
-            </a:endParaRPr>
           </a:p>
           <a:p>
             <a:endParaRPr lang="en-GB" sz="800" dirty="0" smtClean="0">
@@ -4929,25 +4823,7 @@
               <a:rPr lang="en-GB" sz="1600" dirty="0" smtClean="0">
                 <a:cs typeface="Courier New" pitchFamily="49" charset="0"/>
               </a:rPr>
-              <a:t>Note that a </a:t>
-            </a:r>
-            <a:r>
-              <a:rPr lang="en-GB" sz="1600" dirty="0" smtClean="0">
-                <a:cs typeface="Courier New" pitchFamily="49" charset="0"/>
-              </a:rPr>
-              <a:t>value-type specifies values </a:t>
-            </a:r>
-            <a:r>
-              <a:rPr lang="en-GB" sz="1600" dirty="0" smtClean="0">
-                <a:cs typeface="Courier New" pitchFamily="49" charset="0"/>
-              </a:rPr>
-              <a:t>at the next representation </a:t>
-            </a:r>
-            <a:r>
-              <a:rPr lang="en-GB" sz="1600" dirty="0" smtClean="0">
-                <a:cs typeface="Courier New" pitchFamily="49" charset="0"/>
-              </a:rPr>
-              <a:t>level down from itself. </a:t>
+              <a:t>Note that a value-type specifies values at the next representation level down from itself. </a:t>
             </a:r>
           </a:p>
           <a:p>
@@ -4956,11 +4832,7 @@
           <a:p>
             <a:r>
               <a:rPr lang="en-GB" sz="1600" b="1" dirty="0" smtClean="0"/>
-              <a:t>Cardinality</a:t>
-            </a:r>
-            <a:r>
-              <a:rPr lang="en-GB" sz="1600" b="1" dirty="0" smtClean="0"/>
-              <a:t>: </a:t>
+              <a:t>Cardinality: </a:t>
             </a:r>
             <a:r>
               <a:rPr lang="en-GB" sz="1600" dirty="0" smtClean="0">
@@ -4991,13 +4863,7 @@
               <a:rPr lang="en-GB" sz="1600" dirty="0" smtClean="0">
                 <a:cs typeface="Courier New" pitchFamily="49" charset="0"/>
               </a:rPr>
-              <a:t>, </a:t>
-            </a:r>
-            <a:r>
-              <a:rPr lang="en-GB" sz="1600" dirty="0" smtClean="0">
-                <a:cs typeface="Courier New" pitchFamily="49" charset="0"/>
-              </a:rPr>
-              <a:t>specified via the </a:t>
+              <a:t>, specified via the </a:t>
             </a:r>
             <a:r>
               <a:rPr lang="en-GB" sz="1600" dirty="0" err="1" smtClean="0">
@@ -5050,11 +4916,7 @@
             </a:r>
             <a:r>
               <a:rPr lang="en-GB" sz="1600" dirty="0" smtClean="0"/>
-              <a:t>Multi-valued slot - any </a:t>
-            </a:r>
-            <a:r>
-              <a:rPr lang="en-GB" sz="1600" dirty="0" smtClean="0"/>
-              <a:t>combination of legal values permitted</a:t>
+              <a:t>Multi-valued slot - any combination of legal values permitted</a:t>
             </a:r>
             <a:endParaRPr lang="en-GB" sz="1600" dirty="0" smtClean="0">
               <a:latin typeface="Courier New" pitchFamily="49" charset="0"/>
@@ -5081,19 +4943,7 @@
             </a:r>
             <a:r>
               <a:rPr lang="en-GB" sz="1600" dirty="0" smtClean="0"/>
-              <a:t>Multi-valued </a:t>
-            </a:r>
-            <a:r>
-              <a:rPr lang="en-GB" sz="1600" dirty="0" smtClean="0"/>
-              <a:t>slot - </a:t>
-            </a:r>
-            <a:r>
-              <a:rPr lang="en-GB" sz="1600" dirty="0" smtClean="0"/>
-              <a:t>value-types </a:t>
-            </a:r>
-            <a:r>
-              <a:rPr lang="en-GB" sz="1600" dirty="0" smtClean="0"/>
-              <a:t>cannot duplicate or subsume one another</a:t>
+              <a:t>Multi-valued slot - value-types cannot duplicate or subsume one another</a:t>
             </a:r>
             <a:endParaRPr lang="en-GB" sz="1600" dirty="0" smtClean="0">
               <a:latin typeface="Courier New" pitchFamily="49" charset="0"/>
@@ -5120,11 +4970,7 @@
             </a:r>
             <a:r>
               <a:rPr lang="en-GB" sz="1600" dirty="0" smtClean="0"/>
-              <a:t>Single </a:t>
-            </a:r>
-            <a:r>
-              <a:rPr lang="en-GB" sz="1600" dirty="0" smtClean="0"/>
-              <a:t>valued slot</a:t>
+              <a:t>Single valued slot</a:t>
             </a:r>
             <a:endParaRPr lang="en-GB" sz="800" dirty="0" smtClean="0">
               <a:latin typeface="Courier New" pitchFamily="49" charset="0"/>
@@ -5171,13 +5017,7 @@
               <a:rPr lang="en-GB" sz="1600" dirty="0" smtClean="0">
                 <a:cs typeface="Courier New" pitchFamily="49" charset="0"/>
               </a:rPr>
-              <a:t> </a:t>
-            </a:r>
-            <a:r>
-              <a:rPr lang="en-GB" sz="1600" dirty="0" smtClean="0">
-                <a:cs typeface="Courier New" pitchFamily="49" charset="0"/>
-              </a:rPr>
-              <a:t>for instantiations of specific </a:t>
+              <a:t> for instantiations of specific </a:t>
             </a:r>
             <a:r>
               <a:rPr lang="en-GB" sz="1600" dirty="0" err="1" smtClean="0">
@@ -5484,19 +5324,7 @@
             </a:r>
             <a:r>
               <a:rPr lang="en-GB" sz="1600" dirty="0" smtClean="0"/>
-              <a:t>-valued slot </a:t>
-            </a:r>
-            <a:r>
-              <a:rPr lang="en-GB" sz="1600" dirty="0" smtClean="0"/>
-              <a:t>/ v</a:t>
-            </a:r>
-            <a:r>
-              <a:rPr lang="en-GB" sz="1600" dirty="0" smtClean="0"/>
-              <a:t>alues </a:t>
-            </a:r>
-            <a:r>
-              <a:rPr lang="en-GB" sz="1600" dirty="0" smtClean="0"/>
-              <a:t>must be instantiations of the </a:t>
+              <a:t>-valued slot / values must be instantiations of the </a:t>
             </a:r>
             <a:r>
               <a:rPr lang="en-GB" sz="1600" dirty="0" smtClean="0">
@@ -5532,15 +5360,7 @@
             </a:r>
             <a:r>
               <a:rPr lang="en-GB" sz="1600" dirty="0" smtClean="0"/>
-              <a:t>: Integer-valued  slot </a:t>
-            </a:r>
-            <a:r>
-              <a:rPr lang="en-GB" sz="1600" dirty="0" smtClean="0"/>
-              <a:t>/ value-type </a:t>
-            </a:r>
-            <a:r>
-              <a:rPr lang="en-GB" sz="1600" dirty="0" smtClean="0"/>
-              <a:t>is a </a:t>
+              <a:t>: Integer-valued  slot / value-type is a </a:t>
             </a:r>
             <a:r>
               <a:rPr lang="en-GB" sz="1600" dirty="0" err="1" smtClean="0">
@@ -5562,13 +5382,8 @@
             </a:r>
             <a:r>
               <a:rPr lang="en-GB" sz="1600" dirty="0" smtClean="0"/>
-              <a:t> </a:t>
-            </a:r>
-            <a:r>
-              <a:rPr lang="en-GB" sz="1600" dirty="0" smtClean="0"/>
-              <a:t>values</a:t>
-            </a:r>
-            <a:endParaRPr lang="en-GB" sz="1600" dirty="0" smtClean="0"/>
+              <a:t> values</a:t>
+            </a:r>
           </a:p>
         </p:txBody>
       </p:sp>
@@ -5856,13 +5671,8 @@
             </a:r>
             <a:r>
               <a:rPr lang="en-GB" sz="1600" dirty="0" smtClean="0"/>
-              <a:t> in LH </a:t>
-            </a:r>
-            <a:r>
-              <a:rPr lang="en-GB" sz="1600" dirty="0" smtClean="0"/>
-              <a:t>panel</a:t>
-            </a:r>
-            <a:endParaRPr lang="en-GB" sz="1600" dirty="0" smtClean="0"/>
+              <a:t> in LH panel</a:t>
+            </a:r>
           </a:p>
         </p:txBody>
       </p:sp>
@@ -6488,15 +6298,7 @@
             </a:r>
             <a:r>
               <a:rPr lang="en-GB" sz="1600" dirty="0" smtClean="0"/>
-              <a:t> </a:t>
-            </a:r>
-            <a:r>
-              <a:rPr lang="en-GB" sz="1600" dirty="0" smtClean="0"/>
-              <a:t>that represents </a:t>
-            </a:r>
-            <a:r>
-              <a:rPr lang="en-GB" sz="1600" dirty="0" smtClean="0"/>
-              <a:t>value-type of </a:t>
+              <a:t> that represents value-type of </a:t>
             </a:r>
             <a:r>
               <a:rPr lang="en-GB" sz="1600" dirty="0" smtClean="0">
@@ -6666,13 +6468,7 @@
               <a:rPr lang="en-GB" sz="1600" dirty="0" smtClean="0">
                 <a:cs typeface="Courier New" pitchFamily="49" charset="0"/>
               </a:rPr>
-              <a:t>, with each representing a particular instantiation of </a:t>
-            </a:r>
-            <a:r>
-              <a:rPr lang="en-GB" sz="1600" dirty="0" smtClean="0">
-                <a:cs typeface="Courier New" pitchFamily="49" charset="0"/>
-              </a:rPr>
-              <a:t>a particular </a:t>
+              <a:t>, with each representing a particular instantiation of a particular </a:t>
             </a:r>
             <a:r>
               <a:rPr lang="en-GB" sz="1600" dirty="0" err="1" smtClean="0">
@@ -6685,13 +6481,7 @@
               <a:rPr lang="en-GB" sz="1600" dirty="0" smtClean="0">
                 <a:cs typeface="Courier New" pitchFamily="49" charset="0"/>
               </a:rPr>
-              <a:t> </a:t>
-            </a:r>
-            <a:r>
-              <a:rPr lang="en-GB" sz="1600" dirty="0" smtClean="0">
-                <a:cs typeface="Courier New" pitchFamily="49" charset="0"/>
-              </a:rPr>
-              <a:t>or </a:t>
+              <a:t> or </a:t>
             </a:r>
             <a:r>
               <a:rPr lang="en-GB" sz="1600" dirty="0" err="1" smtClean="0">
@@ -7048,15 +6838,7 @@
             </a:r>
             <a:r>
               <a:rPr lang="en-GB" sz="1600" dirty="0" smtClean="0"/>
-              <a:t> in the RH panel to update </a:t>
-            </a:r>
-            <a:r>
-              <a:rPr lang="en-GB" sz="1600" dirty="0" smtClean="0"/>
-              <a:t>selection in </a:t>
-            </a:r>
-            <a:r>
-              <a:rPr lang="en-GB" sz="1600" dirty="0" smtClean="0"/>
-              <a:t>LH panel (and hence to update displayed details in RH panel)</a:t>
+              <a:t> in the RH panel to update selection in LH panel (and hence to update displayed details in RH panel)</a:t>
             </a:r>
           </a:p>
           <a:p>
@@ -7191,15 +6973,7 @@
             </a:r>
             <a:r>
               <a:rPr lang="en-GB" sz="1600" dirty="0" smtClean="0"/>
-              <a:t> </a:t>
-            </a:r>
-            <a:r>
-              <a:rPr lang="en-GB" sz="1600" dirty="0" smtClean="0"/>
-              <a:t>in </a:t>
-            </a:r>
-            <a:r>
-              <a:rPr lang="en-GB" sz="1600" dirty="0" smtClean="0"/>
-              <a:t>LH panel </a:t>
+              <a:t> in LH panel </a:t>
             </a:r>
             <a:endParaRPr lang="en-GB" sz="1600" dirty="0" smtClean="0">
               <a:cs typeface="Courier New" pitchFamily="49" charset="0"/>
@@ -7424,13 +7198,7 @@
               <a:rPr lang="en-GB" sz="1600" dirty="0" smtClean="0">
                 <a:cs typeface="Courier New" pitchFamily="49" charset="0"/>
               </a:rPr>
-              <a:t>* See </a:t>
-            </a:r>
-            <a:r>
-              <a:rPr lang="en-GB" sz="1600" dirty="0" smtClean="0">
-                <a:cs typeface="Courier New" pitchFamily="49" charset="0"/>
-              </a:rPr>
-              <a:t>subsequent slides for further explanation of </a:t>
+              <a:t>* See subsequent slides for further explanation of </a:t>
             </a:r>
             <a:r>
               <a:rPr lang="en-GB" sz="1600" dirty="0" err="1" smtClean="0">
@@ -7830,15 +7598,7 @@
           <a:p>
             <a:r>
               <a:rPr lang="en-GB" dirty="0" smtClean="0"/>
-              <a:t>Covering general </a:t>
-            </a:r>
-            <a:r>
-              <a:rPr lang="en-GB" dirty="0" smtClean="0"/>
-              <a:t>principles + </a:t>
-            </a:r>
-            <a:r>
-              <a:rPr lang="en-GB" dirty="0" smtClean="0"/>
-              <a:t>concepts</a:t>
+              <a:t>Covering general principles + concepts</a:t>
             </a:r>
           </a:p>
           <a:p>
@@ -7862,15 +7622,7 @@
           <a:p>
             <a:r>
               <a:rPr lang="en-GB" dirty="0" smtClean="0"/>
-              <a:t>NOT </a:t>
-            </a:r>
-            <a:r>
-              <a:rPr lang="en-GB" dirty="0" smtClean="0"/>
-              <a:t>covering code-level </a:t>
-            </a:r>
-            <a:r>
-              <a:rPr lang="en-GB" dirty="0" smtClean="0"/>
-              <a:t>examples</a:t>
+              <a:t>NOT covering code-level examples</a:t>
             </a:r>
           </a:p>
         </p:txBody>
@@ -7993,43 +7745,7 @@
               <a:rPr lang="en-GB" sz="1600" dirty="0" smtClean="0">
                 <a:cs typeface="Courier New" pitchFamily="49" charset="0"/>
               </a:rPr>
-              <a:t> network) is updated by the client, additional dynamic updates may be automatically provided by appropriate reasoning plug-ins. In the case of the demo-model, this means the MEKON-OWL reasoning plug-in (see next </a:t>
-            </a:r>
-            <a:r>
-              <a:rPr lang="en-GB" sz="1600" dirty="0" smtClean="0">
-                <a:cs typeface="Courier New" pitchFamily="49" charset="0"/>
-              </a:rPr>
-              <a:t>slide). It is </a:t>
-            </a:r>
-            <a:r>
-              <a:rPr lang="en-GB" sz="1600" dirty="0" smtClean="0">
-                <a:cs typeface="Courier New" pitchFamily="49" charset="0"/>
-              </a:rPr>
-              <a:t>possible </a:t>
-            </a:r>
-            <a:r>
-              <a:rPr lang="en-GB" sz="1600" dirty="0" smtClean="0">
-                <a:cs typeface="Courier New" pitchFamily="49" charset="0"/>
-              </a:rPr>
-              <a:t>however that </a:t>
-            </a:r>
-            <a:r>
-              <a:rPr lang="en-GB" sz="1600" dirty="0" smtClean="0">
-                <a:cs typeface="Courier New" pitchFamily="49" charset="0"/>
-              </a:rPr>
-              <a:t>a range of plug-ins could be </a:t>
-            </a:r>
-            <a:r>
-              <a:rPr lang="en-GB" sz="1600" dirty="0" smtClean="0">
-                <a:cs typeface="Courier New" pitchFamily="49" charset="0"/>
-              </a:rPr>
-              <a:t>implemented for different EKS, </a:t>
-            </a:r>
-            <a:r>
-              <a:rPr lang="en-GB" sz="1600" dirty="0" smtClean="0">
-                <a:cs typeface="Courier New" pitchFamily="49" charset="0"/>
-              </a:rPr>
-              <a:t>with possibly multiple plug-ins operating on a single FM, with each covering a different section of the model.</a:t>
+              <a:t> network) is updated by the client, additional dynamic updates may be automatically provided by appropriate reasoning plug-ins. In the case of the demo-model, this means the MEKON-OWL reasoning plug-in (see next slide). It is possible however that a range of plug-ins could be implemented for different EKS, with possibly multiple plug-ins operating on a single FM, with each covering a different section of the model.</a:t>
             </a:r>
           </a:p>
           <a:p>
@@ -8181,29 +7897,8 @@
               <a:rPr lang="en-GB" sz="1600" dirty="0" smtClean="0">
                 <a:cs typeface="Courier New" pitchFamily="49" charset="0"/>
               </a:rPr>
-              <a:t>Reasoning plug-ins can also provide the following additional </a:t>
-            </a:r>
-            <a:r>
-              <a:rPr lang="en-GB" sz="1600" dirty="0" smtClean="0">
-                <a:cs typeface="Courier New" pitchFamily="49" charset="0"/>
-              </a:rPr>
-              <a:t>information (which </a:t>
-            </a:r>
-            <a:r>
-              <a:rPr lang="en-GB" sz="1600" dirty="0" smtClean="0">
-                <a:cs typeface="Courier New" pitchFamily="49" charset="0"/>
-              </a:rPr>
-              <a:t>is actually meta-data about the instantiation in it’s current state, rather than actual instantiation </a:t>
-            </a:r>
-            <a:r>
-              <a:rPr lang="en-GB" sz="1600" dirty="0" smtClean="0">
-                <a:cs typeface="Courier New" pitchFamily="49" charset="0"/>
-              </a:rPr>
-              <a:t>updates):</a:t>
-            </a:r>
-            <a:endParaRPr lang="en-GB" sz="1600" dirty="0" smtClean="0">
-              <a:cs typeface="Courier New" pitchFamily="49" charset="0"/>
-            </a:endParaRPr>
+              <a:t>Reasoning plug-ins can also provide the following additional information (which is actually meta-data about the instantiation in it’s current state, rather than actual instantiation updates):</a:t>
+            </a:r>
           </a:p>
           <a:p>
             <a:endParaRPr lang="en-GB" sz="800" dirty="0" smtClean="0">
@@ -8326,17 +8021,8 @@
               <a:rPr lang="en-GB" sz="1600" dirty="0" smtClean="0">
                 <a:cs typeface="Courier New" pitchFamily="49" charset="0"/>
               </a:rPr>
-              <a:t> whose value(s) were </a:t>
-            </a:r>
-            <a:r>
-              <a:rPr lang="en-GB" sz="1600" dirty="0" smtClean="0">
-                <a:cs typeface="Courier New" pitchFamily="49" charset="0"/>
-              </a:rPr>
-              <a:t>updated, with any resulting updates being applied to the instantiation, as the operation proceeds</a:t>
-            </a:r>
-            <a:endParaRPr lang="en-GB" sz="1600" dirty="0" smtClean="0">
-              <a:cs typeface="Courier New" pitchFamily="49" charset="0"/>
-            </a:endParaRPr>
+              <a:t> whose value(s) were updated, with any resulting updates being applied to the instantiation, as the operation proceeds</a:t>
+            </a:r>
           </a:p>
         </p:txBody>
       </p:sp>
@@ -8425,19 +8111,7 @@
               <a:rPr lang="en-GB" sz="1600" dirty="0" smtClean="0">
                 <a:cs typeface="Courier New" pitchFamily="49" charset="0"/>
               </a:rPr>
-              <a:t>The MEKON-OWL reasoning plug-in implements the automatic instantiation updating </a:t>
-            </a:r>
-            <a:r>
-              <a:rPr lang="en-GB" sz="1600" dirty="0" smtClean="0">
-                <a:cs typeface="Courier New" pitchFamily="49" charset="0"/>
-              </a:rPr>
-              <a:t>process, acting on a </a:t>
-            </a:r>
-            <a:r>
-              <a:rPr lang="en-GB" sz="1600" dirty="0" smtClean="0">
-                <a:cs typeface="Courier New" pitchFamily="49" charset="0"/>
-              </a:rPr>
-              <a:t>particular </a:t>
+              <a:t>The MEKON-OWL reasoning plug-in implements the automatic instantiation updating process, acting on a particular </a:t>
             </a:r>
             <a:r>
               <a:rPr lang="en-GB" sz="1600" dirty="0" err="1" smtClean="0">
@@ -8480,19 +8154,7 @@
               <a:rPr lang="en-GB" sz="1600" dirty="0" smtClean="0">
                 <a:cs typeface="Courier New" pitchFamily="49" charset="0"/>
               </a:rPr>
-              <a:t>An OWL construct is created to represent the current state of the network, or the relevant parts of it. </a:t>
-            </a:r>
-            <a:r>
-              <a:rPr lang="en-GB" sz="1600" dirty="0" smtClean="0">
-                <a:cs typeface="Courier New" pitchFamily="49" charset="0"/>
-              </a:rPr>
-              <a:t>This will be either</a:t>
-            </a:r>
-            <a:r>
-              <a:rPr lang="en-GB" sz="1600" dirty="0" smtClean="0">
-                <a:cs typeface="Courier New" pitchFamily="49" charset="0"/>
-              </a:rPr>
-              <a:t>:</a:t>
+              <a:t>An OWL construct is created to represent the current state of the network, or the relevant parts of it. This will be either:</a:t>
             </a:r>
           </a:p>
           <a:p>
@@ -8846,19 +8508,7 @@
               <a:rPr lang="en-GB" sz="1600" dirty="0" smtClean="0">
                 <a:cs typeface="Courier New" pitchFamily="49" charset="0"/>
               </a:rPr>
-              <a:t>T</a:t>
-            </a:r>
-            <a:r>
-              <a:rPr lang="en-GB" sz="1600" dirty="0" smtClean="0">
-                <a:cs typeface="Courier New" pitchFamily="49" charset="0"/>
-              </a:rPr>
-              <a:t>hese </a:t>
-            </a:r>
-            <a:r>
-              <a:rPr lang="en-GB" sz="1600" dirty="0" smtClean="0">
-                <a:cs typeface="Courier New" pitchFamily="49" charset="0"/>
-              </a:rPr>
-              <a:t>slot-semantics are configurable on a per-property basis.</a:t>
+              <a:t>These slot-semantics are configurable on a per-property basis.</a:t>
             </a:r>
           </a:p>
         </p:txBody>
@@ -8989,11 +8639,7 @@
             </a:r>
             <a:r>
               <a:rPr lang="en-GB" sz="1600" dirty="0" smtClean="0"/>
-              <a:t>in </a:t>
-            </a:r>
-            <a:r>
-              <a:rPr lang="en-GB" sz="1600" dirty="0" smtClean="0"/>
-              <a:t>LH panel </a:t>
+              <a:t>in LH panel </a:t>
             </a:r>
             <a:endParaRPr lang="en-GB" sz="1600" dirty="0" smtClean="0">
               <a:latin typeface="Courier New" pitchFamily="49" charset="0"/>
@@ -9105,13 +8751,7 @@
               <a:rPr lang="en-GB" sz="1600" dirty="0" smtClean="0">
                 <a:cs typeface="Courier New" pitchFamily="49" charset="0"/>
               </a:rPr>
-              <a:t> </a:t>
-            </a:r>
-            <a:r>
-              <a:rPr lang="en-GB" sz="1600" dirty="0" smtClean="0">
-                <a:cs typeface="Courier New" pitchFamily="49" charset="0"/>
-              </a:rPr>
-              <a:t>for both that slot and the </a:t>
+              <a:t> for both that slot and the </a:t>
             </a:r>
             <a:r>
               <a:rPr lang="en-GB" sz="1600" dirty="0" smtClean="0">
@@ -9124,19 +8764,7 @@
               <a:rPr lang="en-GB" sz="1600" dirty="0" smtClean="0">
                 <a:cs typeface="Courier New" pitchFamily="49" charset="0"/>
               </a:rPr>
-              <a:t> slot, representing </a:t>
-            </a:r>
-            <a:r>
-              <a:rPr lang="en-GB" sz="1600" dirty="0" smtClean="0">
-                <a:cs typeface="Courier New" pitchFamily="49" charset="0"/>
-              </a:rPr>
-              <a:t>values </a:t>
-            </a:r>
-            <a:r>
-              <a:rPr lang="en-GB" sz="1600" dirty="0" smtClean="0">
-                <a:cs typeface="Courier New" pitchFamily="49" charset="0"/>
-              </a:rPr>
-              <a:t>that will be assigned to the relevant </a:t>
+              <a:t> slot, representing values that will be assigned to the relevant </a:t>
             </a:r>
             <a:r>
               <a:rPr lang="en-GB" sz="1600" dirty="0" err="1" smtClean="0">
@@ -9168,17 +8796,8 @@
               <a:rPr lang="en-GB" sz="1600" dirty="0" smtClean="0">
                 <a:cs typeface="Courier New" pitchFamily="49" charset="0"/>
               </a:rPr>
-              <a:t> is classified </a:t>
-            </a:r>
-            <a:r>
-              <a:rPr lang="en-GB" sz="1600" dirty="0" smtClean="0">
-                <a:cs typeface="Courier New" pitchFamily="49" charset="0"/>
-              </a:rPr>
-              <a:t>accordingly</a:t>
-            </a:r>
-            <a:endParaRPr lang="en-GB" sz="1600" dirty="0" smtClean="0">
-              <a:cs typeface="Courier New" pitchFamily="49" charset="0"/>
-            </a:endParaRPr>
+              <a:t> is classified accordingly</a:t>
+            </a:r>
           </a:p>
           <a:p>
             <a:pPr marL="457200" indent="-457200">
@@ -9267,19 +8886,7 @@
               <a:rPr lang="en-GB" sz="1600" dirty="0" smtClean="0">
                 <a:cs typeface="Courier New" pitchFamily="49" charset="0"/>
               </a:rPr>
-              <a:t>, it will also be assigned </a:t>
-            </a:r>
-            <a:r>
-              <a:rPr lang="en-GB" sz="1600" dirty="0" smtClean="0">
-                <a:cs typeface="Courier New" pitchFamily="49" charset="0"/>
-              </a:rPr>
-              <a:t>a value </a:t>
-            </a:r>
-            <a:r>
-              <a:rPr lang="en-GB" sz="1600" dirty="0" smtClean="0">
-                <a:cs typeface="Courier New" pitchFamily="49" charset="0"/>
-              </a:rPr>
-              <a:t>of </a:t>
+              <a:t>, it will also be assigned a value of </a:t>
             </a:r>
             <a:r>
               <a:rPr lang="en-GB" sz="1600" dirty="0" smtClean="0">
@@ -9541,19 +9148,7 @@
               <a:rPr lang="en-GB" sz="1600" dirty="0" smtClean="0">
                 <a:cs typeface="Courier New" pitchFamily="49" charset="0"/>
               </a:rPr>
-              <a:t> </a:t>
-            </a:r>
-            <a:r>
-              <a:rPr lang="en-GB" sz="1600" dirty="0" smtClean="0">
-                <a:cs typeface="Courier New" pitchFamily="49" charset="0"/>
-              </a:rPr>
-              <a:t>HOBO OMs </a:t>
-            </a:r>
-            <a:r>
-              <a:rPr lang="en-GB" sz="1600" dirty="0" smtClean="0">
-                <a:cs typeface="Courier New" pitchFamily="49" charset="0"/>
-              </a:rPr>
-              <a:t>to MEKON FMs</a:t>
+              <a:t> HOBO OMs to MEKON FMs</a:t>
             </a:r>
           </a:p>
           <a:p>
@@ -9584,15 +9179,7 @@
             </a:r>
             <a:r>
               <a:rPr lang="en-GB" sz="1600" dirty="0" smtClean="0"/>
-              <a:t> </a:t>
-            </a:r>
-            <a:r>
-              <a:rPr lang="en-GB" sz="1600" dirty="0" smtClean="0"/>
-              <a:t>The </a:t>
-            </a:r>
-            <a:r>
-              <a:rPr lang="en-GB" sz="1600" dirty="0" smtClean="0"/>
-              <a:t>main entities from which the </a:t>
+              <a:t> The main entities from which the </a:t>
             </a:r>
             <a:r>
               <a:rPr lang="en-GB" sz="1600" dirty="0" smtClean="0">
@@ -9661,37 +9248,7 @@
               <a:rPr lang="en-GB" sz="1600" dirty="0" smtClean="0">
                 <a:cs typeface="Courier New" pitchFamily="49" charset="0"/>
               </a:rPr>
-              <a:t>Class </a:t>
-            </a:r>
-            <a:r>
-              <a:rPr lang="en-GB" sz="1600" dirty="0" smtClean="0">
-                <a:cs typeface="Courier New" pitchFamily="49" charset="0"/>
-              </a:rPr>
-              <a:t>used to </a:t>
-            </a:r>
-            <a:r>
-              <a:rPr lang="en-GB" sz="1600" dirty="0" smtClean="0">
-                <a:cs typeface="Courier New" pitchFamily="49" charset="0"/>
-              </a:rPr>
-              <a:t>represent </a:t>
-            </a:r>
-            <a:r>
-              <a:rPr lang="en-GB" sz="1600" dirty="0" smtClean="0">
-                <a:cs typeface="Courier New" pitchFamily="49" charset="0"/>
-              </a:rPr>
-              <a:t>all </a:t>
-            </a:r>
-            <a:r>
-              <a:rPr lang="en-GB" sz="1600" dirty="0" smtClean="0">
-                <a:cs typeface="Courier New" pitchFamily="49" charset="0"/>
-              </a:rPr>
-              <a:t>OM </a:t>
-            </a:r>
-            <a:r>
-              <a:rPr lang="en-GB" sz="1600" dirty="0" smtClean="0">
-                <a:cs typeface="Courier New" pitchFamily="49" charset="0"/>
-              </a:rPr>
-              <a:t>fields (abstract base class with concrete extensions </a:t>
+              <a:t>Class used to represent all OM fields (abstract base class with concrete extensions </a:t>
             </a:r>
             <a:r>
               <a:rPr lang="en-GB" sz="1600" i="1" dirty="0" err="1" smtClean="0">
@@ -9717,21 +9274,7 @@
                 <a:latin typeface="Courier New" pitchFamily="49" charset="0"/>
                 <a:cs typeface="Courier New" pitchFamily="49" charset="0"/>
               </a:rPr>
-              <a:t>D</a:t>
-            </a:r>
-            <a:r>
-              <a:rPr lang="en-GB" sz="1600" i="1" dirty="0" err="1" smtClean="0">
-                <a:latin typeface="Courier New" pitchFamily="49" charset="0"/>
-                <a:cs typeface="Courier New" pitchFamily="49" charset="0"/>
-              </a:rPr>
-              <a:t>A</a:t>
-            </a:r>
-            <a:r>
-              <a:rPr lang="en-GB" sz="1600" i="1" dirty="0" err="1" smtClean="0">
-                <a:latin typeface="Courier New" pitchFamily="49" charset="0"/>
-                <a:cs typeface="Courier New" pitchFamily="49" charset="0"/>
-              </a:rPr>
-              <a:t>rray</a:t>
+              <a:t>DArray</a:t>
             </a:r>
             <a:r>
               <a:rPr lang="en-GB" sz="1600" i="1" dirty="0" smtClean="0">
@@ -9767,65 +9310,14 @@
               <a:rPr lang="en-GB" sz="1600" b="1" dirty="0" smtClean="0">
                 <a:cs typeface="Courier New" pitchFamily="49" charset="0"/>
               </a:rPr>
-              <a:t>FM </a:t>
-            </a:r>
-            <a:r>
-              <a:rPr lang="en-GB" sz="1600" b="1" dirty="0" smtClean="0">
-                <a:cs typeface="Courier New" pitchFamily="49" charset="0"/>
-              </a:rPr>
-              <a:t>Bindings:</a:t>
-            </a:r>
-            <a:r>
-              <a:rPr lang="en-GB" sz="1600" dirty="0" smtClean="0">
-                <a:cs typeface="Courier New" pitchFamily="49" charset="0"/>
-              </a:rPr>
-              <a:t> </a:t>
-            </a:r>
-            <a:r>
-              <a:rPr lang="en-GB" sz="1600" dirty="0" smtClean="0">
-                <a:cs typeface="Courier New" pitchFamily="49" charset="0"/>
-              </a:rPr>
-              <a:t>Every </a:t>
-            </a:r>
-            <a:r>
-              <a:rPr lang="en-GB" sz="1600" dirty="0" smtClean="0">
-                <a:cs typeface="Courier New" pitchFamily="49" charset="0"/>
-              </a:rPr>
-              <a:t>OM </a:t>
-            </a:r>
-            <a:r>
-              <a:rPr lang="en-GB" sz="1600" dirty="0" smtClean="0">
-                <a:cs typeface="Courier New" pitchFamily="49" charset="0"/>
-              </a:rPr>
-              <a:t>entity </a:t>
-            </a:r>
-            <a:r>
-              <a:rPr lang="en-GB" sz="1600" dirty="0" smtClean="0">
-                <a:cs typeface="Courier New" pitchFamily="49" charset="0"/>
-              </a:rPr>
-              <a:t>will be </a:t>
-            </a:r>
-            <a:r>
-              <a:rPr lang="en-GB" sz="1600" dirty="0" smtClean="0">
-                <a:cs typeface="Courier New" pitchFamily="49" charset="0"/>
-              </a:rPr>
-              <a:t>bound </a:t>
-            </a:r>
-            <a:r>
-              <a:rPr lang="en-GB" sz="1600" dirty="0" smtClean="0">
-                <a:cs typeface="Courier New" pitchFamily="49" charset="0"/>
-              </a:rPr>
-              <a:t>to a corresponding </a:t>
-            </a:r>
-            <a:r>
-              <a:rPr lang="en-GB" sz="1600" dirty="0" smtClean="0">
-                <a:cs typeface="Courier New" pitchFamily="49" charset="0"/>
-              </a:rPr>
-              <a:t>FM entity:</a:t>
-            </a:r>
-            <a:endParaRPr lang="en-GB" sz="1600" dirty="0" smtClean="0">
-              <a:cs typeface="Courier New" pitchFamily="49" charset="0"/>
-            </a:endParaRPr>
+              <a:t>FM Bindings:</a:t>
+            </a:r>
+            <a:r>
+              <a:rPr lang="en-GB" sz="1600" dirty="0" smtClean="0">
+                <a:cs typeface="Courier New" pitchFamily="49" charset="0"/>
+              </a:rPr>
+              <a:t> Every OM entity will be bound to a corresponding FM entity:</a:t>
+            </a:r>
           </a:p>
           <a:p>
             <a:endParaRPr lang="en-GB" sz="800" dirty="0" smtClean="0"/>
@@ -9943,13 +9435,7 @@
               <a:rPr lang="en-GB" sz="1600" dirty="0" smtClean="0">
                 <a:cs typeface="Courier New" pitchFamily="49" charset="0"/>
               </a:rPr>
-              <a:t>The </a:t>
-            </a:r>
-            <a:r>
-              <a:rPr lang="en-GB" sz="1600" dirty="0" smtClean="0">
-                <a:cs typeface="Courier New" pitchFamily="49" charset="0"/>
-              </a:rPr>
-              <a:t>instantiations of these OM entities will be bound to, respectively, </a:t>
+              <a:t>The instantiations of these OM entities will be bound to, respectively, </a:t>
             </a:r>
             <a:r>
               <a:rPr lang="en-GB" sz="1600" dirty="0" err="1" smtClean="0">
@@ -9987,9 +9473,6 @@
               </a:rPr>
               <a:t>The FM entity to which an OM entity is bound will be either:</a:t>
             </a:r>
-            <a:endParaRPr lang="en-GB" sz="1600" dirty="0" smtClean="0">
-              <a:cs typeface="Courier New" pitchFamily="49" charset="0"/>
-            </a:endParaRPr>
           </a:p>
           <a:p>
             <a:endParaRPr lang="en-GB" sz="800" dirty="0" smtClean="0"/>
@@ -10021,13 +9504,7 @@
               <a:rPr lang="en-GB" sz="1600" b="1" i="1" dirty="0" smtClean="0">
                 <a:cs typeface="Courier New" pitchFamily="49" charset="0"/>
               </a:rPr>
-              <a:t>Specifically </a:t>
-            </a:r>
-            <a:r>
-              <a:rPr lang="en-GB" sz="1600" b="1" i="1" dirty="0" smtClean="0">
-                <a:cs typeface="Courier New" pitchFamily="49" charset="0"/>
-              </a:rPr>
-              <a:t>generated: </a:t>
+              <a:t>Specifically generated: </a:t>
             </a:r>
             <a:r>
               <a:rPr lang="en-GB" sz="1600" dirty="0" smtClean="0">
@@ -11367,15 +10844,7 @@
             </a:r>
             <a:r>
               <a:rPr lang="en-GB" sz="1600" dirty="0" smtClean="0"/>
-              <a:t> </a:t>
-            </a:r>
-            <a:r>
-              <a:rPr lang="en-GB" sz="1600" dirty="0" smtClean="0"/>
-              <a:t>in </a:t>
-            </a:r>
-            <a:r>
-              <a:rPr lang="en-GB" sz="1600" dirty="0" smtClean="0"/>
-              <a:t>LH panel</a:t>
+              <a:t> in LH panel</a:t>
             </a:r>
           </a:p>
         </p:txBody>
@@ -11497,49 +10966,7 @@
               <a:rPr lang="en-GB" sz="1600" dirty="0" smtClean="0">
                 <a:cs typeface="Courier New" pitchFamily="49" charset="0"/>
               </a:rPr>
-              <a:t> </a:t>
-            </a:r>
-            <a:r>
-              <a:rPr lang="en-GB" sz="1600" dirty="0" smtClean="0">
-                <a:cs typeface="Courier New" pitchFamily="49" charset="0"/>
-              </a:rPr>
-              <a:t>slot, which means that all values for </a:t>
-            </a:r>
-            <a:r>
-              <a:rPr lang="en-GB" sz="1600" dirty="0" smtClean="0">
-                <a:cs typeface="Courier New" pitchFamily="49" charset="0"/>
-              </a:rPr>
-              <a:t>instantiations of this </a:t>
-            </a:r>
-            <a:r>
-              <a:rPr lang="en-GB" sz="1600" dirty="0" smtClean="0">
-                <a:cs typeface="Courier New" pitchFamily="49" charset="0"/>
-              </a:rPr>
-              <a:t>slot </a:t>
-            </a:r>
-            <a:r>
-              <a:rPr lang="en-GB" sz="1600" dirty="0" smtClean="0">
-                <a:cs typeface="Courier New" pitchFamily="49" charset="0"/>
-              </a:rPr>
-              <a:t>will be </a:t>
-            </a:r>
-            <a:r>
-              <a:rPr lang="en-GB" sz="1600" dirty="0" smtClean="0">
-                <a:cs typeface="Courier New" pitchFamily="49" charset="0"/>
-              </a:rPr>
-              <a:t>derived </a:t>
-            </a:r>
-            <a:r>
-              <a:rPr lang="en-GB" sz="1600" dirty="0" smtClean="0">
-                <a:cs typeface="Courier New" pitchFamily="49" charset="0"/>
-              </a:rPr>
-              <a:t>automatically from </a:t>
-            </a:r>
-            <a:r>
-              <a:rPr lang="en-GB" sz="1600" dirty="0" smtClean="0">
-                <a:cs typeface="Courier New" pitchFamily="49" charset="0"/>
-              </a:rPr>
-              <a:t>those of other slots</a:t>
+              <a:t> slot, which means that all values for instantiations of this slot will be derived automatically from those of other slots</a:t>
             </a:r>
           </a:p>
         </p:txBody>
@@ -11685,15 +11112,7 @@
             </a:pPr>
             <a:r>
               <a:rPr lang="en-GB" sz="1600" dirty="0" smtClean="0"/>
-              <a:t>Expand </a:t>
-            </a:r>
-            <a:r>
-              <a:rPr lang="en-GB" sz="1600" dirty="0" smtClean="0"/>
-              <a:t>trees </a:t>
-            </a:r>
-            <a:r>
-              <a:rPr lang="en-GB" sz="1600" dirty="0" smtClean="0"/>
-              <a:t>under both </a:t>
+              <a:t>Expand trees under both </a:t>
             </a:r>
             <a:r>
               <a:rPr lang="en-GB" sz="1600" dirty="0" smtClean="0">
@@ -11793,13 +11212,7 @@
               <a:rPr lang="en-GB" sz="1600" dirty="0" smtClean="0">
                 <a:cs typeface="Courier New" pitchFamily="49" charset="0"/>
               </a:rPr>
-              <a:t>mainly </a:t>
-            </a:r>
-            <a:r>
-              <a:rPr lang="en-GB" sz="1600" dirty="0" smtClean="0">
-                <a:cs typeface="Courier New" pitchFamily="49" charset="0"/>
-              </a:rPr>
-              <a:t>constituted by large </a:t>
+              <a:t>mainly constituted by large </a:t>
             </a:r>
             <a:r>
               <a:rPr lang="en-GB" sz="1600" dirty="0" smtClean="0"/>
@@ -11846,19 +11259,7 @@
               <a:rPr lang="en-GB" sz="1600" dirty="0" smtClean="0">
                 <a:cs typeface="Courier New" pitchFamily="49" charset="0"/>
               </a:rPr>
-              <a:t>F</a:t>
-            </a:r>
-            <a:r>
-              <a:rPr lang="en-GB" sz="1600" dirty="0" smtClean="0">
-                <a:cs typeface="Courier New" pitchFamily="49" charset="0"/>
-              </a:rPr>
-              <a:t>or </a:t>
-            </a:r>
-            <a:r>
-              <a:rPr lang="en-GB" sz="1600" dirty="0" smtClean="0">
-                <a:cs typeface="Courier New" pitchFamily="49" charset="0"/>
-              </a:rPr>
-              <a:t>instance, </a:t>
+              <a:t>For instance, </a:t>
             </a:r>
             <a:r>
               <a:rPr lang="en-GB" sz="1600" dirty="0" smtClean="0">
@@ -12495,15 +11896,7 @@
             </a:r>
             <a:r>
               <a:rPr lang="en-GB" sz="1600" dirty="0" smtClean="0"/>
-              <a:t> </a:t>
-            </a:r>
-            <a:r>
-              <a:rPr lang="en-GB" sz="1600" dirty="0" smtClean="0"/>
-              <a:t>in </a:t>
-            </a:r>
-            <a:r>
-              <a:rPr lang="en-GB" sz="1600" dirty="0" smtClean="0"/>
-              <a:t>LH panel</a:t>
+              <a:t> in LH panel</a:t>
             </a:r>
           </a:p>
           <a:p>
@@ -13225,11 +12618,7 @@
             </a:r>
             <a:r>
               <a:rPr lang="en-GB" sz="1600" dirty="0" smtClean="0"/>
-              <a:t>, with specific subsets being retrieved via suitably constructed </a:t>
-            </a:r>
-            <a:r>
-              <a:rPr lang="en-GB" sz="1600" dirty="0" smtClean="0"/>
-              <a:t>queries (see later for details).</a:t>
+              <a:t>, with specific subsets being retrieved via suitably constructed queries (see later for details).</a:t>
             </a:r>
             <a:r>
               <a:rPr lang="en-GB" sz="1600" b="1" dirty="0" smtClean="0"/>
@@ -13239,25 +12628,7 @@
               <a:rPr lang="en-GB" sz="1600" dirty="0" smtClean="0">
                 <a:cs typeface="Courier New" pitchFamily="49" charset="0"/>
               </a:rPr>
-              <a:t>Queries differ </a:t>
-            </a:r>
-            <a:r>
-              <a:rPr lang="en-GB" sz="1600" dirty="0" smtClean="0">
-                <a:cs typeface="Courier New" pitchFamily="49" charset="0"/>
-              </a:rPr>
-              <a:t>from </a:t>
-            </a:r>
-            <a:r>
-              <a:rPr lang="en-GB" sz="1600" dirty="0" smtClean="0">
-                <a:cs typeface="Courier New" pitchFamily="49" charset="0"/>
-              </a:rPr>
-              <a:t>assertions in </a:t>
-            </a:r>
-            <a:r>
-              <a:rPr lang="en-GB" sz="1600" dirty="0" smtClean="0">
-                <a:cs typeface="Courier New" pitchFamily="49" charset="0"/>
-              </a:rPr>
-              <a:t>the following ways:</a:t>
+              <a:t>Queries differ from assertions in the following ways:</a:t>
             </a:r>
           </a:p>
           <a:p>
@@ -13281,19 +12652,7 @@
               <a:rPr lang="en-GB" sz="1600" dirty="0" smtClean="0">
                 <a:cs typeface="Courier New" pitchFamily="49" charset="0"/>
               </a:rPr>
-              <a:t>By default, </a:t>
-            </a:r>
-            <a:r>
-              <a:rPr lang="en-GB" sz="1600" dirty="0" smtClean="0">
-                <a:cs typeface="Courier New" pitchFamily="49" charset="0"/>
-              </a:rPr>
-              <a:t>queries can </a:t>
-            </a:r>
-            <a:r>
-              <a:rPr lang="en-GB" sz="1600" dirty="0" smtClean="0">
-                <a:cs typeface="Courier New" pitchFamily="49" charset="0"/>
-              </a:rPr>
-              <a:t>contain </a:t>
+              <a:t>By default, queries can contain </a:t>
             </a:r>
             <a:r>
               <a:rPr lang="en-GB" sz="1600" i="1" dirty="0" smtClean="0">
@@ -13305,31 +12664,7 @@
               <a:rPr lang="en-GB" sz="1600" dirty="0" smtClean="0">
                 <a:cs typeface="Courier New" pitchFamily="49" charset="0"/>
               </a:rPr>
-              <a:t> slot-values (see below), whereas assertions cannot (however, in either </a:t>
-            </a:r>
-            <a:r>
-              <a:rPr lang="en-GB" sz="1600" dirty="0" smtClean="0">
-                <a:cs typeface="Courier New" pitchFamily="49" charset="0"/>
-              </a:rPr>
-              <a:t>case </a:t>
-            </a:r>
-            <a:r>
-              <a:rPr lang="en-GB" sz="1600" dirty="0" smtClean="0">
-                <a:cs typeface="Courier New" pitchFamily="49" charset="0"/>
-              </a:rPr>
-              <a:t>this default </a:t>
-            </a:r>
-            <a:r>
-              <a:rPr lang="en-GB" sz="1600" dirty="0" smtClean="0">
-                <a:cs typeface="Courier New" pitchFamily="49" charset="0"/>
-              </a:rPr>
-              <a:t>behaviour </a:t>
-            </a:r>
-            <a:r>
-              <a:rPr lang="en-GB" sz="1600" dirty="0" smtClean="0">
-                <a:cs typeface="Courier New" pitchFamily="49" charset="0"/>
-              </a:rPr>
-              <a:t>can be overridden for specific slots, via either the configuration file or the OM)</a:t>
+              <a:t> slot-values (see below), whereas assertions cannot (however, in either case this default behaviour can be overridden for specific slots, via either the configuration file or the OM)</a:t>
             </a:r>
           </a:p>
           <a:p>
@@ -13347,13 +12682,7 @@
               <a:rPr lang="en-GB" sz="1600" dirty="0" smtClean="0">
                 <a:cs typeface="Courier New" pitchFamily="49" charset="0"/>
               </a:rPr>
-              <a:t>Dependent slots on queries are editable by the client, whereas those on assertions are </a:t>
-            </a:r>
-            <a:r>
-              <a:rPr lang="en-GB" sz="1600" dirty="0" smtClean="0">
-                <a:cs typeface="Courier New" pitchFamily="49" charset="0"/>
-              </a:rPr>
-              <a:t>not</a:t>
+              <a:t>Dependent slots on queries are editable by the client, whereas those on assertions are not</a:t>
             </a:r>
           </a:p>
           <a:p>
@@ -13373,9 +12702,6 @@
               </a:rPr>
               <a:t>As assertions are constructed, values for certain slots may be automatically inferred, via either EKS-based reasoning or OM-based processing, whereas no such inference occurs for queries</a:t>
             </a:r>
-            <a:endParaRPr lang="en-GB" sz="1600" dirty="0" smtClean="0">
-              <a:cs typeface="Courier New" pitchFamily="49" charset="0"/>
-            </a:endParaRPr>
           </a:p>
           <a:p>
             <a:endParaRPr lang="en-GB" sz="800" dirty="0" smtClean="0">
@@ -13389,11 +12715,7 @@
             </a:r>
             <a:r>
               <a:rPr lang="en-GB" sz="1600" dirty="0" smtClean="0"/>
-              <a:t>An </a:t>
-            </a:r>
-            <a:r>
-              <a:rPr lang="en-GB" sz="1600" dirty="0" smtClean="0"/>
-              <a:t>abstract slot-value is one of:</a:t>
+              <a:t>An abstract slot-value is one of:</a:t>
             </a:r>
           </a:p>
           <a:p>
@@ -13466,13 +12788,7 @@
               <a:rPr lang="en-GB" sz="1600" dirty="0" smtClean="0">
                 <a:cs typeface="Courier New" pitchFamily="49" charset="0"/>
               </a:rPr>
-              <a:t> (i.e</a:t>
-            </a:r>
-            <a:r>
-              <a:rPr lang="en-GB" sz="1600" dirty="0" smtClean="0">
-                <a:cs typeface="Courier New" pitchFamily="49" charset="0"/>
-              </a:rPr>
-              <a:t>. </a:t>
+              <a:t> (i.e. </a:t>
             </a:r>
             <a:r>
               <a:rPr lang="en-GB" sz="1600" dirty="0" err="1" smtClean="0">
@@ -13596,25 +12912,7 @@
               <a:rPr lang="en-GB" sz="1600" dirty="0" smtClean="0">
                 <a:cs typeface="Courier New" pitchFamily="49" charset="0"/>
               </a:rPr>
-              <a:t> that </a:t>
-            </a:r>
-            <a:r>
-              <a:rPr lang="en-GB" sz="1600" dirty="0" smtClean="0">
-                <a:cs typeface="Courier New" pitchFamily="49" charset="0"/>
-              </a:rPr>
-              <a:t>represents a </a:t>
-            </a:r>
-            <a:r>
-              <a:rPr lang="en-GB" sz="1600" dirty="0" smtClean="0">
-                <a:cs typeface="Courier New" pitchFamily="49" charset="0"/>
-              </a:rPr>
-              <a:t>value-range, </a:t>
-            </a:r>
-            <a:r>
-              <a:rPr lang="en-GB" sz="1600" dirty="0" smtClean="0">
-                <a:cs typeface="Courier New" pitchFamily="49" charset="0"/>
-              </a:rPr>
-              <a:t>rather than a specific value</a:t>
+              <a:t> that represents a value-range, rather than a specific value</a:t>
             </a:r>
           </a:p>
         </p:txBody>
@@ -13885,15 +13183,7 @@
             </a:pPr>
             <a:r>
               <a:rPr lang="en-GB" sz="1600" dirty="0" smtClean="0"/>
-              <a:t>This value-type update is due to OWL-based </a:t>
-            </a:r>
-            <a:r>
-              <a:rPr lang="en-GB" sz="1600" dirty="0" smtClean="0"/>
-              <a:t>inference acting on the entered </a:t>
-            </a:r>
-            <a:r>
-              <a:rPr lang="en-GB" sz="1600" dirty="0" smtClean="0"/>
-              <a:t>value, and mediated by the MEKON-OWL reasoning plug-in</a:t>
+              <a:t>This value-type update is due to OWL-based inference acting on the entered value, and mediated by the MEKON-OWL reasoning plug-in</a:t>
             </a:r>
           </a:p>
         </p:txBody>
@@ -14443,39 +13733,7 @@
             </a:r>
             <a:r>
               <a:rPr lang="en-GB" sz="1600" dirty="0" smtClean="0"/>
-              <a:t> slot appears, which </a:t>
-            </a:r>
-            <a:r>
-              <a:rPr lang="en-GB" sz="1600" dirty="0" smtClean="0"/>
-              <a:t>is </a:t>
-            </a:r>
-            <a:r>
-              <a:rPr lang="en-GB" sz="1600" dirty="0" smtClean="0"/>
-              <a:t>due </a:t>
-            </a:r>
-            <a:r>
-              <a:rPr lang="en-GB" sz="1600" dirty="0" smtClean="0"/>
-              <a:t>to further </a:t>
-            </a:r>
-            <a:r>
-              <a:rPr lang="en-GB" sz="1600" dirty="0" smtClean="0"/>
-              <a:t>OWL-based </a:t>
-            </a:r>
-            <a:r>
-              <a:rPr lang="en-GB" sz="1600" dirty="0" smtClean="0"/>
-              <a:t>inference, </a:t>
-            </a:r>
-            <a:r>
-              <a:rPr lang="en-GB" sz="1600" dirty="0" smtClean="0"/>
-              <a:t>invoked </a:t>
-            </a:r>
-            <a:r>
-              <a:rPr lang="en-GB" sz="1600" dirty="0" smtClean="0"/>
-              <a:t>in response to this </a:t>
-            </a:r>
-            <a:r>
-              <a:rPr lang="en-GB" sz="1600" dirty="0" smtClean="0"/>
-              <a:t>latest action</a:t>
+              <a:t> slot appears, which is due to further OWL-based inference, invoked in response to this latest action</a:t>
             </a:r>
           </a:p>
         </p:txBody>
@@ -14796,23 +14054,7 @@
             </a:r>
             <a:r>
               <a:rPr lang="en-GB" sz="1600" dirty="0" smtClean="0"/>
-              <a:t> that appear in that tab, </a:t>
-            </a:r>
-            <a:r>
-              <a:rPr lang="en-GB" sz="1600" dirty="0" smtClean="0"/>
-              <a:t>which will cause </a:t>
-            </a:r>
-            <a:r>
-              <a:rPr lang="en-GB" sz="1600" dirty="0" smtClean="0"/>
-              <a:t>corresponding selections </a:t>
-            </a:r>
-            <a:r>
-              <a:rPr lang="en-GB" sz="1600" dirty="0" smtClean="0"/>
-              <a:t>to be made in </a:t>
-            </a:r>
-            <a:r>
-              <a:rPr lang="en-GB" sz="1600" dirty="0" smtClean="0"/>
-              <a:t>the main window</a:t>
+              <a:t> that appear in that tab, which will cause corresponding selections to be made in the main window</a:t>
             </a:r>
           </a:p>
         </p:txBody>
@@ -14885,13 +14127,8 @@
             </a:r>
             <a:r>
               <a:rPr lang="en-GB" sz="1600" dirty="0" smtClean="0"/>
-              <a:t>currently inferred-types of the </a:t>
-            </a:r>
-            <a:r>
-              <a:rPr lang="en-GB" sz="1600" dirty="0" smtClean="0"/>
-              <a:t>assertion</a:t>
-            </a:r>
-            <a:endParaRPr lang="en-GB" sz="1600" dirty="0" smtClean="0"/>
+              <a:t>currently inferred-types of the assertion</a:t>
+            </a:r>
           </a:p>
           <a:p>
             <a:pPr marL="457200" indent="-457200">
@@ -14936,11 +14173,7 @@
             </a:r>
             <a:r>
               <a:rPr lang="en-GB" sz="1600" dirty="0" smtClean="0"/>
-              <a:t> slot (as originally provided </a:t>
-            </a:r>
-            <a:r>
-              <a:rPr lang="en-GB" sz="1600" dirty="0" smtClean="0"/>
-              <a:t>by </a:t>
+              <a:t> slot (as originally provided by </a:t>
             </a:r>
             <a:r>
               <a:rPr lang="en-GB" sz="1600" dirty="0" smtClean="0">
@@ -15551,15 +14784,7 @@
             </a:r>
             <a:r>
               <a:rPr lang="en-GB" sz="1600" dirty="0" smtClean="0"/>
-              <a:t> slot </a:t>
-            </a:r>
-            <a:r>
-              <a:rPr lang="en-GB" sz="1600" dirty="0" smtClean="0"/>
-              <a:t>has now been </a:t>
-            </a:r>
-            <a:r>
-              <a:rPr lang="en-GB" sz="1600" dirty="0" smtClean="0"/>
-              <a:t>automatically assigned an appropriate value</a:t>
+              <a:t> slot has now been automatically assigned an appropriate value</a:t>
             </a:r>
           </a:p>
           <a:p>
@@ -15579,15 +14804,7 @@
             </a:pPr>
             <a:r>
               <a:rPr lang="en-GB" sz="1600" dirty="0" smtClean="0"/>
-              <a:t>The OM performs the updates in response to the firing of listeners </a:t>
-            </a:r>
-            <a:r>
-              <a:rPr lang="en-GB" sz="1600" dirty="0" smtClean="0"/>
-              <a:t>it attached </a:t>
-            </a:r>
-            <a:r>
-              <a:rPr lang="en-GB" sz="1600" dirty="0" smtClean="0"/>
-              <a:t>to the relevant </a:t>
+              <a:t>The OM performs the updates in response to the firing of listeners it attached to the relevant </a:t>
             </a:r>
             <a:r>
               <a:rPr lang="en-GB" sz="1600" dirty="0" err="1" smtClean="0">
@@ -16235,15 +15452,7 @@
             </a:r>
             <a:r>
               <a:rPr lang="en-GB" sz="1600" dirty="0" smtClean="0"/>
-              <a:t>, </a:t>
-            </a:r>
-            <a:r>
-              <a:rPr lang="en-GB" sz="1600" dirty="0" smtClean="0"/>
-              <a:t>rather </a:t>
-            </a:r>
-            <a:r>
-              <a:rPr lang="en-GB" sz="1600" dirty="0" smtClean="0"/>
-              <a:t>than a hierarchy of possible types, a value of the relevant type appears automatically, without any need for a value-type selection dialog</a:t>
+              <a:t>, rather than a hierarchy of possible types, a value of the relevant type appears automatically, without any need for a value-type selection dialog</a:t>
             </a:r>
           </a:p>
           <a:p>
@@ -16735,15 +15944,7 @@
             </a:r>
             <a:r>
               <a:rPr lang="en-GB" sz="1600" dirty="0" smtClean="0"/>
-              <a:t> from that tab, causing corresponding </a:t>
-            </a:r>
-            <a:r>
-              <a:rPr lang="en-GB" sz="1600" dirty="0" smtClean="0"/>
-              <a:t>selection </a:t>
-            </a:r>
-            <a:r>
-              <a:rPr lang="en-GB" sz="1600" dirty="0" smtClean="0"/>
-              <a:t>in the main window</a:t>
+              <a:t> from that tab, causing corresponding selection in the main window</a:t>
             </a:r>
           </a:p>
         </p:txBody>
@@ -16793,11 +15994,7 @@
             </a:pPr>
             <a:r>
               <a:rPr lang="en-GB" sz="1600" dirty="0" smtClean="0"/>
-              <a:t>The inference </a:t>
-            </a:r>
-            <a:r>
-              <a:rPr lang="en-GB" sz="1600" dirty="0" smtClean="0"/>
-              <a:t>that our assertion had the type </a:t>
+              <a:t>The inference that our assertion had the type </a:t>
             </a:r>
             <a:r>
               <a:rPr lang="en-GB" sz="1600" dirty="0" smtClean="0">
@@ -16807,11 +16004,7 @@
             </a:r>
             <a:r>
               <a:rPr lang="en-GB" sz="1600" dirty="0" smtClean="0"/>
-              <a:t> was </a:t>
-            </a:r>
-            <a:r>
-              <a:rPr lang="en-GB" sz="1600" dirty="0" smtClean="0"/>
-              <a:t>dependent on:</a:t>
+              <a:t> was dependent on:</a:t>
             </a:r>
           </a:p>
           <a:p>
@@ -16821,13 +16014,8 @@
             </a:pPr>
             <a:r>
               <a:rPr lang="en-GB" sz="1600" dirty="0" smtClean="0"/>
-              <a:t>A suitable definition for the relevant OWL </a:t>
-            </a:r>
-            <a:r>
-              <a:rPr lang="en-GB" sz="1600" dirty="0" smtClean="0"/>
-              <a:t>class</a:t>
-            </a:r>
-            <a:endParaRPr lang="en-GB" sz="1600" dirty="0" smtClean="0"/>
+              <a:t>A suitable definition for the relevant OWL class</a:t>
+            </a:r>
           </a:p>
           <a:p>
             <a:pPr marL="914400" lvl="1" indent="-457200">
@@ -16836,15 +16024,7 @@
             </a:pPr>
             <a:r>
               <a:rPr lang="en-GB" sz="1600" dirty="0" smtClean="0"/>
-              <a:t>The </a:t>
-            </a:r>
-            <a:r>
-              <a:rPr lang="en-GB" sz="1600" dirty="0" smtClean="0"/>
-              <a:t>specification </a:t>
-            </a:r>
-            <a:r>
-              <a:rPr lang="en-GB" sz="1600" dirty="0" smtClean="0"/>
-              <a:t>in the configuration file of </a:t>
+              <a:t>The specification in the configuration file of </a:t>
             </a:r>
             <a:r>
               <a:rPr lang="en-GB" sz="1600" dirty="0" smtClean="0">
@@ -16855,11 +16035,7 @@
             </a:r>
             <a:r>
               <a:rPr lang="en-GB" sz="1600" dirty="0" smtClean="0"/>
-              <a:t> semantics </a:t>
-            </a:r>
-            <a:r>
-              <a:rPr lang="en-GB" sz="1600" dirty="0" smtClean="0"/>
-              <a:t>for </a:t>
+              <a:t> semantics for </a:t>
             </a:r>
             <a:r>
               <a:rPr lang="en-GB" sz="1600" dirty="0" smtClean="0">
@@ -16869,17 +16045,8 @@
             </a:r>
             <a:r>
               <a:rPr lang="en-GB" sz="1600" dirty="0" smtClean="0"/>
-              <a:t>. resulting </a:t>
-            </a:r>
-            <a:r>
-              <a:rPr lang="en-GB" sz="1600" dirty="0" smtClean="0"/>
-              <a:t>in the generation of appropriate OWL constructs for </a:t>
-            </a:r>
-            <a:r>
-              <a:rPr lang="en-GB" sz="1600" dirty="0" smtClean="0"/>
-              <a:t>classification</a:t>
-            </a:r>
-            <a:endParaRPr lang="en-GB" sz="1600" dirty="0" smtClean="0"/>
+              <a:t>. resulting in the generation of appropriate OWL constructs for classification</a:t>
+            </a:r>
           </a:p>
           <a:p>
             <a:pPr marL="457200" indent="-457200">
@@ -16888,15 +16055,7 @@
             </a:pPr>
             <a:r>
               <a:rPr lang="en-GB" sz="1600" dirty="0" smtClean="0"/>
-              <a:t>It </a:t>
-            </a:r>
-            <a:r>
-              <a:rPr lang="en-GB" sz="1600" dirty="0" smtClean="0"/>
-              <a:t>can be </a:t>
-            </a:r>
-            <a:r>
-              <a:rPr lang="en-GB" sz="1600" dirty="0" smtClean="0"/>
-              <a:t>seen from the details of </a:t>
+              <a:t>It can be seen from the details of </a:t>
             </a:r>
             <a:r>
               <a:rPr lang="en-GB" sz="1600" dirty="0" smtClean="0">
@@ -16906,71 +16065,38 @@
             </a:r>
             <a:r>
               <a:rPr lang="en-GB" sz="1600" dirty="0" smtClean="0"/>
+              <a:t> how the automatic updates that occurred were prompted by (1) the </a:t>
+            </a:r>
+            <a:r>
+              <a:rPr lang="en-GB" sz="1600" dirty="0" smtClean="0">
+                <a:latin typeface="Comic Sans MS" pitchFamily="66" charset="0"/>
+              </a:rPr>
+              <a:t>tax-paid</a:t>
+            </a:r>
+            <a:r>
+              <a:rPr lang="en-GB" sz="1600" dirty="0" smtClean="0"/>
+              <a:t> slot definition and (2) the fixed values for </a:t>
+            </a:r>
+            <a:r>
+              <a:rPr lang="en-GB" sz="1600" dirty="0" smtClean="0">
+                <a:latin typeface="Comic Sans MS" pitchFamily="66" charset="0"/>
+              </a:rPr>
+              <a:t>benefit-received</a:t>
+            </a:r>
+            <a:r>
+              <a:rPr lang="en-GB" sz="1600" dirty="0" smtClean="0"/>
+              <a:t> and </a:t>
+            </a:r>
+            <a:r>
+              <a:rPr lang="en-GB" sz="1600" dirty="0" smtClean="0">
+                <a:latin typeface="Comic Sans MS" pitchFamily="66" charset="0"/>
+              </a:rPr>
+              <a:t>tax-paid</a:t>
+            </a:r>
+            <a:r>
+              <a:rPr lang="en-GB" sz="1600" dirty="0" smtClean="0"/>
               <a:t> </a:t>
             </a:r>
-            <a:r>
-              <a:rPr lang="en-GB" sz="1600" dirty="0" smtClean="0"/>
-              <a:t>how </a:t>
-            </a:r>
-            <a:r>
-              <a:rPr lang="en-GB" sz="1600" dirty="0" smtClean="0"/>
-              <a:t>the </a:t>
-            </a:r>
-            <a:r>
-              <a:rPr lang="en-GB" sz="1600" dirty="0" smtClean="0"/>
-              <a:t>automatic </a:t>
-            </a:r>
-            <a:r>
-              <a:rPr lang="en-GB" sz="1600" dirty="0" smtClean="0"/>
-              <a:t>updates that </a:t>
-            </a:r>
-            <a:r>
-              <a:rPr lang="en-GB" sz="1600" dirty="0" smtClean="0"/>
-              <a:t>occurred were prompted by (1) the </a:t>
-            </a:r>
-            <a:r>
-              <a:rPr lang="en-GB" sz="1600" dirty="0" smtClean="0">
-                <a:latin typeface="Comic Sans MS" pitchFamily="66" charset="0"/>
-              </a:rPr>
-              <a:t>tax-paid</a:t>
-            </a:r>
-            <a:r>
-              <a:rPr lang="en-GB" sz="1600" dirty="0" smtClean="0"/>
-              <a:t> </a:t>
-            </a:r>
-            <a:r>
-              <a:rPr lang="en-GB" sz="1600" dirty="0" smtClean="0"/>
-              <a:t>slot definition and </a:t>
-            </a:r>
-            <a:r>
-              <a:rPr lang="en-GB" sz="1600" dirty="0" smtClean="0"/>
-              <a:t>(2) the fixed values for </a:t>
-            </a:r>
-            <a:r>
-              <a:rPr lang="en-GB" sz="1600" dirty="0" smtClean="0">
-                <a:latin typeface="Comic Sans MS" pitchFamily="66" charset="0"/>
-              </a:rPr>
-              <a:t>benefit-received</a:t>
-            </a:r>
-            <a:r>
-              <a:rPr lang="en-GB" sz="1600" dirty="0" smtClean="0"/>
-              <a:t> </a:t>
-            </a:r>
-            <a:r>
-              <a:rPr lang="en-GB" sz="1600" dirty="0" smtClean="0"/>
-              <a:t>and </a:t>
-            </a:r>
-            <a:r>
-              <a:rPr lang="en-GB" sz="1600" dirty="0" smtClean="0">
-                <a:latin typeface="Comic Sans MS" pitchFamily="66" charset="0"/>
-              </a:rPr>
-              <a:t>tax-paid</a:t>
-            </a:r>
-            <a:r>
-              <a:rPr lang="en-GB" sz="1600" dirty="0" smtClean="0"/>
-              <a:t> </a:t>
-            </a:r>
-            <a:endParaRPr lang="en-GB" sz="1600" dirty="0" smtClean="0"/>
           </a:p>
         </p:txBody>
       </p:sp>
@@ -17135,15 +16261,7 @@
             </a:r>
             <a:r>
               <a:rPr lang="en-GB" sz="1600" dirty="0" smtClean="0"/>
-              <a:t> value </a:t>
-            </a:r>
-            <a:r>
-              <a:rPr lang="en-GB" sz="1600" dirty="0" smtClean="0"/>
-              <a:t>that you’ve just added (again</a:t>
-            </a:r>
-            <a:r>
-              <a:rPr lang="en-GB" sz="1600" dirty="0" smtClean="0"/>
-              <a:t>, via a single left-click, since only one possible value-type)</a:t>
+              <a:t> value that you’ve just added (again, via a single left-click, since only one possible value-type)</a:t>
             </a:r>
           </a:p>
         </p:txBody>
@@ -17203,13 +16321,8 @@
             </a:r>
             <a:r>
               <a:rPr lang="en-GB" sz="1600" dirty="0" smtClean="0"/>
-              <a:t> is no longer </a:t>
-            </a:r>
-            <a:r>
-              <a:rPr lang="en-GB" sz="1600" dirty="0" smtClean="0"/>
-              <a:t>an inferred type</a:t>
-            </a:r>
-            <a:endParaRPr lang="en-GB" sz="1600" dirty="0" smtClean="0"/>
+              <a:t> is no longer an inferred type</a:t>
+            </a:r>
           </a:p>
           <a:p>
             <a:pPr marL="457200" indent="-457200">
@@ -17293,13 +16406,8 @@
             </a:r>
             <a:r>
               <a:rPr lang="en-GB" sz="1600" dirty="0" smtClean="0"/>
-              <a:t>processing, cannot be achieved via standard OWL-based reasoning, but is trivial for the </a:t>
-            </a:r>
-            <a:r>
-              <a:rPr lang="en-GB" sz="1600" dirty="0" smtClean="0"/>
-              <a:t>OM to provide</a:t>
-            </a:r>
-            <a:endParaRPr lang="en-GB" sz="1600" dirty="0" smtClean="0"/>
+              <a:t>processing, cannot be achieved via standard OWL-based reasoning, but is trivial for the OM to provide</a:t>
+            </a:r>
           </a:p>
         </p:txBody>
       </p:sp>
@@ -18373,11 +17481,7 @@
             <a:pPr lvl="2"/>
             <a:r>
               <a:rPr lang="en-GB" dirty="0" smtClean="0"/>
-              <a:t>Optionally, </a:t>
-            </a:r>
-            <a:r>
-              <a:rPr lang="en-GB" dirty="0" smtClean="0"/>
-              <a:t>via ANT build script provided</a:t>
+              <a:t>Optionally, via ANT build script provided</a:t>
             </a:r>
           </a:p>
           <a:p>
@@ -18493,35 +17597,7 @@
             </a:r>
             <a:r>
               <a:rPr lang="en-GB" sz="1600" dirty="0" smtClean="0"/>
-              <a:t>An IS will </a:t>
-            </a:r>
-            <a:r>
-              <a:rPr lang="en-GB" sz="1600" dirty="0" smtClean="0"/>
-              <a:t>provide </a:t>
-            </a:r>
-            <a:r>
-              <a:rPr lang="en-GB" sz="1600" dirty="0" smtClean="0"/>
-              <a:t>persistent storage for collections of assertion </a:t>
-            </a:r>
-            <a:r>
-              <a:rPr lang="en-GB" sz="1600" dirty="0" smtClean="0"/>
-              <a:t>instantiations </a:t>
-            </a:r>
-            <a:r>
-              <a:rPr lang="en-GB" sz="1600" dirty="0" smtClean="0"/>
-              <a:t>for a particular </a:t>
-            </a:r>
-            <a:r>
-              <a:rPr lang="en-GB" sz="1600" dirty="0" smtClean="0"/>
-              <a:t>MEKON </a:t>
-            </a:r>
-            <a:r>
-              <a:rPr lang="en-GB" sz="1600" dirty="0" smtClean="0"/>
-              <a:t>FM. </a:t>
-            </a:r>
-            <a:r>
-              <a:rPr lang="en-GB" sz="1600" dirty="0" smtClean="0"/>
-              <a:t>An IS can be queried over via specifically constructed query instantiations of the same FM.</a:t>
+              <a:t>An IS will provide persistent storage for collections of assertion instantiations for a particular MEKON FM. An IS can be queried over via specifically constructed query instantiations of the same FM.</a:t>
             </a:r>
           </a:p>
           <a:p>
@@ -18551,33 +17627,8 @@
             </a:r>
             <a:r>
               <a:rPr lang="en-GB" sz="1600" dirty="0" smtClean="0"/>
-              <a:t> Queries </a:t>
-            </a:r>
-            <a:r>
-              <a:rPr lang="en-GB" sz="1600" dirty="0" smtClean="0"/>
-              <a:t>over the IS are handled by specific </a:t>
-            </a:r>
-            <a:r>
-              <a:rPr lang="en-GB" sz="1600" dirty="0" smtClean="0"/>
-              <a:t>IM plug-ins</a:t>
-            </a:r>
-            <a:r>
-              <a:rPr lang="en-GB" sz="1600" dirty="0" smtClean="0"/>
-              <a:t>. </a:t>
-            </a:r>
-            <a:r>
-              <a:rPr lang="en-GB" sz="1600" dirty="0" smtClean="0"/>
-              <a:t>An IM </a:t>
-            </a:r>
-            <a:r>
-              <a:rPr lang="en-GB" sz="1600" dirty="0" smtClean="0"/>
-              <a:t>plug-in will generally operate over a specific type of EKS, with possibly multiple IMs being attached to an FM (similarly to the way that </a:t>
-            </a:r>
-            <a:r>
-              <a:rPr lang="en-GB" sz="1600" dirty="0" smtClean="0"/>
-              <a:t>an FM may have multiple reasoning plug-ins attached).</a:t>
-            </a:r>
-            <a:endParaRPr lang="en-GB" sz="1600" dirty="0" smtClean="0"/>
+              <a:t> Queries over the IS are handled by specific IM plug-ins. An IM plug-in will generally operate over a specific type of EKS, with possibly multiple IMs being attached to an FM (similarly to the way that an FM may have multiple reasoning plug-ins attached).</a:t>
+            </a:r>
           </a:p>
           <a:p>
             <a:endParaRPr lang="en-GB" sz="800" dirty="0" smtClean="0">
@@ -18601,29 +17652,8 @@
             </a:r>
             <a:r>
               <a:rPr lang="en-GB" sz="1600" dirty="0" smtClean="0"/>
-              <a:t> to execute submitted queries, which it renders as appropriate OWL class-expressions. The slot-semantics that are used in rendering both the individual-networks representing the stored assertions, and the class-expressions representing the queries, are configurable in </a:t>
-            </a:r>
-            <a:r>
-              <a:rPr lang="en-GB" sz="1600" dirty="0" smtClean="0"/>
-              <a:t>similar fashion </a:t>
-            </a:r>
-            <a:r>
-              <a:rPr lang="en-GB" sz="1600" dirty="0" smtClean="0"/>
-              <a:t>as </a:t>
-            </a:r>
-            <a:r>
-              <a:rPr lang="en-GB" sz="1600" dirty="0" smtClean="0"/>
-              <a:t>for </a:t>
-            </a:r>
-            <a:r>
-              <a:rPr lang="en-GB" sz="1600" dirty="0" smtClean="0"/>
-              <a:t>the MEKON-OWL reasoning plug-in (see </a:t>
-            </a:r>
-            <a:r>
-              <a:rPr lang="en-GB" sz="1600" dirty="0" smtClean="0"/>
-              <a:t>earlier).</a:t>
-            </a:r>
-            <a:endParaRPr lang="en-GB" sz="1600" dirty="0" smtClean="0"/>
+              <a:t> to execute submitted queries, which it renders as appropriate OWL class-expressions. The slot-semantics that are used in rendering both the individual-networks representing the stored assertions, and the class-expressions representing the queries, are configurable in similar fashion as for the MEKON-OWL reasoning plug-in (see earlier).</a:t>
+            </a:r>
           </a:p>
         </p:txBody>
       </p:sp>
@@ -19167,41 +18197,8 @@
             </a:pPr>
             <a:r>
               <a:rPr lang="en-GB" sz="1600" dirty="0" smtClean="0"/>
-              <a:t>Enter the name of a previously stored assertion in the dialog box that appears, thus causing that assertion to be re-displayed in a new assertion </a:t>
-            </a:r>
-            <a:r>
-              <a:rPr lang="en-GB" sz="1600" dirty="0" smtClean="0"/>
-              <a:t>window (</a:t>
-            </a:r>
-            <a:r>
-              <a:rPr lang="en-GB" sz="1600" dirty="0" smtClean="0"/>
-              <a:t>wherein </a:t>
-            </a:r>
-            <a:r>
-              <a:rPr lang="en-GB" sz="1600" dirty="0" smtClean="0"/>
-              <a:t>it </a:t>
-            </a:r>
-            <a:r>
-              <a:rPr lang="en-GB" sz="1600" dirty="0" smtClean="0"/>
-              <a:t>can be edited </a:t>
-            </a:r>
-            <a:r>
-              <a:rPr lang="en-GB" sz="1600" dirty="0" smtClean="0"/>
-              <a:t>and </a:t>
-            </a:r>
-            <a:r>
-              <a:rPr lang="en-GB" sz="1600" dirty="0" smtClean="0"/>
-              <a:t>re-stored, </a:t>
-            </a:r>
-            <a:r>
-              <a:rPr lang="en-GB" sz="1600" dirty="0" smtClean="0"/>
-              <a:t>if </a:t>
-            </a:r>
-            <a:r>
-              <a:rPr lang="en-GB" sz="1600" dirty="0" smtClean="0"/>
-              <a:t>required)</a:t>
-            </a:r>
-            <a:endParaRPr lang="en-GB" sz="1600" dirty="0" smtClean="0"/>
+              <a:t>Enter the name of a previously stored assertion in the dialog box that appears, thus causing that assertion to be re-displayed in a new assertion window (wherein it can be edited and re-stored, if required)</a:t>
+            </a:r>
           </a:p>
         </p:txBody>
       </p:sp>
@@ -20112,15 +19109,7 @@
             </a:r>
             <a:r>
               <a:rPr lang="en-GB" sz="1600" dirty="0" smtClean="0"/>
-              <a:t> </a:t>
-            </a:r>
-            <a:r>
-              <a:rPr lang="en-GB" sz="1600" dirty="0" smtClean="0"/>
-              <a:t>in </a:t>
-            </a:r>
-            <a:r>
-              <a:rPr lang="en-GB" sz="1600" dirty="0" smtClean="0"/>
-              <a:t>LH panel</a:t>
+              <a:t> in LH panel</a:t>
             </a:r>
           </a:p>
           <a:p>
@@ -20221,19 +19210,7 @@
             </a:pPr>
             <a:r>
               <a:rPr lang="en-GB" sz="1600" dirty="0" smtClean="0"/>
-              <a:t>See earlier discussion regarding differences between queries and assertions, and subsequent slides </a:t>
-            </a:r>
-            <a:r>
-              <a:rPr lang="en-GB" sz="1600" dirty="0" smtClean="0"/>
-              <a:t>for further discussion </a:t>
-            </a:r>
-            <a:r>
-              <a:rPr lang="en-GB" sz="1600" dirty="0" smtClean="0"/>
-              <a:t>and specific </a:t>
-            </a:r>
-            <a:r>
-              <a:rPr lang="en-GB" sz="1600" dirty="0" smtClean="0"/>
-              <a:t>examples</a:t>
+              <a:t>See earlier discussion regarding differences between queries and assertions, and subsequent slides for further discussion and specific examples</a:t>
             </a:r>
           </a:p>
           <a:p>
@@ -20245,13 +19222,7 @@
               <a:rPr lang="en-GB" sz="1600" dirty="0" smtClean="0">
                 <a:cs typeface="Courier New" pitchFamily="49" charset="0"/>
               </a:rPr>
-              <a:t>Note </a:t>
-            </a:r>
-            <a:r>
-              <a:rPr lang="en-GB" sz="1600" dirty="0" smtClean="0">
-                <a:cs typeface="Courier New" pitchFamily="49" charset="0"/>
-              </a:rPr>
-              <a:t>that the “Store” button has been replaced by an “Execute” button, and that there is now an additional “Query Matches” tab</a:t>
+              <a:t>Note that the “Store” button has been replaced by an “Execute” button, and that there is now an additional “Query Matches” tab</a:t>
             </a:r>
             <a:endParaRPr lang="en-GB" sz="1600" dirty="0" smtClean="0"/>
           </a:p>
@@ -20334,11 +19305,20 @@
             </a:pPr>
             <a:r>
               <a:rPr lang="en-GB" sz="1600" dirty="0" smtClean="0"/>
-              <a:t>Add </a:t>
-            </a:r>
-            <a:r>
-              <a:rPr lang="en-GB" sz="1600" dirty="0" smtClean="0"/>
-              <a:t>value</a:t>
+              <a:t>Add value</a:t>
+            </a:r>
+            <a:r>
+              <a:rPr lang="en-GB" sz="1600" dirty="0" smtClean="0">
+                <a:cs typeface="Courier New" pitchFamily="49" charset="0"/>
+              </a:rPr>
+              <a:t> of </a:t>
+            </a:r>
+            <a:r>
+              <a:rPr lang="en-GB" sz="1600" dirty="0" smtClean="0">
+                <a:latin typeface="Comic Sans MS" pitchFamily="66" charset="0"/>
+                <a:cs typeface="Courier New" pitchFamily="49" charset="0"/>
+              </a:rPr>
+              <a:t>Clerical</a:t>
             </a:r>
             <a:r>
               <a:rPr lang="en-GB" sz="1600" dirty="0" smtClean="0">
@@ -20347,33 +19327,14 @@
               <a:t> </a:t>
             </a:r>
             <a:r>
-              <a:rPr lang="en-GB" sz="1600" dirty="0" smtClean="0">
-                <a:cs typeface="Courier New" pitchFamily="49" charset="0"/>
-              </a:rPr>
-              <a:t>of </a:t>
+              <a:rPr lang="en-GB" sz="1600" dirty="0" smtClean="0"/>
+              <a:t>to </a:t>
             </a:r>
             <a:r>
               <a:rPr lang="en-GB" sz="1600" dirty="0" smtClean="0">
                 <a:latin typeface="Comic Sans MS" pitchFamily="66" charset="0"/>
                 <a:cs typeface="Courier New" pitchFamily="49" charset="0"/>
               </a:rPr>
-              <a:t>Clerical</a:t>
-            </a:r>
-            <a:r>
-              <a:rPr lang="en-GB" sz="1600" dirty="0" smtClean="0">
-                <a:cs typeface="Courier New" pitchFamily="49" charset="0"/>
-              </a:rPr>
-              <a:t> </a:t>
-            </a:r>
-            <a:r>
-              <a:rPr lang="en-GB" sz="1600" dirty="0" smtClean="0"/>
-              <a:t>to </a:t>
-            </a:r>
-            <a:r>
-              <a:rPr lang="en-GB" sz="1600" dirty="0" smtClean="0">
-                <a:latin typeface="Comic Sans MS" pitchFamily="66" charset="0"/>
-                <a:cs typeface="Courier New" pitchFamily="49" charset="0"/>
-              </a:rPr>
               <a:t>job-type</a:t>
             </a:r>
             <a:r>
@@ -20382,9 +19343,6 @@
               </a:rPr>
               <a:t> slot</a:t>
             </a:r>
-            <a:endParaRPr lang="en-GB" sz="1600" dirty="0" smtClean="0">
-              <a:cs typeface="Courier New" pitchFamily="49" charset="0"/>
-            </a:endParaRPr>
           </a:p>
           <a:p>
             <a:pPr marL="457200" indent="-457200">
@@ -20393,23 +19351,13 @@
             </a:pPr>
             <a:r>
               <a:rPr lang="en-GB" sz="1600" dirty="0" smtClean="0"/>
-              <a:t>Add </a:t>
-            </a:r>
-            <a:r>
-              <a:rPr lang="en-GB" sz="1600" dirty="0" smtClean="0"/>
-              <a:t>value</a:t>
-            </a:r>
-            <a:r>
-              <a:rPr lang="en-GB" sz="1600" dirty="0" smtClean="0">
-                <a:cs typeface="Courier New" pitchFamily="49" charset="0"/>
-              </a:rPr>
-              <a:t> </a:t>
-            </a:r>
-            <a:r>
-              <a:rPr lang="en-GB" sz="1600" dirty="0" smtClean="0">
-                <a:cs typeface="Courier New" pitchFamily="49" charset="0"/>
-              </a:rPr>
-              <a:t>of type </a:t>
+              <a:t>Add value</a:t>
+            </a:r>
+            <a:r>
+              <a:rPr lang="en-GB" sz="1600" dirty="0" smtClean="0">
+                <a:cs typeface="Courier New" pitchFamily="49" charset="0"/>
+              </a:rPr>
+              <a:t> of type </a:t>
             </a:r>
             <a:r>
               <a:rPr lang="en-GB" sz="1600" dirty="0" smtClean="0">
@@ -20435,9 +19383,6 @@
               </a:rPr>
               <a:t> slot</a:t>
             </a:r>
-            <a:endParaRPr lang="en-GB" sz="1600" dirty="0" smtClean="0">
-              <a:cs typeface="Courier New" pitchFamily="49" charset="0"/>
-            </a:endParaRPr>
           </a:p>
         </p:txBody>
       </p:sp>
@@ -20627,13 +19572,7 @@
               <a:rPr lang="en-GB" sz="1600" dirty="0" smtClean="0">
                 <a:cs typeface="Courier New" pitchFamily="49" charset="0"/>
               </a:rPr>
-              <a:t>for </a:t>
-            </a:r>
-            <a:r>
-              <a:rPr lang="en-GB" sz="1600" dirty="0" smtClean="0">
-                <a:cs typeface="Courier New" pitchFamily="49" charset="0"/>
-              </a:rPr>
-              <a:t>the </a:t>
+              <a:t>for the </a:t>
             </a:r>
             <a:r>
               <a:rPr lang="en-GB" sz="1600" dirty="0" smtClean="0">
@@ -20732,29 +19671,14 @@
               <a:rPr lang="en-GB" sz="1600" i="1" dirty="0" smtClean="0">
                 <a:cs typeface="Courier New" pitchFamily="49" charset="0"/>
               </a:rPr>
-              <a:t>Note</a:t>
-            </a:r>
-            <a:r>
-              <a:rPr lang="en-GB" sz="1600" i="1" dirty="0" smtClean="0">
-                <a:cs typeface="Courier New" pitchFamily="49" charset="0"/>
-              </a:rPr>
-              <a:t>: </a:t>
-            </a:r>
-            <a:r>
-              <a:rPr lang="en-GB" sz="1600" dirty="0" smtClean="0">
-                <a:cs typeface="Courier New" pitchFamily="49" charset="0"/>
-              </a:rPr>
-              <a:t>So far, everything in this query example would work identically for an </a:t>
-            </a:r>
-            <a:r>
-              <a:rPr lang="en-GB" sz="1600" dirty="0" smtClean="0">
-                <a:cs typeface="Courier New" pitchFamily="49" charset="0"/>
-              </a:rPr>
-              <a:t>assertion</a:t>
-            </a:r>
-            <a:endParaRPr lang="en-GB" sz="1600" dirty="0" smtClean="0">
-              <a:cs typeface="Courier New" pitchFamily="49" charset="0"/>
-            </a:endParaRPr>
+              <a:t>Note: </a:t>
+            </a:r>
+            <a:r>
+              <a:rPr lang="en-GB" sz="1600" dirty="0" smtClean="0">
+                <a:cs typeface="Courier New" pitchFamily="49" charset="0"/>
+              </a:rPr>
+              <a:t>So far, everything in this query example would work identically for an assertion</a:t>
+            </a:r>
           </a:p>
         </p:txBody>
       </p:sp>
@@ -20952,13 +19876,7 @@
               <a:rPr lang="en-GB" sz="1600" dirty="0" smtClean="0">
                 <a:cs typeface="Courier New" pitchFamily="49" charset="0"/>
               </a:rPr>
-              <a:t>From the selection window that now </a:t>
-            </a:r>
-            <a:r>
-              <a:rPr lang="en-GB" sz="1600" dirty="0" smtClean="0">
-                <a:cs typeface="Courier New" pitchFamily="49" charset="0"/>
-              </a:rPr>
-              <a:t>appears, select </a:t>
+              <a:t>From the selection window that now appears, select </a:t>
             </a:r>
             <a:r>
               <a:rPr lang="en-GB" sz="1600" dirty="0" smtClean="0">
@@ -21152,13 +20070,7 @@
               <a:rPr lang="en-GB" sz="1600" i="1" dirty="0" smtClean="0">
                 <a:cs typeface="Courier New" pitchFamily="49" charset="0"/>
               </a:rPr>
-              <a:t>Note</a:t>
-            </a:r>
-            <a:r>
-              <a:rPr lang="en-GB" sz="1600" i="1" dirty="0" smtClean="0">
-                <a:cs typeface="Courier New" pitchFamily="49" charset="0"/>
-              </a:rPr>
-              <a:t>: </a:t>
+              <a:t>Note: </a:t>
             </a:r>
             <a:r>
               <a:rPr lang="en-GB" sz="1600" dirty="0" smtClean="0">
@@ -21210,29 +20122,8 @@
               <a:rPr lang="en-GB" sz="1600" dirty="0" smtClean="0">
                 <a:cs typeface="Courier New" pitchFamily="49" charset="0"/>
               </a:rPr>
-              <a:t> and indefinite numeric values (see subsequent slides) are specific to </a:t>
-            </a:r>
-            <a:r>
-              <a:rPr lang="en-GB" sz="1600" dirty="0" smtClean="0">
-                <a:cs typeface="Courier New" pitchFamily="49" charset="0"/>
-              </a:rPr>
-              <a:t>queries, </a:t>
-            </a:r>
-            <a:r>
-              <a:rPr lang="en-GB" sz="1600" dirty="0" smtClean="0">
-                <a:cs typeface="Courier New" pitchFamily="49" charset="0"/>
-              </a:rPr>
-              <a:t>and hence cannot be created for assertions, other than for specifically excepted </a:t>
-            </a:r>
-            <a:r>
-              <a:rPr lang="en-GB" sz="1600" dirty="0" smtClean="0">
-                <a:cs typeface="Courier New" pitchFamily="49" charset="0"/>
-              </a:rPr>
-              <a:t>slots</a:t>
-            </a:r>
-            <a:endParaRPr lang="en-GB" sz="1600" dirty="0" smtClean="0">
-              <a:cs typeface="Courier New" pitchFamily="49" charset="0"/>
-            </a:endParaRPr>
+              <a:t> and indefinite numeric values (see subsequent slides) are specific to queries, and hence cannot be created for assertions, other than for specifically excepted slots</a:t>
+            </a:r>
           </a:p>
         </p:txBody>
       </p:sp>
@@ -21502,13 +20393,7 @@
               <a:rPr lang="en-GB" sz="1600" dirty="0" smtClean="0">
                 <a:cs typeface="Courier New" pitchFamily="49" charset="0"/>
               </a:rPr>
-              <a:t> of the value to which </a:t>
-            </a:r>
-            <a:r>
-              <a:rPr lang="en-GB" sz="1600" dirty="0" smtClean="0">
-                <a:cs typeface="Courier New" pitchFamily="49" charset="0"/>
-              </a:rPr>
-              <a:t>the </a:t>
+              <a:t> of the value to which the </a:t>
             </a:r>
             <a:r>
               <a:rPr lang="en-GB" sz="1600" dirty="0" err="1" smtClean="0">
@@ -21520,13 +20405,7 @@
               <a:rPr lang="en-GB" sz="1600" dirty="0" smtClean="0">
                 <a:cs typeface="Courier New" pitchFamily="49" charset="0"/>
               </a:rPr>
-              <a:t> </a:t>
-            </a:r>
-            <a:r>
-              <a:rPr lang="en-GB" sz="1600" dirty="0" smtClean="0">
-                <a:cs typeface="Courier New" pitchFamily="49" charset="0"/>
-              </a:rPr>
-              <a:t>is added, and which now becomes a </a:t>
+              <a:t> is added, and which now becomes a </a:t>
             </a:r>
             <a:r>
               <a:rPr lang="en-GB" sz="1600" dirty="0" err="1" smtClean="0"/>
@@ -21569,19 +20448,7 @@
               <a:rPr lang="en-GB" sz="1600" dirty="0" smtClean="0">
                 <a:cs typeface="Courier New" pitchFamily="49" charset="0"/>
               </a:rPr>
-              <a:t> </a:t>
-            </a:r>
-            <a:r>
-              <a:rPr lang="en-GB" sz="1600" dirty="0" smtClean="0">
-                <a:cs typeface="Courier New" pitchFamily="49" charset="0"/>
-              </a:rPr>
-              <a:t>slot </a:t>
-            </a:r>
-            <a:r>
-              <a:rPr lang="en-GB" sz="1600" dirty="0" smtClean="0">
-                <a:cs typeface="Courier New" pitchFamily="49" charset="0"/>
-              </a:rPr>
-              <a:t>where the </a:t>
+              <a:t> slot where the </a:t>
             </a:r>
             <a:r>
               <a:rPr lang="en-GB" sz="1600" dirty="0" err="1" smtClean="0">
@@ -21904,17 +20771,8 @@
               <a:rPr lang="en-GB" sz="1600" dirty="0" smtClean="0">
                 <a:cs typeface="Courier New" pitchFamily="49" charset="0"/>
               </a:rPr>
-              <a:t> does not provide any definition for this slot, and hence the slot is not defined for the new </a:t>
-            </a:r>
-            <a:r>
-              <a:rPr lang="en-GB" sz="1600" dirty="0" smtClean="0">
-                <a:cs typeface="Courier New" pitchFamily="49" charset="0"/>
-              </a:rPr>
-              <a:t>disjunction</a:t>
-            </a:r>
-            <a:endParaRPr lang="en-GB" sz="1600" dirty="0" smtClean="0">
-              <a:cs typeface="Courier New" pitchFamily="49" charset="0"/>
-            </a:endParaRPr>
+              <a:t> does not provide any definition for this slot, and hence the slot is not defined for the new disjunction</a:t>
+            </a:r>
           </a:p>
           <a:p>
             <a:pPr marL="457200" indent="-457200">
@@ -22065,11 +20923,7 @@
           <a:p>
             <a:r>
               <a:rPr lang="en-GB" b="1" dirty="0" smtClean="0"/>
-              <a:t>Tutorial </a:t>
-            </a:r>
-            <a:r>
-              <a:rPr lang="en-GB" b="1" dirty="0" smtClean="0"/>
-              <a:t>Format</a:t>
+              <a:t>Tutorial Format</a:t>
             </a:r>
             <a:endParaRPr lang="en-GB" b="1" dirty="0"/>
           </a:p>
@@ -22138,25 +20992,15 @@
             <a:pPr marL="1314450" lvl="2" indent="-514350"/>
             <a:r>
               <a:rPr lang="en-GB" dirty="0" smtClean="0"/>
-              <a:t>Creating + storing “assertion” </a:t>
-            </a:r>
+              <a:t>Creating + storing “assertion” instances</a:t>
+            </a:r>
+          </a:p>
+          <a:p>
+            <a:pPr marL="1314450" lvl="2" indent="-514350"/>
             <a:r>
               <a:rPr lang="en-GB" dirty="0" smtClean="0"/>
-              <a:t>instances</a:t>
-            </a:r>
-            <a:endParaRPr lang="en-GB" dirty="0" smtClean="0"/>
-          </a:p>
-          <a:p>
-            <a:pPr marL="1314450" lvl="2" indent="-514350"/>
-            <a:r>
-              <a:rPr lang="en-GB" dirty="0" smtClean="0"/>
-              <a:t>Creating + executing “query” </a:t>
-            </a:r>
-            <a:r>
-              <a:rPr lang="en-GB" dirty="0" smtClean="0"/>
-              <a:t>instances</a:t>
-            </a:r>
-            <a:endParaRPr lang="en-GB" dirty="0" smtClean="0"/>
+              <a:t>Creating + executing “query” instances</a:t>
+            </a:r>
           </a:p>
           <a:p>
             <a:pPr>
@@ -22287,13 +21131,7 @@
               <a:rPr lang="en-GB" sz="1600" dirty="0" smtClean="0">
                 <a:cs typeface="Courier New" pitchFamily="49" charset="0"/>
               </a:rPr>
-              <a:t>Right-click </a:t>
-            </a:r>
-            <a:r>
-              <a:rPr lang="en-GB" sz="1600" dirty="0" smtClean="0">
-                <a:cs typeface="Courier New" pitchFamily="49" charset="0"/>
-              </a:rPr>
-              <a:t>on the current value of </a:t>
+              <a:t>Right-click on the current value of </a:t>
             </a:r>
             <a:r>
               <a:rPr lang="en-GB" sz="1600" dirty="0" smtClean="0"/>
@@ -22482,17 +21320,8 @@
               <a:rPr lang="en-GB" sz="1600" dirty="0" smtClean="0">
                 <a:cs typeface="Courier New" pitchFamily="49" charset="0"/>
               </a:rPr>
-              <a:t> from the value type then the slot will </a:t>
-            </a:r>
-            <a:r>
-              <a:rPr lang="en-GB" sz="1600" dirty="0" smtClean="0">
-                <a:cs typeface="Courier New" pitchFamily="49" charset="0"/>
-              </a:rPr>
-              <a:t>reappear</a:t>
-            </a:r>
-            <a:endParaRPr lang="en-GB" sz="1600" dirty="0" smtClean="0">
-              <a:cs typeface="Courier New" pitchFamily="49" charset="0"/>
-            </a:endParaRPr>
+              <a:t> from the value type then the slot will reappear</a:t>
+            </a:r>
           </a:p>
         </p:txBody>
       </p:sp>
@@ -22528,38 +21357,6 @@
           <a:chExt cx="0" cy="0"/>
         </a:xfrm>
       </p:grpSpPr>
-      <p:pic>
-        <p:nvPicPr>
-          <p:cNvPr id="1027" name="Picture 3"/>
-          <p:cNvPicPr>
-            <a:picLocks noChangeAspect="1" noChangeArrowheads="1"/>
-          </p:cNvPicPr>
-          <p:nvPr/>
-        </p:nvPicPr>
-        <p:blipFill>
-          <a:blip r:embed="rId2" cstate="print"/>
-          <a:srcRect/>
-          <a:stretch>
-            <a:fillRect/>
-          </a:stretch>
-        </p:blipFill>
-        <p:spPr bwMode="auto">
-          <a:xfrm>
-            <a:off x="395536" y="368660"/>
-            <a:ext cx="4210050" cy="3298698"/>
-          </a:xfrm>
-          <a:prstGeom prst="rect">
-            <a:avLst/>
-          </a:prstGeom>
-          <a:noFill/>
-          <a:ln w="9525">
-            <a:noFill/>
-            <a:miter lim="800000"/>
-            <a:headEnd/>
-            <a:tailEnd/>
-          </a:ln>
-        </p:spPr>
-      </p:pic>
       <p:sp>
         <p:nvSpPr>
           <p:cNvPr id="3" name="TextBox 2"/>
@@ -22607,19 +21404,7 @@
               <a:rPr lang="en-GB" sz="1600" dirty="0" smtClean="0">
                 <a:cs typeface="Courier New" pitchFamily="49" charset="0"/>
               </a:rPr>
-              <a:t>Click on </a:t>
-            </a:r>
-            <a:r>
-              <a:rPr lang="en-GB" sz="1600" dirty="0" smtClean="0">
-                <a:cs typeface="Courier New" pitchFamily="49" charset="0"/>
-              </a:rPr>
-              <a:t>value-type </a:t>
-            </a:r>
-            <a:r>
-              <a:rPr lang="en-GB" sz="1600" dirty="0" smtClean="0">
-                <a:cs typeface="Courier New" pitchFamily="49" charset="0"/>
-              </a:rPr>
-              <a:t>of </a:t>
+              <a:t>Click on value-type of </a:t>
             </a:r>
             <a:r>
               <a:rPr lang="en-GB" sz="1600" dirty="0" smtClean="0">
@@ -22644,31 +21429,7 @@
               <a:rPr lang="en-GB" sz="1600" dirty="0" smtClean="0">
                 <a:cs typeface="Courier New" pitchFamily="49" charset="0"/>
               </a:rPr>
-              <a:t>From </a:t>
-            </a:r>
-            <a:r>
-              <a:rPr lang="en-GB" sz="1600" dirty="0" smtClean="0">
-                <a:cs typeface="Courier New" pitchFamily="49" charset="0"/>
-              </a:rPr>
-              <a:t>general </a:t>
-            </a:r>
-            <a:r>
-              <a:rPr lang="en-GB" sz="1600" dirty="0" smtClean="0">
-                <a:cs typeface="Courier New" pitchFamily="49" charset="0"/>
-              </a:rPr>
-              <a:t>numeric-value entry window that now appears, try entering a value </a:t>
-            </a:r>
-            <a:r>
-              <a:rPr lang="en-GB" sz="1600" dirty="0" smtClean="0">
-                <a:cs typeface="Courier New" pitchFamily="49" charset="0"/>
-              </a:rPr>
-              <a:t>(</a:t>
-            </a:r>
-            <a:r>
-              <a:rPr lang="en-GB" sz="1600" dirty="0" smtClean="0">
-                <a:cs typeface="Courier New" pitchFamily="49" charset="0"/>
-              </a:rPr>
-              <a:t>value-entry options are: </a:t>
+              <a:t>From general numeric-value entry window that now appears, try entering a value (value-entry options are: </a:t>
             </a:r>
             <a:r>
               <a:rPr lang="en-GB" sz="1600" i="1" dirty="0" smtClean="0">
@@ -22732,31 +21493,7 @@
               <a:rPr lang="en-GB" sz="1600" dirty="0" smtClean="0">
                 <a:cs typeface="Courier New" pitchFamily="49" charset="0"/>
               </a:rPr>
-              <a:t>Repeat </a:t>
-            </a:r>
-            <a:r>
-              <a:rPr lang="en-GB" sz="1600" dirty="0" smtClean="0">
-                <a:cs typeface="Courier New" pitchFamily="49" charset="0"/>
-              </a:rPr>
-              <a:t>operation </a:t>
-            </a:r>
-            <a:r>
-              <a:rPr lang="en-GB" sz="1600" dirty="0" smtClean="0">
-                <a:cs typeface="Courier New" pitchFamily="49" charset="0"/>
-              </a:rPr>
-              <a:t>a few times, trying </a:t>
-            </a:r>
-            <a:r>
-              <a:rPr lang="en-GB" sz="1600" dirty="0" smtClean="0">
-                <a:cs typeface="Courier New" pitchFamily="49" charset="0"/>
-              </a:rPr>
-              <a:t>each value-entry </a:t>
-            </a:r>
-            <a:r>
-              <a:rPr lang="en-GB" sz="1600" dirty="0" smtClean="0">
-                <a:cs typeface="Courier New" pitchFamily="49" charset="0"/>
-              </a:rPr>
-              <a:t>options</a:t>
+              <a:t>Repeat operation a few times, trying each value-entry options</a:t>
             </a:r>
             <a:endParaRPr lang="en-GB" sz="1600" i="1" dirty="0" smtClean="0">
               <a:cs typeface="Courier New" pitchFamily="49" charset="0"/>
@@ -22881,17 +21618,8 @@
               <a:rPr lang="en-GB" sz="1600" dirty="0" smtClean="0">
                 <a:cs typeface="Courier New" pitchFamily="49" charset="0"/>
               </a:rPr>
-              <a:t>, and hence by default, are specific to </a:t>
-            </a:r>
-            <a:r>
-              <a:rPr lang="en-GB" sz="1600" dirty="0" smtClean="0">
-                <a:cs typeface="Courier New" pitchFamily="49" charset="0"/>
-              </a:rPr>
-              <a:t>queries</a:t>
-            </a:r>
-            <a:endParaRPr lang="en-GB" sz="1600" dirty="0" smtClean="0">
-              <a:cs typeface="Courier New" pitchFamily="49" charset="0"/>
-            </a:endParaRPr>
+              <a:t>, and hence by default, are specific to queries</a:t>
+            </a:r>
           </a:p>
           <a:p>
             <a:pPr marL="457200" indent="-457200">
@@ -22939,26 +21667,43 @@
               <a:rPr lang="en-GB" sz="1600" dirty="0" smtClean="0">
                 <a:cs typeface="Courier New" pitchFamily="49" charset="0"/>
               </a:rPr>
-              <a:t> slot defines its own min </a:t>
-            </a:r>
-            <a:r>
-              <a:rPr lang="en-GB" sz="1600" dirty="0" smtClean="0">
-                <a:cs typeface="Courier New" pitchFamily="49" charset="0"/>
-              </a:rPr>
-              <a:t>and max values, which will always act as absolute </a:t>
-            </a:r>
-            <a:r>
-              <a:rPr lang="en-GB" sz="1600" dirty="0" smtClean="0">
-                <a:cs typeface="Courier New" pitchFamily="49" charset="0"/>
-              </a:rPr>
-              <a:t>limits for that slot</a:t>
-            </a:r>
-            <a:endParaRPr lang="en-GB" sz="1600" dirty="0" smtClean="0">
-              <a:cs typeface="Courier New" pitchFamily="49" charset="0"/>
-            </a:endParaRPr>
-          </a:p>
-        </p:txBody>
-      </p:sp>
+              <a:t> slot defines its own min and max values, which will always act as absolute limits for that slot</a:t>
+            </a:r>
+          </a:p>
+        </p:txBody>
+      </p:sp>
+      <p:pic>
+        <p:nvPicPr>
+          <p:cNvPr id="1030" name="Picture 6"/>
+          <p:cNvPicPr>
+            <a:picLocks noChangeAspect="1" noChangeArrowheads="1"/>
+          </p:cNvPicPr>
+          <p:nvPr/>
+        </p:nvPicPr>
+        <p:blipFill>
+          <a:blip r:embed="rId2" cstate="print"/>
+          <a:srcRect/>
+          <a:stretch>
+            <a:fillRect/>
+          </a:stretch>
+        </p:blipFill>
+        <p:spPr bwMode="auto">
+          <a:xfrm>
+            <a:off x="395535" y="368659"/>
+            <a:ext cx="4210050" cy="3437382"/>
+          </a:xfrm>
+          <a:prstGeom prst="rect">
+            <a:avLst/>
+          </a:prstGeom>
+          <a:noFill/>
+          <a:ln w="9525">
+            <a:noFill/>
+            <a:miter lim="800000"/>
+            <a:headEnd/>
+            <a:tailEnd/>
+          </a:ln>
+        </p:spPr>
+      </p:pic>
     </p:spTree>
   </p:cSld>
   <p:clrMapOvr>
@@ -22993,7 +21738,7 @@
       </p:grpSpPr>
       <p:pic>
         <p:nvPicPr>
-          <p:cNvPr id="2" name="Picture 3"/>
+          <p:cNvPr id="2052" name="Picture 4"/>
           <p:cNvPicPr>
             <a:picLocks noChangeAspect="1" noChangeArrowheads="1"/>
           </p:cNvPicPr>
@@ -23008,8 +21753,8 @@
         </p:blipFill>
         <p:spPr bwMode="auto">
           <a:xfrm>
-            <a:off x="395534" y="368658"/>
-            <a:ext cx="4190238" cy="3328416"/>
+            <a:off x="395535" y="404663"/>
+            <a:ext cx="4210050" cy="3437382"/>
           </a:xfrm>
           <a:prstGeom prst="rect">
             <a:avLst/>
@@ -23025,14 +21770,211 @@
       </p:pic>
       <p:sp>
         <p:nvSpPr>
-          <p:cNvPr id="3" name="TextBox 2"/>
+          <p:cNvPr id="4" name="TextBox 3"/>
           <p:cNvSpPr txBox="1"/>
           <p:nvPr/>
         </p:nvSpPr>
         <p:spPr>
           <a:xfrm>
-            <a:off x="4968044" y="2024844"/>
-            <a:ext cx="3708412" cy="861774"/>
+            <a:off x="5112060" y="2204864"/>
+            <a:ext cx="3492388" cy="4308872"/>
+          </a:xfrm>
+          <a:prstGeom prst="rect">
+            <a:avLst/>
+          </a:prstGeom>
+          <a:solidFill>
+            <a:schemeClr val="accent3">
+              <a:lumMod val="60000"/>
+              <a:lumOff val="40000"/>
+            </a:schemeClr>
+          </a:solidFill>
+          <a:ln>
+            <a:solidFill>
+              <a:schemeClr val="tx1"/>
+            </a:solidFill>
+          </a:ln>
+        </p:spPr>
+        <p:txBody>
+          <a:bodyPr wrap="square" rtlCol="0">
+            <a:spAutoFit/>
+          </a:bodyPr>
+          <a:lstStyle/>
+          <a:p>
+            <a:r>
+              <a:rPr lang="en-GB" b="1" dirty="0" smtClean="0"/>
+              <a:t>Discussion:</a:t>
+            </a:r>
+            <a:endParaRPr lang="en-GB" dirty="0"/>
+          </a:p>
+          <a:p>
+            <a:pPr marL="457200" indent="-457200">
+              <a:buFont typeface="Arial" pitchFamily="34" charset="0"/>
+              <a:buChar char="•"/>
+            </a:pPr>
+            <a:r>
+              <a:rPr lang="en-GB" sz="1600" dirty="0" smtClean="0">
+                <a:cs typeface="Courier New" pitchFamily="49" charset="0"/>
+              </a:rPr>
+              <a:t>Note </a:t>
+            </a:r>
+            <a:r>
+              <a:rPr lang="en-GB" sz="1600" dirty="0" smtClean="0">
+                <a:cs typeface="Courier New" pitchFamily="49" charset="0"/>
+              </a:rPr>
+              <a:t>that </a:t>
+            </a:r>
+            <a:r>
+              <a:rPr lang="en-GB" sz="1600" dirty="0" smtClean="0">
+                <a:cs typeface="Courier New" pitchFamily="49" charset="0"/>
+              </a:rPr>
+              <a:t>as the </a:t>
+            </a:r>
+            <a:r>
+              <a:rPr lang="en-GB" sz="1600" dirty="0" smtClean="0">
+                <a:latin typeface="Comic Sans MS" pitchFamily="66" charset="0"/>
+                <a:cs typeface="Courier New" pitchFamily="49" charset="0"/>
+              </a:rPr>
+              <a:t>hours-per-week</a:t>
+            </a:r>
+            <a:r>
+              <a:rPr lang="en-GB" sz="1600" dirty="0" smtClean="0">
+                <a:cs typeface="Courier New" pitchFamily="49" charset="0"/>
+              </a:rPr>
+              <a:t> value is updated, the </a:t>
+            </a:r>
+            <a:r>
+              <a:rPr lang="en-GB" sz="1600" dirty="0" smtClean="0">
+                <a:cs typeface="Courier New" pitchFamily="49" charset="0"/>
+              </a:rPr>
+              <a:t>value-type of </a:t>
+            </a:r>
+            <a:r>
+              <a:rPr lang="en-GB" sz="1600" dirty="0" smtClean="0">
+                <a:latin typeface="Comic Sans MS" pitchFamily="66" charset="0"/>
+                <a:cs typeface="Courier New" pitchFamily="49" charset="0"/>
+              </a:rPr>
+              <a:t>weekly-pay </a:t>
+            </a:r>
+            <a:r>
+              <a:rPr lang="en-GB" sz="1600" dirty="0" smtClean="0">
+                <a:cs typeface="Courier New" pitchFamily="49" charset="0"/>
+              </a:rPr>
+              <a:t>is </a:t>
+            </a:r>
+            <a:r>
+              <a:rPr lang="en-GB" sz="1600" dirty="0" smtClean="0">
+                <a:cs typeface="Courier New" pitchFamily="49" charset="0"/>
+              </a:rPr>
+              <a:t>updated accordingly, with min and max values being the products of those of </a:t>
+            </a:r>
+            <a:r>
+              <a:rPr lang="en-GB" sz="1600" dirty="0" smtClean="0">
+                <a:latin typeface="Comic Sans MS" pitchFamily="66" charset="0"/>
+                <a:cs typeface="Courier New" pitchFamily="49" charset="0"/>
+              </a:rPr>
+              <a:t>hours-per-week</a:t>
+            </a:r>
+            <a:r>
+              <a:rPr lang="en-GB" sz="1600" dirty="0" smtClean="0">
+                <a:cs typeface="Courier New" pitchFamily="49" charset="0"/>
+              </a:rPr>
+              <a:t> and </a:t>
+            </a:r>
+            <a:r>
+              <a:rPr lang="en-GB" sz="1600" dirty="0" smtClean="0">
+                <a:latin typeface="Comic Sans MS" pitchFamily="66" charset="0"/>
+                <a:cs typeface="Courier New" pitchFamily="49" charset="0"/>
+              </a:rPr>
+              <a:t>hourly-pay</a:t>
+            </a:r>
+            <a:endParaRPr lang="en-GB" sz="1600" dirty="0" smtClean="0">
+              <a:cs typeface="Courier New" pitchFamily="49" charset="0"/>
+            </a:endParaRPr>
+          </a:p>
+          <a:p>
+            <a:pPr marL="457200" indent="-457200">
+              <a:buFont typeface="Arial" pitchFamily="34" charset="0"/>
+              <a:buChar char="•"/>
+            </a:pPr>
+            <a:r>
+              <a:rPr lang="en-GB" sz="1600" dirty="0" smtClean="0"/>
+              <a:t>As in the </a:t>
+            </a:r>
+            <a:r>
+              <a:rPr lang="en-GB" sz="1600" dirty="0" smtClean="0"/>
+              <a:t>assertion </a:t>
+            </a:r>
+            <a:r>
+              <a:rPr lang="en-GB" sz="1600" dirty="0" smtClean="0"/>
+              <a:t>case, the </a:t>
+            </a:r>
+            <a:r>
+              <a:rPr lang="en-GB" sz="1600" dirty="0" smtClean="0"/>
+              <a:t>behaviour </a:t>
+            </a:r>
+            <a:r>
+              <a:rPr lang="en-GB" sz="1600" dirty="0" smtClean="0"/>
+              <a:t>that ensues from setting </a:t>
+            </a:r>
+            <a:r>
+              <a:rPr lang="en-GB" sz="1600" dirty="0" smtClean="0">
+                <a:latin typeface="Comic Sans MS" pitchFamily="66" charset="0"/>
+                <a:cs typeface="Courier New" pitchFamily="49" charset="0"/>
+              </a:rPr>
+              <a:t>hours-per-week</a:t>
+            </a:r>
+            <a:r>
+              <a:rPr lang="en-GB" sz="1600" dirty="0" smtClean="0">
+                <a:cs typeface="Courier New" pitchFamily="49" charset="0"/>
+              </a:rPr>
+              <a:t> </a:t>
+            </a:r>
+            <a:r>
+              <a:rPr lang="en-GB" sz="1600" dirty="0" smtClean="0">
+                <a:cs typeface="Courier New" pitchFamily="49" charset="0"/>
+              </a:rPr>
+              <a:t>values </a:t>
+            </a:r>
+            <a:r>
+              <a:rPr lang="en-GB" sz="1600" dirty="0" smtClean="0"/>
+              <a:t>is governed by the </a:t>
+            </a:r>
+            <a:r>
+              <a:rPr lang="en-GB" sz="1600" dirty="0" smtClean="0"/>
+              <a:t>OM. Note however</a:t>
+            </a:r>
+            <a:r>
+              <a:rPr lang="en-GB" sz="1600" dirty="0" smtClean="0"/>
+              <a:t> </a:t>
+            </a:r>
+            <a:r>
+              <a:rPr lang="en-GB" sz="1600" dirty="0" smtClean="0"/>
+              <a:t>that, </a:t>
+            </a:r>
+            <a:r>
+              <a:rPr lang="en-GB" sz="1600" dirty="0" smtClean="0"/>
+              <a:t>in the assertion case</a:t>
+            </a:r>
+            <a:r>
+              <a:rPr lang="en-GB" sz="1600" dirty="0" smtClean="0"/>
+              <a:t> it was the slot value that was being updated, rather than the value-type, as here (see next slide for further discussion)</a:t>
+            </a:r>
+            <a:endParaRPr lang="en-GB" sz="1600" dirty="0" smtClean="0">
+              <a:cs typeface="Courier New" pitchFamily="49" charset="0"/>
+            </a:endParaRPr>
+          </a:p>
+        </p:txBody>
+      </p:sp>
+      <p:sp>
+        <p:nvSpPr>
+          <p:cNvPr id="7" name="TextBox 6"/>
+          <p:cNvSpPr txBox="1"/>
+          <p:nvPr/>
+        </p:nvSpPr>
+        <p:spPr>
+          <a:xfrm>
+            <a:off x="5112060" y="368660"/>
+            <a:ext cx="3492388" cy="1846659"/>
           </a:xfrm>
           <a:prstGeom prst="rect">
             <a:avLst/>
@@ -23070,170 +22012,62 @@
               <a:rPr lang="en-GB" sz="1600" dirty="0" smtClean="0">
                 <a:cs typeface="Courier New" pitchFamily="49" charset="0"/>
               </a:rPr>
-              <a:t>Try entering values for the </a:t>
+              <a:t>Expand </a:t>
             </a:r>
             <a:r>
               <a:rPr lang="en-GB" sz="1600" dirty="0" smtClean="0">
                 <a:latin typeface="Comic Sans MS" pitchFamily="66" charset="0"/>
                 <a:cs typeface="Courier New" pitchFamily="49" charset="0"/>
               </a:rPr>
+              <a:t>hourly-pay </a:t>
+            </a:r>
+            <a:r>
+              <a:rPr lang="en-GB" sz="1600" dirty="0" smtClean="0">
+                <a:cs typeface="Courier New" pitchFamily="49" charset="0"/>
+              </a:rPr>
+              <a:t>and </a:t>
+            </a:r>
+            <a:r>
+              <a:rPr lang="en-GB" sz="1600" dirty="0" smtClean="0">
+                <a:latin typeface="Comic Sans MS" pitchFamily="66" charset="0"/>
+                <a:cs typeface="Courier New" pitchFamily="49" charset="0"/>
+              </a:rPr>
               <a:t>weekly-pay </a:t>
             </a:r>
             <a:r>
               <a:rPr lang="en-GB" sz="1600" dirty="0" smtClean="0">
                 <a:cs typeface="Courier New" pitchFamily="49" charset="0"/>
               </a:rPr>
+              <a:t>slots to expose their value-types</a:t>
+            </a:r>
+          </a:p>
+          <a:p>
+            <a:pPr marL="457200" indent="-457200">
+              <a:buFont typeface="+mj-lt"/>
+              <a:buAutoNum type="arabicPeriod"/>
+            </a:pPr>
+            <a:r>
+              <a:rPr lang="en-GB" sz="1600" dirty="0" smtClean="0">
+                <a:cs typeface="Courier New" pitchFamily="49" charset="0"/>
+              </a:rPr>
+              <a:t>Try entering various different exact and indefinite values for </a:t>
+            </a:r>
+            <a:r>
+              <a:rPr lang="en-GB" sz="1600" dirty="0" smtClean="0">
+                <a:latin typeface="Comic Sans MS" pitchFamily="66" charset="0"/>
+                <a:cs typeface="Courier New" pitchFamily="49" charset="0"/>
+              </a:rPr>
+              <a:t>hours-per-week </a:t>
+            </a:r>
+            <a:r>
+              <a:rPr lang="en-GB" sz="1600" dirty="0" smtClean="0">
+                <a:cs typeface="Courier New" pitchFamily="49" charset="0"/>
+              </a:rPr>
               <a:t>slot</a:t>
             </a:r>
-          </a:p>
-        </p:txBody>
-      </p:sp>
-      <p:sp>
-        <p:nvSpPr>
-          <p:cNvPr id="4" name="TextBox 3"/>
-          <p:cNvSpPr txBox="1"/>
-          <p:nvPr/>
-        </p:nvSpPr>
-        <p:spPr>
-          <a:xfrm>
-            <a:off x="4968044" y="2888940"/>
-            <a:ext cx="3708412" cy="3570208"/>
-          </a:xfrm>
-          <a:prstGeom prst="rect">
-            <a:avLst/>
-          </a:prstGeom>
-          <a:solidFill>
-            <a:schemeClr val="accent3">
-              <a:lumMod val="60000"/>
-              <a:lumOff val="40000"/>
-            </a:schemeClr>
-          </a:solidFill>
-          <a:ln>
-            <a:solidFill>
-              <a:schemeClr val="tx1"/>
-            </a:solidFill>
-          </a:ln>
-        </p:spPr>
-        <p:txBody>
-          <a:bodyPr wrap="square" rtlCol="0">
-            <a:spAutoFit/>
-          </a:bodyPr>
-          <a:lstStyle/>
-          <a:p>
-            <a:r>
-              <a:rPr lang="en-GB" b="1" dirty="0" smtClean="0"/>
-              <a:t>Discussion:</a:t>
-            </a:r>
-            <a:endParaRPr lang="en-GB" dirty="0"/>
-          </a:p>
-          <a:p>
-            <a:pPr marL="457200" indent="-457200">
-              <a:buFont typeface="Arial" pitchFamily="34" charset="0"/>
-              <a:buChar char="•"/>
-            </a:pPr>
-            <a:r>
-              <a:rPr lang="en-GB" sz="1600" dirty="0" smtClean="0">
-                <a:cs typeface="Courier New" pitchFamily="49" charset="0"/>
-              </a:rPr>
-              <a:t>The fact that you can do this illustrates </a:t>
-            </a:r>
-            <a:r>
-              <a:rPr lang="en-GB" sz="1600" dirty="0" smtClean="0">
-                <a:cs typeface="Courier New" pitchFamily="49" charset="0"/>
-              </a:rPr>
-              <a:t>another of the differences </a:t>
-            </a:r>
-            <a:r>
-              <a:rPr lang="en-GB" sz="1600" dirty="0" smtClean="0">
-                <a:cs typeface="Courier New" pitchFamily="49" charset="0"/>
-              </a:rPr>
-              <a:t>between queries and </a:t>
-            </a:r>
-            <a:r>
-              <a:rPr lang="en-GB" sz="1600" dirty="0" smtClean="0">
-                <a:cs typeface="Courier New" pitchFamily="49" charset="0"/>
-              </a:rPr>
-              <a:t>assertions, </a:t>
-            </a:r>
-            <a:r>
-              <a:rPr lang="en-GB" sz="1600" dirty="0" smtClean="0">
-                <a:cs typeface="Courier New" pitchFamily="49" charset="0"/>
-              </a:rPr>
-              <a:t>namely that </a:t>
-            </a:r>
-            <a:r>
-              <a:rPr lang="en-GB" sz="1600" i="1" dirty="0" smtClean="0">
-                <a:cs typeface="Courier New" pitchFamily="49" charset="0"/>
-              </a:rPr>
-              <a:t>derived</a:t>
-            </a:r>
-            <a:r>
-              <a:rPr lang="en-GB" sz="1600" dirty="0" smtClean="0">
-                <a:cs typeface="Courier New" pitchFamily="49" charset="0"/>
-              </a:rPr>
-              <a:t> slots, such as </a:t>
-            </a:r>
-            <a:r>
-              <a:rPr lang="en-GB" sz="1600" dirty="0" smtClean="0">
-                <a:latin typeface="Comic Sans MS" pitchFamily="66" charset="0"/>
-                <a:cs typeface="Courier New" pitchFamily="49" charset="0"/>
-              </a:rPr>
-              <a:t>weekly-pay</a:t>
-            </a:r>
-            <a:r>
-              <a:rPr lang="en-GB" sz="1600" dirty="0" smtClean="0">
-                <a:cs typeface="Courier New" pitchFamily="49" charset="0"/>
-              </a:rPr>
-              <a:t>, are </a:t>
-            </a:r>
-            <a:r>
-              <a:rPr lang="en-GB" sz="1600" i="1" dirty="0" smtClean="0">
-                <a:cs typeface="Courier New" pitchFamily="49" charset="0"/>
-              </a:rPr>
-              <a:t>editable</a:t>
-            </a:r>
-            <a:r>
-              <a:rPr lang="en-GB" sz="1600" dirty="0" smtClean="0">
-                <a:cs typeface="Courier New" pitchFamily="49" charset="0"/>
-              </a:rPr>
-              <a:t> for queries, </a:t>
-            </a:r>
-            <a:r>
-              <a:rPr lang="en-GB" sz="1600" dirty="0" smtClean="0">
-                <a:cs typeface="Courier New" pitchFamily="49" charset="0"/>
-              </a:rPr>
-              <a:t>but not for </a:t>
-            </a:r>
-            <a:r>
-              <a:rPr lang="en-GB" sz="1600" dirty="0" smtClean="0">
-                <a:cs typeface="Courier New" pitchFamily="49" charset="0"/>
-              </a:rPr>
-              <a:t>assertions</a:t>
-            </a:r>
-          </a:p>
-          <a:p>
-            <a:pPr marL="457200" indent="-457200">
-              <a:buFont typeface="Arial" pitchFamily="34" charset="0"/>
-              <a:buChar char="•"/>
-            </a:pPr>
-            <a:r>
-              <a:rPr lang="en-GB" sz="1600" dirty="0" smtClean="0">
-                <a:cs typeface="Courier New" pitchFamily="49" charset="0"/>
-              </a:rPr>
-              <a:t>This means that when formulating a query you can include values for any slot, thus </a:t>
-            </a:r>
-            <a:r>
-              <a:rPr lang="en-GB" sz="1600" dirty="0" smtClean="0">
-                <a:cs typeface="Courier New" pitchFamily="49" charset="0"/>
-              </a:rPr>
-              <a:t>queries </a:t>
-            </a:r>
-            <a:r>
-              <a:rPr lang="en-GB" sz="1600" dirty="0" smtClean="0">
-                <a:cs typeface="Courier New" pitchFamily="49" charset="0"/>
-              </a:rPr>
-              <a:t>such as “all jobs that pay more than 1000 per week” or “all jobs that pay less than 500 per week for 50 hours or more working time”</a:t>
-            </a:r>
+            <a:endParaRPr lang="en-GB" sz="1600" dirty="0" smtClean="0">
+              <a:cs typeface="Courier New" pitchFamily="49" charset="0"/>
+            </a:endParaRPr>
           </a:p>
         </p:txBody>
       </p:sp>
@@ -23271,7 +22105,7 @@
       </p:grpSpPr>
       <p:pic>
         <p:nvPicPr>
-          <p:cNvPr id="4098" name="Picture 2"/>
+          <p:cNvPr id="3075" name="Picture 3"/>
           <p:cNvPicPr>
             <a:picLocks noChangeAspect="1" noChangeArrowheads="1"/>
           </p:cNvPicPr>
@@ -23286,8 +22120,8 @@
         </p:blipFill>
         <p:spPr bwMode="auto">
           <a:xfrm>
-            <a:off x="395535" y="368658"/>
-            <a:ext cx="4368546" cy="4130802"/>
+            <a:off x="395535" y="368659"/>
+            <a:ext cx="4210050" cy="3437382"/>
           </a:xfrm>
           <a:prstGeom prst="rect">
             <a:avLst/>
@@ -23309,8 +22143,8 @@
         </p:nvSpPr>
         <p:spPr>
           <a:xfrm>
-            <a:off x="5292080" y="1556792"/>
-            <a:ext cx="3420380" cy="861774"/>
+            <a:off x="4932040" y="800708"/>
+            <a:ext cx="3852428" cy="615553"/>
           </a:xfrm>
           <a:prstGeom prst="rect">
             <a:avLst/>
@@ -23345,45 +22179,36 @@
               <a:buAutoNum type="arabicPeriod"/>
             </a:pPr>
             <a:r>
-              <a:rPr lang="en-GB" sz="1600" dirty="0" smtClean="0"/>
-              <a:t>Instantiate </a:t>
+              <a:rPr lang="en-GB" sz="1600" dirty="0" smtClean="0">
+                <a:cs typeface="Courier New" pitchFamily="49" charset="0"/>
+              </a:rPr>
+              <a:t>Try entering </a:t>
+            </a:r>
+            <a:r>
+              <a:rPr lang="en-GB" sz="1600" dirty="0" smtClean="0">
+                <a:cs typeface="Courier New" pitchFamily="49" charset="0"/>
+              </a:rPr>
+              <a:t>value </a:t>
+            </a:r>
+            <a:r>
+              <a:rPr lang="en-GB" sz="1600" dirty="0" smtClean="0">
+                <a:cs typeface="Courier New" pitchFamily="49" charset="0"/>
+              </a:rPr>
+              <a:t>for </a:t>
             </a:r>
             <a:r>
               <a:rPr lang="en-GB" sz="1600" dirty="0" smtClean="0">
                 <a:latin typeface="Comic Sans MS" pitchFamily="66" charset="0"/>
-              </a:rPr>
-              <a:t>Citizen</a:t>
-            </a:r>
-            <a:r>
-              <a:rPr lang="en-GB" sz="1600" dirty="0" smtClean="0"/>
-              <a:t> </a:t>
-            </a:r>
-            <a:r>
-              <a:rPr lang="en-GB" sz="1600" dirty="0" smtClean="0"/>
-              <a:t>query</a:t>
-            </a:r>
-            <a:endParaRPr lang="en-GB" sz="1600" dirty="0" smtClean="0"/>
-          </a:p>
-          <a:p>
-            <a:pPr marL="457200" indent="-457200">
-              <a:buFont typeface="+mj-lt"/>
-              <a:buAutoNum type="arabicPeriod"/>
-            </a:pPr>
-            <a:r>
-              <a:rPr lang="en-GB" sz="1600" dirty="0" smtClean="0"/>
-              <a:t>Add a value to </a:t>
-            </a:r>
-            <a:r>
-              <a:rPr lang="en-GB" sz="1600" dirty="0" smtClean="0">
-                <a:latin typeface="Comic Sans MS" pitchFamily="66" charset="0"/>
-              </a:rPr>
-              <a:t>Employment</a:t>
-            </a:r>
-            <a:r>
-              <a:rPr lang="en-GB" sz="1600" dirty="0" smtClean="0"/>
-              <a:t> slot</a:t>
-            </a:r>
-            <a:endParaRPr lang="en-GB" sz="1600" dirty="0" smtClean="0"/>
+                <a:cs typeface="Courier New" pitchFamily="49" charset="0"/>
+              </a:rPr>
+              <a:t>weekly-pay </a:t>
+            </a:r>
+            <a:r>
+              <a:rPr lang="en-GB" sz="1600" dirty="0" smtClean="0">
+                <a:cs typeface="Courier New" pitchFamily="49" charset="0"/>
+              </a:rPr>
+              <a:t>slot</a:t>
+            </a:r>
           </a:p>
         </p:txBody>
       </p:sp>
@@ -23395,8 +22220,8 @@
         </p:nvSpPr>
         <p:spPr>
           <a:xfrm>
-            <a:off x="5292080" y="2420888"/>
-            <a:ext cx="3420380" cy="4062651"/>
+            <a:off x="4932040" y="1412776"/>
+            <a:ext cx="3852428" cy="5047536"/>
           </a:xfrm>
           <a:prstGeom prst="rect">
             <a:avLst/>
@@ -23431,44 +22256,59 @@
               <a:buChar char="•"/>
             </a:pPr>
             <a:r>
-              <a:rPr lang="en-GB" sz="1600" dirty="0" smtClean="0"/>
-              <a:t>As in the corresponding assertion example (see earlier), the </a:t>
+              <a:rPr lang="en-GB" sz="1600" dirty="0" smtClean="0">
+                <a:cs typeface="Courier New" pitchFamily="49" charset="0"/>
+              </a:rPr>
+              <a:t>The fact that you can do this illustrates </a:t>
+            </a:r>
+            <a:r>
+              <a:rPr lang="en-GB" sz="1600" dirty="0" smtClean="0">
+                <a:cs typeface="Courier New" pitchFamily="49" charset="0"/>
+              </a:rPr>
+              <a:t>one of the </a:t>
+            </a:r>
+            <a:r>
+              <a:rPr lang="en-GB" sz="1600" dirty="0" smtClean="0">
+                <a:cs typeface="Courier New" pitchFamily="49" charset="0"/>
+              </a:rPr>
+              <a:t>differences between queries and assertions, namely that </a:t>
+            </a:r>
+            <a:r>
+              <a:rPr lang="en-GB" sz="1600" i="1" dirty="0" smtClean="0">
+                <a:cs typeface="Courier New" pitchFamily="49" charset="0"/>
+              </a:rPr>
+              <a:t>derived</a:t>
+            </a:r>
+            <a:r>
+              <a:rPr lang="en-GB" sz="1600" dirty="0" smtClean="0">
+                <a:cs typeface="Courier New" pitchFamily="49" charset="0"/>
+              </a:rPr>
+              <a:t> slots, such as </a:t>
             </a:r>
             <a:r>
               <a:rPr lang="en-GB" sz="1600" dirty="0" smtClean="0">
                 <a:latin typeface="Comic Sans MS" pitchFamily="66" charset="0"/>
-              </a:rPr>
-              <a:t>tax-paid</a:t>
-            </a:r>
-            <a:r>
-              <a:rPr lang="en-GB" sz="1600" dirty="0" smtClean="0"/>
-              <a:t> </a:t>
-            </a:r>
-            <a:r>
-              <a:rPr lang="en-GB" sz="1600" dirty="0" smtClean="0"/>
-              <a:t>s</a:t>
-            </a:r>
-            <a:r>
-              <a:rPr lang="en-GB" sz="1600" dirty="0" smtClean="0"/>
-              <a:t>lot has its value-type updated to </a:t>
-            </a:r>
-            <a:r>
-              <a:rPr lang="en-GB" sz="1600" dirty="0" smtClean="0">
-                <a:latin typeface="Comic Sans MS" pitchFamily="66" charset="0"/>
-              </a:rPr>
-              <a:t>Zero-tax</a:t>
-            </a:r>
-            <a:r>
-              <a:rPr lang="en-GB" sz="1600" dirty="0" smtClean="0"/>
-              <a:t>, since (as discussed earlier) the fact that no jobs have been specified leads to the inference (via the </a:t>
-            </a:r>
-            <a:r>
-              <a:rPr lang="en-GB" sz="1600" i="1" dirty="0" smtClean="0"/>
-              <a:t>closed world</a:t>
-            </a:r>
-            <a:r>
-              <a:rPr lang="en-GB" sz="1600" dirty="0" smtClean="0"/>
-              <a:t> assumption for that slot) that the citizen is unemployed and hence does not pay tax</a:t>
+                <a:cs typeface="Courier New" pitchFamily="49" charset="0"/>
+              </a:rPr>
+              <a:t>weekly-pay</a:t>
+            </a:r>
+            <a:r>
+              <a:rPr lang="en-GB" sz="1600" dirty="0" smtClean="0">
+                <a:cs typeface="Courier New" pitchFamily="49" charset="0"/>
+              </a:rPr>
+              <a:t>, are </a:t>
+            </a:r>
+            <a:r>
+              <a:rPr lang="en-GB" sz="1600" i="1" dirty="0" smtClean="0">
+                <a:cs typeface="Courier New" pitchFamily="49" charset="0"/>
+              </a:rPr>
+              <a:t>editable</a:t>
+            </a:r>
+            <a:r>
+              <a:rPr lang="en-GB" sz="1600" dirty="0" smtClean="0">
+                <a:cs typeface="Courier New" pitchFamily="49" charset="0"/>
+              </a:rPr>
+              <a:t> for queries, but not for assertions</a:t>
             </a:r>
           </a:p>
           <a:p>
@@ -23477,36 +22317,86 @@
               <a:buChar char="•"/>
             </a:pPr>
             <a:r>
-              <a:rPr lang="en-GB" sz="1600" dirty="0" smtClean="0"/>
-              <a:t>However, unlike </a:t>
-            </a:r>
-            <a:r>
-              <a:rPr lang="en-GB" sz="1600" dirty="0" smtClean="0"/>
-              <a:t>in the assertion </a:t>
-            </a:r>
-            <a:r>
-              <a:rPr lang="en-GB" sz="1600" dirty="0" smtClean="0"/>
-              <a:t>example, values are not inferred for either the </a:t>
-            </a:r>
-            <a:r>
-              <a:rPr lang="en-GB" sz="1600" dirty="0" smtClean="0">
-                <a:latin typeface="Comic Sans MS" pitchFamily="66" charset="0"/>
-              </a:rPr>
-              <a:t>tax-paid</a:t>
-            </a:r>
-            <a:r>
-              <a:rPr lang="en-GB" sz="1600" dirty="0" smtClean="0"/>
-              <a:t> or </a:t>
-            </a:r>
-            <a:r>
-              <a:rPr lang="en-GB" sz="1600" dirty="0" smtClean="0">
-                <a:latin typeface="Comic Sans MS" pitchFamily="66" charset="0"/>
-              </a:rPr>
-              <a:t>benefit-received</a:t>
-            </a:r>
-            <a:r>
-              <a:rPr lang="en-GB" sz="1600" dirty="0" smtClean="0"/>
-              <a:t> slots (see next slide for more details)</a:t>
+              <a:rPr lang="en-GB" sz="1600" dirty="0" smtClean="0">
+                <a:cs typeface="Courier New" pitchFamily="49" charset="0"/>
+              </a:rPr>
+              <a:t>This allows the formulation of queries such </a:t>
+            </a:r>
+            <a:r>
+              <a:rPr lang="en-GB" sz="1600" dirty="0" smtClean="0">
+                <a:cs typeface="Courier New" pitchFamily="49" charset="0"/>
+              </a:rPr>
+              <a:t>as </a:t>
+            </a:r>
+            <a:r>
+              <a:rPr lang="en-GB" sz="1600" dirty="0" smtClean="0">
+                <a:cs typeface="Courier New" pitchFamily="49" charset="0"/>
+              </a:rPr>
+              <a:t>the one shown</a:t>
+            </a:r>
+          </a:p>
+          <a:p>
+            <a:pPr marL="457200" indent="-457200">
+              <a:buFont typeface="Arial" pitchFamily="34" charset="0"/>
+              <a:buChar char="•"/>
+            </a:pPr>
+            <a:r>
+              <a:rPr lang="en-GB" sz="1600" dirty="0" smtClean="0"/>
+              <a:t>The reason </a:t>
+            </a:r>
+            <a:r>
+              <a:rPr lang="en-GB" sz="1600" dirty="0" smtClean="0"/>
+              <a:t>that </a:t>
+            </a:r>
+            <a:r>
+              <a:rPr lang="en-GB" sz="1600" dirty="0" smtClean="0"/>
+              <a:t>for </a:t>
+            </a:r>
+            <a:r>
+              <a:rPr lang="en-GB" sz="1600" dirty="0" smtClean="0"/>
+              <a:t>queries, dynamic inference is restricted to value-types, rather than actual values, is that inferred </a:t>
+            </a:r>
+            <a:r>
+              <a:rPr lang="en-GB" sz="1600" dirty="0" smtClean="0"/>
+              <a:t>values would </a:t>
+            </a:r>
+            <a:r>
+              <a:rPr lang="en-GB" sz="1600" dirty="0" smtClean="0"/>
+              <a:t>not only be </a:t>
+            </a:r>
+            <a:r>
+              <a:rPr lang="en-GB" sz="1600" dirty="0" smtClean="0"/>
+              <a:t>redundant </a:t>
+            </a:r>
+            <a:r>
+              <a:rPr lang="en-GB" sz="1600" dirty="0" smtClean="0"/>
+              <a:t>in query execution, but may also lead </a:t>
+            </a:r>
+            <a:r>
+              <a:rPr lang="en-GB" sz="1600" dirty="0" smtClean="0"/>
+              <a:t>to increased execution </a:t>
+            </a:r>
+            <a:r>
+              <a:rPr lang="en-GB" sz="1600" dirty="0" smtClean="0"/>
+              <a:t>time.</a:t>
+            </a:r>
+          </a:p>
+          <a:p>
+            <a:pPr marL="457200" indent="-457200">
+              <a:buFont typeface="Arial" pitchFamily="34" charset="0"/>
+              <a:buChar char="•"/>
+            </a:pPr>
+            <a:r>
+              <a:rPr lang="en-GB" sz="1600" dirty="0" smtClean="0"/>
+              <a:t>Conversely, since derived slots are </a:t>
+            </a:r>
+            <a:r>
+              <a:rPr lang="en-GB" sz="1600" dirty="0" smtClean="0"/>
+              <a:t>now </a:t>
+            </a:r>
+            <a:r>
+              <a:rPr lang="en-GB" sz="1600" dirty="0" smtClean="0"/>
+              <a:t>editable, the dynamic updating of their value-types becomes highly desirable from the point-of-view of constraining user-input</a:t>
             </a:r>
             <a:endParaRPr lang="en-GB" sz="1600" dirty="0" smtClean="0"/>
           </a:p>
@@ -23578,14 +22468,94 @@
       </p:pic>
       <p:sp>
         <p:nvSpPr>
+          <p:cNvPr id="3" name="TextBox 2"/>
+          <p:cNvSpPr txBox="1"/>
+          <p:nvPr/>
+        </p:nvSpPr>
+        <p:spPr>
+          <a:xfrm>
+            <a:off x="5112060" y="872716"/>
+            <a:ext cx="3708412" cy="861774"/>
+          </a:xfrm>
+          <a:prstGeom prst="rect">
+            <a:avLst/>
+          </a:prstGeom>
+          <a:solidFill>
+            <a:schemeClr val="tx2">
+              <a:lumMod val="40000"/>
+              <a:lumOff val="60000"/>
+            </a:schemeClr>
+          </a:solidFill>
+          <a:ln>
+            <a:solidFill>
+              <a:schemeClr val="tx1"/>
+            </a:solidFill>
+          </a:ln>
+        </p:spPr>
+        <p:txBody>
+          <a:bodyPr wrap="square" rtlCol="0">
+            <a:spAutoFit/>
+          </a:bodyPr>
+          <a:lstStyle/>
+          <a:p>
+            <a:r>
+              <a:rPr lang="en-GB" b="1" dirty="0" smtClean="0"/>
+              <a:t>Actions:</a:t>
+            </a:r>
+            <a:endParaRPr lang="en-GB" dirty="0"/>
+          </a:p>
+          <a:p>
+            <a:pPr marL="457200" indent="-457200">
+              <a:buFont typeface="+mj-lt"/>
+              <a:buAutoNum type="arabicPeriod"/>
+            </a:pPr>
+            <a:r>
+              <a:rPr lang="en-GB" sz="1600" dirty="0" smtClean="0"/>
+              <a:t>Instantiate </a:t>
+            </a:r>
+            <a:r>
+              <a:rPr lang="en-GB" sz="1600" dirty="0" smtClean="0">
+                <a:latin typeface="Comic Sans MS" pitchFamily="66" charset="0"/>
+              </a:rPr>
+              <a:t>Citizen</a:t>
+            </a:r>
+            <a:r>
+              <a:rPr lang="en-GB" sz="1600" dirty="0" smtClean="0"/>
+              <a:t> query</a:t>
+            </a:r>
+          </a:p>
+          <a:p>
+            <a:pPr marL="457200" indent="-457200">
+              <a:buFont typeface="+mj-lt"/>
+              <a:buAutoNum type="arabicPeriod"/>
+            </a:pPr>
+            <a:r>
+              <a:rPr lang="en-GB" sz="1600" dirty="0" smtClean="0"/>
+              <a:t>Add a value to </a:t>
+            </a:r>
+            <a:r>
+              <a:rPr lang="en-GB" sz="1600" dirty="0" smtClean="0">
+                <a:latin typeface="Comic Sans MS" pitchFamily="66" charset="0"/>
+              </a:rPr>
+              <a:t>Employment</a:t>
+            </a:r>
+            <a:r>
+              <a:rPr lang="en-GB" sz="1600" dirty="0" smtClean="0"/>
+              <a:t> slot</a:t>
+            </a:r>
+          </a:p>
+        </p:txBody>
+      </p:sp>
+      <p:sp>
+        <p:nvSpPr>
           <p:cNvPr id="4" name="TextBox 3"/>
           <p:cNvSpPr txBox="1"/>
           <p:nvPr/>
         </p:nvSpPr>
         <p:spPr>
           <a:xfrm>
-            <a:off x="5112060" y="332656"/>
-            <a:ext cx="3672408" cy="6278642"/>
+            <a:off x="5112060" y="1736812"/>
+            <a:ext cx="3708412" cy="4801314"/>
           </a:xfrm>
           <a:prstGeom prst="rect">
             <a:avLst/>
@@ -23610,8 +22580,9 @@
           <a:p>
             <a:r>
               <a:rPr lang="en-GB" b="1" dirty="0" smtClean="0"/>
-              <a:t>Further Discussion:</a:t>
-            </a:r>
+              <a:t>Discussion:</a:t>
+            </a:r>
+            <a:endParaRPr lang="en-GB" dirty="0"/>
           </a:p>
           <a:p>
             <a:pPr marL="457200" indent="-457200">
@@ -23620,7 +22591,55 @@
             </a:pPr>
             <a:r>
               <a:rPr lang="en-GB" sz="1600" dirty="0" smtClean="0"/>
-              <a:t>The reason that no value inferences are made for queries, is that the inferred values would be redundant from a query execution point-of-view, and may lead to increased execution time</a:t>
+              <a:t>As in the corresponding assertion example (see earlier</a:t>
+            </a:r>
+            <a:r>
+              <a:rPr lang="en-GB" sz="1600" dirty="0" smtClean="0"/>
+              <a:t>), the </a:t>
+            </a:r>
+            <a:r>
+              <a:rPr lang="en-GB" sz="1600" dirty="0" smtClean="0">
+                <a:latin typeface="Comic Sans MS" pitchFamily="66" charset="0"/>
+              </a:rPr>
+              <a:t>tax-paid</a:t>
+            </a:r>
+            <a:r>
+              <a:rPr lang="en-GB" sz="1600" dirty="0" smtClean="0"/>
+              <a:t> slot has its value-type updated to </a:t>
+            </a:r>
+            <a:r>
+              <a:rPr lang="en-GB" sz="1600" dirty="0" smtClean="0">
+                <a:latin typeface="Comic Sans MS" pitchFamily="66" charset="0"/>
+              </a:rPr>
+              <a:t>Zero-tax</a:t>
+            </a:r>
+            <a:r>
+              <a:rPr lang="en-GB" sz="1600" dirty="0" smtClean="0"/>
+              <a:t>, since </a:t>
+            </a:r>
+            <a:r>
+              <a:rPr lang="en-GB" sz="1600" dirty="0" smtClean="0"/>
+              <a:t>the </a:t>
+            </a:r>
+            <a:r>
+              <a:rPr lang="en-GB" sz="1600" dirty="0" smtClean="0"/>
+              <a:t>fact that no jobs have been specified leads to the inference (via the </a:t>
+            </a:r>
+            <a:r>
+              <a:rPr lang="en-GB" sz="1600" i="1" dirty="0" smtClean="0"/>
+              <a:t>closed world</a:t>
+            </a:r>
+            <a:r>
+              <a:rPr lang="en-GB" sz="1600" dirty="0" smtClean="0"/>
+              <a:t> assumption for </a:t>
+            </a:r>
+            <a:r>
+              <a:rPr lang="en-GB" sz="1600" dirty="0" smtClean="0"/>
+              <a:t>that </a:t>
+            </a:r>
+            <a:r>
+              <a:rPr lang="en-GB" sz="1600" dirty="0" smtClean="0"/>
+              <a:t>slot) that the citizen is unemployed and hence does not pay tax</a:t>
             </a:r>
           </a:p>
           <a:p>
@@ -23630,59 +22649,35 @@
             </a:pPr>
             <a:r>
               <a:rPr lang="en-GB" sz="1600" dirty="0" smtClean="0"/>
-              <a:t>I</a:t>
-            </a:r>
-            <a:r>
-              <a:rPr lang="en-GB" sz="1600" dirty="0" smtClean="0"/>
-              <a:t>nference of slot value-types, however, </a:t>
-            </a:r>
-            <a:r>
-              <a:rPr lang="en-GB" sz="1600" i="1" dirty="0" smtClean="0"/>
-              <a:t>is</a:t>
-            </a:r>
-            <a:r>
-              <a:rPr lang="en-GB" sz="1600" dirty="0" smtClean="0"/>
-              <a:t> useful in query formulation, since the resulting inter-slot constraints help in directing user-input, and prevent the inputting of contradictory values</a:t>
-            </a:r>
-          </a:p>
-          <a:p>
-            <a:pPr marL="457200" indent="-457200">
-              <a:buFont typeface="Arial" pitchFamily="34" charset="0"/>
-              <a:buChar char="•"/>
-            </a:pPr>
-            <a:r>
-              <a:rPr lang="en-GB" sz="1600" i="1" dirty="0" smtClean="0"/>
-              <a:t>Note: </a:t>
-            </a:r>
-            <a:r>
-              <a:rPr lang="en-GB" sz="1600" dirty="0" smtClean="0"/>
-              <a:t>The dynamic </a:t>
-            </a:r>
-            <a:r>
-              <a:rPr lang="en-GB" sz="1600" dirty="0" smtClean="0"/>
-              <a:t>inter-slot constraints </a:t>
-            </a:r>
-            <a:r>
-              <a:rPr lang="en-GB" sz="1600" dirty="0" smtClean="0"/>
-              <a:t>displayed in this example are due to EKS-based inference (specifically OWL-based reasoning). Similar constraints could also be provided by the OM. For example, appropriate constraints could have been imposed between the three numeric-valued slots on </a:t>
+              <a:t>However, unlike in the assertion example, values are not inferred for either the </a:t>
             </a:r>
             <a:r>
               <a:rPr lang="en-GB" sz="1600" dirty="0" smtClean="0">
                 <a:latin typeface="Comic Sans MS" pitchFamily="66" charset="0"/>
               </a:rPr>
-              <a:t>Job</a:t>
-            </a:r>
-            <a:r>
-              <a:rPr lang="en-GB" sz="1600" dirty="0" smtClean="0"/>
-              <a:t> (see earlier </a:t>
-            </a:r>
-            <a:r>
-              <a:rPr lang="en-GB" sz="1600" dirty="0" smtClean="0"/>
-              <a:t>query </a:t>
-            </a:r>
-            <a:r>
-              <a:rPr lang="en-GB" sz="1600" dirty="0" smtClean="0"/>
-              <a:t>example), though such constraints are not currently implemented in the demo model</a:t>
+              <a:t>tax-paid</a:t>
+            </a:r>
+            <a:r>
+              <a:rPr lang="en-GB" sz="1600" dirty="0" smtClean="0"/>
+              <a:t> or </a:t>
+            </a:r>
+            <a:r>
+              <a:rPr lang="en-GB" sz="1600" dirty="0" smtClean="0">
+                <a:latin typeface="Comic Sans MS" pitchFamily="66" charset="0"/>
+              </a:rPr>
+              <a:t>benefit-received</a:t>
+            </a:r>
+            <a:r>
+              <a:rPr lang="en-GB" sz="1600" dirty="0" smtClean="0"/>
+              <a:t> </a:t>
+            </a:r>
+            <a:r>
+              <a:rPr lang="en-GB" sz="1600" dirty="0" smtClean="0"/>
+              <a:t>slots. This </a:t>
+            </a:r>
+            <a:r>
+              <a:rPr lang="en-GB" sz="1600" dirty="0" smtClean="0"/>
+              <a:t>is similar to the case discussed in the last slide, only here the entity responsible for the inference/non-inference is the generic EKS-related reasoning access mechanism, rather than the OM</a:t>
             </a:r>
             <a:endParaRPr lang="en-GB" sz="1600" dirty="0" smtClean="0"/>
           </a:p>
@@ -23964,13 +22959,8 @@
             </a:r>
             <a:r>
               <a:rPr lang="en-GB" sz="1600" dirty="0" smtClean="0"/>
-              <a:t> </a:t>
-            </a:r>
-            <a:r>
-              <a:rPr lang="en-GB" sz="1600" dirty="0" smtClean="0"/>
-              <a:t> assertions, including values for variety of different-typed slots, at various levels of nesting</a:t>
-            </a:r>
-            <a:endParaRPr lang="en-GB" sz="1600" dirty="0" smtClean="0"/>
+              <a:t>  assertions, including values for variety of different-typed slots, at various levels of nesting</a:t>
+            </a:r>
           </a:p>
           <a:p>
             <a:pPr marL="457200" indent="-457200">
@@ -24080,17 +23070,8 @@
             </a:pPr>
             <a:r>
               <a:rPr lang="en-GB" sz="1600" dirty="0" smtClean="0"/>
-              <a:t>The “Query </a:t>
-            </a:r>
-            <a:r>
-              <a:rPr lang="en-GB" sz="1600" dirty="0" smtClean="0"/>
-              <a:t>Matches” tab, which is </a:t>
-            </a:r>
-            <a:r>
-              <a:rPr lang="en-GB" sz="1600" dirty="0" smtClean="0"/>
-              <a:t>now displayed, contains all matches for your query, as found by the relevant IM plug-in (i.e. the MEKON-OWL IM plug-in, in this case)</a:t>
-            </a:r>
-            <a:endParaRPr lang="en-GB" sz="1600" dirty="0" smtClean="0"/>
+              <a:t>The “Query Matches” tab, which is now displayed, contains all matches for your query, as found by the relevant IM plug-in (i.e. the MEKON-OWL IM plug-in, in this case)</a:t>
+            </a:r>
           </a:p>
         </p:txBody>
       </p:sp>
@@ -24703,11 +23684,6 @@
               </a:rPr>
               <a:t>&gt; ant hobo-demo</a:t>
             </a:r>
-            <a:endParaRPr lang="en-GB" sz="2800" dirty="0" smtClean="0">
-              <a:solidFill>
-                <a:srgbClr val="FF0000"/>
-              </a:solidFill>
-            </a:endParaRPr>
           </a:p>
           <a:p>
             <a:pPr marL="514350" indent="-514350">
@@ -24736,13 +23712,8 @@
             </a:pPr>
             <a:r>
               <a:rPr lang="en-GB" dirty="0" smtClean="0"/>
-              <a:t>Invoke relevant </a:t>
-            </a:r>
-            <a:r>
-              <a:rPr lang="en-GB" dirty="0" smtClean="0"/>
-              <a:t>script, either:</a:t>
-            </a:r>
-            <a:endParaRPr lang="en-GB" dirty="0" smtClean="0"/>
+              <a:t>Invoke relevant script, either:</a:t>
+            </a:r>
           </a:p>
           <a:p>
             <a:pPr lvl="2"/>
@@ -24923,15 +23894,7 @@
             </a:pPr>
             <a:r>
               <a:rPr lang="en-GB" dirty="0" smtClean="0"/>
-              <a:t>All code from </a:t>
-            </a:r>
-            <a:r>
-              <a:rPr lang="en-GB" dirty="0" smtClean="0"/>
-              <a:t>all </a:t>
-            </a:r>
-            <a:r>
-              <a:rPr lang="en-GB" dirty="0" smtClean="0"/>
-              <a:t>sub-projects is built</a:t>
+              <a:t>All code from all sub-projects is built</a:t>
             </a:r>
           </a:p>
           <a:p>
@@ -24963,21 +23926,8 @@
             </a:r>
             <a:r>
               <a:rPr lang="en-GB" dirty="0" smtClean="0"/>
-              <a:t>folder </a:t>
-            </a:r>
-            <a:r>
-              <a:rPr lang="en-GB" dirty="0" smtClean="0"/>
-              <a:t>is </a:t>
-            </a:r>
-            <a:r>
-              <a:rPr lang="en-GB" dirty="0" smtClean="0"/>
-              <a:t>on your runtime </a:t>
-            </a:r>
-            <a:r>
-              <a:rPr lang="en-GB" dirty="0" smtClean="0"/>
-              <a:t>class-path (or preferably a copy of it) </a:t>
-            </a:r>
-            <a:endParaRPr lang="en-GB" dirty="0" smtClean="0"/>
+              <a:t>folder is on your runtime class-path (or preferably a copy of it) </a:t>
+            </a:r>
           </a:p>
           <a:p>
             <a:pPr marL="514350" indent="-514350">
@@ -25342,39 +24292,8 @@
                 <a:ea typeface="+mj-ea"/>
                 <a:cs typeface="+mj-cs"/>
               </a:rPr>
-              <a:t>Tutorial Format: </a:t>
-            </a:r>
-            <a:r>
-              <a:rPr kumimoji="0" lang="en-GB" sz="4400" b="1" i="0" u="none" strike="noStrike" kern="1200" cap="none" spc="0" normalizeH="0" baseline="0" noProof="0" dirty="0" smtClean="0">
-                <a:ln>
-                  <a:noFill/>
-                </a:ln>
-                <a:solidFill>
-                  <a:schemeClr val="tx1"/>
-                </a:solidFill>
-                <a:effectLst/>
-                <a:uLnTx/>
-                <a:uFillTx/>
-                <a:latin typeface="+mj-lt"/>
-                <a:ea typeface="+mj-ea"/>
-                <a:cs typeface="+mj-cs"/>
-              </a:rPr>
-              <a:t>Main Body</a:t>
-            </a:r>
-            <a:endParaRPr kumimoji="0" lang="en-GB" sz="4400" b="1" i="0" u="none" strike="noStrike" kern="1200" cap="none" spc="0" normalizeH="0" baseline="0" noProof="0" dirty="0" smtClean="0">
-              <a:ln>
-                <a:noFill/>
-              </a:ln>
-              <a:solidFill>
-                <a:schemeClr val="tx1"/>
-              </a:solidFill>
-              <a:effectLst/>
-              <a:uLnTx/>
-              <a:uFillTx/>
-              <a:latin typeface="+mj-lt"/>
-              <a:ea typeface="+mj-ea"/>
-              <a:cs typeface="+mj-cs"/>
-            </a:endParaRPr>
+              <a:t>Tutorial Format: Main Body</a:t>
+            </a:r>
           </a:p>
         </p:txBody>
       </p:sp>
@@ -26621,11 +25540,7 @@
           <a:p>
             <a:r>
               <a:rPr lang="en-GB" sz="1600" dirty="0" smtClean="0"/>
-              <a:t>Internal </a:t>
-            </a:r>
-            <a:r>
-              <a:rPr lang="en-GB" sz="1600" dirty="0" smtClean="0"/>
-              <a:t>(OM)</a:t>
+              <a:t>Internal (OM)</a:t>
             </a:r>
             <a:endParaRPr lang="en-GB" sz="1600" dirty="0"/>
           </a:p>
@@ -26781,11 +25696,7 @@
           <a:p>
             <a:r>
               <a:rPr lang="en-GB" sz="1600" dirty="0" smtClean="0"/>
-              <a:t>External </a:t>
-            </a:r>
-            <a:r>
-              <a:rPr lang="en-GB" sz="1600" dirty="0" smtClean="0"/>
-              <a:t>(EKS)</a:t>
+              <a:t>External (EKS)</a:t>
             </a:r>
             <a:endParaRPr lang="en-GB" sz="1600" dirty="0"/>
           </a:p>
@@ -27275,8 +26186,8 @@
         </p:nvSpPr>
         <p:spPr>
           <a:xfrm>
-            <a:off x="503548" y="332656"/>
-            <a:ext cx="8136904" cy="6192687"/>
+            <a:off x="791580" y="548680"/>
+            <a:ext cx="7596844" cy="5755422"/>
           </a:xfrm>
           <a:prstGeom prst="rect">
             <a:avLst/>
@@ -27320,19 +26231,11 @@
           <a:p>
             <a:r>
               <a:rPr lang="en-GB" sz="1600" b="1" dirty="0" smtClean="0"/>
-              <a:t>Frames Model </a:t>
-            </a:r>
-            <a:r>
-              <a:rPr lang="en-GB" sz="1600" b="1" dirty="0" smtClean="0"/>
-              <a:t>(</a:t>
-            </a:r>
-            <a:r>
-              <a:rPr lang="en-GB" sz="1600" b="1" dirty="0" smtClean="0"/>
-              <a:t>FM): </a:t>
-            </a:r>
-            <a:r>
-              <a:rPr lang="en-GB" sz="1600" dirty="0" smtClean="0"/>
-              <a:t>The FM is the core MEKON representation. All entities in a particular MEKON model, no matter their original source will be represented via entities in the FM. The FM is a generic </a:t>
+              <a:t>Frames Model (FM): </a:t>
+            </a:r>
+            <a:r>
+              <a:rPr lang="en-GB" sz="1600" dirty="0" smtClean="0"/>
+              <a:t>The FM is the core MEKON representation. All entities in a particular MEKON model, no matter their original source will be represented via entities in the FM. The FM embodies a generic </a:t>
             </a:r>
             <a:r>
               <a:rPr lang="en-GB" sz="1600" i="1" dirty="0" smtClean="0"/>
@@ -27340,23 +26243,15 @@
             </a:r>
             <a:r>
               <a:rPr lang="en-GB" sz="1600" dirty="0" smtClean="0"/>
-              <a:t>-based representation, providing entities for representing both the model itself, and instantiations of the model, via </a:t>
-            </a:r>
-            <a:r>
-              <a:rPr lang="en-GB" sz="1600" i="1" dirty="0" smtClean="0"/>
-              <a:t>frames</a:t>
-            </a:r>
-            <a:r>
-              <a:rPr lang="en-GB" sz="1600" dirty="0" smtClean="0"/>
-              <a:t> and </a:t>
-            </a:r>
-            <a:r>
-              <a:rPr lang="en-GB" sz="1600" i="1" dirty="0" smtClean="0"/>
-              <a:t>slots</a:t>
-            </a:r>
-            <a:r>
-              <a:rPr lang="en-GB" sz="1600" dirty="0" smtClean="0"/>
-              <a:t> (see next slide for more details)</a:t>
+              <a:t>-based </a:t>
+            </a:r>
+            <a:r>
+              <a:rPr lang="en-GB" sz="1600" dirty="0" smtClean="0"/>
+              <a:t>representation (</a:t>
+            </a:r>
+            <a:r>
+              <a:rPr lang="en-GB" sz="1600" dirty="0" smtClean="0"/>
+              <a:t>see next slide for more details)</a:t>
             </a:r>
           </a:p>
           <a:p>
@@ -27365,27 +26260,19 @@
           <a:p>
             <a:r>
               <a:rPr lang="en-GB" sz="1600" b="1" dirty="0" smtClean="0"/>
-              <a:t>External Knowledge Sources </a:t>
-            </a:r>
-            <a:r>
-              <a:rPr lang="en-GB" sz="1600" b="1" dirty="0" smtClean="0"/>
-              <a:t>(</a:t>
-            </a:r>
-            <a:r>
-              <a:rPr lang="en-GB" sz="1600" b="1" dirty="0" smtClean="0"/>
-              <a:t>EKS): </a:t>
-            </a:r>
-            <a:r>
-              <a:rPr lang="en-GB" sz="1600" dirty="0" smtClean="0"/>
-              <a:t>All </a:t>
-            </a:r>
-            <a:r>
-              <a:rPr lang="en-GB" sz="1600" dirty="0" smtClean="0"/>
-              <a:t>entities in a basic MEKON FM will be derived from one or more </a:t>
-            </a:r>
-            <a:r>
-              <a:rPr lang="en-GB" sz="1600" dirty="0" smtClean="0"/>
-              <a:t>external sources, which will typically be </a:t>
+              <a:t>External Knowledge Sources (EKS): </a:t>
+            </a:r>
+            <a:r>
+              <a:rPr lang="en-GB" sz="1600" dirty="0" smtClean="0"/>
+              <a:t>All entities in a basic MEKON FM will be derived from one or more external sources, </a:t>
+            </a:r>
+            <a:r>
+              <a:rPr lang="en-GB" sz="1600" dirty="0" smtClean="0"/>
+              <a:t>typically </a:t>
+            </a:r>
+            <a:r>
+              <a:rPr lang="en-GB" sz="1600" dirty="0" smtClean="0"/>
+              <a:t>be </a:t>
             </a:r>
             <a:r>
               <a:rPr lang="en-GB" sz="1600" dirty="0" err="1" smtClean="0"/>
@@ -27393,73 +26280,154 @@
             </a:r>
             <a:r>
               <a:rPr lang="en-GB" sz="1600" dirty="0" smtClean="0"/>
+              <a:t> of some kind. The MEKON framework itself has no dependency on any particular </a:t>
+            </a:r>
+            <a:r>
+              <a:rPr lang="en-GB" sz="1600" dirty="0" smtClean="0"/>
+              <a:t>EKS format. All access </a:t>
+            </a:r>
+            <a:r>
+              <a:rPr lang="en-GB" sz="1600" dirty="0" smtClean="0"/>
+              <a:t>of </a:t>
+            </a:r>
+            <a:r>
+              <a:rPr lang="en-GB" sz="1600" dirty="0" smtClean="0"/>
+              <a:t>EKS </a:t>
+            </a:r>
+            <a:r>
+              <a:rPr lang="en-GB" sz="1600" dirty="0" smtClean="0"/>
+              <a:t>and </a:t>
+            </a:r>
+            <a:r>
+              <a:rPr lang="en-GB" sz="1600" dirty="0" smtClean="0"/>
+              <a:t>associated </a:t>
+            </a:r>
+            <a:r>
+              <a:rPr lang="en-GB" sz="1600" dirty="0" smtClean="0"/>
+              <a:t>reasoning mechanisms </a:t>
+            </a:r>
+            <a:r>
+              <a:rPr lang="en-GB" sz="1600" dirty="0" smtClean="0"/>
+              <a:t>is via plug-in </a:t>
+            </a:r>
+            <a:r>
+              <a:rPr lang="en-GB" sz="1600" dirty="0" smtClean="0"/>
+              <a:t>SPIs (Service Provider </a:t>
+            </a:r>
+            <a:r>
+              <a:rPr lang="en-GB" sz="1600" dirty="0" smtClean="0"/>
+              <a:t>Interfaces). MEKON comes with a </a:t>
+            </a:r>
+            <a:r>
+              <a:rPr lang="en-GB" sz="1600" dirty="0" smtClean="0"/>
+              <a:t>small </a:t>
+            </a:r>
+            <a:r>
+              <a:rPr lang="en-GB" sz="1600" dirty="0" smtClean="0"/>
+              <a:t>set of OWL-based plug-ins, </a:t>
+            </a:r>
+            <a:r>
+              <a:rPr lang="en-GB" sz="1600" dirty="0" smtClean="0"/>
+              <a:t>implementing these SPIs</a:t>
+            </a:r>
+            <a:r>
+              <a:rPr lang="en-GB" sz="1600" dirty="0" smtClean="0"/>
+              <a:t>, </a:t>
+            </a:r>
+            <a:r>
+              <a:rPr lang="en-GB" sz="1600" dirty="0" smtClean="0"/>
+              <a:t>collectively known as MEKON-OWL.</a:t>
+            </a:r>
+          </a:p>
+          <a:p>
+            <a:endParaRPr lang="en-GB" sz="800" dirty="0" smtClean="0"/>
+          </a:p>
+          <a:p>
+            <a:r>
+              <a:rPr lang="en-GB" sz="1600" b="1" dirty="0" smtClean="0"/>
+              <a:t>Object Model (OM):</a:t>
+            </a:r>
+            <a:r>
+              <a:rPr lang="en-GB" sz="1600" dirty="0" smtClean="0"/>
               <a:t> </a:t>
             </a:r>
             <a:r>
               <a:rPr lang="en-GB" sz="1600" dirty="0" smtClean="0"/>
-              <a:t>of some </a:t>
-            </a:r>
-            <a:r>
-              <a:rPr lang="en-GB" sz="1600" dirty="0" smtClean="0"/>
-              <a:t>kind. The MEKON </a:t>
-            </a:r>
-            <a:r>
-              <a:rPr lang="en-GB" sz="1600" dirty="0" smtClean="0"/>
-              <a:t>framework</a:t>
-            </a:r>
-            <a:r>
-              <a:rPr lang="en-GB" sz="1600" dirty="0" smtClean="0"/>
-              <a:t> itself has no dependency on any particular type of EKS, with all access of the EKS and any associated reasoning mechanisms operating via suitable plug-in SPIs (Service Provider Interfaces). However, the core MEKON framework does come with a small set of OWL plug-ins, collectively known as MEKON-OWL.</a:t>
-            </a:r>
-          </a:p>
-          <a:p>
-            <a:endParaRPr lang="en-GB" sz="800" dirty="0" smtClean="0"/>
-          </a:p>
-          <a:p>
-            <a:r>
-              <a:rPr lang="en-GB" sz="1600" b="1" dirty="0" smtClean="0"/>
-              <a:t>O</a:t>
-            </a:r>
-            <a:r>
-              <a:rPr lang="en-GB" sz="1600" b="1" dirty="0" smtClean="0"/>
-              <a:t>bject Model </a:t>
-            </a:r>
-            <a:r>
-              <a:rPr lang="en-GB" sz="1600" b="1" dirty="0" smtClean="0"/>
-              <a:t>(OM</a:t>
-            </a:r>
-            <a:r>
-              <a:rPr lang="en-GB" sz="1600" b="1" dirty="0" smtClean="0"/>
-              <a:t>):</a:t>
-            </a:r>
-            <a:r>
-              <a:rPr lang="en-GB" sz="1600" dirty="0" smtClean="0"/>
-              <a:t> The other potential source of entities in the </a:t>
-            </a:r>
-            <a:r>
-              <a:rPr lang="en-GB" sz="1600" dirty="0" smtClean="0"/>
-              <a:t>MEKON FM </a:t>
-            </a:r>
-            <a:r>
-              <a:rPr lang="en-GB" sz="1600" dirty="0" smtClean="0"/>
-              <a:t>is a domain-specific OM. A basic MEKON FM will be entirely derived from one or more EKS. However when MEKON is used in combination with HOBO, sections of the FM will be derived from a suitable HOBO-based OM, and the two models will operate in tandem. In this case </a:t>
-            </a:r>
-            <a:r>
-              <a:rPr lang="en-GB" sz="1600" dirty="0" smtClean="0"/>
-              <a:t>the source(s) for </a:t>
-            </a:r>
-            <a:r>
-              <a:rPr lang="en-GB" sz="1600" dirty="0" smtClean="0"/>
-              <a:t>a particular </a:t>
-            </a:r>
-            <a:r>
-              <a:rPr lang="en-GB" sz="1600" dirty="0" smtClean="0"/>
-              <a:t>FM entity can be external (EKS), internal (OM), or, where appropriate mappings have been provided in the configuration file, dual (EKS + OM</a:t>
-            </a:r>
-            <a:r>
-              <a:rPr lang="en-GB" sz="1600" dirty="0" smtClean="0"/>
-              <a:t>). In general, in a HOBO/MEKON model, the vast majority of entities will have only an external source, whilst only a small handful will have an internal source (including internal only, and dual)</a:t>
-            </a:r>
+              <a:t>Sections </a:t>
+            </a:r>
+            <a:r>
+              <a:rPr lang="en-GB" sz="1600" dirty="0" smtClean="0"/>
+              <a:t>of the FM </a:t>
+            </a:r>
+            <a:r>
+              <a:rPr lang="en-GB" sz="1600" dirty="0" smtClean="0"/>
+              <a:t>can also be </a:t>
+            </a:r>
+            <a:r>
+              <a:rPr lang="en-GB" sz="1600" dirty="0" smtClean="0"/>
+              <a:t>derived from a suitable HOBO-based </a:t>
+            </a:r>
+            <a:r>
+              <a:rPr lang="en-GB" sz="1600" dirty="0" smtClean="0"/>
+              <a:t>domain-specific </a:t>
+            </a:r>
+            <a:r>
+              <a:rPr lang="en-GB" sz="1600" dirty="0" smtClean="0"/>
+              <a:t>OM, which </a:t>
+            </a:r>
+            <a:r>
+              <a:rPr lang="en-GB" sz="1600" dirty="0" smtClean="0"/>
+              <a:t>will operate </a:t>
+            </a:r>
+            <a:r>
+              <a:rPr lang="en-GB" sz="1600" dirty="0" smtClean="0"/>
+              <a:t>in </a:t>
+            </a:r>
+            <a:r>
+              <a:rPr lang="en-GB" sz="1600" dirty="0" smtClean="0"/>
+              <a:t>tandem with the FM, with tight bindings being maintained between the two. Hence, in general, the </a:t>
+            </a:r>
+            <a:r>
+              <a:rPr lang="en-GB" sz="1600" dirty="0" smtClean="0"/>
+              <a:t>source(s) for a particular FM entity can be external (EKS), internal (OM), or, where appropriate mappings have been provided </a:t>
+            </a:r>
+            <a:r>
+              <a:rPr lang="en-GB" sz="1600" dirty="0" smtClean="0"/>
+              <a:t>via the </a:t>
+            </a:r>
+            <a:r>
+              <a:rPr lang="en-GB" sz="1600" dirty="0" smtClean="0"/>
+              <a:t>configuration file, dual (EKS + OM). In general, in a HOBO/MEKON model, the vast majority of entities will have only an external source, </a:t>
+            </a:r>
+            <a:r>
+              <a:rPr lang="en-GB" sz="1600" dirty="0" smtClean="0"/>
+              <a:t>with only </a:t>
+            </a:r>
+            <a:r>
+              <a:rPr lang="en-GB" sz="1600" dirty="0" smtClean="0"/>
+              <a:t>a small handful </a:t>
+            </a:r>
+            <a:r>
+              <a:rPr lang="en-GB" sz="1600" dirty="0" smtClean="0"/>
+              <a:t>having </a:t>
+            </a:r>
+            <a:r>
+              <a:rPr lang="en-GB" sz="1600" dirty="0" smtClean="0"/>
+              <a:t>an internal source </a:t>
+            </a:r>
+            <a:r>
+              <a:rPr lang="en-GB" sz="1600" dirty="0" smtClean="0"/>
+              <a:t>(being eith</a:t>
+            </a:r>
+            <a:r>
+              <a:rPr lang="en-GB" sz="1600" dirty="0" smtClean="0"/>
+              <a:t>er internal-only sourced, </a:t>
+            </a:r>
+            <a:r>
+              <a:rPr lang="en-GB" sz="1600" dirty="0" smtClean="0"/>
+              <a:t>or dual sourced)</a:t>
+            </a:r>
+            <a:endParaRPr lang="en-GB" sz="1600" dirty="0" smtClean="0"/>
           </a:p>
           <a:p>
             <a:endParaRPr lang="en-GB" sz="800" dirty="0" smtClean="0"/>
@@ -27471,7 +26439,15 @@
             </a:r>
             <a:r>
               <a:rPr lang="en-GB" sz="1600" dirty="0" smtClean="0"/>
-              <a:t>This section of the tutorial deals only with basic EKS-derived FMs. FM/OM hybrids are dealt with in the next section.</a:t>
+              <a:t>This section of the tutorial deals only with basic EKS-derived FMs. </a:t>
+            </a:r>
+            <a:r>
+              <a:rPr lang="en-GB" sz="1600" dirty="0" smtClean="0"/>
+              <a:t>HOBO-based FM/OM </a:t>
+            </a:r>
+            <a:r>
+              <a:rPr lang="en-GB" sz="1600" dirty="0" smtClean="0"/>
+              <a:t>hybrids are dealt with in the next section.</a:t>
             </a:r>
           </a:p>
         </p:txBody>

--- a/trunk/docs/MEKON-HOBO Introductory Tutorial.pptx
+++ b/trunk/docs/MEKON-HOBO Introductory Tutorial.pptx
@@ -347,7 +347,7 @@
             <a:fld id="{91893DBC-7519-4EA7-8165-AFD94A974DB8}" type="datetimeFigureOut">
               <a:rPr lang="en-GB" smtClean="0"/>
               <a:pPr/>
-              <a:t>30/01/2015</a:t>
+              <a:t>02/02/2015</a:t>
             </a:fld>
             <a:endParaRPr lang="en-GB"/>
           </a:p>
@@ -514,7 +514,7 @@
             <a:fld id="{91893DBC-7519-4EA7-8165-AFD94A974DB8}" type="datetimeFigureOut">
               <a:rPr lang="en-GB" smtClean="0"/>
               <a:pPr/>
-              <a:t>30/01/2015</a:t>
+              <a:t>02/02/2015</a:t>
             </a:fld>
             <a:endParaRPr lang="en-GB"/>
           </a:p>
@@ -691,7 +691,7 @@
             <a:fld id="{91893DBC-7519-4EA7-8165-AFD94A974DB8}" type="datetimeFigureOut">
               <a:rPr lang="en-GB" smtClean="0"/>
               <a:pPr/>
-              <a:t>30/01/2015</a:t>
+              <a:t>02/02/2015</a:t>
             </a:fld>
             <a:endParaRPr lang="en-GB"/>
           </a:p>
@@ -858,7 +858,7 @@
             <a:fld id="{91893DBC-7519-4EA7-8165-AFD94A974DB8}" type="datetimeFigureOut">
               <a:rPr lang="en-GB" smtClean="0"/>
               <a:pPr/>
-              <a:t>30/01/2015</a:t>
+              <a:t>02/02/2015</a:t>
             </a:fld>
             <a:endParaRPr lang="en-GB"/>
           </a:p>
@@ -1101,7 +1101,7 @@
             <a:fld id="{91893DBC-7519-4EA7-8165-AFD94A974DB8}" type="datetimeFigureOut">
               <a:rPr lang="en-GB" smtClean="0"/>
               <a:pPr/>
-              <a:t>30/01/2015</a:t>
+              <a:t>02/02/2015</a:t>
             </a:fld>
             <a:endParaRPr lang="en-GB"/>
           </a:p>
@@ -1386,7 +1386,7 @@
             <a:fld id="{91893DBC-7519-4EA7-8165-AFD94A974DB8}" type="datetimeFigureOut">
               <a:rPr lang="en-GB" smtClean="0"/>
               <a:pPr/>
-              <a:t>30/01/2015</a:t>
+              <a:t>02/02/2015</a:t>
             </a:fld>
             <a:endParaRPr lang="en-GB"/>
           </a:p>
@@ -1805,7 +1805,7 @@
             <a:fld id="{91893DBC-7519-4EA7-8165-AFD94A974DB8}" type="datetimeFigureOut">
               <a:rPr lang="en-GB" smtClean="0"/>
               <a:pPr/>
-              <a:t>30/01/2015</a:t>
+              <a:t>02/02/2015</a:t>
             </a:fld>
             <a:endParaRPr lang="en-GB"/>
           </a:p>
@@ -1920,7 +1920,7 @@
             <a:fld id="{91893DBC-7519-4EA7-8165-AFD94A974DB8}" type="datetimeFigureOut">
               <a:rPr lang="en-GB" smtClean="0"/>
               <a:pPr/>
-              <a:t>30/01/2015</a:t>
+              <a:t>02/02/2015</a:t>
             </a:fld>
             <a:endParaRPr lang="en-GB"/>
           </a:p>
@@ -2012,7 +2012,7 @@
             <a:fld id="{91893DBC-7519-4EA7-8165-AFD94A974DB8}" type="datetimeFigureOut">
               <a:rPr lang="en-GB" smtClean="0"/>
               <a:pPr/>
-              <a:t>30/01/2015</a:t>
+              <a:t>02/02/2015</a:t>
             </a:fld>
             <a:endParaRPr lang="en-GB"/>
           </a:p>
@@ -2286,7 +2286,7 @@
             <a:fld id="{91893DBC-7519-4EA7-8165-AFD94A974DB8}" type="datetimeFigureOut">
               <a:rPr lang="en-GB" smtClean="0"/>
               <a:pPr/>
-              <a:t>30/01/2015</a:t>
+              <a:t>02/02/2015</a:t>
             </a:fld>
             <a:endParaRPr lang="en-GB"/>
           </a:p>
@@ -2536,7 +2536,7 @@
             <a:fld id="{91893DBC-7519-4EA7-8165-AFD94A974DB8}" type="datetimeFigureOut">
               <a:rPr lang="en-GB" smtClean="0"/>
               <a:pPr/>
-              <a:t>30/01/2015</a:t>
+              <a:t>02/02/2015</a:t>
             </a:fld>
             <a:endParaRPr lang="en-GB"/>
           </a:p>
@@ -2752,7 +2752,7 @@
             <a:fld id="{91893DBC-7519-4EA7-8165-AFD94A974DB8}" type="datetimeFigureOut">
               <a:rPr lang="en-GB" smtClean="0"/>
               <a:pPr/>
-              <a:t>30/01/2015</a:t>
+              <a:t>02/02/2015</a:t>
             </a:fld>
             <a:endParaRPr lang="en-GB"/>
           </a:p>
@@ -10622,7 +10622,7 @@
         <p:spPr>
           <a:xfrm>
             <a:off x="4067944" y="5553236"/>
-            <a:ext cx="2880320" cy="828092"/>
+            <a:ext cx="3024336" cy="828092"/>
           </a:xfrm>
           <a:prstGeom prst="rect">
             <a:avLst/>
@@ -10661,7 +10661,7 @@
         <p:spPr>
           <a:xfrm>
             <a:off x="4644008" y="5949280"/>
-            <a:ext cx="2304256" cy="396044"/>
+            <a:ext cx="2448272" cy="396044"/>
           </a:xfrm>
           <a:prstGeom prst="rect">
             <a:avLst/>
@@ -10686,7 +10686,17 @@
             </a:r>
             <a:r>
               <a:rPr lang="en-GB" sz="1600" dirty="0" smtClean="0"/>
-              <a:t> is a “derived” slot</a:t>
+              <a:t> is a </a:t>
+            </a:r>
+            <a:r>
+              <a:rPr lang="en-GB" sz="1600" i="1" dirty="0" smtClean="0">
+                <a:cs typeface="Courier New" pitchFamily="49" charset="0"/>
+              </a:rPr>
+              <a:t>dependent </a:t>
+            </a:r>
+            <a:r>
+              <a:rPr lang="en-GB" sz="1600" dirty="0" smtClean="0"/>
+              <a:t>slot</a:t>
             </a:r>
             <a:endParaRPr lang="en-GB" sz="1600" dirty="0"/>
           </a:p>
@@ -10960,13 +10970,19 @@
               <a:rPr lang="en-GB" sz="1600" i="1" dirty="0" smtClean="0">
                 <a:cs typeface="Courier New" pitchFamily="49" charset="0"/>
               </a:rPr>
-              <a:t>derived</a:t>
-            </a:r>
-            <a:r>
-              <a:rPr lang="en-GB" sz="1600" dirty="0" smtClean="0">
-                <a:cs typeface="Courier New" pitchFamily="49" charset="0"/>
-              </a:rPr>
-              <a:t> slot, which means that all values for instantiations of this slot will be derived automatically from those of other slots</a:t>
+              <a:t>dependent </a:t>
+            </a:r>
+            <a:r>
+              <a:rPr lang="en-GB" sz="1600" dirty="0" smtClean="0">
+                <a:cs typeface="Courier New" pitchFamily="49" charset="0"/>
+              </a:rPr>
+              <a:t>slot</a:t>
+            </a:r>
+            <a:r>
+              <a:rPr lang="en-GB" sz="1600" dirty="0" smtClean="0">
+                <a:cs typeface="Courier New" pitchFamily="49" charset="0"/>
+              </a:rPr>
+              <a:t>, which means that all values for instantiations of this slot will be derived automatically from those of other slots</a:t>
             </a:r>
           </a:p>
         </p:txBody>
@@ -21815,19 +21831,7 @@
               <a:rPr lang="en-GB" sz="1600" dirty="0" smtClean="0">
                 <a:cs typeface="Courier New" pitchFamily="49" charset="0"/>
               </a:rPr>
-              <a:t>Note </a:t>
-            </a:r>
-            <a:r>
-              <a:rPr lang="en-GB" sz="1600" dirty="0" smtClean="0">
-                <a:cs typeface="Courier New" pitchFamily="49" charset="0"/>
-              </a:rPr>
-              <a:t>that </a:t>
-            </a:r>
-            <a:r>
-              <a:rPr lang="en-GB" sz="1600" dirty="0" smtClean="0">
-                <a:cs typeface="Courier New" pitchFamily="49" charset="0"/>
-              </a:rPr>
-              <a:t>as the </a:t>
+              <a:t>Note that as the </a:t>
             </a:r>
             <a:r>
               <a:rPr lang="en-GB" sz="1600" dirty="0" smtClean="0">
@@ -21840,13 +21844,7 @@
               <a:rPr lang="en-GB" sz="1600" dirty="0" smtClean="0">
                 <a:cs typeface="Courier New" pitchFamily="49" charset="0"/>
               </a:rPr>
-              <a:t> value is updated, the </a:t>
-            </a:r>
-            <a:r>
-              <a:rPr lang="en-GB" sz="1600" dirty="0" smtClean="0">
-                <a:cs typeface="Courier New" pitchFamily="49" charset="0"/>
-              </a:rPr>
-              <a:t>value-type of </a:t>
+              <a:t> value is updated, the value-type of </a:t>
             </a:r>
             <a:r>
               <a:rPr lang="en-GB" sz="1600" dirty="0" smtClean="0">
@@ -21859,13 +21857,7 @@
               <a:rPr lang="en-GB" sz="1600" dirty="0" smtClean="0">
                 <a:cs typeface="Courier New" pitchFamily="49" charset="0"/>
               </a:rPr>
-              <a:t>is </a:t>
-            </a:r>
-            <a:r>
-              <a:rPr lang="en-GB" sz="1600" dirty="0" smtClean="0">
-                <a:cs typeface="Courier New" pitchFamily="49" charset="0"/>
-              </a:rPr>
-              <a:t>updated accordingly, with min and max values being the products of those of </a:t>
+              <a:t>is updated accordingly, with min and max values being the products of those of </a:t>
             </a:r>
             <a:r>
               <a:rPr lang="en-GB" sz="1600" dirty="0" smtClean="0">
@@ -21898,23 +21890,7 @@
             </a:pPr>
             <a:r>
               <a:rPr lang="en-GB" sz="1600" dirty="0" smtClean="0"/>
-              <a:t>As in the </a:t>
-            </a:r>
-            <a:r>
-              <a:rPr lang="en-GB" sz="1600" dirty="0" smtClean="0"/>
-              <a:t>assertion </a:t>
-            </a:r>
-            <a:r>
-              <a:rPr lang="en-GB" sz="1600" dirty="0" smtClean="0"/>
-              <a:t>case, the </a:t>
-            </a:r>
-            <a:r>
-              <a:rPr lang="en-GB" sz="1600" dirty="0" smtClean="0"/>
-              <a:t>behaviour </a:t>
-            </a:r>
-            <a:r>
-              <a:rPr lang="en-GB" sz="1600" dirty="0" smtClean="0"/>
-              <a:t>that ensues from setting </a:t>
+              <a:t>As in the assertion case, the behaviour that ensues from setting </a:t>
             </a:r>
             <a:r>
               <a:rPr lang="en-GB" sz="1600" dirty="0" smtClean="0">
@@ -21927,37 +21903,11 @@
               <a:rPr lang="en-GB" sz="1600" dirty="0" smtClean="0">
                 <a:cs typeface="Courier New" pitchFamily="49" charset="0"/>
               </a:rPr>
-              <a:t> </a:t>
-            </a:r>
-            <a:r>
-              <a:rPr lang="en-GB" sz="1600" dirty="0" smtClean="0">
-                <a:cs typeface="Courier New" pitchFamily="49" charset="0"/>
-              </a:rPr>
-              <a:t>values </a:t>
-            </a:r>
-            <a:r>
-              <a:rPr lang="en-GB" sz="1600" dirty="0" smtClean="0"/>
-              <a:t>is governed by the </a:t>
-            </a:r>
-            <a:r>
-              <a:rPr lang="en-GB" sz="1600" dirty="0" smtClean="0"/>
-              <a:t>OM. Note however</a:t>
-            </a:r>
-            <a:r>
-              <a:rPr lang="en-GB" sz="1600" dirty="0" smtClean="0"/>
-              <a:t> </a:t>
-            </a:r>
-            <a:r>
-              <a:rPr lang="en-GB" sz="1600" dirty="0" smtClean="0"/>
-              <a:t>that, </a:t>
-            </a:r>
-            <a:r>
-              <a:rPr lang="en-GB" sz="1600" dirty="0" smtClean="0"/>
-              <a:t>in the assertion case</a:t>
-            </a:r>
-            <a:r>
-              <a:rPr lang="en-GB" sz="1600" dirty="0" smtClean="0"/>
-              <a:t> it was the slot value that was being updated, rather than the value-type, as here (see next slide for further discussion)</a:t>
+              <a:t> values </a:t>
+            </a:r>
+            <a:r>
+              <a:rPr lang="en-GB" sz="1600" dirty="0" smtClean="0"/>
+              <a:t>is governed by the OM. Note however that, in the assertion case it was the slot value that was being updated, rather than the value-type, as here (see next slide for further discussion)</a:t>
             </a:r>
             <a:endParaRPr lang="en-GB" sz="1600" dirty="0" smtClean="0">
               <a:cs typeface="Courier New" pitchFamily="49" charset="0"/>
@@ -22065,9 +22015,6 @@
               </a:rPr>
               <a:t>slot</a:t>
             </a:r>
-            <a:endParaRPr lang="en-GB" sz="1600" dirty="0" smtClean="0">
-              <a:cs typeface="Courier New" pitchFamily="49" charset="0"/>
-            </a:endParaRPr>
           </a:p>
         </p:txBody>
       </p:sp>
@@ -22182,19 +22129,7 @@
               <a:rPr lang="en-GB" sz="1600" dirty="0" smtClean="0">
                 <a:cs typeface="Courier New" pitchFamily="49" charset="0"/>
               </a:rPr>
-              <a:t>Try entering </a:t>
-            </a:r>
-            <a:r>
-              <a:rPr lang="en-GB" sz="1600" dirty="0" smtClean="0">
-                <a:cs typeface="Courier New" pitchFamily="49" charset="0"/>
-              </a:rPr>
-              <a:t>value </a:t>
-            </a:r>
-            <a:r>
-              <a:rPr lang="en-GB" sz="1600" dirty="0" smtClean="0">
-                <a:cs typeface="Courier New" pitchFamily="49" charset="0"/>
-              </a:rPr>
-              <a:t>for </a:t>
+              <a:t>Try entering value for </a:t>
             </a:r>
             <a:r>
               <a:rPr lang="en-GB" sz="1600" dirty="0" smtClean="0">
@@ -22259,31 +22194,25 @@
               <a:rPr lang="en-GB" sz="1600" dirty="0" smtClean="0">
                 <a:cs typeface="Courier New" pitchFamily="49" charset="0"/>
               </a:rPr>
-              <a:t>The fact that you can do this illustrates </a:t>
-            </a:r>
-            <a:r>
-              <a:rPr lang="en-GB" sz="1600" dirty="0" smtClean="0">
-                <a:cs typeface="Courier New" pitchFamily="49" charset="0"/>
-              </a:rPr>
-              <a:t>one of the </a:t>
-            </a:r>
-            <a:r>
-              <a:rPr lang="en-GB" sz="1600" dirty="0" smtClean="0">
-                <a:cs typeface="Courier New" pitchFamily="49" charset="0"/>
-              </a:rPr>
-              <a:t>differences between queries and assertions, namely that </a:t>
+              <a:t>The fact that you can do this illustrates one of the differences between queries and assertions, namely that </a:t>
             </a:r>
             <a:r>
               <a:rPr lang="en-GB" sz="1600" i="1" dirty="0" smtClean="0">
                 <a:cs typeface="Courier New" pitchFamily="49" charset="0"/>
               </a:rPr>
-              <a:t>derived</a:t>
-            </a:r>
-            <a:r>
-              <a:rPr lang="en-GB" sz="1600" dirty="0" smtClean="0">
-                <a:cs typeface="Courier New" pitchFamily="49" charset="0"/>
-              </a:rPr>
-              <a:t> slots, such as </a:t>
+              <a:t>dependent </a:t>
+            </a:r>
+            <a:r>
+              <a:rPr lang="en-GB" sz="1600" dirty="0" smtClean="0">
+                <a:cs typeface="Courier New" pitchFamily="49" charset="0"/>
+              </a:rPr>
+              <a:t>slots</a:t>
+            </a:r>
+            <a:r>
+              <a:rPr lang="en-GB" sz="1600" dirty="0" smtClean="0">
+                <a:cs typeface="Courier New" pitchFamily="49" charset="0"/>
+              </a:rPr>
+              <a:t>, such as </a:t>
             </a:r>
             <a:r>
               <a:rPr lang="en-GB" sz="1600" dirty="0" smtClean="0">
@@ -22320,19 +22249,7 @@
               <a:rPr lang="en-GB" sz="1600" dirty="0" smtClean="0">
                 <a:cs typeface="Courier New" pitchFamily="49" charset="0"/>
               </a:rPr>
-              <a:t>This allows the formulation of queries such </a:t>
-            </a:r>
-            <a:r>
-              <a:rPr lang="en-GB" sz="1600" dirty="0" smtClean="0">
-                <a:cs typeface="Courier New" pitchFamily="49" charset="0"/>
-              </a:rPr>
-              <a:t>as </a:t>
-            </a:r>
-            <a:r>
-              <a:rPr lang="en-GB" sz="1600" dirty="0" smtClean="0">
-                <a:cs typeface="Courier New" pitchFamily="49" charset="0"/>
-              </a:rPr>
-              <a:t>the one shown</a:t>
+              <a:t>This allows the formulation of queries such as the one shown</a:t>
             </a:r>
           </a:p>
           <a:p>
@@ -22342,43 +22259,7 @@
             </a:pPr>
             <a:r>
               <a:rPr lang="en-GB" sz="1600" dirty="0" smtClean="0"/>
-              <a:t>The reason </a:t>
-            </a:r>
-            <a:r>
-              <a:rPr lang="en-GB" sz="1600" dirty="0" smtClean="0"/>
-              <a:t>that </a:t>
-            </a:r>
-            <a:r>
-              <a:rPr lang="en-GB" sz="1600" dirty="0" smtClean="0"/>
-              <a:t>for </a:t>
-            </a:r>
-            <a:r>
-              <a:rPr lang="en-GB" sz="1600" dirty="0" smtClean="0"/>
-              <a:t>queries, dynamic inference is restricted to value-types, rather than actual values, is that inferred </a:t>
-            </a:r>
-            <a:r>
-              <a:rPr lang="en-GB" sz="1600" dirty="0" smtClean="0"/>
-              <a:t>values would </a:t>
-            </a:r>
-            <a:r>
-              <a:rPr lang="en-GB" sz="1600" dirty="0" smtClean="0"/>
-              <a:t>not only be </a:t>
-            </a:r>
-            <a:r>
-              <a:rPr lang="en-GB" sz="1600" dirty="0" smtClean="0"/>
-              <a:t>redundant </a:t>
-            </a:r>
-            <a:r>
-              <a:rPr lang="en-GB" sz="1600" dirty="0" smtClean="0"/>
-              <a:t>in query execution, but may also lead </a:t>
-            </a:r>
-            <a:r>
-              <a:rPr lang="en-GB" sz="1600" dirty="0" smtClean="0"/>
-              <a:t>to increased execution </a:t>
-            </a:r>
-            <a:r>
-              <a:rPr lang="en-GB" sz="1600" dirty="0" smtClean="0"/>
-              <a:t>time.</a:t>
+              <a:t>The reason that for queries, dynamic inference is restricted to value-types, rather than actual values, is that inferred values would not only be redundant in query execution, but may also lead to increased execution time.</a:t>
             </a:r>
           </a:p>
           <a:p>
@@ -22388,17 +22269,28 @@
             </a:pPr>
             <a:r>
               <a:rPr lang="en-GB" sz="1600" dirty="0" smtClean="0"/>
-              <a:t>Conversely, since derived slots are </a:t>
-            </a:r>
-            <a:r>
-              <a:rPr lang="en-GB" sz="1600" dirty="0" smtClean="0"/>
-              <a:t>now </a:t>
-            </a:r>
-            <a:r>
-              <a:rPr lang="en-GB" sz="1600" dirty="0" smtClean="0"/>
-              <a:t>editable, the dynamic updating of their value-types becomes highly desirable from the point-of-view of constraining user-input</a:t>
-            </a:r>
-            <a:endParaRPr lang="en-GB" sz="1600" dirty="0" smtClean="0"/>
+              <a:t>Conversely, since </a:t>
+            </a:r>
+            <a:r>
+              <a:rPr lang="en-GB" sz="1600" dirty="0" smtClean="0">
+                <a:cs typeface="Courier New" pitchFamily="49" charset="0"/>
+              </a:rPr>
+              <a:t>dependent</a:t>
+            </a:r>
+            <a:r>
+              <a:rPr lang="en-GB" sz="1600" i="1" dirty="0" smtClean="0">
+                <a:cs typeface="Courier New" pitchFamily="49" charset="0"/>
+              </a:rPr>
+              <a:t> </a:t>
+            </a:r>
+            <a:r>
+              <a:rPr lang="en-GB" sz="1600" dirty="0" smtClean="0"/>
+              <a:t>slots </a:t>
+            </a:r>
+            <a:r>
+              <a:rPr lang="en-GB" sz="1600" dirty="0" smtClean="0"/>
+              <a:t>are now editable, the dynamic updating of their value-types becomes highly desirable from the point-of-view of constraining user-input</a:t>
+            </a:r>
           </a:p>
         </p:txBody>
       </p:sp>
@@ -22591,11 +22483,7 @@
             </a:pPr>
             <a:r>
               <a:rPr lang="en-GB" sz="1600" dirty="0" smtClean="0"/>
-              <a:t>As in the corresponding assertion example (see earlier</a:t>
-            </a:r>
-            <a:r>
-              <a:rPr lang="en-GB" sz="1600" dirty="0" smtClean="0"/>
-              <a:t>), the </a:t>
+              <a:t>As in the corresponding assertion example (see earlier), the </a:t>
             </a:r>
             <a:r>
               <a:rPr lang="en-GB" sz="1600" dirty="0" smtClean="0">
@@ -22615,15 +22503,7 @@
             </a:r>
             <a:r>
               <a:rPr lang="en-GB" sz="1600" dirty="0" smtClean="0"/>
-              <a:t>, since </a:t>
-            </a:r>
-            <a:r>
-              <a:rPr lang="en-GB" sz="1600" dirty="0" smtClean="0"/>
-              <a:t>the </a:t>
-            </a:r>
-            <a:r>
-              <a:rPr lang="en-GB" sz="1600" dirty="0" smtClean="0"/>
-              <a:t>fact that no jobs have been specified leads to the inference (via the </a:t>
+              <a:t>, since the fact that no jobs have been specified leads to the inference (via the </a:t>
             </a:r>
             <a:r>
               <a:rPr lang="en-GB" sz="1600" i="1" dirty="0" smtClean="0"/>
@@ -22631,15 +22511,7 @@
             </a:r>
             <a:r>
               <a:rPr lang="en-GB" sz="1600" dirty="0" smtClean="0"/>
-              <a:t> assumption for </a:t>
-            </a:r>
-            <a:r>
-              <a:rPr lang="en-GB" sz="1600" dirty="0" smtClean="0"/>
-              <a:t>that </a:t>
-            </a:r>
-            <a:r>
-              <a:rPr lang="en-GB" sz="1600" dirty="0" smtClean="0"/>
-              <a:t>slot) that the citizen is unemployed and hence does not pay tax</a:t>
+              <a:t> assumption for that slot) that the citizen is unemployed and hence does not pay tax</a:t>
             </a:r>
           </a:p>
           <a:p>
@@ -22669,17 +22541,8 @@
             </a:r>
             <a:r>
               <a:rPr lang="en-GB" sz="1600" dirty="0" smtClean="0"/>
-              <a:t> </a:t>
-            </a:r>
-            <a:r>
-              <a:rPr lang="en-GB" sz="1600" dirty="0" smtClean="0"/>
-              <a:t>slots. This </a:t>
-            </a:r>
-            <a:r>
-              <a:rPr lang="en-GB" sz="1600" dirty="0" smtClean="0"/>
-              <a:t>is similar to the case discussed in the last slide, only here the entity responsible for the inference/non-inference is the generic EKS-related reasoning access mechanism, rather than the OM</a:t>
-            </a:r>
-            <a:endParaRPr lang="en-GB" sz="1600" dirty="0" smtClean="0"/>
+              <a:t> slots. This is similar to the case discussed in the last slide, only here the entity responsible for the inference/non-inference is the generic EKS-related reasoning access mechanism, rather than the OM</a:t>
+            </a:r>
           </a:p>
         </p:txBody>
       </p:sp>
@@ -26243,15 +26106,7 @@
             </a:r>
             <a:r>
               <a:rPr lang="en-GB" sz="1600" dirty="0" smtClean="0"/>
-              <a:t>-based </a:t>
-            </a:r>
-            <a:r>
-              <a:rPr lang="en-GB" sz="1600" dirty="0" smtClean="0"/>
-              <a:t>representation (</a:t>
-            </a:r>
-            <a:r>
-              <a:rPr lang="en-GB" sz="1600" dirty="0" smtClean="0"/>
-              <a:t>see next slide for more details)</a:t>
+              <a:t>-based representation (see next slide for more details)</a:t>
             </a:r>
           </a:p>
           <a:p>
@@ -26264,15 +26119,7 @@
             </a:r>
             <a:r>
               <a:rPr lang="en-GB" sz="1600" dirty="0" smtClean="0"/>
-              <a:t>All entities in a basic MEKON FM will be derived from one or more external sources, </a:t>
-            </a:r>
-            <a:r>
-              <a:rPr lang="en-GB" sz="1600" dirty="0" smtClean="0"/>
-              <a:t>typically </a:t>
-            </a:r>
-            <a:r>
-              <a:rPr lang="en-GB" sz="1600" dirty="0" smtClean="0"/>
-              <a:t>be </a:t>
+              <a:t>All entities in a basic MEKON FM will be derived from one or more external sources, typically be </a:t>
             </a:r>
             <a:r>
               <a:rPr lang="en-GB" sz="1600" dirty="0" err="1" smtClean="0"/>
@@ -26280,63 +26127,7 @@
             </a:r>
             <a:r>
               <a:rPr lang="en-GB" sz="1600" dirty="0" smtClean="0"/>
-              <a:t> of some kind. The MEKON framework itself has no dependency on any particular </a:t>
-            </a:r>
-            <a:r>
-              <a:rPr lang="en-GB" sz="1600" dirty="0" smtClean="0"/>
-              <a:t>EKS format. All access </a:t>
-            </a:r>
-            <a:r>
-              <a:rPr lang="en-GB" sz="1600" dirty="0" smtClean="0"/>
-              <a:t>of </a:t>
-            </a:r>
-            <a:r>
-              <a:rPr lang="en-GB" sz="1600" dirty="0" smtClean="0"/>
-              <a:t>EKS </a:t>
-            </a:r>
-            <a:r>
-              <a:rPr lang="en-GB" sz="1600" dirty="0" smtClean="0"/>
-              <a:t>and </a:t>
-            </a:r>
-            <a:r>
-              <a:rPr lang="en-GB" sz="1600" dirty="0" smtClean="0"/>
-              <a:t>associated </a:t>
-            </a:r>
-            <a:r>
-              <a:rPr lang="en-GB" sz="1600" dirty="0" smtClean="0"/>
-              <a:t>reasoning mechanisms </a:t>
-            </a:r>
-            <a:r>
-              <a:rPr lang="en-GB" sz="1600" dirty="0" smtClean="0"/>
-              <a:t>is via plug-in </a:t>
-            </a:r>
-            <a:r>
-              <a:rPr lang="en-GB" sz="1600" dirty="0" smtClean="0"/>
-              <a:t>SPIs (Service Provider </a:t>
-            </a:r>
-            <a:r>
-              <a:rPr lang="en-GB" sz="1600" dirty="0" smtClean="0"/>
-              <a:t>Interfaces). MEKON comes with a </a:t>
-            </a:r>
-            <a:r>
-              <a:rPr lang="en-GB" sz="1600" dirty="0" smtClean="0"/>
-              <a:t>small </a:t>
-            </a:r>
-            <a:r>
-              <a:rPr lang="en-GB" sz="1600" dirty="0" smtClean="0"/>
-              <a:t>set of OWL-based plug-ins, </a:t>
-            </a:r>
-            <a:r>
-              <a:rPr lang="en-GB" sz="1600" dirty="0" smtClean="0"/>
-              <a:t>implementing these SPIs</a:t>
-            </a:r>
-            <a:r>
-              <a:rPr lang="en-GB" sz="1600" dirty="0" smtClean="0"/>
-              <a:t>, </a:t>
-            </a:r>
-            <a:r>
-              <a:rPr lang="en-GB" sz="1600" dirty="0" smtClean="0"/>
-              <a:t>collectively known as MEKON-OWL.</a:t>
+              <a:t> of some kind. The MEKON framework itself has no dependency on any particular EKS format. All access of EKS and associated reasoning mechanisms is via plug-in SPIs (Service Provider Interfaces). MEKON comes with a small set of OWL-based plug-ins, implementing these SPIs, collectively known as MEKON-OWL.</a:t>
             </a:r>
           </a:p>
           <a:p>
@@ -26349,85 +26140,8 @@
             </a:r>
             <a:r>
               <a:rPr lang="en-GB" sz="1600" dirty="0" smtClean="0"/>
-              <a:t> </a:t>
-            </a:r>
-            <a:r>
-              <a:rPr lang="en-GB" sz="1600" dirty="0" smtClean="0"/>
-              <a:t>Sections </a:t>
-            </a:r>
-            <a:r>
-              <a:rPr lang="en-GB" sz="1600" dirty="0" smtClean="0"/>
-              <a:t>of the FM </a:t>
-            </a:r>
-            <a:r>
-              <a:rPr lang="en-GB" sz="1600" dirty="0" smtClean="0"/>
-              <a:t>can also be </a:t>
-            </a:r>
-            <a:r>
-              <a:rPr lang="en-GB" sz="1600" dirty="0" smtClean="0"/>
-              <a:t>derived from a suitable HOBO-based </a:t>
-            </a:r>
-            <a:r>
-              <a:rPr lang="en-GB" sz="1600" dirty="0" smtClean="0"/>
-              <a:t>domain-specific </a:t>
-            </a:r>
-            <a:r>
-              <a:rPr lang="en-GB" sz="1600" dirty="0" smtClean="0"/>
-              <a:t>OM, which </a:t>
-            </a:r>
-            <a:r>
-              <a:rPr lang="en-GB" sz="1600" dirty="0" smtClean="0"/>
-              <a:t>will operate </a:t>
-            </a:r>
-            <a:r>
-              <a:rPr lang="en-GB" sz="1600" dirty="0" smtClean="0"/>
-              <a:t>in </a:t>
-            </a:r>
-            <a:r>
-              <a:rPr lang="en-GB" sz="1600" dirty="0" smtClean="0"/>
-              <a:t>tandem with the FM, with tight bindings being maintained between the two. Hence, in general, the </a:t>
-            </a:r>
-            <a:r>
-              <a:rPr lang="en-GB" sz="1600" dirty="0" smtClean="0"/>
-              <a:t>source(s) for a particular FM entity can be external (EKS), internal (OM), or, where appropriate mappings have been provided </a:t>
-            </a:r>
-            <a:r>
-              <a:rPr lang="en-GB" sz="1600" dirty="0" smtClean="0"/>
-              <a:t>via the </a:t>
-            </a:r>
-            <a:r>
-              <a:rPr lang="en-GB" sz="1600" dirty="0" smtClean="0"/>
-              <a:t>configuration file, dual (EKS + OM). In general, in a HOBO/MEKON model, the vast majority of entities will have only an external source, </a:t>
-            </a:r>
-            <a:r>
-              <a:rPr lang="en-GB" sz="1600" dirty="0" smtClean="0"/>
-              <a:t>with only </a:t>
-            </a:r>
-            <a:r>
-              <a:rPr lang="en-GB" sz="1600" dirty="0" smtClean="0"/>
-              <a:t>a small handful </a:t>
-            </a:r>
-            <a:r>
-              <a:rPr lang="en-GB" sz="1600" dirty="0" smtClean="0"/>
-              <a:t>having </a:t>
-            </a:r>
-            <a:r>
-              <a:rPr lang="en-GB" sz="1600" dirty="0" smtClean="0"/>
-              <a:t>an internal source </a:t>
-            </a:r>
-            <a:r>
-              <a:rPr lang="en-GB" sz="1600" dirty="0" smtClean="0"/>
-              <a:t>(being eith</a:t>
-            </a:r>
-            <a:r>
-              <a:rPr lang="en-GB" sz="1600" dirty="0" smtClean="0"/>
-              <a:t>er internal-only sourced, </a:t>
-            </a:r>
-            <a:r>
-              <a:rPr lang="en-GB" sz="1600" dirty="0" smtClean="0"/>
-              <a:t>or dual sourced)</a:t>
-            </a:r>
-            <a:endParaRPr lang="en-GB" sz="1600" dirty="0" smtClean="0"/>
+              <a:t> Sections of the FM can also be derived from a suitable HOBO-based domain-specific OM, which will operate in tandem with the FM, with tight bindings being maintained between the two. Hence, in general, the source(s) for a particular FM entity can be external (EKS), internal (OM), or, where appropriate mappings have been provided via the configuration file, dual (EKS + OM). In general, in a HOBO/MEKON model, the vast majority of entities will have only an external source, with only a small handful having an internal source (being either internal-only sourced, or dual sourced)</a:t>
+            </a:r>
           </a:p>
           <a:p>
             <a:endParaRPr lang="en-GB" sz="800" dirty="0" smtClean="0"/>
@@ -26439,15 +26153,7 @@
             </a:r>
             <a:r>
               <a:rPr lang="en-GB" sz="1600" dirty="0" smtClean="0"/>
-              <a:t>This section of the tutorial deals only with basic EKS-derived FMs. </a:t>
-            </a:r>
-            <a:r>
-              <a:rPr lang="en-GB" sz="1600" dirty="0" smtClean="0"/>
-              <a:t>HOBO-based FM/OM </a:t>
-            </a:r>
-            <a:r>
-              <a:rPr lang="en-GB" sz="1600" dirty="0" smtClean="0"/>
-              <a:t>hybrids are dealt with in the next section.</a:t>
+              <a:t>This section of the tutorial deals only with basic EKS-derived FMs. HOBO-based FM/OM hybrids are dealt with in the next section.</a:t>
             </a:r>
           </a:p>
         </p:txBody>

--- a/trunk/docs/MEKON-HOBO Introductory Tutorial.pptx
+++ b/trunk/docs/MEKON-HOBO Introductory Tutorial.pptx
@@ -10621,7 +10621,7 @@
         </p:nvSpPr>
         <p:spPr>
           <a:xfrm>
-            <a:off x="4067944" y="5553236"/>
+            <a:off x="3671900" y="5589240"/>
             <a:ext cx="3024336" cy="828092"/>
           </a:xfrm>
           <a:prstGeom prst="rect">
@@ -10660,7 +10660,7 @@
         </p:nvSpPr>
         <p:spPr>
           <a:xfrm>
-            <a:off x="4644008" y="5949280"/>
+            <a:off x="4247964" y="5985284"/>
             <a:ext cx="2448272" cy="396044"/>
           </a:xfrm>
           <a:prstGeom prst="rect">
@@ -10710,7 +10710,7 @@
         </p:nvSpPr>
         <p:spPr>
           <a:xfrm rot="5400000">
-            <a:off x="4211960" y="5949280"/>
+            <a:off x="3815916" y="5985284"/>
             <a:ext cx="324036" cy="324036"/>
           </a:xfrm>
           <a:prstGeom prst="triangle">
@@ -10758,7 +10758,7 @@
         </p:nvSpPr>
         <p:spPr>
           <a:xfrm>
-            <a:off x="4463988" y="5949280"/>
+            <a:off x="4067944" y="5985284"/>
             <a:ext cx="72008" cy="324036"/>
           </a:xfrm>
           <a:prstGeom prst="rect">
@@ -10806,8 +10806,8 @@
         </p:nvSpPr>
         <p:spPr>
           <a:xfrm>
-            <a:off x="5760132" y="368660"/>
-            <a:ext cx="2952328" cy="615553"/>
+            <a:off x="5580112" y="368660"/>
+            <a:ext cx="3348372" cy="615553"/>
           </a:xfrm>
           <a:prstGeom prst="rect">
             <a:avLst/>
@@ -10867,8 +10867,8 @@
         </p:nvSpPr>
         <p:spPr>
           <a:xfrm>
-            <a:off x="5760132" y="980728"/>
-            <a:ext cx="2952328" cy="4062651"/>
+            <a:off x="5580112" y="980728"/>
+            <a:ext cx="3348372" cy="4308872"/>
           </a:xfrm>
           <a:prstGeom prst="rect">
             <a:avLst/>
@@ -10922,7 +10922,19 @@
               <a:rPr lang="en-GB" sz="1600" dirty="0" smtClean="0">
                 <a:cs typeface="Courier New" pitchFamily="49" charset="0"/>
               </a:rPr>
-              <a:t> that appear, along with their value-types, are similarly indicated as having either internal, external or dual sources.</a:t>
+              <a:t> that appear, along with their value-types, are similarly </a:t>
+            </a:r>
+            <a:r>
+              <a:rPr lang="en-GB" sz="1600" dirty="0" smtClean="0">
+                <a:cs typeface="Courier New" pitchFamily="49" charset="0"/>
+              </a:rPr>
+              <a:t>displayed with internal</a:t>
+            </a:r>
+            <a:r>
+              <a:rPr lang="en-GB" sz="1600" dirty="0" smtClean="0">
+                <a:cs typeface="Courier New" pitchFamily="49" charset="0"/>
+              </a:rPr>
+              <a:t>, external or dual sources.</a:t>
             </a:r>
             <a:endParaRPr lang="en-GB" sz="1600" dirty="0" smtClean="0">
               <a:latin typeface="Courier New" pitchFamily="49" charset="0"/>
@@ -10964,7 +10976,19 @@
               <a:rPr lang="en-GB" sz="1600" dirty="0" smtClean="0">
                 <a:cs typeface="Courier New" pitchFamily="49" charset="0"/>
               </a:rPr>
-              <a:t> has been specified (by the OM in this case) as being a </a:t>
+              <a:t> has been specified (by the </a:t>
+            </a:r>
+            <a:r>
+              <a:rPr lang="en-GB" sz="1600" dirty="0" smtClean="0">
+                <a:cs typeface="Courier New" pitchFamily="49" charset="0"/>
+              </a:rPr>
+              <a:t>OM) </a:t>
+            </a:r>
+            <a:r>
+              <a:rPr lang="en-GB" sz="1600" dirty="0" smtClean="0">
+                <a:cs typeface="Courier New" pitchFamily="49" charset="0"/>
+              </a:rPr>
+              <a:t>as being a </a:t>
             </a:r>
             <a:r>
               <a:rPr lang="en-GB" sz="1600" i="1" dirty="0" smtClean="0">
@@ -10982,8 +11006,47 @@
               <a:rPr lang="en-GB" sz="1600" dirty="0" smtClean="0">
                 <a:cs typeface="Courier New" pitchFamily="49" charset="0"/>
               </a:rPr>
-              <a:t>, which means that all values for instantiations of this slot will be derived automatically from those of other slots</a:t>
-            </a:r>
+              <a:t>, which means that all values for instantiations of this slot will be derived automatically from those of other </a:t>
+            </a:r>
+            <a:r>
+              <a:rPr lang="en-GB" sz="1600" dirty="0" smtClean="0">
+                <a:cs typeface="Courier New" pitchFamily="49" charset="0"/>
+              </a:rPr>
+              <a:t>slots</a:t>
+            </a:r>
+          </a:p>
+          <a:p>
+            <a:pPr marL="457200" indent="-457200">
+              <a:buFont typeface="Arial" pitchFamily="34" charset="0"/>
+              <a:buChar char="•"/>
+            </a:pPr>
+            <a:r>
+              <a:rPr lang="en-GB" sz="1600" i="1" dirty="0" smtClean="0">
+                <a:cs typeface="Courier New" pitchFamily="49" charset="0"/>
+              </a:rPr>
+              <a:t>Note:</a:t>
+            </a:r>
+            <a:r>
+              <a:rPr lang="en-GB" sz="1600" dirty="0" smtClean="0">
+                <a:cs typeface="Courier New" pitchFamily="49" charset="0"/>
+              </a:rPr>
+              <a:t> The MEKON-OWL model builder plug-in allows </a:t>
+            </a:r>
+            <a:r>
+              <a:rPr lang="en-GB" sz="1600" dirty="0" smtClean="0">
+                <a:cs typeface="Courier New" pitchFamily="49" charset="0"/>
+              </a:rPr>
+              <a:t>dependent </a:t>
+            </a:r>
+            <a:r>
+              <a:rPr lang="en-GB" sz="1600" dirty="0" smtClean="0">
+                <a:cs typeface="Courier New" pitchFamily="49" charset="0"/>
+              </a:rPr>
+              <a:t>slot specification on a per-property basis, though this is not used in the demo model</a:t>
+            </a:r>
+            <a:endParaRPr lang="en-GB" sz="1600" dirty="0" smtClean="0">
+              <a:cs typeface="Courier New" pitchFamily="49" charset="0"/>
+            </a:endParaRPr>
           </a:p>
         </p:txBody>
       </p:sp>

--- a/trunk/docs/MEKON-HOBO Introductory Tutorial.pptx
+++ b/trunk/docs/MEKON-HOBO Introductory Tutorial.pptx
@@ -10922,19 +10922,7 @@
               <a:rPr lang="en-GB" sz="1600" dirty="0" smtClean="0">
                 <a:cs typeface="Courier New" pitchFamily="49" charset="0"/>
               </a:rPr>
-              <a:t> that appear, along with their value-types, are similarly </a:t>
-            </a:r>
-            <a:r>
-              <a:rPr lang="en-GB" sz="1600" dirty="0" smtClean="0">
-                <a:cs typeface="Courier New" pitchFamily="49" charset="0"/>
-              </a:rPr>
-              <a:t>displayed with internal</a:t>
-            </a:r>
-            <a:r>
-              <a:rPr lang="en-GB" sz="1600" dirty="0" smtClean="0">
-                <a:cs typeface="Courier New" pitchFamily="49" charset="0"/>
-              </a:rPr>
-              <a:t>, external or dual sources.</a:t>
+              <a:t> that appear, along with their value-types, are similarly displayed with internal, external or dual sources.</a:t>
             </a:r>
             <a:endParaRPr lang="en-GB" sz="1600" dirty="0" smtClean="0">
               <a:latin typeface="Courier New" pitchFamily="49" charset="0"/>
@@ -10976,19 +10964,7 @@
               <a:rPr lang="en-GB" sz="1600" dirty="0" smtClean="0">
                 <a:cs typeface="Courier New" pitchFamily="49" charset="0"/>
               </a:rPr>
-              <a:t> has been specified (by the </a:t>
-            </a:r>
-            <a:r>
-              <a:rPr lang="en-GB" sz="1600" dirty="0" smtClean="0">
-                <a:cs typeface="Courier New" pitchFamily="49" charset="0"/>
-              </a:rPr>
-              <a:t>OM) </a:t>
-            </a:r>
-            <a:r>
-              <a:rPr lang="en-GB" sz="1600" dirty="0" smtClean="0">
-                <a:cs typeface="Courier New" pitchFamily="49" charset="0"/>
-              </a:rPr>
-              <a:t>as being a </a:t>
+              <a:t> has been specified (by the OM) as being a </a:t>
             </a:r>
             <a:r>
               <a:rPr lang="en-GB" sz="1600" i="1" dirty="0" smtClean="0">
@@ -11000,19 +10976,7 @@
               <a:rPr lang="en-GB" sz="1600" dirty="0" smtClean="0">
                 <a:cs typeface="Courier New" pitchFamily="49" charset="0"/>
               </a:rPr>
-              <a:t>slot</a:t>
-            </a:r>
-            <a:r>
-              <a:rPr lang="en-GB" sz="1600" dirty="0" smtClean="0">
-                <a:cs typeface="Courier New" pitchFamily="49" charset="0"/>
-              </a:rPr>
-              <a:t>, which means that all values for instantiations of this slot will be derived automatically from those of other </a:t>
-            </a:r>
-            <a:r>
-              <a:rPr lang="en-GB" sz="1600" dirty="0" smtClean="0">
-                <a:cs typeface="Courier New" pitchFamily="49" charset="0"/>
-              </a:rPr>
-              <a:t>slots</a:t>
+              <a:t>slot, which means that all values for instantiations of this slot will be derived automatically from those of other slots</a:t>
             </a:r>
           </a:p>
           <a:p>
@@ -11030,23 +10994,8 @@
               <a:rPr lang="en-GB" sz="1600" dirty="0" smtClean="0">
                 <a:cs typeface="Courier New" pitchFamily="49" charset="0"/>
               </a:rPr>
-              <a:t> The MEKON-OWL model builder plug-in allows </a:t>
-            </a:r>
-            <a:r>
-              <a:rPr lang="en-GB" sz="1600" dirty="0" smtClean="0">
-                <a:cs typeface="Courier New" pitchFamily="49" charset="0"/>
-              </a:rPr>
-              <a:t>dependent </a:t>
-            </a:r>
-            <a:r>
-              <a:rPr lang="en-GB" sz="1600" dirty="0" smtClean="0">
-                <a:cs typeface="Courier New" pitchFamily="49" charset="0"/>
-              </a:rPr>
-              <a:t>slot specification on a per-property basis, though this is not used in the demo model</a:t>
-            </a:r>
-            <a:endParaRPr lang="en-GB" sz="1600" dirty="0" smtClean="0">
-              <a:cs typeface="Courier New" pitchFamily="49" charset="0"/>
-            </a:endParaRPr>
+              <a:t> The MEKON-OWL model builder plug-in allows dependent slot specification on a per-property basis, though this is not used in the demo model</a:t>
+            </a:r>
           </a:p>
         </p:txBody>
       </p:sp>
@@ -12731,7 +12680,19 @@
               <a:rPr lang="en-GB" sz="1600" dirty="0" smtClean="0">
                 <a:cs typeface="Courier New" pitchFamily="49" charset="0"/>
               </a:rPr>
-              <a:t>By default, queries can contain </a:t>
+              <a:t>Q</a:t>
+            </a:r>
+            <a:r>
+              <a:rPr lang="en-GB" sz="1600" dirty="0" smtClean="0">
+                <a:cs typeface="Courier New" pitchFamily="49" charset="0"/>
+              </a:rPr>
+              <a:t>ueries </a:t>
+            </a:r>
+            <a:r>
+              <a:rPr lang="en-GB" sz="1600" dirty="0" smtClean="0">
+                <a:cs typeface="Courier New" pitchFamily="49" charset="0"/>
+              </a:rPr>
+              <a:t>can contain </a:t>
             </a:r>
             <a:r>
               <a:rPr lang="en-GB" sz="1600" i="1" dirty="0" smtClean="0">
@@ -12743,7 +12704,43 @@
               <a:rPr lang="en-GB" sz="1600" dirty="0" smtClean="0">
                 <a:cs typeface="Courier New" pitchFamily="49" charset="0"/>
               </a:rPr>
-              <a:t> slot-values (see below), whereas assertions cannot (however, in either case this default behaviour can be overridden for specific slots, via either the configuration file or the OM)</a:t>
+              <a:t> slot-values (see below), </a:t>
+            </a:r>
+            <a:r>
+              <a:rPr lang="en-GB" sz="1600" dirty="0" smtClean="0">
+                <a:cs typeface="Courier New" pitchFamily="49" charset="0"/>
+              </a:rPr>
+              <a:t>whereas , by default, </a:t>
+            </a:r>
+            <a:r>
+              <a:rPr lang="en-GB" sz="1600" dirty="0" smtClean="0">
+                <a:cs typeface="Courier New" pitchFamily="49" charset="0"/>
+              </a:rPr>
+              <a:t>assertions </a:t>
+            </a:r>
+            <a:r>
+              <a:rPr lang="en-GB" sz="1600" dirty="0" smtClean="0">
+                <a:cs typeface="Courier New" pitchFamily="49" charset="0"/>
+              </a:rPr>
+              <a:t>cannot </a:t>
+            </a:r>
+            <a:r>
+              <a:rPr lang="en-GB" sz="1600" dirty="0" smtClean="0">
+                <a:cs typeface="Courier New" pitchFamily="49" charset="0"/>
+              </a:rPr>
+              <a:t>(however, </a:t>
+            </a:r>
+            <a:r>
+              <a:rPr lang="en-GB" sz="1600" dirty="0" smtClean="0">
+                <a:cs typeface="Courier New" pitchFamily="49" charset="0"/>
+              </a:rPr>
+              <a:t>this </a:t>
+            </a:r>
+            <a:r>
+              <a:rPr lang="en-GB" sz="1600" dirty="0" smtClean="0">
+                <a:cs typeface="Courier New" pitchFamily="49" charset="0"/>
+              </a:rPr>
+              <a:t>default behaviour can be overridden for specific slots, via either the configuration file or the OM)</a:t>
             </a:r>
           </a:p>
           <a:p>
@@ -22269,13 +22266,7 @@
               <a:rPr lang="en-GB" sz="1600" dirty="0" smtClean="0">
                 <a:cs typeface="Courier New" pitchFamily="49" charset="0"/>
               </a:rPr>
-              <a:t>slots</a:t>
-            </a:r>
-            <a:r>
-              <a:rPr lang="en-GB" sz="1600" dirty="0" smtClean="0">
-                <a:cs typeface="Courier New" pitchFamily="49" charset="0"/>
-              </a:rPr>
-              <a:t>, such as </a:t>
+              <a:t>slots, such as </a:t>
             </a:r>
             <a:r>
               <a:rPr lang="en-GB" sz="1600" dirty="0" smtClean="0">
@@ -22348,11 +22339,7 @@
             </a:r>
             <a:r>
               <a:rPr lang="en-GB" sz="1600" dirty="0" smtClean="0"/>
-              <a:t>slots </a:t>
-            </a:r>
-            <a:r>
-              <a:rPr lang="en-GB" sz="1600" dirty="0" smtClean="0"/>
-              <a:t>are now editable, the dynamic updating of their value-types becomes highly desirable from the point-of-view of constraining user-input</a:t>
+              <a:t>slots are now editable, the dynamic updating of their value-types becomes highly desirable from the point-of-view of constraining user-input</a:t>
             </a:r>
           </a:p>
         </p:txBody>

--- a/trunk/docs/MEKON-HOBO Introductory Tutorial.pptx
+++ b/trunk/docs/MEKON-HOBO Introductory Tutorial.pptx
@@ -11,10 +11,10 @@
     <p:sldId id="259" r:id="rId5"/>
     <p:sldId id="258" r:id="rId6"/>
     <p:sldId id="265" r:id="rId7"/>
-    <p:sldId id="313" r:id="rId8"/>
-    <p:sldId id="260" r:id="rId9"/>
-    <p:sldId id="285" r:id="rId10"/>
-    <p:sldId id="335" r:id="rId11"/>
+    <p:sldId id="260" r:id="rId8"/>
+    <p:sldId id="285" r:id="rId9"/>
+    <p:sldId id="335" r:id="rId10"/>
+    <p:sldId id="313" r:id="rId11"/>
     <p:sldId id="261" r:id="rId12"/>
     <p:sldId id="283" r:id="rId13"/>
     <p:sldId id="262" r:id="rId14"/>
@@ -3268,20 +3268,20 @@
       </p:grpSpPr>
       <p:sp>
         <p:nvSpPr>
-          <p:cNvPr id="4" name="TextBox 3"/>
+          <p:cNvPr id="13" name="TextBox 12"/>
           <p:cNvSpPr txBox="1"/>
           <p:nvPr/>
         </p:nvSpPr>
         <p:spPr>
           <a:xfrm>
-            <a:off x="1079612" y="944724"/>
-            <a:ext cx="6984776" cy="4937293"/>
+            <a:off x="1187624" y="476672"/>
+            <a:ext cx="6732748" cy="5832648"/>
           </a:xfrm>
           <a:prstGeom prst="rect">
             <a:avLst/>
           </a:prstGeom>
           <a:solidFill>
-            <a:schemeClr val="accent3">
+            <a:schemeClr val="accent2">
               <a:lumMod val="60000"/>
               <a:lumOff val="40000"/>
             </a:schemeClr>
@@ -3294,325 +3294,1716 @@
         </p:spPr>
         <p:txBody>
           <a:bodyPr wrap="square" rtlCol="0">
-            <a:spAutoFit/>
+            <a:noAutofit/>
           </a:bodyPr>
           <a:lstStyle/>
           <a:p>
+            <a:pPr marL="457200" indent="-457200" algn="ctr"/>
+            <a:r>
+              <a:rPr lang="en-GB" sz="2400" b="1" dirty="0" smtClean="0"/>
+              <a:t>Icon Summary</a:t>
+            </a:r>
+          </a:p>
+          <a:p>
+            <a:pPr marL="457200" indent="-457200"/>
+            <a:endParaRPr lang="en-GB" sz="1600" dirty="0" smtClean="0"/>
+          </a:p>
+        </p:txBody>
+      </p:sp>
+      <p:sp>
+        <p:nvSpPr>
+          <p:cNvPr id="48" name="TextBox 47"/>
+          <p:cNvSpPr txBox="1"/>
+          <p:nvPr/>
+        </p:nvSpPr>
+        <p:spPr>
+          <a:xfrm>
+            <a:off x="1619672" y="3753036"/>
+            <a:ext cx="5904656" cy="432048"/>
+          </a:xfrm>
+          <a:prstGeom prst="rect">
+            <a:avLst/>
+          </a:prstGeom>
+          <a:noFill/>
+          <a:ln>
+            <a:noFill/>
+          </a:ln>
+        </p:spPr>
+        <p:txBody>
+          <a:bodyPr wrap="square" rtlCol="0">
+            <a:noAutofit/>
+          </a:bodyPr>
+          <a:lstStyle/>
+          <a:p>
             <a:pPr algn="ctr"/>
             <a:r>
-              <a:rPr lang="en-GB" sz="2400" b="1" dirty="0" smtClean="0"/>
-              <a:t>Frames Model Entities</a:t>
-            </a:r>
-          </a:p>
-          <a:p>
-            <a:endParaRPr lang="en-GB" sz="1600" dirty="0" smtClean="0"/>
-          </a:p>
-          <a:p>
-            <a:r>
-              <a:rPr lang="en-GB" sz="1600" dirty="0" smtClean="0"/>
-              <a:t>The FM representation includes entities at three distinct representational levels:</a:t>
-            </a:r>
-          </a:p>
-          <a:p>
-            <a:pPr marL="457200" indent="-457200"/>
-            <a:endParaRPr lang="en-GB" sz="800" dirty="0" smtClean="0"/>
-          </a:p>
-          <a:p>
-            <a:pPr marL="457200" indent="-457200"/>
+              <a:rPr lang="en-GB" b="1" dirty="0" smtClean="0"/>
+              <a:t>Colours (all relevant shapes)</a:t>
+            </a:r>
+            <a:endParaRPr lang="en-GB" b="1" dirty="0"/>
+          </a:p>
+        </p:txBody>
+      </p:sp>
+      <p:sp>
+        <p:nvSpPr>
+          <p:cNvPr id="47" name="TextBox 46"/>
+          <p:cNvSpPr txBox="1"/>
+          <p:nvPr/>
+        </p:nvSpPr>
+        <p:spPr>
+          <a:xfrm>
+            <a:off x="1619672" y="1052736"/>
+            <a:ext cx="5400600" cy="432048"/>
+          </a:xfrm>
+          <a:prstGeom prst="rect">
+            <a:avLst/>
+          </a:prstGeom>
+          <a:noFill/>
+          <a:ln>
+            <a:noFill/>
+          </a:ln>
+        </p:spPr>
+        <p:txBody>
+          <a:bodyPr wrap="square" rtlCol="0">
+            <a:noAutofit/>
+          </a:bodyPr>
+          <a:lstStyle/>
+          <a:p>
+            <a:pPr algn="ctr"/>
+            <a:r>
+              <a:rPr lang="en-GB" b="1" dirty="0" smtClean="0"/>
+              <a:t>Shapes (all relevant colours)</a:t>
+            </a:r>
+          </a:p>
+          <a:p>
+            <a:pPr algn="ctr"/>
+            <a:endParaRPr lang="en-GB" b="1" dirty="0"/>
+          </a:p>
+        </p:txBody>
+      </p:sp>
+      <p:sp>
+        <p:nvSpPr>
+          <p:cNvPr id="3" name="TextBox 2"/>
+          <p:cNvSpPr txBox="1"/>
+          <p:nvPr/>
+        </p:nvSpPr>
+        <p:spPr>
+          <a:xfrm>
+            <a:off x="3383868" y="1484784"/>
+            <a:ext cx="2700300" cy="372041"/>
+          </a:xfrm>
+          <a:prstGeom prst="rect">
+            <a:avLst/>
+          </a:prstGeom>
+          <a:solidFill>
+            <a:srgbClr val="C35855"/>
+          </a:solidFill>
+          <a:ln>
+            <a:solidFill>
+              <a:schemeClr val="tx1"/>
+            </a:solidFill>
+          </a:ln>
+        </p:spPr>
+        <p:txBody>
+          <a:bodyPr wrap="square" rtlCol="0">
+            <a:noAutofit/>
+          </a:bodyPr>
+          <a:lstStyle/>
+          <a:p>
             <a:r>
               <a:rPr lang="en-GB" sz="1600" b="1" dirty="0" smtClean="0"/>
-              <a:t>Concept-Level : </a:t>
-            </a:r>
-            <a:r>
-              <a:rPr lang="en-GB" sz="1600" dirty="0" smtClean="0"/>
-              <a:t>Representation of domain model:</a:t>
-            </a:r>
-          </a:p>
-          <a:p>
-            <a:pPr marL="457200" indent="-457200"/>
-            <a:endParaRPr lang="en-GB" sz="800" dirty="0" smtClean="0"/>
-          </a:p>
-          <a:p>
-            <a:pPr marL="457200" indent="-457200">
-              <a:buFont typeface="Arial" pitchFamily="34" charset="0"/>
-              <a:buChar char="•"/>
-            </a:pPr>
-            <a:r>
-              <a:rPr lang="en-GB" sz="1600" b="1" dirty="0" err="1" smtClean="0">
-                <a:latin typeface="Courier New" pitchFamily="49" charset="0"/>
-                <a:cs typeface="Courier New" pitchFamily="49" charset="0"/>
-              </a:rPr>
-              <a:t>CFrame</a:t>
-            </a:r>
+              <a:t>Entity Level</a:t>
+            </a:r>
+            <a:endParaRPr lang="en-GB" sz="1600" b="1" dirty="0"/>
+          </a:p>
+        </p:txBody>
+      </p:sp>
+      <p:sp>
+        <p:nvSpPr>
+          <p:cNvPr id="5" name="TextBox 4"/>
+          <p:cNvSpPr txBox="1"/>
+          <p:nvPr/>
+        </p:nvSpPr>
+        <p:spPr>
+          <a:xfrm>
+            <a:off x="1583668" y="1484784"/>
+            <a:ext cx="1800200" cy="372041"/>
+          </a:xfrm>
+          <a:prstGeom prst="rect">
+            <a:avLst/>
+          </a:prstGeom>
+          <a:solidFill>
+            <a:srgbClr val="C35855"/>
+          </a:solidFill>
+          <a:ln>
+            <a:solidFill>
+              <a:schemeClr val="tx1"/>
+            </a:solidFill>
+          </a:ln>
+        </p:spPr>
+        <p:txBody>
+          <a:bodyPr wrap="square" rtlCol="0">
+            <a:noAutofit/>
+          </a:bodyPr>
+          <a:lstStyle/>
+          <a:p>
             <a:r>
               <a:rPr lang="en-GB" sz="1600" b="1" dirty="0" smtClean="0"/>
-              <a:t>: </a:t>
-            </a:r>
-            <a:r>
-              <a:rPr lang="en-GB" sz="1600" dirty="0" smtClean="0"/>
-              <a:t>Domain concept</a:t>
-            </a:r>
-          </a:p>
-          <a:p>
-            <a:pPr marL="457200" indent="-457200">
-              <a:buFont typeface="Arial" pitchFamily="34" charset="0"/>
-              <a:buChar char="•"/>
-            </a:pPr>
-            <a:r>
-              <a:rPr lang="en-GB" sz="1600" b="1" dirty="0" err="1" smtClean="0">
-                <a:latin typeface="Courier New" pitchFamily="49" charset="0"/>
-                <a:cs typeface="Courier New" pitchFamily="49" charset="0"/>
-              </a:rPr>
-              <a:t>CNumber</a:t>
-            </a:r>
+              <a:t>Entity Category</a:t>
+            </a:r>
+            <a:endParaRPr lang="en-GB" sz="1600" b="1" dirty="0"/>
+          </a:p>
+        </p:txBody>
+      </p:sp>
+      <p:sp>
+        <p:nvSpPr>
+          <p:cNvPr id="6" name="TextBox 5"/>
+          <p:cNvSpPr txBox="1"/>
+          <p:nvPr/>
+        </p:nvSpPr>
+        <p:spPr>
+          <a:xfrm>
+            <a:off x="6084168" y="1484784"/>
+            <a:ext cx="1440160" cy="372041"/>
+          </a:xfrm>
+          <a:prstGeom prst="rect">
+            <a:avLst/>
+          </a:prstGeom>
+          <a:solidFill>
+            <a:srgbClr val="C35855"/>
+          </a:solidFill>
+          <a:ln>
+            <a:solidFill>
+              <a:schemeClr val="tx1"/>
+            </a:solidFill>
+          </a:ln>
+        </p:spPr>
+        <p:txBody>
+          <a:bodyPr wrap="square" rtlCol="0">
+            <a:noAutofit/>
+          </a:bodyPr>
+          <a:lstStyle/>
+          <a:p>
             <a:r>
               <a:rPr lang="en-GB" sz="1600" b="1" dirty="0" smtClean="0"/>
-              <a:t>: </a:t>
-            </a:r>
-            <a:r>
-              <a:rPr lang="en-GB" sz="1600" dirty="0" smtClean="0"/>
-              <a:t>Numeric-value definition (numeric-type + valid value-range)</a:t>
-            </a:r>
-          </a:p>
-          <a:p>
-            <a:pPr marL="457200" indent="-457200">
-              <a:buFont typeface="Arial" pitchFamily="34" charset="0"/>
-              <a:buChar char="•"/>
-            </a:pPr>
-            <a:r>
-              <a:rPr lang="en-GB" sz="1600" b="1" dirty="0" err="1" smtClean="0">
-                <a:latin typeface="Courier New" pitchFamily="49" charset="0"/>
-                <a:cs typeface="Courier New" pitchFamily="49" charset="0"/>
-              </a:rPr>
-              <a:t>CValue</a:t>
-            </a:r>
+              <a:t>Icon Shape</a:t>
+            </a:r>
+            <a:endParaRPr lang="en-GB" sz="1600" b="1" dirty="0"/>
+          </a:p>
+        </p:txBody>
+      </p:sp>
+      <p:sp>
+        <p:nvSpPr>
+          <p:cNvPr id="7" name="TextBox 6"/>
+          <p:cNvSpPr txBox="1"/>
+          <p:nvPr/>
+        </p:nvSpPr>
+        <p:spPr>
+          <a:xfrm>
+            <a:off x="3383868" y="1844824"/>
+            <a:ext cx="2700300" cy="360040"/>
+          </a:xfrm>
+          <a:prstGeom prst="rect">
+            <a:avLst/>
+          </a:prstGeom>
+          <a:solidFill>
+            <a:schemeClr val="accent2">
+              <a:lumMod val="40000"/>
+              <a:lumOff val="60000"/>
+            </a:schemeClr>
+          </a:solidFill>
+          <a:ln>
+            <a:solidFill>
+              <a:schemeClr val="tx1"/>
+            </a:solidFill>
+          </a:ln>
+        </p:spPr>
+        <p:txBody>
+          <a:bodyPr wrap="square" rtlCol="0">
+            <a:noAutofit/>
+          </a:bodyPr>
+          <a:lstStyle/>
+          <a:p>
+            <a:r>
+              <a:rPr lang="en-GB" sz="1600" dirty="0" smtClean="0"/>
+              <a:t>Meta</a:t>
+            </a:r>
+            <a:endParaRPr lang="en-GB" sz="1600" dirty="0"/>
+          </a:p>
+        </p:txBody>
+      </p:sp>
+      <p:sp>
+        <p:nvSpPr>
+          <p:cNvPr id="8" name="TextBox 7"/>
+          <p:cNvSpPr txBox="1"/>
+          <p:nvPr/>
+        </p:nvSpPr>
+        <p:spPr>
+          <a:xfrm>
+            <a:off x="1583668" y="1844824"/>
+            <a:ext cx="1800200" cy="360040"/>
+          </a:xfrm>
+          <a:prstGeom prst="rect">
+            <a:avLst/>
+          </a:prstGeom>
+          <a:solidFill>
+            <a:schemeClr val="accent2">
+              <a:lumMod val="40000"/>
+              <a:lumOff val="60000"/>
+            </a:schemeClr>
+          </a:solidFill>
+          <a:ln>
+            <a:solidFill>
+              <a:schemeClr val="tx1"/>
+            </a:solidFill>
+          </a:ln>
+        </p:spPr>
+        <p:txBody>
+          <a:bodyPr wrap="square" rtlCol="0">
+            <a:noAutofit/>
+          </a:bodyPr>
+          <a:lstStyle/>
+          <a:p>
+            <a:r>
+              <a:rPr lang="en-GB" sz="1600" dirty="0" smtClean="0"/>
+              <a:t>Value Entity (*)</a:t>
+            </a:r>
+            <a:endParaRPr lang="en-GB" sz="1600" dirty="0"/>
+          </a:p>
+        </p:txBody>
+      </p:sp>
+      <p:sp>
+        <p:nvSpPr>
+          <p:cNvPr id="9" name="TextBox 8"/>
+          <p:cNvSpPr txBox="1"/>
+          <p:nvPr/>
+        </p:nvSpPr>
+        <p:spPr>
+          <a:xfrm>
+            <a:off x="6084168" y="1844824"/>
+            <a:ext cx="1440160" cy="360040"/>
+          </a:xfrm>
+          <a:prstGeom prst="rect">
+            <a:avLst/>
+          </a:prstGeom>
+          <a:solidFill>
+            <a:schemeClr val="accent2">
+              <a:lumMod val="40000"/>
+              <a:lumOff val="60000"/>
+            </a:schemeClr>
+          </a:solidFill>
+          <a:ln>
+            <a:solidFill>
+              <a:schemeClr val="tx1"/>
+            </a:solidFill>
+          </a:ln>
+        </p:spPr>
+        <p:txBody>
+          <a:bodyPr wrap="square" rtlCol="0">
+            <a:noAutofit/>
+          </a:bodyPr>
+          <a:lstStyle/>
+          <a:p>
+            <a:endParaRPr lang="en-GB" sz="1600" dirty="0"/>
+          </a:p>
+        </p:txBody>
+      </p:sp>
+      <p:sp>
+        <p:nvSpPr>
+          <p:cNvPr id="14" name="Rectangle 13"/>
+          <p:cNvSpPr/>
+          <p:nvPr/>
+        </p:nvSpPr>
+        <p:spPr>
+          <a:xfrm>
+            <a:off x="6624228" y="1916832"/>
+            <a:ext cx="252028" cy="216024"/>
+          </a:xfrm>
+          <a:prstGeom prst="rect">
+            <a:avLst/>
+          </a:prstGeom>
+          <a:solidFill>
+            <a:schemeClr val="bg1"/>
+          </a:solidFill>
+          <a:ln w="9525">
+            <a:solidFill>
+              <a:schemeClr val="tx1"/>
+            </a:solidFill>
+          </a:ln>
+        </p:spPr>
+        <p:style>
+          <a:lnRef idx="2">
+            <a:schemeClr val="accent1">
+              <a:shade val="50000"/>
+            </a:schemeClr>
+          </a:lnRef>
+          <a:fillRef idx="1">
+            <a:schemeClr val="accent1"/>
+          </a:fillRef>
+          <a:effectRef idx="0">
+            <a:schemeClr val="accent1"/>
+          </a:effectRef>
+          <a:fontRef idx="minor">
+            <a:schemeClr val="lt1"/>
+          </a:fontRef>
+        </p:style>
+        <p:txBody>
+          <a:bodyPr rtlCol="0" anchor="ctr"/>
+          <a:lstStyle/>
+          <a:p>
+            <a:pPr algn="ctr"/>
+            <a:endParaRPr lang="en-GB" sz="1600"/>
+          </a:p>
+        </p:txBody>
+      </p:sp>
+      <p:sp>
+        <p:nvSpPr>
+          <p:cNvPr id="15" name="TextBox 14"/>
+          <p:cNvSpPr txBox="1"/>
+          <p:nvPr/>
+        </p:nvSpPr>
+        <p:spPr>
+          <a:xfrm>
+            <a:off x="3383868" y="2204864"/>
+            <a:ext cx="2700300" cy="360040"/>
+          </a:xfrm>
+          <a:prstGeom prst="rect">
+            <a:avLst/>
+          </a:prstGeom>
+          <a:solidFill>
+            <a:schemeClr val="accent2">
+              <a:lumMod val="40000"/>
+              <a:lumOff val="60000"/>
+            </a:schemeClr>
+          </a:solidFill>
+          <a:ln>
+            <a:solidFill>
+              <a:schemeClr val="tx1"/>
+            </a:solidFill>
+          </a:ln>
+        </p:spPr>
+        <p:txBody>
+          <a:bodyPr wrap="square" rtlCol="0">
+            <a:noAutofit/>
+          </a:bodyPr>
+          <a:lstStyle/>
+          <a:p>
+            <a:r>
+              <a:rPr lang="en-GB" sz="1600" dirty="0" smtClean="0"/>
+              <a:t>Concept</a:t>
+            </a:r>
+            <a:endParaRPr lang="en-GB" sz="1600" dirty="0"/>
+          </a:p>
+        </p:txBody>
+      </p:sp>
+      <p:sp>
+        <p:nvSpPr>
+          <p:cNvPr id="16" name="TextBox 15"/>
+          <p:cNvSpPr txBox="1"/>
+          <p:nvPr/>
+        </p:nvSpPr>
+        <p:spPr>
+          <a:xfrm>
+            <a:off x="1583668" y="2204864"/>
+            <a:ext cx="1800200" cy="360040"/>
+          </a:xfrm>
+          <a:prstGeom prst="rect">
+            <a:avLst/>
+          </a:prstGeom>
+          <a:solidFill>
+            <a:schemeClr val="accent2">
+              <a:lumMod val="40000"/>
+              <a:lumOff val="60000"/>
+            </a:schemeClr>
+          </a:solidFill>
+          <a:ln>
+            <a:solidFill>
+              <a:schemeClr val="tx1"/>
+            </a:solidFill>
+          </a:ln>
+        </p:spPr>
+        <p:txBody>
+          <a:bodyPr wrap="square" rtlCol="0">
+            <a:noAutofit/>
+          </a:bodyPr>
+          <a:lstStyle/>
+          <a:p>
+            <a:r>
+              <a:rPr lang="en-GB" sz="1600" dirty="0" smtClean="0"/>
+              <a:t>Value Entity (*)</a:t>
+            </a:r>
+            <a:endParaRPr lang="en-GB" sz="1600" dirty="0"/>
+          </a:p>
+        </p:txBody>
+      </p:sp>
+      <p:sp>
+        <p:nvSpPr>
+          <p:cNvPr id="17" name="TextBox 16"/>
+          <p:cNvSpPr txBox="1"/>
+          <p:nvPr/>
+        </p:nvSpPr>
+        <p:spPr>
+          <a:xfrm>
+            <a:off x="6084168" y="2204864"/>
+            <a:ext cx="1440160" cy="360040"/>
+          </a:xfrm>
+          <a:prstGeom prst="rect">
+            <a:avLst/>
+          </a:prstGeom>
+          <a:solidFill>
+            <a:schemeClr val="accent2">
+              <a:lumMod val="40000"/>
+              <a:lumOff val="60000"/>
+            </a:schemeClr>
+          </a:solidFill>
+          <a:ln>
+            <a:solidFill>
+              <a:schemeClr val="tx1"/>
+            </a:solidFill>
+          </a:ln>
+        </p:spPr>
+        <p:txBody>
+          <a:bodyPr wrap="square" rtlCol="0">
+            <a:noAutofit/>
+          </a:bodyPr>
+          <a:lstStyle/>
+          <a:p>
+            <a:endParaRPr lang="en-GB" sz="1600" dirty="0"/>
+          </a:p>
+        </p:txBody>
+      </p:sp>
+      <p:sp>
+        <p:nvSpPr>
+          <p:cNvPr id="19" name="TextBox 18"/>
+          <p:cNvSpPr txBox="1"/>
+          <p:nvPr/>
+        </p:nvSpPr>
+        <p:spPr>
+          <a:xfrm>
+            <a:off x="3383868" y="2564904"/>
+            <a:ext cx="2700300" cy="360040"/>
+          </a:xfrm>
+          <a:prstGeom prst="rect">
+            <a:avLst/>
+          </a:prstGeom>
+          <a:solidFill>
+            <a:schemeClr val="accent2">
+              <a:lumMod val="40000"/>
+              <a:lumOff val="60000"/>
+            </a:schemeClr>
+          </a:solidFill>
+          <a:ln>
+            <a:solidFill>
+              <a:schemeClr val="tx1"/>
+            </a:solidFill>
+          </a:ln>
+        </p:spPr>
+        <p:txBody>
+          <a:bodyPr wrap="square" rtlCol="0">
+            <a:noAutofit/>
+          </a:bodyPr>
+          <a:lstStyle/>
+          <a:p>
+            <a:r>
+              <a:rPr lang="en-GB" sz="1600" dirty="0" smtClean="0"/>
+              <a:t>Instance</a:t>
+            </a:r>
+            <a:endParaRPr lang="en-GB" sz="1600" dirty="0"/>
+          </a:p>
+        </p:txBody>
+      </p:sp>
+      <p:sp>
+        <p:nvSpPr>
+          <p:cNvPr id="20" name="TextBox 19"/>
+          <p:cNvSpPr txBox="1"/>
+          <p:nvPr/>
+        </p:nvSpPr>
+        <p:spPr>
+          <a:xfrm>
+            <a:off x="1583668" y="2564904"/>
+            <a:ext cx="1800200" cy="360040"/>
+          </a:xfrm>
+          <a:prstGeom prst="rect">
+            <a:avLst/>
+          </a:prstGeom>
+          <a:solidFill>
+            <a:schemeClr val="accent2">
+              <a:lumMod val="40000"/>
+              <a:lumOff val="60000"/>
+            </a:schemeClr>
+          </a:solidFill>
+          <a:ln>
+            <a:solidFill>
+              <a:schemeClr val="tx1"/>
+            </a:solidFill>
+          </a:ln>
+        </p:spPr>
+        <p:txBody>
+          <a:bodyPr wrap="square" rtlCol="0">
+            <a:noAutofit/>
+          </a:bodyPr>
+          <a:lstStyle/>
+          <a:p>
+            <a:r>
+              <a:rPr lang="en-GB" sz="1600" dirty="0" smtClean="0"/>
+              <a:t>Value Entity (*)</a:t>
+            </a:r>
+            <a:endParaRPr lang="en-GB" sz="1600" dirty="0"/>
+          </a:p>
+        </p:txBody>
+      </p:sp>
+      <p:sp>
+        <p:nvSpPr>
+          <p:cNvPr id="21" name="TextBox 20"/>
+          <p:cNvSpPr txBox="1"/>
+          <p:nvPr/>
+        </p:nvSpPr>
+        <p:spPr>
+          <a:xfrm>
+            <a:off x="6084168" y="2564904"/>
+            <a:ext cx="1440160" cy="360040"/>
+          </a:xfrm>
+          <a:prstGeom prst="rect">
+            <a:avLst/>
+          </a:prstGeom>
+          <a:solidFill>
+            <a:schemeClr val="accent2">
+              <a:lumMod val="40000"/>
+              <a:lumOff val="60000"/>
+            </a:schemeClr>
+          </a:solidFill>
+          <a:ln>
+            <a:solidFill>
+              <a:schemeClr val="tx1"/>
+            </a:solidFill>
+          </a:ln>
+        </p:spPr>
+        <p:txBody>
+          <a:bodyPr wrap="square" rtlCol="0">
+            <a:noAutofit/>
+          </a:bodyPr>
+          <a:lstStyle/>
+          <a:p>
+            <a:endParaRPr lang="en-GB" sz="1600" dirty="0"/>
+          </a:p>
+        </p:txBody>
+      </p:sp>
+      <p:sp>
+        <p:nvSpPr>
+          <p:cNvPr id="22" name="Rectangle 21"/>
+          <p:cNvSpPr/>
+          <p:nvPr/>
+        </p:nvSpPr>
+        <p:spPr>
+          <a:xfrm rot="18972962">
+            <a:off x="6664249" y="2656596"/>
+            <a:ext cx="179792" cy="187924"/>
+          </a:xfrm>
+          <a:prstGeom prst="rect">
+            <a:avLst/>
+          </a:prstGeom>
+          <a:solidFill>
+            <a:schemeClr val="bg1"/>
+          </a:solidFill>
+          <a:ln w="9525">
+            <a:solidFill>
+              <a:schemeClr val="tx1"/>
+            </a:solidFill>
+          </a:ln>
+        </p:spPr>
+        <p:style>
+          <a:lnRef idx="2">
+            <a:schemeClr val="accent1">
+              <a:shade val="50000"/>
+            </a:schemeClr>
+          </a:lnRef>
+          <a:fillRef idx="1">
+            <a:schemeClr val="accent1"/>
+          </a:fillRef>
+          <a:effectRef idx="0">
+            <a:schemeClr val="accent1"/>
+          </a:effectRef>
+          <a:fontRef idx="minor">
+            <a:schemeClr val="lt1"/>
+          </a:fontRef>
+        </p:style>
+        <p:txBody>
+          <a:bodyPr rtlCol="0" anchor="ctr"/>
+          <a:lstStyle/>
+          <a:p>
+            <a:pPr algn="ctr"/>
+            <a:endParaRPr lang="en-GB" sz="1600"/>
+          </a:p>
+        </p:txBody>
+      </p:sp>
+      <p:sp>
+        <p:nvSpPr>
+          <p:cNvPr id="23" name="TextBox 22"/>
+          <p:cNvSpPr txBox="1"/>
+          <p:nvPr/>
+        </p:nvSpPr>
+        <p:spPr>
+          <a:xfrm>
+            <a:off x="3383868" y="2924944"/>
+            <a:ext cx="2700300" cy="360040"/>
+          </a:xfrm>
+          <a:prstGeom prst="rect">
+            <a:avLst/>
+          </a:prstGeom>
+          <a:solidFill>
+            <a:schemeClr val="accent2">
+              <a:lumMod val="40000"/>
+              <a:lumOff val="60000"/>
+            </a:schemeClr>
+          </a:solidFill>
+          <a:ln>
+            <a:solidFill>
+              <a:schemeClr val="tx1"/>
+            </a:solidFill>
+          </a:ln>
+        </p:spPr>
+        <p:txBody>
+          <a:bodyPr wrap="square" rtlCol="0">
+            <a:noAutofit/>
+          </a:bodyPr>
+          <a:lstStyle/>
+          <a:p>
+            <a:r>
+              <a:rPr lang="en-GB" sz="1600" dirty="0" smtClean="0"/>
+              <a:t>Concept/Instance</a:t>
+            </a:r>
+            <a:endParaRPr lang="en-GB" sz="1600" dirty="0"/>
+          </a:p>
+        </p:txBody>
+      </p:sp>
+      <p:sp>
+        <p:nvSpPr>
+          <p:cNvPr id="24" name="TextBox 23"/>
+          <p:cNvSpPr txBox="1"/>
+          <p:nvPr/>
+        </p:nvSpPr>
+        <p:spPr>
+          <a:xfrm>
+            <a:off x="1583668" y="2924944"/>
+            <a:ext cx="1800200" cy="360040"/>
+          </a:xfrm>
+          <a:prstGeom prst="rect">
+            <a:avLst/>
+          </a:prstGeom>
+          <a:solidFill>
+            <a:schemeClr val="accent2">
+              <a:lumMod val="40000"/>
+              <a:lumOff val="60000"/>
+            </a:schemeClr>
+          </a:solidFill>
+          <a:ln>
+            <a:solidFill>
+              <a:schemeClr val="tx1"/>
+            </a:solidFill>
+          </a:ln>
+        </p:spPr>
+        <p:txBody>
+          <a:bodyPr wrap="square" rtlCol="0">
+            <a:noAutofit/>
+          </a:bodyPr>
+          <a:lstStyle/>
+          <a:p>
+            <a:r>
+              <a:rPr lang="en-GB" sz="1600" dirty="0" smtClean="0"/>
+              <a:t>Slot</a:t>
+            </a:r>
+            <a:endParaRPr lang="en-GB" sz="1600" dirty="0"/>
+          </a:p>
+        </p:txBody>
+      </p:sp>
+      <p:sp>
+        <p:nvSpPr>
+          <p:cNvPr id="25" name="TextBox 24"/>
+          <p:cNvSpPr txBox="1"/>
+          <p:nvPr/>
+        </p:nvSpPr>
+        <p:spPr>
+          <a:xfrm>
+            <a:off x="6084168" y="2924944"/>
+            <a:ext cx="1440160" cy="360040"/>
+          </a:xfrm>
+          <a:prstGeom prst="rect">
+            <a:avLst/>
+          </a:prstGeom>
+          <a:solidFill>
+            <a:schemeClr val="accent2">
+              <a:lumMod val="40000"/>
+              <a:lumOff val="60000"/>
+            </a:schemeClr>
+          </a:solidFill>
+          <a:ln>
+            <a:solidFill>
+              <a:schemeClr val="tx1"/>
+            </a:solidFill>
+          </a:ln>
+        </p:spPr>
+        <p:txBody>
+          <a:bodyPr wrap="square" rtlCol="0">
+            <a:noAutofit/>
+          </a:bodyPr>
+          <a:lstStyle/>
+          <a:p>
+            <a:endParaRPr lang="en-GB" sz="1600" dirty="0"/>
+          </a:p>
+        </p:txBody>
+      </p:sp>
+      <p:sp>
+        <p:nvSpPr>
+          <p:cNvPr id="27" name="Oval 26"/>
+          <p:cNvSpPr/>
+          <p:nvPr/>
+        </p:nvSpPr>
+        <p:spPr>
+          <a:xfrm>
+            <a:off x="6624228" y="2276872"/>
+            <a:ext cx="252028" cy="216024"/>
+          </a:xfrm>
+          <a:prstGeom prst="ellipse">
+            <a:avLst/>
+          </a:prstGeom>
+          <a:solidFill>
+            <a:schemeClr val="bg1"/>
+          </a:solidFill>
+          <a:ln w="9525">
+            <a:solidFill>
+              <a:schemeClr val="tx1"/>
+            </a:solidFill>
+          </a:ln>
+        </p:spPr>
+        <p:style>
+          <a:lnRef idx="2">
+            <a:schemeClr val="accent1">
+              <a:shade val="50000"/>
+            </a:schemeClr>
+          </a:lnRef>
+          <a:fillRef idx="1">
+            <a:schemeClr val="accent1"/>
+          </a:fillRef>
+          <a:effectRef idx="0">
+            <a:schemeClr val="accent1"/>
+          </a:effectRef>
+          <a:fontRef idx="minor">
+            <a:schemeClr val="lt1"/>
+          </a:fontRef>
+        </p:style>
+        <p:txBody>
+          <a:bodyPr rtlCol="0" anchor="ctr"/>
+          <a:lstStyle/>
+          <a:p>
+            <a:pPr algn="ctr"/>
+            <a:endParaRPr lang="en-GB" sz="1600"/>
+          </a:p>
+        </p:txBody>
+      </p:sp>
+      <p:sp>
+        <p:nvSpPr>
+          <p:cNvPr id="28" name="Isosceles Triangle 27"/>
+          <p:cNvSpPr/>
+          <p:nvPr/>
+        </p:nvSpPr>
+        <p:spPr>
+          <a:xfrm rot="5400000">
+            <a:off x="6642230" y="2978950"/>
+            <a:ext cx="216024" cy="252028"/>
+          </a:xfrm>
+          <a:prstGeom prst="triangle">
+            <a:avLst/>
+          </a:prstGeom>
+          <a:solidFill>
+            <a:schemeClr val="bg1"/>
+          </a:solidFill>
+          <a:ln w="9525">
+            <a:solidFill>
+              <a:schemeClr val="tx1"/>
+            </a:solidFill>
+          </a:ln>
+        </p:spPr>
+        <p:style>
+          <a:lnRef idx="2">
+            <a:schemeClr val="accent1">
+              <a:shade val="50000"/>
+            </a:schemeClr>
+          </a:lnRef>
+          <a:fillRef idx="1">
+            <a:schemeClr val="accent1"/>
+          </a:fillRef>
+          <a:effectRef idx="0">
+            <a:schemeClr val="accent1"/>
+          </a:effectRef>
+          <a:fontRef idx="minor">
+            <a:schemeClr val="lt1"/>
+          </a:fontRef>
+        </p:style>
+        <p:txBody>
+          <a:bodyPr rtlCol="0" anchor="ctr"/>
+          <a:lstStyle/>
+          <a:p>
+            <a:pPr algn="ctr"/>
+            <a:endParaRPr lang="en-GB" sz="1600"/>
+          </a:p>
+        </p:txBody>
+      </p:sp>
+      <p:sp>
+        <p:nvSpPr>
+          <p:cNvPr id="90" name="TextBox 89"/>
+          <p:cNvSpPr txBox="1"/>
+          <p:nvPr/>
+        </p:nvSpPr>
+        <p:spPr>
+          <a:xfrm>
+            <a:off x="1619672" y="3284984"/>
+            <a:ext cx="1908212" cy="360040"/>
+          </a:xfrm>
+          <a:prstGeom prst="rect">
+            <a:avLst/>
+          </a:prstGeom>
+          <a:noFill/>
+          <a:ln>
+            <a:noFill/>
+          </a:ln>
+        </p:spPr>
+        <p:txBody>
+          <a:bodyPr wrap="square" rtlCol="0">
+            <a:noAutofit/>
+          </a:bodyPr>
+          <a:lstStyle/>
+          <a:p>
+            <a:r>
+              <a:rPr lang="en-GB" sz="1600" dirty="0" smtClean="0"/>
+              <a:t>* Frame OR Number</a:t>
+            </a:r>
+          </a:p>
+        </p:txBody>
+      </p:sp>
+      <p:sp>
+        <p:nvSpPr>
+          <p:cNvPr id="49" name="TextBox 48"/>
+          <p:cNvSpPr txBox="1"/>
+          <p:nvPr/>
+        </p:nvSpPr>
+        <p:spPr>
+          <a:xfrm>
+            <a:off x="6084168" y="4185084"/>
+            <a:ext cx="1440160" cy="360040"/>
+          </a:xfrm>
+          <a:prstGeom prst="rect">
+            <a:avLst/>
+          </a:prstGeom>
+          <a:solidFill>
+            <a:srgbClr val="C35855"/>
+          </a:solidFill>
+          <a:ln>
+            <a:solidFill>
+              <a:schemeClr val="tx1"/>
+            </a:solidFill>
+          </a:ln>
+        </p:spPr>
+        <p:txBody>
+          <a:bodyPr wrap="square" rtlCol="0">
+            <a:noAutofit/>
+          </a:bodyPr>
+          <a:lstStyle/>
+          <a:p>
             <a:r>
               <a:rPr lang="en-GB" sz="1600" b="1" dirty="0" smtClean="0"/>
-              <a:t>:</a:t>
-            </a:r>
-            <a:r>
-              <a:rPr lang="en-GB" sz="1600" dirty="0" smtClean="0"/>
-              <a:t> Concept-level value-entity (</a:t>
-            </a:r>
-            <a:r>
-              <a:rPr lang="en-GB" sz="1600" dirty="0" err="1" smtClean="0">
-                <a:latin typeface="Courier New" pitchFamily="49" charset="0"/>
-                <a:cs typeface="Courier New" pitchFamily="49" charset="0"/>
-              </a:rPr>
-              <a:t>CFrame</a:t>
-            </a:r>
-            <a:r>
-              <a:rPr lang="en-GB" sz="1600" dirty="0" smtClean="0"/>
-              <a:t> or </a:t>
-            </a:r>
-            <a:r>
-              <a:rPr lang="en-GB" sz="1600" dirty="0" err="1" smtClean="0">
-                <a:latin typeface="Courier New" pitchFamily="49" charset="0"/>
-                <a:cs typeface="Courier New" pitchFamily="49" charset="0"/>
-              </a:rPr>
-              <a:t>CNumber</a:t>
-            </a:r>
-            <a:r>
-              <a:rPr lang="en-GB" sz="1600" dirty="0" smtClean="0"/>
-              <a:t>)</a:t>
-            </a:r>
-          </a:p>
-          <a:p>
-            <a:pPr marL="457200" indent="-457200">
-              <a:buFont typeface="Arial" pitchFamily="34" charset="0"/>
-              <a:buChar char="•"/>
-            </a:pPr>
-            <a:r>
-              <a:rPr lang="en-GB" sz="1600" b="1" dirty="0" err="1" smtClean="0">
-                <a:latin typeface="Courier New" pitchFamily="49" charset="0"/>
-                <a:cs typeface="Courier New" pitchFamily="49" charset="0"/>
-              </a:rPr>
-              <a:t>CSlot</a:t>
-            </a:r>
+              <a:t>Icon Colour(s)</a:t>
+            </a:r>
+            <a:endParaRPr lang="en-GB" sz="1600" b="1" dirty="0"/>
+          </a:p>
+        </p:txBody>
+      </p:sp>
+      <p:sp>
+        <p:nvSpPr>
+          <p:cNvPr id="50" name="TextBox 49"/>
+          <p:cNvSpPr txBox="1"/>
+          <p:nvPr/>
+        </p:nvSpPr>
+        <p:spPr>
+          <a:xfrm>
+            <a:off x="1583668" y="4185084"/>
+            <a:ext cx="1800200" cy="360040"/>
+          </a:xfrm>
+          <a:prstGeom prst="rect">
+            <a:avLst/>
+          </a:prstGeom>
+          <a:solidFill>
+            <a:srgbClr val="C35855"/>
+          </a:solidFill>
+          <a:ln>
+            <a:solidFill>
+              <a:schemeClr val="tx1"/>
+            </a:solidFill>
+          </a:ln>
+        </p:spPr>
+        <p:txBody>
+          <a:bodyPr wrap="square" rtlCol="0">
+            <a:noAutofit/>
+          </a:bodyPr>
+          <a:lstStyle/>
+          <a:p>
             <a:r>
               <a:rPr lang="en-GB" sz="1600" b="1" dirty="0" smtClean="0"/>
-              <a:t>: </a:t>
-            </a:r>
-            <a:r>
-              <a:rPr lang="en-GB" sz="1600" dirty="0" smtClean="0"/>
-              <a:t>Inter-concept relationships OR numerical attribute of concept</a:t>
-            </a:r>
-          </a:p>
-          <a:p>
-            <a:pPr marL="457200" indent="-457200"/>
-            <a:endParaRPr lang="en-GB" sz="800" dirty="0" smtClean="0"/>
-          </a:p>
-          <a:p>
-            <a:pPr marL="457200" indent="-457200"/>
+              <a:t>Entity Category</a:t>
+            </a:r>
+            <a:endParaRPr lang="en-GB" sz="1600" b="1" dirty="0"/>
+          </a:p>
+        </p:txBody>
+      </p:sp>
+      <p:sp>
+        <p:nvSpPr>
+          <p:cNvPr id="52" name="TextBox 51"/>
+          <p:cNvSpPr txBox="1"/>
+          <p:nvPr/>
+        </p:nvSpPr>
+        <p:spPr>
+          <a:xfrm>
+            <a:off x="6084168" y="4905164"/>
+            <a:ext cx="1440160" cy="360040"/>
+          </a:xfrm>
+          <a:prstGeom prst="rect">
+            <a:avLst/>
+          </a:prstGeom>
+          <a:solidFill>
+            <a:schemeClr val="accent2">
+              <a:lumMod val="40000"/>
+              <a:lumOff val="60000"/>
+            </a:schemeClr>
+          </a:solidFill>
+          <a:ln>
+            <a:solidFill>
+              <a:schemeClr val="tx1"/>
+            </a:solidFill>
+          </a:ln>
+        </p:spPr>
+        <p:txBody>
+          <a:bodyPr wrap="square" rtlCol="0">
+            <a:noAutofit/>
+          </a:bodyPr>
+          <a:lstStyle/>
+          <a:p>
+            <a:endParaRPr lang="en-GB" sz="1600" dirty="0"/>
+          </a:p>
+        </p:txBody>
+      </p:sp>
+      <p:sp>
+        <p:nvSpPr>
+          <p:cNvPr id="53" name="TextBox 52"/>
+          <p:cNvSpPr txBox="1"/>
+          <p:nvPr/>
+        </p:nvSpPr>
+        <p:spPr>
+          <a:xfrm>
+            <a:off x="1583668" y="4905164"/>
+            <a:ext cx="1800200" cy="360040"/>
+          </a:xfrm>
+          <a:prstGeom prst="rect">
+            <a:avLst/>
+          </a:prstGeom>
+          <a:solidFill>
+            <a:schemeClr val="accent2">
+              <a:lumMod val="40000"/>
+              <a:lumOff val="60000"/>
+            </a:schemeClr>
+          </a:solidFill>
+          <a:ln>
+            <a:solidFill>
+              <a:schemeClr val="tx1"/>
+            </a:solidFill>
+          </a:ln>
+        </p:spPr>
+        <p:txBody>
+          <a:bodyPr wrap="square" rtlCol="0">
+            <a:noAutofit/>
+          </a:bodyPr>
+          <a:lstStyle/>
+          <a:p>
+            <a:r>
+              <a:rPr lang="en-GB" sz="1600" dirty="0" smtClean="0"/>
+              <a:t>Frame/Slot</a:t>
+            </a:r>
+            <a:endParaRPr lang="en-GB" sz="1600" dirty="0"/>
+          </a:p>
+        </p:txBody>
+      </p:sp>
+      <p:sp>
+        <p:nvSpPr>
+          <p:cNvPr id="56" name="TextBox 55"/>
+          <p:cNvSpPr txBox="1"/>
+          <p:nvPr/>
+        </p:nvSpPr>
+        <p:spPr>
+          <a:xfrm>
+            <a:off x="6084168" y="5625244"/>
+            <a:ext cx="1440160" cy="360040"/>
+          </a:xfrm>
+          <a:prstGeom prst="rect">
+            <a:avLst/>
+          </a:prstGeom>
+          <a:solidFill>
+            <a:schemeClr val="accent2">
+              <a:lumMod val="40000"/>
+              <a:lumOff val="60000"/>
+            </a:schemeClr>
+          </a:solidFill>
+          <a:ln>
+            <a:solidFill>
+              <a:schemeClr val="tx1"/>
+            </a:solidFill>
+          </a:ln>
+        </p:spPr>
+        <p:txBody>
+          <a:bodyPr wrap="square" rtlCol="0">
+            <a:noAutofit/>
+          </a:bodyPr>
+          <a:lstStyle/>
+          <a:p>
+            <a:endParaRPr lang="en-GB" sz="1600" dirty="0"/>
+          </a:p>
+        </p:txBody>
+      </p:sp>
+      <p:sp>
+        <p:nvSpPr>
+          <p:cNvPr id="57" name="TextBox 56"/>
+          <p:cNvSpPr txBox="1"/>
+          <p:nvPr/>
+        </p:nvSpPr>
+        <p:spPr>
+          <a:xfrm>
+            <a:off x="1583668" y="5625244"/>
+            <a:ext cx="1800200" cy="360040"/>
+          </a:xfrm>
+          <a:prstGeom prst="rect">
+            <a:avLst/>
+          </a:prstGeom>
+          <a:solidFill>
+            <a:schemeClr val="accent2">
+              <a:lumMod val="40000"/>
+              <a:lumOff val="60000"/>
+            </a:schemeClr>
+          </a:solidFill>
+          <a:ln>
+            <a:solidFill>
+              <a:schemeClr val="tx1"/>
+            </a:solidFill>
+          </a:ln>
+        </p:spPr>
+        <p:txBody>
+          <a:bodyPr wrap="square" rtlCol="0">
+            <a:noAutofit/>
+          </a:bodyPr>
+          <a:lstStyle/>
+          <a:p>
+            <a:r>
+              <a:rPr lang="en-GB" sz="1600" dirty="0" smtClean="0"/>
+              <a:t>Number</a:t>
+            </a:r>
+            <a:endParaRPr lang="en-GB" sz="1600" dirty="0"/>
+          </a:p>
+        </p:txBody>
+      </p:sp>
+      <p:sp>
+        <p:nvSpPr>
+          <p:cNvPr id="68" name="TextBox 67"/>
+          <p:cNvSpPr txBox="1"/>
+          <p:nvPr/>
+        </p:nvSpPr>
+        <p:spPr>
+          <a:xfrm>
+            <a:off x="3383868" y="4185084"/>
+            <a:ext cx="2700300" cy="360040"/>
+          </a:xfrm>
+          <a:prstGeom prst="rect">
+            <a:avLst/>
+          </a:prstGeom>
+          <a:solidFill>
+            <a:srgbClr val="C35855"/>
+          </a:solidFill>
+          <a:ln>
+            <a:solidFill>
+              <a:schemeClr val="tx1"/>
+            </a:solidFill>
+          </a:ln>
+        </p:spPr>
+        <p:txBody>
+          <a:bodyPr wrap="square" rtlCol="0">
+            <a:noAutofit/>
+          </a:bodyPr>
+          <a:lstStyle/>
+          <a:p>
             <a:r>
               <a:rPr lang="en-GB" sz="1600" b="1" dirty="0" smtClean="0"/>
-              <a:t>Instance-Level: </a:t>
-            </a:r>
-            <a:r>
-              <a:rPr lang="en-GB" sz="1600" dirty="0" smtClean="0"/>
-              <a:t>Representation of specific instantiations of domain model:</a:t>
-            </a:r>
-          </a:p>
-          <a:p>
-            <a:pPr marL="457200" indent="-457200"/>
-            <a:endParaRPr lang="en-GB" sz="800" dirty="0" smtClean="0"/>
-          </a:p>
-          <a:p>
-            <a:pPr marL="457200" indent="-457200">
-              <a:buFont typeface="Arial" pitchFamily="34" charset="0"/>
-              <a:buChar char="•"/>
-            </a:pPr>
-            <a:r>
-              <a:rPr lang="en-GB" sz="1600" b="1" dirty="0" err="1" smtClean="0">
-                <a:latin typeface="Courier New" pitchFamily="49" charset="0"/>
-                <a:cs typeface="Courier New" pitchFamily="49" charset="0"/>
-              </a:rPr>
-              <a:t>IFrame</a:t>
-            </a:r>
-            <a:r>
-              <a:rPr lang="en-GB" sz="1600" b="1" dirty="0" smtClean="0"/>
-              <a:t>: </a:t>
-            </a:r>
-            <a:r>
-              <a:rPr lang="en-GB" sz="1600" dirty="0" smtClean="0"/>
-              <a:t>Instantiation of domain concept</a:t>
-            </a:r>
-          </a:p>
-          <a:p>
-            <a:pPr marL="457200" indent="-457200">
-              <a:buFont typeface="Arial" pitchFamily="34" charset="0"/>
-              <a:buChar char="•"/>
-            </a:pPr>
-            <a:r>
-              <a:rPr lang="en-GB" sz="1600" b="1" dirty="0" err="1" smtClean="0">
-                <a:latin typeface="Courier New" pitchFamily="49" charset="0"/>
-                <a:cs typeface="Courier New" pitchFamily="49" charset="0"/>
-              </a:rPr>
-              <a:t>INumber</a:t>
-            </a:r>
-            <a:r>
-              <a:rPr lang="en-GB" sz="1600" b="1" dirty="0" smtClean="0"/>
-              <a:t>: </a:t>
-            </a:r>
-            <a:r>
-              <a:rPr lang="en-GB" sz="1600" dirty="0" smtClean="0"/>
-              <a:t>Specific numeric value</a:t>
-            </a:r>
-          </a:p>
-          <a:p>
-            <a:pPr marL="457200" indent="-457200">
-              <a:buFont typeface="Arial" pitchFamily="34" charset="0"/>
-              <a:buChar char="•"/>
-            </a:pPr>
-            <a:r>
-              <a:rPr lang="en-GB" sz="1600" b="1" dirty="0" err="1" smtClean="0">
-                <a:latin typeface="Courier New" pitchFamily="49" charset="0"/>
-                <a:cs typeface="Courier New" pitchFamily="49" charset="0"/>
-              </a:rPr>
-              <a:t>IValue</a:t>
-            </a:r>
-            <a:r>
-              <a:rPr lang="en-GB" sz="1600" b="1" dirty="0" smtClean="0"/>
-              <a:t>:</a:t>
-            </a:r>
-            <a:r>
-              <a:rPr lang="en-GB" sz="1600" dirty="0" smtClean="0"/>
-              <a:t> Instance-level value-entity (</a:t>
-            </a:r>
-            <a:r>
-              <a:rPr lang="en-GB" sz="1600" dirty="0" err="1" smtClean="0">
-                <a:latin typeface="Courier New" pitchFamily="49" charset="0"/>
-                <a:cs typeface="Courier New" pitchFamily="49" charset="0"/>
-              </a:rPr>
-              <a:t>IFrame</a:t>
-            </a:r>
-            <a:r>
-              <a:rPr lang="en-GB" sz="1600" dirty="0" smtClean="0"/>
-              <a:t> or </a:t>
-            </a:r>
-            <a:r>
-              <a:rPr lang="en-GB" sz="1600" dirty="0" err="1" smtClean="0">
-                <a:latin typeface="Courier New" pitchFamily="49" charset="0"/>
-                <a:cs typeface="Courier New" pitchFamily="49" charset="0"/>
-              </a:rPr>
-              <a:t>INumber</a:t>
-            </a:r>
-            <a:r>
-              <a:rPr lang="en-GB" sz="1600" dirty="0" smtClean="0"/>
-              <a:t>)</a:t>
-            </a:r>
-          </a:p>
-          <a:p>
-            <a:pPr marL="457200" indent="-457200">
-              <a:buFont typeface="Arial" pitchFamily="34" charset="0"/>
-              <a:buChar char="•"/>
-            </a:pPr>
-            <a:r>
-              <a:rPr lang="en-GB" sz="1600" b="1" dirty="0" err="1" smtClean="0">
-                <a:latin typeface="Courier New" pitchFamily="49" charset="0"/>
-                <a:cs typeface="Courier New" pitchFamily="49" charset="0"/>
-              </a:rPr>
-              <a:t>ISlot</a:t>
-            </a:r>
-            <a:r>
-              <a:rPr lang="en-GB" sz="1600" b="1" dirty="0" smtClean="0"/>
-              <a:t>: </a:t>
-            </a:r>
-            <a:r>
-              <a:rPr lang="en-GB" sz="1600" dirty="0" smtClean="0"/>
-              <a:t>Inter-instance relationships OR numerical attribute value</a:t>
-            </a:r>
-          </a:p>
-          <a:p>
-            <a:pPr marL="457200" indent="-457200"/>
-            <a:endParaRPr lang="en-GB" sz="800" dirty="0" smtClean="0"/>
-          </a:p>
-          <a:p>
-            <a:pPr marL="457200" indent="-457200"/>
-            <a:r>
-              <a:rPr lang="en-GB" sz="1600" b="1" dirty="0" smtClean="0"/>
-              <a:t>Meta-Level: </a:t>
-            </a:r>
-            <a:r>
-              <a:rPr lang="en-GB" sz="1600" dirty="0" smtClean="0"/>
-              <a:t>Representation of references to domain model entities:</a:t>
-            </a:r>
-          </a:p>
-          <a:p>
-            <a:pPr marL="457200" indent="-457200"/>
-            <a:endParaRPr lang="en-GB" sz="800" dirty="0" smtClean="0"/>
-          </a:p>
-          <a:p>
-            <a:pPr marL="457200" indent="-457200">
-              <a:buFont typeface="Arial" pitchFamily="34" charset="0"/>
-              <a:buChar char="•"/>
-            </a:pPr>
-            <a:r>
-              <a:rPr lang="en-GB" sz="1600" b="1" dirty="0" err="1" smtClean="0">
-                <a:latin typeface="Courier New" pitchFamily="49" charset="0"/>
-                <a:cs typeface="Courier New" pitchFamily="49" charset="0"/>
-              </a:rPr>
-              <a:t>MFrame</a:t>
-            </a:r>
-            <a:r>
-              <a:rPr lang="en-GB" sz="1600" b="1" dirty="0" smtClean="0"/>
-              <a:t>: </a:t>
-            </a:r>
-            <a:r>
-              <a:rPr lang="en-GB" sz="1600" dirty="0" smtClean="0"/>
-              <a:t>Reference to domain concept (used solely for defining value-types of </a:t>
-            </a:r>
-            <a:r>
-              <a:rPr lang="en-GB" sz="1600" dirty="0" err="1" smtClean="0">
-                <a:latin typeface="Courier New" pitchFamily="49" charset="0"/>
-                <a:cs typeface="Courier New" pitchFamily="49" charset="0"/>
-              </a:rPr>
-              <a:t>CFrame</a:t>
-            </a:r>
-            <a:r>
-              <a:rPr lang="en-GB" sz="1600" dirty="0" smtClean="0"/>
-              <a:t>-valued slots)</a:t>
-            </a:r>
+              <a:t>Entity, or Entity-Type, Source</a:t>
+            </a:r>
+            <a:endParaRPr lang="en-GB" sz="1600" b="1" dirty="0"/>
+          </a:p>
+        </p:txBody>
+      </p:sp>
+      <p:sp>
+        <p:nvSpPr>
+          <p:cNvPr id="69" name="TextBox 68"/>
+          <p:cNvSpPr txBox="1"/>
+          <p:nvPr/>
+        </p:nvSpPr>
+        <p:spPr>
+          <a:xfrm>
+            <a:off x="3383868" y="4905164"/>
+            <a:ext cx="2700300" cy="360040"/>
+          </a:xfrm>
+          <a:prstGeom prst="rect">
+            <a:avLst/>
+          </a:prstGeom>
+          <a:solidFill>
+            <a:schemeClr val="accent2">
+              <a:lumMod val="40000"/>
+              <a:lumOff val="60000"/>
+            </a:schemeClr>
+          </a:solidFill>
+          <a:ln>
+            <a:solidFill>
+              <a:schemeClr val="tx1"/>
+            </a:solidFill>
+          </a:ln>
+        </p:spPr>
+        <p:txBody>
+          <a:bodyPr wrap="square" rtlCol="0">
+            <a:noAutofit/>
+          </a:bodyPr>
+          <a:lstStyle/>
+          <a:p>
+            <a:r>
+              <a:rPr lang="en-GB" sz="1600" dirty="0" smtClean="0"/>
+              <a:t>Internal (OM)</a:t>
+            </a:r>
+            <a:endParaRPr lang="en-GB" sz="1600" dirty="0"/>
+          </a:p>
+        </p:txBody>
+      </p:sp>
+      <p:sp>
+        <p:nvSpPr>
+          <p:cNvPr id="70" name="TextBox 69"/>
+          <p:cNvSpPr txBox="1"/>
+          <p:nvPr/>
+        </p:nvSpPr>
+        <p:spPr>
+          <a:xfrm>
+            <a:off x="3383868" y="5625244"/>
+            <a:ext cx="2700300" cy="360040"/>
+          </a:xfrm>
+          <a:prstGeom prst="rect">
+            <a:avLst/>
+          </a:prstGeom>
+          <a:solidFill>
+            <a:schemeClr val="accent2">
+              <a:lumMod val="40000"/>
+              <a:lumOff val="60000"/>
+            </a:schemeClr>
+          </a:solidFill>
+          <a:ln>
+            <a:solidFill>
+              <a:schemeClr val="tx1"/>
+            </a:solidFill>
+          </a:ln>
+        </p:spPr>
+        <p:txBody>
+          <a:bodyPr wrap="square" rtlCol="0">
+            <a:noAutofit/>
+          </a:bodyPr>
+          <a:lstStyle/>
+          <a:p>
+            <a:r>
+              <a:rPr lang="en-GB" sz="1600" dirty="0" smtClean="0"/>
+              <a:t>ANY</a:t>
+            </a:r>
+            <a:endParaRPr lang="en-GB" sz="1600" dirty="0"/>
+          </a:p>
+        </p:txBody>
+      </p:sp>
+      <p:sp>
+        <p:nvSpPr>
+          <p:cNvPr id="71" name="TextBox 70"/>
+          <p:cNvSpPr txBox="1"/>
+          <p:nvPr/>
+        </p:nvSpPr>
+        <p:spPr>
+          <a:xfrm>
+            <a:off x="6084168" y="4545124"/>
+            <a:ext cx="1440160" cy="360040"/>
+          </a:xfrm>
+          <a:prstGeom prst="rect">
+            <a:avLst/>
+          </a:prstGeom>
+          <a:solidFill>
+            <a:schemeClr val="accent2">
+              <a:lumMod val="40000"/>
+              <a:lumOff val="60000"/>
+            </a:schemeClr>
+          </a:solidFill>
+          <a:ln>
+            <a:solidFill>
+              <a:schemeClr val="tx1"/>
+            </a:solidFill>
+          </a:ln>
+        </p:spPr>
+        <p:txBody>
+          <a:bodyPr wrap="square" rtlCol="0">
+            <a:noAutofit/>
+          </a:bodyPr>
+          <a:lstStyle/>
+          <a:p>
+            <a:endParaRPr lang="en-GB" sz="1600" dirty="0"/>
+          </a:p>
+        </p:txBody>
+      </p:sp>
+      <p:sp>
+        <p:nvSpPr>
+          <p:cNvPr id="72" name="TextBox 71"/>
+          <p:cNvSpPr txBox="1"/>
+          <p:nvPr/>
+        </p:nvSpPr>
+        <p:spPr>
+          <a:xfrm>
+            <a:off x="1583668" y="4545124"/>
+            <a:ext cx="1800200" cy="360040"/>
+          </a:xfrm>
+          <a:prstGeom prst="rect">
+            <a:avLst/>
+          </a:prstGeom>
+          <a:solidFill>
+            <a:schemeClr val="accent2">
+              <a:lumMod val="40000"/>
+              <a:lumOff val="60000"/>
+            </a:schemeClr>
+          </a:solidFill>
+          <a:ln>
+            <a:solidFill>
+              <a:schemeClr val="tx1"/>
+            </a:solidFill>
+          </a:ln>
+        </p:spPr>
+        <p:txBody>
+          <a:bodyPr wrap="square" rtlCol="0">
+            <a:noAutofit/>
+          </a:bodyPr>
+          <a:lstStyle/>
+          <a:p>
+            <a:r>
+              <a:rPr lang="en-GB" sz="1600" dirty="0" smtClean="0"/>
+              <a:t>Frame/Slot</a:t>
+            </a:r>
+            <a:endParaRPr lang="en-GB" sz="1600" dirty="0"/>
+          </a:p>
+        </p:txBody>
+      </p:sp>
+      <p:sp>
+        <p:nvSpPr>
+          <p:cNvPr id="73" name="TextBox 72"/>
+          <p:cNvSpPr txBox="1"/>
+          <p:nvPr/>
+        </p:nvSpPr>
+        <p:spPr>
+          <a:xfrm>
+            <a:off x="3383868" y="4545124"/>
+            <a:ext cx="2700300" cy="360040"/>
+          </a:xfrm>
+          <a:prstGeom prst="rect">
+            <a:avLst/>
+          </a:prstGeom>
+          <a:solidFill>
+            <a:schemeClr val="accent2">
+              <a:lumMod val="40000"/>
+              <a:lumOff val="60000"/>
+            </a:schemeClr>
+          </a:solidFill>
+          <a:ln>
+            <a:solidFill>
+              <a:schemeClr val="tx1"/>
+            </a:solidFill>
+          </a:ln>
+        </p:spPr>
+        <p:txBody>
+          <a:bodyPr wrap="square" rtlCol="0">
+            <a:noAutofit/>
+          </a:bodyPr>
+          <a:lstStyle/>
+          <a:p>
+            <a:r>
+              <a:rPr lang="en-GB" sz="1600" dirty="0" smtClean="0"/>
+              <a:t>External (EKS)</a:t>
+            </a:r>
+            <a:endParaRPr lang="en-GB" sz="1600" dirty="0"/>
+          </a:p>
+        </p:txBody>
+      </p:sp>
+      <p:sp>
+        <p:nvSpPr>
+          <p:cNvPr id="74" name="TextBox 73"/>
+          <p:cNvSpPr txBox="1"/>
+          <p:nvPr/>
+        </p:nvSpPr>
+        <p:spPr>
+          <a:xfrm>
+            <a:off x="6084168" y="5265204"/>
+            <a:ext cx="1440160" cy="360040"/>
+          </a:xfrm>
+          <a:prstGeom prst="rect">
+            <a:avLst/>
+          </a:prstGeom>
+          <a:solidFill>
+            <a:schemeClr val="accent2">
+              <a:lumMod val="40000"/>
+              <a:lumOff val="60000"/>
+            </a:schemeClr>
+          </a:solidFill>
+          <a:ln>
+            <a:solidFill>
+              <a:schemeClr val="tx1"/>
+            </a:solidFill>
+          </a:ln>
+        </p:spPr>
+        <p:txBody>
+          <a:bodyPr wrap="square" rtlCol="0">
+            <a:noAutofit/>
+          </a:bodyPr>
+          <a:lstStyle/>
+          <a:p>
+            <a:endParaRPr lang="en-GB" sz="1600" dirty="0"/>
+          </a:p>
+        </p:txBody>
+      </p:sp>
+      <p:sp>
+        <p:nvSpPr>
+          <p:cNvPr id="75" name="TextBox 74"/>
+          <p:cNvSpPr txBox="1"/>
+          <p:nvPr/>
+        </p:nvSpPr>
+        <p:spPr>
+          <a:xfrm>
+            <a:off x="1583668" y="5265204"/>
+            <a:ext cx="1800200" cy="360040"/>
+          </a:xfrm>
+          <a:prstGeom prst="rect">
+            <a:avLst/>
+          </a:prstGeom>
+          <a:solidFill>
+            <a:schemeClr val="accent2">
+              <a:lumMod val="40000"/>
+              <a:lumOff val="60000"/>
+            </a:schemeClr>
+          </a:solidFill>
+          <a:ln>
+            <a:solidFill>
+              <a:schemeClr val="tx1"/>
+            </a:solidFill>
+          </a:ln>
+        </p:spPr>
+        <p:txBody>
+          <a:bodyPr wrap="square" rtlCol="0">
+            <a:noAutofit/>
+          </a:bodyPr>
+          <a:lstStyle/>
+          <a:p>
+            <a:r>
+              <a:rPr lang="en-GB" sz="1600" dirty="0" smtClean="0"/>
+              <a:t>Frame/Slot</a:t>
+            </a:r>
+            <a:endParaRPr lang="en-GB" sz="1600" dirty="0"/>
+          </a:p>
+        </p:txBody>
+      </p:sp>
+      <p:sp>
+        <p:nvSpPr>
+          <p:cNvPr id="76" name="TextBox 75"/>
+          <p:cNvSpPr txBox="1"/>
+          <p:nvPr/>
+        </p:nvSpPr>
+        <p:spPr>
+          <a:xfrm>
+            <a:off x="3383868" y="5265204"/>
+            <a:ext cx="2700300" cy="360040"/>
+          </a:xfrm>
+          <a:prstGeom prst="rect">
+            <a:avLst/>
+          </a:prstGeom>
+          <a:solidFill>
+            <a:schemeClr val="accent2">
+              <a:lumMod val="40000"/>
+              <a:lumOff val="60000"/>
+            </a:schemeClr>
+          </a:solidFill>
+          <a:ln>
+            <a:solidFill>
+              <a:schemeClr val="tx1"/>
+            </a:solidFill>
+          </a:ln>
+        </p:spPr>
+        <p:txBody>
+          <a:bodyPr wrap="square" rtlCol="0">
+            <a:noAutofit/>
+          </a:bodyPr>
+          <a:lstStyle/>
+          <a:p>
+            <a:r>
+              <a:rPr lang="en-GB" sz="1600" dirty="0" smtClean="0"/>
+              <a:t>Dual (EKS + OM)</a:t>
+            </a:r>
+            <a:endParaRPr lang="en-GB" sz="1600" dirty="0"/>
+          </a:p>
+        </p:txBody>
+      </p:sp>
+      <p:sp>
+        <p:nvSpPr>
+          <p:cNvPr id="51" name="Rounded Rectangle 50"/>
+          <p:cNvSpPr/>
+          <p:nvPr/>
+        </p:nvSpPr>
+        <p:spPr>
+          <a:xfrm>
+            <a:off x="6624228" y="4617132"/>
+            <a:ext cx="360040" cy="216024"/>
+          </a:xfrm>
+          <a:prstGeom prst="roundRect">
+            <a:avLst>
+              <a:gd name="adj" fmla="val 50000"/>
+            </a:avLst>
+          </a:prstGeom>
+          <a:solidFill>
+            <a:srgbClr val="FF0000"/>
+          </a:solidFill>
+          <a:ln w="9525">
+            <a:solidFill>
+              <a:schemeClr val="tx1"/>
+            </a:solidFill>
+          </a:ln>
+        </p:spPr>
+        <p:style>
+          <a:lnRef idx="2">
+            <a:schemeClr val="accent1">
+              <a:shade val="50000"/>
+            </a:schemeClr>
+          </a:lnRef>
+          <a:fillRef idx="1">
+            <a:schemeClr val="accent1"/>
+          </a:fillRef>
+          <a:effectRef idx="0">
+            <a:schemeClr val="accent1"/>
+          </a:effectRef>
+          <a:fontRef idx="minor">
+            <a:schemeClr val="lt1"/>
+          </a:fontRef>
+        </p:style>
+        <p:txBody>
+          <a:bodyPr rtlCol="0" anchor="ctr"/>
+          <a:lstStyle/>
+          <a:p>
+            <a:pPr algn="ctr"/>
+            <a:endParaRPr lang="en-GB"/>
+          </a:p>
+        </p:txBody>
+      </p:sp>
+      <p:sp>
+        <p:nvSpPr>
+          <p:cNvPr id="54" name="Rounded Rectangle 53"/>
+          <p:cNvSpPr/>
+          <p:nvPr/>
+        </p:nvSpPr>
+        <p:spPr>
+          <a:xfrm>
+            <a:off x="6624228" y="4977172"/>
+            <a:ext cx="360040" cy="216024"/>
+          </a:xfrm>
+          <a:prstGeom prst="roundRect">
+            <a:avLst>
+              <a:gd name="adj" fmla="val 50000"/>
+            </a:avLst>
+          </a:prstGeom>
+          <a:solidFill>
+            <a:srgbClr val="411DD9"/>
+          </a:solidFill>
+          <a:ln w="9525">
+            <a:solidFill>
+              <a:schemeClr val="tx1"/>
+            </a:solidFill>
+          </a:ln>
+        </p:spPr>
+        <p:style>
+          <a:lnRef idx="2">
+            <a:schemeClr val="accent1">
+              <a:shade val="50000"/>
+            </a:schemeClr>
+          </a:lnRef>
+          <a:fillRef idx="1">
+            <a:schemeClr val="accent1"/>
+          </a:fillRef>
+          <a:effectRef idx="0">
+            <a:schemeClr val="accent1"/>
+          </a:effectRef>
+          <a:fontRef idx="minor">
+            <a:schemeClr val="lt1"/>
+          </a:fontRef>
+        </p:style>
+        <p:txBody>
+          <a:bodyPr rtlCol="0" anchor="ctr"/>
+          <a:lstStyle/>
+          <a:p>
+            <a:pPr algn="ctr"/>
+            <a:endParaRPr lang="en-GB"/>
+          </a:p>
+        </p:txBody>
+      </p:sp>
+      <p:sp>
+        <p:nvSpPr>
+          <p:cNvPr id="55" name="Rounded Rectangle 54"/>
+          <p:cNvSpPr/>
+          <p:nvPr/>
+        </p:nvSpPr>
+        <p:spPr>
+          <a:xfrm>
+            <a:off x="6624228" y="5337212"/>
+            <a:ext cx="360040" cy="216024"/>
+          </a:xfrm>
+          <a:prstGeom prst="roundRect">
+            <a:avLst>
+              <a:gd name="adj" fmla="val 50000"/>
+            </a:avLst>
+          </a:prstGeom>
+          <a:solidFill>
+            <a:srgbClr val="411DD9"/>
+          </a:solidFill>
+          <a:ln w="9525">
+            <a:solidFill>
+              <a:schemeClr val="tx1"/>
+            </a:solidFill>
+          </a:ln>
+        </p:spPr>
+        <p:style>
+          <a:lnRef idx="2">
+            <a:schemeClr val="accent1">
+              <a:shade val="50000"/>
+            </a:schemeClr>
+          </a:lnRef>
+          <a:fillRef idx="1">
+            <a:schemeClr val="accent1"/>
+          </a:fillRef>
+          <a:effectRef idx="0">
+            <a:schemeClr val="accent1"/>
+          </a:effectRef>
+          <a:fontRef idx="minor">
+            <a:schemeClr val="lt1"/>
+          </a:fontRef>
+        </p:style>
+        <p:txBody>
+          <a:bodyPr rtlCol="0" anchor="ctr"/>
+          <a:lstStyle/>
+          <a:p>
+            <a:pPr algn="ctr"/>
+            <a:endParaRPr lang="en-GB"/>
+          </a:p>
+        </p:txBody>
+      </p:sp>
+      <p:sp>
+        <p:nvSpPr>
+          <p:cNvPr id="58" name="Rounded Rectangle 57"/>
+          <p:cNvSpPr/>
+          <p:nvPr/>
+        </p:nvSpPr>
+        <p:spPr>
+          <a:xfrm>
+            <a:off x="6624228" y="5697252"/>
+            <a:ext cx="360040" cy="216024"/>
+          </a:xfrm>
+          <a:prstGeom prst="roundRect">
+            <a:avLst>
+              <a:gd name="adj" fmla="val 50000"/>
+            </a:avLst>
+          </a:prstGeom>
+          <a:solidFill>
+            <a:schemeClr val="accent3">
+              <a:lumMod val="75000"/>
+            </a:schemeClr>
+          </a:solidFill>
+          <a:ln w="9525">
+            <a:solidFill>
+              <a:schemeClr val="tx1"/>
+            </a:solidFill>
+          </a:ln>
+        </p:spPr>
+        <p:style>
+          <a:lnRef idx="2">
+            <a:schemeClr val="accent1">
+              <a:shade val="50000"/>
+            </a:schemeClr>
+          </a:lnRef>
+          <a:fillRef idx="1">
+            <a:schemeClr val="accent1"/>
+          </a:fillRef>
+          <a:effectRef idx="0">
+            <a:schemeClr val="accent1"/>
+          </a:effectRef>
+          <a:fontRef idx="minor">
+            <a:schemeClr val="lt1"/>
+          </a:fontRef>
+        </p:style>
+        <p:txBody>
+          <a:bodyPr rtlCol="0" anchor="ctr"/>
+          <a:lstStyle/>
+          <a:p>
+            <a:pPr algn="ctr"/>
+            <a:endParaRPr lang="en-GB"/>
+          </a:p>
+        </p:txBody>
+      </p:sp>
+      <p:sp>
+        <p:nvSpPr>
+          <p:cNvPr id="59" name="Rounded Rectangle 58"/>
+          <p:cNvSpPr/>
+          <p:nvPr/>
+        </p:nvSpPr>
+        <p:spPr>
+          <a:xfrm>
+            <a:off x="6696236" y="5373216"/>
+            <a:ext cx="216024" cy="144016"/>
+          </a:xfrm>
+          <a:prstGeom prst="roundRect">
+            <a:avLst>
+              <a:gd name="adj" fmla="val 50000"/>
+            </a:avLst>
+          </a:prstGeom>
+          <a:solidFill>
+            <a:srgbClr val="FF0000"/>
+          </a:solidFill>
+          <a:ln w="9525">
+            <a:solidFill>
+              <a:schemeClr val="tx1"/>
+            </a:solidFill>
+          </a:ln>
+        </p:spPr>
+        <p:style>
+          <a:lnRef idx="2">
+            <a:schemeClr val="accent1">
+              <a:shade val="50000"/>
+            </a:schemeClr>
+          </a:lnRef>
+          <a:fillRef idx="1">
+            <a:schemeClr val="accent1"/>
+          </a:fillRef>
+          <a:effectRef idx="0">
+            <a:schemeClr val="accent1"/>
+          </a:effectRef>
+          <a:fontRef idx="minor">
+            <a:schemeClr val="lt1"/>
+          </a:fontRef>
+        </p:style>
+        <p:txBody>
+          <a:bodyPr rtlCol="0" anchor="ctr"/>
+          <a:lstStyle/>
+          <a:p>
+            <a:pPr algn="ctr"/>
+            <a:endParaRPr lang="en-GB"/>
           </a:p>
         </p:txBody>
       </p:sp>
@@ -5395,7 +6786,7 @@
         </p:nvSpPr>
         <p:spPr>
           <a:xfrm>
-            <a:off x="287524" y="5193196"/>
+            <a:off x="395536" y="5193196"/>
             <a:ext cx="2844316" cy="1404156"/>
           </a:xfrm>
           <a:prstGeom prst="rect">
@@ -5434,7 +6825,7 @@
         </p:nvSpPr>
         <p:spPr>
           <a:xfrm>
-            <a:off x="827584" y="5913276"/>
+            <a:off x="935596" y="5913276"/>
             <a:ext cx="2268252" cy="648072"/>
           </a:xfrm>
           <a:prstGeom prst="rect">
@@ -5474,7 +6865,7 @@
         </p:nvSpPr>
         <p:spPr>
           <a:xfrm>
-            <a:off x="863589" y="5553236"/>
+            <a:off x="971601" y="5553236"/>
             <a:ext cx="2304256" cy="360040"/>
           </a:xfrm>
           <a:prstGeom prst="rect">
@@ -5514,7 +6905,7 @@
         </p:nvSpPr>
         <p:spPr>
           <a:xfrm rot="5400000">
-            <a:off x="467544" y="5553236"/>
+            <a:off x="575556" y="5553236"/>
             <a:ext cx="324036" cy="324036"/>
           </a:xfrm>
           <a:prstGeom prst="triangle">
@@ -5562,7 +6953,7 @@
         </p:nvSpPr>
         <p:spPr>
           <a:xfrm>
-            <a:off x="431540" y="6021288"/>
+            <a:off x="539552" y="6021288"/>
             <a:ext cx="324036" cy="288032"/>
           </a:xfrm>
           <a:prstGeom prst="ellipse">
@@ -5684,8 +7075,8 @@
         </p:nvSpPr>
         <p:spPr>
           <a:xfrm>
-            <a:off x="3563888" y="5193196"/>
-            <a:ext cx="5256584" cy="1404156"/>
+            <a:off x="3599892" y="5193196"/>
+            <a:ext cx="5148572" cy="1404156"/>
           </a:xfrm>
           <a:prstGeom prst="rect">
             <a:avLst/>
@@ -5723,7 +7114,7 @@
         </p:nvSpPr>
         <p:spPr>
           <a:xfrm>
-            <a:off x="3995936" y="5553236"/>
+            <a:off x="4175956" y="5553236"/>
             <a:ext cx="3024335" cy="360040"/>
           </a:xfrm>
           <a:prstGeom prst="rect">
@@ -5762,7 +7153,7 @@
         </p:nvSpPr>
         <p:spPr>
           <a:xfrm>
-            <a:off x="3635896" y="5481228"/>
+            <a:off x="3815916" y="5481228"/>
             <a:ext cx="837306" cy="360040"/>
           </a:xfrm>
           <a:prstGeom prst="rect">
@@ -5795,7 +7186,7 @@
         </p:nvSpPr>
         <p:spPr>
           <a:xfrm>
-            <a:off x="3995936" y="5877272"/>
+            <a:off x="4175956" y="5877272"/>
             <a:ext cx="4248472" cy="360040"/>
           </a:xfrm>
           <a:prstGeom prst="rect">
@@ -5842,7 +7233,7 @@
         </p:nvSpPr>
         <p:spPr>
           <a:xfrm>
-            <a:off x="3635894" y="5805264"/>
+            <a:off x="3815914" y="5805264"/>
             <a:ext cx="801303" cy="360040"/>
           </a:xfrm>
           <a:prstGeom prst="rect">
@@ -5875,8 +7266,8 @@
         </p:nvSpPr>
         <p:spPr>
           <a:xfrm>
-            <a:off x="3563888" y="6237312"/>
-            <a:ext cx="5184576" cy="360040"/>
+            <a:off x="3599892" y="6237312"/>
+            <a:ext cx="5112568" cy="360040"/>
           </a:xfrm>
           <a:prstGeom prst="rect">
             <a:avLst/>
@@ -5893,25 +7284,41 @@
           <a:lstStyle/>
           <a:p>
             <a:r>
-              <a:rPr lang="en-GB" sz="1400" b="1" i="1" dirty="0" smtClean="0"/>
-              <a:t>Note: </a:t>
-            </a:r>
-            <a:r>
-              <a:rPr lang="en-GB" sz="1400" dirty="0" smtClean="0"/>
-              <a:t>Slot cardinality = </a:t>
-            </a:r>
-            <a:r>
-              <a:rPr lang="en-GB" sz="1400" dirty="0" smtClean="0">
+              <a:rPr lang="en-GB" sz="1600" dirty="0" smtClean="0"/>
+              <a:t>(</a:t>
+            </a:r>
+            <a:r>
+              <a:rPr lang="en-GB" sz="1600" dirty="0" smtClean="0"/>
+              <a:t>Slot </a:t>
+            </a:r>
+            <a:r>
+              <a:rPr lang="en-GB" sz="1600" dirty="0" smtClean="0"/>
+              <a:t>cardinality = </a:t>
+            </a:r>
+            <a:r>
+              <a:rPr lang="en-GB" sz="1600" dirty="0" smtClean="0">
                 <a:latin typeface="Courier New" pitchFamily="49" charset="0"/>
                 <a:cs typeface="Courier New" pitchFamily="49" charset="0"/>
               </a:rPr>
               <a:t>SINGLETON</a:t>
             </a:r>
             <a:r>
-              <a:rPr lang="en-GB" sz="1400" dirty="0" smtClean="0"/>
-              <a:t>, when neither modifier present</a:t>
-            </a:r>
-            <a:endParaRPr lang="en-GB" sz="1400" dirty="0"/>
+              <a:rPr lang="en-GB" sz="1600" dirty="0" smtClean="0"/>
+              <a:t>, </a:t>
+            </a:r>
+            <a:r>
+              <a:rPr lang="en-GB" sz="1600" dirty="0" smtClean="0"/>
+              <a:t>if neither </a:t>
+            </a:r>
+            <a:r>
+              <a:rPr lang="en-GB" sz="1600" dirty="0" smtClean="0"/>
+              <a:t>modifier </a:t>
+            </a:r>
+            <a:r>
+              <a:rPr lang="en-GB" sz="1600" dirty="0" smtClean="0"/>
+              <a:t>present)</a:t>
+            </a:r>
+            <a:endParaRPr lang="en-GB" sz="1600" dirty="0"/>
           </a:p>
         </p:txBody>
       </p:sp>
@@ -12680,19 +14087,7 @@
               <a:rPr lang="en-GB" sz="1600" dirty="0" smtClean="0">
                 <a:cs typeface="Courier New" pitchFamily="49" charset="0"/>
               </a:rPr>
-              <a:t>Q</a:t>
-            </a:r>
-            <a:r>
-              <a:rPr lang="en-GB" sz="1600" dirty="0" smtClean="0">
-                <a:cs typeface="Courier New" pitchFamily="49" charset="0"/>
-              </a:rPr>
-              <a:t>ueries </a:t>
-            </a:r>
-            <a:r>
-              <a:rPr lang="en-GB" sz="1600" dirty="0" smtClean="0">
-                <a:cs typeface="Courier New" pitchFamily="49" charset="0"/>
-              </a:rPr>
-              <a:t>can contain </a:t>
+              <a:t>Queries can contain </a:t>
             </a:r>
             <a:r>
               <a:rPr lang="en-GB" sz="1600" i="1" dirty="0" smtClean="0">
@@ -12704,43 +14099,7 @@
               <a:rPr lang="en-GB" sz="1600" dirty="0" smtClean="0">
                 <a:cs typeface="Courier New" pitchFamily="49" charset="0"/>
               </a:rPr>
-              <a:t> slot-values (see below), </a:t>
-            </a:r>
-            <a:r>
-              <a:rPr lang="en-GB" sz="1600" dirty="0" smtClean="0">
-                <a:cs typeface="Courier New" pitchFamily="49" charset="0"/>
-              </a:rPr>
-              <a:t>whereas , by default, </a:t>
-            </a:r>
-            <a:r>
-              <a:rPr lang="en-GB" sz="1600" dirty="0" smtClean="0">
-                <a:cs typeface="Courier New" pitchFamily="49" charset="0"/>
-              </a:rPr>
-              <a:t>assertions </a:t>
-            </a:r>
-            <a:r>
-              <a:rPr lang="en-GB" sz="1600" dirty="0" smtClean="0">
-                <a:cs typeface="Courier New" pitchFamily="49" charset="0"/>
-              </a:rPr>
-              <a:t>cannot </a:t>
-            </a:r>
-            <a:r>
-              <a:rPr lang="en-GB" sz="1600" dirty="0" smtClean="0">
-                <a:cs typeface="Courier New" pitchFamily="49" charset="0"/>
-              </a:rPr>
-              <a:t>(however, </a:t>
-            </a:r>
-            <a:r>
-              <a:rPr lang="en-GB" sz="1600" dirty="0" smtClean="0">
-                <a:cs typeface="Courier New" pitchFamily="49" charset="0"/>
-              </a:rPr>
-              <a:t>this </a:t>
-            </a:r>
-            <a:r>
-              <a:rPr lang="en-GB" sz="1600" dirty="0" smtClean="0">
-                <a:cs typeface="Courier New" pitchFamily="49" charset="0"/>
-              </a:rPr>
-              <a:t>default behaviour can be overridden for specific slots, via either the configuration file or the OM)</a:t>
+              <a:t> slot-values (see below), whereas , by default, assertions cannot (however, this default behaviour can be overridden for specific slots, via either the configuration file or the OM)</a:t>
             </a:r>
           </a:p>
           <a:p>
@@ -24244,1742 +25603,45 @@
       </p:grpSpPr>
       <p:sp>
         <p:nvSpPr>
-          <p:cNvPr id="13" name="TextBox 12"/>
-          <p:cNvSpPr txBox="1"/>
-          <p:nvPr/>
+          <p:cNvPr id="2" name="Title 1"/>
+          <p:cNvSpPr>
+            <a:spLocks noGrp="1"/>
+          </p:cNvSpPr>
+          <p:nvPr>
+            <p:ph type="ctrTitle"/>
+          </p:nvPr>
         </p:nvSpPr>
         <p:spPr>
           <a:xfrm>
-            <a:off x="1187624" y="476672"/>
-            <a:ext cx="6732748" cy="5832648"/>
-          </a:xfrm>
-          <a:prstGeom prst="rect">
-            <a:avLst/>
-          </a:prstGeom>
-          <a:solidFill>
-            <a:schemeClr val="accent2">
-              <a:lumMod val="60000"/>
-              <a:lumOff val="40000"/>
-            </a:schemeClr>
-          </a:solidFill>
-          <a:ln>
-            <a:solidFill>
-              <a:schemeClr val="tx1"/>
-            </a:solidFill>
-          </a:ln>
-        </p:spPr>
-        <p:txBody>
-          <a:bodyPr wrap="square" rtlCol="0">
+            <a:off x="685800" y="1772816"/>
+            <a:ext cx="7772400" cy="3132347"/>
+          </a:xfrm>
+        </p:spPr>
+        <p:txBody>
+          <a:bodyPr>
             <a:noAutofit/>
           </a:bodyPr>
           <a:lstStyle/>
           <a:p>
-            <a:pPr marL="457200" indent="-457200" algn="ctr"/>
-            <a:r>
-              <a:rPr lang="en-GB" sz="2400" b="1" dirty="0" smtClean="0"/>
-              <a:t>Icon Summary</a:t>
-            </a:r>
-          </a:p>
-          <a:p>
-            <a:pPr marL="457200" indent="-457200"/>
-            <a:endParaRPr lang="en-GB" sz="1600" dirty="0" smtClean="0"/>
-          </a:p>
-        </p:txBody>
-      </p:sp>
-      <p:sp>
-        <p:nvSpPr>
-          <p:cNvPr id="48" name="TextBox 47"/>
-          <p:cNvSpPr txBox="1"/>
-          <p:nvPr/>
-        </p:nvSpPr>
-        <p:spPr>
-          <a:xfrm>
-            <a:off x="1619672" y="3753036"/>
-            <a:ext cx="5904656" cy="432048"/>
-          </a:xfrm>
-          <a:prstGeom prst="rect">
-            <a:avLst/>
-          </a:prstGeom>
-          <a:noFill/>
-          <a:ln>
-            <a:noFill/>
-          </a:ln>
-        </p:spPr>
-        <p:txBody>
-          <a:bodyPr wrap="square" rtlCol="0">
-            <a:noAutofit/>
-          </a:bodyPr>
-          <a:lstStyle/>
-          <a:p>
-            <a:pPr algn="ctr"/>
-            <a:r>
-              <a:rPr lang="en-GB" b="1" dirty="0" smtClean="0"/>
-              <a:t>Colours (all relevant shapes)</a:t>
-            </a:r>
-            <a:endParaRPr lang="en-GB" b="1" dirty="0"/>
-          </a:p>
-        </p:txBody>
-      </p:sp>
-      <p:sp>
-        <p:nvSpPr>
-          <p:cNvPr id="47" name="TextBox 46"/>
-          <p:cNvSpPr txBox="1"/>
-          <p:nvPr/>
-        </p:nvSpPr>
-        <p:spPr>
-          <a:xfrm>
-            <a:off x="1619672" y="1052736"/>
-            <a:ext cx="5400600" cy="432048"/>
-          </a:xfrm>
-          <a:prstGeom prst="rect">
-            <a:avLst/>
-          </a:prstGeom>
-          <a:noFill/>
-          <a:ln>
-            <a:noFill/>
-          </a:ln>
-        </p:spPr>
-        <p:txBody>
-          <a:bodyPr wrap="square" rtlCol="0">
-            <a:noAutofit/>
-          </a:bodyPr>
-          <a:lstStyle/>
-          <a:p>
-            <a:pPr algn="ctr"/>
-            <a:r>
-              <a:rPr lang="en-GB" b="1" dirty="0" smtClean="0"/>
-              <a:t>Shapes (all relevant colours)</a:t>
-            </a:r>
-          </a:p>
-          <a:p>
-            <a:pPr algn="ctr"/>
-            <a:endParaRPr lang="en-GB" b="1" dirty="0"/>
-          </a:p>
-        </p:txBody>
-      </p:sp>
-      <p:sp>
-        <p:nvSpPr>
-          <p:cNvPr id="3" name="TextBox 2"/>
-          <p:cNvSpPr txBox="1"/>
-          <p:nvPr/>
-        </p:nvSpPr>
-        <p:spPr>
-          <a:xfrm>
-            <a:off x="3383868" y="1484784"/>
-            <a:ext cx="2700300" cy="372041"/>
-          </a:xfrm>
-          <a:prstGeom prst="rect">
-            <a:avLst/>
-          </a:prstGeom>
-          <a:solidFill>
-            <a:srgbClr val="C35855"/>
-          </a:solidFill>
-          <a:ln>
-            <a:solidFill>
-              <a:schemeClr val="tx1"/>
-            </a:solidFill>
-          </a:ln>
-        </p:spPr>
-        <p:txBody>
-          <a:bodyPr wrap="square" rtlCol="0">
-            <a:noAutofit/>
-          </a:bodyPr>
-          <a:lstStyle/>
-          <a:p>
-            <a:r>
-              <a:rPr lang="en-GB" sz="1600" b="1" dirty="0" smtClean="0"/>
-              <a:t>Entity Level</a:t>
-            </a:r>
-            <a:endParaRPr lang="en-GB" sz="1600" b="1" dirty="0"/>
-          </a:p>
-        </p:txBody>
-      </p:sp>
-      <p:sp>
-        <p:nvSpPr>
-          <p:cNvPr id="5" name="TextBox 4"/>
-          <p:cNvSpPr txBox="1"/>
-          <p:nvPr/>
-        </p:nvSpPr>
-        <p:spPr>
-          <a:xfrm>
-            <a:off x="1583668" y="1484784"/>
-            <a:ext cx="1800200" cy="372041"/>
-          </a:xfrm>
-          <a:prstGeom prst="rect">
-            <a:avLst/>
-          </a:prstGeom>
-          <a:solidFill>
-            <a:srgbClr val="C35855"/>
-          </a:solidFill>
-          <a:ln>
-            <a:solidFill>
-              <a:schemeClr val="tx1"/>
-            </a:solidFill>
-          </a:ln>
-        </p:spPr>
-        <p:txBody>
-          <a:bodyPr wrap="square" rtlCol="0">
-            <a:noAutofit/>
-          </a:bodyPr>
-          <a:lstStyle/>
-          <a:p>
-            <a:r>
-              <a:rPr lang="en-GB" sz="1600" b="1" dirty="0" smtClean="0"/>
-              <a:t>Entity Category</a:t>
-            </a:r>
-            <a:endParaRPr lang="en-GB" sz="1600" b="1" dirty="0"/>
-          </a:p>
-        </p:txBody>
-      </p:sp>
-      <p:sp>
-        <p:nvSpPr>
-          <p:cNvPr id="6" name="TextBox 5"/>
-          <p:cNvSpPr txBox="1"/>
-          <p:nvPr/>
-        </p:nvSpPr>
-        <p:spPr>
-          <a:xfrm>
-            <a:off x="6084168" y="1484784"/>
-            <a:ext cx="1440160" cy="372041"/>
-          </a:xfrm>
-          <a:prstGeom prst="rect">
-            <a:avLst/>
-          </a:prstGeom>
-          <a:solidFill>
-            <a:srgbClr val="C35855"/>
-          </a:solidFill>
-          <a:ln>
-            <a:solidFill>
-              <a:schemeClr val="tx1"/>
-            </a:solidFill>
-          </a:ln>
-        </p:spPr>
-        <p:txBody>
-          <a:bodyPr wrap="square" rtlCol="0">
-            <a:noAutofit/>
-          </a:bodyPr>
-          <a:lstStyle/>
-          <a:p>
-            <a:r>
-              <a:rPr lang="en-GB" sz="1600" b="1" dirty="0" smtClean="0"/>
-              <a:t>Icon Shape</a:t>
-            </a:r>
-            <a:endParaRPr lang="en-GB" sz="1600" b="1" dirty="0"/>
-          </a:p>
-        </p:txBody>
-      </p:sp>
-      <p:sp>
-        <p:nvSpPr>
-          <p:cNvPr id="7" name="TextBox 6"/>
-          <p:cNvSpPr txBox="1"/>
-          <p:nvPr/>
-        </p:nvSpPr>
-        <p:spPr>
-          <a:xfrm>
-            <a:off x="3383868" y="1844824"/>
-            <a:ext cx="2700300" cy="360040"/>
-          </a:xfrm>
-          <a:prstGeom prst="rect">
-            <a:avLst/>
-          </a:prstGeom>
-          <a:solidFill>
-            <a:schemeClr val="accent2">
-              <a:lumMod val="40000"/>
-              <a:lumOff val="60000"/>
-            </a:schemeClr>
-          </a:solidFill>
-          <a:ln>
-            <a:solidFill>
-              <a:schemeClr val="tx1"/>
-            </a:solidFill>
-          </a:ln>
-        </p:spPr>
-        <p:txBody>
-          <a:bodyPr wrap="square" rtlCol="0">
-            <a:noAutofit/>
-          </a:bodyPr>
-          <a:lstStyle/>
-          <a:p>
-            <a:r>
-              <a:rPr lang="en-GB" sz="1600" dirty="0" smtClean="0"/>
-              <a:t>Meta</a:t>
-            </a:r>
-            <a:endParaRPr lang="en-GB" sz="1600" dirty="0"/>
-          </a:p>
-        </p:txBody>
-      </p:sp>
-      <p:sp>
-        <p:nvSpPr>
-          <p:cNvPr id="8" name="TextBox 7"/>
-          <p:cNvSpPr txBox="1"/>
-          <p:nvPr/>
-        </p:nvSpPr>
-        <p:spPr>
-          <a:xfrm>
-            <a:off x="1583668" y="1844824"/>
-            <a:ext cx="1800200" cy="360040"/>
-          </a:xfrm>
-          <a:prstGeom prst="rect">
-            <a:avLst/>
-          </a:prstGeom>
-          <a:solidFill>
-            <a:schemeClr val="accent2">
-              <a:lumMod val="40000"/>
-              <a:lumOff val="60000"/>
-            </a:schemeClr>
-          </a:solidFill>
-          <a:ln>
-            <a:solidFill>
-              <a:schemeClr val="tx1"/>
-            </a:solidFill>
-          </a:ln>
-        </p:spPr>
-        <p:txBody>
-          <a:bodyPr wrap="square" rtlCol="0">
-            <a:noAutofit/>
-          </a:bodyPr>
-          <a:lstStyle/>
-          <a:p>
-            <a:r>
-              <a:rPr lang="en-GB" sz="1600" dirty="0" smtClean="0"/>
-              <a:t>Value Entity (*)</a:t>
-            </a:r>
-            <a:endParaRPr lang="en-GB" sz="1600" dirty="0"/>
-          </a:p>
-        </p:txBody>
-      </p:sp>
-      <p:sp>
-        <p:nvSpPr>
-          <p:cNvPr id="9" name="TextBox 8"/>
-          <p:cNvSpPr txBox="1"/>
-          <p:nvPr/>
-        </p:nvSpPr>
-        <p:spPr>
-          <a:xfrm>
-            <a:off x="6084168" y="1844824"/>
-            <a:ext cx="1440160" cy="360040"/>
-          </a:xfrm>
-          <a:prstGeom prst="rect">
-            <a:avLst/>
-          </a:prstGeom>
-          <a:solidFill>
-            <a:schemeClr val="accent2">
-              <a:lumMod val="40000"/>
-              <a:lumOff val="60000"/>
-            </a:schemeClr>
-          </a:solidFill>
-          <a:ln>
-            <a:solidFill>
-              <a:schemeClr val="tx1"/>
-            </a:solidFill>
-          </a:ln>
-        </p:spPr>
-        <p:txBody>
-          <a:bodyPr wrap="square" rtlCol="0">
-            <a:noAutofit/>
-          </a:bodyPr>
-          <a:lstStyle/>
-          <a:p>
-            <a:endParaRPr lang="en-GB" sz="1600" dirty="0"/>
-          </a:p>
-        </p:txBody>
-      </p:sp>
-      <p:sp>
-        <p:nvSpPr>
-          <p:cNvPr id="14" name="Rectangle 13"/>
-          <p:cNvSpPr/>
-          <p:nvPr/>
-        </p:nvSpPr>
-        <p:spPr>
-          <a:xfrm>
-            <a:off x="6624228" y="1916832"/>
-            <a:ext cx="252028" cy="216024"/>
-          </a:xfrm>
-          <a:prstGeom prst="rect">
-            <a:avLst/>
-          </a:prstGeom>
-          <a:solidFill>
-            <a:schemeClr val="bg1"/>
-          </a:solidFill>
-          <a:ln w="9525">
-            <a:solidFill>
-              <a:schemeClr val="tx1"/>
-            </a:solidFill>
-          </a:ln>
-        </p:spPr>
-        <p:style>
-          <a:lnRef idx="2">
-            <a:schemeClr val="accent1">
-              <a:shade val="50000"/>
-            </a:schemeClr>
-          </a:lnRef>
-          <a:fillRef idx="1">
-            <a:schemeClr val="accent1"/>
-          </a:fillRef>
-          <a:effectRef idx="0">
-            <a:schemeClr val="accent1"/>
-          </a:effectRef>
-          <a:fontRef idx="minor">
-            <a:schemeClr val="lt1"/>
-          </a:fontRef>
-        </p:style>
-        <p:txBody>
-          <a:bodyPr rtlCol="0" anchor="ctr"/>
-          <a:lstStyle/>
-          <a:p>
-            <a:pPr algn="ctr"/>
-            <a:endParaRPr lang="en-GB" sz="1600"/>
-          </a:p>
-        </p:txBody>
-      </p:sp>
-      <p:sp>
-        <p:nvSpPr>
-          <p:cNvPr id="15" name="TextBox 14"/>
-          <p:cNvSpPr txBox="1"/>
-          <p:nvPr/>
-        </p:nvSpPr>
-        <p:spPr>
-          <a:xfrm>
-            <a:off x="3383868" y="2204864"/>
-            <a:ext cx="2700300" cy="360040"/>
-          </a:xfrm>
-          <a:prstGeom prst="rect">
-            <a:avLst/>
-          </a:prstGeom>
-          <a:solidFill>
-            <a:schemeClr val="accent2">
-              <a:lumMod val="40000"/>
-              <a:lumOff val="60000"/>
-            </a:schemeClr>
-          </a:solidFill>
-          <a:ln>
-            <a:solidFill>
-              <a:schemeClr val="tx1"/>
-            </a:solidFill>
-          </a:ln>
-        </p:spPr>
-        <p:txBody>
-          <a:bodyPr wrap="square" rtlCol="0">
-            <a:noAutofit/>
-          </a:bodyPr>
-          <a:lstStyle/>
-          <a:p>
-            <a:r>
-              <a:rPr lang="en-GB" sz="1600" dirty="0" smtClean="0"/>
-              <a:t>Concept</a:t>
-            </a:r>
-            <a:endParaRPr lang="en-GB" sz="1600" dirty="0"/>
-          </a:p>
-        </p:txBody>
-      </p:sp>
-      <p:sp>
-        <p:nvSpPr>
-          <p:cNvPr id="16" name="TextBox 15"/>
-          <p:cNvSpPr txBox="1"/>
-          <p:nvPr/>
-        </p:nvSpPr>
-        <p:spPr>
-          <a:xfrm>
-            <a:off x="1583668" y="2204864"/>
-            <a:ext cx="1800200" cy="360040"/>
-          </a:xfrm>
-          <a:prstGeom prst="rect">
-            <a:avLst/>
-          </a:prstGeom>
-          <a:solidFill>
-            <a:schemeClr val="accent2">
-              <a:lumMod val="40000"/>
-              <a:lumOff val="60000"/>
-            </a:schemeClr>
-          </a:solidFill>
-          <a:ln>
-            <a:solidFill>
-              <a:schemeClr val="tx1"/>
-            </a:solidFill>
-          </a:ln>
-        </p:spPr>
-        <p:txBody>
-          <a:bodyPr wrap="square" rtlCol="0">
-            <a:noAutofit/>
-          </a:bodyPr>
-          <a:lstStyle/>
-          <a:p>
-            <a:r>
-              <a:rPr lang="en-GB" sz="1600" dirty="0" smtClean="0"/>
-              <a:t>Value Entity (*)</a:t>
-            </a:r>
-            <a:endParaRPr lang="en-GB" sz="1600" dirty="0"/>
-          </a:p>
-        </p:txBody>
-      </p:sp>
-      <p:sp>
-        <p:nvSpPr>
-          <p:cNvPr id="17" name="TextBox 16"/>
-          <p:cNvSpPr txBox="1"/>
-          <p:nvPr/>
-        </p:nvSpPr>
-        <p:spPr>
-          <a:xfrm>
-            <a:off x="6084168" y="2204864"/>
-            <a:ext cx="1440160" cy="360040"/>
-          </a:xfrm>
-          <a:prstGeom prst="rect">
-            <a:avLst/>
-          </a:prstGeom>
-          <a:solidFill>
-            <a:schemeClr val="accent2">
-              <a:lumMod val="40000"/>
-              <a:lumOff val="60000"/>
-            </a:schemeClr>
-          </a:solidFill>
-          <a:ln>
-            <a:solidFill>
-              <a:schemeClr val="tx1"/>
-            </a:solidFill>
-          </a:ln>
-        </p:spPr>
-        <p:txBody>
-          <a:bodyPr wrap="square" rtlCol="0">
-            <a:noAutofit/>
-          </a:bodyPr>
-          <a:lstStyle/>
-          <a:p>
-            <a:endParaRPr lang="en-GB" sz="1600" dirty="0"/>
-          </a:p>
-        </p:txBody>
-      </p:sp>
-      <p:sp>
-        <p:nvSpPr>
-          <p:cNvPr id="19" name="TextBox 18"/>
-          <p:cNvSpPr txBox="1"/>
-          <p:nvPr/>
-        </p:nvSpPr>
-        <p:spPr>
-          <a:xfrm>
-            <a:off x="3383868" y="2564904"/>
-            <a:ext cx="2700300" cy="360040"/>
-          </a:xfrm>
-          <a:prstGeom prst="rect">
-            <a:avLst/>
-          </a:prstGeom>
-          <a:solidFill>
-            <a:schemeClr val="accent2">
-              <a:lumMod val="40000"/>
-              <a:lumOff val="60000"/>
-            </a:schemeClr>
-          </a:solidFill>
-          <a:ln>
-            <a:solidFill>
-              <a:schemeClr val="tx1"/>
-            </a:solidFill>
-          </a:ln>
-        </p:spPr>
-        <p:txBody>
-          <a:bodyPr wrap="square" rtlCol="0">
-            <a:noAutofit/>
-          </a:bodyPr>
-          <a:lstStyle/>
-          <a:p>
-            <a:r>
-              <a:rPr lang="en-GB" sz="1600" dirty="0" smtClean="0"/>
-              <a:t>Instance</a:t>
-            </a:r>
-            <a:endParaRPr lang="en-GB" sz="1600" dirty="0"/>
-          </a:p>
-        </p:txBody>
-      </p:sp>
-      <p:sp>
-        <p:nvSpPr>
-          <p:cNvPr id="20" name="TextBox 19"/>
-          <p:cNvSpPr txBox="1"/>
-          <p:nvPr/>
-        </p:nvSpPr>
-        <p:spPr>
-          <a:xfrm>
-            <a:off x="1583668" y="2564904"/>
-            <a:ext cx="1800200" cy="360040"/>
-          </a:xfrm>
-          <a:prstGeom prst="rect">
-            <a:avLst/>
-          </a:prstGeom>
-          <a:solidFill>
-            <a:schemeClr val="accent2">
-              <a:lumMod val="40000"/>
-              <a:lumOff val="60000"/>
-            </a:schemeClr>
-          </a:solidFill>
-          <a:ln>
-            <a:solidFill>
-              <a:schemeClr val="tx1"/>
-            </a:solidFill>
-          </a:ln>
-        </p:spPr>
-        <p:txBody>
-          <a:bodyPr wrap="square" rtlCol="0">
-            <a:noAutofit/>
-          </a:bodyPr>
-          <a:lstStyle/>
-          <a:p>
-            <a:r>
-              <a:rPr lang="en-GB" sz="1600" dirty="0" smtClean="0"/>
-              <a:t>Value Entity (*)</a:t>
-            </a:r>
-            <a:endParaRPr lang="en-GB" sz="1600" dirty="0"/>
-          </a:p>
-        </p:txBody>
-      </p:sp>
-      <p:sp>
-        <p:nvSpPr>
-          <p:cNvPr id="21" name="TextBox 20"/>
-          <p:cNvSpPr txBox="1"/>
-          <p:nvPr/>
-        </p:nvSpPr>
-        <p:spPr>
-          <a:xfrm>
-            <a:off x="6084168" y="2564904"/>
-            <a:ext cx="1440160" cy="360040"/>
-          </a:xfrm>
-          <a:prstGeom prst="rect">
-            <a:avLst/>
-          </a:prstGeom>
-          <a:solidFill>
-            <a:schemeClr val="accent2">
-              <a:lumMod val="40000"/>
-              <a:lumOff val="60000"/>
-            </a:schemeClr>
-          </a:solidFill>
-          <a:ln>
-            <a:solidFill>
-              <a:schemeClr val="tx1"/>
-            </a:solidFill>
-          </a:ln>
-        </p:spPr>
-        <p:txBody>
-          <a:bodyPr wrap="square" rtlCol="0">
-            <a:noAutofit/>
-          </a:bodyPr>
-          <a:lstStyle/>
-          <a:p>
-            <a:endParaRPr lang="en-GB" sz="1600" dirty="0"/>
-          </a:p>
-        </p:txBody>
-      </p:sp>
-      <p:sp>
-        <p:nvSpPr>
-          <p:cNvPr id="22" name="Rectangle 21"/>
-          <p:cNvSpPr/>
-          <p:nvPr/>
-        </p:nvSpPr>
-        <p:spPr>
-          <a:xfrm rot="18972962">
-            <a:off x="6664249" y="2656596"/>
-            <a:ext cx="179792" cy="187924"/>
-          </a:xfrm>
-          <a:prstGeom prst="rect">
-            <a:avLst/>
-          </a:prstGeom>
-          <a:solidFill>
-            <a:schemeClr val="bg1"/>
-          </a:solidFill>
-          <a:ln w="9525">
-            <a:solidFill>
-              <a:schemeClr val="tx1"/>
-            </a:solidFill>
-          </a:ln>
-        </p:spPr>
-        <p:style>
-          <a:lnRef idx="2">
-            <a:schemeClr val="accent1">
-              <a:shade val="50000"/>
-            </a:schemeClr>
-          </a:lnRef>
-          <a:fillRef idx="1">
-            <a:schemeClr val="accent1"/>
-          </a:fillRef>
-          <a:effectRef idx="0">
-            <a:schemeClr val="accent1"/>
-          </a:effectRef>
-          <a:fontRef idx="minor">
-            <a:schemeClr val="lt1"/>
-          </a:fontRef>
-        </p:style>
-        <p:txBody>
-          <a:bodyPr rtlCol="0" anchor="ctr"/>
-          <a:lstStyle/>
-          <a:p>
-            <a:pPr algn="ctr"/>
-            <a:endParaRPr lang="en-GB" sz="1600"/>
-          </a:p>
-        </p:txBody>
-      </p:sp>
-      <p:sp>
-        <p:nvSpPr>
-          <p:cNvPr id="23" name="TextBox 22"/>
-          <p:cNvSpPr txBox="1"/>
-          <p:nvPr/>
-        </p:nvSpPr>
-        <p:spPr>
-          <a:xfrm>
-            <a:off x="3383868" y="2924944"/>
-            <a:ext cx="2700300" cy="360040"/>
-          </a:xfrm>
-          <a:prstGeom prst="rect">
-            <a:avLst/>
-          </a:prstGeom>
-          <a:solidFill>
-            <a:schemeClr val="accent2">
-              <a:lumMod val="40000"/>
-              <a:lumOff val="60000"/>
-            </a:schemeClr>
-          </a:solidFill>
-          <a:ln>
-            <a:solidFill>
-              <a:schemeClr val="tx1"/>
-            </a:solidFill>
-          </a:ln>
-        </p:spPr>
-        <p:txBody>
-          <a:bodyPr wrap="square" rtlCol="0">
-            <a:noAutofit/>
-          </a:bodyPr>
-          <a:lstStyle/>
-          <a:p>
-            <a:r>
-              <a:rPr lang="en-GB" sz="1600" dirty="0" smtClean="0"/>
-              <a:t>Concept/Instance</a:t>
-            </a:r>
-            <a:endParaRPr lang="en-GB" sz="1600" dirty="0"/>
-          </a:p>
-        </p:txBody>
-      </p:sp>
-      <p:sp>
-        <p:nvSpPr>
-          <p:cNvPr id="24" name="TextBox 23"/>
-          <p:cNvSpPr txBox="1"/>
-          <p:nvPr/>
-        </p:nvSpPr>
-        <p:spPr>
-          <a:xfrm>
-            <a:off x="1583668" y="2924944"/>
-            <a:ext cx="1800200" cy="360040"/>
-          </a:xfrm>
-          <a:prstGeom prst="rect">
-            <a:avLst/>
-          </a:prstGeom>
-          <a:solidFill>
-            <a:schemeClr val="accent2">
-              <a:lumMod val="40000"/>
-              <a:lumOff val="60000"/>
-            </a:schemeClr>
-          </a:solidFill>
-          <a:ln>
-            <a:solidFill>
-              <a:schemeClr val="tx1"/>
-            </a:solidFill>
-          </a:ln>
-        </p:spPr>
-        <p:txBody>
-          <a:bodyPr wrap="square" rtlCol="0">
-            <a:noAutofit/>
-          </a:bodyPr>
-          <a:lstStyle/>
-          <a:p>
-            <a:r>
-              <a:rPr lang="en-GB" sz="1600" dirty="0" smtClean="0"/>
-              <a:t>Slot</a:t>
-            </a:r>
-            <a:endParaRPr lang="en-GB" sz="1600" dirty="0"/>
-          </a:p>
-        </p:txBody>
-      </p:sp>
-      <p:sp>
-        <p:nvSpPr>
-          <p:cNvPr id="25" name="TextBox 24"/>
-          <p:cNvSpPr txBox="1"/>
-          <p:nvPr/>
-        </p:nvSpPr>
-        <p:spPr>
-          <a:xfrm>
-            <a:off x="6084168" y="2924944"/>
-            <a:ext cx="1440160" cy="360040"/>
-          </a:xfrm>
-          <a:prstGeom prst="rect">
-            <a:avLst/>
-          </a:prstGeom>
-          <a:solidFill>
-            <a:schemeClr val="accent2">
-              <a:lumMod val="40000"/>
-              <a:lumOff val="60000"/>
-            </a:schemeClr>
-          </a:solidFill>
-          <a:ln>
-            <a:solidFill>
-              <a:schemeClr val="tx1"/>
-            </a:solidFill>
-          </a:ln>
-        </p:spPr>
-        <p:txBody>
-          <a:bodyPr wrap="square" rtlCol="0">
-            <a:noAutofit/>
-          </a:bodyPr>
-          <a:lstStyle/>
-          <a:p>
-            <a:endParaRPr lang="en-GB" sz="1600" dirty="0"/>
-          </a:p>
-        </p:txBody>
-      </p:sp>
-      <p:sp>
-        <p:nvSpPr>
-          <p:cNvPr id="27" name="Oval 26"/>
-          <p:cNvSpPr/>
-          <p:nvPr/>
-        </p:nvSpPr>
-        <p:spPr>
-          <a:xfrm>
-            <a:off x="6624228" y="2276872"/>
-            <a:ext cx="252028" cy="216024"/>
-          </a:xfrm>
-          <a:prstGeom prst="ellipse">
-            <a:avLst/>
-          </a:prstGeom>
-          <a:solidFill>
-            <a:schemeClr val="bg1"/>
-          </a:solidFill>
-          <a:ln w="9525">
-            <a:solidFill>
-              <a:schemeClr val="tx1"/>
-            </a:solidFill>
-          </a:ln>
-        </p:spPr>
-        <p:style>
-          <a:lnRef idx="2">
-            <a:schemeClr val="accent1">
-              <a:shade val="50000"/>
-            </a:schemeClr>
-          </a:lnRef>
-          <a:fillRef idx="1">
-            <a:schemeClr val="accent1"/>
-          </a:fillRef>
-          <a:effectRef idx="0">
-            <a:schemeClr val="accent1"/>
-          </a:effectRef>
-          <a:fontRef idx="minor">
-            <a:schemeClr val="lt1"/>
-          </a:fontRef>
-        </p:style>
-        <p:txBody>
-          <a:bodyPr rtlCol="0" anchor="ctr"/>
-          <a:lstStyle/>
-          <a:p>
-            <a:pPr algn="ctr"/>
-            <a:endParaRPr lang="en-GB" sz="1600"/>
-          </a:p>
-        </p:txBody>
-      </p:sp>
-      <p:sp>
-        <p:nvSpPr>
-          <p:cNvPr id="28" name="Isosceles Triangle 27"/>
-          <p:cNvSpPr/>
-          <p:nvPr/>
-        </p:nvSpPr>
-        <p:spPr>
-          <a:xfrm rot="5400000">
-            <a:off x="6642230" y="2978950"/>
-            <a:ext cx="216024" cy="252028"/>
-          </a:xfrm>
-          <a:prstGeom prst="triangle">
-            <a:avLst/>
-          </a:prstGeom>
-          <a:solidFill>
-            <a:schemeClr val="bg1"/>
-          </a:solidFill>
-          <a:ln w="9525">
-            <a:solidFill>
-              <a:schemeClr val="tx1"/>
-            </a:solidFill>
-          </a:ln>
-        </p:spPr>
-        <p:style>
-          <a:lnRef idx="2">
-            <a:schemeClr val="accent1">
-              <a:shade val="50000"/>
-            </a:schemeClr>
-          </a:lnRef>
-          <a:fillRef idx="1">
-            <a:schemeClr val="accent1"/>
-          </a:fillRef>
-          <a:effectRef idx="0">
-            <a:schemeClr val="accent1"/>
-          </a:effectRef>
-          <a:fontRef idx="minor">
-            <a:schemeClr val="lt1"/>
-          </a:fontRef>
-        </p:style>
-        <p:txBody>
-          <a:bodyPr rtlCol="0" anchor="ctr"/>
-          <a:lstStyle/>
-          <a:p>
-            <a:pPr algn="ctr"/>
-            <a:endParaRPr lang="en-GB" sz="1600"/>
-          </a:p>
-        </p:txBody>
-      </p:sp>
-      <p:sp>
-        <p:nvSpPr>
-          <p:cNvPr id="90" name="TextBox 89"/>
-          <p:cNvSpPr txBox="1"/>
-          <p:nvPr/>
-        </p:nvSpPr>
-        <p:spPr>
-          <a:xfrm>
-            <a:off x="1619672" y="3284984"/>
-            <a:ext cx="1908212" cy="360040"/>
-          </a:xfrm>
-          <a:prstGeom prst="rect">
-            <a:avLst/>
-          </a:prstGeom>
-          <a:noFill/>
-          <a:ln>
-            <a:noFill/>
-          </a:ln>
-        </p:spPr>
-        <p:txBody>
-          <a:bodyPr wrap="square" rtlCol="0">
-            <a:noAutofit/>
-          </a:bodyPr>
-          <a:lstStyle/>
-          <a:p>
-            <a:r>
-              <a:rPr lang="en-GB" sz="1600" dirty="0" smtClean="0"/>
-              <a:t>* Frame OR Number</a:t>
-            </a:r>
-          </a:p>
-        </p:txBody>
-      </p:sp>
-      <p:sp>
-        <p:nvSpPr>
-          <p:cNvPr id="49" name="TextBox 48"/>
-          <p:cNvSpPr txBox="1"/>
-          <p:nvPr/>
-        </p:nvSpPr>
-        <p:spPr>
-          <a:xfrm>
-            <a:off x="6084168" y="4185084"/>
-            <a:ext cx="1440160" cy="360040"/>
-          </a:xfrm>
-          <a:prstGeom prst="rect">
-            <a:avLst/>
-          </a:prstGeom>
-          <a:solidFill>
-            <a:srgbClr val="C35855"/>
-          </a:solidFill>
-          <a:ln>
-            <a:solidFill>
-              <a:schemeClr val="tx1"/>
-            </a:solidFill>
-          </a:ln>
-        </p:spPr>
-        <p:txBody>
-          <a:bodyPr wrap="square" rtlCol="0">
-            <a:noAutofit/>
-          </a:bodyPr>
-          <a:lstStyle/>
-          <a:p>
-            <a:r>
-              <a:rPr lang="en-GB" sz="1600" b="1" dirty="0" smtClean="0"/>
-              <a:t>Icon Colour(s)</a:t>
-            </a:r>
-            <a:endParaRPr lang="en-GB" sz="1600" b="1" dirty="0"/>
-          </a:p>
-        </p:txBody>
-      </p:sp>
-      <p:sp>
-        <p:nvSpPr>
-          <p:cNvPr id="50" name="TextBox 49"/>
-          <p:cNvSpPr txBox="1"/>
-          <p:nvPr/>
-        </p:nvSpPr>
-        <p:spPr>
-          <a:xfrm>
-            <a:off x="1583668" y="4185084"/>
-            <a:ext cx="1800200" cy="360040"/>
-          </a:xfrm>
-          <a:prstGeom prst="rect">
-            <a:avLst/>
-          </a:prstGeom>
-          <a:solidFill>
-            <a:srgbClr val="C35855"/>
-          </a:solidFill>
-          <a:ln>
-            <a:solidFill>
-              <a:schemeClr val="tx1"/>
-            </a:solidFill>
-          </a:ln>
-        </p:spPr>
-        <p:txBody>
-          <a:bodyPr wrap="square" rtlCol="0">
-            <a:noAutofit/>
-          </a:bodyPr>
-          <a:lstStyle/>
-          <a:p>
-            <a:r>
-              <a:rPr lang="en-GB" sz="1600" b="1" dirty="0" smtClean="0"/>
-              <a:t>Entity Category</a:t>
-            </a:r>
-            <a:endParaRPr lang="en-GB" sz="1600" b="1" dirty="0"/>
-          </a:p>
-        </p:txBody>
-      </p:sp>
-      <p:sp>
-        <p:nvSpPr>
-          <p:cNvPr id="52" name="TextBox 51"/>
-          <p:cNvSpPr txBox="1"/>
-          <p:nvPr/>
-        </p:nvSpPr>
-        <p:spPr>
-          <a:xfrm>
-            <a:off x="6084168" y="4905164"/>
-            <a:ext cx="1440160" cy="360040"/>
-          </a:xfrm>
-          <a:prstGeom prst="rect">
-            <a:avLst/>
-          </a:prstGeom>
-          <a:solidFill>
-            <a:schemeClr val="accent2">
-              <a:lumMod val="40000"/>
-              <a:lumOff val="60000"/>
-            </a:schemeClr>
-          </a:solidFill>
-          <a:ln>
-            <a:solidFill>
-              <a:schemeClr val="tx1"/>
-            </a:solidFill>
-          </a:ln>
-        </p:spPr>
-        <p:txBody>
-          <a:bodyPr wrap="square" rtlCol="0">
-            <a:noAutofit/>
-          </a:bodyPr>
-          <a:lstStyle/>
-          <a:p>
-            <a:endParaRPr lang="en-GB" sz="1600" dirty="0"/>
-          </a:p>
-        </p:txBody>
-      </p:sp>
-      <p:sp>
-        <p:nvSpPr>
-          <p:cNvPr id="53" name="TextBox 52"/>
-          <p:cNvSpPr txBox="1"/>
-          <p:nvPr/>
-        </p:nvSpPr>
-        <p:spPr>
-          <a:xfrm>
-            <a:off x="1583668" y="4905164"/>
-            <a:ext cx="1800200" cy="360040"/>
-          </a:xfrm>
-          <a:prstGeom prst="rect">
-            <a:avLst/>
-          </a:prstGeom>
-          <a:solidFill>
-            <a:schemeClr val="accent2">
-              <a:lumMod val="40000"/>
-              <a:lumOff val="60000"/>
-            </a:schemeClr>
-          </a:solidFill>
-          <a:ln>
-            <a:solidFill>
-              <a:schemeClr val="tx1"/>
-            </a:solidFill>
-          </a:ln>
-        </p:spPr>
-        <p:txBody>
-          <a:bodyPr wrap="square" rtlCol="0">
-            <a:noAutofit/>
-          </a:bodyPr>
-          <a:lstStyle/>
-          <a:p>
-            <a:r>
-              <a:rPr lang="en-GB" sz="1600" dirty="0" smtClean="0"/>
-              <a:t>Frame/Slot</a:t>
-            </a:r>
-            <a:endParaRPr lang="en-GB" sz="1600" dirty="0"/>
-          </a:p>
-        </p:txBody>
-      </p:sp>
-      <p:sp>
-        <p:nvSpPr>
-          <p:cNvPr id="56" name="TextBox 55"/>
-          <p:cNvSpPr txBox="1"/>
-          <p:nvPr/>
-        </p:nvSpPr>
-        <p:spPr>
-          <a:xfrm>
-            <a:off x="6084168" y="5625244"/>
-            <a:ext cx="1440160" cy="360040"/>
-          </a:xfrm>
-          <a:prstGeom prst="rect">
-            <a:avLst/>
-          </a:prstGeom>
-          <a:solidFill>
-            <a:schemeClr val="accent2">
-              <a:lumMod val="40000"/>
-              <a:lumOff val="60000"/>
-            </a:schemeClr>
-          </a:solidFill>
-          <a:ln>
-            <a:solidFill>
-              <a:schemeClr val="tx1"/>
-            </a:solidFill>
-          </a:ln>
-        </p:spPr>
-        <p:txBody>
-          <a:bodyPr wrap="square" rtlCol="0">
-            <a:noAutofit/>
-          </a:bodyPr>
-          <a:lstStyle/>
-          <a:p>
-            <a:endParaRPr lang="en-GB" sz="1600" dirty="0"/>
-          </a:p>
-        </p:txBody>
-      </p:sp>
-      <p:sp>
-        <p:nvSpPr>
-          <p:cNvPr id="57" name="TextBox 56"/>
-          <p:cNvSpPr txBox="1"/>
-          <p:nvPr/>
-        </p:nvSpPr>
-        <p:spPr>
-          <a:xfrm>
-            <a:off x="1583668" y="5625244"/>
-            <a:ext cx="1800200" cy="360040"/>
-          </a:xfrm>
-          <a:prstGeom prst="rect">
-            <a:avLst/>
-          </a:prstGeom>
-          <a:solidFill>
-            <a:schemeClr val="accent2">
-              <a:lumMod val="40000"/>
-              <a:lumOff val="60000"/>
-            </a:schemeClr>
-          </a:solidFill>
-          <a:ln>
-            <a:solidFill>
-              <a:schemeClr val="tx1"/>
-            </a:solidFill>
-          </a:ln>
-        </p:spPr>
-        <p:txBody>
-          <a:bodyPr wrap="square" rtlCol="0">
-            <a:noAutofit/>
-          </a:bodyPr>
-          <a:lstStyle/>
-          <a:p>
-            <a:r>
-              <a:rPr lang="en-GB" sz="1600" dirty="0" smtClean="0"/>
-              <a:t>Number</a:t>
-            </a:r>
-            <a:endParaRPr lang="en-GB" sz="1600" dirty="0"/>
-          </a:p>
-        </p:txBody>
-      </p:sp>
-      <p:sp>
-        <p:nvSpPr>
-          <p:cNvPr id="68" name="TextBox 67"/>
-          <p:cNvSpPr txBox="1"/>
-          <p:nvPr/>
-        </p:nvSpPr>
-        <p:spPr>
-          <a:xfrm>
-            <a:off x="3383868" y="4185084"/>
-            <a:ext cx="2700300" cy="360040"/>
-          </a:xfrm>
-          <a:prstGeom prst="rect">
-            <a:avLst/>
-          </a:prstGeom>
-          <a:solidFill>
-            <a:srgbClr val="C35855"/>
-          </a:solidFill>
-          <a:ln>
-            <a:solidFill>
-              <a:schemeClr val="tx1"/>
-            </a:solidFill>
-          </a:ln>
-        </p:spPr>
-        <p:txBody>
-          <a:bodyPr wrap="square" rtlCol="0">
-            <a:noAutofit/>
-          </a:bodyPr>
-          <a:lstStyle/>
-          <a:p>
-            <a:r>
-              <a:rPr lang="en-GB" sz="1600" b="1" dirty="0" smtClean="0"/>
-              <a:t>Entity, or Entity-Type, Source</a:t>
-            </a:r>
-            <a:endParaRPr lang="en-GB" sz="1600" b="1" dirty="0"/>
-          </a:p>
-        </p:txBody>
-      </p:sp>
-      <p:sp>
-        <p:nvSpPr>
-          <p:cNvPr id="69" name="TextBox 68"/>
-          <p:cNvSpPr txBox="1"/>
-          <p:nvPr/>
-        </p:nvSpPr>
-        <p:spPr>
-          <a:xfrm>
-            <a:off x="3383868" y="4905164"/>
-            <a:ext cx="2700300" cy="360040"/>
-          </a:xfrm>
-          <a:prstGeom prst="rect">
-            <a:avLst/>
-          </a:prstGeom>
-          <a:solidFill>
-            <a:schemeClr val="accent2">
-              <a:lumMod val="40000"/>
-              <a:lumOff val="60000"/>
-            </a:schemeClr>
-          </a:solidFill>
-          <a:ln>
-            <a:solidFill>
-              <a:schemeClr val="tx1"/>
-            </a:solidFill>
-          </a:ln>
-        </p:spPr>
-        <p:txBody>
-          <a:bodyPr wrap="square" rtlCol="0">
-            <a:noAutofit/>
-          </a:bodyPr>
-          <a:lstStyle/>
-          <a:p>
-            <a:r>
-              <a:rPr lang="en-GB" sz="1600" dirty="0" smtClean="0"/>
-              <a:t>Internal (OM)</a:t>
-            </a:r>
-            <a:endParaRPr lang="en-GB" sz="1600" dirty="0"/>
-          </a:p>
-        </p:txBody>
-      </p:sp>
-      <p:sp>
-        <p:nvSpPr>
-          <p:cNvPr id="70" name="TextBox 69"/>
-          <p:cNvSpPr txBox="1"/>
-          <p:nvPr/>
-        </p:nvSpPr>
-        <p:spPr>
-          <a:xfrm>
-            <a:off x="3383868" y="5625244"/>
-            <a:ext cx="2700300" cy="360040"/>
-          </a:xfrm>
-          <a:prstGeom prst="rect">
-            <a:avLst/>
-          </a:prstGeom>
-          <a:solidFill>
-            <a:schemeClr val="accent2">
-              <a:lumMod val="40000"/>
-              <a:lumOff val="60000"/>
-            </a:schemeClr>
-          </a:solidFill>
-          <a:ln>
-            <a:solidFill>
-              <a:schemeClr val="tx1"/>
-            </a:solidFill>
-          </a:ln>
-        </p:spPr>
-        <p:txBody>
-          <a:bodyPr wrap="square" rtlCol="0">
-            <a:noAutofit/>
-          </a:bodyPr>
-          <a:lstStyle/>
-          <a:p>
-            <a:r>
-              <a:rPr lang="en-GB" sz="1600" dirty="0" smtClean="0"/>
-              <a:t>ANY</a:t>
-            </a:r>
-            <a:endParaRPr lang="en-GB" sz="1600" dirty="0"/>
-          </a:p>
-        </p:txBody>
-      </p:sp>
-      <p:sp>
-        <p:nvSpPr>
-          <p:cNvPr id="71" name="TextBox 70"/>
-          <p:cNvSpPr txBox="1"/>
-          <p:nvPr/>
-        </p:nvSpPr>
-        <p:spPr>
-          <a:xfrm>
-            <a:off x="6084168" y="4545124"/>
-            <a:ext cx="1440160" cy="360040"/>
-          </a:xfrm>
-          <a:prstGeom prst="rect">
-            <a:avLst/>
-          </a:prstGeom>
-          <a:solidFill>
-            <a:schemeClr val="accent2">
-              <a:lumMod val="40000"/>
-              <a:lumOff val="60000"/>
-            </a:schemeClr>
-          </a:solidFill>
-          <a:ln>
-            <a:solidFill>
-              <a:schemeClr val="tx1"/>
-            </a:solidFill>
-          </a:ln>
-        </p:spPr>
-        <p:txBody>
-          <a:bodyPr wrap="square" rtlCol="0">
-            <a:noAutofit/>
-          </a:bodyPr>
-          <a:lstStyle/>
-          <a:p>
-            <a:endParaRPr lang="en-GB" sz="1600" dirty="0"/>
-          </a:p>
-        </p:txBody>
-      </p:sp>
-      <p:sp>
-        <p:nvSpPr>
-          <p:cNvPr id="72" name="TextBox 71"/>
-          <p:cNvSpPr txBox="1"/>
-          <p:nvPr/>
-        </p:nvSpPr>
-        <p:spPr>
-          <a:xfrm>
-            <a:off x="1583668" y="4545124"/>
-            <a:ext cx="1800200" cy="360040"/>
-          </a:xfrm>
-          <a:prstGeom prst="rect">
-            <a:avLst/>
-          </a:prstGeom>
-          <a:solidFill>
-            <a:schemeClr val="accent2">
-              <a:lumMod val="40000"/>
-              <a:lumOff val="60000"/>
-            </a:schemeClr>
-          </a:solidFill>
-          <a:ln>
-            <a:solidFill>
-              <a:schemeClr val="tx1"/>
-            </a:solidFill>
-          </a:ln>
-        </p:spPr>
-        <p:txBody>
-          <a:bodyPr wrap="square" rtlCol="0">
-            <a:noAutofit/>
-          </a:bodyPr>
-          <a:lstStyle/>
-          <a:p>
-            <a:r>
-              <a:rPr lang="en-GB" sz="1600" dirty="0" smtClean="0"/>
-              <a:t>Frame/Slot</a:t>
-            </a:r>
-            <a:endParaRPr lang="en-GB" sz="1600" dirty="0"/>
-          </a:p>
-        </p:txBody>
-      </p:sp>
-      <p:sp>
-        <p:nvSpPr>
-          <p:cNvPr id="73" name="TextBox 72"/>
-          <p:cNvSpPr txBox="1"/>
-          <p:nvPr/>
-        </p:nvSpPr>
-        <p:spPr>
-          <a:xfrm>
-            <a:off x="3383868" y="4545124"/>
-            <a:ext cx="2700300" cy="360040"/>
-          </a:xfrm>
-          <a:prstGeom prst="rect">
-            <a:avLst/>
-          </a:prstGeom>
-          <a:solidFill>
-            <a:schemeClr val="accent2">
-              <a:lumMod val="40000"/>
-              <a:lumOff val="60000"/>
-            </a:schemeClr>
-          </a:solidFill>
-          <a:ln>
-            <a:solidFill>
-              <a:schemeClr val="tx1"/>
-            </a:solidFill>
-          </a:ln>
-        </p:spPr>
-        <p:txBody>
-          <a:bodyPr wrap="square" rtlCol="0">
-            <a:noAutofit/>
-          </a:bodyPr>
-          <a:lstStyle/>
-          <a:p>
-            <a:r>
-              <a:rPr lang="en-GB" sz="1600" dirty="0" smtClean="0"/>
-              <a:t>External (EKS)</a:t>
-            </a:r>
-            <a:endParaRPr lang="en-GB" sz="1600" dirty="0"/>
-          </a:p>
-        </p:txBody>
-      </p:sp>
-      <p:sp>
-        <p:nvSpPr>
-          <p:cNvPr id="74" name="TextBox 73"/>
-          <p:cNvSpPr txBox="1"/>
-          <p:nvPr/>
-        </p:nvSpPr>
-        <p:spPr>
-          <a:xfrm>
-            <a:off x="6084168" y="5265204"/>
-            <a:ext cx="1440160" cy="360040"/>
-          </a:xfrm>
-          <a:prstGeom prst="rect">
-            <a:avLst/>
-          </a:prstGeom>
-          <a:solidFill>
-            <a:schemeClr val="accent2">
-              <a:lumMod val="40000"/>
-              <a:lumOff val="60000"/>
-            </a:schemeClr>
-          </a:solidFill>
-          <a:ln>
-            <a:solidFill>
-              <a:schemeClr val="tx1"/>
-            </a:solidFill>
-          </a:ln>
-        </p:spPr>
-        <p:txBody>
-          <a:bodyPr wrap="square" rtlCol="0">
-            <a:noAutofit/>
-          </a:bodyPr>
-          <a:lstStyle/>
-          <a:p>
-            <a:endParaRPr lang="en-GB" sz="1600" dirty="0"/>
-          </a:p>
-        </p:txBody>
-      </p:sp>
-      <p:sp>
-        <p:nvSpPr>
-          <p:cNvPr id="75" name="TextBox 74"/>
-          <p:cNvSpPr txBox="1"/>
-          <p:nvPr/>
-        </p:nvSpPr>
-        <p:spPr>
-          <a:xfrm>
-            <a:off x="1583668" y="5265204"/>
-            <a:ext cx="1800200" cy="360040"/>
-          </a:xfrm>
-          <a:prstGeom prst="rect">
-            <a:avLst/>
-          </a:prstGeom>
-          <a:solidFill>
-            <a:schemeClr val="accent2">
-              <a:lumMod val="40000"/>
-              <a:lumOff val="60000"/>
-            </a:schemeClr>
-          </a:solidFill>
-          <a:ln>
-            <a:solidFill>
-              <a:schemeClr val="tx1"/>
-            </a:solidFill>
-          </a:ln>
-        </p:spPr>
-        <p:txBody>
-          <a:bodyPr wrap="square" rtlCol="0">
-            <a:noAutofit/>
-          </a:bodyPr>
-          <a:lstStyle/>
-          <a:p>
-            <a:r>
-              <a:rPr lang="en-GB" sz="1600" dirty="0" smtClean="0"/>
-              <a:t>Frame/Slot</a:t>
-            </a:r>
-            <a:endParaRPr lang="en-GB" sz="1600" dirty="0"/>
-          </a:p>
-        </p:txBody>
-      </p:sp>
-      <p:sp>
-        <p:nvSpPr>
-          <p:cNvPr id="76" name="TextBox 75"/>
-          <p:cNvSpPr txBox="1"/>
-          <p:nvPr/>
-        </p:nvSpPr>
-        <p:spPr>
-          <a:xfrm>
-            <a:off x="3383868" y="5265204"/>
-            <a:ext cx="2700300" cy="360040"/>
-          </a:xfrm>
-          <a:prstGeom prst="rect">
-            <a:avLst/>
-          </a:prstGeom>
-          <a:solidFill>
-            <a:schemeClr val="accent2">
-              <a:lumMod val="40000"/>
-              <a:lumOff val="60000"/>
-            </a:schemeClr>
-          </a:solidFill>
-          <a:ln>
-            <a:solidFill>
-              <a:schemeClr val="tx1"/>
-            </a:solidFill>
-          </a:ln>
-        </p:spPr>
-        <p:txBody>
-          <a:bodyPr wrap="square" rtlCol="0">
-            <a:noAutofit/>
-          </a:bodyPr>
-          <a:lstStyle/>
-          <a:p>
-            <a:r>
-              <a:rPr lang="en-GB" sz="1600" dirty="0" smtClean="0"/>
-              <a:t>Dual (EKS + OM)</a:t>
-            </a:r>
-            <a:endParaRPr lang="en-GB" sz="1600" dirty="0"/>
-          </a:p>
-        </p:txBody>
-      </p:sp>
-      <p:sp>
-        <p:nvSpPr>
-          <p:cNvPr id="51" name="Rounded Rectangle 50"/>
-          <p:cNvSpPr/>
-          <p:nvPr/>
-        </p:nvSpPr>
-        <p:spPr>
-          <a:xfrm>
-            <a:off x="6624228" y="4617132"/>
-            <a:ext cx="360040" cy="216024"/>
-          </a:xfrm>
-          <a:prstGeom prst="roundRect">
-            <a:avLst>
-              <a:gd name="adj" fmla="val 50000"/>
-            </a:avLst>
-          </a:prstGeom>
-          <a:solidFill>
-            <a:srgbClr val="FF0000"/>
-          </a:solidFill>
-          <a:ln w="9525">
-            <a:solidFill>
-              <a:schemeClr val="tx1"/>
-            </a:solidFill>
-          </a:ln>
-        </p:spPr>
-        <p:style>
-          <a:lnRef idx="2">
-            <a:schemeClr val="accent1">
-              <a:shade val="50000"/>
-            </a:schemeClr>
-          </a:lnRef>
-          <a:fillRef idx="1">
-            <a:schemeClr val="accent1"/>
-          </a:fillRef>
-          <a:effectRef idx="0">
-            <a:schemeClr val="accent1"/>
-          </a:effectRef>
-          <a:fontRef idx="minor">
-            <a:schemeClr val="lt1"/>
-          </a:fontRef>
-        </p:style>
-        <p:txBody>
-          <a:bodyPr rtlCol="0" anchor="ctr"/>
-          <a:lstStyle/>
-          <a:p>
-            <a:pPr algn="ctr"/>
-            <a:endParaRPr lang="en-GB"/>
-          </a:p>
-        </p:txBody>
-      </p:sp>
-      <p:sp>
-        <p:nvSpPr>
-          <p:cNvPr id="54" name="Rounded Rectangle 53"/>
-          <p:cNvSpPr/>
-          <p:nvPr/>
-        </p:nvSpPr>
-        <p:spPr>
-          <a:xfrm>
-            <a:off x="6624228" y="4977172"/>
-            <a:ext cx="360040" cy="216024"/>
-          </a:xfrm>
-          <a:prstGeom prst="roundRect">
-            <a:avLst>
-              <a:gd name="adj" fmla="val 50000"/>
-            </a:avLst>
-          </a:prstGeom>
-          <a:solidFill>
-            <a:srgbClr val="411DD9"/>
-          </a:solidFill>
-          <a:ln w="9525">
-            <a:solidFill>
-              <a:schemeClr val="tx1"/>
-            </a:solidFill>
-          </a:ln>
-        </p:spPr>
-        <p:style>
-          <a:lnRef idx="2">
-            <a:schemeClr val="accent1">
-              <a:shade val="50000"/>
-            </a:schemeClr>
-          </a:lnRef>
-          <a:fillRef idx="1">
-            <a:schemeClr val="accent1"/>
-          </a:fillRef>
-          <a:effectRef idx="0">
-            <a:schemeClr val="accent1"/>
-          </a:effectRef>
-          <a:fontRef idx="minor">
-            <a:schemeClr val="lt1"/>
-          </a:fontRef>
-        </p:style>
-        <p:txBody>
-          <a:bodyPr rtlCol="0" anchor="ctr"/>
-          <a:lstStyle/>
-          <a:p>
-            <a:pPr algn="ctr"/>
-            <a:endParaRPr lang="en-GB"/>
-          </a:p>
-        </p:txBody>
-      </p:sp>
-      <p:sp>
-        <p:nvSpPr>
-          <p:cNvPr id="55" name="Rounded Rectangle 54"/>
-          <p:cNvSpPr/>
-          <p:nvPr/>
-        </p:nvSpPr>
-        <p:spPr>
-          <a:xfrm>
-            <a:off x="6624228" y="5337212"/>
-            <a:ext cx="360040" cy="216024"/>
-          </a:xfrm>
-          <a:prstGeom prst="roundRect">
-            <a:avLst>
-              <a:gd name="adj" fmla="val 50000"/>
-            </a:avLst>
-          </a:prstGeom>
-          <a:solidFill>
-            <a:srgbClr val="411DD9"/>
-          </a:solidFill>
-          <a:ln w="9525">
-            <a:solidFill>
-              <a:schemeClr val="tx1"/>
-            </a:solidFill>
-          </a:ln>
-        </p:spPr>
-        <p:style>
-          <a:lnRef idx="2">
-            <a:schemeClr val="accent1">
-              <a:shade val="50000"/>
-            </a:schemeClr>
-          </a:lnRef>
-          <a:fillRef idx="1">
-            <a:schemeClr val="accent1"/>
-          </a:fillRef>
-          <a:effectRef idx="0">
-            <a:schemeClr val="accent1"/>
-          </a:effectRef>
-          <a:fontRef idx="minor">
-            <a:schemeClr val="lt1"/>
-          </a:fontRef>
-        </p:style>
-        <p:txBody>
-          <a:bodyPr rtlCol="0" anchor="ctr"/>
-          <a:lstStyle/>
-          <a:p>
-            <a:pPr algn="ctr"/>
-            <a:endParaRPr lang="en-GB"/>
-          </a:p>
-        </p:txBody>
-      </p:sp>
-      <p:sp>
-        <p:nvSpPr>
-          <p:cNvPr id="58" name="Rounded Rectangle 57"/>
-          <p:cNvSpPr/>
-          <p:nvPr/>
-        </p:nvSpPr>
-        <p:spPr>
-          <a:xfrm>
-            <a:off x="6624228" y="5697252"/>
-            <a:ext cx="360040" cy="216024"/>
-          </a:xfrm>
-          <a:prstGeom prst="roundRect">
-            <a:avLst>
-              <a:gd name="adj" fmla="val 50000"/>
-            </a:avLst>
-          </a:prstGeom>
-          <a:solidFill>
-            <a:schemeClr val="accent3">
-              <a:lumMod val="75000"/>
-            </a:schemeClr>
-          </a:solidFill>
-          <a:ln w="9525">
-            <a:solidFill>
-              <a:schemeClr val="tx1"/>
-            </a:solidFill>
-          </a:ln>
-        </p:spPr>
-        <p:style>
-          <a:lnRef idx="2">
-            <a:schemeClr val="accent1">
-              <a:shade val="50000"/>
-            </a:schemeClr>
-          </a:lnRef>
-          <a:fillRef idx="1">
-            <a:schemeClr val="accent1"/>
-          </a:fillRef>
-          <a:effectRef idx="0">
-            <a:schemeClr val="accent1"/>
-          </a:effectRef>
-          <a:fontRef idx="minor">
-            <a:schemeClr val="lt1"/>
-          </a:fontRef>
-        </p:style>
-        <p:txBody>
-          <a:bodyPr rtlCol="0" anchor="ctr"/>
-          <a:lstStyle/>
-          <a:p>
-            <a:pPr algn="ctr"/>
-            <a:endParaRPr lang="en-GB"/>
-          </a:p>
-        </p:txBody>
-      </p:sp>
-      <p:sp>
-        <p:nvSpPr>
-          <p:cNvPr id="59" name="Rounded Rectangle 58"/>
-          <p:cNvSpPr/>
-          <p:nvPr/>
-        </p:nvSpPr>
-        <p:spPr>
-          <a:xfrm>
-            <a:off x="6696236" y="5373216"/>
-            <a:ext cx="216024" cy="144016"/>
-          </a:xfrm>
-          <a:prstGeom prst="roundRect">
-            <a:avLst>
-              <a:gd name="adj" fmla="val 50000"/>
-            </a:avLst>
-          </a:prstGeom>
-          <a:solidFill>
-            <a:srgbClr val="FF0000"/>
-          </a:solidFill>
-          <a:ln w="9525">
-            <a:solidFill>
-              <a:schemeClr val="tx1"/>
-            </a:solidFill>
-          </a:ln>
-        </p:spPr>
-        <p:style>
-          <a:lnRef idx="2">
-            <a:schemeClr val="accent1">
-              <a:shade val="50000"/>
-            </a:schemeClr>
-          </a:lnRef>
-          <a:fillRef idx="1">
-            <a:schemeClr val="accent1"/>
-          </a:fillRef>
-          <a:effectRef idx="0">
-            <a:schemeClr val="accent1"/>
-          </a:effectRef>
-          <a:fontRef idx="minor">
-            <a:schemeClr val="lt1"/>
-          </a:fontRef>
-        </p:style>
-        <p:txBody>
-          <a:bodyPr rtlCol="0" anchor="ctr"/>
-          <a:lstStyle/>
-          <a:p>
-            <a:pPr algn="ctr"/>
-            <a:endParaRPr lang="en-GB"/>
+            <a:r>
+              <a:rPr lang="en-GB" sz="6000" b="1" dirty="0" smtClean="0"/>
+              <a:t>Browsing Basic</a:t>
+            </a:r>
+            <a:br>
+              <a:rPr lang="en-GB" sz="6000" b="1" dirty="0" smtClean="0"/>
+            </a:br>
+            <a:r>
+              <a:rPr lang="en-GB" sz="6000" b="1" dirty="0" smtClean="0"/>
+              <a:t>MEKON</a:t>
+            </a:r>
+            <a:br>
+              <a:rPr lang="en-GB" sz="6000" b="1" dirty="0" smtClean="0"/>
+            </a:br>
+            <a:r>
+              <a:rPr lang="en-GB" sz="6000" b="1" dirty="0" smtClean="0"/>
+              <a:t>Version of Model</a:t>
+            </a:r>
+            <a:endParaRPr lang="en-GB" sz="6000" b="1" dirty="0"/>
           </a:p>
         </p:txBody>
       </p:sp>
@@ -26017,45 +25679,118 @@
       </p:grpSpPr>
       <p:sp>
         <p:nvSpPr>
-          <p:cNvPr id="2" name="Title 1"/>
-          <p:cNvSpPr>
-            <a:spLocks noGrp="1"/>
-          </p:cNvSpPr>
-          <p:nvPr>
-            <p:ph type="ctrTitle"/>
-          </p:nvPr>
+          <p:cNvPr id="4" name="TextBox 3"/>
+          <p:cNvSpPr txBox="1"/>
+          <p:nvPr/>
         </p:nvSpPr>
         <p:spPr>
           <a:xfrm>
-            <a:off x="685800" y="1772816"/>
-            <a:ext cx="7772400" cy="3132347"/>
-          </a:xfrm>
-        </p:spPr>
-        <p:txBody>
-          <a:bodyPr>
-            <a:noAutofit/>
+            <a:off x="791580" y="548680"/>
+            <a:ext cx="7596844" cy="5755422"/>
+          </a:xfrm>
+          <a:prstGeom prst="rect">
+            <a:avLst/>
+          </a:prstGeom>
+          <a:solidFill>
+            <a:schemeClr val="accent3">
+              <a:lumMod val="60000"/>
+              <a:lumOff val="40000"/>
+            </a:schemeClr>
+          </a:solidFill>
+          <a:ln>
+            <a:solidFill>
+              <a:schemeClr val="tx1"/>
+            </a:solidFill>
+          </a:ln>
+        </p:spPr>
+        <p:txBody>
+          <a:bodyPr wrap="square" rtlCol="0">
+            <a:spAutoFit/>
           </a:bodyPr>
           <a:lstStyle/>
           <a:p>
-            <a:r>
-              <a:rPr lang="en-GB" sz="6000" b="1" dirty="0" smtClean="0"/>
-              <a:t>Browsing Basic</a:t>
-            </a:r>
-            <a:br>
-              <a:rPr lang="en-GB" sz="6000" b="1" dirty="0" smtClean="0"/>
-            </a:br>
-            <a:r>
-              <a:rPr lang="en-GB" sz="6000" b="1" dirty="0" smtClean="0"/>
-              <a:t>MEKON</a:t>
-            </a:r>
-            <a:br>
-              <a:rPr lang="en-GB" sz="6000" b="1" dirty="0" smtClean="0"/>
-            </a:br>
-            <a:r>
-              <a:rPr lang="en-GB" sz="6000" b="1" dirty="0" smtClean="0"/>
-              <a:t>Version of Model</a:t>
-            </a:r>
-            <a:endParaRPr lang="en-GB" sz="6000" b="1" dirty="0"/>
+            <a:pPr algn="ctr"/>
+            <a:r>
+              <a:rPr lang="en-GB" sz="2400" b="1" dirty="0" smtClean="0"/>
+              <a:t>MEKON Models</a:t>
+            </a:r>
+          </a:p>
+          <a:p>
+            <a:endParaRPr lang="en-GB" sz="800" dirty="0" smtClean="0"/>
+          </a:p>
+          <a:p>
+            <a:r>
+              <a:rPr lang="en-GB" sz="1600" dirty="0" smtClean="0"/>
+              <a:t>MEKON models involve the following representations:</a:t>
+            </a:r>
+          </a:p>
+          <a:p>
+            <a:endParaRPr lang="en-GB" sz="800" dirty="0" smtClean="0"/>
+          </a:p>
+          <a:p>
+            <a:r>
+              <a:rPr lang="en-GB" sz="1600" b="1" dirty="0" smtClean="0"/>
+              <a:t>Frames Model (FM): </a:t>
+            </a:r>
+            <a:r>
+              <a:rPr lang="en-GB" sz="1600" dirty="0" smtClean="0"/>
+              <a:t>The FM is the core MEKON representation. All entities in a particular MEKON model, no matter their original source will be represented via entities in the FM. The FM embodies a generic </a:t>
+            </a:r>
+            <a:r>
+              <a:rPr lang="en-GB" sz="1600" i="1" dirty="0" smtClean="0"/>
+              <a:t>frames</a:t>
+            </a:r>
+            <a:r>
+              <a:rPr lang="en-GB" sz="1600" dirty="0" smtClean="0"/>
+              <a:t>-based representation (see next slide for more details)</a:t>
+            </a:r>
+          </a:p>
+          <a:p>
+            <a:endParaRPr lang="en-GB" sz="800" dirty="0" smtClean="0"/>
+          </a:p>
+          <a:p>
+            <a:r>
+              <a:rPr lang="en-GB" sz="1600" b="1" dirty="0" smtClean="0"/>
+              <a:t>External Knowledge Sources (EKS): </a:t>
+            </a:r>
+            <a:r>
+              <a:rPr lang="en-GB" sz="1600" dirty="0" smtClean="0"/>
+              <a:t>All entities in a basic MEKON FM will be derived from one or more external sources, typically be </a:t>
+            </a:r>
+            <a:r>
+              <a:rPr lang="en-GB" sz="1600" dirty="0" err="1" smtClean="0"/>
+              <a:t>ontologies</a:t>
+            </a:r>
+            <a:r>
+              <a:rPr lang="en-GB" sz="1600" dirty="0" smtClean="0"/>
+              <a:t> of some kind. The MEKON framework itself has no dependency on any particular EKS format. All access of EKS and associated reasoning mechanisms is via plug-in SPIs (Service Provider Interfaces). MEKON comes with a small set of OWL-based plug-ins, implementing these SPIs, collectively known as MEKON-OWL.</a:t>
+            </a:r>
+          </a:p>
+          <a:p>
+            <a:endParaRPr lang="en-GB" sz="800" dirty="0" smtClean="0"/>
+          </a:p>
+          <a:p>
+            <a:r>
+              <a:rPr lang="en-GB" sz="1600" b="1" dirty="0" smtClean="0"/>
+              <a:t>Object Model (OM):</a:t>
+            </a:r>
+            <a:r>
+              <a:rPr lang="en-GB" sz="1600" dirty="0" smtClean="0"/>
+              <a:t> Sections of the FM can also be derived from a suitable HOBO-based domain-specific OM, which will operate in tandem with the FM, with tight bindings being maintained between the two. Hence, in general, the source(s) for a particular FM entity can be external (EKS), internal (OM), or, where appropriate mappings have been provided via the configuration file, dual (EKS + OM). In general, in a HOBO/MEKON model, the vast majority of entities will have only an external source, with only a small handful having an internal source (being either internal-only sourced, or dual sourced)</a:t>
+            </a:r>
+          </a:p>
+          <a:p>
+            <a:endParaRPr lang="en-GB" sz="800" dirty="0" smtClean="0"/>
+          </a:p>
+          <a:p>
+            <a:r>
+              <a:rPr lang="en-GB" sz="1600" i="1" dirty="0" smtClean="0"/>
+              <a:t>Note: </a:t>
+            </a:r>
+            <a:r>
+              <a:rPr lang="en-GB" sz="1600" dirty="0" smtClean="0"/>
+              <a:t>This section of the tutorial deals only with basic EKS-derived FMs. HOBO-based FM/OM hybrids are dealt with in the next section.</a:t>
+            </a:r>
           </a:p>
         </p:txBody>
       </p:sp>
@@ -26099,8 +25834,8 @@
         </p:nvSpPr>
         <p:spPr>
           <a:xfrm>
-            <a:off x="791580" y="548680"/>
-            <a:ext cx="7596844" cy="5755422"/>
+            <a:off x="1079612" y="944724"/>
+            <a:ext cx="6984776" cy="4937293"/>
           </a:xfrm>
           <a:prstGeom prst="rect">
             <a:avLst/>
@@ -26126,84 +25861,317 @@
             <a:pPr algn="ctr"/>
             <a:r>
               <a:rPr lang="en-GB" sz="2400" b="1" dirty="0" smtClean="0"/>
-              <a:t>MEKON Models</a:t>
-            </a:r>
-          </a:p>
-          <a:p>
+              <a:t>Frames Model Entities</a:t>
+            </a:r>
+          </a:p>
+          <a:p>
+            <a:endParaRPr lang="en-GB" sz="1600" dirty="0" smtClean="0"/>
+          </a:p>
+          <a:p>
+            <a:r>
+              <a:rPr lang="en-GB" sz="1600" dirty="0" smtClean="0"/>
+              <a:t>The FM representation includes entities at three distinct representational levels:</a:t>
+            </a:r>
+          </a:p>
+          <a:p>
+            <a:pPr marL="457200" indent="-457200"/>
             <a:endParaRPr lang="en-GB" sz="800" dirty="0" smtClean="0"/>
           </a:p>
           <a:p>
-            <a:r>
-              <a:rPr lang="en-GB" sz="1600" dirty="0" smtClean="0"/>
-              <a:t>MEKON models involve the following representations:</a:t>
-            </a:r>
-          </a:p>
-          <a:p>
+            <a:pPr marL="457200" indent="-457200"/>
+            <a:r>
+              <a:rPr lang="en-GB" sz="1600" b="1" dirty="0" smtClean="0"/>
+              <a:t>Concept-Level : </a:t>
+            </a:r>
+            <a:r>
+              <a:rPr lang="en-GB" sz="1600" dirty="0" smtClean="0"/>
+              <a:t>Representation of domain model:</a:t>
+            </a:r>
+          </a:p>
+          <a:p>
+            <a:pPr marL="457200" indent="-457200"/>
             <a:endParaRPr lang="en-GB" sz="800" dirty="0" smtClean="0"/>
           </a:p>
           <a:p>
+            <a:pPr marL="457200" indent="-457200">
+              <a:buFont typeface="Arial" pitchFamily="34" charset="0"/>
+              <a:buChar char="•"/>
+            </a:pPr>
+            <a:r>
+              <a:rPr lang="en-GB" sz="1600" b="1" dirty="0" err="1" smtClean="0">
+                <a:latin typeface="Courier New" pitchFamily="49" charset="0"/>
+                <a:cs typeface="Courier New" pitchFamily="49" charset="0"/>
+              </a:rPr>
+              <a:t>CFrame</a:t>
+            </a:r>
             <a:r>
               <a:rPr lang="en-GB" sz="1600" b="1" dirty="0" smtClean="0"/>
-              <a:t>Frames Model (FM): </a:t>
-            </a:r>
-            <a:r>
-              <a:rPr lang="en-GB" sz="1600" dirty="0" smtClean="0"/>
-              <a:t>The FM is the core MEKON representation. All entities in a particular MEKON model, no matter their original source will be represented via entities in the FM. The FM embodies a generic </a:t>
-            </a:r>
-            <a:r>
-              <a:rPr lang="en-GB" sz="1600" i="1" dirty="0" smtClean="0"/>
-              <a:t>frames</a:t>
-            </a:r>
-            <a:r>
-              <a:rPr lang="en-GB" sz="1600" dirty="0" smtClean="0"/>
-              <a:t>-based representation (see next slide for more details)</a:t>
-            </a:r>
-          </a:p>
-          <a:p>
+              <a:t>: </a:t>
+            </a:r>
+            <a:r>
+              <a:rPr lang="en-GB" sz="1600" dirty="0" smtClean="0"/>
+              <a:t>Domain concept</a:t>
+            </a:r>
+          </a:p>
+          <a:p>
+            <a:pPr marL="457200" indent="-457200">
+              <a:buFont typeface="Arial" pitchFamily="34" charset="0"/>
+              <a:buChar char="•"/>
+            </a:pPr>
+            <a:r>
+              <a:rPr lang="en-GB" sz="1600" b="1" dirty="0" err="1" smtClean="0">
+                <a:latin typeface="Courier New" pitchFamily="49" charset="0"/>
+                <a:cs typeface="Courier New" pitchFamily="49" charset="0"/>
+              </a:rPr>
+              <a:t>CNumber</a:t>
+            </a:r>
+            <a:r>
+              <a:rPr lang="en-GB" sz="1600" b="1" dirty="0" smtClean="0"/>
+              <a:t>: </a:t>
+            </a:r>
+            <a:r>
+              <a:rPr lang="en-GB" sz="1600" dirty="0" smtClean="0"/>
+              <a:t>Numeric-value definition (numeric-type + valid value-range)</a:t>
+            </a:r>
+          </a:p>
+          <a:p>
+            <a:pPr marL="457200" indent="-457200">
+              <a:buFont typeface="Arial" pitchFamily="34" charset="0"/>
+              <a:buChar char="•"/>
+            </a:pPr>
+            <a:r>
+              <a:rPr lang="en-GB" sz="1600" b="1" dirty="0" err="1" smtClean="0">
+                <a:latin typeface="Courier New" pitchFamily="49" charset="0"/>
+                <a:cs typeface="Courier New" pitchFamily="49" charset="0"/>
+              </a:rPr>
+              <a:t>CValue</a:t>
+            </a:r>
+            <a:r>
+              <a:rPr lang="en-GB" sz="1600" b="1" dirty="0" smtClean="0"/>
+              <a:t>:</a:t>
+            </a:r>
+            <a:r>
+              <a:rPr lang="en-GB" sz="1600" dirty="0" smtClean="0"/>
+              <a:t> Concept-level value-entity (</a:t>
+            </a:r>
+            <a:r>
+              <a:rPr lang="en-GB" sz="1600" dirty="0" err="1" smtClean="0">
+                <a:latin typeface="Courier New" pitchFamily="49" charset="0"/>
+                <a:cs typeface="Courier New" pitchFamily="49" charset="0"/>
+              </a:rPr>
+              <a:t>CFrame</a:t>
+            </a:r>
+            <a:r>
+              <a:rPr lang="en-GB" sz="1600" dirty="0" smtClean="0"/>
+              <a:t> or </a:t>
+            </a:r>
+            <a:r>
+              <a:rPr lang="en-GB" sz="1600" dirty="0" err="1" smtClean="0">
+                <a:latin typeface="Courier New" pitchFamily="49" charset="0"/>
+                <a:cs typeface="Courier New" pitchFamily="49" charset="0"/>
+              </a:rPr>
+              <a:t>CNumber</a:t>
+            </a:r>
+            <a:r>
+              <a:rPr lang="en-GB" sz="1600" dirty="0" smtClean="0"/>
+              <a:t>)</a:t>
+            </a:r>
+          </a:p>
+          <a:p>
+            <a:pPr marL="457200" indent="-457200">
+              <a:buFont typeface="Arial" pitchFamily="34" charset="0"/>
+              <a:buChar char="•"/>
+            </a:pPr>
+            <a:r>
+              <a:rPr lang="en-GB" sz="1600" b="1" dirty="0" err="1" smtClean="0">
+                <a:latin typeface="Courier New" pitchFamily="49" charset="0"/>
+                <a:cs typeface="Courier New" pitchFamily="49" charset="0"/>
+              </a:rPr>
+              <a:t>CSlot</a:t>
+            </a:r>
+            <a:r>
+              <a:rPr lang="en-GB" sz="1600" b="1" dirty="0" smtClean="0"/>
+              <a:t>: </a:t>
+            </a:r>
+            <a:r>
+              <a:rPr lang="en-GB" sz="1600" dirty="0" smtClean="0"/>
+              <a:t>Inter-concept relationships OR numerical attribute of concept</a:t>
+            </a:r>
+          </a:p>
+          <a:p>
+            <a:pPr marL="457200" indent="-457200"/>
             <a:endParaRPr lang="en-GB" sz="800" dirty="0" smtClean="0"/>
           </a:p>
           <a:p>
+            <a:pPr marL="457200" indent="-457200"/>
             <a:r>
               <a:rPr lang="en-GB" sz="1600" b="1" dirty="0" smtClean="0"/>
-              <a:t>External Knowledge Sources (EKS): </a:t>
-            </a:r>
-            <a:r>
-              <a:rPr lang="en-GB" sz="1600" dirty="0" smtClean="0"/>
-              <a:t>All entities in a basic MEKON FM will be derived from one or more external sources, typically be </a:t>
-            </a:r>
-            <a:r>
-              <a:rPr lang="en-GB" sz="1600" dirty="0" err="1" smtClean="0"/>
-              <a:t>ontologies</a:t>
-            </a:r>
-            <a:r>
-              <a:rPr lang="en-GB" sz="1600" dirty="0" smtClean="0"/>
-              <a:t> of some kind. The MEKON framework itself has no dependency on any particular EKS format. All access of EKS and associated reasoning mechanisms is via plug-in SPIs (Service Provider Interfaces). MEKON comes with a small set of OWL-based plug-ins, implementing these SPIs, collectively known as MEKON-OWL.</a:t>
-            </a:r>
-          </a:p>
-          <a:p>
+              <a:t>Instance-Level: </a:t>
+            </a:r>
+            <a:r>
+              <a:rPr lang="en-GB" sz="1600" dirty="0" smtClean="0"/>
+              <a:t>Representation of specific instantiations of domain model:</a:t>
+            </a:r>
+          </a:p>
+          <a:p>
+            <a:pPr marL="457200" indent="-457200"/>
             <a:endParaRPr lang="en-GB" sz="800" dirty="0" smtClean="0"/>
           </a:p>
           <a:p>
+            <a:pPr marL="457200" indent="-457200">
+              <a:buFont typeface="Arial" pitchFamily="34" charset="0"/>
+              <a:buChar char="•"/>
+            </a:pPr>
+            <a:r>
+              <a:rPr lang="en-GB" sz="1600" b="1" dirty="0" err="1" smtClean="0">
+                <a:latin typeface="Courier New" pitchFamily="49" charset="0"/>
+                <a:cs typeface="Courier New" pitchFamily="49" charset="0"/>
+              </a:rPr>
+              <a:t>IFrame</a:t>
+            </a:r>
             <a:r>
               <a:rPr lang="en-GB" sz="1600" b="1" dirty="0" smtClean="0"/>
-              <a:t>Object Model (OM):</a:t>
-            </a:r>
-            <a:r>
-              <a:rPr lang="en-GB" sz="1600" dirty="0" smtClean="0"/>
-              <a:t> Sections of the FM can also be derived from a suitable HOBO-based domain-specific OM, which will operate in tandem with the FM, with tight bindings being maintained between the two. Hence, in general, the source(s) for a particular FM entity can be external (EKS), internal (OM), or, where appropriate mappings have been provided via the configuration file, dual (EKS + OM). In general, in a HOBO/MEKON model, the vast majority of entities will have only an external source, with only a small handful having an internal source (being either internal-only sourced, or dual sourced)</a:t>
-            </a:r>
-          </a:p>
-          <a:p>
+              <a:t>: </a:t>
+            </a:r>
+            <a:r>
+              <a:rPr lang="en-GB" sz="1600" dirty="0" smtClean="0"/>
+              <a:t>Instantiation of domain concept</a:t>
+            </a:r>
+          </a:p>
+          <a:p>
+            <a:pPr marL="457200" indent="-457200">
+              <a:buFont typeface="Arial" pitchFamily="34" charset="0"/>
+              <a:buChar char="•"/>
+            </a:pPr>
+            <a:r>
+              <a:rPr lang="en-GB" sz="1600" b="1" dirty="0" err="1" smtClean="0">
+                <a:latin typeface="Courier New" pitchFamily="49" charset="0"/>
+                <a:cs typeface="Courier New" pitchFamily="49" charset="0"/>
+              </a:rPr>
+              <a:t>INumber</a:t>
+            </a:r>
+            <a:r>
+              <a:rPr lang="en-GB" sz="1600" b="1" dirty="0" smtClean="0"/>
+              <a:t>: </a:t>
+            </a:r>
+            <a:r>
+              <a:rPr lang="en-GB" sz="1600" dirty="0" smtClean="0"/>
+              <a:t>Specific numeric value</a:t>
+            </a:r>
+          </a:p>
+          <a:p>
+            <a:pPr marL="457200" indent="-457200">
+              <a:buFont typeface="Arial" pitchFamily="34" charset="0"/>
+              <a:buChar char="•"/>
+            </a:pPr>
+            <a:r>
+              <a:rPr lang="en-GB" sz="1600" b="1" dirty="0" err="1" smtClean="0">
+                <a:latin typeface="Courier New" pitchFamily="49" charset="0"/>
+                <a:cs typeface="Courier New" pitchFamily="49" charset="0"/>
+              </a:rPr>
+              <a:t>IValue</a:t>
+            </a:r>
+            <a:r>
+              <a:rPr lang="en-GB" sz="1600" b="1" dirty="0" smtClean="0"/>
+              <a:t>:</a:t>
+            </a:r>
+            <a:r>
+              <a:rPr lang="en-GB" sz="1600" dirty="0" smtClean="0"/>
+              <a:t> Instance-level value-entity (</a:t>
+            </a:r>
+            <a:r>
+              <a:rPr lang="en-GB" sz="1600" dirty="0" err="1" smtClean="0">
+                <a:latin typeface="Courier New" pitchFamily="49" charset="0"/>
+                <a:cs typeface="Courier New" pitchFamily="49" charset="0"/>
+              </a:rPr>
+              <a:t>IFrame</a:t>
+            </a:r>
+            <a:r>
+              <a:rPr lang="en-GB" sz="1600" dirty="0" smtClean="0"/>
+              <a:t> or </a:t>
+            </a:r>
+            <a:r>
+              <a:rPr lang="en-GB" sz="1600" dirty="0" err="1" smtClean="0">
+                <a:latin typeface="Courier New" pitchFamily="49" charset="0"/>
+                <a:cs typeface="Courier New" pitchFamily="49" charset="0"/>
+              </a:rPr>
+              <a:t>INumber</a:t>
+            </a:r>
+            <a:r>
+              <a:rPr lang="en-GB" sz="1600" dirty="0" smtClean="0"/>
+              <a:t>)</a:t>
+            </a:r>
+          </a:p>
+          <a:p>
+            <a:pPr marL="457200" indent="-457200">
+              <a:buFont typeface="Arial" pitchFamily="34" charset="0"/>
+              <a:buChar char="•"/>
+            </a:pPr>
+            <a:r>
+              <a:rPr lang="en-GB" sz="1600" b="1" dirty="0" err="1" smtClean="0">
+                <a:latin typeface="Courier New" pitchFamily="49" charset="0"/>
+                <a:cs typeface="Courier New" pitchFamily="49" charset="0"/>
+              </a:rPr>
+              <a:t>ISlot</a:t>
+            </a:r>
+            <a:r>
+              <a:rPr lang="en-GB" sz="1600" b="1" dirty="0" smtClean="0"/>
+              <a:t>: </a:t>
+            </a:r>
+            <a:r>
+              <a:rPr lang="en-GB" sz="1600" dirty="0" smtClean="0"/>
+              <a:t>Inter-instance relationships OR numerical attribute value</a:t>
+            </a:r>
+          </a:p>
+          <a:p>
+            <a:pPr marL="457200" indent="-457200"/>
             <a:endParaRPr lang="en-GB" sz="800" dirty="0" smtClean="0"/>
           </a:p>
           <a:p>
-            <a:r>
-              <a:rPr lang="en-GB" sz="1600" i="1" dirty="0" smtClean="0"/>
-              <a:t>Note: </a:t>
-            </a:r>
-            <a:r>
-              <a:rPr lang="en-GB" sz="1600" dirty="0" smtClean="0"/>
-              <a:t>This section of the tutorial deals only with basic EKS-derived FMs. HOBO-based FM/OM hybrids are dealt with in the next section.</a:t>
+            <a:pPr marL="457200" indent="-457200"/>
+            <a:r>
+              <a:rPr lang="en-GB" sz="1600" b="1" dirty="0" smtClean="0"/>
+              <a:t>Meta-Level: </a:t>
+            </a:r>
+            <a:r>
+              <a:rPr lang="en-GB" sz="1600" dirty="0" smtClean="0"/>
+              <a:t>Representation of references to domain model entities:</a:t>
+            </a:r>
+          </a:p>
+          <a:p>
+            <a:pPr marL="457200" indent="-457200"/>
+            <a:endParaRPr lang="en-GB" sz="800" dirty="0" smtClean="0"/>
+          </a:p>
+          <a:p>
+            <a:pPr marL="457200" indent="-457200">
+              <a:buFont typeface="Arial" pitchFamily="34" charset="0"/>
+              <a:buChar char="•"/>
+            </a:pPr>
+            <a:r>
+              <a:rPr lang="en-GB" sz="1600" b="1" dirty="0" err="1" smtClean="0">
+                <a:latin typeface="Courier New" pitchFamily="49" charset="0"/>
+                <a:cs typeface="Courier New" pitchFamily="49" charset="0"/>
+              </a:rPr>
+              <a:t>MFrame</a:t>
+            </a:r>
+            <a:r>
+              <a:rPr lang="en-GB" sz="1600" b="1" dirty="0" smtClean="0"/>
+              <a:t>: </a:t>
+            </a:r>
+            <a:r>
+              <a:rPr lang="en-GB" sz="1600" dirty="0" smtClean="0"/>
+              <a:t>Reference to domain concept (used solely for defining value-types of </a:t>
+            </a:r>
+            <a:r>
+              <a:rPr lang="en-GB" sz="1600" dirty="0" err="1" smtClean="0">
+                <a:latin typeface="Courier New" pitchFamily="49" charset="0"/>
+                <a:cs typeface="Courier New" pitchFamily="49" charset="0"/>
+              </a:rPr>
+              <a:t>CFrame</a:t>
+            </a:r>
+            <a:r>
+              <a:rPr lang="en-GB" sz="1600" dirty="0" smtClean="0"/>
+              <a:t>-valued slots)</a:t>
             </a:r>
           </a:p>
         </p:txBody>

--- a/trunk/docs/MEKON-HOBO Introductory Tutorial.pptx
+++ b/trunk/docs/MEKON-HOBO Introductory Tutorial.pptx
@@ -347,7 +347,7 @@
             <a:fld id="{91893DBC-7519-4EA7-8165-AFD94A974DB8}" type="datetimeFigureOut">
               <a:rPr lang="en-GB" smtClean="0"/>
               <a:pPr/>
-              <a:t>02/02/2015</a:t>
+              <a:t>14/05/2015</a:t>
             </a:fld>
             <a:endParaRPr lang="en-GB"/>
           </a:p>
@@ -514,7 +514,7 @@
             <a:fld id="{91893DBC-7519-4EA7-8165-AFD94A974DB8}" type="datetimeFigureOut">
               <a:rPr lang="en-GB" smtClean="0"/>
               <a:pPr/>
-              <a:t>02/02/2015</a:t>
+              <a:t>14/05/2015</a:t>
             </a:fld>
             <a:endParaRPr lang="en-GB"/>
           </a:p>
@@ -691,7 +691,7 @@
             <a:fld id="{91893DBC-7519-4EA7-8165-AFD94A974DB8}" type="datetimeFigureOut">
               <a:rPr lang="en-GB" smtClean="0"/>
               <a:pPr/>
-              <a:t>02/02/2015</a:t>
+              <a:t>14/05/2015</a:t>
             </a:fld>
             <a:endParaRPr lang="en-GB"/>
           </a:p>
@@ -858,7 +858,7 @@
             <a:fld id="{91893DBC-7519-4EA7-8165-AFD94A974DB8}" type="datetimeFigureOut">
               <a:rPr lang="en-GB" smtClean="0"/>
               <a:pPr/>
-              <a:t>02/02/2015</a:t>
+              <a:t>14/05/2015</a:t>
             </a:fld>
             <a:endParaRPr lang="en-GB"/>
           </a:p>
@@ -1101,7 +1101,7 @@
             <a:fld id="{91893DBC-7519-4EA7-8165-AFD94A974DB8}" type="datetimeFigureOut">
               <a:rPr lang="en-GB" smtClean="0"/>
               <a:pPr/>
-              <a:t>02/02/2015</a:t>
+              <a:t>14/05/2015</a:t>
             </a:fld>
             <a:endParaRPr lang="en-GB"/>
           </a:p>
@@ -1386,7 +1386,7 @@
             <a:fld id="{91893DBC-7519-4EA7-8165-AFD94A974DB8}" type="datetimeFigureOut">
               <a:rPr lang="en-GB" smtClean="0"/>
               <a:pPr/>
-              <a:t>02/02/2015</a:t>
+              <a:t>14/05/2015</a:t>
             </a:fld>
             <a:endParaRPr lang="en-GB"/>
           </a:p>
@@ -1805,7 +1805,7 @@
             <a:fld id="{91893DBC-7519-4EA7-8165-AFD94A974DB8}" type="datetimeFigureOut">
               <a:rPr lang="en-GB" smtClean="0"/>
               <a:pPr/>
-              <a:t>02/02/2015</a:t>
+              <a:t>14/05/2015</a:t>
             </a:fld>
             <a:endParaRPr lang="en-GB"/>
           </a:p>
@@ -1920,7 +1920,7 @@
             <a:fld id="{91893DBC-7519-4EA7-8165-AFD94A974DB8}" type="datetimeFigureOut">
               <a:rPr lang="en-GB" smtClean="0"/>
               <a:pPr/>
-              <a:t>02/02/2015</a:t>
+              <a:t>14/05/2015</a:t>
             </a:fld>
             <a:endParaRPr lang="en-GB"/>
           </a:p>
@@ -2012,7 +2012,7 @@
             <a:fld id="{91893DBC-7519-4EA7-8165-AFD94A974DB8}" type="datetimeFigureOut">
               <a:rPr lang="en-GB" smtClean="0"/>
               <a:pPr/>
-              <a:t>02/02/2015</a:t>
+              <a:t>14/05/2015</a:t>
             </a:fld>
             <a:endParaRPr lang="en-GB"/>
           </a:p>
@@ -2286,7 +2286,7 @@
             <a:fld id="{91893DBC-7519-4EA7-8165-AFD94A974DB8}" type="datetimeFigureOut">
               <a:rPr lang="en-GB" smtClean="0"/>
               <a:pPr/>
-              <a:t>02/02/2015</a:t>
+              <a:t>14/05/2015</a:t>
             </a:fld>
             <a:endParaRPr lang="en-GB"/>
           </a:p>
@@ -2536,7 +2536,7 @@
             <a:fld id="{91893DBC-7519-4EA7-8165-AFD94A974DB8}" type="datetimeFigureOut">
               <a:rPr lang="en-GB" smtClean="0"/>
               <a:pPr/>
-              <a:t>02/02/2015</a:t>
+              <a:t>14/05/2015</a:t>
             </a:fld>
             <a:endParaRPr lang="en-GB"/>
           </a:p>
@@ -2752,7 +2752,7 @@
             <a:fld id="{91893DBC-7519-4EA7-8165-AFD94A974DB8}" type="datetimeFigureOut">
               <a:rPr lang="en-GB" smtClean="0"/>
               <a:pPr/>
-              <a:t>02/02/2015</a:t>
+              <a:t>14/05/2015</a:t>
             </a:fld>
             <a:endParaRPr lang="en-GB"/>
           </a:p>
@@ -6599,38 +6599,6 @@
           <a:chExt cx="0" cy="0"/>
         </a:xfrm>
       </p:grpSpPr>
-      <p:pic>
-        <p:nvPicPr>
-          <p:cNvPr id="12290" name="Picture 2"/>
-          <p:cNvPicPr>
-            <a:picLocks noChangeAspect="1" noChangeArrowheads="1"/>
-          </p:cNvPicPr>
-          <p:nvPr/>
-        </p:nvPicPr>
-        <p:blipFill>
-          <a:blip r:embed="rId2" cstate="print"/>
-          <a:srcRect/>
-          <a:stretch>
-            <a:fillRect/>
-          </a:stretch>
-        </p:blipFill>
-        <p:spPr bwMode="auto">
-          <a:xfrm>
-            <a:off x="251520" y="260648"/>
-            <a:ext cx="4975860" cy="4305300"/>
-          </a:xfrm>
-          <a:prstGeom prst="rect">
-            <a:avLst/>
-          </a:prstGeom>
-          <a:noFill/>
-          <a:ln w="9525">
-            <a:noFill/>
-            <a:miter lim="800000"/>
-            <a:headEnd/>
-            <a:tailEnd/>
-          </a:ln>
-        </p:spPr>
-      </p:pic>
       <p:sp>
         <p:nvSpPr>
           <p:cNvPr id="4" name="TextBox 3"/>
@@ -7285,15 +7253,7 @@
           <a:p>
             <a:r>
               <a:rPr lang="en-GB" sz="1600" dirty="0" smtClean="0"/>
-              <a:t>(</a:t>
-            </a:r>
-            <a:r>
-              <a:rPr lang="en-GB" sz="1600" dirty="0" smtClean="0"/>
-              <a:t>Slot </a:t>
-            </a:r>
-            <a:r>
-              <a:rPr lang="en-GB" sz="1600" dirty="0" smtClean="0"/>
-              <a:t>cardinality = </a:t>
+              <a:t>(Slot cardinality = </a:t>
             </a:r>
             <a:r>
               <a:rPr lang="en-GB" sz="1600" dirty="0" smtClean="0">
@@ -7304,24 +7264,44 @@
             </a:r>
             <a:r>
               <a:rPr lang="en-GB" sz="1600" dirty="0" smtClean="0"/>
-              <a:t>, </a:t>
-            </a:r>
-            <a:r>
-              <a:rPr lang="en-GB" sz="1600" dirty="0" smtClean="0"/>
-              <a:t>if neither </a:t>
-            </a:r>
-            <a:r>
-              <a:rPr lang="en-GB" sz="1600" dirty="0" smtClean="0"/>
-              <a:t>modifier </a:t>
-            </a:r>
-            <a:r>
-              <a:rPr lang="en-GB" sz="1600" dirty="0" smtClean="0"/>
-              <a:t>present)</a:t>
+              <a:t>, if neither modifier present)</a:t>
             </a:r>
             <a:endParaRPr lang="en-GB" sz="1600" dirty="0"/>
           </a:p>
         </p:txBody>
       </p:sp>
+      <p:pic>
+        <p:nvPicPr>
+          <p:cNvPr id="1027" name="Picture 3"/>
+          <p:cNvPicPr>
+            <a:picLocks noChangeAspect="1" noChangeArrowheads="1"/>
+          </p:cNvPicPr>
+          <p:nvPr/>
+        </p:nvPicPr>
+        <p:blipFill>
+          <a:blip r:embed="rId2" cstate="print"/>
+          <a:srcRect/>
+          <a:stretch>
+            <a:fillRect/>
+          </a:stretch>
+        </p:blipFill>
+        <p:spPr bwMode="auto">
+          <a:xfrm>
+            <a:off x="251520" y="260648"/>
+            <a:ext cx="4975860" cy="4267200"/>
+          </a:xfrm>
+          <a:prstGeom prst="rect">
+            <a:avLst/>
+          </a:prstGeom>
+          <a:noFill/>
+          <a:ln w="9525">
+            <a:noFill/>
+            <a:miter lim="800000"/>
+            <a:headEnd/>
+            <a:tailEnd/>
+          </a:ln>
+        </p:spPr>
+      </p:pic>
     </p:spTree>
   </p:cSld>
   <p:clrMapOvr>
@@ -7729,7 +7709,7 @@
       </p:sp>
       <p:pic>
         <p:nvPicPr>
-          <p:cNvPr id="13314" name="Picture 2"/>
+          <p:cNvPr id="2050" name="Picture 2"/>
           <p:cNvPicPr>
             <a:picLocks noChangeAspect="1" noChangeArrowheads="1"/>
           </p:cNvPicPr>
@@ -7745,7 +7725,7 @@
         <p:spPr bwMode="auto">
           <a:xfrm>
             <a:off x="251520" y="260648"/>
-            <a:ext cx="4975860" cy="4305300"/>
+            <a:ext cx="4975860" cy="4267200"/>
           </a:xfrm>
           <a:prstGeom prst="rect">
             <a:avLst/>
@@ -8262,7 +8242,7 @@
       </p:sp>
       <p:pic>
         <p:nvPicPr>
-          <p:cNvPr id="5" name="Picture 2"/>
+          <p:cNvPr id="4" name="Picture 2"/>
           <p:cNvPicPr>
             <a:picLocks noChangeAspect="1" noChangeArrowheads="1"/>
           </p:cNvPicPr>
@@ -8278,7 +8258,7 @@
         <p:spPr bwMode="auto">
           <a:xfrm>
             <a:off x="251520" y="260648"/>
-            <a:ext cx="4975860" cy="4305300"/>
+            <a:ext cx="4975860" cy="4267200"/>
           </a:xfrm>
           <a:prstGeom prst="rect">
             <a:avLst/>
@@ -8808,7 +8788,7 @@
       </p:sp>
       <p:pic>
         <p:nvPicPr>
-          <p:cNvPr id="14338" name="Picture 2"/>
+          <p:cNvPr id="3074" name="Picture 2"/>
           <p:cNvPicPr>
             <a:picLocks noChangeAspect="1" noChangeArrowheads="1"/>
           </p:cNvPicPr>
@@ -8824,7 +8804,7 @@
         <p:spPr bwMode="auto">
           <a:xfrm>
             <a:off x="251520" y="260648"/>
-            <a:ext cx="4975860" cy="4305300"/>
+            <a:ext cx="4975860" cy="4267200"/>
           </a:xfrm>
           <a:prstGeom prst="rect">
             <a:avLst/>
@@ -9954,7 +9934,7 @@
       </p:grpSpPr>
       <p:pic>
         <p:nvPicPr>
-          <p:cNvPr id="15362" name="Picture 2"/>
+          <p:cNvPr id="4098" name="Picture 2"/>
           <p:cNvPicPr>
             <a:picLocks noChangeAspect="1" noChangeArrowheads="1"/>
           </p:cNvPicPr>
@@ -9970,7 +9950,7 @@
         <p:spPr bwMode="auto">
           <a:xfrm>
             <a:off x="251520" y="260648"/>
-            <a:ext cx="4975860" cy="4305300"/>
+            <a:ext cx="4975860" cy="4267200"/>
           </a:xfrm>
           <a:prstGeom prst="rect">
             <a:avLst/>
@@ -10969,7 +10949,7 @@
       </p:grpSpPr>
       <p:pic>
         <p:nvPicPr>
-          <p:cNvPr id="16386" name="Picture 2"/>
+          <p:cNvPr id="5123" name="Picture 3"/>
           <p:cNvPicPr>
             <a:picLocks noChangeAspect="1" noChangeArrowheads="1"/>
           </p:cNvPicPr>
@@ -10985,7 +10965,7 @@
         <p:spPr bwMode="auto">
           <a:xfrm>
             <a:off x="395536" y="332656"/>
-            <a:ext cx="4975860" cy="4297680"/>
+            <a:ext cx="4953000" cy="4259580"/>
           </a:xfrm>
           <a:prstGeom prst="rect">
             <a:avLst/>
@@ -11617,6 +11597,38 @@
           <a:chExt cx="0" cy="0"/>
         </a:xfrm>
       </p:grpSpPr>
+      <p:pic>
+        <p:nvPicPr>
+          <p:cNvPr id="6146" name="Picture 2"/>
+          <p:cNvPicPr>
+            <a:picLocks noChangeAspect="1" noChangeArrowheads="1"/>
+          </p:cNvPicPr>
+          <p:nvPr/>
+        </p:nvPicPr>
+        <p:blipFill>
+          <a:blip r:embed="rId2" cstate="print"/>
+          <a:srcRect/>
+          <a:stretch>
+            <a:fillRect/>
+          </a:stretch>
+        </p:blipFill>
+        <p:spPr bwMode="auto">
+          <a:xfrm>
+            <a:off x="395536" y="332656"/>
+            <a:ext cx="4953000" cy="4259580"/>
+          </a:xfrm>
+          <a:prstGeom prst="rect">
+            <a:avLst/>
+          </a:prstGeom>
+          <a:noFill/>
+          <a:ln w="9525">
+            <a:noFill/>
+            <a:miter lim="800000"/>
+            <a:headEnd/>
+            <a:tailEnd/>
+          </a:ln>
+        </p:spPr>
+      </p:pic>
       <p:sp>
         <p:nvSpPr>
           <p:cNvPr id="4" name="TextBox 3"/>
@@ -12406,38 +12418,6 @@
           </a:p>
         </p:txBody>
       </p:sp>
-      <p:pic>
-        <p:nvPicPr>
-          <p:cNvPr id="17410" name="Picture 2"/>
-          <p:cNvPicPr>
-            <a:picLocks noChangeAspect="1" noChangeArrowheads="1"/>
-          </p:cNvPicPr>
-          <p:nvPr/>
-        </p:nvPicPr>
-        <p:blipFill>
-          <a:blip r:embed="rId2" cstate="print"/>
-          <a:srcRect/>
-          <a:stretch>
-            <a:fillRect/>
-          </a:stretch>
-        </p:blipFill>
-        <p:spPr bwMode="auto">
-          <a:xfrm>
-            <a:off x="395536" y="332656"/>
-            <a:ext cx="4975860" cy="4297680"/>
-          </a:xfrm>
-          <a:prstGeom prst="rect">
-            <a:avLst/>
-          </a:prstGeom>
-          <a:noFill/>
-          <a:ln w="9525">
-            <a:noFill/>
-            <a:miter lim="800000"/>
-            <a:headEnd/>
-            <a:tailEnd/>
-          </a:ln>
-        </p:spPr>
-      </p:pic>
     </p:spTree>
   </p:cSld>
   <p:clrMapOvr>
@@ -12472,7 +12452,7 @@
       </p:grpSpPr>
       <p:pic>
         <p:nvPicPr>
-          <p:cNvPr id="18434" name="Picture 2"/>
+          <p:cNvPr id="7170" name="Picture 2"/>
           <p:cNvPicPr>
             <a:picLocks noChangeAspect="1" noChangeArrowheads="1"/>
           </p:cNvPicPr>
@@ -12488,7 +12468,7 @@
         <p:spPr bwMode="auto">
           <a:xfrm>
             <a:off x="395536" y="332656"/>
-            <a:ext cx="4975860" cy="4320540"/>
+            <a:ext cx="4953000" cy="4259580"/>
           </a:xfrm>
           <a:prstGeom prst="rect">
             <a:avLst/>
@@ -12863,7 +12843,7 @@
       </p:grpSpPr>
       <p:pic>
         <p:nvPicPr>
-          <p:cNvPr id="19458" name="Picture 2"/>
+          <p:cNvPr id="8194" name="Picture 2"/>
           <p:cNvPicPr>
             <a:picLocks noChangeAspect="1" noChangeArrowheads="1"/>
           </p:cNvPicPr>
@@ -12879,7 +12859,7 @@
         <p:spPr bwMode="auto">
           <a:xfrm>
             <a:off x="287524" y="332656"/>
-            <a:ext cx="4975860" cy="4320540"/>
+            <a:ext cx="4953000" cy="4259580"/>
           </a:xfrm>
           <a:prstGeom prst="rect">
             <a:avLst/>
@@ -12893,6 +12873,641 @@
           </a:ln>
         </p:spPr>
       </p:pic>
+      <p:sp>
+        <p:nvSpPr>
+          <p:cNvPr id="33" name="TextBox 32"/>
+          <p:cNvSpPr txBox="1"/>
+          <p:nvPr/>
+        </p:nvSpPr>
+        <p:spPr>
+          <a:xfrm>
+            <a:off x="251520" y="4905164"/>
+            <a:ext cx="5220580" cy="1700808"/>
+          </a:xfrm>
+          <a:prstGeom prst="rect">
+            <a:avLst/>
+          </a:prstGeom>
+          <a:solidFill>
+            <a:schemeClr val="accent2">
+              <a:lumMod val="60000"/>
+              <a:lumOff val="40000"/>
+            </a:schemeClr>
+          </a:solidFill>
+          <a:ln>
+            <a:solidFill>
+              <a:schemeClr val="tx1"/>
+            </a:solidFill>
+          </a:ln>
+        </p:spPr>
+        <p:txBody>
+          <a:bodyPr wrap="square" rtlCol="0">
+            <a:noAutofit/>
+          </a:bodyPr>
+          <a:lstStyle/>
+          <a:p>
+            <a:r>
+              <a:rPr lang="en-GB" b="1" dirty="0" smtClean="0"/>
+              <a:t>Icons Recap:</a:t>
+            </a:r>
+          </a:p>
+        </p:txBody>
+      </p:sp>
+      <p:sp>
+        <p:nvSpPr>
+          <p:cNvPr id="35" name="TextBox 34"/>
+          <p:cNvSpPr txBox="1"/>
+          <p:nvPr/>
+        </p:nvSpPr>
+        <p:spPr>
+          <a:xfrm>
+            <a:off x="791580" y="5733256"/>
+            <a:ext cx="2952328" cy="360040"/>
+          </a:xfrm>
+          <a:prstGeom prst="rect">
+            <a:avLst/>
+          </a:prstGeom>
+          <a:noFill/>
+          <a:ln>
+            <a:noFill/>
+          </a:ln>
+        </p:spPr>
+        <p:txBody>
+          <a:bodyPr wrap="square" rtlCol="0">
+            <a:noAutofit/>
+          </a:bodyPr>
+          <a:lstStyle/>
+          <a:p>
+            <a:r>
+              <a:rPr lang="en-GB" sz="1600" dirty="0" err="1" smtClean="0">
+                <a:latin typeface="Courier New" pitchFamily="49" charset="0"/>
+                <a:cs typeface="Courier New" pitchFamily="49" charset="0"/>
+              </a:rPr>
+              <a:t>ISlot</a:t>
+            </a:r>
+            <a:r>
+              <a:rPr lang="en-GB" sz="1600" dirty="0" smtClean="0"/>
+              <a:t> / Externally-sourced type</a:t>
+            </a:r>
+            <a:endParaRPr lang="en-GB" sz="1600" dirty="0"/>
+          </a:p>
+        </p:txBody>
+      </p:sp>
+      <p:sp>
+        <p:nvSpPr>
+          <p:cNvPr id="36" name="Isosceles Triangle 35"/>
+          <p:cNvSpPr/>
+          <p:nvPr/>
+        </p:nvSpPr>
+        <p:spPr>
+          <a:xfrm rot="5400000">
+            <a:off x="395535" y="5769260"/>
+            <a:ext cx="324036" cy="324036"/>
+          </a:xfrm>
+          <a:prstGeom prst="triangle">
+            <a:avLst/>
+          </a:prstGeom>
+          <a:solidFill>
+            <a:srgbClr val="FF0000"/>
+          </a:solidFill>
+          <a:ln w="9525">
+            <a:solidFill>
+              <a:schemeClr val="tx1"/>
+            </a:solidFill>
+          </a:ln>
+        </p:spPr>
+        <p:style>
+          <a:lnRef idx="2">
+            <a:schemeClr val="accent1">
+              <a:shade val="50000"/>
+            </a:schemeClr>
+          </a:lnRef>
+          <a:fillRef idx="1">
+            <a:schemeClr val="accent1"/>
+          </a:fillRef>
+          <a:effectRef idx="0">
+            <a:schemeClr val="accent1"/>
+          </a:effectRef>
+          <a:fontRef idx="minor">
+            <a:schemeClr val="lt1"/>
+          </a:fontRef>
+        </p:style>
+        <p:txBody>
+          <a:bodyPr rtlCol="0" anchor="ctr"/>
+          <a:lstStyle/>
+          <a:p>
+            <a:pPr algn="ctr"/>
+            <a:endParaRPr lang="en-GB" sz="1600"/>
+          </a:p>
+        </p:txBody>
+      </p:sp>
+      <p:sp>
+        <p:nvSpPr>
+          <p:cNvPr id="38" name="Rectangle 37"/>
+          <p:cNvSpPr/>
+          <p:nvPr/>
+        </p:nvSpPr>
+        <p:spPr>
+          <a:xfrm rot="18972962">
+            <a:off x="421376" y="5319366"/>
+            <a:ext cx="272357" cy="288198"/>
+          </a:xfrm>
+          <a:prstGeom prst="rect">
+            <a:avLst/>
+          </a:prstGeom>
+          <a:solidFill>
+            <a:srgbClr val="FF0000"/>
+          </a:solidFill>
+          <a:ln w="9525">
+            <a:solidFill>
+              <a:schemeClr val="tx1"/>
+            </a:solidFill>
+          </a:ln>
+        </p:spPr>
+        <p:style>
+          <a:lnRef idx="2">
+            <a:schemeClr val="accent1">
+              <a:shade val="50000"/>
+            </a:schemeClr>
+          </a:lnRef>
+          <a:fillRef idx="1">
+            <a:schemeClr val="accent1"/>
+          </a:fillRef>
+          <a:effectRef idx="0">
+            <a:schemeClr val="accent1"/>
+          </a:effectRef>
+          <a:fontRef idx="minor">
+            <a:schemeClr val="lt1"/>
+          </a:fontRef>
+        </p:style>
+        <p:txBody>
+          <a:bodyPr rtlCol="0" anchor="ctr"/>
+          <a:lstStyle/>
+          <a:p>
+            <a:pPr algn="ctr"/>
+            <a:endParaRPr lang="en-GB" sz="1600"/>
+          </a:p>
+        </p:txBody>
+      </p:sp>
+      <p:sp>
+        <p:nvSpPr>
+          <p:cNvPr id="40" name="TextBox 39"/>
+          <p:cNvSpPr txBox="1"/>
+          <p:nvPr/>
+        </p:nvSpPr>
+        <p:spPr>
+          <a:xfrm>
+            <a:off x="791580" y="5301208"/>
+            <a:ext cx="3096344" cy="360040"/>
+          </a:xfrm>
+          <a:prstGeom prst="rect">
+            <a:avLst/>
+          </a:prstGeom>
+          <a:noFill/>
+          <a:ln>
+            <a:noFill/>
+          </a:ln>
+        </p:spPr>
+        <p:txBody>
+          <a:bodyPr wrap="square" rtlCol="0">
+            <a:noAutofit/>
+          </a:bodyPr>
+          <a:lstStyle/>
+          <a:p>
+            <a:r>
+              <a:rPr lang="en-GB" sz="1600" dirty="0" err="1" smtClean="0">
+                <a:latin typeface="Courier New" pitchFamily="49" charset="0"/>
+                <a:cs typeface="Courier New" pitchFamily="49" charset="0"/>
+              </a:rPr>
+              <a:t>IFrame</a:t>
+            </a:r>
+            <a:r>
+              <a:rPr lang="en-GB" sz="1600" dirty="0" smtClean="0"/>
+              <a:t> / Externally-sourced type</a:t>
+            </a:r>
+            <a:endParaRPr lang="en-GB" sz="1600" dirty="0"/>
+          </a:p>
+        </p:txBody>
+      </p:sp>
+      <p:sp>
+        <p:nvSpPr>
+          <p:cNvPr id="15" name="TextBox 14"/>
+          <p:cNvSpPr txBox="1"/>
+          <p:nvPr/>
+        </p:nvSpPr>
+        <p:spPr>
+          <a:xfrm>
+            <a:off x="5796136" y="620688"/>
+            <a:ext cx="3024336" cy="2339102"/>
+          </a:xfrm>
+          <a:prstGeom prst="rect">
+            <a:avLst/>
+          </a:prstGeom>
+          <a:solidFill>
+            <a:schemeClr val="tx2">
+              <a:lumMod val="40000"/>
+              <a:lumOff val="60000"/>
+            </a:schemeClr>
+          </a:solidFill>
+          <a:ln>
+            <a:solidFill>
+              <a:schemeClr val="tx1"/>
+            </a:solidFill>
+          </a:ln>
+        </p:spPr>
+        <p:txBody>
+          <a:bodyPr wrap="square" rtlCol="0">
+            <a:spAutoFit/>
+          </a:bodyPr>
+          <a:lstStyle/>
+          <a:p>
+            <a:r>
+              <a:rPr lang="en-GB" b="1" dirty="0" smtClean="0"/>
+              <a:t>Actions:</a:t>
+            </a:r>
+            <a:endParaRPr lang="en-GB" dirty="0"/>
+          </a:p>
+          <a:p>
+            <a:pPr marL="457200" indent="-457200">
+              <a:buFont typeface="+mj-lt"/>
+              <a:buAutoNum type="arabicPeriod"/>
+            </a:pPr>
+            <a:r>
+              <a:rPr lang="en-GB" sz="1600" dirty="0" smtClean="0"/>
+              <a:t>Continue with hybrid version of demo model</a:t>
+            </a:r>
+          </a:p>
+          <a:p>
+            <a:pPr marL="457200" indent="-457200">
+              <a:buFont typeface="+mj-lt"/>
+              <a:buAutoNum type="arabicPeriod"/>
+            </a:pPr>
+            <a:r>
+              <a:rPr lang="en-GB" sz="1600" dirty="0" smtClean="0"/>
+              <a:t>Select </a:t>
+            </a:r>
+            <a:r>
+              <a:rPr lang="en-GB" sz="1600" dirty="0" smtClean="0">
+                <a:latin typeface="Comic Sans MS" pitchFamily="66" charset="0"/>
+                <a:cs typeface="Courier New" pitchFamily="49" charset="0"/>
+              </a:rPr>
+              <a:t>Job</a:t>
+            </a:r>
+            <a:r>
+              <a:rPr lang="en-GB" sz="1600" dirty="0" smtClean="0"/>
+              <a:t> in LH panel</a:t>
+            </a:r>
+          </a:p>
+          <a:p>
+            <a:pPr marL="457200" indent="-457200">
+              <a:buFont typeface="+mj-lt"/>
+              <a:buAutoNum type="arabicPeriod"/>
+            </a:pPr>
+            <a:r>
+              <a:rPr lang="en-GB" sz="1600" dirty="0" smtClean="0"/>
+              <a:t>Click on “Assertion…” button in “Instantiate” area at bottom of RH panel</a:t>
+            </a:r>
+          </a:p>
+          <a:p>
+            <a:pPr marL="457200" indent="-457200">
+              <a:buFont typeface="+mj-lt"/>
+              <a:buAutoNum type="arabicPeriod"/>
+            </a:pPr>
+            <a:r>
+              <a:rPr lang="en-GB" sz="1600" dirty="0" smtClean="0"/>
+              <a:t>Manually expand tree that appears in new window</a:t>
+            </a:r>
+          </a:p>
+        </p:txBody>
+      </p:sp>
+      <p:sp>
+        <p:nvSpPr>
+          <p:cNvPr id="22" name="TextBox 21"/>
+          <p:cNvSpPr txBox="1"/>
+          <p:nvPr/>
+        </p:nvSpPr>
+        <p:spPr>
+          <a:xfrm>
+            <a:off x="5796136" y="2960948"/>
+            <a:ext cx="3024336" cy="3077766"/>
+          </a:xfrm>
+          <a:prstGeom prst="rect">
+            <a:avLst/>
+          </a:prstGeom>
+          <a:solidFill>
+            <a:schemeClr val="accent3">
+              <a:lumMod val="60000"/>
+              <a:lumOff val="40000"/>
+            </a:schemeClr>
+          </a:solidFill>
+          <a:ln>
+            <a:solidFill>
+              <a:schemeClr val="tx1"/>
+            </a:solidFill>
+          </a:ln>
+        </p:spPr>
+        <p:txBody>
+          <a:bodyPr wrap="square" rtlCol="0">
+            <a:spAutoFit/>
+          </a:bodyPr>
+          <a:lstStyle/>
+          <a:p>
+            <a:r>
+              <a:rPr lang="en-GB" b="1" dirty="0" smtClean="0"/>
+              <a:t>Discussion:</a:t>
+            </a:r>
+            <a:endParaRPr lang="en-GB" dirty="0"/>
+          </a:p>
+          <a:p>
+            <a:pPr marL="457200" indent="-457200">
+              <a:buFont typeface="Arial" pitchFamily="34" charset="0"/>
+              <a:buChar char="•"/>
+            </a:pPr>
+            <a:r>
+              <a:rPr lang="en-GB" sz="1600" dirty="0" smtClean="0"/>
+              <a:t>This window shows an </a:t>
+            </a:r>
+            <a:r>
+              <a:rPr lang="en-GB" sz="1600" dirty="0" err="1" smtClean="0">
+                <a:latin typeface="Courier New" pitchFamily="49" charset="0"/>
+                <a:cs typeface="Courier New" pitchFamily="49" charset="0"/>
+              </a:rPr>
+              <a:t>IFrame</a:t>
+            </a:r>
+            <a:r>
+              <a:rPr lang="en-GB" sz="1600" dirty="0" smtClean="0"/>
+              <a:t> instantiating </a:t>
+            </a:r>
+            <a:r>
+              <a:rPr lang="en-GB" sz="1600" dirty="0" smtClean="0">
+                <a:latin typeface="Comic Sans MS" pitchFamily="66" charset="0"/>
+              </a:rPr>
+              <a:t>Job</a:t>
+            </a:r>
+            <a:endParaRPr lang="en-GB" sz="1600" dirty="0" smtClean="0"/>
+          </a:p>
+          <a:p>
+            <a:pPr marL="457200" indent="-457200">
+              <a:buFont typeface="Arial" pitchFamily="34" charset="0"/>
+              <a:buChar char="•"/>
+            </a:pPr>
+            <a:r>
+              <a:rPr lang="en-GB" sz="1600" dirty="0" smtClean="0"/>
+              <a:t>This is an </a:t>
+            </a:r>
+            <a:r>
+              <a:rPr lang="en-GB" sz="1600" i="1" dirty="0" smtClean="0"/>
+              <a:t>assertion</a:t>
+            </a:r>
+            <a:r>
+              <a:rPr lang="en-GB" sz="1600" dirty="0" smtClean="0"/>
+              <a:t>, rather than </a:t>
+            </a:r>
+            <a:r>
+              <a:rPr lang="en-GB" sz="1600" i="1" dirty="0" smtClean="0"/>
+              <a:t>query</a:t>
+            </a:r>
+            <a:r>
+              <a:rPr lang="en-GB" sz="1600" dirty="0" smtClean="0"/>
+              <a:t>, instance (see next slide for details)</a:t>
+            </a:r>
+          </a:p>
+          <a:p>
+            <a:pPr marL="457200" indent="-457200">
+              <a:buFont typeface="Arial" pitchFamily="34" charset="0"/>
+              <a:buChar char="•"/>
+            </a:pPr>
+            <a:r>
+              <a:rPr lang="en-GB" sz="1600" dirty="0" smtClean="0"/>
+              <a:t>The icons appearing underneath the </a:t>
+            </a:r>
+            <a:r>
+              <a:rPr lang="en-GB" sz="1600" dirty="0" err="1" smtClean="0">
+                <a:latin typeface="Courier New" pitchFamily="49" charset="0"/>
+                <a:cs typeface="Courier New" pitchFamily="49" charset="0"/>
+              </a:rPr>
+              <a:t>ISlot</a:t>
+            </a:r>
+            <a:r>
+              <a:rPr lang="en-GB" sz="1600" dirty="0" err="1" smtClean="0"/>
+              <a:t>s</a:t>
+            </a:r>
+            <a:r>
+              <a:rPr lang="en-GB" sz="1600" dirty="0" smtClean="0"/>
+              <a:t>  represent the relevant value-types. The actual values, when set, will appear underneath the value-types</a:t>
+            </a:r>
+          </a:p>
+        </p:txBody>
+      </p:sp>
+      <p:sp>
+        <p:nvSpPr>
+          <p:cNvPr id="43" name="TextBox 42"/>
+          <p:cNvSpPr txBox="1"/>
+          <p:nvPr/>
+        </p:nvSpPr>
+        <p:spPr>
+          <a:xfrm>
+            <a:off x="791580" y="6165304"/>
+            <a:ext cx="2700300" cy="360040"/>
+          </a:xfrm>
+          <a:prstGeom prst="rect">
+            <a:avLst/>
+          </a:prstGeom>
+          <a:noFill/>
+          <a:ln>
+            <a:noFill/>
+          </a:ln>
+        </p:spPr>
+        <p:txBody>
+          <a:bodyPr wrap="square" rtlCol="0">
+            <a:noAutofit/>
+          </a:bodyPr>
+          <a:lstStyle/>
+          <a:p>
+            <a:r>
+              <a:rPr lang="en-GB" sz="1600" dirty="0" err="1" smtClean="0">
+                <a:latin typeface="Courier New" pitchFamily="49" charset="0"/>
+                <a:cs typeface="Courier New" pitchFamily="49" charset="0"/>
+              </a:rPr>
+              <a:t>ISlot</a:t>
+            </a:r>
+            <a:r>
+              <a:rPr lang="en-GB" sz="1600" dirty="0" smtClean="0"/>
+              <a:t> / Dual-sourced type</a:t>
+            </a:r>
+            <a:endParaRPr lang="en-GB" sz="1600" dirty="0"/>
+          </a:p>
+        </p:txBody>
+      </p:sp>
+      <p:sp>
+        <p:nvSpPr>
+          <p:cNvPr id="45" name="Isosceles Triangle 44"/>
+          <p:cNvSpPr/>
+          <p:nvPr/>
+        </p:nvSpPr>
+        <p:spPr>
+          <a:xfrm rot="5400000">
+            <a:off x="395536" y="6201308"/>
+            <a:ext cx="324036" cy="324036"/>
+          </a:xfrm>
+          <a:prstGeom prst="triangle">
+            <a:avLst/>
+          </a:prstGeom>
+          <a:solidFill>
+            <a:srgbClr val="411DD9"/>
+          </a:solidFill>
+          <a:ln w="9525">
+            <a:solidFill>
+              <a:schemeClr val="tx1"/>
+            </a:solidFill>
+          </a:ln>
+        </p:spPr>
+        <p:style>
+          <a:lnRef idx="2">
+            <a:schemeClr val="accent1">
+              <a:shade val="50000"/>
+            </a:schemeClr>
+          </a:lnRef>
+          <a:fillRef idx="1">
+            <a:schemeClr val="accent1"/>
+          </a:fillRef>
+          <a:effectRef idx="0">
+            <a:schemeClr val="accent1"/>
+          </a:effectRef>
+          <a:fontRef idx="minor">
+            <a:schemeClr val="lt1"/>
+          </a:fontRef>
+        </p:style>
+        <p:txBody>
+          <a:bodyPr rtlCol="0" anchor="ctr"/>
+          <a:lstStyle/>
+          <a:p>
+            <a:pPr algn="ctr"/>
+            <a:endParaRPr lang="en-GB" sz="1600"/>
+          </a:p>
+        </p:txBody>
+      </p:sp>
+      <p:sp>
+        <p:nvSpPr>
+          <p:cNvPr id="46" name="Isosceles Triangle 45"/>
+          <p:cNvSpPr/>
+          <p:nvPr/>
+        </p:nvSpPr>
+        <p:spPr>
+          <a:xfrm rot="5400000">
+            <a:off x="431540" y="6273316"/>
+            <a:ext cx="180020" cy="180020"/>
+          </a:xfrm>
+          <a:prstGeom prst="triangle">
+            <a:avLst/>
+          </a:prstGeom>
+          <a:solidFill>
+            <a:srgbClr val="FF0000"/>
+          </a:solidFill>
+          <a:ln w="9525">
+            <a:solidFill>
+              <a:schemeClr val="tx1"/>
+            </a:solidFill>
+          </a:ln>
+        </p:spPr>
+        <p:style>
+          <a:lnRef idx="2">
+            <a:schemeClr val="accent1">
+              <a:shade val="50000"/>
+            </a:schemeClr>
+          </a:lnRef>
+          <a:fillRef idx="1">
+            <a:schemeClr val="accent1"/>
+          </a:fillRef>
+          <a:effectRef idx="0">
+            <a:schemeClr val="accent1"/>
+          </a:effectRef>
+          <a:fontRef idx="minor">
+            <a:schemeClr val="lt1"/>
+          </a:fontRef>
+        </p:style>
+        <p:txBody>
+          <a:bodyPr rtlCol="0" anchor="ctr"/>
+          <a:lstStyle/>
+          <a:p>
+            <a:pPr algn="ctr"/>
+            <a:endParaRPr lang="en-GB" sz="1600" dirty="0"/>
+          </a:p>
+        </p:txBody>
+      </p:sp>
+      <p:sp>
+        <p:nvSpPr>
+          <p:cNvPr id="41" name="TextBox 40"/>
+          <p:cNvSpPr txBox="1"/>
+          <p:nvPr/>
+        </p:nvSpPr>
+        <p:spPr>
+          <a:xfrm>
+            <a:off x="3851920" y="5409220"/>
+            <a:ext cx="1476164" cy="1080120"/>
+          </a:xfrm>
+          <a:prstGeom prst="rect">
+            <a:avLst/>
+          </a:prstGeom>
+          <a:solidFill>
+            <a:schemeClr val="accent2">
+              <a:lumMod val="40000"/>
+              <a:lumOff val="60000"/>
+            </a:schemeClr>
+          </a:solidFill>
+          <a:ln>
+            <a:solidFill>
+              <a:schemeClr val="tx1"/>
+            </a:solidFill>
+          </a:ln>
+        </p:spPr>
+        <p:txBody>
+          <a:bodyPr wrap="square" rtlCol="0">
+            <a:noAutofit/>
+          </a:bodyPr>
+          <a:lstStyle/>
+          <a:p>
+            <a:r>
+              <a:rPr lang="en-GB" sz="1600" b="1" i="1" dirty="0" smtClean="0"/>
+              <a:t>Note:</a:t>
+            </a:r>
+            <a:r>
+              <a:rPr lang="en-GB" sz="1600" i="1" dirty="0" smtClean="0"/>
+              <a:t> </a:t>
+            </a:r>
+            <a:r>
+              <a:rPr lang="en-GB" sz="1600" dirty="0" err="1" smtClean="0">
+                <a:latin typeface="Courier New" pitchFamily="49" charset="0"/>
+                <a:cs typeface="Courier New" pitchFamily="49" charset="0"/>
+              </a:rPr>
+              <a:t>ISlot</a:t>
+            </a:r>
+            <a:r>
+              <a:rPr lang="en-GB" sz="1600" dirty="0" err="1" smtClean="0"/>
+              <a:t>s</a:t>
+            </a:r>
+            <a:r>
+              <a:rPr lang="en-GB" sz="1600" dirty="0" smtClean="0"/>
+              <a:t> distinguished from </a:t>
+            </a:r>
+            <a:r>
+              <a:rPr lang="en-GB" sz="1600" dirty="0" err="1" smtClean="0">
+                <a:latin typeface="Courier New" pitchFamily="49" charset="0"/>
+                <a:cs typeface="Courier New" pitchFamily="49" charset="0"/>
+              </a:rPr>
+              <a:t>CSlot</a:t>
+            </a:r>
+            <a:r>
+              <a:rPr lang="en-GB" sz="1600" dirty="0" err="1" smtClean="0"/>
+              <a:t>s</a:t>
+            </a:r>
+            <a:r>
+              <a:rPr lang="en-GB" sz="1600" dirty="0" smtClean="0"/>
+              <a:t> only by context</a:t>
+            </a:r>
+            <a:endParaRPr lang="en-GB" sz="1600" dirty="0"/>
+          </a:p>
+        </p:txBody>
+      </p:sp>
       <p:grpSp>
         <p:nvGrpSpPr>
           <p:cNvPr id="21" name="Group 20"/>
@@ -12901,7 +13516,7 @@
         </p:nvGrpSpPr>
         <p:grpSpPr>
           <a:xfrm rot="19301791">
-            <a:off x="4230038" y="4419208"/>
+            <a:off x="4194035" y="4347200"/>
             <a:ext cx="135329" cy="221507"/>
             <a:chOff x="7056276" y="4257092"/>
             <a:chExt cx="468052" cy="891034"/>
@@ -13050,434 +13665,9 @@
           </p:txBody>
         </p:sp>
       </p:grpSp>
-      <p:sp>
-        <p:nvSpPr>
-          <p:cNvPr id="33" name="TextBox 32"/>
-          <p:cNvSpPr txBox="1"/>
-          <p:nvPr/>
-        </p:nvSpPr>
-        <p:spPr>
-          <a:xfrm>
-            <a:off x="251520" y="4905164"/>
-            <a:ext cx="5220580" cy="1700808"/>
-          </a:xfrm>
-          <a:prstGeom prst="rect">
-            <a:avLst/>
-          </a:prstGeom>
-          <a:solidFill>
-            <a:schemeClr val="accent2">
-              <a:lumMod val="60000"/>
-              <a:lumOff val="40000"/>
-            </a:schemeClr>
-          </a:solidFill>
-          <a:ln>
-            <a:solidFill>
-              <a:schemeClr val="tx1"/>
-            </a:solidFill>
-          </a:ln>
-        </p:spPr>
-        <p:txBody>
-          <a:bodyPr wrap="square" rtlCol="0">
-            <a:noAutofit/>
-          </a:bodyPr>
-          <a:lstStyle/>
-          <a:p>
-            <a:r>
-              <a:rPr lang="en-GB" b="1" dirty="0" smtClean="0"/>
-              <a:t>Icons Recap:</a:t>
-            </a:r>
-          </a:p>
-        </p:txBody>
-      </p:sp>
-      <p:sp>
-        <p:nvSpPr>
-          <p:cNvPr id="35" name="TextBox 34"/>
-          <p:cNvSpPr txBox="1"/>
-          <p:nvPr/>
-        </p:nvSpPr>
-        <p:spPr>
-          <a:xfrm>
-            <a:off x="791580" y="5733256"/>
-            <a:ext cx="2952328" cy="360040"/>
-          </a:xfrm>
-          <a:prstGeom prst="rect">
-            <a:avLst/>
-          </a:prstGeom>
-          <a:noFill/>
-          <a:ln>
-            <a:noFill/>
-          </a:ln>
-        </p:spPr>
-        <p:txBody>
-          <a:bodyPr wrap="square" rtlCol="0">
-            <a:noAutofit/>
-          </a:bodyPr>
-          <a:lstStyle/>
-          <a:p>
-            <a:r>
-              <a:rPr lang="en-GB" sz="1600" dirty="0" err="1" smtClean="0">
-                <a:latin typeface="Courier New" pitchFamily="49" charset="0"/>
-                <a:cs typeface="Courier New" pitchFamily="49" charset="0"/>
-              </a:rPr>
-              <a:t>ISlot</a:t>
-            </a:r>
-            <a:r>
-              <a:rPr lang="en-GB" sz="1600" dirty="0" smtClean="0"/>
-              <a:t> / Externally-sourced type</a:t>
-            </a:r>
-            <a:endParaRPr lang="en-GB" sz="1600" dirty="0"/>
-          </a:p>
-        </p:txBody>
-      </p:sp>
-      <p:sp>
-        <p:nvSpPr>
-          <p:cNvPr id="36" name="Isosceles Triangle 35"/>
-          <p:cNvSpPr/>
-          <p:nvPr/>
-        </p:nvSpPr>
-        <p:spPr>
-          <a:xfrm rot="5400000">
-            <a:off x="395535" y="5769260"/>
-            <a:ext cx="324036" cy="324036"/>
-          </a:xfrm>
-          <a:prstGeom prst="triangle">
-            <a:avLst/>
-          </a:prstGeom>
-          <a:solidFill>
-            <a:srgbClr val="FF0000"/>
-          </a:solidFill>
-          <a:ln w="9525">
-            <a:solidFill>
-              <a:schemeClr val="tx1"/>
-            </a:solidFill>
-          </a:ln>
-        </p:spPr>
-        <p:style>
-          <a:lnRef idx="2">
-            <a:schemeClr val="accent1">
-              <a:shade val="50000"/>
-            </a:schemeClr>
-          </a:lnRef>
-          <a:fillRef idx="1">
-            <a:schemeClr val="accent1"/>
-          </a:fillRef>
-          <a:effectRef idx="0">
-            <a:schemeClr val="accent1"/>
-          </a:effectRef>
-          <a:fontRef idx="minor">
-            <a:schemeClr val="lt1"/>
-          </a:fontRef>
-        </p:style>
-        <p:txBody>
-          <a:bodyPr rtlCol="0" anchor="ctr"/>
-          <a:lstStyle/>
-          <a:p>
-            <a:pPr algn="ctr"/>
-            <a:endParaRPr lang="en-GB" sz="1600"/>
-          </a:p>
-        </p:txBody>
-      </p:sp>
-      <p:sp>
-        <p:nvSpPr>
-          <p:cNvPr id="38" name="Rectangle 37"/>
-          <p:cNvSpPr/>
-          <p:nvPr/>
-        </p:nvSpPr>
-        <p:spPr>
-          <a:xfrm rot="18972962">
-            <a:off x="421376" y="5319366"/>
-            <a:ext cx="272357" cy="288198"/>
-          </a:xfrm>
-          <a:prstGeom prst="rect">
-            <a:avLst/>
-          </a:prstGeom>
-          <a:solidFill>
-            <a:srgbClr val="FF0000"/>
-          </a:solidFill>
-          <a:ln w="9525">
-            <a:solidFill>
-              <a:schemeClr val="tx1"/>
-            </a:solidFill>
-          </a:ln>
-        </p:spPr>
-        <p:style>
-          <a:lnRef idx="2">
-            <a:schemeClr val="accent1">
-              <a:shade val="50000"/>
-            </a:schemeClr>
-          </a:lnRef>
-          <a:fillRef idx="1">
-            <a:schemeClr val="accent1"/>
-          </a:fillRef>
-          <a:effectRef idx="0">
-            <a:schemeClr val="accent1"/>
-          </a:effectRef>
-          <a:fontRef idx="minor">
-            <a:schemeClr val="lt1"/>
-          </a:fontRef>
-        </p:style>
-        <p:txBody>
-          <a:bodyPr rtlCol="0" anchor="ctr"/>
-          <a:lstStyle/>
-          <a:p>
-            <a:pPr algn="ctr"/>
-            <a:endParaRPr lang="en-GB" sz="1600"/>
-          </a:p>
-        </p:txBody>
-      </p:sp>
-      <p:sp>
-        <p:nvSpPr>
-          <p:cNvPr id="40" name="TextBox 39"/>
-          <p:cNvSpPr txBox="1"/>
-          <p:nvPr/>
-        </p:nvSpPr>
-        <p:spPr>
-          <a:xfrm>
-            <a:off x="791580" y="5301208"/>
-            <a:ext cx="3096344" cy="360040"/>
-          </a:xfrm>
-          <a:prstGeom prst="rect">
-            <a:avLst/>
-          </a:prstGeom>
-          <a:noFill/>
-          <a:ln>
-            <a:noFill/>
-          </a:ln>
-        </p:spPr>
-        <p:txBody>
-          <a:bodyPr wrap="square" rtlCol="0">
-            <a:noAutofit/>
-          </a:bodyPr>
-          <a:lstStyle/>
-          <a:p>
-            <a:r>
-              <a:rPr lang="en-GB" sz="1600" dirty="0" err="1" smtClean="0">
-                <a:latin typeface="Courier New" pitchFamily="49" charset="0"/>
-                <a:cs typeface="Courier New" pitchFamily="49" charset="0"/>
-              </a:rPr>
-              <a:t>IFrame</a:t>
-            </a:r>
-            <a:r>
-              <a:rPr lang="en-GB" sz="1600" dirty="0" smtClean="0"/>
-              <a:t> / Externally-sourced type</a:t>
-            </a:r>
-            <a:endParaRPr lang="en-GB" sz="1600" dirty="0"/>
-          </a:p>
-        </p:txBody>
-      </p:sp>
-      <p:sp>
-        <p:nvSpPr>
-          <p:cNvPr id="15" name="TextBox 14"/>
-          <p:cNvSpPr txBox="1"/>
-          <p:nvPr/>
-        </p:nvSpPr>
-        <p:spPr>
-          <a:xfrm>
-            <a:off x="5796136" y="620688"/>
-            <a:ext cx="3024336" cy="2339102"/>
-          </a:xfrm>
-          <a:prstGeom prst="rect">
-            <a:avLst/>
-          </a:prstGeom>
-          <a:solidFill>
-            <a:schemeClr val="tx2">
-              <a:lumMod val="40000"/>
-              <a:lumOff val="60000"/>
-            </a:schemeClr>
-          </a:solidFill>
-          <a:ln>
-            <a:solidFill>
-              <a:schemeClr val="tx1"/>
-            </a:solidFill>
-          </a:ln>
-        </p:spPr>
-        <p:txBody>
-          <a:bodyPr wrap="square" rtlCol="0">
-            <a:spAutoFit/>
-          </a:bodyPr>
-          <a:lstStyle/>
-          <a:p>
-            <a:r>
-              <a:rPr lang="en-GB" b="1" dirty="0" smtClean="0"/>
-              <a:t>Actions:</a:t>
-            </a:r>
-            <a:endParaRPr lang="en-GB" dirty="0"/>
-          </a:p>
-          <a:p>
-            <a:pPr marL="457200" indent="-457200">
-              <a:buFont typeface="+mj-lt"/>
-              <a:buAutoNum type="arabicPeriod"/>
-            </a:pPr>
-            <a:r>
-              <a:rPr lang="en-GB" sz="1600" dirty="0" smtClean="0"/>
-              <a:t>Continue with hybrid version of demo model</a:t>
-            </a:r>
-          </a:p>
-          <a:p>
-            <a:pPr marL="457200" indent="-457200">
-              <a:buFont typeface="+mj-lt"/>
-              <a:buAutoNum type="arabicPeriod"/>
-            </a:pPr>
-            <a:r>
-              <a:rPr lang="en-GB" sz="1600" dirty="0" smtClean="0"/>
-              <a:t>Select </a:t>
-            </a:r>
-            <a:r>
-              <a:rPr lang="en-GB" sz="1600" dirty="0" smtClean="0">
-                <a:latin typeface="Comic Sans MS" pitchFamily="66" charset="0"/>
-                <a:cs typeface="Courier New" pitchFamily="49" charset="0"/>
-              </a:rPr>
-              <a:t>Job</a:t>
-            </a:r>
-            <a:r>
-              <a:rPr lang="en-GB" sz="1600" dirty="0" smtClean="0"/>
-              <a:t> in LH panel</a:t>
-            </a:r>
-          </a:p>
-          <a:p>
-            <a:pPr marL="457200" indent="-457200">
-              <a:buFont typeface="+mj-lt"/>
-              <a:buAutoNum type="arabicPeriod"/>
-            </a:pPr>
-            <a:r>
-              <a:rPr lang="en-GB" sz="1600" dirty="0" smtClean="0"/>
-              <a:t>Click on “Assertion…” button in “Instantiate” area at bottom of RH panel</a:t>
-            </a:r>
-          </a:p>
-          <a:p>
-            <a:pPr marL="457200" indent="-457200">
-              <a:buFont typeface="+mj-lt"/>
-              <a:buAutoNum type="arabicPeriod"/>
-            </a:pPr>
-            <a:r>
-              <a:rPr lang="en-GB" sz="1600" dirty="0" smtClean="0"/>
-              <a:t>Manually expand tree that appears in new window</a:t>
-            </a:r>
-          </a:p>
-        </p:txBody>
-      </p:sp>
-      <p:sp>
-        <p:nvSpPr>
-          <p:cNvPr id="22" name="TextBox 21"/>
-          <p:cNvSpPr txBox="1"/>
-          <p:nvPr/>
-        </p:nvSpPr>
-        <p:spPr>
-          <a:xfrm>
-            <a:off x="5796136" y="2960948"/>
-            <a:ext cx="3024336" cy="3077766"/>
-          </a:xfrm>
-          <a:prstGeom prst="rect">
-            <a:avLst/>
-          </a:prstGeom>
-          <a:solidFill>
-            <a:schemeClr val="accent3">
-              <a:lumMod val="60000"/>
-              <a:lumOff val="40000"/>
-            </a:schemeClr>
-          </a:solidFill>
-          <a:ln>
-            <a:solidFill>
-              <a:schemeClr val="tx1"/>
-            </a:solidFill>
-          </a:ln>
-        </p:spPr>
-        <p:txBody>
-          <a:bodyPr wrap="square" rtlCol="0">
-            <a:spAutoFit/>
-          </a:bodyPr>
-          <a:lstStyle/>
-          <a:p>
-            <a:r>
-              <a:rPr lang="en-GB" b="1" dirty="0" smtClean="0"/>
-              <a:t>Discussion:</a:t>
-            </a:r>
-            <a:endParaRPr lang="en-GB" dirty="0"/>
-          </a:p>
-          <a:p>
-            <a:pPr marL="457200" indent="-457200">
-              <a:buFont typeface="Arial" pitchFamily="34" charset="0"/>
-              <a:buChar char="•"/>
-            </a:pPr>
-            <a:r>
-              <a:rPr lang="en-GB" sz="1600" dirty="0" smtClean="0"/>
-              <a:t>This window shows an </a:t>
-            </a:r>
-            <a:r>
-              <a:rPr lang="en-GB" sz="1600" dirty="0" err="1" smtClean="0">
-                <a:latin typeface="Courier New" pitchFamily="49" charset="0"/>
-                <a:cs typeface="Courier New" pitchFamily="49" charset="0"/>
-              </a:rPr>
-              <a:t>IFrame</a:t>
-            </a:r>
-            <a:r>
-              <a:rPr lang="en-GB" sz="1600" dirty="0" smtClean="0"/>
-              <a:t> instantiating </a:t>
-            </a:r>
-            <a:r>
-              <a:rPr lang="en-GB" sz="1600" dirty="0" smtClean="0">
-                <a:latin typeface="Comic Sans MS" pitchFamily="66" charset="0"/>
-              </a:rPr>
-              <a:t>Job</a:t>
-            </a:r>
-            <a:endParaRPr lang="en-GB" sz="1600" dirty="0" smtClean="0"/>
-          </a:p>
-          <a:p>
-            <a:pPr marL="457200" indent="-457200">
-              <a:buFont typeface="Arial" pitchFamily="34" charset="0"/>
-              <a:buChar char="•"/>
-            </a:pPr>
-            <a:r>
-              <a:rPr lang="en-GB" sz="1600" dirty="0" smtClean="0"/>
-              <a:t>This is an </a:t>
-            </a:r>
-            <a:r>
-              <a:rPr lang="en-GB" sz="1600" i="1" dirty="0" smtClean="0"/>
-              <a:t>assertion</a:t>
-            </a:r>
-            <a:r>
-              <a:rPr lang="en-GB" sz="1600" dirty="0" smtClean="0"/>
-              <a:t>, rather than </a:t>
-            </a:r>
-            <a:r>
-              <a:rPr lang="en-GB" sz="1600" i="1" dirty="0" smtClean="0"/>
-              <a:t>query</a:t>
-            </a:r>
-            <a:r>
-              <a:rPr lang="en-GB" sz="1600" dirty="0" smtClean="0"/>
-              <a:t>, instance (see next slide for details)</a:t>
-            </a:r>
-          </a:p>
-          <a:p>
-            <a:pPr marL="457200" indent="-457200">
-              <a:buFont typeface="Arial" pitchFamily="34" charset="0"/>
-              <a:buChar char="•"/>
-            </a:pPr>
-            <a:r>
-              <a:rPr lang="en-GB" sz="1600" dirty="0" smtClean="0"/>
-              <a:t>The icons appearing underneath the </a:t>
-            </a:r>
-            <a:r>
-              <a:rPr lang="en-GB" sz="1600" dirty="0" err="1" smtClean="0">
-                <a:latin typeface="Courier New" pitchFamily="49" charset="0"/>
-                <a:cs typeface="Courier New" pitchFamily="49" charset="0"/>
-              </a:rPr>
-              <a:t>ISlot</a:t>
-            </a:r>
-            <a:r>
-              <a:rPr lang="en-GB" sz="1600" dirty="0" err="1" smtClean="0"/>
-              <a:t>s</a:t>
-            </a:r>
-            <a:r>
-              <a:rPr lang="en-GB" sz="1600" dirty="0" smtClean="0"/>
-              <a:t>  represent the relevant value-types. The actual values, when set, will appear underneath the value-types</a:t>
-            </a:r>
-          </a:p>
-        </p:txBody>
-      </p:sp>
       <p:pic>
         <p:nvPicPr>
-          <p:cNvPr id="1032" name="Picture 8"/>
+          <p:cNvPr id="8196" name="Picture 4"/>
           <p:cNvPicPr>
             <a:picLocks noChangeAspect="1" noChangeArrowheads="1"/>
           </p:cNvPicPr>
@@ -13492,8 +13682,8 @@
         </p:blipFill>
         <p:spPr bwMode="auto">
           <a:xfrm>
-            <a:off x="2123728" y="1196752"/>
-            <a:ext cx="3314700" cy="2689860"/>
+            <a:off x="2123728" y="1088740"/>
+            <a:ext cx="3390900" cy="2651760"/>
           </a:xfrm>
           <a:prstGeom prst="rect">
             <a:avLst/>
@@ -13507,216 +13697,6 @@
           </a:ln>
         </p:spPr>
       </p:pic>
-      <p:sp>
-        <p:nvSpPr>
-          <p:cNvPr id="43" name="TextBox 42"/>
-          <p:cNvSpPr txBox="1"/>
-          <p:nvPr/>
-        </p:nvSpPr>
-        <p:spPr>
-          <a:xfrm>
-            <a:off x="791580" y="6165304"/>
-            <a:ext cx="2700300" cy="360040"/>
-          </a:xfrm>
-          <a:prstGeom prst="rect">
-            <a:avLst/>
-          </a:prstGeom>
-          <a:noFill/>
-          <a:ln>
-            <a:noFill/>
-          </a:ln>
-        </p:spPr>
-        <p:txBody>
-          <a:bodyPr wrap="square" rtlCol="0">
-            <a:noAutofit/>
-          </a:bodyPr>
-          <a:lstStyle/>
-          <a:p>
-            <a:r>
-              <a:rPr lang="en-GB" sz="1600" dirty="0" err="1" smtClean="0">
-                <a:latin typeface="Courier New" pitchFamily="49" charset="0"/>
-                <a:cs typeface="Courier New" pitchFamily="49" charset="0"/>
-              </a:rPr>
-              <a:t>ISlot</a:t>
-            </a:r>
-            <a:r>
-              <a:rPr lang="en-GB" sz="1600" dirty="0" smtClean="0"/>
-              <a:t> / Dual-sourced type</a:t>
-            </a:r>
-            <a:endParaRPr lang="en-GB" sz="1600" dirty="0"/>
-          </a:p>
-        </p:txBody>
-      </p:sp>
-      <p:sp>
-        <p:nvSpPr>
-          <p:cNvPr id="45" name="Isosceles Triangle 44"/>
-          <p:cNvSpPr/>
-          <p:nvPr/>
-        </p:nvSpPr>
-        <p:spPr>
-          <a:xfrm rot="5400000">
-            <a:off x="395536" y="6201308"/>
-            <a:ext cx="324036" cy="324036"/>
-          </a:xfrm>
-          <a:prstGeom prst="triangle">
-            <a:avLst/>
-          </a:prstGeom>
-          <a:solidFill>
-            <a:srgbClr val="411DD9"/>
-          </a:solidFill>
-          <a:ln w="9525">
-            <a:solidFill>
-              <a:schemeClr val="tx1"/>
-            </a:solidFill>
-          </a:ln>
-        </p:spPr>
-        <p:style>
-          <a:lnRef idx="2">
-            <a:schemeClr val="accent1">
-              <a:shade val="50000"/>
-            </a:schemeClr>
-          </a:lnRef>
-          <a:fillRef idx="1">
-            <a:schemeClr val="accent1"/>
-          </a:fillRef>
-          <a:effectRef idx="0">
-            <a:schemeClr val="accent1"/>
-          </a:effectRef>
-          <a:fontRef idx="minor">
-            <a:schemeClr val="lt1"/>
-          </a:fontRef>
-        </p:style>
-        <p:txBody>
-          <a:bodyPr rtlCol="0" anchor="ctr"/>
-          <a:lstStyle/>
-          <a:p>
-            <a:pPr algn="ctr"/>
-            <a:endParaRPr lang="en-GB" sz="1600"/>
-          </a:p>
-        </p:txBody>
-      </p:sp>
-      <p:sp>
-        <p:nvSpPr>
-          <p:cNvPr id="46" name="Isosceles Triangle 45"/>
-          <p:cNvSpPr/>
-          <p:nvPr/>
-        </p:nvSpPr>
-        <p:spPr>
-          <a:xfrm rot="5400000">
-            <a:off x="431540" y="6273316"/>
-            <a:ext cx="180020" cy="180020"/>
-          </a:xfrm>
-          <a:prstGeom prst="triangle">
-            <a:avLst/>
-          </a:prstGeom>
-          <a:solidFill>
-            <a:srgbClr val="FF0000"/>
-          </a:solidFill>
-          <a:ln w="9525">
-            <a:solidFill>
-              <a:schemeClr val="tx1"/>
-            </a:solidFill>
-          </a:ln>
-        </p:spPr>
-        <p:style>
-          <a:lnRef idx="2">
-            <a:schemeClr val="accent1">
-              <a:shade val="50000"/>
-            </a:schemeClr>
-          </a:lnRef>
-          <a:fillRef idx="1">
-            <a:schemeClr val="accent1"/>
-          </a:fillRef>
-          <a:effectRef idx="0">
-            <a:schemeClr val="accent1"/>
-          </a:effectRef>
-          <a:fontRef idx="minor">
-            <a:schemeClr val="lt1"/>
-          </a:fontRef>
-        </p:style>
-        <p:txBody>
-          <a:bodyPr rtlCol="0" anchor="ctr"/>
-          <a:lstStyle/>
-          <a:p>
-            <a:pPr algn="ctr"/>
-            <a:endParaRPr lang="en-GB" sz="1600" dirty="0"/>
-          </a:p>
-        </p:txBody>
-      </p:sp>
-      <p:sp>
-        <p:nvSpPr>
-          <p:cNvPr id="41" name="TextBox 40"/>
-          <p:cNvSpPr txBox="1"/>
-          <p:nvPr/>
-        </p:nvSpPr>
-        <p:spPr>
-          <a:xfrm>
-            <a:off x="3851920" y="5409220"/>
-            <a:ext cx="1476164" cy="1080120"/>
-          </a:xfrm>
-          <a:prstGeom prst="rect">
-            <a:avLst/>
-          </a:prstGeom>
-          <a:solidFill>
-            <a:schemeClr val="accent2">
-              <a:lumMod val="40000"/>
-              <a:lumOff val="60000"/>
-            </a:schemeClr>
-          </a:solidFill>
-          <a:ln>
-            <a:solidFill>
-              <a:schemeClr val="tx1"/>
-            </a:solidFill>
-          </a:ln>
-        </p:spPr>
-        <p:txBody>
-          <a:bodyPr wrap="square" rtlCol="0">
-            <a:noAutofit/>
-          </a:bodyPr>
-          <a:lstStyle/>
-          <a:p>
-            <a:r>
-              <a:rPr lang="en-GB" sz="1600" b="1" i="1" dirty="0" smtClean="0"/>
-              <a:t>Note:</a:t>
-            </a:r>
-            <a:r>
-              <a:rPr lang="en-GB" sz="1600" i="1" dirty="0" smtClean="0"/>
-              <a:t> </a:t>
-            </a:r>
-            <a:r>
-              <a:rPr lang="en-GB" sz="1600" dirty="0" err="1" smtClean="0">
-                <a:latin typeface="Courier New" pitchFamily="49" charset="0"/>
-                <a:cs typeface="Courier New" pitchFamily="49" charset="0"/>
-              </a:rPr>
-              <a:t>ISlot</a:t>
-            </a:r>
-            <a:r>
-              <a:rPr lang="en-GB" sz="1600" dirty="0" err="1" smtClean="0"/>
-              <a:t>s</a:t>
-            </a:r>
-            <a:r>
-              <a:rPr lang="en-GB" sz="1600" dirty="0" smtClean="0"/>
-              <a:t> distinguished from </a:t>
-            </a:r>
-            <a:r>
-              <a:rPr lang="en-GB" sz="1600" dirty="0" err="1" smtClean="0">
-                <a:latin typeface="Courier New" pitchFamily="49" charset="0"/>
-                <a:cs typeface="Courier New" pitchFamily="49" charset="0"/>
-              </a:rPr>
-              <a:t>CSlot</a:t>
-            </a:r>
-            <a:r>
-              <a:rPr lang="en-GB" sz="1600" dirty="0" err="1" smtClean="0"/>
-              <a:t>s</a:t>
-            </a:r>
-            <a:r>
-              <a:rPr lang="en-GB" sz="1600" dirty="0" smtClean="0"/>
-              <a:t> only by context</a:t>
-            </a:r>
-            <a:endParaRPr lang="en-GB" sz="1600" dirty="0"/>
-          </a:p>
-        </p:txBody>
-      </p:sp>
     </p:spTree>
   </p:cSld>
   <p:clrMapOvr>
@@ -14377,6 +14357,38 @@
           <a:chExt cx="0" cy="0"/>
         </a:xfrm>
       </p:grpSpPr>
+      <p:pic>
+        <p:nvPicPr>
+          <p:cNvPr id="1026" name="Picture 2"/>
+          <p:cNvPicPr>
+            <a:picLocks noChangeAspect="1" noChangeArrowheads="1"/>
+          </p:cNvPicPr>
+          <p:nvPr/>
+        </p:nvPicPr>
+        <p:blipFill>
+          <a:blip r:embed="rId2" cstate="print"/>
+          <a:srcRect/>
+          <a:stretch>
+            <a:fillRect/>
+          </a:stretch>
+        </p:blipFill>
+        <p:spPr bwMode="auto">
+          <a:xfrm>
+            <a:off x="359532" y="332656"/>
+            <a:ext cx="4333875" cy="3219450"/>
+          </a:xfrm>
+          <a:prstGeom prst="rect">
+            <a:avLst/>
+          </a:prstGeom>
+          <a:noFill/>
+          <a:ln w="9525">
+            <a:noFill/>
+            <a:miter lim="800000"/>
+            <a:headEnd/>
+            <a:tailEnd/>
+          </a:ln>
+        </p:spPr>
+      </p:pic>
       <p:sp>
         <p:nvSpPr>
           <p:cNvPr id="15" name="TextBox 14"/>
@@ -14623,38 +14635,6 @@
           </a:p>
         </p:txBody>
       </p:sp>
-      <p:pic>
-        <p:nvPicPr>
-          <p:cNvPr id="4098" name="Picture 2"/>
-          <p:cNvPicPr>
-            <a:picLocks noChangeAspect="1" noChangeArrowheads="1"/>
-          </p:cNvPicPr>
-          <p:nvPr/>
-        </p:nvPicPr>
-        <p:blipFill>
-          <a:blip r:embed="rId2" cstate="print"/>
-          <a:srcRect/>
-          <a:stretch>
-            <a:fillRect/>
-          </a:stretch>
-        </p:blipFill>
-        <p:spPr bwMode="auto">
-          <a:xfrm>
-            <a:off x="359532" y="440668"/>
-            <a:ext cx="4299204" cy="3120390"/>
-          </a:xfrm>
-          <a:prstGeom prst="rect">
-            <a:avLst/>
-          </a:prstGeom>
-          <a:noFill/>
-          <a:ln w="9525">
-            <a:noFill/>
-            <a:miter lim="800000"/>
-            <a:headEnd/>
-            <a:tailEnd/>
-          </a:ln>
-        </p:spPr>
-      </p:pic>
       <p:sp>
         <p:nvSpPr>
           <p:cNvPr id="7" name="TextBox 6"/>
@@ -14799,14 +14779,14 @@
       </p:sp>
       <p:cxnSp>
         <p:nvCxnSpPr>
-          <p:cNvPr id="16" name="Straight Arrow Connector 15"/>
+          <p:cNvPr id="18" name="Straight Arrow Connector 17"/>
           <p:cNvCxnSpPr/>
           <p:nvPr/>
         </p:nvCxnSpPr>
         <p:spPr>
           <a:xfrm flipH="1" flipV="1">
-            <a:off x="2663788" y="2780928"/>
-            <a:ext cx="900100" cy="792088"/>
+            <a:off x="3491880" y="2168860"/>
+            <a:ext cx="360040" cy="720080"/>
           </a:xfrm>
           <a:prstGeom prst="straightConnector1">
             <a:avLst/>
@@ -14817,7 +14797,7 @@
                 <a:lumMod val="75000"/>
               </a:schemeClr>
             </a:solidFill>
-            <a:tailEnd type="arrow"/>
+            <a:tailEnd type="arrow" w="sm" len="med"/>
           </a:ln>
         </p:spPr>
         <p:style>
@@ -14837,14 +14817,16 @@
       </p:cxnSp>
       <p:cxnSp>
         <p:nvCxnSpPr>
-          <p:cNvPr id="17" name="Straight Arrow Connector 16"/>
-          <p:cNvCxnSpPr/>
+          <p:cNvPr id="19" name="Straight Arrow Connector 18"/>
+          <p:cNvCxnSpPr>
+            <a:stCxn id="20" idx="1"/>
+          </p:cNvCxnSpPr>
           <p:nvPr/>
         </p:nvCxnSpPr>
         <p:spPr>
           <a:xfrm flipH="1">
-            <a:off x="2303748" y="1880828"/>
-            <a:ext cx="504056" cy="216024"/>
+            <a:off x="1907704" y="1592796"/>
+            <a:ext cx="1836204" cy="252028"/>
           </a:xfrm>
           <a:prstGeom prst="straightConnector1">
             <a:avLst/>
@@ -14855,7 +14837,7 @@
                 <a:lumMod val="75000"/>
               </a:schemeClr>
             </a:solidFill>
-            <a:tailEnd type="arrow"/>
+            <a:tailEnd type="arrow" w="sm" len="med"/>
           </a:ln>
         </p:spPr>
         <p:style>
@@ -14875,23 +14857,20 @@
       </p:cxnSp>
       <p:sp>
         <p:nvSpPr>
-          <p:cNvPr id="12" name="TextBox 11"/>
+          <p:cNvPr id="20" name="TextBox 19"/>
           <p:cNvSpPr txBox="1"/>
           <p:nvPr/>
         </p:nvSpPr>
         <p:spPr>
           <a:xfrm>
-            <a:off x="2663788" y="1556792"/>
+            <a:off x="3743908" y="1412776"/>
             <a:ext cx="1152128" cy="360040"/>
           </a:xfrm>
           <a:prstGeom prst="rect">
             <a:avLst/>
           </a:prstGeom>
           <a:solidFill>
-            <a:schemeClr val="tx2">
-              <a:lumMod val="40000"/>
-              <a:lumOff val="60000"/>
-            </a:schemeClr>
+            <a:srgbClr val="FFFF00"/>
           </a:solidFill>
           <a:ln w="38100">
             <a:solidFill>
@@ -14908,46 +14887,29 @@
           <a:lstStyle/>
           <a:p>
             <a:r>
-              <a:rPr lang="en-GB" b="1" dirty="0" smtClean="0">
-                <a:solidFill>
-                  <a:schemeClr val="tx1">
-                    <a:lumMod val="75000"/>
-                    <a:lumOff val="25000"/>
-                  </a:schemeClr>
-                </a:solidFill>
-              </a:rPr>
+              <a:rPr lang="en-GB" b="1" dirty="0" smtClean="0"/>
               <a:t>user input</a:t>
             </a:r>
-            <a:endParaRPr lang="en-GB" b="1" dirty="0">
-              <a:solidFill>
-                <a:schemeClr val="tx1">
-                  <a:lumMod val="75000"/>
-                  <a:lumOff val="25000"/>
-                </a:schemeClr>
-              </a:solidFill>
-            </a:endParaRPr>
-          </a:p>
-        </p:txBody>
-      </p:sp>
-      <p:sp>
-        <p:nvSpPr>
-          <p:cNvPr id="13" name="TextBox 12"/>
+            <a:endParaRPr lang="en-GB" b="1" dirty="0"/>
+          </a:p>
+        </p:txBody>
+      </p:sp>
+      <p:sp>
+        <p:nvSpPr>
+          <p:cNvPr id="21" name="TextBox 20"/>
           <p:cNvSpPr txBox="1"/>
           <p:nvPr/>
         </p:nvSpPr>
         <p:spPr>
           <a:xfrm>
-            <a:off x="3239852" y="3392996"/>
+            <a:off x="3383868" y="2888940"/>
             <a:ext cx="1512168" cy="360040"/>
           </a:xfrm>
           <a:prstGeom prst="rect">
             <a:avLst/>
           </a:prstGeom>
           <a:solidFill>
-            <a:schemeClr val="tx2">
-              <a:lumMod val="40000"/>
-              <a:lumOff val="60000"/>
-            </a:schemeClr>
+            <a:srgbClr val="84ECD3"/>
           </a:solidFill>
           <a:ln w="38100">
             <a:solidFill>
@@ -14964,18 +14926,10 @@
           <a:lstStyle/>
           <a:p>
             <a:r>
-              <a:rPr lang="en-GB" b="1" dirty="0" smtClean="0">
-                <a:solidFill>
-                  <a:srgbClr val="FF0000"/>
-                </a:solidFill>
-              </a:rPr>
+              <a:rPr lang="en-GB" b="1" dirty="0" smtClean="0"/>
               <a:t>EKS response</a:t>
             </a:r>
-            <a:endParaRPr lang="en-GB" b="1" dirty="0">
-              <a:solidFill>
-                <a:srgbClr val="FF0000"/>
-              </a:solidFill>
-            </a:endParaRPr>
+            <a:endParaRPr lang="en-GB" b="1" dirty="0"/>
           </a:p>
         </p:txBody>
       </p:sp>
@@ -15013,7 +14967,7 @@
       </p:grpSpPr>
       <p:pic>
         <p:nvPicPr>
-          <p:cNvPr id="1033" name="Picture 9"/>
+          <p:cNvPr id="2051" name="Picture 3"/>
           <p:cNvPicPr>
             <a:picLocks noChangeAspect="1" noChangeArrowheads="1"/>
           </p:cNvPicPr>
@@ -15029,7 +14983,7 @@
         <p:spPr bwMode="auto">
           <a:xfrm>
             <a:off x="359532" y="332656"/>
-            <a:ext cx="4299204" cy="3566160"/>
+            <a:ext cx="4333875" cy="3219450"/>
           </a:xfrm>
           <a:prstGeom prst="rect">
             <a:avLst/>
@@ -15170,188 +15124,6 @@
               <a:rPr lang="en-GB" sz="1600" dirty="0" smtClean="0"/>
               <a:t> slot appears, which is due to further OWL-based inference, invoked in response to this latest action</a:t>
             </a:r>
-          </a:p>
-        </p:txBody>
-      </p:sp>
-      <p:cxnSp>
-        <p:nvCxnSpPr>
-          <p:cNvPr id="5" name="Straight Arrow Connector 4"/>
-          <p:cNvCxnSpPr/>
-          <p:nvPr/>
-        </p:nvCxnSpPr>
-        <p:spPr>
-          <a:xfrm flipH="1" flipV="1">
-            <a:off x="2087724" y="3032956"/>
-            <a:ext cx="1044116" cy="396044"/>
-          </a:xfrm>
-          <a:prstGeom prst="straightConnector1">
-            <a:avLst/>
-          </a:prstGeom>
-          <a:ln w="57150">
-            <a:solidFill>
-              <a:schemeClr val="tx2">
-                <a:lumMod val="75000"/>
-              </a:schemeClr>
-            </a:solidFill>
-            <a:tailEnd type="arrow"/>
-          </a:ln>
-        </p:spPr>
-        <p:style>
-          <a:lnRef idx="1">
-            <a:schemeClr val="accent1"/>
-          </a:lnRef>
-          <a:fillRef idx="0">
-            <a:schemeClr val="accent1"/>
-          </a:fillRef>
-          <a:effectRef idx="0">
-            <a:schemeClr val="accent1"/>
-          </a:effectRef>
-          <a:fontRef idx="minor">
-            <a:schemeClr val="tx1"/>
-          </a:fontRef>
-        </p:style>
-      </p:cxnSp>
-      <p:cxnSp>
-        <p:nvCxnSpPr>
-          <p:cNvPr id="6" name="Straight Arrow Connector 5"/>
-          <p:cNvCxnSpPr/>
-          <p:nvPr/>
-        </p:nvCxnSpPr>
-        <p:spPr>
-          <a:xfrm flipH="1">
-            <a:off x="2447764" y="2096852"/>
-            <a:ext cx="936104" cy="576064"/>
-          </a:xfrm>
-          <a:prstGeom prst="straightConnector1">
-            <a:avLst/>
-          </a:prstGeom>
-          <a:ln w="57150">
-            <a:solidFill>
-              <a:schemeClr val="tx2">
-                <a:lumMod val="75000"/>
-              </a:schemeClr>
-            </a:solidFill>
-            <a:tailEnd type="arrow"/>
-          </a:ln>
-        </p:spPr>
-        <p:style>
-          <a:lnRef idx="1">
-            <a:schemeClr val="accent1"/>
-          </a:lnRef>
-          <a:fillRef idx="0">
-            <a:schemeClr val="accent1"/>
-          </a:fillRef>
-          <a:effectRef idx="0">
-            <a:schemeClr val="accent1"/>
-          </a:effectRef>
-          <a:fontRef idx="minor">
-            <a:schemeClr val="tx1"/>
-          </a:fontRef>
-        </p:style>
-      </p:cxnSp>
-      <p:sp>
-        <p:nvSpPr>
-          <p:cNvPr id="9" name="TextBox 8"/>
-          <p:cNvSpPr txBox="1"/>
-          <p:nvPr/>
-        </p:nvSpPr>
-        <p:spPr>
-          <a:xfrm>
-            <a:off x="3059832" y="1844824"/>
-            <a:ext cx="1152128" cy="360040"/>
-          </a:xfrm>
-          <a:prstGeom prst="rect">
-            <a:avLst/>
-          </a:prstGeom>
-          <a:solidFill>
-            <a:schemeClr val="tx2">
-              <a:lumMod val="40000"/>
-              <a:lumOff val="60000"/>
-            </a:schemeClr>
-          </a:solidFill>
-          <a:ln w="38100">
-            <a:solidFill>
-              <a:schemeClr val="tx2">
-                <a:lumMod val="75000"/>
-              </a:schemeClr>
-            </a:solidFill>
-          </a:ln>
-        </p:spPr>
-        <p:txBody>
-          <a:bodyPr wrap="square" rtlCol="0">
-            <a:noAutofit/>
-          </a:bodyPr>
-          <a:lstStyle/>
-          <a:p>
-            <a:r>
-              <a:rPr lang="en-GB" b="1" dirty="0" smtClean="0">
-                <a:solidFill>
-                  <a:schemeClr val="tx1">
-                    <a:lumMod val="75000"/>
-                    <a:lumOff val="25000"/>
-                  </a:schemeClr>
-                </a:solidFill>
-              </a:rPr>
-              <a:t>user input</a:t>
-            </a:r>
-            <a:endParaRPr lang="en-GB" b="1" dirty="0">
-              <a:solidFill>
-                <a:schemeClr val="tx1">
-                  <a:lumMod val="75000"/>
-                  <a:lumOff val="25000"/>
-                </a:schemeClr>
-              </a:solidFill>
-            </a:endParaRPr>
-          </a:p>
-        </p:txBody>
-      </p:sp>
-      <p:sp>
-        <p:nvSpPr>
-          <p:cNvPr id="10" name="TextBox 9"/>
-          <p:cNvSpPr txBox="1"/>
-          <p:nvPr/>
-        </p:nvSpPr>
-        <p:spPr>
-          <a:xfrm>
-            <a:off x="2627784" y="3284984"/>
-            <a:ext cx="1512168" cy="360040"/>
-          </a:xfrm>
-          <a:prstGeom prst="rect">
-            <a:avLst/>
-          </a:prstGeom>
-          <a:solidFill>
-            <a:schemeClr val="tx2">
-              <a:lumMod val="40000"/>
-              <a:lumOff val="60000"/>
-            </a:schemeClr>
-          </a:solidFill>
-          <a:ln w="38100">
-            <a:solidFill>
-              <a:schemeClr val="tx2">
-                <a:lumMod val="75000"/>
-              </a:schemeClr>
-            </a:solidFill>
-          </a:ln>
-        </p:spPr>
-        <p:txBody>
-          <a:bodyPr wrap="square" rtlCol="0">
-            <a:noAutofit/>
-          </a:bodyPr>
-          <a:lstStyle/>
-          <a:p>
-            <a:r>
-              <a:rPr lang="en-GB" b="1" dirty="0" smtClean="0">
-                <a:solidFill>
-                  <a:srgbClr val="FF0000"/>
-                </a:solidFill>
-              </a:rPr>
-              <a:t>EKS response</a:t>
-            </a:r>
-            <a:endParaRPr lang="en-GB" b="1" dirty="0">
-              <a:solidFill>
-                <a:srgbClr val="FF0000"/>
-              </a:solidFill>
-            </a:endParaRPr>
           </a:p>
         </p:txBody>
       </p:sp>
@@ -15389,7 +15161,7 @@
       </p:grpSpPr>
       <p:pic>
         <p:nvPicPr>
-          <p:cNvPr id="20485" name="Picture 5"/>
+          <p:cNvPr id="10242" name="Picture 2"/>
           <p:cNvPicPr>
             <a:picLocks noChangeAspect="1" noChangeArrowheads="1"/>
           </p:cNvPicPr>
@@ -15404,8 +15176,8 @@
         </p:blipFill>
         <p:spPr bwMode="auto">
           <a:xfrm>
-            <a:off x="287524" y="368660"/>
-            <a:ext cx="4206240" cy="3444240"/>
+            <a:off x="359532" y="296652"/>
+            <a:ext cx="4953000" cy="4259580"/>
           </a:xfrm>
           <a:prstGeom prst="rect">
             <a:avLst/>
@@ -15427,7 +15199,7 @@
         </p:nvSpPr>
         <p:spPr>
           <a:xfrm>
-            <a:off x="5220072" y="584684"/>
+            <a:off x="5112060" y="584684"/>
             <a:ext cx="3600400" cy="1846659"/>
           </a:xfrm>
           <a:prstGeom prst="rect">
@@ -15502,7 +15274,7 @@
         </p:nvSpPr>
         <p:spPr>
           <a:xfrm>
-            <a:off x="5220072" y="2420888"/>
+            <a:off x="5112060" y="2420888"/>
             <a:ext cx="3600400" cy="4062651"/>
           </a:xfrm>
           <a:prstGeom prst="rect">
@@ -15669,7 +15441,7 @@
         </p:blipFill>
         <p:spPr bwMode="auto">
           <a:xfrm>
-            <a:off x="1475656" y="2744924"/>
+            <a:off x="1475656" y="3176972"/>
             <a:ext cx="3390900" cy="2743200"/>
           </a:xfrm>
           <a:prstGeom prst="rect">
@@ -15850,7 +15622,7 @@
       </p:sp>
       <p:pic>
         <p:nvPicPr>
-          <p:cNvPr id="2050" name="Picture 2"/>
+          <p:cNvPr id="3074" name="Picture 2"/>
           <p:cNvPicPr>
             <a:picLocks noChangeAspect="1" noChangeArrowheads="1"/>
           </p:cNvPicPr>
@@ -15866,7 +15638,7 @@
         <p:spPr bwMode="auto">
           <a:xfrm>
             <a:off x="359532" y="332656"/>
-            <a:ext cx="4388358" cy="3239262"/>
+            <a:ext cx="4381500" cy="3219450"/>
           </a:xfrm>
           <a:prstGeom prst="rect">
             <a:avLst/>
@@ -15880,188 +15652,6 @@
           </a:ln>
         </p:spPr>
       </p:pic>
-      <p:cxnSp>
-        <p:nvCxnSpPr>
-          <p:cNvPr id="4" name="Straight Arrow Connector 3"/>
-          <p:cNvCxnSpPr/>
-          <p:nvPr/>
-        </p:nvCxnSpPr>
-        <p:spPr>
-          <a:xfrm flipH="1" flipV="1">
-            <a:off x="2663788" y="2636912"/>
-            <a:ext cx="900100" cy="792088"/>
-          </a:xfrm>
-          <a:prstGeom prst="straightConnector1">
-            <a:avLst/>
-          </a:prstGeom>
-          <a:ln w="57150">
-            <a:solidFill>
-              <a:schemeClr val="tx2">
-                <a:lumMod val="75000"/>
-              </a:schemeClr>
-            </a:solidFill>
-            <a:tailEnd type="arrow"/>
-          </a:ln>
-        </p:spPr>
-        <p:style>
-          <a:lnRef idx="1">
-            <a:schemeClr val="accent1"/>
-          </a:lnRef>
-          <a:fillRef idx="0">
-            <a:schemeClr val="accent1"/>
-          </a:fillRef>
-          <a:effectRef idx="0">
-            <a:schemeClr val="accent1"/>
-          </a:effectRef>
-          <a:fontRef idx="minor">
-            <a:schemeClr val="tx1"/>
-          </a:fontRef>
-        </p:style>
-      </p:cxnSp>
-      <p:cxnSp>
-        <p:nvCxnSpPr>
-          <p:cNvPr id="5" name="Straight Arrow Connector 4"/>
-          <p:cNvCxnSpPr/>
-          <p:nvPr/>
-        </p:nvCxnSpPr>
-        <p:spPr>
-          <a:xfrm flipH="1">
-            <a:off x="2303748" y="1736812"/>
-            <a:ext cx="504056" cy="216024"/>
-          </a:xfrm>
-          <a:prstGeom prst="straightConnector1">
-            <a:avLst/>
-          </a:prstGeom>
-          <a:ln w="57150">
-            <a:solidFill>
-              <a:schemeClr val="tx2">
-                <a:lumMod val="75000"/>
-              </a:schemeClr>
-            </a:solidFill>
-            <a:tailEnd type="arrow"/>
-          </a:ln>
-        </p:spPr>
-        <p:style>
-          <a:lnRef idx="1">
-            <a:schemeClr val="accent1"/>
-          </a:lnRef>
-          <a:fillRef idx="0">
-            <a:schemeClr val="accent1"/>
-          </a:fillRef>
-          <a:effectRef idx="0">
-            <a:schemeClr val="accent1"/>
-          </a:effectRef>
-          <a:fontRef idx="minor">
-            <a:schemeClr val="tx1"/>
-          </a:fontRef>
-        </p:style>
-      </p:cxnSp>
-      <p:sp>
-        <p:nvSpPr>
-          <p:cNvPr id="6" name="TextBox 5"/>
-          <p:cNvSpPr txBox="1"/>
-          <p:nvPr/>
-        </p:nvSpPr>
-        <p:spPr>
-          <a:xfrm>
-            <a:off x="2663788" y="1412776"/>
-            <a:ext cx="1152128" cy="360040"/>
-          </a:xfrm>
-          <a:prstGeom prst="rect">
-            <a:avLst/>
-          </a:prstGeom>
-          <a:solidFill>
-            <a:schemeClr val="tx2">
-              <a:lumMod val="40000"/>
-              <a:lumOff val="60000"/>
-            </a:schemeClr>
-          </a:solidFill>
-          <a:ln w="38100">
-            <a:solidFill>
-              <a:schemeClr val="tx2">
-                <a:lumMod val="75000"/>
-              </a:schemeClr>
-            </a:solidFill>
-          </a:ln>
-        </p:spPr>
-        <p:txBody>
-          <a:bodyPr wrap="square" rtlCol="0">
-            <a:noAutofit/>
-          </a:bodyPr>
-          <a:lstStyle/>
-          <a:p>
-            <a:r>
-              <a:rPr lang="en-GB" b="1" dirty="0" smtClean="0">
-                <a:solidFill>
-                  <a:schemeClr val="tx1">
-                    <a:lumMod val="75000"/>
-                    <a:lumOff val="25000"/>
-                  </a:schemeClr>
-                </a:solidFill>
-              </a:rPr>
-              <a:t>user input</a:t>
-            </a:r>
-            <a:endParaRPr lang="en-GB" b="1" dirty="0">
-              <a:solidFill>
-                <a:schemeClr val="tx1">
-                  <a:lumMod val="75000"/>
-                  <a:lumOff val="25000"/>
-                </a:schemeClr>
-              </a:solidFill>
-            </a:endParaRPr>
-          </a:p>
-        </p:txBody>
-      </p:sp>
-      <p:sp>
-        <p:nvSpPr>
-          <p:cNvPr id="7" name="TextBox 6"/>
-          <p:cNvSpPr txBox="1"/>
-          <p:nvPr/>
-        </p:nvSpPr>
-        <p:spPr>
-          <a:xfrm>
-            <a:off x="3239852" y="3248980"/>
-            <a:ext cx="1512168" cy="360040"/>
-          </a:xfrm>
-          <a:prstGeom prst="rect">
-            <a:avLst/>
-          </a:prstGeom>
-          <a:solidFill>
-            <a:schemeClr val="tx2">
-              <a:lumMod val="40000"/>
-              <a:lumOff val="60000"/>
-            </a:schemeClr>
-          </a:solidFill>
-          <a:ln w="38100">
-            <a:solidFill>
-              <a:schemeClr val="tx2">
-                <a:lumMod val="75000"/>
-              </a:schemeClr>
-            </a:solidFill>
-          </a:ln>
-        </p:spPr>
-        <p:txBody>
-          <a:bodyPr wrap="square" rtlCol="0">
-            <a:noAutofit/>
-          </a:bodyPr>
-          <a:lstStyle/>
-          <a:p>
-            <a:r>
-              <a:rPr lang="en-GB" b="1" dirty="0" smtClean="0">
-                <a:solidFill>
-                  <a:srgbClr val="FF0000"/>
-                </a:solidFill>
-              </a:rPr>
-              <a:t>EKS response</a:t>
-            </a:r>
-            <a:endParaRPr lang="en-GB" b="1" dirty="0">
-              <a:solidFill>
-                <a:srgbClr val="FF0000"/>
-              </a:solidFill>
-            </a:endParaRPr>
-          </a:p>
-        </p:txBody>
-      </p:sp>
     </p:spTree>
   </p:cSld>
   <p:clrMapOvr>
@@ -16256,38 +15846,6 @@
           </a:p>
         </p:txBody>
       </p:sp>
-      <p:pic>
-        <p:nvPicPr>
-          <p:cNvPr id="2053" name="Picture 5"/>
-          <p:cNvPicPr>
-            <a:picLocks noChangeAspect="1" noChangeArrowheads="1"/>
-          </p:cNvPicPr>
-          <p:nvPr/>
-        </p:nvPicPr>
-        <p:blipFill>
-          <a:blip r:embed="rId2" cstate="print"/>
-          <a:srcRect/>
-          <a:stretch>
-            <a:fillRect/>
-          </a:stretch>
-        </p:blipFill>
-        <p:spPr bwMode="auto">
-          <a:xfrm>
-            <a:off x="467544" y="404664"/>
-            <a:ext cx="3679698" cy="3210306"/>
-          </a:xfrm>
-          <a:prstGeom prst="rect">
-            <a:avLst/>
-          </a:prstGeom>
-          <a:noFill/>
-          <a:ln w="9525">
-            <a:noFill/>
-            <a:miter lim="800000"/>
-            <a:headEnd/>
-            <a:tailEnd/>
-          </a:ln>
-        </p:spPr>
-      </p:pic>
       <p:sp>
         <p:nvSpPr>
           <p:cNvPr id="5" name="TextBox 4"/>
@@ -16413,261 +15971,38 @@
           </a:p>
         </p:txBody>
       </p:sp>
-      <p:sp>
-        <p:nvSpPr>
-          <p:cNvPr id="17" name="TextBox 16"/>
-          <p:cNvSpPr txBox="1"/>
+      <p:pic>
+        <p:nvPicPr>
+          <p:cNvPr id="4098" name="Picture 2"/>
+          <p:cNvPicPr>
+            <a:picLocks noChangeAspect="1" noChangeArrowheads="1"/>
+          </p:cNvPicPr>
           <p:nvPr/>
-        </p:nvSpPr>
-        <p:spPr>
+        </p:nvPicPr>
+        <p:blipFill>
+          <a:blip r:embed="rId2" cstate="print"/>
+          <a:srcRect/>
+          <a:stretch>
+            <a:fillRect/>
+          </a:stretch>
+        </p:blipFill>
+        <p:spPr bwMode="auto">
           <a:xfrm>
-            <a:off x="2663788" y="1556792"/>
-            <a:ext cx="1152128" cy="360040"/>
+            <a:off x="467544" y="404664"/>
+            <a:ext cx="4200525" cy="3400425"/>
           </a:xfrm>
           <a:prstGeom prst="rect">
             <a:avLst/>
           </a:prstGeom>
-          <a:solidFill>
-            <a:srgbClr val="92D050"/>
-          </a:solidFill>
-          <a:ln>
+          <a:noFill/>
+          <a:ln w="9525">
             <a:noFill/>
+            <a:miter lim="800000"/>
+            <a:headEnd/>
+            <a:tailEnd/>
           </a:ln>
         </p:spPr>
-        <p:txBody>
-          <a:bodyPr wrap="square" rtlCol="0">
-            <a:noAutofit/>
-          </a:bodyPr>
-          <a:lstStyle/>
-          <a:p>
-            <a:r>
-              <a:rPr lang="en-GB" b="1" dirty="0" smtClean="0"/>
-              <a:t>user input</a:t>
-            </a:r>
-            <a:endParaRPr lang="en-GB" b="1" dirty="0"/>
-          </a:p>
-        </p:txBody>
-      </p:sp>
-      <p:cxnSp>
-        <p:nvCxnSpPr>
-          <p:cNvPr id="32" name="Straight Arrow Connector 31"/>
-          <p:cNvCxnSpPr/>
-          <p:nvPr/>
-        </p:nvCxnSpPr>
-        <p:spPr>
-          <a:xfrm flipH="1">
-            <a:off x="1763688" y="2816932"/>
-            <a:ext cx="1044116" cy="144016"/>
-          </a:xfrm>
-          <a:prstGeom prst="straightConnector1">
-            <a:avLst/>
-          </a:prstGeom>
-          <a:ln w="57150">
-            <a:solidFill>
-              <a:schemeClr val="tx2">
-                <a:lumMod val="75000"/>
-              </a:schemeClr>
-            </a:solidFill>
-            <a:tailEnd type="arrow"/>
-          </a:ln>
-        </p:spPr>
-        <p:style>
-          <a:lnRef idx="1">
-            <a:schemeClr val="accent1"/>
-          </a:lnRef>
-          <a:fillRef idx="0">
-            <a:schemeClr val="accent1"/>
-          </a:fillRef>
-          <a:effectRef idx="0">
-            <a:schemeClr val="accent1"/>
-          </a:effectRef>
-          <a:fontRef idx="minor">
-            <a:schemeClr val="tx1"/>
-          </a:fontRef>
-        </p:style>
-      </p:cxnSp>
-      <p:cxnSp>
-        <p:nvCxnSpPr>
-          <p:cNvPr id="33" name="Straight Arrow Connector 32"/>
-          <p:cNvCxnSpPr/>
-          <p:nvPr/>
-        </p:nvCxnSpPr>
-        <p:spPr>
-          <a:xfrm flipH="1">
-            <a:off x="1727684" y="1808820"/>
-            <a:ext cx="1152128" cy="288032"/>
-          </a:xfrm>
-          <a:prstGeom prst="straightConnector1">
-            <a:avLst/>
-          </a:prstGeom>
-          <a:ln w="57150">
-            <a:solidFill>
-              <a:schemeClr val="tx2">
-                <a:lumMod val="75000"/>
-              </a:schemeClr>
-            </a:solidFill>
-            <a:tailEnd type="arrow"/>
-          </a:ln>
-        </p:spPr>
-        <p:style>
-          <a:lnRef idx="1">
-            <a:schemeClr val="accent1"/>
-          </a:lnRef>
-          <a:fillRef idx="0">
-            <a:schemeClr val="accent1"/>
-          </a:fillRef>
-          <a:effectRef idx="0">
-            <a:schemeClr val="accent1"/>
-          </a:effectRef>
-          <a:fontRef idx="minor">
-            <a:schemeClr val="tx1"/>
-          </a:fontRef>
-        </p:style>
-      </p:cxnSp>
-      <p:sp>
-        <p:nvSpPr>
-          <p:cNvPr id="35" name="TextBox 34"/>
-          <p:cNvSpPr txBox="1"/>
-          <p:nvPr/>
-        </p:nvSpPr>
-        <p:spPr>
-          <a:xfrm>
-            <a:off x="2375756" y="2600908"/>
-            <a:ext cx="1512168" cy="360040"/>
-          </a:xfrm>
-          <a:prstGeom prst="rect">
-            <a:avLst/>
-          </a:prstGeom>
-          <a:solidFill>
-            <a:schemeClr val="tx2">
-              <a:lumMod val="40000"/>
-              <a:lumOff val="60000"/>
-            </a:schemeClr>
-          </a:solidFill>
-          <a:ln w="38100">
-            <a:solidFill>
-              <a:schemeClr val="tx2">
-                <a:lumMod val="75000"/>
-              </a:schemeClr>
-            </a:solidFill>
-          </a:ln>
-        </p:spPr>
-        <p:txBody>
-          <a:bodyPr wrap="square" rtlCol="0">
-            <a:noAutofit/>
-          </a:bodyPr>
-          <a:lstStyle/>
-          <a:p>
-            <a:r>
-              <a:rPr lang="en-GB" b="1" dirty="0" smtClean="0">
-                <a:solidFill>
-                  <a:srgbClr val="411DD9"/>
-                </a:solidFill>
-              </a:rPr>
-              <a:t>OM response</a:t>
-            </a:r>
-            <a:endParaRPr lang="en-GB" b="1" dirty="0">
-              <a:solidFill>
-                <a:srgbClr val="411DD9"/>
-              </a:solidFill>
-            </a:endParaRPr>
-          </a:p>
-        </p:txBody>
-      </p:sp>
-      <p:cxnSp>
-        <p:nvCxnSpPr>
-          <p:cNvPr id="38" name="Straight Arrow Connector 37"/>
-          <p:cNvCxnSpPr/>
-          <p:nvPr/>
-        </p:nvCxnSpPr>
-        <p:spPr>
-          <a:xfrm flipH="1" flipV="1">
-            <a:off x="1727684" y="1556792"/>
-            <a:ext cx="1152128" cy="180020"/>
-          </a:xfrm>
-          <a:prstGeom prst="straightConnector1">
-            <a:avLst/>
-          </a:prstGeom>
-          <a:ln w="57150">
-            <a:solidFill>
-              <a:schemeClr val="tx2">
-                <a:lumMod val="75000"/>
-              </a:schemeClr>
-            </a:solidFill>
-            <a:tailEnd type="arrow"/>
-          </a:ln>
-        </p:spPr>
-        <p:style>
-          <a:lnRef idx="1">
-            <a:schemeClr val="accent1"/>
-          </a:lnRef>
-          <a:fillRef idx="0">
-            <a:schemeClr val="accent1"/>
-          </a:fillRef>
-          <a:effectRef idx="0">
-            <a:schemeClr val="accent1"/>
-          </a:effectRef>
-          <a:fontRef idx="minor">
-            <a:schemeClr val="tx1"/>
-          </a:fontRef>
-        </p:style>
-      </p:cxnSp>
-      <p:sp>
-        <p:nvSpPr>
-          <p:cNvPr id="34" name="TextBox 33"/>
-          <p:cNvSpPr txBox="1"/>
-          <p:nvPr/>
-        </p:nvSpPr>
-        <p:spPr>
-          <a:xfrm>
-            <a:off x="2663788" y="1556792"/>
-            <a:ext cx="1152128" cy="360040"/>
-          </a:xfrm>
-          <a:prstGeom prst="rect">
-            <a:avLst/>
-          </a:prstGeom>
-          <a:solidFill>
-            <a:schemeClr val="tx2">
-              <a:lumMod val="40000"/>
-              <a:lumOff val="60000"/>
-            </a:schemeClr>
-          </a:solidFill>
-          <a:ln w="38100">
-            <a:solidFill>
-              <a:schemeClr val="tx2">
-                <a:lumMod val="75000"/>
-              </a:schemeClr>
-            </a:solidFill>
-          </a:ln>
-        </p:spPr>
-        <p:txBody>
-          <a:bodyPr wrap="square" rtlCol="0">
-            <a:noAutofit/>
-          </a:bodyPr>
-          <a:lstStyle/>
-          <a:p>
-            <a:r>
-              <a:rPr lang="en-GB" b="1" dirty="0" smtClean="0">
-                <a:solidFill>
-                  <a:schemeClr val="tx1">
-                    <a:lumMod val="75000"/>
-                    <a:lumOff val="25000"/>
-                  </a:schemeClr>
-                </a:solidFill>
-              </a:rPr>
-              <a:t>user input</a:t>
-            </a:r>
-            <a:endParaRPr lang="en-GB" b="1" dirty="0">
-              <a:solidFill>
-                <a:schemeClr val="tx1">
-                  <a:lumMod val="75000"/>
-                  <a:lumOff val="25000"/>
-                </a:schemeClr>
-              </a:solidFill>
-            </a:endParaRPr>
-          </a:p>
-        </p:txBody>
-      </p:sp>
+      </p:pic>
     </p:spTree>
   </p:cSld>
   <p:clrMapOvr>
@@ -16700,9 +16035,219 @@
           <a:chExt cx="0" cy="0"/>
         </a:xfrm>
       </p:grpSpPr>
+      <p:sp>
+        <p:nvSpPr>
+          <p:cNvPr id="15" name="TextBox 14"/>
+          <p:cNvSpPr txBox="1"/>
+          <p:nvPr/>
+        </p:nvSpPr>
+        <p:spPr>
+          <a:xfrm>
+            <a:off x="4860032" y="1304764"/>
+            <a:ext cx="3960440" cy="1107996"/>
+          </a:xfrm>
+          <a:prstGeom prst="rect">
+            <a:avLst/>
+          </a:prstGeom>
+          <a:solidFill>
+            <a:schemeClr val="tx2">
+              <a:lumMod val="40000"/>
+              <a:lumOff val="60000"/>
+            </a:schemeClr>
+          </a:solidFill>
+          <a:ln>
+            <a:solidFill>
+              <a:schemeClr val="tx1"/>
+            </a:solidFill>
+          </a:ln>
+        </p:spPr>
+        <p:txBody>
+          <a:bodyPr wrap="square" rtlCol="0">
+            <a:spAutoFit/>
+          </a:bodyPr>
+          <a:lstStyle/>
+          <a:p>
+            <a:r>
+              <a:rPr lang="en-GB" b="1" dirty="0" smtClean="0"/>
+              <a:t>Actions:</a:t>
+            </a:r>
+            <a:endParaRPr lang="en-GB" dirty="0"/>
+          </a:p>
+          <a:p>
+            <a:pPr marL="457200" indent="-457200">
+              <a:buFont typeface="+mj-lt"/>
+              <a:buAutoNum type="arabicPeriod"/>
+            </a:pPr>
+            <a:r>
+              <a:rPr lang="en-GB" sz="1600" dirty="0" smtClean="0"/>
+              <a:t>Instantiate </a:t>
+            </a:r>
+            <a:r>
+              <a:rPr lang="en-GB" sz="1600" dirty="0" smtClean="0">
+                <a:latin typeface="Comic Sans MS" pitchFamily="66" charset="0"/>
+              </a:rPr>
+              <a:t>Citizen</a:t>
+            </a:r>
+            <a:r>
+              <a:rPr lang="en-GB" sz="1600" dirty="0" smtClean="0"/>
+              <a:t> assertion</a:t>
+            </a:r>
+          </a:p>
+          <a:p>
+            <a:pPr marL="457200" indent="-457200">
+              <a:buFont typeface="+mj-lt"/>
+              <a:buAutoNum type="arabicPeriod"/>
+            </a:pPr>
+            <a:r>
+              <a:rPr lang="en-GB" sz="1600" dirty="0" smtClean="0"/>
+              <a:t>Left-click </a:t>
+            </a:r>
+            <a:r>
+              <a:rPr lang="en-GB" sz="1600" dirty="0" smtClean="0">
+                <a:latin typeface="Comic Sans MS" pitchFamily="66" charset="0"/>
+              </a:rPr>
+              <a:t>employment</a:t>
+            </a:r>
+            <a:r>
+              <a:rPr lang="en-GB" sz="1600" dirty="0" smtClean="0"/>
+              <a:t> slot value-type</a:t>
+            </a:r>
+          </a:p>
+          <a:p>
+            <a:pPr marL="457200" indent="-457200">
+              <a:buFont typeface="+mj-lt"/>
+              <a:buAutoNum type="arabicPeriod"/>
+            </a:pPr>
+            <a:r>
+              <a:rPr lang="en-GB" sz="1600" dirty="0" smtClean="0"/>
+              <a:t>Expand resulting </a:t>
+            </a:r>
+            <a:r>
+              <a:rPr lang="en-GB" sz="1600" dirty="0" smtClean="0">
+                <a:latin typeface="Comic Sans MS" pitchFamily="66" charset="0"/>
+              </a:rPr>
+              <a:t>Employment</a:t>
+            </a:r>
+            <a:r>
+              <a:rPr lang="en-GB" sz="1600" dirty="0" smtClean="0"/>
+              <a:t> value</a:t>
+            </a:r>
+          </a:p>
+        </p:txBody>
+      </p:sp>
+      <p:sp>
+        <p:nvSpPr>
+          <p:cNvPr id="22" name="TextBox 21"/>
+          <p:cNvSpPr txBox="1"/>
+          <p:nvPr/>
+        </p:nvSpPr>
+        <p:spPr>
+          <a:xfrm>
+            <a:off x="4860032" y="2420888"/>
+            <a:ext cx="3960440" cy="4062651"/>
+          </a:xfrm>
+          <a:prstGeom prst="rect">
+            <a:avLst/>
+          </a:prstGeom>
+          <a:solidFill>
+            <a:schemeClr val="accent3">
+              <a:lumMod val="60000"/>
+              <a:lumOff val="40000"/>
+            </a:schemeClr>
+          </a:solidFill>
+          <a:ln>
+            <a:solidFill>
+              <a:schemeClr val="tx1"/>
+            </a:solidFill>
+          </a:ln>
+        </p:spPr>
+        <p:txBody>
+          <a:bodyPr wrap="square" rtlCol="0">
+            <a:spAutoFit/>
+          </a:bodyPr>
+          <a:lstStyle/>
+          <a:p>
+            <a:r>
+              <a:rPr lang="en-GB" b="1" dirty="0" smtClean="0"/>
+              <a:t>Discussion:</a:t>
+            </a:r>
+            <a:endParaRPr lang="en-GB" dirty="0"/>
+          </a:p>
+          <a:p>
+            <a:pPr marL="457200" indent="-457200">
+              <a:buFont typeface="Arial" pitchFamily="34" charset="0"/>
+              <a:buChar char="•"/>
+            </a:pPr>
+            <a:r>
+              <a:rPr lang="en-GB" sz="1600" dirty="0" smtClean="0"/>
+              <a:t>Since there is only one possible value-type for </a:t>
+            </a:r>
+            <a:r>
+              <a:rPr lang="en-GB" sz="1600" dirty="0" smtClean="0">
+                <a:latin typeface="Comic Sans MS" pitchFamily="66" charset="0"/>
+              </a:rPr>
+              <a:t>employment</a:t>
+            </a:r>
+            <a:r>
+              <a:rPr lang="en-GB" sz="1600" dirty="0" smtClean="0"/>
+              <a:t>, rather than a hierarchy of possible types, a value of the relevant type appears automatically, without any need for a value-type selection dialog</a:t>
+            </a:r>
+          </a:p>
+          <a:p>
+            <a:pPr marL="457200" indent="-457200">
+              <a:buFont typeface="Arial" pitchFamily="34" charset="0"/>
+              <a:buChar char="•"/>
+            </a:pPr>
+            <a:r>
+              <a:rPr lang="en-GB" sz="1600" dirty="0" smtClean="0"/>
+              <a:t>The </a:t>
+            </a:r>
+            <a:r>
+              <a:rPr lang="en-GB" sz="1600" dirty="0" smtClean="0">
+                <a:latin typeface="Comic Sans MS" pitchFamily="66" charset="0"/>
+              </a:rPr>
+              <a:t>benefit-received</a:t>
+            </a:r>
+            <a:r>
+              <a:rPr lang="en-GB" sz="1600" dirty="0" smtClean="0"/>
+              <a:t> and </a:t>
+            </a:r>
+            <a:r>
+              <a:rPr lang="en-GB" sz="1600" dirty="0" smtClean="0">
+                <a:latin typeface="Comic Sans MS" pitchFamily="66" charset="0"/>
+              </a:rPr>
+              <a:t>tax-paid</a:t>
+            </a:r>
+            <a:r>
+              <a:rPr lang="en-GB" sz="1600" dirty="0" smtClean="0"/>
+              <a:t> slots are automatically assigned values, whilst the latter also has it’s value-type updated. This is all a result of OWL-based reasoning, driven by the fact that the newly assigned value for the </a:t>
+            </a:r>
+            <a:r>
+              <a:rPr lang="en-GB" sz="1600" dirty="0" smtClean="0">
+                <a:latin typeface="Comic Sans MS" pitchFamily="66" charset="0"/>
+              </a:rPr>
+              <a:t>employment</a:t>
+            </a:r>
+            <a:r>
+              <a:rPr lang="en-GB" sz="1600" dirty="0" smtClean="0"/>
+              <a:t> slot currently has no value in it’s </a:t>
+            </a:r>
+            <a:r>
+              <a:rPr lang="en-GB" sz="1600" dirty="0" smtClean="0">
+                <a:latin typeface="Comic Sans MS" pitchFamily="66" charset="0"/>
+              </a:rPr>
+              <a:t>job</a:t>
+            </a:r>
+            <a:r>
+              <a:rPr lang="en-GB" sz="1600" dirty="0" smtClean="0"/>
+              <a:t> slot (see next slide for details)</a:t>
+            </a:r>
+          </a:p>
+        </p:txBody>
+      </p:sp>
       <p:pic>
         <p:nvPicPr>
-          <p:cNvPr id="1027" name="Picture 3"/>
+          <p:cNvPr id="6" name="Picture 2"/>
           <p:cNvPicPr>
             <a:picLocks noChangeAspect="1" noChangeArrowheads="1"/>
           </p:cNvPicPr>
@@ -16718,7 +16263,7 @@
         <p:spPr bwMode="auto">
           <a:xfrm>
             <a:off x="323528" y="332656"/>
-            <a:ext cx="3872484" cy="3864102"/>
+            <a:ext cx="4362450" cy="4248150"/>
           </a:xfrm>
           <a:prstGeom prst="rect">
             <a:avLst/>
@@ -16732,524 +16277,6 @@
           </a:ln>
         </p:spPr>
       </p:pic>
-      <p:sp>
-        <p:nvSpPr>
-          <p:cNvPr id="15" name="TextBox 14"/>
-          <p:cNvSpPr txBox="1"/>
-          <p:nvPr/>
-        </p:nvSpPr>
-        <p:spPr>
-          <a:xfrm>
-            <a:off x="4860032" y="1304764"/>
-            <a:ext cx="3960440" cy="1107996"/>
-          </a:xfrm>
-          <a:prstGeom prst="rect">
-            <a:avLst/>
-          </a:prstGeom>
-          <a:solidFill>
-            <a:schemeClr val="tx2">
-              <a:lumMod val="40000"/>
-              <a:lumOff val="60000"/>
-            </a:schemeClr>
-          </a:solidFill>
-          <a:ln>
-            <a:solidFill>
-              <a:schemeClr val="tx1"/>
-            </a:solidFill>
-          </a:ln>
-        </p:spPr>
-        <p:txBody>
-          <a:bodyPr wrap="square" rtlCol="0">
-            <a:spAutoFit/>
-          </a:bodyPr>
-          <a:lstStyle/>
-          <a:p>
-            <a:r>
-              <a:rPr lang="en-GB" b="1" dirty="0" smtClean="0"/>
-              <a:t>Actions:</a:t>
-            </a:r>
-            <a:endParaRPr lang="en-GB" dirty="0"/>
-          </a:p>
-          <a:p>
-            <a:pPr marL="457200" indent="-457200">
-              <a:buFont typeface="+mj-lt"/>
-              <a:buAutoNum type="arabicPeriod"/>
-            </a:pPr>
-            <a:r>
-              <a:rPr lang="en-GB" sz="1600" dirty="0" smtClean="0"/>
-              <a:t>Instantiate </a:t>
-            </a:r>
-            <a:r>
-              <a:rPr lang="en-GB" sz="1600" dirty="0" smtClean="0">
-                <a:latin typeface="Comic Sans MS" pitchFamily="66" charset="0"/>
-              </a:rPr>
-              <a:t>Citizen</a:t>
-            </a:r>
-            <a:r>
-              <a:rPr lang="en-GB" sz="1600" dirty="0" smtClean="0"/>
-              <a:t> assertion</a:t>
-            </a:r>
-          </a:p>
-          <a:p>
-            <a:pPr marL="457200" indent="-457200">
-              <a:buFont typeface="+mj-lt"/>
-              <a:buAutoNum type="arabicPeriod"/>
-            </a:pPr>
-            <a:r>
-              <a:rPr lang="en-GB" sz="1600" dirty="0" smtClean="0"/>
-              <a:t>Left-click </a:t>
-            </a:r>
-            <a:r>
-              <a:rPr lang="en-GB" sz="1600" dirty="0" smtClean="0">
-                <a:latin typeface="Comic Sans MS" pitchFamily="66" charset="0"/>
-              </a:rPr>
-              <a:t>employment</a:t>
-            </a:r>
-            <a:r>
-              <a:rPr lang="en-GB" sz="1600" dirty="0" smtClean="0"/>
-              <a:t> slot value-type</a:t>
-            </a:r>
-          </a:p>
-          <a:p>
-            <a:pPr marL="457200" indent="-457200">
-              <a:buFont typeface="+mj-lt"/>
-              <a:buAutoNum type="arabicPeriod"/>
-            </a:pPr>
-            <a:r>
-              <a:rPr lang="en-GB" sz="1600" dirty="0" smtClean="0"/>
-              <a:t>Expand resulting </a:t>
-            </a:r>
-            <a:r>
-              <a:rPr lang="en-GB" sz="1600" dirty="0" smtClean="0">
-                <a:latin typeface="Comic Sans MS" pitchFamily="66" charset="0"/>
-              </a:rPr>
-              <a:t>Employment</a:t>
-            </a:r>
-            <a:r>
-              <a:rPr lang="en-GB" sz="1600" dirty="0" smtClean="0"/>
-              <a:t> value</a:t>
-            </a:r>
-          </a:p>
-        </p:txBody>
-      </p:sp>
-      <p:sp>
-        <p:nvSpPr>
-          <p:cNvPr id="22" name="TextBox 21"/>
-          <p:cNvSpPr txBox="1"/>
-          <p:nvPr/>
-        </p:nvSpPr>
-        <p:spPr>
-          <a:xfrm>
-            <a:off x="4860032" y="2420888"/>
-            <a:ext cx="3960440" cy="4062651"/>
-          </a:xfrm>
-          <a:prstGeom prst="rect">
-            <a:avLst/>
-          </a:prstGeom>
-          <a:solidFill>
-            <a:schemeClr val="accent3">
-              <a:lumMod val="60000"/>
-              <a:lumOff val="40000"/>
-            </a:schemeClr>
-          </a:solidFill>
-          <a:ln>
-            <a:solidFill>
-              <a:schemeClr val="tx1"/>
-            </a:solidFill>
-          </a:ln>
-        </p:spPr>
-        <p:txBody>
-          <a:bodyPr wrap="square" rtlCol="0">
-            <a:spAutoFit/>
-          </a:bodyPr>
-          <a:lstStyle/>
-          <a:p>
-            <a:r>
-              <a:rPr lang="en-GB" b="1" dirty="0" smtClean="0"/>
-              <a:t>Discussion:</a:t>
-            </a:r>
-            <a:endParaRPr lang="en-GB" dirty="0"/>
-          </a:p>
-          <a:p>
-            <a:pPr marL="457200" indent="-457200">
-              <a:buFont typeface="Arial" pitchFamily="34" charset="0"/>
-              <a:buChar char="•"/>
-            </a:pPr>
-            <a:r>
-              <a:rPr lang="en-GB" sz="1600" dirty="0" smtClean="0"/>
-              <a:t>Since there is only one possible value-type for </a:t>
-            </a:r>
-            <a:r>
-              <a:rPr lang="en-GB" sz="1600" dirty="0" smtClean="0">
-                <a:latin typeface="Comic Sans MS" pitchFamily="66" charset="0"/>
-              </a:rPr>
-              <a:t>employment</a:t>
-            </a:r>
-            <a:r>
-              <a:rPr lang="en-GB" sz="1600" dirty="0" smtClean="0"/>
-              <a:t>, rather than a hierarchy of possible types, a value of the relevant type appears automatically, without any need for a value-type selection dialog</a:t>
-            </a:r>
-          </a:p>
-          <a:p>
-            <a:pPr marL="457200" indent="-457200">
-              <a:buFont typeface="Arial" pitchFamily="34" charset="0"/>
-              <a:buChar char="•"/>
-            </a:pPr>
-            <a:r>
-              <a:rPr lang="en-GB" sz="1600" dirty="0" smtClean="0"/>
-              <a:t>The </a:t>
-            </a:r>
-            <a:r>
-              <a:rPr lang="en-GB" sz="1600" dirty="0" smtClean="0">
-                <a:latin typeface="Comic Sans MS" pitchFamily="66" charset="0"/>
-              </a:rPr>
-              <a:t>benefit-received</a:t>
-            </a:r>
-            <a:r>
-              <a:rPr lang="en-GB" sz="1600" dirty="0" smtClean="0"/>
-              <a:t> and </a:t>
-            </a:r>
-            <a:r>
-              <a:rPr lang="en-GB" sz="1600" dirty="0" smtClean="0">
-                <a:latin typeface="Comic Sans MS" pitchFamily="66" charset="0"/>
-              </a:rPr>
-              <a:t>tax-paid</a:t>
-            </a:r>
-            <a:r>
-              <a:rPr lang="en-GB" sz="1600" dirty="0" smtClean="0"/>
-              <a:t> slots are automatically assigned values, whilst the latter also has it’s value-type updated. This is all a result of OWL-based reasoning, driven by the fact that the newly assigned value for the </a:t>
-            </a:r>
-            <a:r>
-              <a:rPr lang="en-GB" sz="1600" dirty="0" smtClean="0">
-                <a:latin typeface="Comic Sans MS" pitchFamily="66" charset="0"/>
-              </a:rPr>
-              <a:t>employment</a:t>
-            </a:r>
-            <a:r>
-              <a:rPr lang="en-GB" sz="1600" dirty="0" smtClean="0"/>
-              <a:t> slot currently has no value in it’s </a:t>
-            </a:r>
-            <a:r>
-              <a:rPr lang="en-GB" sz="1600" dirty="0" smtClean="0">
-                <a:latin typeface="Comic Sans MS" pitchFamily="66" charset="0"/>
-              </a:rPr>
-              <a:t>job</a:t>
-            </a:r>
-            <a:r>
-              <a:rPr lang="en-GB" sz="1600" dirty="0" smtClean="0"/>
-              <a:t> slot (see next slide for details)</a:t>
-            </a:r>
-          </a:p>
-        </p:txBody>
-      </p:sp>
-      <p:cxnSp>
-        <p:nvCxnSpPr>
-          <p:cNvPr id="5" name="Straight Arrow Connector 4"/>
-          <p:cNvCxnSpPr/>
-          <p:nvPr/>
-        </p:nvCxnSpPr>
-        <p:spPr>
-          <a:xfrm flipH="1">
-            <a:off x="1619672" y="2816932"/>
-            <a:ext cx="1152128" cy="324036"/>
-          </a:xfrm>
-          <a:prstGeom prst="straightConnector1">
-            <a:avLst/>
-          </a:prstGeom>
-          <a:ln w="57150">
-            <a:solidFill>
-              <a:schemeClr val="tx2">
-                <a:lumMod val="75000"/>
-              </a:schemeClr>
-            </a:solidFill>
-            <a:tailEnd type="arrow"/>
-          </a:ln>
-        </p:spPr>
-        <p:style>
-          <a:lnRef idx="1">
-            <a:schemeClr val="accent1"/>
-          </a:lnRef>
-          <a:fillRef idx="0">
-            <a:schemeClr val="accent1"/>
-          </a:fillRef>
-          <a:effectRef idx="0">
-            <a:schemeClr val="accent1"/>
-          </a:effectRef>
-          <a:fontRef idx="minor">
-            <a:schemeClr val="tx1"/>
-          </a:fontRef>
-        </p:style>
-      </p:cxnSp>
-      <p:cxnSp>
-        <p:nvCxnSpPr>
-          <p:cNvPr id="6" name="Straight Arrow Connector 5"/>
-          <p:cNvCxnSpPr/>
-          <p:nvPr/>
-        </p:nvCxnSpPr>
-        <p:spPr>
-          <a:xfrm flipH="1">
-            <a:off x="2231740" y="2024844"/>
-            <a:ext cx="1008112" cy="0"/>
-          </a:xfrm>
-          <a:prstGeom prst="straightConnector1">
-            <a:avLst/>
-          </a:prstGeom>
-          <a:ln w="57150">
-            <a:solidFill>
-              <a:schemeClr val="tx2">
-                <a:lumMod val="75000"/>
-              </a:schemeClr>
-            </a:solidFill>
-            <a:tailEnd type="arrow"/>
-          </a:ln>
-        </p:spPr>
-        <p:style>
-          <a:lnRef idx="1">
-            <a:schemeClr val="accent1"/>
-          </a:lnRef>
-          <a:fillRef idx="0">
-            <a:schemeClr val="accent1"/>
-          </a:fillRef>
-          <a:effectRef idx="0">
-            <a:schemeClr val="accent1"/>
-          </a:effectRef>
-          <a:fontRef idx="minor">
-            <a:schemeClr val="tx1"/>
-          </a:fontRef>
-        </p:style>
-      </p:cxnSp>
-      <p:sp>
-        <p:nvSpPr>
-          <p:cNvPr id="7" name="TextBox 6"/>
-          <p:cNvSpPr txBox="1"/>
-          <p:nvPr/>
-        </p:nvSpPr>
-        <p:spPr>
-          <a:xfrm>
-            <a:off x="3023828" y="1844824"/>
-            <a:ext cx="1152128" cy="360040"/>
-          </a:xfrm>
-          <a:prstGeom prst="rect">
-            <a:avLst/>
-          </a:prstGeom>
-          <a:solidFill>
-            <a:schemeClr val="tx2">
-              <a:lumMod val="40000"/>
-              <a:lumOff val="60000"/>
-            </a:schemeClr>
-          </a:solidFill>
-          <a:ln w="38100">
-            <a:solidFill>
-              <a:schemeClr val="tx2">
-                <a:lumMod val="75000"/>
-              </a:schemeClr>
-            </a:solidFill>
-          </a:ln>
-        </p:spPr>
-        <p:txBody>
-          <a:bodyPr wrap="square" rtlCol="0">
-            <a:noAutofit/>
-          </a:bodyPr>
-          <a:lstStyle/>
-          <a:p>
-            <a:r>
-              <a:rPr lang="en-GB" b="1" dirty="0" smtClean="0">
-                <a:solidFill>
-                  <a:schemeClr val="tx1">
-                    <a:lumMod val="75000"/>
-                    <a:lumOff val="25000"/>
-                  </a:schemeClr>
-                </a:solidFill>
-              </a:rPr>
-              <a:t>user input</a:t>
-            </a:r>
-            <a:endParaRPr lang="en-GB" b="1" dirty="0">
-              <a:solidFill>
-                <a:schemeClr val="tx1">
-                  <a:lumMod val="75000"/>
-                  <a:lumOff val="25000"/>
-                </a:schemeClr>
-              </a:solidFill>
-            </a:endParaRPr>
-          </a:p>
-        </p:txBody>
-      </p:sp>
-      <p:cxnSp>
-        <p:nvCxnSpPr>
-          <p:cNvPr id="14" name="Straight Arrow Connector 13"/>
-          <p:cNvCxnSpPr/>
-          <p:nvPr/>
-        </p:nvCxnSpPr>
-        <p:spPr>
-          <a:xfrm flipH="1">
-            <a:off x="2771800" y="1016732"/>
-            <a:ext cx="684076" cy="360040"/>
-          </a:xfrm>
-          <a:prstGeom prst="straightConnector1">
-            <a:avLst/>
-          </a:prstGeom>
-          <a:ln w="57150">
-            <a:solidFill>
-              <a:schemeClr val="tx2">
-                <a:lumMod val="75000"/>
-              </a:schemeClr>
-            </a:solidFill>
-            <a:tailEnd type="arrow"/>
-          </a:ln>
-        </p:spPr>
-        <p:style>
-          <a:lnRef idx="1">
-            <a:schemeClr val="accent1"/>
-          </a:lnRef>
-          <a:fillRef idx="0">
-            <a:schemeClr val="accent1"/>
-          </a:fillRef>
-          <a:effectRef idx="0">
-            <a:schemeClr val="accent1"/>
-          </a:effectRef>
-          <a:fontRef idx="minor">
-            <a:schemeClr val="tx1"/>
-          </a:fontRef>
-        </p:style>
-      </p:cxnSp>
-      <p:sp>
-        <p:nvSpPr>
-          <p:cNvPr id="16" name="TextBox 15"/>
-          <p:cNvSpPr txBox="1"/>
-          <p:nvPr/>
-        </p:nvSpPr>
-        <p:spPr>
-          <a:xfrm>
-            <a:off x="3059832" y="800708"/>
-            <a:ext cx="1512168" cy="360040"/>
-          </a:xfrm>
-          <a:prstGeom prst="rect">
-            <a:avLst/>
-          </a:prstGeom>
-          <a:solidFill>
-            <a:schemeClr val="tx2">
-              <a:lumMod val="40000"/>
-              <a:lumOff val="60000"/>
-            </a:schemeClr>
-          </a:solidFill>
-          <a:ln w="38100">
-            <a:solidFill>
-              <a:schemeClr val="tx2">
-                <a:lumMod val="75000"/>
-              </a:schemeClr>
-            </a:solidFill>
-          </a:ln>
-        </p:spPr>
-        <p:txBody>
-          <a:bodyPr wrap="square" rtlCol="0">
-            <a:noAutofit/>
-          </a:bodyPr>
-          <a:lstStyle/>
-          <a:p>
-            <a:r>
-              <a:rPr lang="en-GB" b="1" dirty="0" smtClean="0">
-                <a:solidFill>
-                  <a:srgbClr val="FF0000"/>
-                </a:solidFill>
-              </a:rPr>
-              <a:t>EKS response</a:t>
-            </a:r>
-            <a:endParaRPr lang="en-GB" b="1" dirty="0">
-              <a:solidFill>
-                <a:srgbClr val="FF0000"/>
-              </a:solidFill>
-            </a:endParaRPr>
-          </a:p>
-        </p:txBody>
-      </p:sp>
-      <p:cxnSp>
-        <p:nvCxnSpPr>
-          <p:cNvPr id="31" name="Straight Arrow Connector 30"/>
-          <p:cNvCxnSpPr/>
-          <p:nvPr/>
-        </p:nvCxnSpPr>
-        <p:spPr>
-          <a:xfrm flipH="1">
-            <a:off x="1943708" y="2924944"/>
-            <a:ext cx="972108" cy="432048"/>
-          </a:xfrm>
-          <a:prstGeom prst="straightConnector1">
-            <a:avLst/>
-          </a:prstGeom>
-          <a:ln w="57150">
-            <a:solidFill>
-              <a:schemeClr val="tx2">
-                <a:lumMod val="75000"/>
-              </a:schemeClr>
-            </a:solidFill>
-            <a:tailEnd type="arrow"/>
-          </a:ln>
-        </p:spPr>
-        <p:style>
-          <a:lnRef idx="1">
-            <a:schemeClr val="accent1"/>
-          </a:lnRef>
-          <a:fillRef idx="0">
-            <a:schemeClr val="accent1"/>
-          </a:fillRef>
-          <a:effectRef idx="0">
-            <a:schemeClr val="accent1"/>
-          </a:effectRef>
-          <a:fontRef idx="minor">
-            <a:schemeClr val="tx1"/>
-          </a:fontRef>
-        </p:style>
-      </p:cxnSp>
-      <p:sp>
-        <p:nvSpPr>
-          <p:cNvPr id="8" name="TextBox 7"/>
-          <p:cNvSpPr txBox="1"/>
-          <p:nvPr/>
-        </p:nvSpPr>
-        <p:spPr>
-          <a:xfrm>
-            <a:off x="2411760" y="2564904"/>
-            <a:ext cx="1512168" cy="360040"/>
-          </a:xfrm>
-          <a:prstGeom prst="rect">
-            <a:avLst/>
-          </a:prstGeom>
-          <a:solidFill>
-            <a:schemeClr val="tx2">
-              <a:lumMod val="40000"/>
-              <a:lumOff val="60000"/>
-            </a:schemeClr>
-          </a:solidFill>
-          <a:ln w="38100">
-            <a:solidFill>
-              <a:schemeClr val="tx2">
-                <a:lumMod val="75000"/>
-              </a:schemeClr>
-            </a:solidFill>
-          </a:ln>
-        </p:spPr>
-        <p:txBody>
-          <a:bodyPr wrap="square" rtlCol="0">
-            <a:noAutofit/>
-          </a:bodyPr>
-          <a:lstStyle/>
-          <a:p>
-            <a:r>
-              <a:rPr lang="en-GB" b="1" dirty="0" smtClean="0">
-                <a:solidFill>
-                  <a:srgbClr val="FF0000"/>
-                </a:solidFill>
-              </a:rPr>
-              <a:t>EKS response</a:t>
-            </a:r>
-            <a:endParaRPr lang="en-GB" b="1" dirty="0">
-              <a:solidFill>
-                <a:srgbClr val="FF0000"/>
-              </a:solidFill>
-            </a:endParaRPr>
-          </a:p>
-        </p:txBody>
-      </p:sp>
     </p:spTree>
   </p:cSld>
   <p:clrMapOvr>
@@ -17284,7 +16311,7 @@
       </p:grpSpPr>
       <p:pic>
         <p:nvPicPr>
-          <p:cNvPr id="21506" name="Picture 2"/>
+          <p:cNvPr id="14338" name="Picture 2"/>
           <p:cNvPicPr>
             <a:picLocks noChangeAspect="1" noChangeArrowheads="1"/>
           </p:cNvPicPr>
@@ -17300,7 +16327,7 @@
         <p:spPr bwMode="auto">
           <a:xfrm>
             <a:off x="251520" y="332656"/>
-            <a:ext cx="4320540" cy="3444240"/>
+            <a:ext cx="4953000" cy="4259580"/>
           </a:xfrm>
           <a:prstGeom prst="rect">
             <a:avLst/>
@@ -17322,7 +16349,7 @@
         </p:nvSpPr>
         <p:spPr>
           <a:xfrm>
-            <a:off x="4968044" y="476672"/>
+            <a:off x="4860032" y="404664"/>
             <a:ext cx="3888432" cy="1600438"/>
           </a:xfrm>
           <a:prstGeom prst="rect">
@@ -17392,7 +16419,7 @@
         </p:nvSpPr>
         <p:spPr>
           <a:xfrm>
-            <a:off x="4968044" y="2060848"/>
+            <a:off x="4860032" y="1988840"/>
             <a:ext cx="3888432" cy="4555093"/>
           </a:xfrm>
           <a:prstGeom prst="rect">
@@ -17537,7 +16564,7 @@
       </p:sp>
       <p:pic>
         <p:nvPicPr>
-          <p:cNvPr id="21509" name="Picture 5"/>
+          <p:cNvPr id="14339" name="Picture 3"/>
           <p:cNvPicPr>
             <a:picLocks noChangeAspect="1" noChangeArrowheads="1"/>
           </p:cNvPicPr>
@@ -17552,8 +16579,8 @@
         </p:blipFill>
         <p:spPr bwMode="auto">
           <a:xfrm>
-            <a:off x="1367644" y="2528900"/>
-            <a:ext cx="3451860" cy="2804160"/>
+            <a:off x="1259632" y="2924944"/>
+            <a:ext cx="3215640" cy="2979420"/>
           </a:xfrm>
           <a:prstGeom prst="rect">
             <a:avLst/>
@@ -17599,9 +16626,224 @@
           <a:chExt cx="0" cy="0"/>
         </a:xfrm>
       </p:grpSpPr>
+      <p:sp>
+        <p:nvSpPr>
+          <p:cNvPr id="15" name="TextBox 14"/>
+          <p:cNvSpPr txBox="1"/>
+          <p:nvPr/>
+        </p:nvSpPr>
+        <p:spPr>
+          <a:xfrm>
+            <a:off x="5040052" y="620688"/>
+            <a:ext cx="3708412" cy="1354217"/>
+          </a:xfrm>
+          <a:prstGeom prst="rect">
+            <a:avLst/>
+          </a:prstGeom>
+          <a:solidFill>
+            <a:schemeClr val="tx2">
+              <a:lumMod val="40000"/>
+              <a:lumOff val="60000"/>
+            </a:schemeClr>
+          </a:solidFill>
+          <a:ln>
+            <a:solidFill>
+              <a:schemeClr val="tx1"/>
+            </a:solidFill>
+          </a:ln>
+        </p:spPr>
+        <p:txBody>
+          <a:bodyPr wrap="square" rtlCol="0">
+            <a:spAutoFit/>
+          </a:bodyPr>
+          <a:lstStyle/>
+          <a:p>
+            <a:r>
+              <a:rPr lang="en-GB" b="1" dirty="0" smtClean="0"/>
+              <a:t>Actions:</a:t>
+            </a:r>
+            <a:endParaRPr lang="en-GB" dirty="0"/>
+          </a:p>
+          <a:p>
+            <a:pPr marL="457200" indent="-457200">
+              <a:buFont typeface="+mj-lt"/>
+              <a:buAutoNum type="arabicPeriod"/>
+            </a:pPr>
+            <a:r>
+              <a:rPr lang="en-GB" sz="1600" dirty="0" smtClean="0"/>
+              <a:t>Add a value for the </a:t>
+            </a:r>
+            <a:r>
+              <a:rPr lang="en-GB" sz="1600" dirty="0" smtClean="0">
+                <a:latin typeface="Comic Sans MS" pitchFamily="66" charset="0"/>
+              </a:rPr>
+              <a:t>job</a:t>
+            </a:r>
+            <a:r>
+              <a:rPr lang="en-GB" sz="1600" dirty="0" smtClean="0"/>
+              <a:t> slot on the </a:t>
+            </a:r>
+            <a:r>
+              <a:rPr lang="en-GB" sz="1600" dirty="0" smtClean="0">
+                <a:latin typeface="Comic Sans MS" pitchFamily="66" charset="0"/>
+              </a:rPr>
+              <a:t>Employment</a:t>
+            </a:r>
+            <a:r>
+              <a:rPr lang="en-GB" sz="1600" dirty="0" smtClean="0"/>
+              <a:t> value that you’ve just added (again, via a single left-click, since only one possible value-type)</a:t>
+            </a:r>
+          </a:p>
+        </p:txBody>
+      </p:sp>
+      <p:sp>
+        <p:nvSpPr>
+          <p:cNvPr id="22" name="TextBox 21"/>
+          <p:cNvSpPr txBox="1"/>
+          <p:nvPr/>
+        </p:nvSpPr>
+        <p:spPr>
+          <a:xfrm>
+            <a:off x="5040052" y="1988840"/>
+            <a:ext cx="3708412" cy="4555093"/>
+          </a:xfrm>
+          <a:prstGeom prst="rect">
+            <a:avLst/>
+          </a:prstGeom>
+          <a:solidFill>
+            <a:schemeClr val="accent3">
+              <a:lumMod val="60000"/>
+              <a:lumOff val="40000"/>
+            </a:schemeClr>
+          </a:solidFill>
+          <a:ln>
+            <a:solidFill>
+              <a:schemeClr val="tx1"/>
+            </a:solidFill>
+          </a:ln>
+        </p:spPr>
+        <p:txBody>
+          <a:bodyPr wrap="square" rtlCol="0">
+            <a:spAutoFit/>
+          </a:bodyPr>
+          <a:lstStyle/>
+          <a:p>
+            <a:r>
+              <a:rPr lang="en-GB" b="1" dirty="0" smtClean="0"/>
+              <a:t>Discussion:</a:t>
+            </a:r>
+            <a:endParaRPr lang="en-GB" dirty="0"/>
+          </a:p>
+          <a:p>
+            <a:pPr marL="457200" indent="-457200">
+              <a:buFont typeface="Arial" pitchFamily="34" charset="0"/>
+              <a:buChar char="•"/>
+            </a:pPr>
+            <a:r>
+              <a:rPr lang="en-GB" sz="1600" dirty="0" smtClean="0"/>
+              <a:t>The previous updates are reversed, since </a:t>
+            </a:r>
+            <a:r>
+              <a:rPr lang="en-GB" sz="1600" dirty="0" smtClean="0">
+                <a:latin typeface="Comic Sans MS" pitchFamily="66" charset="0"/>
+              </a:rPr>
+              <a:t>Unemployed-citizen</a:t>
+            </a:r>
+            <a:r>
+              <a:rPr lang="en-GB" sz="1600" dirty="0" smtClean="0"/>
+              <a:t> is no longer an inferred type</a:t>
+            </a:r>
+          </a:p>
+          <a:p>
+            <a:pPr marL="457200" indent="-457200">
+              <a:buFont typeface="Arial" pitchFamily="34" charset="0"/>
+              <a:buChar char="•"/>
+            </a:pPr>
+            <a:r>
+              <a:rPr lang="en-GB" sz="1600" dirty="0" smtClean="0"/>
+              <a:t>However, a new inference of </a:t>
+            </a:r>
+            <a:r>
+              <a:rPr lang="en-GB" sz="1600" dirty="0" smtClean="0">
+                <a:latin typeface="Comic Sans MS" pitchFamily="66" charset="0"/>
+              </a:rPr>
+              <a:t>Employed-citizen</a:t>
+            </a:r>
+            <a:r>
+              <a:rPr lang="en-GB" sz="1600" dirty="0" smtClean="0"/>
+              <a:t> is now made (as can be seen from the inferred-types tab), causing the value-type for the </a:t>
+            </a:r>
+            <a:r>
+              <a:rPr lang="en-GB" sz="1600" dirty="0" smtClean="0">
+                <a:latin typeface="Comic Sans MS" pitchFamily="66" charset="0"/>
+              </a:rPr>
+              <a:t>tax-paid</a:t>
+            </a:r>
+            <a:r>
+              <a:rPr lang="en-GB" sz="1600" dirty="0" smtClean="0"/>
+              <a:t> slot to be specialised to </a:t>
+            </a:r>
+            <a:r>
+              <a:rPr lang="en-GB" sz="1600" dirty="0" smtClean="0">
+                <a:latin typeface="Comic Sans MS" pitchFamily="66" charset="0"/>
+              </a:rPr>
+              <a:t>Non-zero-tax</a:t>
+            </a:r>
+            <a:endParaRPr lang="en-GB" sz="1600" dirty="0" smtClean="0"/>
+          </a:p>
+          <a:p>
+            <a:pPr marL="457200" indent="-457200">
+              <a:buFont typeface="Arial" pitchFamily="34" charset="0"/>
+              <a:buChar char="•"/>
+            </a:pPr>
+            <a:r>
+              <a:rPr lang="en-GB" sz="1600" dirty="0" smtClean="0"/>
+              <a:t>The </a:t>
+            </a:r>
+            <a:r>
+              <a:rPr lang="en-GB" sz="1600" dirty="0" smtClean="0">
+                <a:latin typeface="Comic Sans MS" pitchFamily="66" charset="0"/>
+              </a:rPr>
+              <a:t>job-count</a:t>
+            </a:r>
+            <a:r>
+              <a:rPr lang="en-GB" sz="1600" dirty="0" smtClean="0"/>
+              <a:t> slot, which was originally set to </a:t>
+            </a:r>
+            <a:r>
+              <a:rPr lang="en-GB" sz="1600" dirty="0" smtClean="0">
+                <a:latin typeface="Comic Sans MS" pitchFamily="66" charset="0"/>
+              </a:rPr>
+              <a:t>0</a:t>
+            </a:r>
+            <a:r>
+              <a:rPr lang="en-GB" sz="1600" dirty="0" smtClean="0"/>
+              <a:t> has new been updated, by the OM, to </a:t>
+            </a:r>
+            <a:r>
+              <a:rPr lang="en-GB" sz="1600" dirty="0" smtClean="0">
+                <a:latin typeface="Comic Sans MS" pitchFamily="66" charset="0"/>
+              </a:rPr>
+              <a:t>1</a:t>
+            </a:r>
+            <a:r>
+              <a:rPr lang="en-GB" sz="1600" dirty="0" smtClean="0"/>
+              <a:t>. This type of update, requiring some form of </a:t>
+            </a:r>
+            <a:r>
+              <a:rPr lang="en-GB" sz="1600" i="1" dirty="0" smtClean="0"/>
+              <a:t>second order </a:t>
+            </a:r>
+            <a:r>
+              <a:rPr lang="en-GB" sz="1600" dirty="0" smtClean="0"/>
+              <a:t>processing, cannot be achieved via standard OWL-based reasoning, but is trivial for the OM to provide</a:t>
+            </a:r>
+          </a:p>
+        </p:txBody>
+      </p:sp>
       <p:pic>
         <p:nvPicPr>
-          <p:cNvPr id="4099" name="Picture 3"/>
+          <p:cNvPr id="5123" name="Picture 3"/>
           <p:cNvPicPr>
             <a:picLocks noChangeAspect="1" noChangeArrowheads="1"/>
           </p:cNvPicPr>
@@ -17616,8 +16858,8 @@
         </p:blipFill>
         <p:spPr bwMode="auto">
           <a:xfrm>
-            <a:off x="359532" y="260648"/>
-            <a:ext cx="3872484" cy="4014978"/>
+            <a:off x="359532" y="332656"/>
+            <a:ext cx="4362450" cy="4248150"/>
           </a:xfrm>
           <a:prstGeom prst="rect">
             <a:avLst/>
@@ -17631,579 +16873,6 @@
           </a:ln>
         </p:spPr>
       </p:pic>
-      <p:sp>
-        <p:nvSpPr>
-          <p:cNvPr id="15" name="TextBox 14"/>
-          <p:cNvSpPr txBox="1"/>
-          <p:nvPr/>
-        </p:nvSpPr>
-        <p:spPr>
-          <a:xfrm>
-            <a:off x="4968044" y="584684"/>
-            <a:ext cx="3708412" cy="1354217"/>
-          </a:xfrm>
-          <a:prstGeom prst="rect">
-            <a:avLst/>
-          </a:prstGeom>
-          <a:solidFill>
-            <a:schemeClr val="tx2">
-              <a:lumMod val="40000"/>
-              <a:lumOff val="60000"/>
-            </a:schemeClr>
-          </a:solidFill>
-          <a:ln>
-            <a:solidFill>
-              <a:schemeClr val="tx1"/>
-            </a:solidFill>
-          </a:ln>
-        </p:spPr>
-        <p:txBody>
-          <a:bodyPr wrap="square" rtlCol="0">
-            <a:spAutoFit/>
-          </a:bodyPr>
-          <a:lstStyle/>
-          <a:p>
-            <a:r>
-              <a:rPr lang="en-GB" b="1" dirty="0" smtClean="0"/>
-              <a:t>Actions:</a:t>
-            </a:r>
-            <a:endParaRPr lang="en-GB" dirty="0"/>
-          </a:p>
-          <a:p>
-            <a:pPr marL="457200" indent="-457200">
-              <a:buFont typeface="+mj-lt"/>
-              <a:buAutoNum type="arabicPeriod"/>
-            </a:pPr>
-            <a:r>
-              <a:rPr lang="en-GB" sz="1600" dirty="0" smtClean="0"/>
-              <a:t>Add a value for the </a:t>
-            </a:r>
-            <a:r>
-              <a:rPr lang="en-GB" sz="1600" dirty="0" smtClean="0">
-                <a:latin typeface="Comic Sans MS" pitchFamily="66" charset="0"/>
-              </a:rPr>
-              <a:t>job</a:t>
-            </a:r>
-            <a:r>
-              <a:rPr lang="en-GB" sz="1600" dirty="0" smtClean="0"/>
-              <a:t> slot on the </a:t>
-            </a:r>
-            <a:r>
-              <a:rPr lang="en-GB" sz="1600" dirty="0" smtClean="0">
-                <a:latin typeface="Comic Sans MS" pitchFamily="66" charset="0"/>
-              </a:rPr>
-              <a:t>Employment</a:t>
-            </a:r>
-            <a:r>
-              <a:rPr lang="en-GB" sz="1600" dirty="0" smtClean="0"/>
-              <a:t> value that you’ve just added (again, via a single left-click, since only one possible value-type)</a:t>
-            </a:r>
-          </a:p>
-        </p:txBody>
-      </p:sp>
-      <p:sp>
-        <p:nvSpPr>
-          <p:cNvPr id="22" name="TextBox 21"/>
-          <p:cNvSpPr txBox="1"/>
-          <p:nvPr/>
-        </p:nvSpPr>
-        <p:spPr>
-          <a:xfrm>
-            <a:off x="4968044" y="1952836"/>
-            <a:ext cx="3708412" cy="4555093"/>
-          </a:xfrm>
-          <a:prstGeom prst="rect">
-            <a:avLst/>
-          </a:prstGeom>
-          <a:solidFill>
-            <a:schemeClr val="accent3">
-              <a:lumMod val="60000"/>
-              <a:lumOff val="40000"/>
-            </a:schemeClr>
-          </a:solidFill>
-          <a:ln>
-            <a:solidFill>
-              <a:schemeClr val="tx1"/>
-            </a:solidFill>
-          </a:ln>
-        </p:spPr>
-        <p:txBody>
-          <a:bodyPr wrap="square" rtlCol="0">
-            <a:spAutoFit/>
-          </a:bodyPr>
-          <a:lstStyle/>
-          <a:p>
-            <a:r>
-              <a:rPr lang="en-GB" b="1" dirty="0" smtClean="0"/>
-              <a:t>Discussion:</a:t>
-            </a:r>
-            <a:endParaRPr lang="en-GB" dirty="0"/>
-          </a:p>
-          <a:p>
-            <a:pPr marL="457200" indent="-457200">
-              <a:buFont typeface="Arial" pitchFamily="34" charset="0"/>
-              <a:buChar char="•"/>
-            </a:pPr>
-            <a:r>
-              <a:rPr lang="en-GB" sz="1600" dirty="0" smtClean="0"/>
-              <a:t>The previous updates are reversed, since </a:t>
-            </a:r>
-            <a:r>
-              <a:rPr lang="en-GB" sz="1600" dirty="0" smtClean="0">
-                <a:latin typeface="Comic Sans MS" pitchFamily="66" charset="0"/>
-              </a:rPr>
-              <a:t>Unemployed-citizen</a:t>
-            </a:r>
-            <a:r>
-              <a:rPr lang="en-GB" sz="1600" dirty="0" smtClean="0"/>
-              <a:t> is no longer an inferred type</a:t>
-            </a:r>
-          </a:p>
-          <a:p>
-            <a:pPr marL="457200" indent="-457200">
-              <a:buFont typeface="Arial" pitchFamily="34" charset="0"/>
-              <a:buChar char="•"/>
-            </a:pPr>
-            <a:r>
-              <a:rPr lang="en-GB" sz="1600" dirty="0" smtClean="0"/>
-              <a:t>However, a new inference of </a:t>
-            </a:r>
-            <a:r>
-              <a:rPr lang="en-GB" sz="1600" dirty="0" smtClean="0">
-                <a:latin typeface="Comic Sans MS" pitchFamily="66" charset="0"/>
-              </a:rPr>
-              <a:t>Employed-citizen</a:t>
-            </a:r>
-            <a:r>
-              <a:rPr lang="en-GB" sz="1600" dirty="0" smtClean="0"/>
-              <a:t> is now made (as can be seen from the inferred-types tab), causing the value-type for the </a:t>
-            </a:r>
-            <a:r>
-              <a:rPr lang="en-GB" sz="1600" dirty="0" smtClean="0">
-                <a:latin typeface="Comic Sans MS" pitchFamily="66" charset="0"/>
-              </a:rPr>
-              <a:t>tax-paid</a:t>
-            </a:r>
-            <a:r>
-              <a:rPr lang="en-GB" sz="1600" dirty="0" smtClean="0"/>
-              <a:t> slot to be specialised to </a:t>
-            </a:r>
-            <a:r>
-              <a:rPr lang="en-GB" sz="1600" dirty="0" smtClean="0">
-                <a:latin typeface="Comic Sans MS" pitchFamily="66" charset="0"/>
-              </a:rPr>
-              <a:t>Non-zero-tax</a:t>
-            </a:r>
-            <a:endParaRPr lang="en-GB" sz="1600" dirty="0" smtClean="0"/>
-          </a:p>
-          <a:p>
-            <a:pPr marL="457200" indent="-457200">
-              <a:buFont typeface="Arial" pitchFamily="34" charset="0"/>
-              <a:buChar char="•"/>
-            </a:pPr>
-            <a:r>
-              <a:rPr lang="en-GB" sz="1600" dirty="0" smtClean="0"/>
-              <a:t>The </a:t>
-            </a:r>
-            <a:r>
-              <a:rPr lang="en-GB" sz="1600" dirty="0" smtClean="0">
-                <a:latin typeface="Comic Sans MS" pitchFamily="66" charset="0"/>
-              </a:rPr>
-              <a:t>job-count</a:t>
-            </a:r>
-            <a:r>
-              <a:rPr lang="en-GB" sz="1600" dirty="0" smtClean="0"/>
-              <a:t> slot, which was originally set to </a:t>
-            </a:r>
-            <a:r>
-              <a:rPr lang="en-GB" sz="1600" dirty="0" smtClean="0">
-                <a:latin typeface="Comic Sans MS" pitchFamily="66" charset="0"/>
-              </a:rPr>
-              <a:t>0</a:t>
-            </a:r>
-            <a:r>
-              <a:rPr lang="en-GB" sz="1600" dirty="0" smtClean="0"/>
-              <a:t> has new been updated, by the OM, to </a:t>
-            </a:r>
-            <a:r>
-              <a:rPr lang="en-GB" sz="1600" dirty="0" smtClean="0">
-                <a:latin typeface="Comic Sans MS" pitchFamily="66" charset="0"/>
-              </a:rPr>
-              <a:t>1</a:t>
-            </a:r>
-            <a:r>
-              <a:rPr lang="en-GB" sz="1600" dirty="0" smtClean="0"/>
-              <a:t>. This type of update, requiring some form of </a:t>
-            </a:r>
-            <a:r>
-              <a:rPr lang="en-GB" sz="1600" i="1" dirty="0" smtClean="0"/>
-              <a:t>second order </a:t>
-            </a:r>
-            <a:r>
-              <a:rPr lang="en-GB" sz="1600" dirty="0" smtClean="0"/>
-              <a:t>processing, cannot be achieved via standard OWL-based reasoning, but is trivial for the OM to provide</a:t>
-            </a:r>
-          </a:p>
-        </p:txBody>
-      </p:sp>
-      <p:cxnSp>
-        <p:nvCxnSpPr>
-          <p:cNvPr id="5" name="Straight Arrow Connector 4"/>
-          <p:cNvCxnSpPr/>
-          <p:nvPr/>
-        </p:nvCxnSpPr>
-        <p:spPr>
-          <a:xfrm flipH="1">
-            <a:off x="2051720" y="3537012"/>
-            <a:ext cx="972108" cy="0"/>
-          </a:xfrm>
-          <a:prstGeom prst="straightConnector1">
-            <a:avLst/>
-          </a:prstGeom>
-          <a:ln w="57150">
-            <a:solidFill>
-              <a:schemeClr val="tx2">
-                <a:lumMod val="75000"/>
-              </a:schemeClr>
-            </a:solidFill>
-            <a:tailEnd type="arrow"/>
-          </a:ln>
-        </p:spPr>
-        <p:style>
-          <a:lnRef idx="1">
-            <a:schemeClr val="accent1"/>
-          </a:lnRef>
-          <a:fillRef idx="0">
-            <a:schemeClr val="accent1"/>
-          </a:fillRef>
-          <a:effectRef idx="0">
-            <a:schemeClr val="accent1"/>
-          </a:effectRef>
-          <a:fontRef idx="minor">
-            <a:schemeClr val="tx1"/>
-          </a:fontRef>
-        </p:style>
-      </p:cxnSp>
-      <p:cxnSp>
-        <p:nvCxnSpPr>
-          <p:cNvPr id="6" name="Straight Arrow Connector 5"/>
-          <p:cNvCxnSpPr/>
-          <p:nvPr/>
-        </p:nvCxnSpPr>
-        <p:spPr>
-          <a:xfrm flipH="1">
-            <a:off x="2195736" y="1952836"/>
-            <a:ext cx="900100" cy="324036"/>
-          </a:xfrm>
-          <a:prstGeom prst="straightConnector1">
-            <a:avLst/>
-          </a:prstGeom>
-          <a:ln w="57150">
-            <a:solidFill>
-              <a:schemeClr val="tx2">
-                <a:lumMod val="75000"/>
-              </a:schemeClr>
-            </a:solidFill>
-            <a:tailEnd type="arrow"/>
-          </a:ln>
-        </p:spPr>
-        <p:style>
-          <a:lnRef idx="1">
-            <a:schemeClr val="accent1"/>
-          </a:lnRef>
-          <a:fillRef idx="0">
-            <a:schemeClr val="accent1"/>
-          </a:fillRef>
-          <a:effectRef idx="0">
-            <a:schemeClr val="accent1"/>
-          </a:effectRef>
-          <a:fontRef idx="minor">
-            <a:schemeClr val="tx1"/>
-          </a:fontRef>
-        </p:style>
-      </p:cxnSp>
-      <p:sp>
-        <p:nvSpPr>
-          <p:cNvPr id="7" name="TextBox 6"/>
-          <p:cNvSpPr txBox="1"/>
-          <p:nvPr/>
-        </p:nvSpPr>
-        <p:spPr>
-          <a:xfrm>
-            <a:off x="2699792" y="1700808"/>
-            <a:ext cx="1152128" cy="360040"/>
-          </a:xfrm>
-          <a:prstGeom prst="rect">
-            <a:avLst/>
-          </a:prstGeom>
-          <a:solidFill>
-            <a:schemeClr val="tx2">
-              <a:lumMod val="40000"/>
-              <a:lumOff val="60000"/>
-            </a:schemeClr>
-          </a:solidFill>
-          <a:ln w="38100">
-            <a:solidFill>
-              <a:schemeClr val="tx2">
-                <a:lumMod val="75000"/>
-              </a:schemeClr>
-            </a:solidFill>
-          </a:ln>
-        </p:spPr>
-        <p:txBody>
-          <a:bodyPr wrap="square" rtlCol="0">
-            <a:noAutofit/>
-          </a:bodyPr>
-          <a:lstStyle/>
-          <a:p>
-            <a:r>
-              <a:rPr lang="en-GB" b="1" dirty="0" smtClean="0">
-                <a:solidFill>
-                  <a:schemeClr val="tx1">
-                    <a:lumMod val="75000"/>
-                    <a:lumOff val="25000"/>
-                  </a:schemeClr>
-                </a:solidFill>
-              </a:rPr>
-              <a:t>user input</a:t>
-            </a:r>
-            <a:endParaRPr lang="en-GB" b="1" dirty="0">
-              <a:solidFill>
-                <a:schemeClr val="tx1">
-                  <a:lumMod val="75000"/>
-                  <a:lumOff val="25000"/>
-                </a:schemeClr>
-              </a:solidFill>
-            </a:endParaRPr>
-          </a:p>
-        </p:txBody>
-      </p:sp>
-      <p:sp>
-        <p:nvSpPr>
-          <p:cNvPr id="8" name="TextBox 7"/>
-          <p:cNvSpPr txBox="1"/>
-          <p:nvPr/>
-        </p:nvSpPr>
-        <p:spPr>
-          <a:xfrm>
-            <a:off x="2807804" y="3356992"/>
-            <a:ext cx="1512168" cy="360040"/>
-          </a:xfrm>
-          <a:prstGeom prst="rect">
-            <a:avLst/>
-          </a:prstGeom>
-          <a:solidFill>
-            <a:schemeClr val="tx2">
-              <a:lumMod val="40000"/>
-              <a:lumOff val="60000"/>
-            </a:schemeClr>
-          </a:solidFill>
-          <a:ln w="38100">
-            <a:solidFill>
-              <a:schemeClr val="tx2">
-                <a:lumMod val="75000"/>
-              </a:schemeClr>
-            </a:solidFill>
-          </a:ln>
-        </p:spPr>
-        <p:txBody>
-          <a:bodyPr wrap="square" rtlCol="0">
-            <a:noAutofit/>
-          </a:bodyPr>
-          <a:lstStyle/>
-          <a:p>
-            <a:r>
-              <a:rPr lang="en-GB" b="1" dirty="0" smtClean="0">
-                <a:solidFill>
-                  <a:srgbClr val="FF0000"/>
-                </a:solidFill>
-              </a:rPr>
-              <a:t>EKS response</a:t>
-            </a:r>
-            <a:endParaRPr lang="en-GB" b="1" dirty="0">
-              <a:solidFill>
-                <a:srgbClr val="FF0000"/>
-              </a:solidFill>
-            </a:endParaRPr>
-          </a:p>
-        </p:txBody>
-      </p:sp>
-      <p:cxnSp>
-        <p:nvCxnSpPr>
-          <p:cNvPr id="9" name="Straight Arrow Connector 8"/>
-          <p:cNvCxnSpPr/>
-          <p:nvPr/>
-        </p:nvCxnSpPr>
-        <p:spPr>
-          <a:xfrm flipH="1">
-            <a:off x="1727684" y="1196752"/>
-            <a:ext cx="1224136" cy="36004"/>
-          </a:xfrm>
-          <a:prstGeom prst="straightConnector1">
-            <a:avLst/>
-          </a:prstGeom>
-          <a:ln w="57150">
-            <a:solidFill>
-              <a:schemeClr val="tx2">
-                <a:lumMod val="75000"/>
-              </a:schemeClr>
-            </a:solidFill>
-            <a:tailEnd type="arrow"/>
-          </a:ln>
-        </p:spPr>
-        <p:style>
-          <a:lnRef idx="1">
-            <a:schemeClr val="accent1"/>
-          </a:lnRef>
-          <a:fillRef idx="0">
-            <a:schemeClr val="accent1"/>
-          </a:fillRef>
-          <a:effectRef idx="0">
-            <a:schemeClr val="accent1"/>
-          </a:effectRef>
-          <a:fontRef idx="minor">
-            <a:schemeClr val="tx1"/>
-          </a:fontRef>
-        </p:style>
-      </p:cxnSp>
-      <p:sp>
-        <p:nvSpPr>
-          <p:cNvPr id="10" name="TextBox 9"/>
-          <p:cNvSpPr txBox="1"/>
-          <p:nvPr/>
-        </p:nvSpPr>
-        <p:spPr>
-          <a:xfrm>
-            <a:off x="2627784" y="980728"/>
-            <a:ext cx="1512168" cy="360040"/>
-          </a:xfrm>
-          <a:prstGeom prst="rect">
-            <a:avLst/>
-          </a:prstGeom>
-          <a:solidFill>
-            <a:schemeClr val="tx2">
-              <a:lumMod val="40000"/>
-              <a:lumOff val="60000"/>
-            </a:schemeClr>
-          </a:solidFill>
-          <a:ln w="38100">
-            <a:solidFill>
-              <a:schemeClr val="tx2">
-                <a:lumMod val="75000"/>
-              </a:schemeClr>
-            </a:solidFill>
-          </a:ln>
-        </p:spPr>
-        <p:txBody>
-          <a:bodyPr wrap="square" rtlCol="0">
-            <a:noAutofit/>
-          </a:bodyPr>
-          <a:lstStyle/>
-          <a:p>
-            <a:r>
-              <a:rPr lang="en-GB" b="1" dirty="0" smtClean="0">
-                <a:solidFill>
-                  <a:srgbClr val="FF0000"/>
-                </a:solidFill>
-              </a:rPr>
-              <a:t>EKS response</a:t>
-            </a:r>
-            <a:endParaRPr lang="en-GB" b="1" dirty="0">
-              <a:solidFill>
-                <a:srgbClr val="FF0000"/>
-              </a:solidFill>
-            </a:endParaRPr>
-          </a:p>
-        </p:txBody>
-      </p:sp>
-      <p:cxnSp>
-        <p:nvCxnSpPr>
-          <p:cNvPr id="19" name="Straight Arrow Connector 18"/>
-          <p:cNvCxnSpPr/>
-          <p:nvPr/>
-        </p:nvCxnSpPr>
-        <p:spPr>
-          <a:xfrm flipH="1">
-            <a:off x="2015716" y="2816932"/>
-            <a:ext cx="1008112" cy="0"/>
-          </a:xfrm>
-          <a:prstGeom prst="straightConnector1">
-            <a:avLst/>
-          </a:prstGeom>
-          <a:ln w="57150">
-            <a:solidFill>
-              <a:schemeClr val="tx2">
-                <a:lumMod val="75000"/>
-              </a:schemeClr>
-            </a:solidFill>
-            <a:tailEnd type="arrow"/>
-          </a:ln>
-        </p:spPr>
-        <p:style>
-          <a:lnRef idx="1">
-            <a:schemeClr val="accent1"/>
-          </a:lnRef>
-          <a:fillRef idx="0">
-            <a:schemeClr val="accent1"/>
-          </a:fillRef>
-          <a:effectRef idx="0">
-            <a:schemeClr val="accent1"/>
-          </a:effectRef>
-          <a:fontRef idx="minor">
-            <a:schemeClr val="tx1"/>
-          </a:fontRef>
-        </p:style>
-      </p:cxnSp>
-      <p:sp>
-        <p:nvSpPr>
-          <p:cNvPr id="20" name="TextBox 19"/>
-          <p:cNvSpPr txBox="1"/>
-          <p:nvPr/>
-        </p:nvSpPr>
-        <p:spPr>
-          <a:xfrm>
-            <a:off x="2807804" y="2672916"/>
-            <a:ext cx="1512168" cy="360040"/>
-          </a:xfrm>
-          <a:prstGeom prst="rect">
-            <a:avLst/>
-          </a:prstGeom>
-          <a:solidFill>
-            <a:schemeClr val="tx2">
-              <a:lumMod val="40000"/>
-              <a:lumOff val="60000"/>
-            </a:schemeClr>
-          </a:solidFill>
-          <a:ln w="38100">
-            <a:solidFill>
-              <a:schemeClr val="tx2">
-                <a:lumMod val="75000"/>
-              </a:schemeClr>
-            </a:solidFill>
-          </a:ln>
-        </p:spPr>
-        <p:txBody>
-          <a:bodyPr wrap="square" rtlCol="0">
-            <a:noAutofit/>
-          </a:bodyPr>
-          <a:lstStyle/>
-          <a:p>
-            <a:r>
-              <a:rPr lang="en-GB" b="1" dirty="0" smtClean="0">
-                <a:solidFill>
-                  <a:srgbClr val="411DD9"/>
-                </a:solidFill>
-              </a:rPr>
-              <a:t>OM response</a:t>
-            </a:r>
-            <a:endParaRPr lang="en-GB" b="1" dirty="0">
-              <a:solidFill>
-                <a:srgbClr val="411DD9"/>
-              </a:solidFill>
-            </a:endParaRPr>
-          </a:p>
-        </p:txBody>
-      </p:sp>
     </p:spTree>
   </p:cSld>
   <p:clrMapOvr>
@@ -18244,7 +16913,7 @@
         </p:nvSpPr>
         <p:spPr>
           <a:xfrm>
-            <a:off x="5004048" y="548680"/>
+            <a:off x="5220072" y="836712"/>
             <a:ext cx="3492388" cy="1107996"/>
           </a:xfrm>
           <a:prstGeom prst="rect">
@@ -18324,7 +16993,7 @@
         </p:nvSpPr>
         <p:spPr>
           <a:xfrm>
-            <a:off x="5004048" y="1664804"/>
+            <a:off x="5220072" y="1952836"/>
             <a:ext cx="3492388" cy="4555093"/>
           </a:xfrm>
           <a:prstGeom prst="rect">
@@ -18468,7 +17137,7 @@
       </p:sp>
       <p:pic>
         <p:nvPicPr>
-          <p:cNvPr id="5123" name="Picture 3"/>
+          <p:cNvPr id="6146" name="Picture 2"/>
           <p:cNvPicPr>
             <a:picLocks noChangeAspect="1" noChangeArrowheads="1"/>
           </p:cNvPicPr>
@@ -18483,8 +17152,8 @@
         </p:blipFill>
         <p:spPr bwMode="auto">
           <a:xfrm>
-            <a:off x="359532" y="260648"/>
-            <a:ext cx="3872484" cy="6035040"/>
+            <a:off x="359532" y="332656"/>
+            <a:ext cx="4362450" cy="5467350"/>
           </a:xfrm>
           <a:prstGeom prst="rect">
             <a:avLst/>
@@ -18498,302 +17167,6 @@
           </a:ln>
         </p:spPr>
       </p:pic>
-      <p:cxnSp>
-        <p:nvCxnSpPr>
-          <p:cNvPr id="6" name="Straight Arrow Connector 5"/>
-          <p:cNvCxnSpPr/>
-          <p:nvPr/>
-        </p:nvCxnSpPr>
-        <p:spPr>
-          <a:xfrm flipH="1" flipV="1">
-            <a:off x="2375756" y="2816932"/>
-            <a:ext cx="1152128" cy="180020"/>
-          </a:xfrm>
-          <a:prstGeom prst="straightConnector1">
-            <a:avLst/>
-          </a:prstGeom>
-          <a:ln w="57150">
-            <a:solidFill>
-              <a:schemeClr val="tx2">
-                <a:lumMod val="75000"/>
-              </a:schemeClr>
-            </a:solidFill>
-            <a:tailEnd type="arrow"/>
-          </a:ln>
-        </p:spPr>
-        <p:style>
-          <a:lnRef idx="1">
-            <a:schemeClr val="accent1"/>
-          </a:lnRef>
-          <a:fillRef idx="0">
-            <a:schemeClr val="accent1"/>
-          </a:fillRef>
-          <a:effectRef idx="0">
-            <a:schemeClr val="accent1"/>
-          </a:effectRef>
-          <a:fontRef idx="minor">
-            <a:schemeClr val="tx1"/>
-          </a:fontRef>
-        </p:style>
-      </p:cxnSp>
-      <p:cxnSp>
-        <p:nvCxnSpPr>
-          <p:cNvPr id="11" name="Straight Arrow Connector 10"/>
-          <p:cNvCxnSpPr/>
-          <p:nvPr/>
-        </p:nvCxnSpPr>
-        <p:spPr>
-          <a:xfrm flipH="1" flipV="1">
-            <a:off x="2591780" y="4365104"/>
-            <a:ext cx="936104" cy="432048"/>
-          </a:xfrm>
-          <a:prstGeom prst="straightConnector1">
-            <a:avLst/>
-          </a:prstGeom>
-          <a:ln w="57150">
-            <a:solidFill>
-              <a:schemeClr val="tx2">
-                <a:lumMod val="75000"/>
-              </a:schemeClr>
-            </a:solidFill>
-            <a:tailEnd type="arrow"/>
-          </a:ln>
-        </p:spPr>
-        <p:style>
-          <a:lnRef idx="1">
-            <a:schemeClr val="accent1"/>
-          </a:lnRef>
-          <a:fillRef idx="0">
-            <a:schemeClr val="accent1"/>
-          </a:fillRef>
-          <a:effectRef idx="0">
-            <a:schemeClr val="accent1"/>
-          </a:effectRef>
-          <a:fontRef idx="minor">
-            <a:schemeClr val="tx1"/>
-          </a:fontRef>
-        </p:style>
-      </p:cxnSp>
-      <p:cxnSp>
-        <p:nvCxnSpPr>
-          <p:cNvPr id="16" name="Straight Arrow Connector 15"/>
-          <p:cNvCxnSpPr/>
-          <p:nvPr/>
-        </p:nvCxnSpPr>
-        <p:spPr>
-          <a:xfrm flipH="1">
-            <a:off x="2267744" y="4869160"/>
-            <a:ext cx="1152128" cy="0"/>
-          </a:xfrm>
-          <a:prstGeom prst="straightConnector1">
-            <a:avLst/>
-          </a:prstGeom>
-          <a:ln w="57150">
-            <a:solidFill>
-              <a:schemeClr val="tx2">
-                <a:lumMod val="75000"/>
-              </a:schemeClr>
-            </a:solidFill>
-            <a:tailEnd type="arrow"/>
-          </a:ln>
-        </p:spPr>
-        <p:style>
-          <a:lnRef idx="1">
-            <a:schemeClr val="accent1"/>
-          </a:lnRef>
-          <a:fillRef idx="0">
-            <a:schemeClr val="accent1"/>
-          </a:fillRef>
-          <a:effectRef idx="0">
-            <a:schemeClr val="accent1"/>
-          </a:effectRef>
-          <a:fontRef idx="minor">
-            <a:schemeClr val="tx1"/>
-          </a:fontRef>
-        </p:style>
-      </p:cxnSp>
-      <p:cxnSp>
-        <p:nvCxnSpPr>
-          <p:cNvPr id="17" name="Straight Arrow Connector 16"/>
-          <p:cNvCxnSpPr/>
-          <p:nvPr/>
-        </p:nvCxnSpPr>
-        <p:spPr>
-          <a:xfrm flipH="1">
-            <a:off x="2015716" y="4977172"/>
-            <a:ext cx="1332148" cy="576064"/>
-          </a:xfrm>
-          <a:prstGeom prst="straightConnector1">
-            <a:avLst/>
-          </a:prstGeom>
-          <a:ln w="57150">
-            <a:solidFill>
-              <a:schemeClr val="tx2">
-                <a:lumMod val="75000"/>
-              </a:schemeClr>
-            </a:solidFill>
-            <a:tailEnd type="arrow"/>
-          </a:ln>
-        </p:spPr>
-        <p:style>
-          <a:lnRef idx="1">
-            <a:schemeClr val="accent1"/>
-          </a:lnRef>
-          <a:fillRef idx="0">
-            <a:schemeClr val="accent1"/>
-          </a:fillRef>
-          <a:effectRef idx="0">
-            <a:schemeClr val="accent1"/>
-          </a:effectRef>
-          <a:fontRef idx="minor">
-            <a:schemeClr val="tx1"/>
-          </a:fontRef>
-        </p:style>
-      </p:cxnSp>
-      <p:sp>
-        <p:nvSpPr>
-          <p:cNvPr id="12" name="TextBox 11"/>
-          <p:cNvSpPr txBox="1"/>
-          <p:nvPr/>
-        </p:nvSpPr>
-        <p:spPr>
-          <a:xfrm>
-            <a:off x="3131840" y="4653136"/>
-            <a:ext cx="1512168" cy="360040"/>
-          </a:xfrm>
-          <a:prstGeom prst="rect">
-            <a:avLst/>
-          </a:prstGeom>
-          <a:solidFill>
-            <a:schemeClr val="tx2">
-              <a:lumMod val="40000"/>
-              <a:lumOff val="60000"/>
-            </a:schemeClr>
-          </a:solidFill>
-          <a:ln w="38100">
-            <a:solidFill>
-              <a:schemeClr val="tx2">
-                <a:lumMod val="75000"/>
-              </a:schemeClr>
-            </a:solidFill>
-          </a:ln>
-        </p:spPr>
-        <p:txBody>
-          <a:bodyPr wrap="square" rtlCol="0">
-            <a:noAutofit/>
-          </a:bodyPr>
-          <a:lstStyle/>
-          <a:p>
-            <a:r>
-              <a:rPr lang="en-GB" b="1" dirty="0" smtClean="0">
-                <a:solidFill>
-                  <a:srgbClr val="411DD9"/>
-                </a:solidFill>
-              </a:rPr>
-              <a:t>OM response</a:t>
-            </a:r>
-            <a:endParaRPr lang="en-GB" b="1" dirty="0">
-              <a:solidFill>
-                <a:srgbClr val="411DD9"/>
-              </a:solidFill>
-            </a:endParaRPr>
-          </a:p>
-        </p:txBody>
-      </p:sp>
-      <p:cxnSp>
-        <p:nvCxnSpPr>
-          <p:cNvPr id="24" name="Straight Arrow Connector 23"/>
-          <p:cNvCxnSpPr/>
-          <p:nvPr/>
-        </p:nvCxnSpPr>
-        <p:spPr>
-          <a:xfrm flipH="1">
-            <a:off x="2591780" y="3068960"/>
-            <a:ext cx="972108" cy="252028"/>
-          </a:xfrm>
-          <a:prstGeom prst="straightConnector1">
-            <a:avLst/>
-          </a:prstGeom>
-          <a:ln w="57150">
-            <a:solidFill>
-              <a:schemeClr val="tx2">
-                <a:lumMod val="75000"/>
-              </a:schemeClr>
-            </a:solidFill>
-            <a:tailEnd type="arrow"/>
-          </a:ln>
-        </p:spPr>
-        <p:style>
-          <a:lnRef idx="1">
-            <a:schemeClr val="accent1"/>
-          </a:lnRef>
-          <a:fillRef idx="0">
-            <a:schemeClr val="accent1"/>
-          </a:fillRef>
-          <a:effectRef idx="0">
-            <a:schemeClr val="accent1"/>
-          </a:effectRef>
-          <a:fontRef idx="minor">
-            <a:schemeClr val="tx1"/>
-          </a:fontRef>
-        </p:style>
-      </p:cxnSp>
-      <p:sp>
-        <p:nvSpPr>
-          <p:cNvPr id="7" name="TextBox 6"/>
-          <p:cNvSpPr txBox="1"/>
-          <p:nvPr/>
-        </p:nvSpPr>
-        <p:spPr>
-          <a:xfrm>
-            <a:off x="3311860" y="2852936"/>
-            <a:ext cx="1152128" cy="360040"/>
-          </a:xfrm>
-          <a:prstGeom prst="rect">
-            <a:avLst/>
-          </a:prstGeom>
-          <a:solidFill>
-            <a:schemeClr val="tx2">
-              <a:lumMod val="40000"/>
-              <a:lumOff val="60000"/>
-            </a:schemeClr>
-          </a:solidFill>
-          <a:ln w="38100">
-            <a:solidFill>
-              <a:schemeClr val="tx2">
-                <a:lumMod val="75000"/>
-              </a:schemeClr>
-            </a:solidFill>
-          </a:ln>
-        </p:spPr>
-        <p:txBody>
-          <a:bodyPr wrap="square" rtlCol="0">
-            <a:noAutofit/>
-          </a:bodyPr>
-          <a:lstStyle/>
-          <a:p>
-            <a:r>
-              <a:rPr lang="en-GB" b="1" dirty="0" smtClean="0">
-                <a:solidFill>
-                  <a:schemeClr val="tx1">
-                    <a:lumMod val="75000"/>
-                    <a:lumOff val="25000"/>
-                  </a:schemeClr>
-                </a:solidFill>
-              </a:rPr>
-              <a:t>user input</a:t>
-            </a:r>
-            <a:endParaRPr lang="en-GB" b="1" dirty="0">
-              <a:solidFill>
-                <a:schemeClr val="tx1">
-                  <a:lumMod val="75000"/>
-                  <a:lumOff val="25000"/>
-                </a:schemeClr>
-              </a:solidFill>
-            </a:endParaRPr>
-          </a:p>
-        </p:txBody>
-      </p:sp>
     </p:spTree>
   </p:cSld>
   <p:clrMapOvr>
@@ -19119,7 +17492,7 @@
       </p:grpSpPr>
       <p:pic>
         <p:nvPicPr>
-          <p:cNvPr id="8194" name="Picture 2"/>
+          <p:cNvPr id="7170" name="Picture 2"/>
           <p:cNvPicPr>
             <a:picLocks noChangeAspect="1" noChangeArrowheads="1"/>
           </p:cNvPicPr>
@@ -19135,7 +17508,7 @@
         <p:spPr bwMode="auto">
           <a:xfrm>
             <a:off x="323528" y="296652"/>
-            <a:ext cx="4197096" cy="6245352"/>
+            <a:ext cx="4362450" cy="5467350"/>
           </a:xfrm>
           <a:prstGeom prst="rect">
             <a:avLst/>
@@ -19157,7 +17530,7 @@
         </p:nvSpPr>
         <p:spPr>
           <a:xfrm>
-            <a:off x="4932040" y="512676"/>
+            <a:off x="5040052" y="764704"/>
             <a:ext cx="3816424" cy="3693319"/>
           </a:xfrm>
           <a:prstGeom prst="rect">
@@ -19283,7 +17656,7 @@
         </p:nvSpPr>
         <p:spPr>
           <a:xfrm>
-            <a:off x="4932040" y="4221088"/>
+            <a:off x="5040052" y="4473116"/>
             <a:ext cx="3816424" cy="2092881"/>
           </a:xfrm>
           <a:prstGeom prst="rect">
@@ -19363,7 +17736,7 @@
         </p:nvGrpSpPr>
         <p:grpSpPr>
           <a:xfrm rot="19301791">
-            <a:off x="4302047" y="6327420"/>
+            <a:off x="4122025" y="5499328"/>
             <a:ext cx="135329" cy="221507"/>
             <a:chOff x="7056276" y="4257092"/>
             <a:chExt cx="468052" cy="891034"/>
@@ -19546,7 +17919,7 @@
       </p:grpSpPr>
       <p:pic>
         <p:nvPicPr>
-          <p:cNvPr id="22530" name="Picture 2"/>
+          <p:cNvPr id="18435" name="Picture 3"/>
           <p:cNvPicPr>
             <a:picLocks noChangeAspect="1" noChangeArrowheads="1"/>
           </p:cNvPicPr>
@@ -19562,7 +17935,7 @@
         <p:spPr bwMode="auto">
           <a:xfrm>
             <a:off x="323528" y="296652"/>
-            <a:ext cx="4351020" cy="3733800"/>
+            <a:ext cx="4953000" cy="4259580"/>
           </a:xfrm>
           <a:prstGeom prst="rect">
             <a:avLst/>
@@ -19584,7 +17957,7 @@
         </p:nvSpPr>
         <p:spPr>
           <a:xfrm>
-            <a:off x="5544108" y="2960948"/>
+            <a:off x="5652120" y="3068960"/>
             <a:ext cx="2988332" cy="3323987"/>
           </a:xfrm>
           <a:prstGeom prst="rect">
@@ -19645,7 +18018,7 @@
         </p:nvGrpSpPr>
         <p:grpSpPr>
           <a:xfrm rot="19301791">
-            <a:off x="1349719" y="3771136"/>
+            <a:off x="1745762" y="4347199"/>
             <a:ext cx="135329" cy="221507"/>
             <a:chOff x="7056276" y="4257092"/>
             <a:chExt cx="468052" cy="891034"/>
@@ -19794,6 +18167,38 @@
           </p:txBody>
         </p:sp>
       </p:grpSp>
+      <p:pic>
+        <p:nvPicPr>
+          <p:cNvPr id="9" name="Picture 2"/>
+          <p:cNvPicPr>
+            <a:picLocks noChangeAspect="1" noChangeArrowheads="1"/>
+          </p:cNvPicPr>
+          <p:nvPr/>
+        </p:nvPicPr>
+        <p:blipFill>
+          <a:blip r:embed="rId3" cstate="print"/>
+          <a:srcRect/>
+          <a:stretch>
+            <a:fillRect/>
+          </a:stretch>
+        </p:blipFill>
+        <p:spPr bwMode="auto">
+          <a:xfrm>
+            <a:off x="1907704" y="2348880"/>
+            <a:ext cx="1905000" cy="533400"/>
+          </a:xfrm>
+          <a:prstGeom prst="rect">
+            <a:avLst/>
+          </a:prstGeom>
+          <a:noFill/>
+          <a:ln w="9525">
+            <a:noFill/>
+            <a:miter lim="800000"/>
+            <a:headEnd/>
+            <a:tailEnd/>
+          </a:ln>
+        </p:spPr>
+      </p:pic>
     </p:spTree>
   </p:cSld>
   <p:clrMapOvr>
@@ -19828,7 +18233,7 @@
       </p:grpSpPr>
       <p:pic>
         <p:nvPicPr>
-          <p:cNvPr id="22530" name="Picture 2"/>
+          <p:cNvPr id="14" name="Picture 3"/>
           <p:cNvPicPr>
             <a:picLocks noChangeAspect="1" noChangeArrowheads="1"/>
           </p:cNvPicPr>
@@ -19844,7 +18249,7 @@
         <p:spPr bwMode="auto">
           <a:xfrm>
             <a:off x="323528" y="296652"/>
-            <a:ext cx="4351020" cy="3733800"/>
+            <a:ext cx="4953000" cy="4259580"/>
           </a:xfrm>
           <a:prstGeom prst="rect">
             <a:avLst/>
@@ -19858,15 +18263,156 @@
           </a:ln>
         </p:spPr>
       </p:pic>
+      <p:sp>
+        <p:nvSpPr>
+          <p:cNvPr id="9" name="TextBox 8"/>
+          <p:cNvSpPr txBox="1"/>
+          <p:nvPr/>
+        </p:nvSpPr>
+        <p:spPr>
+          <a:xfrm>
+            <a:off x="5616116" y="1808820"/>
+            <a:ext cx="3096344" cy="2585323"/>
+          </a:xfrm>
+          <a:prstGeom prst="rect">
+            <a:avLst/>
+          </a:prstGeom>
+          <a:solidFill>
+            <a:schemeClr val="tx2">
+              <a:lumMod val="40000"/>
+              <a:lumOff val="60000"/>
+            </a:schemeClr>
+          </a:solidFill>
+          <a:ln>
+            <a:solidFill>
+              <a:schemeClr val="tx1"/>
+            </a:solidFill>
+          </a:ln>
+        </p:spPr>
+        <p:txBody>
+          <a:bodyPr wrap="square" rtlCol="0">
+            <a:spAutoFit/>
+          </a:bodyPr>
+          <a:lstStyle/>
+          <a:p>
+            <a:r>
+              <a:rPr lang="en-GB" b="1" dirty="0" smtClean="0"/>
+              <a:t>Actions:</a:t>
+            </a:r>
+            <a:endParaRPr lang="en-GB" dirty="0"/>
+          </a:p>
+          <a:p>
+            <a:pPr lvl="1" indent="-457200">
+              <a:buFont typeface="+mj-lt"/>
+              <a:buAutoNum type="arabicPeriod"/>
+            </a:pPr>
+            <a:r>
+              <a:rPr lang="en-GB" sz="1600" dirty="0" smtClean="0"/>
+              <a:t>Click “Remove…” in “Instance Store” area at bottom of LH panel of main window</a:t>
+            </a:r>
+            <a:endParaRPr lang="en-GB" sz="800" dirty="0" smtClean="0"/>
+          </a:p>
+          <a:p>
+            <a:pPr lvl="1" indent="-457200">
+              <a:buFont typeface="+mj-lt"/>
+              <a:buAutoNum type="arabicPeriod"/>
+            </a:pPr>
+            <a:r>
+              <a:rPr lang="en-GB" sz="1600" dirty="0" smtClean="0"/>
+              <a:t>Enter the name of a previously stored assertion in the dialog box that appears, then click “Ok” to the resulting confirmation prompt</a:t>
+            </a:r>
+          </a:p>
+        </p:txBody>
+      </p:sp>
+      <p:sp>
+        <p:nvSpPr>
+          <p:cNvPr id="10" name="TextBox 9"/>
+          <p:cNvSpPr txBox="1"/>
+          <p:nvPr/>
+        </p:nvSpPr>
+        <p:spPr>
+          <a:xfrm>
+            <a:off x="5616116" y="4365104"/>
+            <a:ext cx="3096344" cy="2092881"/>
+          </a:xfrm>
+          <a:prstGeom prst="rect">
+            <a:avLst/>
+          </a:prstGeom>
+          <a:solidFill>
+            <a:schemeClr val="accent3">
+              <a:lumMod val="60000"/>
+              <a:lumOff val="40000"/>
+            </a:schemeClr>
+          </a:solidFill>
+          <a:ln>
+            <a:solidFill>
+              <a:schemeClr val="tx1"/>
+            </a:solidFill>
+          </a:ln>
+        </p:spPr>
+        <p:txBody>
+          <a:bodyPr wrap="square" rtlCol="0">
+            <a:spAutoFit/>
+          </a:bodyPr>
+          <a:lstStyle/>
+          <a:p>
+            <a:r>
+              <a:rPr lang="en-GB" b="1" dirty="0" smtClean="0"/>
+              <a:t>Discussion:</a:t>
+            </a:r>
+            <a:endParaRPr lang="en-GB" dirty="0"/>
+          </a:p>
+          <a:p>
+            <a:pPr marL="457200" indent="-457200">
+              <a:buFont typeface="Arial" pitchFamily="34" charset="0"/>
+              <a:buChar char="•"/>
+            </a:pPr>
+            <a:r>
+              <a:rPr lang="en-GB" sz="1600" dirty="0" smtClean="0"/>
+              <a:t>The removal action will cause appropriate updates to each of the following:</a:t>
+            </a:r>
+          </a:p>
+          <a:p>
+            <a:pPr marL="914400" lvl="1" indent="-457200">
+              <a:buFont typeface="Arial" pitchFamily="34" charset="0"/>
+              <a:buChar char="•"/>
+            </a:pPr>
+            <a:r>
+              <a:rPr lang="en-GB" sz="1600" dirty="0" smtClean="0"/>
+              <a:t>Persistent version of IS</a:t>
+            </a:r>
+          </a:p>
+          <a:p>
+            <a:pPr marL="914400" lvl="1" indent="-457200">
+              <a:buFont typeface="Arial" pitchFamily="34" charset="0"/>
+              <a:buChar char="•"/>
+            </a:pPr>
+            <a:r>
+              <a:rPr lang="en-GB" sz="1600" dirty="0" smtClean="0"/>
+              <a:t>In-memory version of IS</a:t>
+            </a:r>
+          </a:p>
+          <a:p>
+            <a:pPr marL="914400" lvl="1" indent="-457200">
+              <a:buFont typeface="Arial" pitchFamily="34" charset="0"/>
+              <a:buChar char="•"/>
+            </a:pPr>
+            <a:r>
+              <a:rPr lang="en-GB" sz="1600" dirty="0" smtClean="0"/>
+              <a:t>In-memory version of OWL ontology</a:t>
+            </a:r>
+          </a:p>
+        </p:txBody>
+      </p:sp>
       <p:grpSp>
         <p:nvGrpSpPr>
-          <p:cNvPr id="2" name="Group 9"/>
+          <p:cNvPr id="15" name="Group 14"/>
           <p:cNvGrpSpPr/>
           <p:nvPr/>
         </p:nvGrpSpPr>
         <p:grpSpPr>
           <a:xfrm rot="19301791">
-            <a:off x="2213814" y="3771136"/>
+            <a:off x="2573855" y="4347200"/>
             <a:ext cx="135329" cy="221507"/>
             <a:chOff x="7056276" y="4257092"/>
             <a:chExt cx="468052" cy="891034"/>
@@ -19874,7 +18420,7 @@
         </p:grpSpPr>
         <p:sp>
           <p:nvSpPr>
-            <p:cNvPr id="11" name="Rectangle 10"/>
+            <p:cNvPr id="16" name="Rectangle 15"/>
             <p:cNvSpPr/>
             <p:nvPr/>
           </p:nvSpPr>
@@ -19922,7 +18468,7 @@
         </p:sp>
         <p:sp>
           <p:nvSpPr>
-            <p:cNvPr id="12" name="Isosceles Triangle 11"/>
+            <p:cNvPr id="17" name="Isosceles Triangle 16"/>
             <p:cNvSpPr/>
             <p:nvPr/>
           </p:nvSpPr>
@@ -19970,7 +18516,7 @@
         </p:sp>
         <p:sp>
           <p:nvSpPr>
-            <p:cNvPr id="13" name="Rectangle 12"/>
+            <p:cNvPr id="18" name="Rectangle 17"/>
             <p:cNvSpPr/>
             <p:nvPr/>
           </p:nvSpPr>
@@ -20015,147 +18561,38 @@
           </p:txBody>
         </p:sp>
       </p:grpSp>
-      <p:sp>
-        <p:nvSpPr>
-          <p:cNvPr id="9" name="TextBox 8"/>
-          <p:cNvSpPr txBox="1"/>
+      <p:pic>
+        <p:nvPicPr>
+          <p:cNvPr id="19" name="Picture 2"/>
+          <p:cNvPicPr>
+            <a:picLocks noChangeAspect="1" noChangeArrowheads="1"/>
+          </p:cNvPicPr>
           <p:nvPr/>
-        </p:nvSpPr>
-        <p:spPr>
+        </p:nvPicPr>
+        <p:blipFill>
+          <a:blip r:embed="rId3" cstate="print"/>
+          <a:srcRect/>
+          <a:stretch>
+            <a:fillRect/>
+          </a:stretch>
+        </p:blipFill>
+        <p:spPr bwMode="auto">
           <a:xfrm>
-            <a:off x="5256076" y="2312876"/>
-            <a:ext cx="3456384" cy="2092881"/>
+            <a:off x="1907704" y="2348880"/>
+            <a:ext cx="1905000" cy="533400"/>
           </a:xfrm>
           <a:prstGeom prst="rect">
             <a:avLst/>
           </a:prstGeom>
-          <a:solidFill>
-            <a:schemeClr val="tx2">
-              <a:lumMod val="40000"/>
-              <a:lumOff val="60000"/>
-            </a:schemeClr>
-          </a:solidFill>
-          <a:ln>
-            <a:solidFill>
-              <a:schemeClr val="tx1"/>
-            </a:solidFill>
+          <a:noFill/>
+          <a:ln w="9525">
+            <a:noFill/>
+            <a:miter lim="800000"/>
+            <a:headEnd/>
+            <a:tailEnd/>
           </a:ln>
         </p:spPr>
-        <p:txBody>
-          <a:bodyPr wrap="square" rtlCol="0">
-            <a:spAutoFit/>
-          </a:bodyPr>
-          <a:lstStyle/>
-          <a:p>
-            <a:r>
-              <a:rPr lang="en-GB" b="1" dirty="0" smtClean="0"/>
-              <a:t>Actions:</a:t>
-            </a:r>
-            <a:endParaRPr lang="en-GB" dirty="0"/>
-          </a:p>
-          <a:p>
-            <a:pPr lvl="1" indent="-457200">
-              <a:buFont typeface="+mj-lt"/>
-              <a:buAutoNum type="arabicPeriod"/>
-            </a:pPr>
-            <a:r>
-              <a:rPr lang="en-GB" sz="1600" dirty="0" smtClean="0"/>
-              <a:t>Click “Remove…” in “Instance Store” area at bottom of LH panel of main window</a:t>
-            </a:r>
-            <a:endParaRPr lang="en-GB" sz="800" dirty="0" smtClean="0"/>
-          </a:p>
-          <a:p>
-            <a:pPr lvl="1" indent="-457200">
-              <a:buFont typeface="+mj-lt"/>
-              <a:buAutoNum type="arabicPeriod"/>
-            </a:pPr>
-            <a:r>
-              <a:rPr lang="en-GB" sz="1600" dirty="0" smtClean="0"/>
-              <a:t>Enter the name of a previously stored assertion in the dialog box that appears, then click “Ok” to the resulting confirmation prompt</a:t>
-            </a:r>
-          </a:p>
-        </p:txBody>
-      </p:sp>
-      <p:sp>
-        <p:nvSpPr>
-          <p:cNvPr id="10" name="TextBox 9"/>
-          <p:cNvSpPr txBox="1"/>
-          <p:nvPr/>
-        </p:nvSpPr>
-        <p:spPr>
-          <a:xfrm>
-            <a:off x="5256076" y="4401108"/>
-            <a:ext cx="3456384" cy="2092881"/>
-          </a:xfrm>
-          <a:prstGeom prst="rect">
-            <a:avLst/>
-          </a:prstGeom>
-          <a:solidFill>
-            <a:schemeClr val="accent3">
-              <a:lumMod val="60000"/>
-              <a:lumOff val="40000"/>
-            </a:schemeClr>
-          </a:solidFill>
-          <a:ln>
-            <a:solidFill>
-              <a:schemeClr val="tx1"/>
-            </a:solidFill>
-          </a:ln>
-        </p:spPr>
-        <p:txBody>
-          <a:bodyPr wrap="square" rtlCol="0">
-            <a:spAutoFit/>
-          </a:bodyPr>
-          <a:lstStyle/>
-          <a:p>
-            <a:r>
-              <a:rPr lang="en-GB" b="1" dirty="0" smtClean="0"/>
-              <a:t>Discussion:</a:t>
-            </a:r>
-            <a:endParaRPr lang="en-GB" dirty="0"/>
-          </a:p>
-          <a:p>
-            <a:pPr marL="457200" indent="-457200">
-              <a:buFont typeface="Arial" pitchFamily="34" charset="0"/>
-              <a:buChar char="•"/>
-            </a:pPr>
-            <a:r>
-              <a:rPr lang="en-GB" sz="1600" dirty="0" smtClean="0"/>
-              <a:t>The removal action will cause appropriate updates to each of the following:</a:t>
-            </a:r>
-          </a:p>
-          <a:p>
-            <a:pPr marL="914400" lvl="1" indent="-457200">
-              <a:buFont typeface="Arial" pitchFamily="34" charset="0"/>
-              <a:buChar char="•"/>
-            </a:pPr>
-            <a:r>
-              <a:rPr lang="en-GB" sz="1600" dirty="0" smtClean="0"/>
-              <a:t>Persistent version of IS</a:t>
-            </a:r>
-          </a:p>
-          <a:p>
-            <a:pPr marL="914400" lvl="1" indent="-457200">
-              <a:buFont typeface="Arial" pitchFamily="34" charset="0"/>
-              <a:buChar char="•"/>
-            </a:pPr>
-            <a:r>
-              <a:rPr lang="en-GB" sz="1600" dirty="0" smtClean="0"/>
-              <a:t>In-memory version of IS</a:t>
-            </a:r>
-          </a:p>
-          <a:p>
-            <a:pPr marL="914400" lvl="1" indent="-457200">
-              <a:buFont typeface="Arial" pitchFamily="34" charset="0"/>
-              <a:buChar char="•"/>
-            </a:pPr>
-            <a:r>
-              <a:rPr lang="en-GB" sz="1600" dirty="0" smtClean="0"/>
-              <a:t>In-memory version of OWL ontology</a:t>
-            </a:r>
-          </a:p>
-        </p:txBody>
-      </p:sp>
+      </p:pic>
     </p:spTree>
   </p:cSld>
   <p:clrMapOvr>
@@ -21119,7 +19556,7 @@
       </p:sp>
       <p:pic>
         <p:nvPicPr>
-          <p:cNvPr id="1027" name="Picture 3"/>
+          <p:cNvPr id="8194" name="Picture 2"/>
           <p:cNvPicPr>
             <a:picLocks noChangeAspect="1" noChangeArrowheads="1"/>
           </p:cNvPicPr>
@@ -21135,7 +19572,7 @@
         <p:spPr bwMode="auto">
           <a:xfrm>
             <a:off x="395536" y="368660"/>
-            <a:ext cx="4239768" cy="3665220"/>
+            <a:ext cx="4019550" cy="3314700"/>
           </a:xfrm>
           <a:prstGeom prst="rect">
             <a:avLst/>
@@ -21181,9 +19618,358 @@
           <a:chExt cx="0" cy="0"/>
         </a:xfrm>
       </p:grpSpPr>
+      <p:sp>
+        <p:nvSpPr>
+          <p:cNvPr id="3" name="TextBox 2"/>
+          <p:cNvSpPr txBox="1"/>
+          <p:nvPr/>
+        </p:nvSpPr>
+        <p:spPr>
+          <a:xfrm>
+            <a:off x="4968044" y="584684"/>
+            <a:ext cx="3744416" cy="1600438"/>
+          </a:xfrm>
+          <a:prstGeom prst="rect">
+            <a:avLst/>
+          </a:prstGeom>
+          <a:solidFill>
+            <a:schemeClr val="tx2">
+              <a:lumMod val="40000"/>
+              <a:lumOff val="60000"/>
+            </a:schemeClr>
+          </a:solidFill>
+          <a:ln>
+            <a:solidFill>
+              <a:schemeClr val="tx1"/>
+            </a:solidFill>
+          </a:ln>
+        </p:spPr>
+        <p:txBody>
+          <a:bodyPr wrap="square" rtlCol="0">
+            <a:spAutoFit/>
+          </a:bodyPr>
+          <a:lstStyle/>
+          <a:p>
+            <a:r>
+              <a:rPr lang="en-GB" b="1" dirty="0" smtClean="0"/>
+              <a:t>Actions:</a:t>
+            </a:r>
+            <a:endParaRPr lang="en-GB" dirty="0"/>
+          </a:p>
+          <a:p>
+            <a:pPr marL="457200" indent="-457200">
+              <a:buFont typeface="+mj-lt"/>
+              <a:buAutoNum type="arabicPeriod"/>
+            </a:pPr>
+            <a:r>
+              <a:rPr lang="en-GB" sz="1600" dirty="0" smtClean="0">
+                <a:cs typeface="Courier New" pitchFamily="49" charset="0"/>
+              </a:rPr>
+              <a:t>Left-click on the value that you’ve just added for </a:t>
+            </a:r>
+            <a:r>
+              <a:rPr lang="en-GB" sz="1600" dirty="0" smtClean="0"/>
+              <a:t>the </a:t>
+            </a:r>
+            <a:r>
+              <a:rPr lang="en-GB" sz="1600" dirty="0" smtClean="0">
+                <a:latin typeface="Comic Sans MS" pitchFamily="66" charset="0"/>
+                <a:cs typeface="Courier New" pitchFamily="49" charset="0"/>
+              </a:rPr>
+              <a:t>job-type</a:t>
+            </a:r>
+            <a:r>
+              <a:rPr lang="en-GB" sz="1600" dirty="0" smtClean="0">
+                <a:cs typeface="Courier New" pitchFamily="49" charset="0"/>
+              </a:rPr>
+              <a:t> slot</a:t>
+            </a:r>
+            <a:r>
+              <a:rPr lang="en-GB" sz="1600" i="1" dirty="0" smtClean="0">
+                <a:cs typeface="Courier New" pitchFamily="49" charset="0"/>
+              </a:rPr>
+              <a:t>, i.e. </a:t>
+            </a:r>
+            <a:r>
+              <a:rPr lang="en-GB" sz="1600" dirty="0" smtClean="0">
+                <a:cs typeface="Courier New" pitchFamily="49" charset="0"/>
+              </a:rPr>
+              <a:t>the value </a:t>
+            </a:r>
+            <a:r>
+              <a:rPr lang="en-GB" sz="1600" dirty="0" smtClean="0">
+                <a:latin typeface="Comic Sans MS" pitchFamily="66" charset="0"/>
+                <a:cs typeface="Courier New" pitchFamily="49" charset="0"/>
+              </a:rPr>
+              <a:t>Clerical</a:t>
+            </a:r>
+            <a:endParaRPr lang="en-GB" sz="1600" dirty="0" smtClean="0">
+              <a:cs typeface="Courier New" pitchFamily="49" charset="0"/>
+            </a:endParaRPr>
+          </a:p>
+          <a:p>
+            <a:pPr marL="457200" indent="-457200">
+              <a:buFont typeface="+mj-lt"/>
+              <a:buAutoNum type="arabicPeriod"/>
+            </a:pPr>
+            <a:r>
+              <a:rPr lang="en-GB" sz="1600" dirty="0" smtClean="0">
+                <a:cs typeface="Courier New" pitchFamily="49" charset="0"/>
+              </a:rPr>
+              <a:t>From the selection window that now appears, select </a:t>
+            </a:r>
+            <a:r>
+              <a:rPr lang="en-GB" sz="1600" dirty="0" smtClean="0">
+                <a:latin typeface="Comic Sans MS" pitchFamily="66" charset="0"/>
+                <a:cs typeface="Courier New" pitchFamily="49" charset="0"/>
+              </a:rPr>
+              <a:t>Management</a:t>
+            </a:r>
+          </a:p>
+        </p:txBody>
+      </p:sp>
+      <p:sp>
+        <p:nvSpPr>
+          <p:cNvPr id="4" name="TextBox 3"/>
+          <p:cNvSpPr txBox="1"/>
+          <p:nvPr/>
+        </p:nvSpPr>
+        <p:spPr>
+          <a:xfrm>
+            <a:off x="4968044" y="2168860"/>
+            <a:ext cx="3744416" cy="4308872"/>
+          </a:xfrm>
+          <a:prstGeom prst="rect">
+            <a:avLst/>
+          </a:prstGeom>
+          <a:solidFill>
+            <a:schemeClr val="accent3">
+              <a:lumMod val="60000"/>
+              <a:lumOff val="40000"/>
+            </a:schemeClr>
+          </a:solidFill>
+          <a:ln>
+            <a:solidFill>
+              <a:schemeClr val="tx1"/>
+            </a:solidFill>
+          </a:ln>
+        </p:spPr>
+        <p:txBody>
+          <a:bodyPr wrap="square" rtlCol="0">
+            <a:spAutoFit/>
+          </a:bodyPr>
+          <a:lstStyle/>
+          <a:p>
+            <a:r>
+              <a:rPr lang="en-GB" b="1" dirty="0" smtClean="0"/>
+              <a:t>Discussion:</a:t>
+            </a:r>
+            <a:endParaRPr lang="en-GB" dirty="0"/>
+          </a:p>
+          <a:p>
+            <a:pPr marL="457200" indent="-457200">
+              <a:buFont typeface="Arial" pitchFamily="34" charset="0"/>
+              <a:buChar char="•"/>
+            </a:pPr>
+            <a:r>
+              <a:rPr lang="en-GB" sz="1600" dirty="0" smtClean="0">
+                <a:cs typeface="Courier New" pitchFamily="49" charset="0"/>
+              </a:rPr>
+              <a:t>This causes </a:t>
+            </a:r>
+            <a:r>
+              <a:rPr lang="en-GB" sz="1600" dirty="0" smtClean="0">
+                <a:latin typeface="Comic Sans MS" pitchFamily="66" charset="0"/>
+                <a:cs typeface="Courier New" pitchFamily="49" charset="0"/>
+              </a:rPr>
+              <a:t>Management</a:t>
+            </a:r>
+            <a:r>
+              <a:rPr lang="en-GB" sz="1600" dirty="0" smtClean="0">
+                <a:cs typeface="Courier New" pitchFamily="49" charset="0"/>
+              </a:rPr>
+              <a:t> to be added as an additional </a:t>
+            </a:r>
+            <a:r>
+              <a:rPr lang="en-GB" sz="1600" dirty="0" err="1" smtClean="0">
+                <a:cs typeface="Courier New" pitchFamily="49" charset="0"/>
+              </a:rPr>
+              <a:t>disjunct</a:t>
+            </a:r>
+            <a:r>
+              <a:rPr lang="en-GB" sz="1600" dirty="0" smtClean="0">
+                <a:cs typeface="Courier New" pitchFamily="49" charset="0"/>
+              </a:rPr>
+              <a:t> to the value of the </a:t>
+            </a:r>
+            <a:r>
+              <a:rPr lang="en-GB" sz="1600" dirty="0" smtClean="0">
+                <a:latin typeface="Comic Sans MS" pitchFamily="66" charset="0"/>
+                <a:cs typeface="Courier New" pitchFamily="49" charset="0"/>
+              </a:rPr>
+              <a:t>job-type </a:t>
+            </a:r>
+            <a:r>
+              <a:rPr lang="en-GB" sz="1600" dirty="0" smtClean="0">
+                <a:cs typeface="Courier New" pitchFamily="49" charset="0"/>
+              </a:rPr>
+              <a:t>slot</a:t>
+            </a:r>
+            <a:endParaRPr lang="en-GB" sz="1600" dirty="0" smtClean="0"/>
+          </a:p>
+          <a:p>
+            <a:pPr marL="457200" indent="-457200">
+              <a:buFont typeface="Arial" pitchFamily="34" charset="0"/>
+              <a:buChar char="•"/>
+            </a:pPr>
+            <a:r>
+              <a:rPr lang="en-GB" sz="1600" dirty="0" smtClean="0"/>
+              <a:t>Hence, this value is now a </a:t>
+            </a:r>
+            <a:r>
+              <a:rPr lang="en-GB" sz="1600" dirty="0" err="1" smtClean="0"/>
+              <a:t>disjuntion-</a:t>
+            </a:r>
+            <a:r>
+              <a:rPr lang="en-GB" sz="1600" dirty="0" err="1" smtClean="0">
+                <a:latin typeface="Courier New" pitchFamily="49" charset="0"/>
+                <a:cs typeface="Courier New" pitchFamily="49" charset="0"/>
+              </a:rPr>
+              <a:t>CFrame</a:t>
+            </a:r>
+            <a:r>
+              <a:rPr lang="en-GB" sz="1600" dirty="0" smtClean="0">
+                <a:cs typeface="Courier New" pitchFamily="49" charset="0"/>
+              </a:rPr>
+              <a:t> whose </a:t>
+            </a:r>
+            <a:r>
+              <a:rPr lang="en-GB" sz="1600" dirty="0" err="1" smtClean="0">
+                <a:cs typeface="Courier New" pitchFamily="49" charset="0"/>
+              </a:rPr>
+              <a:t>disjuncts</a:t>
+            </a:r>
+            <a:r>
+              <a:rPr lang="en-GB" sz="1600" dirty="0" smtClean="0">
+                <a:cs typeface="Courier New" pitchFamily="49" charset="0"/>
+              </a:rPr>
+              <a:t> are the individual </a:t>
+            </a:r>
+            <a:r>
+              <a:rPr lang="en-GB" sz="1600" dirty="0" err="1" smtClean="0">
+                <a:latin typeface="Courier New" pitchFamily="49" charset="0"/>
+                <a:cs typeface="Courier New" pitchFamily="49" charset="0"/>
+              </a:rPr>
+              <a:t>CFrame</a:t>
+            </a:r>
+            <a:r>
+              <a:rPr lang="en-GB" sz="1600" dirty="0" err="1" smtClean="0">
+                <a:cs typeface="Courier New" pitchFamily="49" charset="0"/>
+              </a:rPr>
+              <a:t>s</a:t>
+            </a:r>
+            <a:r>
+              <a:rPr lang="en-GB" sz="1600" dirty="0" smtClean="0">
+                <a:cs typeface="Courier New" pitchFamily="49" charset="0"/>
+              </a:rPr>
+              <a:t> for </a:t>
+            </a:r>
+            <a:r>
+              <a:rPr lang="en-GB" sz="1600" dirty="0" smtClean="0">
+                <a:latin typeface="Comic Sans MS" pitchFamily="66" charset="0"/>
+                <a:cs typeface="Courier New" pitchFamily="49" charset="0"/>
+              </a:rPr>
+              <a:t>Clerical</a:t>
+            </a:r>
+            <a:r>
+              <a:rPr lang="en-GB" sz="1600" dirty="0" smtClean="0">
+                <a:cs typeface="Courier New" pitchFamily="49" charset="0"/>
+              </a:rPr>
+              <a:t> and </a:t>
+            </a:r>
+            <a:r>
+              <a:rPr lang="en-GB" sz="1600" dirty="0" smtClean="0">
+                <a:latin typeface="Comic Sans MS" pitchFamily="66" charset="0"/>
+                <a:cs typeface="Courier New" pitchFamily="49" charset="0"/>
+              </a:rPr>
+              <a:t>Management</a:t>
+            </a:r>
+            <a:r>
+              <a:rPr lang="en-GB" sz="1600" dirty="0" smtClean="0">
+                <a:cs typeface="Courier New" pitchFamily="49" charset="0"/>
+              </a:rPr>
+              <a:t> </a:t>
+            </a:r>
+          </a:p>
+          <a:p>
+            <a:pPr marL="457200" indent="-457200">
+              <a:buFont typeface="Arial" pitchFamily="34" charset="0"/>
+              <a:buChar char="•"/>
+            </a:pPr>
+            <a:r>
+              <a:rPr lang="en-GB" sz="1600" i="1" dirty="0" smtClean="0">
+                <a:cs typeface="Courier New" pitchFamily="49" charset="0"/>
+              </a:rPr>
+              <a:t>Note: </a:t>
+            </a:r>
+            <a:r>
+              <a:rPr lang="en-GB" sz="1600" dirty="0" smtClean="0">
+                <a:cs typeface="Courier New" pitchFamily="49" charset="0"/>
+              </a:rPr>
+              <a:t>As mentioned earlier, abstract slot values, including disjunction</a:t>
+            </a:r>
+            <a:r>
+              <a:rPr lang="en-GB" sz="1600" dirty="0" smtClean="0"/>
+              <a:t>-</a:t>
+            </a:r>
+            <a:r>
+              <a:rPr lang="en-GB" sz="1600" dirty="0" err="1" smtClean="0">
+                <a:latin typeface="Courier New" pitchFamily="49" charset="0"/>
+                <a:cs typeface="Courier New" pitchFamily="49" charset="0"/>
+              </a:rPr>
+              <a:t>CFrame</a:t>
+            </a:r>
+            <a:r>
+              <a:rPr lang="en-GB" sz="1600" dirty="0" err="1" smtClean="0">
+                <a:cs typeface="Courier New" pitchFamily="49" charset="0"/>
+              </a:rPr>
+              <a:t>s</a:t>
+            </a:r>
+            <a:r>
+              <a:rPr lang="en-GB" sz="1600" dirty="0" smtClean="0">
+                <a:cs typeface="Courier New" pitchFamily="49" charset="0"/>
+              </a:rPr>
+              <a:t> (as shown here), as well as disjunction</a:t>
+            </a:r>
+            <a:r>
+              <a:rPr lang="en-GB" sz="1600" dirty="0" smtClean="0"/>
+              <a:t>-typed </a:t>
+            </a:r>
+            <a:r>
+              <a:rPr lang="en-GB" sz="1600" dirty="0" err="1" smtClean="0">
+                <a:latin typeface="Courier New" pitchFamily="49" charset="0"/>
+                <a:cs typeface="Courier New" pitchFamily="49" charset="0"/>
+              </a:rPr>
+              <a:t>IFrame</a:t>
+            </a:r>
+            <a:r>
+              <a:rPr lang="en-GB" sz="1600" dirty="0" err="1" smtClean="0">
+                <a:cs typeface="Courier New" pitchFamily="49" charset="0"/>
+              </a:rPr>
+              <a:t>s</a:t>
+            </a:r>
+            <a:r>
+              <a:rPr lang="en-GB" sz="1600" dirty="0" smtClean="0">
+                <a:cs typeface="Courier New" pitchFamily="49" charset="0"/>
+              </a:rPr>
+              <a:t> and indefinite numeric values (see subsequent slides) are specific to queries, and hence cannot be created for assertions, other than for specifically excepted slots</a:t>
+            </a:r>
+          </a:p>
+        </p:txBody>
+      </p:sp>
       <p:pic>
         <p:nvPicPr>
-          <p:cNvPr id="1026" name="Picture 2"/>
+          <p:cNvPr id="9218" name="Picture 2"/>
           <p:cNvPicPr>
             <a:picLocks noChangeAspect="1" noChangeArrowheads="1"/>
           </p:cNvPicPr>
@@ -21199,7 +19985,7 @@
         <p:spPr bwMode="auto">
           <a:xfrm>
             <a:off x="395536" y="368660"/>
-            <a:ext cx="4219956" cy="2942082"/>
+            <a:ext cx="4019550" cy="3314700"/>
           </a:xfrm>
           <a:prstGeom prst="rect">
             <a:avLst/>
@@ -21213,355 +19999,6 @@
           </a:ln>
         </p:spPr>
       </p:pic>
-      <p:sp>
-        <p:nvSpPr>
-          <p:cNvPr id="3" name="TextBox 2"/>
-          <p:cNvSpPr txBox="1"/>
-          <p:nvPr/>
-        </p:nvSpPr>
-        <p:spPr>
-          <a:xfrm>
-            <a:off x="4968044" y="584684"/>
-            <a:ext cx="3744416" cy="1600438"/>
-          </a:xfrm>
-          <a:prstGeom prst="rect">
-            <a:avLst/>
-          </a:prstGeom>
-          <a:solidFill>
-            <a:schemeClr val="tx2">
-              <a:lumMod val="40000"/>
-              <a:lumOff val="60000"/>
-            </a:schemeClr>
-          </a:solidFill>
-          <a:ln>
-            <a:solidFill>
-              <a:schemeClr val="tx1"/>
-            </a:solidFill>
-          </a:ln>
-        </p:spPr>
-        <p:txBody>
-          <a:bodyPr wrap="square" rtlCol="0">
-            <a:spAutoFit/>
-          </a:bodyPr>
-          <a:lstStyle/>
-          <a:p>
-            <a:r>
-              <a:rPr lang="en-GB" b="1" dirty="0" smtClean="0"/>
-              <a:t>Actions:</a:t>
-            </a:r>
-            <a:endParaRPr lang="en-GB" dirty="0"/>
-          </a:p>
-          <a:p>
-            <a:pPr marL="457200" indent="-457200">
-              <a:buFont typeface="+mj-lt"/>
-              <a:buAutoNum type="arabicPeriod"/>
-            </a:pPr>
-            <a:r>
-              <a:rPr lang="en-GB" sz="1600" dirty="0" smtClean="0">
-                <a:cs typeface="Courier New" pitchFamily="49" charset="0"/>
-              </a:rPr>
-              <a:t>Left-click on the value that you’ve just added for </a:t>
-            </a:r>
-            <a:r>
-              <a:rPr lang="en-GB" sz="1600" dirty="0" smtClean="0"/>
-              <a:t>the </a:t>
-            </a:r>
-            <a:r>
-              <a:rPr lang="en-GB" sz="1600" dirty="0" smtClean="0">
-                <a:latin typeface="Comic Sans MS" pitchFamily="66" charset="0"/>
-                <a:cs typeface="Courier New" pitchFamily="49" charset="0"/>
-              </a:rPr>
-              <a:t>job-type</a:t>
-            </a:r>
-            <a:r>
-              <a:rPr lang="en-GB" sz="1600" dirty="0" smtClean="0">
-                <a:cs typeface="Courier New" pitchFamily="49" charset="0"/>
-              </a:rPr>
-              <a:t> slot</a:t>
-            </a:r>
-            <a:r>
-              <a:rPr lang="en-GB" sz="1600" i="1" dirty="0" smtClean="0">
-                <a:cs typeface="Courier New" pitchFamily="49" charset="0"/>
-              </a:rPr>
-              <a:t>, i.e. </a:t>
-            </a:r>
-            <a:r>
-              <a:rPr lang="en-GB" sz="1600" dirty="0" smtClean="0">
-                <a:cs typeface="Courier New" pitchFamily="49" charset="0"/>
-              </a:rPr>
-              <a:t>the value </a:t>
-            </a:r>
-            <a:r>
-              <a:rPr lang="en-GB" sz="1600" dirty="0" smtClean="0">
-                <a:latin typeface="Comic Sans MS" pitchFamily="66" charset="0"/>
-                <a:cs typeface="Courier New" pitchFamily="49" charset="0"/>
-              </a:rPr>
-              <a:t>Clerical</a:t>
-            </a:r>
-            <a:endParaRPr lang="en-GB" sz="1600" dirty="0" smtClean="0">
-              <a:cs typeface="Courier New" pitchFamily="49" charset="0"/>
-            </a:endParaRPr>
-          </a:p>
-          <a:p>
-            <a:pPr marL="457200" indent="-457200">
-              <a:buFont typeface="+mj-lt"/>
-              <a:buAutoNum type="arabicPeriod"/>
-            </a:pPr>
-            <a:r>
-              <a:rPr lang="en-GB" sz="1600" dirty="0" smtClean="0">
-                <a:cs typeface="Courier New" pitchFamily="49" charset="0"/>
-              </a:rPr>
-              <a:t>From the selection window that now appears, select </a:t>
-            </a:r>
-            <a:r>
-              <a:rPr lang="en-GB" sz="1600" dirty="0" smtClean="0">
-                <a:latin typeface="Comic Sans MS" pitchFamily="66" charset="0"/>
-                <a:cs typeface="Courier New" pitchFamily="49" charset="0"/>
-              </a:rPr>
-              <a:t>Management</a:t>
-            </a:r>
-          </a:p>
-        </p:txBody>
-      </p:sp>
-      <p:sp>
-        <p:nvSpPr>
-          <p:cNvPr id="4" name="TextBox 3"/>
-          <p:cNvSpPr txBox="1"/>
-          <p:nvPr/>
-        </p:nvSpPr>
-        <p:spPr>
-          <a:xfrm>
-            <a:off x="4968044" y="2168860"/>
-            <a:ext cx="3744416" cy="4308872"/>
-          </a:xfrm>
-          <a:prstGeom prst="rect">
-            <a:avLst/>
-          </a:prstGeom>
-          <a:solidFill>
-            <a:schemeClr val="accent3">
-              <a:lumMod val="60000"/>
-              <a:lumOff val="40000"/>
-            </a:schemeClr>
-          </a:solidFill>
-          <a:ln>
-            <a:solidFill>
-              <a:schemeClr val="tx1"/>
-            </a:solidFill>
-          </a:ln>
-        </p:spPr>
-        <p:txBody>
-          <a:bodyPr wrap="square" rtlCol="0">
-            <a:spAutoFit/>
-          </a:bodyPr>
-          <a:lstStyle/>
-          <a:p>
-            <a:r>
-              <a:rPr lang="en-GB" b="1" dirty="0" smtClean="0"/>
-              <a:t>Discussion:</a:t>
-            </a:r>
-            <a:endParaRPr lang="en-GB" dirty="0"/>
-          </a:p>
-          <a:p>
-            <a:pPr marL="457200" indent="-457200">
-              <a:buFont typeface="Arial" pitchFamily="34" charset="0"/>
-              <a:buChar char="•"/>
-            </a:pPr>
-            <a:r>
-              <a:rPr lang="en-GB" sz="1600" dirty="0" smtClean="0">
-                <a:cs typeface="Courier New" pitchFamily="49" charset="0"/>
-              </a:rPr>
-              <a:t>This causes </a:t>
-            </a:r>
-            <a:r>
-              <a:rPr lang="en-GB" sz="1600" dirty="0" smtClean="0">
-                <a:latin typeface="Comic Sans MS" pitchFamily="66" charset="0"/>
-                <a:cs typeface="Courier New" pitchFamily="49" charset="0"/>
-              </a:rPr>
-              <a:t>Management</a:t>
-            </a:r>
-            <a:r>
-              <a:rPr lang="en-GB" sz="1600" dirty="0" smtClean="0">
-                <a:cs typeface="Courier New" pitchFamily="49" charset="0"/>
-              </a:rPr>
-              <a:t> to be added as an additional </a:t>
-            </a:r>
-            <a:r>
-              <a:rPr lang="en-GB" sz="1600" dirty="0" err="1" smtClean="0">
-                <a:cs typeface="Courier New" pitchFamily="49" charset="0"/>
-              </a:rPr>
-              <a:t>disjunct</a:t>
-            </a:r>
-            <a:r>
-              <a:rPr lang="en-GB" sz="1600" dirty="0" smtClean="0">
-                <a:cs typeface="Courier New" pitchFamily="49" charset="0"/>
-              </a:rPr>
-              <a:t> to the value of the </a:t>
-            </a:r>
-            <a:r>
-              <a:rPr lang="en-GB" sz="1600" dirty="0" smtClean="0">
-                <a:latin typeface="Comic Sans MS" pitchFamily="66" charset="0"/>
-                <a:cs typeface="Courier New" pitchFamily="49" charset="0"/>
-              </a:rPr>
-              <a:t>job-type </a:t>
-            </a:r>
-            <a:r>
-              <a:rPr lang="en-GB" sz="1600" dirty="0" smtClean="0">
-                <a:cs typeface="Courier New" pitchFamily="49" charset="0"/>
-              </a:rPr>
-              <a:t>slot</a:t>
-            </a:r>
-            <a:endParaRPr lang="en-GB" sz="1600" dirty="0" smtClean="0"/>
-          </a:p>
-          <a:p>
-            <a:pPr marL="457200" indent="-457200">
-              <a:buFont typeface="Arial" pitchFamily="34" charset="0"/>
-              <a:buChar char="•"/>
-            </a:pPr>
-            <a:r>
-              <a:rPr lang="en-GB" sz="1600" dirty="0" smtClean="0"/>
-              <a:t>Hence, this value is now a </a:t>
-            </a:r>
-            <a:r>
-              <a:rPr lang="en-GB" sz="1600" dirty="0" err="1" smtClean="0"/>
-              <a:t>disjuntion-</a:t>
-            </a:r>
-            <a:r>
-              <a:rPr lang="en-GB" sz="1600" dirty="0" err="1" smtClean="0">
-                <a:latin typeface="Courier New" pitchFamily="49" charset="0"/>
-                <a:cs typeface="Courier New" pitchFamily="49" charset="0"/>
-              </a:rPr>
-              <a:t>CFrame</a:t>
-            </a:r>
-            <a:r>
-              <a:rPr lang="en-GB" sz="1600" dirty="0" smtClean="0">
-                <a:cs typeface="Courier New" pitchFamily="49" charset="0"/>
-              </a:rPr>
-              <a:t> whose </a:t>
-            </a:r>
-            <a:r>
-              <a:rPr lang="en-GB" sz="1600" dirty="0" err="1" smtClean="0">
-                <a:cs typeface="Courier New" pitchFamily="49" charset="0"/>
-              </a:rPr>
-              <a:t>disjuncts</a:t>
-            </a:r>
-            <a:r>
-              <a:rPr lang="en-GB" sz="1600" dirty="0" smtClean="0">
-                <a:cs typeface="Courier New" pitchFamily="49" charset="0"/>
-              </a:rPr>
-              <a:t> are the individual </a:t>
-            </a:r>
-            <a:r>
-              <a:rPr lang="en-GB" sz="1600" dirty="0" err="1" smtClean="0">
-                <a:latin typeface="Courier New" pitchFamily="49" charset="0"/>
-                <a:cs typeface="Courier New" pitchFamily="49" charset="0"/>
-              </a:rPr>
-              <a:t>CFrame</a:t>
-            </a:r>
-            <a:r>
-              <a:rPr lang="en-GB" sz="1600" dirty="0" err="1" smtClean="0">
-                <a:cs typeface="Courier New" pitchFamily="49" charset="0"/>
-              </a:rPr>
-              <a:t>s</a:t>
-            </a:r>
-            <a:r>
-              <a:rPr lang="en-GB" sz="1600" dirty="0" smtClean="0">
-                <a:cs typeface="Courier New" pitchFamily="49" charset="0"/>
-              </a:rPr>
-              <a:t> for </a:t>
-            </a:r>
-            <a:r>
-              <a:rPr lang="en-GB" sz="1600" dirty="0" smtClean="0">
-                <a:latin typeface="Comic Sans MS" pitchFamily="66" charset="0"/>
-                <a:cs typeface="Courier New" pitchFamily="49" charset="0"/>
-              </a:rPr>
-              <a:t>Clerical</a:t>
-            </a:r>
-            <a:r>
-              <a:rPr lang="en-GB" sz="1600" dirty="0" smtClean="0">
-                <a:cs typeface="Courier New" pitchFamily="49" charset="0"/>
-              </a:rPr>
-              <a:t> and </a:t>
-            </a:r>
-            <a:r>
-              <a:rPr lang="en-GB" sz="1600" dirty="0" smtClean="0">
-                <a:latin typeface="Comic Sans MS" pitchFamily="66" charset="0"/>
-                <a:cs typeface="Courier New" pitchFamily="49" charset="0"/>
-              </a:rPr>
-              <a:t>Management</a:t>
-            </a:r>
-            <a:r>
-              <a:rPr lang="en-GB" sz="1600" dirty="0" smtClean="0">
-                <a:cs typeface="Courier New" pitchFamily="49" charset="0"/>
-              </a:rPr>
-              <a:t> </a:t>
-            </a:r>
-          </a:p>
-          <a:p>
-            <a:pPr marL="457200" indent="-457200">
-              <a:buFont typeface="Arial" pitchFamily="34" charset="0"/>
-              <a:buChar char="•"/>
-            </a:pPr>
-            <a:r>
-              <a:rPr lang="en-GB" sz="1600" i="1" dirty="0" smtClean="0">
-                <a:cs typeface="Courier New" pitchFamily="49" charset="0"/>
-              </a:rPr>
-              <a:t>Note: </a:t>
-            </a:r>
-            <a:r>
-              <a:rPr lang="en-GB" sz="1600" dirty="0" smtClean="0">
-                <a:cs typeface="Courier New" pitchFamily="49" charset="0"/>
-              </a:rPr>
-              <a:t>As mentioned earlier, abstract slot values, including disjunction</a:t>
-            </a:r>
-            <a:r>
-              <a:rPr lang="en-GB" sz="1600" dirty="0" smtClean="0"/>
-              <a:t>-</a:t>
-            </a:r>
-            <a:r>
-              <a:rPr lang="en-GB" sz="1600" dirty="0" err="1" smtClean="0">
-                <a:latin typeface="Courier New" pitchFamily="49" charset="0"/>
-                <a:cs typeface="Courier New" pitchFamily="49" charset="0"/>
-              </a:rPr>
-              <a:t>CFrame</a:t>
-            </a:r>
-            <a:r>
-              <a:rPr lang="en-GB" sz="1600" dirty="0" err="1" smtClean="0">
-                <a:cs typeface="Courier New" pitchFamily="49" charset="0"/>
-              </a:rPr>
-              <a:t>s</a:t>
-            </a:r>
-            <a:r>
-              <a:rPr lang="en-GB" sz="1600" dirty="0" smtClean="0">
-                <a:cs typeface="Courier New" pitchFamily="49" charset="0"/>
-              </a:rPr>
-              <a:t> (as shown here), as well as disjunction</a:t>
-            </a:r>
-            <a:r>
-              <a:rPr lang="en-GB" sz="1600" dirty="0" smtClean="0"/>
-              <a:t>-typed </a:t>
-            </a:r>
-            <a:r>
-              <a:rPr lang="en-GB" sz="1600" dirty="0" err="1" smtClean="0">
-                <a:latin typeface="Courier New" pitchFamily="49" charset="0"/>
-                <a:cs typeface="Courier New" pitchFamily="49" charset="0"/>
-              </a:rPr>
-              <a:t>IFrame</a:t>
-            </a:r>
-            <a:r>
-              <a:rPr lang="en-GB" sz="1600" dirty="0" err="1" smtClean="0">
-                <a:cs typeface="Courier New" pitchFamily="49" charset="0"/>
-              </a:rPr>
-              <a:t>s</a:t>
-            </a:r>
-            <a:r>
-              <a:rPr lang="en-GB" sz="1600" dirty="0" smtClean="0">
-                <a:cs typeface="Courier New" pitchFamily="49" charset="0"/>
-              </a:rPr>
-              <a:t> and indefinite numeric values (see subsequent slides) are specific to queries, and hence cannot be created for assertions, other than for specifically excepted slots</a:t>
-            </a:r>
-          </a:p>
-        </p:txBody>
-      </p:sp>
     </p:spTree>
   </p:cSld>
   <p:clrMapOvr>
@@ -21594,9 +20031,346 @@
           <a:chExt cx="0" cy="0"/>
         </a:xfrm>
       </p:grpSpPr>
+      <p:sp>
+        <p:nvSpPr>
+          <p:cNvPr id="3" name="TextBox 2"/>
+          <p:cNvSpPr txBox="1"/>
+          <p:nvPr/>
+        </p:nvSpPr>
+        <p:spPr>
+          <a:xfrm>
+            <a:off x="5148064" y="548680"/>
+            <a:ext cx="3528392" cy="1846659"/>
+          </a:xfrm>
+          <a:prstGeom prst="rect">
+            <a:avLst/>
+          </a:prstGeom>
+          <a:solidFill>
+            <a:schemeClr val="tx2">
+              <a:lumMod val="40000"/>
+              <a:lumOff val="60000"/>
+            </a:schemeClr>
+          </a:solidFill>
+          <a:ln>
+            <a:solidFill>
+              <a:schemeClr val="tx1"/>
+            </a:solidFill>
+          </a:ln>
+        </p:spPr>
+        <p:txBody>
+          <a:bodyPr wrap="square" rtlCol="0">
+            <a:spAutoFit/>
+          </a:bodyPr>
+          <a:lstStyle/>
+          <a:p>
+            <a:r>
+              <a:rPr lang="en-GB" b="1" dirty="0" smtClean="0"/>
+              <a:t>Actions:</a:t>
+            </a:r>
+            <a:endParaRPr lang="en-GB" dirty="0"/>
+          </a:p>
+          <a:p>
+            <a:pPr marL="457200" indent="-457200">
+              <a:buFont typeface="+mj-lt"/>
+              <a:buAutoNum type="arabicPeriod"/>
+            </a:pPr>
+            <a:r>
+              <a:rPr lang="en-GB" sz="1600" dirty="0" smtClean="0">
+                <a:cs typeface="Courier New" pitchFamily="49" charset="0"/>
+              </a:rPr>
+              <a:t>Left-click on the value that you previously added for </a:t>
+            </a:r>
+            <a:r>
+              <a:rPr lang="en-GB" sz="1600" dirty="0" smtClean="0"/>
+              <a:t>the </a:t>
+            </a:r>
+            <a:r>
+              <a:rPr lang="en-GB" sz="1600" dirty="0" smtClean="0">
+                <a:latin typeface="Comic Sans MS" pitchFamily="66" charset="0"/>
+                <a:cs typeface="Courier New" pitchFamily="49" charset="0"/>
+              </a:rPr>
+              <a:t>industry</a:t>
+            </a:r>
+            <a:r>
+              <a:rPr lang="en-GB" sz="1600" dirty="0" smtClean="0">
+                <a:cs typeface="Courier New" pitchFamily="49" charset="0"/>
+              </a:rPr>
+              <a:t> slot</a:t>
+            </a:r>
+            <a:r>
+              <a:rPr lang="en-GB" sz="1600" i="1" dirty="0" smtClean="0">
+                <a:cs typeface="Courier New" pitchFamily="49" charset="0"/>
+              </a:rPr>
+              <a:t>, i.e. </a:t>
+            </a:r>
+            <a:r>
+              <a:rPr lang="en-GB" sz="1600" dirty="0" smtClean="0">
+                <a:cs typeface="Courier New" pitchFamily="49" charset="0"/>
+              </a:rPr>
+              <a:t>the value of type</a:t>
+            </a:r>
+            <a:r>
+              <a:rPr lang="en-GB" sz="1600" i="1" dirty="0" smtClean="0">
+                <a:cs typeface="Courier New" pitchFamily="49" charset="0"/>
+              </a:rPr>
+              <a:t> </a:t>
+            </a:r>
+            <a:r>
+              <a:rPr lang="en-GB" sz="1600" dirty="0" smtClean="0">
+                <a:latin typeface="Comic Sans MS" pitchFamily="66" charset="0"/>
+                <a:cs typeface="Courier New" pitchFamily="49" charset="0"/>
+              </a:rPr>
+              <a:t>Education</a:t>
+            </a:r>
+            <a:r>
+              <a:rPr lang="en-GB" sz="1600" dirty="0" smtClean="0">
+                <a:cs typeface="Courier New" pitchFamily="49" charset="0"/>
+              </a:rPr>
+              <a:t> </a:t>
+            </a:r>
+          </a:p>
+          <a:p>
+            <a:pPr marL="457200" indent="-457200">
+              <a:buFont typeface="+mj-lt"/>
+              <a:buAutoNum type="arabicPeriod"/>
+            </a:pPr>
+            <a:r>
+              <a:rPr lang="en-GB" sz="1600" dirty="0" smtClean="0">
+                <a:cs typeface="Courier New" pitchFamily="49" charset="0"/>
+              </a:rPr>
+              <a:t>From the selection window that now appears select </a:t>
+            </a:r>
+            <a:r>
+              <a:rPr lang="en-GB" sz="1600" dirty="0" smtClean="0">
+                <a:latin typeface="Comic Sans MS" pitchFamily="66" charset="0"/>
+                <a:cs typeface="Courier New" pitchFamily="49" charset="0"/>
+              </a:rPr>
+              <a:t>Health</a:t>
+            </a:r>
+          </a:p>
+        </p:txBody>
+      </p:sp>
+      <p:sp>
+        <p:nvSpPr>
+          <p:cNvPr id="4" name="TextBox 3"/>
+          <p:cNvSpPr txBox="1"/>
+          <p:nvPr/>
+        </p:nvSpPr>
+        <p:spPr>
+          <a:xfrm>
+            <a:off x="5148064" y="2384884"/>
+            <a:ext cx="3528392" cy="4062651"/>
+          </a:xfrm>
+          <a:prstGeom prst="rect">
+            <a:avLst/>
+          </a:prstGeom>
+          <a:solidFill>
+            <a:schemeClr val="accent3">
+              <a:lumMod val="60000"/>
+              <a:lumOff val="40000"/>
+            </a:schemeClr>
+          </a:solidFill>
+          <a:ln>
+            <a:solidFill>
+              <a:schemeClr val="tx1"/>
+            </a:solidFill>
+          </a:ln>
+        </p:spPr>
+        <p:txBody>
+          <a:bodyPr wrap="square" rtlCol="0">
+            <a:spAutoFit/>
+          </a:bodyPr>
+          <a:lstStyle/>
+          <a:p>
+            <a:r>
+              <a:rPr lang="en-GB" b="1" dirty="0" smtClean="0"/>
+              <a:t>Discussion:</a:t>
+            </a:r>
+            <a:endParaRPr lang="en-GB" dirty="0"/>
+          </a:p>
+          <a:p>
+            <a:pPr marL="457200" indent="-457200">
+              <a:buFont typeface="Arial" pitchFamily="34" charset="0"/>
+              <a:buChar char="•"/>
+            </a:pPr>
+            <a:r>
+              <a:rPr lang="en-GB" sz="1600" dirty="0" smtClean="0"/>
+              <a:t>Since </a:t>
+            </a:r>
+            <a:r>
+              <a:rPr lang="en-GB" sz="1600" dirty="0" smtClean="0">
+                <a:latin typeface="Comic Sans MS" pitchFamily="66" charset="0"/>
+                <a:cs typeface="Courier New" pitchFamily="49" charset="0"/>
+              </a:rPr>
+              <a:t>industry</a:t>
+            </a:r>
+            <a:r>
+              <a:rPr lang="en-GB" sz="1600" dirty="0" smtClean="0">
+                <a:cs typeface="Courier New" pitchFamily="49" charset="0"/>
+              </a:rPr>
+              <a:t> is an </a:t>
+            </a:r>
+            <a:r>
+              <a:rPr lang="en-GB" sz="1600" dirty="0" err="1" smtClean="0">
+                <a:latin typeface="Courier New" pitchFamily="49" charset="0"/>
+                <a:cs typeface="Courier New" pitchFamily="49" charset="0"/>
+              </a:rPr>
+              <a:t>IFrame</a:t>
+            </a:r>
+            <a:r>
+              <a:rPr lang="en-GB" sz="1600" dirty="0" smtClean="0">
+                <a:cs typeface="Courier New" pitchFamily="49" charset="0"/>
+              </a:rPr>
+              <a:t>-valued slot it is the </a:t>
+            </a:r>
+            <a:r>
+              <a:rPr lang="en-GB" sz="1600" i="1" dirty="0" smtClean="0">
+                <a:cs typeface="Courier New" pitchFamily="49" charset="0"/>
+              </a:rPr>
+              <a:t>type</a:t>
+            </a:r>
+            <a:r>
+              <a:rPr lang="en-GB" sz="1600" dirty="0" smtClean="0">
+                <a:cs typeface="Courier New" pitchFamily="49" charset="0"/>
+              </a:rPr>
+              <a:t> of the value to which the </a:t>
+            </a:r>
+            <a:r>
+              <a:rPr lang="en-GB" sz="1600" dirty="0" err="1" smtClean="0">
+                <a:cs typeface="Courier New" pitchFamily="49" charset="0"/>
+              </a:rPr>
+              <a:t>disjunct</a:t>
+            </a:r>
+            <a:r>
+              <a:rPr lang="en-GB" sz="1600" dirty="0" smtClean="0">
+                <a:cs typeface="Courier New" pitchFamily="49" charset="0"/>
+              </a:rPr>
+              <a:t> is added, and which now becomes a </a:t>
+            </a:r>
+            <a:r>
+              <a:rPr lang="en-GB" sz="1600" dirty="0" err="1" smtClean="0"/>
+              <a:t>disjuntion-</a:t>
+            </a:r>
+            <a:r>
+              <a:rPr lang="en-GB" sz="1600" dirty="0" err="1" smtClean="0">
+                <a:latin typeface="Courier New" pitchFamily="49" charset="0"/>
+                <a:cs typeface="Courier New" pitchFamily="49" charset="0"/>
+              </a:rPr>
+              <a:t>CFrame</a:t>
+            </a:r>
+            <a:r>
+              <a:rPr lang="en-GB" sz="1600" dirty="0" smtClean="0">
+                <a:cs typeface="Courier New" pitchFamily="49" charset="0"/>
+              </a:rPr>
+              <a:t> (in contrast to the </a:t>
+            </a:r>
+            <a:r>
+              <a:rPr lang="en-GB" sz="1600" dirty="0" err="1" smtClean="0">
+                <a:latin typeface="Courier New" pitchFamily="49" charset="0"/>
+                <a:cs typeface="Courier New" pitchFamily="49" charset="0"/>
+              </a:rPr>
+              <a:t>CFrame</a:t>
+            </a:r>
+            <a:r>
+              <a:rPr lang="en-GB" sz="1600" dirty="0" smtClean="0">
+                <a:cs typeface="Courier New" pitchFamily="49" charset="0"/>
+              </a:rPr>
+              <a:t>-valued </a:t>
+            </a:r>
+            <a:r>
+              <a:rPr lang="en-GB" sz="1600" dirty="0" smtClean="0">
+                <a:latin typeface="Comic Sans MS" pitchFamily="66" charset="0"/>
+                <a:cs typeface="Courier New" pitchFamily="49" charset="0"/>
+              </a:rPr>
+              <a:t>job-type</a:t>
+            </a:r>
+            <a:r>
+              <a:rPr lang="en-GB" sz="1600" dirty="0" smtClean="0">
+                <a:cs typeface="Courier New" pitchFamily="49" charset="0"/>
+              </a:rPr>
+              <a:t> slot where the </a:t>
+            </a:r>
+            <a:r>
+              <a:rPr lang="en-GB" sz="1600" dirty="0" err="1" smtClean="0">
+                <a:cs typeface="Courier New" pitchFamily="49" charset="0"/>
+              </a:rPr>
+              <a:t>disjunct</a:t>
+            </a:r>
+            <a:r>
+              <a:rPr lang="en-GB" sz="1600" dirty="0" smtClean="0">
+                <a:cs typeface="Courier New" pitchFamily="49" charset="0"/>
+              </a:rPr>
+              <a:t> was added to the value itself) </a:t>
+            </a:r>
+          </a:p>
+          <a:p>
+            <a:pPr marL="457200" indent="-457200">
+              <a:buFont typeface="Arial" pitchFamily="34" charset="0"/>
+              <a:buChar char="•"/>
+            </a:pPr>
+            <a:r>
+              <a:rPr lang="en-GB" sz="1600" dirty="0" smtClean="0">
+                <a:cs typeface="Courier New" pitchFamily="49" charset="0"/>
+              </a:rPr>
+              <a:t>Note that the </a:t>
+            </a:r>
+            <a:r>
+              <a:rPr lang="en-GB" sz="1600" dirty="0" smtClean="0">
+                <a:latin typeface="Comic Sans MS" pitchFamily="66" charset="0"/>
+                <a:cs typeface="Courier New" pitchFamily="49" charset="0"/>
+              </a:rPr>
+              <a:t>sector</a:t>
+            </a:r>
+            <a:r>
+              <a:rPr lang="en-GB" sz="1600" dirty="0" smtClean="0">
+                <a:cs typeface="Courier New" pitchFamily="49" charset="0"/>
+              </a:rPr>
+              <a:t> slot remains after the extra </a:t>
+            </a:r>
+            <a:r>
+              <a:rPr lang="en-GB" sz="1600" dirty="0" err="1" smtClean="0">
+                <a:cs typeface="Courier New" pitchFamily="49" charset="0"/>
+              </a:rPr>
+              <a:t>disjunct</a:t>
+            </a:r>
+            <a:r>
+              <a:rPr lang="en-GB" sz="1600" dirty="0" smtClean="0">
+                <a:cs typeface="Courier New" pitchFamily="49" charset="0"/>
+              </a:rPr>
+              <a:t> has been added to the type. This is because both </a:t>
+            </a:r>
+            <a:r>
+              <a:rPr lang="en-GB" sz="1600" dirty="0" smtClean="0">
+                <a:latin typeface="Comic Sans MS" pitchFamily="66" charset="0"/>
+                <a:cs typeface="Courier New" pitchFamily="49" charset="0"/>
+              </a:rPr>
+              <a:t>Education</a:t>
+            </a:r>
+            <a:r>
+              <a:rPr lang="en-GB" sz="1600" dirty="0" smtClean="0">
+                <a:cs typeface="Courier New" pitchFamily="49" charset="0"/>
+              </a:rPr>
+              <a:t> and </a:t>
+            </a:r>
+            <a:r>
+              <a:rPr lang="en-GB" sz="1600" dirty="0" smtClean="0">
+                <a:latin typeface="Comic Sans MS" pitchFamily="66" charset="0"/>
+                <a:cs typeface="Courier New" pitchFamily="49" charset="0"/>
+              </a:rPr>
+              <a:t>Health</a:t>
+            </a:r>
+            <a:r>
+              <a:rPr lang="en-GB" sz="1600" dirty="0" smtClean="0">
+                <a:cs typeface="Courier New" pitchFamily="49" charset="0"/>
+              </a:rPr>
+              <a:t> provide definitions for this slot, which is therefore also defined for the disjunction of the two</a:t>
+            </a:r>
+          </a:p>
+        </p:txBody>
+      </p:sp>
       <p:pic>
         <p:nvPicPr>
-          <p:cNvPr id="2050" name="Picture 2"/>
+          <p:cNvPr id="10242" name="Picture 2"/>
           <p:cNvPicPr>
             <a:picLocks noChangeAspect="1" noChangeArrowheads="1"/>
           </p:cNvPicPr>
@@ -21612,7 +20386,7 @@
         <p:spPr bwMode="auto">
           <a:xfrm>
             <a:off x="395536" y="368660"/>
-            <a:ext cx="4219956" cy="3308604"/>
+            <a:ext cx="4019550" cy="3314700"/>
           </a:xfrm>
           <a:prstGeom prst="rect">
             <a:avLst/>
@@ -21626,343 +20400,6 @@
           </a:ln>
         </p:spPr>
       </p:pic>
-      <p:sp>
-        <p:nvSpPr>
-          <p:cNvPr id="3" name="TextBox 2"/>
-          <p:cNvSpPr txBox="1"/>
-          <p:nvPr/>
-        </p:nvSpPr>
-        <p:spPr>
-          <a:xfrm>
-            <a:off x="5148064" y="548680"/>
-            <a:ext cx="3528392" cy="1846659"/>
-          </a:xfrm>
-          <a:prstGeom prst="rect">
-            <a:avLst/>
-          </a:prstGeom>
-          <a:solidFill>
-            <a:schemeClr val="tx2">
-              <a:lumMod val="40000"/>
-              <a:lumOff val="60000"/>
-            </a:schemeClr>
-          </a:solidFill>
-          <a:ln>
-            <a:solidFill>
-              <a:schemeClr val="tx1"/>
-            </a:solidFill>
-          </a:ln>
-        </p:spPr>
-        <p:txBody>
-          <a:bodyPr wrap="square" rtlCol="0">
-            <a:spAutoFit/>
-          </a:bodyPr>
-          <a:lstStyle/>
-          <a:p>
-            <a:r>
-              <a:rPr lang="en-GB" b="1" dirty="0" smtClean="0"/>
-              <a:t>Actions:</a:t>
-            </a:r>
-            <a:endParaRPr lang="en-GB" dirty="0"/>
-          </a:p>
-          <a:p>
-            <a:pPr marL="457200" indent="-457200">
-              <a:buFont typeface="+mj-lt"/>
-              <a:buAutoNum type="arabicPeriod"/>
-            </a:pPr>
-            <a:r>
-              <a:rPr lang="en-GB" sz="1600" dirty="0" smtClean="0">
-                <a:cs typeface="Courier New" pitchFamily="49" charset="0"/>
-              </a:rPr>
-              <a:t>Left-click on the value that you previously added for </a:t>
-            </a:r>
-            <a:r>
-              <a:rPr lang="en-GB" sz="1600" dirty="0" smtClean="0"/>
-              <a:t>the </a:t>
-            </a:r>
-            <a:r>
-              <a:rPr lang="en-GB" sz="1600" dirty="0" smtClean="0">
-                <a:latin typeface="Comic Sans MS" pitchFamily="66" charset="0"/>
-                <a:cs typeface="Courier New" pitchFamily="49" charset="0"/>
-              </a:rPr>
-              <a:t>industry</a:t>
-            </a:r>
-            <a:r>
-              <a:rPr lang="en-GB" sz="1600" dirty="0" smtClean="0">
-                <a:cs typeface="Courier New" pitchFamily="49" charset="0"/>
-              </a:rPr>
-              <a:t> slot</a:t>
-            </a:r>
-            <a:r>
-              <a:rPr lang="en-GB" sz="1600" i="1" dirty="0" smtClean="0">
-                <a:cs typeface="Courier New" pitchFamily="49" charset="0"/>
-              </a:rPr>
-              <a:t>, i.e. </a:t>
-            </a:r>
-            <a:r>
-              <a:rPr lang="en-GB" sz="1600" dirty="0" smtClean="0">
-                <a:cs typeface="Courier New" pitchFamily="49" charset="0"/>
-              </a:rPr>
-              <a:t>the value of type</a:t>
-            </a:r>
-            <a:r>
-              <a:rPr lang="en-GB" sz="1600" i="1" dirty="0" smtClean="0">
-                <a:cs typeface="Courier New" pitchFamily="49" charset="0"/>
-              </a:rPr>
-              <a:t> </a:t>
-            </a:r>
-            <a:r>
-              <a:rPr lang="en-GB" sz="1600" dirty="0" smtClean="0">
-                <a:latin typeface="Comic Sans MS" pitchFamily="66" charset="0"/>
-                <a:cs typeface="Courier New" pitchFamily="49" charset="0"/>
-              </a:rPr>
-              <a:t>Education</a:t>
-            </a:r>
-            <a:r>
-              <a:rPr lang="en-GB" sz="1600" dirty="0" smtClean="0">
-                <a:cs typeface="Courier New" pitchFamily="49" charset="0"/>
-              </a:rPr>
-              <a:t> </a:t>
-            </a:r>
-          </a:p>
-          <a:p>
-            <a:pPr marL="457200" indent="-457200">
-              <a:buFont typeface="+mj-lt"/>
-              <a:buAutoNum type="arabicPeriod"/>
-            </a:pPr>
-            <a:r>
-              <a:rPr lang="en-GB" sz="1600" dirty="0" smtClean="0">
-                <a:cs typeface="Courier New" pitchFamily="49" charset="0"/>
-              </a:rPr>
-              <a:t>From the selection window that now appears select </a:t>
-            </a:r>
-            <a:r>
-              <a:rPr lang="en-GB" sz="1600" dirty="0" smtClean="0">
-                <a:latin typeface="Comic Sans MS" pitchFamily="66" charset="0"/>
-                <a:cs typeface="Courier New" pitchFamily="49" charset="0"/>
-              </a:rPr>
-              <a:t>Health</a:t>
-            </a:r>
-          </a:p>
-        </p:txBody>
-      </p:sp>
-      <p:sp>
-        <p:nvSpPr>
-          <p:cNvPr id="4" name="TextBox 3"/>
-          <p:cNvSpPr txBox="1"/>
-          <p:nvPr/>
-        </p:nvSpPr>
-        <p:spPr>
-          <a:xfrm>
-            <a:off x="5148064" y="2384884"/>
-            <a:ext cx="3528392" cy="4062651"/>
-          </a:xfrm>
-          <a:prstGeom prst="rect">
-            <a:avLst/>
-          </a:prstGeom>
-          <a:solidFill>
-            <a:schemeClr val="accent3">
-              <a:lumMod val="60000"/>
-              <a:lumOff val="40000"/>
-            </a:schemeClr>
-          </a:solidFill>
-          <a:ln>
-            <a:solidFill>
-              <a:schemeClr val="tx1"/>
-            </a:solidFill>
-          </a:ln>
-        </p:spPr>
-        <p:txBody>
-          <a:bodyPr wrap="square" rtlCol="0">
-            <a:spAutoFit/>
-          </a:bodyPr>
-          <a:lstStyle/>
-          <a:p>
-            <a:r>
-              <a:rPr lang="en-GB" b="1" dirty="0" smtClean="0"/>
-              <a:t>Discussion:</a:t>
-            </a:r>
-            <a:endParaRPr lang="en-GB" dirty="0"/>
-          </a:p>
-          <a:p>
-            <a:pPr marL="457200" indent="-457200">
-              <a:buFont typeface="Arial" pitchFamily="34" charset="0"/>
-              <a:buChar char="•"/>
-            </a:pPr>
-            <a:r>
-              <a:rPr lang="en-GB" sz="1600" dirty="0" smtClean="0"/>
-              <a:t>Since </a:t>
-            </a:r>
-            <a:r>
-              <a:rPr lang="en-GB" sz="1600" dirty="0" smtClean="0">
-                <a:latin typeface="Comic Sans MS" pitchFamily="66" charset="0"/>
-                <a:cs typeface="Courier New" pitchFamily="49" charset="0"/>
-              </a:rPr>
-              <a:t>industry</a:t>
-            </a:r>
-            <a:r>
-              <a:rPr lang="en-GB" sz="1600" dirty="0" smtClean="0">
-                <a:cs typeface="Courier New" pitchFamily="49" charset="0"/>
-              </a:rPr>
-              <a:t> is an </a:t>
-            </a:r>
-            <a:r>
-              <a:rPr lang="en-GB" sz="1600" dirty="0" err="1" smtClean="0">
-                <a:latin typeface="Courier New" pitchFamily="49" charset="0"/>
-                <a:cs typeface="Courier New" pitchFamily="49" charset="0"/>
-              </a:rPr>
-              <a:t>IFrame</a:t>
-            </a:r>
-            <a:r>
-              <a:rPr lang="en-GB" sz="1600" dirty="0" smtClean="0">
-                <a:cs typeface="Courier New" pitchFamily="49" charset="0"/>
-              </a:rPr>
-              <a:t>-valued slot it is the </a:t>
-            </a:r>
-            <a:r>
-              <a:rPr lang="en-GB" sz="1600" i="1" dirty="0" smtClean="0">
-                <a:cs typeface="Courier New" pitchFamily="49" charset="0"/>
-              </a:rPr>
-              <a:t>type</a:t>
-            </a:r>
-            <a:r>
-              <a:rPr lang="en-GB" sz="1600" dirty="0" smtClean="0">
-                <a:cs typeface="Courier New" pitchFamily="49" charset="0"/>
-              </a:rPr>
-              <a:t> of the value to which the </a:t>
-            </a:r>
-            <a:r>
-              <a:rPr lang="en-GB" sz="1600" dirty="0" err="1" smtClean="0">
-                <a:cs typeface="Courier New" pitchFamily="49" charset="0"/>
-              </a:rPr>
-              <a:t>disjunct</a:t>
-            </a:r>
-            <a:r>
-              <a:rPr lang="en-GB" sz="1600" dirty="0" smtClean="0">
-                <a:cs typeface="Courier New" pitchFamily="49" charset="0"/>
-              </a:rPr>
-              <a:t> is added, and which now becomes a </a:t>
-            </a:r>
-            <a:r>
-              <a:rPr lang="en-GB" sz="1600" dirty="0" err="1" smtClean="0"/>
-              <a:t>disjuntion-</a:t>
-            </a:r>
-            <a:r>
-              <a:rPr lang="en-GB" sz="1600" dirty="0" err="1" smtClean="0">
-                <a:latin typeface="Courier New" pitchFamily="49" charset="0"/>
-                <a:cs typeface="Courier New" pitchFamily="49" charset="0"/>
-              </a:rPr>
-              <a:t>CFrame</a:t>
-            </a:r>
-            <a:r>
-              <a:rPr lang="en-GB" sz="1600" dirty="0" smtClean="0">
-                <a:cs typeface="Courier New" pitchFamily="49" charset="0"/>
-              </a:rPr>
-              <a:t> (in contrast to the </a:t>
-            </a:r>
-            <a:r>
-              <a:rPr lang="en-GB" sz="1600" dirty="0" err="1" smtClean="0">
-                <a:latin typeface="Courier New" pitchFamily="49" charset="0"/>
-                <a:cs typeface="Courier New" pitchFamily="49" charset="0"/>
-              </a:rPr>
-              <a:t>CFrame</a:t>
-            </a:r>
-            <a:r>
-              <a:rPr lang="en-GB" sz="1600" dirty="0" smtClean="0">
-                <a:cs typeface="Courier New" pitchFamily="49" charset="0"/>
-              </a:rPr>
-              <a:t>-valued </a:t>
-            </a:r>
-            <a:r>
-              <a:rPr lang="en-GB" sz="1600" dirty="0" smtClean="0">
-                <a:latin typeface="Comic Sans MS" pitchFamily="66" charset="0"/>
-                <a:cs typeface="Courier New" pitchFamily="49" charset="0"/>
-              </a:rPr>
-              <a:t>job-type</a:t>
-            </a:r>
-            <a:r>
-              <a:rPr lang="en-GB" sz="1600" dirty="0" smtClean="0">
-                <a:cs typeface="Courier New" pitchFamily="49" charset="0"/>
-              </a:rPr>
-              <a:t> slot where the </a:t>
-            </a:r>
-            <a:r>
-              <a:rPr lang="en-GB" sz="1600" dirty="0" err="1" smtClean="0">
-                <a:cs typeface="Courier New" pitchFamily="49" charset="0"/>
-              </a:rPr>
-              <a:t>disjunct</a:t>
-            </a:r>
-            <a:r>
-              <a:rPr lang="en-GB" sz="1600" dirty="0" smtClean="0">
-                <a:cs typeface="Courier New" pitchFamily="49" charset="0"/>
-              </a:rPr>
-              <a:t> was added to the value itself) </a:t>
-            </a:r>
-          </a:p>
-          <a:p>
-            <a:pPr marL="457200" indent="-457200">
-              <a:buFont typeface="Arial" pitchFamily="34" charset="0"/>
-              <a:buChar char="•"/>
-            </a:pPr>
-            <a:r>
-              <a:rPr lang="en-GB" sz="1600" dirty="0" smtClean="0">
-                <a:cs typeface="Courier New" pitchFamily="49" charset="0"/>
-              </a:rPr>
-              <a:t>Note that the </a:t>
-            </a:r>
-            <a:r>
-              <a:rPr lang="en-GB" sz="1600" dirty="0" smtClean="0">
-                <a:latin typeface="Comic Sans MS" pitchFamily="66" charset="0"/>
-                <a:cs typeface="Courier New" pitchFamily="49" charset="0"/>
-              </a:rPr>
-              <a:t>sector</a:t>
-            </a:r>
-            <a:r>
-              <a:rPr lang="en-GB" sz="1600" dirty="0" smtClean="0">
-                <a:cs typeface="Courier New" pitchFamily="49" charset="0"/>
-              </a:rPr>
-              <a:t> slot remains after the extra </a:t>
-            </a:r>
-            <a:r>
-              <a:rPr lang="en-GB" sz="1600" dirty="0" err="1" smtClean="0">
-                <a:cs typeface="Courier New" pitchFamily="49" charset="0"/>
-              </a:rPr>
-              <a:t>disjunct</a:t>
-            </a:r>
-            <a:r>
-              <a:rPr lang="en-GB" sz="1600" dirty="0" smtClean="0">
-                <a:cs typeface="Courier New" pitchFamily="49" charset="0"/>
-              </a:rPr>
-              <a:t> has been added to the type. This is because both </a:t>
-            </a:r>
-            <a:r>
-              <a:rPr lang="en-GB" sz="1600" dirty="0" smtClean="0">
-                <a:latin typeface="Comic Sans MS" pitchFamily="66" charset="0"/>
-                <a:cs typeface="Courier New" pitchFamily="49" charset="0"/>
-              </a:rPr>
-              <a:t>Education</a:t>
-            </a:r>
-            <a:r>
-              <a:rPr lang="en-GB" sz="1600" dirty="0" smtClean="0">
-                <a:cs typeface="Courier New" pitchFamily="49" charset="0"/>
-              </a:rPr>
-              <a:t> and </a:t>
-            </a:r>
-            <a:r>
-              <a:rPr lang="en-GB" sz="1600" dirty="0" smtClean="0">
-                <a:latin typeface="Comic Sans MS" pitchFamily="66" charset="0"/>
-                <a:cs typeface="Courier New" pitchFamily="49" charset="0"/>
-              </a:rPr>
-              <a:t>Health</a:t>
-            </a:r>
-            <a:r>
-              <a:rPr lang="en-GB" sz="1600" dirty="0" smtClean="0">
-                <a:cs typeface="Courier New" pitchFamily="49" charset="0"/>
-              </a:rPr>
-              <a:t> provide definitions for this slot, which is therefore also defined for the disjunction of the two</a:t>
-            </a:r>
-          </a:p>
-        </p:txBody>
-      </p:sp>
     </p:spTree>
   </p:cSld>
   <p:clrMapOvr>
@@ -21995,9 +20432,291 @@
           <a:chExt cx="0" cy="0"/>
         </a:xfrm>
       </p:grpSpPr>
+      <p:sp>
+        <p:nvSpPr>
+          <p:cNvPr id="3" name="TextBox 2"/>
+          <p:cNvSpPr txBox="1"/>
+          <p:nvPr/>
+        </p:nvSpPr>
+        <p:spPr>
+          <a:xfrm>
+            <a:off x="5040052" y="944724"/>
+            <a:ext cx="3816424" cy="861774"/>
+          </a:xfrm>
+          <a:prstGeom prst="rect">
+            <a:avLst/>
+          </a:prstGeom>
+          <a:solidFill>
+            <a:schemeClr val="tx2">
+              <a:lumMod val="40000"/>
+              <a:lumOff val="60000"/>
+            </a:schemeClr>
+          </a:solidFill>
+          <a:ln>
+            <a:solidFill>
+              <a:schemeClr val="tx1"/>
+            </a:solidFill>
+          </a:ln>
+        </p:spPr>
+        <p:txBody>
+          <a:bodyPr wrap="square" rtlCol="0">
+            <a:spAutoFit/>
+          </a:bodyPr>
+          <a:lstStyle/>
+          <a:p>
+            <a:r>
+              <a:rPr lang="en-GB" b="1" dirty="0" smtClean="0"/>
+              <a:t>Actions:</a:t>
+            </a:r>
+            <a:endParaRPr lang="en-GB" dirty="0"/>
+          </a:p>
+          <a:p>
+            <a:pPr marL="457200" indent="-457200">
+              <a:buFont typeface="+mj-lt"/>
+              <a:buAutoNum type="arabicPeriod"/>
+            </a:pPr>
+            <a:r>
+              <a:rPr lang="en-GB" sz="1600" dirty="0" smtClean="0"/>
+              <a:t>Add a third </a:t>
+            </a:r>
+            <a:r>
+              <a:rPr lang="en-GB" sz="1600" dirty="0" err="1" smtClean="0">
+                <a:cs typeface="Courier New" pitchFamily="49" charset="0"/>
+              </a:rPr>
+              <a:t>disjunct</a:t>
+            </a:r>
+            <a:r>
+              <a:rPr lang="en-GB" sz="1600" dirty="0" smtClean="0">
+                <a:cs typeface="Courier New" pitchFamily="49" charset="0"/>
+              </a:rPr>
+              <a:t>, </a:t>
+            </a:r>
+            <a:r>
+              <a:rPr lang="en-GB" sz="1600" dirty="0" smtClean="0">
+                <a:latin typeface="Comic Sans MS" pitchFamily="66" charset="0"/>
+                <a:cs typeface="Courier New" pitchFamily="49" charset="0"/>
+              </a:rPr>
+              <a:t>Finance</a:t>
+            </a:r>
+            <a:r>
+              <a:rPr lang="en-GB" sz="1600" dirty="0" smtClean="0">
+                <a:cs typeface="Courier New" pitchFamily="49" charset="0"/>
+              </a:rPr>
+              <a:t>,</a:t>
+            </a:r>
+            <a:r>
+              <a:rPr lang="en-GB" sz="1600" dirty="0" smtClean="0">
+                <a:latin typeface="Comic Sans MS" pitchFamily="66" charset="0"/>
+                <a:cs typeface="Courier New" pitchFamily="49" charset="0"/>
+              </a:rPr>
+              <a:t> </a:t>
+            </a:r>
+            <a:r>
+              <a:rPr lang="en-GB" sz="1600" dirty="0" smtClean="0">
+                <a:cs typeface="Courier New" pitchFamily="49" charset="0"/>
+              </a:rPr>
+              <a:t>to the type of </a:t>
+            </a:r>
+            <a:r>
+              <a:rPr lang="en-GB" sz="1600" dirty="0" smtClean="0"/>
+              <a:t>the value in the </a:t>
+            </a:r>
+            <a:r>
+              <a:rPr lang="en-GB" sz="1600" dirty="0" smtClean="0">
+                <a:latin typeface="Comic Sans MS" pitchFamily="66" charset="0"/>
+                <a:cs typeface="Courier New" pitchFamily="49" charset="0"/>
+              </a:rPr>
+              <a:t>industry</a:t>
+            </a:r>
+            <a:r>
+              <a:rPr lang="en-GB" sz="1600" dirty="0" smtClean="0">
+                <a:cs typeface="Courier New" pitchFamily="49" charset="0"/>
+              </a:rPr>
+              <a:t> slot</a:t>
+            </a:r>
+            <a:endParaRPr lang="en-GB" sz="1600" dirty="0" smtClean="0"/>
+          </a:p>
+        </p:txBody>
+      </p:sp>
+      <p:sp>
+        <p:nvSpPr>
+          <p:cNvPr id="4" name="TextBox 3"/>
+          <p:cNvSpPr txBox="1"/>
+          <p:nvPr/>
+        </p:nvSpPr>
+        <p:spPr>
+          <a:xfrm>
+            <a:off x="5040052" y="1808820"/>
+            <a:ext cx="3816424" cy="4801314"/>
+          </a:xfrm>
+          <a:prstGeom prst="rect">
+            <a:avLst/>
+          </a:prstGeom>
+          <a:solidFill>
+            <a:schemeClr val="accent3">
+              <a:lumMod val="60000"/>
+              <a:lumOff val="40000"/>
+            </a:schemeClr>
+          </a:solidFill>
+          <a:ln>
+            <a:solidFill>
+              <a:schemeClr val="tx1"/>
+            </a:solidFill>
+          </a:ln>
+        </p:spPr>
+        <p:txBody>
+          <a:bodyPr wrap="square" rtlCol="0">
+            <a:spAutoFit/>
+          </a:bodyPr>
+          <a:lstStyle/>
+          <a:p>
+            <a:r>
+              <a:rPr lang="en-GB" b="1" dirty="0" smtClean="0"/>
+              <a:t>Discussion:</a:t>
+            </a:r>
+            <a:endParaRPr lang="en-GB" dirty="0"/>
+          </a:p>
+          <a:p>
+            <a:pPr marL="457200" indent="-457200">
+              <a:buFont typeface="Arial" pitchFamily="34" charset="0"/>
+              <a:buChar char="•"/>
+            </a:pPr>
+            <a:r>
+              <a:rPr lang="en-GB" sz="1600" dirty="0" smtClean="0">
+                <a:cs typeface="Courier New" pitchFamily="49" charset="0"/>
+              </a:rPr>
+              <a:t>The </a:t>
+            </a:r>
+            <a:r>
+              <a:rPr lang="en-GB" sz="1600" dirty="0" smtClean="0">
+                <a:latin typeface="Comic Sans MS" pitchFamily="66" charset="0"/>
+                <a:cs typeface="Courier New" pitchFamily="49" charset="0"/>
+              </a:rPr>
+              <a:t>sector</a:t>
+            </a:r>
+            <a:r>
+              <a:rPr lang="en-GB" sz="1600" dirty="0" smtClean="0">
+                <a:cs typeface="Courier New" pitchFamily="49" charset="0"/>
+              </a:rPr>
+              <a:t> slot now disappears from the relevant value. This is because </a:t>
+            </a:r>
+            <a:r>
+              <a:rPr lang="en-GB" sz="1600" dirty="0" smtClean="0">
+                <a:latin typeface="Comic Sans MS" pitchFamily="66" charset="0"/>
+                <a:cs typeface="Courier New" pitchFamily="49" charset="0"/>
+              </a:rPr>
+              <a:t>Finance</a:t>
+            </a:r>
+            <a:r>
+              <a:rPr lang="en-GB" sz="1600" dirty="0" smtClean="0">
+                <a:cs typeface="Courier New" pitchFamily="49" charset="0"/>
+              </a:rPr>
+              <a:t> does not provide any definition for this slot, and hence the slot is not defined for the new disjunction</a:t>
+            </a:r>
+          </a:p>
+          <a:p>
+            <a:pPr marL="457200" indent="-457200">
+              <a:buFont typeface="Arial" pitchFamily="34" charset="0"/>
+              <a:buChar char="•"/>
+            </a:pPr>
+            <a:r>
+              <a:rPr lang="en-GB" sz="1600" dirty="0" smtClean="0">
+                <a:cs typeface="Courier New" pitchFamily="49" charset="0"/>
+              </a:rPr>
+              <a:t>In general, a slot will appear on a disjunction-typed </a:t>
+            </a:r>
+            <a:r>
+              <a:rPr lang="en-GB" sz="1600" dirty="0" err="1" smtClean="0">
+                <a:latin typeface="Courier New" pitchFamily="49" charset="0"/>
+                <a:cs typeface="Courier New" pitchFamily="49" charset="0"/>
+              </a:rPr>
+              <a:t>IFrame</a:t>
+            </a:r>
+            <a:r>
+              <a:rPr lang="en-GB" sz="1600" dirty="0" smtClean="0">
+                <a:cs typeface="Courier New" pitchFamily="49" charset="0"/>
+              </a:rPr>
+              <a:t> if and only if it is defined for each individual </a:t>
+            </a:r>
+            <a:r>
+              <a:rPr lang="en-GB" sz="1600" dirty="0" err="1" smtClean="0">
+                <a:cs typeface="Courier New" pitchFamily="49" charset="0"/>
+              </a:rPr>
+              <a:t>disjunct</a:t>
+            </a:r>
+            <a:r>
+              <a:rPr lang="en-GB" sz="1600" dirty="0" smtClean="0">
+                <a:cs typeface="Courier New" pitchFamily="49" charset="0"/>
+              </a:rPr>
+              <a:t>, either directly on the relevant </a:t>
+            </a:r>
+            <a:r>
+              <a:rPr lang="en-GB" sz="1600" dirty="0" err="1" smtClean="0">
+                <a:latin typeface="Courier New" pitchFamily="49" charset="0"/>
+                <a:cs typeface="Courier New" pitchFamily="49" charset="0"/>
+              </a:rPr>
+              <a:t>CFrame</a:t>
+            </a:r>
+            <a:r>
+              <a:rPr lang="en-GB" sz="1600" dirty="0" smtClean="0">
+                <a:cs typeface="Courier New" pitchFamily="49" charset="0"/>
+              </a:rPr>
+              <a:t> itself, or indirectly via an ancestor </a:t>
+            </a:r>
+            <a:r>
+              <a:rPr lang="en-GB" sz="1600" dirty="0" err="1" smtClean="0">
+                <a:latin typeface="Courier New" pitchFamily="49" charset="0"/>
+                <a:cs typeface="Courier New" pitchFamily="49" charset="0"/>
+              </a:rPr>
+              <a:t>CFrame</a:t>
+            </a:r>
+            <a:r>
+              <a:rPr lang="en-GB" sz="1600" dirty="0" smtClean="0">
+                <a:cs typeface="Courier New" pitchFamily="49" charset="0"/>
+              </a:rPr>
+              <a:t> (in the latter case, such an ancestor may be common to multiple </a:t>
+            </a:r>
+            <a:r>
+              <a:rPr lang="en-GB" sz="1600" dirty="0" err="1" smtClean="0">
+                <a:cs typeface="Courier New" pitchFamily="49" charset="0"/>
+              </a:rPr>
+              <a:t>disjuncts</a:t>
+            </a:r>
+            <a:r>
+              <a:rPr lang="en-GB" sz="1600" dirty="0" smtClean="0">
+                <a:cs typeface="Courier New" pitchFamily="49" charset="0"/>
+              </a:rPr>
+              <a:t>). Where the definition of such a slot is derived from more than one </a:t>
+            </a:r>
+            <a:r>
+              <a:rPr lang="en-GB" sz="1600" dirty="0" err="1" smtClean="0">
+                <a:latin typeface="Courier New" pitchFamily="49" charset="0"/>
+                <a:cs typeface="Courier New" pitchFamily="49" charset="0"/>
+              </a:rPr>
+              <a:t>CFrame</a:t>
+            </a:r>
+            <a:r>
+              <a:rPr lang="en-GB" sz="1600" dirty="0" err="1" smtClean="0">
+                <a:cs typeface="Courier New" pitchFamily="49" charset="0"/>
+              </a:rPr>
+              <a:t>s</a:t>
+            </a:r>
+            <a:r>
+              <a:rPr lang="en-GB" sz="1600" dirty="0" smtClean="0">
+                <a:cs typeface="Courier New" pitchFamily="49" charset="0"/>
+              </a:rPr>
+              <a:t>, the value-type will be taken to be the intersection of all relevant value-types</a:t>
+            </a:r>
+            <a:endParaRPr lang="en-GB" sz="1600" dirty="0" smtClean="0">
+              <a:latin typeface="Courier New" pitchFamily="49" charset="0"/>
+              <a:cs typeface="Courier New" pitchFamily="49" charset="0"/>
+            </a:endParaRPr>
+          </a:p>
+        </p:txBody>
+      </p:sp>
       <p:pic>
         <p:nvPicPr>
-          <p:cNvPr id="2051" name="Picture 3"/>
+          <p:cNvPr id="11266" name="Picture 2"/>
           <p:cNvPicPr>
             <a:picLocks noChangeAspect="1" noChangeArrowheads="1"/>
           </p:cNvPicPr>
@@ -22013,7 +20732,7 @@
         <p:spPr bwMode="auto">
           <a:xfrm>
             <a:off x="395536" y="368660"/>
-            <a:ext cx="4219956" cy="3308604"/>
+            <a:ext cx="4019550" cy="3314700"/>
           </a:xfrm>
           <a:prstGeom prst="rect">
             <a:avLst/>
@@ -22027,288 +20746,6 @@
           </a:ln>
         </p:spPr>
       </p:pic>
-      <p:sp>
-        <p:nvSpPr>
-          <p:cNvPr id="3" name="TextBox 2"/>
-          <p:cNvSpPr txBox="1"/>
-          <p:nvPr/>
-        </p:nvSpPr>
-        <p:spPr>
-          <a:xfrm>
-            <a:off x="5040052" y="944724"/>
-            <a:ext cx="3816424" cy="861774"/>
-          </a:xfrm>
-          <a:prstGeom prst="rect">
-            <a:avLst/>
-          </a:prstGeom>
-          <a:solidFill>
-            <a:schemeClr val="tx2">
-              <a:lumMod val="40000"/>
-              <a:lumOff val="60000"/>
-            </a:schemeClr>
-          </a:solidFill>
-          <a:ln>
-            <a:solidFill>
-              <a:schemeClr val="tx1"/>
-            </a:solidFill>
-          </a:ln>
-        </p:spPr>
-        <p:txBody>
-          <a:bodyPr wrap="square" rtlCol="0">
-            <a:spAutoFit/>
-          </a:bodyPr>
-          <a:lstStyle/>
-          <a:p>
-            <a:r>
-              <a:rPr lang="en-GB" b="1" dirty="0" smtClean="0"/>
-              <a:t>Actions:</a:t>
-            </a:r>
-            <a:endParaRPr lang="en-GB" dirty="0"/>
-          </a:p>
-          <a:p>
-            <a:pPr marL="457200" indent="-457200">
-              <a:buFont typeface="+mj-lt"/>
-              <a:buAutoNum type="arabicPeriod"/>
-            </a:pPr>
-            <a:r>
-              <a:rPr lang="en-GB" sz="1600" dirty="0" smtClean="0"/>
-              <a:t>Add a third </a:t>
-            </a:r>
-            <a:r>
-              <a:rPr lang="en-GB" sz="1600" dirty="0" err="1" smtClean="0">
-                <a:cs typeface="Courier New" pitchFamily="49" charset="0"/>
-              </a:rPr>
-              <a:t>disjunct</a:t>
-            </a:r>
-            <a:r>
-              <a:rPr lang="en-GB" sz="1600" dirty="0" smtClean="0">
-                <a:cs typeface="Courier New" pitchFamily="49" charset="0"/>
-              </a:rPr>
-              <a:t>, </a:t>
-            </a:r>
-            <a:r>
-              <a:rPr lang="en-GB" sz="1600" dirty="0" smtClean="0">
-                <a:latin typeface="Comic Sans MS" pitchFamily="66" charset="0"/>
-                <a:cs typeface="Courier New" pitchFamily="49" charset="0"/>
-              </a:rPr>
-              <a:t>Finance</a:t>
-            </a:r>
-            <a:r>
-              <a:rPr lang="en-GB" sz="1600" dirty="0" smtClean="0">
-                <a:cs typeface="Courier New" pitchFamily="49" charset="0"/>
-              </a:rPr>
-              <a:t>,</a:t>
-            </a:r>
-            <a:r>
-              <a:rPr lang="en-GB" sz="1600" dirty="0" smtClean="0">
-                <a:latin typeface="Comic Sans MS" pitchFamily="66" charset="0"/>
-                <a:cs typeface="Courier New" pitchFamily="49" charset="0"/>
-              </a:rPr>
-              <a:t> </a:t>
-            </a:r>
-            <a:r>
-              <a:rPr lang="en-GB" sz="1600" dirty="0" smtClean="0">
-                <a:cs typeface="Courier New" pitchFamily="49" charset="0"/>
-              </a:rPr>
-              <a:t>to the type of </a:t>
-            </a:r>
-            <a:r>
-              <a:rPr lang="en-GB" sz="1600" dirty="0" smtClean="0"/>
-              <a:t>the value in the </a:t>
-            </a:r>
-            <a:r>
-              <a:rPr lang="en-GB" sz="1600" dirty="0" smtClean="0">
-                <a:latin typeface="Comic Sans MS" pitchFamily="66" charset="0"/>
-                <a:cs typeface="Courier New" pitchFamily="49" charset="0"/>
-              </a:rPr>
-              <a:t>industry</a:t>
-            </a:r>
-            <a:r>
-              <a:rPr lang="en-GB" sz="1600" dirty="0" smtClean="0">
-                <a:cs typeface="Courier New" pitchFamily="49" charset="0"/>
-              </a:rPr>
-              <a:t> slot</a:t>
-            </a:r>
-            <a:endParaRPr lang="en-GB" sz="1600" dirty="0" smtClean="0"/>
-          </a:p>
-        </p:txBody>
-      </p:sp>
-      <p:sp>
-        <p:nvSpPr>
-          <p:cNvPr id="4" name="TextBox 3"/>
-          <p:cNvSpPr txBox="1"/>
-          <p:nvPr/>
-        </p:nvSpPr>
-        <p:spPr>
-          <a:xfrm>
-            <a:off x="5040052" y="1808820"/>
-            <a:ext cx="3816424" cy="4801314"/>
-          </a:xfrm>
-          <a:prstGeom prst="rect">
-            <a:avLst/>
-          </a:prstGeom>
-          <a:solidFill>
-            <a:schemeClr val="accent3">
-              <a:lumMod val="60000"/>
-              <a:lumOff val="40000"/>
-            </a:schemeClr>
-          </a:solidFill>
-          <a:ln>
-            <a:solidFill>
-              <a:schemeClr val="tx1"/>
-            </a:solidFill>
-          </a:ln>
-        </p:spPr>
-        <p:txBody>
-          <a:bodyPr wrap="square" rtlCol="0">
-            <a:spAutoFit/>
-          </a:bodyPr>
-          <a:lstStyle/>
-          <a:p>
-            <a:r>
-              <a:rPr lang="en-GB" b="1" dirty="0" smtClean="0"/>
-              <a:t>Discussion:</a:t>
-            </a:r>
-            <a:endParaRPr lang="en-GB" dirty="0"/>
-          </a:p>
-          <a:p>
-            <a:pPr marL="457200" indent="-457200">
-              <a:buFont typeface="Arial" pitchFamily="34" charset="0"/>
-              <a:buChar char="•"/>
-            </a:pPr>
-            <a:r>
-              <a:rPr lang="en-GB" sz="1600" dirty="0" smtClean="0">
-                <a:cs typeface="Courier New" pitchFamily="49" charset="0"/>
-              </a:rPr>
-              <a:t>The </a:t>
-            </a:r>
-            <a:r>
-              <a:rPr lang="en-GB" sz="1600" dirty="0" smtClean="0">
-                <a:latin typeface="Comic Sans MS" pitchFamily="66" charset="0"/>
-                <a:cs typeface="Courier New" pitchFamily="49" charset="0"/>
-              </a:rPr>
-              <a:t>sector</a:t>
-            </a:r>
-            <a:r>
-              <a:rPr lang="en-GB" sz="1600" dirty="0" smtClean="0">
-                <a:cs typeface="Courier New" pitchFamily="49" charset="0"/>
-              </a:rPr>
-              <a:t> slot now disappears from the relevant value. This is because </a:t>
-            </a:r>
-            <a:r>
-              <a:rPr lang="en-GB" sz="1600" dirty="0" smtClean="0">
-                <a:latin typeface="Comic Sans MS" pitchFamily="66" charset="0"/>
-                <a:cs typeface="Courier New" pitchFamily="49" charset="0"/>
-              </a:rPr>
-              <a:t>Finance</a:t>
-            </a:r>
-            <a:r>
-              <a:rPr lang="en-GB" sz="1600" dirty="0" smtClean="0">
-                <a:cs typeface="Courier New" pitchFamily="49" charset="0"/>
-              </a:rPr>
-              <a:t> does not provide any definition for this slot, and hence the slot is not defined for the new disjunction</a:t>
-            </a:r>
-          </a:p>
-          <a:p>
-            <a:pPr marL="457200" indent="-457200">
-              <a:buFont typeface="Arial" pitchFamily="34" charset="0"/>
-              <a:buChar char="•"/>
-            </a:pPr>
-            <a:r>
-              <a:rPr lang="en-GB" sz="1600" dirty="0" smtClean="0">
-                <a:cs typeface="Courier New" pitchFamily="49" charset="0"/>
-              </a:rPr>
-              <a:t>In general, a slot will appear on a disjunction-typed </a:t>
-            </a:r>
-            <a:r>
-              <a:rPr lang="en-GB" sz="1600" dirty="0" err="1" smtClean="0">
-                <a:latin typeface="Courier New" pitchFamily="49" charset="0"/>
-                <a:cs typeface="Courier New" pitchFamily="49" charset="0"/>
-              </a:rPr>
-              <a:t>IFrame</a:t>
-            </a:r>
-            <a:r>
-              <a:rPr lang="en-GB" sz="1600" dirty="0" smtClean="0">
-                <a:cs typeface="Courier New" pitchFamily="49" charset="0"/>
-              </a:rPr>
-              <a:t> if and only if it is defined for each individual </a:t>
-            </a:r>
-            <a:r>
-              <a:rPr lang="en-GB" sz="1600" dirty="0" err="1" smtClean="0">
-                <a:cs typeface="Courier New" pitchFamily="49" charset="0"/>
-              </a:rPr>
-              <a:t>disjunct</a:t>
-            </a:r>
-            <a:r>
-              <a:rPr lang="en-GB" sz="1600" dirty="0" smtClean="0">
-                <a:cs typeface="Courier New" pitchFamily="49" charset="0"/>
-              </a:rPr>
-              <a:t>, either directly on the relevant </a:t>
-            </a:r>
-            <a:r>
-              <a:rPr lang="en-GB" sz="1600" dirty="0" err="1" smtClean="0">
-                <a:latin typeface="Courier New" pitchFamily="49" charset="0"/>
-                <a:cs typeface="Courier New" pitchFamily="49" charset="0"/>
-              </a:rPr>
-              <a:t>CFrame</a:t>
-            </a:r>
-            <a:r>
-              <a:rPr lang="en-GB" sz="1600" dirty="0" smtClean="0">
-                <a:cs typeface="Courier New" pitchFamily="49" charset="0"/>
-              </a:rPr>
-              <a:t> itself, or indirectly via an ancestor </a:t>
-            </a:r>
-            <a:r>
-              <a:rPr lang="en-GB" sz="1600" dirty="0" err="1" smtClean="0">
-                <a:latin typeface="Courier New" pitchFamily="49" charset="0"/>
-                <a:cs typeface="Courier New" pitchFamily="49" charset="0"/>
-              </a:rPr>
-              <a:t>CFrame</a:t>
-            </a:r>
-            <a:r>
-              <a:rPr lang="en-GB" sz="1600" dirty="0" smtClean="0">
-                <a:cs typeface="Courier New" pitchFamily="49" charset="0"/>
-              </a:rPr>
-              <a:t> (in the latter case, such an ancestor may be common to multiple </a:t>
-            </a:r>
-            <a:r>
-              <a:rPr lang="en-GB" sz="1600" dirty="0" err="1" smtClean="0">
-                <a:cs typeface="Courier New" pitchFamily="49" charset="0"/>
-              </a:rPr>
-              <a:t>disjuncts</a:t>
-            </a:r>
-            <a:r>
-              <a:rPr lang="en-GB" sz="1600" dirty="0" smtClean="0">
-                <a:cs typeface="Courier New" pitchFamily="49" charset="0"/>
-              </a:rPr>
-              <a:t>). Where the definition of such a slot is derived from more than one </a:t>
-            </a:r>
-            <a:r>
-              <a:rPr lang="en-GB" sz="1600" dirty="0" err="1" smtClean="0">
-                <a:latin typeface="Courier New" pitchFamily="49" charset="0"/>
-                <a:cs typeface="Courier New" pitchFamily="49" charset="0"/>
-              </a:rPr>
-              <a:t>CFrame</a:t>
-            </a:r>
-            <a:r>
-              <a:rPr lang="en-GB" sz="1600" dirty="0" err="1" smtClean="0">
-                <a:cs typeface="Courier New" pitchFamily="49" charset="0"/>
-              </a:rPr>
-              <a:t>s</a:t>
-            </a:r>
-            <a:r>
-              <a:rPr lang="en-GB" sz="1600" dirty="0" smtClean="0">
-                <a:cs typeface="Courier New" pitchFamily="49" charset="0"/>
-              </a:rPr>
-              <a:t>, the value-type will be taken to be the intersection of all relevant value-types</a:t>
-            </a:r>
-            <a:endParaRPr lang="en-GB" sz="1600" dirty="0" smtClean="0">
-              <a:latin typeface="Courier New" pitchFamily="49" charset="0"/>
-              <a:cs typeface="Courier New" pitchFamily="49" charset="0"/>
-            </a:endParaRPr>
-          </a:p>
-        </p:txBody>
-      </p:sp>
     </p:spTree>
   </p:cSld>
   <p:clrMapOvr>
@@ -22487,9 +20924,250 @@
           <a:chExt cx="0" cy="0"/>
         </a:xfrm>
       </p:grpSpPr>
+      <p:sp>
+        <p:nvSpPr>
+          <p:cNvPr id="3" name="TextBox 2"/>
+          <p:cNvSpPr txBox="1"/>
+          <p:nvPr/>
+        </p:nvSpPr>
+        <p:spPr>
+          <a:xfrm>
+            <a:off x="5436096" y="1772816"/>
+            <a:ext cx="3204356" cy="2092881"/>
+          </a:xfrm>
+          <a:prstGeom prst="rect">
+            <a:avLst/>
+          </a:prstGeom>
+          <a:solidFill>
+            <a:schemeClr val="tx2">
+              <a:lumMod val="40000"/>
+              <a:lumOff val="60000"/>
+            </a:schemeClr>
+          </a:solidFill>
+          <a:ln>
+            <a:solidFill>
+              <a:schemeClr val="tx1"/>
+            </a:solidFill>
+          </a:ln>
+        </p:spPr>
+        <p:txBody>
+          <a:bodyPr wrap="square" rtlCol="0">
+            <a:spAutoFit/>
+          </a:bodyPr>
+          <a:lstStyle/>
+          <a:p>
+            <a:r>
+              <a:rPr lang="en-GB" b="1" dirty="0" smtClean="0"/>
+              <a:t>Actions:</a:t>
+            </a:r>
+            <a:endParaRPr lang="en-GB" dirty="0"/>
+          </a:p>
+          <a:p>
+            <a:pPr marL="457200" indent="-457200">
+              <a:buFont typeface="+mj-lt"/>
+              <a:buAutoNum type="arabicPeriod"/>
+            </a:pPr>
+            <a:r>
+              <a:rPr lang="en-GB" sz="1600" dirty="0" smtClean="0">
+                <a:cs typeface="Courier New" pitchFamily="49" charset="0"/>
+              </a:rPr>
+              <a:t>Right-click on the current value of </a:t>
+            </a:r>
+            <a:r>
+              <a:rPr lang="en-GB" sz="1600" dirty="0" smtClean="0"/>
+              <a:t>the </a:t>
+            </a:r>
+            <a:r>
+              <a:rPr lang="en-GB" sz="1600" dirty="0" smtClean="0">
+                <a:latin typeface="Comic Sans MS" pitchFamily="66" charset="0"/>
+                <a:cs typeface="Courier New" pitchFamily="49" charset="0"/>
+              </a:rPr>
+              <a:t>industry</a:t>
+            </a:r>
+            <a:r>
+              <a:rPr lang="en-GB" sz="1600" dirty="0" smtClean="0">
+                <a:cs typeface="Courier New" pitchFamily="49" charset="0"/>
+              </a:rPr>
+              <a:t> slot</a:t>
+            </a:r>
+            <a:r>
+              <a:rPr lang="en-GB" sz="1600" i="1" dirty="0" smtClean="0">
+                <a:cs typeface="Courier New" pitchFamily="49" charset="0"/>
+              </a:rPr>
+              <a:t>, i.e. </a:t>
+            </a:r>
+            <a:r>
+              <a:rPr lang="en-GB" sz="1600" dirty="0" smtClean="0">
+                <a:cs typeface="Courier New" pitchFamily="49" charset="0"/>
+              </a:rPr>
+              <a:t>the value of type</a:t>
+            </a:r>
+            <a:r>
+              <a:rPr lang="en-GB" sz="1600" i="1" dirty="0" smtClean="0">
+                <a:cs typeface="Courier New" pitchFamily="49" charset="0"/>
+              </a:rPr>
+              <a:t> </a:t>
+            </a:r>
+            <a:r>
+              <a:rPr lang="en-GB" sz="1600" dirty="0" smtClean="0">
+                <a:latin typeface="Comic Sans MS" pitchFamily="66" charset="0"/>
+                <a:cs typeface="Courier New" pitchFamily="49" charset="0"/>
+              </a:rPr>
+              <a:t>Education OR Health OR Finance</a:t>
+            </a:r>
+            <a:r>
+              <a:rPr lang="en-GB" sz="1600" dirty="0" smtClean="0">
+                <a:cs typeface="Courier New" pitchFamily="49" charset="0"/>
+              </a:rPr>
+              <a:t> </a:t>
+            </a:r>
+          </a:p>
+          <a:p>
+            <a:pPr marL="457200" indent="-457200">
+              <a:buFont typeface="+mj-lt"/>
+              <a:buAutoNum type="arabicPeriod"/>
+            </a:pPr>
+            <a:r>
+              <a:rPr lang="en-GB" sz="1600" dirty="0" smtClean="0">
+                <a:cs typeface="Courier New" pitchFamily="49" charset="0"/>
+              </a:rPr>
+              <a:t>From the selection window that now appears select </a:t>
+            </a:r>
+            <a:r>
+              <a:rPr lang="en-GB" sz="1600" dirty="0" smtClean="0">
+                <a:latin typeface="Comic Sans MS" pitchFamily="66" charset="0"/>
+                <a:cs typeface="Courier New" pitchFamily="49" charset="0"/>
+              </a:rPr>
+              <a:t>Education </a:t>
+            </a:r>
+          </a:p>
+        </p:txBody>
+      </p:sp>
+      <p:sp>
+        <p:nvSpPr>
+          <p:cNvPr id="4" name="TextBox 3"/>
+          <p:cNvSpPr txBox="1"/>
+          <p:nvPr/>
+        </p:nvSpPr>
+        <p:spPr>
+          <a:xfrm>
+            <a:off x="5436096" y="3861048"/>
+            <a:ext cx="3204356" cy="2585323"/>
+          </a:xfrm>
+          <a:prstGeom prst="rect">
+            <a:avLst/>
+          </a:prstGeom>
+          <a:solidFill>
+            <a:schemeClr val="accent3">
+              <a:lumMod val="60000"/>
+              <a:lumOff val="40000"/>
+            </a:schemeClr>
+          </a:solidFill>
+          <a:ln>
+            <a:solidFill>
+              <a:schemeClr val="tx1"/>
+            </a:solidFill>
+          </a:ln>
+        </p:spPr>
+        <p:txBody>
+          <a:bodyPr wrap="square" rtlCol="0">
+            <a:spAutoFit/>
+          </a:bodyPr>
+          <a:lstStyle/>
+          <a:p>
+            <a:r>
+              <a:rPr lang="en-GB" b="1" dirty="0" smtClean="0"/>
+              <a:t>Discussion:</a:t>
+            </a:r>
+            <a:endParaRPr lang="en-GB" dirty="0"/>
+          </a:p>
+          <a:p>
+            <a:pPr marL="457200" indent="-457200">
+              <a:buFont typeface="Arial" pitchFamily="34" charset="0"/>
+              <a:buChar char="•"/>
+            </a:pPr>
+            <a:r>
+              <a:rPr lang="en-GB" sz="1600" dirty="0" smtClean="0">
+                <a:cs typeface="Courier New" pitchFamily="49" charset="0"/>
+              </a:rPr>
+              <a:t>The selected value is removed from the value type </a:t>
+            </a:r>
+            <a:r>
+              <a:rPr lang="en-GB" sz="1600" dirty="0" err="1" smtClean="0"/>
+              <a:t>disjuntion</a:t>
+            </a:r>
+            <a:endParaRPr lang="en-GB" sz="1600" dirty="0" smtClean="0">
+              <a:cs typeface="Courier New" pitchFamily="49" charset="0"/>
+            </a:endParaRPr>
+          </a:p>
+          <a:p>
+            <a:pPr marL="457200" indent="-457200">
+              <a:buFont typeface="Arial" pitchFamily="34" charset="0"/>
+              <a:buChar char="•"/>
+            </a:pPr>
+            <a:r>
+              <a:rPr lang="en-GB" sz="1600" dirty="0" smtClean="0">
+                <a:cs typeface="Courier New" pitchFamily="49" charset="0"/>
+              </a:rPr>
+              <a:t>The </a:t>
+            </a:r>
+            <a:r>
+              <a:rPr lang="en-GB" sz="1600" dirty="0" smtClean="0">
+                <a:latin typeface="Comic Sans MS" pitchFamily="66" charset="0"/>
+                <a:cs typeface="Courier New" pitchFamily="49" charset="0"/>
+              </a:rPr>
+              <a:t>sector</a:t>
+            </a:r>
+            <a:r>
+              <a:rPr lang="en-GB" sz="1600" dirty="0" smtClean="0">
+                <a:cs typeface="Courier New" pitchFamily="49" charset="0"/>
+              </a:rPr>
+              <a:t> slot is still absent, since </a:t>
+            </a:r>
+            <a:r>
+              <a:rPr lang="en-GB" sz="1600" dirty="0" smtClean="0">
+                <a:latin typeface="Comic Sans MS" pitchFamily="66" charset="0"/>
+                <a:cs typeface="Courier New" pitchFamily="49" charset="0"/>
+              </a:rPr>
+              <a:t>Finance</a:t>
+            </a:r>
+            <a:r>
+              <a:rPr lang="en-GB" sz="1600" dirty="0" smtClean="0">
+                <a:cs typeface="Courier New" pitchFamily="49" charset="0"/>
+              </a:rPr>
+              <a:t> is still one of the value type </a:t>
+            </a:r>
+            <a:r>
+              <a:rPr lang="en-GB" sz="1600" dirty="0" err="1" smtClean="0">
+                <a:cs typeface="Courier New" pitchFamily="49" charset="0"/>
+              </a:rPr>
+              <a:t>disjuncts</a:t>
+            </a:r>
+            <a:r>
+              <a:rPr lang="en-GB" sz="1600" dirty="0" smtClean="0">
+                <a:cs typeface="Courier New" pitchFamily="49" charset="0"/>
+              </a:rPr>
+              <a:t>. However if you now also remove </a:t>
+            </a:r>
+            <a:r>
+              <a:rPr lang="en-GB" sz="1600" dirty="0" smtClean="0">
+                <a:latin typeface="Comic Sans MS" pitchFamily="66" charset="0"/>
+                <a:cs typeface="Courier New" pitchFamily="49" charset="0"/>
+              </a:rPr>
+              <a:t>Finance</a:t>
+            </a:r>
+            <a:r>
+              <a:rPr lang="en-GB" sz="1600" dirty="0" smtClean="0">
+                <a:cs typeface="Courier New" pitchFamily="49" charset="0"/>
+              </a:rPr>
+              <a:t> from the value type then the slot will reappear</a:t>
+            </a:r>
+          </a:p>
+        </p:txBody>
+      </p:sp>
       <p:pic>
         <p:nvPicPr>
-          <p:cNvPr id="3074" name="Picture 2"/>
+          <p:cNvPr id="12290" name="Picture 2"/>
           <p:cNvPicPr>
             <a:picLocks noChangeAspect="1" noChangeArrowheads="1"/>
           </p:cNvPicPr>
@@ -22504,8 +21182,8 @@
         </p:blipFill>
         <p:spPr bwMode="auto">
           <a:xfrm>
-            <a:off x="395534" y="368658"/>
-            <a:ext cx="4219956" cy="3308604"/>
+            <a:off x="395536" y="368660"/>
+            <a:ext cx="4019550" cy="3314700"/>
           </a:xfrm>
           <a:prstGeom prst="rect">
             <a:avLst/>
@@ -22519,247 +21197,6 @@
           </a:ln>
         </p:spPr>
       </p:pic>
-      <p:sp>
-        <p:nvSpPr>
-          <p:cNvPr id="3" name="TextBox 2"/>
-          <p:cNvSpPr txBox="1"/>
-          <p:nvPr/>
-        </p:nvSpPr>
-        <p:spPr>
-          <a:xfrm>
-            <a:off x="5436096" y="1772816"/>
-            <a:ext cx="3204356" cy="2092881"/>
-          </a:xfrm>
-          <a:prstGeom prst="rect">
-            <a:avLst/>
-          </a:prstGeom>
-          <a:solidFill>
-            <a:schemeClr val="tx2">
-              <a:lumMod val="40000"/>
-              <a:lumOff val="60000"/>
-            </a:schemeClr>
-          </a:solidFill>
-          <a:ln>
-            <a:solidFill>
-              <a:schemeClr val="tx1"/>
-            </a:solidFill>
-          </a:ln>
-        </p:spPr>
-        <p:txBody>
-          <a:bodyPr wrap="square" rtlCol="0">
-            <a:spAutoFit/>
-          </a:bodyPr>
-          <a:lstStyle/>
-          <a:p>
-            <a:r>
-              <a:rPr lang="en-GB" b="1" dirty="0" smtClean="0"/>
-              <a:t>Actions:</a:t>
-            </a:r>
-            <a:endParaRPr lang="en-GB" dirty="0"/>
-          </a:p>
-          <a:p>
-            <a:pPr marL="457200" indent="-457200">
-              <a:buFont typeface="+mj-lt"/>
-              <a:buAutoNum type="arabicPeriod"/>
-            </a:pPr>
-            <a:r>
-              <a:rPr lang="en-GB" sz="1600" dirty="0" smtClean="0">
-                <a:cs typeface="Courier New" pitchFamily="49" charset="0"/>
-              </a:rPr>
-              <a:t>Right-click on the current value of </a:t>
-            </a:r>
-            <a:r>
-              <a:rPr lang="en-GB" sz="1600" dirty="0" smtClean="0"/>
-              <a:t>the </a:t>
-            </a:r>
-            <a:r>
-              <a:rPr lang="en-GB" sz="1600" dirty="0" smtClean="0">
-                <a:latin typeface="Comic Sans MS" pitchFamily="66" charset="0"/>
-                <a:cs typeface="Courier New" pitchFamily="49" charset="0"/>
-              </a:rPr>
-              <a:t>industry</a:t>
-            </a:r>
-            <a:r>
-              <a:rPr lang="en-GB" sz="1600" dirty="0" smtClean="0">
-                <a:cs typeface="Courier New" pitchFamily="49" charset="0"/>
-              </a:rPr>
-              <a:t> slot</a:t>
-            </a:r>
-            <a:r>
-              <a:rPr lang="en-GB" sz="1600" i="1" dirty="0" smtClean="0">
-                <a:cs typeface="Courier New" pitchFamily="49" charset="0"/>
-              </a:rPr>
-              <a:t>, i.e. </a:t>
-            </a:r>
-            <a:r>
-              <a:rPr lang="en-GB" sz="1600" dirty="0" smtClean="0">
-                <a:cs typeface="Courier New" pitchFamily="49" charset="0"/>
-              </a:rPr>
-              <a:t>the value of type</a:t>
-            </a:r>
-            <a:r>
-              <a:rPr lang="en-GB" sz="1600" i="1" dirty="0" smtClean="0">
-                <a:cs typeface="Courier New" pitchFamily="49" charset="0"/>
-              </a:rPr>
-              <a:t> </a:t>
-            </a:r>
-            <a:r>
-              <a:rPr lang="en-GB" sz="1600" dirty="0" smtClean="0">
-                <a:latin typeface="Comic Sans MS" pitchFamily="66" charset="0"/>
-                <a:cs typeface="Courier New" pitchFamily="49" charset="0"/>
-              </a:rPr>
-              <a:t>Education OR Health OR Finance</a:t>
-            </a:r>
-            <a:r>
-              <a:rPr lang="en-GB" sz="1600" dirty="0" smtClean="0">
-                <a:cs typeface="Courier New" pitchFamily="49" charset="0"/>
-              </a:rPr>
-              <a:t> </a:t>
-            </a:r>
-          </a:p>
-          <a:p>
-            <a:pPr marL="457200" indent="-457200">
-              <a:buFont typeface="+mj-lt"/>
-              <a:buAutoNum type="arabicPeriod"/>
-            </a:pPr>
-            <a:r>
-              <a:rPr lang="en-GB" sz="1600" dirty="0" smtClean="0">
-                <a:cs typeface="Courier New" pitchFamily="49" charset="0"/>
-              </a:rPr>
-              <a:t>From the selection window that now appears select </a:t>
-            </a:r>
-            <a:r>
-              <a:rPr lang="en-GB" sz="1600" dirty="0" smtClean="0">
-                <a:latin typeface="Comic Sans MS" pitchFamily="66" charset="0"/>
-                <a:cs typeface="Courier New" pitchFamily="49" charset="0"/>
-              </a:rPr>
-              <a:t>Education </a:t>
-            </a:r>
-          </a:p>
-        </p:txBody>
-      </p:sp>
-      <p:sp>
-        <p:nvSpPr>
-          <p:cNvPr id="4" name="TextBox 3"/>
-          <p:cNvSpPr txBox="1"/>
-          <p:nvPr/>
-        </p:nvSpPr>
-        <p:spPr>
-          <a:xfrm>
-            <a:off x="5436096" y="3861048"/>
-            <a:ext cx="3204356" cy="2585323"/>
-          </a:xfrm>
-          <a:prstGeom prst="rect">
-            <a:avLst/>
-          </a:prstGeom>
-          <a:solidFill>
-            <a:schemeClr val="accent3">
-              <a:lumMod val="60000"/>
-              <a:lumOff val="40000"/>
-            </a:schemeClr>
-          </a:solidFill>
-          <a:ln>
-            <a:solidFill>
-              <a:schemeClr val="tx1"/>
-            </a:solidFill>
-          </a:ln>
-        </p:spPr>
-        <p:txBody>
-          <a:bodyPr wrap="square" rtlCol="0">
-            <a:spAutoFit/>
-          </a:bodyPr>
-          <a:lstStyle/>
-          <a:p>
-            <a:r>
-              <a:rPr lang="en-GB" b="1" dirty="0" smtClean="0"/>
-              <a:t>Discussion:</a:t>
-            </a:r>
-            <a:endParaRPr lang="en-GB" dirty="0"/>
-          </a:p>
-          <a:p>
-            <a:pPr marL="457200" indent="-457200">
-              <a:buFont typeface="Arial" pitchFamily="34" charset="0"/>
-              <a:buChar char="•"/>
-            </a:pPr>
-            <a:r>
-              <a:rPr lang="en-GB" sz="1600" dirty="0" smtClean="0">
-                <a:cs typeface="Courier New" pitchFamily="49" charset="0"/>
-              </a:rPr>
-              <a:t>The selected value is removed from the value type </a:t>
-            </a:r>
-            <a:r>
-              <a:rPr lang="en-GB" sz="1600" dirty="0" err="1" smtClean="0"/>
-              <a:t>disjuntion</a:t>
-            </a:r>
-            <a:endParaRPr lang="en-GB" sz="1600" dirty="0" smtClean="0">
-              <a:cs typeface="Courier New" pitchFamily="49" charset="0"/>
-            </a:endParaRPr>
-          </a:p>
-          <a:p>
-            <a:pPr marL="457200" indent="-457200">
-              <a:buFont typeface="Arial" pitchFamily="34" charset="0"/>
-              <a:buChar char="•"/>
-            </a:pPr>
-            <a:r>
-              <a:rPr lang="en-GB" sz="1600" dirty="0" smtClean="0">
-                <a:cs typeface="Courier New" pitchFamily="49" charset="0"/>
-              </a:rPr>
-              <a:t>The </a:t>
-            </a:r>
-            <a:r>
-              <a:rPr lang="en-GB" sz="1600" dirty="0" smtClean="0">
-                <a:latin typeface="Comic Sans MS" pitchFamily="66" charset="0"/>
-                <a:cs typeface="Courier New" pitchFamily="49" charset="0"/>
-              </a:rPr>
-              <a:t>sector</a:t>
-            </a:r>
-            <a:r>
-              <a:rPr lang="en-GB" sz="1600" dirty="0" smtClean="0">
-                <a:cs typeface="Courier New" pitchFamily="49" charset="0"/>
-              </a:rPr>
-              <a:t> slot is still absent, since </a:t>
-            </a:r>
-            <a:r>
-              <a:rPr lang="en-GB" sz="1600" dirty="0" smtClean="0">
-                <a:latin typeface="Comic Sans MS" pitchFamily="66" charset="0"/>
-                <a:cs typeface="Courier New" pitchFamily="49" charset="0"/>
-              </a:rPr>
-              <a:t>Finance</a:t>
-            </a:r>
-            <a:r>
-              <a:rPr lang="en-GB" sz="1600" dirty="0" smtClean="0">
-                <a:cs typeface="Courier New" pitchFamily="49" charset="0"/>
-              </a:rPr>
-              <a:t> is still one of the value type </a:t>
-            </a:r>
-            <a:r>
-              <a:rPr lang="en-GB" sz="1600" dirty="0" err="1" smtClean="0">
-                <a:cs typeface="Courier New" pitchFamily="49" charset="0"/>
-              </a:rPr>
-              <a:t>disjuncts</a:t>
-            </a:r>
-            <a:r>
-              <a:rPr lang="en-GB" sz="1600" dirty="0" smtClean="0">
-                <a:cs typeface="Courier New" pitchFamily="49" charset="0"/>
-              </a:rPr>
-              <a:t>. However if you now also remove </a:t>
-            </a:r>
-            <a:r>
-              <a:rPr lang="en-GB" sz="1600" dirty="0" smtClean="0">
-                <a:latin typeface="Comic Sans MS" pitchFamily="66" charset="0"/>
-                <a:cs typeface="Courier New" pitchFamily="49" charset="0"/>
-              </a:rPr>
-              <a:t>Finance</a:t>
-            </a:r>
-            <a:r>
-              <a:rPr lang="en-GB" sz="1600" dirty="0" smtClean="0">
-                <a:cs typeface="Courier New" pitchFamily="49" charset="0"/>
-              </a:rPr>
-              <a:t> from the value type then the slot will reappear</a:t>
-            </a:r>
-          </a:p>
-        </p:txBody>
-      </p:sp>
     </p:spTree>
   </p:cSld>
   <p:clrMapOvr>
@@ -23109,7 +21546,7 @@
       </p:sp>
       <p:pic>
         <p:nvPicPr>
-          <p:cNvPr id="1030" name="Picture 6"/>
+          <p:cNvPr id="13314" name="Picture 2"/>
           <p:cNvPicPr>
             <a:picLocks noChangeAspect="1" noChangeArrowheads="1"/>
           </p:cNvPicPr>
@@ -23124,8 +21561,8 @@
         </p:blipFill>
         <p:spPr bwMode="auto">
           <a:xfrm>
-            <a:off x="395535" y="368659"/>
-            <a:ext cx="4210050" cy="3437382"/>
+            <a:off x="395536" y="368660"/>
+            <a:ext cx="4019550" cy="3314700"/>
           </a:xfrm>
           <a:prstGeom prst="rect">
             <a:avLst/>
@@ -23171,38 +21608,6 @@
           <a:chExt cx="0" cy="0"/>
         </a:xfrm>
       </p:grpSpPr>
-      <p:pic>
-        <p:nvPicPr>
-          <p:cNvPr id="2052" name="Picture 4"/>
-          <p:cNvPicPr>
-            <a:picLocks noChangeAspect="1" noChangeArrowheads="1"/>
-          </p:cNvPicPr>
-          <p:nvPr/>
-        </p:nvPicPr>
-        <p:blipFill>
-          <a:blip r:embed="rId2" cstate="print"/>
-          <a:srcRect/>
-          <a:stretch>
-            <a:fillRect/>
-          </a:stretch>
-        </p:blipFill>
-        <p:spPr bwMode="auto">
-          <a:xfrm>
-            <a:off x="395535" y="404663"/>
-            <a:ext cx="4210050" cy="3437382"/>
-          </a:xfrm>
-          <a:prstGeom prst="rect">
-            <a:avLst/>
-          </a:prstGeom>
-          <a:noFill/>
-          <a:ln w="9525">
-            <a:noFill/>
-            <a:miter lim="800000"/>
-            <a:headEnd/>
-            <a:tailEnd/>
-          </a:ln>
-        </p:spPr>
-      </p:pic>
       <p:sp>
         <p:nvSpPr>
           <p:cNvPr id="4" name="TextBox 3"/>
@@ -23469,9 +21874,211 @@
           <a:chExt cx="0" cy="0"/>
         </a:xfrm>
       </p:grpSpPr>
+      <p:sp>
+        <p:nvSpPr>
+          <p:cNvPr id="3" name="TextBox 2"/>
+          <p:cNvSpPr txBox="1"/>
+          <p:nvPr/>
+        </p:nvSpPr>
+        <p:spPr>
+          <a:xfrm>
+            <a:off x="4932040" y="800708"/>
+            <a:ext cx="3852428" cy="615553"/>
+          </a:xfrm>
+          <a:prstGeom prst="rect">
+            <a:avLst/>
+          </a:prstGeom>
+          <a:solidFill>
+            <a:schemeClr val="tx2">
+              <a:lumMod val="40000"/>
+              <a:lumOff val="60000"/>
+            </a:schemeClr>
+          </a:solidFill>
+          <a:ln>
+            <a:solidFill>
+              <a:schemeClr val="tx1"/>
+            </a:solidFill>
+          </a:ln>
+        </p:spPr>
+        <p:txBody>
+          <a:bodyPr wrap="square" rtlCol="0">
+            <a:spAutoFit/>
+          </a:bodyPr>
+          <a:lstStyle/>
+          <a:p>
+            <a:r>
+              <a:rPr lang="en-GB" b="1" dirty="0" smtClean="0"/>
+              <a:t>Actions:</a:t>
+            </a:r>
+            <a:endParaRPr lang="en-GB" dirty="0"/>
+          </a:p>
+          <a:p>
+            <a:pPr marL="457200" indent="-457200">
+              <a:buFont typeface="+mj-lt"/>
+              <a:buAutoNum type="arabicPeriod"/>
+            </a:pPr>
+            <a:r>
+              <a:rPr lang="en-GB" sz="1600" dirty="0" smtClean="0">
+                <a:cs typeface="Courier New" pitchFamily="49" charset="0"/>
+              </a:rPr>
+              <a:t>Try entering value for </a:t>
+            </a:r>
+            <a:r>
+              <a:rPr lang="en-GB" sz="1600" dirty="0" smtClean="0">
+                <a:latin typeface="Comic Sans MS" pitchFamily="66" charset="0"/>
+                <a:cs typeface="Courier New" pitchFamily="49" charset="0"/>
+              </a:rPr>
+              <a:t>weekly-pay </a:t>
+            </a:r>
+            <a:r>
+              <a:rPr lang="en-GB" sz="1600" dirty="0" smtClean="0">
+                <a:cs typeface="Courier New" pitchFamily="49" charset="0"/>
+              </a:rPr>
+              <a:t>slot</a:t>
+            </a:r>
+          </a:p>
+        </p:txBody>
+      </p:sp>
+      <p:sp>
+        <p:nvSpPr>
+          <p:cNvPr id="4" name="TextBox 3"/>
+          <p:cNvSpPr txBox="1"/>
+          <p:nvPr/>
+        </p:nvSpPr>
+        <p:spPr>
+          <a:xfrm>
+            <a:off x="4932040" y="1412776"/>
+            <a:ext cx="3852428" cy="5047536"/>
+          </a:xfrm>
+          <a:prstGeom prst="rect">
+            <a:avLst/>
+          </a:prstGeom>
+          <a:solidFill>
+            <a:schemeClr val="accent3">
+              <a:lumMod val="60000"/>
+              <a:lumOff val="40000"/>
+            </a:schemeClr>
+          </a:solidFill>
+          <a:ln>
+            <a:solidFill>
+              <a:schemeClr val="tx1"/>
+            </a:solidFill>
+          </a:ln>
+        </p:spPr>
+        <p:txBody>
+          <a:bodyPr wrap="square" rtlCol="0">
+            <a:spAutoFit/>
+          </a:bodyPr>
+          <a:lstStyle/>
+          <a:p>
+            <a:r>
+              <a:rPr lang="en-GB" b="1" dirty="0" smtClean="0"/>
+              <a:t>Discussion:</a:t>
+            </a:r>
+            <a:endParaRPr lang="en-GB" dirty="0"/>
+          </a:p>
+          <a:p>
+            <a:pPr marL="457200" indent="-457200">
+              <a:buFont typeface="Arial" pitchFamily="34" charset="0"/>
+              <a:buChar char="•"/>
+            </a:pPr>
+            <a:r>
+              <a:rPr lang="en-GB" sz="1600" dirty="0" smtClean="0">
+                <a:cs typeface="Courier New" pitchFamily="49" charset="0"/>
+              </a:rPr>
+              <a:t>The fact that you can do this illustrates one of the differences between queries and assertions, namely that </a:t>
+            </a:r>
+            <a:r>
+              <a:rPr lang="en-GB" sz="1600" i="1" dirty="0" smtClean="0">
+                <a:cs typeface="Courier New" pitchFamily="49" charset="0"/>
+              </a:rPr>
+              <a:t>dependent </a:t>
+            </a:r>
+            <a:r>
+              <a:rPr lang="en-GB" sz="1600" dirty="0" smtClean="0">
+                <a:cs typeface="Courier New" pitchFamily="49" charset="0"/>
+              </a:rPr>
+              <a:t>slots, such as </a:t>
+            </a:r>
+            <a:r>
+              <a:rPr lang="en-GB" sz="1600" dirty="0" smtClean="0">
+                <a:latin typeface="Comic Sans MS" pitchFamily="66" charset="0"/>
+                <a:cs typeface="Courier New" pitchFamily="49" charset="0"/>
+              </a:rPr>
+              <a:t>weekly-pay</a:t>
+            </a:r>
+            <a:r>
+              <a:rPr lang="en-GB" sz="1600" dirty="0" smtClean="0">
+                <a:cs typeface="Courier New" pitchFamily="49" charset="0"/>
+              </a:rPr>
+              <a:t>, are </a:t>
+            </a:r>
+            <a:r>
+              <a:rPr lang="en-GB" sz="1600" i="1" dirty="0" smtClean="0">
+                <a:cs typeface="Courier New" pitchFamily="49" charset="0"/>
+              </a:rPr>
+              <a:t>editable</a:t>
+            </a:r>
+            <a:r>
+              <a:rPr lang="en-GB" sz="1600" dirty="0" smtClean="0">
+                <a:cs typeface="Courier New" pitchFamily="49" charset="0"/>
+              </a:rPr>
+              <a:t> for queries, but not for assertions</a:t>
+            </a:r>
+          </a:p>
+          <a:p>
+            <a:pPr marL="457200" indent="-457200">
+              <a:buFont typeface="Arial" pitchFamily="34" charset="0"/>
+              <a:buChar char="•"/>
+            </a:pPr>
+            <a:r>
+              <a:rPr lang="en-GB" sz="1600" dirty="0" smtClean="0">
+                <a:cs typeface="Courier New" pitchFamily="49" charset="0"/>
+              </a:rPr>
+              <a:t>This allows the formulation of queries such as the one shown</a:t>
+            </a:r>
+          </a:p>
+          <a:p>
+            <a:pPr marL="457200" indent="-457200">
+              <a:buFont typeface="Arial" pitchFamily="34" charset="0"/>
+              <a:buChar char="•"/>
+            </a:pPr>
+            <a:r>
+              <a:rPr lang="en-GB" sz="1600" dirty="0" smtClean="0"/>
+              <a:t>The reason that for queries, dynamic inference is restricted to value-types, rather than actual values, is that inferred values would not only be redundant in query execution, but may also lead to increased execution time.</a:t>
+            </a:r>
+          </a:p>
+          <a:p>
+            <a:pPr marL="457200" indent="-457200">
+              <a:buFont typeface="Arial" pitchFamily="34" charset="0"/>
+              <a:buChar char="•"/>
+            </a:pPr>
+            <a:r>
+              <a:rPr lang="en-GB" sz="1600" dirty="0" smtClean="0"/>
+              <a:t>Conversely, since </a:t>
+            </a:r>
+            <a:r>
+              <a:rPr lang="en-GB" sz="1600" dirty="0" smtClean="0">
+                <a:cs typeface="Courier New" pitchFamily="49" charset="0"/>
+              </a:rPr>
+              <a:t>dependent</a:t>
+            </a:r>
+            <a:r>
+              <a:rPr lang="en-GB" sz="1600" i="1" dirty="0" smtClean="0">
+                <a:cs typeface="Courier New" pitchFamily="49" charset="0"/>
+              </a:rPr>
+              <a:t> </a:t>
+            </a:r>
+            <a:r>
+              <a:rPr lang="en-GB" sz="1600" dirty="0" smtClean="0"/>
+              <a:t>slots are now editable, the dynamic updating of their value-types becomes highly desirable from the point-of-view of constraining user-input</a:t>
+            </a:r>
+          </a:p>
+        </p:txBody>
+      </p:sp>
       <p:pic>
         <p:nvPicPr>
-          <p:cNvPr id="3075" name="Picture 3"/>
+          <p:cNvPr id="5" name="Picture 2"/>
           <p:cNvPicPr>
             <a:picLocks noChangeAspect="1" noChangeArrowheads="1"/>
           </p:cNvPicPr>
@@ -23486,8 +22093,8 @@
         </p:blipFill>
         <p:spPr bwMode="auto">
           <a:xfrm>
-            <a:off x="395535" y="368659"/>
-            <a:ext cx="4210050" cy="3437382"/>
+            <a:off x="395536" y="368660"/>
+            <a:ext cx="4019550" cy="3314700"/>
           </a:xfrm>
           <a:prstGeom prst="rect">
             <a:avLst/>
@@ -23501,208 +22108,6 @@
           </a:ln>
         </p:spPr>
       </p:pic>
-      <p:sp>
-        <p:nvSpPr>
-          <p:cNvPr id="3" name="TextBox 2"/>
-          <p:cNvSpPr txBox="1"/>
-          <p:nvPr/>
-        </p:nvSpPr>
-        <p:spPr>
-          <a:xfrm>
-            <a:off x="4932040" y="800708"/>
-            <a:ext cx="3852428" cy="615553"/>
-          </a:xfrm>
-          <a:prstGeom prst="rect">
-            <a:avLst/>
-          </a:prstGeom>
-          <a:solidFill>
-            <a:schemeClr val="tx2">
-              <a:lumMod val="40000"/>
-              <a:lumOff val="60000"/>
-            </a:schemeClr>
-          </a:solidFill>
-          <a:ln>
-            <a:solidFill>
-              <a:schemeClr val="tx1"/>
-            </a:solidFill>
-          </a:ln>
-        </p:spPr>
-        <p:txBody>
-          <a:bodyPr wrap="square" rtlCol="0">
-            <a:spAutoFit/>
-          </a:bodyPr>
-          <a:lstStyle/>
-          <a:p>
-            <a:r>
-              <a:rPr lang="en-GB" b="1" dirty="0" smtClean="0"/>
-              <a:t>Actions:</a:t>
-            </a:r>
-            <a:endParaRPr lang="en-GB" dirty="0"/>
-          </a:p>
-          <a:p>
-            <a:pPr marL="457200" indent="-457200">
-              <a:buFont typeface="+mj-lt"/>
-              <a:buAutoNum type="arabicPeriod"/>
-            </a:pPr>
-            <a:r>
-              <a:rPr lang="en-GB" sz="1600" dirty="0" smtClean="0">
-                <a:cs typeface="Courier New" pitchFamily="49" charset="0"/>
-              </a:rPr>
-              <a:t>Try entering value for </a:t>
-            </a:r>
-            <a:r>
-              <a:rPr lang="en-GB" sz="1600" dirty="0" smtClean="0">
-                <a:latin typeface="Comic Sans MS" pitchFamily="66" charset="0"/>
-                <a:cs typeface="Courier New" pitchFamily="49" charset="0"/>
-              </a:rPr>
-              <a:t>weekly-pay </a:t>
-            </a:r>
-            <a:r>
-              <a:rPr lang="en-GB" sz="1600" dirty="0" smtClean="0">
-                <a:cs typeface="Courier New" pitchFamily="49" charset="0"/>
-              </a:rPr>
-              <a:t>slot</a:t>
-            </a:r>
-          </a:p>
-        </p:txBody>
-      </p:sp>
-      <p:sp>
-        <p:nvSpPr>
-          <p:cNvPr id="4" name="TextBox 3"/>
-          <p:cNvSpPr txBox="1"/>
-          <p:nvPr/>
-        </p:nvSpPr>
-        <p:spPr>
-          <a:xfrm>
-            <a:off x="4932040" y="1412776"/>
-            <a:ext cx="3852428" cy="5047536"/>
-          </a:xfrm>
-          <a:prstGeom prst="rect">
-            <a:avLst/>
-          </a:prstGeom>
-          <a:solidFill>
-            <a:schemeClr val="accent3">
-              <a:lumMod val="60000"/>
-              <a:lumOff val="40000"/>
-            </a:schemeClr>
-          </a:solidFill>
-          <a:ln>
-            <a:solidFill>
-              <a:schemeClr val="tx1"/>
-            </a:solidFill>
-          </a:ln>
-        </p:spPr>
-        <p:txBody>
-          <a:bodyPr wrap="square" rtlCol="0">
-            <a:spAutoFit/>
-          </a:bodyPr>
-          <a:lstStyle/>
-          <a:p>
-            <a:r>
-              <a:rPr lang="en-GB" b="1" dirty="0" smtClean="0"/>
-              <a:t>Discussion:</a:t>
-            </a:r>
-            <a:endParaRPr lang="en-GB" dirty="0"/>
-          </a:p>
-          <a:p>
-            <a:pPr marL="457200" indent="-457200">
-              <a:buFont typeface="Arial" pitchFamily="34" charset="0"/>
-              <a:buChar char="•"/>
-            </a:pPr>
-            <a:r>
-              <a:rPr lang="en-GB" sz="1600" dirty="0" smtClean="0">
-                <a:cs typeface="Courier New" pitchFamily="49" charset="0"/>
-              </a:rPr>
-              <a:t>The fact that you can do this illustrates one of the differences between queries and assertions, namely that </a:t>
-            </a:r>
-            <a:r>
-              <a:rPr lang="en-GB" sz="1600" i="1" dirty="0" smtClean="0">
-                <a:cs typeface="Courier New" pitchFamily="49" charset="0"/>
-              </a:rPr>
-              <a:t>dependent </a:t>
-            </a:r>
-            <a:r>
-              <a:rPr lang="en-GB" sz="1600" dirty="0" smtClean="0">
-                <a:cs typeface="Courier New" pitchFamily="49" charset="0"/>
-              </a:rPr>
-              <a:t>slots, such as </a:t>
-            </a:r>
-            <a:r>
-              <a:rPr lang="en-GB" sz="1600" dirty="0" smtClean="0">
-                <a:latin typeface="Comic Sans MS" pitchFamily="66" charset="0"/>
-                <a:cs typeface="Courier New" pitchFamily="49" charset="0"/>
-              </a:rPr>
-              <a:t>weekly-pay</a:t>
-            </a:r>
-            <a:r>
-              <a:rPr lang="en-GB" sz="1600" dirty="0" smtClean="0">
-                <a:cs typeface="Courier New" pitchFamily="49" charset="0"/>
-              </a:rPr>
-              <a:t>, are </a:t>
-            </a:r>
-            <a:r>
-              <a:rPr lang="en-GB" sz="1600" i="1" dirty="0" smtClean="0">
-                <a:cs typeface="Courier New" pitchFamily="49" charset="0"/>
-              </a:rPr>
-              <a:t>editable</a:t>
-            </a:r>
-            <a:r>
-              <a:rPr lang="en-GB" sz="1600" dirty="0" smtClean="0">
-                <a:cs typeface="Courier New" pitchFamily="49" charset="0"/>
-              </a:rPr>
-              <a:t> for queries, but not for assertions</a:t>
-            </a:r>
-          </a:p>
-          <a:p>
-            <a:pPr marL="457200" indent="-457200">
-              <a:buFont typeface="Arial" pitchFamily="34" charset="0"/>
-              <a:buChar char="•"/>
-            </a:pPr>
-            <a:r>
-              <a:rPr lang="en-GB" sz="1600" dirty="0" smtClean="0">
-                <a:cs typeface="Courier New" pitchFamily="49" charset="0"/>
-              </a:rPr>
-              <a:t>This allows the formulation of queries such as the one shown</a:t>
-            </a:r>
-          </a:p>
-          <a:p>
-            <a:pPr marL="457200" indent="-457200">
-              <a:buFont typeface="Arial" pitchFamily="34" charset="0"/>
-              <a:buChar char="•"/>
-            </a:pPr>
-            <a:r>
-              <a:rPr lang="en-GB" sz="1600" dirty="0" smtClean="0"/>
-              <a:t>The reason that for queries, dynamic inference is restricted to value-types, rather than actual values, is that inferred values would not only be redundant in query execution, but may also lead to increased execution time.</a:t>
-            </a:r>
-          </a:p>
-          <a:p>
-            <a:pPr marL="457200" indent="-457200">
-              <a:buFont typeface="Arial" pitchFamily="34" charset="0"/>
-              <a:buChar char="•"/>
-            </a:pPr>
-            <a:r>
-              <a:rPr lang="en-GB" sz="1600" dirty="0" smtClean="0"/>
-              <a:t>Conversely, since </a:t>
-            </a:r>
-            <a:r>
-              <a:rPr lang="en-GB" sz="1600" dirty="0" smtClean="0">
-                <a:cs typeface="Courier New" pitchFamily="49" charset="0"/>
-              </a:rPr>
-              <a:t>dependent</a:t>
-            </a:r>
-            <a:r>
-              <a:rPr lang="en-GB" sz="1600" i="1" dirty="0" smtClean="0">
-                <a:cs typeface="Courier New" pitchFamily="49" charset="0"/>
-              </a:rPr>
-              <a:t> </a:t>
-            </a:r>
-            <a:r>
-              <a:rPr lang="en-GB" sz="1600" dirty="0" smtClean="0"/>
-              <a:t>slots are now editable, the dynamic updating of their value-types becomes highly desirable from the point-of-view of constraining user-input</a:t>
-            </a:r>
-          </a:p>
-        </p:txBody>
-      </p:sp>
     </p:spTree>
   </p:cSld>
   <p:clrMapOvr>
@@ -23735,9 +22140,197 @@
           <a:chExt cx="0" cy="0"/>
         </a:xfrm>
       </p:grpSpPr>
+      <p:sp>
+        <p:nvSpPr>
+          <p:cNvPr id="3" name="TextBox 2"/>
+          <p:cNvSpPr txBox="1"/>
+          <p:nvPr/>
+        </p:nvSpPr>
+        <p:spPr>
+          <a:xfrm>
+            <a:off x="5112060" y="872716"/>
+            <a:ext cx="3708412" cy="861774"/>
+          </a:xfrm>
+          <a:prstGeom prst="rect">
+            <a:avLst/>
+          </a:prstGeom>
+          <a:solidFill>
+            <a:schemeClr val="tx2">
+              <a:lumMod val="40000"/>
+              <a:lumOff val="60000"/>
+            </a:schemeClr>
+          </a:solidFill>
+          <a:ln>
+            <a:solidFill>
+              <a:schemeClr val="tx1"/>
+            </a:solidFill>
+          </a:ln>
+        </p:spPr>
+        <p:txBody>
+          <a:bodyPr wrap="square" rtlCol="0">
+            <a:spAutoFit/>
+          </a:bodyPr>
+          <a:lstStyle/>
+          <a:p>
+            <a:r>
+              <a:rPr lang="en-GB" b="1" dirty="0" smtClean="0"/>
+              <a:t>Actions:</a:t>
+            </a:r>
+            <a:endParaRPr lang="en-GB" dirty="0"/>
+          </a:p>
+          <a:p>
+            <a:pPr marL="457200" indent="-457200">
+              <a:buFont typeface="+mj-lt"/>
+              <a:buAutoNum type="arabicPeriod"/>
+            </a:pPr>
+            <a:r>
+              <a:rPr lang="en-GB" sz="1600" dirty="0" smtClean="0"/>
+              <a:t>Instantiate </a:t>
+            </a:r>
+            <a:r>
+              <a:rPr lang="en-GB" sz="1600" dirty="0" smtClean="0">
+                <a:latin typeface="Comic Sans MS" pitchFamily="66" charset="0"/>
+              </a:rPr>
+              <a:t>Citizen</a:t>
+            </a:r>
+            <a:r>
+              <a:rPr lang="en-GB" sz="1600" dirty="0" smtClean="0"/>
+              <a:t> query</a:t>
+            </a:r>
+          </a:p>
+          <a:p>
+            <a:pPr marL="457200" indent="-457200">
+              <a:buFont typeface="+mj-lt"/>
+              <a:buAutoNum type="arabicPeriod"/>
+            </a:pPr>
+            <a:r>
+              <a:rPr lang="en-GB" sz="1600" dirty="0" smtClean="0"/>
+              <a:t>Add a value to </a:t>
+            </a:r>
+            <a:r>
+              <a:rPr lang="en-GB" sz="1600" dirty="0" smtClean="0">
+                <a:latin typeface="Comic Sans MS" pitchFamily="66" charset="0"/>
+              </a:rPr>
+              <a:t>Employment</a:t>
+            </a:r>
+            <a:r>
+              <a:rPr lang="en-GB" sz="1600" dirty="0" smtClean="0"/>
+              <a:t> slot</a:t>
+            </a:r>
+          </a:p>
+        </p:txBody>
+      </p:sp>
+      <p:sp>
+        <p:nvSpPr>
+          <p:cNvPr id="4" name="TextBox 3"/>
+          <p:cNvSpPr txBox="1"/>
+          <p:nvPr/>
+        </p:nvSpPr>
+        <p:spPr>
+          <a:xfrm>
+            <a:off x="5112060" y="1736812"/>
+            <a:ext cx="3708412" cy="4801314"/>
+          </a:xfrm>
+          <a:prstGeom prst="rect">
+            <a:avLst/>
+          </a:prstGeom>
+          <a:solidFill>
+            <a:schemeClr val="accent3">
+              <a:lumMod val="60000"/>
+              <a:lumOff val="40000"/>
+            </a:schemeClr>
+          </a:solidFill>
+          <a:ln>
+            <a:solidFill>
+              <a:schemeClr val="tx1"/>
+            </a:solidFill>
+          </a:ln>
+        </p:spPr>
+        <p:txBody>
+          <a:bodyPr wrap="square" rtlCol="0">
+            <a:spAutoFit/>
+          </a:bodyPr>
+          <a:lstStyle/>
+          <a:p>
+            <a:r>
+              <a:rPr lang="en-GB" b="1" dirty="0" smtClean="0"/>
+              <a:t>Discussion:</a:t>
+            </a:r>
+            <a:endParaRPr lang="en-GB" dirty="0"/>
+          </a:p>
+          <a:p>
+            <a:pPr marL="457200" indent="-457200">
+              <a:buFont typeface="Arial" pitchFamily="34" charset="0"/>
+              <a:buChar char="•"/>
+            </a:pPr>
+            <a:r>
+              <a:rPr lang="en-GB" sz="1600" dirty="0" smtClean="0"/>
+              <a:t>As in the corresponding assertion example (see earlier), the </a:t>
+            </a:r>
+            <a:r>
+              <a:rPr lang="en-GB" sz="1600" dirty="0" smtClean="0">
+                <a:latin typeface="Comic Sans MS" pitchFamily="66" charset="0"/>
+              </a:rPr>
+              <a:t>tax-paid</a:t>
+            </a:r>
+            <a:r>
+              <a:rPr lang="en-GB" sz="1600" dirty="0" smtClean="0"/>
+              <a:t> slot has its value-type updated to </a:t>
+            </a:r>
+            <a:r>
+              <a:rPr lang="en-GB" sz="1600" dirty="0" smtClean="0">
+                <a:latin typeface="Comic Sans MS" pitchFamily="66" charset="0"/>
+              </a:rPr>
+              <a:t>Zero-tax</a:t>
+            </a:r>
+            <a:r>
+              <a:rPr lang="en-GB" sz="1600" dirty="0" smtClean="0"/>
+              <a:t>, since the fact that no jobs have been specified leads to the inference (via the </a:t>
+            </a:r>
+            <a:r>
+              <a:rPr lang="en-GB" sz="1600" i="1" dirty="0" smtClean="0"/>
+              <a:t>closed world</a:t>
+            </a:r>
+            <a:r>
+              <a:rPr lang="en-GB" sz="1600" dirty="0" smtClean="0"/>
+              <a:t> assumption for that slot) that the citizen is unemployed and hence does not pay tax</a:t>
+            </a:r>
+          </a:p>
+          <a:p>
+            <a:pPr marL="457200" indent="-457200">
+              <a:buFont typeface="Arial" pitchFamily="34" charset="0"/>
+              <a:buChar char="•"/>
+            </a:pPr>
+            <a:r>
+              <a:rPr lang="en-GB" sz="1600" dirty="0" smtClean="0"/>
+              <a:t>However, unlike in the assertion example, values are not inferred for either the </a:t>
+            </a:r>
+            <a:r>
+              <a:rPr lang="en-GB" sz="1600" dirty="0" smtClean="0">
+                <a:latin typeface="Comic Sans MS" pitchFamily="66" charset="0"/>
+              </a:rPr>
+              <a:t>tax-paid</a:t>
+            </a:r>
+            <a:r>
+              <a:rPr lang="en-GB" sz="1600" dirty="0" smtClean="0"/>
+              <a:t> or </a:t>
+            </a:r>
+            <a:r>
+              <a:rPr lang="en-GB" sz="1600" dirty="0" smtClean="0">
+                <a:latin typeface="Comic Sans MS" pitchFamily="66" charset="0"/>
+              </a:rPr>
+              <a:t>benefit-received</a:t>
+            </a:r>
+            <a:r>
+              <a:rPr lang="en-GB" sz="1600" dirty="0" smtClean="0"/>
+              <a:t> slots. This is similar to the case discussed in the last slide, only here the entity responsible for the inference/non-inference is the generic EKS-related reasoning access mechanism, rather than the OM</a:t>
+            </a:r>
+          </a:p>
+        </p:txBody>
+      </p:sp>
       <p:pic>
         <p:nvPicPr>
-          <p:cNvPr id="4098" name="Picture 2"/>
+          <p:cNvPr id="15362" name="Picture 2"/>
           <p:cNvPicPr>
             <a:picLocks noChangeAspect="1" noChangeArrowheads="1"/>
           </p:cNvPicPr>
@@ -23752,8 +22345,8 @@
         </p:blipFill>
         <p:spPr bwMode="auto">
           <a:xfrm>
-            <a:off x="395535" y="368658"/>
-            <a:ext cx="4368546" cy="4130802"/>
+            <a:off x="395536" y="368660"/>
+            <a:ext cx="4295775" cy="3714750"/>
           </a:xfrm>
           <a:prstGeom prst="rect">
             <a:avLst/>
@@ -23767,194 +22360,6 @@
           </a:ln>
         </p:spPr>
       </p:pic>
-      <p:sp>
-        <p:nvSpPr>
-          <p:cNvPr id="3" name="TextBox 2"/>
-          <p:cNvSpPr txBox="1"/>
-          <p:nvPr/>
-        </p:nvSpPr>
-        <p:spPr>
-          <a:xfrm>
-            <a:off x="5112060" y="872716"/>
-            <a:ext cx="3708412" cy="861774"/>
-          </a:xfrm>
-          <a:prstGeom prst="rect">
-            <a:avLst/>
-          </a:prstGeom>
-          <a:solidFill>
-            <a:schemeClr val="tx2">
-              <a:lumMod val="40000"/>
-              <a:lumOff val="60000"/>
-            </a:schemeClr>
-          </a:solidFill>
-          <a:ln>
-            <a:solidFill>
-              <a:schemeClr val="tx1"/>
-            </a:solidFill>
-          </a:ln>
-        </p:spPr>
-        <p:txBody>
-          <a:bodyPr wrap="square" rtlCol="0">
-            <a:spAutoFit/>
-          </a:bodyPr>
-          <a:lstStyle/>
-          <a:p>
-            <a:r>
-              <a:rPr lang="en-GB" b="1" dirty="0" smtClean="0"/>
-              <a:t>Actions:</a:t>
-            </a:r>
-            <a:endParaRPr lang="en-GB" dirty="0"/>
-          </a:p>
-          <a:p>
-            <a:pPr marL="457200" indent="-457200">
-              <a:buFont typeface="+mj-lt"/>
-              <a:buAutoNum type="arabicPeriod"/>
-            </a:pPr>
-            <a:r>
-              <a:rPr lang="en-GB" sz="1600" dirty="0" smtClean="0"/>
-              <a:t>Instantiate </a:t>
-            </a:r>
-            <a:r>
-              <a:rPr lang="en-GB" sz="1600" dirty="0" smtClean="0">
-                <a:latin typeface="Comic Sans MS" pitchFamily="66" charset="0"/>
-              </a:rPr>
-              <a:t>Citizen</a:t>
-            </a:r>
-            <a:r>
-              <a:rPr lang="en-GB" sz="1600" dirty="0" smtClean="0"/>
-              <a:t> query</a:t>
-            </a:r>
-          </a:p>
-          <a:p>
-            <a:pPr marL="457200" indent="-457200">
-              <a:buFont typeface="+mj-lt"/>
-              <a:buAutoNum type="arabicPeriod"/>
-            </a:pPr>
-            <a:r>
-              <a:rPr lang="en-GB" sz="1600" dirty="0" smtClean="0"/>
-              <a:t>Add a value to </a:t>
-            </a:r>
-            <a:r>
-              <a:rPr lang="en-GB" sz="1600" dirty="0" smtClean="0">
-                <a:latin typeface="Comic Sans MS" pitchFamily="66" charset="0"/>
-              </a:rPr>
-              <a:t>Employment</a:t>
-            </a:r>
-            <a:r>
-              <a:rPr lang="en-GB" sz="1600" dirty="0" smtClean="0"/>
-              <a:t> slot</a:t>
-            </a:r>
-          </a:p>
-        </p:txBody>
-      </p:sp>
-      <p:sp>
-        <p:nvSpPr>
-          <p:cNvPr id="4" name="TextBox 3"/>
-          <p:cNvSpPr txBox="1"/>
-          <p:nvPr/>
-        </p:nvSpPr>
-        <p:spPr>
-          <a:xfrm>
-            <a:off x="5112060" y="1736812"/>
-            <a:ext cx="3708412" cy="4801314"/>
-          </a:xfrm>
-          <a:prstGeom prst="rect">
-            <a:avLst/>
-          </a:prstGeom>
-          <a:solidFill>
-            <a:schemeClr val="accent3">
-              <a:lumMod val="60000"/>
-              <a:lumOff val="40000"/>
-            </a:schemeClr>
-          </a:solidFill>
-          <a:ln>
-            <a:solidFill>
-              <a:schemeClr val="tx1"/>
-            </a:solidFill>
-          </a:ln>
-        </p:spPr>
-        <p:txBody>
-          <a:bodyPr wrap="square" rtlCol="0">
-            <a:spAutoFit/>
-          </a:bodyPr>
-          <a:lstStyle/>
-          <a:p>
-            <a:r>
-              <a:rPr lang="en-GB" b="1" dirty="0" smtClean="0"/>
-              <a:t>Discussion:</a:t>
-            </a:r>
-            <a:endParaRPr lang="en-GB" dirty="0"/>
-          </a:p>
-          <a:p>
-            <a:pPr marL="457200" indent="-457200">
-              <a:buFont typeface="Arial" pitchFamily="34" charset="0"/>
-              <a:buChar char="•"/>
-            </a:pPr>
-            <a:r>
-              <a:rPr lang="en-GB" sz="1600" dirty="0" smtClean="0"/>
-              <a:t>As in the corresponding assertion example (see earlier), the </a:t>
-            </a:r>
-            <a:r>
-              <a:rPr lang="en-GB" sz="1600" dirty="0" smtClean="0">
-                <a:latin typeface="Comic Sans MS" pitchFamily="66" charset="0"/>
-              </a:rPr>
-              <a:t>tax-paid</a:t>
-            </a:r>
-            <a:r>
-              <a:rPr lang="en-GB" sz="1600" dirty="0" smtClean="0"/>
-              <a:t> slot has its value-type updated to </a:t>
-            </a:r>
-            <a:r>
-              <a:rPr lang="en-GB" sz="1600" dirty="0" smtClean="0">
-                <a:latin typeface="Comic Sans MS" pitchFamily="66" charset="0"/>
-              </a:rPr>
-              <a:t>Zero-tax</a:t>
-            </a:r>
-            <a:r>
-              <a:rPr lang="en-GB" sz="1600" dirty="0" smtClean="0"/>
-              <a:t>, since the fact that no jobs have been specified leads to the inference (via the </a:t>
-            </a:r>
-            <a:r>
-              <a:rPr lang="en-GB" sz="1600" i="1" dirty="0" smtClean="0"/>
-              <a:t>closed world</a:t>
-            </a:r>
-            <a:r>
-              <a:rPr lang="en-GB" sz="1600" dirty="0" smtClean="0"/>
-              <a:t> assumption for that slot) that the citizen is unemployed and hence does not pay tax</a:t>
-            </a:r>
-          </a:p>
-          <a:p>
-            <a:pPr marL="457200" indent="-457200">
-              <a:buFont typeface="Arial" pitchFamily="34" charset="0"/>
-              <a:buChar char="•"/>
-            </a:pPr>
-            <a:r>
-              <a:rPr lang="en-GB" sz="1600" dirty="0" smtClean="0"/>
-              <a:t>However, unlike in the assertion example, values are not inferred for either the </a:t>
-            </a:r>
-            <a:r>
-              <a:rPr lang="en-GB" sz="1600" dirty="0" smtClean="0">
-                <a:latin typeface="Comic Sans MS" pitchFamily="66" charset="0"/>
-              </a:rPr>
-              <a:t>tax-paid</a:t>
-            </a:r>
-            <a:r>
-              <a:rPr lang="en-GB" sz="1600" dirty="0" smtClean="0"/>
-              <a:t> or </a:t>
-            </a:r>
-            <a:r>
-              <a:rPr lang="en-GB" sz="1600" dirty="0" smtClean="0">
-                <a:latin typeface="Comic Sans MS" pitchFamily="66" charset="0"/>
-              </a:rPr>
-              <a:t>benefit-received</a:t>
-            </a:r>
-            <a:r>
-              <a:rPr lang="en-GB" sz="1600" dirty="0" smtClean="0"/>
-              <a:t> slots. This is similar to the case discussed in the last slide, only here the entity responsible for the inference/non-inference is the generic EKS-related reasoning access mechanism, rather than the OM</a:t>
-            </a:r>
-          </a:p>
-        </p:txBody>
-      </p:sp>
     </p:spTree>
   </p:cSld>
   <p:clrMapOvr>
@@ -23989,7 +22394,7 @@
       </p:grpSpPr>
       <p:pic>
         <p:nvPicPr>
-          <p:cNvPr id="7170" name="Picture 2"/>
+          <p:cNvPr id="16388" name="Picture 4"/>
           <p:cNvPicPr>
             <a:picLocks noChangeAspect="1" noChangeArrowheads="1"/>
           </p:cNvPicPr>
@@ -24005,7 +22410,7 @@
         <p:spPr bwMode="auto">
           <a:xfrm>
             <a:off x="251520" y="224644"/>
-            <a:ext cx="4181475" cy="6076950"/>
+            <a:ext cx="4162425" cy="5524500"/>
           </a:xfrm>
           <a:prstGeom prst="rect">
             <a:avLst/>
@@ -24027,7 +22432,7 @@
         </p:nvGrpSpPr>
         <p:grpSpPr>
           <a:xfrm rot="19301791">
-            <a:off x="4230039" y="6111395"/>
+            <a:off x="4194034" y="5535332"/>
             <a:ext cx="135329" cy="221507"/>
             <a:chOff x="7056276" y="4257092"/>
             <a:chExt cx="468052" cy="891034"/>
@@ -24605,9 +23010,69 @@
           </a:ln>
         </p:spPr>
       </p:pic>
+      <p:sp>
+        <p:nvSpPr>
+          <p:cNvPr id="5" name="TextBox 4"/>
+          <p:cNvSpPr txBox="1"/>
+          <p:nvPr/>
+        </p:nvSpPr>
+        <p:spPr>
+          <a:xfrm>
+            <a:off x="6012160" y="1592796"/>
+            <a:ext cx="2628292" cy="3323987"/>
+          </a:xfrm>
+          <a:prstGeom prst="rect">
+            <a:avLst/>
+          </a:prstGeom>
+          <a:solidFill>
+            <a:schemeClr val="tx2">
+              <a:lumMod val="40000"/>
+              <a:lumOff val="60000"/>
+            </a:schemeClr>
+          </a:solidFill>
+          <a:ln>
+            <a:solidFill>
+              <a:schemeClr val="tx1"/>
+            </a:solidFill>
+          </a:ln>
+        </p:spPr>
+        <p:txBody>
+          <a:bodyPr wrap="square" rtlCol="0">
+            <a:spAutoFit/>
+          </a:bodyPr>
+          <a:lstStyle/>
+          <a:p>
+            <a:r>
+              <a:rPr lang="en-GB" b="1" dirty="0" smtClean="0"/>
+              <a:t>Actions:</a:t>
+            </a:r>
+            <a:endParaRPr lang="en-GB" dirty="0"/>
+          </a:p>
+          <a:p>
+            <a:pPr marL="457200" indent="-457200">
+              <a:buFont typeface="+mj-lt"/>
+              <a:buAutoNum type="arabicPeriod"/>
+            </a:pPr>
+            <a:r>
+              <a:rPr lang="en-GB" sz="1600" dirty="0" smtClean="0"/>
+              <a:t>Select items from the “Query Matches” list to display relevant details in an assertion window (wherein it is now possible to edit and re-store the assertions, if required)</a:t>
+            </a:r>
+          </a:p>
+          <a:p>
+            <a:pPr marL="457200" indent="-457200">
+              <a:buFont typeface="+mj-lt"/>
+              <a:buAutoNum type="arabicPeriod"/>
+            </a:pPr>
+            <a:r>
+              <a:rPr lang="en-GB" sz="1600" dirty="0" smtClean="0"/>
+              <a:t>Construct and execute various queries, checking results against expectations</a:t>
+            </a:r>
+          </a:p>
+        </p:txBody>
+      </p:sp>
       <p:pic>
         <p:nvPicPr>
-          <p:cNvPr id="9219" name="Picture 3"/>
+          <p:cNvPr id="17412" name="Picture 4"/>
           <p:cNvPicPr>
             <a:picLocks noChangeAspect="1" noChangeArrowheads="1"/>
           </p:cNvPicPr>
@@ -24622,8 +23087,8 @@
         </p:blipFill>
         <p:spPr bwMode="auto">
           <a:xfrm>
-            <a:off x="863588" y="1484784"/>
-            <a:ext cx="4524375" cy="5124450"/>
+            <a:off x="1079612" y="1628800"/>
+            <a:ext cx="4362450" cy="4676775"/>
           </a:xfrm>
           <a:prstGeom prst="rect">
             <a:avLst/>
@@ -24637,66 +23102,6 @@
           </a:ln>
         </p:spPr>
       </p:pic>
-      <p:sp>
-        <p:nvSpPr>
-          <p:cNvPr id="5" name="TextBox 4"/>
-          <p:cNvSpPr txBox="1"/>
-          <p:nvPr/>
-        </p:nvSpPr>
-        <p:spPr>
-          <a:xfrm>
-            <a:off x="6012160" y="1592796"/>
-            <a:ext cx="2628292" cy="3323987"/>
-          </a:xfrm>
-          <a:prstGeom prst="rect">
-            <a:avLst/>
-          </a:prstGeom>
-          <a:solidFill>
-            <a:schemeClr val="tx2">
-              <a:lumMod val="40000"/>
-              <a:lumOff val="60000"/>
-            </a:schemeClr>
-          </a:solidFill>
-          <a:ln>
-            <a:solidFill>
-              <a:schemeClr val="tx1"/>
-            </a:solidFill>
-          </a:ln>
-        </p:spPr>
-        <p:txBody>
-          <a:bodyPr wrap="square" rtlCol="0">
-            <a:spAutoFit/>
-          </a:bodyPr>
-          <a:lstStyle/>
-          <a:p>
-            <a:r>
-              <a:rPr lang="en-GB" b="1" dirty="0" smtClean="0"/>
-              <a:t>Actions:</a:t>
-            </a:r>
-            <a:endParaRPr lang="en-GB" dirty="0"/>
-          </a:p>
-          <a:p>
-            <a:pPr marL="457200" indent="-457200">
-              <a:buFont typeface="+mj-lt"/>
-              <a:buAutoNum type="arabicPeriod"/>
-            </a:pPr>
-            <a:r>
-              <a:rPr lang="en-GB" sz="1600" dirty="0" smtClean="0"/>
-              <a:t>Select items from the “Query Matches” list to display relevant details in an assertion window (wherein it is now possible to edit and re-store the assertions, if required)</a:t>
-            </a:r>
-          </a:p>
-          <a:p>
-            <a:pPr marL="457200" indent="-457200">
-              <a:buFont typeface="+mj-lt"/>
-              <a:buAutoNum type="arabicPeriod"/>
-            </a:pPr>
-            <a:r>
-              <a:rPr lang="en-GB" sz="1600" dirty="0" smtClean="0"/>
-              <a:t>Construct and execute various queries, checking results against expectations</a:t>
-            </a:r>
-          </a:p>
-        </p:txBody>
-      </p:sp>
     </p:spTree>
   </p:cSld>
   <p:clrMapOvr>

--- a/trunk/docs/MEKON-HOBO Introductory Tutorial.pptx
+++ b/trunk/docs/MEKON-HOBO Introductory Tutorial.pptx
@@ -5330,13 +5330,8 @@
             <a:pPr algn="ctr"/>
             <a:r>
               <a:rPr lang="en-GB" b="1" dirty="0" smtClean="0"/>
-              <a:t>Icon </a:t>
-            </a:r>
-            <a:r>
-              <a:rPr lang="en-GB" b="1" dirty="0" smtClean="0"/>
-              <a:t>Recap</a:t>
-            </a:r>
-            <a:endParaRPr lang="en-GB" b="1" dirty="0" smtClean="0"/>
+              <a:t>Icon Recap</a:t>
+            </a:r>
           </a:p>
         </p:txBody>
       </p:sp>
@@ -5376,11 +5371,7 @@
             </a:r>
             <a:r>
               <a:rPr lang="en-GB" sz="1600" dirty="0" smtClean="0"/>
-              <a:t> </a:t>
-            </a:r>
-            <a:r>
-              <a:rPr lang="en-GB" sz="1600" dirty="0" smtClean="0"/>
-              <a:t>/ External source</a:t>
+              <a:t> / External source</a:t>
             </a:r>
             <a:endParaRPr lang="en-GB" sz="1600" dirty="0"/>
           </a:p>
@@ -6548,11 +6539,7 @@
             <a:pPr algn="ctr"/>
             <a:r>
               <a:rPr lang="en-GB" sz="2400" b="1" dirty="0" smtClean="0"/>
-              <a:t>Slot </a:t>
-            </a:r>
-            <a:r>
-              <a:rPr lang="en-GB" sz="2400" b="1" dirty="0" smtClean="0"/>
-              <a:t>Attributes</a:t>
+              <a:t>Slot Attributes</a:t>
             </a:r>
             <a:endParaRPr lang="en-GB" sz="800" b="1" dirty="0" smtClean="0"/>
           </a:p>
@@ -6684,15 +6671,7 @@
             </a:r>
             <a:r>
               <a:rPr lang="en-GB" sz="1600" dirty="0" smtClean="0"/>
-              <a:t>Multi-valued / </a:t>
-            </a:r>
-            <a:r>
-              <a:rPr lang="en-GB" sz="1600" dirty="0" smtClean="0"/>
-              <a:t>Value-types </a:t>
-            </a:r>
-            <a:r>
-              <a:rPr lang="en-GB" sz="1600" dirty="0" smtClean="0"/>
-              <a:t>cannot duplicate or subsume one another</a:t>
+              <a:t>Multi-valued / Value-types cannot duplicate or subsume one another</a:t>
             </a:r>
             <a:endParaRPr lang="en-GB" sz="1600" dirty="0" smtClean="0">
               <a:latin typeface="Courier New" pitchFamily="49" charset="0"/>
@@ -6719,15 +6698,7 @@
             </a:r>
             <a:r>
               <a:rPr lang="en-GB" sz="1600" dirty="0" smtClean="0"/>
-              <a:t>Multi-valued / </a:t>
-            </a:r>
-            <a:r>
-              <a:rPr lang="en-GB" sz="1600" dirty="0" smtClean="0"/>
-              <a:t>Any </a:t>
-            </a:r>
-            <a:r>
-              <a:rPr lang="en-GB" sz="1600" dirty="0" smtClean="0"/>
-              <a:t>combination of legal values permitted</a:t>
+              <a:t>Multi-valued / Any combination of legal values permitted</a:t>
             </a:r>
             <a:endParaRPr lang="en-GB" sz="1600" dirty="0" smtClean="0">
               <a:latin typeface="Courier New" pitchFamily="49" charset="0"/>
@@ -6790,67 +6761,7 @@
               <a:rPr lang="en-GB" sz="1600" dirty="0" smtClean="0">
                 <a:cs typeface="Courier New" pitchFamily="49" charset="0"/>
               </a:rPr>
-              <a:t> </a:t>
-            </a:r>
-            <a:r>
-              <a:rPr lang="en-GB" sz="1600" dirty="0" smtClean="0">
-                <a:cs typeface="Courier New" pitchFamily="49" charset="0"/>
-              </a:rPr>
-              <a:t>from the client </a:t>
-            </a:r>
-            <a:r>
-              <a:rPr lang="en-GB" sz="1600" dirty="0" smtClean="0">
-                <a:cs typeface="Courier New" pitchFamily="49" charset="0"/>
-              </a:rPr>
-              <a:t>perspective of </a:t>
-            </a:r>
-            <a:r>
-              <a:rPr lang="en-GB" sz="1600" dirty="0" smtClean="0">
-                <a:cs typeface="Courier New" pitchFamily="49" charset="0"/>
-              </a:rPr>
-              <a:t>slot </a:t>
-            </a:r>
-            <a:r>
-              <a:rPr lang="en-GB" sz="1600" dirty="0" smtClean="0">
-                <a:cs typeface="Courier New" pitchFamily="49" charset="0"/>
-              </a:rPr>
-              <a:t>instantiations, for both assertion and query instances (see later slides for details of </a:t>
-            </a:r>
-            <a:r>
-              <a:rPr lang="en-GB" sz="1600" dirty="0" smtClean="0">
-                <a:cs typeface="Courier New" pitchFamily="49" charset="0"/>
-              </a:rPr>
-              <a:t>assertion and query</a:t>
-            </a:r>
-            <a:r>
-              <a:rPr lang="en-GB" sz="1600" dirty="0" smtClean="0">
-                <a:cs typeface="Courier New" pitchFamily="49" charset="0"/>
-              </a:rPr>
-              <a:t> </a:t>
-            </a:r>
-            <a:r>
-              <a:rPr lang="en-GB" sz="1600" dirty="0" smtClean="0">
-                <a:cs typeface="Courier New" pitchFamily="49" charset="0"/>
-              </a:rPr>
-              <a:t>instantiations</a:t>
-            </a:r>
-            <a:r>
-              <a:rPr lang="en-GB" sz="1600" dirty="0" smtClean="0">
-                <a:cs typeface="Courier New" pitchFamily="49" charset="0"/>
-              </a:rPr>
-              <a:t>)</a:t>
-            </a:r>
-            <a:r>
-              <a:rPr lang="en-GB" sz="1600" dirty="0" smtClean="0">
-                <a:cs typeface="Courier New" pitchFamily="49" charset="0"/>
-              </a:rPr>
-              <a:t>. </a:t>
-            </a:r>
-            <a:r>
-              <a:rPr lang="en-GB" sz="1600" dirty="0" smtClean="0">
-                <a:cs typeface="Courier New" pitchFamily="49" charset="0"/>
-              </a:rPr>
-              <a:t>Options are:</a:t>
+              <a:t> from the client perspective of slot instantiations, for both assertion and query instances (see later slides for details of assertion and query instantiations). Options are:</a:t>
             </a:r>
           </a:p>
           <a:p>
@@ -6983,19 +6894,7 @@
             </a:r>
             <a:r>
               <a:rPr lang="en-GB" sz="1600" dirty="0" smtClean="0"/>
-              <a:t> slot is one that can only be given actual concrete </a:t>
-            </a:r>
-            <a:r>
-              <a:rPr lang="en-GB" sz="1600" dirty="0" smtClean="0"/>
-              <a:t>values</a:t>
-            </a:r>
-            <a:r>
-              <a:rPr lang="en-GB" sz="1600" dirty="0" smtClean="0"/>
-              <a:t>, whereas </a:t>
-            </a:r>
-            <a:r>
-              <a:rPr lang="en-GB" sz="1600" dirty="0" smtClean="0"/>
-              <a:t>a </a:t>
+              <a:t> slot is one that can only be given actual concrete values, whereas a </a:t>
             </a:r>
             <a:r>
               <a:rPr lang="en-GB" sz="1600" i="1" dirty="0" smtClean="0"/>
@@ -7003,23 +6902,7 @@
             </a:r>
             <a:r>
               <a:rPr lang="en-GB" sz="1600" dirty="0" smtClean="0"/>
-              <a:t> one can be given either concrete or abstract values (which, depending on the slot-value-type, </a:t>
-            </a:r>
-            <a:r>
-              <a:rPr lang="en-GB" sz="1600" dirty="0" smtClean="0"/>
-              <a:t>will include </a:t>
-            </a:r>
-            <a:r>
-              <a:rPr lang="en-GB" sz="1600" dirty="0" smtClean="0"/>
-              <a:t>disjunctions or numeric ranges – see </a:t>
-            </a:r>
-            <a:r>
-              <a:rPr lang="en-GB" sz="1600" dirty="0" smtClean="0"/>
-              <a:t>next section for details</a:t>
-            </a:r>
-            <a:r>
-              <a:rPr lang="en-GB" sz="1600" dirty="0" smtClean="0"/>
-              <a:t>).</a:t>
+              <a:t> one can be given either concrete or abstract values (which, depending on the slot-value-type, will include disjunctions or numeric ranges – see next section for details).</a:t>
             </a:r>
           </a:p>
           <a:p>
@@ -7051,25 +6934,7 @@
               <a:rPr lang="en-GB" sz="1600" dirty="0" smtClean="0">
                 <a:cs typeface="Courier New" pitchFamily="49" charset="0"/>
               </a:rPr>
-              <a:t> option can be overridden by the OM or potentially by an EKS-specific model builder plug-in. The MEKON-OWL plug-in allows </a:t>
-            </a:r>
-            <a:r>
-              <a:rPr lang="en-GB" sz="1600" dirty="0" smtClean="0">
-                <a:cs typeface="Courier New" pitchFamily="49" charset="0"/>
-              </a:rPr>
-              <a:t>overriding </a:t>
-            </a:r>
-            <a:r>
-              <a:rPr lang="en-GB" sz="1600" dirty="0" smtClean="0">
-                <a:cs typeface="Courier New" pitchFamily="49" charset="0"/>
-              </a:rPr>
-              <a:t>on a per-property basis</a:t>
-            </a:r>
-            <a:r>
-              <a:rPr lang="en-GB" sz="1600" dirty="0" smtClean="0">
-                <a:cs typeface="Courier New" pitchFamily="49" charset="0"/>
-              </a:rPr>
-              <a:t>.</a:t>
+              <a:t> option can be overridden by the OM or potentially by an EKS-specific model builder plug-in. The MEKON-OWL plug-in allows overriding on a per-property basis.</a:t>
             </a:r>
           </a:p>
           <a:p>
@@ -7087,23 +6952,8 @@
               <a:rPr lang="en-GB" sz="1600" dirty="0" smtClean="0">
                 <a:cs typeface="Courier New" pitchFamily="49" charset="0"/>
               </a:rPr>
-              <a:t>Boolean attribute that enables applicable slots to be bound to fields on OM classes, but for instantiations of such slots (and fields) to be activated </a:t>
-            </a:r>
-            <a:r>
-              <a:rPr lang="en-GB" sz="1600" dirty="0" smtClean="0">
-                <a:cs typeface="Courier New" pitchFamily="49" charset="0"/>
-              </a:rPr>
-              <a:t>only </a:t>
-            </a:r>
-            <a:r>
-              <a:rPr lang="en-GB" sz="1600" dirty="0" smtClean="0">
-                <a:cs typeface="Courier New" pitchFamily="49" charset="0"/>
-              </a:rPr>
-              <a:t>as and when required</a:t>
-            </a:r>
-            <a:endParaRPr lang="en-GB" sz="1600" dirty="0" smtClean="0">
-              <a:cs typeface="Courier New" pitchFamily="49" charset="0"/>
-            </a:endParaRPr>
+              <a:t>Boolean attribute that enables applicable slots to be bound to fields on OM classes, but for instantiations of such slots (and fields) to be activated only as and when required</a:t>
+            </a:r>
           </a:p>
         </p:txBody>
       </p:sp>
@@ -7211,13 +7061,8 @@
             <a:pPr algn="ctr"/>
             <a:r>
               <a:rPr lang="en-GB" b="1" dirty="0" smtClean="0"/>
-              <a:t>Icon Modifiers </a:t>
-            </a:r>
-            <a:r>
-              <a:rPr lang="en-GB" b="1" dirty="0" smtClean="0"/>
-              <a:t>(model slots only*)</a:t>
-            </a:r>
-            <a:endParaRPr lang="en-GB" b="1" dirty="0" smtClean="0"/>
+              <a:t>Icon Modifiers (model slots only*)</a:t>
+            </a:r>
           </a:p>
         </p:txBody>
       </p:sp>
@@ -7495,17 +7340,7 @@
                   </a:schemeClr>
                 </a:solidFill>
               </a:rPr>
-              <a:t>[</a:t>
-            </a:r>
-            <a:r>
-              <a:rPr lang="en-GB" sz="1600" b="1" dirty="0" smtClean="0">
-                <a:solidFill>
-                  <a:schemeClr val="bg2">
-                    <a:lumMod val="25000"/>
-                  </a:schemeClr>
-                </a:solidFill>
-              </a:rPr>
-              <a:t>x]</a:t>
+              <a:t>[x]</a:t>
             </a:r>
             <a:endParaRPr lang="en-GB" sz="1600" b="1" dirty="0">
               <a:solidFill>
@@ -8317,13 +8152,7 @@
               <a:rPr lang="en-GB" sz="1600" dirty="0" smtClean="0">
                 <a:cs typeface="Courier New" pitchFamily="49" charset="0"/>
               </a:rPr>
-              <a:t>Multiple Available </a:t>
-            </a:r>
-            <a:r>
-              <a:rPr lang="en-GB" sz="1600" dirty="0" smtClean="0">
-                <a:cs typeface="Courier New" pitchFamily="49" charset="0"/>
-              </a:rPr>
-              <a:t>Types</a:t>
+              <a:t>Multiple Available Types</a:t>
             </a:r>
             <a:endParaRPr lang="en-GB" sz="1600" dirty="0"/>
           </a:p>
@@ -8365,13 +8194,7 @@
               <a:rPr lang="en-GB" sz="1600" dirty="0" smtClean="0">
                 <a:cs typeface="Courier New" pitchFamily="49" charset="0"/>
               </a:rPr>
-              <a:t>Single Available </a:t>
-            </a:r>
-            <a:r>
-              <a:rPr lang="en-GB" sz="1600" dirty="0" smtClean="0">
-                <a:cs typeface="Courier New" pitchFamily="49" charset="0"/>
-              </a:rPr>
-              <a:t>Type</a:t>
+              <a:t>Single Available Type</a:t>
             </a:r>
             <a:endParaRPr lang="en-GB" sz="1600" dirty="0"/>
           </a:p>
@@ -9231,13 +9054,8 @@
             </a:r>
             <a:r>
               <a:rPr lang="en-GB" sz="1400" i="1" dirty="0" smtClean="0"/>
-              <a:t>These semantics only apply to concept-level slots, as displayed in the main model  window. However, a</a:t>
-            </a:r>
-            <a:r>
-              <a:rPr lang="en-GB" sz="1400" i="1" dirty="0" smtClean="0"/>
-              <a:t> couple of the modifiers are reused in the instantiation windows to represent similar, but non-identical, attributes of instance-level slots (see later section for details)</a:t>
-            </a:r>
-            <a:endParaRPr lang="en-GB" sz="1400" i="1" dirty="0" smtClean="0"/>
+              <a:t>These semantics only apply to concept-level slots, as displayed in the main model  window. However, a couple of the modifiers are reused in the instantiation windows to represent similar, but non-identical, attributes of instance-level slots (see later section for details)</a:t>
+            </a:r>
           </a:p>
           <a:p>
             <a:endParaRPr lang="en-GB" sz="1600" b="1" dirty="0" smtClean="0"/>
@@ -9740,13 +9558,8 @@
             <a:pPr algn="ctr"/>
             <a:r>
               <a:rPr lang="en-GB" b="1" dirty="0" smtClean="0"/>
-              <a:t>Icon </a:t>
-            </a:r>
-            <a:r>
-              <a:rPr lang="en-GB" b="1" dirty="0" smtClean="0"/>
-              <a:t>Recap</a:t>
-            </a:r>
-            <a:endParaRPr lang="en-GB" b="1" dirty="0" smtClean="0"/>
+              <a:t>Icon Recap</a:t>
+            </a:r>
           </a:p>
         </p:txBody>
       </p:sp>
@@ -10061,7 +9874,6 @@
               <a:rPr lang="en-GB" b="1" dirty="0" smtClean="0"/>
               <a:t>Slot Text Modifier Recap</a:t>
             </a:r>
-            <a:endParaRPr lang="en-GB" b="1" dirty="0" smtClean="0"/>
           </a:p>
         </p:txBody>
       </p:sp>
@@ -10154,19 +9966,7 @@
               <a:rPr lang="en-GB" sz="1600" dirty="0" smtClean="0">
                 <a:cs typeface="Courier New" pitchFamily="49" charset="0"/>
               </a:rPr>
-              <a:t> / Single </a:t>
-            </a:r>
-            <a:r>
-              <a:rPr lang="en-GB" sz="1600" dirty="0" smtClean="0">
-                <a:cs typeface="Courier New" pitchFamily="49" charset="0"/>
-              </a:rPr>
-              <a:t>Available </a:t>
-            </a:r>
-            <a:r>
-              <a:rPr lang="en-GB" sz="1600" dirty="0" smtClean="0">
-                <a:cs typeface="Courier New" pitchFamily="49" charset="0"/>
-              </a:rPr>
-              <a:t>Type</a:t>
+              <a:t> / Single Available Type</a:t>
             </a:r>
             <a:endParaRPr lang="en-GB" sz="1600" i="1" dirty="0" smtClean="0"/>
           </a:p>
@@ -10631,13 +10431,8 @@
             <a:pPr algn="ctr"/>
             <a:r>
               <a:rPr lang="en-GB" b="1" dirty="0" smtClean="0"/>
-              <a:t>Icon </a:t>
-            </a:r>
-            <a:r>
-              <a:rPr lang="en-GB" b="1" dirty="0" smtClean="0"/>
-              <a:t>Recap</a:t>
-            </a:r>
-            <a:endParaRPr lang="en-GB" b="1" dirty="0" smtClean="0"/>
+              <a:t>Icon Recap</a:t>
+            </a:r>
           </a:p>
         </p:txBody>
       </p:sp>
@@ -11906,7 +11701,6 @@
               <a:rPr lang="en-GB" b="1" dirty="0" smtClean="0"/>
               <a:t>Icon Modifiers</a:t>
             </a:r>
-            <a:endParaRPr lang="en-GB" b="1" dirty="0" smtClean="0"/>
           </a:p>
         </p:txBody>
       </p:sp>
@@ -14723,7 +14517,6 @@
               <a:rPr lang="en-GB" b="1" dirty="0" smtClean="0"/>
               <a:t>Icon Recap</a:t>
             </a:r>
-            <a:endParaRPr lang="en-GB" b="1" dirty="0" smtClean="0"/>
           </a:p>
         </p:txBody>
       </p:sp>
@@ -15152,7 +14945,6 @@
               <a:rPr lang="en-GB" b="1" dirty="0" smtClean="0"/>
               <a:t>Icon Modifier Recap</a:t>
             </a:r>
-            <a:endParaRPr lang="en-GB" b="1" dirty="0" smtClean="0"/>
           </a:p>
         </p:txBody>
       </p:sp>
@@ -15333,23 +15125,13 @@
             </a:r>
             <a:r>
               <a:rPr lang="en-GB" sz="1600" dirty="0" smtClean="0"/>
-              <a:t> </a:t>
-            </a:r>
-            <a:r>
-              <a:rPr lang="en-GB" sz="1600" dirty="0" smtClean="0"/>
-              <a:t>editable </a:t>
-            </a:r>
-            <a:r>
-              <a:rPr lang="en-GB" sz="1600" dirty="0" smtClean="0">
-                <a:cs typeface="Courier New" pitchFamily="49" charset="0"/>
-              </a:rPr>
-              <a:t>slot. Hence </a:t>
-            </a:r>
-            <a:r>
-              <a:rPr lang="en-GB" sz="1600" dirty="0" smtClean="0">
-                <a:cs typeface="Courier New" pitchFamily="49" charset="0"/>
-              </a:rPr>
-              <a:t>values for instantiations of this slot that appear on assertions will always be derived automatically from those of other slots</a:t>
+              <a:t> editable </a:t>
+            </a:r>
+            <a:r>
+              <a:rPr lang="en-GB" sz="1600" dirty="0" smtClean="0">
+                <a:cs typeface="Courier New" pitchFamily="49" charset="0"/>
+              </a:rPr>
+              <a:t>slot. Hence values for instantiations of this slot that appear on assertions will always be derived automatically from those of other slots</a:t>
             </a:r>
           </a:p>
         </p:txBody>
@@ -15537,7 +15319,6 @@
               <a:rPr lang="en-GB" b="1" dirty="0" smtClean="0"/>
               <a:t>Icon Recap</a:t>
             </a:r>
-            <a:endParaRPr lang="en-GB" b="1" dirty="0" smtClean="0"/>
           </a:p>
         </p:txBody>
       </p:sp>
@@ -16803,7 +16584,6 @@
               <a:rPr lang="en-GB" b="1" dirty="0" smtClean="0"/>
               <a:t>Icon Recap</a:t>
             </a:r>
-            <a:endParaRPr lang="en-GB" b="1" dirty="0" smtClean="0"/>
           </a:p>
         </p:txBody>
       </p:sp>
@@ -16843,19 +16623,7 @@
             </a:r>
             <a:r>
               <a:rPr lang="en-GB" sz="1600" dirty="0" smtClean="0"/>
-              <a:t> </a:t>
-            </a:r>
-            <a:r>
-              <a:rPr lang="en-GB" sz="1600" dirty="0" smtClean="0"/>
-              <a:t>/ </a:t>
-            </a:r>
-            <a:r>
-              <a:rPr lang="en-GB" sz="1600" dirty="0" smtClean="0"/>
-              <a:t>Externally-sourced </a:t>
-            </a:r>
-            <a:r>
-              <a:rPr lang="en-GB" sz="1600" dirty="0" smtClean="0"/>
-              <a:t>type (*) </a:t>
+              <a:t> / Externally-sourced type (*) </a:t>
             </a:r>
             <a:endParaRPr lang="en-GB" sz="1600" dirty="0"/>
           </a:p>
@@ -16945,15 +16713,7 @@
             </a:r>
             <a:r>
               <a:rPr lang="en-GB" sz="1600" dirty="0" smtClean="0"/>
-              <a:t> / </a:t>
-            </a:r>
-            <a:r>
-              <a:rPr lang="en-GB" sz="1600" dirty="0" smtClean="0"/>
-              <a:t>Dual-sourced </a:t>
-            </a:r>
-            <a:r>
-              <a:rPr lang="en-GB" sz="1600" dirty="0" smtClean="0"/>
-              <a:t>type</a:t>
+              <a:t> / Dual-sourced type</a:t>
             </a:r>
             <a:endParaRPr lang="en-GB" sz="1600" dirty="0"/>
           </a:p>
@@ -17035,13 +16795,8 @@
             </a:pPr>
             <a:r>
               <a:rPr lang="en-GB" sz="1600" dirty="0" smtClean="0"/>
-              <a:t>Click on “Assertion…” button in “Instantiate” area at bottom of RH </a:t>
-            </a:r>
-            <a:r>
-              <a:rPr lang="en-GB" sz="1600" dirty="0" smtClean="0"/>
-              <a:t>panel</a:t>
-            </a:r>
-            <a:endParaRPr lang="en-GB" sz="1600" dirty="0" smtClean="0"/>
+              <a:t>Click on “Assertion…” button in “Instantiate” area at bottom of RH panel</a:t>
+            </a:r>
           </a:p>
         </p:txBody>
       </p:sp>
@@ -17134,13 +16889,8 @@
             </a:r>
             <a:r>
               <a:rPr lang="en-GB" sz="1600" dirty="0" smtClean="0"/>
-              <a:t>, instance (see next slide for details</a:t>
-            </a:r>
-            <a:r>
-              <a:rPr lang="en-GB" sz="1600" dirty="0" smtClean="0"/>
-              <a:t>)</a:t>
-            </a:r>
-            <a:endParaRPr lang="en-GB" sz="1600" dirty="0" smtClean="0"/>
+              <a:t>, instance (see next slide for details)</a:t>
+            </a:r>
           </a:p>
         </p:txBody>
       </p:sp>
@@ -17180,11 +16930,7 @@
             </a:r>
             <a:r>
               <a:rPr lang="en-GB" sz="1600" dirty="0" smtClean="0"/>
-              <a:t> / Dual-sourced </a:t>
-            </a:r>
-            <a:r>
-              <a:rPr lang="en-GB" sz="1600" dirty="0" smtClean="0"/>
-              <a:t>type (*) </a:t>
+              <a:t> / Dual-sourced type (*) </a:t>
             </a:r>
             <a:endParaRPr lang="en-GB" sz="1600" dirty="0"/>
           </a:p>
@@ -17334,11 +17080,7 @@
             </a:r>
             <a:r>
               <a:rPr lang="en-GB" sz="1600" dirty="0" smtClean="0"/>
-              <a:t> are </a:t>
-            </a:r>
-            <a:r>
-              <a:rPr lang="en-GB" sz="1600" dirty="0" smtClean="0"/>
-              <a:t>distinguished from </a:t>
+              <a:t> are distinguished from </a:t>
             </a:r>
             <a:r>
               <a:rPr lang="en-GB" sz="1600" dirty="0" err="1" smtClean="0">
@@ -17353,11 +17095,7 @@
             </a:r>
             <a:r>
               <a:rPr lang="en-GB" sz="1600" dirty="0" smtClean="0"/>
-              <a:t> </a:t>
-            </a:r>
-            <a:r>
-              <a:rPr lang="en-GB" sz="1600" dirty="0" smtClean="0"/>
-              <a:t>by context alone</a:t>
+              <a:t> by context alone</a:t>
             </a:r>
             <a:endParaRPr lang="en-GB" sz="1600" dirty="0"/>
           </a:p>
@@ -17555,7 +17293,7 @@
             <a:pPr algn="ctr"/>
             <a:r>
               <a:rPr lang="en-GB" b="1" dirty="0" smtClean="0"/>
-              <a:t>Additional Slot </a:t>
+              <a:t>Instance Slot </a:t>
             </a:r>
             <a:r>
               <a:rPr lang="en-GB" b="1" dirty="0" smtClean="0"/>
@@ -17565,6 +17303,9 @@
               <a:rPr lang="en-GB" b="1" dirty="0" smtClean="0"/>
               <a:t>Modifiers (*)</a:t>
             </a:r>
+          </a:p>
+          <a:p>
+            <a:pPr algn="ctr"/>
             <a:endParaRPr lang="en-GB" b="1" dirty="0" smtClean="0"/>
           </a:p>
         </p:txBody>
@@ -17622,9 +17363,6 @@
               </a:rPr>
               <a:t>-valued slot with specified value-type</a:t>
             </a:r>
-            <a:endParaRPr lang="en-GB" sz="1600" dirty="0" smtClean="0">
-              <a:cs typeface="Courier New" pitchFamily="49" charset="0"/>
-            </a:endParaRPr>
           </a:p>
         </p:txBody>
       </p:sp>
@@ -17763,9 +17501,6 @@
               </a:rPr>
               <a:t>-valued slot with specified value-type</a:t>
             </a:r>
-            <a:endParaRPr lang="en-GB" sz="1600" dirty="0" smtClean="0">
-              <a:cs typeface="Courier New" pitchFamily="49" charset="0"/>
-            </a:endParaRPr>
           </a:p>
         </p:txBody>
       </p:sp>
@@ -17804,17 +17539,7 @@
                   </a:schemeClr>
                 </a:solidFill>
               </a:rPr>
-              <a:t>(</a:t>
-            </a:r>
-            <a:r>
-              <a:rPr lang="en-GB" sz="1600" b="1" dirty="0" smtClean="0">
-                <a:solidFill>
-                  <a:schemeClr val="bg2">
-                    <a:lumMod val="25000"/>
-                  </a:schemeClr>
-                </a:solidFill>
-              </a:rPr>
-              <a:t>VALUE-TYPE)</a:t>
+              <a:t>(VALUE-TYPE)</a:t>
             </a:r>
             <a:endParaRPr lang="en-GB" sz="1600" b="1" dirty="0">
               <a:solidFill>
@@ -18062,11 +17787,7 @@
             </a:r>
             <a:r>
               <a:rPr lang="en-GB" sz="1600" dirty="0" smtClean="0"/>
-              <a:t>,</a:t>
-            </a:r>
-            <a:r>
-              <a:rPr lang="en-GB" sz="1600" dirty="0" smtClean="0"/>
-              <a:t> not for </a:t>
+              <a:t>, not for </a:t>
             </a:r>
             <a:r>
               <a:rPr lang="en-GB" sz="1600" dirty="0" err="1" smtClean="0">
@@ -18330,19 +18051,7 @@
               <a:rPr lang="en-GB" sz="1600" dirty="0" smtClean="0">
                 <a:cs typeface="Courier New" pitchFamily="49" charset="0"/>
               </a:rPr>
-              <a:t> slot-values (see </a:t>
-            </a:r>
-            <a:r>
-              <a:rPr lang="en-GB" sz="1600" dirty="0" smtClean="0">
-                <a:cs typeface="Courier New" pitchFamily="49" charset="0"/>
-              </a:rPr>
-              <a:t>next slide), whereas, </a:t>
-            </a:r>
-            <a:r>
-              <a:rPr lang="en-GB" sz="1600" dirty="0" smtClean="0">
-                <a:cs typeface="Courier New" pitchFamily="49" charset="0"/>
-              </a:rPr>
-              <a:t>by default, assertions cannot (however, this default behaviour can be overridden for specific slots, via either the configuration file or the OM)</a:t>
+              <a:t> slot-values (see next slide), whereas, by default, assertions cannot (however, this default behaviour can be overridden for specific slots, via either the configuration file or the OM)</a:t>
             </a:r>
           </a:p>
           <a:p>
@@ -18378,17 +18087,8 @@
               <a:rPr lang="en-GB" sz="1600" dirty="0" smtClean="0">
                 <a:cs typeface="Courier New" pitchFamily="49" charset="0"/>
               </a:rPr>
-              <a:t>As assertions are constructed, values for certain slots may be automatically inferred, via either EKS-based reasoning or OM-based processing, whereas no such inference occurs for </a:t>
-            </a:r>
-            <a:r>
-              <a:rPr lang="en-GB" sz="1600" dirty="0" smtClean="0">
-                <a:cs typeface="Courier New" pitchFamily="49" charset="0"/>
-              </a:rPr>
-              <a:t>queries</a:t>
-            </a:r>
-            <a:endParaRPr lang="en-GB" sz="1600" dirty="0" smtClean="0">
-              <a:cs typeface="Courier New" pitchFamily="49" charset="0"/>
-            </a:endParaRPr>
+              <a:t>As assertions are constructed, values for certain slots may be automatically inferred, via either EKS-based reasoning or OM-based processing, whereas no such inference occurs for queries</a:t>
+            </a:r>
           </a:p>
         </p:txBody>
       </p:sp>
@@ -18474,27 +18174,11 @@
           <a:p>
             <a:r>
               <a:rPr lang="en-GB" b="1" dirty="0" smtClean="0"/>
-              <a:t>Concrete Values</a:t>
-            </a:r>
-            <a:r>
-              <a:rPr lang="en-GB" b="1" dirty="0" smtClean="0"/>
-              <a:t>: </a:t>
-            </a:r>
-            <a:r>
-              <a:rPr lang="en-GB" sz="1600" dirty="0" smtClean="0"/>
-              <a:t>A concrete slot-value </a:t>
-            </a:r>
-            <a:r>
-              <a:rPr lang="en-GB" sz="1600" dirty="0" smtClean="0"/>
-              <a:t>is </a:t>
-            </a:r>
-            <a:r>
-              <a:rPr lang="en-GB" sz="1600" dirty="0" smtClean="0"/>
-              <a:t>one </a:t>
-            </a:r>
-            <a:r>
-              <a:rPr lang="en-GB" sz="1600" dirty="0" smtClean="0"/>
-              <a:t>of:</a:t>
+              <a:t>Concrete Values: </a:t>
+            </a:r>
+            <a:r>
+              <a:rPr lang="en-GB" sz="1600" dirty="0" smtClean="0"/>
+              <a:t>A concrete slot-value is one of:</a:t>
             </a:r>
           </a:p>
           <a:p>
@@ -18512,7 +18196,7 @@
               <a:rPr lang="en-GB" sz="1600" b="1" i="1" dirty="0" smtClean="0">
                 <a:cs typeface="Courier New" pitchFamily="49" charset="0"/>
               </a:rPr>
-              <a:t>Simple-</a:t>
+              <a:t>Atomic-</a:t>
             </a:r>
             <a:r>
               <a:rPr lang="en-GB" sz="1600" b="1" i="1" dirty="0" err="1" smtClean="0">
@@ -18538,19 +18222,7 @@
               <a:rPr lang="en-GB" sz="1600" dirty="0" smtClean="0">
                 <a:cs typeface="Courier New" pitchFamily="49" charset="0"/>
               </a:rPr>
-              <a:t> </a:t>
-            </a:r>
-            <a:r>
-              <a:rPr lang="en-GB" sz="1600" dirty="0" smtClean="0">
-                <a:cs typeface="Courier New" pitchFamily="49" charset="0"/>
-              </a:rPr>
-              <a:t>of </a:t>
-            </a:r>
-            <a:r>
-              <a:rPr lang="en-GB" sz="1600" dirty="0" smtClean="0">
-                <a:cs typeface="Courier New" pitchFamily="49" charset="0"/>
-              </a:rPr>
-              <a:t>standard type</a:t>
+              <a:t> of standard type</a:t>
             </a:r>
             <a:endParaRPr lang="en-GB" sz="1600" b="1" i="1" dirty="0" smtClean="0">
               <a:cs typeface="Courier New" pitchFamily="49" charset="0"/>
@@ -18565,7 +18237,7 @@
               <a:rPr lang="en-GB" sz="1600" b="1" i="1" dirty="0" smtClean="0">
                 <a:cs typeface="Courier New" pitchFamily="49" charset="0"/>
               </a:rPr>
-              <a:t>Simple-typed-</a:t>
+              <a:t>Atomic-typed-</a:t>
             </a:r>
             <a:r>
               <a:rPr lang="en-GB" sz="1600" b="1" i="1" dirty="0" err="1" smtClean="0">
@@ -18591,7 +18263,13 @@
               <a:rPr lang="en-GB" sz="1600" dirty="0" smtClean="0">
                 <a:cs typeface="Courier New" pitchFamily="49" charset="0"/>
               </a:rPr>
-              <a:t> whose type is a simple-</a:t>
+              <a:t> whose type is </a:t>
+            </a:r>
+            <a:r>
+              <a:rPr lang="en-GB" sz="1600" dirty="0" smtClean="0">
+                <a:cs typeface="Courier New" pitchFamily="49" charset="0"/>
+              </a:rPr>
+              <a:t>an atomic-</a:t>
             </a:r>
             <a:r>
               <a:rPr lang="en-GB" sz="1600" dirty="0" err="1" smtClean="0">
@@ -18646,13 +18324,7 @@
               <a:rPr lang="en-GB" sz="1600" dirty="0" smtClean="0">
                 <a:cs typeface="Courier New" pitchFamily="49" charset="0"/>
               </a:rPr>
-              <a:t> that represents a </a:t>
-            </a:r>
-            <a:r>
-              <a:rPr lang="en-GB" sz="1600" dirty="0" smtClean="0">
-                <a:cs typeface="Courier New" pitchFamily="49" charset="0"/>
-              </a:rPr>
-              <a:t>specific concrete value</a:t>
+              <a:t> that represents a specific concrete value</a:t>
             </a:r>
             <a:endParaRPr lang="en-GB" sz="1600" b="1" i="1" dirty="0" smtClean="0">
               <a:latin typeface="Courier New" pitchFamily="49" charset="0"/>
@@ -18665,11 +18337,7 @@
           <a:p>
             <a:r>
               <a:rPr lang="en-GB" b="1" dirty="0" smtClean="0"/>
-              <a:t>Abstract Values</a:t>
-            </a:r>
-            <a:r>
-              <a:rPr lang="en-GB" b="1" dirty="0" smtClean="0"/>
-              <a:t>: </a:t>
+              <a:t>Abstract Values: </a:t>
             </a:r>
             <a:r>
               <a:rPr lang="en-GB" sz="1600" dirty="0" smtClean="0"/>
@@ -18727,19 +18395,7 @@
               <a:rPr lang="en-GB" sz="1600" dirty="0" smtClean="0">
                 <a:cs typeface="Courier New" pitchFamily="49" charset="0"/>
               </a:rPr>
-              <a:t> that </a:t>
-            </a:r>
-            <a:r>
-              <a:rPr lang="en-GB" sz="1600" dirty="0" smtClean="0">
-                <a:cs typeface="Courier New" pitchFamily="49" charset="0"/>
-              </a:rPr>
-              <a:t>represents a disjunction of </a:t>
-            </a:r>
-            <a:r>
-              <a:rPr lang="en-GB" sz="1600" dirty="0" smtClean="0">
-                <a:cs typeface="Courier New" pitchFamily="49" charset="0"/>
-              </a:rPr>
-              <a:t>simple-</a:t>
+              <a:t> that represents a disjunction of simple-</a:t>
             </a:r>
             <a:r>
               <a:rPr lang="en-GB" sz="1600" dirty="0" err="1" smtClean="0">
@@ -18798,13 +18454,7 @@
               <a:rPr lang="en-GB" sz="1600" dirty="0" smtClean="0">
                 <a:cs typeface="Courier New" pitchFamily="49" charset="0"/>
               </a:rPr>
-              <a:t> </a:t>
-            </a:r>
-            <a:r>
-              <a:rPr lang="en-GB" sz="1600" dirty="0" smtClean="0">
-                <a:cs typeface="Courier New" pitchFamily="49" charset="0"/>
-              </a:rPr>
-              <a:t>whose type is a </a:t>
+              <a:t> whose type is a </a:t>
             </a:r>
             <a:r>
               <a:rPr lang="en-GB" sz="1600" dirty="0" smtClean="0"/>
@@ -18857,19 +18507,7 @@
               <a:rPr lang="en-GB" sz="1600" dirty="0" smtClean="0">
                 <a:cs typeface="Courier New" pitchFamily="49" charset="0"/>
               </a:rPr>
-              <a:t> </a:t>
-            </a:r>
-            <a:r>
-              <a:rPr lang="en-GB" sz="1600" dirty="0" smtClean="0">
-                <a:cs typeface="Courier New" pitchFamily="49" charset="0"/>
-              </a:rPr>
-              <a:t>that represents a value-range, rather than a specific </a:t>
-            </a:r>
-            <a:r>
-              <a:rPr lang="en-GB" sz="1600" dirty="0" smtClean="0">
-                <a:cs typeface="Courier New" pitchFamily="49" charset="0"/>
-              </a:rPr>
-              <a:t>value</a:t>
+              <a:t> that represents a value-range, rather than a specific value</a:t>
             </a:r>
           </a:p>
           <a:p>
@@ -18965,11 +18603,7 @@
             </a:r>
             <a:r>
               <a:rPr lang="en-GB" sz="1600" dirty="0" smtClean="0"/>
-              <a:t>Slot can be given both concrete and abstract values by </a:t>
-            </a:r>
-            <a:r>
-              <a:rPr lang="en-GB" sz="1600" dirty="0" smtClean="0"/>
-              <a:t>the client</a:t>
+              <a:t>Slot can be given both concrete and abstract values by the client</a:t>
             </a:r>
             <a:endParaRPr lang="en-GB" sz="1600" dirty="0" smtClean="0">
               <a:latin typeface="Courier New" pitchFamily="49" charset="0"/>
@@ -19019,11 +18653,7 @@
             </a:r>
             <a:r>
               <a:rPr lang="en-GB" sz="1600" dirty="0" smtClean="0"/>
-              <a:t>Slot is not editable by the </a:t>
-            </a:r>
-            <a:r>
-              <a:rPr lang="en-GB" sz="1600" dirty="0" smtClean="0"/>
-              <a:t>client</a:t>
+              <a:t>Slot is not editable by the client</a:t>
             </a:r>
           </a:p>
           <a:p>
@@ -19065,13 +18695,7 @@
               <a:rPr lang="en-GB" sz="1600" dirty="0" smtClean="0">
                 <a:cs typeface="Courier New" pitchFamily="49" charset="0"/>
               </a:rPr>
-              <a:t> is determined </a:t>
-            </a:r>
-            <a:r>
-              <a:rPr lang="en-GB" sz="1600" dirty="0" smtClean="0">
-                <a:cs typeface="Courier New" pitchFamily="49" charset="0"/>
-              </a:rPr>
-              <a:t>by the </a:t>
+              <a:t> is determined by the </a:t>
             </a:r>
             <a:r>
               <a:rPr lang="en-GB" sz="1600" dirty="0" err="1" smtClean="0">
@@ -19084,13 +18708,7 @@
               <a:rPr lang="en-GB" sz="1600" dirty="0" smtClean="0">
                 <a:cs typeface="Courier New" pitchFamily="49" charset="0"/>
               </a:rPr>
-              <a:t> value associated </a:t>
-            </a:r>
-            <a:r>
-              <a:rPr lang="en-GB" sz="1600" dirty="0" smtClean="0">
-                <a:cs typeface="Courier New" pitchFamily="49" charset="0"/>
-              </a:rPr>
-              <a:t>with the </a:t>
+              <a:t> value associated with the </a:t>
             </a:r>
             <a:r>
               <a:rPr lang="en-GB" sz="1600" dirty="0" err="1" smtClean="0">
@@ -19103,13 +18721,13 @@
               <a:rPr lang="en-GB" sz="1600" dirty="0" smtClean="0">
                 <a:cs typeface="Courier New" pitchFamily="49" charset="0"/>
               </a:rPr>
-              <a:t> of which it is an </a:t>
-            </a:r>
-            <a:r>
-              <a:rPr lang="en-GB" sz="1600" dirty="0" smtClean="0">
-                <a:cs typeface="Courier New" pitchFamily="49" charset="0"/>
-              </a:rPr>
-              <a:t>instantiation. Note that certain </a:t>
+              <a:t> of which it is an instantiation. Note that </a:t>
+            </a:r>
+            <a:r>
+              <a:rPr lang="en-GB" sz="1600" dirty="0" smtClean="0">
+                <a:cs typeface="Courier New" pitchFamily="49" charset="0"/>
+              </a:rPr>
+              <a:t>certain </a:t>
             </a:r>
             <a:r>
               <a:rPr lang="en-GB" sz="1600" dirty="0" err="1" smtClean="0">
@@ -19122,7 +18740,13 @@
               <a:rPr lang="en-GB" sz="1600" dirty="0" smtClean="0">
                 <a:cs typeface="Courier New" pitchFamily="49" charset="0"/>
               </a:rPr>
-              <a:t> values will lead to different </a:t>
+              <a:t> values </a:t>
+            </a:r>
+            <a:r>
+              <a:rPr lang="en-GB" sz="1600" dirty="0" smtClean="0">
+                <a:cs typeface="Courier New" pitchFamily="49" charset="0"/>
+              </a:rPr>
+              <a:t>will lead to the </a:t>
             </a:r>
             <a:r>
               <a:rPr lang="en-GB" sz="1600" dirty="0" err="1" smtClean="0">
@@ -19135,13 +18759,25 @@
               <a:rPr lang="en-GB" sz="1600" dirty="0" smtClean="0">
                 <a:cs typeface="Courier New" pitchFamily="49" charset="0"/>
               </a:rPr>
-              <a:t> values on the generated assertions and queries (</a:t>
+              <a:t> values on assertion instantiations being different to those on query </a:t>
+            </a:r>
+            <a:r>
+              <a:rPr lang="en-GB" sz="1600" dirty="0" smtClean="0">
+                <a:cs typeface="Courier New" pitchFamily="49" charset="0"/>
+              </a:rPr>
+              <a:t>instantiations (</a:t>
             </a:r>
             <a:r>
               <a:rPr lang="en-GB" sz="1600" i="1" dirty="0" smtClean="0">
                 <a:cs typeface="Courier New" pitchFamily="49" charset="0"/>
               </a:rPr>
-              <a:t>e.g.</a:t>
+              <a:t>e.g</a:t>
+            </a:r>
+            <a:r>
+              <a:rPr lang="en-GB" sz="1600" i="1" dirty="0" smtClean="0">
+                <a:cs typeface="Courier New" pitchFamily="49" charset="0"/>
+              </a:rPr>
+              <a:t>.</a:t>
             </a:r>
             <a:r>
               <a:rPr lang="en-GB" sz="1600" dirty="0" smtClean="0">
@@ -19160,19 +18796,7 @@
               <a:rPr lang="en-GB" sz="1600" dirty="0" smtClean="0">
                 <a:cs typeface="Courier New" pitchFamily="49" charset="0"/>
               </a:rPr>
-              <a:t> </a:t>
-            </a:r>
-            <a:r>
-              <a:rPr lang="en-GB" sz="1600" dirty="0" smtClean="0">
-                <a:cs typeface="Courier New" pitchFamily="49" charset="0"/>
-              </a:rPr>
-              <a:t>value </a:t>
-            </a:r>
-            <a:r>
-              <a:rPr lang="en-GB" sz="1600" dirty="0" smtClean="0">
-                <a:cs typeface="Courier New" pitchFamily="49" charset="0"/>
-              </a:rPr>
-              <a:t>of </a:t>
+              <a:t> value of </a:t>
             </a:r>
             <a:r>
               <a:rPr lang="en-GB" sz="1600" dirty="0" smtClean="0">
@@ -19226,9 +18850,6 @@
               </a:rPr>
               <a:t> on assertions)</a:t>
             </a:r>
-            <a:endParaRPr lang="en-GB" sz="1600" dirty="0" smtClean="0">
-              <a:cs typeface="Courier New" pitchFamily="49" charset="0"/>
-            </a:endParaRPr>
           </a:p>
         </p:txBody>
       </p:sp>
@@ -19304,8 +18925,8 @@
         </p:nvSpPr>
         <p:spPr>
           <a:xfrm>
-            <a:off x="5112060" y="368660"/>
-            <a:ext cx="3708412" cy="1846659"/>
+            <a:off x="5112060" y="836712"/>
+            <a:ext cx="3708412" cy="1354217"/>
           </a:xfrm>
           <a:prstGeom prst="rect">
             <a:avLst/>
@@ -19341,18 +18962,29 @@
             </a:pPr>
             <a:r>
               <a:rPr lang="en-GB" sz="1600" dirty="0" smtClean="0"/>
-              <a:t>Left-click on the </a:t>
+              <a:t>Left-click </a:t>
+            </a:r>
+            <a:r>
+              <a:rPr lang="en-GB" sz="1600" dirty="0" smtClean="0"/>
+              <a:t>on the </a:t>
             </a:r>
             <a:r>
               <a:rPr lang="en-GB" sz="1600" dirty="0" smtClean="0">
                 <a:latin typeface="Comic Sans MS" pitchFamily="66" charset="0"/>
               </a:rPr>
-              <a:t>Industry</a:t>
-            </a:r>
-            <a:r>
-              <a:rPr lang="en-GB" sz="1600" dirty="0" smtClean="0"/>
-              <a:t> value-type icon, underneath the “industry” slot icon.</a:t>
-            </a:r>
+              <a:t>i</a:t>
+            </a:r>
+            <a:r>
+              <a:rPr lang="en-GB" sz="1600" dirty="0" smtClean="0">
+                <a:latin typeface="Comic Sans MS" pitchFamily="66" charset="0"/>
+              </a:rPr>
+              <a:t>ndustry</a:t>
+            </a:r>
+            <a:r>
+              <a:rPr lang="en-GB" sz="1600" dirty="0" smtClean="0"/>
+              <a:t>” slot node</a:t>
+            </a:r>
+            <a:endParaRPr lang="en-GB" sz="1600" dirty="0" smtClean="0"/>
           </a:p>
           <a:p>
             <a:pPr marL="457200" indent="-457200">
@@ -19385,7 +19017,7 @@
         <p:spPr>
           <a:xfrm>
             <a:off x="5112060" y="2204864"/>
-            <a:ext cx="3708412" cy="4308872"/>
+            <a:ext cx="3708412" cy="4062651"/>
           </a:xfrm>
           <a:prstGeom prst="rect">
             <a:avLst/>
@@ -19431,17 +19063,51 @@
             </a:r>
             <a:r>
               <a:rPr lang="en-GB" sz="1600" dirty="0" smtClean="0"/>
-              <a:t> icon that appears underneath the </a:t>
+              <a:t> </a:t>
+            </a:r>
+            <a:r>
+              <a:rPr lang="en-GB" sz="1600" dirty="0" smtClean="0"/>
+              <a:t>value that </a:t>
+            </a:r>
+            <a:r>
+              <a:rPr lang="en-GB" sz="1600" dirty="0" smtClean="0"/>
+              <a:t>appears </a:t>
+            </a:r>
+            <a:r>
+              <a:rPr lang="en-GB" sz="1600" dirty="0" smtClean="0"/>
+              <a:t>under </a:t>
+            </a:r>
+            <a:r>
+              <a:rPr lang="en-GB" sz="1600" dirty="0" smtClean="0"/>
+              <a:t>the </a:t>
             </a:r>
             <a:r>
               <a:rPr lang="en-GB" sz="1600" dirty="0" smtClean="0">
                 <a:latin typeface="Comic Sans MS" pitchFamily="66" charset="0"/>
               </a:rPr>
-              <a:t>Industry</a:t>
-            </a:r>
-            <a:r>
-              <a:rPr lang="en-GB" sz="1600" dirty="0" smtClean="0"/>
-              <a:t> value-type icon, represents an </a:t>
+              <a:t>i</a:t>
+            </a:r>
+            <a:r>
+              <a:rPr lang="en-GB" sz="1600" dirty="0" smtClean="0">
+                <a:latin typeface="Comic Sans MS" pitchFamily="66" charset="0"/>
+              </a:rPr>
+              <a:t>ndustry</a:t>
+            </a:r>
+            <a:r>
+              <a:rPr lang="en-GB" sz="1600" dirty="0" smtClean="0"/>
+              <a:t> </a:t>
+            </a:r>
+            <a:r>
+              <a:rPr lang="en-GB" sz="1600" dirty="0" smtClean="0"/>
+              <a:t>slot </a:t>
+            </a:r>
+            <a:r>
+              <a:rPr lang="en-GB" sz="1600" dirty="0" smtClean="0"/>
+              <a:t>represents </a:t>
+            </a:r>
+            <a:r>
+              <a:rPr lang="en-GB" sz="1600" dirty="0" smtClean="0"/>
+              <a:t>an </a:t>
             </a:r>
             <a:r>
               <a:rPr lang="en-GB" sz="1600" dirty="0" err="1" smtClean="0">
@@ -19452,8 +19118,13 @@
             </a:r>
             <a:r>
               <a:rPr lang="en-GB" sz="1600" dirty="0" smtClean="0"/>
-              <a:t> that has been created and set as the value for the relevant slot</a:t>
-            </a:r>
+              <a:t> that has been created and set as the value for </a:t>
+            </a:r>
+            <a:r>
+              <a:rPr lang="en-GB" sz="1600" dirty="0" smtClean="0"/>
+              <a:t>that slot</a:t>
+            </a:r>
+            <a:endParaRPr lang="en-GB" sz="1600" dirty="0" smtClean="0"/>
           </a:p>
           <a:p>
             <a:pPr marL="457200" indent="-457200">
@@ -19482,7 +19153,15 @@
             </a:r>
             <a:r>
               <a:rPr lang="en-GB" sz="1600" dirty="0" smtClean="0"/>
-              <a:t> to what is referred to as a </a:t>
+              <a:t> to </a:t>
+            </a:r>
+            <a:r>
+              <a:rPr lang="en-GB" sz="1600" dirty="0" smtClean="0"/>
+              <a:t>an </a:t>
+            </a:r>
+            <a:r>
+              <a:rPr lang="en-GB" sz="1600" dirty="0" smtClean="0"/>
+              <a:t>appropriate </a:t>
             </a:r>
             <a:r>
               <a:rPr lang="en-GB" sz="1600" i="1" dirty="0" smtClean="0"/>
@@ -19497,7 +19176,11 @@
             </a:r>
             <a:r>
               <a:rPr lang="en-GB" sz="1600" dirty="0" smtClean="0"/>
-              <a:t> (</a:t>
+              <a:t> </a:t>
+            </a:r>
+            <a:r>
+              <a:rPr lang="en-GB" sz="1600" dirty="0" smtClean="0"/>
+              <a:t>(</a:t>
             </a:r>
             <a:r>
               <a:rPr lang="en-GB" sz="1600" i="1" dirty="0" smtClean="0"/>
@@ -19969,7 +19652,15 @@
             </a:r>
             <a:r>
               <a:rPr lang="en-GB" sz="1600" dirty="0" smtClean="0"/>
-              <a:t> slot (by left-clicking on the relevant value-type icon, as before)</a:t>
+              <a:t> slot (by left-clicking on the relevant </a:t>
+            </a:r>
+            <a:r>
+              <a:rPr lang="en-GB" sz="1600" dirty="0" smtClean="0"/>
+              <a:t>node, </a:t>
+            </a:r>
+            <a:r>
+              <a:rPr lang="en-GB" sz="1600" dirty="0" smtClean="0"/>
+              <a:t>as before)</a:t>
             </a:r>
           </a:p>
         </p:txBody>
@@ -20452,8 +20143,8 @@
         </p:nvSpPr>
         <p:spPr>
           <a:xfrm>
-            <a:off x="5220072" y="1664804"/>
-            <a:ext cx="3492388" cy="4801314"/>
+            <a:off x="5076056" y="2168860"/>
+            <a:ext cx="3672408" cy="4308872"/>
           </a:xfrm>
           <a:prstGeom prst="rect">
             <a:avLst/>
@@ -20509,18 +20200,34 @@
             </a:pPr>
             <a:r>
               <a:rPr lang="en-GB" sz="1600" dirty="0" smtClean="0"/>
-              <a:t>Left-click on value-type icon to add new value (which, since slot has </a:t>
+              <a:t>Left-click on </a:t>
+            </a:r>
+            <a:r>
+              <a:rPr lang="en-GB" sz="1600" dirty="0" smtClean="0"/>
+              <a:t>slot node to </a:t>
+            </a:r>
+            <a:r>
+              <a:rPr lang="en-GB" sz="1600" dirty="0" smtClean="0"/>
+              <a:t>add new value (which, since slot </a:t>
+            </a:r>
+            <a:r>
+              <a:rPr lang="en-GB" sz="1600" dirty="0" smtClean="0"/>
+              <a:t>is </a:t>
             </a:r>
             <a:r>
               <a:rPr lang="en-GB" sz="1600" dirty="0" smtClean="0">
                 <a:latin typeface="Courier New" pitchFamily="49" charset="0"/>
                 <a:cs typeface="Courier New" pitchFamily="49" charset="0"/>
               </a:rPr>
-              <a:t>SINGLE</a:t>
-            </a:r>
-            <a:r>
-              <a:rPr lang="en-GB" sz="1600" dirty="0" smtClean="0"/>
-              <a:t> cardinality, will replace previous value)</a:t>
+              <a:t>SINGLE_VALUED</a:t>
+            </a:r>
+            <a:r>
+              <a:rPr lang="en-GB" sz="1600" dirty="0" smtClean="0"/>
+              <a:t>, </a:t>
+            </a:r>
+            <a:r>
+              <a:rPr lang="en-GB" sz="1600" dirty="0" smtClean="0"/>
+              <a:t>will replace previous value)</a:t>
             </a:r>
           </a:p>
           <a:p>
@@ -20530,7 +20237,15 @@
             </a:pPr>
             <a:r>
               <a:rPr lang="en-GB" sz="1600" dirty="0" smtClean="0"/>
-              <a:t>Right-click on value icon to remove relevant value</a:t>
+              <a:t>Right-click on value </a:t>
+            </a:r>
+            <a:r>
+              <a:rPr lang="en-GB" sz="1600" dirty="0" smtClean="0"/>
+              <a:t>node to </a:t>
+            </a:r>
+            <a:r>
+              <a:rPr lang="en-GB" sz="1600" dirty="0" smtClean="0"/>
+              <a:t>remove relevant value</a:t>
             </a:r>
           </a:p>
           <a:p>
@@ -20540,18 +20255,34 @@
             </a:pPr>
             <a:r>
               <a:rPr lang="en-GB" sz="1600" dirty="0" smtClean="0"/>
-              <a:t>Right-click on value-type icon to clear all values for the slot (which, for </a:t>
+              <a:t>Right-click on </a:t>
+            </a:r>
+            <a:r>
+              <a:rPr lang="en-GB" sz="1600" dirty="0" smtClean="0"/>
+              <a:t>slot node </a:t>
+            </a:r>
+            <a:r>
+              <a:rPr lang="en-GB" sz="1600" dirty="0" smtClean="0"/>
+              <a:t>to clear all values for the slot (which, for </a:t>
             </a:r>
             <a:r>
               <a:rPr lang="en-GB" sz="1600" dirty="0" smtClean="0">
                 <a:latin typeface="Courier New" pitchFamily="49" charset="0"/>
                 <a:cs typeface="Courier New" pitchFamily="49" charset="0"/>
               </a:rPr>
-              <a:t>SINGLE</a:t>
-            </a:r>
-            <a:r>
-              <a:rPr lang="en-GB" sz="1600" dirty="0" smtClean="0"/>
-              <a:t> cardinality slot, will always amount to the same thing)</a:t>
+              <a:t>SINGLE_VALUED </a:t>
+            </a:r>
+            <a:r>
+              <a:rPr lang="en-GB" sz="1600" dirty="0" smtClean="0"/>
+              <a:t>slots </a:t>
+            </a:r>
+            <a:r>
+              <a:rPr lang="en-GB" sz="1600" dirty="0" smtClean="0"/>
+              <a:t>will </a:t>
+            </a:r>
+            <a:r>
+              <a:rPr lang="en-GB" sz="1600" dirty="0" smtClean="0"/>
+              <a:t>always amount to the same thing)</a:t>
             </a:r>
           </a:p>
           <a:p>
@@ -20648,8 +20379,8 @@
         </p:nvSpPr>
         <p:spPr>
           <a:xfrm>
-            <a:off x="5040052" y="1376772"/>
-            <a:ext cx="3780420" cy="1354217"/>
+            <a:off x="5220072" y="1376772"/>
+            <a:ext cx="3600400" cy="1354217"/>
           </a:xfrm>
           <a:prstGeom prst="rect">
             <a:avLst/>
@@ -20705,7 +20436,15 @@
             </a:r>
             <a:r>
               <a:rPr lang="en-GB" sz="1600" dirty="0" smtClean="0"/>
-              <a:t> slots (left-clicking on the value-type icons for numeric slots will produce appropriate input dialogs)</a:t>
+              <a:t> slots (left-clicking on </a:t>
+            </a:r>
+            <a:r>
+              <a:rPr lang="en-GB" sz="1600" dirty="0" smtClean="0"/>
+              <a:t>nodes for </a:t>
+            </a:r>
+            <a:r>
+              <a:rPr lang="en-GB" sz="1600" dirty="0" smtClean="0"/>
+              <a:t>numeric slots will produce appropriate input dialogs)</a:t>
             </a:r>
           </a:p>
         </p:txBody>
@@ -20718,8 +20457,8 @@
         </p:nvSpPr>
         <p:spPr>
           <a:xfrm>
-            <a:off x="5040052" y="2744924"/>
-            <a:ext cx="3780420" cy="3816429"/>
+            <a:off x="5220072" y="2744924"/>
+            <a:ext cx="3600400" cy="3816429"/>
           </a:xfrm>
           <a:prstGeom prst="rect">
             <a:avLst/>
@@ -20839,7 +20578,6 @@
               <a:rPr lang="en-GB" b="1" dirty="0" smtClean="0"/>
               <a:t>Icon Recap</a:t>
             </a:r>
-            <a:endParaRPr lang="en-GB" b="1" dirty="0" smtClean="0"/>
           </a:p>
         </p:txBody>
       </p:sp>
@@ -21122,8 +20860,13 @@
             </a:r>
             <a:r>
               <a:rPr lang="en-GB" sz="1600" dirty="0" smtClean="0"/>
-              <a:t> slot value-type</a:t>
-            </a:r>
+              <a:t> slot </a:t>
+            </a:r>
+            <a:r>
+              <a:rPr lang="en-GB" sz="1600" dirty="0" smtClean="0"/>
+              <a:t>node</a:t>
+            </a:r>
+            <a:endParaRPr lang="en-GB" sz="1600" dirty="0" smtClean="0"/>
           </a:p>
           <a:p>
             <a:pPr marL="457200" indent="-457200">
@@ -21775,7 +21518,15 @@
             </a:r>
             <a:r>
               <a:rPr lang="en-GB" sz="1600" dirty="0" smtClean="0"/>
-              <a:t> how the automatic updates that occurred were prompted by (1) the </a:t>
+              <a:t> how the automatic updates that occurred were prompted by </a:t>
+            </a:r>
+            <a:r>
+              <a:rPr lang="en-GB" sz="1600" i="1" dirty="0" smtClean="0"/>
+              <a:t>(1)</a:t>
+            </a:r>
+            <a:r>
+              <a:rPr lang="en-GB" sz="1600" dirty="0" smtClean="0"/>
+              <a:t> the </a:t>
             </a:r>
             <a:r>
               <a:rPr lang="en-GB" sz="1600" dirty="0" smtClean="0">
@@ -21785,7 +21536,15 @@
             </a:r>
             <a:r>
               <a:rPr lang="en-GB" sz="1600" dirty="0" smtClean="0"/>
-              <a:t> slot definition and (2) the fixed values for </a:t>
+              <a:t> slot definition and </a:t>
+            </a:r>
+            <a:r>
+              <a:rPr lang="en-GB" sz="1600" i="1" dirty="0" smtClean="0"/>
+              <a:t>(2)</a:t>
+            </a:r>
+            <a:r>
+              <a:rPr lang="en-GB" sz="1600" dirty="0" smtClean="0"/>
+              <a:t> the fixed values for </a:t>
             </a:r>
             <a:r>
               <a:rPr lang="en-GB" sz="1600" dirty="0" smtClean="0">
@@ -21850,8 +21609,8 @@
         </p:nvSpPr>
         <p:spPr>
           <a:xfrm>
-            <a:off x="5040052" y="620688"/>
-            <a:ext cx="3708412" cy="1354217"/>
+            <a:off x="5148064" y="620688"/>
+            <a:ext cx="3600400" cy="1354217"/>
           </a:xfrm>
           <a:prstGeom prst="rect">
             <a:avLst/>
@@ -21920,8 +21679,8 @@
         </p:nvSpPr>
         <p:spPr>
           <a:xfrm>
-            <a:off x="5040052" y="1988840"/>
-            <a:ext cx="3708412" cy="4555093"/>
+            <a:off x="5148064" y="1988840"/>
+            <a:ext cx="3600400" cy="4555093"/>
           </a:xfrm>
           <a:prstGeom prst="rect">
             <a:avLst/>
@@ -22052,8 +21811,21 @@
             </a:r>
             <a:r>
               <a:rPr lang="en-GB" sz="1600" dirty="0" smtClean="0"/>
-              <a:t>processing, cannot be achieved via standard OWL-based reasoning, but is trivial for the OM to provide</a:t>
-            </a:r>
+              <a:t>processing, cannot be achieved via standard OWL-based reasoning, but is </a:t>
+            </a:r>
+            <a:r>
+              <a:rPr lang="en-GB" sz="1600" dirty="0" smtClean="0"/>
+              <a:t>a trivial task for </a:t>
+            </a:r>
+            <a:r>
+              <a:rPr lang="en-GB" sz="1600" dirty="0" smtClean="0"/>
+              <a:t>the </a:t>
+            </a:r>
+            <a:r>
+              <a:rPr lang="en-GB" sz="1600" dirty="0" smtClean="0"/>
+              <a:t>OM</a:t>
+            </a:r>
+            <a:endParaRPr lang="en-GB" sz="1600" dirty="0" smtClean="0"/>
           </a:p>
         </p:txBody>
       </p:sp>
@@ -23799,7 +23571,7 @@
         </p:nvSpPr>
         <p:spPr>
           <a:xfrm>
-            <a:off x="5652120" y="332656"/>
+            <a:off x="5652120" y="368660"/>
             <a:ext cx="3132348" cy="2339102"/>
           </a:xfrm>
           <a:prstGeom prst="rect">
@@ -24199,17 +23971,8 @@
           <a:p>
             <a:r>
               <a:rPr lang="en-GB" b="1" dirty="0" smtClean="0"/>
-              <a:t>Slot </a:t>
-            </a:r>
-            <a:r>
-              <a:rPr lang="en-GB" b="1" dirty="0" smtClean="0"/>
-              <a:t>Icon Modifier Recap</a:t>
-            </a:r>
-            <a:r>
-              <a:rPr lang="en-GB" b="1" dirty="0" smtClean="0"/>
-              <a:t>:</a:t>
-            </a:r>
-            <a:endParaRPr lang="en-GB" b="1" dirty="0" smtClean="0"/>
+              <a:t>Slot Icon Modifier Recap:</a:t>
+            </a:r>
           </a:p>
         </p:txBody>
       </p:sp>
@@ -24387,6 +24150,38 @@
           <a:chExt cx="0" cy="0"/>
         </a:xfrm>
       </p:grpSpPr>
+      <p:pic>
+        <p:nvPicPr>
+          <p:cNvPr id="1029" name="Picture 5"/>
+          <p:cNvPicPr>
+            <a:picLocks noChangeAspect="1" noChangeArrowheads="1"/>
+          </p:cNvPicPr>
+          <p:nvPr/>
+        </p:nvPicPr>
+        <p:blipFill>
+          <a:blip r:embed="rId2" cstate="print"/>
+          <a:srcRect/>
+          <a:stretch>
+            <a:fillRect/>
+          </a:stretch>
+        </p:blipFill>
+        <p:spPr bwMode="auto">
+          <a:xfrm>
+            <a:off x="395536" y="368660"/>
+            <a:ext cx="4000500" cy="3286125"/>
+          </a:xfrm>
+          <a:prstGeom prst="rect">
+            <a:avLst/>
+          </a:prstGeom>
+          <a:noFill/>
+          <a:ln w="9525">
+            <a:noFill/>
+            <a:miter lim="800000"/>
+            <a:headEnd/>
+            <a:tailEnd/>
+          </a:ln>
+        </p:spPr>
+      </p:pic>
       <p:sp>
         <p:nvSpPr>
           <p:cNvPr id="3" name="TextBox 2"/>
@@ -24614,8 +24409,17 @@
               <a:rPr lang="en-GB" sz="1600" dirty="0" smtClean="0">
                 <a:cs typeface="Courier New" pitchFamily="49" charset="0"/>
               </a:rPr>
-              <a:t>-valued (as denoted by the respective value-type icons)</a:t>
-            </a:r>
+              <a:t>-valued (as denoted by the respective </a:t>
+            </a:r>
+            <a:r>
+              <a:rPr lang="en-GB" sz="1600" dirty="0" smtClean="0">
+                <a:cs typeface="Courier New" pitchFamily="49" charset="0"/>
+              </a:rPr>
+              <a:t>value-type displays)</a:t>
+            </a:r>
+            <a:endParaRPr lang="en-GB" sz="1600" dirty="0" smtClean="0">
+              <a:cs typeface="Courier New" pitchFamily="49" charset="0"/>
+            </a:endParaRPr>
           </a:p>
           <a:p>
             <a:pPr marL="457200" indent="-457200">
@@ -24809,38 +24613,6 @@
           </a:p>
         </p:txBody>
       </p:sp>
-      <p:pic>
-        <p:nvPicPr>
-          <p:cNvPr id="8194" name="Picture 2"/>
-          <p:cNvPicPr>
-            <a:picLocks noChangeAspect="1" noChangeArrowheads="1"/>
-          </p:cNvPicPr>
-          <p:nvPr/>
-        </p:nvPicPr>
-        <p:blipFill>
-          <a:blip r:embed="rId2" cstate="print"/>
-          <a:srcRect/>
-          <a:stretch>
-            <a:fillRect/>
-          </a:stretch>
-        </p:blipFill>
-        <p:spPr bwMode="auto">
-          <a:xfrm>
-            <a:off x="395536" y="368660"/>
-            <a:ext cx="4019550" cy="3314700"/>
-          </a:xfrm>
-          <a:prstGeom prst="rect">
-            <a:avLst/>
-          </a:prstGeom>
-          <a:noFill/>
-          <a:ln w="9525">
-            <a:noFill/>
-            <a:miter lim="800000"/>
-            <a:headEnd/>
-            <a:tailEnd/>
-          </a:ln>
-        </p:spPr>
-      </p:pic>
     </p:spTree>
   </p:cSld>
   <p:clrMapOvr>
@@ -25019,6 +24791,38 @@
           <a:chExt cx="0" cy="0"/>
         </a:xfrm>
       </p:grpSpPr>
+      <p:pic>
+        <p:nvPicPr>
+          <p:cNvPr id="2050" name="Picture 2"/>
+          <p:cNvPicPr>
+            <a:picLocks noChangeAspect="1" noChangeArrowheads="1"/>
+          </p:cNvPicPr>
+          <p:nvPr/>
+        </p:nvPicPr>
+        <p:blipFill>
+          <a:blip r:embed="rId2" cstate="print"/>
+          <a:srcRect/>
+          <a:stretch>
+            <a:fillRect/>
+          </a:stretch>
+        </p:blipFill>
+        <p:spPr bwMode="auto">
+          <a:xfrm>
+            <a:off x="395536" y="368660"/>
+            <a:ext cx="4000500" cy="3286125"/>
+          </a:xfrm>
+          <a:prstGeom prst="rect">
+            <a:avLst/>
+          </a:prstGeom>
+          <a:noFill/>
+          <a:ln w="9525">
+            <a:noFill/>
+            <a:miter lim="800000"/>
+            <a:headEnd/>
+            <a:tailEnd/>
+          </a:ln>
+        </p:spPr>
+      </p:pic>
       <p:sp>
         <p:nvSpPr>
           <p:cNvPr id="3" name="TextBox 2"/>
@@ -25368,38 +25172,6 @@
           </a:p>
         </p:txBody>
       </p:sp>
-      <p:pic>
-        <p:nvPicPr>
-          <p:cNvPr id="9218" name="Picture 2"/>
-          <p:cNvPicPr>
-            <a:picLocks noChangeAspect="1" noChangeArrowheads="1"/>
-          </p:cNvPicPr>
-          <p:nvPr/>
-        </p:nvPicPr>
-        <p:blipFill>
-          <a:blip r:embed="rId2" cstate="print"/>
-          <a:srcRect/>
-          <a:stretch>
-            <a:fillRect/>
-          </a:stretch>
-        </p:blipFill>
-        <p:spPr bwMode="auto">
-          <a:xfrm>
-            <a:off x="395536" y="368660"/>
-            <a:ext cx="4019550" cy="3314700"/>
-          </a:xfrm>
-          <a:prstGeom prst="rect">
-            <a:avLst/>
-          </a:prstGeom>
-          <a:noFill/>
-          <a:ln w="9525">
-            <a:noFill/>
-            <a:miter lim="800000"/>
-            <a:headEnd/>
-            <a:tailEnd/>
-          </a:ln>
-        </p:spPr>
-      </p:pic>
     </p:spTree>
   </p:cSld>
   <p:clrMapOvr>
@@ -25432,6 +25204,38 @@
           <a:chExt cx="0" cy="0"/>
         </a:xfrm>
       </p:grpSpPr>
+      <p:pic>
+        <p:nvPicPr>
+          <p:cNvPr id="3074" name="Picture 2"/>
+          <p:cNvPicPr>
+            <a:picLocks noChangeAspect="1" noChangeArrowheads="1"/>
+          </p:cNvPicPr>
+          <p:nvPr/>
+        </p:nvPicPr>
+        <p:blipFill>
+          <a:blip r:embed="rId2" cstate="print"/>
+          <a:srcRect/>
+          <a:stretch>
+            <a:fillRect/>
+          </a:stretch>
+        </p:blipFill>
+        <p:spPr bwMode="auto">
+          <a:xfrm>
+            <a:off x="395536" y="368660"/>
+            <a:ext cx="4000500" cy="3286125"/>
+          </a:xfrm>
+          <a:prstGeom prst="rect">
+            <a:avLst/>
+          </a:prstGeom>
+          <a:noFill/>
+          <a:ln w="9525">
+            <a:noFill/>
+            <a:miter lim="800000"/>
+            <a:headEnd/>
+            <a:tailEnd/>
+          </a:ln>
+        </p:spPr>
+      </p:pic>
       <p:sp>
         <p:nvSpPr>
           <p:cNvPr id="3" name="TextBox 2"/>
@@ -25769,38 +25573,6 @@
           </a:p>
         </p:txBody>
       </p:sp>
-      <p:pic>
-        <p:nvPicPr>
-          <p:cNvPr id="10242" name="Picture 2"/>
-          <p:cNvPicPr>
-            <a:picLocks noChangeAspect="1" noChangeArrowheads="1"/>
-          </p:cNvPicPr>
-          <p:nvPr/>
-        </p:nvPicPr>
-        <p:blipFill>
-          <a:blip r:embed="rId2" cstate="print"/>
-          <a:srcRect/>
-          <a:stretch>
-            <a:fillRect/>
-          </a:stretch>
-        </p:blipFill>
-        <p:spPr bwMode="auto">
-          <a:xfrm>
-            <a:off x="395536" y="368660"/>
-            <a:ext cx="4019550" cy="3314700"/>
-          </a:xfrm>
-          <a:prstGeom prst="rect">
-            <a:avLst/>
-          </a:prstGeom>
-          <a:noFill/>
-          <a:ln w="9525">
-            <a:noFill/>
-            <a:miter lim="800000"/>
-            <a:headEnd/>
-            <a:tailEnd/>
-          </a:ln>
-        </p:spPr>
-      </p:pic>
     </p:spTree>
   </p:cSld>
   <p:clrMapOvr>
@@ -25833,6 +25605,38 @@
           <a:chExt cx="0" cy="0"/>
         </a:xfrm>
       </p:grpSpPr>
+      <p:pic>
+        <p:nvPicPr>
+          <p:cNvPr id="4098" name="Picture 2"/>
+          <p:cNvPicPr>
+            <a:picLocks noChangeAspect="1" noChangeArrowheads="1"/>
+          </p:cNvPicPr>
+          <p:nvPr/>
+        </p:nvPicPr>
+        <p:blipFill>
+          <a:blip r:embed="rId2" cstate="print"/>
+          <a:srcRect/>
+          <a:stretch>
+            <a:fillRect/>
+          </a:stretch>
+        </p:blipFill>
+        <p:spPr bwMode="auto">
+          <a:xfrm>
+            <a:off x="395536" y="368660"/>
+            <a:ext cx="4000500" cy="3286125"/>
+          </a:xfrm>
+          <a:prstGeom prst="rect">
+            <a:avLst/>
+          </a:prstGeom>
+          <a:noFill/>
+          <a:ln w="9525">
+            <a:noFill/>
+            <a:miter lim="800000"/>
+            <a:headEnd/>
+            <a:tailEnd/>
+          </a:ln>
+        </p:spPr>
+      </p:pic>
       <p:sp>
         <p:nvSpPr>
           <p:cNvPr id="3" name="TextBox 2"/>
@@ -26115,38 +25919,6 @@
           </a:p>
         </p:txBody>
       </p:sp>
-      <p:pic>
-        <p:nvPicPr>
-          <p:cNvPr id="11266" name="Picture 2"/>
-          <p:cNvPicPr>
-            <a:picLocks noChangeAspect="1" noChangeArrowheads="1"/>
-          </p:cNvPicPr>
-          <p:nvPr/>
-        </p:nvPicPr>
-        <p:blipFill>
-          <a:blip r:embed="rId2" cstate="print"/>
-          <a:srcRect/>
-          <a:stretch>
-            <a:fillRect/>
-          </a:stretch>
-        </p:blipFill>
-        <p:spPr bwMode="auto">
-          <a:xfrm>
-            <a:off x="395536" y="368660"/>
-            <a:ext cx="4019550" cy="3314700"/>
-          </a:xfrm>
-          <a:prstGeom prst="rect">
-            <a:avLst/>
-          </a:prstGeom>
-          <a:noFill/>
-          <a:ln w="9525">
-            <a:noFill/>
-            <a:miter lim="800000"/>
-            <a:headEnd/>
-            <a:tailEnd/>
-          </a:ln>
-        </p:spPr>
-      </p:pic>
     </p:spTree>
   </p:cSld>
   <p:clrMapOvr>
@@ -26179,6 +25951,38 @@
           <a:chExt cx="0" cy="0"/>
         </a:xfrm>
       </p:grpSpPr>
+      <p:pic>
+        <p:nvPicPr>
+          <p:cNvPr id="5" name="Picture 3"/>
+          <p:cNvPicPr>
+            <a:picLocks noChangeAspect="1" noChangeArrowheads="1"/>
+          </p:cNvPicPr>
+          <p:nvPr/>
+        </p:nvPicPr>
+        <p:blipFill>
+          <a:blip r:embed="rId2" cstate="print"/>
+          <a:srcRect/>
+          <a:stretch>
+            <a:fillRect/>
+          </a:stretch>
+        </p:blipFill>
+        <p:spPr bwMode="auto">
+          <a:xfrm>
+            <a:off x="395536" y="368660"/>
+            <a:ext cx="4000500" cy="3286125"/>
+          </a:xfrm>
+          <a:prstGeom prst="rect">
+            <a:avLst/>
+          </a:prstGeom>
+          <a:noFill/>
+          <a:ln w="9525">
+            <a:noFill/>
+            <a:miter lim="800000"/>
+            <a:headEnd/>
+            <a:tailEnd/>
+          </a:ln>
+        </p:spPr>
+      </p:pic>
       <p:sp>
         <p:nvSpPr>
           <p:cNvPr id="3" name="TextBox 2"/>
@@ -26420,38 +26224,6 @@
           </a:p>
         </p:txBody>
       </p:sp>
-      <p:pic>
-        <p:nvPicPr>
-          <p:cNvPr id="12290" name="Picture 2"/>
-          <p:cNvPicPr>
-            <a:picLocks noChangeAspect="1" noChangeArrowheads="1"/>
-          </p:cNvPicPr>
-          <p:nvPr/>
-        </p:nvPicPr>
-        <p:blipFill>
-          <a:blip r:embed="rId2" cstate="print"/>
-          <a:srcRect/>
-          <a:stretch>
-            <a:fillRect/>
-          </a:stretch>
-        </p:blipFill>
-        <p:spPr bwMode="auto">
-          <a:xfrm>
-            <a:off x="395536" y="368660"/>
-            <a:ext cx="4019550" cy="3314700"/>
-          </a:xfrm>
-          <a:prstGeom prst="rect">
-            <a:avLst/>
-          </a:prstGeom>
-          <a:noFill/>
-          <a:ln w="9525">
-            <a:noFill/>
-            <a:miter lim="800000"/>
-            <a:headEnd/>
-            <a:tailEnd/>
-          </a:ln>
-        </p:spPr>
-      </p:pic>
     </p:spTree>
   </p:cSld>
   <p:clrMapOvr>
@@ -26484,6 +26256,38 @@
           <a:chExt cx="0" cy="0"/>
         </a:xfrm>
       </p:grpSpPr>
+      <p:pic>
+        <p:nvPicPr>
+          <p:cNvPr id="5122" name="Picture 2"/>
+          <p:cNvPicPr>
+            <a:picLocks noChangeAspect="1" noChangeArrowheads="1"/>
+          </p:cNvPicPr>
+          <p:nvPr/>
+        </p:nvPicPr>
+        <p:blipFill>
+          <a:blip r:embed="rId2" cstate="print"/>
+          <a:srcRect/>
+          <a:stretch>
+            <a:fillRect/>
+          </a:stretch>
+        </p:blipFill>
+        <p:spPr bwMode="auto">
+          <a:xfrm>
+            <a:off x="395536" y="368660"/>
+            <a:ext cx="4000500" cy="3286125"/>
+          </a:xfrm>
+          <a:prstGeom prst="rect">
+            <a:avLst/>
+          </a:prstGeom>
+          <a:noFill/>
+          <a:ln w="9525">
+            <a:noFill/>
+            <a:miter lim="800000"/>
+            <a:headEnd/>
+            <a:tailEnd/>
+          </a:ln>
+        </p:spPr>
+      </p:pic>
       <p:sp>
         <p:nvSpPr>
           <p:cNvPr id="3" name="TextBox 2"/>
@@ -26493,7 +26297,7 @@
         <p:spPr>
           <a:xfrm>
             <a:off x="4896036" y="440668"/>
-            <a:ext cx="3960440" cy="2339102"/>
+            <a:ext cx="3960440" cy="2092881"/>
           </a:xfrm>
           <a:prstGeom prst="rect">
             <a:avLst/>
@@ -26531,7 +26335,7 @@
               <a:rPr lang="en-GB" sz="1600" dirty="0" smtClean="0">
                 <a:cs typeface="Courier New" pitchFamily="49" charset="0"/>
               </a:rPr>
-              <a:t>Click on value-type of </a:t>
+              <a:t>Click on </a:t>
             </a:r>
             <a:r>
               <a:rPr lang="en-GB" sz="1600" dirty="0" smtClean="0">
@@ -26544,8 +26348,11 @@
               <a:rPr lang="en-GB" sz="1600" dirty="0" smtClean="0">
                 <a:cs typeface="Courier New" pitchFamily="49" charset="0"/>
               </a:rPr>
-              <a:t>slot</a:t>
-            </a:r>
+              <a:t>slot node</a:t>
+            </a:r>
+            <a:endParaRPr lang="en-GB" sz="1600" dirty="0" smtClean="0">
+              <a:cs typeface="Courier New" pitchFamily="49" charset="0"/>
+            </a:endParaRPr>
           </a:p>
           <a:p>
             <a:pPr marL="457200" indent="-457200">
@@ -26636,7 +26443,7 @@
         </p:nvSpPr>
         <p:spPr>
           <a:xfrm>
-            <a:off x="4896036" y="2780928"/>
+            <a:off x="4896036" y="2528900"/>
             <a:ext cx="3960440" cy="3816429"/>
           </a:xfrm>
           <a:prstGeom prst="rect">
@@ -26799,38 +26606,6 @@
           </a:p>
         </p:txBody>
       </p:sp>
-      <p:pic>
-        <p:nvPicPr>
-          <p:cNvPr id="13314" name="Picture 2"/>
-          <p:cNvPicPr>
-            <a:picLocks noChangeAspect="1" noChangeArrowheads="1"/>
-          </p:cNvPicPr>
-          <p:nvPr/>
-        </p:nvPicPr>
-        <p:blipFill>
-          <a:blip r:embed="rId2" cstate="print"/>
-          <a:srcRect/>
-          <a:stretch>
-            <a:fillRect/>
-          </a:stretch>
-        </p:blipFill>
-        <p:spPr bwMode="auto">
-          <a:xfrm>
-            <a:off x="395536" y="368660"/>
-            <a:ext cx="4019550" cy="3314700"/>
-          </a:xfrm>
-          <a:prstGeom prst="rect">
-            <a:avLst/>
-          </a:prstGeom>
-          <a:noFill/>
-          <a:ln w="9525">
-            <a:noFill/>
-            <a:miter lim="800000"/>
-            <a:headEnd/>
-            <a:tailEnd/>
-          </a:ln>
-        </p:spPr>
-      </p:pic>
     </p:spTree>
   </p:cSld>
   <p:clrMapOvr>
@@ -26871,8 +26646,8 @@
         </p:nvSpPr>
         <p:spPr>
           <a:xfrm>
-            <a:off x="5112060" y="2204864"/>
-            <a:ext cx="3492388" cy="4308872"/>
+            <a:off x="5076056" y="1952836"/>
+            <a:ext cx="3348372" cy="4308872"/>
           </a:xfrm>
           <a:prstGeom prst="rect">
             <a:avLst/>
@@ -26923,7 +26698,13 @@
               <a:rPr lang="en-GB" sz="1600" dirty="0" smtClean="0">
                 <a:cs typeface="Courier New" pitchFamily="49" charset="0"/>
               </a:rPr>
-              <a:t> value is updated, the value-type of </a:t>
+              <a:t> </a:t>
+            </a:r>
+            <a:r>
+              <a:rPr lang="en-GB" sz="1600" dirty="0" smtClean="0">
+                <a:cs typeface="Courier New" pitchFamily="49" charset="0"/>
+              </a:rPr>
+              <a:t>value is updated, the value-type of </a:t>
             </a:r>
             <a:r>
               <a:rPr lang="en-GB" sz="1600" dirty="0" smtClean="0">
@@ -27002,8 +26783,8 @@
         </p:nvSpPr>
         <p:spPr>
           <a:xfrm>
-            <a:off x="5112060" y="368660"/>
-            <a:ext cx="3492388" cy="1846659"/>
+            <a:off x="5076056" y="872716"/>
+            <a:ext cx="3348372" cy="1107996"/>
           </a:xfrm>
           <a:prstGeom prst="rect">
             <a:avLst/>
@@ -27041,51 +26822,19 @@
               <a:rPr lang="en-GB" sz="1600" dirty="0" smtClean="0">
                 <a:cs typeface="Courier New" pitchFamily="49" charset="0"/>
               </a:rPr>
-              <a:t>Expand </a:t>
+              <a:t>Try </a:t>
+            </a:r>
+            <a:r>
+              <a:rPr lang="en-GB" sz="1600" dirty="0" smtClean="0">
+                <a:cs typeface="Courier New" pitchFamily="49" charset="0"/>
+              </a:rPr>
+              <a:t>entering various different exact and indefinite values for </a:t>
             </a:r>
             <a:r>
               <a:rPr lang="en-GB" sz="1600" dirty="0" smtClean="0">
                 <a:latin typeface="Comic Sans MS" pitchFamily="66" charset="0"/>
                 <a:cs typeface="Courier New" pitchFamily="49" charset="0"/>
               </a:rPr>
-              <a:t>hourly-pay </a:t>
-            </a:r>
-            <a:r>
-              <a:rPr lang="en-GB" sz="1600" dirty="0" smtClean="0">
-                <a:cs typeface="Courier New" pitchFamily="49" charset="0"/>
-              </a:rPr>
-              <a:t>and </a:t>
-            </a:r>
-            <a:r>
-              <a:rPr lang="en-GB" sz="1600" dirty="0" smtClean="0">
-                <a:latin typeface="Comic Sans MS" pitchFamily="66" charset="0"/>
-                <a:cs typeface="Courier New" pitchFamily="49" charset="0"/>
-              </a:rPr>
-              <a:t>weekly-pay </a:t>
-            </a:r>
-            <a:r>
-              <a:rPr lang="en-GB" sz="1600" dirty="0" smtClean="0">
-                <a:cs typeface="Courier New" pitchFamily="49" charset="0"/>
-              </a:rPr>
-              <a:t>slots to expose their value-types</a:t>
-            </a:r>
-          </a:p>
-          <a:p>
-            <a:pPr marL="457200" indent="-457200">
-              <a:buFont typeface="+mj-lt"/>
-              <a:buAutoNum type="arabicPeriod"/>
-            </a:pPr>
-            <a:r>
-              <a:rPr lang="en-GB" sz="1600" dirty="0" smtClean="0">
-                <a:cs typeface="Courier New" pitchFamily="49" charset="0"/>
-              </a:rPr>
-              <a:t>Try entering various different exact and indefinite values for </a:t>
-            </a:r>
-            <a:r>
-              <a:rPr lang="en-GB" sz="1600" dirty="0" smtClean="0">
-                <a:latin typeface="Comic Sans MS" pitchFamily="66" charset="0"/>
-                <a:cs typeface="Courier New" pitchFamily="49" charset="0"/>
-              </a:rPr>
               <a:t>hours-per-week </a:t>
             </a:r>
             <a:r>
@@ -27097,6 +26846,38 @@
           </a:p>
         </p:txBody>
       </p:sp>
+      <p:pic>
+        <p:nvPicPr>
+          <p:cNvPr id="6146" name="Picture 2"/>
+          <p:cNvPicPr>
+            <a:picLocks noChangeAspect="1" noChangeArrowheads="1"/>
+          </p:cNvPicPr>
+          <p:nvPr/>
+        </p:nvPicPr>
+        <p:blipFill>
+          <a:blip r:embed="rId2" cstate="print"/>
+          <a:srcRect/>
+          <a:stretch>
+            <a:fillRect/>
+          </a:stretch>
+        </p:blipFill>
+        <p:spPr bwMode="auto">
+          <a:xfrm>
+            <a:off x="395536" y="368660"/>
+            <a:ext cx="4000500" cy="3286125"/>
+          </a:xfrm>
+          <a:prstGeom prst="rect">
+            <a:avLst/>
+          </a:prstGeom>
+          <a:noFill/>
+          <a:ln w="9525">
+            <a:noFill/>
+            <a:miter lim="800000"/>
+            <a:headEnd/>
+            <a:tailEnd/>
+          </a:ln>
+        </p:spPr>
+      </p:pic>
     </p:spTree>
   </p:cSld>
   <p:clrMapOvr>
@@ -27129,6 +26910,38 @@
           <a:chExt cx="0" cy="0"/>
         </a:xfrm>
       </p:grpSpPr>
+      <p:pic>
+        <p:nvPicPr>
+          <p:cNvPr id="7170" name="Picture 2"/>
+          <p:cNvPicPr>
+            <a:picLocks noChangeAspect="1" noChangeArrowheads="1"/>
+          </p:cNvPicPr>
+          <p:nvPr/>
+        </p:nvPicPr>
+        <p:blipFill>
+          <a:blip r:embed="rId2" cstate="print"/>
+          <a:srcRect/>
+          <a:stretch>
+            <a:fillRect/>
+          </a:stretch>
+        </p:blipFill>
+        <p:spPr bwMode="auto">
+          <a:xfrm>
+            <a:off x="431540" y="368660"/>
+            <a:ext cx="4000500" cy="3286125"/>
+          </a:xfrm>
+          <a:prstGeom prst="rect">
+            <a:avLst/>
+          </a:prstGeom>
+          <a:noFill/>
+          <a:ln w="9525">
+            <a:noFill/>
+            <a:miter lim="800000"/>
+            <a:headEnd/>
+            <a:tailEnd/>
+          </a:ln>
+        </p:spPr>
+      </p:pic>
       <p:sp>
         <p:nvSpPr>
           <p:cNvPr id="3" name="TextBox 2"/>
@@ -27331,38 +27144,6 @@
           </a:p>
         </p:txBody>
       </p:sp>
-      <p:pic>
-        <p:nvPicPr>
-          <p:cNvPr id="5" name="Picture 2"/>
-          <p:cNvPicPr>
-            <a:picLocks noChangeAspect="1" noChangeArrowheads="1"/>
-          </p:cNvPicPr>
-          <p:nvPr/>
-        </p:nvPicPr>
-        <p:blipFill>
-          <a:blip r:embed="rId2" cstate="print"/>
-          <a:srcRect/>
-          <a:stretch>
-            <a:fillRect/>
-          </a:stretch>
-        </p:blipFill>
-        <p:spPr bwMode="auto">
-          <a:xfrm>
-            <a:off x="395536" y="368660"/>
-            <a:ext cx="4019550" cy="3314700"/>
-          </a:xfrm>
-          <a:prstGeom prst="rect">
-            <a:avLst/>
-          </a:prstGeom>
-          <a:noFill/>
-          <a:ln w="9525">
-            <a:noFill/>
-            <a:miter lim="800000"/>
-            <a:headEnd/>
-            <a:tailEnd/>
-          </a:ln>
-        </p:spPr>
-      </p:pic>
     </p:spTree>
   </p:cSld>
   <p:clrMapOvr>
